--- a/Plan/Rocketman_씬&스킬구성.pptx
+++ b/Plan/Rocketman_씬&스킬구성.pptx
@@ -5,30 +5,32 @@
     <p:sldMasterId id="2147483648" r:id="rId1"/>
   </p:sldMasterIdLst>
   <p:notesMasterIdLst>
-    <p:notesMasterId r:id="rId23"/>
+    <p:notesMasterId r:id="rId25"/>
   </p:notesMasterIdLst>
   <p:sldIdLst>
     <p:sldId id="266" r:id="rId2"/>
-    <p:sldId id="276" r:id="rId3"/>
-    <p:sldId id="278" r:id="rId4"/>
+    <p:sldId id="285" r:id="rId3"/>
+    <p:sldId id="276" r:id="rId4"/>
     <p:sldId id="258" r:id="rId5"/>
-    <p:sldId id="275" r:id="rId6"/>
-    <p:sldId id="279" r:id="rId7"/>
-    <p:sldId id="277" r:id="rId8"/>
-    <p:sldId id="280" r:id="rId9"/>
-    <p:sldId id="269" r:id="rId10"/>
-    <p:sldId id="282" r:id="rId11"/>
-    <p:sldId id="283" r:id="rId12"/>
-    <p:sldId id="271" r:id="rId13"/>
-    <p:sldId id="268" r:id="rId14"/>
-    <p:sldId id="264" r:id="rId15"/>
-    <p:sldId id="267" r:id="rId16"/>
-    <p:sldId id="265" r:id="rId17"/>
-    <p:sldId id="270" r:id="rId18"/>
-    <p:sldId id="259" r:id="rId19"/>
-    <p:sldId id="261" r:id="rId20"/>
-    <p:sldId id="262" r:id="rId21"/>
-    <p:sldId id="263" r:id="rId22"/>
+    <p:sldId id="278" r:id="rId6"/>
+    <p:sldId id="284" r:id="rId7"/>
+    <p:sldId id="279" r:id="rId8"/>
+    <p:sldId id="277" r:id="rId9"/>
+    <p:sldId id="280" r:id="rId10"/>
+    <p:sldId id="286" r:id="rId11"/>
+    <p:sldId id="269" r:id="rId12"/>
+    <p:sldId id="282" r:id="rId13"/>
+    <p:sldId id="283" r:id="rId14"/>
+    <p:sldId id="271" r:id="rId15"/>
+    <p:sldId id="268" r:id="rId16"/>
+    <p:sldId id="264" r:id="rId17"/>
+    <p:sldId id="267" r:id="rId18"/>
+    <p:sldId id="265" r:id="rId19"/>
+    <p:sldId id="270" r:id="rId20"/>
+    <p:sldId id="259" r:id="rId21"/>
+    <p:sldId id="261" r:id="rId22"/>
+    <p:sldId id="262" r:id="rId23"/>
+    <p:sldId id="263" r:id="rId24"/>
   </p:sldIdLst>
   <p:sldSz cx="12192000" cy="6858000"/>
   <p:notesSz cx="6858000" cy="9144000"/>
@@ -1130,6 +1132,63 @@
 </p:sldLayout>
 </file>
 
+<file path=ppt/slideLayouts/slideLayout12.xml><?xml version="1.0" encoding="utf-8"?>
+<p:sldLayout xmlns:a="http://schemas.openxmlformats.org/drawingml/2006/main" xmlns:r="http://schemas.openxmlformats.org/officeDocument/2006/relationships" xmlns:p="http://schemas.openxmlformats.org/presentationml/2006/main" type="tx">
+  <p:cSld name="빈 페이지">
+    <p:spTree>
+      <p:nvGrpSpPr>
+        <p:cNvPr id="1" name=""/>
+        <p:cNvGrpSpPr/>
+        <p:nvPr/>
+      </p:nvGrpSpPr>
+      <p:grpSpPr>
+        <a:xfrm>
+          <a:off x="0" y="0"/>
+          <a:ext cx="0" cy="0"/>
+          <a:chOff x="0" y="0"/>
+          <a:chExt cx="0" cy="0"/>
+        </a:xfrm>
+      </p:grpSpPr>
+      <p:sp>
+        <p:nvSpPr>
+          <p:cNvPr id="110" name="슬라이드 번호"/>
+          <p:cNvSpPr>
+            <a:spLocks noGrp="1"/>
+          </p:cNvSpPr>
+          <p:nvPr>
+            <p:ph type="sldNum" sz="quarter" idx="2"/>
+          </p:nvPr>
+        </p:nvSpPr>
+        <p:spPr>
+          <a:prstGeom prst="rect">
+            <a:avLst/>
+          </a:prstGeom>
+        </p:spPr>
+        <p:txBody>
+          <a:bodyPr/>
+          <a:lstStyle/>
+          <a:p>
+            <a:fld id="{86CB4B4D-7CA3-9044-876B-883B54F8677D}" type="slidenum">
+              <a:t>‹#›</a:t>
+            </a:fld>
+            <a:endParaRPr/>
+          </a:p>
+        </p:txBody>
+      </p:sp>
+    </p:spTree>
+    <p:extLst>
+      <p:ext uri="{BB962C8B-B14F-4D97-AF65-F5344CB8AC3E}">
+        <p14:creationId xmlns:p14="http://schemas.microsoft.com/office/powerpoint/2010/main" val="3880437823"/>
+      </p:ext>
+    </p:extLst>
+  </p:cSld>
+  <p:clrMapOvr>
+    <a:masterClrMapping/>
+  </p:clrMapOvr>
+  <p:transition spd="med"/>
+</p:sldLayout>
+</file>
+
 <file path=ppt/slideLayouts/slideLayout2.xml><?xml version="1.0" encoding="utf-8"?>
 <p:sldLayout xmlns:a="http://schemas.openxmlformats.org/drawingml/2006/main" xmlns:r="http://schemas.openxmlformats.org/officeDocument/2006/relationships" xmlns:p="http://schemas.openxmlformats.org/presentationml/2006/main" type="obj" preserve="1">
   <p:cSld name="제목 및 내용">
@@ -3129,6 +3188,7 @@
     <p:sldLayoutId id="2147483657" r:id="rId9"/>
     <p:sldLayoutId id="2147483658" r:id="rId10"/>
     <p:sldLayoutId id="2147483659" r:id="rId11"/>
+    <p:sldLayoutId id="2147483660" r:id="rId12"/>
   </p:sldLayoutIdLst>
   <p:txStyles>
     <p:titleStyle>
@@ -4450,7 +4510,7 @@
   <p:cSld>
     <p:spTree>
       <p:nvGrpSpPr>
-        <p:cNvPr id="1" name="Shape 73"/>
+        <p:cNvPr id="1" name=""/>
         <p:cNvGrpSpPr/>
         <p:nvPr/>
       </p:nvGrpSpPr>
@@ -4462,432 +4522,205 @@
           <a:chExt cx="0" cy="0"/>
         </a:xfrm>
       </p:grpSpPr>
-      <p:pic>
-        <p:nvPicPr>
-          <p:cNvPr id="74" name="Shape 74"/>
-          <p:cNvPicPr preferRelativeResize="0"/>
-          <p:nvPr/>
-        </p:nvPicPr>
-        <p:blipFill>
-          <a:blip r:embed="rId3">
-            <a:alphaModFix/>
-          </a:blip>
-          <a:stretch>
-            <a:fillRect/>
-          </a:stretch>
-        </p:blipFill>
-        <p:spPr>
-          <a:xfrm>
-            <a:off x="596793" y="3583734"/>
-            <a:ext cx="1629299" cy="2034567"/>
+      <p:sp>
+        <p:nvSpPr>
+          <p:cNvPr id="210" name="직사각형"/>
+          <p:cNvSpPr/>
+          <p:nvPr/>
+        </p:nvSpPr>
+        <p:spPr>
+          <a:xfrm>
+            <a:off x="4586705" y="1447342"/>
+            <a:ext cx="6133425" cy="4166729"/>
+          </a:xfrm>
+          <a:prstGeom prst="rect">
+            <a:avLst/>
+          </a:prstGeom>
+          <a:ln w="25400">
+            <a:solidFill>
+              <a:srgbClr val="85888D"/>
+            </a:solidFill>
+            <a:miter lim="400000"/>
+          </a:ln>
+        </p:spPr>
+        <p:txBody>
+          <a:bodyPr lIns="25400" tIns="25400" rIns="25400" bIns="25400" anchor="ctr"/>
+          <a:lstStyle/>
+          <a:p>
+            <a:pPr>
+              <a:defRPr sz="3200"/>
+            </a:pPr>
+            <a:endParaRPr sz="1600"/>
+          </a:p>
+        </p:txBody>
+      </p:sp>
+      <p:sp>
+        <p:nvSpPr>
+          <p:cNvPr id="212" name="C R E D I T"/>
+          <p:cNvSpPr/>
+          <p:nvPr/>
+        </p:nvSpPr>
+        <p:spPr>
+          <a:xfrm>
+            <a:off x="6981759" y="1780950"/>
+            <a:ext cx="1343316" cy="359073"/>
+          </a:xfrm>
+          <a:prstGeom prst="rect">
+            <a:avLst/>
+          </a:prstGeom>
+          <a:ln w="12700">
+            <a:miter lim="400000"/>
+          </a:ln>
+          <a:extLst>
+            <a:ext uri="{C572A759-6A51-4108-AA02-DFA0A04FC94B}">
+              <ma14:wrappingTextBoxFlag xmlns:ma14="http://schemas.microsoft.com/office/mac/drawingml/2011/main" xmlns="" val="1"/>
+            </a:ext>
+          </a:extLst>
+        </p:spPr>
+        <p:txBody>
+          <a:bodyPr wrap="none" lIns="25400" tIns="25400" rIns="25400" bIns="25400" anchor="ctr">
+            <a:spAutoFit/>
+          </a:bodyPr>
+          <a:lstStyle/>
+          <a:p>
+            <a:r>
+              <a:rPr sz="2000"/>
+              <a:t>C R E D I T</a:t>
+            </a:r>
+          </a:p>
+        </p:txBody>
+      </p:sp>
+      <p:sp>
+        <p:nvSpPr>
+          <p:cNvPr id="213" name="NAME LIST"/>
+          <p:cNvSpPr/>
+          <p:nvPr/>
+        </p:nvSpPr>
+        <p:spPr>
+          <a:xfrm>
+            <a:off x="5210664" y="2293768"/>
+            <a:ext cx="4885507" cy="2560099"/>
+          </a:xfrm>
+          <a:prstGeom prst="rect">
+            <a:avLst/>
+          </a:prstGeom>
+          <a:gradFill>
+            <a:gsLst>
+              <a:gs pos="0">
+                <a:srgbClr val="FBFBFB"/>
+              </a:gs>
+              <a:gs pos="100000">
+                <a:srgbClr val="BEBEBE"/>
+              </a:gs>
+            </a:gsLst>
+            <a:lin ang="5400000"/>
+          </a:gradFill>
+          <a:ln w="12700">
+            <a:miter lim="400000"/>
+          </a:ln>
+          <a:effectLst>
+            <a:outerShdw blurRad="38100" dist="25400" dir="5400000" rotWithShape="0">
+              <a:srgbClr val="000000">
+                <a:alpha val="50000"/>
+              </a:srgbClr>
+            </a:outerShdw>
+          </a:effectLst>
+          <a:extLst>
+            <a:ext uri="{C572A759-6A51-4108-AA02-DFA0A04FC94B}">
+              <ma14:wrappingTextBoxFlag xmlns:ma14="http://schemas.microsoft.com/office/mac/drawingml/2011/main" xmlns="" val="1"/>
+            </a:ext>
+          </a:extLst>
+        </p:spPr>
+        <p:txBody>
+          <a:bodyPr lIns="25400" tIns="25400" rIns="25400" bIns="25400" anchor="ctr"/>
+          <a:lstStyle/>
+          <a:p>
+            <a:pPr algn="ctr"/>
+            <a:r>
+              <a:rPr sz="2000"/>
+              <a:t>NAME LIST</a:t>
+            </a:r>
+          </a:p>
+        </p:txBody>
+      </p:sp>
+      <p:sp>
+        <p:nvSpPr>
+          <p:cNvPr id="10" name="TextBox 9"/>
+          <p:cNvSpPr txBox="1"/>
+          <p:nvPr/>
+        </p:nvSpPr>
+        <p:spPr>
+          <a:xfrm>
+            <a:off x="190743" y="182246"/>
+            <a:ext cx="1107996" cy="461665"/>
           </a:xfrm>
           <a:prstGeom prst="rect">
             <a:avLst/>
           </a:prstGeom>
           <a:noFill/>
-          <a:ln>
-            <a:noFill/>
-          </a:ln>
-        </p:spPr>
-      </p:pic>
-      <p:sp>
-        <p:nvSpPr>
-          <p:cNvPr id="75" name="Shape 75"/>
+        </p:spPr>
+        <p:txBody>
+          <a:bodyPr wrap="none" rtlCol="0">
+            <a:spAutoFit/>
+          </a:bodyPr>
+          <a:lstStyle/>
+          <a:p>
+            <a:r>
+              <a:rPr lang="ko-KR" altLang="en-US" sz="2400" b="1" dirty="0" err="1"/>
+              <a:t>크레딧</a:t>
+            </a:r>
+            <a:endParaRPr lang="ko-KR" altLang="en-US" sz="2400" b="1" dirty="0"/>
+          </a:p>
+        </p:txBody>
+      </p:sp>
+      <p:sp>
+        <p:nvSpPr>
+          <p:cNvPr id="2" name="TextBox 1"/>
           <p:cNvSpPr txBox="1"/>
           <p:nvPr/>
         </p:nvSpPr>
         <p:spPr>
           <a:xfrm>
-            <a:off x="443767" y="474000"/>
-            <a:ext cx="5809200" cy="677600"/>
+            <a:off x="570452" y="3389152"/>
+            <a:ext cx="3743332" cy="369332"/>
           </a:xfrm>
           <a:prstGeom prst="rect">
             <a:avLst/>
           </a:prstGeom>
           <a:noFill/>
-          <a:ln>
-            <a:noFill/>
-          </a:ln>
-        </p:spPr>
-        <p:txBody>
-          <a:bodyPr lIns="121900" tIns="121900" rIns="121900" bIns="121900" anchor="t" anchorCtr="0">
-            <a:noAutofit/>
+        </p:spPr>
+        <p:txBody>
+          <a:bodyPr wrap="none" rtlCol="0">
+            <a:spAutoFit/>
           </a:bodyPr>
           <a:lstStyle/>
           <a:p>
             <a:r>
-              <a:rPr lang="ko" altLang="en-US" sz="2400"/>
-              <a:t>게임방법</a:t>
-            </a:r>
-          </a:p>
-        </p:txBody>
-      </p:sp>
-      <p:sp>
-        <p:nvSpPr>
-          <p:cNvPr id="76" name="Shape 76"/>
-          <p:cNvSpPr txBox="1"/>
-          <p:nvPr/>
-        </p:nvSpPr>
-        <p:spPr>
-          <a:xfrm>
-            <a:off x="443767" y="985300"/>
-            <a:ext cx="11618400" cy="2127200"/>
-          </a:xfrm>
-          <a:prstGeom prst="rect">
-            <a:avLst/>
-          </a:prstGeom>
-          <a:noFill/>
-          <a:ln>
-            <a:noFill/>
-          </a:ln>
-        </p:spPr>
-        <p:txBody>
-          <a:bodyPr lIns="121900" tIns="121900" rIns="121900" bIns="121900" anchor="t" anchorCtr="0">
-            <a:noAutofit/>
-          </a:bodyPr>
-          <a:lstStyle/>
-          <a:p>
-            <a:r>
-              <a:rPr lang="ko" altLang="en-US" sz="2400"/>
-              <a:t>조작법</a:t>
-            </a:r>
-          </a:p>
-          <a:p>
-            <a:r>
-              <a:rPr lang="ko" altLang="en-US" sz="2400"/>
-              <a:t>이동</a:t>
-            </a:r>
-            <a:r>
-              <a:rPr lang="en-US" altLang="ko" sz="2400"/>
-              <a:t>(</a:t>
-            </a:r>
-            <a:r>
-              <a:rPr lang="ko" altLang="en-US" sz="2400">
-                <a:solidFill>
-                  <a:schemeClr val="dk1"/>
-                </a:solidFill>
-              </a:rPr>
-              <a:t>화살표 키</a:t>
-            </a:r>
-            <a:r>
-              <a:rPr lang="en-US" altLang="ko" sz="2400"/>
-              <a:t>): </a:t>
-            </a:r>
-            <a:r>
-              <a:rPr lang="ko" altLang="en-US" sz="2400"/>
-              <a:t>상화좌우 </a:t>
-            </a:r>
-            <a:r>
-              <a:rPr lang="en-US" altLang="ko" sz="2400"/>
-              <a:t>8</a:t>
-            </a:r>
-            <a:r>
-              <a:rPr lang="ko" altLang="en-US" sz="2400"/>
-              <a:t>방향 이동</a:t>
-            </a:r>
-          </a:p>
-          <a:p>
-            <a:endParaRPr sz="2400"/>
-          </a:p>
-          <a:p>
-            <a:r>
-              <a:rPr lang="ko" altLang="en-US" sz="2400"/>
-              <a:t>부스터</a:t>
-            </a:r>
-            <a:r>
-              <a:rPr lang="en-US" altLang="ko" sz="2400"/>
-              <a:t>(X</a:t>
-            </a:r>
-            <a:r>
-              <a:rPr lang="ko" altLang="en-US" sz="2400"/>
-              <a:t>키</a:t>
-            </a:r>
-            <a:r>
-              <a:rPr lang="en-US" altLang="ko" sz="2400"/>
-              <a:t>): MP</a:t>
-            </a:r>
-            <a:r>
-              <a:rPr lang="ko" altLang="en-US" sz="2400"/>
-              <a:t>를 소모하고 특정 방향으로 부스터를 쓰면서 돌진</a:t>
-            </a:r>
-            <a:r>
-              <a:rPr lang="en-US" altLang="ko" sz="2400"/>
-              <a:t>, </a:t>
-            </a:r>
-            <a:r>
-              <a:rPr lang="ko" altLang="en-US" sz="2400"/>
-              <a:t>적을 맞추면 하트를 하나 깎는다</a:t>
-            </a:r>
-            <a:r>
-              <a:rPr lang="en-US" altLang="ko" sz="2400"/>
-              <a:t>. (</a:t>
-            </a:r>
-            <a:r>
-              <a:rPr lang="ko" altLang="en-US" sz="2400"/>
-              <a:t>오래눌렀다 뗄수록 멀리 날아간다</a:t>
-            </a:r>
-            <a:r>
-              <a:rPr lang="en-US" altLang="ko" sz="2400"/>
-              <a:t>)</a:t>
-            </a:r>
-          </a:p>
-          <a:p>
-            <a:endParaRPr sz="2400"/>
-          </a:p>
-          <a:p>
-            <a:r>
-              <a:rPr lang="ko" altLang="en-US" sz="2400"/>
-              <a:t>충전</a:t>
-            </a:r>
-            <a:r>
-              <a:rPr lang="en-US" altLang="ko" sz="2400"/>
-              <a:t>(Z</a:t>
-            </a:r>
-            <a:r>
-              <a:rPr lang="ko" altLang="en-US" sz="2400"/>
-              <a:t>키</a:t>
-            </a:r>
-            <a:r>
-              <a:rPr lang="en-US" altLang="ko" sz="2400"/>
-              <a:t>): </a:t>
-            </a:r>
-            <a:r>
-              <a:rPr lang="ko" altLang="en-US" sz="2400"/>
-              <a:t>기를 모아 </a:t>
-            </a:r>
-            <a:r>
-              <a:rPr lang="en-US" altLang="ko" sz="2400"/>
-              <a:t>MP</a:t>
-            </a:r>
-            <a:r>
-              <a:rPr lang="ko" altLang="en-US" sz="2400"/>
-              <a:t>를 충전시킨다</a:t>
-            </a:r>
-            <a:r>
-              <a:rPr lang="en-US" altLang="ko" sz="2400"/>
-              <a:t>. </a:t>
-            </a:r>
-            <a:r>
-              <a:rPr lang="ko" altLang="en-US" sz="2400"/>
-              <a:t>충전 중에 부스터를 쓰면</a:t>
-            </a:r>
-            <a:r>
-              <a:rPr lang="en-US" altLang="ko" sz="2400"/>
-              <a:t>(Z</a:t>
-            </a:r>
-            <a:r>
-              <a:rPr lang="ko" altLang="en-US" sz="2400"/>
-              <a:t>키 </a:t>
-            </a:r>
-            <a:r>
-              <a:rPr lang="en-US" altLang="ko" sz="2400"/>
-              <a:t>+ X</a:t>
-            </a:r>
-            <a:r>
-              <a:rPr lang="ko" altLang="en-US" sz="2400"/>
-              <a:t>키</a:t>
-            </a:r>
-            <a:r>
-              <a:rPr lang="en-US" altLang="ko" sz="2400"/>
-              <a:t>) </a:t>
-            </a:r>
-            <a:r>
-              <a:rPr lang="ko" altLang="en-US" sz="2400"/>
-              <a:t>특수기술이 나간다</a:t>
-            </a:r>
-            <a:r>
-              <a:rPr lang="en-US" altLang="ko" sz="2400"/>
-              <a:t>. (</a:t>
-            </a:r>
-            <a:r>
-              <a:rPr lang="ko" altLang="en-US" sz="2400"/>
-              <a:t>캐릭터마다 다르다</a:t>
-            </a:r>
-            <a:r>
-              <a:rPr lang="en-US" altLang="ko" sz="2400"/>
-              <a:t>)</a:t>
-            </a:r>
-          </a:p>
-          <a:p>
-            <a:endParaRPr sz="2400"/>
-          </a:p>
-          <a:p>
-            <a:r>
-              <a:rPr lang="ko" altLang="en-US" sz="2400"/>
-              <a:t>회피</a:t>
-            </a:r>
-            <a:r>
-              <a:rPr lang="en-US" altLang="ko" sz="2400"/>
-              <a:t>(</a:t>
-            </a:r>
-            <a:r>
-              <a:rPr lang="ko" altLang="en-US" sz="2400"/>
-              <a:t>스페이스바</a:t>
-            </a:r>
-            <a:r>
-              <a:rPr lang="en-US" altLang="ko" sz="2400"/>
-              <a:t>): </a:t>
-            </a:r>
-            <a:r>
-              <a:rPr lang="ko" altLang="en-US" sz="2400"/>
-              <a:t>짧은 시간 무적이 되고 특정 방향으로 뛴다</a:t>
-            </a:r>
-            <a:r>
-              <a:rPr lang="en-US" altLang="ko" sz="2400"/>
-              <a:t>.</a:t>
-            </a:r>
-          </a:p>
-        </p:txBody>
-      </p:sp>
-      <p:sp>
-        <p:nvSpPr>
-          <p:cNvPr id="77" name="Shape 77"/>
-          <p:cNvSpPr txBox="1"/>
-          <p:nvPr/>
-        </p:nvSpPr>
-        <p:spPr>
-          <a:xfrm>
-            <a:off x="534567" y="5472667"/>
-            <a:ext cx="11436800" cy="1335200"/>
-          </a:xfrm>
-          <a:prstGeom prst="rect">
-            <a:avLst/>
-          </a:prstGeom>
-          <a:noFill/>
-          <a:ln>
-            <a:noFill/>
-          </a:ln>
-        </p:spPr>
-        <p:txBody>
-          <a:bodyPr lIns="121900" tIns="121900" rIns="121900" bIns="121900" anchor="t" anchorCtr="0">
-            <a:noAutofit/>
-          </a:bodyPr>
-          <a:lstStyle/>
-          <a:p>
-            <a:r>
-              <a:rPr lang="ko" altLang="en-US" sz="2400"/>
-              <a:t>스테이터스</a:t>
-            </a:r>
-          </a:p>
-          <a:p>
-            <a:r>
-              <a:rPr lang="ko" altLang="en-US" sz="2400"/>
-              <a:t>하트</a:t>
-            </a:r>
-            <a:r>
-              <a:rPr lang="en-US" altLang="ko" sz="2400"/>
-              <a:t>(HP): </a:t>
-            </a:r>
-            <a:r>
-              <a:rPr lang="ko" altLang="en-US" sz="2400"/>
-              <a:t>체력</a:t>
-            </a:r>
-            <a:r>
-              <a:rPr lang="en-US" altLang="ko" sz="2400"/>
-              <a:t>, 1~5 </a:t>
-            </a:r>
-            <a:r>
-              <a:rPr lang="ko" altLang="en-US" sz="2400"/>
-              <a:t>사이의 값을 가지며 데미지를 받으면 한개씩 깎이고 </a:t>
-            </a:r>
-            <a:r>
-              <a:rPr lang="en-US" altLang="ko" sz="2400"/>
-              <a:t>0</a:t>
-            </a:r>
-            <a:r>
-              <a:rPr lang="ko" altLang="en-US" sz="2400"/>
-              <a:t>이 되면 죽는다</a:t>
-            </a:r>
-            <a:r>
-              <a:rPr lang="en-US" altLang="ko" sz="2400"/>
-              <a:t>.</a:t>
-            </a:r>
-          </a:p>
-          <a:p>
-            <a:r>
-              <a:rPr lang="ko" altLang="en-US" sz="2400"/>
-              <a:t>연료</a:t>
-            </a:r>
-            <a:r>
-              <a:rPr lang="en-US" altLang="ko" sz="2400"/>
-              <a:t>(MP): </a:t>
-            </a:r>
-            <a:r>
-              <a:rPr lang="ko" altLang="en-US" sz="2400"/>
-              <a:t>마나</a:t>
-            </a:r>
-            <a:r>
-              <a:rPr lang="en-US" altLang="ko" sz="2400"/>
-              <a:t>, 1~100</a:t>
-            </a:r>
-            <a:r>
-              <a:rPr lang="ko" altLang="en-US" sz="2400"/>
-              <a:t>사이의 값을 가진다</a:t>
-            </a:r>
-            <a:r>
-              <a:rPr lang="en-US" altLang="ko" sz="2400"/>
-              <a:t>. </a:t>
-            </a:r>
-            <a:r>
-              <a:rPr lang="ko" altLang="en-US" sz="2400"/>
-              <a:t>공격을 할때마다 감소</a:t>
-            </a:r>
-            <a:r>
-              <a:rPr lang="en-US" altLang="ko" sz="2400"/>
-              <a:t>, </a:t>
-            </a:r>
-            <a:r>
-              <a:rPr lang="ko" altLang="en-US" sz="2400"/>
-              <a:t>충전키를 누르고 있으면 오른다</a:t>
-            </a:r>
-            <a:r>
-              <a:rPr lang="en-US" altLang="ko" sz="2400"/>
-              <a:t>.</a:t>
-            </a:r>
-          </a:p>
-          <a:p>
-            <a:endParaRPr sz="2400"/>
-          </a:p>
-        </p:txBody>
-      </p:sp>
-      <p:pic>
-        <p:nvPicPr>
-          <p:cNvPr id="78" name="Shape 78"/>
-          <p:cNvPicPr preferRelativeResize="0"/>
-          <p:nvPr/>
-        </p:nvPicPr>
-        <p:blipFill>
-          <a:blip r:embed="rId4">
-            <a:alphaModFix/>
-          </a:blip>
-          <a:stretch>
-            <a:fillRect/>
-          </a:stretch>
-        </p:blipFill>
-        <p:spPr>
-          <a:xfrm>
-            <a:off x="534545" y="4795065"/>
-            <a:ext cx="1753787" cy="677600"/>
-          </a:xfrm>
-          <a:prstGeom prst="rect">
-            <a:avLst/>
-          </a:prstGeom>
-          <a:noFill/>
-          <a:ln>
-            <a:noFill/>
-          </a:ln>
-        </p:spPr>
-      </p:pic>
+              <a:rPr lang="ko-KR" altLang="en-US" dirty="0"/>
+              <a:t>아무 버튼을 누르면 </a:t>
+            </a:r>
+            <a:r>
+              <a:rPr lang="ko-KR" altLang="en-US" dirty="0" err="1"/>
+              <a:t>메인화면으로</a:t>
+            </a:r>
+            <a:r>
+              <a:rPr lang="ko-KR" altLang="en-US" dirty="0"/>
+              <a:t> </a:t>
+            </a:r>
+          </a:p>
+        </p:txBody>
+      </p:sp>
     </p:spTree>
     <p:extLst>
       <p:ext uri="{BB962C8B-B14F-4D97-AF65-F5344CB8AC3E}">
-        <p14:creationId xmlns:p14="http://schemas.microsoft.com/office/powerpoint/2010/main" val="2548975093"/>
+        <p14:creationId xmlns:p14="http://schemas.microsoft.com/office/powerpoint/2010/main" val="2373784178"/>
       </p:ext>
     </p:extLst>
   </p:cSld>
   <p:clrMapOvr>
     <a:masterClrMapping/>
   </p:clrMapOvr>
+  <p:transition spd="med"/>
 </p:sld>
 </file>
 
@@ -4916,8 +4749,8 @@
         </p:nvSpPr>
         <p:spPr>
           <a:xfrm>
-            <a:off x="511728" y="595618"/>
-            <a:ext cx="1107996" cy="369332"/>
+            <a:off x="4269996" y="2910980"/>
+            <a:ext cx="3204723" cy="769441"/>
           </a:xfrm>
           <a:prstGeom prst="rect">
             <a:avLst/>
@@ -4931,940 +4764,16 @@
           <a:lstStyle/>
           <a:p>
             <a:r>
-              <a:rPr lang="ko-KR" altLang="en-US" dirty="0"/>
-              <a:t>게임화면</a:t>
-            </a:r>
-          </a:p>
-        </p:txBody>
-      </p:sp>
-      <p:pic>
-        <p:nvPicPr>
-          <p:cNvPr id="4" name="그림 3"/>
-          <p:cNvPicPr>
-            <a:picLocks noChangeAspect="1"/>
-          </p:cNvPicPr>
-          <p:nvPr/>
-        </p:nvPicPr>
-        <p:blipFill>
-          <a:blip r:embed="rId2">
-            <a:extLst>
-              <a:ext uri="{28A0092B-C50C-407E-A947-70E740481C1C}">
-                <a14:useLocalDpi xmlns:a14="http://schemas.microsoft.com/office/drawing/2010/main" val="0"/>
-              </a:ext>
-            </a:extLst>
-          </a:blip>
-          <a:stretch>
-            <a:fillRect/>
-          </a:stretch>
-        </p:blipFill>
-        <p:spPr>
-          <a:xfrm>
-            <a:off x="2810309" y="1930102"/>
-            <a:ext cx="6613321" cy="3719993"/>
-          </a:xfrm>
-          <a:prstGeom prst="rect">
-            <a:avLst/>
-          </a:prstGeom>
-        </p:spPr>
-      </p:pic>
-      <p:pic>
-        <p:nvPicPr>
-          <p:cNvPr id="7" name="Shape 87"/>
-          <p:cNvPicPr preferRelativeResize="0"/>
-          <p:nvPr/>
-        </p:nvPicPr>
-        <p:blipFill rotWithShape="1">
-          <a:blip r:embed="rId3">
-            <a:alphaModFix/>
-          </a:blip>
-          <a:srcRect l="1903" t="49168" b="23188"/>
-          <a:stretch/>
-        </p:blipFill>
-        <p:spPr>
-          <a:xfrm>
-            <a:off x="3448229" y="2301972"/>
-            <a:ext cx="1640600" cy="525558"/>
-          </a:xfrm>
-          <a:prstGeom prst="rect">
-            <a:avLst/>
-          </a:prstGeom>
-          <a:noFill/>
-          <a:ln>
-            <a:noFill/>
-          </a:ln>
-        </p:spPr>
-      </p:pic>
-      <p:pic>
-        <p:nvPicPr>
-          <p:cNvPr id="9" name="Shape 89"/>
-          <p:cNvPicPr preferRelativeResize="0"/>
-          <p:nvPr/>
-        </p:nvPicPr>
-        <p:blipFill>
-          <a:blip r:embed="rId4">
-            <a:alphaModFix/>
-          </a:blip>
-          <a:stretch>
-            <a:fillRect/>
-          </a:stretch>
-        </p:blipFill>
-        <p:spPr>
-          <a:xfrm>
-            <a:off x="5627860" y="2465730"/>
-            <a:ext cx="848167" cy="460868"/>
-          </a:xfrm>
-          <a:prstGeom prst="rect">
-            <a:avLst/>
-          </a:prstGeom>
-          <a:noFill/>
-          <a:ln>
-            <a:noFill/>
-          </a:ln>
-        </p:spPr>
-      </p:pic>
-      <p:sp>
-        <p:nvSpPr>
-          <p:cNvPr id="10" name="Shape 90"/>
-          <p:cNvSpPr txBox="1"/>
-          <p:nvPr/>
-        </p:nvSpPr>
-        <p:spPr>
-          <a:xfrm>
-            <a:off x="6794367" y="469499"/>
-            <a:ext cx="1751694" cy="606400"/>
-          </a:xfrm>
-          <a:prstGeom prst="rect">
-            <a:avLst/>
-          </a:prstGeom>
-          <a:noFill/>
-          <a:ln>
-            <a:noFill/>
-          </a:ln>
-        </p:spPr>
-        <p:txBody>
-          <a:bodyPr lIns="121900" tIns="121900" rIns="121900" bIns="121900" anchor="t" anchorCtr="0">
-            <a:noAutofit/>
-          </a:bodyPr>
-          <a:lstStyle/>
-          <a:p>
-            <a:r>
-              <a:rPr lang="ko" altLang="en-US" sz="2400" dirty="0"/>
-              <a:t>제한시간</a:t>
-            </a:r>
-          </a:p>
-        </p:txBody>
-      </p:sp>
-      <p:sp>
-        <p:nvSpPr>
-          <p:cNvPr id="11" name="Shape 91"/>
-          <p:cNvSpPr txBox="1"/>
-          <p:nvPr/>
-        </p:nvSpPr>
-        <p:spPr>
-          <a:xfrm>
-            <a:off x="7984347" y="607533"/>
-            <a:ext cx="2528400" cy="606400"/>
-          </a:xfrm>
-          <a:prstGeom prst="rect">
-            <a:avLst/>
-          </a:prstGeom>
-          <a:noFill/>
-          <a:ln>
-            <a:noFill/>
-          </a:ln>
-        </p:spPr>
-        <p:txBody>
-          <a:bodyPr lIns="121900" tIns="121900" rIns="121900" bIns="121900" anchor="t" anchorCtr="0">
-            <a:noAutofit/>
-          </a:bodyPr>
-          <a:lstStyle/>
-          <a:p>
-            <a:r>
-              <a:rPr lang="ko" altLang="en-US" sz="2400"/>
-              <a:t>플레이어 </a:t>
-            </a:r>
-            <a:r>
-              <a:rPr lang="en-US" altLang="ko" sz="2400"/>
-              <a:t>2 </a:t>
-            </a:r>
-            <a:r>
-              <a:rPr lang="ko" altLang="en-US" sz="2400"/>
-              <a:t>상태창</a:t>
-            </a:r>
-          </a:p>
-        </p:txBody>
-      </p:sp>
-      <p:sp>
-        <p:nvSpPr>
-          <p:cNvPr id="12" name="Shape 92"/>
-          <p:cNvSpPr txBox="1"/>
-          <p:nvPr/>
-        </p:nvSpPr>
-        <p:spPr>
-          <a:xfrm>
-            <a:off x="1783147" y="716867"/>
-            <a:ext cx="2528400" cy="606400"/>
-          </a:xfrm>
-          <a:prstGeom prst="rect">
-            <a:avLst/>
-          </a:prstGeom>
-          <a:noFill/>
-          <a:ln>
-            <a:noFill/>
-          </a:ln>
-        </p:spPr>
-        <p:txBody>
-          <a:bodyPr lIns="121900" tIns="121900" rIns="121900" bIns="121900" anchor="t" anchorCtr="0">
-            <a:noAutofit/>
-          </a:bodyPr>
-          <a:lstStyle/>
-          <a:p>
-            <a:r>
-              <a:rPr lang="ko" altLang="en-US" sz="2400"/>
-              <a:t>플레이어 </a:t>
-            </a:r>
-            <a:r>
-              <a:rPr lang="en-US" altLang="ko" sz="2400"/>
-              <a:t>1 </a:t>
-            </a:r>
-            <a:r>
-              <a:rPr lang="ko" altLang="en-US" sz="2400"/>
-              <a:t>상태창</a:t>
-            </a:r>
-          </a:p>
-        </p:txBody>
-      </p:sp>
-      <p:cxnSp>
-        <p:nvCxnSpPr>
-          <p:cNvPr id="13" name="Shape 93"/>
-          <p:cNvCxnSpPr/>
-          <p:nvPr/>
-        </p:nvCxnSpPr>
-        <p:spPr>
-          <a:xfrm rot="10800000" flipH="1">
-            <a:off x="8283733" y="1037700"/>
-            <a:ext cx="767200" cy="514400"/>
-          </a:xfrm>
-          <a:prstGeom prst="straightConnector1">
-            <a:avLst/>
-          </a:prstGeom>
-          <a:noFill/>
-          <a:ln w="9525" cap="flat" cmpd="sng">
-            <a:solidFill>
-              <a:schemeClr val="accent1"/>
-            </a:solidFill>
-            <a:prstDash val="solid"/>
-            <a:round/>
-            <a:headEnd type="none" w="lg" len="lg"/>
-            <a:tailEnd type="triangle" w="lg" len="lg"/>
-          </a:ln>
-        </p:spPr>
-      </p:cxnSp>
-      <p:cxnSp>
-        <p:nvCxnSpPr>
-          <p:cNvPr id="14" name="Shape 94"/>
-          <p:cNvCxnSpPr/>
-          <p:nvPr/>
-        </p:nvCxnSpPr>
-        <p:spPr>
-          <a:xfrm rot="10800000">
-            <a:off x="7373354" y="150327"/>
-            <a:ext cx="25200" cy="658800"/>
-          </a:xfrm>
-          <a:prstGeom prst="straightConnector1">
-            <a:avLst/>
-          </a:prstGeom>
-          <a:noFill/>
-          <a:ln w="9525" cap="flat" cmpd="sng">
-            <a:solidFill>
-              <a:schemeClr val="accent1"/>
-            </a:solidFill>
-            <a:prstDash val="solid"/>
-            <a:round/>
-            <a:headEnd type="none" w="lg" len="lg"/>
-            <a:tailEnd type="triangle" w="lg" len="lg"/>
-          </a:ln>
-        </p:spPr>
-      </p:cxnSp>
-      <p:cxnSp>
-        <p:nvCxnSpPr>
-          <p:cNvPr id="15" name="Shape 95"/>
-          <p:cNvCxnSpPr/>
-          <p:nvPr/>
-        </p:nvCxnSpPr>
-        <p:spPr>
-          <a:xfrm rot="10800000">
-            <a:off x="3034767" y="1064900"/>
-            <a:ext cx="385200" cy="649600"/>
-          </a:xfrm>
-          <a:prstGeom prst="straightConnector1">
-            <a:avLst/>
-          </a:prstGeom>
-          <a:noFill/>
-          <a:ln w="9525" cap="flat" cmpd="sng">
-            <a:solidFill>
-              <a:schemeClr val="accent1"/>
-            </a:solidFill>
-            <a:prstDash val="solid"/>
-            <a:round/>
-            <a:headEnd type="none" w="lg" len="lg"/>
-            <a:tailEnd type="triangle" w="lg" len="lg"/>
-          </a:ln>
-        </p:spPr>
-      </p:cxnSp>
-      <p:cxnSp>
-        <p:nvCxnSpPr>
-          <p:cNvPr id="16" name="Shape 96"/>
-          <p:cNvCxnSpPr/>
-          <p:nvPr/>
-        </p:nvCxnSpPr>
-        <p:spPr>
-          <a:xfrm rot="10800000" flipH="1">
-            <a:off x="7841600" y="2679967"/>
-            <a:ext cx="1940000" cy="577600"/>
-          </a:xfrm>
-          <a:prstGeom prst="straightConnector1">
-            <a:avLst/>
-          </a:prstGeom>
-          <a:noFill/>
-          <a:ln w="9525" cap="flat" cmpd="sng">
-            <a:solidFill>
-              <a:schemeClr val="accent1"/>
-            </a:solidFill>
-            <a:prstDash val="solid"/>
-            <a:round/>
-            <a:headEnd type="none" w="lg" len="lg"/>
-            <a:tailEnd type="triangle" w="lg" len="lg"/>
-          </a:ln>
-        </p:spPr>
-      </p:cxnSp>
-      <p:cxnSp>
-        <p:nvCxnSpPr>
-          <p:cNvPr id="17" name="Shape 97"/>
-          <p:cNvCxnSpPr/>
-          <p:nvPr/>
-        </p:nvCxnSpPr>
-        <p:spPr>
-          <a:xfrm rot="10800000">
-            <a:off x="2093500" y="4538767"/>
-            <a:ext cx="1597200" cy="90400"/>
-          </a:xfrm>
-          <a:prstGeom prst="straightConnector1">
-            <a:avLst/>
-          </a:prstGeom>
-          <a:noFill/>
-          <a:ln w="9525" cap="flat" cmpd="sng">
-            <a:solidFill>
-              <a:schemeClr val="accent1"/>
-            </a:solidFill>
-            <a:prstDash val="solid"/>
-            <a:round/>
-            <a:headEnd type="none" w="lg" len="lg"/>
-            <a:tailEnd type="triangle" w="lg" len="lg"/>
-          </a:ln>
-        </p:spPr>
-      </p:cxnSp>
-      <p:sp>
-        <p:nvSpPr>
-          <p:cNvPr id="18" name="Shape 98"/>
-          <p:cNvSpPr txBox="1"/>
-          <p:nvPr/>
-        </p:nvSpPr>
-        <p:spPr>
-          <a:xfrm>
-            <a:off x="802280" y="4172983"/>
-            <a:ext cx="2528400" cy="606400"/>
-          </a:xfrm>
-          <a:prstGeom prst="rect">
-            <a:avLst/>
-          </a:prstGeom>
-          <a:noFill/>
-          <a:ln>
-            <a:noFill/>
-          </a:ln>
-        </p:spPr>
-        <p:txBody>
-          <a:bodyPr lIns="121900" tIns="121900" rIns="121900" bIns="121900" anchor="t" anchorCtr="0">
-            <a:noAutofit/>
-          </a:bodyPr>
-          <a:lstStyle/>
-          <a:p>
-            <a:r>
-              <a:rPr lang="ko" altLang="en-US" sz="2400"/>
-              <a:t>플레이어 </a:t>
-            </a:r>
-            <a:r>
-              <a:rPr lang="en-US" altLang="ko" sz="2400"/>
-              <a:t>1</a:t>
-            </a:r>
-          </a:p>
-        </p:txBody>
-      </p:sp>
-      <p:sp>
-        <p:nvSpPr>
-          <p:cNvPr id="19" name="Shape 99"/>
-          <p:cNvSpPr/>
-          <p:nvPr/>
-        </p:nvSpPr>
-        <p:spPr>
-          <a:xfrm>
-            <a:off x="3419967" y="2346200"/>
-            <a:ext cx="5107600" cy="3022800"/>
-          </a:xfrm>
-          <a:prstGeom prst="rect">
-            <a:avLst/>
-          </a:prstGeom>
-          <a:noFill/>
-          <a:ln w="38100" cap="flat" cmpd="sng">
-            <a:solidFill>
-              <a:srgbClr val="4A86E8"/>
-            </a:solidFill>
-            <a:prstDash val="solid"/>
-            <a:round/>
-            <a:headEnd type="none" w="med" len="med"/>
-            <a:tailEnd type="none" w="med" len="med"/>
-          </a:ln>
-        </p:spPr>
-        <p:txBody>
-          <a:bodyPr lIns="121900" tIns="121900" rIns="121900" bIns="121900" anchor="ctr" anchorCtr="0">
-            <a:noAutofit/>
-          </a:bodyPr>
-          <a:lstStyle/>
-          <a:p>
-            <a:endParaRPr sz="2400"/>
-          </a:p>
-        </p:txBody>
-      </p:sp>
-      <p:sp>
-        <p:nvSpPr>
-          <p:cNvPr id="20" name="Shape 100"/>
-          <p:cNvSpPr txBox="1"/>
-          <p:nvPr/>
-        </p:nvSpPr>
-        <p:spPr>
-          <a:xfrm>
-            <a:off x="9663613" y="2346183"/>
-            <a:ext cx="2528400" cy="606400"/>
-          </a:xfrm>
-          <a:prstGeom prst="rect">
-            <a:avLst/>
-          </a:prstGeom>
-          <a:noFill/>
-          <a:ln>
-            <a:noFill/>
-          </a:ln>
-        </p:spPr>
-        <p:txBody>
-          <a:bodyPr lIns="121900" tIns="121900" rIns="121900" bIns="121900" anchor="t" anchorCtr="0">
-            <a:noAutofit/>
-          </a:bodyPr>
-          <a:lstStyle/>
-          <a:p>
-            <a:r>
-              <a:rPr lang="ko" altLang="en-US" sz="2400"/>
-              <a:t>플레이어 </a:t>
-            </a:r>
-            <a:r>
-              <a:rPr lang="en-US" altLang="ko" sz="2400"/>
-              <a:t>2</a:t>
-            </a:r>
-          </a:p>
-        </p:txBody>
-      </p:sp>
-      <p:sp>
-        <p:nvSpPr>
-          <p:cNvPr id="21" name="Shape 101"/>
-          <p:cNvSpPr txBox="1"/>
-          <p:nvPr/>
-        </p:nvSpPr>
-        <p:spPr>
-          <a:xfrm>
-            <a:off x="9564347" y="4008083"/>
-            <a:ext cx="2528400" cy="606400"/>
-          </a:xfrm>
-          <a:prstGeom prst="rect">
-            <a:avLst/>
-          </a:prstGeom>
-          <a:noFill/>
-          <a:ln>
-            <a:noFill/>
-          </a:ln>
-        </p:spPr>
-        <p:txBody>
-          <a:bodyPr lIns="121900" tIns="121900" rIns="121900" bIns="121900" anchor="t" anchorCtr="0">
-            <a:noAutofit/>
-          </a:bodyPr>
-          <a:lstStyle/>
-          <a:p>
-            <a:r>
-              <a:rPr lang="ko" altLang="en-US" sz="2400"/>
-              <a:t>카메라 범위</a:t>
-            </a:r>
-          </a:p>
-        </p:txBody>
-      </p:sp>
-      <p:cxnSp>
-        <p:nvCxnSpPr>
-          <p:cNvPr id="22" name="Shape 102"/>
-          <p:cNvCxnSpPr/>
-          <p:nvPr/>
-        </p:nvCxnSpPr>
-        <p:spPr>
-          <a:xfrm>
-            <a:off x="8491300" y="4246167"/>
-            <a:ext cx="1218000" cy="22000"/>
-          </a:xfrm>
-          <a:prstGeom prst="straightConnector1">
-            <a:avLst/>
-          </a:prstGeom>
-          <a:noFill/>
-          <a:ln w="9525" cap="flat" cmpd="sng">
-            <a:solidFill>
-              <a:schemeClr val="accent1"/>
-            </a:solidFill>
-            <a:prstDash val="solid"/>
-            <a:round/>
-            <a:headEnd type="none" w="lg" len="lg"/>
-            <a:tailEnd type="triangle" w="lg" len="lg"/>
-          </a:ln>
-        </p:spPr>
-      </p:cxnSp>
-      <p:pic>
-        <p:nvPicPr>
-          <p:cNvPr id="23" name="Shape 104"/>
-          <p:cNvPicPr preferRelativeResize="0"/>
-          <p:nvPr/>
-        </p:nvPicPr>
-        <p:blipFill>
-          <a:blip r:embed="rId5">
-            <a:alphaModFix/>
-            <a:extLst>
-              <a:ext uri="{BEBA8EAE-BF5A-486C-A8C5-ECC9F3942E4B}">
-                <a14:imgProps xmlns:a14="http://schemas.microsoft.com/office/drawing/2010/main">
-                  <a14:imgLayer r:embed="rId6">
-                    <a14:imgEffect>
-                      <a14:backgroundRemoval t="10000" b="90000" l="10000" r="90000"/>
-                    </a14:imgEffect>
-                  </a14:imgLayer>
-                </a14:imgProps>
-              </a:ext>
-            </a:extLst>
-          </a:blip>
-          <a:stretch>
-            <a:fillRect/>
-          </a:stretch>
-        </p:blipFill>
-        <p:spPr>
-          <a:xfrm>
-            <a:off x="5819443" y="4231342"/>
-            <a:ext cx="461967" cy="461967"/>
-          </a:xfrm>
-          <a:prstGeom prst="rect">
-            <a:avLst/>
-          </a:prstGeom>
-          <a:noFill/>
-          <a:ln>
-            <a:noFill/>
-          </a:ln>
-        </p:spPr>
-      </p:pic>
-      <p:pic>
-        <p:nvPicPr>
-          <p:cNvPr id="24" name="Shape 105"/>
-          <p:cNvPicPr preferRelativeResize="0"/>
-          <p:nvPr/>
-        </p:nvPicPr>
-        <p:blipFill rotWithShape="1">
-          <a:blip r:embed="rId7">
-            <a:alphaModFix/>
-          </a:blip>
-          <a:srcRect l="58990" t="64776" r="25679" b="8815"/>
-          <a:stretch/>
-        </p:blipFill>
-        <p:spPr>
-          <a:xfrm>
-            <a:off x="9663583" y="5070784"/>
-            <a:ext cx="956499" cy="926833"/>
-          </a:xfrm>
-          <a:prstGeom prst="rect">
-            <a:avLst/>
-          </a:prstGeom>
-          <a:noFill/>
-          <a:ln>
-            <a:noFill/>
-          </a:ln>
-        </p:spPr>
-      </p:pic>
-      <p:pic>
-        <p:nvPicPr>
-          <p:cNvPr id="25" name="Shape 106"/>
-          <p:cNvPicPr preferRelativeResize="0"/>
-          <p:nvPr/>
-        </p:nvPicPr>
-        <p:blipFill>
-          <a:blip r:embed="rId8">
-            <a:alphaModFix/>
-          </a:blip>
-          <a:stretch>
-            <a:fillRect/>
-          </a:stretch>
-        </p:blipFill>
-        <p:spPr>
-          <a:xfrm>
-            <a:off x="432850" y="1615283"/>
-            <a:ext cx="461999" cy="461999"/>
-          </a:xfrm>
-          <a:prstGeom prst="rect">
-            <a:avLst/>
-          </a:prstGeom>
-          <a:noFill/>
-          <a:ln>
-            <a:noFill/>
-          </a:ln>
-        </p:spPr>
-      </p:pic>
-      <p:pic>
-        <p:nvPicPr>
-          <p:cNvPr id="26" name="Shape 107"/>
-          <p:cNvPicPr preferRelativeResize="0"/>
-          <p:nvPr/>
-        </p:nvPicPr>
-        <p:blipFill>
-          <a:blip r:embed="rId9">
-            <a:alphaModFix/>
-          </a:blip>
-          <a:stretch>
-            <a:fillRect/>
-          </a:stretch>
-        </p:blipFill>
-        <p:spPr>
-          <a:xfrm>
-            <a:off x="5539038" y="3161189"/>
-            <a:ext cx="419571" cy="593368"/>
-          </a:xfrm>
-          <a:prstGeom prst="rect">
-            <a:avLst/>
-          </a:prstGeom>
-          <a:noFill/>
-          <a:ln>
-            <a:noFill/>
-          </a:ln>
-        </p:spPr>
-      </p:pic>
-      <p:sp>
-        <p:nvSpPr>
-          <p:cNvPr id="27" name="Shape 108"/>
-          <p:cNvSpPr txBox="1"/>
-          <p:nvPr/>
-        </p:nvSpPr>
-        <p:spPr>
-          <a:xfrm>
-            <a:off x="8862400" y="6048100"/>
-            <a:ext cx="3329600" cy="810000"/>
-          </a:xfrm>
-          <a:prstGeom prst="rect">
-            <a:avLst/>
-          </a:prstGeom>
-          <a:solidFill>
-            <a:schemeClr val="lt1"/>
-          </a:solidFill>
-          <a:ln>
-            <a:noFill/>
-          </a:ln>
-        </p:spPr>
-        <p:txBody>
-          <a:bodyPr lIns="121900" tIns="121900" rIns="121900" bIns="121900" anchor="t" anchorCtr="0">
-            <a:noAutofit/>
-          </a:bodyPr>
-          <a:lstStyle/>
-          <a:p>
-            <a:r>
-              <a:rPr lang="ko" altLang="en-US" sz="1333" b="1"/>
-              <a:t>기둥</a:t>
-            </a:r>
-            <a:r>
-              <a:rPr lang="en-US" altLang="ko" sz="1333" b="1"/>
-              <a:t>:</a:t>
-            </a:r>
-            <a:r>
-              <a:rPr lang="ko" altLang="en-US" sz="1333"/>
-              <a:t> 맵에서 랜덤하게 생성</a:t>
-            </a:r>
-          </a:p>
-          <a:p>
-            <a:r>
-              <a:rPr lang="ko" altLang="en-US" sz="1333"/>
-              <a:t>엄폐물 역할</a:t>
-            </a:r>
-            <a:r>
-              <a:rPr lang="en-US" altLang="ko" sz="1333"/>
-              <a:t>, </a:t>
-            </a:r>
-            <a:r>
-              <a:rPr lang="ko" altLang="en-US" sz="1333"/>
-              <a:t>공격을 받을 수 있다</a:t>
-            </a:r>
-            <a:r>
-              <a:rPr lang="en-US" altLang="ko" sz="1333"/>
-              <a:t>. 1~2</a:t>
-            </a:r>
-            <a:r>
-              <a:rPr lang="ko" altLang="en-US" sz="1333"/>
-              <a:t>의 체력을 가지며 체력이 </a:t>
-            </a:r>
-            <a:r>
-              <a:rPr lang="en-US" altLang="ko" sz="1333"/>
-              <a:t>0</a:t>
-            </a:r>
-            <a:r>
-              <a:rPr lang="ko" altLang="en-US" sz="1333"/>
-              <a:t>이 되면 사라짐</a:t>
-            </a:r>
-          </a:p>
-        </p:txBody>
-      </p:sp>
-      <p:pic>
-        <p:nvPicPr>
-          <p:cNvPr id="28" name="Shape 109"/>
-          <p:cNvPicPr preferRelativeResize="0"/>
-          <p:nvPr/>
-        </p:nvPicPr>
-        <p:blipFill rotWithShape="1">
-          <a:blip r:embed="rId7">
-            <a:alphaModFix/>
-          </a:blip>
-          <a:srcRect l="58990" t="64776" r="25679" b="8815"/>
-          <a:stretch/>
-        </p:blipFill>
-        <p:spPr>
-          <a:xfrm>
-            <a:off x="6794367" y="4294750"/>
-            <a:ext cx="956499" cy="926833"/>
-          </a:xfrm>
-          <a:prstGeom prst="rect">
-            <a:avLst/>
-          </a:prstGeom>
-          <a:noFill/>
-          <a:ln>
-            <a:noFill/>
-          </a:ln>
-        </p:spPr>
-      </p:pic>
-      <p:cxnSp>
-        <p:nvCxnSpPr>
-          <p:cNvPr id="29" name="Shape 110"/>
-          <p:cNvCxnSpPr>
-            <a:endCxn id="24" idx="1"/>
-          </p:cNvCxnSpPr>
-          <p:nvPr/>
-        </p:nvCxnSpPr>
-        <p:spPr>
-          <a:xfrm>
-            <a:off x="7502783" y="4723400"/>
-            <a:ext cx="2160800" cy="810800"/>
-          </a:xfrm>
-          <a:prstGeom prst="straightConnector1">
-            <a:avLst/>
-          </a:prstGeom>
-          <a:noFill/>
-          <a:ln w="9525" cap="flat" cmpd="sng">
-            <a:solidFill>
-              <a:schemeClr val="accent1"/>
-            </a:solidFill>
-            <a:prstDash val="solid"/>
-            <a:round/>
-            <a:headEnd type="none" w="lg" len="lg"/>
-            <a:tailEnd type="triangle" w="lg" len="lg"/>
-          </a:ln>
-        </p:spPr>
-      </p:cxnSp>
-      <p:cxnSp>
-        <p:nvCxnSpPr>
-          <p:cNvPr id="30" name="Shape 111"/>
-          <p:cNvCxnSpPr>
-            <a:cxnSpLocks/>
-          </p:cNvCxnSpPr>
-          <p:nvPr/>
-        </p:nvCxnSpPr>
-        <p:spPr>
-          <a:xfrm rot="10800000">
-            <a:off x="509480" y="2687525"/>
-            <a:ext cx="1996000" cy="121200"/>
-          </a:xfrm>
-          <a:prstGeom prst="straightConnector1">
-            <a:avLst/>
-          </a:prstGeom>
-          <a:noFill/>
-          <a:ln w="9525" cap="flat" cmpd="sng">
-            <a:solidFill>
-              <a:schemeClr val="accent1"/>
-            </a:solidFill>
-            <a:prstDash val="solid"/>
-            <a:round/>
-            <a:headEnd type="none" w="lg" len="lg"/>
-            <a:tailEnd type="triangle" w="lg" len="lg"/>
-          </a:ln>
-        </p:spPr>
-      </p:cxnSp>
-      <p:pic>
-        <p:nvPicPr>
-          <p:cNvPr id="32" name="그림 31"/>
-          <p:cNvPicPr>
-            <a:picLocks noChangeAspect="1"/>
-          </p:cNvPicPr>
-          <p:nvPr/>
-        </p:nvPicPr>
-        <p:blipFill>
-          <a:blip r:embed="rId10">
-            <a:extLst>
-              <a:ext uri="{28A0092B-C50C-407E-A947-70E740481C1C}">
-                <a14:useLocalDpi xmlns:a14="http://schemas.microsoft.com/office/drawing/2010/main" val="0"/>
-              </a:ext>
-            </a:extLst>
-          </a:blip>
-          <a:stretch>
-            <a:fillRect/>
-          </a:stretch>
-        </p:blipFill>
-        <p:spPr>
-          <a:xfrm flipH="1">
-            <a:off x="4831392" y="3185842"/>
-            <a:ext cx="987141" cy="987141"/>
-          </a:xfrm>
-          <a:prstGeom prst="rect">
-            <a:avLst/>
-          </a:prstGeom>
-        </p:spPr>
-      </p:pic>
-      <p:pic>
-        <p:nvPicPr>
-          <p:cNvPr id="33" name="그림 32"/>
-          <p:cNvPicPr>
-            <a:picLocks noChangeAspect="1"/>
-          </p:cNvPicPr>
-          <p:nvPr/>
-        </p:nvPicPr>
-        <p:blipFill>
-          <a:blip r:embed="rId11">
-            <a:extLst>
-              <a:ext uri="{28A0092B-C50C-407E-A947-70E740481C1C}">
-                <a14:useLocalDpi xmlns:a14="http://schemas.microsoft.com/office/drawing/2010/main" val="0"/>
-              </a:ext>
-            </a:extLst>
-          </a:blip>
-          <a:stretch>
-            <a:fillRect/>
-          </a:stretch>
-        </p:blipFill>
-        <p:spPr>
-          <a:xfrm>
-            <a:off x="6466311" y="3269115"/>
-            <a:ext cx="812698" cy="812698"/>
-          </a:xfrm>
-          <a:prstGeom prst="rect">
-            <a:avLst/>
-          </a:prstGeom>
-        </p:spPr>
-      </p:pic>
-      <p:pic>
-        <p:nvPicPr>
-          <p:cNvPr id="31" name="Shape 87"/>
-          <p:cNvPicPr preferRelativeResize="0"/>
-          <p:nvPr/>
-        </p:nvPicPr>
-        <p:blipFill rotWithShape="1">
-          <a:blip r:embed="rId3">
-            <a:alphaModFix/>
-            <a:duotone>
-              <a:schemeClr val="accent1">
-                <a:shade val="45000"/>
-                <a:satMod val="135000"/>
-              </a:schemeClr>
-              <a:prstClr val="white"/>
-            </a:duotone>
-          </a:blip>
-          <a:srcRect l="1903" t="74584"/>
-          <a:stretch/>
-        </p:blipFill>
-        <p:spPr>
-          <a:xfrm>
-            <a:off x="3476491" y="2726478"/>
-            <a:ext cx="1640600" cy="483200"/>
-          </a:xfrm>
-          <a:prstGeom prst="rect">
-            <a:avLst/>
-          </a:prstGeom>
-          <a:noFill/>
-          <a:ln>
-            <a:noFill/>
-          </a:ln>
-        </p:spPr>
-      </p:pic>
-      <p:pic>
-        <p:nvPicPr>
-          <p:cNvPr id="34" name="Shape 87"/>
-          <p:cNvPicPr preferRelativeResize="0"/>
-          <p:nvPr/>
-        </p:nvPicPr>
-        <p:blipFill rotWithShape="1">
-          <a:blip r:embed="rId3">
-            <a:alphaModFix/>
-          </a:blip>
-          <a:srcRect l="1903" t="49168" b="23188"/>
-          <a:stretch/>
-        </p:blipFill>
-        <p:spPr>
-          <a:xfrm>
-            <a:off x="7218115" y="2309520"/>
-            <a:ext cx="1640600" cy="525558"/>
-          </a:xfrm>
-          <a:prstGeom prst="rect">
-            <a:avLst/>
-          </a:prstGeom>
-          <a:noFill/>
-          <a:ln>
-            <a:noFill/>
-          </a:ln>
-        </p:spPr>
-      </p:pic>
-      <p:pic>
-        <p:nvPicPr>
-          <p:cNvPr id="35" name="Shape 87"/>
-          <p:cNvPicPr preferRelativeResize="0"/>
-          <p:nvPr/>
-        </p:nvPicPr>
-        <p:blipFill rotWithShape="1">
-          <a:blip r:embed="rId3">
-            <a:alphaModFix/>
-            <a:duotone>
-              <a:schemeClr val="accent1">
-                <a:shade val="45000"/>
-                <a:satMod val="135000"/>
-              </a:schemeClr>
-              <a:prstClr val="white"/>
-            </a:duotone>
-          </a:blip>
-          <a:srcRect l="1903" t="74584"/>
-          <a:stretch/>
-        </p:blipFill>
-        <p:spPr>
-          <a:xfrm flipH="1">
-            <a:off x="6860145" y="2694395"/>
-            <a:ext cx="1640600" cy="483200"/>
-          </a:xfrm>
-          <a:prstGeom prst="rect">
-            <a:avLst/>
-          </a:prstGeom>
-          <a:noFill/>
-          <a:ln>
-            <a:noFill/>
-          </a:ln>
-        </p:spPr>
-      </p:pic>
+              <a:rPr lang="ko-KR" altLang="en-US" sz="4400" b="1" dirty="0"/>
+              <a:t>게임 시스템</a:t>
+            </a:r>
+          </a:p>
+        </p:txBody>
+      </p:sp>
     </p:spTree>
     <p:extLst>
       <p:ext uri="{BB962C8B-B14F-4D97-AF65-F5344CB8AC3E}">
-        <p14:creationId xmlns:p14="http://schemas.microsoft.com/office/powerpoint/2010/main" val="978755943"/>
+        <p14:creationId xmlns:p14="http://schemas.microsoft.com/office/powerpoint/2010/main" val="2982219198"/>
       </p:ext>
     </p:extLst>
   </p:cSld>
@@ -5879,7 +4788,7 @@
   <p:cSld>
     <p:spTree>
       <p:nvGrpSpPr>
-        <p:cNvPr id="1" name=""/>
+        <p:cNvPr id="1" name="Shape 73"/>
         <p:cNvGrpSpPr/>
         <p:nvPr/>
       </p:nvGrpSpPr>
@@ -5891,54 +4800,15 @@
           <a:chExt cx="0" cy="0"/>
         </a:xfrm>
       </p:grpSpPr>
-      <p:sp>
-        <p:nvSpPr>
-          <p:cNvPr id="2" name="TextBox 1"/>
-          <p:cNvSpPr txBox="1"/>
-          <p:nvPr/>
-        </p:nvSpPr>
-        <p:spPr>
-          <a:xfrm>
-            <a:off x="511728" y="595618"/>
-            <a:ext cx="1189749" cy="369332"/>
-          </a:xfrm>
-          <a:prstGeom prst="rect">
-            <a:avLst/>
-          </a:prstGeom>
-          <a:noFill/>
-        </p:spPr>
-        <p:txBody>
-          <a:bodyPr wrap="none" rtlCol="0">
-            <a:spAutoFit/>
-          </a:bodyPr>
-          <a:lstStyle/>
-          <a:p>
-            <a:r>
-              <a:rPr lang="ko-KR" altLang="en-US" dirty="0" err="1"/>
-              <a:t>인게임</a:t>
-            </a:r>
-            <a:r>
-              <a:rPr lang="ko-KR" altLang="en-US" dirty="0"/>
-              <a:t> 룰</a:t>
-            </a:r>
-          </a:p>
-        </p:txBody>
-      </p:sp>
       <p:pic>
         <p:nvPicPr>
-          <p:cNvPr id="4" name="그림 3"/>
-          <p:cNvPicPr>
-            <a:picLocks noChangeAspect="1"/>
-          </p:cNvPicPr>
+          <p:cNvPr id="74" name="Shape 74"/>
+          <p:cNvPicPr preferRelativeResize="0"/>
           <p:nvPr/>
         </p:nvPicPr>
         <p:blipFill>
-          <a:blip r:embed="rId2">
-            <a:extLst>
-              <a:ext uri="{28A0092B-C50C-407E-A947-70E740481C1C}">
-                <a14:useLocalDpi xmlns:a14="http://schemas.microsoft.com/office/drawing/2010/main" val="0"/>
-              </a:ext>
-            </a:extLst>
+          <a:blip r:embed="rId3">
+            <a:alphaModFix/>
           </a:blip>
           <a:stretch>
             <a:fillRect/>
@@ -5946,55 +4816,410 @@
         </p:blipFill>
         <p:spPr>
           <a:xfrm>
-            <a:off x="2348914" y="1913324"/>
-            <a:ext cx="6613321" cy="3719993"/>
-          </a:xfrm>
-          <a:prstGeom prst="rect">
-            <a:avLst/>
-          </a:prstGeom>
+            <a:off x="596793" y="3583734"/>
+            <a:ext cx="1629299" cy="2034567"/>
+          </a:xfrm>
+          <a:prstGeom prst="rect">
+            <a:avLst/>
+          </a:prstGeom>
+          <a:noFill/>
+          <a:ln>
+            <a:noFill/>
+          </a:ln>
         </p:spPr>
       </p:pic>
       <p:sp>
         <p:nvSpPr>
-          <p:cNvPr id="5" name="TextBox 4"/>
+          <p:cNvPr id="75" name="Shape 75"/>
           <p:cNvSpPr txBox="1"/>
           <p:nvPr/>
         </p:nvSpPr>
         <p:spPr>
           <a:xfrm>
-            <a:off x="4244829" y="457118"/>
-            <a:ext cx="1107996" cy="646331"/>
+            <a:off x="443767" y="474000"/>
+            <a:ext cx="5809200" cy="677600"/>
           </a:xfrm>
           <a:prstGeom prst="rect">
             <a:avLst/>
           </a:prstGeom>
           <a:noFill/>
-        </p:spPr>
-        <p:txBody>
-          <a:bodyPr wrap="none" rtlCol="0">
-            <a:spAutoFit/>
+          <a:ln>
+            <a:noFill/>
+          </a:ln>
+        </p:spPr>
+        <p:txBody>
+          <a:bodyPr lIns="121900" tIns="121900" rIns="121900" bIns="121900" anchor="t" anchorCtr="0">
+            <a:noAutofit/>
           </a:bodyPr>
           <a:lstStyle/>
           <a:p>
             <a:r>
-              <a:rPr lang="ko-KR" altLang="en-US" dirty="0"/>
-              <a:t>제한시간</a:t>
-            </a:r>
-            <a:endParaRPr lang="en-US" altLang="ko-KR" dirty="0"/>
-          </a:p>
-          <a:p>
-            <a:r>
-              <a:rPr lang="ko-KR" altLang="en-US" dirty="0" err="1"/>
-              <a:t>서든데스</a:t>
-            </a:r>
-            <a:endParaRPr lang="ko-KR" altLang="en-US" dirty="0"/>
-          </a:p>
-        </p:txBody>
-      </p:sp>
+              <a:rPr lang="ko" altLang="en-US" sz="2400"/>
+              <a:t>게임방법</a:t>
+            </a:r>
+          </a:p>
+        </p:txBody>
+      </p:sp>
+      <p:sp>
+        <p:nvSpPr>
+          <p:cNvPr id="76" name="Shape 76"/>
+          <p:cNvSpPr txBox="1"/>
+          <p:nvPr/>
+        </p:nvSpPr>
+        <p:spPr>
+          <a:xfrm>
+            <a:off x="443767" y="985300"/>
+            <a:ext cx="11618400" cy="2127200"/>
+          </a:xfrm>
+          <a:prstGeom prst="rect">
+            <a:avLst/>
+          </a:prstGeom>
+          <a:noFill/>
+          <a:ln>
+            <a:noFill/>
+          </a:ln>
+        </p:spPr>
+        <p:txBody>
+          <a:bodyPr lIns="121900" tIns="121900" rIns="121900" bIns="121900" anchor="t" anchorCtr="0">
+            <a:noAutofit/>
+          </a:bodyPr>
+          <a:lstStyle/>
+          <a:p>
+            <a:r>
+              <a:rPr lang="ko" altLang="en-US" dirty="0"/>
+              <a:t>조작법</a:t>
+            </a:r>
+          </a:p>
+          <a:p>
+            <a:r>
+              <a:rPr lang="ko" altLang="en-US" dirty="0"/>
+              <a:t>이동</a:t>
+            </a:r>
+            <a:r>
+              <a:rPr lang="en-US" altLang="ko" dirty="0"/>
+              <a:t>(</a:t>
+            </a:r>
+            <a:r>
+              <a:rPr lang="ko" altLang="en-US" dirty="0">
+                <a:solidFill>
+                  <a:schemeClr val="dk1"/>
+                </a:solidFill>
+              </a:rPr>
+              <a:t>화살표 키</a:t>
+            </a:r>
+            <a:r>
+              <a:rPr lang="en-US" altLang="ko" dirty="0"/>
+              <a:t>): </a:t>
+            </a:r>
+            <a:r>
+              <a:rPr lang="ko" altLang="en-US" dirty="0"/>
+              <a:t>상화좌우 </a:t>
+            </a:r>
+            <a:r>
+              <a:rPr lang="en-US" altLang="ko" dirty="0"/>
+              <a:t>8</a:t>
+            </a:r>
+            <a:r>
+              <a:rPr lang="ko" altLang="en-US" dirty="0"/>
+              <a:t>방향 이동</a:t>
+            </a:r>
+          </a:p>
+          <a:p>
+            <a:endParaRPr dirty="0"/>
+          </a:p>
+          <a:p>
+            <a:r>
+              <a:rPr lang="ko" altLang="en-US" dirty="0"/>
+              <a:t>부스터</a:t>
+            </a:r>
+            <a:r>
+              <a:rPr lang="en-US" altLang="ko" dirty="0"/>
+              <a:t>(X</a:t>
+            </a:r>
+            <a:r>
+              <a:rPr lang="ko" altLang="en-US" dirty="0"/>
+              <a:t>키</a:t>
+            </a:r>
+            <a:r>
+              <a:rPr lang="en-US" altLang="ko" dirty="0"/>
+              <a:t>): MP</a:t>
+            </a:r>
+            <a:r>
+              <a:rPr lang="ko" altLang="en-US" dirty="0"/>
+              <a:t>를 소모하고 특정 방향으로 부스터를 쓰면서 돌진</a:t>
+            </a:r>
+            <a:r>
+              <a:rPr lang="en-US" altLang="ko" dirty="0"/>
+              <a:t>, </a:t>
+            </a:r>
+            <a:r>
+              <a:rPr lang="ko" altLang="en-US" dirty="0"/>
+              <a:t>적을 맞추면 하트를 하나 깎는다</a:t>
+            </a:r>
+            <a:r>
+              <a:rPr lang="en-US" altLang="ko" dirty="0"/>
+              <a:t>. (</a:t>
+            </a:r>
+            <a:r>
+              <a:rPr lang="ko" altLang="en-US" dirty="0"/>
+              <a:t>오래눌렀다 뗄수록 멀리 날아간다</a:t>
+            </a:r>
+            <a:r>
+              <a:rPr lang="en-US" altLang="ko" dirty="0"/>
+              <a:t>)</a:t>
+            </a:r>
+          </a:p>
+          <a:p>
+            <a:endParaRPr dirty="0"/>
+          </a:p>
+          <a:p>
+            <a:r>
+              <a:rPr lang="ko" altLang="en-US" dirty="0"/>
+              <a:t>충전</a:t>
+            </a:r>
+            <a:r>
+              <a:rPr lang="en-US" altLang="ko" dirty="0"/>
+              <a:t>(Z</a:t>
+            </a:r>
+            <a:r>
+              <a:rPr lang="ko" altLang="en-US" dirty="0"/>
+              <a:t>키</a:t>
+            </a:r>
+            <a:r>
+              <a:rPr lang="en-US" altLang="ko" dirty="0"/>
+              <a:t>): </a:t>
+            </a:r>
+            <a:r>
+              <a:rPr lang="ko" altLang="en-US" dirty="0"/>
+              <a:t>기를 모아 </a:t>
+            </a:r>
+            <a:r>
+              <a:rPr lang="en-US" altLang="ko" dirty="0"/>
+              <a:t>MP</a:t>
+            </a:r>
+            <a:r>
+              <a:rPr lang="ko" altLang="en-US" dirty="0"/>
+              <a:t>를 충전시킨다</a:t>
+            </a:r>
+            <a:r>
+              <a:rPr lang="en-US" altLang="ko" dirty="0"/>
+              <a:t>. </a:t>
+            </a:r>
+            <a:r>
+              <a:rPr lang="ko" altLang="en-US" dirty="0"/>
+              <a:t>충전 중에 부스터를 쓰면</a:t>
+            </a:r>
+            <a:r>
+              <a:rPr lang="en-US" altLang="ko" dirty="0"/>
+              <a:t>(Z</a:t>
+            </a:r>
+            <a:r>
+              <a:rPr lang="ko" altLang="en-US" dirty="0"/>
+              <a:t>키 </a:t>
+            </a:r>
+            <a:r>
+              <a:rPr lang="en-US" altLang="ko" dirty="0"/>
+              <a:t>+ X</a:t>
+            </a:r>
+            <a:r>
+              <a:rPr lang="ko" altLang="en-US" dirty="0"/>
+              <a:t>키</a:t>
+            </a:r>
+            <a:r>
+              <a:rPr lang="en-US" altLang="ko" dirty="0"/>
+              <a:t>) </a:t>
+            </a:r>
+            <a:r>
+              <a:rPr lang="ko" altLang="en-US" dirty="0"/>
+              <a:t>특수기술이 나간다</a:t>
+            </a:r>
+            <a:r>
+              <a:rPr lang="en-US" altLang="ko" dirty="0"/>
+              <a:t>. (</a:t>
+            </a:r>
+            <a:r>
+              <a:rPr lang="ko" altLang="en-US" dirty="0"/>
+              <a:t>캐릭터마다 다르다</a:t>
+            </a:r>
+            <a:r>
+              <a:rPr lang="en-US" altLang="ko" dirty="0"/>
+              <a:t>)</a:t>
+            </a:r>
+          </a:p>
+          <a:p>
+            <a:endParaRPr dirty="0"/>
+          </a:p>
+          <a:p>
+            <a:r>
+              <a:rPr lang="ko" altLang="en-US" dirty="0"/>
+              <a:t>회피</a:t>
+            </a:r>
+            <a:r>
+              <a:rPr lang="en-US" altLang="ko" dirty="0"/>
+              <a:t>(</a:t>
+            </a:r>
+            <a:r>
+              <a:rPr lang="ko" altLang="en-US" dirty="0"/>
+              <a:t>스페이스바</a:t>
+            </a:r>
+            <a:r>
+              <a:rPr lang="en-US" altLang="ko" dirty="0"/>
+              <a:t>): </a:t>
+            </a:r>
+            <a:r>
+              <a:rPr lang="ko" altLang="en-US" dirty="0"/>
+              <a:t>짧은 시간 무적이 되고 특정 방향으로 뛴다</a:t>
+            </a:r>
+            <a:r>
+              <a:rPr lang="en-US" altLang="ko" dirty="0"/>
+              <a:t>.</a:t>
+            </a:r>
+          </a:p>
+        </p:txBody>
+      </p:sp>
+      <p:sp>
+        <p:nvSpPr>
+          <p:cNvPr id="77" name="Shape 77"/>
+          <p:cNvSpPr txBox="1"/>
+          <p:nvPr/>
+        </p:nvSpPr>
+        <p:spPr>
+          <a:xfrm>
+            <a:off x="443767" y="5522800"/>
+            <a:ext cx="11436800" cy="1335200"/>
+          </a:xfrm>
+          <a:prstGeom prst="rect">
+            <a:avLst/>
+          </a:prstGeom>
+          <a:noFill/>
+          <a:ln>
+            <a:noFill/>
+          </a:ln>
+        </p:spPr>
+        <p:txBody>
+          <a:bodyPr lIns="121900" tIns="121900" rIns="121900" bIns="121900" anchor="t" anchorCtr="0">
+            <a:noAutofit/>
+          </a:bodyPr>
+          <a:lstStyle/>
+          <a:p>
+            <a:r>
+              <a:rPr lang="ko" altLang="en-US" dirty="0"/>
+              <a:t>스테이터스</a:t>
+            </a:r>
+          </a:p>
+          <a:p>
+            <a:r>
+              <a:rPr lang="ko" altLang="en-US" dirty="0"/>
+              <a:t>하트</a:t>
+            </a:r>
+            <a:r>
+              <a:rPr lang="en-US" altLang="ko" dirty="0"/>
+              <a:t>(HP): </a:t>
+            </a:r>
+            <a:r>
+              <a:rPr lang="ko" altLang="en-US" dirty="0"/>
+              <a:t>체력</a:t>
+            </a:r>
+            <a:r>
+              <a:rPr lang="en-US" altLang="ko" dirty="0"/>
+              <a:t>, 1~5 </a:t>
+            </a:r>
+            <a:r>
+              <a:rPr lang="ko" altLang="en-US" dirty="0"/>
+              <a:t>사이의 값을 가지며 데미지를 받으면 한개씩 깎이고 </a:t>
+            </a:r>
+            <a:r>
+              <a:rPr lang="en-US" altLang="ko" dirty="0"/>
+              <a:t>0</a:t>
+            </a:r>
+            <a:r>
+              <a:rPr lang="ko" altLang="en-US" dirty="0"/>
+              <a:t>이 되면 죽는다</a:t>
+            </a:r>
+            <a:r>
+              <a:rPr lang="en-US" altLang="ko" dirty="0"/>
+              <a:t>.</a:t>
+            </a:r>
+          </a:p>
+          <a:p>
+            <a:r>
+              <a:rPr lang="ko" altLang="en-US" dirty="0"/>
+              <a:t>연료</a:t>
+            </a:r>
+            <a:r>
+              <a:rPr lang="en-US" altLang="ko" dirty="0"/>
+              <a:t>(MP): </a:t>
+            </a:r>
+            <a:r>
+              <a:rPr lang="ko" altLang="en-US" dirty="0"/>
+              <a:t>마나</a:t>
+            </a:r>
+            <a:r>
+              <a:rPr lang="en-US" altLang="ko" dirty="0"/>
+              <a:t>, 1~100</a:t>
+            </a:r>
+            <a:r>
+              <a:rPr lang="ko" altLang="en-US" dirty="0"/>
+              <a:t>사이의 값을 가진다</a:t>
+            </a:r>
+            <a:r>
+              <a:rPr lang="en-US" altLang="ko" dirty="0"/>
+              <a:t>. </a:t>
+            </a:r>
+            <a:r>
+              <a:rPr lang="ko" altLang="en-US" dirty="0"/>
+              <a:t>공격을 할때마다 감소</a:t>
+            </a:r>
+            <a:r>
+              <a:rPr lang="en-US" altLang="ko" dirty="0"/>
+              <a:t>, </a:t>
+            </a:r>
+            <a:r>
+              <a:rPr lang="ko" altLang="en-US" dirty="0"/>
+              <a:t>충전키를 누르고 있으면 오른다</a:t>
+            </a:r>
+            <a:r>
+              <a:rPr lang="en-US" altLang="ko" dirty="0"/>
+              <a:t>.</a:t>
+            </a:r>
+          </a:p>
+          <a:p>
+            <a:endParaRPr dirty="0"/>
+          </a:p>
+        </p:txBody>
+      </p:sp>
+      <p:pic>
+        <p:nvPicPr>
+          <p:cNvPr id="78" name="Shape 78"/>
+          <p:cNvPicPr preferRelativeResize="0"/>
+          <p:nvPr/>
+        </p:nvPicPr>
+        <p:blipFill>
+          <a:blip r:embed="rId4">
+            <a:alphaModFix/>
+          </a:blip>
+          <a:stretch>
+            <a:fillRect/>
+          </a:stretch>
+        </p:blipFill>
+        <p:spPr>
+          <a:xfrm>
+            <a:off x="534545" y="4795065"/>
+            <a:ext cx="1753787" cy="677600"/>
+          </a:xfrm>
+          <a:prstGeom prst="rect">
+            <a:avLst/>
+          </a:prstGeom>
+          <a:noFill/>
+          <a:ln>
+            <a:noFill/>
+          </a:ln>
+        </p:spPr>
+      </p:pic>
     </p:spTree>
     <p:extLst>
       <p:ext uri="{BB962C8B-B14F-4D97-AF65-F5344CB8AC3E}">
-        <p14:creationId xmlns:p14="http://schemas.microsoft.com/office/powerpoint/2010/main" val="2791411107"/>
+        <p14:creationId xmlns:p14="http://schemas.microsoft.com/office/powerpoint/2010/main" val="2548975093"/>
       </p:ext>
     </p:extLst>
   </p:cSld>
@@ -6023,47 +5248,36 @@
       </p:grpSpPr>
       <p:sp>
         <p:nvSpPr>
-          <p:cNvPr id="21" name="직사각형 20"/>
-          <p:cNvSpPr/>
-          <p:nvPr/>
-        </p:nvSpPr>
-        <p:spPr>
-          <a:xfrm>
-            <a:off x="6249798" y="1299907"/>
-            <a:ext cx="3162649" cy="1308682"/>
-          </a:xfrm>
-          <a:prstGeom prst="rect">
-            <a:avLst/>
-          </a:prstGeom>
-        </p:spPr>
-        <p:style>
-          <a:lnRef idx="2">
-            <a:schemeClr val="accent1">
-              <a:shade val="50000"/>
-            </a:schemeClr>
-          </a:lnRef>
-          <a:fillRef idx="1">
-            <a:schemeClr val="accent1"/>
-          </a:fillRef>
-          <a:effectRef idx="0">
-            <a:schemeClr val="accent1"/>
-          </a:effectRef>
-          <a:fontRef idx="minor">
-            <a:schemeClr val="lt1"/>
-          </a:fontRef>
-        </p:style>
-        <p:txBody>
-          <a:bodyPr rtlCol="0" anchor="ctr"/>
-          <a:lstStyle/>
-          <a:p>
-            <a:pPr algn="ctr"/>
-            <a:endParaRPr lang="ko-KR" altLang="en-US"/>
+          <p:cNvPr id="2" name="TextBox 1"/>
+          <p:cNvSpPr txBox="1"/>
+          <p:nvPr/>
+        </p:nvSpPr>
+        <p:spPr>
+          <a:xfrm>
+            <a:off x="511728" y="595618"/>
+            <a:ext cx="1107996" cy="369332"/>
+          </a:xfrm>
+          <a:prstGeom prst="rect">
+            <a:avLst/>
+          </a:prstGeom>
+          <a:noFill/>
+        </p:spPr>
+        <p:txBody>
+          <a:bodyPr wrap="none" rtlCol="0">
+            <a:spAutoFit/>
+          </a:bodyPr>
+          <a:lstStyle/>
+          <a:p>
+            <a:r>
+              <a:rPr lang="ko-KR" altLang="en-US" dirty="0"/>
+              <a:t>게임화면</a:t>
+            </a:r>
           </a:p>
         </p:txBody>
       </p:sp>
       <p:pic>
         <p:nvPicPr>
-          <p:cNvPr id="6" name="그림 5"/>
+          <p:cNvPr id="4" name="그림 3"/>
           <p:cNvPicPr>
             <a:picLocks noChangeAspect="1"/>
           </p:cNvPicPr>
@@ -6083,8 +5297,8 @@
         </p:blipFill>
         <p:spPr>
           <a:xfrm>
-            <a:off x="1185607" y="1460678"/>
-            <a:ext cx="987141" cy="987141"/>
+            <a:off x="2810309" y="1930102"/>
+            <a:ext cx="6613321" cy="3719993"/>
           </a:xfrm>
           <a:prstGeom prst="rect">
             <a:avLst/>
@@ -6093,14 +5307,753 @@
       </p:pic>
       <p:pic>
         <p:nvPicPr>
-          <p:cNvPr id="8" name="그림 7"/>
+          <p:cNvPr id="7" name="Shape 87"/>
+          <p:cNvPicPr preferRelativeResize="0"/>
+          <p:nvPr/>
+        </p:nvPicPr>
+        <p:blipFill rotWithShape="1">
+          <a:blip r:embed="rId3">
+            <a:alphaModFix/>
+          </a:blip>
+          <a:srcRect l="1903" t="49168" b="23188"/>
+          <a:stretch/>
+        </p:blipFill>
+        <p:spPr>
+          <a:xfrm>
+            <a:off x="3448229" y="2301972"/>
+            <a:ext cx="1640600" cy="525558"/>
+          </a:xfrm>
+          <a:prstGeom prst="rect">
+            <a:avLst/>
+          </a:prstGeom>
+          <a:noFill/>
+          <a:ln>
+            <a:noFill/>
+          </a:ln>
+        </p:spPr>
+      </p:pic>
+      <p:pic>
+        <p:nvPicPr>
+          <p:cNvPr id="9" name="Shape 89"/>
+          <p:cNvPicPr preferRelativeResize="0"/>
+          <p:nvPr/>
+        </p:nvPicPr>
+        <p:blipFill>
+          <a:blip r:embed="rId4">
+            <a:alphaModFix/>
+          </a:blip>
+          <a:stretch>
+            <a:fillRect/>
+          </a:stretch>
+        </p:blipFill>
+        <p:spPr>
+          <a:xfrm>
+            <a:off x="5627860" y="2465730"/>
+            <a:ext cx="848167" cy="460868"/>
+          </a:xfrm>
+          <a:prstGeom prst="rect">
+            <a:avLst/>
+          </a:prstGeom>
+          <a:noFill/>
+          <a:ln>
+            <a:noFill/>
+          </a:ln>
+        </p:spPr>
+      </p:pic>
+      <p:sp>
+        <p:nvSpPr>
+          <p:cNvPr id="10" name="Shape 90"/>
+          <p:cNvSpPr txBox="1"/>
+          <p:nvPr/>
+        </p:nvSpPr>
+        <p:spPr>
+          <a:xfrm>
+            <a:off x="6794367" y="469499"/>
+            <a:ext cx="1751694" cy="606400"/>
+          </a:xfrm>
+          <a:prstGeom prst="rect">
+            <a:avLst/>
+          </a:prstGeom>
+          <a:noFill/>
+          <a:ln>
+            <a:noFill/>
+          </a:ln>
+        </p:spPr>
+        <p:txBody>
+          <a:bodyPr lIns="121900" tIns="121900" rIns="121900" bIns="121900" anchor="t" anchorCtr="0">
+            <a:noAutofit/>
+          </a:bodyPr>
+          <a:lstStyle/>
+          <a:p>
+            <a:r>
+              <a:rPr lang="ko" altLang="en-US" sz="2400" dirty="0"/>
+              <a:t>제한시간</a:t>
+            </a:r>
+          </a:p>
+        </p:txBody>
+      </p:sp>
+      <p:sp>
+        <p:nvSpPr>
+          <p:cNvPr id="11" name="Shape 91"/>
+          <p:cNvSpPr txBox="1"/>
+          <p:nvPr/>
+        </p:nvSpPr>
+        <p:spPr>
+          <a:xfrm>
+            <a:off x="7984347" y="607533"/>
+            <a:ext cx="2528400" cy="606400"/>
+          </a:xfrm>
+          <a:prstGeom prst="rect">
+            <a:avLst/>
+          </a:prstGeom>
+          <a:noFill/>
+          <a:ln>
+            <a:noFill/>
+          </a:ln>
+        </p:spPr>
+        <p:txBody>
+          <a:bodyPr lIns="121900" tIns="121900" rIns="121900" bIns="121900" anchor="t" anchorCtr="0">
+            <a:noAutofit/>
+          </a:bodyPr>
+          <a:lstStyle/>
+          <a:p>
+            <a:r>
+              <a:rPr lang="ko" altLang="en-US" sz="2400"/>
+              <a:t>플레이어 </a:t>
+            </a:r>
+            <a:r>
+              <a:rPr lang="en-US" altLang="ko" sz="2400"/>
+              <a:t>2 </a:t>
+            </a:r>
+            <a:r>
+              <a:rPr lang="ko" altLang="en-US" sz="2400"/>
+              <a:t>상태창</a:t>
+            </a:r>
+          </a:p>
+        </p:txBody>
+      </p:sp>
+      <p:sp>
+        <p:nvSpPr>
+          <p:cNvPr id="12" name="Shape 92"/>
+          <p:cNvSpPr txBox="1"/>
+          <p:nvPr/>
+        </p:nvSpPr>
+        <p:spPr>
+          <a:xfrm>
+            <a:off x="1783147" y="716867"/>
+            <a:ext cx="2528400" cy="606400"/>
+          </a:xfrm>
+          <a:prstGeom prst="rect">
+            <a:avLst/>
+          </a:prstGeom>
+          <a:noFill/>
+          <a:ln>
+            <a:noFill/>
+          </a:ln>
+        </p:spPr>
+        <p:txBody>
+          <a:bodyPr lIns="121900" tIns="121900" rIns="121900" bIns="121900" anchor="t" anchorCtr="0">
+            <a:noAutofit/>
+          </a:bodyPr>
+          <a:lstStyle/>
+          <a:p>
+            <a:r>
+              <a:rPr lang="ko" altLang="en-US" sz="2400"/>
+              <a:t>플레이어 </a:t>
+            </a:r>
+            <a:r>
+              <a:rPr lang="en-US" altLang="ko" sz="2400"/>
+              <a:t>1 </a:t>
+            </a:r>
+            <a:r>
+              <a:rPr lang="ko" altLang="en-US" sz="2400"/>
+              <a:t>상태창</a:t>
+            </a:r>
+          </a:p>
+        </p:txBody>
+      </p:sp>
+      <p:cxnSp>
+        <p:nvCxnSpPr>
+          <p:cNvPr id="13" name="Shape 93"/>
+          <p:cNvCxnSpPr/>
+          <p:nvPr/>
+        </p:nvCxnSpPr>
+        <p:spPr>
+          <a:xfrm rot="10800000" flipH="1">
+            <a:off x="8283733" y="1037700"/>
+            <a:ext cx="767200" cy="514400"/>
+          </a:xfrm>
+          <a:prstGeom prst="straightConnector1">
+            <a:avLst/>
+          </a:prstGeom>
+          <a:noFill/>
+          <a:ln w="9525" cap="flat" cmpd="sng">
+            <a:solidFill>
+              <a:schemeClr val="accent1"/>
+            </a:solidFill>
+            <a:prstDash val="solid"/>
+            <a:round/>
+            <a:headEnd type="none" w="lg" len="lg"/>
+            <a:tailEnd type="triangle" w="lg" len="lg"/>
+          </a:ln>
+        </p:spPr>
+      </p:cxnSp>
+      <p:cxnSp>
+        <p:nvCxnSpPr>
+          <p:cNvPr id="14" name="Shape 94"/>
+          <p:cNvCxnSpPr/>
+          <p:nvPr/>
+        </p:nvCxnSpPr>
+        <p:spPr>
+          <a:xfrm rot="10800000">
+            <a:off x="7373354" y="150327"/>
+            <a:ext cx="25200" cy="658800"/>
+          </a:xfrm>
+          <a:prstGeom prst="straightConnector1">
+            <a:avLst/>
+          </a:prstGeom>
+          <a:noFill/>
+          <a:ln w="9525" cap="flat" cmpd="sng">
+            <a:solidFill>
+              <a:schemeClr val="accent1"/>
+            </a:solidFill>
+            <a:prstDash val="solid"/>
+            <a:round/>
+            <a:headEnd type="none" w="lg" len="lg"/>
+            <a:tailEnd type="triangle" w="lg" len="lg"/>
+          </a:ln>
+        </p:spPr>
+      </p:cxnSp>
+      <p:cxnSp>
+        <p:nvCxnSpPr>
+          <p:cNvPr id="15" name="Shape 95"/>
+          <p:cNvCxnSpPr/>
+          <p:nvPr/>
+        </p:nvCxnSpPr>
+        <p:spPr>
+          <a:xfrm rot="10800000">
+            <a:off x="3034767" y="1064900"/>
+            <a:ext cx="385200" cy="649600"/>
+          </a:xfrm>
+          <a:prstGeom prst="straightConnector1">
+            <a:avLst/>
+          </a:prstGeom>
+          <a:noFill/>
+          <a:ln w="9525" cap="flat" cmpd="sng">
+            <a:solidFill>
+              <a:schemeClr val="accent1"/>
+            </a:solidFill>
+            <a:prstDash val="solid"/>
+            <a:round/>
+            <a:headEnd type="none" w="lg" len="lg"/>
+            <a:tailEnd type="triangle" w="lg" len="lg"/>
+          </a:ln>
+        </p:spPr>
+      </p:cxnSp>
+      <p:cxnSp>
+        <p:nvCxnSpPr>
+          <p:cNvPr id="16" name="Shape 96"/>
+          <p:cNvCxnSpPr/>
+          <p:nvPr/>
+        </p:nvCxnSpPr>
+        <p:spPr>
+          <a:xfrm rot="10800000" flipH="1">
+            <a:off x="7841600" y="2679967"/>
+            <a:ext cx="1940000" cy="577600"/>
+          </a:xfrm>
+          <a:prstGeom prst="straightConnector1">
+            <a:avLst/>
+          </a:prstGeom>
+          <a:noFill/>
+          <a:ln w="9525" cap="flat" cmpd="sng">
+            <a:solidFill>
+              <a:schemeClr val="accent1"/>
+            </a:solidFill>
+            <a:prstDash val="solid"/>
+            <a:round/>
+            <a:headEnd type="none" w="lg" len="lg"/>
+            <a:tailEnd type="triangle" w="lg" len="lg"/>
+          </a:ln>
+        </p:spPr>
+      </p:cxnSp>
+      <p:cxnSp>
+        <p:nvCxnSpPr>
+          <p:cNvPr id="17" name="Shape 97"/>
+          <p:cNvCxnSpPr/>
+          <p:nvPr/>
+        </p:nvCxnSpPr>
+        <p:spPr>
+          <a:xfrm rot="10800000">
+            <a:off x="2093500" y="4538767"/>
+            <a:ext cx="1597200" cy="90400"/>
+          </a:xfrm>
+          <a:prstGeom prst="straightConnector1">
+            <a:avLst/>
+          </a:prstGeom>
+          <a:noFill/>
+          <a:ln w="9525" cap="flat" cmpd="sng">
+            <a:solidFill>
+              <a:schemeClr val="accent1"/>
+            </a:solidFill>
+            <a:prstDash val="solid"/>
+            <a:round/>
+            <a:headEnd type="none" w="lg" len="lg"/>
+            <a:tailEnd type="triangle" w="lg" len="lg"/>
+          </a:ln>
+        </p:spPr>
+      </p:cxnSp>
+      <p:sp>
+        <p:nvSpPr>
+          <p:cNvPr id="18" name="Shape 98"/>
+          <p:cNvSpPr txBox="1"/>
+          <p:nvPr/>
+        </p:nvSpPr>
+        <p:spPr>
+          <a:xfrm>
+            <a:off x="802280" y="4172983"/>
+            <a:ext cx="2528400" cy="606400"/>
+          </a:xfrm>
+          <a:prstGeom prst="rect">
+            <a:avLst/>
+          </a:prstGeom>
+          <a:noFill/>
+          <a:ln>
+            <a:noFill/>
+          </a:ln>
+        </p:spPr>
+        <p:txBody>
+          <a:bodyPr lIns="121900" tIns="121900" rIns="121900" bIns="121900" anchor="t" anchorCtr="0">
+            <a:noAutofit/>
+          </a:bodyPr>
+          <a:lstStyle/>
+          <a:p>
+            <a:r>
+              <a:rPr lang="ko" altLang="en-US" sz="2400"/>
+              <a:t>플레이어 </a:t>
+            </a:r>
+            <a:r>
+              <a:rPr lang="en-US" altLang="ko" sz="2400"/>
+              <a:t>1</a:t>
+            </a:r>
+          </a:p>
+        </p:txBody>
+      </p:sp>
+      <p:sp>
+        <p:nvSpPr>
+          <p:cNvPr id="19" name="Shape 99"/>
+          <p:cNvSpPr/>
+          <p:nvPr/>
+        </p:nvSpPr>
+        <p:spPr>
+          <a:xfrm>
+            <a:off x="3419967" y="2346200"/>
+            <a:ext cx="5107600" cy="3022800"/>
+          </a:xfrm>
+          <a:prstGeom prst="rect">
+            <a:avLst/>
+          </a:prstGeom>
+          <a:noFill/>
+          <a:ln w="38100" cap="flat" cmpd="sng">
+            <a:solidFill>
+              <a:srgbClr val="4A86E8"/>
+            </a:solidFill>
+            <a:prstDash val="solid"/>
+            <a:round/>
+            <a:headEnd type="none" w="med" len="med"/>
+            <a:tailEnd type="none" w="med" len="med"/>
+          </a:ln>
+        </p:spPr>
+        <p:txBody>
+          <a:bodyPr lIns="121900" tIns="121900" rIns="121900" bIns="121900" anchor="ctr" anchorCtr="0">
+            <a:noAutofit/>
+          </a:bodyPr>
+          <a:lstStyle/>
+          <a:p>
+            <a:endParaRPr sz="2400"/>
+          </a:p>
+        </p:txBody>
+      </p:sp>
+      <p:sp>
+        <p:nvSpPr>
+          <p:cNvPr id="20" name="Shape 100"/>
+          <p:cNvSpPr txBox="1"/>
+          <p:nvPr/>
+        </p:nvSpPr>
+        <p:spPr>
+          <a:xfrm>
+            <a:off x="9663613" y="2346183"/>
+            <a:ext cx="2528400" cy="606400"/>
+          </a:xfrm>
+          <a:prstGeom prst="rect">
+            <a:avLst/>
+          </a:prstGeom>
+          <a:noFill/>
+          <a:ln>
+            <a:noFill/>
+          </a:ln>
+        </p:spPr>
+        <p:txBody>
+          <a:bodyPr lIns="121900" tIns="121900" rIns="121900" bIns="121900" anchor="t" anchorCtr="0">
+            <a:noAutofit/>
+          </a:bodyPr>
+          <a:lstStyle/>
+          <a:p>
+            <a:r>
+              <a:rPr lang="ko" altLang="en-US" sz="2400"/>
+              <a:t>플레이어 </a:t>
+            </a:r>
+            <a:r>
+              <a:rPr lang="en-US" altLang="ko" sz="2400"/>
+              <a:t>2</a:t>
+            </a:r>
+          </a:p>
+        </p:txBody>
+      </p:sp>
+      <p:sp>
+        <p:nvSpPr>
+          <p:cNvPr id="21" name="Shape 101"/>
+          <p:cNvSpPr txBox="1"/>
+          <p:nvPr/>
+        </p:nvSpPr>
+        <p:spPr>
+          <a:xfrm>
+            <a:off x="9564347" y="4008083"/>
+            <a:ext cx="2528400" cy="606400"/>
+          </a:xfrm>
+          <a:prstGeom prst="rect">
+            <a:avLst/>
+          </a:prstGeom>
+          <a:noFill/>
+          <a:ln>
+            <a:noFill/>
+          </a:ln>
+        </p:spPr>
+        <p:txBody>
+          <a:bodyPr lIns="121900" tIns="121900" rIns="121900" bIns="121900" anchor="t" anchorCtr="0">
+            <a:noAutofit/>
+          </a:bodyPr>
+          <a:lstStyle/>
+          <a:p>
+            <a:r>
+              <a:rPr lang="ko" altLang="en-US" sz="2400"/>
+              <a:t>카메라 범위</a:t>
+            </a:r>
+          </a:p>
+        </p:txBody>
+      </p:sp>
+      <p:cxnSp>
+        <p:nvCxnSpPr>
+          <p:cNvPr id="22" name="Shape 102"/>
+          <p:cNvCxnSpPr/>
+          <p:nvPr/>
+        </p:nvCxnSpPr>
+        <p:spPr>
+          <a:xfrm>
+            <a:off x="8491300" y="4246167"/>
+            <a:ext cx="1218000" cy="22000"/>
+          </a:xfrm>
+          <a:prstGeom prst="straightConnector1">
+            <a:avLst/>
+          </a:prstGeom>
+          <a:noFill/>
+          <a:ln w="9525" cap="flat" cmpd="sng">
+            <a:solidFill>
+              <a:schemeClr val="accent1"/>
+            </a:solidFill>
+            <a:prstDash val="solid"/>
+            <a:round/>
+            <a:headEnd type="none" w="lg" len="lg"/>
+            <a:tailEnd type="triangle" w="lg" len="lg"/>
+          </a:ln>
+        </p:spPr>
+      </p:cxnSp>
+      <p:pic>
+        <p:nvPicPr>
+          <p:cNvPr id="23" name="Shape 104"/>
+          <p:cNvPicPr preferRelativeResize="0"/>
+          <p:nvPr/>
+        </p:nvPicPr>
+        <p:blipFill>
+          <a:blip r:embed="rId5">
+            <a:alphaModFix/>
+            <a:extLst>
+              <a:ext uri="{BEBA8EAE-BF5A-486C-A8C5-ECC9F3942E4B}">
+                <a14:imgProps xmlns:a14="http://schemas.microsoft.com/office/drawing/2010/main">
+                  <a14:imgLayer r:embed="rId6">
+                    <a14:imgEffect>
+                      <a14:backgroundRemoval t="10000" b="90000" l="10000" r="90000"/>
+                    </a14:imgEffect>
+                  </a14:imgLayer>
+                </a14:imgProps>
+              </a:ext>
+            </a:extLst>
+          </a:blip>
+          <a:stretch>
+            <a:fillRect/>
+          </a:stretch>
+        </p:blipFill>
+        <p:spPr>
+          <a:xfrm>
+            <a:off x="5819443" y="4231342"/>
+            <a:ext cx="461967" cy="461967"/>
+          </a:xfrm>
+          <a:prstGeom prst="rect">
+            <a:avLst/>
+          </a:prstGeom>
+          <a:noFill/>
+          <a:ln>
+            <a:noFill/>
+          </a:ln>
+        </p:spPr>
+      </p:pic>
+      <p:pic>
+        <p:nvPicPr>
+          <p:cNvPr id="24" name="Shape 105"/>
+          <p:cNvPicPr preferRelativeResize="0"/>
+          <p:nvPr/>
+        </p:nvPicPr>
+        <p:blipFill rotWithShape="1">
+          <a:blip r:embed="rId7">
+            <a:alphaModFix/>
+          </a:blip>
+          <a:srcRect l="58990" t="64776" r="25679" b="8815"/>
+          <a:stretch/>
+        </p:blipFill>
+        <p:spPr>
+          <a:xfrm>
+            <a:off x="9663583" y="5070784"/>
+            <a:ext cx="956499" cy="926833"/>
+          </a:xfrm>
+          <a:prstGeom prst="rect">
+            <a:avLst/>
+          </a:prstGeom>
+          <a:noFill/>
+          <a:ln>
+            <a:noFill/>
+          </a:ln>
+        </p:spPr>
+      </p:pic>
+      <p:pic>
+        <p:nvPicPr>
+          <p:cNvPr id="25" name="Shape 106"/>
+          <p:cNvPicPr preferRelativeResize="0"/>
+          <p:nvPr/>
+        </p:nvPicPr>
+        <p:blipFill>
+          <a:blip r:embed="rId8">
+            <a:alphaModFix/>
+          </a:blip>
+          <a:stretch>
+            <a:fillRect/>
+          </a:stretch>
+        </p:blipFill>
+        <p:spPr>
+          <a:xfrm>
+            <a:off x="432850" y="1615283"/>
+            <a:ext cx="461999" cy="461999"/>
+          </a:xfrm>
+          <a:prstGeom prst="rect">
+            <a:avLst/>
+          </a:prstGeom>
+          <a:noFill/>
+          <a:ln>
+            <a:noFill/>
+          </a:ln>
+        </p:spPr>
+      </p:pic>
+      <p:pic>
+        <p:nvPicPr>
+          <p:cNvPr id="26" name="Shape 107"/>
+          <p:cNvPicPr preferRelativeResize="0"/>
+          <p:nvPr/>
+        </p:nvPicPr>
+        <p:blipFill>
+          <a:blip r:embed="rId9">
+            <a:alphaModFix/>
+          </a:blip>
+          <a:stretch>
+            <a:fillRect/>
+          </a:stretch>
+        </p:blipFill>
+        <p:spPr>
+          <a:xfrm>
+            <a:off x="5539038" y="3161189"/>
+            <a:ext cx="419571" cy="593368"/>
+          </a:xfrm>
+          <a:prstGeom prst="rect">
+            <a:avLst/>
+          </a:prstGeom>
+          <a:noFill/>
+          <a:ln>
+            <a:noFill/>
+          </a:ln>
+        </p:spPr>
+      </p:pic>
+      <p:sp>
+        <p:nvSpPr>
+          <p:cNvPr id="27" name="Shape 108"/>
+          <p:cNvSpPr txBox="1"/>
+          <p:nvPr/>
+        </p:nvSpPr>
+        <p:spPr>
+          <a:xfrm>
+            <a:off x="8862400" y="6048100"/>
+            <a:ext cx="3329600" cy="810000"/>
+          </a:xfrm>
+          <a:prstGeom prst="rect">
+            <a:avLst/>
+          </a:prstGeom>
+          <a:solidFill>
+            <a:schemeClr val="lt1"/>
+          </a:solidFill>
+          <a:ln>
+            <a:noFill/>
+          </a:ln>
+        </p:spPr>
+        <p:txBody>
+          <a:bodyPr lIns="121900" tIns="121900" rIns="121900" bIns="121900" anchor="t" anchorCtr="0">
+            <a:noAutofit/>
+          </a:bodyPr>
+          <a:lstStyle/>
+          <a:p>
+            <a:r>
+              <a:rPr lang="ko" altLang="en-US" sz="1333" b="1"/>
+              <a:t>기둥</a:t>
+            </a:r>
+            <a:r>
+              <a:rPr lang="en-US" altLang="ko" sz="1333" b="1"/>
+              <a:t>:</a:t>
+            </a:r>
+            <a:r>
+              <a:rPr lang="ko" altLang="en-US" sz="1333"/>
+              <a:t> 맵에서 랜덤하게 생성</a:t>
+            </a:r>
+          </a:p>
+          <a:p>
+            <a:r>
+              <a:rPr lang="ko" altLang="en-US" sz="1333"/>
+              <a:t>엄폐물 역할</a:t>
+            </a:r>
+            <a:r>
+              <a:rPr lang="en-US" altLang="ko" sz="1333"/>
+              <a:t>, </a:t>
+            </a:r>
+            <a:r>
+              <a:rPr lang="ko" altLang="en-US" sz="1333"/>
+              <a:t>공격을 받을 수 있다</a:t>
+            </a:r>
+            <a:r>
+              <a:rPr lang="en-US" altLang="ko" sz="1333"/>
+              <a:t>. 1~2</a:t>
+            </a:r>
+            <a:r>
+              <a:rPr lang="ko" altLang="en-US" sz="1333"/>
+              <a:t>의 체력을 가지며 체력이 </a:t>
+            </a:r>
+            <a:r>
+              <a:rPr lang="en-US" altLang="ko" sz="1333"/>
+              <a:t>0</a:t>
+            </a:r>
+            <a:r>
+              <a:rPr lang="ko" altLang="en-US" sz="1333"/>
+              <a:t>이 되면 사라짐</a:t>
+            </a:r>
+          </a:p>
+        </p:txBody>
+      </p:sp>
+      <p:pic>
+        <p:nvPicPr>
+          <p:cNvPr id="28" name="Shape 109"/>
+          <p:cNvPicPr preferRelativeResize="0"/>
+          <p:nvPr/>
+        </p:nvPicPr>
+        <p:blipFill rotWithShape="1">
+          <a:blip r:embed="rId7">
+            <a:alphaModFix/>
+          </a:blip>
+          <a:srcRect l="58990" t="64776" r="25679" b="8815"/>
+          <a:stretch/>
+        </p:blipFill>
+        <p:spPr>
+          <a:xfrm>
+            <a:off x="6794367" y="4294750"/>
+            <a:ext cx="956499" cy="926833"/>
+          </a:xfrm>
+          <a:prstGeom prst="rect">
+            <a:avLst/>
+          </a:prstGeom>
+          <a:noFill/>
+          <a:ln>
+            <a:noFill/>
+          </a:ln>
+        </p:spPr>
+      </p:pic>
+      <p:cxnSp>
+        <p:nvCxnSpPr>
+          <p:cNvPr id="29" name="Shape 110"/>
+          <p:cNvCxnSpPr>
+            <a:endCxn id="24" idx="1"/>
+          </p:cNvCxnSpPr>
+          <p:nvPr/>
+        </p:nvCxnSpPr>
+        <p:spPr>
+          <a:xfrm>
+            <a:off x="7502783" y="4723400"/>
+            <a:ext cx="2160800" cy="810800"/>
+          </a:xfrm>
+          <a:prstGeom prst="straightConnector1">
+            <a:avLst/>
+          </a:prstGeom>
+          <a:noFill/>
+          <a:ln w="9525" cap="flat" cmpd="sng">
+            <a:solidFill>
+              <a:schemeClr val="accent1"/>
+            </a:solidFill>
+            <a:prstDash val="solid"/>
+            <a:round/>
+            <a:headEnd type="none" w="lg" len="lg"/>
+            <a:tailEnd type="triangle" w="lg" len="lg"/>
+          </a:ln>
+        </p:spPr>
+      </p:cxnSp>
+      <p:cxnSp>
+        <p:nvCxnSpPr>
+          <p:cNvPr id="30" name="Shape 111"/>
+          <p:cNvCxnSpPr>
+            <a:cxnSpLocks/>
+          </p:cNvCxnSpPr>
+          <p:nvPr/>
+        </p:nvCxnSpPr>
+        <p:spPr>
+          <a:xfrm rot="10800000">
+            <a:off x="509480" y="2687525"/>
+            <a:ext cx="1996000" cy="121200"/>
+          </a:xfrm>
+          <a:prstGeom prst="straightConnector1">
+            <a:avLst/>
+          </a:prstGeom>
+          <a:noFill/>
+          <a:ln w="9525" cap="flat" cmpd="sng">
+            <a:solidFill>
+              <a:schemeClr val="accent1"/>
+            </a:solidFill>
+            <a:prstDash val="solid"/>
+            <a:round/>
+            <a:headEnd type="none" w="lg" len="lg"/>
+            <a:tailEnd type="triangle" w="lg" len="lg"/>
+          </a:ln>
+        </p:spPr>
+      </p:cxnSp>
+      <p:pic>
+        <p:nvPicPr>
+          <p:cNvPr id="32" name="그림 31"/>
           <p:cNvPicPr>
             <a:picLocks noChangeAspect="1"/>
           </p:cNvPicPr>
           <p:nvPr/>
         </p:nvPicPr>
         <p:blipFill>
-          <a:blip r:embed="rId3">
+          <a:blip r:embed="rId10">
             <a:extLst>
               <a:ext uri="{28A0092B-C50C-407E-A947-70E740481C1C}">
                 <a14:useLocalDpi xmlns:a14="http://schemas.microsoft.com/office/drawing/2010/main" val="0"/>
@@ -6112,9 +6065,9 @@
           </a:stretch>
         </p:blipFill>
         <p:spPr>
-          <a:xfrm>
-            <a:off x="1272828" y="4523246"/>
-            <a:ext cx="812698" cy="812698"/>
+          <a:xfrm flipH="1">
+            <a:off x="4831392" y="3185842"/>
+            <a:ext cx="987141" cy="987141"/>
           </a:xfrm>
           <a:prstGeom prst="rect">
             <a:avLst/>
@@ -6123,14 +6076,14 @@
       </p:pic>
       <p:pic>
         <p:nvPicPr>
-          <p:cNvPr id="10" name="그림 9"/>
+          <p:cNvPr id="33" name="그림 32"/>
           <p:cNvPicPr>
             <a:picLocks noChangeAspect="1"/>
           </p:cNvPicPr>
           <p:nvPr/>
         </p:nvPicPr>
         <p:blipFill>
-          <a:blip r:embed="rId4">
+          <a:blip r:embed="rId11">
             <a:extLst>
               <a:ext uri="{28A0092B-C50C-407E-A947-70E740481C1C}">
                 <a14:useLocalDpi xmlns:a14="http://schemas.microsoft.com/office/drawing/2010/main" val="0"/>
@@ -6143,8 +6096,8 @@
         </p:blipFill>
         <p:spPr>
           <a:xfrm>
-            <a:off x="1184762" y="2447818"/>
-            <a:ext cx="958111" cy="958111"/>
+            <a:off x="6466311" y="3269115"/>
+            <a:ext cx="812698" cy="812698"/>
           </a:xfrm>
           <a:prstGeom prst="rect">
             <a:avLst/>
@@ -6153,222 +6106,103 @@
       </p:pic>
       <p:pic>
         <p:nvPicPr>
-          <p:cNvPr id="12" name="그림 11"/>
-          <p:cNvPicPr>
-            <a:picLocks noChangeAspect="1"/>
-          </p:cNvPicPr>
+          <p:cNvPr id="31" name="Shape 87"/>
+          <p:cNvPicPr preferRelativeResize="0"/>
           <p:nvPr/>
         </p:nvPicPr>
-        <p:blipFill>
-          <a:blip r:embed="rId5">
-            <a:extLst>
-              <a:ext uri="{28A0092B-C50C-407E-A947-70E740481C1C}">
-                <a14:useLocalDpi xmlns:a14="http://schemas.microsoft.com/office/drawing/2010/main" val="0"/>
-              </a:ext>
-            </a:extLst>
+        <p:blipFill rotWithShape="1">
+          <a:blip r:embed="rId3">
+            <a:alphaModFix/>
+            <a:duotone>
+              <a:schemeClr val="accent1">
+                <a:shade val="45000"/>
+                <a:satMod val="135000"/>
+              </a:schemeClr>
+              <a:prstClr val="white"/>
+            </a:duotone>
           </a:blip>
-          <a:stretch>
-            <a:fillRect/>
-          </a:stretch>
+          <a:srcRect l="1903" t="74584"/>
+          <a:stretch/>
         </p:blipFill>
         <p:spPr>
           <a:xfrm>
-            <a:off x="1257468" y="3470944"/>
-            <a:ext cx="812698" cy="812698"/>
-          </a:xfrm>
-          <a:prstGeom prst="rect">
-            <a:avLst/>
-          </a:prstGeom>
+            <a:off x="3476491" y="2726478"/>
+            <a:ext cx="1640600" cy="483200"/>
+          </a:xfrm>
+          <a:prstGeom prst="rect">
+            <a:avLst/>
+          </a:prstGeom>
+          <a:noFill/>
+          <a:ln>
+            <a:noFill/>
+          </a:ln>
         </p:spPr>
       </p:pic>
-      <p:sp>
-        <p:nvSpPr>
-          <p:cNvPr id="14" name="TextBox 13"/>
-          <p:cNvSpPr txBox="1"/>
-          <p:nvPr/>
-        </p:nvSpPr>
-        <p:spPr>
-          <a:xfrm>
-            <a:off x="2172748" y="1492583"/>
-            <a:ext cx="1531188" cy="923330"/>
+      <p:pic>
+        <p:nvPicPr>
+          <p:cNvPr id="34" name="Shape 87"/>
+          <p:cNvPicPr preferRelativeResize="0"/>
+          <p:nvPr/>
+        </p:nvPicPr>
+        <p:blipFill rotWithShape="1">
+          <a:blip r:embed="rId3">
+            <a:alphaModFix/>
+          </a:blip>
+          <a:srcRect l="1903" t="49168" b="23188"/>
+          <a:stretch/>
+        </p:blipFill>
+        <p:spPr>
+          <a:xfrm>
+            <a:off x="7218115" y="2309520"/>
+            <a:ext cx="1640600" cy="525558"/>
           </a:xfrm>
           <a:prstGeom prst="rect">
             <a:avLst/>
           </a:prstGeom>
           <a:noFill/>
-        </p:spPr>
-        <p:txBody>
-          <a:bodyPr wrap="square" rtlCol="0">
-            <a:spAutoFit/>
-          </a:bodyPr>
-          <a:lstStyle/>
-          <a:p>
-            <a:r>
-              <a:rPr lang="en-US" altLang="ko-KR" dirty="0"/>
-              <a:t>HP : 3</a:t>
-            </a:r>
-          </a:p>
-          <a:p>
-            <a:r>
-              <a:rPr lang="en-US" altLang="ko-KR" dirty="0"/>
-              <a:t>MP : 1000</a:t>
-            </a:r>
-          </a:p>
-          <a:p>
-            <a:r>
-              <a:rPr lang="ko-KR" altLang="en-US" dirty="0"/>
-              <a:t>이동속도 </a:t>
-            </a:r>
-            <a:r>
-              <a:rPr lang="en-US" altLang="ko-KR" dirty="0"/>
-              <a:t>: 1 </a:t>
-            </a:r>
-            <a:endParaRPr lang="ko-KR" altLang="en-US" dirty="0"/>
-          </a:p>
-        </p:txBody>
-      </p:sp>
-      <p:sp>
-        <p:nvSpPr>
-          <p:cNvPr id="18" name="TextBox 17"/>
-          <p:cNvSpPr txBox="1"/>
-          <p:nvPr/>
-        </p:nvSpPr>
-        <p:spPr>
-          <a:xfrm>
-            <a:off x="2172748" y="2465209"/>
-            <a:ext cx="1449436" cy="923330"/>
+          <a:ln>
+            <a:noFill/>
+          </a:ln>
+        </p:spPr>
+      </p:pic>
+      <p:pic>
+        <p:nvPicPr>
+          <p:cNvPr id="35" name="Shape 87"/>
+          <p:cNvPicPr preferRelativeResize="0"/>
+          <p:nvPr/>
+        </p:nvPicPr>
+        <p:blipFill rotWithShape="1">
+          <a:blip r:embed="rId3">
+            <a:alphaModFix/>
+            <a:duotone>
+              <a:schemeClr val="accent1">
+                <a:shade val="45000"/>
+                <a:satMod val="135000"/>
+              </a:schemeClr>
+              <a:prstClr val="white"/>
+            </a:duotone>
+          </a:blip>
+          <a:srcRect l="1903" t="74584"/>
+          <a:stretch/>
+        </p:blipFill>
+        <p:spPr>
+          <a:xfrm flipH="1">
+            <a:off x="6860145" y="2694395"/>
+            <a:ext cx="1640600" cy="483200"/>
           </a:xfrm>
           <a:prstGeom prst="rect">
             <a:avLst/>
           </a:prstGeom>
           <a:noFill/>
-        </p:spPr>
-        <p:txBody>
-          <a:bodyPr wrap="square" rtlCol="0">
-            <a:spAutoFit/>
-          </a:bodyPr>
-          <a:lstStyle/>
-          <a:p>
-            <a:r>
-              <a:rPr lang="en-US" altLang="ko-KR" dirty="0"/>
-              <a:t>HP : 2</a:t>
-            </a:r>
-          </a:p>
-          <a:p>
-            <a:r>
-              <a:rPr lang="en-US" altLang="ko-KR" dirty="0"/>
-              <a:t>MP : 1000</a:t>
-            </a:r>
-          </a:p>
-          <a:p>
-            <a:r>
-              <a:rPr lang="ko-KR" altLang="en-US" dirty="0"/>
-              <a:t>이동속도 </a:t>
-            </a:r>
-            <a:r>
-              <a:rPr lang="en-US" altLang="ko-KR" dirty="0"/>
-              <a:t>: 2</a:t>
-            </a:r>
-            <a:endParaRPr lang="ko-KR" altLang="en-US" dirty="0"/>
-          </a:p>
-        </p:txBody>
-      </p:sp>
-      <p:sp>
-        <p:nvSpPr>
-          <p:cNvPr id="19" name="TextBox 18"/>
-          <p:cNvSpPr txBox="1"/>
-          <p:nvPr/>
-        </p:nvSpPr>
-        <p:spPr>
-          <a:xfrm>
-            <a:off x="2172748" y="3437835"/>
-            <a:ext cx="1627369" cy="923330"/>
-          </a:xfrm>
-          <a:prstGeom prst="rect">
-            <a:avLst/>
-          </a:prstGeom>
-          <a:noFill/>
-        </p:spPr>
-        <p:txBody>
-          <a:bodyPr wrap="square" rtlCol="0">
-            <a:spAutoFit/>
-          </a:bodyPr>
-          <a:lstStyle/>
-          <a:p>
-            <a:r>
-              <a:rPr lang="en-US" altLang="ko-KR" dirty="0"/>
-              <a:t>HP : 5</a:t>
-            </a:r>
-          </a:p>
-          <a:p>
-            <a:r>
-              <a:rPr lang="en-US" altLang="ko-KR" dirty="0"/>
-              <a:t>MP : 1000</a:t>
-            </a:r>
-          </a:p>
-          <a:p>
-            <a:r>
-              <a:rPr lang="ko-KR" altLang="en-US" dirty="0"/>
-              <a:t>이동속도 </a:t>
-            </a:r>
-            <a:r>
-              <a:rPr lang="en-US" altLang="ko-KR" dirty="0"/>
-              <a:t>: 0.5</a:t>
-            </a:r>
-            <a:endParaRPr lang="ko-KR" altLang="en-US" dirty="0"/>
-          </a:p>
-        </p:txBody>
-      </p:sp>
-      <p:sp>
-        <p:nvSpPr>
-          <p:cNvPr id="20" name="TextBox 19"/>
-          <p:cNvSpPr txBox="1"/>
-          <p:nvPr/>
-        </p:nvSpPr>
-        <p:spPr>
-          <a:xfrm>
-            <a:off x="2172748" y="4412614"/>
-            <a:ext cx="1449436" cy="923330"/>
-          </a:xfrm>
-          <a:prstGeom prst="rect">
-            <a:avLst/>
-          </a:prstGeom>
-          <a:noFill/>
-        </p:spPr>
-        <p:txBody>
-          <a:bodyPr wrap="square" rtlCol="0">
-            <a:spAutoFit/>
-          </a:bodyPr>
-          <a:lstStyle/>
-          <a:p>
-            <a:r>
-              <a:rPr lang="en-US" altLang="ko-KR" dirty="0"/>
-              <a:t>HP : 3</a:t>
-            </a:r>
-          </a:p>
-          <a:p>
-            <a:r>
-              <a:rPr lang="en-US" altLang="ko-KR" dirty="0"/>
-              <a:t>MP : 1000</a:t>
-            </a:r>
-          </a:p>
-          <a:p>
-            <a:r>
-              <a:rPr lang="ko-KR" altLang="en-US" dirty="0"/>
-              <a:t>이동속도 </a:t>
-            </a:r>
-            <a:r>
-              <a:rPr lang="en-US" altLang="ko-KR" dirty="0"/>
-              <a:t>: 1</a:t>
-            </a:r>
-            <a:endParaRPr lang="ko-KR" altLang="en-US" dirty="0"/>
-          </a:p>
-        </p:txBody>
-      </p:sp>
+          <a:ln>
+            <a:noFill/>
+          </a:ln>
+        </p:spPr>
+      </p:pic>
     </p:spTree>
     <p:extLst>
       <p:ext uri="{BB962C8B-B14F-4D97-AF65-F5344CB8AC3E}">
-        <p14:creationId xmlns:p14="http://schemas.microsoft.com/office/powerpoint/2010/main" val="3568941074"/>
+        <p14:creationId xmlns:p14="http://schemas.microsoft.com/office/powerpoint/2010/main" val="978755943"/>
       </p:ext>
     </p:extLst>
   </p:cSld>
@@ -6397,6 +6231,470 @@
       </p:grpSpPr>
       <p:sp>
         <p:nvSpPr>
+          <p:cNvPr id="2" name="TextBox 1"/>
+          <p:cNvSpPr txBox="1"/>
+          <p:nvPr/>
+        </p:nvSpPr>
+        <p:spPr>
+          <a:xfrm>
+            <a:off x="511728" y="595618"/>
+            <a:ext cx="1189749" cy="369332"/>
+          </a:xfrm>
+          <a:prstGeom prst="rect">
+            <a:avLst/>
+          </a:prstGeom>
+          <a:noFill/>
+        </p:spPr>
+        <p:txBody>
+          <a:bodyPr wrap="none" rtlCol="0">
+            <a:spAutoFit/>
+          </a:bodyPr>
+          <a:lstStyle/>
+          <a:p>
+            <a:r>
+              <a:rPr lang="ko-KR" altLang="en-US" dirty="0" err="1"/>
+              <a:t>인게임</a:t>
+            </a:r>
+            <a:r>
+              <a:rPr lang="ko-KR" altLang="en-US" dirty="0"/>
+              <a:t> 룰</a:t>
+            </a:r>
+          </a:p>
+        </p:txBody>
+      </p:sp>
+      <p:pic>
+        <p:nvPicPr>
+          <p:cNvPr id="4" name="그림 3"/>
+          <p:cNvPicPr>
+            <a:picLocks noChangeAspect="1"/>
+          </p:cNvPicPr>
+          <p:nvPr/>
+        </p:nvPicPr>
+        <p:blipFill>
+          <a:blip r:embed="rId2">
+            <a:extLst>
+              <a:ext uri="{28A0092B-C50C-407E-A947-70E740481C1C}">
+                <a14:useLocalDpi xmlns:a14="http://schemas.microsoft.com/office/drawing/2010/main" val="0"/>
+              </a:ext>
+            </a:extLst>
+          </a:blip>
+          <a:stretch>
+            <a:fillRect/>
+          </a:stretch>
+        </p:blipFill>
+        <p:spPr>
+          <a:xfrm>
+            <a:off x="2348914" y="1913324"/>
+            <a:ext cx="6613321" cy="3719993"/>
+          </a:xfrm>
+          <a:prstGeom prst="rect">
+            <a:avLst/>
+          </a:prstGeom>
+        </p:spPr>
+      </p:pic>
+      <p:sp>
+        <p:nvSpPr>
+          <p:cNvPr id="5" name="TextBox 4"/>
+          <p:cNvSpPr txBox="1"/>
+          <p:nvPr/>
+        </p:nvSpPr>
+        <p:spPr>
+          <a:xfrm>
+            <a:off x="2644629" y="780284"/>
+            <a:ext cx="1107996" cy="646331"/>
+          </a:xfrm>
+          <a:prstGeom prst="rect">
+            <a:avLst/>
+          </a:prstGeom>
+          <a:noFill/>
+        </p:spPr>
+        <p:txBody>
+          <a:bodyPr wrap="none" rtlCol="0">
+            <a:spAutoFit/>
+          </a:bodyPr>
+          <a:lstStyle/>
+          <a:p>
+            <a:r>
+              <a:rPr lang="ko-KR" altLang="en-US" dirty="0"/>
+              <a:t>제한시간</a:t>
+            </a:r>
+            <a:endParaRPr lang="en-US" altLang="ko-KR" dirty="0"/>
+          </a:p>
+          <a:p>
+            <a:r>
+              <a:rPr lang="ko-KR" altLang="en-US" dirty="0" err="1"/>
+              <a:t>서든데스</a:t>
+            </a:r>
+            <a:endParaRPr lang="ko-KR" altLang="en-US" dirty="0"/>
+          </a:p>
+        </p:txBody>
+      </p:sp>
+    </p:spTree>
+    <p:extLst>
+      <p:ext uri="{BB962C8B-B14F-4D97-AF65-F5344CB8AC3E}">
+        <p14:creationId xmlns:p14="http://schemas.microsoft.com/office/powerpoint/2010/main" val="2791411107"/>
+      </p:ext>
+    </p:extLst>
+  </p:cSld>
+  <p:clrMapOvr>
+    <a:masterClrMapping/>
+  </p:clrMapOvr>
+</p:sld>
+</file>
+
+<file path=ppt/slides/slide15.xml><?xml version="1.0" encoding="utf-8"?>
+<p:sld xmlns:a="http://schemas.openxmlformats.org/drawingml/2006/main" xmlns:r="http://schemas.openxmlformats.org/officeDocument/2006/relationships" xmlns:p="http://schemas.openxmlformats.org/presentationml/2006/main">
+  <p:cSld>
+    <p:spTree>
+      <p:nvGrpSpPr>
+        <p:cNvPr id="1" name=""/>
+        <p:cNvGrpSpPr/>
+        <p:nvPr/>
+      </p:nvGrpSpPr>
+      <p:grpSpPr>
+        <a:xfrm>
+          <a:off x="0" y="0"/>
+          <a:ext cx="0" cy="0"/>
+          <a:chOff x="0" y="0"/>
+          <a:chExt cx="0" cy="0"/>
+        </a:xfrm>
+      </p:grpSpPr>
+      <p:pic>
+        <p:nvPicPr>
+          <p:cNvPr id="6" name="그림 5"/>
+          <p:cNvPicPr>
+            <a:picLocks noChangeAspect="1"/>
+          </p:cNvPicPr>
+          <p:nvPr/>
+        </p:nvPicPr>
+        <p:blipFill>
+          <a:blip r:embed="rId2">
+            <a:extLst>
+              <a:ext uri="{28A0092B-C50C-407E-A947-70E740481C1C}">
+                <a14:useLocalDpi xmlns:a14="http://schemas.microsoft.com/office/drawing/2010/main" val="0"/>
+              </a:ext>
+            </a:extLst>
+          </a:blip>
+          <a:stretch>
+            <a:fillRect/>
+          </a:stretch>
+        </p:blipFill>
+        <p:spPr>
+          <a:xfrm>
+            <a:off x="1185607" y="1460678"/>
+            <a:ext cx="987141" cy="987141"/>
+          </a:xfrm>
+          <a:prstGeom prst="rect">
+            <a:avLst/>
+          </a:prstGeom>
+        </p:spPr>
+      </p:pic>
+      <p:pic>
+        <p:nvPicPr>
+          <p:cNvPr id="8" name="그림 7"/>
+          <p:cNvPicPr>
+            <a:picLocks noChangeAspect="1"/>
+          </p:cNvPicPr>
+          <p:nvPr/>
+        </p:nvPicPr>
+        <p:blipFill>
+          <a:blip r:embed="rId3">
+            <a:extLst>
+              <a:ext uri="{28A0092B-C50C-407E-A947-70E740481C1C}">
+                <a14:useLocalDpi xmlns:a14="http://schemas.microsoft.com/office/drawing/2010/main" val="0"/>
+              </a:ext>
+            </a:extLst>
+          </a:blip>
+          <a:stretch>
+            <a:fillRect/>
+          </a:stretch>
+        </p:blipFill>
+        <p:spPr>
+          <a:xfrm>
+            <a:off x="1272828" y="4523246"/>
+            <a:ext cx="812698" cy="812698"/>
+          </a:xfrm>
+          <a:prstGeom prst="rect">
+            <a:avLst/>
+          </a:prstGeom>
+        </p:spPr>
+      </p:pic>
+      <p:pic>
+        <p:nvPicPr>
+          <p:cNvPr id="10" name="그림 9"/>
+          <p:cNvPicPr>
+            <a:picLocks noChangeAspect="1"/>
+          </p:cNvPicPr>
+          <p:nvPr/>
+        </p:nvPicPr>
+        <p:blipFill>
+          <a:blip r:embed="rId4">
+            <a:extLst>
+              <a:ext uri="{28A0092B-C50C-407E-A947-70E740481C1C}">
+                <a14:useLocalDpi xmlns:a14="http://schemas.microsoft.com/office/drawing/2010/main" val="0"/>
+              </a:ext>
+            </a:extLst>
+          </a:blip>
+          <a:stretch>
+            <a:fillRect/>
+          </a:stretch>
+        </p:blipFill>
+        <p:spPr>
+          <a:xfrm>
+            <a:off x="1184762" y="2447818"/>
+            <a:ext cx="958111" cy="958111"/>
+          </a:xfrm>
+          <a:prstGeom prst="rect">
+            <a:avLst/>
+          </a:prstGeom>
+        </p:spPr>
+      </p:pic>
+      <p:pic>
+        <p:nvPicPr>
+          <p:cNvPr id="12" name="그림 11"/>
+          <p:cNvPicPr>
+            <a:picLocks noChangeAspect="1"/>
+          </p:cNvPicPr>
+          <p:nvPr/>
+        </p:nvPicPr>
+        <p:blipFill>
+          <a:blip r:embed="rId5">
+            <a:extLst>
+              <a:ext uri="{28A0092B-C50C-407E-A947-70E740481C1C}">
+                <a14:useLocalDpi xmlns:a14="http://schemas.microsoft.com/office/drawing/2010/main" val="0"/>
+              </a:ext>
+            </a:extLst>
+          </a:blip>
+          <a:stretch>
+            <a:fillRect/>
+          </a:stretch>
+        </p:blipFill>
+        <p:spPr>
+          <a:xfrm>
+            <a:off x="1257468" y="3470944"/>
+            <a:ext cx="812698" cy="812698"/>
+          </a:xfrm>
+          <a:prstGeom prst="rect">
+            <a:avLst/>
+          </a:prstGeom>
+        </p:spPr>
+      </p:pic>
+      <p:sp>
+        <p:nvSpPr>
+          <p:cNvPr id="14" name="TextBox 13"/>
+          <p:cNvSpPr txBox="1"/>
+          <p:nvPr/>
+        </p:nvSpPr>
+        <p:spPr>
+          <a:xfrm>
+            <a:off x="2172748" y="1492583"/>
+            <a:ext cx="1531188" cy="923330"/>
+          </a:xfrm>
+          <a:prstGeom prst="rect">
+            <a:avLst/>
+          </a:prstGeom>
+          <a:noFill/>
+        </p:spPr>
+        <p:txBody>
+          <a:bodyPr wrap="square" rtlCol="0">
+            <a:spAutoFit/>
+          </a:bodyPr>
+          <a:lstStyle/>
+          <a:p>
+            <a:r>
+              <a:rPr lang="en-US" altLang="ko-KR" dirty="0"/>
+              <a:t>HP : 3</a:t>
+            </a:r>
+          </a:p>
+          <a:p>
+            <a:r>
+              <a:rPr lang="en-US" altLang="ko-KR" dirty="0"/>
+              <a:t>MP : 1000</a:t>
+            </a:r>
+          </a:p>
+          <a:p>
+            <a:r>
+              <a:rPr lang="ko-KR" altLang="en-US" dirty="0"/>
+              <a:t>이동속도 </a:t>
+            </a:r>
+            <a:r>
+              <a:rPr lang="en-US" altLang="ko-KR" dirty="0"/>
+              <a:t>: 1 </a:t>
+            </a:r>
+            <a:endParaRPr lang="ko-KR" altLang="en-US" dirty="0"/>
+          </a:p>
+        </p:txBody>
+      </p:sp>
+      <p:sp>
+        <p:nvSpPr>
+          <p:cNvPr id="18" name="TextBox 17"/>
+          <p:cNvSpPr txBox="1"/>
+          <p:nvPr/>
+        </p:nvSpPr>
+        <p:spPr>
+          <a:xfrm>
+            <a:off x="2172748" y="2465209"/>
+            <a:ext cx="1449436" cy="923330"/>
+          </a:xfrm>
+          <a:prstGeom prst="rect">
+            <a:avLst/>
+          </a:prstGeom>
+          <a:noFill/>
+        </p:spPr>
+        <p:txBody>
+          <a:bodyPr wrap="square" rtlCol="0">
+            <a:spAutoFit/>
+          </a:bodyPr>
+          <a:lstStyle/>
+          <a:p>
+            <a:r>
+              <a:rPr lang="en-US" altLang="ko-KR" dirty="0"/>
+              <a:t>HP : 2</a:t>
+            </a:r>
+          </a:p>
+          <a:p>
+            <a:r>
+              <a:rPr lang="en-US" altLang="ko-KR" dirty="0"/>
+              <a:t>MP : 1000</a:t>
+            </a:r>
+          </a:p>
+          <a:p>
+            <a:r>
+              <a:rPr lang="ko-KR" altLang="en-US" dirty="0"/>
+              <a:t>이동속도 </a:t>
+            </a:r>
+            <a:r>
+              <a:rPr lang="en-US" altLang="ko-KR" dirty="0"/>
+              <a:t>: 2</a:t>
+            </a:r>
+            <a:endParaRPr lang="ko-KR" altLang="en-US" dirty="0"/>
+          </a:p>
+        </p:txBody>
+      </p:sp>
+      <p:sp>
+        <p:nvSpPr>
+          <p:cNvPr id="19" name="TextBox 18"/>
+          <p:cNvSpPr txBox="1"/>
+          <p:nvPr/>
+        </p:nvSpPr>
+        <p:spPr>
+          <a:xfrm>
+            <a:off x="2172748" y="3437835"/>
+            <a:ext cx="1627369" cy="923330"/>
+          </a:xfrm>
+          <a:prstGeom prst="rect">
+            <a:avLst/>
+          </a:prstGeom>
+          <a:noFill/>
+        </p:spPr>
+        <p:txBody>
+          <a:bodyPr wrap="square" rtlCol="0">
+            <a:spAutoFit/>
+          </a:bodyPr>
+          <a:lstStyle/>
+          <a:p>
+            <a:r>
+              <a:rPr lang="en-US" altLang="ko-KR" dirty="0"/>
+              <a:t>HP : 5</a:t>
+            </a:r>
+          </a:p>
+          <a:p>
+            <a:r>
+              <a:rPr lang="en-US" altLang="ko-KR" dirty="0"/>
+              <a:t>MP : 1000</a:t>
+            </a:r>
+          </a:p>
+          <a:p>
+            <a:r>
+              <a:rPr lang="ko-KR" altLang="en-US" dirty="0"/>
+              <a:t>이동속도 </a:t>
+            </a:r>
+            <a:r>
+              <a:rPr lang="en-US" altLang="ko-KR" dirty="0"/>
+              <a:t>: 0.5</a:t>
+            </a:r>
+            <a:endParaRPr lang="ko-KR" altLang="en-US" dirty="0"/>
+          </a:p>
+        </p:txBody>
+      </p:sp>
+      <p:sp>
+        <p:nvSpPr>
+          <p:cNvPr id="20" name="TextBox 19"/>
+          <p:cNvSpPr txBox="1"/>
+          <p:nvPr/>
+        </p:nvSpPr>
+        <p:spPr>
+          <a:xfrm>
+            <a:off x="2172748" y="4412614"/>
+            <a:ext cx="1449436" cy="923330"/>
+          </a:xfrm>
+          <a:prstGeom prst="rect">
+            <a:avLst/>
+          </a:prstGeom>
+          <a:noFill/>
+        </p:spPr>
+        <p:txBody>
+          <a:bodyPr wrap="square" rtlCol="0">
+            <a:spAutoFit/>
+          </a:bodyPr>
+          <a:lstStyle/>
+          <a:p>
+            <a:r>
+              <a:rPr lang="en-US" altLang="ko-KR" dirty="0"/>
+              <a:t>HP : 3</a:t>
+            </a:r>
+          </a:p>
+          <a:p>
+            <a:r>
+              <a:rPr lang="en-US" altLang="ko-KR" dirty="0"/>
+              <a:t>MP : 1000</a:t>
+            </a:r>
+          </a:p>
+          <a:p>
+            <a:r>
+              <a:rPr lang="ko-KR" altLang="en-US" dirty="0"/>
+              <a:t>이동속도 </a:t>
+            </a:r>
+            <a:r>
+              <a:rPr lang="en-US" altLang="ko-KR" dirty="0"/>
+              <a:t>: 1</a:t>
+            </a:r>
+            <a:endParaRPr lang="ko-KR" altLang="en-US" dirty="0"/>
+          </a:p>
+        </p:txBody>
+      </p:sp>
+    </p:spTree>
+    <p:extLst>
+      <p:ext uri="{BB962C8B-B14F-4D97-AF65-F5344CB8AC3E}">
+        <p14:creationId xmlns:p14="http://schemas.microsoft.com/office/powerpoint/2010/main" val="3568941074"/>
+      </p:ext>
+    </p:extLst>
+  </p:cSld>
+  <p:clrMapOvr>
+    <a:masterClrMapping/>
+  </p:clrMapOvr>
+</p:sld>
+</file>
+
+<file path=ppt/slides/slide16.xml><?xml version="1.0" encoding="utf-8"?>
+<p:sld xmlns:a="http://schemas.openxmlformats.org/drawingml/2006/main" xmlns:r="http://schemas.openxmlformats.org/officeDocument/2006/relationships" xmlns:p="http://schemas.openxmlformats.org/presentationml/2006/main">
+  <p:cSld>
+    <p:spTree>
+      <p:nvGrpSpPr>
+        <p:cNvPr id="1" name=""/>
+        <p:cNvGrpSpPr/>
+        <p:nvPr/>
+      </p:nvGrpSpPr>
+      <p:grpSpPr>
+        <a:xfrm>
+          <a:off x="0" y="0"/>
+          <a:ext cx="0" cy="0"/>
+          <a:chOff x="0" y="0"/>
+          <a:chExt cx="0" cy="0"/>
+        </a:xfrm>
+      </p:grpSpPr>
+      <p:sp>
+        <p:nvSpPr>
           <p:cNvPr id="6" name="직사각형 5"/>
           <p:cNvSpPr/>
           <p:nvPr/>
@@ -7167,7 +7465,7 @@
 </p:sld>
 </file>
 
-<file path=ppt/slides/slide15.xml><?xml version="1.0" encoding="utf-8"?>
+<file path=ppt/slides/slide17.xml><?xml version="1.0" encoding="utf-8"?>
 <p:sld xmlns:a="http://schemas.openxmlformats.org/drawingml/2006/main" xmlns:r="http://schemas.openxmlformats.org/officeDocument/2006/relationships" xmlns:p="http://schemas.openxmlformats.org/presentationml/2006/main">
   <p:cSld>
     <p:spTree>
@@ -8005,7 +8303,7 @@
 </p:sld>
 </file>
 
-<file path=ppt/slides/slide16.xml><?xml version="1.0" encoding="utf-8"?>
+<file path=ppt/slides/slide18.xml><?xml version="1.0" encoding="utf-8"?>
 <p:sld xmlns:a="http://schemas.openxmlformats.org/drawingml/2006/main" xmlns:r="http://schemas.openxmlformats.org/officeDocument/2006/relationships" xmlns:p="http://schemas.openxmlformats.org/presentationml/2006/main">
   <p:cSld>
     <p:spTree>
@@ -8662,7 +8960,7 @@
 </p:sld>
 </file>
 
-<file path=ppt/slides/slide17.xml><?xml version="1.0" encoding="utf-8"?>
+<file path=ppt/slides/slide19.xml><?xml version="1.0" encoding="utf-8"?>
 <p:sld xmlns:a="http://schemas.openxmlformats.org/drawingml/2006/main" xmlns:r="http://schemas.openxmlformats.org/officeDocument/2006/relationships" xmlns:p="http://schemas.openxmlformats.org/presentationml/2006/main">
   <p:cSld>
     <p:spTree>
@@ -8726,7 +9024,140 @@
 </p:sld>
 </file>
 
-<file path=ppt/slides/slide18.xml><?xml version="1.0" encoding="utf-8"?>
+<file path=ppt/slides/slide2.xml><?xml version="1.0" encoding="utf-8"?>
+<p:sld xmlns:a="http://schemas.openxmlformats.org/drawingml/2006/main" xmlns:r="http://schemas.openxmlformats.org/officeDocument/2006/relationships" xmlns:p="http://schemas.openxmlformats.org/presentationml/2006/main">
+  <p:cSld>
+    <p:spTree>
+      <p:nvGrpSpPr>
+        <p:cNvPr id="1" name=""/>
+        <p:cNvGrpSpPr/>
+        <p:nvPr/>
+      </p:nvGrpSpPr>
+      <p:grpSpPr>
+        <a:xfrm>
+          <a:off x="0" y="0"/>
+          <a:ext cx="0" cy="0"/>
+          <a:chOff x="0" y="0"/>
+          <a:chExt cx="0" cy="0"/>
+        </a:xfrm>
+      </p:grpSpPr>
+      <p:sp>
+        <p:nvSpPr>
+          <p:cNvPr id="3" name="TextBox 2"/>
+          <p:cNvSpPr txBox="1"/>
+          <p:nvPr/>
+        </p:nvSpPr>
+        <p:spPr>
+          <a:xfrm>
+            <a:off x="190743" y="182246"/>
+            <a:ext cx="1415772" cy="461665"/>
+          </a:xfrm>
+          <a:prstGeom prst="rect">
+            <a:avLst/>
+          </a:prstGeom>
+          <a:noFill/>
+        </p:spPr>
+        <p:txBody>
+          <a:bodyPr wrap="none" rtlCol="0">
+            <a:spAutoFit/>
+          </a:bodyPr>
+          <a:lstStyle/>
+          <a:p>
+            <a:r>
+              <a:rPr lang="ko-KR" altLang="en-US" sz="2400" b="1" dirty="0" err="1"/>
+              <a:t>메인메뉴</a:t>
+            </a:r>
+            <a:endParaRPr lang="ko-KR" altLang="en-US" sz="2400" b="1" dirty="0"/>
+          </a:p>
+        </p:txBody>
+      </p:sp>
+      <p:pic>
+        <p:nvPicPr>
+          <p:cNvPr id="5" name="매인배경.png" descr="매인배경.png"/>
+          <p:cNvPicPr>
+            <a:picLocks noChangeAspect="1"/>
+          </p:cNvPicPr>
+          <p:nvPr/>
+        </p:nvPicPr>
+        <p:blipFill>
+          <a:blip r:embed="rId2">
+            <a:extLst/>
+          </a:blip>
+          <a:stretch>
+            <a:fillRect/>
+          </a:stretch>
+        </p:blipFill>
+        <p:spPr>
+          <a:xfrm>
+            <a:off x="1661125" y="882096"/>
+            <a:ext cx="8688489" cy="4887275"/>
+          </a:xfrm>
+          <a:prstGeom prst="rect">
+            <a:avLst/>
+          </a:prstGeom>
+          <a:ln w="12700">
+            <a:miter lim="400000"/>
+          </a:ln>
+        </p:spPr>
+      </p:pic>
+      <p:sp>
+        <p:nvSpPr>
+          <p:cNvPr id="6" name="T I T L E"/>
+          <p:cNvSpPr/>
+          <p:nvPr/>
+        </p:nvSpPr>
+        <p:spPr>
+          <a:xfrm>
+            <a:off x="2356937" y="2426712"/>
+            <a:ext cx="7553833" cy="1348672"/>
+          </a:xfrm>
+          <a:prstGeom prst="rect">
+            <a:avLst/>
+          </a:prstGeom>
+          <a:ln w="12700">
+            <a:miter lim="400000"/>
+          </a:ln>
+          <a:extLst>
+            <a:ext uri="{C572A759-6A51-4108-AA02-DFA0A04FC94B}">
+              <ma14:wrappingTextBoxFlag xmlns:ma14="http://schemas.microsoft.com/office/mac/drawingml/2011/main" xmlns="" val="1"/>
+            </a:ext>
+          </a:extLst>
+        </p:spPr>
+        <p:txBody>
+          <a:bodyPr lIns="50800" tIns="50800" rIns="50800" bIns="50800" anchor="ctr"/>
+          <a:lstStyle>
+            <a:lvl1pPr>
+              <a:defRPr sz="8000">
+                <a:latin typeface="Arial"/>
+                <a:ea typeface="Arial"/>
+                <a:cs typeface="Arial"/>
+                <a:sym typeface="Arial"/>
+              </a:defRPr>
+            </a:lvl1pPr>
+          </a:lstStyle>
+          <a:p>
+            <a:pPr algn="ctr"/>
+            <a:r>
+              <a:rPr sz="11500" dirty="0"/>
+              <a:t>T I T L E</a:t>
+            </a:r>
+          </a:p>
+        </p:txBody>
+      </p:sp>
+    </p:spTree>
+    <p:extLst>
+      <p:ext uri="{BB962C8B-B14F-4D97-AF65-F5344CB8AC3E}">
+        <p14:creationId xmlns:p14="http://schemas.microsoft.com/office/powerpoint/2010/main" val="1897900934"/>
+      </p:ext>
+    </p:extLst>
+  </p:cSld>
+  <p:clrMapOvr>
+    <a:masterClrMapping/>
+  </p:clrMapOvr>
+</p:sld>
+</file>
+
+<file path=ppt/slides/slide20.xml><?xml version="1.0" encoding="utf-8"?>
 <p:sld xmlns:a="http://schemas.openxmlformats.org/drawingml/2006/main" xmlns:r="http://schemas.openxmlformats.org/officeDocument/2006/relationships" xmlns:p="http://schemas.openxmlformats.org/presentationml/2006/main">
   <p:cSld>
     <p:bg>
@@ -9606,7 +10037,7 @@
 </p:sld>
 </file>
 
-<file path=ppt/slides/slide19.xml><?xml version="1.0" encoding="utf-8"?>
+<file path=ppt/slides/slide21.xml><?xml version="1.0" encoding="utf-8"?>
 <p:sld xmlns:a="http://schemas.openxmlformats.org/drawingml/2006/main" xmlns:r="http://schemas.openxmlformats.org/officeDocument/2006/relationships" xmlns:p="http://schemas.openxmlformats.org/presentationml/2006/main">
   <p:cSld>
     <p:spTree>
@@ -10163,117 +10594,7 @@
 </p:sld>
 </file>
 
-<file path=ppt/slides/slide2.xml><?xml version="1.0" encoding="utf-8"?>
-<p:sld xmlns:a="http://schemas.openxmlformats.org/drawingml/2006/main" xmlns:r="http://schemas.openxmlformats.org/officeDocument/2006/relationships" xmlns:p="http://schemas.openxmlformats.org/presentationml/2006/main">
-  <p:cSld>
-    <p:spTree>
-      <p:nvGrpSpPr>
-        <p:cNvPr id="1" name=""/>
-        <p:cNvGrpSpPr/>
-        <p:nvPr/>
-      </p:nvGrpSpPr>
-      <p:grpSpPr>
-        <a:xfrm>
-          <a:off x="0" y="0"/>
-          <a:ext cx="0" cy="0"/>
-          <a:chOff x="0" y="0"/>
-          <a:chExt cx="0" cy="0"/>
-        </a:xfrm>
-      </p:grpSpPr>
-      <p:sp>
-        <p:nvSpPr>
-          <p:cNvPr id="3" name="TextBox 2"/>
-          <p:cNvSpPr txBox="1"/>
-          <p:nvPr/>
-        </p:nvSpPr>
-        <p:spPr>
-          <a:xfrm>
-            <a:off x="190743" y="182246"/>
-            <a:ext cx="1415772" cy="461665"/>
-          </a:xfrm>
-          <a:prstGeom prst="rect">
-            <a:avLst/>
-          </a:prstGeom>
-          <a:noFill/>
-        </p:spPr>
-        <p:txBody>
-          <a:bodyPr wrap="none" rtlCol="0">
-            <a:spAutoFit/>
-          </a:bodyPr>
-          <a:lstStyle/>
-          <a:p>
-            <a:r>
-              <a:rPr lang="ko-KR" altLang="en-US" sz="2400" b="1" dirty="0" err="1"/>
-              <a:t>메인메뉴</a:t>
-            </a:r>
-            <a:endParaRPr lang="ko-KR" altLang="en-US" sz="2400" b="1" dirty="0"/>
-          </a:p>
-        </p:txBody>
-      </p:sp>
-      <p:sp>
-        <p:nvSpPr>
-          <p:cNvPr id="4" name="직사각형 3"/>
-          <p:cNvSpPr/>
-          <p:nvPr/>
-        </p:nvSpPr>
-        <p:spPr>
-          <a:xfrm>
-            <a:off x="465246" y="2911573"/>
-            <a:ext cx="4588777" cy="3489821"/>
-          </a:xfrm>
-          <a:prstGeom prst="rect">
-            <a:avLst/>
-          </a:prstGeom>
-          <a:solidFill>
-            <a:schemeClr val="bg2">
-              <a:lumMod val="90000"/>
-            </a:schemeClr>
-          </a:solidFill>
-          <a:ln>
-            <a:solidFill>
-              <a:schemeClr val="tx1"/>
-            </a:solidFill>
-          </a:ln>
-        </p:spPr>
-        <p:style>
-          <a:lnRef idx="2">
-            <a:schemeClr val="accent1">
-              <a:shade val="50000"/>
-            </a:schemeClr>
-          </a:lnRef>
-          <a:fillRef idx="1">
-            <a:schemeClr val="accent1"/>
-          </a:fillRef>
-          <a:effectRef idx="0">
-            <a:schemeClr val="accent1"/>
-          </a:effectRef>
-          <a:fontRef idx="minor">
-            <a:schemeClr val="lt1"/>
-          </a:fontRef>
-        </p:style>
-        <p:txBody>
-          <a:bodyPr rtlCol="0" anchor="ctr"/>
-          <a:lstStyle/>
-          <a:p>
-            <a:pPr algn="ctr"/>
-            <a:endParaRPr lang="ko-KR" altLang="en-US" dirty="0"/>
-          </a:p>
-        </p:txBody>
-      </p:sp>
-    </p:spTree>
-    <p:extLst>
-      <p:ext uri="{BB962C8B-B14F-4D97-AF65-F5344CB8AC3E}">
-        <p14:creationId xmlns:p14="http://schemas.microsoft.com/office/powerpoint/2010/main" val="1262561630"/>
-      </p:ext>
-    </p:extLst>
-  </p:cSld>
-  <p:clrMapOvr>
-    <a:masterClrMapping/>
-  </p:clrMapOvr>
-</p:sld>
-</file>
-
-<file path=ppt/slides/slide20.xml><?xml version="1.0" encoding="utf-8"?>
+<file path=ppt/slides/slide22.xml><?xml version="1.0" encoding="utf-8"?>
 <p:sld xmlns:a="http://schemas.openxmlformats.org/drawingml/2006/main" xmlns:r="http://schemas.openxmlformats.org/officeDocument/2006/relationships" xmlns:p="http://schemas.openxmlformats.org/presentationml/2006/main">
   <p:cSld>
     <p:spTree>
@@ -10930,7 +11251,7 @@
 </p:sld>
 </file>
 
-<file path=ppt/slides/slide21.xml><?xml version="1.0" encoding="utf-8"?>
+<file path=ppt/slides/slide23.xml><?xml version="1.0" encoding="utf-8"?>
 <p:sld xmlns:a="http://schemas.openxmlformats.org/drawingml/2006/main" xmlns:r="http://schemas.openxmlformats.org/officeDocument/2006/relationships" xmlns:p="http://schemas.openxmlformats.org/presentationml/2006/main">
   <p:cSld>
     <p:spTree>
@@ -11502,7 +11823,7 @@
         <p:spPr>
           <a:xfrm>
             <a:off x="190743" y="182246"/>
-            <a:ext cx="2140330" cy="461665"/>
+            <a:ext cx="1415772" cy="461665"/>
           </a:xfrm>
           <a:prstGeom prst="rect">
             <a:avLst/>
@@ -11517,69 +11838,880 @@
           <a:p>
             <a:r>
               <a:rPr lang="ko-KR" altLang="en-US" sz="2400" b="1" dirty="0" err="1"/>
-              <a:t>메인화면</a:t>
-            </a:r>
-            <a:r>
-              <a:rPr lang="ko-KR" altLang="en-US" sz="2400" b="1" dirty="0"/>
-              <a:t> 옵션</a:t>
-            </a:r>
-          </a:p>
-        </p:txBody>
-      </p:sp>
-      <p:sp>
-        <p:nvSpPr>
-          <p:cNvPr id="4" name="직사각형 3"/>
+              <a:t>메인메뉴</a:t>
+            </a:r>
+            <a:endParaRPr lang="ko-KR" altLang="en-US" sz="2400" b="1" dirty="0"/>
+          </a:p>
+        </p:txBody>
+      </p:sp>
+      <p:pic>
+        <p:nvPicPr>
+          <p:cNvPr id="5" name="매인배경.png" descr="매인배경.png"/>
+          <p:cNvPicPr>
+            <a:picLocks noChangeAspect="1"/>
+          </p:cNvPicPr>
+          <p:nvPr/>
+        </p:nvPicPr>
+        <p:blipFill>
+          <a:blip r:embed="rId2">
+            <a:extLst/>
+          </a:blip>
+          <a:stretch>
+            <a:fillRect/>
+          </a:stretch>
+        </p:blipFill>
+        <p:spPr>
+          <a:xfrm>
+            <a:off x="1661125" y="882096"/>
+            <a:ext cx="8688489" cy="4887275"/>
+          </a:xfrm>
+          <a:prstGeom prst="rect">
+            <a:avLst/>
+          </a:prstGeom>
+          <a:ln w="12700">
+            <a:miter lim="400000"/>
+          </a:ln>
+        </p:spPr>
+      </p:pic>
+      <p:sp>
+        <p:nvSpPr>
+          <p:cNvPr id="7" name="START"/>
           <p:cNvSpPr/>
           <p:nvPr/>
         </p:nvSpPr>
         <p:spPr>
           <a:xfrm>
-            <a:off x="465246" y="2911573"/>
-            <a:ext cx="4588777" cy="3489821"/>
+            <a:off x="5441976" y="2770311"/>
+            <a:ext cx="1639311" cy="434033"/>
+          </a:xfrm>
+          <a:prstGeom prst="rect">
+            <a:avLst/>
+          </a:prstGeom>
+          <a:blipFill>
+            <a:blip r:embed="rId3"/>
+          </a:blipFill>
+          <a:ln w="12700">
+            <a:miter lim="400000"/>
+          </a:ln>
+          <a:effectLst>
+            <a:outerShdw blurRad="38100" dist="25400" dir="5400000" rotWithShape="0">
+              <a:srgbClr val="000000">
+                <a:alpha val="50000"/>
+              </a:srgbClr>
+            </a:outerShdw>
+          </a:effectLst>
+          <a:extLst>
+            <a:ext uri="{C572A759-6A51-4108-AA02-DFA0A04FC94B}">
+              <ma14:wrappingTextBoxFlag xmlns:ma14="http://schemas.microsoft.com/office/mac/drawingml/2011/main" xmlns="" val="1"/>
+            </a:ext>
+          </a:extLst>
+        </p:spPr>
+        <p:txBody>
+          <a:bodyPr lIns="50800" tIns="50800" rIns="50800" bIns="50800" anchor="ctr"/>
+          <a:lstStyle>
+            <a:lvl1pPr>
+              <a:defRPr sz="3200">
+                <a:solidFill>
+                  <a:srgbClr val="FFFFFF"/>
+                </a:solidFill>
+              </a:defRPr>
+            </a:lvl1pPr>
+          </a:lstStyle>
+          <a:p>
+            <a:pPr algn="ctr"/>
+            <a:r>
+              <a:rPr dirty="0"/>
+              <a:t>START</a:t>
+            </a:r>
+          </a:p>
+        </p:txBody>
+      </p:sp>
+      <p:sp>
+        <p:nvSpPr>
+          <p:cNvPr id="8" name="GUIDE"/>
+          <p:cNvSpPr/>
+          <p:nvPr/>
+        </p:nvSpPr>
+        <p:spPr>
+          <a:xfrm>
+            <a:off x="3597055" y="2553295"/>
+            <a:ext cx="1379032" cy="452502"/>
+          </a:xfrm>
+          <a:prstGeom prst="rect">
+            <a:avLst/>
+          </a:prstGeom>
+          <a:blipFill>
+            <a:blip r:embed="rId4"/>
+          </a:blipFill>
+          <a:ln w="12700">
+            <a:miter lim="400000"/>
+          </a:ln>
+          <a:effectLst>
+            <a:outerShdw blurRad="50800" dist="12700" rotWithShape="0">
+              <a:srgbClr val="000000">
+                <a:alpha val="50000"/>
+              </a:srgbClr>
+            </a:outerShdw>
+          </a:effectLst>
+          <a:extLst>
+            <a:ext uri="{C572A759-6A51-4108-AA02-DFA0A04FC94B}">
+              <ma14:wrappingTextBoxFlag xmlns:ma14="http://schemas.microsoft.com/office/mac/drawingml/2011/main" xmlns="" val="1"/>
+            </a:ext>
+          </a:extLst>
+        </p:spPr>
+        <p:txBody>
+          <a:bodyPr lIns="50800" tIns="50800" rIns="50800" bIns="50800" anchor="ctr"/>
+          <a:lstStyle>
+            <a:lvl1pPr>
+              <a:defRPr sz="3200">
+                <a:solidFill>
+                  <a:srgbClr val="FFFFFF"/>
+                </a:solidFill>
+              </a:defRPr>
+            </a:lvl1pPr>
+          </a:lstStyle>
+          <a:p>
+            <a:pPr algn="ctr"/>
+            <a:r>
+              <a:rPr dirty="0"/>
+              <a:t>GUIDE</a:t>
+            </a:r>
+          </a:p>
+        </p:txBody>
+      </p:sp>
+      <p:sp>
+        <p:nvSpPr>
+          <p:cNvPr id="9" name="OPTION"/>
+          <p:cNvSpPr/>
+          <p:nvPr/>
+        </p:nvSpPr>
+        <p:spPr>
+          <a:xfrm>
+            <a:off x="1855041" y="2553295"/>
+            <a:ext cx="1639311" cy="434033"/>
+          </a:xfrm>
+          <a:prstGeom prst="rect">
+            <a:avLst/>
+          </a:prstGeom>
+          <a:blipFill>
+            <a:blip r:embed="rId4"/>
+          </a:blipFill>
+          <a:ln w="12700">
+            <a:miter lim="400000"/>
+          </a:ln>
+          <a:effectLst>
+            <a:outerShdw blurRad="50800" dist="12700" rotWithShape="0">
+              <a:srgbClr val="000000">
+                <a:alpha val="50000"/>
+              </a:srgbClr>
+            </a:outerShdw>
+          </a:effectLst>
+          <a:extLst>
+            <a:ext uri="{C572A759-6A51-4108-AA02-DFA0A04FC94B}">
+              <ma14:wrappingTextBoxFlag xmlns:ma14="http://schemas.microsoft.com/office/mac/drawingml/2011/main" xmlns="" val="1"/>
+            </a:ext>
+          </a:extLst>
+        </p:spPr>
+        <p:txBody>
+          <a:bodyPr lIns="50800" tIns="50800" rIns="50800" bIns="50800" anchor="ctr"/>
+          <a:lstStyle>
+            <a:lvl1pPr>
+              <a:defRPr sz="3200">
+                <a:solidFill>
+                  <a:srgbClr val="FFFFFF"/>
+                </a:solidFill>
+              </a:defRPr>
+            </a:lvl1pPr>
+          </a:lstStyle>
+          <a:p>
+            <a:r>
+              <a:rPr dirty="0"/>
+              <a:t>OPTION</a:t>
+            </a:r>
+          </a:p>
+        </p:txBody>
+      </p:sp>
+      <p:sp>
+        <p:nvSpPr>
+          <p:cNvPr id="10" name="CREDIT"/>
+          <p:cNvSpPr/>
+          <p:nvPr/>
+        </p:nvSpPr>
+        <p:spPr>
+          <a:xfrm>
+            <a:off x="8395437" y="2579939"/>
+            <a:ext cx="1639311" cy="434033"/>
+          </a:xfrm>
+          <a:prstGeom prst="rect">
+            <a:avLst/>
+          </a:prstGeom>
+          <a:blipFill>
+            <a:blip r:embed="rId3"/>
+          </a:blipFill>
+          <a:ln w="12700">
+            <a:miter lim="400000"/>
+          </a:ln>
+          <a:effectLst>
+            <a:outerShdw blurRad="38100" dist="25400" dir="5400000" rotWithShape="0">
+              <a:srgbClr val="000000">
+                <a:alpha val="50000"/>
+              </a:srgbClr>
+            </a:outerShdw>
+          </a:effectLst>
+          <a:extLst>
+            <a:ext uri="{C572A759-6A51-4108-AA02-DFA0A04FC94B}">
+              <ma14:wrappingTextBoxFlag xmlns:ma14="http://schemas.microsoft.com/office/mac/drawingml/2011/main" xmlns="" val="1"/>
+            </a:ext>
+          </a:extLst>
+        </p:spPr>
+        <p:txBody>
+          <a:bodyPr lIns="50800" tIns="50800" rIns="50800" bIns="50800" anchor="ctr"/>
+          <a:lstStyle>
+            <a:lvl1pPr>
+              <a:defRPr sz="3200">
+                <a:solidFill>
+                  <a:srgbClr val="FFFFFF"/>
+                </a:solidFill>
+              </a:defRPr>
+            </a:lvl1pPr>
+          </a:lstStyle>
+          <a:p>
+            <a:pPr algn="ctr"/>
+            <a:r>
+              <a:rPr dirty="0"/>
+              <a:t>CREDIT</a:t>
+            </a:r>
+          </a:p>
+        </p:txBody>
+      </p:sp>
+      <p:sp>
+        <p:nvSpPr>
+          <p:cNvPr id="11" name="EXIT"/>
+          <p:cNvSpPr/>
+          <p:nvPr/>
+        </p:nvSpPr>
+        <p:spPr>
+          <a:xfrm>
+            <a:off x="8981380" y="994416"/>
+            <a:ext cx="1161612" cy="434032"/>
+          </a:xfrm>
+          <a:prstGeom prst="rect">
+            <a:avLst/>
+          </a:prstGeom>
+          <a:blipFill>
+            <a:blip r:embed="rId3"/>
+          </a:blipFill>
+          <a:ln w="12700">
+            <a:miter lim="400000"/>
+          </a:ln>
+          <a:effectLst>
+            <a:outerShdw blurRad="38100" dist="25400" dir="5400000" rotWithShape="0">
+              <a:srgbClr val="000000">
+                <a:alpha val="50000"/>
+              </a:srgbClr>
+            </a:outerShdw>
+          </a:effectLst>
+          <a:extLst>
+            <a:ext uri="{C572A759-6A51-4108-AA02-DFA0A04FC94B}">
+              <ma14:wrappingTextBoxFlag xmlns:ma14="http://schemas.microsoft.com/office/mac/drawingml/2011/main" xmlns="" val="1"/>
+            </a:ext>
+          </a:extLst>
+        </p:spPr>
+        <p:txBody>
+          <a:bodyPr lIns="50800" tIns="50800" rIns="50800" bIns="50800" anchor="ctr"/>
+          <a:lstStyle>
+            <a:lvl1pPr>
+              <a:defRPr sz="3200">
+                <a:solidFill>
+                  <a:srgbClr val="FFFFFF"/>
+                </a:solidFill>
+              </a:defRPr>
+            </a:lvl1pPr>
+          </a:lstStyle>
+          <a:p>
+            <a:pPr algn="ctr"/>
+            <a:r>
+              <a:rPr dirty="0"/>
+              <a:t>EXIT</a:t>
+            </a:r>
+          </a:p>
+        </p:txBody>
+      </p:sp>
+      <p:sp>
+        <p:nvSpPr>
+          <p:cNvPr id="12" name="옵션…"/>
+          <p:cNvSpPr/>
+          <p:nvPr/>
+        </p:nvSpPr>
+        <p:spPr>
+          <a:xfrm>
+            <a:off x="507720" y="1193826"/>
+            <a:ext cx="2796493" cy="595035"/>
           </a:xfrm>
           <a:prstGeom prst="rect">
             <a:avLst/>
           </a:prstGeom>
           <a:solidFill>
-            <a:schemeClr val="bg2">
-              <a:lumMod val="90000"/>
-            </a:schemeClr>
+            <a:schemeClr val="bg1"/>
           </a:solidFill>
-          <a:ln>
+          <a:ln w="25400">
             <a:solidFill>
-              <a:schemeClr val="tx1"/>
+              <a:srgbClr val="85888D"/>
             </a:solidFill>
+            <a:miter lim="400000"/>
           </a:ln>
-        </p:spPr>
-        <p:style>
-          <a:lnRef idx="2">
-            <a:schemeClr val="accent1">
-              <a:shade val="50000"/>
-            </a:schemeClr>
-          </a:lnRef>
-          <a:fillRef idx="1">
-            <a:schemeClr val="accent1"/>
-          </a:fillRef>
-          <a:effectRef idx="0">
-            <a:schemeClr val="accent1"/>
-          </a:effectRef>
-          <a:fontRef idx="minor">
-            <a:schemeClr val="lt1"/>
-          </a:fontRef>
-        </p:style>
-        <p:txBody>
-          <a:bodyPr rtlCol="0" anchor="ctr"/>
-          <a:lstStyle/>
+          <a:extLst>
+            <a:ext uri="{C572A759-6A51-4108-AA02-DFA0A04FC94B}">
+              <ma14:wrappingTextBoxFlag xmlns:ma14="http://schemas.microsoft.com/office/mac/drawingml/2011/main" xmlns="" val="1"/>
+            </a:ext>
+          </a:extLst>
+        </p:spPr>
+        <p:txBody>
+          <a:bodyPr wrap="square" lIns="50800" tIns="50800" rIns="50800" bIns="50800" anchor="ctr">
+            <a:spAutoFit/>
+          </a:bodyPr>
+          <a:lstStyle/>
+          <a:p>
+            <a:pPr>
+              <a:defRPr sz="3200"/>
+            </a:pPr>
+            <a:r>
+              <a:t>옵션패널</a:t>
+            </a:r>
+            <a:r>
+              <a:rPr lang="en-US" altLang="ko-KR" dirty="0"/>
+              <a:t> </a:t>
+            </a:r>
+            <a:r>
+              <a:rPr lang="ko-KR" altLang="en-US" dirty="0"/>
+              <a:t>열</a:t>
+            </a:r>
+            <a:r>
+              <a:rPr dirty="0"/>
+              <a:t>기</a:t>
+            </a:r>
+          </a:p>
+        </p:txBody>
+      </p:sp>
+      <p:sp>
+        <p:nvSpPr>
+          <p:cNvPr id="13" name="게임 종료"/>
+          <p:cNvSpPr/>
+          <p:nvPr/>
+        </p:nvSpPr>
+        <p:spPr>
+          <a:xfrm>
+            <a:off x="9631050" y="182246"/>
+            <a:ext cx="1984076" cy="595035"/>
+          </a:xfrm>
+          <a:prstGeom prst="rect">
+            <a:avLst/>
+          </a:prstGeom>
+          <a:solidFill>
+            <a:schemeClr val="bg1"/>
+          </a:solidFill>
+          <a:ln w="25400">
+            <a:solidFill>
+              <a:srgbClr val="85888D"/>
+            </a:solidFill>
+            <a:miter lim="400000"/>
+          </a:ln>
+          <a:extLst>
+            <a:ext uri="{C572A759-6A51-4108-AA02-DFA0A04FC94B}">
+              <ma14:wrappingTextBoxFlag xmlns:ma14="http://schemas.microsoft.com/office/mac/drawingml/2011/main" xmlns="" val="1"/>
+            </a:ext>
+          </a:extLst>
+        </p:spPr>
+        <p:txBody>
+          <a:bodyPr wrap="square" lIns="50800" tIns="50800" rIns="50800" bIns="50800" anchor="ctr">
+            <a:spAutoFit/>
+          </a:bodyPr>
+          <a:lstStyle>
+            <a:lvl1pPr>
+              <a:defRPr sz="3200"/>
+            </a:lvl1pPr>
+          </a:lstStyle>
           <a:p>
             <a:pPr algn="ctr"/>
-            <a:endParaRPr lang="ko-KR" altLang="en-US" dirty="0"/>
-          </a:p>
-        </p:txBody>
-      </p:sp>
+            <a:r>
+              <a:rPr dirty="0" err="1"/>
+              <a:t>게임</a:t>
+            </a:r>
+            <a:r>
+              <a:rPr dirty="0"/>
+              <a:t> </a:t>
+            </a:r>
+            <a:r>
+              <a:rPr dirty="0" err="1"/>
+              <a:t>종료</a:t>
+            </a:r>
+            <a:endParaRPr dirty="0"/>
+          </a:p>
+        </p:txBody>
+      </p:sp>
+      <p:sp>
+        <p:nvSpPr>
+          <p:cNvPr id="14" name="플레이어 선택…"/>
+          <p:cNvSpPr/>
+          <p:nvPr/>
+        </p:nvSpPr>
+        <p:spPr>
+          <a:xfrm>
+            <a:off x="4031940" y="5879335"/>
+            <a:ext cx="4459382" cy="595035"/>
+          </a:xfrm>
+          <a:prstGeom prst="rect">
+            <a:avLst/>
+          </a:prstGeom>
+          <a:solidFill>
+            <a:schemeClr val="bg1"/>
+          </a:solidFill>
+          <a:ln w="25400">
+            <a:solidFill>
+              <a:srgbClr val="85888D"/>
+            </a:solidFill>
+            <a:miter lim="400000"/>
+          </a:ln>
+          <a:extLst>
+            <a:ext uri="{C572A759-6A51-4108-AA02-DFA0A04FC94B}">
+              <ma14:wrappingTextBoxFlag xmlns:ma14="http://schemas.microsoft.com/office/mac/drawingml/2011/main" xmlns="" val="1"/>
+            </a:ext>
+          </a:extLst>
+        </p:spPr>
+        <p:txBody>
+          <a:bodyPr wrap="square" lIns="50800" tIns="50800" rIns="50800" bIns="50800" anchor="ctr">
+            <a:spAutoFit/>
+          </a:bodyPr>
+          <a:lstStyle/>
+          <a:p>
+            <a:pPr>
+              <a:defRPr sz="3200"/>
+            </a:pPr>
+            <a:r>
+              <a:rPr dirty="0" err="1"/>
+              <a:t>플레이어</a:t>
+            </a:r>
+            <a:r>
+              <a:rPr dirty="0"/>
+              <a:t> </a:t>
+            </a:r>
+            <a:r>
+              <a:rPr dirty="0" err="1"/>
+              <a:t>선택</a:t>
+            </a:r>
+            <a:r>
+              <a:rPr lang="en-US" altLang="ko-KR" dirty="0"/>
+              <a:t> </a:t>
+            </a:r>
+            <a:r>
+              <a:rPr dirty="0"/>
+              <a:t>씬</a:t>
+            </a:r>
+            <a:r>
+              <a:rPr lang="en-US" altLang="ko-KR" dirty="0"/>
+              <a:t> </a:t>
+            </a:r>
+            <a:r>
+              <a:rPr dirty="0" err="1"/>
+              <a:t>열기</a:t>
+            </a:r>
+            <a:endParaRPr dirty="0"/>
+          </a:p>
+        </p:txBody>
+      </p:sp>
+      <p:sp>
+        <p:nvSpPr>
+          <p:cNvPr id="15" name="크레딧…"/>
+          <p:cNvSpPr/>
+          <p:nvPr/>
+        </p:nvSpPr>
+        <p:spPr>
+          <a:xfrm>
+            <a:off x="9290797" y="4136916"/>
+            <a:ext cx="2756967" cy="595035"/>
+          </a:xfrm>
+          <a:prstGeom prst="rect">
+            <a:avLst/>
+          </a:prstGeom>
+          <a:solidFill>
+            <a:schemeClr val="bg1"/>
+          </a:solidFill>
+          <a:ln w="25400">
+            <a:solidFill>
+              <a:srgbClr val="85888D"/>
+            </a:solidFill>
+            <a:miter lim="400000"/>
+          </a:ln>
+          <a:extLst>
+            <a:ext uri="{C572A759-6A51-4108-AA02-DFA0A04FC94B}">
+              <ma14:wrappingTextBoxFlag xmlns:ma14="http://schemas.microsoft.com/office/mac/drawingml/2011/main" xmlns="" val="1"/>
+            </a:ext>
+          </a:extLst>
+        </p:spPr>
+        <p:txBody>
+          <a:bodyPr wrap="square" lIns="50800" tIns="50800" rIns="50800" bIns="50800" anchor="ctr">
+            <a:spAutoFit/>
+          </a:bodyPr>
+          <a:lstStyle/>
+          <a:p>
+            <a:pPr>
+              <a:defRPr sz="3200"/>
+            </a:pPr>
+            <a:r>
+              <a:rPr dirty="0" err="1"/>
+              <a:t>크레딧씬</a:t>
+            </a:r>
+            <a:r>
+              <a:rPr lang="en-US" altLang="ko-KR" dirty="0"/>
+              <a:t> </a:t>
+            </a:r>
+            <a:r>
+              <a:rPr dirty="0" err="1"/>
+              <a:t>열기</a:t>
+            </a:r>
+            <a:endParaRPr dirty="0"/>
+          </a:p>
+        </p:txBody>
+      </p:sp>
+      <p:grpSp>
+        <p:nvGrpSpPr>
+          <p:cNvPr id="16" name="그룹"/>
+          <p:cNvGrpSpPr/>
+          <p:nvPr/>
+        </p:nvGrpSpPr>
+        <p:grpSpPr>
+          <a:xfrm>
+            <a:off x="2129267" y="1732905"/>
+            <a:ext cx="386266" cy="804116"/>
+            <a:chOff x="0" y="0"/>
+            <a:chExt cx="776110" cy="2342332"/>
+          </a:xfrm>
+        </p:grpSpPr>
+        <p:sp>
+          <p:nvSpPr>
+            <p:cNvPr id="17" name="선"/>
+            <p:cNvSpPr/>
+            <p:nvPr/>
+          </p:nvSpPr>
+          <p:spPr>
+            <a:xfrm flipV="1">
+              <a:off x="-1" y="0"/>
+              <a:ext cx="2" cy="2342333"/>
+            </a:xfrm>
+            <a:prstGeom prst="line">
+              <a:avLst/>
+            </a:prstGeom>
+            <a:noFill/>
+            <a:ln w="63500" cap="flat">
+              <a:solidFill>
+                <a:srgbClr val="FF2600"/>
+              </a:solidFill>
+              <a:prstDash val="solid"/>
+              <a:miter lim="400000"/>
+              <a:tailEnd type="triangle" w="med" len="med"/>
+            </a:ln>
+            <a:effectLst/>
+          </p:spPr>
+          <p:txBody>
+            <a:bodyPr wrap="square" lIns="50800" tIns="50800" rIns="50800" bIns="50800" numCol="1" anchor="ctr">
+              <a:noAutofit/>
+            </a:bodyPr>
+            <a:lstStyle/>
+            <a:p>
+              <a:pPr>
+                <a:defRPr sz="3200"/>
+              </a:pPr>
+              <a:endParaRPr/>
+            </a:p>
+          </p:txBody>
+        </p:sp>
+        <p:sp>
+          <p:nvSpPr>
+            <p:cNvPr id="18" name="선"/>
+            <p:cNvSpPr/>
+            <p:nvPr/>
+          </p:nvSpPr>
+          <p:spPr>
+            <a:xfrm flipH="1">
+              <a:off x="776110" y="0"/>
+              <a:ext cx="1" cy="2342333"/>
+            </a:xfrm>
+            <a:prstGeom prst="line">
+              <a:avLst/>
+            </a:prstGeom>
+            <a:noFill/>
+            <a:ln w="63500" cap="flat">
+              <a:solidFill>
+                <a:srgbClr val="FF2600"/>
+              </a:solidFill>
+              <a:prstDash val="solid"/>
+              <a:miter lim="400000"/>
+              <a:tailEnd type="triangle" w="med" len="med"/>
+            </a:ln>
+            <a:effectLst/>
+          </p:spPr>
+          <p:txBody>
+            <a:bodyPr wrap="square" lIns="50800" tIns="50800" rIns="50800" bIns="50800" numCol="1" anchor="ctr">
+              <a:noAutofit/>
+            </a:bodyPr>
+            <a:lstStyle/>
+            <a:p>
+              <a:pPr>
+                <a:defRPr sz="3200"/>
+              </a:pPr>
+              <a:endParaRPr/>
+            </a:p>
+          </p:txBody>
+        </p:sp>
+      </p:grpSp>
+      <p:sp>
+        <p:nvSpPr>
+          <p:cNvPr id="19" name="선"/>
+          <p:cNvSpPr/>
+          <p:nvPr/>
+        </p:nvSpPr>
+        <p:spPr>
+          <a:xfrm>
+            <a:off x="6286500" y="3314308"/>
+            <a:ext cx="12700" cy="2455062"/>
+          </a:xfrm>
+          <a:prstGeom prst="line">
+            <a:avLst/>
+          </a:prstGeom>
+          <a:ln w="63500">
+            <a:solidFill>
+              <a:srgbClr val="FF2600"/>
+            </a:solidFill>
+            <a:miter lim="400000"/>
+            <a:tailEnd type="triangle"/>
+          </a:ln>
+        </p:spPr>
+        <p:txBody>
+          <a:bodyPr lIns="50800" tIns="50800" rIns="50800" bIns="50800" anchor="ctr"/>
+          <a:lstStyle/>
+          <a:p>
+            <a:pPr>
+              <a:defRPr sz="3200"/>
+            </a:pPr>
+            <a:endParaRPr/>
+          </a:p>
+        </p:txBody>
+      </p:sp>
+      <p:sp>
+        <p:nvSpPr>
+          <p:cNvPr id="20" name="선"/>
+          <p:cNvSpPr/>
+          <p:nvPr/>
+        </p:nvSpPr>
+        <p:spPr>
+          <a:xfrm>
+            <a:off x="9182101" y="3013972"/>
+            <a:ext cx="1318536" cy="1122944"/>
+          </a:xfrm>
+          <a:prstGeom prst="line">
+            <a:avLst/>
+          </a:prstGeom>
+          <a:ln w="63500">
+            <a:solidFill>
+              <a:srgbClr val="FF2600"/>
+            </a:solidFill>
+            <a:miter lim="400000"/>
+            <a:tailEnd type="triangle"/>
+          </a:ln>
+        </p:spPr>
+        <p:txBody>
+          <a:bodyPr lIns="50800" tIns="50800" rIns="50800" bIns="50800" anchor="ctr"/>
+          <a:lstStyle/>
+          <a:p>
+            <a:pPr>
+              <a:defRPr sz="3200"/>
+            </a:pPr>
+            <a:endParaRPr/>
+          </a:p>
+        </p:txBody>
+      </p:sp>
+      <p:sp>
+        <p:nvSpPr>
+          <p:cNvPr id="21" name="선"/>
+          <p:cNvSpPr/>
+          <p:nvPr/>
+        </p:nvSpPr>
+        <p:spPr>
+          <a:xfrm flipV="1">
+            <a:off x="10142993" y="772132"/>
+            <a:ext cx="386786" cy="439180"/>
+          </a:xfrm>
+          <a:prstGeom prst="line">
+            <a:avLst/>
+          </a:prstGeom>
+          <a:ln w="63500">
+            <a:solidFill>
+              <a:srgbClr val="FF2600"/>
+            </a:solidFill>
+            <a:miter lim="400000"/>
+            <a:tailEnd type="triangle"/>
+          </a:ln>
+        </p:spPr>
+        <p:txBody>
+          <a:bodyPr lIns="50800" tIns="50800" rIns="50800" bIns="50800" anchor="ctr"/>
+          <a:lstStyle/>
+          <a:p>
+            <a:pPr>
+              <a:defRPr sz="3200"/>
+            </a:pPr>
+            <a:endParaRPr/>
+          </a:p>
+        </p:txBody>
+      </p:sp>
+      <p:sp>
+        <p:nvSpPr>
+          <p:cNvPr id="22" name="가이드…"/>
+          <p:cNvSpPr/>
+          <p:nvPr/>
+        </p:nvSpPr>
+        <p:spPr>
+          <a:xfrm>
+            <a:off x="2834946" y="239967"/>
+            <a:ext cx="3170423" cy="595035"/>
+          </a:xfrm>
+          <a:prstGeom prst="rect">
+            <a:avLst/>
+          </a:prstGeom>
+          <a:solidFill>
+            <a:schemeClr val="bg1"/>
+          </a:solidFill>
+          <a:ln w="25400">
+            <a:solidFill>
+              <a:srgbClr val="85888D"/>
+            </a:solidFill>
+            <a:miter lim="400000"/>
+          </a:ln>
+          <a:extLst>
+            <a:ext uri="{C572A759-6A51-4108-AA02-DFA0A04FC94B}">
+              <ma14:wrappingTextBoxFlag xmlns:ma14="http://schemas.microsoft.com/office/mac/drawingml/2011/main" xmlns="" val="1"/>
+            </a:ext>
+          </a:extLst>
+        </p:spPr>
+        <p:txBody>
+          <a:bodyPr wrap="square" lIns="50800" tIns="50800" rIns="50800" bIns="50800" anchor="ctr">
+            <a:spAutoFit/>
+          </a:bodyPr>
+          <a:lstStyle/>
+          <a:p>
+            <a:pPr>
+              <a:defRPr sz="3200"/>
+            </a:pPr>
+            <a:r>
+              <a:rPr dirty="0" err="1"/>
+              <a:t>가이드패널</a:t>
+            </a:r>
+            <a:r>
+              <a:rPr dirty="0"/>
+              <a:t> </a:t>
+            </a:r>
+            <a:r>
+              <a:rPr dirty="0" err="1"/>
+              <a:t>열기</a:t>
+            </a:r>
+            <a:endParaRPr dirty="0"/>
+          </a:p>
+        </p:txBody>
+      </p:sp>
+      <p:grpSp>
+        <p:nvGrpSpPr>
+          <p:cNvPr id="23" name="그룹"/>
+          <p:cNvGrpSpPr/>
+          <p:nvPr/>
+        </p:nvGrpSpPr>
+        <p:grpSpPr>
+          <a:xfrm>
+            <a:off x="4207736" y="835002"/>
+            <a:ext cx="324908" cy="1608328"/>
+            <a:chOff x="0" y="0"/>
+            <a:chExt cx="776110" cy="2342332"/>
+          </a:xfrm>
+        </p:grpSpPr>
+        <p:sp>
+          <p:nvSpPr>
+            <p:cNvPr id="24" name="선"/>
+            <p:cNvSpPr/>
+            <p:nvPr/>
+          </p:nvSpPr>
+          <p:spPr>
+            <a:xfrm flipV="1">
+              <a:off x="-1" y="0"/>
+              <a:ext cx="2" cy="2342333"/>
+            </a:xfrm>
+            <a:prstGeom prst="line">
+              <a:avLst/>
+            </a:prstGeom>
+            <a:noFill/>
+            <a:ln w="63500" cap="flat">
+              <a:solidFill>
+                <a:srgbClr val="FF2600"/>
+              </a:solidFill>
+              <a:prstDash val="solid"/>
+              <a:miter lim="400000"/>
+              <a:tailEnd type="triangle" w="med" len="med"/>
+            </a:ln>
+            <a:effectLst/>
+          </p:spPr>
+          <p:txBody>
+            <a:bodyPr wrap="square" lIns="50800" tIns="50800" rIns="50800" bIns="50800" numCol="1" anchor="ctr">
+              <a:noAutofit/>
+            </a:bodyPr>
+            <a:lstStyle/>
+            <a:p>
+              <a:pPr>
+                <a:defRPr sz="3200"/>
+              </a:pPr>
+              <a:endParaRPr/>
+            </a:p>
+          </p:txBody>
+        </p:sp>
+        <p:sp>
+          <p:nvSpPr>
+            <p:cNvPr id="25" name="선"/>
+            <p:cNvSpPr/>
+            <p:nvPr/>
+          </p:nvSpPr>
+          <p:spPr>
+            <a:xfrm flipH="1">
+              <a:off x="776110" y="0"/>
+              <a:ext cx="1" cy="2342333"/>
+            </a:xfrm>
+            <a:prstGeom prst="line">
+              <a:avLst/>
+            </a:prstGeom>
+            <a:noFill/>
+            <a:ln w="63500" cap="flat">
+              <a:solidFill>
+                <a:srgbClr val="FF2600"/>
+              </a:solidFill>
+              <a:prstDash val="solid"/>
+              <a:miter lim="400000"/>
+              <a:tailEnd type="triangle" w="med" len="med"/>
+            </a:ln>
+            <a:effectLst/>
+          </p:spPr>
+          <p:txBody>
+            <a:bodyPr wrap="square" lIns="50800" tIns="50800" rIns="50800" bIns="50800" numCol="1" anchor="ctr">
+              <a:noAutofit/>
+            </a:bodyPr>
+            <a:lstStyle/>
+            <a:p>
+              <a:pPr>
+                <a:defRPr sz="3200"/>
+              </a:pPr>
+              <a:endParaRPr/>
+            </a:p>
+          </p:txBody>
+        </p:sp>
+      </p:grpSp>
     </p:spTree>
     <p:extLst>
       <p:ext uri="{BB962C8B-B14F-4D97-AF65-F5344CB8AC3E}">
-        <p14:creationId xmlns:p14="http://schemas.microsoft.com/office/powerpoint/2010/main" val="3945803733"/>
+        <p14:creationId xmlns:p14="http://schemas.microsoft.com/office/powerpoint/2010/main" val="1262561630"/>
       </p:ext>
     </p:extLst>
   </p:cSld>
@@ -11967,7 +13099,7 @@
             <a:pPr algn="ctr"/>
             <a:r>
               <a:rPr lang="ko-KR" altLang="en-US" dirty="0"/>
-              <a:t>캐릭터 선택 씬</a:t>
+              <a:t>캐릭터 선택</a:t>
             </a:r>
           </a:p>
         </p:txBody>
@@ -13432,7 +14564,7 @@
             <a:pPr algn="ctr"/>
             <a:r>
               <a:rPr lang="ko-KR" altLang="en-US" dirty="0"/>
-              <a:t>모드 선택 씬</a:t>
+              <a:t>플레이어 선택</a:t>
             </a:r>
           </a:p>
         </p:txBody>
@@ -13513,7 +14645,7 @@
         <p:spPr>
           <a:xfrm>
             <a:off x="190743" y="182246"/>
-            <a:ext cx="1832553" cy="461665"/>
+            <a:ext cx="2140330" cy="461665"/>
           </a:xfrm>
           <a:prstGeom prst="rect">
             <a:avLst/>
@@ -13528,69 +14660,738 @@
           <a:p>
             <a:r>
               <a:rPr lang="ko-KR" altLang="en-US" sz="2400" b="1" dirty="0" err="1"/>
-              <a:t>인게임</a:t>
+              <a:t>메인화면</a:t>
             </a:r>
             <a:r>
               <a:rPr lang="ko-KR" altLang="en-US" sz="2400" b="1" dirty="0"/>
-              <a:t> 화면</a:t>
-            </a:r>
-          </a:p>
-        </p:txBody>
-      </p:sp>
-      <p:sp>
-        <p:nvSpPr>
-          <p:cNvPr id="4" name="직사각형 3"/>
-          <p:cNvSpPr/>
-          <p:nvPr/>
-        </p:nvSpPr>
-        <p:spPr>
-          <a:xfrm>
-            <a:off x="465246" y="2911573"/>
-            <a:ext cx="4588777" cy="3489821"/>
-          </a:xfrm>
-          <a:prstGeom prst="rect">
-            <a:avLst/>
-          </a:prstGeom>
-          <a:solidFill>
-            <a:schemeClr val="bg2">
-              <a:lumMod val="90000"/>
-            </a:schemeClr>
-          </a:solidFill>
-          <a:ln>
+              <a:t> 옵션</a:t>
+            </a:r>
+          </a:p>
+        </p:txBody>
+      </p:sp>
+      <p:grpSp>
+        <p:nvGrpSpPr>
+          <p:cNvPr id="24" name="그룹 23"/>
+          <p:cNvGrpSpPr/>
+          <p:nvPr/>
+        </p:nvGrpSpPr>
+        <p:grpSpPr>
+          <a:xfrm>
+            <a:off x="2692399" y="527378"/>
+            <a:ext cx="6802695" cy="5632910"/>
+            <a:chOff x="8767839" y="657526"/>
+            <a:chExt cx="12318802" cy="10200473"/>
+          </a:xfrm>
+        </p:grpSpPr>
+        <p:sp>
+          <p:nvSpPr>
+            <p:cNvPr id="7" name="직사각형"/>
+            <p:cNvSpPr/>
+            <p:nvPr/>
+          </p:nvSpPr>
+          <p:spPr>
+            <a:xfrm>
+              <a:off x="8767839" y="657526"/>
+              <a:ext cx="12318802" cy="10200473"/>
+            </a:xfrm>
+            <a:prstGeom prst="rect">
+              <a:avLst/>
+            </a:prstGeom>
             <a:solidFill>
-              <a:schemeClr val="tx1"/>
+              <a:schemeClr val="accent4">
+                <a:hueOff val="46120"/>
+                <a:satOff val="4178"/>
+                <a:lumOff val="-16732"/>
+              </a:schemeClr>
             </a:solidFill>
-          </a:ln>
-        </p:spPr>
-        <p:style>
-          <a:lnRef idx="2">
-            <a:schemeClr val="accent1">
-              <a:shade val="50000"/>
-            </a:schemeClr>
-          </a:lnRef>
-          <a:fillRef idx="1">
-            <a:schemeClr val="accent1"/>
-          </a:fillRef>
-          <a:effectRef idx="0">
-            <a:schemeClr val="accent1"/>
-          </a:effectRef>
-          <a:fontRef idx="minor">
-            <a:schemeClr val="lt1"/>
-          </a:fontRef>
-        </p:style>
-        <p:txBody>
-          <a:bodyPr rtlCol="0" anchor="ctr"/>
-          <a:lstStyle/>
-          <a:p>
-            <a:pPr algn="ctr"/>
-            <a:endParaRPr lang="ko-KR" altLang="en-US" dirty="0"/>
-          </a:p>
-        </p:txBody>
-      </p:sp>
+            <a:ln w="12700">
+              <a:miter lim="400000"/>
+            </a:ln>
+            <a:effectLst>
+              <a:outerShdw blurRad="38100" dist="25400" dir="5400000" rotWithShape="0">
+                <a:srgbClr val="000000">
+                  <a:alpha val="50000"/>
+                </a:srgbClr>
+              </a:outerShdw>
+            </a:effectLst>
+          </p:spPr>
+          <p:txBody>
+            <a:bodyPr lIns="50800" tIns="50800" rIns="50800" bIns="50800" anchor="ctr"/>
+            <a:lstStyle/>
+            <a:p>
+              <a:pPr>
+                <a:defRPr sz="3200">
+                  <a:solidFill>
+                    <a:srgbClr val="FFFFFF"/>
+                  </a:solidFill>
+                  <a:latin typeface="Arial"/>
+                  <a:ea typeface="Arial"/>
+                  <a:cs typeface="Arial"/>
+                  <a:sym typeface="Arial"/>
+                </a:defRPr>
+              </a:pPr>
+              <a:endParaRPr/>
+            </a:p>
+          </p:txBody>
+        </p:sp>
+        <p:sp>
+          <p:nvSpPr>
+            <p:cNvPr id="8" name="O P T I O N"/>
+            <p:cNvSpPr/>
+            <p:nvPr/>
+          </p:nvSpPr>
+          <p:spPr>
+            <a:xfrm>
+              <a:off x="13229104" y="806708"/>
+              <a:ext cx="3396271" cy="817427"/>
+            </a:xfrm>
+            <a:prstGeom prst="rect">
+              <a:avLst/>
+            </a:prstGeom>
+            <a:ln w="12700">
+              <a:miter lim="400000"/>
+            </a:ln>
+            <a:extLst>
+              <a:ext uri="{C572A759-6A51-4108-AA02-DFA0A04FC94B}">
+                <ma14:wrappingTextBoxFlag xmlns:ma14="http://schemas.microsoft.com/office/mac/drawingml/2011/main" xmlns="" val="1"/>
+              </a:ext>
+            </a:extLst>
+          </p:spPr>
+          <p:txBody>
+            <a:bodyPr wrap="square" lIns="50800" tIns="50800" rIns="50800" bIns="50800" anchor="ctr">
+              <a:spAutoFit/>
+            </a:bodyPr>
+            <a:lstStyle>
+              <a:lvl1pPr>
+                <a:defRPr>
+                  <a:latin typeface="Arial"/>
+                  <a:ea typeface="Arial"/>
+                  <a:cs typeface="Arial"/>
+                  <a:sym typeface="Arial"/>
+                </a:defRPr>
+              </a:lvl1pPr>
+            </a:lstStyle>
+            <a:p>
+              <a:r>
+                <a:t>O P T I O N</a:t>
+              </a:r>
+            </a:p>
+          </p:txBody>
+        </p:sp>
+        <p:sp>
+          <p:nvSpPr>
+            <p:cNvPr id="9" name="BGM"/>
+            <p:cNvSpPr/>
+            <p:nvPr/>
+          </p:nvSpPr>
+          <p:spPr>
+            <a:xfrm>
+              <a:off x="10126944" y="4017195"/>
+              <a:ext cx="1560724" cy="817427"/>
+            </a:xfrm>
+            <a:prstGeom prst="rect">
+              <a:avLst/>
+            </a:prstGeom>
+            <a:ln w="12700">
+              <a:miter lim="400000"/>
+            </a:ln>
+            <a:extLst>
+              <a:ext uri="{C572A759-6A51-4108-AA02-DFA0A04FC94B}">
+                <ma14:wrappingTextBoxFlag xmlns:ma14="http://schemas.microsoft.com/office/mac/drawingml/2011/main" xmlns="" val="1"/>
+              </a:ext>
+            </a:extLst>
+          </p:spPr>
+          <p:txBody>
+            <a:bodyPr wrap="square" lIns="50800" tIns="50800" rIns="50800" bIns="50800" anchor="ctr">
+              <a:spAutoFit/>
+            </a:bodyPr>
+            <a:lstStyle>
+              <a:lvl1pPr>
+                <a:defRPr>
+                  <a:latin typeface="Arial"/>
+                  <a:ea typeface="Arial"/>
+                  <a:cs typeface="Arial"/>
+                  <a:sym typeface="Arial"/>
+                </a:defRPr>
+              </a:lvl1pPr>
+            </a:lstStyle>
+            <a:p>
+              <a:r>
+                <a:t>BGM</a:t>
+              </a:r>
+            </a:p>
+          </p:txBody>
+        </p:sp>
+        <p:sp>
+          <p:nvSpPr>
+            <p:cNvPr id="10" name="SFX"/>
+            <p:cNvSpPr/>
+            <p:nvPr/>
+          </p:nvSpPr>
+          <p:spPr>
+            <a:xfrm>
+              <a:off x="10232674" y="7135837"/>
+              <a:ext cx="1349264" cy="817427"/>
+            </a:xfrm>
+            <a:prstGeom prst="rect">
+              <a:avLst/>
+            </a:prstGeom>
+            <a:ln w="12700">
+              <a:miter lim="400000"/>
+            </a:ln>
+            <a:extLst>
+              <a:ext uri="{C572A759-6A51-4108-AA02-DFA0A04FC94B}">
+                <ma14:wrappingTextBoxFlag xmlns:ma14="http://schemas.microsoft.com/office/mac/drawingml/2011/main" xmlns="" val="1"/>
+              </a:ext>
+            </a:extLst>
+          </p:spPr>
+          <p:txBody>
+            <a:bodyPr wrap="square" lIns="50800" tIns="50800" rIns="50800" bIns="50800" anchor="ctr">
+              <a:spAutoFit/>
+            </a:bodyPr>
+            <a:lstStyle>
+              <a:lvl1pPr>
+                <a:defRPr>
+                  <a:latin typeface="Arial"/>
+                  <a:ea typeface="Arial"/>
+                  <a:cs typeface="Arial"/>
+                  <a:sym typeface="Arial"/>
+                </a:defRPr>
+              </a:lvl1pPr>
+            </a:lstStyle>
+            <a:p>
+              <a:r>
+                <a:t>SFX</a:t>
+              </a:r>
+            </a:p>
+          </p:txBody>
+        </p:sp>
+        <p:sp>
+          <p:nvSpPr>
+            <p:cNvPr id="11" name="선"/>
+            <p:cNvSpPr/>
+            <p:nvPr/>
+          </p:nvSpPr>
+          <p:spPr>
+            <a:xfrm>
+              <a:off x="10692740" y="3289667"/>
+              <a:ext cx="8418620" cy="1"/>
+            </a:xfrm>
+            <a:prstGeom prst="line">
+              <a:avLst/>
+            </a:prstGeom>
+            <a:ln w="63500">
+              <a:solidFill>
+                <a:srgbClr val="000000"/>
+              </a:solidFill>
+              <a:miter lim="400000"/>
+            </a:ln>
+          </p:spPr>
+          <p:txBody>
+            <a:bodyPr lIns="50800" tIns="50800" rIns="50800" bIns="50800" anchor="ctr"/>
+            <a:lstStyle/>
+            <a:p>
+              <a:pPr>
+                <a:defRPr sz="3200"/>
+              </a:pPr>
+              <a:endParaRPr/>
+            </a:p>
+          </p:txBody>
+        </p:sp>
+        <p:sp>
+          <p:nvSpPr>
+            <p:cNvPr id="12" name="선"/>
+            <p:cNvSpPr/>
+            <p:nvPr/>
+          </p:nvSpPr>
+          <p:spPr>
+            <a:xfrm>
+              <a:off x="10297495" y="8876415"/>
+              <a:ext cx="8418619" cy="1"/>
+            </a:xfrm>
+            <a:prstGeom prst="line">
+              <a:avLst/>
+            </a:prstGeom>
+            <a:ln w="63500">
+              <a:solidFill>
+                <a:srgbClr val="000000"/>
+              </a:solidFill>
+              <a:miter lim="400000"/>
+            </a:ln>
+          </p:spPr>
+          <p:txBody>
+            <a:bodyPr lIns="50800" tIns="50800" rIns="50800" bIns="50800" anchor="ctr"/>
+            <a:lstStyle/>
+            <a:p>
+              <a:pPr>
+                <a:defRPr sz="3200"/>
+              </a:pPr>
+              <a:endParaRPr/>
+            </a:p>
+          </p:txBody>
+        </p:sp>
+        <p:sp>
+          <p:nvSpPr>
+            <p:cNvPr id="13" name="직사각형"/>
+            <p:cNvSpPr/>
+            <p:nvPr/>
+          </p:nvSpPr>
+          <p:spPr>
+            <a:xfrm>
+              <a:off x="10247115" y="8241415"/>
+              <a:ext cx="540079" cy="1270001"/>
+            </a:xfrm>
+            <a:prstGeom prst="rect">
+              <a:avLst/>
+            </a:prstGeom>
+            <a:solidFill>
+              <a:srgbClr val="000000"/>
+            </a:solidFill>
+            <a:ln w="12700">
+              <a:miter lim="400000"/>
+            </a:ln>
+            <a:effectLst>
+              <a:outerShdw blurRad="38100" dist="25400" dir="5400000" rotWithShape="0">
+                <a:srgbClr val="000000">
+                  <a:alpha val="50000"/>
+                </a:srgbClr>
+              </a:outerShdw>
+            </a:effectLst>
+          </p:spPr>
+          <p:txBody>
+            <a:bodyPr lIns="50800" tIns="50800" rIns="50800" bIns="50800" anchor="ctr"/>
+            <a:lstStyle/>
+            <a:p>
+              <a:pPr>
+                <a:defRPr sz="3200">
+                  <a:solidFill>
+                    <a:srgbClr val="FFFFFF"/>
+                  </a:solidFill>
+                </a:defRPr>
+              </a:pPr>
+              <a:endParaRPr/>
+            </a:p>
+          </p:txBody>
+        </p:sp>
+        <p:sp>
+          <p:nvSpPr>
+            <p:cNvPr id="14" name="PANEL CLOSE"/>
+            <p:cNvSpPr/>
+            <p:nvPr/>
+          </p:nvSpPr>
+          <p:spPr>
+            <a:xfrm>
+              <a:off x="10546949" y="9970989"/>
+              <a:ext cx="4455121" cy="687390"/>
+            </a:xfrm>
+            <a:prstGeom prst="rect">
+              <a:avLst/>
+            </a:prstGeom>
+            <a:blipFill>
+              <a:blip r:embed="rId2"/>
+            </a:blipFill>
+            <a:ln w="12700">
+              <a:miter lim="400000"/>
+            </a:ln>
+            <a:effectLst>
+              <a:outerShdw blurRad="50800" dist="12700" rotWithShape="0">
+                <a:srgbClr val="000000">
+                  <a:alpha val="50000"/>
+                </a:srgbClr>
+              </a:outerShdw>
+            </a:effectLst>
+            <a:extLst>
+              <a:ext uri="{C572A759-6A51-4108-AA02-DFA0A04FC94B}">
+                <ma14:wrappingTextBoxFlag xmlns:ma14="http://schemas.microsoft.com/office/mac/drawingml/2011/main" xmlns="" val="1"/>
+              </a:ext>
+            </a:extLst>
+          </p:spPr>
+          <p:txBody>
+            <a:bodyPr wrap="square" lIns="50800" tIns="50800" rIns="50800" bIns="50800" anchor="ctr">
+              <a:spAutoFit/>
+            </a:bodyPr>
+            <a:lstStyle>
+              <a:lvl1pPr>
+                <a:defRPr>
+                  <a:solidFill>
+                    <a:srgbClr val="FFFFFF"/>
+                  </a:solidFill>
+                  <a:latin typeface="Arial"/>
+                  <a:ea typeface="Arial"/>
+                  <a:cs typeface="Arial"/>
+                  <a:sym typeface="Arial"/>
+                </a:defRPr>
+              </a:lvl1pPr>
+            </a:lstStyle>
+            <a:p>
+              <a:pPr algn="ctr"/>
+              <a:r>
+                <a:rPr lang="en-US" dirty="0"/>
+                <a:t>Ok</a:t>
+              </a:r>
+              <a:endParaRPr dirty="0"/>
+            </a:p>
+          </p:txBody>
+        </p:sp>
+        <p:sp>
+          <p:nvSpPr>
+            <p:cNvPr id="15" name="음소거"/>
+            <p:cNvSpPr/>
+            <p:nvPr/>
+          </p:nvSpPr>
+          <p:spPr>
+            <a:xfrm>
+              <a:off x="19164570" y="5192191"/>
+              <a:ext cx="1168908" cy="575922"/>
+            </a:xfrm>
+            <a:prstGeom prst="rect">
+              <a:avLst/>
+            </a:prstGeom>
+            <a:blipFill>
+              <a:blip r:embed="rId3"/>
+            </a:blipFill>
+            <a:ln w="12700">
+              <a:miter lim="400000"/>
+            </a:ln>
+            <a:effectLst>
+              <a:outerShdw blurRad="38100" dist="25400" dir="5400000" rotWithShape="0">
+                <a:srgbClr val="000000">
+                  <a:alpha val="50000"/>
+                </a:srgbClr>
+              </a:outerShdw>
+            </a:effectLst>
+            <a:extLst>
+              <a:ext uri="{C572A759-6A51-4108-AA02-DFA0A04FC94B}">
+                <ma14:wrappingTextBoxFlag xmlns:ma14="http://schemas.microsoft.com/office/mac/drawingml/2011/main" xmlns="" val="1"/>
+              </a:ext>
+            </a:extLst>
+          </p:spPr>
+          <p:txBody>
+            <a:bodyPr wrap="square" lIns="50800" tIns="50800" rIns="50800" bIns="50800" anchor="ctr">
+              <a:spAutoFit/>
+            </a:bodyPr>
+            <a:lstStyle>
+              <a:lvl1pPr>
+                <a:defRPr sz="3200">
+                  <a:solidFill>
+                    <a:srgbClr val="FFFFFF"/>
+                  </a:solidFill>
+                </a:defRPr>
+              </a:lvl1pPr>
+            </a:lstStyle>
+            <a:p>
+              <a:r>
+                <a:rPr sz="1400" dirty="0" err="1"/>
+                <a:t>음소거</a:t>
+              </a:r>
+              <a:endParaRPr sz="1400" dirty="0"/>
+            </a:p>
+          </p:txBody>
+        </p:sp>
+        <p:sp>
+          <p:nvSpPr>
+            <p:cNvPr id="16" name="음소거"/>
+            <p:cNvSpPr/>
+            <p:nvPr/>
+          </p:nvSpPr>
+          <p:spPr>
+            <a:xfrm>
+              <a:off x="19164570" y="8222188"/>
+              <a:ext cx="1168908" cy="575922"/>
+            </a:xfrm>
+            <a:prstGeom prst="rect">
+              <a:avLst/>
+            </a:prstGeom>
+            <a:blipFill>
+              <a:blip r:embed="rId3"/>
+            </a:blipFill>
+            <a:ln w="12700">
+              <a:miter lim="400000"/>
+            </a:ln>
+            <a:effectLst>
+              <a:outerShdw blurRad="38100" dist="25400" dir="5400000" rotWithShape="0">
+                <a:srgbClr val="000000">
+                  <a:alpha val="50000"/>
+                </a:srgbClr>
+              </a:outerShdw>
+            </a:effectLst>
+            <a:extLst>
+              <a:ext uri="{C572A759-6A51-4108-AA02-DFA0A04FC94B}">
+                <ma14:wrappingTextBoxFlag xmlns:ma14="http://schemas.microsoft.com/office/mac/drawingml/2011/main" xmlns="" val="1"/>
+              </a:ext>
+            </a:extLst>
+          </p:spPr>
+          <p:txBody>
+            <a:bodyPr wrap="square" lIns="50800" tIns="50800" rIns="50800" bIns="50800" anchor="ctr">
+              <a:spAutoFit/>
+            </a:bodyPr>
+            <a:lstStyle>
+              <a:lvl1pPr>
+                <a:defRPr sz="3200">
+                  <a:solidFill>
+                    <a:srgbClr val="FFFFFF"/>
+                  </a:solidFill>
+                </a:defRPr>
+              </a:lvl1pPr>
+            </a:lstStyle>
+            <a:p>
+              <a:r>
+                <a:rPr sz="1400"/>
+                <a:t>음소거</a:t>
+              </a:r>
+            </a:p>
+          </p:txBody>
+        </p:sp>
+        <p:sp>
+          <p:nvSpPr>
+            <p:cNvPr id="19" name="MASTER"/>
+            <p:cNvSpPr/>
+            <p:nvPr/>
+          </p:nvSpPr>
+          <p:spPr>
+            <a:xfrm>
+              <a:off x="10182078" y="1744713"/>
+              <a:ext cx="2760341" cy="817427"/>
+            </a:xfrm>
+            <a:prstGeom prst="rect">
+              <a:avLst/>
+            </a:prstGeom>
+            <a:ln w="12700">
+              <a:miter lim="400000"/>
+            </a:ln>
+            <a:extLst>
+              <a:ext uri="{C572A759-6A51-4108-AA02-DFA0A04FC94B}">
+                <ma14:wrappingTextBoxFlag xmlns:ma14="http://schemas.microsoft.com/office/mac/drawingml/2011/main" xmlns="" val="1"/>
+              </a:ext>
+            </a:extLst>
+          </p:spPr>
+          <p:txBody>
+            <a:bodyPr wrap="square" lIns="50800" tIns="50800" rIns="50800" bIns="50800" anchor="ctr">
+              <a:spAutoFit/>
+            </a:bodyPr>
+            <a:lstStyle>
+              <a:lvl1pPr>
+                <a:defRPr>
+                  <a:latin typeface="Arial"/>
+                  <a:ea typeface="Arial"/>
+                  <a:cs typeface="Arial"/>
+                  <a:sym typeface="Arial"/>
+                </a:defRPr>
+              </a:lvl1pPr>
+            </a:lstStyle>
+            <a:p>
+              <a:r>
+                <a:t>MASTER</a:t>
+              </a:r>
+            </a:p>
+          </p:txBody>
+        </p:sp>
+        <p:sp>
+          <p:nvSpPr>
+            <p:cNvPr id="20" name="직사각형"/>
+            <p:cNvSpPr/>
+            <p:nvPr/>
+          </p:nvSpPr>
+          <p:spPr>
+            <a:xfrm>
+              <a:off x="10247115" y="2654667"/>
+              <a:ext cx="540079" cy="1270001"/>
+            </a:xfrm>
+            <a:prstGeom prst="rect">
+              <a:avLst/>
+            </a:prstGeom>
+            <a:solidFill>
+              <a:srgbClr val="000000"/>
+            </a:solidFill>
+            <a:ln w="12700">
+              <a:miter lim="400000"/>
+            </a:ln>
+            <a:effectLst>
+              <a:outerShdw blurRad="38100" dist="25400" dir="5400000" rotWithShape="0">
+                <a:srgbClr val="000000">
+                  <a:alpha val="50000"/>
+                </a:srgbClr>
+              </a:outerShdw>
+            </a:effectLst>
+          </p:spPr>
+          <p:txBody>
+            <a:bodyPr lIns="50800" tIns="50800" rIns="50800" bIns="50800" anchor="ctr"/>
+            <a:lstStyle/>
+            <a:p>
+              <a:pPr>
+                <a:defRPr sz="3200">
+                  <a:solidFill>
+                    <a:srgbClr val="FFFFFF"/>
+                  </a:solidFill>
+                </a:defRPr>
+              </a:pPr>
+              <a:endParaRPr/>
+            </a:p>
+          </p:txBody>
+        </p:sp>
+        <p:grpSp>
+          <p:nvGrpSpPr>
+            <p:cNvPr id="21" name="그룹"/>
+            <p:cNvGrpSpPr/>
+            <p:nvPr/>
+          </p:nvGrpSpPr>
+          <p:grpSpPr>
+            <a:xfrm>
+              <a:off x="10247115" y="5211420"/>
+              <a:ext cx="8864244" cy="1270001"/>
+              <a:chOff x="0" y="0"/>
+              <a:chExt cx="8864243" cy="1270000"/>
+            </a:xfrm>
+          </p:grpSpPr>
+          <p:sp>
+            <p:nvSpPr>
+              <p:cNvPr id="22" name="직사각형"/>
+              <p:cNvSpPr/>
+              <p:nvPr/>
+            </p:nvSpPr>
+            <p:spPr>
+              <a:xfrm>
+                <a:off x="0" y="0"/>
+                <a:ext cx="540078" cy="1270000"/>
+              </a:xfrm>
+              <a:prstGeom prst="rect">
+                <a:avLst/>
+              </a:prstGeom>
+              <a:solidFill>
+                <a:srgbClr val="000000"/>
+              </a:solidFill>
+              <a:ln w="12700" cap="flat">
+                <a:noFill/>
+                <a:miter lim="400000"/>
+              </a:ln>
+              <a:effectLst>
+                <a:outerShdw blurRad="38100" dist="25400" dir="5400000" rotWithShape="0">
+                  <a:srgbClr val="000000">
+                    <a:alpha val="50000"/>
+                  </a:srgbClr>
+                </a:outerShdw>
+              </a:effectLst>
+            </p:spPr>
+            <p:txBody>
+              <a:bodyPr wrap="square" lIns="50800" tIns="50800" rIns="50800" bIns="50800" numCol="1" anchor="ctr">
+                <a:noAutofit/>
+              </a:bodyPr>
+              <a:lstStyle/>
+              <a:p>
+                <a:pPr>
+                  <a:defRPr sz="3200">
+                    <a:solidFill>
+                      <a:srgbClr val="FFFFFF"/>
+                    </a:solidFill>
+                  </a:defRPr>
+                </a:pPr>
+                <a:endParaRPr/>
+              </a:p>
+            </p:txBody>
+          </p:sp>
+          <p:sp>
+            <p:nvSpPr>
+              <p:cNvPr id="23" name="선"/>
+              <p:cNvSpPr/>
+              <p:nvPr/>
+            </p:nvSpPr>
+            <p:spPr>
+              <a:xfrm>
+                <a:off x="445624" y="635000"/>
+                <a:ext cx="8418620" cy="0"/>
+              </a:xfrm>
+              <a:prstGeom prst="line">
+                <a:avLst/>
+              </a:prstGeom>
+              <a:noFill/>
+              <a:ln w="63500" cap="flat">
+                <a:solidFill>
+                  <a:srgbClr val="000000"/>
+                </a:solidFill>
+                <a:prstDash val="solid"/>
+                <a:miter lim="400000"/>
+              </a:ln>
+              <a:effectLst/>
+            </p:spPr>
+            <p:txBody>
+              <a:bodyPr wrap="square" lIns="50800" tIns="50800" rIns="50800" bIns="50800" numCol="1" anchor="ctr">
+                <a:noAutofit/>
+              </a:bodyPr>
+              <a:lstStyle/>
+              <a:p>
+                <a:pPr>
+                  <a:defRPr sz="3200"/>
+                </a:pPr>
+                <a:endParaRPr/>
+              </a:p>
+            </p:txBody>
+          </p:sp>
+        </p:grpSp>
+        <p:sp>
+          <p:nvSpPr>
+            <p:cNvPr id="25" name="PANEL CLOSE"/>
+            <p:cNvSpPr/>
+            <p:nvPr/>
+          </p:nvSpPr>
+          <p:spPr>
+            <a:xfrm>
+              <a:off x="15293903" y="9970989"/>
+              <a:ext cx="4455121" cy="687390"/>
+            </a:xfrm>
+            <a:prstGeom prst="rect">
+              <a:avLst/>
+            </a:prstGeom>
+            <a:blipFill>
+              <a:blip r:embed="rId2"/>
+            </a:blipFill>
+            <a:ln w="12700">
+              <a:miter lim="400000"/>
+            </a:ln>
+            <a:effectLst>
+              <a:outerShdw blurRad="50800" dist="12700" rotWithShape="0">
+                <a:srgbClr val="000000">
+                  <a:alpha val="50000"/>
+                </a:srgbClr>
+              </a:outerShdw>
+            </a:effectLst>
+            <a:extLst>
+              <a:ext uri="{C572A759-6A51-4108-AA02-DFA0A04FC94B}">
+                <ma14:wrappingTextBoxFlag xmlns:ma14="http://schemas.microsoft.com/office/mac/drawingml/2011/main" xmlns="" val="1"/>
+              </a:ext>
+            </a:extLst>
+          </p:spPr>
+          <p:txBody>
+            <a:bodyPr wrap="square" lIns="50800" tIns="50800" rIns="50800" bIns="50800" anchor="ctr">
+              <a:spAutoFit/>
+            </a:bodyPr>
+            <a:lstStyle>
+              <a:lvl1pPr>
+                <a:defRPr>
+                  <a:solidFill>
+                    <a:srgbClr val="FFFFFF"/>
+                  </a:solidFill>
+                  <a:latin typeface="Arial"/>
+                  <a:ea typeface="Arial"/>
+                  <a:cs typeface="Arial"/>
+                  <a:sym typeface="Arial"/>
+                </a:defRPr>
+              </a:lvl1pPr>
+            </a:lstStyle>
+            <a:p>
+              <a:pPr algn="ctr"/>
+              <a:r>
+                <a:rPr lang="en-US" dirty="0"/>
+                <a:t>Cancel</a:t>
+              </a:r>
+              <a:endParaRPr dirty="0"/>
+            </a:p>
+          </p:txBody>
+        </p:sp>
+      </p:grpSp>
     </p:spTree>
     <p:extLst>
       <p:ext uri="{BB962C8B-B14F-4D97-AF65-F5344CB8AC3E}">
-        <p14:creationId xmlns:p14="http://schemas.microsoft.com/office/powerpoint/2010/main" val="3539246189"/>
+        <p14:creationId xmlns:p14="http://schemas.microsoft.com/office/powerpoint/2010/main" val="3945803733"/>
       </p:ext>
     </p:extLst>
   </p:cSld>
@@ -13617,9 +15418,330 @@
           <a:chExt cx="0" cy="0"/>
         </a:xfrm>
       </p:grpSpPr>
-      <p:sp>
-        <p:nvSpPr>
-          <p:cNvPr id="3" name="TextBox 2"/>
+      <p:grpSp>
+        <p:nvGrpSpPr>
+          <p:cNvPr id="5" name="그룹 4"/>
+          <p:cNvGrpSpPr/>
+          <p:nvPr/>
+        </p:nvGrpSpPr>
+        <p:grpSpPr>
+          <a:xfrm>
+            <a:off x="1576065" y="1064386"/>
+            <a:ext cx="9384804" cy="5278952"/>
+            <a:chOff x="2810309" y="1930102"/>
+            <a:chExt cx="6613321" cy="3719993"/>
+          </a:xfrm>
+        </p:grpSpPr>
+        <p:pic>
+          <p:nvPicPr>
+            <p:cNvPr id="4" name="그림 3"/>
+            <p:cNvPicPr>
+              <a:picLocks noChangeAspect="1"/>
+            </p:cNvPicPr>
+            <p:nvPr/>
+          </p:nvPicPr>
+          <p:blipFill>
+            <a:blip r:embed="rId2">
+              <a:extLst>
+                <a:ext uri="{28A0092B-C50C-407E-A947-70E740481C1C}">
+                  <a14:useLocalDpi xmlns:a14="http://schemas.microsoft.com/office/drawing/2010/main" val="0"/>
+                </a:ext>
+              </a:extLst>
+            </a:blip>
+            <a:stretch>
+              <a:fillRect/>
+            </a:stretch>
+          </p:blipFill>
+          <p:spPr>
+            <a:xfrm>
+              <a:off x="2810309" y="1930102"/>
+              <a:ext cx="6613321" cy="3719993"/>
+            </a:xfrm>
+            <a:prstGeom prst="rect">
+              <a:avLst/>
+            </a:prstGeom>
+          </p:spPr>
+        </p:pic>
+        <p:sp>
+          <p:nvSpPr>
+            <p:cNvPr id="19" name="Shape 99"/>
+            <p:cNvSpPr/>
+            <p:nvPr/>
+          </p:nvSpPr>
+          <p:spPr>
+            <a:xfrm>
+              <a:off x="3419967" y="2346200"/>
+              <a:ext cx="5107600" cy="3022800"/>
+            </a:xfrm>
+            <a:prstGeom prst="rect">
+              <a:avLst/>
+            </a:prstGeom>
+            <a:noFill/>
+            <a:ln w="38100" cap="flat" cmpd="sng">
+              <a:solidFill>
+                <a:srgbClr val="4A86E8"/>
+              </a:solidFill>
+              <a:prstDash val="solid"/>
+              <a:round/>
+              <a:headEnd type="none" w="med" len="med"/>
+              <a:tailEnd type="none" w="med" len="med"/>
+            </a:ln>
+          </p:spPr>
+          <p:txBody>
+            <a:bodyPr lIns="121900" tIns="121900" rIns="121900" bIns="121900" anchor="ctr" anchorCtr="0">
+              <a:noAutofit/>
+            </a:bodyPr>
+            <a:lstStyle/>
+            <a:p>
+              <a:endParaRPr sz="2400"/>
+            </a:p>
+          </p:txBody>
+        </p:sp>
+      </p:grpSp>
+      <p:pic>
+        <p:nvPicPr>
+          <p:cNvPr id="9" name="Shape 89"/>
+          <p:cNvPicPr preferRelativeResize="0"/>
+          <p:nvPr/>
+        </p:nvPicPr>
+        <p:blipFill>
+          <a:blip r:embed="rId3">
+            <a:alphaModFix/>
+          </a:blip>
+          <a:stretch>
+            <a:fillRect/>
+          </a:stretch>
+        </p:blipFill>
+        <p:spPr>
+          <a:xfrm>
+            <a:off x="5661970" y="1830332"/>
+            <a:ext cx="848167" cy="460868"/>
+          </a:xfrm>
+          <a:prstGeom prst="rect">
+            <a:avLst/>
+          </a:prstGeom>
+          <a:noFill/>
+          <a:ln>
+            <a:noFill/>
+          </a:ln>
+        </p:spPr>
+      </p:pic>
+      <p:sp>
+        <p:nvSpPr>
+          <p:cNvPr id="10" name="Shape 90"/>
+          <p:cNvSpPr txBox="1"/>
+          <p:nvPr/>
+        </p:nvSpPr>
+        <p:spPr>
+          <a:xfrm>
+            <a:off x="5305524" y="162749"/>
+            <a:ext cx="1751694" cy="606400"/>
+          </a:xfrm>
+          <a:prstGeom prst="rect">
+            <a:avLst/>
+          </a:prstGeom>
+          <a:noFill/>
+          <a:ln>
+            <a:noFill/>
+          </a:ln>
+        </p:spPr>
+        <p:txBody>
+          <a:bodyPr lIns="121900" tIns="121900" rIns="121900" bIns="121900" anchor="t" anchorCtr="0">
+            <a:noAutofit/>
+          </a:bodyPr>
+          <a:lstStyle/>
+          <a:p>
+            <a:pPr algn="ctr"/>
+            <a:r>
+              <a:rPr lang="ko" altLang="en-US" sz="2400" dirty="0"/>
+              <a:t>제한시간</a:t>
+            </a:r>
+          </a:p>
+        </p:txBody>
+      </p:sp>
+      <p:sp>
+        <p:nvSpPr>
+          <p:cNvPr id="12" name="Shape 92"/>
+          <p:cNvSpPr txBox="1"/>
+          <p:nvPr/>
+        </p:nvSpPr>
+        <p:spPr>
+          <a:xfrm>
+            <a:off x="1576065" y="6314941"/>
+            <a:ext cx="3106377" cy="606400"/>
+          </a:xfrm>
+          <a:prstGeom prst="rect">
+            <a:avLst/>
+          </a:prstGeom>
+          <a:noFill/>
+          <a:ln>
+            <a:noFill/>
+          </a:ln>
+        </p:spPr>
+        <p:txBody>
+          <a:bodyPr lIns="121900" tIns="121900" rIns="121900" bIns="121900" anchor="t" anchorCtr="0">
+            <a:noAutofit/>
+          </a:bodyPr>
+          <a:lstStyle/>
+          <a:p>
+            <a:pPr algn="ctr"/>
+            <a:r>
+              <a:rPr lang="ko" altLang="en-US" sz="2400" dirty="0"/>
+              <a:t>플레이어 상태창</a:t>
+            </a:r>
+          </a:p>
+        </p:txBody>
+      </p:sp>
+      <p:cxnSp>
+        <p:nvCxnSpPr>
+          <p:cNvPr id="17" name="Shape 97"/>
+          <p:cNvCxnSpPr/>
+          <p:nvPr/>
+        </p:nvCxnSpPr>
+        <p:spPr>
+          <a:xfrm rot="10800000">
+            <a:off x="2278058" y="4389220"/>
+            <a:ext cx="1597200" cy="90400"/>
+          </a:xfrm>
+          <a:prstGeom prst="straightConnector1">
+            <a:avLst/>
+          </a:prstGeom>
+          <a:noFill/>
+          <a:ln w="9525" cap="flat" cmpd="sng">
+            <a:solidFill>
+              <a:schemeClr val="accent1"/>
+            </a:solidFill>
+            <a:prstDash val="solid"/>
+            <a:round/>
+            <a:headEnd type="none" w="lg" len="lg"/>
+            <a:tailEnd type="triangle" w="lg" len="lg"/>
+          </a:ln>
+        </p:spPr>
+      </p:cxnSp>
+      <p:sp>
+        <p:nvSpPr>
+          <p:cNvPr id="21" name="Shape 101"/>
+          <p:cNvSpPr txBox="1"/>
+          <p:nvPr/>
+        </p:nvSpPr>
+        <p:spPr>
+          <a:xfrm>
+            <a:off x="7160888" y="115984"/>
+            <a:ext cx="2528400" cy="606400"/>
+          </a:xfrm>
+          <a:prstGeom prst="rect">
+            <a:avLst/>
+          </a:prstGeom>
+          <a:noFill/>
+          <a:ln>
+            <a:noFill/>
+          </a:ln>
+        </p:spPr>
+        <p:txBody>
+          <a:bodyPr lIns="121900" tIns="121900" rIns="121900" bIns="121900" anchor="t" anchorCtr="0">
+            <a:noAutofit/>
+          </a:bodyPr>
+          <a:lstStyle/>
+          <a:p>
+            <a:pPr algn="ctr"/>
+            <a:r>
+              <a:rPr lang="ko" altLang="en-US" sz="2400" dirty="0"/>
+              <a:t>카메라 범위</a:t>
+            </a:r>
+          </a:p>
+        </p:txBody>
+      </p:sp>
+      <p:pic>
+        <p:nvPicPr>
+          <p:cNvPr id="26" name="Shape 107"/>
+          <p:cNvPicPr preferRelativeResize="0"/>
+          <p:nvPr/>
+        </p:nvPicPr>
+        <p:blipFill>
+          <a:blip r:embed="rId4">
+            <a:alphaModFix/>
+          </a:blip>
+          <a:stretch>
+            <a:fillRect/>
+          </a:stretch>
+        </p:blipFill>
+        <p:spPr>
+          <a:xfrm>
+            <a:off x="5948539" y="3980485"/>
+            <a:ext cx="419571" cy="593368"/>
+          </a:xfrm>
+          <a:prstGeom prst="rect">
+            <a:avLst/>
+          </a:prstGeom>
+          <a:noFill/>
+          <a:ln>
+            <a:noFill/>
+          </a:ln>
+        </p:spPr>
+      </p:pic>
+      <p:pic>
+        <p:nvPicPr>
+          <p:cNvPr id="32" name="그림 31"/>
+          <p:cNvPicPr>
+            <a:picLocks noChangeAspect="1"/>
+          </p:cNvPicPr>
+          <p:nvPr/>
+        </p:nvPicPr>
+        <p:blipFill>
+          <a:blip r:embed="rId5">
+            <a:extLst>
+              <a:ext uri="{28A0092B-C50C-407E-A947-70E740481C1C}">
+                <a14:useLocalDpi xmlns:a14="http://schemas.microsoft.com/office/drawing/2010/main" val="0"/>
+              </a:ext>
+            </a:extLst>
+          </a:blip>
+          <a:stretch>
+            <a:fillRect/>
+          </a:stretch>
+        </p:blipFill>
+        <p:spPr>
+          <a:xfrm flipH="1">
+            <a:off x="5015950" y="3036295"/>
+            <a:ext cx="987141" cy="987141"/>
+          </a:xfrm>
+          <a:prstGeom prst="rect">
+            <a:avLst/>
+          </a:prstGeom>
+        </p:spPr>
+      </p:pic>
+      <p:pic>
+        <p:nvPicPr>
+          <p:cNvPr id="33" name="그림 32"/>
+          <p:cNvPicPr>
+            <a:picLocks noChangeAspect="1"/>
+          </p:cNvPicPr>
+          <p:nvPr/>
+        </p:nvPicPr>
+        <p:blipFill>
+          <a:blip r:embed="rId6">
+            <a:extLst>
+              <a:ext uri="{28A0092B-C50C-407E-A947-70E740481C1C}">
+                <a14:useLocalDpi xmlns:a14="http://schemas.microsoft.com/office/drawing/2010/main" val="0"/>
+              </a:ext>
+            </a:extLst>
+          </a:blip>
+          <a:stretch>
+            <a:fillRect/>
+          </a:stretch>
+        </p:blipFill>
+        <p:spPr>
+          <a:xfrm>
+            <a:off x="6650869" y="3119568"/>
+            <a:ext cx="812698" cy="812698"/>
+          </a:xfrm>
+          <a:prstGeom prst="rect">
+            <a:avLst/>
+          </a:prstGeom>
+        </p:spPr>
+      </p:pic>
+      <p:sp>
+        <p:nvSpPr>
+          <p:cNvPr id="36" name="TextBox 35"/>
           <p:cNvSpPr txBox="1"/>
           <p:nvPr/>
         </p:nvSpPr>
@@ -13645,65 +15767,834 @@
             </a:r>
             <a:r>
               <a:rPr lang="ko-KR" altLang="en-US" sz="2400" b="1" dirty="0"/>
-              <a:t> 옵션</a:t>
-            </a:r>
-          </a:p>
-        </p:txBody>
-      </p:sp>
-      <p:sp>
-        <p:nvSpPr>
-          <p:cNvPr id="4" name="직사각형 3"/>
-          <p:cNvSpPr/>
-          <p:nvPr/>
-        </p:nvSpPr>
-        <p:spPr>
-          <a:xfrm>
-            <a:off x="465246" y="2911573"/>
-            <a:ext cx="4588777" cy="3489821"/>
-          </a:xfrm>
-          <a:prstGeom prst="rect">
-            <a:avLst/>
-          </a:prstGeom>
-          <a:solidFill>
-            <a:schemeClr val="bg2">
-              <a:lumMod val="90000"/>
-            </a:schemeClr>
-          </a:solidFill>
-          <a:ln>
+              <a:t> 화면</a:t>
+            </a:r>
+          </a:p>
+        </p:txBody>
+      </p:sp>
+      <p:grpSp>
+        <p:nvGrpSpPr>
+          <p:cNvPr id="41" name="그룹 40"/>
+          <p:cNvGrpSpPr/>
+          <p:nvPr/>
+        </p:nvGrpSpPr>
+        <p:grpSpPr>
+          <a:xfrm>
+            <a:off x="2588517" y="5052759"/>
+            <a:ext cx="1853441" cy="727421"/>
+            <a:chOff x="2664786" y="5108789"/>
+            <a:chExt cx="1853441" cy="727421"/>
+          </a:xfrm>
+        </p:grpSpPr>
+        <p:sp>
+          <p:nvSpPr>
+            <p:cNvPr id="40" name="직사각형 39"/>
+            <p:cNvSpPr/>
+            <p:nvPr/>
+          </p:nvSpPr>
+          <p:spPr>
+            <a:xfrm>
+              <a:off x="2664786" y="5108789"/>
+              <a:ext cx="1653506" cy="727421"/>
+            </a:xfrm>
+            <a:prstGeom prst="rect">
+              <a:avLst/>
+            </a:prstGeom>
             <a:solidFill>
-              <a:schemeClr val="tx1"/>
+              <a:schemeClr val="accent2">
+                <a:lumMod val="60000"/>
+                <a:lumOff val="40000"/>
+              </a:schemeClr>
             </a:solidFill>
+          </p:spPr>
+          <p:style>
+            <a:lnRef idx="2">
+              <a:schemeClr val="accent1">
+                <a:shade val="50000"/>
+              </a:schemeClr>
+            </a:lnRef>
+            <a:fillRef idx="1">
+              <a:schemeClr val="accent1"/>
+            </a:fillRef>
+            <a:effectRef idx="0">
+              <a:schemeClr val="accent1"/>
+            </a:effectRef>
+            <a:fontRef idx="minor">
+              <a:schemeClr val="lt1"/>
+            </a:fontRef>
+          </p:style>
+          <p:txBody>
+            <a:bodyPr rtlCol="0" anchor="ctr"/>
+            <a:lstStyle/>
+            <a:p>
+              <a:pPr algn="ctr"/>
+              <a:endParaRPr lang="ko-KR" altLang="en-US"/>
+            </a:p>
+          </p:txBody>
+        </p:sp>
+        <p:grpSp>
+          <p:nvGrpSpPr>
+            <p:cNvPr id="8" name="그룹 7"/>
+            <p:cNvGrpSpPr/>
+            <p:nvPr/>
+          </p:nvGrpSpPr>
+          <p:grpSpPr>
+            <a:xfrm>
+              <a:off x="2721218" y="5168245"/>
+              <a:ext cx="1797009" cy="608508"/>
+              <a:chOff x="2256658" y="5318738"/>
+              <a:chExt cx="1797009" cy="608508"/>
+            </a:xfrm>
+          </p:grpSpPr>
+          <p:pic>
+            <p:nvPicPr>
+              <p:cNvPr id="7" name="Shape 87"/>
+              <p:cNvPicPr preferRelativeResize="0"/>
+              <p:nvPr/>
+            </p:nvPicPr>
+            <p:blipFill rotWithShape="1">
+              <a:blip r:embed="rId7">
+                <a:alphaModFix/>
+              </a:blip>
+              <a:srcRect l="1903" t="49168" b="23188"/>
+              <a:stretch/>
+            </p:blipFill>
+            <p:spPr>
+              <a:xfrm>
+                <a:off x="2920881" y="5318738"/>
+                <a:ext cx="1132786" cy="362882"/>
+              </a:xfrm>
+              <a:prstGeom prst="rect">
+                <a:avLst/>
+              </a:prstGeom>
+              <a:noFill/>
+              <a:ln>
+                <a:noFill/>
+              </a:ln>
+            </p:spPr>
+          </p:pic>
+          <p:pic>
+            <p:nvPicPr>
+              <p:cNvPr id="31" name="Shape 87"/>
+              <p:cNvPicPr preferRelativeResize="0"/>
+              <p:nvPr/>
+            </p:nvPicPr>
+            <p:blipFill rotWithShape="1">
+              <a:blip r:embed="rId7">
+                <a:alphaModFix/>
+                <a:duotone>
+                  <a:schemeClr val="accent1">
+                    <a:shade val="45000"/>
+                    <a:satMod val="135000"/>
+                  </a:schemeClr>
+                  <a:prstClr val="white"/>
+                </a:duotone>
+              </a:blip>
+              <a:srcRect l="1903" t="74584"/>
+              <a:stretch/>
+            </p:blipFill>
+            <p:spPr>
+              <a:xfrm>
+                <a:off x="2896800" y="5646342"/>
+                <a:ext cx="953747" cy="280904"/>
+              </a:xfrm>
+              <a:prstGeom prst="rect">
+                <a:avLst/>
+              </a:prstGeom>
+              <a:noFill/>
+              <a:ln>
+                <a:noFill/>
+              </a:ln>
+            </p:spPr>
+          </p:pic>
+          <p:sp>
+            <p:nvSpPr>
+              <p:cNvPr id="6" name="직사각형 5"/>
+              <p:cNvSpPr/>
+              <p:nvPr/>
+            </p:nvSpPr>
+            <p:spPr>
+              <a:xfrm>
+                <a:off x="2256658" y="5335398"/>
+                <a:ext cx="608451" cy="555478"/>
+              </a:xfrm>
+              <a:prstGeom prst="rect">
+                <a:avLst/>
+              </a:prstGeom>
+              <a:solidFill>
+                <a:schemeClr val="accent1">
+                  <a:lumMod val="20000"/>
+                  <a:lumOff val="80000"/>
+                </a:schemeClr>
+              </a:solidFill>
+            </p:spPr>
+            <p:style>
+              <a:lnRef idx="2">
+                <a:schemeClr val="accent5">
+                  <a:shade val="50000"/>
+                </a:schemeClr>
+              </a:lnRef>
+              <a:fillRef idx="1">
+                <a:schemeClr val="accent5"/>
+              </a:fillRef>
+              <a:effectRef idx="0">
+                <a:schemeClr val="accent5"/>
+              </a:effectRef>
+              <a:fontRef idx="minor">
+                <a:schemeClr val="lt1"/>
+              </a:fontRef>
+            </p:style>
+            <p:txBody>
+              <a:bodyPr rtlCol="0" anchor="ctr"/>
+              <a:lstStyle/>
+              <a:p>
+                <a:pPr algn="ctr"/>
+                <a:endParaRPr lang="ko-KR" altLang="en-US"/>
+              </a:p>
+            </p:txBody>
+          </p:sp>
+        </p:grpSp>
+      </p:grpSp>
+      <p:grpSp>
+        <p:nvGrpSpPr>
+          <p:cNvPr id="42" name="그룹 41"/>
+          <p:cNvGrpSpPr/>
+          <p:nvPr/>
+        </p:nvGrpSpPr>
+        <p:grpSpPr>
+          <a:xfrm>
+            <a:off x="4374922" y="5052759"/>
+            <a:ext cx="1853441" cy="727421"/>
+            <a:chOff x="2664786" y="5108789"/>
+            <a:chExt cx="1853441" cy="727421"/>
+          </a:xfrm>
+        </p:grpSpPr>
+        <p:sp>
+          <p:nvSpPr>
+            <p:cNvPr id="43" name="직사각형 42"/>
+            <p:cNvSpPr/>
+            <p:nvPr/>
+          </p:nvSpPr>
+          <p:spPr>
+            <a:xfrm>
+              <a:off x="2664786" y="5108789"/>
+              <a:ext cx="1653506" cy="727421"/>
+            </a:xfrm>
+            <a:prstGeom prst="rect">
+              <a:avLst/>
+            </a:prstGeom>
+            <a:solidFill>
+              <a:schemeClr val="accent2">
+                <a:lumMod val="60000"/>
+                <a:lumOff val="40000"/>
+              </a:schemeClr>
+            </a:solidFill>
+          </p:spPr>
+          <p:style>
+            <a:lnRef idx="2">
+              <a:schemeClr val="accent1">
+                <a:shade val="50000"/>
+              </a:schemeClr>
+            </a:lnRef>
+            <a:fillRef idx="1">
+              <a:schemeClr val="accent1"/>
+            </a:fillRef>
+            <a:effectRef idx="0">
+              <a:schemeClr val="accent1"/>
+            </a:effectRef>
+            <a:fontRef idx="minor">
+              <a:schemeClr val="lt1"/>
+            </a:fontRef>
+          </p:style>
+          <p:txBody>
+            <a:bodyPr rtlCol="0" anchor="ctr"/>
+            <a:lstStyle/>
+            <a:p>
+              <a:pPr algn="ctr"/>
+              <a:endParaRPr lang="ko-KR" altLang="en-US"/>
+            </a:p>
+          </p:txBody>
+        </p:sp>
+        <p:grpSp>
+          <p:nvGrpSpPr>
+            <p:cNvPr id="44" name="그룹 43"/>
+            <p:cNvGrpSpPr/>
+            <p:nvPr/>
+          </p:nvGrpSpPr>
+          <p:grpSpPr>
+            <a:xfrm>
+              <a:off x="2721218" y="5168245"/>
+              <a:ext cx="1797009" cy="608508"/>
+              <a:chOff x="2256658" y="5318738"/>
+              <a:chExt cx="1797009" cy="608508"/>
+            </a:xfrm>
+          </p:grpSpPr>
+          <p:pic>
+            <p:nvPicPr>
+              <p:cNvPr id="45" name="Shape 87"/>
+              <p:cNvPicPr preferRelativeResize="0"/>
+              <p:nvPr/>
+            </p:nvPicPr>
+            <p:blipFill rotWithShape="1">
+              <a:blip r:embed="rId7">
+                <a:alphaModFix/>
+              </a:blip>
+              <a:srcRect l="1903" t="49168" b="23188"/>
+              <a:stretch/>
+            </p:blipFill>
+            <p:spPr>
+              <a:xfrm>
+                <a:off x="2920881" y="5318738"/>
+                <a:ext cx="1132786" cy="362882"/>
+              </a:xfrm>
+              <a:prstGeom prst="rect">
+                <a:avLst/>
+              </a:prstGeom>
+              <a:noFill/>
+              <a:ln>
+                <a:noFill/>
+              </a:ln>
+            </p:spPr>
+          </p:pic>
+          <p:pic>
+            <p:nvPicPr>
+              <p:cNvPr id="46" name="Shape 87"/>
+              <p:cNvPicPr preferRelativeResize="0"/>
+              <p:nvPr/>
+            </p:nvPicPr>
+            <p:blipFill rotWithShape="1">
+              <a:blip r:embed="rId7">
+                <a:alphaModFix/>
+                <a:duotone>
+                  <a:schemeClr val="accent1">
+                    <a:shade val="45000"/>
+                    <a:satMod val="135000"/>
+                  </a:schemeClr>
+                  <a:prstClr val="white"/>
+                </a:duotone>
+              </a:blip>
+              <a:srcRect l="1903" t="74584"/>
+              <a:stretch/>
+            </p:blipFill>
+            <p:spPr>
+              <a:xfrm>
+                <a:off x="2896800" y="5646342"/>
+                <a:ext cx="953747" cy="280904"/>
+              </a:xfrm>
+              <a:prstGeom prst="rect">
+                <a:avLst/>
+              </a:prstGeom>
+              <a:noFill/>
+              <a:ln>
+                <a:noFill/>
+              </a:ln>
+            </p:spPr>
+          </p:pic>
+          <p:sp>
+            <p:nvSpPr>
+              <p:cNvPr id="47" name="직사각형 46"/>
+              <p:cNvSpPr/>
+              <p:nvPr/>
+            </p:nvSpPr>
+            <p:spPr>
+              <a:xfrm>
+                <a:off x="2256658" y="5335398"/>
+                <a:ext cx="608451" cy="555478"/>
+              </a:xfrm>
+              <a:prstGeom prst="rect">
+                <a:avLst/>
+              </a:prstGeom>
+              <a:solidFill>
+                <a:schemeClr val="accent1">
+                  <a:lumMod val="20000"/>
+                  <a:lumOff val="80000"/>
+                </a:schemeClr>
+              </a:solidFill>
+            </p:spPr>
+            <p:style>
+              <a:lnRef idx="2">
+                <a:schemeClr val="accent5">
+                  <a:shade val="50000"/>
+                </a:schemeClr>
+              </a:lnRef>
+              <a:fillRef idx="1">
+                <a:schemeClr val="accent5"/>
+              </a:fillRef>
+              <a:effectRef idx="0">
+                <a:schemeClr val="accent5"/>
+              </a:effectRef>
+              <a:fontRef idx="minor">
+                <a:schemeClr val="lt1"/>
+              </a:fontRef>
+            </p:style>
+            <p:txBody>
+              <a:bodyPr rtlCol="0" anchor="ctr"/>
+              <a:lstStyle/>
+              <a:p>
+                <a:pPr algn="ctr"/>
+                <a:endParaRPr lang="ko-KR" altLang="en-US"/>
+              </a:p>
+            </p:txBody>
+          </p:sp>
+        </p:grpSp>
+      </p:grpSp>
+      <p:grpSp>
+        <p:nvGrpSpPr>
+          <p:cNvPr id="48" name="그룹 47"/>
+          <p:cNvGrpSpPr/>
+          <p:nvPr/>
+        </p:nvGrpSpPr>
+        <p:grpSpPr>
+          <a:xfrm>
+            <a:off x="6166793" y="5052758"/>
+            <a:ext cx="1853441" cy="727421"/>
+            <a:chOff x="2664786" y="5108789"/>
+            <a:chExt cx="1853441" cy="727421"/>
+          </a:xfrm>
+        </p:grpSpPr>
+        <p:sp>
+          <p:nvSpPr>
+            <p:cNvPr id="49" name="직사각형 48"/>
+            <p:cNvSpPr/>
+            <p:nvPr/>
+          </p:nvSpPr>
+          <p:spPr>
+            <a:xfrm>
+              <a:off x="2664786" y="5108789"/>
+              <a:ext cx="1653506" cy="727421"/>
+            </a:xfrm>
+            <a:prstGeom prst="rect">
+              <a:avLst/>
+            </a:prstGeom>
+            <a:solidFill>
+              <a:schemeClr val="accent2">
+                <a:lumMod val="60000"/>
+                <a:lumOff val="40000"/>
+              </a:schemeClr>
+            </a:solidFill>
+          </p:spPr>
+          <p:style>
+            <a:lnRef idx="2">
+              <a:schemeClr val="accent1">
+                <a:shade val="50000"/>
+              </a:schemeClr>
+            </a:lnRef>
+            <a:fillRef idx="1">
+              <a:schemeClr val="accent1"/>
+            </a:fillRef>
+            <a:effectRef idx="0">
+              <a:schemeClr val="accent1"/>
+            </a:effectRef>
+            <a:fontRef idx="minor">
+              <a:schemeClr val="lt1"/>
+            </a:fontRef>
+          </p:style>
+          <p:txBody>
+            <a:bodyPr rtlCol="0" anchor="ctr"/>
+            <a:lstStyle/>
+            <a:p>
+              <a:pPr algn="ctr"/>
+              <a:endParaRPr lang="ko-KR" altLang="en-US"/>
+            </a:p>
+          </p:txBody>
+        </p:sp>
+        <p:grpSp>
+          <p:nvGrpSpPr>
+            <p:cNvPr id="50" name="그룹 49"/>
+            <p:cNvGrpSpPr/>
+            <p:nvPr/>
+          </p:nvGrpSpPr>
+          <p:grpSpPr>
+            <a:xfrm>
+              <a:off x="2721218" y="5168245"/>
+              <a:ext cx="1797009" cy="608508"/>
+              <a:chOff x="2256658" y="5318738"/>
+              <a:chExt cx="1797009" cy="608508"/>
+            </a:xfrm>
+          </p:grpSpPr>
+          <p:pic>
+            <p:nvPicPr>
+              <p:cNvPr id="51" name="Shape 87"/>
+              <p:cNvPicPr preferRelativeResize="0"/>
+              <p:nvPr/>
+            </p:nvPicPr>
+            <p:blipFill rotWithShape="1">
+              <a:blip r:embed="rId7">
+                <a:alphaModFix/>
+              </a:blip>
+              <a:srcRect l="1903" t="49168" b="23188"/>
+              <a:stretch/>
+            </p:blipFill>
+            <p:spPr>
+              <a:xfrm>
+                <a:off x="2920881" y="5318738"/>
+                <a:ext cx="1132786" cy="362882"/>
+              </a:xfrm>
+              <a:prstGeom prst="rect">
+                <a:avLst/>
+              </a:prstGeom>
+              <a:noFill/>
+              <a:ln>
+                <a:noFill/>
+              </a:ln>
+            </p:spPr>
+          </p:pic>
+          <p:pic>
+            <p:nvPicPr>
+              <p:cNvPr id="52" name="Shape 87"/>
+              <p:cNvPicPr preferRelativeResize="0"/>
+              <p:nvPr/>
+            </p:nvPicPr>
+            <p:blipFill rotWithShape="1">
+              <a:blip r:embed="rId7">
+                <a:alphaModFix/>
+                <a:duotone>
+                  <a:schemeClr val="accent1">
+                    <a:shade val="45000"/>
+                    <a:satMod val="135000"/>
+                  </a:schemeClr>
+                  <a:prstClr val="white"/>
+                </a:duotone>
+              </a:blip>
+              <a:srcRect l="1903" t="74584"/>
+              <a:stretch/>
+            </p:blipFill>
+            <p:spPr>
+              <a:xfrm>
+                <a:off x="2896800" y="5646342"/>
+                <a:ext cx="953747" cy="280904"/>
+              </a:xfrm>
+              <a:prstGeom prst="rect">
+                <a:avLst/>
+              </a:prstGeom>
+              <a:noFill/>
+              <a:ln>
+                <a:noFill/>
+              </a:ln>
+            </p:spPr>
+          </p:pic>
+          <p:sp>
+            <p:nvSpPr>
+              <p:cNvPr id="53" name="직사각형 52"/>
+              <p:cNvSpPr/>
+              <p:nvPr/>
+            </p:nvSpPr>
+            <p:spPr>
+              <a:xfrm>
+                <a:off x="2256658" y="5335398"/>
+                <a:ext cx="608451" cy="555478"/>
+              </a:xfrm>
+              <a:prstGeom prst="rect">
+                <a:avLst/>
+              </a:prstGeom>
+              <a:solidFill>
+                <a:schemeClr val="accent1">
+                  <a:lumMod val="20000"/>
+                  <a:lumOff val="80000"/>
+                </a:schemeClr>
+              </a:solidFill>
+            </p:spPr>
+            <p:style>
+              <a:lnRef idx="2">
+                <a:schemeClr val="accent5">
+                  <a:shade val="50000"/>
+                </a:schemeClr>
+              </a:lnRef>
+              <a:fillRef idx="1">
+                <a:schemeClr val="accent5"/>
+              </a:fillRef>
+              <a:effectRef idx="0">
+                <a:schemeClr val="accent5"/>
+              </a:effectRef>
+              <a:fontRef idx="minor">
+                <a:schemeClr val="lt1"/>
+              </a:fontRef>
+            </p:style>
+            <p:txBody>
+              <a:bodyPr rtlCol="0" anchor="ctr"/>
+              <a:lstStyle/>
+              <a:p>
+                <a:pPr algn="ctr"/>
+                <a:endParaRPr lang="ko-KR" altLang="en-US"/>
+              </a:p>
+            </p:txBody>
+          </p:sp>
+        </p:grpSp>
+      </p:grpSp>
+      <p:grpSp>
+        <p:nvGrpSpPr>
+          <p:cNvPr id="54" name="그룹 53"/>
+          <p:cNvGrpSpPr/>
+          <p:nvPr/>
+        </p:nvGrpSpPr>
+        <p:grpSpPr>
+          <a:xfrm>
+            <a:off x="7935814" y="5052759"/>
+            <a:ext cx="1853441" cy="727421"/>
+            <a:chOff x="2664786" y="5108789"/>
+            <a:chExt cx="1853441" cy="727421"/>
+          </a:xfrm>
+        </p:grpSpPr>
+        <p:sp>
+          <p:nvSpPr>
+            <p:cNvPr id="55" name="직사각형 54"/>
+            <p:cNvSpPr/>
+            <p:nvPr/>
+          </p:nvSpPr>
+          <p:spPr>
+            <a:xfrm>
+              <a:off x="2664786" y="5108789"/>
+              <a:ext cx="1653506" cy="727421"/>
+            </a:xfrm>
+            <a:prstGeom prst="rect">
+              <a:avLst/>
+            </a:prstGeom>
+            <a:solidFill>
+              <a:schemeClr val="accent2">
+                <a:lumMod val="60000"/>
+                <a:lumOff val="40000"/>
+              </a:schemeClr>
+            </a:solidFill>
+          </p:spPr>
+          <p:style>
+            <a:lnRef idx="2">
+              <a:schemeClr val="accent1">
+                <a:shade val="50000"/>
+              </a:schemeClr>
+            </a:lnRef>
+            <a:fillRef idx="1">
+              <a:schemeClr val="accent1"/>
+            </a:fillRef>
+            <a:effectRef idx="0">
+              <a:schemeClr val="accent1"/>
+            </a:effectRef>
+            <a:fontRef idx="minor">
+              <a:schemeClr val="lt1"/>
+            </a:fontRef>
+          </p:style>
+          <p:txBody>
+            <a:bodyPr rtlCol="0" anchor="ctr"/>
+            <a:lstStyle/>
+            <a:p>
+              <a:pPr algn="ctr"/>
+              <a:endParaRPr lang="ko-KR" altLang="en-US"/>
+            </a:p>
+          </p:txBody>
+        </p:sp>
+        <p:grpSp>
+          <p:nvGrpSpPr>
+            <p:cNvPr id="56" name="그룹 55"/>
+            <p:cNvGrpSpPr/>
+            <p:nvPr/>
+          </p:nvGrpSpPr>
+          <p:grpSpPr>
+            <a:xfrm>
+              <a:off x="2721218" y="5168245"/>
+              <a:ext cx="1797009" cy="608508"/>
+              <a:chOff x="2256658" y="5318738"/>
+              <a:chExt cx="1797009" cy="608508"/>
+            </a:xfrm>
+          </p:grpSpPr>
+          <p:pic>
+            <p:nvPicPr>
+              <p:cNvPr id="57" name="Shape 87"/>
+              <p:cNvPicPr preferRelativeResize="0"/>
+              <p:nvPr/>
+            </p:nvPicPr>
+            <p:blipFill rotWithShape="1">
+              <a:blip r:embed="rId7">
+                <a:alphaModFix/>
+              </a:blip>
+              <a:srcRect l="1903" t="49168" b="23188"/>
+              <a:stretch/>
+            </p:blipFill>
+            <p:spPr>
+              <a:xfrm>
+                <a:off x="2920881" y="5318738"/>
+                <a:ext cx="1132786" cy="362882"/>
+              </a:xfrm>
+              <a:prstGeom prst="rect">
+                <a:avLst/>
+              </a:prstGeom>
+              <a:noFill/>
+              <a:ln>
+                <a:noFill/>
+              </a:ln>
+            </p:spPr>
+          </p:pic>
+          <p:pic>
+            <p:nvPicPr>
+              <p:cNvPr id="58" name="Shape 87"/>
+              <p:cNvPicPr preferRelativeResize="0"/>
+              <p:nvPr/>
+            </p:nvPicPr>
+            <p:blipFill rotWithShape="1">
+              <a:blip r:embed="rId7">
+                <a:alphaModFix/>
+                <a:duotone>
+                  <a:schemeClr val="accent1">
+                    <a:shade val="45000"/>
+                    <a:satMod val="135000"/>
+                  </a:schemeClr>
+                  <a:prstClr val="white"/>
+                </a:duotone>
+              </a:blip>
+              <a:srcRect l="1903" t="74584"/>
+              <a:stretch/>
+            </p:blipFill>
+            <p:spPr>
+              <a:xfrm>
+                <a:off x="2896800" y="5646342"/>
+                <a:ext cx="953747" cy="280904"/>
+              </a:xfrm>
+              <a:prstGeom prst="rect">
+                <a:avLst/>
+              </a:prstGeom>
+              <a:noFill/>
+              <a:ln>
+                <a:noFill/>
+              </a:ln>
+            </p:spPr>
+          </p:pic>
+          <p:sp>
+            <p:nvSpPr>
+              <p:cNvPr id="59" name="직사각형 58"/>
+              <p:cNvSpPr/>
+              <p:nvPr/>
+            </p:nvSpPr>
+            <p:spPr>
+              <a:xfrm>
+                <a:off x="2256658" y="5335398"/>
+                <a:ext cx="608451" cy="555478"/>
+              </a:xfrm>
+              <a:prstGeom prst="rect">
+                <a:avLst/>
+              </a:prstGeom>
+              <a:solidFill>
+                <a:schemeClr val="accent1">
+                  <a:lumMod val="20000"/>
+                  <a:lumOff val="80000"/>
+                </a:schemeClr>
+              </a:solidFill>
+            </p:spPr>
+            <p:style>
+              <a:lnRef idx="2">
+                <a:schemeClr val="accent5">
+                  <a:shade val="50000"/>
+                </a:schemeClr>
+              </a:lnRef>
+              <a:fillRef idx="1">
+                <a:schemeClr val="accent5"/>
+              </a:fillRef>
+              <a:effectRef idx="0">
+                <a:schemeClr val="accent5"/>
+              </a:effectRef>
+              <a:fontRef idx="minor">
+                <a:schemeClr val="lt1"/>
+              </a:fontRef>
+            </p:style>
+            <p:txBody>
+              <a:bodyPr rtlCol="0" anchor="ctr"/>
+              <a:lstStyle/>
+              <a:p>
+                <a:pPr algn="ctr"/>
+                <a:endParaRPr lang="ko-KR" altLang="en-US"/>
+              </a:p>
+            </p:txBody>
+          </p:sp>
+        </p:grpSp>
+      </p:grpSp>
+      <p:cxnSp>
+        <p:nvCxnSpPr>
+          <p:cNvPr id="62" name="Shape 111"/>
+          <p:cNvCxnSpPr>
+            <a:cxnSpLocks/>
+          </p:cNvCxnSpPr>
+          <p:nvPr/>
+        </p:nvCxnSpPr>
+        <p:spPr>
+          <a:xfrm flipV="1">
+            <a:off x="8229600" y="752104"/>
+            <a:ext cx="169401" cy="902757"/>
+          </a:xfrm>
+          <a:prstGeom prst="straightConnector1">
+            <a:avLst/>
+          </a:prstGeom>
+          <a:noFill/>
+          <a:ln w="38100" cap="flat" cmpd="sng">
+            <a:solidFill>
+              <a:schemeClr val="accent1"/>
+            </a:solidFill>
+            <a:prstDash val="solid"/>
+            <a:round/>
+            <a:headEnd type="none" w="lg" len="lg"/>
+            <a:tailEnd type="triangle" w="lg" len="lg"/>
           </a:ln>
         </p:spPr>
-        <p:style>
-          <a:lnRef idx="2">
-            <a:schemeClr val="accent1">
-              <a:shade val="50000"/>
-            </a:schemeClr>
-          </a:lnRef>
-          <a:fillRef idx="1">
-            <a:schemeClr val="accent1"/>
-          </a:fillRef>
-          <a:effectRef idx="0">
-            <a:schemeClr val="accent1"/>
-          </a:effectRef>
-          <a:fontRef idx="minor">
-            <a:schemeClr val="lt1"/>
-          </a:fontRef>
-        </p:style>
-        <p:txBody>
-          <a:bodyPr rtlCol="0" anchor="ctr"/>
-          <a:lstStyle/>
-          <a:p>
-            <a:pPr algn="ctr"/>
-            <a:endParaRPr lang="ko-KR" altLang="en-US" dirty="0"/>
-          </a:p>
-        </p:txBody>
-      </p:sp>
+      </p:cxnSp>
+      <p:cxnSp>
+        <p:nvCxnSpPr>
+          <p:cNvPr id="65" name="Shape 111"/>
+          <p:cNvCxnSpPr>
+            <a:cxnSpLocks/>
+            <a:stCxn id="9" idx="0"/>
+            <a:endCxn id="10" idx="2"/>
+          </p:cNvCxnSpPr>
+          <p:nvPr/>
+        </p:nvCxnSpPr>
+        <p:spPr>
+          <a:xfrm flipV="1">
+            <a:off x="6086054" y="769149"/>
+            <a:ext cx="95317" cy="1061183"/>
+          </a:xfrm>
+          <a:prstGeom prst="straightConnector1">
+            <a:avLst/>
+          </a:prstGeom>
+          <a:noFill/>
+          <a:ln w="38100" cap="flat" cmpd="sng">
+            <a:solidFill>
+              <a:schemeClr val="accent1"/>
+            </a:solidFill>
+            <a:prstDash val="solid"/>
+            <a:round/>
+            <a:headEnd type="none" w="lg" len="lg"/>
+            <a:tailEnd type="triangle" w="lg" len="lg"/>
+          </a:ln>
+        </p:spPr>
+      </p:cxnSp>
+      <p:cxnSp>
+        <p:nvCxnSpPr>
+          <p:cNvPr id="30" name="Shape 111"/>
+          <p:cNvCxnSpPr>
+            <a:cxnSpLocks/>
+            <a:endCxn id="12" idx="0"/>
+          </p:cNvCxnSpPr>
+          <p:nvPr/>
+        </p:nvCxnSpPr>
+        <p:spPr>
+          <a:xfrm>
+            <a:off x="3028426" y="5288077"/>
+            <a:ext cx="100828" cy="1026864"/>
+          </a:xfrm>
+          <a:prstGeom prst="straightConnector1">
+            <a:avLst/>
+          </a:prstGeom>
+          <a:noFill/>
+          <a:ln w="38100" cap="flat" cmpd="sng">
+            <a:solidFill>
+              <a:schemeClr val="accent1"/>
+            </a:solidFill>
+            <a:prstDash val="solid"/>
+            <a:round/>
+            <a:headEnd type="none" w="lg" len="lg"/>
+            <a:tailEnd type="triangle" w="lg" len="lg"/>
+          </a:ln>
+        </p:spPr>
+      </p:cxnSp>
     </p:spTree>
     <p:extLst>
       <p:ext uri="{BB962C8B-B14F-4D97-AF65-F5344CB8AC3E}">
-        <p14:creationId xmlns:p14="http://schemas.microsoft.com/office/powerpoint/2010/main" val="991494987"/>
+        <p14:creationId xmlns:p14="http://schemas.microsoft.com/office/powerpoint/2010/main" val="51409402"/>
       </p:ext>
     </p:extLst>
   </p:cSld>
@@ -13753,71 +16644,699 @@
           <a:lstStyle/>
           <a:p>
             <a:r>
+              <a:rPr lang="ko-KR" altLang="en-US" sz="2400" b="1" dirty="0" err="1"/>
+              <a:t>인게임</a:t>
+            </a:r>
+            <a:r>
               <a:rPr lang="ko-KR" altLang="en-US" sz="2400" b="1" dirty="0"/>
-              <a:t>게임 </a:t>
-            </a:r>
-            <a:r>
-              <a:rPr lang="ko-KR" altLang="en-US" sz="2400" b="1" dirty="0" err="1"/>
-              <a:t>결과창</a:t>
-            </a:r>
-            <a:endParaRPr lang="ko-KR" altLang="en-US" sz="2400" b="1" dirty="0"/>
-          </a:p>
-        </p:txBody>
-      </p:sp>
-      <p:sp>
-        <p:nvSpPr>
-          <p:cNvPr id="4" name="직사각형 3"/>
-          <p:cNvSpPr/>
-          <p:nvPr/>
-        </p:nvSpPr>
-        <p:spPr>
-          <a:xfrm>
-            <a:off x="465246" y="2911573"/>
-            <a:ext cx="4588777" cy="3489821"/>
-          </a:xfrm>
-          <a:prstGeom prst="rect">
-            <a:avLst/>
-          </a:prstGeom>
-          <a:solidFill>
-            <a:schemeClr val="bg2">
-              <a:lumMod val="90000"/>
-            </a:schemeClr>
-          </a:solidFill>
-          <a:ln>
+              <a:t> 옵션</a:t>
+            </a:r>
+          </a:p>
+        </p:txBody>
+      </p:sp>
+      <p:grpSp>
+        <p:nvGrpSpPr>
+          <p:cNvPr id="2" name="그룹 1"/>
+          <p:cNvGrpSpPr/>
+          <p:nvPr/>
+        </p:nvGrpSpPr>
+        <p:grpSpPr>
+          <a:xfrm>
+            <a:off x="1258349" y="989709"/>
+            <a:ext cx="9443988" cy="4800734"/>
+            <a:chOff x="1892185" y="1562215"/>
+            <a:chExt cx="16202237" cy="8236206"/>
+          </a:xfrm>
+        </p:grpSpPr>
+        <p:sp>
+          <p:nvSpPr>
+            <p:cNvPr id="33" name="직사각형"/>
+            <p:cNvSpPr/>
+            <p:nvPr/>
+          </p:nvSpPr>
+          <p:spPr>
+            <a:xfrm>
+              <a:off x="6765834" y="1562215"/>
+              <a:ext cx="6700200" cy="8236206"/>
+            </a:xfrm>
+            <a:prstGeom prst="rect">
+              <a:avLst/>
+            </a:prstGeom>
             <a:solidFill>
-              <a:schemeClr val="tx1"/>
+              <a:schemeClr val="accent4">
+                <a:hueOff val="46120"/>
+                <a:satOff val="4178"/>
+                <a:lumOff val="-16732"/>
+              </a:schemeClr>
             </a:solidFill>
-          </a:ln>
-        </p:spPr>
-        <p:style>
-          <a:lnRef idx="2">
-            <a:schemeClr val="accent1">
-              <a:shade val="50000"/>
-            </a:schemeClr>
-          </a:lnRef>
-          <a:fillRef idx="1">
-            <a:schemeClr val="accent1"/>
-          </a:fillRef>
-          <a:effectRef idx="0">
-            <a:schemeClr val="accent1"/>
-          </a:effectRef>
-          <a:fontRef idx="minor">
-            <a:schemeClr val="lt1"/>
-          </a:fontRef>
-        </p:style>
-        <p:txBody>
-          <a:bodyPr rtlCol="0" anchor="ctr"/>
-          <a:lstStyle/>
-          <a:p>
-            <a:pPr algn="ctr"/>
-            <a:endParaRPr lang="ko-KR" altLang="en-US" dirty="0"/>
-          </a:p>
-        </p:txBody>
-      </p:sp>
+            <a:ln w="12700">
+              <a:miter lim="400000"/>
+            </a:ln>
+            <a:effectLst>
+              <a:outerShdw blurRad="38100" dist="25400" dir="5400000" rotWithShape="0">
+                <a:srgbClr val="000000">
+                  <a:alpha val="50000"/>
+                </a:srgbClr>
+              </a:outerShdw>
+            </a:effectLst>
+          </p:spPr>
+          <p:txBody>
+            <a:bodyPr lIns="50800" tIns="50800" rIns="50800" bIns="50800" anchor="ctr"/>
+            <a:lstStyle/>
+            <a:p>
+              <a:pPr algn="ctr">
+                <a:defRPr sz="3200">
+                  <a:solidFill>
+                    <a:srgbClr val="FFFFFF"/>
+                  </a:solidFill>
+                  <a:latin typeface="Arial"/>
+                  <a:ea typeface="Arial"/>
+                  <a:cs typeface="Arial"/>
+                  <a:sym typeface="Arial"/>
+                </a:defRPr>
+              </a:pPr>
+              <a:endParaRPr/>
+            </a:p>
+          </p:txBody>
+        </p:sp>
+        <p:sp>
+          <p:nvSpPr>
+            <p:cNvPr id="34" name="GUIDE"/>
+            <p:cNvSpPr/>
+            <p:nvPr/>
+          </p:nvSpPr>
+          <p:spPr>
+            <a:xfrm>
+              <a:off x="9453151" y="5562689"/>
+              <a:ext cx="1325564" cy="651232"/>
+            </a:xfrm>
+            <a:prstGeom prst="rect">
+              <a:avLst/>
+            </a:prstGeom>
+            <a:blipFill>
+              <a:blip r:embed="rId2"/>
+            </a:blipFill>
+            <a:ln w="12700">
+              <a:miter lim="400000"/>
+            </a:ln>
+            <a:effectLst>
+              <a:outerShdw blurRad="50800" dist="12700" rotWithShape="0">
+                <a:srgbClr val="000000">
+                  <a:alpha val="50000"/>
+                </a:srgbClr>
+              </a:outerShdw>
+            </a:effectLst>
+            <a:extLst>
+              <a:ext uri="{C572A759-6A51-4108-AA02-DFA0A04FC94B}">
+                <ma14:wrappingTextBoxFlag xmlns:ma14="http://schemas.microsoft.com/office/mac/drawingml/2011/main" xmlns="" val="1"/>
+              </a:ext>
+            </a:extLst>
+          </p:spPr>
+          <p:txBody>
+            <a:bodyPr wrap="none" lIns="50800" tIns="50800" rIns="50800" bIns="50800" anchor="ctr">
+              <a:spAutoFit/>
+            </a:bodyPr>
+            <a:lstStyle>
+              <a:lvl1pPr>
+                <a:defRPr>
+                  <a:solidFill>
+                    <a:srgbClr val="FFFFFF"/>
+                  </a:solidFill>
+                </a:defRPr>
+              </a:lvl1pPr>
+            </a:lstStyle>
+            <a:p>
+              <a:pPr algn="ctr"/>
+              <a:r>
+                <a:t>GUIDE</a:t>
+              </a:r>
+            </a:p>
+          </p:txBody>
+        </p:sp>
+        <p:sp>
+          <p:nvSpPr>
+            <p:cNvPr id="35" name="MAIN MENU"/>
+            <p:cNvSpPr/>
+            <p:nvPr/>
+          </p:nvSpPr>
+          <p:spPr>
+            <a:xfrm>
+              <a:off x="8867372" y="8275755"/>
+              <a:ext cx="2497122" cy="651232"/>
+            </a:xfrm>
+            <a:prstGeom prst="rect">
+              <a:avLst/>
+            </a:prstGeom>
+            <a:blipFill>
+              <a:blip r:embed="rId3"/>
+            </a:blipFill>
+            <a:ln w="12700">
+              <a:miter lim="400000"/>
+            </a:ln>
+            <a:effectLst>
+              <a:outerShdw blurRad="38100" dist="25400" dir="5400000" rotWithShape="0">
+                <a:srgbClr val="000000">
+                  <a:alpha val="50000"/>
+                </a:srgbClr>
+              </a:outerShdw>
+            </a:effectLst>
+            <a:extLst>
+              <a:ext uri="{C572A759-6A51-4108-AA02-DFA0A04FC94B}">
+                <ma14:wrappingTextBoxFlag xmlns:ma14="http://schemas.microsoft.com/office/mac/drawingml/2011/main" xmlns="" val="1"/>
+              </a:ext>
+            </a:extLst>
+          </p:spPr>
+          <p:txBody>
+            <a:bodyPr wrap="none" lIns="50800" tIns="50800" rIns="50800" bIns="50800" anchor="ctr">
+              <a:spAutoFit/>
+            </a:bodyPr>
+            <a:lstStyle>
+              <a:lvl1pPr>
+                <a:defRPr>
+                  <a:solidFill>
+                    <a:srgbClr val="FFFFFF"/>
+                  </a:solidFill>
+                </a:defRPr>
+              </a:lvl1pPr>
+            </a:lstStyle>
+            <a:p>
+              <a:pPr algn="ctr"/>
+              <a:r>
+                <a:t>MAIN MENU</a:t>
+              </a:r>
+            </a:p>
+          </p:txBody>
+        </p:sp>
+        <p:sp>
+          <p:nvSpPr>
+            <p:cNvPr id="36" name="RETURN"/>
+            <p:cNvSpPr/>
+            <p:nvPr/>
+          </p:nvSpPr>
+          <p:spPr>
+            <a:xfrm>
+              <a:off x="9287759" y="6905767"/>
+              <a:ext cx="1656350" cy="651232"/>
+            </a:xfrm>
+            <a:prstGeom prst="rect">
+              <a:avLst/>
+            </a:prstGeom>
+            <a:blipFill>
+              <a:blip r:embed="rId2"/>
+            </a:blipFill>
+            <a:ln w="12700">
+              <a:miter lim="400000"/>
+            </a:ln>
+            <a:effectLst>
+              <a:outerShdw blurRad="50800" dist="12700" rotWithShape="0">
+                <a:srgbClr val="000000">
+                  <a:alpha val="50000"/>
+                </a:srgbClr>
+              </a:outerShdw>
+            </a:effectLst>
+            <a:extLst>
+              <a:ext uri="{C572A759-6A51-4108-AA02-DFA0A04FC94B}">
+                <ma14:wrappingTextBoxFlag xmlns:ma14="http://schemas.microsoft.com/office/mac/drawingml/2011/main" xmlns="" val="1"/>
+              </a:ext>
+            </a:extLst>
+          </p:spPr>
+          <p:txBody>
+            <a:bodyPr wrap="none" lIns="50800" tIns="50800" rIns="50800" bIns="50800" anchor="ctr">
+              <a:spAutoFit/>
+            </a:bodyPr>
+            <a:lstStyle>
+              <a:lvl1pPr>
+                <a:defRPr>
+                  <a:solidFill>
+                    <a:srgbClr val="FFFFFF"/>
+                  </a:solidFill>
+                </a:defRPr>
+              </a:lvl1pPr>
+            </a:lstStyle>
+            <a:p>
+              <a:pPr algn="ctr"/>
+              <a:r>
+                <a:t>RETURN</a:t>
+              </a:r>
+            </a:p>
+          </p:txBody>
+        </p:sp>
+        <p:sp>
+          <p:nvSpPr>
+            <p:cNvPr id="37" name="O P T I O N"/>
+            <p:cNvSpPr/>
+            <p:nvPr/>
+          </p:nvSpPr>
+          <p:spPr>
+            <a:xfrm>
+              <a:off x="8840787" y="1796389"/>
+              <a:ext cx="3071496" cy="863601"/>
+            </a:xfrm>
+            <a:prstGeom prst="rect">
+              <a:avLst/>
+            </a:prstGeom>
+            <a:ln w="12700">
+              <a:miter lim="400000"/>
+            </a:ln>
+            <a:extLst>
+              <a:ext uri="{C572A759-6A51-4108-AA02-DFA0A04FC94B}">
+                <ma14:wrappingTextBoxFlag xmlns:ma14="http://schemas.microsoft.com/office/mac/drawingml/2011/main" xmlns="" val="1"/>
+              </a:ext>
+            </a:extLst>
+          </p:spPr>
+          <p:txBody>
+            <a:bodyPr wrap="none" lIns="50800" tIns="50800" rIns="50800" bIns="50800" anchor="ctr">
+              <a:spAutoFit/>
+            </a:bodyPr>
+            <a:lstStyle/>
+            <a:p>
+              <a:r>
+                <a:rPr dirty="0"/>
+                <a:t>O P T I O N</a:t>
+              </a:r>
+            </a:p>
+          </p:txBody>
+        </p:sp>
+        <p:sp>
+          <p:nvSpPr>
+            <p:cNvPr id="38" name="선"/>
+            <p:cNvSpPr/>
+            <p:nvPr/>
+          </p:nvSpPr>
+          <p:spPr>
+            <a:xfrm>
+              <a:off x="11279908" y="5888304"/>
+              <a:ext cx="3311184" cy="1"/>
+            </a:xfrm>
+            <a:prstGeom prst="line">
+              <a:avLst/>
+            </a:prstGeom>
+            <a:ln w="63500">
+              <a:solidFill>
+                <a:srgbClr val="FF2600"/>
+              </a:solidFill>
+              <a:miter lim="400000"/>
+              <a:tailEnd type="triangle"/>
+            </a:ln>
+          </p:spPr>
+          <p:txBody>
+            <a:bodyPr lIns="50800" tIns="50800" rIns="50800" bIns="50800" anchor="ctr"/>
+            <a:lstStyle/>
+            <a:p>
+              <a:pPr>
+                <a:defRPr sz="3200"/>
+              </a:pPr>
+              <a:endParaRPr/>
+            </a:p>
+          </p:txBody>
+        </p:sp>
+        <p:sp>
+          <p:nvSpPr>
+            <p:cNvPr id="39" name="선"/>
+            <p:cNvSpPr/>
+            <p:nvPr/>
+          </p:nvSpPr>
+          <p:spPr>
+            <a:xfrm flipH="1">
+              <a:off x="5611189" y="7143028"/>
+              <a:ext cx="3130428" cy="1"/>
+            </a:xfrm>
+            <a:prstGeom prst="line">
+              <a:avLst/>
+            </a:prstGeom>
+            <a:ln w="63500">
+              <a:solidFill>
+                <a:srgbClr val="FF2600"/>
+              </a:solidFill>
+              <a:miter lim="400000"/>
+              <a:tailEnd type="triangle"/>
+            </a:ln>
+          </p:spPr>
+          <p:txBody>
+            <a:bodyPr lIns="50800" tIns="50800" rIns="50800" bIns="50800" anchor="ctr"/>
+            <a:lstStyle/>
+            <a:p>
+              <a:pPr>
+                <a:defRPr sz="3200"/>
+              </a:pPr>
+              <a:endParaRPr/>
+            </a:p>
+          </p:txBody>
+        </p:sp>
+        <p:sp>
+          <p:nvSpPr>
+            <p:cNvPr id="40" name="선"/>
+            <p:cNvSpPr/>
+            <p:nvPr/>
+          </p:nvSpPr>
+          <p:spPr>
+            <a:xfrm flipH="1">
+              <a:off x="5611189" y="8554722"/>
+              <a:ext cx="2649780" cy="1"/>
+            </a:xfrm>
+            <a:prstGeom prst="line">
+              <a:avLst/>
+            </a:prstGeom>
+            <a:ln w="63500">
+              <a:solidFill>
+                <a:srgbClr val="FF2600"/>
+              </a:solidFill>
+              <a:miter lim="400000"/>
+              <a:tailEnd type="triangle"/>
+            </a:ln>
+          </p:spPr>
+          <p:txBody>
+            <a:bodyPr lIns="50800" tIns="50800" rIns="50800" bIns="50800" anchor="ctr"/>
+            <a:lstStyle/>
+            <a:p>
+              <a:pPr>
+                <a:defRPr sz="3200"/>
+              </a:pPr>
+              <a:endParaRPr/>
+            </a:p>
+          </p:txBody>
+        </p:sp>
+        <p:sp>
+          <p:nvSpPr>
+            <p:cNvPr id="41" name="인게임…"/>
+            <p:cNvSpPr/>
+            <p:nvPr/>
+          </p:nvSpPr>
+          <p:spPr>
+            <a:xfrm>
+              <a:off x="1892185" y="6206030"/>
+              <a:ext cx="3552189" cy="1443270"/>
+            </a:xfrm>
+            <a:prstGeom prst="rect">
+              <a:avLst/>
+            </a:prstGeom>
+            <a:ln w="25400">
+              <a:solidFill>
+                <a:srgbClr val="85888D"/>
+              </a:solidFill>
+              <a:miter lim="400000"/>
+            </a:ln>
+            <a:extLst>
+              <a:ext uri="{C572A759-6A51-4108-AA02-DFA0A04FC94B}">
+                <ma14:wrappingTextBoxFlag xmlns:ma14="http://schemas.microsoft.com/office/mac/drawingml/2011/main" xmlns="" val="1"/>
+              </a:ext>
+            </a:extLst>
+          </p:spPr>
+          <p:txBody>
+            <a:bodyPr wrap="square" lIns="50800" tIns="50800" rIns="50800" bIns="50800" anchor="ctr">
+              <a:spAutoFit/>
+            </a:bodyPr>
+            <a:lstStyle/>
+            <a:p>
+              <a:pPr algn="ctr">
+                <a:defRPr sz="3200"/>
+              </a:pPr>
+              <a:r>
+                <a:rPr sz="2400" dirty="0" err="1"/>
+                <a:t>인게임씬</a:t>
+              </a:r>
+              <a:endParaRPr sz="2400" dirty="0"/>
+            </a:p>
+            <a:p>
+              <a:pPr algn="ctr">
+                <a:defRPr sz="3200"/>
+              </a:pPr>
+              <a:r>
+                <a:rPr sz="2400" dirty="0" err="1"/>
+                <a:t>돌아가기</a:t>
+              </a:r>
+              <a:endParaRPr sz="2400" dirty="0"/>
+            </a:p>
+          </p:txBody>
+        </p:sp>
+        <p:sp>
+          <p:nvSpPr>
+            <p:cNvPr id="42" name="메인 메뉴…"/>
+            <p:cNvSpPr/>
+            <p:nvPr/>
+          </p:nvSpPr>
+          <p:spPr>
+            <a:xfrm>
+              <a:off x="1892185" y="8037952"/>
+              <a:ext cx="3552189" cy="1443270"/>
+            </a:xfrm>
+            <a:prstGeom prst="rect">
+              <a:avLst/>
+            </a:prstGeom>
+            <a:ln w="25400">
+              <a:solidFill>
+                <a:srgbClr val="85888D"/>
+              </a:solidFill>
+              <a:miter lim="400000"/>
+            </a:ln>
+            <a:extLst>
+              <a:ext uri="{C572A759-6A51-4108-AA02-DFA0A04FC94B}">
+                <ma14:wrappingTextBoxFlag xmlns:ma14="http://schemas.microsoft.com/office/mac/drawingml/2011/main" xmlns="" val="1"/>
+              </a:ext>
+            </a:extLst>
+          </p:spPr>
+          <p:txBody>
+            <a:bodyPr wrap="square" lIns="50800" tIns="50800" rIns="50800" bIns="50800" anchor="ctr">
+              <a:spAutoFit/>
+            </a:bodyPr>
+            <a:lstStyle/>
+            <a:p>
+              <a:pPr algn="ctr">
+                <a:defRPr sz="3200"/>
+              </a:pPr>
+              <a:r>
+                <a:rPr sz="2400" dirty="0" err="1"/>
+                <a:t>메인</a:t>
+              </a:r>
+              <a:r>
+                <a:rPr sz="2400" dirty="0"/>
+                <a:t> </a:t>
+              </a:r>
+              <a:r>
+                <a:rPr sz="2400" dirty="0" err="1"/>
+                <a:t>메뉴</a:t>
+              </a:r>
+              <a:r>
+                <a:rPr lang="en-US" altLang="ko-KR" sz="2400" dirty="0"/>
+                <a:t> </a:t>
+              </a:r>
+            </a:p>
+            <a:p>
+              <a:pPr algn="ctr">
+                <a:defRPr sz="3200"/>
+              </a:pPr>
+              <a:r>
+                <a:rPr sz="2400" dirty="0"/>
+                <a:t>씬</a:t>
+              </a:r>
+              <a:r>
+                <a:rPr lang="en-US" altLang="ko-KR" sz="2400" dirty="0"/>
+                <a:t> </a:t>
+              </a:r>
+              <a:r>
+                <a:rPr sz="2400" dirty="0" err="1"/>
+                <a:t>이동</a:t>
+              </a:r>
+              <a:endParaRPr sz="2400" dirty="0"/>
+            </a:p>
+          </p:txBody>
+        </p:sp>
+        <p:sp>
+          <p:nvSpPr>
+            <p:cNvPr id="43" name="MASTER VOLUME"/>
+            <p:cNvSpPr/>
+            <p:nvPr/>
+          </p:nvSpPr>
+          <p:spPr>
+            <a:xfrm>
+              <a:off x="6913450" y="2369600"/>
+              <a:ext cx="6707988" cy="1100053"/>
+            </a:xfrm>
+            <a:prstGeom prst="rect">
+              <a:avLst/>
+            </a:prstGeom>
+            <a:ln w="12700">
+              <a:miter lim="400000"/>
+            </a:ln>
+            <a:extLst>
+              <a:ext uri="{C572A759-6A51-4108-AA02-DFA0A04FC94B}">
+                <ma14:wrappingTextBoxFlag xmlns:ma14="http://schemas.microsoft.com/office/mac/drawingml/2011/main" xmlns="" val="1"/>
+              </a:ext>
+            </a:extLst>
+          </p:spPr>
+          <p:txBody>
+            <a:bodyPr wrap="square" lIns="50800" tIns="50800" rIns="50800" bIns="50800" anchor="ctr">
+              <a:spAutoFit/>
+            </a:bodyPr>
+            <a:lstStyle>
+              <a:lvl1pPr>
+                <a:defRPr sz="3500"/>
+              </a:lvl1pPr>
+            </a:lstStyle>
+            <a:p>
+              <a:r>
+                <a:rPr dirty="0"/>
+                <a:t>MASTER VOLUME</a:t>
+              </a:r>
+            </a:p>
+          </p:txBody>
+        </p:sp>
+        <p:grpSp>
+          <p:nvGrpSpPr>
+            <p:cNvPr id="44" name="그룹"/>
+            <p:cNvGrpSpPr/>
+            <p:nvPr/>
+          </p:nvGrpSpPr>
+          <p:grpSpPr>
+            <a:xfrm>
+              <a:off x="7102091" y="3777577"/>
+              <a:ext cx="6027686" cy="863601"/>
+              <a:chOff x="0" y="0"/>
+              <a:chExt cx="6027685" cy="863600"/>
+            </a:xfrm>
+          </p:grpSpPr>
+          <p:sp>
+            <p:nvSpPr>
+              <p:cNvPr id="45" name="직사각형"/>
+              <p:cNvSpPr/>
+              <p:nvPr/>
+            </p:nvSpPr>
+            <p:spPr>
+              <a:xfrm>
+                <a:off x="0" y="0"/>
+                <a:ext cx="367254" cy="863600"/>
+              </a:xfrm>
+              <a:prstGeom prst="rect">
+                <a:avLst/>
+              </a:prstGeom>
+              <a:solidFill>
+                <a:srgbClr val="000000"/>
+              </a:solidFill>
+              <a:ln w="12700" cap="flat">
+                <a:noFill/>
+                <a:miter lim="400000"/>
+              </a:ln>
+              <a:effectLst>
+                <a:outerShdw blurRad="38100" dist="25400" dir="5400000" rotWithShape="0">
+                  <a:srgbClr val="000000">
+                    <a:alpha val="50000"/>
+                  </a:srgbClr>
+                </a:outerShdw>
+              </a:effectLst>
+            </p:spPr>
+            <p:txBody>
+              <a:bodyPr wrap="square" lIns="50800" tIns="50800" rIns="50800" bIns="50800" numCol="1" anchor="ctr">
+                <a:noAutofit/>
+              </a:bodyPr>
+              <a:lstStyle/>
+              <a:p>
+                <a:pPr>
+                  <a:defRPr sz="3200">
+                    <a:solidFill>
+                      <a:srgbClr val="FFFFFF"/>
+                    </a:solidFill>
+                  </a:defRPr>
+                </a:pPr>
+                <a:endParaRPr/>
+              </a:p>
+            </p:txBody>
+          </p:sp>
+          <p:sp>
+            <p:nvSpPr>
+              <p:cNvPr id="46" name="선"/>
+              <p:cNvSpPr/>
+              <p:nvPr/>
+            </p:nvSpPr>
+            <p:spPr>
+              <a:xfrm>
+                <a:off x="303024" y="431800"/>
+                <a:ext cx="5724662" cy="0"/>
+              </a:xfrm>
+              <a:prstGeom prst="line">
+                <a:avLst/>
+              </a:prstGeom>
+              <a:noFill/>
+              <a:ln w="63500" cap="flat">
+                <a:solidFill>
+                  <a:srgbClr val="000000"/>
+                </a:solidFill>
+                <a:prstDash val="solid"/>
+                <a:miter lim="400000"/>
+              </a:ln>
+              <a:effectLst/>
+            </p:spPr>
+            <p:txBody>
+              <a:bodyPr wrap="square" lIns="50800" tIns="50800" rIns="50800" bIns="50800" numCol="1" anchor="ctr">
+                <a:noAutofit/>
+              </a:bodyPr>
+              <a:lstStyle/>
+              <a:p>
+                <a:pPr>
+                  <a:defRPr sz="3200"/>
+                </a:pPr>
+                <a:endParaRPr/>
+              </a:p>
+            </p:txBody>
+          </p:sp>
+        </p:grpSp>
+        <p:sp>
+          <p:nvSpPr>
+            <p:cNvPr id="47" name="인게임…"/>
+            <p:cNvSpPr/>
+            <p:nvPr/>
+          </p:nvSpPr>
+          <p:spPr>
+            <a:xfrm>
+              <a:off x="14542233" y="5166668"/>
+              <a:ext cx="3552189" cy="1443270"/>
+            </a:xfrm>
+            <a:prstGeom prst="rect">
+              <a:avLst/>
+            </a:prstGeom>
+            <a:ln w="25400">
+              <a:solidFill>
+                <a:srgbClr val="85888D"/>
+              </a:solidFill>
+              <a:miter lim="400000"/>
+            </a:ln>
+            <a:extLst>
+              <a:ext uri="{C572A759-6A51-4108-AA02-DFA0A04FC94B}">
+                <ma14:wrappingTextBoxFlag xmlns:ma14="http://schemas.microsoft.com/office/mac/drawingml/2011/main" xmlns="" val="1"/>
+              </a:ext>
+            </a:extLst>
+          </p:spPr>
+          <p:txBody>
+            <a:bodyPr wrap="square" lIns="50800" tIns="50800" rIns="50800" bIns="50800" anchor="ctr">
+              <a:spAutoFit/>
+            </a:bodyPr>
+            <a:lstStyle/>
+            <a:p>
+              <a:pPr algn="ctr">
+                <a:defRPr sz="3200"/>
+              </a:pPr>
+              <a:r>
+                <a:rPr lang="ko-KR" altLang="en-US" sz="2400" dirty="0"/>
+                <a:t>가이드 패널</a:t>
+              </a:r>
+              <a:endParaRPr lang="en-US" altLang="ko-KR" sz="2400" dirty="0"/>
+            </a:p>
+            <a:p>
+              <a:pPr algn="ctr">
+                <a:defRPr sz="3200"/>
+              </a:pPr>
+              <a:r>
+                <a:rPr lang="ko-KR" altLang="en-US" sz="2400" dirty="0"/>
+                <a:t>띄우기</a:t>
+              </a:r>
+              <a:endParaRPr sz="2400" dirty="0"/>
+            </a:p>
+          </p:txBody>
+        </p:sp>
+      </p:grpSp>
     </p:spTree>
     <p:extLst>
       <p:ext uri="{BB962C8B-B14F-4D97-AF65-F5344CB8AC3E}">
-        <p14:creationId xmlns:p14="http://schemas.microsoft.com/office/powerpoint/2010/main" val="1207047627"/>
+        <p14:creationId xmlns:p14="http://schemas.microsoft.com/office/powerpoint/2010/main" val="991494987"/>
       </p:ext>
     </p:extLst>
   </p:cSld>
@@ -13853,7 +17372,7 @@
         <p:spPr>
           <a:xfrm>
             <a:off x="190743" y="182246"/>
-            <a:ext cx="1107996" cy="461665"/>
+            <a:ext cx="1832553" cy="461665"/>
           </a:xfrm>
           <a:prstGeom prst="rect">
             <a:avLst/>
@@ -13868,65 +17387,327 @@
           <a:p>
             <a:r>
               <a:rPr lang="ko-KR" altLang="en-US" sz="2400" b="1" dirty="0"/>
-              <a:t>가이드</a:t>
-            </a:r>
-          </a:p>
-        </p:txBody>
-      </p:sp>
-      <p:sp>
-        <p:nvSpPr>
-          <p:cNvPr id="4" name="직사각형 3"/>
-          <p:cNvSpPr/>
-          <p:nvPr/>
-        </p:nvSpPr>
-        <p:spPr>
-          <a:xfrm>
-            <a:off x="465246" y="2911573"/>
-            <a:ext cx="4588777" cy="3489821"/>
-          </a:xfrm>
-          <a:prstGeom prst="rect">
-            <a:avLst/>
-          </a:prstGeom>
-          <a:solidFill>
-            <a:schemeClr val="bg2">
-              <a:lumMod val="90000"/>
-            </a:schemeClr>
-          </a:solidFill>
-          <a:ln>
-            <a:solidFill>
-              <a:schemeClr val="tx1"/>
-            </a:solidFill>
-          </a:ln>
-        </p:spPr>
-        <p:style>
-          <a:lnRef idx="2">
-            <a:schemeClr val="accent1">
-              <a:shade val="50000"/>
-            </a:schemeClr>
-          </a:lnRef>
-          <a:fillRef idx="1">
-            <a:schemeClr val="accent1"/>
-          </a:fillRef>
-          <a:effectRef idx="0">
-            <a:schemeClr val="accent1"/>
-          </a:effectRef>
-          <a:fontRef idx="minor">
-            <a:schemeClr val="lt1"/>
-          </a:fontRef>
-        </p:style>
-        <p:txBody>
-          <a:bodyPr rtlCol="0" anchor="ctr"/>
-          <a:lstStyle/>
-          <a:p>
-            <a:pPr algn="ctr"/>
-            <a:endParaRPr lang="ko-KR" altLang="en-US" dirty="0"/>
-          </a:p>
-        </p:txBody>
-      </p:sp>
+              <a:t>게임 </a:t>
+            </a:r>
+            <a:r>
+              <a:rPr lang="ko-KR" altLang="en-US" sz="2400" b="1" dirty="0" err="1"/>
+              <a:t>결과창</a:t>
+            </a:r>
+            <a:endParaRPr lang="ko-KR" altLang="en-US" sz="2400" b="1" dirty="0"/>
+          </a:p>
+        </p:txBody>
+      </p:sp>
+      <p:grpSp>
+        <p:nvGrpSpPr>
+          <p:cNvPr id="2" name="그룹 1"/>
+          <p:cNvGrpSpPr/>
+          <p:nvPr/>
+        </p:nvGrpSpPr>
+        <p:grpSpPr>
+          <a:xfrm>
+            <a:off x="962025" y="772898"/>
+            <a:ext cx="9191625" cy="5886809"/>
+            <a:chOff x="5433722" y="1233261"/>
+            <a:chExt cx="17564860" cy="11249478"/>
+          </a:xfrm>
+        </p:grpSpPr>
+        <p:pic>
+          <p:nvPicPr>
+            <p:cNvPr id="5" name="background.png" descr="background.png"/>
+            <p:cNvPicPr>
+              <a:picLocks noChangeAspect="1"/>
+            </p:cNvPicPr>
+            <p:nvPr/>
+          </p:nvPicPr>
+          <p:blipFill>
+            <a:blip r:embed="rId2">
+              <a:extLst/>
+            </a:blip>
+            <a:srcRect l="38418" t="36915" r="37257" b="39065"/>
+            <a:stretch>
+              <a:fillRect/>
+            </a:stretch>
+          </p:blipFill>
+          <p:spPr>
+            <a:xfrm>
+              <a:off x="7231354" y="2162601"/>
+              <a:ext cx="15767228" cy="8757935"/>
+            </a:xfrm>
+            <a:prstGeom prst="rect">
+              <a:avLst/>
+            </a:prstGeom>
+            <a:ln w="12700">
+              <a:miter lim="400000"/>
+            </a:ln>
+          </p:spPr>
+        </p:pic>
+        <p:pic>
+          <p:nvPicPr>
+            <p:cNvPr id="6" name="rocketeer.png" descr="rocketeer.png"/>
+            <p:cNvPicPr>
+              <a:picLocks noChangeAspect="1"/>
+            </p:cNvPicPr>
+            <p:nvPr/>
+          </p:nvPicPr>
+          <p:blipFill>
+            <a:blip r:embed="rId3">
+              <a:extLst/>
+            </a:blip>
+            <a:stretch>
+              <a:fillRect/>
+            </a:stretch>
+          </p:blipFill>
+          <p:spPr>
+            <a:xfrm>
+              <a:off x="5433722" y="1233261"/>
+              <a:ext cx="11249479" cy="11249478"/>
+            </a:xfrm>
+            <a:prstGeom prst="rect">
+              <a:avLst/>
+            </a:prstGeom>
+            <a:ln w="12700">
+              <a:miter lim="400000"/>
+            </a:ln>
+          </p:spPr>
+        </p:pic>
+        <p:sp>
+          <p:nvSpPr>
+            <p:cNvPr id="7" name="Player 1  W I N"/>
+            <p:cNvSpPr/>
+            <p:nvPr/>
+          </p:nvSpPr>
+          <p:spPr>
+            <a:xfrm>
+              <a:off x="14219679" y="3912784"/>
+              <a:ext cx="7846777" cy="1489980"/>
+            </a:xfrm>
+            <a:prstGeom prst="rect">
+              <a:avLst/>
+            </a:prstGeom>
+            <a:ln w="25400">
+              <a:noFill/>
+              <a:miter lim="400000"/>
+            </a:ln>
+            <a:extLst>
+              <a:ext uri="{C572A759-6A51-4108-AA02-DFA0A04FC94B}">
+                <ma14:wrappingTextBoxFlag xmlns:ma14="http://schemas.microsoft.com/office/mac/drawingml/2011/main" xmlns="" val="1"/>
+              </a:ext>
+            </a:extLst>
+          </p:spPr>
+          <p:txBody>
+            <a:bodyPr wrap="none" lIns="50800" tIns="50800" rIns="50800" bIns="50800" anchor="ctr">
+              <a:spAutoFit/>
+            </a:bodyPr>
+            <a:lstStyle>
+              <a:lvl1pPr>
+                <a:defRPr sz="8000"/>
+              </a:lvl1pPr>
+            </a:lstStyle>
+            <a:p>
+              <a:r>
+                <a:rPr sz="4000" b="1" dirty="0">
+                  <a:solidFill>
+                    <a:schemeClr val="accent4">
+                      <a:lumMod val="40000"/>
+                      <a:lumOff val="60000"/>
+                    </a:schemeClr>
+                  </a:solidFill>
+                </a:rPr>
+                <a:t>Player</a:t>
+              </a:r>
+              <a:r>
+                <a:rPr sz="4400" b="1" dirty="0">
+                  <a:solidFill>
+                    <a:schemeClr val="accent4">
+                      <a:lumMod val="40000"/>
+                      <a:lumOff val="60000"/>
+                    </a:schemeClr>
+                  </a:solidFill>
+                </a:rPr>
+                <a:t> 1  W I N</a:t>
+              </a:r>
+            </a:p>
+          </p:txBody>
+        </p:sp>
+        <p:sp>
+          <p:nvSpPr>
+            <p:cNvPr id="8" name="RETRY"/>
+            <p:cNvSpPr/>
+            <p:nvPr/>
+          </p:nvSpPr>
+          <p:spPr>
+            <a:xfrm>
+              <a:off x="14437473" y="8712035"/>
+              <a:ext cx="1437660" cy="725385"/>
+            </a:xfrm>
+            <a:prstGeom prst="rect">
+              <a:avLst/>
+            </a:prstGeom>
+            <a:blipFill>
+              <a:blip r:embed="rId4"/>
+            </a:blipFill>
+            <a:ln w="12700">
+              <a:miter lim="400000"/>
+            </a:ln>
+            <a:effectLst>
+              <a:outerShdw blurRad="38100" dist="25400" dir="5400000" rotWithShape="0">
+                <a:srgbClr val="000000">
+                  <a:alpha val="50000"/>
+                </a:srgbClr>
+              </a:outerShdw>
+            </a:effectLst>
+            <a:extLst>
+              <a:ext uri="{C572A759-6A51-4108-AA02-DFA0A04FC94B}">
+                <ma14:wrappingTextBoxFlag xmlns:ma14="http://schemas.microsoft.com/office/mac/drawingml/2011/main" xmlns="" val="1"/>
+              </a:ext>
+            </a:extLst>
+          </p:spPr>
+          <p:txBody>
+            <a:bodyPr wrap="none" lIns="50800" tIns="50800" rIns="50800" bIns="50800" anchor="ctr">
+              <a:spAutoFit/>
+            </a:bodyPr>
+            <a:lstStyle>
+              <a:lvl1pPr>
+                <a:defRPr>
+                  <a:solidFill>
+                    <a:srgbClr val="FFFFFF"/>
+                  </a:solidFill>
+                </a:defRPr>
+              </a:lvl1pPr>
+            </a:lstStyle>
+            <a:p>
+              <a:pPr algn="ctr"/>
+              <a:r>
+                <a:t>RETRY</a:t>
+              </a:r>
+            </a:p>
+          </p:txBody>
+        </p:sp>
+        <p:sp>
+          <p:nvSpPr>
+            <p:cNvPr id="9" name="SELECT CHARACTER"/>
+            <p:cNvSpPr/>
+            <p:nvPr/>
+          </p:nvSpPr>
+          <p:spPr>
+            <a:xfrm>
+              <a:off x="17097567" y="8447367"/>
+              <a:ext cx="2649614" cy="1254720"/>
+            </a:xfrm>
+            <a:prstGeom prst="rect">
+              <a:avLst/>
+            </a:prstGeom>
+            <a:blipFill>
+              <a:blip r:embed="rId4"/>
+            </a:blipFill>
+            <a:ln w="12700">
+              <a:miter lim="400000"/>
+            </a:ln>
+            <a:effectLst>
+              <a:outerShdw blurRad="38100" dist="25400" dir="5400000" rotWithShape="0">
+                <a:srgbClr val="000000">
+                  <a:alpha val="50000"/>
+                </a:srgbClr>
+              </a:outerShdw>
+            </a:effectLst>
+            <a:extLst>
+              <a:ext uri="{C572A759-6A51-4108-AA02-DFA0A04FC94B}">
+                <ma14:wrappingTextBoxFlag xmlns:ma14="http://schemas.microsoft.com/office/mac/drawingml/2011/main" xmlns="" val="1"/>
+              </a:ext>
+            </a:extLst>
+          </p:spPr>
+          <p:txBody>
+            <a:bodyPr wrap="none" lIns="50800" tIns="50800" rIns="50800" bIns="50800" anchor="ctr">
+              <a:spAutoFit/>
+            </a:bodyPr>
+            <a:lstStyle/>
+            <a:p>
+              <a:pPr algn="ctr">
+                <a:defRPr>
+                  <a:solidFill>
+                    <a:srgbClr val="FFFFFF"/>
+                  </a:solidFill>
+                </a:defRPr>
+              </a:pPr>
+              <a:r>
+                <a:t>SELECT</a:t>
+              </a:r>
+              <a:br/>
+              <a:r>
+                <a:t>CHARACTER</a:t>
+              </a:r>
+            </a:p>
+          </p:txBody>
+        </p:sp>
+        <p:sp>
+          <p:nvSpPr>
+            <p:cNvPr id="10" name="MAIN…"/>
+            <p:cNvSpPr/>
+            <p:nvPr/>
+          </p:nvSpPr>
+          <p:spPr>
+            <a:xfrm>
+              <a:off x="20949427" y="8447367"/>
+              <a:ext cx="1504070" cy="1254720"/>
+            </a:xfrm>
+            <a:prstGeom prst="rect">
+              <a:avLst/>
+            </a:prstGeom>
+            <a:blipFill>
+              <a:blip r:embed="rId4"/>
+            </a:blipFill>
+            <a:ln w="12700">
+              <a:miter lim="400000"/>
+            </a:ln>
+            <a:effectLst>
+              <a:outerShdw blurRad="38100" dist="25400" dir="5400000" rotWithShape="0">
+                <a:srgbClr val="000000">
+                  <a:alpha val="50000"/>
+                </a:srgbClr>
+              </a:outerShdw>
+            </a:effectLst>
+            <a:extLst>
+              <a:ext uri="{C572A759-6A51-4108-AA02-DFA0A04FC94B}">
+                <ma14:wrappingTextBoxFlag xmlns:ma14="http://schemas.microsoft.com/office/mac/drawingml/2011/main" xmlns="" val="1"/>
+              </a:ext>
+            </a:extLst>
+          </p:spPr>
+          <p:txBody>
+            <a:bodyPr wrap="none" lIns="50800" tIns="50800" rIns="50800" bIns="50800" anchor="ctr">
+              <a:spAutoFit/>
+            </a:bodyPr>
+            <a:lstStyle/>
+            <a:p>
+              <a:pPr algn="ctr">
+                <a:defRPr>
+                  <a:solidFill>
+                    <a:srgbClr val="FFFFFF"/>
+                  </a:solidFill>
+                </a:defRPr>
+              </a:pPr>
+              <a:r>
+                <a:t>MAIN </a:t>
+              </a:r>
+            </a:p>
+            <a:p>
+              <a:pPr algn="ctr">
+                <a:defRPr>
+                  <a:solidFill>
+                    <a:srgbClr val="FFFFFF"/>
+                  </a:solidFill>
+                </a:defRPr>
+              </a:pPr>
+              <a:r>
+                <a:t>MENU</a:t>
+              </a:r>
+            </a:p>
+          </p:txBody>
+        </p:sp>
+      </p:grpSp>
     </p:spTree>
     <p:extLst>
       <p:ext uri="{BB962C8B-B14F-4D97-AF65-F5344CB8AC3E}">
-        <p14:creationId xmlns:p14="http://schemas.microsoft.com/office/powerpoint/2010/main" val="1588866467"/>
+        <p14:creationId xmlns:p14="http://schemas.microsoft.com/office/powerpoint/2010/main" val="1207047627"/>
       </p:ext>
     </p:extLst>
   </p:cSld>
@@ -13955,14 +17736,14 @@
       </p:grpSpPr>
       <p:sp>
         <p:nvSpPr>
-          <p:cNvPr id="2" name="TextBox 1"/>
+          <p:cNvPr id="3" name="TextBox 2"/>
           <p:cNvSpPr txBox="1"/>
           <p:nvPr/>
         </p:nvSpPr>
         <p:spPr>
           <a:xfrm>
-            <a:off x="4269996" y="2910980"/>
-            <a:ext cx="3204723" cy="769441"/>
+            <a:off x="190743" y="182246"/>
+            <a:ext cx="1107996" cy="461665"/>
           </a:xfrm>
           <a:prstGeom prst="rect">
             <a:avLst/>
@@ -13976,16 +17757,236 @@
           <a:lstStyle/>
           <a:p>
             <a:r>
-              <a:rPr lang="ko-KR" altLang="en-US" sz="4400" b="1" dirty="0"/>
-              <a:t>게임 시스템</a:t>
-            </a:r>
-          </a:p>
-        </p:txBody>
-      </p:sp>
+              <a:rPr lang="ko-KR" altLang="en-US" sz="2400" b="1" dirty="0"/>
+              <a:t>가이드</a:t>
+            </a:r>
+          </a:p>
+        </p:txBody>
+      </p:sp>
+      <p:grpSp>
+        <p:nvGrpSpPr>
+          <p:cNvPr id="2" name="그룹 1"/>
+          <p:cNvGrpSpPr/>
+          <p:nvPr/>
+        </p:nvGrpSpPr>
+        <p:grpSpPr>
+          <a:xfrm>
+            <a:off x="3524250" y="966269"/>
+            <a:ext cx="5359367" cy="4491556"/>
+            <a:chOff x="14298719" y="1557094"/>
+            <a:chExt cx="9950803" cy="8339526"/>
+          </a:xfrm>
+        </p:grpSpPr>
+        <p:sp>
+          <p:nvSpPr>
+            <p:cNvPr id="5" name="직사각형"/>
+            <p:cNvSpPr/>
+            <p:nvPr/>
+          </p:nvSpPr>
+          <p:spPr>
+            <a:xfrm>
+              <a:off x="14298719" y="1557094"/>
+              <a:ext cx="9950803" cy="8339526"/>
+            </a:xfrm>
+            <a:prstGeom prst="rect">
+              <a:avLst/>
+            </a:prstGeom>
+            <a:solidFill>
+              <a:schemeClr val="accent4">
+                <a:hueOff val="46120"/>
+                <a:satOff val="4178"/>
+                <a:lumOff val="-16732"/>
+              </a:schemeClr>
+            </a:solidFill>
+            <a:ln w="12700">
+              <a:miter lim="400000"/>
+            </a:ln>
+            <a:effectLst>
+              <a:outerShdw blurRad="38100" dist="25400" dir="5400000" rotWithShape="0">
+                <a:srgbClr val="000000">
+                  <a:alpha val="50000"/>
+                </a:srgbClr>
+              </a:outerShdw>
+            </a:effectLst>
+          </p:spPr>
+          <p:txBody>
+            <a:bodyPr lIns="50800" tIns="50800" rIns="50800" bIns="50800" anchor="ctr"/>
+            <a:lstStyle/>
+            <a:p>
+              <a:pPr algn="ctr">
+                <a:defRPr sz="3200">
+                  <a:solidFill>
+                    <a:srgbClr val="FFFFFF"/>
+                  </a:solidFill>
+                  <a:latin typeface="Arial"/>
+                  <a:ea typeface="Arial"/>
+                  <a:cs typeface="Arial"/>
+                  <a:sym typeface="Arial"/>
+                </a:defRPr>
+              </a:pPr>
+              <a:endParaRPr sz="4000"/>
+            </a:p>
+          </p:txBody>
+        </p:sp>
+        <p:sp>
+          <p:nvSpPr>
+            <p:cNvPr id="6" name="G U I D E"/>
+            <p:cNvSpPr/>
+            <p:nvPr/>
+          </p:nvSpPr>
+          <p:spPr>
+            <a:xfrm>
+              <a:off x="18026344" y="1971126"/>
+              <a:ext cx="2663803" cy="876227"/>
+            </a:xfrm>
+            <a:prstGeom prst="rect">
+              <a:avLst/>
+            </a:prstGeom>
+            <a:ln w="12700">
+              <a:miter lim="400000"/>
+            </a:ln>
+            <a:extLst>
+              <a:ext uri="{C572A759-6A51-4108-AA02-DFA0A04FC94B}">
+                <ma14:wrappingTextBoxFlag xmlns:ma14="http://schemas.microsoft.com/office/mac/drawingml/2011/main" xmlns="" val="1"/>
+              </a:ext>
+            </a:extLst>
+          </p:spPr>
+          <p:txBody>
+            <a:bodyPr wrap="none" lIns="50800" tIns="50800" rIns="50800" bIns="50800" anchor="ctr">
+              <a:spAutoFit/>
+            </a:bodyPr>
+            <a:lstStyle/>
+            <a:p>
+              <a:pPr algn="ctr"/>
+              <a:r>
+                <a:rPr sz="2400" dirty="0"/>
+                <a:t>G U I D E</a:t>
+              </a:r>
+            </a:p>
+          </p:txBody>
+        </p:sp>
+        <p:sp>
+          <p:nvSpPr>
+            <p:cNvPr id="7" name="Character control guide list…"/>
+            <p:cNvSpPr/>
+            <p:nvPr/>
+          </p:nvSpPr>
+          <p:spPr>
+            <a:xfrm>
+              <a:off x="15392419" y="4584372"/>
+              <a:ext cx="7763403" cy="1561970"/>
+            </a:xfrm>
+            <a:prstGeom prst="rect">
+              <a:avLst/>
+            </a:prstGeom>
+            <a:gradFill>
+              <a:gsLst>
+                <a:gs pos="0">
+                  <a:srgbClr val="FBFBFB"/>
+                </a:gs>
+                <a:gs pos="100000">
+                  <a:srgbClr val="BEBEBE"/>
+                </a:gs>
+              </a:gsLst>
+              <a:lin ang="5400000"/>
+            </a:gradFill>
+            <a:ln w="12700">
+              <a:miter lim="400000"/>
+            </a:ln>
+            <a:effectLst>
+              <a:outerShdw blurRad="38100" dist="25400" dir="5400000" rotWithShape="0">
+                <a:srgbClr val="000000">
+                  <a:alpha val="50000"/>
+                </a:srgbClr>
+              </a:outerShdw>
+            </a:effectLst>
+            <a:extLst>
+              <a:ext uri="{C572A759-6A51-4108-AA02-DFA0A04FC94B}">
+                <ma14:wrappingTextBoxFlag xmlns:ma14="http://schemas.microsoft.com/office/mac/drawingml/2011/main" xmlns="" val="1"/>
+              </a:ext>
+            </a:extLst>
+          </p:spPr>
+          <p:txBody>
+            <a:bodyPr lIns="50800" tIns="50800" rIns="50800" bIns="50800" anchor="ctr">
+              <a:spAutoFit/>
+            </a:bodyPr>
+            <a:lstStyle/>
+            <a:p>
+              <a:pPr algn="ctr"/>
+              <a:r>
+                <a:rPr sz="2400" dirty="0"/>
+                <a:t>Character control guide list</a:t>
+              </a:r>
+            </a:p>
+            <a:p>
+              <a:pPr algn="ctr"/>
+              <a:r>
+                <a:rPr sz="2400" dirty="0"/>
+                <a:t>. . .</a:t>
+              </a:r>
+            </a:p>
+          </p:txBody>
+        </p:sp>
+        <p:sp>
+          <p:nvSpPr>
+            <p:cNvPr id="8" name="CLOSE"/>
+            <p:cNvSpPr/>
+            <p:nvPr/>
+          </p:nvSpPr>
+          <p:spPr>
+            <a:xfrm>
+              <a:off x="18332098" y="8321475"/>
+              <a:ext cx="1853886" cy="876227"/>
+            </a:xfrm>
+            <a:prstGeom prst="rect">
+              <a:avLst/>
+            </a:prstGeom>
+            <a:blipFill>
+              <a:blip r:embed="rId2"/>
+            </a:blipFill>
+            <a:ln w="12700">
+              <a:miter lim="400000"/>
+            </a:ln>
+            <a:effectLst>
+              <a:outerShdw blurRad="50800" dist="12700" rotWithShape="0">
+                <a:srgbClr val="000000">
+                  <a:alpha val="50000"/>
+                </a:srgbClr>
+              </a:outerShdw>
+            </a:effectLst>
+            <a:extLst>
+              <a:ext uri="{C572A759-6A51-4108-AA02-DFA0A04FC94B}">
+                <ma14:wrappingTextBoxFlag xmlns:ma14="http://schemas.microsoft.com/office/mac/drawingml/2011/main" xmlns="" val="1"/>
+              </a:ext>
+            </a:extLst>
+          </p:spPr>
+          <p:txBody>
+            <a:bodyPr wrap="none" lIns="50800" tIns="50800" rIns="50800" bIns="50800" anchor="ctr">
+              <a:spAutoFit/>
+            </a:bodyPr>
+            <a:lstStyle>
+              <a:lvl1pPr>
+                <a:defRPr>
+                  <a:solidFill>
+                    <a:srgbClr val="FFFFFF"/>
+                  </a:solidFill>
+                </a:defRPr>
+              </a:lvl1pPr>
+            </a:lstStyle>
+            <a:p>
+              <a:pPr algn="ctr"/>
+              <a:r>
+                <a:rPr sz="2400"/>
+                <a:t>CLOSE</a:t>
+              </a:r>
+            </a:p>
+          </p:txBody>
+        </p:sp>
+      </p:grpSp>
     </p:spTree>
     <p:extLst>
       <p:ext uri="{BB962C8B-B14F-4D97-AF65-F5344CB8AC3E}">
-        <p14:creationId xmlns:p14="http://schemas.microsoft.com/office/powerpoint/2010/main" val="2982219198"/>
+        <p14:creationId xmlns:p14="http://schemas.microsoft.com/office/powerpoint/2010/main" val="1588866467"/>
       </p:ext>
     </p:extLst>
   </p:cSld>

--- a/Plan/Rocketman_씬&스킬구성.pptx
+++ b/Plan/Rocketman_씬&스킬구성.pptx
@@ -5,7 +5,7 @@
     <p:sldMasterId id="2147483648" r:id="rId1"/>
   </p:sldMasterIdLst>
   <p:notesMasterIdLst>
-    <p:notesMasterId r:id="rId25"/>
+    <p:notesMasterId r:id="rId24"/>
   </p:notesMasterIdLst>
   <p:sldIdLst>
     <p:sldId id="266" r:id="rId2"/>
@@ -21,16 +21,15 @@
     <p:sldId id="269" r:id="rId12"/>
     <p:sldId id="282" r:id="rId13"/>
     <p:sldId id="283" r:id="rId14"/>
-    <p:sldId id="271" r:id="rId15"/>
-    <p:sldId id="268" r:id="rId16"/>
-    <p:sldId id="264" r:id="rId17"/>
-    <p:sldId id="267" r:id="rId18"/>
-    <p:sldId id="265" r:id="rId19"/>
-    <p:sldId id="270" r:id="rId20"/>
-    <p:sldId id="259" r:id="rId21"/>
-    <p:sldId id="261" r:id="rId22"/>
-    <p:sldId id="262" r:id="rId23"/>
-    <p:sldId id="263" r:id="rId24"/>
+    <p:sldId id="268" r:id="rId15"/>
+    <p:sldId id="264" r:id="rId16"/>
+    <p:sldId id="267" r:id="rId17"/>
+    <p:sldId id="265" r:id="rId18"/>
+    <p:sldId id="270" r:id="rId19"/>
+    <p:sldId id="259" r:id="rId20"/>
+    <p:sldId id="261" r:id="rId21"/>
+    <p:sldId id="262" r:id="rId22"/>
+    <p:sldId id="263" r:id="rId23"/>
   </p:sldIdLst>
   <p:sldSz cx="12192000" cy="6858000"/>
   <p:notesSz cx="6858000" cy="9144000"/>
@@ -4573,7 +4572,7 @@
           </a:ln>
           <a:extLst>
             <a:ext uri="{C572A759-6A51-4108-AA02-DFA0A04FC94B}">
-              <ma14:wrappingTextBoxFlag xmlns:ma14="http://schemas.microsoft.com/office/mac/drawingml/2011/main" xmlns="" val="1"/>
+              <ma14:wrappingTextBoxFlag xmlns="" xmlns:ma14="http://schemas.microsoft.com/office/mac/drawingml/2011/main" val="1"/>
             </a:ext>
           </a:extLst>
         </p:spPr>
@@ -4627,7 +4626,7 @@
           </a:effectLst>
           <a:extLst>
             <a:ext uri="{C572A759-6A51-4108-AA02-DFA0A04FC94B}">
-              <ma14:wrappingTextBoxFlag xmlns:ma14="http://schemas.microsoft.com/office/mac/drawingml/2011/main" xmlns="" val="1"/>
+              <ma14:wrappingTextBoxFlag xmlns="" xmlns:ma14="http://schemas.microsoft.com/office/mac/drawingml/2011/main" val="1"/>
             </a:ext>
           </a:extLst>
         </p:spPr>
@@ -4816,7 +4815,7 @@
         </p:blipFill>
         <p:spPr>
           <a:xfrm>
-            <a:off x="596793" y="3583734"/>
+            <a:off x="596793" y="2417664"/>
             <a:ext cx="1629299" cy="2034567"/>
           </a:xfrm>
           <a:prstGeom prst="rect">
@@ -4868,8 +4867,8 @@
         </p:nvSpPr>
         <p:spPr>
           <a:xfrm>
-            <a:off x="443767" y="985300"/>
-            <a:ext cx="11618400" cy="2127200"/>
+            <a:off x="443766" y="985300"/>
+            <a:ext cx="11748233" cy="2127200"/>
           </a:xfrm>
           <a:prstGeom prst="rect">
             <a:avLst/>
@@ -4897,19 +4896,7 @@
             </a:r>
             <a:r>
               <a:rPr lang="en-US" altLang="ko" dirty="0"/>
-              <a:t>(</a:t>
-            </a:r>
-            <a:r>
-              <a:rPr lang="ko" altLang="en-US" dirty="0">
-                <a:solidFill>
-                  <a:schemeClr val="dk1"/>
-                </a:solidFill>
-              </a:rPr>
-              <a:t>화살표 키</a:t>
-            </a:r>
-            <a:r>
-              <a:rPr lang="en-US" altLang="ko" dirty="0"/>
-              <a:t>): </a:t>
+              <a:t>(Move): </a:t>
             </a:r>
             <a:r>
               <a:rPr lang="ko" altLang="en-US" dirty="0"/>
@@ -4925,24 +4912,17 @@
             </a:r>
           </a:p>
           <a:p>
-            <a:endParaRPr dirty="0"/>
-          </a:p>
-          <a:p>
-            <a:r>
-              <a:rPr lang="ko" altLang="en-US" dirty="0"/>
-              <a:t>부스터</a:t>
+            <a:r>
+              <a:rPr lang="ko-KR" altLang="en-US" dirty="0"/>
+              <a:t>공격</a:t>
+            </a:r>
+            <a:r>
+              <a:rPr lang="en-US" altLang="ko-KR" dirty="0"/>
+              <a:t>(Launch)</a:t>
             </a:r>
             <a:r>
               <a:rPr lang="en-US" altLang="ko" dirty="0"/>
-              <a:t>(X</a:t>
-            </a:r>
-            <a:r>
-              <a:rPr lang="ko" altLang="en-US" dirty="0"/>
-              <a:t>키</a:t>
-            </a:r>
-            <a:r>
-              <a:rPr lang="en-US" altLang="ko" dirty="0"/>
-              <a:t>): MP</a:t>
+              <a:t>: MP</a:t>
             </a:r>
             <a:r>
               <a:rPr lang="ko" altLang="en-US" dirty="0"/>
@@ -4958,7 +4938,7 @@
             </a:r>
             <a:r>
               <a:rPr lang="en-US" altLang="ko" dirty="0"/>
-              <a:t>. (</a:t>
+              <a:t>(</a:t>
             </a:r>
             <a:r>
               <a:rPr lang="ko" altLang="en-US" dirty="0"/>
@@ -4966,11 +4946,8 @@
             </a:r>
             <a:r>
               <a:rPr lang="en-US" altLang="ko" dirty="0"/>
-              <a:t>)</a:t>
-            </a:r>
-          </a:p>
-          <a:p>
-            <a:endParaRPr dirty="0"/>
+              <a:t>).</a:t>
+            </a:r>
           </a:p>
           <a:p>
             <a:r>
@@ -4979,23 +4956,7 @@
             </a:r>
             <a:r>
               <a:rPr lang="en-US" altLang="ko" dirty="0"/>
-              <a:t>(Z</a:t>
-            </a:r>
-            <a:r>
-              <a:rPr lang="ko" altLang="en-US" dirty="0"/>
-              <a:t>키</a:t>
-            </a:r>
-            <a:r>
-              <a:rPr lang="en-US" altLang="ko" dirty="0"/>
-              <a:t>): </a:t>
-            </a:r>
-            <a:r>
-              <a:rPr lang="ko" altLang="en-US" dirty="0"/>
-              <a:t>기를 모아 </a:t>
-            </a:r>
-            <a:r>
-              <a:rPr lang="en-US" altLang="ko" dirty="0"/>
-              <a:t>MP</a:t>
+              <a:t>(Charge): MP</a:t>
             </a:r>
             <a:r>
               <a:rPr lang="ko" altLang="en-US" dirty="0"/>
@@ -5007,35 +4968,27 @@
             </a:r>
             <a:r>
               <a:rPr lang="ko" altLang="en-US" dirty="0"/>
-              <a:t>충전 중에 부스터를 쓰면</a:t>
+              <a:t>충전 중에 </a:t>
+            </a:r>
+            <a:r>
+              <a:rPr lang="ko-KR" altLang="en-US" dirty="0"/>
+              <a:t>공격</a:t>
+            </a:r>
+            <a:r>
+              <a:rPr lang="en-US" altLang="ko-KR" dirty="0"/>
+              <a:t>(Launch)</a:t>
+            </a:r>
+            <a:r>
+              <a:rPr lang="ko-KR" altLang="en-US" dirty="0"/>
+              <a:t>버튼을 누르면</a:t>
+            </a:r>
+            <a:r>
+              <a:rPr lang="ko" altLang="en-US" dirty="0"/>
+              <a:t> 특수기술이 나간다</a:t>
             </a:r>
             <a:r>
               <a:rPr lang="en-US" altLang="ko" dirty="0"/>
-              <a:t>(Z</a:t>
-            </a:r>
-            <a:r>
-              <a:rPr lang="ko" altLang="en-US" dirty="0"/>
-              <a:t>키 </a:t>
-            </a:r>
-            <a:r>
-              <a:rPr lang="en-US" altLang="ko" dirty="0"/>
-              <a:t>+ X</a:t>
-            </a:r>
-            <a:r>
-              <a:rPr lang="ko" altLang="en-US" dirty="0"/>
-              <a:t>키</a:t>
-            </a:r>
-            <a:r>
-              <a:rPr lang="en-US" altLang="ko" dirty="0"/>
-              <a:t>) </a:t>
-            </a:r>
-            <a:r>
-              <a:rPr lang="ko" altLang="en-US" dirty="0"/>
-              <a:t>특수기술이 나간다</a:t>
-            </a:r>
-            <a:r>
-              <a:rPr lang="en-US" altLang="ko" dirty="0"/>
-              <a:t>. (</a:t>
+              <a:t>(</a:t>
             </a:r>
             <a:r>
               <a:rPr lang="ko" altLang="en-US" dirty="0"/>
@@ -5043,11 +4996,8 @@
             </a:r>
             <a:r>
               <a:rPr lang="en-US" altLang="ko" dirty="0"/>
-              <a:t>)</a:t>
-            </a:r>
-          </a:p>
-          <a:p>
-            <a:endParaRPr dirty="0"/>
+              <a:t>).</a:t>
+            </a:r>
           </a:p>
           <a:p>
             <a:r>
@@ -5056,19 +5006,19 @@
             </a:r>
             <a:r>
               <a:rPr lang="en-US" altLang="ko" dirty="0"/>
-              <a:t>(</a:t>
+              <a:t>(Evade): </a:t>
             </a:r>
             <a:r>
               <a:rPr lang="ko" altLang="en-US" dirty="0"/>
-              <a:t>스페이스바</a:t>
-            </a:r>
-            <a:r>
-              <a:rPr lang="en-US" altLang="ko" dirty="0"/>
-              <a:t>): </a:t>
+              <a:t>짧은 시간 무적이 되고 특정 방향으로 </a:t>
+            </a:r>
+            <a:r>
+              <a:rPr lang="ko-KR" altLang="en-US" dirty="0"/>
+              <a:t>짧게 </a:t>
             </a:r>
             <a:r>
               <a:rPr lang="ko" altLang="en-US" dirty="0"/>
-              <a:t>짧은 시간 무적이 되고 특정 방향으로 뛴다</a:t>
+              <a:t>뛴다</a:t>
             </a:r>
             <a:r>
               <a:rPr lang="en-US" altLang="ko" dirty="0"/>
@@ -5085,7 +5035,7 @@
         </p:nvSpPr>
         <p:spPr>
           <a:xfrm>
-            <a:off x="443767" y="5522800"/>
+            <a:off x="443767" y="4356730"/>
             <a:ext cx="11436800" cy="1335200"/>
           </a:xfrm>
           <a:prstGeom prst="rect">
@@ -5204,7 +5154,7 @@
         </p:blipFill>
         <p:spPr>
           <a:xfrm>
-            <a:off x="534545" y="4795065"/>
+            <a:off x="534545" y="3628995"/>
             <a:ext cx="1753787" cy="677600"/>
           </a:xfrm>
           <a:prstGeom prst="rect">
@@ -5305,183 +5255,16 @@
           </a:prstGeom>
         </p:spPr>
       </p:pic>
-      <p:pic>
-        <p:nvPicPr>
-          <p:cNvPr id="7" name="Shape 87"/>
-          <p:cNvPicPr preferRelativeResize="0"/>
-          <p:nvPr/>
-        </p:nvPicPr>
-        <p:blipFill rotWithShape="1">
-          <a:blip r:embed="rId3">
-            <a:alphaModFix/>
-          </a:blip>
-          <a:srcRect l="1903" t="49168" b="23188"/>
-          <a:stretch/>
-        </p:blipFill>
-        <p:spPr>
-          <a:xfrm>
-            <a:off x="3448229" y="2301972"/>
-            <a:ext cx="1640600" cy="525558"/>
-          </a:xfrm>
-          <a:prstGeom prst="rect">
-            <a:avLst/>
-          </a:prstGeom>
-          <a:noFill/>
-          <a:ln>
-            <a:noFill/>
-          </a:ln>
-        </p:spPr>
-      </p:pic>
-      <p:pic>
-        <p:nvPicPr>
-          <p:cNvPr id="9" name="Shape 89"/>
-          <p:cNvPicPr preferRelativeResize="0"/>
-          <p:nvPr/>
-        </p:nvPicPr>
-        <p:blipFill>
-          <a:blip r:embed="rId4">
-            <a:alphaModFix/>
-          </a:blip>
-          <a:stretch>
-            <a:fillRect/>
-          </a:stretch>
-        </p:blipFill>
-        <p:spPr>
-          <a:xfrm>
-            <a:off x="5627860" y="2465730"/>
-            <a:ext cx="848167" cy="460868"/>
-          </a:xfrm>
-          <a:prstGeom prst="rect">
-            <a:avLst/>
-          </a:prstGeom>
-          <a:noFill/>
-          <a:ln>
-            <a:noFill/>
-          </a:ln>
-        </p:spPr>
-      </p:pic>
-      <p:sp>
-        <p:nvSpPr>
-          <p:cNvPr id="10" name="Shape 90"/>
-          <p:cNvSpPr txBox="1"/>
-          <p:nvPr/>
-        </p:nvSpPr>
-        <p:spPr>
-          <a:xfrm>
-            <a:off x="6794367" y="469499"/>
-            <a:ext cx="1751694" cy="606400"/>
-          </a:xfrm>
-          <a:prstGeom prst="rect">
-            <a:avLst/>
-          </a:prstGeom>
-          <a:noFill/>
-          <a:ln>
-            <a:noFill/>
-          </a:ln>
-        </p:spPr>
-        <p:txBody>
-          <a:bodyPr lIns="121900" tIns="121900" rIns="121900" bIns="121900" anchor="t" anchorCtr="0">
-            <a:noAutofit/>
-          </a:bodyPr>
-          <a:lstStyle/>
-          <a:p>
-            <a:r>
-              <a:rPr lang="ko" altLang="en-US" sz="2400" dirty="0"/>
-              <a:t>제한시간</a:t>
-            </a:r>
-          </a:p>
-        </p:txBody>
-      </p:sp>
-      <p:sp>
-        <p:nvSpPr>
-          <p:cNvPr id="11" name="Shape 91"/>
-          <p:cNvSpPr txBox="1"/>
-          <p:nvPr/>
-        </p:nvSpPr>
-        <p:spPr>
-          <a:xfrm>
-            <a:off x="7984347" y="607533"/>
-            <a:ext cx="2528400" cy="606400"/>
-          </a:xfrm>
-          <a:prstGeom prst="rect">
-            <a:avLst/>
-          </a:prstGeom>
-          <a:noFill/>
-          <a:ln>
-            <a:noFill/>
-          </a:ln>
-        </p:spPr>
-        <p:txBody>
-          <a:bodyPr lIns="121900" tIns="121900" rIns="121900" bIns="121900" anchor="t" anchorCtr="0">
-            <a:noAutofit/>
-          </a:bodyPr>
-          <a:lstStyle/>
-          <a:p>
-            <a:r>
-              <a:rPr lang="ko" altLang="en-US" sz="2400"/>
-              <a:t>플레이어 </a:t>
-            </a:r>
-            <a:r>
-              <a:rPr lang="en-US" altLang="ko" sz="2400"/>
-              <a:t>2 </a:t>
-            </a:r>
-            <a:r>
-              <a:rPr lang="ko" altLang="en-US" sz="2400"/>
-              <a:t>상태창</a:t>
-            </a:r>
-          </a:p>
-        </p:txBody>
-      </p:sp>
-      <p:sp>
-        <p:nvSpPr>
-          <p:cNvPr id="12" name="Shape 92"/>
-          <p:cNvSpPr txBox="1"/>
-          <p:nvPr/>
-        </p:nvSpPr>
-        <p:spPr>
-          <a:xfrm>
-            <a:off x="1783147" y="716867"/>
-            <a:ext cx="2528400" cy="606400"/>
-          </a:xfrm>
-          <a:prstGeom prst="rect">
-            <a:avLst/>
-          </a:prstGeom>
-          <a:noFill/>
-          <a:ln>
-            <a:noFill/>
-          </a:ln>
-        </p:spPr>
-        <p:txBody>
-          <a:bodyPr lIns="121900" tIns="121900" rIns="121900" bIns="121900" anchor="t" anchorCtr="0">
-            <a:noAutofit/>
-          </a:bodyPr>
-          <a:lstStyle/>
-          <a:p>
-            <a:r>
-              <a:rPr lang="ko" altLang="en-US" sz="2400"/>
-              <a:t>플레이어 </a:t>
-            </a:r>
-            <a:r>
-              <a:rPr lang="en-US" altLang="ko" sz="2400"/>
-              <a:t>1 </a:t>
-            </a:r>
-            <a:r>
-              <a:rPr lang="ko" altLang="en-US" sz="2400"/>
-              <a:t>상태창</a:t>
-            </a:r>
-          </a:p>
-        </p:txBody>
-      </p:sp>
       <p:cxnSp>
         <p:nvCxnSpPr>
-          <p:cNvPr id="13" name="Shape 93"/>
+          <p:cNvPr id="16" name="Shape 96"/>
           <p:cNvCxnSpPr/>
           <p:nvPr/>
         </p:nvCxnSpPr>
         <p:spPr>
           <a:xfrm rot="10800000" flipH="1">
-            <a:off x="8283733" y="1037700"/>
-            <a:ext cx="767200" cy="514400"/>
+            <a:off x="7841600" y="2679967"/>
+            <a:ext cx="1940000" cy="577600"/>
           </a:xfrm>
           <a:prstGeom prst="straightConnector1">
             <a:avLst/>
@@ -5500,14 +5283,14 @@
       </p:cxnSp>
       <p:cxnSp>
         <p:nvCxnSpPr>
-          <p:cNvPr id="14" name="Shape 94"/>
+          <p:cNvPr id="17" name="Shape 97"/>
           <p:cNvCxnSpPr/>
           <p:nvPr/>
         </p:nvCxnSpPr>
         <p:spPr>
           <a:xfrm rot="10800000">
-            <a:off x="7373354" y="150327"/>
-            <a:ext cx="25200" cy="658800"/>
+            <a:off x="2011709" y="3249502"/>
+            <a:ext cx="1597200" cy="90400"/>
           </a:xfrm>
           <a:prstGeom prst="straightConnector1">
             <a:avLst/>
@@ -5524,84 +5307,6 @@
           </a:ln>
         </p:spPr>
       </p:cxnSp>
-      <p:cxnSp>
-        <p:nvCxnSpPr>
-          <p:cNvPr id="15" name="Shape 95"/>
-          <p:cNvCxnSpPr/>
-          <p:nvPr/>
-        </p:nvCxnSpPr>
-        <p:spPr>
-          <a:xfrm rot="10800000">
-            <a:off x="3034767" y="1064900"/>
-            <a:ext cx="385200" cy="649600"/>
-          </a:xfrm>
-          <a:prstGeom prst="straightConnector1">
-            <a:avLst/>
-          </a:prstGeom>
-          <a:noFill/>
-          <a:ln w="9525" cap="flat" cmpd="sng">
-            <a:solidFill>
-              <a:schemeClr val="accent1"/>
-            </a:solidFill>
-            <a:prstDash val="solid"/>
-            <a:round/>
-            <a:headEnd type="none" w="lg" len="lg"/>
-            <a:tailEnd type="triangle" w="lg" len="lg"/>
-          </a:ln>
-        </p:spPr>
-      </p:cxnSp>
-      <p:cxnSp>
-        <p:nvCxnSpPr>
-          <p:cNvPr id="16" name="Shape 96"/>
-          <p:cNvCxnSpPr/>
-          <p:nvPr/>
-        </p:nvCxnSpPr>
-        <p:spPr>
-          <a:xfrm rot="10800000" flipH="1">
-            <a:off x="7841600" y="2679967"/>
-            <a:ext cx="1940000" cy="577600"/>
-          </a:xfrm>
-          <a:prstGeom prst="straightConnector1">
-            <a:avLst/>
-          </a:prstGeom>
-          <a:noFill/>
-          <a:ln w="9525" cap="flat" cmpd="sng">
-            <a:solidFill>
-              <a:schemeClr val="accent1"/>
-            </a:solidFill>
-            <a:prstDash val="solid"/>
-            <a:round/>
-            <a:headEnd type="none" w="lg" len="lg"/>
-            <a:tailEnd type="triangle" w="lg" len="lg"/>
-          </a:ln>
-        </p:spPr>
-      </p:cxnSp>
-      <p:cxnSp>
-        <p:nvCxnSpPr>
-          <p:cNvPr id="17" name="Shape 97"/>
-          <p:cNvCxnSpPr/>
-          <p:nvPr/>
-        </p:nvCxnSpPr>
-        <p:spPr>
-          <a:xfrm rot="10800000">
-            <a:off x="2093500" y="4538767"/>
-            <a:ext cx="1597200" cy="90400"/>
-          </a:xfrm>
-          <a:prstGeom prst="straightConnector1">
-            <a:avLst/>
-          </a:prstGeom>
-          <a:noFill/>
-          <a:ln w="9525" cap="flat" cmpd="sng">
-            <a:solidFill>
-              <a:schemeClr val="accent1"/>
-            </a:solidFill>
-            <a:prstDash val="solid"/>
-            <a:round/>
-            <a:headEnd type="none" w="lg" len="lg"/>
-            <a:tailEnd type="triangle" w="lg" len="lg"/>
-          </a:ln>
-        </p:spPr>
-      </p:cxnSp>
       <p:sp>
         <p:nvSpPr>
           <p:cNvPr id="18" name="Shape 98"/>
@@ -5610,7 +5315,7 @@
         </p:nvSpPr>
         <p:spPr>
           <a:xfrm>
-            <a:off x="802280" y="4172983"/>
+            <a:off x="829299" y="2362367"/>
             <a:ext cx="2528400" cy="606400"/>
           </a:xfrm>
           <a:prstGeom prst="rect">
@@ -5628,48 +5333,13 @@
           <a:lstStyle/>
           <a:p>
             <a:r>
-              <a:rPr lang="ko" altLang="en-US" sz="2400"/>
+              <a:rPr lang="ko" altLang="en-US" sz="2400" dirty="0"/>
               <a:t>플레이어 </a:t>
             </a:r>
             <a:r>
-              <a:rPr lang="en-US" altLang="ko" sz="2400"/>
+              <a:rPr lang="en-US" altLang="ko" sz="2400" dirty="0"/>
               <a:t>1</a:t>
             </a:r>
-          </a:p>
-        </p:txBody>
-      </p:sp>
-      <p:sp>
-        <p:nvSpPr>
-          <p:cNvPr id="19" name="Shape 99"/>
-          <p:cNvSpPr/>
-          <p:nvPr/>
-        </p:nvSpPr>
-        <p:spPr>
-          <a:xfrm>
-            <a:off x="3419967" y="2346200"/>
-            <a:ext cx="5107600" cy="3022800"/>
-          </a:xfrm>
-          <a:prstGeom prst="rect">
-            <a:avLst/>
-          </a:prstGeom>
-          <a:noFill/>
-          <a:ln w="38100" cap="flat" cmpd="sng">
-            <a:solidFill>
-              <a:srgbClr val="4A86E8"/>
-            </a:solidFill>
-            <a:prstDash val="solid"/>
-            <a:round/>
-            <a:headEnd type="none" w="med" len="med"/>
-            <a:tailEnd type="none" w="med" len="med"/>
-          </a:ln>
-        </p:spPr>
-        <p:txBody>
-          <a:bodyPr lIns="121900" tIns="121900" rIns="121900" bIns="121900" anchor="ctr" anchorCtr="0">
-            <a:noAutofit/>
-          </a:bodyPr>
-          <a:lstStyle/>
-          <a:p>
-            <a:endParaRPr sz="2400"/>
           </a:p>
         </p:txBody>
       </p:sp>
@@ -5699,74 +5369,16 @@
           <a:lstStyle/>
           <a:p>
             <a:r>
-              <a:rPr lang="ko" altLang="en-US" sz="2400"/>
+              <a:rPr lang="ko" altLang="en-US" sz="2400" dirty="0"/>
               <a:t>플레이어 </a:t>
             </a:r>
             <a:r>
-              <a:rPr lang="en-US" altLang="ko" sz="2400"/>
+              <a:rPr lang="en-US" altLang="ko" sz="2400" dirty="0"/>
               <a:t>2</a:t>
             </a:r>
           </a:p>
         </p:txBody>
       </p:sp>
-      <p:sp>
-        <p:nvSpPr>
-          <p:cNvPr id="21" name="Shape 101"/>
-          <p:cNvSpPr txBox="1"/>
-          <p:nvPr/>
-        </p:nvSpPr>
-        <p:spPr>
-          <a:xfrm>
-            <a:off x="9564347" y="4008083"/>
-            <a:ext cx="2528400" cy="606400"/>
-          </a:xfrm>
-          <a:prstGeom prst="rect">
-            <a:avLst/>
-          </a:prstGeom>
-          <a:noFill/>
-          <a:ln>
-            <a:noFill/>
-          </a:ln>
-        </p:spPr>
-        <p:txBody>
-          <a:bodyPr lIns="121900" tIns="121900" rIns="121900" bIns="121900" anchor="t" anchorCtr="0">
-            <a:noAutofit/>
-          </a:bodyPr>
-          <a:lstStyle/>
-          <a:p>
-            <a:r>
-              <a:rPr lang="ko" altLang="en-US" sz="2400"/>
-              <a:t>카메라 범위</a:t>
-            </a:r>
-          </a:p>
-        </p:txBody>
-      </p:sp>
-      <p:cxnSp>
-        <p:nvCxnSpPr>
-          <p:cNvPr id="22" name="Shape 102"/>
-          <p:cNvCxnSpPr/>
-          <p:nvPr/>
-        </p:nvCxnSpPr>
-        <p:spPr>
-          <a:xfrm>
-            <a:off x="8491300" y="4246167"/>
-            <a:ext cx="1218000" cy="22000"/>
-          </a:xfrm>
-          <a:prstGeom prst="straightConnector1">
-            <a:avLst/>
-          </a:prstGeom>
-          <a:noFill/>
-          <a:ln w="9525" cap="flat" cmpd="sng">
-            <a:solidFill>
-              <a:schemeClr val="accent1"/>
-            </a:solidFill>
-            <a:prstDash val="solid"/>
-            <a:round/>
-            <a:headEnd type="none" w="lg" len="lg"/>
-            <a:tailEnd type="triangle" w="lg" len="lg"/>
-          </a:ln>
-        </p:spPr>
-      </p:cxnSp>
       <p:pic>
         <p:nvPicPr>
           <p:cNvPr id="23" name="Shape 104"/>
@@ -5774,12 +5386,12 @@
           <p:nvPr/>
         </p:nvPicPr>
         <p:blipFill>
-          <a:blip r:embed="rId5">
+          <a:blip r:embed="rId3">
             <a:alphaModFix/>
             <a:extLst>
               <a:ext uri="{BEBA8EAE-BF5A-486C-A8C5-ECC9F3942E4B}">
                 <a14:imgProps xmlns:a14="http://schemas.microsoft.com/office/drawing/2010/main">
-                  <a14:imgLayer r:embed="rId6">
+                  <a14:imgLayer r:embed="rId4">
                     <a14:imgEffect>
                       <a14:backgroundRemoval t="10000" b="90000" l="10000" r="90000"/>
                     </a14:imgEffect>
@@ -5794,91 +5406,8 @@
         </p:blipFill>
         <p:spPr>
           <a:xfrm>
-            <a:off x="5819443" y="4231342"/>
+            <a:off x="5836027" y="3339903"/>
             <a:ext cx="461967" cy="461967"/>
-          </a:xfrm>
-          <a:prstGeom prst="rect">
-            <a:avLst/>
-          </a:prstGeom>
-          <a:noFill/>
-          <a:ln>
-            <a:noFill/>
-          </a:ln>
-        </p:spPr>
-      </p:pic>
-      <p:pic>
-        <p:nvPicPr>
-          <p:cNvPr id="24" name="Shape 105"/>
-          <p:cNvPicPr preferRelativeResize="0"/>
-          <p:nvPr/>
-        </p:nvPicPr>
-        <p:blipFill rotWithShape="1">
-          <a:blip r:embed="rId7">
-            <a:alphaModFix/>
-          </a:blip>
-          <a:srcRect l="58990" t="64776" r="25679" b="8815"/>
-          <a:stretch/>
-        </p:blipFill>
-        <p:spPr>
-          <a:xfrm>
-            <a:off x="9663583" y="5070784"/>
-            <a:ext cx="956499" cy="926833"/>
-          </a:xfrm>
-          <a:prstGeom prst="rect">
-            <a:avLst/>
-          </a:prstGeom>
-          <a:noFill/>
-          <a:ln>
-            <a:noFill/>
-          </a:ln>
-        </p:spPr>
-      </p:pic>
-      <p:pic>
-        <p:nvPicPr>
-          <p:cNvPr id="25" name="Shape 106"/>
-          <p:cNvPicPr preferRelativeResize="0"/>
-          <p:nvPr/>
-        </p:nvPicPr>
-        <p:blipFill>
-          <a:blip r:embed="rId8">
-            <a:alphaModFix/>
-          </a:blip>
-          <a:stretch>
-            <a:fillRect/>
-          </a:stretch>
-        </p:blipFill>
-        <p:spPr>
-          <a:xfrm>
-            <a:off x="432850" y="1615283"/>
-            <a:ext cx="461999" cy="461999"/>
-          </a:xfrm>
-          <a:prstGeom prst="rect">
-            <a:avLst/>
-          </a:prstGeom>
-          <a:noFill/>
-          <a:ln>
-            <a:noFill/>
-          </a:ln>
-        </p:spPr>
-      </p:pic>
-      <p:pic>
-        <p:nvPicPr>
-          <p:cNvPr id="26" name="Shape 107"/>
-          <p:cNvPicPr preferRelativeResize="0"/>
-          <p:nvPr/>
-        </p:nvPicPr>
-        <p:blipFill>
-          <a:blip r:embed="rId9">
-            <a:alphaModFix/>
-          </a:blip>
-          <a:stretch>
-            <a:fillRect/>
-          </a:stretch>
-        </p:blipFill>
-        <p:spPr>
-          <a:xfrm>
-            <a:off x="5539038" y="3161189"/>
-            <a:ext cx="419571" cy="593368"/>
           </a:xfrm>
           <a:prstGeom prst="rect">
             <a:avLst/>
@@ -5968,16 +5497,23 @@
           <p:nvPr/>
         </p:nvPicPr>
         <p:blipFill rotWithShape="1">
-          <a:blip r:embed="rId7">
+          <a:blip r:embed="rId5">
             <a:alphaModFix/>
+            <a:duotone>
+              <a:prstClr val="black"/>
+              <a:srgbClr val="D9C3A5">
+                <a:tint val="50000"/>
+                <a:satMod val="180000"/>
+              </a:srgbClr>
+            </a:duotone>
           </a:blip>
           <a:srcRect l="58990" t="64776" r="25679" b="8815"/>
           <a:stretch/>
         </p:blipFill>
         <p:spPr>
           <a:xfrm>
-            <a:off x="6794367" y="4294750"/>
-            <a:ext cx="956499" cy="926833"/>
+            <a:off x="5966363" y="2600793"/>
+            <a:ext cx="352117" cy="647813"/>
           </a:xfrm>
           <a:prstGeom prst="rect">
             <a:avLst/>
@@ -5992,7 +5528,7 @@
         <p:nvCxnSpPr>
           <p:cNvPr id="29" name="Shape 110"/>
           <p:cNvCxnSpPr>
-            <a:endCxn id="24" idx="1"/>
+            <a:cxnSpLocks/>
           </p:cNvCxnSpPr>
           <p:nvPr/>
         </p:nvCxnSpPr>
@@ -6005,7 +5541,7 @@
             <a:avLst/>
           </a:prstGeom>
           <a:noFill/>
-          <a:ln w="9525" cap="flat" cmpd="sng">
+          <a:ln w="28575" cap="flat" cmpd="sng">
             <a:solidFill>
               <a:schemeClr val="accent1"/>
             </a:solidFill>
@@ -6016,34 +5552,6 @@
           </a:ln>
         </p:spPr>
       </p:cxnSp>
-      <p:cxnSp>
-        <p:nvCxnSpPr>
-          <p:cNvPr id="30" name="Shape 111"/>
-          <p:cNvCxnSpPr>
-            <a:cxnSpLocks/>
-          </p:cNvCxnSpPr>
-          <p:nvPr/>
-        </p:nvCxnSpPr>
-        <p:spPr>
-          <a:xfrm rot="10800000">
-            <a:off x="509480" y="2687525"/>
-            <a:ext cx="1996000" cy="121200"/>
-          </a:xfrm>
-          <a:prstGeom prst="straightConnector1">
-            <a:avLst/>
-          </a:prstGeom>
-          <a:noFill/>
-          <a:ln w="9525" cap="flat" cmpd="sng">
-            <a:solidFill>
-              <a:schemeClr val="accent1"/>
-            </a:solidFill>
-            <a:prstDash val="solid"/>
-            <a:round/>
-            <a:headEnd type="none" w="lg" len="lg"/>
-            <a:tailEnd type="triangle" w="lg" len="lg"/>
-          </a:ln>
-        </p:spPr>
-      </p:cxnSp>
       <p:pic>
         <p:nvPicPr>
           <p:cNvPr id="32" name="그림 31"/>
@@ -6053,7 +5561,7 @@
           <p:nvPr/>
         </p:nvPicPr>
         <p:blipFill>
-          <a:blip r:embed="rId10">
+          <a:blip r:embed="rId6">
             <a:extLst>
               <a:ext uri="{28A0092B-C50C-407E-A947-70E740481C1C}">
                 <a14:useLocalDpi xmlns:a14="http://schemas.microsoft.com/office/drawing/2010/main" val="0"/>
@@ -6083,7 +5591,7 @@
           <p:nvPr/>
         </p:nvPicPr>
         <p:blipFill>
-          <a:blip r:embed="rId11">
+          <a:blip r:embed="rId7">
             <a:extLst>
               <a:ext uri="{28A0092B-C50C-407E-A947-70E740481C1C}">
                 <a14:useLocalDpi xmlns:a14="http://schemas.microsoft.com/office/drawing/2010/main" val="0"/>
@@ -6104,30 +5612,67 @@
           </a:prstGeom>
         </p:spPr>
       </p:pic>
+      <p:sp>
+        <p:nvSpPr>
+          <p:cNvPr id="36" name="TextBox 35"/>
+          <p:cNvSpPr txBox="1"/>
+          <p:nvPr/>
+        </p:nvSpPr>
+        <p:spPr>
+          <a:xfrm>
+            <a:off x="2644629" y="780284"/>
+            <a:ext cx="1107996" cy="646331"/>
+          </a:xfrm>
+          <a:prstGeom prst="rect">
+            <a:avLst/>
+          </a:prstGeom>
+          <a:noFill/>
+        </p:spPr>
+        <p:txBody>
+          <a:bodyPr wrap="none" rtlCol="0">
+            <a:spAutoFit/>
+          </a:bodyPr>
+          <a:lstStyle/>
+          <a:p>
+            <a:r>
+              <a:rPr lang="ko-KR" altLang="en-US" dirty="0"/>
+              <a:t>제한시간</a:t>
+            </a:r>
+            <a:endParaRPr lang="en-US" altLang="ko-KR" dirty="0"/>
+          </a:p>
+          <a:p>
+            <a:r>
+              <a:rPr lang="ko-KR" altLang="en-US" dirty="0" err="1"/>
+              <a:t>서든데스</a:t>
+            </a:r>
+            <a:endParaRPr lang="ko-KR" altLang="en-US" dirty="0"/>
+          </a:p>
+        </p:txBody>
+      </p:sp>
       <p:pic>
         <p:nvPicPr>
-          <p:cNvPr id="31" name="Shape 87"/>
+          <p:cNvPr id="38" name="Shape 109"/>
           <p:cNvPicPr preferRelativeResize="0"/>
           <p:nvPr/>
         </p:nvPicPr>
         <p:blipFill rotWithShape="1">
-          <a:blip r:embed="rId3">
+          <a:blip r:embed="rId5">
             <a:alphaModFix/>
             <a:duotone>
-              <a:schemeClr val="accent1">
-                <a:shade val="45000"/>
-                <a:satMod val="135000"/>
-              </a:schemeClr>
-              <a:prstClr val="white"/>
+              <a:prstClr val="black"/>
+              <a:srgbClr val="D9C3A5">
+                <a:tint val="50000"/>
+                <a:satMod val="180000"/>
+              </a:srgbClr>
             </a:duotone>
           </a:blip>
-          <a:srcRect l="1903" t="74584"/>
+          <a:srcRect l="58990" t="64776" r="25679" b="8815"/>
           <a:stretch/>
         </p:blipFill>
         <p:spPr>
           <a:xfrm>
-            <a:off x="3476491" y="2726478"/>
-            <a:ext cx="1640600" cy="483200"/>
+            <a:off x="9663583" y="4812100"/>
+            <a:ext cx="630252" cy="1159516"/>
           </a:xfrm>
           <a:prstGeom prst="rect">
             <a:avLst/>
@@ -6140,55 +5685,28 @@
       </p:pic>
       <p:pic>
         <p:nvPicPr>
-          <p:cNvPr id="34" name="Shape 87"/>
+          <p:cNvPr id="40" name="Shape 109"/>
           <p:cNvPicPr preferRelativeResize="0"/>
           <p:nvPr/>
         </p:nvPicPr>
         <p:blipFill rotWithShape="1">
-          <a:blip r:embed="rId3">
+          <a:blip r:embed="rId5">
             <a:alphaModFix/>
+            <a:duotone>
+              <a:prstClr val="black"/>
+              <a:srgbClr val="D9C3A5">
+                <a:tint val="50000"/>
+                <a:satMod val="180000"/>
+              </a:srgbClr>
+            </a:duotone>
           </a:blip>
-          <a:srcRect l="1903" t="49168" b="23188"/>
+          <a:srcRect l="58990" t="64776" r="25679" b="8815"/>
           <a:stretch/>
         </p:blipFill>
         <p:spPr>
           <a:xfrm>
-            <a:off x="7218115" y="2309520"/>
-            <a:ext cx="1640600" cy="525558"/>
-          </a:xfrm>
-          <a:prstGeom prst="rect">
-            <a:avLst/>
-          </a:prstGeom>
-          <a:noFill/>
-          <a:ln>
-            <a:noFill/>
-          </a:ln>
-        </p:spPr>
-      </p:pic>
-      <p:pic>
-        <p:nvPicPr>
-          <p:cNvPr id="35" name="Shape 87"/>
-          <p:cNvPicPr preferRelativeResize="0"/>
-          <p:nvPr/>
-        </p:nvPicPr>
-        <p:blipFill rotWithShape="1">
-          <a:blip r:embed="rId3">
-            <a:alphaModFix/>
-            <a:duotone>
-              <a:schemeClr val="accent1">
-                <a:shade val="45000"/>
-                <a:satMod val="135000"/>
-              </a:schemeClr>
-              <a:prstClr val="white"/>
-            </a:duotone>
-          </a:blip>
-          <a:srcRect l="1903" t="74584"/>
-          <a:stretch/>
-        </p:blipFill>
-        <p:spPr>
-          <a:xfrm flipH="1">
-            <a:off x="6860145" y="2694395"/>
-            <a:ext cx="1640600" cy="483200"/>
+            <a:off x="5955963" y="3984463"/>
+            <a:ext cx="352117" cy="647813"/>
           </a:xfrm>
           <a:prstGeom prst="rect">
             <a:avLst/>
@@ -6229,42 +5747,9 @@
           <a:chExt cx="0" cy="0"/>
         </a:xfrm>
       </p:grpSpPr>
-      <p:sp>
-        <p:nvSpPr>
-          <p:cNvPr id="2" name="TextBox 1"/>
-          <p:cNvSpPr txBox="1"/>
-          <p:nvPr/>
-        </p:nvSpPr>
-        <p:spPr>
-          <a:xfrm>
-            <a:off x="511728" y="595618"/>
-            <a:ext cx="1189749" cy="369332"/>
-          </a:xfrm>
-          <a:prstGeom prst="rect">
-            <a:avLst/>
-          </a:prstGeom>
-          <a:noFill/>
-        </p:spPr>
-        <p:txBody>
-          <a:bodyPr wrap="none" rtlCol="0">
-            <a:spAutoFit/>
-          </a:bodyPr>
-          <a:lstStyle/>
-          <a:p>
-            <a:r>
-              <a:rPr lang="ko-KR" altLang="en-US" dirty="0" err="1"/>
-              <a:t>인게임</a:t>
-            </a:r>
-            <a:r>
-              <a:rPr lang="ko-KR" altLang="en-US" dirty="0"/>
-              <a:t> 룰</a:t>
-            </a:r>
-          </a:p>
-        </p:txBody>
-      </p:sp>
       <p:pic>
         <p:nvPicPr>
-          <p:cNvPr id="4" name="그림 3"/>
+          <p:cNvPr id="6" name="그림 5"/>
           <p:cNvPicPr>
             <a:picLocks noChangeAspect="1"/>
           </p:cNvPicPr>
@@ -6284,24 +5769,114 @@
         </p:blipFill>
         <p:spPr>
           <a:xfrm>
-            <a:off x="2348914" y="1913324"/>
-            <a:ext cx="6613321" cy="3719993"/>
+            <a:off x="1185607" y="1460678"/>
+            <a:ext cx="987141" cy="987141"/>
           </a:xfrm>
           <a:prstGeom prst="rect">
             <a:avLst/>
           </a:prstGeom>
         </p:spPr>
       </p:pic>
-      <p:sp>
-        <p:nvSpPr>
-          <p:cNvPr id="5" name="TextBox 4"/>
+      <p:pic>
+        <p:nvPicPr>
+          <p:cNvPr id="8" name="그림 7"/>
+          <p:cNvPicPr>
+            <a:picLocks noChangeAspect="1"/>
+          </p:cNvPicPr>
+          <p:nvPr/>
+        </p:nvPicPr>
+        <p:blipFill>
+          <a:blip r:embed="rId3">
+            <a:extLst>
+              <a:ext uri="{28A0092B-C50C-407E-A947-70E740481C1C}">
+                <a14:useLocalDpi xmlns:a14="http://schemas.microsoft.com/office/drawing/2010/main" val="0"/>
+              </a:ext>
+            </a:extLst>
+          </a:blip>
+          <a:stretch>
+            <a:fillRect/>
+          </a:stretch>
+        </p:blipFill>
+        <p:spPr>
+          <a:xfrm>
+            <a:off x="1272828" y="4523246"/>
+            <a:ext cx="812698" cy="812698"/>
+          </a:xfrm>
+          <a:prstGeom prst="rect">
+            <a:avLst/>
+          </a:prstGeom>
+        </p:spPr>
+      </p:pic>
+      <p:pic>
+        <p:nvPicPr>
+          <p:cNvPr id="10" name="그림 9"/>
+          <p:cNvPicPr>
+            <a:picLocks noChangeAspect="1"/>
+          </p:cNvPicPr>
+          <p:nvPr/>
+        </p:nvPicPr>
+        <p:blipFill>
+          <a:blip r:embed="rId4">
+            <a:extLst>
+              <a:ext uri="{28A0092B-C50C-407E-A947-70E740481C1C}">
+                <a14:useLocalDpi xmlns:a14="http://schemas.microsoft.com/office/drawing/2010/main" val="0"/>
+              </a:ext>
+            </a:extLst>
+          </a:blip>
+          <a:stretch>
+            <a:fillRect/>
+          </a:stretch>
+        </p:blipFill>
+        <p:spPr>
+          <a:xfrm>
+            <a:off x="1184762" y="2447818"/>
+            <a:ext cx="958111" cy="958111"/>
+          </a:xfrm>
+          <a:prstGeom prst="rect">
+            <a:avLst/>
+          </a:prstGeom>
+        </p:spPr>
+      </p:pic>
+      <p:pic>
+        <p:nvPicPr>
+          <p:cNvPr id="12" name="그림 11"/>
+          <p:cNvPicPr>
+            <a:picLocks noChangeAspect="1"/>
+          </p:cNvPicPr>
+          <p:nvPr/>
+        </p:nvPicPr>
+        <p:blipFill>
+          <a:blip r:embed="rId5">
+            <a:extLst>
+              <a:ext uri="{28A0092B-C50C-407E-A947-70E740481C1C}">
+                <a14:useLocalDpi xmlns:a14="http://schemas.microsoft.com/office/drawing/2010/main" val="0"/>
+              </a:ext>
+            </a:extLst>
+          </a:blip>
+          <a:stretch>
+            <a:fillRect/>
+          </a:stretch>
+        </p:blipFill>
+        <p:spPr>
+          <a:xfrm>
+            <a:off x="1257468" y="3470944"/>
+            <a:ext cx="812698" cy="812698"/>
+          </a:xfrm>
+          <a:prstGeom prst="rect">
+            <a:avLst/>
+          </a:prstGeom>
+        </p:spPr>
+      </p:pic>
+      <p:sp>
+        <p:nvSpPr>
+          <p:cNvPr id="14" name="TextBox 13"/>
           <p:cNvSpPr txBox="1"/>
           <p:nvPr/>
         </p:nvSpPr>
         <p:spPr>
           <a:xfrm>
-            <a:off x="2644629" y="780284"/>
-            <a:ext cx="1107996" cy="646331"/>
+            <a:off x="2172748" y="1492583"/>
+            <a:ext cx="1531188" cy="923330"/>
           </a:xfrm>
           <a:prstGeom prst="rect">
             <a:avLst/>
@@ -6309,21 +5884,168 @@
           <a:noFill/>
         </p:spPr>
         <p:txBody>
-          <a:bodyPr wrap="none" rtlCol="0">
+          <a:bodyPr wrap="square" rtlCol="0">
             <a:spAutoFit/>
           </a:bodyPr>
           <a:lstStyle/>
           <a:p>
             <a:r>
+              <a:rPr lang="en-US" altLang="ko-KR" dirty="0"/>
+              <a:t>HP : 3</a:t>
+            </a:r>
+          </a:p>
+          <a:p>
+            <a:r>
+              <a:rPr lang="en-US" altLang="ko-KR" dirty="0"/>
+              <a:t>MP : 1000</a:t>
+            </a:r>
+          </a:p>
+          <a:p>
+            <a:r>
               <a:rPr lang="ko-KR" altLang="en-US" dirty="0"/>
-              <a:t>제한시간</a:t>
-            </a:r>
-            <a:endParaRPr lang="en-US" altLang="ko-KR" dirty="0"/>
-          </a:p>
-          <a:p>
-            <a:r>
-              <a:rPr lang="ko-KR" altLang="en-US" dirty="0" err="1"/>
-              <a:t>서든데스</a:t>
+              <a:t>이동속도 </a:t>
+            </a:r>
+            <a:r>
+              <a:rPr lang="en-US" altLang="ko-KR" dirty="0"/>
+              <a:t>: 1 </a:t>
+            </a:r>
+            <a:endParaRPr lang="ko-KR" altLang="en-US" dirty="0"/>
+          </a:p>
+        </p:txBody>
+      </p:sp>
+      <p:sp>
+        <p:nvSpPr>
+          <p:cNvPr id="18" name="TextBox 17"/>
+          <p:cNvSpPr txBox="1"/>
+          <p:nvPr/>
+        </p:nvSpPr>
+        <p:spPr>
+          <a:xfrm>
+            <a:off x="2172748" y="2465209"/>
+            <a:ext cx="1449436" cy="923330"/>
+          </a:xfrm>
+          <a:prstGeom prst="rect">
+            <a:avLst/>
+          </a:prstGeom>
+          <a:noFill/>
+        </p:spPr>
+        <p:txBody>
+          <a:bodyPr wrap="square" rtlCol="0">
+            <a:spAutoFit/>
+          </a:bodyPr>
+          <a:lstStyle/>
+          <a:p>
+            <a:r>
+              <a:rPr lang="en-US" altLang="ko-KR" dirty="0"/>
+              <a:t>HP : 2</a:t>
+            </a:r>
+          </a:p>
+          <a:p>
+            <a:r>
+              <a:rPr lang="en-US" altLang="ko-KR" dirty="0"/>
+              <a:t>MP : 1000</a:t>
+            </a:r>
+          </a:p>
+          <a:p>
+            <a:r>
+              <a:rPr lang="ko-KR" altLang="en-US" dirty="0"/>
+              <a:t>이동속도 </a:t>
+            </a:r>
+            <a:r>
+              <a:rPr lang="en-US" altLang="ko-KR" dirty="0"/>
+              <a:t>: 2</a:t>
+            </a:r>
+            <a:endParaRPr lang="ko-KR" altLang="en-US" dirty="0"/>
+          </a:p>
+        </p:txBody>
+      </p:sp>
+      <p:sp>
+        <p:nvSpPr>
+          <p:cNvPr id="19" name="TextBox 18"/>
+          <p:cNvSpPr txBox="1"/>
+          <p:nvPr/>
+        </p:nvSpPr>
+        <p:spPr>
+          <a:xfrm>
+            <a:off x="2172748" y="3437835"/>
+            <a:ext cx="1627369" cy="923330"/>
+          </a:xfrm>
+          <a:prstGeom prst="rect">
+            <a:avLst/>
+          </a:prstGeom>
+          <a:noFill/>
+        </p:spPr>
+        <p:txBody>
+          <a:bodyPr wrap="square" rtlCol="0">
+            <a:spAutoFit/>
+          </a:bodyPr>
+          <a:lstStyle/>
+          <a:p>
+            <a:r>
+              <a:rPr lang="en-US" altLang="ko-KR" dirty="0"/>
+              <a:t>HP : 5</a:t>
+            </a:r>
+          </a:p>
+          <a:p>
+            <a:r>
+              <a:rPr lang="en-US" altLang="ko-KR" dirty="0"/>
+              <a:t>MP : 1000</a:t>
+            </a:r>
+          </a:p>
+          <a:p>
+            <a:r>
+              <a:rPr lang="ko-KR" altLang="en-US" dirty="0"/>
+              <a:t>이동속도 </a:t>
+            </a:r>
+            <a:r>
+              <a:rPr lang="en-US" altLang="ko-KR" dirty="0"/>
+              <a:t>: 0.5</a:t>
+            </a:r>
+            <a:endParaRPr lang="ko-KR" altLang="en-US" dirty="0"/>
+          </a:p>
+        </p:txBody>
+      </p:sp>
+      <p:sp>
+        <p:nvSpPr>
+          <p:cNvPr id="20" name="TextBox 19"/>
+          <p:cNvSpPr txBox="1"/>
+          <p:nvPr/>
+        </p:nvSpPr>
+        <p:spPr>
+          <a:xfrm>
+            <a:off x="2172748" y="4412614"/>
+            <a:ext cx="1449436" cy="923330"/>
+          </a:xfrm>
+          <a:prstGeom prst="rect">
+            <a:avLst/>
+          </a:prstGeom>
+          <a:noFill/>
+        </p:spPr>
+        <p:txBody>
+          <a:bodyPr wrap="square" rtlCol="0">
+            <a:spAutoFit/>
+          </a:bodyPr>
+          <a:lstStyle/>
+          <a:p>
+            <a:r>
+              <a:rPr lang="en-US" altLang="ko-KR" dirty="0"/>
+              <a:t>HP : 3</a:t>
+            </a:r>
+          </a:p>
+          <a:p>
+            <a:r>
+              <a:rPr lang="en-US" altLang="ko-KR" dirty="0"/>
+              <a:t>MP : 1000</a:t>
+            </a:r>
+          </a:p>
+          <a:p>
+            <a:r>
+              <a:rPr lang="ko-KR" altLang="en-US" dirty="0"/>
+              <a:t>이동속도 </a:t>
+            </a:r>
+            <a:r>
+              <a:rPr lang="en-US" altLang="ko-KR" dirty="0"/>
+              <a:t>: 1</a:t>
             </a:r>
             <a:endParaRPr lang="ko-KR" altLang="en-US" dirty="0"/>
           </a:p>
@@ -6332,7 +6054,7 @@
     </p:spTree>
     <p:extLst>
       <p:ext uri="{BB962C8B-B14F-4D97-AF65-F5344CB8AC3E}">
-        <p14:creationId xmlns:p14="http://schemas.microsoft.com/office/powerpoint/2010/main" val="2791411107"/>
+        <p14:creationId xmlns:p14="http://schemas.microsoft.com/office/powerpoint/2010/main" val="3568941074"/>
       </p:ext>
     </p:extLst>
   </p:cSld>
@@ -6359,340 +6081,6 @@
           <a:chExt cx="0" cy="0"/>
         </a:xfrm>
       </p:grpSpPr>
-      <p:pic>
-        <p:nvPicPr>
-          <p:cNvPr id="6" name="그림 5"/>
-          <p:cNvPicPr>
-            <a:picLocks noChangeAspect="1"/>
-          </p:cNvPicPr>
-          <p:nvPr/>
-        </p:nvPicPr>
-        <p:blipFill>
-          <a:blip r:embed="rId2">
-            <a:extLst>
-              <a:ext uri="{28A0092B-C50C-407E-A947-70E740481C1C}">
-                <a14:useLocalDpi xmlns:a14="http://schemas.microsoft.com/office/drawing/2010/main" val="0"/>
-              </a:ext>
-            </a:extLst>
-          </a:blip>
-          <a:stretch>
-            <a:fillRect/>
-          </a:stretch>
-        </p:blipFill>
-        <p:spPr>
-          <a:xfrm>
-            <a:off x="1185607" y="1460678"/>
-            <a:ext cx="987141" cy="987141"/>
-          </a:xfrm>
-          <a:prstGeom prst="rect">
-            <a:avLst/>
-          </a:prstGeom>
-        </p:spPr>
-      </p:pic>
-      <p:pic>
-        <p:nvPicPr>
-          <p:cNvPr id="8" name="그림 7"/>
-          <p:cNvPicPr>
-            <a:picLocks noChangeAspect="1"/>
-          </p:cNvPicPr>
-          <p:nvPr/>
-        </p:nvPicPr>
-        <p:blipFill>
-          <a:blip r:embed="rId3">
-            <a:extLst>
-              <a:ext uri="{28A0092B-C50C-407E-A947-70E740481C1C}">
-                <a14:useLocalDpi xmlns:a14="http://schemas.microsoft.com/office/drawing/2010/main" val="0"/>
-              </a:ext>
-            </a:extLst>
-          </a:blip>
-          <a:stretch>
-            <a:fillRect/>
-          </a:stretch>
-        </p:blipFill>
-        <p:spPr>
-          <a:xfrm>
-            <a:off x="1272828" y="4523246"/>
-            <a:ext cx="812698" cy="812698"/>
-          </a:xfrm>
-          <a:prstGeom prst="rect">
-            <a:avLst/>
-          </a:prstGeom>
-        </p:spPr>
-      </p:pic>
-      <p:pic>
-        <p:nvPicPr>
-          <p:cNvPr id="10" name="그림 9"/>
-          <p:cNvPicPr>
-            <a:picLocks noChangeAspect="1"/>
-          </p:cNvPicPr>
-          <p:nvPr/>
-        </p:nvPicPr>
-        <p:blipFill>
-          <a:blip r:embed="rId4">
-            <a:extLst>
-              <a:ext uri="{28A0092B-C50C-407E-A947-70E740481C1C}">
-                <a14:useLocalDpi xmlns:a14="http://schemas.microsoft.com/office/drawing/2010/main" val="0"/>
-              </a:ext>
-            </a:extLst>
-          </a:blip>
-          <a:stretch>
-            <a:fillRect/>
-          </a:stretch>
-        </p:blipFill>
-        <p:spPr>
-          <a:xfrm>
-            <a:off x="1184762" y="2447818"/>
-            <a:ext cx="958111" cy="958111"/>
-          </a:xfrm>
-          <a:prstGeom prst="rect">
-            <a:avLst/>
-          </a:prstGeom>
-        </p:spPr>
-      </p:pic>
-      <p:pic>
-        <p:nvPicPr>
-          <p:cNvPr id="12" name="그림 11"/>
-          <p:cNvPicPr>
-            <a:picLocks noChangeAspect="1"/>
-          </p:cNvPicPr>
-          <p:nvPr/>
-        </p:nvPicPr>
-        <p:blipFill>
-          <a:blip r:embed="rId5">
-            <a:extLst>
-              <a:ext uri="{28A0092B-C50C-407E-A947-70E740481C1C}">
-                <a14:useLocalDpi xmlns:a14="http://schemas.microsoft.com/office/drawing/2010/main" val="0"/>
-              </a:ext>
-            </a:extLst>
-          </a:blip>
-          <a:stretch>
-            <a:fillRect/>
-          </a:stretch>
-        </p:blipFill>
-        <p:spPr>
-          <a:xfrm>
-            <a:off x="1257468" y="3470944"/>
-            <a:ext cx="812698" cy="812698"/>
-          </a:xfrm>
-          <a:prstGeom prst="rect">
-            <a:avLst/>
-          </a:prstGeom>
-        </p:spPr>
-      </p:pic>
-      <p:sp>
-        <p:nvSpPr>
-          <p:cNvPr id="14" name="TextBox 13"/>
-          <p:cNvSpPr txBox="1"/>
-          <p:nvPr/>
-        </p:nvSpPr>
-        <p:spPr>
-          <a:xfrm>
-            <a:off x="2172748" y="1492583"/>
-            <a:ext cx="1531188" cy="923330"/>
-          </a:xfrm>
-          <a:prstGeom prst="rect">
-            <a:avLst/>
-          </a:prstGeom>
-          <a:noFill/>
-        </p:spPr>
-        <p:txBody>
-          <a:bodyPr wrap="square" rtlCol="0">
-            <a:spAutoFit/>
-          </a:bodyPr>
-          <a:lstStyle/>
-          <a:p>
-            <a:r>
-              <a:rPr lang="en-US" altLang="ko-KR" dirty="0"/>
-              <a:t>HP : 3</a:t>
-            </a:r>
-          </a:p>
-          <a:p>
-            <a:r>
-              <a:rPr lang="en-US" altLang="ko-KR" dirty="0"/>
-              <a:t>MP : 1000</a:t>
-            </a:r>
-          </a:p>
-          <a:p>
-            <a:r>
-              <a:rPr lang="ko-KR" altLang="en-US" dirty="0"/>
-              <a:t>이동속도 </a:t>
-            </a:r>
-            <a:r>
-              <a:rPr lang="en-US" altLang="ko-KR" dirty="0"/>
-              <a:t>: 1 </a:t>
-            </a:r>
-            <a:endParaRPr lang="ko-KR" altLang="en-US" dirty="0"/>
-          </a:p>
-        </p:txBody>
-      </p:sp>
-      <p:sp>
-        <p:nvSpPr>
-          <p:cNvPr id="18" name="TextBox 17"/>
-          <p:cNvSpPr txBox="1"/>
-          <p:nvPr/>
-        </p:nvSpPr>
-        <p:spPr>
-          <a:xfrm>
-            <a:off x="2172748" y="2465209"/>
-            <a:ext cx="1449436" cy="923330"/>
-          </a:xfrm>
-          <a:prstGeom prst="rect">
-            <a:avLst/>
-          </a:prstGeom>
-          <a:noFill/>
-        </p:spPr>
-        <p:txBody>
-          <a:bodyPr wrap="square" rtlCol="0">
-            <a:spAutoFit/>
-          </a:bodyPr>
-          <a:lstStyle/>
-          <a:p>
-            <a:r>
-              <a:rPr lang="en-US" altLang="ko-KR" dirty="0"/>
-              <a:t>HP : 2</a:t>
-            </a:r>
-          </a:p>
-          <a:p>
-            <a:r>
-              <a:rPr lang="en-US" altLang="ko-KR" dirty="0"/>
-              <a:t>MP : 1000</a:t>
-            </a:r>
-          </a:p>
-          <a:p>
-            <a:r>
-              <a:rPr lang="ko-KR" altLang="en-US" dirty="0"/>
-              <a:t>이동속도 </a:t>
-            </a:r>
-            <a:r>
-              <a:rPr lang="en-US" altLang="ko-KR" dirty="0"/>
-              <a:t>: 2</a:t>
-            </a:r>
-            <a:endParaRPr lang="ko-KR" altLang="en-US" dirty="0"/>
-          </a:p>
-        </p:txBody>
-      </p:sp>
-      <p:sp>
-        <p:nvSpPr>
-          <p:cNvPr id="19" name="TextBox 18"/>
-          <p:cNvSpPr txBox="1"/>
-          <p:nvPr/>
-        </p:nvSpPr>
-        <p:spPr>
-          <a:xfrm>
-            <a:off x="2172748" y="3437835"/>
-            <a:ext cx="1627369" cy="923330"/>
-          </a:xfrm>
-          <a:prstGeom prst="rect">
-            <a:avLst/>
-          </a:prstGeom>
-          <a:noFill/>
-        </p:spPr>
-        <p:txBody>
-          <a:bodyPr wrap="square" rtlCol="0">
-            <a:spAutoFit/>
-          </a:bodyPr>
-          <a:lstStyle/>
-          <a:p>
-            <a:r>
-              <a:rPr lang="en-US" altLang="ko-KR" dirty="0"/>
-              <a:t>HP : 5</a:t>
-            </a:r>
-          </a:p>
-          <a:p>
-            <a:r>
-              <a:rPr lang="en-US" altLang="ko-KR" dirty="0"/>
-              <a:t>MP : 1000</a:t>
-            </a:r>
-          </a:p>
-          <a:p>
-            <a:r>
-              <a:rPr lang="ko-KR" altLang="en-US" dirty="0"/>
-              <a:t>이동속도 </a:t>
-            </a:r>
-            <a:r>
-              <a:rPr lang="en-US" altLang="ko-KR" dirty="0"/>
-              <a:t>: 0.5</a:t>
-            </a:r>
-            <a:endParaRPr lang="ko-KR" altLang="en-US" dirty="0"/>
-          </a:p>
-        </p:txBody>
-      </p:sp>
-      <p:sp>
-        <p:nvSpPr>
-          <p:cNvPr id="20" name="TextBox 19"/>
-          <p:cNvSpPr txBox="1"/>
-          <p:nvPr/>
-        </p:nvSpPr>
-        <p:spPr>
-          <a:xfrm>
-            <a:off x="2172748" y="4412614"/>
-            <a:ext cx="1449436" cy="923330"/>
-          </a:xfrm>
-          <a:prstGeom prst="rect">
-            <a:avLst/>
-          </a:prstGeom>
-          <a:noFill/>
-        </p:spPr>
-        <p:txBody>
-          <a:bodyPr wrap="square" rtlCol="0">
-            <a:spAutoFit/>
-          </a:bodyPr>
-          <a:lstStyle/>
-          <a:p>
-            <a:r>
-              <a:rPr lang="en-US" altLang="ko-KR" dirty="0"/>
-              <a:t>HP : 3</a:t>
-            </a:r>
-          </a:p>
-          <a:p>
-            <a:r>
-              <a:rPr lang="en-US" altLang="ko-KR" dirty="0"/>
-              <a:t>MP : 1000</a:t>
-            </a:r>
-          </a:p>
-          <a:p>
-            <a:r>
-              <a:rPr lang="ko-KR" altLang="en-US" dirty="0"/>
-              <a:t>이동속도 </a:t>
-            </a:r>
-            <a:r>
-              <a:rPr lang="en-US" altLang="ko-KR" dirty="0"/>
-              <a:t>: 1</a:t>
-            </a:r>
-            <a:endParaRPr lang="ko-KR" altLang="en-US" dirty="0"/>
-          </a:p>
-        </p:txBody>
-      </p:sp>
-    </p:spTree>
-    <p:extLst>
-      <p:ext uri="{BB962C8B-B14F-4D97-AF65-F5344CB8AC3E}">
-        <p14:creationId xmlns:p14="http://schemas.microsoft.com/office/powerpoint/2010/main" val="3568941074"/>
-      </p:ext>
-    </p:extLst>
-  </p:cSld>
-  <p:clrMapOvr>
-    <a:masterClrMapping/>
-  </p:clrMapOvr>
-</p:sld>
-</file>
-
-<file path=ppt/slides/slide16.xml><?xml version="1.0" encoding="utf-8"?>
-<p:sld xmlns:a="http://schemas.openxmlformats.org/drawingml/2006/main" xmlns:r="http://schemas.openxmlformats.org/officeDocument/2006/relationships" xmlns:p="http://schemas.openxmlformats.org/presentationml/2006/main">
-  <p:cSld>
-    <p:spTree>
-      <p:nvGrpSpPr>
-        <p:cNvPr id="1" name=""/>
-        <p:cNvGrpSpPr/>
-        <p:nvPr/>
-      </p:nvGrpSpPr>
-      <p:grpSpPr>
-        <a:xfrm>
-          <a:off x="0" y="0"/>
-          <a:ext cx="0" cy="0"/>
-          <a:chOff x="0" y="0"/>
-          <a:chExt cx="0" cy="0"/>
-        </a:xfrm>
-      </p:grpSpPr>
       <p:sp>
         <p:nvSpPr>
           <p:cNvPr id="6" name="직사각형 5"/>
@@ -7391,8 +6779,8 @@
         </p:nvSpPr>
         <p:spPr>
           <a:xfrm>
-            <a:off x="751375" y="1973136"/>
-            <a:ext cx="2246128" cy="1200329"/>
+            <a:off x="751375" y="1400806"/>
+            <a:ext cx="2916183" cy="1477328"/>
           </a:xfrm>
           <a:prstGeom prst="rect">
             <a:avLst/>
@@ -7442,16 +6830,397 @@
           <a:p>
             <a:r>
               <a:rPr lang="ko-KR" altLang="en-US" dirty="0"/>
-              <a:t>이동범위 </a:t>
+              <a:t>이동속도 </a:t>
             </a:r>
             <a:r>
               <a:rPr lang="en-US" altLang="ko-KR" dirty="0"/>
               <a:t>: </a:t>
             </a:r>
-            <a:endParaRPr lang="ko-KR" altLang="en-US" dirty="0"/>
-          </a:p>
-        </p:txBody>
-      </p:sp>
+          </a:p>
+          <a:p>
+            <a:r>
+              <a:rPr lang="ko-KR" altLang="en-US" dirty="0"/>
+              <a:t>이동범위 </a:t>
+            </a:r>
+            <a:r>
+              <a:rPr lang="en-US" altLang="ko-KR" dirty="0"/>
+              <a:t>: </a:t>
+            </a:r>
+            <a:r>
+              <a:rPr lang="ko-KR" altLang="en-US" dirty="0"/>
+              <a:t>본체길이의 </a:t>
+            </a:r>
+            <a:r>
+              <a:rPr lang="en-US" altLang="ko-KR" dirty="0"/>
+              <a:t>9</a:t>
+            </a:r>
+            <a:r>
+              <a:rPr lang="ko-KR" altLang="en-US" dirty="0"/>
+              <a:t>배</a:t>
+            </a:r>
+          </a:p>
+        </p:txBody>
+      </p:sp>
+      <p:cxnSp>
+        <p:nvCxnSpPr>
+          <p:cNvPr id="19" name="직선 화살표 연결선 18"/>
+          <p:cNvCxnSpPr>
+            <a:cxnSpLocks/>
+          </p:cNvCxnSpPr>
+          <p:nvPr/>
+        </p:nvCxnSpPr>
+        <p:spPr>
+          <a:xfrm>
+            <a:off x="10360404" y="5486678"/>
+            <a:ext cx="947956" cy="0"/>
+          </a:xfrm>
+          <a:prstGeom prst="straightConnector1">
+            <a:avLst/>
+          </a:prstGeom>
+          <a:ln>
+            <a:headEnd type="triangle"/>
+            <a:tailEnd type="triangle"/>
+          </a:ln>
+        </p:spPr>
+        <p:style>
+          <a:lnRef idx="1">
+            <a:schemeClr val="accent1"/>
+          </a:lnRef>
+          <a:fillRef idx="0">
+            <a:schemeClr val="accent1"/>
+          </a:fillRef>
+          <a:effectRef idx="0">
+            <a:schemeClr val="accent1"/>
+          </a:effectRef>
+          <a:fontRef idx="minor">
+            <a:schemeClr val="tx1"/>
+          </a:fontRef>
+        </p:style>
+      </p:cxnSp>
+      <p:cxnSp>
+        <p:nvCxnSpPr>
+          <p:cNvPr id="20" name="직선 화살표 연결선 19"/>
+          <p:cNvCxnSpPr>
+            <a:cxnSpLocks/>
+          </p:cNvCxnSpPr>
+          <p:nvPr/>
+        </p:nvCxnSpPr>
+        <p:spPr>
+          <a:xfrm>
+            <a:off x="9210225" y="5212452"/>
+            <a:ext cx="947956" cy="0"/>
+          </a:xfrm>
+          <a:prstGeom prst="straightConnector1">
+            <a:avLst/>
+          </a:prstGeom>
+          <a:ln>
+            <a:headEnd type="triangle"/>
+            <a:tailEnd type="triangle"/>
+          </a:ln>
+        </p:spPr>
+        <p:style>
+          <a:lnRef idx="1">
+            <a:schemeClr val="accent1"/>
+          </a:lnRef>
+          <a:fillRef idx="0">
+            <a:schemeClr val="accent1"/>
+          </a:fillRef>
+          <a:effectRef idx="0">
+            <a:schemeClr val="accent1"/>
+          </a:effectRef>
+          <a:fontRef idx="minor">
+            <a:schemeClr val="tx1"/>
+          </a:fontRef>
+        </p:style>
+      </p:cxnSp>
+      <p:cxnSp>
+        <p:nvCxnSpPr>
+          <p:cNvPr id="21" name="직선 화살표 연결선 20"/>
+          <p:cNvCxnSpPr>
+            <a:cxnSpLocks/>
+          </p:cNvCxnSpPr>
+          <p:nvPr/>
+        </p:nvCxnSpPr>
+        <p:spPr>
+          <a:xfrm>
+            <a:off x="8270658" y="5212452"/>
+            <a:ext cx="947956" cy="0"/>
+          </a:xfrm>
+          <a:prstGeom prst="straightConnector1">
+            <a:avLst/>
+          </a:prstGeom>
+          <a:ln>
+            <a:headEnd type="triangle"/>
+            <a:tailEnd type="triangle"/>
+          </a:ln>
+        </p:spPr>
+        <p:style>
+          <a:lnRef idx="1">
+            <a:schemeClr val="accent1"/>
+          </a:lnRef>
+          <a:fillRef idx="0">
+            <a:schemeClr val="accent1"/>
+          </a:fillRef>
+          <a:effectRef idx="0">
+            <a:schemeClr val="accent1"/>
+          </a:effectRef>
+          <a:fontRef idx="minor">
+            <a:schemeClr val="tx1"/>
+          </a:fontRef>
+        </p:style>
+      </p:cxnSp>
+      <p:cxnSp>
+        <p:nvCxnSpPr>
+          <p:cNvPr id="22" name="직선 화살표 연결선 21"/>
+          <p:cNvCxnSpPr>
+            <a:cxnSpLocks/>
+          </p:cNvCxnSpPr>
+          <p:nvPr/>
+        </p:nvCxnSpPr>
+        <p:spPr>
+          <a:xfrm>
+            <a:off x="7364647" y="5212452"/>
+            <a:ext cx="947956" cy="0"/>
+          </a:xfrm>
+          <a:prstGeom prst="straightConnector1">
+            <a:avLst/>
+          </a:prstGeom>
+          <a:ln>
+            <a:headEnd type="triangle"/>
+            <a:tailEnd type="triangle"/>
+          </a:ln>
+        </p:spPr>
+        <p:style>
+          <a:lnRef idx="1">
+            <a:schemeClr val="accent1"/>
+          </a:lnRef>
+          <a:fillRef idx="0">
+            <a:schemeClr val="accent1"/>
+          </a:fillRef>
+          <a:effectRef idx="0">
+            <a:schemeClr val="accent1"/>
+          </a:effectRef>
+          <a:fontRef idx="minor">
+            <a:schemeClr val="tx1"/>
+          </a:fontRef>
+        </p:style>
+      </p:cxnSp>
+      <p:cxnSp>
+        <p:nvCxnSpPr>
+          <p:cNvPr id="23" name="직선 화살표 연결선 22"/>
+          <p:cNvCxnSpPr>
+            <a:cxnSpLocks/>
+          </p:cNvCxnSpPr>
+          <p:nvPr/>
+        </p:nvCxnSpPr>
+        <p:spPr>
+          <a:xfrm>
+            <a:off x="6426808" y="5212452"/>
+            <a:ext cx="947956" cy="0"/>
+          </a:xfrm>
+          <a:prstGeom prst="straightConnector1">
+            <a:avLst/>
+          </a:prstGeom>
+          <a:ln>
+            <a:headEnd type="triangle"/>
+            <a:tailEnd type="triangle"/>
+          </a:ln>
+        </p:spPr>
+        <p:style>
+          <a:lnRef idx="1">
+            <a:schemeClr val="accent1"/>
+          </a:lnRef>
+          <a:fillRef idx="0">
+            <a:schemeClr val="accent1"/>
+          </a:fillRef>
+          <a:effectRef idx="0">
+            <a:schemeClr val="accent1"/>
+          </a:effectRef>
+          <a:fontRef idx="minor">
+            <a:schemeClr val="tx1"/>
+          </a:fontRef>
+        </p:style>
+      </p:cxnSp>
+      <p:cxnSp>
+        <p:nvCxnSpPr>
+          <p:cNvPr id="24" name="직선 화살표 연결선 23"/>
+          <p:cNvCxnSpPr>
+            <a:cxnSpLocks/>
+          </p:cNvCxnSpPr>
+          <p:nvPr/>
+        </p:nvCxnSpPr>
+        <p:spPr>
+          <a:xfrm>
+            <a:off x="5511030" y="5212452"/>
+            <a:ext cx="947956" cy="0"/>
+          </a:xfrm>
+          <a:prstGeom prst="straightConnector1">
+            <a:avLst/>
+          </a:prstGeom>
+          <a:ln>
+            <a:headEnd type="triangle"/>
+            <a:tailEnd type="triangle"/>
+          </a:ln>
+        </p:spPr>
+        <p:style>
+          <a:lnRef idx="1">
+            <a:schemeClr val="accent1"/>
+          </a:lnRef>
+          <a:fillRef idx="0">
+            <a:schemeClr val="accent1"/>
+          </a:fillRef>
+          <a:effectRef idx="0">
+            <a:schemeClr val="accent1"/>
+          </a:effectRef>
+          <a:fontRef idx="minor">
+            <a:schemeClr val="tx1"/>
+          </a:fontRef>
+        </p:style>
+      </p:cxnSp>
+      <p:cxnSp>
+        <p:nvCxnSpPr>
+          <p:cNvPr id="25" name="직선 화살표 연결선 24"/>
+          <p:cNvCxnSpPr>
+            <a:cxnSpLocks/>
+          </p:cNvCxnSpPr>
+          <p:nvPr/>
+        </p:nvCxnSpPr>
+        <p:spPr>
+          <a:xfrm>
+            <a:off x="4633368" y="5212452"/>
+            <a:ext cx="947956" cy="0"/>
+          </a:xfrm>
+          <a:prstGeom prst="straightConnector1">
+            <a:avLst/>
+          </a:prstGeom>
+          <a:ln>
+            <a:headEnd type="triangle"/>
+            <a:tailEnd type="triangle"/>
+          </a:ln>
+        </p:spPr>
+        <p:style>
+          <a:lnRef idx="1">
+            <a:schemeClr val="accent1"/>
+          </a:lnRef>
+          <a:fillRef idx="0">
+            <a:schemeClr val="accent1"/>
+          </a:fillRef>
+          <a:effectRef idx="0">
+            <a:schemeClr val="accent1"/>
+          </a:effectRef>
+          <a:fontRef idx="minor">
+            <a:schemeClr val="tx1"/>
+          </a:fontRef>
+        </p:style>
+      </p:cxnSp>
+      <p:cxnSp>
+        <p:nvCxnSpPr>
+          <p:cNvPr id="26" name="직선 화살표 연결선 25"/>
+          <p:cNvCxnSpPr>
+            <a:cxnSpLocks/>
+          </p:cNvCxnSpPr>
+          <p:nvPr/>
+        </p:nvCxnSpPr>
+        <p:spPr>
+          <a:xfrm>
+            <a:off x="3744135" y="5212452"/>
+            <a:ext cx="947956" cy="0"/>
+          </a:xfrm>
+          <a:prstGeom prst="straightConnector1">
+            <a:avLst/>
+          </a:prstGeom>
+          <a:ln>
+            <a:headEnd type="triangle"/>
+            <a:tailEnd type="triangle"/>
+          </a:ln>
+        </p:spPr>
+        <p:style>
+          <a:lnRef idx="1">
+            <a:schemeClr val="accent1"/>
+          </a:lnRef>
+          <a:fillRef idx="0">
+            <a:schemeClr val="accent1"/>
+          </a:fillRef>
+          <a:effectRef idx="0">
+            <a:schemeClr val="accent1"/>
+          </a:effectRef>
+          <a:fontRef idx="minor">
+            <a:schemeClr val="tx1"/>
+          </a:fontRef>
+        </p:style>
+      </p:cxnSp>
+      <p:cxnSp>
+        <p:nvCxnSpPr>
+          <p:cNvPr id="27" name="직선 화살표 연결선 26"/>
+          <p:cNvCxnSpPr>
+            <a:cxnSpLocks/>
+          </p:cNvCxnSpPr>
+          <p:nvPr/>
+        </p:nvCxnSpPr>
+        <p:spPr>
+          <a:xfrm>
+            <a:off x="2880069" y="5212452"/>
+            <a:ext cx="947956" cy="0"/>
+          </a:xfrm>
+          <a:prstGeom prst="straightConnector1">
+            <a:avLst/>
+          </a:prstGeom>
+          <a:ln>
+            <a:headEnd type="triangle"/>
+            <a:tailEnd type="triangle"/>
+          </a:ln>
+        </p:spPr>
+        <p:style>
+          <a:lnRef idx="1">
+            <a:schemeClr val="accent1"/>
+          </a:lnRef>
+          <a:fillRef idx="0">
+            <a:schemeClr val="accent1"/>
+          </a:fillRef>
+          <a:effectRef idx="0">
+            <a:schemeClr val="accent1"/>
+          </a:effectRef>
+          <a:fontRef idx="minor">
+            <a:schemeClr val="tx1"/>
+          </a:fontRef>
+        </p:style>
+      </p:cxnSp>
+      <p:cxnSp>
+        <p:nvCxnSpPr>
+          <p:cNvPr id="28" name="직선 화살표 연결선 27"/>
+          <p:cNvCxnSpPr>
+            <a:cxnSpLocks/>
+          </p:cNvCxnSpPr>
+          <p:nvPr/>
+        </p:nvCxnSpPr>
+        <p:spPr>
+          <a:xfrm>
+            <a:off x="1999940" y="5212452"/>
+            <a:ext cx="947956" cy="0"/>
+          </a:xfrm>
+          <a:prstGeom prst="straightConnector1">
+            <a:avLst/>
+          </a:prstGeom>
+          <a:ln>
+            <a:headEnd type="triangle"/>
+            <a:tailEnd type="triangle"/>
+          </a:ln>
+        </p:spPr>
+        <p:style>
+          <a:lnRef idx="1">
+            <a:schemeClr val="accent1"/>
+          </a:lnRef>
+          <a:fillRef idx="0">
+            <a:schemeClr val="accent1"/>
+          </a:fillRef>
+          <a:effectRef idx="0">
+            <a:schemeClr val="accent1"/>
+          </a:effectRef>
+          <a:fontRef idx="minor">
+            <a:schemeClr val="tx1"/>
+          </a:fontRef>
+        </p:style>
+      </p:cxnSp>
     </p:spTree>
     <p:extLst>
       <p:ext uri="{BB962C8B-B14F-4D97-AF65-F5344CB8AC3E}">
@@ -7465,7 +7234,7 @@
 </p:sld>
 </file>
 
-<file path=ppt/slides/slide17.xml><?xml version="1.0" encoding="utf-8"?>
+<file path=ppt/slides/slide16.xml><?xml version="1.0" encoding="utf-8"?>
 <p:sld xmlns:a="http://schemas.openxmlformats.org/drawingml/2006/main" xmlns:r="http://schemas.openxmlformats.org/officeDocument/2006/relationships" xmlns:p="http://schemas.openxmlformats.org/presentationml/2006/main">
   <p:cSld>
     <p:spTree>
@@ -8303,7 +8072,7 @@
 </p:sld>
 </file>
 
-<file path=ppt/slides/slide18.xml><?xml version="1.0" encoding="utf-8"?>
+<file path=ppt/slides/slide17.xml><?xml version="1.0" encoding="utf-8"?>
 <p:sld xmlns:a="http://schemas.openxmlformats.org/drawingml/2006/main" xmlns:r="http://schemas.openxmlformats.org/officeDocument/2006/relationships" xmlns:p="http://schemas.openxmlformats.org/presentationml/2006/main">
   <p:cSld>
     <p:spTree>
@@ -8960,7 +8729,7 @@
 </p:sld>
 </file>
 
-<file path=ppt/slides/slide19.xml><?xml version="1.0" encoding="utf-8"?>
+<file path=ppt/slides/slide18.xml><?xml version="1.0" encoding="utf-8"?>
 <p:sld xmlns:a="http://schemas.openxmlformats.org/drawingml/2006/main" xmlns:r="http://schemas.openxmlformats.org/officeDocument/2006/relationships" xmlns:p="http://schemas.openxmlformats.org/presentationml/2006/main">
   <p:cSld>
     <p:spTree>
@@ -9024,140 +8793,7 @@
 </p:sld>
 </file>
 
-<file path=ppt/slides/slide2.xml><?xml version="1.0" encoding="utf-8"?>
-<p:sld xmlns:a="http://schemas.openxmlformats.org/drawingml/2006/main" xmlns:r="http://schemas.openxmlformats.org/officeDocument/2006/relationships" xmlns:p="http://schemas.openxmlformats.org/presentationml/2006/main">
-  <p:cSld>
-    <p:spTree>
-      <p:nvGrpSpPr>
-        <p:cNvPr id="1" name=""/>
-        <p:cNvGrpSpPr/>
-        <p:nvPr/>
-      </p:nvGrpSpPr>
-      <p:grpSpPr>
-        <a:xfrm>
-          <a:off x="0" y="0"/>
-          <a:ext cx="0" cy="0"/>
-          <a:chOff x="0" y="0"/>
-          <a:chExt cx="0" cy="0"/>
-        </a:xfrm>
-      </p:grpSpPr>
-      <p:sp>
-        <p:nvSpPr>
-          <p:cNvPr id="3" name="TextBox 2"/>
-          <p:cNvSpPr txBox="1"/>
-          <p:nvPr/>
-        </p:nvSpPr>
-        <p:spPr>
-          <a:xfrm>
-            <a:off x="190743" y="182246"/>
-            <a:ext cx="1415772" cy="461665"/>
-          </a:xfrm>
-          <a:prstGeom prst="rect">
-            <a:avLst/>
-          </a:prstGeom>
-          <a:noFill/>
-        </p:spPr>
-        <p:txBody>
-          <a:bodyPr wrap="none" rtlCol="0">
-            <a:spAutoFit/>
-          </a:bodyPr>
-          <a:lstStyle/>
-          <a:p>
-            <a:r>
-              <a:rPr lang="ko-KR" altLang="en-US" sz="2400" b="1" dirty="0" err="1"/>
-              <a:t>메인메뉴</a:t>
-            </a:r>
-            <a:endParaRPr lang="ko-KR" altLang="en-US" sz="2400" b="1" dirty="0"/>
-          </a:p>
-        </p:txBody>
-      </p:sp>
-      <p:pic>
-        <p:nvPicPr>
-          <p:cNvPr id="5" name="매인배경.png" descr="매인배경.png"/>
-          <p:cNvPicPr>
-            <a:picLocks noChangeAspect="1"/>
-          </p:cNvPicPr>
-          <p:nvPr/>
-        </p:nvPicPr>
-        <p:blipFill>
-          <a:blip r:embed="rId2">
-            <a:extLst/>
-          </a:blip>
-          <a:stretch>
-            <a:fillRect/>
-          </a:stretch>
-        </p:blipFill>
-        <p:spPr>
-          <a:xfrm>
-            <a:off x="1661125" y="882096"/>
-            <a:ext cx="8688489" cy="4887275"/>
-          </a:xfrm>
-          <a:prstGeom prst="rect">
-            <a:avLst/>
-          </a:prstGeom>
-          <a:ln w="12700">
-            <a:miter lim="400000"/>
-          </a:ln>
-        </p:spPr>
-      </p:pic>
-      <p:sp>
-        <p:nvSpPr>
-          <p:cNvPr id="6" name="T I T L E"/>
-          <p:cNvSpPr/>
-          <p:nvPr/>
-        </p:nvSpPr>
-        <p:spPr>
-          <a:xfrm>
-            <a:off x="2356937" y="2426712"/>
-            <a:ext cx="7553833" cy="1348672"/>
-          </a:xfrm>
-          <a:prstGeom prst="rect">
-            <a:avLst/>
-          </a:prstGeom>
-          <a:ln w="12700">
-            <a:miter lim="400000"/>
-          </a:ln>
-          <a:extLst>
-            <a:ext uri="{C572A759-6A51-4108-AA02-DFA0A04FC94B}">
-              <ma14:wrappingTextBoxFlag xmlns:ma14="http://schemas.microsoft.com/office/mac/drawingml/2011/main" xmlns="" val="1"/>
-            </a:ext>
-          </a:extLst>
-        </p:spPr>
-        <p:txBody>
-          <a:bodyPr lIns="50800" tIns="50800" rIns="50800" bIns="50800" anchor="ctr"/>
-          <a:lstStyle>
-            <a:lvl1pPr>
-              <a:defRPr sz="8000">
-                <a:latin typeface="Arial"/>
-                <a:ea typeface="Arial"/>
-                <a:cs typeface="Arial"/>
-                <a:sym typeface="Arial"/>
-              </a:defRPr>
-            </a:lvl1pPr>
-          </a:lstStyle>
-          <a:p>
-            <a:pPr algn="ctr"/>
-            <a:r>
-              <a:rPr sz="11500" dirty="0"/>
-              <a:t>T I T L E</a:t>
-            </a:r>
-          </a:p>
-        </p:txBody>
-      </p:sp>
-    </p:spTree>
-    <p:extLst>
-      <p:ext uri="{BB962C8B-B14F-4D97-AF65-F5344CB8AC3E}">
-        <p14:creationId xmlns:p14="http://schemas.microsoft.com/office/powerpoint/2010/main" val="1897900934"/>
-      </p:ext>
-    </p:extLst>
-  </p:cSld>
-  <p:clrMapOvr>
-    <a:masterClrMapping/>
-  </p:clrMapOvr>
-</p:sld>
-</file>
-
-<file path=ppt/slides/slide20.xml><?xml version="1.0" encoding="utf-8"?>
+<file path=ppt/slides/slide19.xml><?xml version="1.0" encoding="utf-8"?>
 <p:sld xmlns:a="http://schemas.openxmlformats.org/drawingml/2006/main" xmlns:r="http://schemas.openxmlformats.org/officeDocument/2006/relationships" xmlns:p="http://schemas.openxmlformats.org/presentationml/2006/main">
   <p:cSld>
     <p:bg>
@@ -9658,7 +9294,7 @@
         </p:nvSpPr>
         <p:spPr>
           <a:xfrm>
-            <a:off x="4287527" y="2628481"/>
+            <a:off x="3213014" y="2989557"/>
             <a:ext cx="1107996" cy="369332"/>
           </a:xfrm>
           <a:prstGeom prst="rect">
@@ -9687,7 +9323,7 @@
         </p:nvSpPr>
         <p:spPr>
           <a:xfrm>
-            <a:off x="9086847" y="2071901"/>
+            <a:off x="8046433" y="2416129"/>
             <a:ext cx="1107996" cy="369332"/>
           </a:xfrm>
           <a:prstGeom prst="rect">
@@ -9960,7 +9596,7 @@
         <p:spPr>
           <a:xfrm>
             <a:off x="780585" y="1677817"/>
-            <a:ext cx="6072496" cy="923330"/>
+            <a:ext cx="6072496" cy="1200329"/>
           </a:xfrm>
           <a:prstGeom prst="rect">
             <a:avLst/>
@@ -9991,6 +9627,29 @@
               <a:rPr lang="en-US" altLang="ko-KR" dirty="0"/>
               <a:t>: 200</a:t>
             </a:r>
+          </a:p>
+          <a:p>
+            <a:r>
+              <a:rPr lang="ko-KR" altLang="en-US" dirty="0"/>
+              <a:t>속도 </a:t>
+            </a:r>
+            <a:r>
+              <a:rPr lang="en-US" altLang="ko-KR" dirty="0"/>
+              <a:t>: </a:t>
+            </a:r>
+            <a:r>
+              <a:rPr lang="ko-KR" altLang="en-US" dirty="0"/>
+              <a:t>일반공격의 </a:t>
+            </a:r>
+            <a:r>
+              <a:rPr lang="en-US" altLang="ko-KR" dirty="0"/>
+              <a:t>2</a:t>
+            </a:r>
+            <a:r>
+              <a:rPr lang="ko-KR" altLang="en-US" dirty="0"/>
+              <a:t>배 속도</a:t>
+            </a:r>
+            <a:endParaRPr lang="en-US" altLang="ko-KR" dirty="0"/>
           </a:p>
           <a:p>
             <a:r>
@@ -10028,6 +9687,704 @@
     <p:extLst>
       <p:ext uri="{BB962C8B-B14F-4D97-AF65-F5344CB8AC3E}">
         <p14:creationId xmlns:p14="http://schemas.microsoft.com/office/powerpoint/2010/main" val="2054716181"/>
+      </p:ext>
+    </p:extLst>
+  </p:cSld>
+  <p:clrMapOvr>
+    <a:masterClrMapping/>
+  </p:clrMapOvr>
+</p:sld>
+</file>
+
+<file path=ppt/slides/slide2.xml><?xml version="1.0" encoding="utf-8"?>
+<p:sld xmlns:a="http://schemas.openxmlformats.org/drawingml/2006/main" xmlns:r="http://schemas.openxmlformats.org/officeDocument/2006/relationships" xmlns:p="http://schemas.openxmlformats.org/presentationml/2006/main">
+  <p:cSld>
+    <p:spTree>
+      <p:nvGrpSpPr>
+        <p:cNvPr id="1" name=""/>
+        <p:cNvGrpSpPr/>
+        <p:nvPr/>
+      </p:nvGrpSpPr>
+      <p:grpSpPr>
+        <a:xfrm>
+          <a:off x="0" y="0"/>
+          <a:ext cx="0" cy="0"/>
+          <a:chOff x="0" y="0"/>
+          <a:chExt cx="0" cy="0"/>
+        </a:xfrm>
+      </p:grpSpPr>
+      <p:sp>
+        <p:nvSpPr>
+          <p:cNvPr id="3" name="TextBox 2"/>
+          <p:cNvSpPr txBox="1"/>
+          <p:nvPr/>
+        </p:nvSpPr>
+        <p:spPr>
+          <a:xfrm>
+            <a:off x="190743" y="182246"/>
+            <a:ext cx="1415772" cy="461665"/>
+          </a:xfrm>
+          <a:prstGeom prst="rect">
+            <a:avLst/>
+          </a:prstGeom>
+          <a:noFill/>
+        </p:spPr>
+        <p:txBody>
+          <a:bodyPr wrap="none" rtlCol="0">
+            <a:spAutoFit/>
+          </a:bodyPr>
+          <a:lstStyle/>
+          <a:p>
+            <a:r>
+              <a:rPr lang="ko-KR" altLang="en-US" sz="2400" b="1" dirty="0" err="1"/>
+              <a:t>메인메뉴</a:t>
+            </a:r>
+            <a:endParaRPr lang="ko-KR" altLang="en-US" sz="2400" b="1" dirty="0"/>
+          </a:p>
+        </p:txBody>
+      </p:sp>
+      <p:pic>
+        <p:nvPicPr>
+          <p:cNvPr id="5" name="매인배경.png" descr="매인배경.png"/>
+          <p:cNvPicPr>
+            <a:picLocks noChangeAspect="1"/>
+          </p:cNvPicPr>
+          <p:nvPr/>
+        </p:nvPicPr>
+        <p:blipFill>
+          <a:blip r:embed="rId2">
+            <a:extLst/>
+          </a:blip>
+          <a:stretch>
+            <a:fillRect/>
+          </a:stretch>
+        </p:blipFill>
+        <p:spPr>
+          <a:xfrm>
+            <a:off x="1661125" y="882096"/>
+            <a:ext cx="8688489" cy="4887275"/>
+          </a:xfrm>
+          <a:prstGeom prst="rect">
+            <a:avLst/>
+          </a:prstGeom>
+          <a:ln w="12700">
+            <a:miter lim="400000"/>
+          </a:ln>
+        </p:spPr>
+      </p:pic>
+      <p:sp>
+        <p:nvSpPr>
+          <p:cNvPr id="6" name="T I T L E"/>
+          <p:cNvSpPr/>
+          <p:nvPr/>
+        </p:nvSpPr>
+        <p:spPr>
+          <a:xfrm>
+            <a:off x="2356937" y="2426712"/>
+            <a:ext cx="7553833" cy="1348672"/>
+          </a:xfrm>
+          <a:prstGeom prst="rect">
+            <a:avLst/>
+          </a:prstGeom>
+          <a:ln w="12700">
+            <a:miter lim="400000"/>
+          </a:ln>
+          <a:extLst>
+            <a:ext uri="{C572A759-6A51-4108-AA02-DFA0A04FC94B}">
+              <ma14:wrappingTextBoxFlag xmlns="" xmlns:ma14="http://schemas.microsoft.com/office/mac/drawingml/2011/main" val="1"/>
+            </a:ext>
+          </a:extLst>
+        </p:spPr>
+        <p:txBody>
+          <a:bodyPr lIns="50800" tIns="50800" rIns="50800" bIns="50800" anchor="ctr"/>
+          <a:lstStyle>
+            <a:lvl1pPr>
+              <a:defRPr sz="8000">
+                <a:latin typeface="Arial"/>
+                <a:ea typeface="Arial"/>
+                <a:cs typeface="Arial"/>
+                <a:sym typeface="Arial"/>
+              </a:defRPr>
+            </a:lvl1pPr>
+          </a:lstStyle>
+          <a:p>
+            <a:pPr algn="ctr"/>
+            <a:r>
+              <a:rPr sz="11500" dirty="0"/>
+              <a:t>T I T L E</a:t>
+            </a:r>
+          </a:p>
+        </p:txBody>
+      </p:sp>
+    </p:spTree>
+    <p:extLst>
+      <p:ext uri="{BB962C8B-B14F-4D97-AF65-F5344CB8AC3E}">
+        <p14:creationId xmlns:p14="http://schemas.microsoft.com/office/powerpoint/2010/main" val="1897900934"/>
+      </p:ext>
+    </p:extLst>
+  </p:cSld>
+  <p:clrMapOvr>
+    <a:masterClrMapping/>
+  </p:clrMapOvr>
+</p:sld>
+</file>
+
+<file path=ppt/slides/slide20.xml><?xml version="1.0" encoding="utf-8"?>
+<p:sld xmlns:a="http://schemas.openxmlformats.org/drawingml/2006/main" xmlns:r="http://schemas.openxmlformats.org/officeDocument/2006/relationships" xmlns:p="http://schemas.openxmlformats.org/presentationml/2006/main">
+  <p:cSld>
+    <p:spTree>
+      <p:nvGrpSpPr>
+        <p:cNvPr id="1" name=""/>
+        <p:cNvGrpSpPr/>
+        <p:nvPr/>
+      </p:nvGrpSpPr>
+      <p:grpSpPr>
+        <a:xfrm>
+          <a:off x="0" y="0"/>
+          <a:ext cx="0" cy="0"/>
+          <a:chOff x="0" y="0"/>
+          <a:chExt cx="0" cy="0"/>
+        </a:xfrm>
+      </p:grpSpPr>
+      <p:sp>
+        <p:nvSpPr>
+          <p:cNvPr id="2" name="TextBox 1"/>
+          <p:cNvSpPr txBox="1"/>
+          <p:nvPr/>
+        </p:nvSpPr>
+        <p:spPr>
+          <a:xfrm>
+            <a:off x="763398" y="671119"/>
+            <a:ext cx="3183885" cy="369332"/>
+          </a:xfrm>
+          <a:prstGeom prst="rect">
+            <a:avLst/>
+          </a:prstGeom>
+          <a:noFill/>
+        </p:spPr>
+        <p:txBody>
+          <a:bodyPr wrap="none" rtlCol="0">
+            <a:spAutoFit/>
+          </a:bodyPr>
+          <a:lstStyle/>
+          <a:p>
+            <a:r>
+              <a:rPr lang="ko-KR" altLang="en-US" b="1" dirty="0"/>
+              <a:t>캐릭터 스킬 구성 </a:t>
+            </a:r>
+            <a:r>
+              <a:rPr lang="en-US" altLang="ko-KR" b="1" dirty="0"/>
+              <a:t>- Engineer</a:t>
+            </a:r>
+            <a:endParaRPr lang="ko-KR" altLang="en-US" b="1" dirty="0"/>
+          </a:p>
+        </p:txBody>
+      </p:sp>
+      <p:pic>
+        <p:nvPicPr>
+          <p:cNvPr id="4" name="그림 3"/>
+          <p:cNvPicPr>
+            <a:picLocks noChangeAspect="1"/>
+          </p:cNvPicPr>
+          <p:nvPr/>
+        </p:nvPicPr>
+        <p:blipFill>
+          <a:blip r:embed="rId2">
+            <a:extLst>
+              <a:ext uri="{BEBA8EAE-BF5A-486C-A8C5-ECC9F3942E4B}">
+                <a14:imgProps xmlns:a14="http://schemas.microsoft.com/office/drawing/2010/main">
+                  <a14:imgLayer r:embed="rId3">
+                    <a14:imgEffect>
+                      <a14:backgroundRemoval t="10000" b="90000" l="10000" r="90000"/>
+                    </a14:imgEffect>
+                  </a14:imgLayer>
+                </a14:imgProps>
+              </a:ext>
+            </a:extLst>
+          </a:blip>
+          <a:stretch>
+            <a:fillRect/>
+          </a:stretch>
+        </p:blipFill>
+        <p:spPr>
+          <a:xfrm>
+            <a:off x="6521211" y="3943286"/>
+            <a:ext cx="1402081" cy="1402081"/>
+          </a:xfrm>
+          <a:prstGeom prst="rect">
+            <a:avLst/>
+          </a:prstGeom>
+        </p:spPr>
+      </p:pic>
+      <p:sp>
+        <p:nvSpPr>
+          <p:cNvPr id="5" name="부분 원형 4"/>
+          <p:cNvSpPr/>
+          <p:nvPr/>
+        </p:nvSpPr>
+        <p:spPr>
+          <a:xfrm rot="18445361">
+            <a:off x="4069739" y="2075786"/>
+            <a:ext cx="5620285" cy="5456688"/>
+          </a:xfrm>
+          <a:prstGeom prst="pie">
+            <a:avLst>
+              <a:gd name="adj1" fmla="val 11681501"/>
+              <a:gd name="adj2" fmla="val 16313886"/>
+            </a:avLst>
+          </a:prstGeom>
+          <a:solidFill>
+            <a:schemeClr val="accent5">
+              <a:alpha val="50000"/>
+            </a:schemeClr>
+          </a:solidFill>
+          <a:ln>
+            <a:noFill/>
+          </a:ln>
+        </p:spPr>
+        <p:style>
+          <a:lnRef idx="2">
+            <a:schemeClr val="accent5">
+              <a:shade val="50000"/>
+            </a:schemeClr>
+          </a:lnRef>
+          <a:fillRef idx="1">
+            <a:schemeClr val="accent5"/>
+          </a:fillRef>
+          <a:effectRef idx="0">
+            <a:schemeClr val="accent5"/>
+          </a:effectRef>
+          <a:fontRef idx="minor">
+            <a:schemeClr val="lt1"/>
+          </a:fontRef>
+        </p:style>
+        <p:txBody>
+          <a:bodyPr rtlCol="0" anchor="ctr"/>
+          <a:lstStyle/>
+          <a:p>
+            <a:pPr algn="ctr"/>
+            <a:endParaRPr lang="ko-KR" altLang="en-US">
+              <a:solidFill>
+                <a:schemeClr val="tx1"/>
+              </a:solidFill>
+            </a:endParaRPr>
+          </a:p>
+        </p:txBody>
+      </p:sp>
+      <p:sp>
+        <p:nvSpPr>
+          <p:cNvPr id="6" name="직사각형 5"/>
+          <p:cNvSpPr/>
+          <p:nvPr/>
+        </p:nvSpPr>
+        <p:spPr>
+          <a:xfrm>
+            <a:off x="763398" y="1244977"/>
+            <a:ext cx="10529455" cy="369332"/>
+          </a:xfrm>
+          <a:prstGeom prst="rect">
+            <a:avLst/>
+          </a:prstGeom>
+        </p:spPr>
+        <p:txBody>
+          <a:bodyPr wrap="square">
+            <a:spAutoFit/>
+          </a:bodyPr>
+          <a:lstStyle/>
+          <a:p>
+            <a:r>
+              <a:rPr lang="ko-KR" altLang="en-US" dirty="0">
+                <a:solidFill>
+                  <a:srgbClr val="000000"/>
+                </a:solidFill>
+                <a:latin typeface="Arial" panose="020B0604020202020204" pitchFamily="34" charset="0"/>
+              </a:rPr>
+              <a:t>특수기술</a:t>
+            </a:r>
+            <a:r>
+              <a:rPr lang="en-US" altLang="ko-KR" dirty="0">
+                <a:solidFill>
+                  <a:srgbClr val="000000"/>
+                </a:solidFill>
+                <a:latin typeface="Arial" panose="020B0604020202020204" pitchFamily="34" charset="0"/>
+              </a:rPr>
+              <a:t>: </a:t>
+            </a:r>
+            <a:r>
+              <a:rPr lang="ko-KR" altLang="en-US" dirty="0">
+                <a:solidFill>
+                  <a:srgbClr val="000000"/>
+                </a:solidFill>
+                <a:latin typeface="Arial" panose="020B0604020202020204" pitchFamily="34" charset="0"/>
+              </a:rPr>
+              <a:t> 앞으로 부채꼴 모양의 충격파를 발사해 사정거리 끝까지 적을 밀어내고 데미지를 준다</a:t>
+            </a:r>
+            <a:endParaRPr lang="ko-KR" altLang="en-US" b="0" dirty="0">
+              <a:effectLst/>
+            </a:endParaRPr>
+          </a:p>
+        </p:txBody>
+      </p:sp>
+      <p:pic>
+        <p:nvPicPr>
+          <p:cNvPr id="7" name="그림 6"/>
+          <p:cNvPicPr>
+            <a:picLocks noChangeAspect="1"/>
+          </p:cNvPicPr>
+          <p:nvPr/>
+        </p:nvPicPr>
+        <p:blipFill>
+          <a:blip r:embed="rId4">
+            <a:extLst>
+              <a:ext uri="{BEBA8EAE-BF5A-486C-A8C5-ECC9F3942E4B}">
+                <a14:imgProps xmlns:a14="http://schemas.microsoft.com/office/drawing/2010/main">
+                  <a14:imgLayer r:embed="rId5">
+                    <a14:imgEffect>
+                      <a14:backgroundRemoval t="10000" b="90000" l="10000" r="90000">
+                        <a14:foregroundMark x1="35547" y1="47266" x2="40234" y2="56250"/>
+                        <a14:foregroundMark x1="54297" y1="43359" x2="50000" y2="53125"/>
+                      </a14:backgroundRemoval>
+                    </a14:imgEffect>
+                  </a14:imgLayer>
+                </a14:imgProps>
+              </a:ext>
+            </a:extLst>
+          </a:blip>
+          <a:stretch>
+            <a:fillRect/>
+          </a:stretch>
+        </p:blipFill>
+        <p:spPr>
+          <a:xfrm rot="20466190" flipH="1">
+            <a:off x="3522585" y="3512608"/>
+            <a:ext cx="1340100" cy="1340100"/>
+          </a:xfrm>
+          <a:prstGeom prst="rect">
+            <a:avLst/>
+          </a:prstGeom>
+        </p:spPr>
+      </p:pic>
+      <p:pic>
+        <p:nvPicPr>
+          <p:cNvPr id="1030" name="Picture 6" descr="hit png에 대한 이미지 검색결과"/>
+          <p:cNvPicPr>
+            <a:picLocks noChangeAspect="1" noChangeArrowheads="1"/>
+          </p:cNvPicPr>
+          <p:nvPr/>
+        </p:nvPicPr>
+        <p:blipFill>
+          <a:blip r:embed="rId6">
+            <a:extLst>
+              <a:ext uri="{28A0092B-C50C-407E-A947-70E740481C1C}">
+                <a14:useLocalDpi xmlns:a14="http://schemas.microsoft.com/office/drawing/2010/main" val="0"/>
+              </a:ext>
+            </a:extLst>
+          </a:blip>
+          <a:srcRect/>
+          <a:stretch>
+            <a:fillRect/>
+          </a:stretch>
+        </p:blipFill>
+        <p:spPr bwMode="auto">
+          <a:xfrm>
+            <a:off x="4448823" y="3744912"/>
+            <a:ext cx="442929" cy="457103"/>
+          </a:xfrm>
+          <a:prstGeom prst="rect">
+            <a:avLst/>
+          </a:prstGeom>
+          <a:noFill/>
+          <a:extLst>
+            <a:ext uri="{909E8E84-426E-40DD-AFC4-6F175D3DCCD1}">
+              <a14:hiddenFill xmlns:a14="http://schemas.microsoft.com/office/drawing/2010/main">
+                <a:solidFill>
+                  <a:srgbClr val="FFFFFF"/>
+                </a:solidFill>
+              </a14:hiddenFill>
+            </a:ext>
+          </a:extLst>
+        </p:spPr>
+      </p:pic>
+      <p:sp>
+        <p:nvSpPr>
+          <p:cNvPr id="11" name="TextBox 10"/>
+          <p:cNvSpPr txBox="1"/>
+          <p:nvPr/>
+        </p:nvSpPr>
+        <p:spPr>
+          <a:xfrm>
+            <a:off x="5510191" y="3351159"/>
+            <a:ext cx="1189749" cy="369332"/>
+          </a:xfrm>
+          <a:prstGeom prst="rect">
+            <a:avLst/>
+          </a:prstGeom>
+          <a:noFill/>
+        </p:spPr>
+        <p:txBody>
+          <a:bodyPr wrap="none" rtlCol="0">
+            <a:spAutoFit/>
+          </a:bodyPr>
+          <a:lstStyle/>
+          <a:p>
+            <a:r>
+              <a:rPr lang="ko-KR" altLang="en-US" dirty="0">
+                <a:solidFill>
+                  <a:schemeClr val="accent1"/>
+                </a:solidFill>
+              </a:rPr>
+              <a:t>발사 범위</a:t>
+            </a:r>
+          </a:p>
+        </p:txBody>
+      </p:sp>
+      <p:sp>
+        <p:nvSpPr>
+          <p:cNvPr id="13" name="TextBox 12"/>
+          <p:cNvSpPr txBox="1"/>
+          <p:nvPr/>
+        </p:nvSpPr>
+        <p:spPr>
+          <a:xfrm>
+            <a:off x="3630013" y="1964903"/>
+            <a:ext cx="5573962" cy="923330"/>
+          </a:xfrm>
+          <a:prstGeom prst="rect">
+            <a:avLst/>
+          </a:prstGeom>
+          <a:noFill/>
+        </p:spPr>
+        <p:txBody>
+          <a:bodyPr wrap="none" rtlCol="0">
+            <a:spAutoFit/>
+          </a:bodyPr>
+          <a:lstStyle/>
+          <a:p>
+            <a:r>
+              <a:rPr lang="ko-KR" altLang="en-US" dirty="0"/>
+              <a:t>데미지 </a:t>
+            </a:r>
+            <a:r>
+              <a:rPr lang="en-US" altLang="ko-KR" dirty="0"/>
+              <a:t>: 1</a:t>
+            </a:r>
+          </a:p>
+          <a:p>
+            <a:r>
+              <a:rPr lang="ko-KR" altLang="en-US" dirty="0"/>
+              <a:t>에너지소모 </a:t>
+            </a:r>
+            <a:r>
+              <a:rPr lang="en-US" altLang="ko-KR" dirty="0"/>
+              <a:t>: 250  </a:t>
+            </a:r>
+          </a:p>
+          <a:p>
+            <a:r>
+              <a:rPr lang="ko-KR" altLang="en-US" dirty="0"/>
+              <a:t>피격범위 </a:t>
+            </a:r>
+            <a:r>
+              <a:rPr lang="en-US" altLang="ko-KR" dirty="0"/>
+              <a:t>: </a:t>
+            </a:r>
+            <a:r>
+              <a:rPr lang="ko-KR" altLang="en-US" dirty="0"/>
+              <a:t>본체너비 </a:t>
+            </a:r>
+            <a:r>
+              <a:rPr lang="en-US" altLang="ko-KR" dirty="0"/>
+              <a:t>4</a:t>
+            </a:r>
+            <a:r>
+              <a:rPr lang="ko-KR" altLang="en-US" dirty="0"/>
+              <a:t>배 범위만큼 각도 </a:t>
+            </a:r>
+            <a:r>
+              <a:rPr lang="en-US" altLang="ko-KR" dirty="0"/>
+              <a:t>90</a:t>
+            </a:r>
+            <a:r>
+              <a:rPr lang="ko-KR" altLang="en-US" dirty="0"/>
+              <a:t>도 부채꼴</a:t>
+            </a:r>
+          </a:p>
+        </p:txBody>
+      </p:sp>
+      <p:cxnSp>
+        <p:nvCxnSpPr>
+          <p:cNvPr id="12" name="직선 화살표 연결선 11"/>
+          <p:cNvCxnSpPr/>
+          <p:nvPr/>
+        </p:nvCxnSpPr>
+        <p:spPr>
+          <a:xfrm>
+            <a:off x="6870086" y="5079632"/>
+            <a:ext cx="704329" cy="0"/>
+          </a:xfrm>
+          <a:prstGeom prst="straightConnector1">
+            <a:avLst/>
+          </a:prstGeom>
+          <a:ln>
+            <a:headEnd type="triangle"/>
+            <a:tailEnd type="triangle"/>
+          </a:ln>
+        </p:spPr>
+        <p:style>
+          <a:lnRef idx="1">
+            <a:schemeClr val="accent1"/>
+          </a:lnRef>
+          <a:fillRef idx="0">
+            <a:schemeClr val="accent1"/>
+          </a:fillRef>
+          <a:effectRef idx="0">
+            <a:schemeClr val="accent1"/>
+          </a:effectRef>
+          <a:fontRef idx="minor">
+            <a:schemeClr val="tx1"/>
+          </a:fontRef>
+        </p:style>
+      </p:cxnSp>
+      <p:cxnSp>
+        <p:nvCxnSpPr>
+          <p:cNvPr id="16" name="직선 화살표 연결선 15"/>
+          <p:cNvCxnSpPr/>
+          <p:nvPr/>
+        </p:nvCxnSpPr>
+        <p:spPr>
+          <a:xfrm>
+            <a:off x="6169046" y="4830251"/>
+            <a:ext cx="704329" cy="0"/>
+          </a:xfrm>
+          <a:prstGeom prst="straightConnector1">
+            <a:avLst/>
+          </a:prstGeom>
+          <a:ln>
+            <a:headEnd type="triangle"/>
+            <a:tailEnd type="triangle"/>
+          </a:ln>
+        </p:spPr>
+        <p:style>
+          <a:lnRef idx="1">
+            <a:schemeClr val="accent1"/>
+          </a:lnRef>
+          <a:fillRef idx="0">
+            <a:schemeClr val="accent1"/>
+          </a:fillRef>
+          <a:effectRef idx="0">
+            <a:schemeClr val="accent1"/>
+          </a:effectRef>
+          <a:fontRef idx="minor">
+            <a:schemeClr val="tx1"/>
+          </a:fontRef>
+        </p:style>
+      </p:cxnSp>
+      <p:cxnSp>
+        <p:nvCxnSpPr>
+          <p:cNvPr id="17" name="직선 화살표 연결선 16"/>
+          <p:cNvCxnSpPr/>
+          <p:nvPr/>
+        </p:nvCxnSpPr>
+        <p:spPr>
+          <a:xfrm>
+            <a:off x="5510191" y="4830251"/>
+            <a:ext cx="704329" cy="0"/>
+          </a:xfrm>
+          <a:prstGeom prst="straightConnector1">
+            <a:avLst/>
+          </a:prstGeom>
+          <a:ln>
+            <a:headEnd type="triangle"/>
+            <a:tailEnd type="triangle"/>
+          </a:ln>
+        </p:spPr>
+        <p:style>
+          <a:lnRef idx="1">
+            <a:schemeClr val="accent1"/>
+          </a:lnRef>
+          <a:fillRef idx="0">
+            <a:schemeClr val="accent1"/>
+          </a:fillRef>
+          <a:effectRef idx="0">
+            <a:schemeClr val="accent1"/>
+          </a:effectRef>
+          <a:fontRef idx="minor">
+            <a:schemeClr val="tx1"/>
+          </a:fontRef>
+        </p:style>
+      </p:cxnSp>
+      <p:cxnSp>
+        <p:nvCxnSpPr>
+          <p:cNvPr id="18" name="직선 화살표 연결선 17"/>
+          <p:cNvCxnSpPr/>
+          <p:nvPr/>
+        </p:nvCxnSpPr>
+        <p:spPr>
+          <a:xfrm>
+            <a:off x="4805862" y="4830251"/>
+            <a:ext cx="704329" cy="0"/>
+          </a:xfrm>
+          <a:prstGeom prst="straightConnector1">
+            <a:avLst/>
+          </a:prstGeom>
+          <a:ln>
+            <a:headEnd type="triangle"/>
+            <a:tailEnd type="triangle"/>
+          </a:ln>
+        </p:spPr>
+        <p:style>
+          <a:lnRef idx="1">
+            <a:schemeClr val="accent1"/>
+          </a:lnRef>
+          <a:fillRef idx="0">
+            <a:schemeClr val="accent1"/>
+          </a:fillRef>
+          <a:effectRef idx="0">
+            <a:schemeClr val="accent1"/>
+          </a:effectRef>
+          <a:fontRef idx="minor">
+            <a:schemeClr val="tx1"/>
+          </a:fontRef>
+        </p:style>
+      </p:cxnSp>
+      <p:cxnSp>
+        <p:nvCxnSpPr>
+          <p:cNvPr id="19" name="직선 화살표 연결선 18"/>
+          <p:cNvCxnSpPr/>
+          <p:nvPr/>
+        </p:nvCxnSpPr>
+        <p:spPr>
+          <a:xfrm>
+            <a:off x="4101533" y="4830251"/>
+            <a:ext cx="704329" cy="0"/>
+          </a:xfrm>
+          <a:prstGeom prst="straightConnector1">
+            <a:avLst/>
+          </a:prstGeom>
+          <a:ln>
+            <a:headEnd type="triangle"/>
+            <a:tailEnd type="triangle"/>
+          </a:ln>
+        </p:spPr>
+        <p:style>
+          <a:lnRef idx="1">
+            <a:schemeClr val="accent1"/>
+          </a:lnRef>
+          <a:fillRef idx="0">
+            <a:schemeClr val="accent1"/>
+          </a:fillRef>
+          <a:effectRef idx="0">
+            <a:schemeClr val="accent1"/>
+          </a:effectRef>
+          <a:fontRef idx="minor">
+            <a:schemeClr val="tx1"/>
+          </a:fontRef>
+        </p:style>
+      </p:cxnSp>
+    </p:spTree>
+    <p:extLst>
+      <p:ext uri="{BB962C8B-B14F-4D97-AF65-F5344CB8AC3E}">
+        <p14:creationId xmlns:p14="http://schemas.microsoft.com/office/powerpoint/2010/main" val="836558738"/>
       </p:ext>
     </p:extLst>
   </p:cSld>
@@ -10063,7 +10420,7 @@
         <p:spPr>
           <a:xfrm>
             <a:off x="763398" y="671119"/>
-            <a:ext cx="3183885" cy="369332"/>
+            <a:ext cx="2900153" cy="369332"/>
           </a:xfrm>
           <a:prstGeom prst="rect">
             <a:avLst/>
@@ -10082,15 +10439,126 @@
             </a:r>
             <a:r>
               <a:rPr lang="en-US" altLang="ko-KR" b="1" dirty="0"/>
-              <a:t>- Engineer</a:t>
+              <a:t>- Heavy</a:t>
             </a:r>
             <a:endParaRPr lang="ko-KR" altLang="en-US" b="1" dirty="0"/>
+          </a:p>
+        </p:txBody>
+      </p:sp>
+      <p:sp>
+        <p:nvSpPr>
+          <p:cNvPr id="5" name="직사각형 4"/>
+          <p:cNvSpPr/>
+          <p:nvPr/>
+        </p:nvSpPr>
+        <p:spPr>
+          <a:xfrm>
+            <a:off x="763398" y="1258929"/>
+            <a:ext cx="11262347" cy="369332"/>
+          </a:xfrm>
+          <a:prstGeom prst="rect">
+            <a:avLst/>
+          </a:prstGeom>
+        </p:spPr>
+        <p:txBody>
+          <a:bodyPr wrap="square">
+            <a:spAutoFit/>
+          </a:bodyPr>
+          <a:lstStyle/>
+          <a:p>
+            <a:r>
+              <a:rPr lang="ko-KR" altLang="en-US" dirty="0">
+                <a:solidFill>
+                  <a:srgbClr val="000000"/>
+                </a:solidFill>
+                <a:latin typeface="Arial" panose="020B0604020202020204" pitchFamily="34" charset="0"/>
+              </a:rPr>
+              <a:t>특수기술</a:t>
+            </a:r>
+            <a:r>
+              <a:rPr lang="en-US" altLang="ko-KR" dirty="0">
+                <a:solidFill>
+                  <a:srgbClr val="000000"/>
+                </a:solidFill>
+                <a:latin typeface="Arial" panose="020B0604020202020204" pitchFamily="34" charset="0"/>
+              </a:rPr>
+              <a:t>: </a:t>
+            </a:r>
+            <a:r>
+              <a:rPr lang="ko-KR" altLang="en-US" dirty="0">
+                <a:solidFill>
+                  <a:srgbClr val="000000"/>
+                </a:solidFill>
+                <a:latin typeface="Arial" panose="020B0604020202020204" pitchFamily="34" charset="0"/>
+              </a:rPr>
+              <a:t>부스터로 날아가서 착지한 지점 주변에 폭발해서 범위피해를 준다</a:t>
+            </a:r>
+            <a:r>
+              <a:rPr lang="en-US" altLang="ko-KR" dirty="0">
+                <a:solidFill>
+                  <a:srgbClr val="000000"/>
+                </a:solidFill>
+                <a:latin typeface="Arial" panose="020B0604020202020204" pitchFamily="34" charset="0"/>
+              </a:rPr>
+              <a:t>.</a:t>
+            </a:r>
+            <a:endParaRPr lang="ko-KR" altLang="en-US" b="0" dirty="0">
+              <a:effectLst/>
+            </a:endParaRPr>
+          </a:p>
+        </p:txBody>
+      </p:sp>
+      <p:sp>
+        <p:nvSpPr>
+          <p:cNvPr id="6" name="타원 5"/>
+          <p:cNvSpPr/>
+          <p:nvPr/>
+        </p:nvSpPr>
+        <p:spPr>
+          <a:xfrm>
+            <a:off x="3362035" y="3495056"/>
+            <a:ext cx="2952413" cy="2940504"/>
+          </a:xfrm>
+          <a:prstGeom prst="ellipse">
+            <a:avLst/>
+          </a:prstGeom>
+          <a:solidFill>
+            <a:srgbClr val="F37979">
+              <a:alpha val="70000"/>
+            </a:srgbClr>
+          </a:solidFill>
+          <a:ln>
+            <a:noFill/>
+          </a:ln>
+        </p:spPr>
+        <p:style>
+          <a:lnRef idx="2">
+            <a:schemeClr val="accent1">
+              <a:shade val="50000"/>
+            </a:schemeClr>
+          </a:lnRef>
+          <a:fillRef idx="1">
+            <a:schemeClr val="accent1"/>
+          </a:fillRef>
+          <a:effectRef idx="0">
+            <a:schemeClr val="accent1"/>
+          </a:effectRef>
+          <a:fontRef idx="minor">
+            <a:schemeClr val="lt1"/>
+          </a:fontRef>
+        </p:style>
+        <p:txBody>
+          <a:bodyPr rtlCol="0" anchor="ctr"/>
+          <a:lstStyle/>
+          <a:p>
+            <a:pPr algn="ctr"/>
+            <a:endParaRPr lang="ko-KR" altLang="en-US"/>
           </a:p>
         </p:txBody>
       </p:sp>
       <p:pic>
         <p:nvPicPr>
-          <p:cNvPr id="4" name="그림 3"/>
+          <p:cNvPr id="7" name="그림 6"/>
           <p:cNvPicPr>
             <a:picLocks noChangeAspect="1"/>
           </p:cNvPicPr>
@@ -10116,126 +10584,17 @@
         </p:blipFill>
         <p:spPr>
           <a:xfrm>
-            <a:off x="6521211" y="3943286"/>
-            <a:ext cx="1402081" cy="1402081"/>
+            <a:off x="4107416" y="4201833"/>
+            <a:ext cx="1461654" cy="1461654"/>
           </a:xfrm>
           <a:prstGeom prst="rect">
             <a:avLst/>
           </a:prstGeom>
         </p:spPr>
       </p:pic>
-      <p:sp>
-        <p:nvSpPr>
-          <p:cNvPr id="5" name="부분 원형 4"/>
-          <p:cNvSpPr/>
-          <p:nvPr/>
-        </p:nvSpPr>
-        <p:spPr>
-          <a:xfrm rot="18445361">
-            <a:off x="4069739" y="2075786"/>
-            <a:ext cx="5620285" cy="5456688"/>
-          </a:xfrm>
-          <a:prstGeom prst="pie">
-            <a:avLst>
-              <a:gd name="adj1" fmla="val 11681501"/>
-              <a:gd name="adj2" fmla="val 16200000"/>
-            </a:avLst>
-          </a:prstGeom>
-          <a:solidFill>
-            <a:schemeClr val="accent5">
-              <a:alpha val="50000"/>
-            </a:schemeClr>
-          </a:solidFill>
-          <a:ln>
-            <a:noFill/>
-          </a:ln>
-        </p:spPr>
-        <p:style>
-          <a:lnRef idx="2">
-            <a:schemeClr val="accent5">
-              <a:shade val="50000"/>
-            </a:schemeClr>
-          </a:lnRef>
-          <a:fillRef idx="1">
-            <a:schemeClr val="accent5"/>
-          </a:fillRef>
-          <a:effectRef idx="0">
-            <a:schemeClr val="accent5"/>
-          </a:effectRef>
-          <a:fontRef idx="minor">
-            <a:schemeClr val="lt1"/>
-          </a:fontRef>
-        </p:style>
-        <p:txBody>
-          <a:bodyPr rtlCol="0" anchor="ctr"/>
-          <a:lstStyle/>
-          <a:p>
-            <a:pPr algn="ctr"/>
-            <a:endParaRPr lang="ko-KR" altLang="en-US">
-              <a:solidFill>
-                <a:schemeClr val="tx1"/>
-              </a:solidFill>
-            </a:endParaRPr>
-          </a:p>
-        </p:txBody>
-      </p:sp>
-      <p:sp>
-        <p:nvSpPr>
-          <p:cNvPr id="6" name="직사각형 5"/>
-          <p:cNvSpPr/>
-          <p:nvPr/>
-        </p:nvSpPr>
-        <p:spPr>
-          <a:xfrm>
-            <a:off x="763398" y="1244977"/>
-            <a:ext cx="10529455" cy="369332"/>
-          </a:xfrm>
-          <a:prstGeom prst="rect">
-            <a:avLst/>
-          </a:prstGeom>
-        </p:spPr>
-        <p:txBody>
-          <a:bodyPr wrap="square">
-            <a:spAutoFit/>
-          </a:bodyPr>
-          <a:lstStyle/>
-          <a:p>
-            <a:r>
-              <a:rPr lang="ko-KR" altLang="en-US" dirty="0">
-                <a:solidFill>
-                  <a:srgbClr val="000000"/>
-                </a:solidFill>
-                <a:latin typeface="Arial" panose="020B0604020202020204" pitchFamily="34" charset="0"/>
-              </a:rPr>
-              <a:t>특수기술</a:t>
-            </a:r>
-            <a:r>
-              <a:rPr lang="en-US" altLang="ko-KR" dirty="0">
-                <a:solidFill>
-                  <a:srgbClr val="000000"/>
-                </a:solidFill>
-                <a:latin typeface="Arial" panose="020B0604020202020204" pitchFamily="34" charset="0"/>
-              </a:rPr>
-              <a:t>: </a:t>
-            </a:r>
-            <a:r>
-              <a:rPr lang="ko-KR" altLang="en-US" dirty="0">
-                <a:solidFill>
-                  <a:srgbClr val="000000"/>
-                </a:solidFill>
-                <a:latin typeface="Arial" panose="020B0604020202020204" pitchFamily="34" charset="0"/>
-              </a:rPr>
-              <a:t> 앞으로 부채꼴 모양의 충격파를 발사해 사정거리 끝까지 적을 밀어내고 데미지를 준다</a:t>
-            </a:r>
-            <a:endParaRPr lang="ko-KR" altLang="en-US" b="0" dirty="0">
-              <a:effectLst/>
-            </a:endParaRPr>
-          </a:p>
-        </p:txBody>
-      </p:sp>
       <p:pic>
         <p:nvPicPr>
-          <p:cNvPr id="7" name="그림 6"/>
+          <p:cNvPr id="10" name="그림 9"/>
           <p:cNvPicPr>
             <a:picLocks noChangeAspect="1"/>
           </p:cNvPicPr>
@@ -10264,7 +10623,7 @@
         </p:blipFill>
         <p:spPr>
           <a:xfrm rot="20466190" flipH="1">
-            <a:off x="3522585" y="3512608"/>
+            <a:off x="2703237" y="4251949"/>
             <a:ext cx="1340100" cy="1340100"/>
           </a:xfrm>
           <a:prstGeom prst="rect">
@@ -10274,7 +10633,7 @@
       </p:pic>
       <p:pic>
         <p:nvPicPr>
-          <p:cNvPr id="1030" name="Picture 6" descr="hit png에 대한 이미지 검색결과"/>
+          <p:cNvPr id="11" name="Picture 6" descr="hit png에 대한 이미지 검색결과"/>
           <p:cNvPicPr>
             <a:picLocks noChangeAspect="1" noChangeArrowheads="1"/>
           </p:cNvPicPr>
@@ -10295,7 +10654,7 @@
         </p:blipFill>
         <p:spPr bwMode="auto">
           <a:xfrm>
-            <a:off x="4448823" y="3744912"/>
+            <a:off x="3629475" y="4484253"/>
             <a:ext cx="442929" cy="457103"/>
           </a:xfrm>
           <a:prstGeom prst="rect">
@@ -10315,13 +10674,99 @@
       </p:pic>
       <p:sp>
         <p:nvSpPr>
-          <p:cNvPr id="11" name="TextBox 10"/>
+          <p:cNvPr id="13" name="화살표: 위로 구부러짐 12"/>
+          <p:cNvSpPr/>
+          <p:nvPr/>
+        </p:nvSpPr>
+        <p:spPr>
+          <a:xfrm rot="11129896">
+            <a:off x="4977376" y="3811571"/>
+            <a:ext cx="2809900" cy="868083"/>
+          </a:xfrm>
+          <a:prstGeom prst="curvedUpArrow">
+            <a:avLst/>
+          </a:prstGeom>
+          <a:solidFill>
+            <a:srgbClr val="FF0000"/>
+          </a:solidFill>
+          <a:ln>
+            <a:noFill/>
+          </a:ln>
+        </p:spPr>
+        <p:style>
+          <a:lnRef idx="2">
+            <a:schemeClr val="accent1">
+              <a:shade val="50000"/>
+            </a:schemeClr>
+          </a:lnRef>
+          <a:fillRef idx="1">
+            <a:schemeClr val="accent1"/>
+          </a:fillRef>
+          <a:effectRef idx="0">
+            <a:schemeClr val="accent1"/>
+          </a:effectRef>
+          <a:fontRef idx="minor">
+            <a:schemeClr val="lt1"/>
+          </a:fontRef>
+        </p:style>
+        <p:txBody>
+          <a:bodyPr rtlCol="0" anchor="ctr"/>
+          <a:lstStyle/>
+          <a:p>
+            <a:pPr algn="ctr"/>
+            <a:endParaRPr lang="ko-KR" altLang="en-US">
+              <a:solidFill>
+                <a:schemeClr val="tx1"/>
+              </a:solidFill>
+            </a:endParaRPr>
+          </a:p>
+        </p:txBody>
+      </p:sp>
+      <p:pic>
+        <p:nvPicPr>
+          <p:cNvPr id="9" name="그림 8"/>
+          <p:cNvPicPr>
+            <a:picLocks noChangeAspect="1"/>
+          </p:cNvPicPr>
+          <p:nvPr/>
+        </p:nvPicPr>
+        <p:blipFill>
+          <a:blip r:embed="rId2">
+            <a:extLst>
+              <a:ext uri="{BEBA8EAE-BF5A-486C-A8C5-ECC9F3942E4B}">
+                <a14:imgProps xmlns:a14="http://schemas.microsoft.com/office/drawing/2010/main">
+                  <a14:imgLayer r:embed="rId3">
+                    <a14:imgEffect>
+                      <a14:backgroundRemoval t="10000" b="90000" l="10000" r="90000"/>
+                    </a14:imgEffect>
+                  </a14:imgLayer>
+                </a14:imgProps>
+              </a:ext>
+            </a:extLst>
+          </a:blip>
+          <a:stretch>
+            <a:fillRect/>
+          </a:stretch>
+        </p:blipFill>
+        <p:spPr>
+          <a:xfrm>
+            <a:off x="6915271" y="4071056"/>
+            <a:ext cx="1461654" cy="1461654"/>
+          </a:xfrm>
+          <a:prstGeom prst="rect">
+            <a:avLst/>
+          </a:prstGeom>
+        </p:spPr>
+      </p:pic>
+      <p:sp>
+        <p:nvSpPr>
+          <p:cNvPr id="14" name="TextBox 13"/>
           <p:cNvSpPr txBox="1"/>
           <p:nvPr/>
         </p:nvSpPr>
         <p:spPr>
           <a:xfrm>
-            <a:off x="5510191" y="3351159"/>
+            <a:off x="4243368" y="2804390"/>
             <a:ext cx="1189749" cy="369332"/>
           </a:xfrm>
           <a:prstGeom prst="rect">
@@ -10338,24 +10783,60 @@
             <a:r>
               <a:rPr lang="ko-KR" altLang="en-US" dirty="0">
                 <a:solidFill>
-                  <a:schemeClr val="accent1"/>
+                  <a:srgbClr val="FF0000"/>
                 </a:solidFill>
               </a:rPr>
-              <a:t>발사 범위</a:t>
-            </a:r>
-          </a:p>
-        </p:txBody>
-      </p:sp>
-      <p:sp>
-        <p:nvSpPr>
-          <p:cNvPr id="13" name="TextBox 12"/>
+              <a:t>폭발 범위</a:t>
+            </a:r>
+          </a:p>
+        </p:txBody>
+      </p:sp>
+      <p:cxnSp>
+        <p:nvCxnSpPr>
+          <p:cNvPr id="16" name="직선 화살표 연결선 15"/>
+          <p:cNvCxnSpPr>
+            <a:cxnSpLocks/>
+            <a:endCxn id="17" idx="2"/>
+          </p:cNvCxnSpPr>
+          <p:nvPr/>
+        </p:nvCxnSpPr>
+        <p:spPr>
+          <a:xfrm flipV="1">
+            <a:off x="7021585" y="3466343"/>
+            <a:ext cx="1036651" cy="451912"/>
+          </a:xfrm>
+          <a:prstGeom prst="straightConnector1">
+            <a:avLst/>
+          </a:prstGeom>
+          <a:ln>
+            <a:tailEnd type="triangle"/>
+          </a:ln>
+        </p:spPr>
+        <p:style>
+          <a:lnRef idx="1">
+            <a:schemeClr val="accent1"/>
+          </a:lnRef>
+          <a:fillRef idx="0">
+            <a:schemeClr val="accent1"/>
+          </a:fillRef>
+          <a:effectRef idx="0">
+            <a:schemeClr val="accent1"/>
+          </a:effectRef>
+          <a:fontRef idx="minor">
+            <a:schemeClr val="tx1"/>
+          </a:fontRef>
+        </p:style>
+      </p:cxnSp>
+      <p:sp>
+        <p:nvSpPr>
+          <p:cNvPr id="17" name="TextBox 16"/>
           <p:cNvSpPr txBox="1"/>
           <p:nvPr/>
         </p:nvSpPr>
         <p:spPr>
           <a:xfrm>
-            <a:off x="3630013" y="1964903"/>
-            <a:ext cx="4464684" cy="923330"/>
+            <a:off x="6573694" y="2820012"/>
+            <a:ext cx="2969083" cy="646331"/>
           </a:xfrm>
           <a:prstGeom prst="rect">
             <a:avLst/>
@@ -10368,6 +10849,44 @@
           </a:bodyPr>
           <a:lstStyle/>
           <a:p>
+            <a:pPr algn="ctr"/>
+            <a:r>
+              <a:rPr lang="ko-KR" altLang="en-US" dirty="0"/>
+              <a:t>스킬로 날아가는 도중에는 </a:t>
+            </a:r>
+            <a:endParaRPr lang="en-US" altLang="ko-KR" dirty="0"/>
+          </a:p>
+          <a:p>
+            <a:pPr algn="ctr"/>
+            <a:r>
+              <a:rPr lang="ko-KR" altLang="en-US" dirty="0"/>
+              <a:t>타격판정 없음</a:t>
+            </a:r>
+          </a:p>
+        </p:txBody>
+      </p:sp>
+      <p:sp>
+        <p:nvSpPr>
+          <p:cNvPr id="19" name="TextBox 18"/>
+          <p:cNvSpPr txBox="1"/>
+          <p:nvPr/>
+        </p:nvSpPr>
+        <p:spPr>
+          <a:xfrm>
+            <a:off x="2671456" y="1821862"/>
+            <a:ext cx="3310522" cy="923330"/>
+          </a:xfrm>
+          <a:prstGeom prst="rect">
+            <a:avLst/>
+          </a:prstGeom>
+          <a:noFill/>
+        </p:spPr>
+        <p:txBody>
+          <a:bodyPr wrap="none" rtlCol="0">
+            <a:spAutoFit/>
+          </a:bodyPr>
+          <a:lstStyle/>
+          <a:p>
             <a:r>
               <a:rPr lang="ko-KR" altLang="en-US" dirty="0"/>
               <a:t>데미지 </a:t>
@@ -10384,7 +10903,7 @@
             </a:r>
             <a:r>
               <a:rPr lang="en-US" altLang="ko-KR" dirty="0"/>
-              <a:t>: 250  </a:t>
+              <a:t>: 300</a:t>
             </a:r>
           </a:p>
           <a:p>
@@ -10402,25 +10921,27 @@
             </a:r>
             <a:r>
               <a:rPr lang="en-US" altLang="ko-KR" dirty="0"/>
-              <a:t>4</a:t>
+              <a:t>2</a:t>
             </a:r>
             <a:r>
               <a:rPr lang="ko-KR" altLang="en-US" dirty="0"/>
-              <a:t>배 범위만큼 부채꼴</a:t>
+              <a:t>배인 원</a:t>
             </a:r>
           </a:p>
         </p:txBody>
       </p:sp>
       <p:cxnSp>
         <p:nvCxnSpPr>
-          <p:cNvPr id="12" name="직선 화살표 연결선 11"/>
-          <p:cNvCxnSpPr/>
+          <p:cNvPr id="20" name="직선 화살표 연결선 19"/>
+          <p:cNvCxnSpPr>
+            <a:cxnSpLocks/>
+          </p:cNvCxnSpPr>
           <p:nvPr/>
         </p:nvCxnSpPr>
         <p:spPr>
-          <a:xfrm>
-            <a:off x="6870086" y="5079632"/>
-            <a:ext cx="704329" cy="0"/>
+          <a:xfrm flipV="1">
+            <a:off x="4545803" y="5401408"/>
+            <a:ext cx="645033" cy="2079"/>
           </a:xfrm>
           <a:prstGeom prst="straightConnector1">
             <a:avLst/>
@@ -10447,14 +10968,16 @@
       </p:cxnSp>
       <p:cxnSp>
         <p:nvCxnSpPr>
-          <p:cNvPr id="16" name="직선 화살표 연결선 15"/>
-          <p:cNvCxnSpPr/>
+          <p:cNvPr id="22" name="직선 화살표 연결선 21"/>
+          <p:cNvCxnSpPr>
+            <a:cxnSpLocks/>
+          </p:cNvCxnSpPr>
           <p:nvPr/>
         </p:nvCxnSpPr>
         <p:spPr>
-          <a:xfrm>
-            <a:off x="6169046" y="4830251"/>
-            <a:ext cx="704329" cy="0"/>
+          <a:xfrm flipV="1">
+            <a:off x="5036533" y="4965308"/>
+            <a:ext cx="645033" cy="2079"/>
           </a:xfrm>
           <a:prstGeom prst="straightConnector1">
             <a:avLst/>
@@ -10481,82 +11004,16 @@
       </p:cxnSp>
       <p:cxnSp>
         <p:nvCxnSpPr>
-          <p:cNvPr id="17" name="직선 화살표 연결선 16"/>
-          <p:cNvCxnSpPr/>
+          <p:cNvPr id="23" name="직선 화살표 연결선 22"/>
+          <p:cNvCxnSpPr>
+            <a:cxnSpLocks/>
+          </p:cNvCxnSpPr>
           <p:nvPr/>
         </p:nvCxnSpPr>
         <p:spPr>
-          <a:xfrm>
-            <a:off x="5510191" y="4830251"/>
-            <a:ext cx="704329" cy="0"/>
-          </a:xfrm>
-          <a:prstGeom prst="straightConnector1">
-            <a:avLst/>
-          </a:prstGeom>
-          <a:ln>
-            <a:headEnd type="triangle"/>
-            <a:tailEnd type="triangle"/>
-          </a:ln>
-        </p:spPr>
-        <p:style>
-          <a:lnRef idx="1">
-            <a:schemeClr val="accent1"/>
-          </a:lnRef>
-          <a:fillRef idx="0">
-            <a:schemeClr val="accent1"/>
-          </a:fillRef>
-          <a:effectRef idx="0">
-            <a:schemeClr val="accent1"/>
-          </a:effectRef>
-          <a:fontRef idx="minor">
-            <a:schemeClr val="tx1"/>
-          </a:fontRef>
-        </p:style>
-      </p:cxnSp>
-      <p:cxnSp>
-        <p:nvCxnSpPr>
-          <p:cNvPr id="18" name="직선 화살표 연결선 17"/>
-          <p:cNvCxnSpPr/>
-          <p:nvPr/>
-        </p:nvCxnSpPr>
-        <p:spPr>
-          <a:xfrm>
-            <a:off x="4805862" y="4830251"/>
-            <a:ext cx="704329" cy="0"/>
-          </a:xfrm>
-          <a:prstGeom prst="straightConnector1">
-            <a:avLst/>
-          </a:prstGeom>
-          <a:ln>
-            <a:headEnd type="triangle"/>
-            <a:tailEnd type="triangle"/>
-          </a:ln>
-        </p:spPr>
-        <p:style>
-          <a:lnRef idx="1">
-            <a:schemeClr val="accent1"/>
-          </a:lnRef>
-          <a:fillRef idx="0">
-            <a:schemeClr val="accent1"/>
-          </a:fillRef>
-          <a:effectRef idx="0">
-            <a:schemeClr val="accent1"/>
-          </a:effectRef>
-          <a:fontRef idx="minor">
-            <a:schemeClr val="tx1"/>
-          </a:fontRef>
-        </p:style>
-      </p:cxnSp>
-      <p:cxnSp>
-        <p:nvCxnSpPr>
-          <p:cNvPr id="19" name="직선 화살표 연결선 18"/>
-          <p:cNvCxnSpPr/>
-          <p:nvPr/>
-        </p:nvCxnSpPr>
-        <p:spPr>
-          <a:xfrm>
-            <a:off x="4101533" y="4830251"/>
-            <a:ext cx="704329" cy="0"/>
+          <a:xfrm flipV="1">
+            <a:off x="5659461" y="4965308"/>
+            <a:ext cx="645033" cy="2079"/>
           </a:xfrm>
           <a:prstGeom prst="straightConnector1">
             <a:avLst/>
@@ -10584,7 +11041,7 @@
     </p:spTree>
     <p:extLst>
       <p:ext uri="{BB962C8B-B14F-4D97-AF65-F5344CB8AC3E}">
-        <p14:creationId xmlns:p14="http://schemas.microsoft.com/office/powerpoint/2010/main" val="836558738"/>
+        <p14:creationId xmlns:p14="http://schemas.microsoft.com/office/powerpoint/2010/main" val="3727030494"/>
       </p:ext>
     </p:extLst>
   </p:cSld>
@@ -10613,663 +11070,6 @@
       </p:grpSpPr>
       <p:sp>
         <p:nvSpPr>
-          <p:cNvPr id="2" name="TextBox 1"/>
-          <p:cNvSpPr txBox="1"/>
-          <p:nvPr/>
-        </p:nvSpPr>
-        <p:spPr>
-          <a:xfrm>
-            <a:off x="763398" y="671119"/>
-            <a:ext cx="2900153" cy="369332"/>
-          </a:xfrm>
-          <a:prstGeom prst="rect">
-            <a:avLst/>
-          </a:prstGeom>
-          <a:noFill/>
-        </p:spPr>
-        <p:txBody>
-          <a:bodyPr wrap="none" rtlCol="0">
-            <a:spAutoFit/>
-          </a:bodyPr>
-          <a:lstStyle/>
-          <a:p>
-            <a:r>
-              <a:rPr lang="ko-KR" altLang="en-US" b="1" dirty="0"/>
-              <a:t>캐릭터 스킬 구성 </a:t>
-            </a:r>
-            <a:r>
-              <a:rPr lang="en-US" altLang="ko-KR" b="1" dirty="0"/>
-              <a:t>- Heavy</a:t>
-            </a:r>
-            <a:endParaRPr lang="ko-KR" altLang="en-US" b="1" dirty="0"/>
-          </a:p>
-        </p:txBody>
-      </p:sp>
-      <p:sp>
-        <p:nvSpPr>
-          <p:cNvPr id="5" name="직사각형 4"/>
-          <p:cNvSpPr/>
-          <p:nvPr/>
-        </p:nvSpPr>
-        <p:spPr>
-          <a:xfrm>
-            <a:off x="763398" y="1258929"/>
-            <a:ext cx="11262347" cy="369332"/>
-          </a:xfrm>
-          <a:prstGeom prst="rect">
-            <a:avLst/>
-          </a:prstGeom>
-        </p:spPr>
-        <p:txBody>
-          <a:bodyPr wrap="square">
-            <a:spAutoFit/>
-          </a:bodyPr>
-          <a:lstStyle/>
-          <a:p>
-            <a:r>
-              <a:rPr lang="ko-KR" altLang="en-US" dirty="0">
-                <a:solidFill>
-                  <a:srgbClr val="000000"/>
-                </a:solidFill>
-                <a:latin typeface="Arial" panose="020B0604020202020204" pitchFamily="34" charset="0"/>
-              </a:rPr>
-              <a:t>특수기술</a:t>
-            </a:r>
-            <a:r>
-              <a:rPr lang="en-US" altLang="ko-KR" dirty="0">
-                <a:solidFill>
-                  <a:srgbClr val="000000"/>
-                </a:solidFill>
-                <a:latin typeface="Arial" panose="020B0604020202020204" pitchFamily="34" charset="0"/>
-              </a:rPr>
-              <a:t>: </a:t>
-            </a:r>
-            <a:r>
-              <a:rPr lang="ko-KR" altLang="en-US" dirty="0">
-                <a:solidFill>
-                  <a:srgbClr val="000000"/>
-                </a:solidFill>
-                <a:latin typeface="Arial" panose="020B0604020202020204" pitchFamily="34" charset="0"/>
-              </a:rPr>
-              <a:t>부스터로 날아가서 착지한 지점 주변에 폭발해서 범위피해를 준다</a:t>
-            </a:r>
-            <a:r>
-              <a:rPr lang="en-US" altLang="ko-KR" dirty="0">
-                <a:solidFill>
-                  <a:srgbClr val="000000"/>
-                </a:solidFill>
-                <a:latin typeface="Arial" panose="020B0604020202020204" pitchFamily="34" charset="0"/>
-              </a:rPr>
-              <a:t>.</a:t>
-            </a:r>
-            <a:endParaRPr lang="ko-KR" altLang="en-US" b="0" dirty="0">
-              <a:effectLst/>
-            </a:endParaRPr>
-          </a:p>
-        </p:txBody>
-      </p:sp>
-      <p:sp>
-        <p:nvSpPr>
-          <p:cNvPr id="6" name="타원 5"/>
-          <p:cNvSpPr/>
-          <p:nvPr/>
-        </p:nvSpPr>
-        <p:spPr>
-          <a:xfrm>
-            <a:off x="3362035" y="3495056"/>
-            <a:ext cx="2952413" cy="2940504"/>
-          </a:xfrm>
-          <a:prstGeom prst="ellipse">
-            <a:avLst/>
-          </a:prstGeom>
-          <a:solidFill>
-            <a:srgbClr val="F37979">
-              <a:alpha val="70000"/>
-            </a:srgbClr>
-          </a:solidFill>
-          <a:ln>
-            <a:noFill/>
-          </a:ln>
-        </p:spPr>
-        <p:style>
-          <a:lnRef idx="2">
-            <a:schemeClr val="accent1">
-              <a:shade val="50000"/>
-            </a:schemeClr>
-          </a:lnRef>
-          <a:fillRef idx="1">
-            <a:schemeClr val="accent1"/>
-          </a:fillRef>
-          <a:effectRef idx="0">
-            <a:schemeClr val="accent1"/>
-          </a:effectRef>
-          <a:fontRef idx="minor">
-            <a:schemeClr val="lt1"/>
-          </a:fontRef>
-        </p:style>
-        <p:txBody>
-          <a:bodyPr rtlCol="0" anchor="ctr"/>
-          <a:lstStyle/>
-          <a:p>
-            <a:pPr algn="ctr"/>
-            <a:endParaRPr lang="ko-KR" altLang="en-US"/>
-          </a:p>
-        </p:txBody>
-      </p:sp>
-      <p:pic>
-        <p:nvPicPr>
-          <p:cNvPr id="7" name="그림 6"/>
-          <p:cNvPicPr>
-            <a:picLocks noChangeAspect="1"/>
-          </p:cNvPicPr>
-          <p:nvPr/>
-        </p:nvPicPr>
-        <p:blipFill>
-          <a:blip r:embed="rId2">
-            <a:extLst>
-              <a:ext uri="{BEBA8EAE-BF5A-486C-A8C5-ECC9F3942E4B}">
-                <a14:imgProps xmlns:a14="http://schemas.microsoft.com/office/drawing/2010/main">
-                  <a14:imgLayer r:embed="rId3">
-                    <a14:imgEffect>
-                      <a14:backgroundRemoval t="10000" b="90000" l="10000" r="90000"/>
-                    </a14:imgEffect>
-                  </a14:imgLayer>
-                </a14:imgProps>
-              </a:ext>
-            </a:extLst>
-          </a:blip>
-          <a:stretch>
-            <a:fillRect/>
-          </a:stretch>
-        </p:blipFill>
-        <p:spPr>
-          <a:xfrm>
-            <a:off x="4107416" y="4201833"/>
-            <a:ext cx="1461654" cy="1461654"/>
-          </a:xfrm>
-          <a:prstGeom prst="rect">
-            <a:avLst/>
-          </a:prstGeom>
-        </p:spPr>
-      </p:pic>
-      <p:pic>
-        <p:nvPicPr>
-          <p:cNvPr id="10" name="그림 9"/>
-          <p:cNvPicPr>
-            <a:picLocks noChangeAspect="1"/>
-          </p:cNvPicPr>
-          <p:nvPr/>
-        </p:nvPicPr>
-        <p:blipFill>
-          <a:blip r:embed="rId4">
-            <a:extLst>
-              <a:ext uri="{BEBA8EAE-BF5A-486C-A8C5-ECC9F3942E4B}">
-                <a14:imgProps xmlns:a14="http://schemas.microsoft.com/office/drawing/2010/main">
-                  <a14:imgLayer r:embed="rId5">
-                    <a14:imgEffect>
-                      <a14:backgroundRemoval t="10000" b="90000" l="10000" r="90000">
-                        <a14:foregroundMark x1="35547" y1="47266" x2="40234" y2="56250"/>
-                        <a14:foregroundMark x1="54297" y1="43359" x2="50000" y2="53125"/>
-                      </a14:backgroundRemoval>
-                    </a14:imgEffect>
-                  </a14:imgLayer>
-                </a14:imgProps>
-              </a:ext>
-            </a:extLst>
-          </a:blip>
-          <a:stretch>
-            <a:fillRect/>
-          </a:stretch>
-        </p:blipFill>
-        <p:spPr>
-          <a:xfrm rot="20466190" flipH="1">
-            <a:off x="2703237" y="4251949"/>
-            <a:ext cx="1340100" cy="1340100"/>
-          </a:xfrm>
-          <a:prstGeom prst="rect">
-            <a:avLst/>
-          </a:prstGeom>
-        </p:spPr>
-      </p:pic>
-      <p:pic>
-        <p:nvPicPr>
-          <p:cNvPr id="11" name="Picture 6" descr="hit png에 대한 이미지 검색결과"/>
-          <p:cNvPicPr>
-            <a:picLocks noChangeAspect="1" noChangeArrowheads="1"/>
-          </p:cNvPicPr>
-          <p:nvPr/>
-        </p:nvPicPr>
-        <p:blipFill>
-          <a:blip r:embed="rId6">
-            <a:extLst>
-              <a:ext uri="{28A0092B-C50C-407E-A947-70E740481C1C}">
-                <a14:useLocalDpi xmlns:a14="http://schemas.microsoft.com/office/drawing/2010/main" val="0"/>
-              </a:ext>
-            </a:extLst>
-          </a:blip>
-          <a:srcRect/>
-          <a:stretch>
-            <a:fillRect/>
-          </a:stretch>
-        </p:blipFill>
-        <p:spPr bwMode="auto">
-          <a:xfrm>
-            <a:off x="3629475" y="4484253"/>
-            <a:ext cx="442929" cy="457103"/>
-          </a:xfrm>
-          <a:prstGeom prst="rect">
-            <a:avLst/>
-          </a:prstGeom>
-          <a:noFill/>
-          <a:extLst>
-            <a:ext uri="{909E8E84-426E-40DD-AFC4-6F175D3DCCD1}">
-              <a14:hiddenFill xmlns:a14="http://schemas.microsoft.com/office/drawing/2010/main">
-                <a:solidFill>
-                  <a:srgbClr val="FFFFFF"/>
-                </a:solidFill>
-              </a14:hiddenFill>
-            </a:ext>
-          </a:extLst>
-        </p:spPr>
-      </p:pic>
-      <p:sp>
-        <p:nvSpPr>
-          <p:cNvPr id="13" name="화살표: 위로 구부러짐 12"/>
-          <p:cNvSpPr/>
-          <p:nvPr/>
-        </p:nvSpPr>
-        <p:spPr>
-          <a:xfrm rot="11129896">
-            <a:off x="4977376" y="3811571"/>
-            <a:ext cx="2809900" cy="868083"/>
-          </a:xfrm>
-          <a:prstGeom prst="curvedUpArrow">
-            <a:avLst/>
-          </a:prstGeom>
-          <a:solidFill>
-            <a:srgbClr val="FF0000"/>
-          </a:solidFill>
-          <a:ln>
-            <a:noFill/>
-          </a:ln>
-        </p:spPr>
-        <p:style>
-          <a:lnRef idx="2">
-            <a:schemeClr val="accent1">
-              <a:shade val="50000"/>
-            </a:schemeClr>
-          </a:lnRef>
-          <a:fillRef idx="1">
-            <a:schemeClr val="accent1"/>
-          </a:fillRef>
-          <a:effectRef idx="0">
-            <a:schemeClr val="accent1"/>
-          </a:effectRef>
-          <a:fontRef idx="minor">
-            <a:schemeClr val="lt1"/>
-          </a:fontRef>
-        </p:style>
-        <p:txBody>
-          <a:bodyPr rtlCol="0" anchor="ctr"/>
-          <a:lstStyle/>
-          <a:p>
-            <a:pPr algn="ctr"/>
-            <a:endParaRPr lang="ko-KR" altLang="en-US">
-              <a:solidFill>
-                <a:schemeClr val="tx1"/>
-              </a:solidFill>
-            </a:endParaRPr>
-          </a:p>
-        </p:txBody>
-      </p:sp>
-      <p:pic>
-        <p:nvPicPr>
-          <p:cNvPr id="9" name="그림 8"/>
-          <p:cNvPicPr>
-            <a:picLocks noChangeAspect="1"/>
-          </p:cNvPicPr>
-          <p:nvPr/>
-        </p:nvPicPr>
-        <p:blipFill>
-          <a:blip r:embed="rId2">
-            <a:extLst>
-              <a:ext uri="{BEBA8EAE-BF5A-486C-A8C5-ECC9F3942E4B}">
-                <a14:imgProps xmlns:a14="http://schemas.microsoft.com/office/drawing/2010/main">
-                  <a14:imgLayer r:embed="rId3">
-                    <a14:imgEffect>
-                      <a14:backgroundRemoval t="10000" b="90000" l="10000" r="90000"/>
-                    </a14:imgEffect>
-                  </a14:imgLayer>
-                </a14:imgProps>
-              </a:ext>
-            </a:extLst>
-          </a:blip>
-          <a:stretch>
-            <a:fillRect/>
-          </a:stretch>
-        </p:blipFill>
-        <p:spPr>
-          <a:xfrm>
-            <a:off x="6915271" y="4071056"/>
-            <a:ext cx="1461654" cy="1461654"/>
-          </a:xfrm>
-          <a:prstGeom prst="rect">
-            <a:avLst/>
-          </a:prstGeom>
-        </p:spPr>
-      </p:pic>
-      <p:sp>
-        <p:nvSpPr>
-          <p:cNvPr id="14" name="TextBox 13"/>
-          <p:cNvSpPr txBox="1"/>
-          <p:nvPr/>
-        </p:nvSpPr>
-        <p:spPr>
-          <a:xfrm>
-            <a:off x="4243368" y="2804390"/>
-            <a:ext cx="1189749" cy="369332"/>
-          </a:xfrm>
-          <a:prstGeom prst="rect">
-            <a:avLst/>
-          </a:prstGeom>
-          <a:noFill/>
-        </p:spPr>
-        <p:txBody>
-          <a:bodyPr wrap="none" rtlCol="0">
-            <a:spAutoFit/>
-          </a:bodyPr>
-          <a:lstStyle/>
-          <a:p>
-            <a:r>
-              <a:rPr lang="ko-KR" altLang="en-US" dirty="0">
-                <a:solidFill>
-                  <a:srgbClr val="FF0000"/>
-                </a:solidFill>
-              </a:rPr>
-              <a:t>폭발 범위</a:t>
-            </a:r>
-          </a:p>
-        </p:txBody>
-      </p:sp>
-      <p:cxnSp>
-        <p:nvCxnSpPr>
-          <p:cNvPr id="16" name="직선 화살표 연결선 15"/>
-          <p:cNvCxnSpPr>
-            <a:cxnSpLocks/>
-            <a:endCxn id="17" idx="2"/>
-          </p:cNvCxnSpPr>
-          <p:nvPr/>
-        </p:nvCxnSpPr>
-        <p:spPr>
-          <a:xfrm flipV="1">
-            <a:off x="7021585" y="3466343"/>
-            <a:ext cx="1036651" cy="451912"/>
-          </a:xfrm>
-          <a:prstGeom prst="straightConnector1">
-            <a:avLst/>
-          </a:prstGeom>
-          <a:ln>
-            <a:tailEnd type="triangle"/>
-          </a:ln>
-        </p:spPr>
-        <p:style>
-          <a:lnRef idx="1">
-            <a:schemeClr val="accent1"/>
-          </a:lnRef>
-          <a:fillRef idx="0">
-            <a:schemeClr val="accent1"/>
-          </a:fillRef>
-          <a:effectRef idx="0">
-            <a:schemeClr val="accent1"/>
-          </a:effectRef>
-          <a:fontRef idx="minor">
-            <a:schemeClr val="tx1"/>
-          </a:fontRef>
-        </p:style>
-      </p:cxnSp>
-      <p:sp>
-        <p:nvSpPr>
-          <p:cNvPr id="17" name="TextBox 16"/>
-          <p:cNvSpPr txBox="1"/>
-          <p:nvPr/>
-        </p:nvSpPr>
-        <p:spPr>
-          <a:xfrm>
-            <a:off x="6573694" y="2820012"/>
-            <a:ext cx="2969083" cy="646331"/>
-          </a:xfrm>
-          <a:prstGeom prst="rect">
-            <a:avLst/>
-          </a:prstGeom>
-          <a:noFill/>
-        </p:spPr>
-        <p:txBody>
-          <a:bodyPr wrap="none" rtlCol="0">
-            <a:spAutoFit/>
-          </a:bodyPr>
-          <a:lstStyle/>
-          <a:p>
-            <a:pPr algn="ctr"/>
-            <a:r>
-              <a:rPr lang="ko-KR" altLang="en-US" dirty="0"/>
-              <a:t>스킬로 날아가는 도중에는 </a:t>
-            </a:r>
-            <a:endParaRPr lang="en-US" altLang="ko-KR" dirty="0"/>
-          </a:p>
-          <a:p>
-            <a:pPr algn="ctr"/>
-            <a:r>
-              <a:rPr lang="ko-KR" altLang="en-US" dirty="0"/>
-              <a:t>타격판정 없음</a:t>
-            </a:r>
-          </a:p>
-        </p:txBody>
-      </p:sp>
-      <p:sp>
-        <p:nvSpPr>
-          <p:cNvPr id="19" name="TextBox 18"/>
-          <p:cNvSpPr txBox="1"/>
-          <p:nvPr/>
-        </p:nvSpPr>
-        <p:spPr>
-          <a:xfrm>
-            <a:off x="2671456" y="1821862"/>
-            <a:ext cx="3310522" cy="923330"/>
-          </a:xfrm>
-          <a:prstGeom prst="rect">
-            <a:avLst/>
-          </a:prstGeom>
-          <a:noFill/>
-        </p:spPr>
-        <p:txBody>
-          <a:bodyPr wrap="none" rtlCol="0">
-            <a:spAutoFit/>
-          </a:bodyPr>
-          <a:lstStyle/>
-          <a:p>
-            <a:r>
-              <a:rPr lang="ko-KR" altLang="en-US" dirty="0"/>
-              <a:t>데미지 </a:t>
-            </a:r>
-            <a:r>
-              <a:rPr lang="en-US" altLang="ko-KR" dirty="0"/>
-              <a:t>: 1</a:t>
-            </a:r>
-          </a:p>
-          <a:p>
-            <a:r>
-              <a:rPr lang="ko-KR" altLang="en-US" dirty="0"/>
-              <a:t>에너지소모 </a:t>
-            </a:r>
-            <a:r>
-              <a:rPr lang="en-US" altLang="ko-KR" dirty="0"/>
-              <a:t>: 300</a:t>
-            </a:r>
-          </a:p>
-          <a:p>
-            <a:r>
-              <a:rPr lang="ko-KR" altLang="en-US" dirty="0"/>
-              <a:t>피격범위 </a:t>
-            </a:r>
-            <a:r>
-              <a:rPr lang="en-US" altLang="ko-KR" dirty="0"/>
-              <a:t>: </a:t>
-            </a:r>
-            <a:r>
-              <a:rPr lang="ko-KR" altLang="en-US" dirty="0"/>
-              <a:t>본체너비 </a:t>
-            </a:r>
-            <a:r>
-              <a:rPr lang="en-US" altLang="ko-KR" dirty="0"/>
-              <a:t>2</a:t>
-            </a:r>
-            <a:r>
-              <a:rPr lang="ko-KR" altLang="en-US" dirty="0"/>
-              <a:t>배인 원</a:t>
-            </a:r>
-          </a:p>
-        </p:txBody>
-      </p:sp>
-      <p:cxnSp>
-        <p:nvCxnSpPr>
-          <p:cNvPr id="20" name="직선 화살표 연결선 19"/>
-          <p:cNvCxnSpPr>
-            <a:cxnSpLocks/>
-          </p:cNvCxnSpPr>
-          <p:nvPr/>
-        </p:nvCxnSpPr>
-        <p:spPr>
-          <a:xfrm flipV="1">
-            <a:off x="4545803" y="5401408"/>
-            <a:ext cx="645033" cy="2079"/>
-          </a:xfrm>
-          <a:prstGeom prst="straightConnector1">
-            <a:avLst/>
-          </a:prstGeom>
-          <a:ln>
-            <a:headEnd type="triangle"/>
-            <a:tailEnd type="triangle"/>
-          </a:ln>
-        </p:spPr>
-        <p:style>
-          <a:lnRef idx="1">
-            <a:schemeClr val="accent1"/>
-          </a:lnRef>
-          <a:fillRef idx="0">
-            <a:schemeClr val="accent1"/>
-          </a:fillRef>
-          <a:effectRef idx="0">
-            <a:schemeClr val="accent1"/>
-          </a:effectRef>
-          <a:fontRef idx="minor">
-            <a:schemeClr val="tx1"/>
-          </a:fontRef>
-        </p:style>
-      </p:cxnSp>
-      <p:cxnSp>
-        <p:nvCxnSpPr>
-          <p:cNvPr id="22" name="직선 화살표 연결선 21"/>
-          <p:cNvCxnSpPr>
-            <a:cxnSpLocks/>
-          </p:cNvCxnSpPr>
-          <p:nvPr/>
-        </p:nvCxnSpPr>
-        <p:spPr>
-          <a:xfrm flipV="1">
-            <a:off x="4931365" y="4965308"/>
-            <a:ext cx="645033" cy="2079"/>
-          </a:xfrm>
-          <a:prstGeom prst="straightConnector1">
-            <a:avLst/>
-          </a:prstGeom>
-          <a:ln>
-            <a:headEnd type="triangle"/>
-            <a:tailEnd type="triangle"/>
-          </a:ln>
-        </p:spPr>
-        <p:style>
-          <a:lnRef idx="1">
-            <a:schemeClr val="accent1"/>
-          </a:lnRef>
-          <a:fillRef idx="0">
-            <a:schemeClr val="accent1"/>
-          </a:fillRef>
-          <a:effectRef idx="0">
-            <a:schemeClr val="accent1"/>
-          </a:effectRef>
-          <a:fontRef idx="minor">
-            <a:schemeClr val="tx1"/>
-          </a:fontRef>
-        </p:style>
-      </p:cxnSp>
-      <p:cxnSp>
-        <p:nvCxnSpPr>
-          <p:cNvPr id="23" name="직선 화살표 연결선 22"/>
-          <p:cNvCxnSpPr>
-            <a:cxnSpLocks/>
-          </p:cNvCxnSpPr>
-          <p:nvPr/>
-        </p:nvCxnSpPr>
-        <p:spPr>
-          <a:xfrm flipV="1">
-            <a:off x="5544086" y="4965308"/>
-            <a:ext cx="645033" cy="2079"/>
-          </a:xfrm>
-          <a:prstGeom prst="straightConnector1">
-            <a:avLst/>
-          </a:prstGeom>
-          <a:ln>
-            <a:headEnd type="triangle"/>
-            <a:tailEnd type="triangle"/>
-          </a:ln>
-        </p:spPr>
-        <p:style>
-          <a:lnRef idx="1">
-            <a:schemeClr val="accent1"/>
-          </a:lnRef>
-          <a:fillRef idx="0">
-            <a:schemeClr val="accent1"/>
-          </a:fillRef>
-          <a:effectRef idx="0">
-            <a:schemeClr val="accent1"/>
-          </a:effectRef>
-          <a:fontRef idx="minor">
-            <a:schemeClr val="tx1"/>
-          </a:fontRef>
-        </p:style>
-      </p:cxnSp>
-    </p:spTree>
-    <p:extLst>
-      <p:ext uri="{BB962C8B-B14F-4D97-AF65-F5344CB8AC3E}">
-        <p14:creationId xmlns:p14="http://schemas.microsoft.com/office/powerpoint/2010/main" val="3727030494"/>
-      </p:ext>
-    </p:extLst>
-  </p:cSld>
-  <p:clrMapOvr>
-    <a:masterClrMapping/>
-  </p:clrMapOvr>
-</p:sld>
-</file>
-
-<file path=ppt/slides/slide23.xml><?xml version="1.0" encoding="utf-8"?>
-<p:sld xmlns:a="http://schemas.openxmlformats.org/drawingml/2006/main" xmlns:r="http://schemas.openxmlformats.org/officeDocument/2006/relationships" xmlns:p="http://schemas.openxmlformats.org/presentationml/2006/main">
-  <p:cSld>
-    <p:spTree>
-      <p:nvGrpSpPr>
-        <p:cNvPr id="1" name=""/>
-        <p:cNvGrpSpPr/>
-        <p:nvPr/>
-      </p:nvGrpSpPr>
-      <p:grpSpPr>
-        <a:xfrm>
-          <a:off x="0" y="0"/>
-          <a:ext cx="0" cy="0"/>
-          <a:chOff x="0" y="0"/>
-          <a:chExt cx="0" cy="0"/>
-        </a:xfrm>
-      </p:grpSpPr>
-      <p:sp>
-        <p:nvSpPr>
           <p:cNvPr id="11" name="직사각형 10"/>
           <p:cNvSpPr/>
           <p:nvPr/>
@@ -11630,7 +11430,7 @@
         <p:spPr>
           <a:xfrm>
             <a:off x="3884103" y="4930607"/>
-            <a:ext cx="3993401" cy="923330"/>
+            <a:ext cx="3993401" cy="1477328"/>
           </a:xfrm>
           <a:prstGeom prst="rect">
             <a:avLst/>
@@ -11673,12 +11473,22 @@
           <a:p>
             <a:r>
               <a:rPr lang="ko-KR" altLang="en-US" dirty="0"/>
-              <a:t>피격범위 </a:t>
+              <a:t>지속시간 </a:t>
             </a:r>
             <a:r>
               <a:rPr lang="en-US" altLang="ko-KR" dirty="0"/>
               <a:t>: </a:t>
             </a:r>
+          </a:p>
+          <a:p>
+            <a:r>
+              <a:rPr lang="ko-KR" altLang="en-US" dirty="0"/>
+              <a:t>피격범위 </a:t>
+            </a:r>
+            <a:r>
+              <a:rPr lang="en-US" altLang="ko-KR" dirty="0"/>
+              <a:t>: </a:t>
+            </a:r>
             <a:r>
               <a:rPr lang="ko-KR" altLang="en-US" dirty="0"/>
               <a:t>본체 </a:t>
@@ -11699,6 +11509,26 @@
               <a:rPr lang="ko-KR" altLang="en-US" dirty="0"/>
               <a:t>이동거리</a:t>
             </a:r>
+            <a:endParaRPr lang="en-US" altLang="ko-KR" dirty="0"/>
+          </a:p>
+          <a:p>
+            <a:r>
+              <a:rPr lang="ko-KR" altLang="en-US" dirty="0"/>
+              <a:t>이동속도 </a:t>
+            </a:r>
+            <a:r>
+              <a:rPr lang="en-US" altLang="ko-KR" dirty="0"/>
+              <a:t>: </a:t>
+            </a:r>
+            <a:r>
+              <a:rPr lang="ko-KR" altLang="en-US" dirty="0"/>
+              <a:t>일반공격 속도의 </a:t>
+            </a:r>
+            <a:r>
+              <a:rPr lang="en-US" altLang="ko-KR" dirty="0"/>
+              <a:t>1/2</a:t>
+            </a:r>
+            <a:endParaRPr lang="ko-KR" altLang="en-US" dirty="0"/>
           </a:p>
         </p:txBody>
       </p:sp>
@@ -11902,7 +11732,7 @@
           </a:effectLst>
           <a:extLst>
             <a:ext uri="{C572A759-6A51-4108-AA02-DFA0A04FC94B}">
-              <ma14:wrappingTextBoxFlag xmlns:ma14="http://schemas.microsoft.com/office/mac/drawingml/2011/main" xmlns="" val="1"/>
+              <ma14:wrappingTextBoxFlag xmlns="" xmlns:ma14="http://schemas.microsoft.com/office/mac/drawingml/2011/main" val="1"/>
             </a:ext>
           </a:extLst>
         </p:spPr>
@@ -11955,7 +11785,7 @@
           </a:effectLst>
           <a:extLst>
             <a:ext uri="{C572A759-6A51-4108-AA02-DFA0A04FC94B}">
-              <ma14:wrappingTextBoxFlag xmlns:ma14="http://schemas.microsoft.com/office/mac/drawingml/2011/main" xmlns="" val="1"/>
+              <ma14:wrappingTextBoxFlag xmlns="" xmlns:ma14="http://schemas.microsoft.com/office/mac/drawingml/2011/main" val="1"/>
             </a:ext>
           </a:extLst>
         </p:spPr>
@@ -12008,7 +11838,7 @@
           </a:effectLst>
           <a:extLst>
             <a:ext uri="{C572A759-6A51-4108-AA02-DFA0A04FC94B}">
-              <ma14:wrappingTextBoxFlag xmlns:ma14="http://schemas.microsoft.com/office/mac/drawingml/2011/main" xmlns="" val="1"/>
+              <ma14:wrappingTextBoxFlag xmlns="" xmlns:ma14="http://schemas.microsoft.com/office/mac/drawingml/2011/main" val="1"/>
             </a:ext>
           </a:extLst>
         </p:spPr>
@@ -12060,7 +11890,7 @@
           </a:effectLst>
           <a:extLst>
             <a:ext uri="{C572A759-6A51-4108-AA02-DFA0A04FC94B}">
-              <ma14:wrappingTextBoxFlag xmlns:ma14="http://schemas.microsoft.com/office/mac/drawingml/2011/main" xmlns="" val="1"/>
+              <ma14:wrappingTextBoxFlag xmlns="" xmlns:ma14="http://schemas.microsoft.com/office/mac/drawingml/2011/main" val="1"/>
             </a:ext>
           </a:extLst>
         </p:spPr>
@@ -12113,7 +11943,7 @@
           </a:effectLst>
           <a:extLst>
             <a:ext uri="{C572A759-6A51-4108-AA02-DFA0A04FC94B}">
-              <ma14:wrappingTextBoxFlag xmlns:ma14="http://schemas.microsoft.com/office/mac/drawingml/2011/main" xmlns="" val="1"/>
+              <ma14:wrappingTextBoxFlag xmlns="" xmlns:ma14="http://schemas.microsoft.com/office/mac/drawingml/2011/main" val="1"/>
             </a:ext>
           </a:extLst>
         </p:spPr>
@@ -12145,8 +11975,8 @@
         </p:nvSpPr>
         <p:spPr>
           <a:xfrm>
-            <a:off x="507720" y="1193826"/>
-            <a:ext cx="2796493" cy="595035"/>
+            <a:off x="507720" y="1255381"/>
+            <a:ext cx="2796493" cy="471924"/>
           </a:xfrm>
           <a:prstGeom prst="rect">
             <a:avLst/>
@@ -12162,7 +11992,7 @@
           </a:ln>
           <a:extLst>
             <a:ext uri="{C572A759-6A51-4108-AA02-DFA0A04FC94B}">
-              <ma14:wrappingTextBoxFlag xmlns:ma14="http://schemas.microsoft.com/office/mac/drawingml/2011/main" xmlns="" val="1"/>
+              <ma14:wrappingTextBoxFlag xmlns="" xmlns:ma14="http://schemas.microsoft.com/office/mac/drawingml/2011/main" val="1"/>
             </a:ext>
           </a:extLst>
         </p:spPr>
@@ -12172,22 +12002,23 @@
           </a:bodyPr>
           <a:lstStyle/>
           <a:p>
-            <a:pPr>
+            <a:pPr algn="ctr">
               <a:defRPr sz="3200"/>
             </a:pPr>
             <a:r>
+              <a:rPr sz="2400"/>
               <a:t>옵션패널</a:t>
             </a:r>
             <a:r>
-              <a:rPr lang="en-US" altLang="ko-KR" dirty="0"/>
+              <a:rPr lang="en-US" altLang="ko-KR" sz="2400" dirty="0"/>
               <a:t> </a:t>
             </a:r>
             <a:r>
-              <a:rPr lang="ko-KR" altLang="en-US" dirty="0"/>
+              <a:rPr lang="ko-KR" altLang="en-US" sz="2400" dirty="0"/>
               <a:t>열</a:t>
             </a:r>
             <a:r>
-              <a:rPr dirty="0"/>
+              <a:rPr sz="2400" dirty="0"/>
               <a:t>기</a:t>
             </a:r>
           </a:p>
@@ -12201,8 +12032,8 @@
         </p:nvSpPr>
         <p:spPr>
           <a:xfrm>
-            <a:off x="9631050" y="182246"/>
-            <a:ext cx="1984076" cy="595035"/>
+            <a:off x="9631050" y="243801"/>
+            <a:ext cx="1984076" cy="471924"/>
           </a:xfrm>
           <a:prstGeom prst="rect">
             <a:avLst/>
@@ -12218,7 +12049,7 @@
           </a:ln>
           <a:extLst>
             <a:ext uri="{C572A759-6A51-4108-AA02-DFA0A04FC94B}">
-              <ma14:wrappingTextBoxFlag xmlns:ma14="http://schemas.microsoft.com/office/mac/drawingml/2011/main" xmlns="" val="1"/>
+              <ma14:wrappingTextBoxFlag xmlns="" xmlns:ma14="http://schemas.microsoft.com/office/mac/drawingml/2011/main" val="1"/>
             </a:ext>
           </a:extLst>
         </p:spPr>
@@ -12234,18 +12065,18 @@
           <a:p>
             <a:pPr algn="ctr"/>
             <a:r>
-              <a:rPr dirty="0" err="1"/>
+              <a:rPr sz="2400" dirty="0" err="1"/>
               <a:t>게임</a:t>
             </a:r>
             <a:r>
-              <a:rPr dirty="0"/>
+              <a:rPr sz="2400" dirty="0"/>
               <a:t> </a:t>
             </a:r>
             <a:r>
-              <a:rPr dirty="0" err="1"/>
+              <a:rPr sz="2400" dirty="0" err="1"/>
               <a:t>종료</a:t>
             </a:r>
-            <a:endParaRPr dirty="0"/>
+            <a:endParaRPr sz="2400" dirty="0"/>
           </a:p>
         </p:txBody>
       </p:sp>
@@ -12257,8 +12088,8 @@
         </p:nvSpPr>
         <p:spPr>
           <a:xfrm>
-            <a:off x="4031940" y="5879335"/>
-            <a:ext cx="4459382" cy="595035"/>
+            <a:off x="4031940" y="5940890"/>
+            <a:ext cx="4459382" cy="471924"/>
           </a:xfrm>
           <a:prstGeom prst="rect">
             <a:avLst/>
@@ -12274,7 +12105,7 @@
           </a:ln>
           <a:extLst>
             <a:ext uri="{C572A759-6A51-4108-AA02-DFA0A04FC94B}">
-              <ma14:wrappingTextBoxFlag xmlns:ma14="http://schemas.microsoft.com/office/mac/drawingml/2011/main" xmlns="" val="1"/>
+              <ma14:wrappingTextBoxFlag xmlns="" xmlns:ma14="http://schemas.microsoft.com/office/mac/drawingml/2011/main" val="1"/>
             </a:ext>
           </a:extLst>
         </p:spPr>
@@ -12284,38 +12115,38 @@
           </a:bodyPr>
           <a:lstStyle/>
           <a:p>
-            <a:pPr>
+            <a:pPr algn="ctr">
               <a:defRPr sz="3200"/>
             </a:pPr>
             <a:r>
-              <a:rPr dirty="0" err="1"/>
+              <a:rPr sz="2400" dirty="0" err="1"/>
               <a:t>플레이어</a:t>
             </a:r>
             <a:r>
-              <a:rPr dirty="0"/>
+              <a:rPr sz="2400" dirty="0"/>
               <a:t> </a:t>
             </a:r>
             <a:r>
-              <a:rPr dirty="0" err="1"/>
+              <a:rPr sz="2400" dirty="0" err="1"/>
               <a:t>선택</a:t>
             </a:r>
             <a:r>
-              <a:rPr lang="en-US" altLang="ko-KR" dirty="0"/>
+              <a:rPr lang="en-US" altLang="ko-KR" sz="2400" dirty="0"/>
               <a:t> </a:t>
             </a:r>
             <a:r>
-              <a:rPr dirty="0"/>
+              <a:rPr sz="2400" dirty="0"/>
               <a:t>씬</a:t>
             </a:r>
             <a:r>
-              <a:rPr lang="en-US" altLang="ko-KR" dirty="0"/>
+              <a:rPr lang="en-US" altLang="ko-KR" sz="2400" dirty="0"/>
               <a:t> </a:t>
             </a:r>
             <a:r>
-              <a:rPr dirty="0" err="1"/>
+              <a:rPr sz="2400" dirty="0" err="1"/>
               <a:t>열기</a:t>
             </a:r>
-            <a:endParaRPr dirty="0"/>
+            <a:endParaRPr sz="2400" dirty="0"/>
           </a:p>
         </p:txBody>
       </p:sp>
@@ -12327,8 +12158,8 @@
         </p:nvSpPr>
         <p:spPr>
           <a:xfrm>
-            <a:off x="9290797" y="4136916"/>
-            <a:ext cx="2756967" cy="595035"/>
+            <a:off x="9290797" y="4198471"/>
+            <a:ext cx="2756967" cy="471924"/>
           </a:xfrm>
           <a:prstGeom prst="rect">
             <a:avLst/>
@@ -12344,7 +12175,7 @@
           </a:ln>
           <a:extLst>
             <a:ext uri="{C572A759-6A51-4108-AA02-DFA0A04FC94B}">
-              <ma14:wrappingTextBoxFlag xmlns:ma14="http://schemas.microsoft.com/office/mac/drawingml/2011/main" xmlns="" val="1"/>
+              <ma14:wrappingTextBoxFlag xmlns="" xmlns:ma14="http://schemas.microsoft.com/office/mac/drawingml/2011/main" val="1"/>
             </a:ext>
           </a:extLst>
         </p:spPr>
@@ -12354,22 +12185,22 @@
           </a:bodyPr>
           <a:lstStyle/>
           <a:p>
-            <a:pPr>
+            <a:pPr algn="ctr">
               <a:defRPr sz="3200"/>
             </a:pPr>
             <a:r>
-              <a:rPr dirty="0" err="1"/>
+              <a:rPr sz="2400" dirty="0" err="1"/>
               <a:t>크레딧씬</a:t>
             </a:r>
             <a:r>
-              <a:rPr lang="en-US" altLang="ko-KR" dirty="0"/>
+              <a:rPr lang="en-US" altLang="ko-KR" sz="2400" dirty="0"/>
               <a:t> </a:t>
             </a:r>
             <a:r>
-              <a:rPr dirty="0" err="1"/>
+              <a:rPr sz="2400" dirty="0" err="1"/>
               <a:t>열기</a:t>
             </a:r>
-            <a:endParaRPr dirty="0"/>
+            <a:endParaRPr sz="2400" dirty="0"/>
           </a:p>
         </p:txBody>
       </p:sp>
@@ -12402,7 +12233,7 @@
               <a:avLst/>
             </a:prstGeom>
             <a:noFill/>
-            <a:ln w="63500" cap="flat">
+            <a:ln w="28575" cap="flat">
               <a:solidFill>
                 <a:srgbClr val="FF2600"/>
               </a:solidFill>
@@ -12440,7 +12271,7 @@
               <a:avLst/>
             </a:prstGeom>
             <a:noFill/>
-            <a:ln w="63500" cap="flat">
+            <a:ln w="28575" cap="flat">
               <a:solidFill>
                 <a:srgbClr val="FF2600"/>
               </a:solidFill>
@@ -12478,7 +12309,7 @@
           <a:prstGeom prst="line">
             <a:avLst/>
           </a:prstGeom>
-          <a:ln w="63500">
+          <a:ln w="28575">
             <a:solidFill>
               <a:srgbClr val="FF2600"/>
             </a:solidFill>
@@ -12511,7 +12342,7 @@
           <a:prstGeom prst="line">
             <a:avLst/>
           </a:prstGeom>
-          <a:ln w="63500">
+          <a:ln w="28575">
             <a:solidFill>
               <a:srgbClr val="FF2600"/>
             </a:solidFill>
@@ -12544,7 +12375,7 @@
           <a:prstGeom prst="line">
             <a:avLst/>
           </a:prstGeom>
-          <a:ln w="63500">
+          <a:ln w="28575">
             <a:solidFill>
               <a:srgbClr val="FF2600"/>
             </a:solidFill>
@@ -12571,8 +12402,8 @@
         </p:nvSpPr>
         <p:spPr>
           <a:xfrm>
-            <a:off x="2834946" y="239967"/>
-            <a:ext cx="3170423" cy="595035"/>
+            <a:off x="2834946" y="301522"/>
+            <a:ext cx="3170423" cy="471924"/>
           </a:xfrm>
           <a:prstGeom prst="rect">
             <a:avLst/>
@@ -12588,7 +12419,7 @@
           </a:ln>
           <a:extLst>
             <a:ext uri="{C572A759-6A51-4108-AA02-DFA0A04FC94B}">
-              <ma14:wrappingTextBoxFlag xmlns:ma14="http://schemas.microsoft.com/office/mac/drawingml/2011/main" xmlns="" val="1"/>
+              <ma14:wrappingTextBoxFlag xmlns="" xmlns:ma14="http://schemas.microsoft.com/office/mac/drawingml/2011/main" val="1"/>
             </a:ext>
           </a:extLst>
         </p:spPr>
@@ -12598,22 +12429,22 @@
           </a:bodyPr>
           <a:lstStyle/>
           <a:p>
-            <a:pPr>
+            <a:pPr algn="ctr">
               <a:defRPr sz="3200"/>
             </a:pPr>
             <a:r>
-              <a:rPr dirty="0" err="1"/>
+              <a:rPr sz="2400" dirty="0" err="1"/>
               <a:t>가이드패널</a:t>
             </a:r>
             <a:r>
-              <a:rPr dirty="0"/>
+              <a:rPr sz="2400" dirty="0"/>
               <a:t> </a:t>
             </a:r>
             <a:r>
-              <a:rPr dirty="0" err="1"/>
+              <a:rPr sz="2400" dirty="0" err="1"/>
               <a:t>열기</a:t>
             </a:r>
-            <a:endParaRPr dirty="0"/>
+            <a:endParaRPr sz="2400" dirty="0"/>
           </a:p>
         </p:txBody>
       </p:sp>
@@ -12646,7 +12477,7 @@
               <a:avLst/>
             </a:prstGeom>
             <a:noFill/>
-            <a:ln w="63500" cap="flat">
+            <a:ln w="28575" cap="flat">
               <a:solidFill>
                 <a:srgbClr val="FF2600"/>
               </a:solidFill>
@@ -12684,7 +12515,7 @@
               <a:avLst/>
             </a:prstGeom>
             <a:noFill/>
-            <a:ln w="63500" cap="flat">
+            <a:ln w="28575" cap="flat">
               <a:solidFill>
                 <a:srgbClr val="FF2600"/>
               </a:solidFill>
@@ -14753,7 +14584,7 @@
             </a:ln>
             <a:extLst>
               <a:ext uri="{C572A759-6A51-4108-AA02-DFA0A04FC94B}">
-                <ma14:wrappingTextBoxFlag xmlns:ma14="http://schemas.microsoft.com/office/mac/drawingml/2011/main" xmlns="" val="1"/>
+                <ma14:wrappingTextBoxFlag xmlns="" xmlns:ma14="http://schemas.microsoft.com/office/mac/drawingml/2011/main" val="1"/>
               </a:ext>
             </a:extLst>
           </p:spPr>
@@ -14797,7 +14628,7 @@
             </a:ln>
             <a:extLst>
               <a:ext uri="{C572A759-6A51-4108-AA02-DFA0A04FC94B}">
-                <ma14:wrappingTextBoxFlag xmlns:ma14="http://schemas.microsoft.com/office/mac/drawingml/2011/main" xmlns="" val="1"/>
+                <ma14:wrappingTextBoxFlag xmlns="" xmlns:ma14="http://schemas.microsoft.com/office/mac/drawingml/2011/main" val="1"/>
               </a:ext>
             </a:extLst>
           </p:spPr>
@@ -14841,7 +14672,7 @@
             </a:ln>
             <a:extLst>
               <a:ext uri="{C572A759-6A51-4108-AA02-DFA0A04FC94B}">
-                <ma14:wrappingTextBoxFlag xmlns:ma14="http://schemas.microsoft.com/office/mac/drawingml/2011/main" xmlns="" val="1"/>
+                <ma14:wrappingTextBoxFlag xmlns="" xmlns:ma14="http://schemas.microsoft.com/office/mac/drawingml/2011/main" val="1"/>
               </a:ext>
             </a:extLst>
           </p:spPr>
@@ -15002,7 +14833,7 @@
             </a:effectLst>
             <a:extLst>
               <a:ext uri="{C572A759-6A51-4108-AA02-DFA0A04FC94B}">
-                <ma14:wrappingTextBoxFlag xmlns:ma14="http://schemas.microsoft.com/office/mac/drawingml/2011/main" xmlns="" val="1"/>
+                <ma14:wrappingTextBoxFlag xmlns="" xmlns:ma14="http://schemas.microsoft.com/office/mac/drawingml/2011/main" val="1"/>
               </a:ext>
             </a:extLst>
           </p:spPr>
@@ -15062,7 +14893,7 @@
             </a:effectLst>
             <a:extLst>
               <a:ext uri="{C572A759-6A51-4108-AA02-DFA0A04FC94B}">
-                <ma14:wrappingTextBoxFlag xmlns:ma14="http://schemas.microsoft.com/office/mac/drawingml/2011/main" xmlns="" val="1"/>
+                <ma14:wrappingTextBoxFlag xmlns="" xmlns:ma14="http://schemas.microsoft.com/office/mac/drawingml/2011/main" val="1"/>
               </a:ext>
             </a:extLst>
           </p:spPr>
@@ -15117,7 +14948,7 @@
             </a:effectLst>
             <a:extLst>
               <a:ext uri="{C572A759-6A51-4108-AA02-DFA0A04FC94B}">
-                <ma14:wrappingTextBoxFlag xmlns:ma14="http://schemas.microsoft.com/office/mac/drawingml/2011/main" xmlns="" val="1"/>
+                <ma14:wrappingTextBoxFlag xmlns="" xmlns:ma14="http://schemas.microsoft.com/office/mac/drawingml/2011/main" val="1"/>
               </a:ext>
             </a:extLst>
           </p:spPr>
@@ -15161,7 +14992,7 @@
             </a:ln>
             <a:extLst>
               <a:ext uri="{C572A759-6A51-4108-AA02-DFA0A04FC94B}">
-                <ma14:wrappingTextBoxFlag xmlns:ma14="http://schemas.microsoft.com/office/mac/drawingml/2011/main" xmlns="" val="1"/>
+                <ma14:wrappingTextBoxFlag xmlns="" xmlns:ma14="http://schemas.microsoft.com/office/mac/drawingml/2011/main" val="1"/>
               </a:ext>
             </a:extLst>
           </p:spPr>
@@ -15356,7 +15187,7 @@
             </a:effectLst>
             <a:extLst>
               <a:ext uri="{C572A759-6A51-4108-AA02-DFA0A04FC94B}">
-                <ma14:wrappingTextBoxFlag xmlns:ma14="http://schemas.microsoft.com/office/mac/drawingml/2011/main" xmlns="" val="1"/>
+                <ma14:wrappingTextBoxFlag xmlns="" xmlns:ma14="http://schemas.microsoft.com/office/mac/drawingml/2011/main" val="1"/>
               </a:ext>
             </a:extLst>
           </p:spPr>
@@ -15534,8 +15365,8 @@
         </p:nvSpPr>
         <p:spPr>
           <a:xfrm>
-            <a:off x="5305524" y="162749"/>
-            <a:ext cx="1751694" cy="606400"/>
+            <a:off x="4682442" y="162749"/>
+            <a:ext cx="2374776" cy="606400"/>
           </a:xfrm>
           <a:prstGeom prst="rect">
             <a:avLst/>
@@ -15553,9 +15384,14 @@
           <a:p>
             <a:pPr algn="ctr"/>
             <a:r>
-              <a:rPr lang="ko" altLang="en-US" sz="2400" dirty="0"/>
-              <a:t>제한시간</a:t>
-            </a:r>
+              <a:rPr lang="ko" altLang="en-US" sz="2400"/>
+              <a:t>제한시간 </a:t>
+            </a:r>
+            <a:r>
+              <a:rPr lang="ko-KR" altLang="en-US" sz="2400" dirty="0"/>
+              <a:t>표시</a:t>
+            </a:r>
+            <a:endParaRPr lang="ko" altLang="en-US" sz="2400" dirty="0"/>
           </a:p>
         </p:txBody>
       </p:sp>
@@ -15626,7 +15462,7 @@
         </p:nvSpPr>
         <p:spPr>
           <a:xfrm>
-            <a:off x="7160888" y="115984"/>
+            <a:off x="7160888" y="160233"/>
             <a:ext cx="2528400" cy="606400"/>
           </a:xfrm>
           <a:prstGeom prst="rect">
@@ -16514,8 +16350,8 @@
         </p:nvCxnSpPr>
         <p:spPr>
           <a:xfrm flipV="1">
-            <a:off x="8229600" y="752104"/>
-            <a:ext cx="169401" cy="902757"/>
+            <a:off x="8230229" y="783294"/>
+            <a:ext cx="195488" cy="839012"/>
           </a:xfrm>
           <a:prstGeom prst="straightConnector1">
             <a:avLst/>
@@ -16543,9 +16379,9 @@
           <p:nvPr/>
         </p:nvCxnSpPr>
         <p:spPr>
-          <a:xfrm flipV="1">
-            <a:off x="6086054" y="769149"/>
-            <a:ext cx="95317" cy="1061183"/>
+          <a:xfrm flipH="1" flipV="1">
+            <a:off x="5869830" y="769149"/>
+            <a:ext cx="216224" cy="1061183"/>
           </a:xfrm>
           <a:prstGeom prst="straightConnector1">
             <a:avLst/>
@@ -16748,7 +16584,7 @@
             </a:effectLst>
             <a:extLst>
               <a:ext uri="{C572A759-6A51-4108-AA02-DFA0A04FC94B}">
-                <ma14:wrappingTextBoxFlag xmlns:ma14="http://schemas.microsoft.com/office/mac/drawingml/2011/main" xmlns="" val="1"/>
+                <ma14:wrappingTextBoxFlag xmlns="" xmlns:ma14="http://schemas.microsoft.com/office/mac/drawingml/2011/main" val="1"/>
               </a:ext>
             </a:extLst>
           </p:spPr>
@@ -16802,7 +16638,7 @@
             </a:effectLst>
             <a:extLst>
               <a:ext uri="{C572A759-6A51-4108-AA02-DFA0A04FC94B}">
-                <ma14:wrappingTextBoxFlag xmlns:ma14="http://schemas.microsoft.com/office/mac/drawingml/2011/main" xmlns="" val="1"/>
+                <ma14:wrappingTextBoxFlag xmlns="" xmlns:ma14="http://schemas.microsoft.com/office/mac/drawingml/2011/main" val="1"/>
               </a:ext>
             </a:extLst>
           </p:spPr>
@@ -16856,7 +16692,7 @@
             </a:effectLst>
             <a:extLst>
               <a:ext uri="{C572A759-6A51-4108-AA02-DFA0A04FC94B}">
-                <ma14:wrappingTextBoxFlag xmlns:ma14="http://schemas.microsoft.com/office/mac/drawingml/2011/main" xmlns="" val="1"/>
+                <ma14:wrappingTextBoxFlag xmlns="" xmlns:ma14="http://schemas.microsoft.com/office/mac/drawingml/2011/main" val="1"/>
               </a:ext>
             </a:extLst>
           </p:spPr>
@@ -16900,7 +16736,7 @@
             </a:ln>
             <a:extLst>
               <a:ext uri="{C572A759-6A51-4108-AA02-DFA0A04FC94B}">
-                <ma14:wrappingTextBoxFlag xmlns:ma14="http://schemas.microsoft.com/office/mac/drawingml/2011/main" xmlns="" val="1"/>
+                <ma14:wrappingTextBoxFlag xmlns="" xmlns:ma14="http://schemas.microsoft.com/office/mac/drawingml/2011/main" val="1"/>
               </a:ext>
             </a:extLst>
           </p:spPr>
@@ -17038,7 +16874,7 @@
             </a:ln>
             <a:extLst>
               <a:ext uri="{C572A759-6A51-4108-AA02-DFA0A04FC94B}">
-                <ma14:wrappingTextBoxFlag xmlns:ma14="http://schemas.microsoft.com/office/mac/drawingml/2011/main" xmlns="" val="1"/>
+                <ma14:wrappingTextBoxFlag xmlns="" xmlns:ma14="http://schemas.microsoft.com/office/mac/drawingml/2011/main" val="1"/>
               </a:ext>
             </a:extLst>
           </p:spPr>
@@ -17091,7 +16927,7 @@
             </a:ln>
             <a:extLst>
               <a:ext uri="{C572A759-6A51-4108-AA02-DFA0A04FC94B}">
-                <ma14:wrappingTextBoxFlag xmlns:ma14="http://schemas.microsoft.com/office/mac/drawingml/2011/main" xmlns="" val="1"/>
+                <ma14:wrappingTextBoxFlag xmlns="" xmlns:ma14="http://schemas.microsoft.com/office/mac/drawingml/2011/main" val="1"/>
               </a:ext>
             </a:extLst>
           </p:spPr>
@@ -17160,7 +16996,7 @@
             </a:ln>
             <a:extLst>
               <a:ext uri="{C572A759-6A51-4108-AA02-DFA0A04FC94B}">
-                <ma14:wrappingTextBoxFlag xmlns:ma14="http://schemas.microsoft.com/office/mac/drawingml/2011/main" xmlns="" val="1"/>
+                <ma14:wrappingTextBoxFlag xmlns="" xmlns:ma14="http://schemas.microsoft.com/office/mac/drawingml/2011/main" val="1"/>
               </a:ext>
             </a:extLst>
           </p:spPr>
@@ -17301,7 +17137,7 @@
             </a:ln>
             <a:extLst>
               <a:ext uri="{C572A759-6A51-4108-AA02-DFA0A04FC94B}">
-                <ma14:wrappingTextBoxFlag xmlns:ma14="http://schemas.microsoft.com/office/mac/drawingml/2011/main" xmlns="" val="1"/>
+                <ma14:wrappingTextBoxFlag xmlns="" xmlns:ma14="http://schemas.microsoft.com/office/mac/drawingml/2011/main" val="1"/>
               </a:ext>
             </a:extLst>
           </p:spPr>
@@ -17490,7 +17326,7 @@
             </a:ln>
             <a:extLst>
               <a:ext uri="{C572A759-6A51-4108-AA02-DFA0A04FC94B}">
-                <ma14:wrappingTextBoxFlag xmlns:ma14="http://schemas.microsoft.com/office/mac/drawingml/2011/main" xmlns="" val="1"/>
+                <ma14:wrappingTextBoxFlag xmlns="" xmlns:ma14="http://schemas.microsoft.com/office/mac/drawingml/2011/main" val="1"/>
               </a:ext>
             </a:extLst>
           </p:spPr>
@@ -17558,7 +17394,7 @@
             </a:effectLst>
             <a:extLst>
               <a:ext uri="{C572A759-6A51-4108-AA02-DFA0A04FC94B}">
-                <ma14:wrappingTextBoxFlag xmlns:ma14="http://schemas.microsoft.com/office/mac/drawingml/2011/main" xmlns="" val="1"/>
+                <ma14:wrappingTextBoxFlag xmlns="" xmlns:ma14="http://schemas.microsoft.com/office/mac/drawingml/2011/main" val="1"/>
               </a:ext>
             </a:extLst>
           </p:spPr>
@@ -17612,7 +17448,7 @@
             </a:effectLst>
             <a:extLst>
               <a:ext uri="{C572A759-6A51-4108-AA02-DFA0A04FC94B}">
-                <ma14:wrappingTextBoxFlag xmlns:ma14="http://schemas.microsoft.com/office/mac/drawingml/2011/main" xmlns="" val="1"/>
+                <ma14:wrappingTextBoxFlag xmlns="" xmlns:ma14="http://schemas.microsoft.com/office/mac/drawingml/2011/main" val="1"/>
               </a:ext>
             </a:extLst>
           </p:spPr>
@@ -17668,7 +17504,7 @@
             </a:effectLst>
             <a:extLst>
               <a:ext uri="{C572A759-6A51-4108-AA02-DFA0A04FC94B}">
-                <ma14:wrappingTextBoxFlag xmlns:ma14="http://schemas.microsoft.com/office/mac/drawingml/2011/main" xmlns="" val="1"/>
+                <ma14:wrappingTextBoxFlag xmlns="" xmlns:ma14="http://schemas.microsoft.com/office/mac/drawingml/2011/main" val="1"/>
               </a:ext>
             </a:extLst>
           </p:spPr>
@@ -17847,7 +17683,7 @@
             </a:ln>
             <a:extLst>
               <a:ext uri="{C572A759-6A51-4108-AA02-DFA0A04FC94B}">
-                <ma14:wrappingTextBoxFlag xmlns:ma14="http://schemas.microsoft.com/office/mac/drawingml/2011/main" xmlns="" val="1"/>
+                <ma14:wrappingTextBoxFlag xmlns="" xmlns:ma14="http://schemas.microsoft.com/office/mac/drawingml/2011/main" val="1"/>
               </a:ext>
             </a:extLst>
           </p:spPr>
@@ -17902,7 +17738,7 @@
             </a:effectLst>
             <a:extLst>
               <a:ext uri="{C572A759-6A51-4108-AA02-DFA0A04FC94B}">
-                <ma14:wrappingTextBoxFlag xmlns:ma14="http://schemas.microsoft.com/office/mac/drawingml/2011/main" xmlns="" val="1"/>
+                <ma14:wrappingTextBoxFlag xmlns="" xmlns:ma14="http://schemas.microsoft.com/office/mac/drawingml/2011/main" val="1"/>
               </a:ext>
             </a:extLst>
           </p:spPr>
@@ -17956,7 +17792,7 @@
             </a:effectLst>
             <a:extLst>
               <a:ext uri="{C572A759-6A51-4108-AA02-DFA0A04FC94B}">
-                <ma14:wrappingTextBoxFlag xmlns:ma14="http://schemas.microsoft.com/office/mac/drawingml/2011/main" xmlns="" val="1"/>
+                <ma14:wrappingTextBoxFlag xmlns="" xmlns:ma14="http://schemas.microsoft.com/office/mac/drawingml/2011/main" val="1"/>
               </a:ext>
             </a:extLst>
           </p:spPr>

--- a/Plan/Rocketman_씬&스킬구성.pptx
+++ b/Plan/Rocketman_씬&스킬구성.pptx
@@ -4572,7 +4572,7 @@
           </a:ln>
           <a:extLst>
             <a:ext uri="{C572A759-6A51-4108-AA02-DFA0A04FC94B}">
-              <ma14:wrappingTextBoxFlag xmlns="" xmlns:ma14="http://schemas.microsoft.com/office/mac/drawingml/2011/main" val="1"/>
+              <ma14:wrappingTextBoxFlag xmlns:ma14="http://schemas.microsoft.com/office/mac/drawingml/2011/main" xmlns="" val="1"/>
             </a:ext>
           </a:extLst>
         </p:spPr>
@@ -4626,7 +4626,7 @@
           </a:effectLst>
           <a:extLst>
             <a:ext uri="{C572A759-6A51-4108-AA02-DFA0A04FC94B}">
-              <ma14:wrappingTextBoxFlag xmlns="" xmlns:ma14="http://schemas.microsoft.com/office/mac/drawingml/2011/main" val="1"/>
+              <ma14:wrappingTextBoxFlag xmlns:ma14="http://schemas.microsoft.com/office/mac/drawingml/2011/main" xmlns="" val="1"/>
             </a:ext>
           </a:extLst>
         </p:spPr>
@@ -5255,130 +5255,6 @@
           </a:prstGeom>
         </p:spPr>
       </p:pic>
-      <p:cxnSp>
-        <p:nvCxnSpPr>
-          <p:cNvPr id="16" name="Shape 96"/>
-          <p:cNvCxnSpPr/>
-          <p:nvPr/>
-        </p:nvCxnSpPr>
-        <p:spPr>
-          <a:xfrm rot="10800000" flipH="1">
-            <a:off x="7841600" y="2679967"/>
-            <a:ext cx="1940000" cy="577600"/>
-          </a:xfrm>
-          <a:prstGeom prst="straightConnector1">
-            <a:avLst/>
-          </a:prstGeom>
-          <a:noFill/>
-          <a:ln w="9525" cap="flat" cmpd="sng">
-            <a:solidFill>
-              <a:schemeClr val="accent1"/>
-            </a:solidFill>
-            <a:prstDash val="solid"/>
-            <a:round/>
-            <a:headEnd type="none" w="lg" len="lg"/>
-            <a:tailEnd type="triangle" w="lg" len="lg"/>
-          </a:ln>
-        </p:spPr>
-      </p:cxnSp>
-      <p:cxnSp>
-        <p:nvCxnSpPr>
-          <p:cNvPr id="17" name="Shape 97"/>
-          <p:cNvCxnSpPr/>
-          <p:nvPr/>
-        </p:nvCxnSpPr>
-        <p:spPr>
-          <a:xfrm rot="10800000">
-            <a:off x="2011709" y="3249502"/>
-            <a:ext cx="1597200" cy="90400"/>
-          </a:xfrm>
-          <a:prstGeom prst="straightConnector1">
-            <a:avLst/>
-          </a:prstGeom>
-          <a:noFill/>
-          <a:ln w="9525" cap="flat" cmpd="sng">
-            <a:solidFill>
-              <a:schemeClr val="accent1"/>
-            </a:solidFill>
-            <a:prstDash val="solid"/>
-            <a:round/>
-            <a:headEnd type="none" w="lg" len="lg"/>
-            <a:tailEnd type="triangle" w="lg" len="lg"/>
-          </a:ln>
-        </p:spPr>
-      </p:cxnSp>
-      <p:sp>
-        <p:nvSpPr>
-          <p:cNvPr id="18" name="Shape 98"/>
-          <p:cNvSpPr txBox="1"/>
-          <p:nvPr/>
-        </p:nvSpPr>
-        <p:spPr>
-          <a:xfrm>
-            <a:off x="829299" y="2362367"/>
-            <a:ext cx="2528400" cy="606400"/>
-          </a:xfrm>
-          <a:prstGeom prst="rect">
-            <a:avLst/>
-          </a:prstGeom>
-          <a:noFill/>
-          <a:ln>
-            <a:noFill/>
-          </a:ln>
-        </p:spPr>
-        <p:txBody>
-          <a:bodyPr lIns="121900" tIns="121900" rIns="121900" bIns="121900" anchor="t" anchorCtr="0">
-            <a:noAutofit/>
-          </a:bodyPr>
-          <a:lstStyle/>
-          <a:p>
-            <a:r>
-              <a:rPr lang="ko" altLang="en-US" sz="2400" dirty="0"/>
-              <a:t>플레이어 </a:t>
-            </a:r>
-            <a:r>
-              <a:rPr lang="en-US" altLang="ko" sz="2400" dirty="0"/>
-              <a:t>1</a:t>
-            </a:r>
-          </a:p>
-        </p:txBody>
-      </p:sp>
-      <p:sp>
-        <p:nvSpPr>
-          <p:cNvPr id="20" name="Shape 100"/>
-          <p:cNvSpPr txBox="1"/>
-          <p:nvPr/>
-        </p:nvSpPr>
-        <p:spPr>
-          <a:xfrm>
-            <a:off x="9663613" y="2346183"/>
-            <a:ext cx="2528400" cy="606400"/>
-          </a:xfrm>
-          <a:prstGeom prst="rect">
-            <a:avLst/>
-          </a:prstGeom>
-          <a:noFill/>
-          <a:ln>
-            <a:noFill/>
-          </a:ln>
-        </p:spPr>
-        <p:txBody>
-          <a:bodyPr lIns="121900" tIns="121900" rIns="121900" bIns="121900" anchor="t" anchorCtr="0">
-            <a:noAutofit/>
-          </a:bodyPr>
-          <a:lstStyle/>
-          <a:p>
-            <a:r>
-              <a:rPr lang="ko" altLang="en-US" sz="2400" dirty="0"/>
-              <a:t>플레이어 </a:t>
-            </a:r>
-            <a:r>
-              <a:rPr lang="en-US" altLang="ko" sz="2400" dirty="0"/>
-              <a:t>2</a:t>
-            </a:r>
-          </a:p>
-        </p:txBody>
-      </p:sp>
       <p:pic>
         <p:nvPicPr>
           <p:cNvPr id="23" name="Shape 104"/>
@@ -5406,7 +5282,7 @@
         </p:blipFill>
         <p:spPr>
           <a:xfrm>
-            <a:off x="5836027" y="3339903"/>
+            <a:off x="5898849" y="3433303"/>
             <a:ext cx="461967" cy="461967"/>
           </a:xfrm>
           <a:prstGeom prst="rect">
@@ -5426,8 +5302,8 @@
         </p:nvSpPr>
         <p:spPr>
           <a:xfrm>
-            <a:off x="8862400" y="6048100"/>
-            <a:ext cx="3329600" cy="810000"/>
+            <a:off x="7992331" y="5970271"/>
+            <a:ext cx="3972756" cy="810000"/>
           </a:xfrm>
           <a:prstGeom prst="rect">
             <a:avLst/>
@@ -5446,46 +5322,40 @@
           <a:lstStyle/>
           <a:p>
             <a:r>
-              <a:rPr lang="ko" altLang="en-US" sz="1333" b="1"/>
+              <a:rPr lang="ko" altLang="en-US" sz="1333" b="1" dirty="0"/>
               <a:t>기둥</a:t>
             </a:r>
             <a:r>
-              <a:rPr lang="en-US" altLang="ko" sz="1333" b="1"/>
+              <a:rPr lang="en-US" altLang="ko" sz="1333" b="1" dirty="0"/>
               <a:t>:</a:t>
             </a:r>
             <a:r>
-              <a:rPr lang="ko" altLang="en-US" sz="1333"/>
+              <a:rPr lang="ko" altLang="en-US" sz="1333" dirty="0"/>
               <a:t> 맵에서 랜덤하게 생성</a:t>
             </a:r>
-          </a:p>
-          <a:p>
-            <a:r>
-              <a:rPr lang="ko" altLang="en-US" sz="1333"/>
+            <a:r>
+              <a:rPr lang="en-US" altLang="ko" sz="1333" dirty="0"/>
+              <a:t>, </a:t>
+            </a:r>
+            <a:r>
+              <a:rPr lang="ko" altLang="en-US" sz="1333" dirty="0"/>
               <a:t>엄폐물 역할</a:t>
             </a:r>
             <a:r>
-              <a:rPr lang="en-US" altLang="ko" sz="1333"/>
-              <a:t>, </a:t>
-            </a:r>
-            <a:r>
-              <a:rPr lang="ko" altLang="en-US" sz="1333"/>
-              <a:t>공격을 받을 수 있다</a:t>
-            </a:r>
-            <a:r>
-              <a:rPr lang="en-US" altLang="ko" sz="1333"/>
-              <a:t>. 1~2</a:t>
-            </a:r>
-            <a:r>
-              <a:rPr lang="ko" altLang="en-US" sz="1333"/>
-              <a:t>의 체력을 가지며 체력이 </a:t>
-            </a:r>
-            <a:r>
-              <a:rPr lang="en-US" altLang="ko" sz="1333"/>
-              <a:t>0</a:t>
-            </a:r>
-            <a:r>
-              <a:rPr lang="ko" altLang="en-US" sz="1333"/>
-              <a:t>이 되면 사라짐</a:t>
+              <a:rPr lang="en-US" altLang="ko" sz="1333" dirty="0"/>
+              <a:t>, 2</a:t>
+            </a:r>
+            <a:r>
+              <a:rPr lang="ko" altLang="en-US" sz="1333" dirty="0"/>
+              <a:t>의 체력을 가지며 </a:t>
+            </a:r>
+            <a:r>
+              <a:rPr lang="ko-KR" altLang="en-US" sz="1333" dirty="0"/>
+              <a:t>두 번 공격받으면</a:t>
+            </a:r>
+            <a:r>
+              <a:rPr lang="ko" altLang="en-US" sz="1333" dirty="0"/>
+              <a:t> 사라짐</a:t>
             </a:r>
           </a:p>
         </p:txBody>
@@ -5534,8 +5404,8 @@
         </p:nvCxnSpPr>
         <p:spPr>
           <a:xfrm>
-            <a:off x="7502783" y="4723400"/>
-            <a:ext cx="2160800" cy="810800"/>
+            <a:off x="6227657" y="4556194"/>
+            <a:ext cx="1901275" cy="1565913"/>
           </a:xfrm>
           <a:prstGeom prst="straightConnector1">
             <a:avLst/>
@@ -5604,7 +5474,7 @@
         </p:blipFill>
         <p:spPr>
           <a:xfrm>
-            <a:off x="6466311" y="3269115"/>
+            <a:off x="6555219" y="3185842"/>
             <a:ext cx="812698" cy="812698"/>
           </a:xfrm>
           <a:prstGeom prst="rect">
@@ -5621,7 +5491,7 @@
         <p:spPr>
           <a:xfrm>
             <a:off x="2644629" y="780284"/>
-            <a:ext cx="1107996" cy="646331"/>
+            <a:ext cx="2113079" cy="369332"/>
           </a:xfrm>
           <a:prstGeom prst="rect">
             <a:avLst/>
@@ -5636,11 +5506,8 @@
           <a:p>
             <a:r>
               <a:rPr lang="ko-KR" altLang="en-US" dirty="0"/>
-              <a:t>제한시간</a:t>
-            </a:r>
-            <a:endParaRPr lang="en-US" altLang="ko-KR" dirty="0"/>
-          </a:p>
-          <a:p>
+              <a:t>제한시간 </a:t>
+            </a:r>
             <a:r>
               <a:rPr lang="ko-KR" altLang="en-US" dirty="0" err="1"/>
               <a:t>서든데스</a:t>
@@ -5707,6 +5574,34 @@
           <a:xfrm>
             <a:off x="5955963" y="3984463"/>
             <a:ext cx="352117" cy="647813"/>
+          </a:xfrm>
+          <a:prstGeom prst="rect">
+            <a:avLst/>
+          </a:prstGeom>
+          <a:noFill/>
+          <a:ln>
+            <a:noFill/>
+          </a:ln>
+        </p:spPr>
+      </p:pic>
+      <p:pic>
+        <p:nvPicPr>
+          <p:cNvPr id="19" name="Shape 89"/>
+          <p:cNvPicPr preferRelativeResize="0"/>
+          <p:nvPr/>
+        </p:nvPicPr>
+        <p:blipFill>
+          <a:blip r:embed="rId8">
+            <a:alphaModFix/>
+          </a:blip>
+          <a:stretch>
+            <a:fillRect/>
+          </a:stretch>
+        </p:blipFill>
+        <p:spPr>
+          <a:xfrm>
+            <a:off x="4831392" y="734516"/>
+            <a:ext cx="848167" cy="460868"/>
           </a:xfrm>
           <a:prstGeom prst="rect">
             <a:avLst/>
@@ -5747,6 +5642,56 @@
           <a:chExt cx="0" cy="0"/>
         </a:xfrm>
       </p:grpSpPr>
+      <p:sp>
+        <p:nvSpPr>
+          <p:cNvPr id="2" name="직사각형 1"/>
+          <p:cNvSpPr/>
+          <p:nvPr/>
+        </p:nvSpPr>
+        <p:spPr>
+          <a:xfrm>
+            <a:off x="3112220" y="427203"/>
+            <a:ext cx="7122350" cy="1342239"/>
+          </a:xfrm>
+          <a:prstGeom prst="rect">
+            <a:avLst/>
+          </a:prstGeom>
+          <a:solidFill>
+            <a:schemeClr val="bg2"/>
+          </a:solidFill>
+          <a:ln>
+            <a:solidFill>
+              <a:schemeClr val="bg2">
+                <a:lumMod val="90000"/>
+              </a:schemeClr>
+            </a:solidFill>
+          </a:ln>
+        </p:spPr>
+        <p:style>
+          <a:lnRef idx="2">
+            <a:schemeClr val="accent1">
+              <a:shade val="50000"/>
+            </a:schemeClr>
+          </a:lnRef>
+          <a:fillRef idx="1">
+            <a:schemeClr val="accent1"/>
+          </a:fillRef>
+          <a:effectRef idx="0">
+            <a:schemeClr val="accent1"/>
+          </a:effectRef>
+          <a:fontRef idx="minor">
+            <a:schemeClr val="lt1"/>
+          </a:fontRef>
+        </p:style>
+        <p:txBody>
+          <a:bodyPr rtlCol="0" anchor="ctr"/>
+          <a:lstStyle/>
+          <a:p>
+            <a:pPr algn="ctr"/>
+            <a:endParaRPr lang="ko-KR" altLang="en-US"/>
+          </a:p>
+        </p:txBody>
+      </p:sp>
       <p:pic>
         <p:nvPicPr>
           <p:cNvPr id="6" name="그림 5"/>
@@ -5769,7 +5714,7 @@
         </p:blipFill>
         <p:spPr>
           <a:xfrm>
-            <a:off x="1185607" y="1460678"/>
+            <a:off x="3335392" y="612251"/>
             <a:ext cx="987141" cy="987141"/>
           </a:xfrm>
           <a:prstGeom prst="rect">
@@ -5777,9 +5722,205 @@
           </a:prstGeom>
         </p:spPr>
       </p:pic>
+      <p:sp>
+        <p:nvSpPr>
+          <p:cNvPr id="14" name="TextBox 13"/>
+          <p:cNvSpPr txBox="1"/>
+          <p:nvPr/>
+        </p:nvSpPr>
+        <p:spPr>
+          <a:xfrm>
+            <a:off x="4431590" y="625877"/>
+            <a:ext cx="1531188" cy="923330"/>
+          </a:xfrm>
+          <a:prstGeom prst="rect">
+            <a:avLst/>
+          </a:prstGeom>
+          <a:noFill/>
+        </p:spPr>
+        <p:txBody>
+          <a:bodyPr wrap="square" rtlCol="0">
+            <a:spAutoFit/>
+          </a:bodyPr>
+          <a:lstStyle/>
+          <a:p>
+            <a:r>
+              <a:rPr lang="en-US" altLang="ko-KR" dirty="0"/>
+              <a:t>HP : 3</a:t>
+            </a:r>
+          </a:p>
+          <a:p>
+            <a:r>
+              <a:rPr lang="en-US" altLang="ko-KR" dirty="0"/>
+              <a:t>MP : 1000</a:t>
+            </a:r>
+          </a:p>
+          <a:p>
+            <a:r>
+              <a:rPr lang="ko-KR" altLang="en-US" dirty="0"/>
+              <a:t>이동속도 </a:t>
+            </a:r>
+            <a:r>
+              <a:rPr lang="en-US" altLang="ko-KR" dirty="0"/>
+              <a:t>: 1 </a:t>
+            </a:r>
+            <a:endParaRPr lang="ko-KR" altLang="en-US" dirty="0"/>
+          </a:p>
+        </p:txBody>
+      </p:sp>
+      <p:sp>
+        <p:nvSpPr>
+          <p:cNvPr id="11" name="직사각형 10"/>
+          <p:cNvSpPr/>
+          <p:nvPr/>
+        </p:nvSpPr>
+        <p:spPr>
+          <a:xfrm>
+            <a:off x="3112220" y="3549580"/>
+            <a:ext cx="7122350" cy="1342239"/>
+          </a:xfrm>
+          <a:prstGeom prst="rect">
+            <a:avLst/>
+          </a:prstGeom>
+          <a:solidFill>
+            <a:schemeClr val="bg2"/>
+          </a:solidFill>
+          <a:ln>
+            <a:solidFill>
+              <a:schemeClr val="bg2">
+                <a:lumMod val="90000"/>
+              </a:schemeClr>
+            </a:solidFill>
+          </a:ln>
+        </p:spPr>
+        <p:style>
+          <a:lnRef idx="2">
+            <a:schemeClr val="accent1">
+              <a:shade val="50000"/>
+            </a:schemeClr>
+          </a:lnRef>
+          <a:fillRef idx="1">
+            <a:schemeClr val="accent1"/>
+          </a:fillRef>
+          <a:effectRef idx="0">
+            <a:schemeClr val="accent1"/>
+          </a:effectRef>
+          <a:fontRef idx="minor">
+            <a:schemeClr val="lt1"/>
+          </a:fontRef>
+        </p:style>
+        <p:txBody>
+          <a:bodyPr rtlCol="0" anchor="ctr"/>
+          <a:lstStyle/>
+          <a:p>
+            <a:pPr algn="ctr"/>
+            <a:endParaRPr lang="ko-KR" altLang="en-US"/>
+          </a:p>
+        </p:txBody>
+      </p:sp>
+      <p:sp>
+        <p:nvSpPr>
+          <p:cNvPr id="13" name="직사각형 12"/>
+          <p:cNvSpPr/>
+          <p:nvPr/>
+        </p:nvSpPr>
+        <p:spPr>
+          <a:xfrm>
+            <a:off x="3112220" y="5115802"/>
+            <a:ext cx="7122350" cy="1342239"/>
+          </a:xfrm>
+          <a:prstGeom prst="rect">
+            <a:avLst/>
+          </a:prstGeom>
+          <a:solidFill>
+            <a:schemeClr val="bg2"/>
+          </a:solidFill>
+          <a:ln>
+            <a:solidFill>
+              <a:schemeClr val="bg2">
+                <a:lumMod val="90000"/>
+              </a:schemeClr>
+            </a:solidFill>
+          </a:ln>
+        </p:spPr>
+        <p:style>
+          <a:lnRef idx="2">
+            <a:schemeClr val="accent1">
+              <a:shade val="50000"/>
+            </a:schemeClr>
+          </a:lnRef>
+          <a:fillRef idx="1">
+            <a:schemeClr val="accent1"/>
+          </a:fillRef>
+          <a:effectRef idx="0">
+            <a:schemeClr val="accent1"/>
+          </a:effectRef>
+          <a:fontRef idx="minor">
+            <a:schemeClr val="lt1"/>
+          </a:fontRef>
+        </p:style>
+        <p:txBody>
+          <a:bodyPr rtlCol="0" anchor="ctr"/>
+          <a:lstStyle/>
+          <a:p>
+            <a:pPr algn="ctr"/>
+            <a:endParaRPr lang="ko-KR" altLang="en-US"/>
+          </a:p>
+        </p:txBody>
+      </p:sp>
+      <p:sp>
+        <p:nvSpPr>
+          <p:cNvPr id="15" name="직사각형 14"/>
+          <p:cNvSpPr/>
+          <p:nvPr/>
+        </p:nvSpPr>
+        <p:spPr>
+          <a:xfrm>
+            <a:off x="3112220" y="1993425"/>
+            <a:ext cx="7122350" cy="1342239"/>
+          </a:xfrm>
+          <a:prstGeom prst="rect">
+            <a:avLst/>
+          </a:prstGeom>
+          <a:solidFill>
+            <a:schemeClr val="bg2"/>
+          </a:solidFill>
+          <a:ln>
+            <a:solidFill>
+              <a:schemeClr val="bg2">
+                <a:lumMod val="90000"/>
+              </a:schemeClr>
+            </a:solidFill>
+          </a:ln>
+        </p:spPr>
+        <p:style>
+          <a:lnRef idx="2">
+            <a:schemeClr val="accent1">
+              <a:shade val="50000"/>
+            </a:schemeClr>
+          </a:lnRef>
+          <a:fillRef idx="1">
+            <a:schemeClr val="accent1"/>
+          </a:fillRef>
+          <a:effectRef idx="0">
+            <a:schemeClr val="accent1"/>
+          </a:effectRef>
+          <a:fontRef idx="minor">
+            <a:schemeClr val="lt1"/>
+          </a:fontRef>
+        </p:style>
+        <p:txBody>
+          <a:bodyPr rtlCol="0" anchor="ctr"/>
+          <a:lstStyle/>
+          <a:p>
+            <a:pPr algn="ctr"/>
+            <a:endParaRPr lang="ko-KR" altLang="en-US"/>
+          </a:p>
+        </p:txBody>
+      </p:sp>
       <p:pic>
         <p:nvPicPr>
-          <p:cNvPr id="8" name="그림 7"/>
+          <p:cNvPr id="17" name="그림 16"/>
           <p:cNvPicPr>
             <a:picLocks noChangeAspect="1"/>
           </p:cNvPicPr>
@@ -5799,17 +5940,63 @@
         </p:blipFill>
         <p:spPr>
           <a:xfrm>
-            <a:off x="1272828" y="4523246"/>
-            <a:ext cx="812698" cy="812698"/>
+            <a:off x="3335392" y="2208122"/>
+            <a:ext cx="958111" cy="958111"/>
           </a:xfrm>
           <a:prstGeom prst="rect">
             <a:avLst/>
           </a:prstGeom>
         </p:spPr>
       </p:pic>
+      <p:sp>
+        <p:nvSpPr>
+          <p:cNvPr id="21" name="TextBox 20"/>
+          <p:cNvSpPr txBox="1"/>
+          <p:nvPr/>
+        </p:nvSpPr>
+        <p:spPr>
+          <a:xfrm>
+            <a:off x="4431590" y="2202879"/>
+            <a:ext cx="1887524" cy="923330"/>
+          </a:xfrm>
+          <a:prstGeom prst="rect">
+            <a:avLst/>
+          </a:prstGeom>
+          <a:noFill/>
+        </p:spPr>
+        <p:txBody>
+          <a:bodyPr wrap="square" rtlCol="0">
+            <a:spAutoFit/>
+          </a:bodyPr>
+          <a:lstStyle/>
+          <a:p>
+            <a:r>
+              <a:rPr lang="en-US" altLang="ko-KR" dirty="0"/>
+              <a:t>HP : 3</a:t>
+            </a:r>
+          </a:p>
+          <a:p>
+            <a:r>
+              <a:rPr lang="en-US" altLang="ko-KR" dirty="0"/>
+              <a:t>MP : 1000</a:t>
+            </a:r>
+          </a:p>
+          <a:p>
+            <a:r>
+              <a:rPr lang="ko-KR" altLang="en-US" dirty="0"/>
+              <a:t>이동속도 </a:t>
+            </a:r>
+            <a:r>
+              <a:rPr lang="en-US" altLang="ko-KR" dirty="0"/>
+              <a:t>: 1.3</a:t>
+            </a:r>
+            <a:endParaRPr lang="ko-KR" altLang="en-US" dirty="0"/>
+          </a:p>
+        </p:txBody>
+      </p:sp>
       <p:pic>
         <p:nvPicPr>
-          <p:cNvPr id="10" name="그림 9"/>
+          <p:cNvPr id="22" name="그림 21"/>
           <p:cNvPicPr>
             <a:picLocks noChangeAspect="1"/>
           </p:cNvPicPr>
@@ -5829,17 +6016,63 @@
         </p:blipFill>
         <p:spPr>
           <a:xfrm>
-            <a:off x="1184762" y="2447818"/>
-            <a:ext cx="958111" cy="958111"/>
+            <a:off x="3420129" y="3756170"/>
+            <a:ext cx="812698" cy="812698"/>
           </a:xfrm>
           <a:prstGeom prst="rect">
             <a:avLst/>
           </a:prstGeom>
         </p:spPr>
       </p:pic>
+      <p:sp>
+        <p:nvSpPr>
+          <p:cNvPr id="23" name="TextBox 22"/>
+          <p:cNvSpPr txBox="1"/>
+          <p:nvPr/>
+        </p:nvSpPr>
+        <p:spPr>
+          <a:xfrm>
+            <a:off x="4431590" y="3756170"/>
+            <a:ext cx="1627369" cy="923330"/>
+          </a:xfrm>
+          <a:prstGeom prst="rect">
+            <a:avLst/>
+          </a:prstGeom>
+          <a:noFill/>
+        </p:spPr>
+        <p:txBody>
+          <a:bodyPr wrap="square" rtlCol="0">
+            <a:spAutoFit/>
+          </a:bodyPr>
+          <a:lstStyle/>
+          <a:p>
+            <a:r>
+              <a:rPr lang="en-US" altLang="ko-KR" dirty="0"/>
+              <a:t>HP : 5</a:t>
+            </a:r>
+          </a:p>
+          <a:p>
+            <a:r>
+              <a:rPr lang="en-US" altLang="ko-KR" dirty="0"/>
+              <a:t>MP : 1000</a:t>
+            </a:r>
+          </a:p>
+          <a:p>
+            <a:r>
+              <a:rPr lang="ko-KR" altLang="en-US" dirty="0"/>
+              <a:t>이동속도 </a:t>
+            </a:r>
+            <a:r>
+              <a:rPr lang="en-US" altLang="ko-KR" dirty="0"/>
+              <a:t>: 0.7</a:t>
+            </a:r>
+            <a:endParaRPr lang="ko-KR" altLang="en-US" dirty="0"/>
+          </a:p>
+        </p:txBody>
+      </p:sp>
       <p:pic>
         <p:nvPicPr>
-          <p:cNvPr id="12" name="그림 11"/>
+          <p:cNvPr id="24" name="그림 23"/>
           <p:cNvPicPr>
             <a:picLocks noChangeAspect="1"/>
           </p:cNvPicPr>
@@ -5859,7 +6092,7 @@
         </p:blipFill>
         <p:spPr>
           <a:xfrm>
-            <a:off x="1257468" y="3470944"/>
+            <a:off x="3420129" y="5360117"/>
             <a:ext cx="812698" cy="812698"/>
           </a:xfrm>
           <a:prstGeom prst="rect">
@@ -5869,14 +6102,14 @@
       </p:pic>
       <p:sp>
         <p:nvSpPr>
-          <p:cNvPr id="14" name="TextBox 13"/>
+          <p:cNvPr id="25" name="TextBox 24"/>
           <p:cNvSpPr txBox="1"/>
           <p:nvPr/>
         </p:nvSpPr>
         <p:spPr>
           <a:xfrm>
-            <a:off x="2172748" y="1492583"/>
-            <a:ext cx="1531188" cy="923330"/>
+            <a:off x="4431590" y="5325256"/>
+            <a:ext cx="1449436" cy="923330"/>
           </a:xfrm>
           <a:prstGeom prst="rect">
             <a:avLst/>
@@ -5907,7 +6140,7 @@
             </a:r>
             <a:r>
               <a:rPr lang="en-US" altLang="ko-KR" dirty="0"/>
-              <a:t>: 1 </a:t>
+              <a:t>: 1</a:t>
             </a:r>
             <a:endParaRPr lang="ko-KR" altLang="en-US" dirty="0"/>
           </a:p>
@@ -5915,139 +6148,750 @@
       </p:sp>
       <p:sp>
         <p:nvSpPr>
-          <p:cNvPr id="18" name="TextBox 17"/>
-          <p:cNvSpPr txBox="1"/>
-          <p:nvPr/>
-        </p:nvSpPr>
-        <p:spPr>
-          <a:xfrm>
-            <a:off x="2172748" y="2465209"/>
-            <a:ext cx="1449436" cy="923330"/>
-          </a:xfrm>
-          <a:prstGeom prst="rect">
-            <a:avLst/>
-          </a:prstGeom>
-          <a:noFill/>
-        </p:spPr>
-        <p:txBody>
-          <a:bodyPr wrap="square" rtlCol="0">
-            <a:spAutoFit/>
-          </a:bodyPr>
-          <a:lstStyle/>
-          <a:p>
-            <a:r>
-              <a:rPr lang="en-US" altLang="ko-KR" dirty="0"/>
-              <a:t>HP : 2</a:t>
-            </a:r>
-          </a:p>
-          <a:p>
-            <a:r>
-              <a:rPr lang="en-US" altLang="ko-KR" dirty="0"/>
-              <a:t>MP : 1000</a:t>
-            </a:r>
-          </a:p>
-          <a:p>
-            <a:r>
-              <a:rPr lang="ko-KR" altLang="en-US" dirty="0"/>
-              <a:t>이동속도 </a:t>
-            </a:r>
-            <a:r>
-              <a:rPr lang="en-US" altLang="ko-KR" dirty="0"/>
-              <a:t>: 2</a:t>
-            </a:r>
-            <a:endParaRPr lang="ko-KR" altLang="en-US" dirty="0"/>
-          </a:p>
-        </p:txBody>
-      </p:sp>
-      <p:sp>
-        <p:nvSpPr>
-          <p:cNvPr id="19" name="TextBox 18"/>
-          <p:cNvSpPr txBox="1"/>
-          <p:nvPr/>
-        </p:nvSpPr>
-        <p:spPr>
-          <a:xfrm>
-            <a:off x="2172748" y="3437835"/>
-            <a:ext cx="1627369" cy="923330"/>
-          </a:xfrm>
-          <a:prstGeom prst="rect">
-            <a:avLst/>
-          </a:prstGeom>
-          <a:noFill/>
-        </p:spPr>
-        <p:txBody>
-          <a:bodyPr wrap="square" rtlCol="0">
-            <a:spAutoFit/>
-          </a:bodyPr>
-          <a:lstStyle/>
-          <a:p>
-            <a:r>
-              <a:rPr lang="en-US" altLang="ko-KR" dirty="0"/>
-              <a:t>HP : 5</a:t>
-            </a:r>
-          </a:p>
-          <a:p>
-            <a:r>
-              <a:rPr lang="en-US" altLang="ko-KR" dirty="0"/>
-              <a:t>MP : 1000</a:t>
-            </a:r>
-          </a:p>
-          <a:p>
-            <a:r>
-              <a:rPr lang="ko-KR" altLang="en-US" dirty="0"/>
-              <a:t>이동속도 </a:t>
-            </a:r>
-            <a:r>
-              <a:rPr lang="en-US" altLang="ko-KR" dirty="0"/>
-              <a:t>: 0.5</a:t>
-            </a:r>
-            <a:endParaRPr lang="ko-KR" altLang="en-US" dirty="0"/>
-          </a:p>
-        </p:txBody>
-      </p:sp>
-      <p:sp>
-        <p:nvSpPr>
-          <p:cNvPr id="20" name="TextBox 19"/>
-          <p:cNvSpPr txBox="1"/>
-          <p:nvPr/>
-        </p:nvSpPr>
-        <p:spPr>
-          <a:xfrm>
-            <a:off x="2172748" y="4412614"/>
-            <a:ext cx="1449436" cy="923330"/>
-          </a:xfrm>
-          <a:prstGeom prst="rect">
-            <a:avLst/>
-          </a:prstGeom>
-          <a:noFill/>
-        </p:spPr>
-        <p:txBody>
-          <a:bodyPr wrap="square" rtlCol="0">
-            <a:spAutoFit/>
-          </a:bodyPr>
-          <a:lstStyle/>
-          <a:p>
-            <a:r>
-              <a:rPr lang="en-US" altLang="ko-KR" dirty="0"/>
-              <a:t>HP : 3</a:t>
-            </a:r>
-          </a:p>
-          <a:p>
-            <a:r>
-              <a:rPr lang="en-US" altLang="ko-KR" dirty="0"/>
-              <a:t>MP : 1000</a:t>
-            </a:r>
-          </a:p>
-          <a:p>
-            <a:r>
-              <a:rPr lang="ko-KR" altLang="en-US" dirty="0"/>
-              <a:t>이동속도 </a:t>
-            </a:r>
-            <a:r>
-              <a:rPr lang="en-US" altLang="ko-KR" dirty="0"/>
-              <a:t>: 1</a:t>
-            </a:r>
-            <a:endParaRPr lang="ko-KR" altLang="en-US" dirty="0"/>
+          <p:cNvPr id="4" name="직사각형 3"/>
+          <p:cNvSpPr/>
+          <p:nvPr/>
+        </p:nvSpPr>
+        <p:spPr>
+          <a:xfrm>
+            <a:off x="6319114" y="612251"/>
+            <a:ext cx="1105239" cy="973515"/>
+          </a:xfrm>
+          <a:prstGeom prst="rect">
+            <a:avLst/>
+          </a:prstGeom>
+          <a:solidFill>
+            <a:schemeClr val="bg2">
+              <a:lumMod val="90000"/>
+            </a:schemeClr>
+          </a:solidFill>
+          <a:ln>
+            <a:solidFill>
+              <a:schemeClr val="bg2">
+                <a:lumMod val="50000"/>
+              </a:schemeClr>
+            </a:solidFill>
+          </a:ln>
+        </p:spPr>
+        <p:style>
+          <a:lnRef idx="2">
+            <a:schemeClr val="accent1">
+              <a:shade val="50000"/>
+            </a:schemeClr>
+          </a:lnRef>
+          <a:fillRef idx="1">
+            <a:schemeClr val="accent1"/>
+          </a:fillRef>
+          <a:effectRef idx="0">
+            <a:schemeClr val="accent1"/>
+          </a:effectRef>
+          <a:fontRef idx="minor">
+            <a:schemeClr val="lt1"/>
+          </a:fontRef>
+        </p:style>
+        <p:txBody>
+          <a:bodyPr rtlCol="0" anchor="ctr"/>
+          <a:lstStyle/>
+          <a:p>
+            <a:pPr algn="ctr"/>
+            <a:r>
+              <a:rPr lang="ko-KR" altLang="en-US" dirty="0" err="1">
+                <a:solidFill>
+                  <a:schemeClr val="tx1"/>
+                </a:solidFill>
+              </a:rPr>
+              <a:t>부스터</a:t>
+            </a:r>
+            <a:endParaRPr lang="ko-KR" altLang="en-US" dirty="0">
+              <a:solidFill>
+                <a:schemeClr val="tx1"/>
+              </a:solidFill>
+            </a:endParaRPr>
+          </a:p>
+        </p:txBody>
+      </p:sp>
+      <p:sp>
+        <p:nvSpPr>
+          <p:cNvPr id="26" name="직사각형 25"/>
+          <p:cNvSpPr/>
+          <p:nvPr/>
+        </p:nvSpPr>
+        <p:spPr>
+          <a:xfrm>
+            <a:off x="7619407" y="612251"/>
+            <a:ext cx="1105239" cy="973515"/>
+          </a:xfrm>
+          <a:prstGeom prst="rect">
+            <a:avLst/>
+          </a:prstGeom>
+          <a:solidFill>
+            <a:schemeClr val="bg2">
+              <a:lumMod val="90000"/>
+            </a:schemeClr>
+          </a:solidFill>
+          <a:ln>
+            <a:solidFill>
+              <a:schemeClr val="bg2">
+                <a:lumMod val="50000"/>
+              </a:schemeClr>
+            </a:solidFill>
+          </a:ln>
+        </p:spPr>
+        <p:style>
+          <a:lnRef idx="2">
+            <a:schemeClr val="accent1">
+              <a:shade val="50000"/>
+            </a:schemeClr>
+          </a:lnRef>
+          <a:fillRef idx="1">
+            <a:schemeClr val="accent1"/>
+          </a:fillRef>
+          <a:effectRef idx="0">
+            <a:schemeClr val="accent1"/>
+          </a:effectRef>
+          <a:fontRef idx="minor">
+            <a:schemeClr val="lt1"/>
+          </a:fontRef>
+        </p:style>
+        <p:txBody>
+          <a:bodyPr rtlCol="0" anchor="ctr"/>
+          <a:lstStyle/>
+          <a:p>
+            <a:pPr algn="ctr"/>
+            <a:r>
+              <a:rPr lang="ko-KR" altLang="en-US" dirty="0">
+                <a:solidFill>
+                  <a:schemeClr val="tx1"/>
+                </a:solidFill>
+              </a:rPr>
+              <a:t>더블</a:t>
+            </a:r>
+            <a:endParaRPr lang="en-US" altLang="ko-KR" dirty="0">
+              <a:solidFill>
+                <a:schemeClr val="tx1"/>
+              </a:solidFill>
+            </a:endParaRPr>
+          </a:p>
+          <a:p>
+            <a:pPr algn="ctr"/>
+            <a:r>
+              <a:rPr lang="ko-KR" altLang="en-US" dirty="0" err="1">
+                <a:solidFill>
+                  <a:schemeClr val="tx1"/>
+                </a:solidFill>
+              </a:rPr>
+              <a:t>부스터</a:t>
+            </a:r>
+            <a:endParaRPr lang="ko-KR" altLang="en-US" dirty="0">
+              <a:solidFill>
+                <a:schemeClr val="tx1"/>
+              </a:solidFill>
+            </a:endParaRPr>
+          </a:p>
+        </p:txBody>
+      </p:sp>
+      <p:sp>
+        <p:nvSpPr>
+          <p:cNvPr id="27" name="직사각형 26"/>
+          <p:cNvSpPr/>
+          <p:nvPr/>
+        </p:nvSpPr>
+        <p:spPr>
+          <a:xfrm>
+            <a:off x="6319114" y="2189253"/>
+            <a:ext cx="1105239" cy="973515"/>
+          </a:xfrm>
+          <a:prstGeom prst="rect">
+            <a:avLst/>
+          </a:prstGeom>
+          <a:solidFill>
+            <a:schemeClr val="bg2">
+              <a:lumMod val="90000"/>
+            </a:schemeClr>
+          </a:solidFill>
+          <a:ln>
+            <a:solidFill>
+              <a:schemeClr val="bg2">
+                <a:lumMod val="50000"/>
+              </a:schemeClr>
+            </a:solidFill>
+          </a:ln>
+        </p:spPr>
+        <p:style>
+          <a:lnRef idx="2">
+            <a:schemeClr val="accent1">
+              <a:shade val="50000"/>
+            </a:schemeClr>
+          </a:lnRef>
+          <a:fillRef idx="1">
+            <a:schemeClr val="accent1"/>
+          </a:fillRef>
+          <a:effectRef idx="0">
+            <a:schemeClr val="accent1"/>
+          </a:effectRef>
+          <a:fontRef idx="minor">
+            <a:schemeClr val="lt1"/>
+          </a:fontRef>
+        </p:style>
+        <p:txBody>
+          <a:bodyPr rtlCol="0" anchor="ctr"/>
+          <a:lstStyle/>
+          <a:p>
+            <a:pPr algn="ctr"/>
+            <a:r>
+              <a:rPr lang="ko-KR" altLang="en-US">
+                <a:solidFill>
+                  <a:schemeClr val="tx1"/>
+                </a:solidFill>
+              </a:rPr>
+              <a:t>부스터</a:t>
+            </a:r>
+            <a:endParaRPr lang="ko-KR" altLang="en-US" dirty="0">
+              <a:solidFill>
+                <a:schemeClr val="tx1"/>
+              </a:solidFill>
+            </a:endParaRPr>
+          </a:p>
+        </p:txBody>
+      </p:sp>
+      <p:sp>
+        <p:nvSpPr>
+          <p:cNvPr id="28" name="직사각형 27"/>
+          <p:cNvSpPr/>
+          <p:nvPr/>
+        </p:nvSpPr>
+        <p:spPr>
+          <a:xfrm>
+            <a:off x="7619407" y="2189253"/>
+            <a:ext cx="1105239" cy="973515"/>
+          </a:xfrm>
+          <a:prstGeom prst="rect">
+            <a:avLst/>
+          </a:prstGeom>
+          <a:solidFill>
+            <a:schemeClr val="bg2">
+              <a:lumMod val="90000"/>
+            </a:schemeClr>
+          </a:solidFill>
+          <a:ln>
+            <a:solidFill>
+              <a:schemeClr val="bg2">
+                <a:lumMod val="50000"/>
+              </a:schemeClr>
+            </a:solidFill>
+          </a:ln>
+        </p:spPr>
+        <p:style>
+          <a:lnRef idx="2">
+            <a:schemeClr val="accent1">
+              <a:shade val="50000"/>
+            </a:schemeClr>
+          </a:lnRef>
+          <a:fillRef idx="1">
+            <a:schemeClr val="accent1"/>
+          </a:fillRef>
+          <a:effectRef idx="0">
+            <a:schemeClr val="accent1"/>
+          </a:effectRef>
+          <a:fontRef idx="minor">
+            <a:schemeClr val="lt1"/>
+          </a:fontRef>
+        </p:style>
+        <p:txBody>
+          <a:bodyPr rtlCol="0" anchor="ctr"/>
+          <a:lstStyle/>
+          <a:p>
+            <a:pPr algn="ctr"/>
+            <a:r>
+              <a:rPr lang="ko-KR" altLang="en-US" dirty="0">
+                <a:solidFill>
+                  <a:schemeClr val="tx1"/>
+                </a:solidFill>
+              </a:rPr>
+              <a:t>대포</a:t>
+            </a:r>
+          </a:p>
+        </p:txBody>
+      </p:sp>
+      <p:sp>
+        <p:nvSpPr>
+          <p:cNvPr id="29" name="직사각형 28"/>
+          <p:cNvSpPr/>
+          <p:nvPr/>
+        </p:nvSpPr>
+        <p:spPr>
+          <a:xfrm>
+            <a:off x="6319114" y="5266234"/>
+            <a:ext cx="1105239" cy="973515"/>
+          </a:xfrm>
+          <a:prstGeom prst="rect">
+            <a:avLst/>
+          </a:prstGeom>
+          <a:solidFill>
+            <a:schemeClr val="bg2">
+              <a:lumMod val="90000"/>
+            </a:schemeClr>
+          </a:solidFill>
+          <a:ln>
+            <a:solidFill>
+              <a:schemeClr val="bg2">
+                <a:lumMod val="50000"/>
+              </a:schemeClr>
+            </a:solidFill>
+          </a:ln>
+        </p:spPr>
+        <p:style>
+          <a:lnRef idx="2">
+            <a:schemeClr val="accent1">
+              <a:shade val="50000"/>
+            </a:schemeClr>
+          </a:lnRef>
+          <a:fillRef idx="1">
+            <a:schemeClr val="accent1"/>
+          </a:fillRef>
+          <a:effectRef idx="0">
+            <a:schemeClr val="accent1"/>
+          </a:effectRef>
+          <a:fontRef idx="minor">
+            <a:schemeClr val="lt1"/>
+          </a:fontRef>
+        </p:style>
+        <p:txBody>
+          <a:bodyPr rtlCol="0" anchor="ctr"/>
+          <a:lstStyle/>
+          <a:p>
+            <a:pPr algn="ctr"/>
+            <a:r>
+              <a:rPr lang="ko-KR" altLang="en-US">
+                <a:solidFill>
+                  <a:schemeClr val="tx1"/>
+                </a:solidFill>
+              </a:rPr>
+              <a:t>부스터</a:t>
+            </a:r>
+            <a:endParaRPr lang="ko-KR" altLang="en-US" dirty="0">
+              <a:solidFill>
+                <a:schemeClr val="tx1"/>
+              </a:solidFill>
+            </a:endParaRPr>
+          </a:p>
+        </p:txBody>
+      </p:sp>
+      <p:sp>
+        <p:nvSpPr>
+          <p:cNvPr id="30" name="직사각형 29"/>
+          <p:cNvSpPr/>
+          <p:nvPr/>
+        </p:nvSpPr>
+        <p:spPr>
+          <a:xfrm>
+            <a:off x="7619407" y="5266234"/>
+            <a:ext cx="1105239" cy="973515"/>
+          </a:xfrm>
+          <a:prstGeom prst="rect">
+            <a:avLst/>
+          </a:prstGeom>
+          <a:solidFill>
+            <a:schemeClr val="bg2">
+              <a:lumMod val="90000"/>
+            </a:schemeClr>
+          </a:solidFill>
+          <a:ln>
+            <a:solidFill>
+              <a:schemeClr val="bg2">
+                <a:lumMod val="50000"/>
+              </a:schemeClr>
+            </a:solidFill>
+          </a:ln>
+        </p:spPr>
+        <p:style>
+          <a:lnRef idx="2">
+            <a:schemeClr val="accent1">
+              <a:shade val="50000"/>
+            </a:schemeClr>
+          </a:lnRef>
+          <a:fillRef idx="1">
+            <a:schemeClr val="accent1"/>
+          </a:fillRef>
+          <a:effectRef idx="0">
+            <a:schemeClr val="accent1"/>
+          </a:effectRef>
+          <a:fontRef idx="minor">
+            <a:schemeClr val="lt1"/>
+          </a:fontRef>
+        </p:style>
+        <p:txBody>
+          <a:bodyPr rtlCol="0" anchor="ctr"/>
+          <a:lstStyle/>
+          <a:p>
+            <a:pPr algn="ctr"/>
+            <a:r>
+              <a:rPr lang="ko-KR" altLang="en-US" dirty="0">
+                <a:solidFill>
+                  <a:schemeClr val="tx1"/>
+                </a:solidFill>
+              </a:rPr>
+              <a:t>독가스</a:t>
+            </a:r>
+          </a:p>
+        </p:txBody>
+      </p:sp>
+      <p:sp>
+        <p:nvSpPr>
+          <p:cNvPr id="32" name="직사각형 31"/>
+          <p:cNvSpPr/>
+          <p:nvPr/>
+        </p:nvSpPr>
+        <p:spPr>
+          <a:xfrm>
+            <a:off x="6319114" y="3728351"/>
+            <a:ext cx="1105239" cy="973515"/>
+          </a:xfrm>
+          <a:prstGeom prst="rect">
+            <a:avLst/>
+          </a:prstGeom>
+          <a:solidFill>
+            <a:schemeClr val="bg2">
+              <a:lumMod val="90000"/>
+            </a:schemeClr>
+          </a:solidFill>
+          <a:ln>
+            <a:solidFill>
+              <a:schemeClr val="bg2">
+                <a:lumMod val="50000"/>
+              </a:schemeClr>
+            </a:solidFill>
+          </a:ln>
+        </p:spPr>
+        <p:style>
+          <a:lnRef idx="2">
+            <a:schemeClr val="accent1">
+              <a:shade val="50000"/>
+            </a:schemeClr>
+          </a:lnRef>
+          <a:fillRef idx="1">
+            <a:schemeClr val="accent1"/>
+          </a:fillRef>
+          <a:effectRef idx="0">
+            <a:schemeClr val="accent1"/>
+          </a:effectRef>
+          <a:fontRef idx="minor">
+            <a:schemeClr val="lt1"/>
+          </a:fontRef>
+        </p:style>
+        <p:txBody>
+          <a:bodyPr rtlCol="0" anchor="ctr"/>
+          <a:lstStyle/>
+          <a:p>
+            <a:pPr algn="ctr"/>
+            <a:r>
+              <a:rPr lang="ko-KR" altLang="en-US">
+                <a:solidFill>
+                  <a:schemeClr val="tx1"/>
+                </a:solidFill>
+              </a:rPr>
+              <a:t>부스터</a:t>
+            </a:r>
+            <a:endParaRPr lang="ko-KR" altLang="en-US" dirty="0">
+              <a:solidFill>
+                <a:schemeClr val="tx1"/>
+              </a:solidFill>
+            </a:endParaRPr>
+          </a:p>
+        </p:txBody>
+      </p:sp>
+      <p:sp>
+        <p:nvSpPr>
+          <p:cNvPr id="33" name="직사각형 32"/>
+          <p:cNvSpPr/>
+          <p:nvPr/>
+        </p:nvSpPr>
+        <p:spPr>
+          <a:xfrm>
+            <a:off x="7619407" y="3728351"/>
+            <a:ext cx="1105239" cy="973515"/>
+          </a:xfrm>
+          <a:prstGeom prst="rect">
+            <a:avLst/>
+          </a:prstGeom>
+          <a:solidFill>
+            <a:schemeClr val="bg2">
+              <a:lumMod val="90000"/>
+            </a:schemeClr>
+          </a:solidFill>
+          <a:ln>
+            <a:solidFill>
+              <a:schemeClr val="bg2">
+                <a:lumMod val="50000"/>
+              </a:schemeClr>
+            </a:solidFill>
+          </a:ln>
+        </p:spPr>
+        <p:style>
+          <a:lnRef idx="2">
+            <a:schemeClr val="accent1">
+              <a:shade val="50000"/>
+            </a:schemeClr>
+          </a:lnRef>
+          <a:fillRef idx="1">
+            <a:schemeClr val="accent1"/>
+          </a:fillRef>
+          <a:effectRef idx="0">
+            <a:schemeClr val="accent1"/>
+          </a:effectRef>
+          <a:fontRef idx="minor">
+            <a:schemeClr val="lt1"/>
+          </a:fontRef>
+        </p:style>
+        <p:txBody>
+          <a:bodyPr rtlCol="0" anchor="ctr"/>
+          <a:lstStyle/>
+          <a:p>
+            <a:pPr algn="ctr"/>
+            <a:r>
+              <a:rPr lang="ko-KR" altLang="en-US" dirty="0">
+                <a:solidFill>
+                  <a:schemeClr val="tx1"/>
+                </a:solidFill>
+              </a:rPr>
+              <a:t>폭발</a:t>
+            </a:r>
+          </a:p>
+        </p:txBody>
+      </p:sp>
+      <p:sp>
+        <p:nvSpPr>
+          <p:cNvPr id="34" name="직사각형 33"/>
+          <p:cNvSpPr/>
+          <p:nvPr/>
+        </p:nvSpPr>
+        <p:spPr>
+          <a:xfrm>
+            <a:off x="8919700" y="612251"/>
+            <a:ext cx="1105239" cy="973515"/>
+          </a:xfrm>
+          <a:prstGeom prst="rect">
+            <a:avLst/>
+          </a:prstGeom>
+          <a:solidFill>
+            <a:schemeClr val="bg2">
+              <a:lumMod val="90000"/>
+            </a:schemeClr>
+          </a:solidFill>
+          <a:ln>
+            <a:solidFill>
+              <a:schemeClr val="bg2">
+                <a:lumMod val="50000"/>
+              </a:schemeClr>
+            </a:solidFill>
+          </a:ln>
+        </p:spPr>
+        <p:style>
+          <a:lnRef idx="2">
+            <a:schemeClr val="accent1">
+              <a:shade val="50000"/>
+            </a:schemeClr>
+          </a:lnRef>
+          <a:fillRef idx="1">
+            <a:schemeClr val="accent1"/>
+          </a:fillRef>
+          <a:effectRef idx="0">
+            <a:schemeClr val="accent1"/>
+          </a:effectRef>
+          <a:fontRef idx="minor">
+            <a:schemeClr val="lt1"/>
+          </a:fontRef>
+        </p:style>
+        <p:txBody>
+          <a:bodyPr rtlCol="0" anchor="ctr"/>
+          <a:lstStyle/>
+          <a:p>
+            <a:pPr algn="ctr"/>
+            <a:r>
+              <a:rPr lang="ko-KR" altLang="en-US" dirty="0">
+                <a:solidFill>
+                  <a:schemeClr val="tx1"/>
+                </a:solidFill>
+              </a:rPr>
+              <a:t>회피</a:t>
+            </a:r>
+          </a:p>
+        </p:txBody>
+      </p:sp>
+      <p:sp>
+        <p:nvSpPr>
+          <p:cNvPr id="35" name="직사각형 34"/>
+          <p:cNvSpPr/>
+          <p:nvPr/>
+        </p:nvSpPr>
+        <p:spPr>
+          <a:xfrm>
+            <a:off x="8919700" y="2189253"/>
+            <a:ext cx="1105239" cy="973515"/>
+          </a:xfrm>
+          <a:prstGeom prst="rect">
+            <a:avLst/>
+          </a:prstGeom>
+          <a:solidFill>
+            <a:schemeClr val="bg2">
+              <a:lumMod val="90000"/>
+            </a:schemeClr>
+          </a:solidFill>
+          <a:ln>
+            <a:solidFill>
+              <a:schemeClr val="bg2">
+                <a:lumMod val="50000"/>
+              </a:schemeClr>
+            </a:solidFill>
+          </a:ln>
+        </p:spPr>
+        <p:style>
+          <a:lnRef idx="2">
+            <a:schemeClr val="accent1">
+              <a:shade val="50000"/>
+            </a:schemeClr>
+          </a:lnRef>
+          <a:fillRef idx="1">
+            <a:schemeClr val="accent1"/>
+          </a:fillRef>
+          <a:effectRef idx="0">
+            <a:schemeClr val="accent1"/>
+          </a:effectRef>
+          <a:fontRef idx="minor">
+            <a:schemeClr val="lt1"/>
+          </a:fontRef>
+        </p:style>
+        <p:txBody>
+          <a:bodyPr rtlCol="0" anchor="ctr"/>
+          <a:lstStyle/>
+          <a:p>
+            <a:pPr algn="ctr"/>
+            <a:r>
+              <a:rPr lang="ko-KR" altLang="en-US" dirty="0">
+                <a:solidFill>
+                  <a:schemeClr val="tx1"/>
+                </a:solidFill>
+              </a:rPr>
+              <a:t>회피</a:t>
+            </a:r>
+          </a:p>
+        </p:txBody>
+      </p:sp>
+      <p:sp>
+        <p:nvSpPr>
+          <p:cNvPr id="36" name="직사각형 35"/>
+          <p:cNvSpPr/>
+          <p:nvPr/>
+        </p:nvSpPr>
+        <p:spPr>
+          <a:xfrm>
+            <a:off x="8919700" y="5266234"/>
+            <a:ext cx="1105239" cy="973515"/>
+          </a:xfrm>
+          <a:prstGeom prst="rect">
+            <a:avLst/>
+          </a:prstGeom>
+          <a:solidFill>
+            <a:schemeClr val="bg2">
+              <a:lumMod val="90000"/>
+            </a:schemeClr>
+          </a:solidFill>
+          <a:ln>
+            <a:solidFill>
+              <a:schemeClr val="bg2">
+                <a:lumMod val="50000"/>
+              </a:schemeClr>
+            </a:solidFill>
+          </a:ln>
+        </p:spPr>
+        <p:style>
+          <a:lnRef idx="2">
+            <a:schemeClr val="accent1">
+              <a:shade val="50000"/>
+            </a:schemeClr>
+          </a:lnRef>
+          <a:fillRef idx="1">
+            <a:schemeClr val="accent1"/>
+          </a:fillRef>
+          <a:effectRef idx="0">
+            <a:schemeClr val="accent1"/>
+          </a:effectRef>
+          <a:fontRef idx="minor">
+            <a:schemeClr val="lt1"/>
+          </a:fontRef>
+        </p:style>
+        <p:txBody>
+          <a:bodyPr rtlCol="0" anchor="ctr"/>
+          <a:lstStyle/>
+          <a:p>
+            <a:pPr algn="ctr"/>
+            <a:r>
+              <a:rPr lang="ko-KR" altLang="en-US">
+                <a:solidFill>
+                  <a:schemeClr val="tx1"/>
+                </a:solidFill>
+              </a:rPr>
+              <a:t>회피</a:t>
+            </a:r>
+          </a:p>
+        </p:txBody>
+      </p:sp>
+      <p:sp>
+        <p:nvSpPr>
+          <p:cNvPr id="37" name="직사각형 36"/>
+          <p:cNvSpPr/>
+          <p:nvPr/>
+        </p:nvSpPr>
+        <p:spPr>
+          <a:xfrm>
+            <a:off x="8919700" y="3728351"/>
+            <a:ext cx="1105239" cy="973515"/>
+          </a:xfrm>
+          <a:prstGeom prst="rect">
+            <a:avLst/>
+          </a:prstGeom>
+          <a:solidFill>
+            <a:schemeClr val="bg2">
+              <a:lumMod val="90000"/>
+            </a:schemeClr>
+          </a:solidFill>
+          <a:ln>
+            <a:solidFill>
+              <a:schemeClr val="bg2">
+                <a:lumMod val="50000"/>
+              </a:schemeClr>
+            </a:solidFill>
+          </a:ln>
+        </p:spPr>
+        <p:style>
+          <a:lnRef idx="2">
+            <a:schemeClr val="accent1">
+              <a:shade val="50000"/>
+            </a:schemeClr>
+          </a:lnRef>
+          <a:fillRef idx="1">
+            <a:schemeClr val="accent1"/>
+          </a:fillRef>
+          <a:effectRef idx="0">
+            <a:schemeClr val="accent1"/>
+          </a:effectRef>
+          <a:fontRef idx="minor">
+            <a:schemeClr val="lt1"/>
+          </a:fontRef>
+        </p:style>
+        <p:txBody>
+          <a:bodyPr rtlCol="0" anchor="ctr"/>
+          <a:lstStyle/>
+          <a:p>
+            <a:pPr algn="ctr"/>
+            <a:r>
+              <a:rPr lang="ko-KR" altLang="en-US" dirty="0">
+                <a:solidFill>
+                  <a:schemeClr val="tx1"/>
+                </a:solidFill>
+              </a:rPr>
+              <a:t>반격</a:t>
+            </a:r>
           </a:p>
         </p:txBody>
       </p:sp>
@@ -6834,7 +7678,7 @@
             </a:r>
             <a:r>
               <a:rPr lang="en-US" altLang="ko-KR" dirty="0"/>
-              <a:t>: </a:t>
+              <a:t>: 2</a:t>
             </a:r>
           </a:p>
           <a:p>
@@ -9791,7 +10635,7 @@
           </a:ln>
           <a:extLst>
             <a:ext uri="{C572A759-6A51-4108-AA02-DFA0A04FC94B}">
-              <ma14:wrappingTextBoxFlag xmlns="" xmlns:ma14="http://schemas.microsoft.com/office/mac/drawingml/2011/main" val="1"/>
+              <ma14:wrappingTextBoxFlag xmlns:ma14="http://schemas.microsoft.com/office/mac/drawingml/2011/main" xmlns="" val="1"/>
             </a:ext>
           </a:extLst>
         </p:spPr>
@@ -11732,7 +12576,7 @@
           </a:effectLst>
           <a:extLst>
             <a:ext uri="{C572A759-6A51-4108-AA02-DFA0A04FC94B}">
-              <ma14:wrappingTextBoxFlag xmlns="" xmlns:ma14="http://schemas.microsoft.com/office/mac/drawingml/2011/main" val="1"/>
+              <ma14:wrappingTextBoxFlag xmlns:ma14="http://schemas.microsoft.com/office/mac/drawingml/2011/main" xmlns="" val="1"/>
             </a:ext>
           </a:extLst>
         </p:spPr>
@@ -11785,7 +12629,7 @@
           </a:effectLst>
           <a:extLst>
             <a:ext uri="{C572A759-6A51-4108-AA02-DFA0A04FC94B}">
-              <ma14:wrappingTextBoxFlag xmlns="" xmlns:ma14="http://schemas.microsoft.com/office/mac/drawingml/2011/main" val="1"/>
+              <ma14:wrappingTextBoxFlag xmlns:ma14="http://schemas.microsoft.com/office/mac/drawingml/2011/main" xmlns="" val="1"/>
             </a:ext>
           </a:extLst>
         </p:spPr>
@@ -11838,7 +12682,7 @@
           </a:effectLst>
           <a:extLst>
             <a:ext uri="{C572A759-6A51-4108-AA02-DFA0A04FC94B}">
-              <ma14:wrappingTextBoxFlag xmlns="" xmlns:ma14="http://schemas.microsoft.com/office/mac/drawingml/2011/main" val="1"/>
+              <ma14:wrappingTextBoxFlag xmlns:ma14="http://schemas.microsoft.com/office/mac/drawingml/2011/main" xmlns="" val="1"/>
             </a:ext>
           </a:extLst>
         </p:spPr>
@@ -11890,7 +12734,7 @@
           </a:effectLst>
           <a:extLst>
             <a:ext uri="{C572A759-6A51-4108-AA02-DFA0A04FC94B}">
-              <ma14:wrappingTextBoxFlag xmlns="" xmlns:ma14="http://schemas.microsoft.com/office/mac/drawingml/2011/main" val="1"/>
+              <ma14:wrappingTextBoxFlag xmlns:ma14="http://schemas.microsoft.com/office/mac/drawingml/2011/main" xmlns="" val="1"/>
             </a:ext>
           </a:extLst>
         </p:spPr>
@@ -11943,7 +12787,7 @@
           </a:effectLst>
           <a:extLst>
             <a:ext uri="{C572A759-6A51-4108-AA02-DFA0A04FC94B}">
-              <ma14:wrappingTextBoxFlag xmlns="" xmlns:ma14="http://schemas.microsoft.com/office/mac/drawingml/2011/main" val="1"/>
+              <ma14:wrappingTextBoxFlag xmlns:ma14="http://schemas.microsoft.com/office/mac/drawingml/2011/main" xmlns="" val="1"/>
             </a:ext>
           </a:extLst>
         </p:spPr>
@@ -11992,7 +12836,7 @@
           </a:ln>
           <a:extLst>
             <a:ext uri="{C572A759-6A51-4108-AA02-DFA0A04FC94B}">
-              <ma14:wrappingTextBoxFlag xmlns="" xmlns:ma14="http://schemas.microsoft.com/office/mac/drawingml/2011/main" val="1"/>
+              <ma14:wrappingTextBoxFlag xmlns:ma14="http://schemas.microsoft.com/office/mac/drawingml/2011/main" xmlns="" val="1"/>
             </a:ext>
           </a:extLst>
         </p:spPr>
@@ -12049,7 +12893,7 @@
           </a:ln>
           <a:extLst>
             <a:ext uri="{C572A759-6A51-4108-AA02-DFA0A04FC94B}">
-              <ma14:wrappingTextBoxFlag xmlns="" xmlns:ma14="http://schemas.microsoft.com/office/mac/drawingml/2011/main" val="1"/>
+              <ma14:wrappingTextBoxFlag xmlns:ma14="http://schemas.microsoft.com/office/mac/drawingml/2011/main" xmlns="" val="1"/>
             </a:ext>
           </a:extLst>
         </p:spPr>
@@ -12105,7 +12949,7 @@
           </a:ln>
           <a:extLst>
             <a:ext uri="{C572A759-6A51-4108-AA02-DFA0A04FC94B}">
-              <ma14:wrappingTextBoxFlag xmlns="" xmlns:ma14="http://schemas.microsoft.com/office/mac/drawingml/2011/main" val="1"/>
+              <ma14:wrappingTextBoxFlag xmlns:ma14="http://schemas.microsoft.com/office/mac/drawingml/2011/main" xmlns="" val="1"/>
             </a:ext>
           </a:extLst>
         </p:spPr>
@@ -12175,7 +13019,7 @@
           </a:ln>
           <a:extLst>
             <a:ext uri="{C572A759-6A51-4108-AA02-DFA0A04FC94B}">
-              <ma14:wrappingTextBoxFlag xmlns="" xmlns:ma14="http://schemas.microsoft.com/office/mac/drawingml/2011/main" val="1"/>
+              <ma14:wrappingTextBoxFlag xmlns:ma14="http://schemas.microsoft.com/office/mac/drawingml/2011/main" xmlns="" val="1"/>
             </a:ext>
           </a:extLst>
         </p:spPr>
@@ -12419,7 +13263,7 @@
           </a:ln>
           <a:extLst>
             <a:ext uri="{C572A759-6A51-4108-AA02-DFA0A04FC94B}">
-              <ma14:wrappingTextBoxFlag xmlns="" xmlns:ma14="http://schemas.microsoft.com/office/mac/drawingml/2011/main" val="1"/>
+              <ma14:wrappingTextBoxFlag xmlns:ma14="http://schemas.microsoft.com/office/mac/drawingml/2011/main" xmlns="" val="1"/>
             </a:ext>
           </a:extLst>
         </p:spPr>
@@ -14584,7 +15428,7 @@
             </a:ln>
             <a:extLst>
               <a:ext uri="{C572A759-6A51-4108-AA02-DFA0A04FC94B}">
-                <ma14:wrappingTextBoxFlag xmlns="" xmlns:ma14="http://schemas.microsoft.com/office/mac/drawingml/2011/main" val="1"/>
+                <ma14:wrappingTextBoxFlag xmlns:ma14="http://schemas.microsoft.com/office/mac/drawingml/2011/main" xmlns="" val="1"/>
               </a:ext>
             </a:extLst>
           </p:spPr>
@@ -14628,7 +15472,7 @@
             </a:ln>
             <a:extLst>
               <a:ext uri="{C572A759-6A51-4108-AA02-DFA0A04FC94B}">
-                <ma14:wrappingTextBoxFlag xmlns="" xmlns:ma14="http://schemas.microsoft.com/office/mac/drawingml/2011/main" val="1"/>
+                <ma14:wrappingTextBoxFlag xmlns:ma14="http://schemas.microsoft.com/office/mac/drawingml/2011/main" xmlns="" val="1"/>
               </a:ext>
             </a:extLst>
           </p:spPr>
@@ -14672,7 +15516,7 @@
             </a:ln>
             <a:extLst>
               <a:ext uri="{C572A759-6A51-4108-AA02-DFA0A04FC94B}">
-                <ma14:wrappingTextBoxFlag xmlns="" xmlns:ma14="http://schemas.microsoft.com/office/mac/drawingml/2011/main" val="1"/>
+                <ma14:wrappingTextBoxFlag xmlns:ma14="http://schemas.microsoft.com/office/mac/drawingml/2011/main" xmlns="" val="1"/>
               </a:ext>
             </a:extLst>
           </p:spPr>
@@ -14833,7 +15677,7 @@
             </a:effectLst>
             <a:extLst>
               <a:ext uri="{C572A759-6A51-4108-AA02-DFA0A04FC94B}">
-                <ma14:wrappingTextBoxFlag xmlns="" xmlns:ma14="http://schemas.microsoft.com/office/mac/drawingml/2011/main" val="1"/>
+                <ma14:wrappingTextBoxFlag xmlns:ma14="http://schemas.microsoft.com/office/mac/drawingml/2011/main" xmlns="" val="1"/>
               </a:ext>
             </a:extLst>
           </p:spPr>
@@ -14893,7 +15737,7 @@
             </a:effectLst>
             <a:extLst>
               <a:ext uri="{C572A759-6A51-4108-AA02-DFA0A04FC94B}">
-                <ma14:wrappingTextBoxFlag xmlns="" xmlns:ma14="http://schemas.microsoft.com/office/mac/drawingml/2011/main" val="1"/>
+                <ma14:wrappingTextBoxFlag xmlns:ma14="http://schemas.microsoft.com/office/mac/drawingml/2011/main" xmlns="" val="1"/>
               </a:ext>
             </a:extLst>
           </p:spPr>
@@ -14948,7 +15792,7 @@
             </a:effectLst>
             <a:extLst>
               <a:ext uri="{C572A759-6A51-4108-AA02-DFA0A04FC94B}">
-                <ma14:wrappingTextBoxFlag xmlns="" xmlns:ma14="http://schemas.microsoft.com/office/mac/drawingml/2011/main" val="1"/>
+                <ma14:wrappingTextBoxFlag xmlns:ma14="http://schemas.microsoft.com/office/mac/drawingml/2011/main" xmlns="" val="1"/>
               </a:ext>
             </a:extLst>
           </p:spPr>
@@ -14992,7 +15836,7 @@
             </a:ln>
             <a:extLst>
               <a:ext uri="{C572A759-6A51-4108-AA02-DFA0A04FC94B}">
-                <ma14:wrappingTextBoxFlag xmlns="" xmlns:ma14="http://schemas.microsoft.com/office/mac/drawingml/2011/main" val="1"/>
+                <ma14:wrappingTextBoxFlag xmlns:ma14="http://schemas.microsoft.com/office/mac/drawingml/2011/main" xmlns="" val="1"/>
               </a:ext>
             </a:extLst>
           </p:spPr>
@@ -15187,7 +16031,7 @@
             </a:effectLst>
             <a:extLst>
               <a:ext uri="{C572A759-6A51-4108-AA02-DFA0A04FC94B}">
-                <ma14:wrappingTextBoxFlag xmlns="" xmlns:ma14="http://schemas.microsoft.com/office/mac/drawingml/2011/main" val="1"/>
+                <ma14:wrappingTextBoxFlag xmlns:ma14="http://schemas.microsoft.com/office/mac/drawingml/2011/main" xmlns="" val="1"/>
               </a:ext>
             </a:extLst>
           </p:spPr>
@@ -16584,7 +17428,7 @@
             </a:effectLst>
             <a:extLst>
               <a:ext uri="{C572A759-6A51-4108-AA02-DFA0A04FC94B}">
-                <ma14:wrappingTextBoxFlag xmlns="" xmlns:ma14="http://schemas.microsoft.com/office/mac/drawingml/2011/main" val="1"/>
+                <ma14:wrappingTextBoxFlag xmlns:ma14="http://schemas.microsoft.com/office/mac/drawingml/2011/main" xmlns="" val="1"/>
               </a:ext>
             </a:extLst>
           </p:spPr>
@@ -16638,7 +17482,7 @@
             </a:effectLst>
             <a:extLst>
               <a:ext uri="{C572A759-6A51-4108-AA02-DFA0A04FC94B}">
-                <ma14:wrappingTextBoxFlag xmlns="" xmlns:ma14="http://schemas.microsoft.com/office/mac/drawingml/2011/main" val="1"/>
+                <ma14:wrappingTextBoxFlag xmlns:ma14="http://schemas.microsoft.com/office/mac/drawingml/2011/main" xmlns="" val="1"/>
               </a:ext>
             </a:extLst>
           </p:spPr>
@@ -16692,7 +17536,7 @@
             </a:effectLst>
             <a:extLst>
               <a:ext uri="{C572A759-6A51-4108-AA02-DFA0A04FC94B}">
-                <ma14:wrappingTextBoxFlag xmlns="" xmlns:ma14="http://schemas.microsoft.com/office/mac/drawingml/2011/main" val="1"/>
+                <ma14:wrappingTextBoxFlag xmlns:ma14="http://schemas.microsoft.com/office/mac/drawingml/2011/main" xmlns="" val="1"/>
               </a:ext>
             </a:extLst>
           </p:spPr>
@@ -16736,7 +17580,7 @@
             </a:ln>
             <a:extLst>
               <a:ext uri="{C572A759-6A51-4108-AA02-DFA0A04FC94B}">
-                <ma14:wrappingTextBoxFlag xmlns="" xmlns:ma14="http://schemas.microsoft.com/office/mac/drawingml/2011/main" val="1"/>
+                <ma14:wrappingTextBoxFlag xmlns:ma14="http://schemas.microsoft.com/office/mac/drawingml/2011/main" xmlns="" val="1"/>
               </a:ext>
             </a:extLst>
           </p:spPr>
@@ -16874,7 +17718,7 @@
             </a:ln>
             <a:extLst>
               <a:ext uri="{C572A759-6A51-4108-AA02-DFA0A04FC94B}">
-                <ma14:wrappingTextBoxFlag xmlns="" xmlns:ma14="http://schemas.microsoft.com/office/mac/drawingml/2011/main" val="1"/>
+                <ma14:wrappingTextBoxFlag xmlns:ma14="http://schemas.microsoft.com/office/mac/drawingml/2011/main" xmlns="" val="1"/>
               </a:ext>
             </a:extLst>
           </p:spPr>
@@ -16927,7 +17771,7 @@
             </a:ln>
             <a:extLst>
               <a:ext uri="{C572A759-6A51-4108-AA02-DFA0A04FC94B}">
-                <ma14:wrappingTextBoxFlag xmlns="" xmlns:ma14="http://schemas.microsoft.com/office/mac/drawingml/2011/main" val="1"/>
+                <ma14:wrappingTextBoxFlag xmlns:ma14="http://schemas.microsoft.com/office/mac/drawingml/2011/main" xmlns="" val="1"/>
               </a:ext>
             </a:extLst>
           </p:spPr>
@@ -16996,7 +17840,7 @@
             </a:ln>
             <a:extLst>
               <a:ext uri="{C572A759-6A51-4108-AA02-DFA0A04FC94B}">
-                <ma14:wrappingTextBoxFlag xmlns="" xmlns:ma14="http://schemas.microsoft.com/office/mac/drawingml/2011/main" val="1"/>
+                <ma14:wrappingTextBoxFlag xmlns:ma14="http://schemas.microsoft.com/office/mac/drawingml/2011/main" xmlns="" val="1"/>
               </a:ext>
             </a:extLst>
           </p:spPr>
@@ -17137,7 +17981,7 @@
             </a:ln>
             <a:extLst>
               <a:ext uri="{C572A759-6A51-4108-AA02-DFA0A04FC94B}">
-                <ma14:wrappingTextBoxFlag xmlns="" xmlns:ma14="http://schemas.microsoft.com/office/mac/drawingml/2011/main" val="1"/>
+                <ma14:wrappingTextBoxFlag xmlns:ma14="http://schemas.microsoft.com/office/mac/drawingml/2011/main" xmlns="" val="1"/>
               </a:ext>
             </a:extLst>
           </p:spPr>
@@ -17326,7 +18170,7 @@
             </a:ln>
             <a:extLst>
               <a:ext uri="{C572A759-6A51-4108-AA02-DFA0A04FC94B}">
-                <ma14:wrappingTextBoxFlag xmlns="" xmlns:ma14="http://schemas.microsoft.com/office/mac/drawingml/2011/main" val="1"/>
+                <ma14:wrappingTextBoxFlag xmlns:ma14="http://schemas.microsoft.com/office/mac/drawingml/2011/main" xmlns="" val="1"/>
               </a:ext>
             </a:extLst>
           </p:spPr>
@@ -17394,7 +18238,7 @@
             </a:effectLst>
             <a:extLst>
               <a:ext uri="{C572A759-6A51-4108-AA02-DFA0A04FC94B}">
-                <ma14:wrappingTextBoxFlag xmlns="" xmlns:ma14="http://schemas.microsoft.com/office/mac/drawingml/2011/main" val="1"/>
+                <ma14:wrappingTextBoxFlag xmlns:ma14="http://schemas.microsoft.com/office/mac/drawingml/2011/main" xmlns="" val="1"/>
               </a:ext>
             </a:extLst>
           </p:spPr>
@@ -17448,7 +18292,7 @@
             </a:effectLst>
             <a:extLst>
               <a:ext uri="{C572A759-6A51-4108-AA02-DFA0A04FC94B}">
-                <ma14:wrappingTextBoxFlag xmlns="" xmlns:ma14="http://schemas.microsoft.com/office/mac/drawingml/2011/main" val="1"/>
+                <ma14:wrappingTextBoxFlag xmlns:ma14="http://schemas.microsoft.com/office/mac/drawingml/2011/main" xmlns="" val="1"/>
               </a:ext>
             </a:extLst>
           </p:spPr>
@@ -17504,7 +18348,7 @@
             </a:effectLst>
             <a:extLst>
               <a:ext uri="{C572A759-6A51-4108-AA02-DFA0A04FC94B}">
-                <ma14:wrappingTextBoxFlag xmlns="" xmlns:ma14="http://schemas.microsoft.com/office/mac/drawingml/2011/main" val="1"/>
+                <ma14:wrappingTextBoxFlag xmlns:ma14="http://schemas.microsoft.com/office/mac/drawingml/2011/main" xmlns="" val="1"/>
               </a:ext>
             </a:extLst>
           </p:spPr>
@@ -17683,7 +18527,7 @@
             </a:ln>
             <a:extLst>
               <a:ext uri="{C572A759-6A51-4108-AA02-DFA0A04FC94B}">
-                <ma14:wrappingTextBoxFlag xmlns="" xmlns:ma14="http://schemas.microsoft.com/office/mac/drawingml/2011/main" val="1"/>
+                <ma14:wrappingTextBoxFlag xmlns:ma14="http://schemas.microsoft.com/office/mac/drawingml/2011/main" xmlns="" val="1"/>
               </a:ext>
             </a:extLst>
           </p:spPr>
@@ -17738,7 +18582,7 @@
             </a:effectLst>
             <a:extLst>
               <a:ext uri="{C572A759-6A51-4108-AA02-DFA0A04FC94B}">
-                <ma14:wrappingTextBoxFlag xmlns="" xmlns:ma14="http://schemas.microsoft.com/office/mac/drawingml/2011/main" val="1"/>
+                <ma14:wrappingTextBoxFlag xmlns:ma14="http://schemas.microsoft.com/office/mac/drawingml/2011/main" xmlns="" val="1"/>
               </a:ext>
             </a:extLst>
           </p:spPr>
@@ -17792,7 +18636,7 @@
             </a:effectLst>
             <a:extLst>
               <a:ext uri="{C572A759-6A51-4108-AA02-DFA0A04FC94B}">
-                <ma14:wrappingTextBoxFlag xmlns="" xmlns:ma14="http://schemas.microsoft.com/office/mac/drawingml/2011/main" val="1"/>
+                <ma14:wrappingTextBoxFlag xmlns:ma14="http://schemas.microsoft.com/office/mac/drawingml/2011/main" xmlns="" val="1"/>
               </a:ext>
             </a:extLst>
           </p:spPr>

--- a/Plan/Rocketman_씬&스킬구성.pptx
+++ b/Plan/Rocketman_씬&스킬구성.pptx
@@ -4572,7 +4572,7 @@
           </a:ln>
           <a:extLst>
             <a:ext uri="{C572A759-6A51-4108-AA02-DFA0A04FC94B}">
-              <ma14:wrappingTextBoxFlag xmlns:ma14="http://schemas.microsoft.com/office/mac/drawingml/2011/main" xmlns="" val="1"/>
+              <ma14:wrappingTextBoxFlag xmlns="" xmlns:ma14="http://schemas.microsoft.com/office/mac/drawingml/2011/main" val="1"/>
             </a:ext>
           </a:extLst>
         </p:spPr>
@@ -4626,7 +4626,7 @@
           </a:effectLst>
           <a:extLst>
             <a:ext uri="{C572A759-6A51-4108-AA02-DFA0A04FC94B}">
-              <ma14:wrappingTextBoxFlag xmlns:ma14="http://schemas.microsoft.com/office/mac/drawingml/2011/main" xmlns="" val="1"/>
+              <ma14:wrappingTextBoxFlag xmlns="" xmlns:ma14="http://schemas.microsoft.com/office/mac/drawingml/2011/main" val="1"/>
             </a:ext>
           </a:extLst>
         </p:spPr>
@@ -4913,8 +4913,8 @@
           </a:p>
           <a:p>
             <a:r>
-              <a:rPr lang="ko-KR" altLang="en-US" dirty="0"/>
-              <a:t>공격</a:t>
+              <a:rPr lang="ko-KR" altLang="en-US" dirty="0" err="1"/>
+              <a:t>부스터</a:t>
             </a:r>
             <a:r>
               <a:rPr lang="en-US" altLang="ko-KR" dirty="0"/>
@@ -5205,7 +5205,7 @@
         <p:spPr>
           <a:xfrm>
             <a:off x="511728" y="595618"/>
-            <a:ext cx="1107996" cy="369332"/>
+            <a:ext cx="958917" cy="369332"/>
           </a:xfrm>
           <a:prstGeom prst="rect">
             <a:avLst/>
@@ -5220,7 +5220,7 @@
           <a:p>
             <a:r>
               <a:rPr lang="ko-KR" altLang="en-US" dirty="0"/>
-              <a:t>게임화면</a:t>
+              <a:t>게임 룰</a:t>
             </a:r>
           </a:p>
         </p:txBody>
@@ -5247,7 +5247,7 @@
         </p:blipFill>
         <p:spPr>
           <a:xfrm>
-            <a:off x="2810309" y="1930102"/>
+            <a:off x="2810309" y="1720377"/>
             <a:ext cx="6613321" cy="3719993"/>
           </a:xfrm>
           <a:prstGeom prst="rect">
@@ -5282,7 +5282,7 @@
         </p:blipFill>
         <p:spPr>
           <a:xfrm>
-            <a:off x="5898849" y="3433303"/>
+            <a:off x="4926250" y="4210950"/>
             <a:ext cx="461967" cy="461967"/>
           </a:xfrm>
           <a:prstGeom prst="rect">
@@ -5302,8 +5302,8 @@
         </p:nvSpPr>
         <p:spPr>
           <a:xfrm>
-            <a:off x="7992331" y="5970271"/>
-            <a:ext cx="3972756" cy="810000"/>
+            <a:off x="6868206" y="5912382"/>
+            <a:ext cx="4440153" cy="810000"/>
           </a:xfrm>
           <a:prstGeom prst="rect">
             <a:avLst/>
@@ -5322,39 +5322,39 @@
           <a:lstStyle/>
           <a:p>
             <a:r>
-              <a:rPr lang="ko" altLang="en-US" sz="1333" b="1" dirty="0"/>
+              <a:rPr lang="ko" altLang="en-US" b="1" dirty="0"/>
               <a:t>기둥</a:t>
             </a:r>
             <a:r>
-              <a:rPr lang="en-US" altLang="ko" sz="1333" b="1" dirty="0"/>
+              <a:rPr lang="en-US" altLang="ko" b="1" dirty="0"/>
               <a:t>:</a:t>
             </a:r>
             <a:r>
-              <a:rPr lang="ko" altLang="en-US" sz="1333" dirty="0"/>
+              <a:rPr lang="ko" altLang="en-US" dirty="0"/>
               <a:t> 맵에서 랜덤하게 생성</a:t>
             </a:r>
             <a:r>
-              <a:rPr lang="en-US" altLang="ko" sz="1333" dirty="0"/>
+              <a:rPr lang="en-US" altLang="ko" dirty="0"/>
               <a:t>, </a:t>
             </a:r>
             <a:r>
-              <a:rPr lang="ko" altLang="en-US" sz="1333" dirty="0"/>
+              <a:rPr lang="ko" altLang="en-US" dirty="0"/>
               <a:t>엄폐물 역할</a:t>
             </a:r>
             <a:r>
-              <a:rPr lang="en-US" altLang="ko" sz="1333" dirty="0"/>
+              <a:rPr lang="en-US" altLang="ko" dirty="0"/>
               <a:t>, 2</a:t>
             </a:r>
             <a:r>
-              <a:rPr lang="ko" altLang="en-US" sz="1333" dirty="0"/>
+              <a:rPr lang="ko" altLang="en-US" dirty="0"/>
               <a:t>의 체력을 가지며 </a:t>
             </a:r>
             <a:r>
-              <a:rPr lang="ko-KR" altLang="en-US" sz="1333" dirty="0"/>
+              <a:rPr lang="ko-KR" altLang="en-US" dirty="0"/>
               <a:t>두 번 공격받으면</a:t>
             </a:r>
             <a:r>
-              <a:rPr lang="ko" altLang="en-US" sz="1333" dirty="0"/>
+              <a:rPr lang="ko" altLang="en-US" dirty="0"/>
               <a:t> 사라짐</a:t>
             </a:r>
           </a:p>
@@ -5382,7 +5382,7 @@
         </p:blipFill>
         <p:spPr>
           <a:xfrm>
-            <a:off x="5966363" y="2600793"/>
+            <a:off x="5966363" y="2391068"/>
             <a:ext cx="352117" cy="647813"/>
           </a:xfrm>
           <a:prstGeom prst="rect">
@@ -5404,7 +5404,7 @@
         </p:nvCxnSpPr>
         <p:spPr>
           <a:xfrm>
-            <a:off x="6227657" y="4556194"/>
+            <a:off x="6227657" y="4346469"/>
             <a:ext cx="1901275" cy="1565913"/>
           </a:xfrm>
           <a:prstGeom prst="straightConnector1">
@@ -5444,7 +5444,7 @@
         </p:blipFill>
         <p:spPr>
           <a:xfrm flipH="1">
-            <a:off x="4831392" y="3185842"/>
+            <a:off x="4831392" y="2976117"/>
             <a:ext cx="987141" cy="987141"/>
           </a:xfrm>
           <a:prstGeom prst="rect">
@@ -5474,7 +5474,7 @@
         </p:blipFill>
         <p:spPr>
           <a:xfrm>
-            <a:off x="6555219" y="3185842"/>
+            <a:off x="6555219" y="2976117"/>
             <a:ext cx="812698" cy="812698"/>
           </a:xfrm>
           <a:prstGeom prst="rect">
@@ -5490,7 +5490,7 @@
         </p:nvSpPr>
         <p:spPr>
           <a:xfrm>
-            <a:off x="2644629" y="780284"/>
+            <a:off x="6116969" y="911265"/>
             <a:ext cx="2113079" cy="369332"/>
           </a:xfrm>
           <a:prstGeom prst="rect">
@@ -5538,7 +5538,7 @@
         </p:blipFill>
         <p:spPr>
           <a:xfrm>
-            <a:off x="9663583" y="4812100"/>
+            <a:off x="9728265" y="4672917"/>
             <a:ext cx="630252" cy="1159516"/>
           </a:xfrm>
           <a:prstGeom prst="rect">
@@ -5572,7 +5572,7 @@
         </p:blipFill>
         <p:spPr>
           <a:xfrm>
-            <a:off x="5955963" y="3984463"/>
+            <a:off x="5955963" y="3774738"/>
             <a:ext cx="352117" cy="647813"/>
           </a:xfrm>
           <a:prstGeom prst="rect">
@@ -5600,7 +5600,7 @@
         </p:blipFill>
         <p:spPr>
           <a:xfrm>
-            <a:off x="4831392" y="734516"/>
+            <a:off x="5754900" y="1805590"/>
             <a:ext cx="848167" cy="460868"/>
           </a:xfrm>
           <a:prstGeom prst="rect">
@@ -5612,6 +5612,244 @@
           </a:ln>
         </p:spPr>
       </p:pic>
+      <p:sp>
+        <p:nvSpPr>
+          <p:cNvPr id="14" name="TextBox 13"/>
+          <p:cNvSpPr txBox="1"/>
+          <p:nvPr/>
+        </p:nvSpPr>
+        <p:spPr>
+          <a:xfrm>
+            <a:off x="1967371" y="538509"/>
+            <a:ext cx="3459601" cy="369332"/>
+          </a:xfrm>
+          <a:prstGeom prst="rect">
+            <a:avLst/>
+          </a:prstGeom>
+          <a:noFill/>
+        </p:spPr>
+        <p:txBody>
+          <a:bodyPr wrap="none" rtlCol="0">
+            <a:spAutoFit/>
+          </a:bodyPr>
+          <a:lstStyle/>
+          <a:p>
+            <a:r>
+              <a:rPr lang="en-US" altLang="ko-KR" dirty="0"/>
+              <a:t>HP</a:t>
+            </a:r>
+            <a:r>
+              <a:rPr lang="ko-KR" altLang="en-US" dirty="0"/>
+              <a:t>가 먼저 </a:t>
+            </a:r>
+            <a:r>
+              <a:rPr lang="en-US" altLang="ko-KR" dirty="0"/>
+              <a:t>0</a:t>
+            </a:r>
+            <a:r>
+              <a:rPr lang="ko-KR" altLang="en-US" dirty="0"/>
+              <a:t>이 되는 쪽이 진다</a:t>
+            </a:r>
+            <a:r>
+              <a:rPr lang="en-US" altLang="ko-KR" dirty="0"/>
+              <a:t>. </a:t>
+            </a:r>
+            <a:endParaRPr lang="ko-KR" altLang="en-US" dirty="0"/>
+          </a:p>
+        </p:txBody>
+      </p:sp>
+      <p:sp>
+        <p:nvSpPr>
+          <p:cNvPr id="15" name="TextBox 14"/>
+          <p:cNvSpPr txBox="1"/>
+          <p:nvPr/>
+        </p:nvSpPr>
+        <p:spPr>
+          <a:xfrm>
+            <a:off x="1967371" y="901604"/>
+            <a:ext cx="3988592" cy="369332"/>
+          </a:xfrm>
+          <a:prstGeom prst="rect">
+            <a:avLst/>
+          </a:prstGeom>
+          <a:noFill/>
+        </p:spPr>
+        <p:txBody>
+          <a:bodyPr wrap="none" rtlCol="0">
+            <a:spAutoFit/>
+          </a:bodyPr>
+          <a:lstStyle/>
+          <a:p>
+            <a:r>
+              <a:rPr lang="ko-KR" altLang="en-US" dirty="0"/>
+              <a:t>시간이 다 되었을 때 체력이 많은 쪽</a:t>
+            </a:r>
+            <a:r>
+              <a:rPr lang="en-US" altLang="ko-KR" dirty="0"/>
+              <a:t> </a:t>
+            </a:r>
+            <a:endParaRPr lang="ko-KR" altLang="en-US" dirty="0"/>
+          </a:p>
+        </p:txBody>
+      </p:sp>
+      <p:sp>
+        <p:nvSpPr>
+          <p:cNvPr id="16" name="TextBox 15"/>
+          <p:cNvSpPr txBox="1"/>
+          <p:nvPr/>
+        </p:nvSpPr>
+        <p:spPr>
+          <a:xfrm>
+            <a:off x="1139057" y="5258415"/>
+            <a:ext cx="954107" cy="400110"/>
+          </a:xfrm>
+          <a:prstGeom prst="rect">
+            <a:avLst/>
+          </a:prstGeom>
+          <a:noFill/>
+        </p:spPr>
+        <p:txBody>
+          <a:bodyPr wrap="none" rtlCol="0">
+            <a:spAutoFit/>
+          </a:bodyPr>
+          <a:lstStyle/>
+          <a:p>
+            <a:r>
+              <a:rPr lang="ko-KR" altLang="en-US" sz="2000" dirty="0"/>
+              <a:t>아이템</a:t>
+            </a:r>
+          </a:p>
+        </p:txBody>
+      </p:sp>
+      <p:sp>
+        <p:nvSpPr>
+          <p:cNvPr id="3" name="직사각형 2"/>
+          <p:cNvSpPr/>
+          <p:nvPr/>
+        </p:nvSpPr>
+        <p:spPr>
+          <a:xfrm>
+            <a:off x="1139057" y="5627747"/>
+            <a:ext cx="4377771" cy="923330"/>
+          </a:xfrm>
+          <a:prstGeom prst="rect">
+            <a:avLst/>
+          </a:prstGeom>
+        </p:spPr>
+        <p:txBody>
+          <a:bodyPr wrap="square">
+            <a:spAutoFit/>
+          </a:bodyPr>
+          <a:lstStyle/>
+          <a:p>
+            <a:pPr marL="342900" indent="-342900">
+              <a:buAutoNum type="arabicPeriod"/>
+            </a:pPr>
+            <a:r>
+              <a:rPr lang="en-US" altLang="ko-KR" dirty="0"/>
+              <a:t>HP</a:t>
+            </a:r>
+            <a:r>
+              <a:rPr lang="ko-KR" altLang="en-US" dirty="0" err="1"/>
+              <a:t>포션</a:t>
+            </a:r>
+            <a:r>
+              <a:rPr lang="ko-KR" altLang="en-US" dirty="0"/>
+              <a:t> </a:t>
+            </a:r>
+            <a:r>
+              <a:rPr lang="en-US" altLang="ko-KR" dirty="0"/>
+              <a:t>: </a:t>
+            </a:r>
+            <a:r>
+              <a:rPr lang="ko-KR" altLang="en-US" dirty="0"/>
+              <a:t>하트 </a:t>
+            </a:r>
+            <a:r>
+              <a:rPr lang="en-US" altLang="ko-KR" dirty="0"/>
+              <a:t>1</a:t>
+            </a:r>
+            <a:r>
+              <a:rPr lang="ko-KR" altLang="en-US" dirty="0"/>
+              <a:t>개 회복</a:t>
+            </a:r>
+            <a:endParaRPr lang="en-US" altLang="ko-KR" dirty="0"/>
+          </a:p>
+          <a:p>
+            <a:pPr marL="342900" indent="-342900">
+              <a:buAutoNum type="arabicPeriod"/>
+            </a:pPr>
+            <a:r>
+              <a:rPr lang="en-US" altLang="ko-KR" dirty="0"/>
+              <a:t>MP</a:t>
+            </a:r>
+            <a:r>
+              <a:rPr lang="ko-KR" altLang="en-US" dirty="0" err="1"/>
+              <a:t>포션</a:t>
+            </a:r>
+            <a:r>
+              <a:rPr lang="ko-KR" altLang="en-US" dirty="0"/>
+              <a:t> </a:t>
+            </a:r>
+            <a:r>
+              <a:rPr lang="en-US" altLang="ko-KR" dirty="0"/>
+              <a:t>: MP </a:t>
+            </a:r>
+            <a:r>
+              <a:rPr lang="ko-KR" altLang="en-US" dirty="0"/>
+              <a:t>풀 회복</a:t>
+            </a:r>
+            <a:endParaRPr lang="en-US" altLang="ko-KR" dirty="0"/>
+          </a:p>
+          <a:p>
+            <a:pPr marL="342900" indent="-342900">
+              <a:buAutoNum type="arabicPeriod"/>
+            </a:pPr>
+            <a:r>
+              <a:rPr lang="ko-KR" altLang="en-US" dirty="0"/>
+              <a:t>무한 에너지 </a:t>
+            </a:r>
+            <a:r>
+              <a:rPr lang="en-US" altLang="ko-KR" dirty="0"/>
+              <a:t>: 15</a:t>
+            </a:r>
+            <a:r>
+              <a:rPr lang="ko-KR" altLang="en-US" dirty="0"/>
+              <a:t>초간 에너지 무제한</a:t>
+            </a:r>
+            <a:endParaRPr lang="en-US" altLang="ko" dirty="0"/>
+          </a:p>
+        </p:txBody>
+      </p:sp>
+      <p:cxnSp>
+        <p:nvCxnSpPr>
+          <p:cNvPr id="20" name="Shape 110"/>
+          <p:cNvCxnSpPr>
+            <a:cxnSpLocks/>
+            <a:endCxn id="16" idx="3"/>
+          </p:cNvCxnSpPr>
+          <p:nvPr/>
+        </p:nvCxnSpPr>
+        <p:spPr>
+          <a:xfrm flipH="1">
+            <a:off x="2093164" y="4441933"/>
+            <a:ext cx="3064070" cy="1016537"/>
+          </a:xfrm>
+          <a:prstGeom prst="straightConnector1">
+            <a:avLst/>
+          </a:prstGeom>
+          <a:noFill/>
+          <a:ln w="28575" cap="flat" cmpd="sng">
+            <a:solidFill>
+              <a:schemeClr val="accent1"/>
+            </a:solidFill>
+            <a:prstDash val="solid"/>
+            <a:round/>
+            <a:headEnd type="none" w="lg" len="lg"/>
+            <a:tailEnd type="triangle" w="lg" len="lg"/>
+          </a:ln>
+        </p:spPr>
+      </p:cxnSp>
     </p:spTree>
     <p:extLst>
       <p:ext uri="{BB962C8B-B14F-4D97-AF65-F5344CB8AC3E}">
@@ -5650,7 +5888,7 @@
         </p:nvSpPr>
         <p:spPr>
           <a:xfrm>
-            <a:off x="3112220" y="427203"/>
+            <a:off x="3640727" y="427203"/>
             <a:ext cx="7122350" cy="1342239"/>
           </a:xfrm>
           <a:prstGeom prst="rect">
@@ -5714,7 +5952,7 @@
         </p:blipFill>
         <p:spPr>
           <a:xfrm>
-            <a:off x="3335392" y="612251"/>
+            <a:off x="3863899" y="612251"/>
             <a:ext cx="987141" cy="987141"/>
           </a:xfrm>
           <a:prstGeom prst="rect">
@@ -5730,7 +5968,7 @@
         </p:nvSpPr>
         <p:spPr>
           <a:xfrm>
-            <a:off x="4431590" y="625877"/>
+            <a:off x="4960097" y="625877"/>
             <a:ext cx="1531188" cy="923330"/>
           </a:xfrm>
           <a:prstGeom prst="rect">
@@ -5776,7 +6014,7 @@
         </p:nvSpPr>
         <p:spPr>
           <a:xfrm>
-            <a:off x="3112220" y="3549580"/>
+            <a:off x="3640727" y="3549580"/>
             <a:ext cx="7122350" cy="1342239"/>
           </a:xfrm>
           <a:prstGeom prst="rect">
@@ -5826,7 +6064,7 @@
         </p:nvSpPr>
         <p:spPr>
           <a:xfrm>
-            <a:off x="3112220" y="5115802"/>
+            <a:off x="3640727" y="5115802"/>
             <a:ext cx="7122350" cy="1342239"/>
           </a:xfrm>
           <a:prstGeom prst="rect">
@@ -5876,7 +6114,7 @@
         </p:nvSpPr>
         <p:spPr>
           <a:xfrm>
-            <a:off x="3112220" y="1993425"/>
+            <a:off x="3640727" y="1993425"/>
             <a:ext cx="7122350" cy="1342239"/>
           </a:xfrm>
           <a:prstGeom prst="rect">
@@ -5940,7 +6178,7 @@
         </p:blipFill>
         <p:spPr>
           <a:xfrm>
-            <a:off x="3335392" y="2208122"/>
+            <a:off x="3863899" y="2208122"/>
             <a:ext cx="958111" cy="958111"/>
           </a:xfrm>
           <a:prstGeom prst="rect">
@@ -5956,7 +6194,7 @@
         </p:nvSpPr>
         <p:spPr>
           <a:xfrm>
-            <a:off x="4431590" y="2202879"/>
+            <a:off x="4960097" y="2202879"/>
             <a:ext cx="1887524" cy="923330"/>
           </a:xfrm>
           <a:prstGeom prst="rect">
@@ -6016,7 +6254,7 @@
         </p:blipFill>
         <p:spPr>
           <a:xfrm>
-            <a:off x="3420129" y="3756170"/>
+            <a:off x="3948636" y="3756170"/>
             <a:ext cx="812698" cy="812698"/>
           </a:xfrm>
           <a:prstGeom prst="rect">
@@ -6032,7 +6270,7 @@
         </p:nvSpPr>
         <p:spPr>
           <a:xfrm>
-            <a:off x="4431590" y="3756170"/>
+            <a:off x="4960097" y="3756170"/>
             <a:ext cx="1627369" cy="923330"/>
           </a:xfrm>
           <a:prstGeom prst="rect">
@@ -6092,7 +6330,7 @@
         </p:blipFill>
         <p:spPr>
           <a:xfrm>
-            <a:off x="3420129" y="5360117"/>
+            <a:off x="3948636" y="5360117"/>
             <a:ext cx="812698" cy="812698"/>
           </a:xfrm>
           <a:prstGeom prst="rect">
@@ -6108,7 +6346,7 @@
         </p:nvSpPr>
         <p:spPr>
           <a:xfrm>
-            <a:off x="4431590" y="5325256"/>
+            <a:off x="4960097" y="5325256"/>
             <a:ext cx="1449436" cy="923330"/>
           </a:xfrm>
           <a:prstGeom prst="rect">
@@ -6154,7 +6392,7 @@
         </p:nvSpPr>
         <p:spPr>
           <a:xfrm>
-            <a:off x="6319114" y="612251"/>
+            <a:off x="6847621" y="612251"/>
             <a:ext cx="1105239" cy="973515"/>
           </a:xfrm>
           <a:prstGeom prst="rect">
@@ -6218,7 +6456,7 @@
         </p:nvSpPr>
         <p:spPr>
           <a:xfrm>
-            <a:off x="7619407" y="612251"/>
+            <a:off x="8147914" y="612251"/>
             <a:ext cx="1105239" cy="973515"/>
           </a:xfrm>
           <a:prstGeom prst="rect">
@@ -6298,7 +6536,7 @@
         </p:nvSpPr>
         <p:spPr>
           <a:xfrm>
-            <a:off x="6319114" y="2189253"/>
+            <a:off x="6847621" y="2189253"/>
             <a:ext cx="1105239" cy="973515"/>
           </a:xfrm>
           <a:prstGeom prst="rect">
@@ -6362,7 +6600,7 @@
         </p:nvSpPr>
         <p:spPr>
           <a:xfrm>
-            <a:off x="7619407" y="2189253"/>
+            <a:off x="8147914" y="2189253"/>
             <a:ext cx="1105239" cy="973515"/>
           </a:xfrm>
           <a:prstGeom prst="rect">
@@ -6421,7 +6659,7 @@
         </p:nvSpPr>
         <p:spPr>
           <a:xfrm>
-            <a:off x="6319114" y="5266234"/>
+            <a:off x="6847621" y="5266234"/>
             <a:ext cx="1105239" cy="973515"/>
           </a:xfrm>
           <a:prstGeom prst="rect">
@@ -6485,7 +6723,7 @@
         </p:nvSpPr>
         <p:spPr>
           <a:xfrm>
-            <a:off x="7619407" y="5266234"/>
+            <a:off x="8147914" y="5266234"/>
             <a:ext cx="1105239" cy="973515"/>
           </a:xfrm>
           <a:prstGeom prst="rect">
@@ -6544,7 +6782,7 @@
         </p:nvSpPr>
         <p:spPr>
           <a:xfrm>
-            <a:off x="6319114" y="3728351"/>
+            <a:off x="6847621" y="3728351"/>
             <a:ext cx="1105239" cy="973515"/>
           </a:xfrm>
           <a:prstGeom prst="rect">
@@ -6608,7 +6846,7 @@
         </p:nvSpPr>
         <p:spPr>
           <a:xfrm>
-            <a:off x="7619407" y="3728351"/>
+            <a:off x="8147914" y="3728351"/>
             <a:ext cx="1105239" cy="973515"/>
           </a:xfrm>
           <a:prstGeom prst="rect">
@@ -6667,7 +6905,7 @@
         </p:nvSpPr>
         <p:spPr>
           <a:xfrm>
-            <a:off x="8919700" y="612251"/>
+            <a:off x="9448207" y="612251"/>
             <a:ext cx="1105239" cy="973515"/>
           </a:xfrm>
           <a:prstGeom prst="rect">
@@ -6726,7 +6964,7 @@
         </p:nvSpPr>
         <p:spPr>
           <a:xfrm>
-            <a:off x="8919700" y="2189253"/>
+            <a:off x="9448207" y="2189253"/>
             <a:ext cx="1105239" cy="973515"/>
           </a:xfrm>
           <a:prstGeom prst="rect">
@@ -6785,7 +7023,7 @@
         </p:nvSpPr>
         <p:spPr>
           <a:xfrm>
-            <a:off x="8919700" y="5266234"/>
+            <a:off x="9448207" y="5266234"/>
             <a:ext cx="1105239" cy="973515"/>
           </a:xfrm>
           <a:prstGeom prst="rect">
@@ -6844,7 +7082,7 @@
         </p:nvSpPr>
         <p:spPr>
           <a:xfrm>
-            <a:off x="8919700" y="3728351"/>
+            <a:off x="9448207" y="3728351"/>
             <a:ext cx="1105239" cy="973515"/>
           </a:xfrm>
           <a:prstGeom prst="rect">
@@ -6891,6 +7129,35 @@
                 </a:solidFill>
               </a:rPr>
               <a:t>반격</a:t>
+            </a:r>
+          </a:p>
+        </p:txBody>
+      </p:sp>
+      <p:sp>
+        <p:nvSpPr>
+          <p:cNvPr id="31" name="TextBox 30"/>
+          <p:cNvSpPr txBox="1"/>
+          <p:nvPr/>
+        </p:nvSpPr>
+        <p:spPr>
+          <a:xfrm>
+            <a:off x="763398" y="671119"/>
+            <a:ext cx="1882247" cy="369332"/>
+          </a:xfrm>
+          <a:prstGeom prst="rect">
+            <a:avLst/>
+          </a:prstGeom>
+          <a:noFill/>
+        </p:spPr>
+        <p:txBody>
+          <a:bodyPr wrap="none" rtlCol="0">
+            <a:spAutoFit/>
+          </a:bodyPr>
+          <a:lstStyle/>
+          <a:p>
+            <a:r>
+              <a:rPr lang="ko-KR" altLang="en-US" b="1" dirty="0"/>
+              <a:t>캐릭터별 능력치</a:t>
             </a:r>
           </a:p>
         </p:txBody>
@@ -7624,7 +7891,7 @@
         <p:spPr>
           <a:xfrm>
             <a:off x="751375" y="1400806"/>
-            <a:ext cx="2916183" cy="1477328"/>
+            <a:ext cx="2916183" cy="1754326"/>
           </a:xfrm>
           <a:prstGeom prst="rect">
             <a:avLst/>
@@ -7668,6 +7935,25 @@
             <a:r>
               <a:rPr lang="ko-KR" altLang="en-US" dirty="0"/>
               <a:t>몸체크기</a:t>
+            </a:r>
+            <a:endParaRPr lang="en-US" altLang="ko-KR" dirty="0"/>
+          </a:p>
+          <a:p>
+            <a:r>
+              <a:rPr lang="ko-KR" altLang="en-US" dirty="0" err="1"/>
+              <a:t>쿨다운</a:t>
+            </a:r>
+            <a:r>
+              <a:rPr lang="ko-KR" altLang="en-US" dirty="0"/>
+              <a:t> </a:t>
+            </a:r>
+            <a:r>
+              <a:rPr lang="en-US" altLang="ko-KR" dirty="0"/>
+              <a:t>: </a:t>
+            </a:r>
+            <a:r>
+              <a:rPr lang="ko-KR" altLang="en-US" dirty="0"/>
+              <a:t>없음</a:t>
             </a:r>
             <a:endParaRPr lang="en-US" altLang="ko-KR" dirty="0"/>
           </a:p>
@@ -8323,7 +8609,7 @@
         <p:spPr>
           <a:xfrm>
             <a:off x="2989368" y="1822102"/>
-            <a:ext cx="2953053" cy="1200329"/>
+            <a:ext cx="2953053" cy="1477328"/>
           </a:xfrm>
           <a:prstGeom prst="rect">
             <a:avLst/>
@@ -8361,11 +8647,34 @@
             </a:r>
             <a:r>
               <a:rPr lang="en-US" altLang="ko-KR" dirty="0"/>
-              <a:t>: 1</a:t>
+              <a:t>: 1.5</a:t>
             </a:r>
             <a:r>
               <a:rPr lang="ko-KR" altLang="en-US" dirty="0"/>
               <a:t>초</a:t>
+            </a:r>
+            <a:endParaRPr lang="en-US" altLang="ko-KR" dirty="0"/>
+          </a:p>
+          <a:p>
+            <a:r>
+              <a:rPr lang="ko-KR" altLang="en-US" dirty="0"/>
+              <a:t>속도 </a:t>
+            </a:r>
+            <a:r>
+              <a:rPr lang="en-US" altLang="ko-KR" dirty="0"/>
+              <a:t>: </a:t>
+            </a:r>
+            <a:r>
+              <a:rPr lang="ko-KR" altLang="en-US" dirty="0"/>
+              <a:t>이동속도의 </a:t>
+            </a:r>
+            <a:r>
+              <a:rPr lang="en-US" altLang="ko-KR" dirty="0"/>
+              <a:t>1.5</a:t>
+            </a:r>
+            <a:r>
+              <a:rPr lang="ko-KR" altLang="en-US" dirty="0"/>
+              <a:t>배</a:t>
             </a:r>
             <a:endParaRPr lang="en-US" altLang="ko-KR" dirty="0"/>
           </a:p>
@@ -10635,7 +10944,7 @@
           </a:ln>
           <a:extLst>
             <a:ext uri="{C572A759-6A51-4108-AA02-DFA0A04FC94B}">
-              <ma14:wrappingTextBoxFlag xmlns:ma14="http://schemas.microsoft.com/office/mac/drawingml/2011/main" xmlns="" val="1"/>
+              <ma14:wrappingTextBoxFlag xmlns="" xmlns:ma14="http://schemas.microsoft.com/office/mac/drawingml/2011/main" val="1"/>
             </a:ext>
           </a:extLst>
         </p:spPr>
@@ -10990,7 +11299,7 @@
         </p:nvSpPr>
         <p:spPr>
           <a:xfrm>
-            <a:off x="3630013" y="1964903"/>
+            <a:off x="3075374" y="1964903"/>
             <a:ext cx="5573962" cy="923330"/>
           </a:xfrm>
           <a:prstGeom prst="rect">
@@ -11020,7 +11329,7 @@
             </a:r>
             <a:r>
               <a:rPr lang="en-US" altLang="ko-KR" dirty="0"/>
-              <a:t>: 250  </a:t>
+              <a:t>: 400 </a:t>
             </a:r>
           </a:p>
           <a:p>
@@ -11610,7 +11919,7 @@
         </p:nvSpPr>
         <p:spPr>
           <a:xfrm>
-            <a:off x="4243368" y="2804390"/>
+            <a:off x="4169300" y="3132092"/>
             <a:ext cx="1189749" cy="369332"/>
           </a:xfrm>
           <a:prstGeom prst="rect">
@@ -11718,7 +12027,7 @@
         <p:spPr>
           <a:xfrm>
             <a:off x="2671456" y="1821862"/>
-            <a:ext cx="3310522" cy="923330"/>
+            <a:ext cx="3438762" cy="1200329"/>
           </a:xfrm>
           <a:prstGeom prst="rect">
             <a:avLst/>
@@ -11749,6 +12058,29 @@
               <a:rPr lang="en-US" altLang="ko-KR" dirty="0"/>
               <a:t>: 300</a:t>
             </a:r>
+          </a:p>
+          <a:p>
+            <a:r>
+              <a:rPr lang="ko-KR" altLang="en-US" dirty="0"/>
+              <a:t>속도 </a:t>
+            </a:r>
+            <a:r>
+              <a:rPr lang="en-US" altLang="ko-KR" dirty="0"/>
+              <a:t>: </a:t>
+            </a:r>
+            <a:r>
+              <a:rPr lang="ko-KR" altLang="en-US" dirty="0"/>
+              <a:t>일반공격</a:t>
+            </a:r>
+            <a:r>
+              <a:rPr lang="en-US" altLang="ko-KR" dirty="0"/>
+              <a:t>(Launch)</a:t>
+            </a:r>
+            <a:r>
+              <a:rPr lang="ko-KR" altLang="en-US" dirty="0"/>
+              <a:t>와 같음</a:t>
+            </a:r>
+            <a:endParaRPr lang="en-US" altLang="ko-KR" dirty="0"/>
           </a:p>
           <a:p>
             <a:r>
@@ -12274,7 +12606,7 @@
         <p:spPr>
           <a:xfrm>
             <a:off x="3884103" y="4930607"/>
-            <a:ext cx="3993401" cy="1477328"/>
+            <a:ext cx="4931158" cy="1477328"/>
           </a:xfrm>
           <a:prstGeom prst="rect">
             <a:avLst/>
@@ -12293,7 +12625,23 @@
             </a:r>
             <a:r>
               <a:rPr lang="en-US" altLang="ko-KR" dirty="0"/>
-              <a:t>: 1</a:t>
+              <a:t>: </a:t>
+            </a:r>
+            <a:r>
+              <a:rPr lang="ko-KR" altLang="en-US" dirty="0"/>
+              <a:t>독가스 안에서 </a:t>
+            </a:r>
+            <a:r>
+              <a:rPr lang="en-US" altLang="ko-KR" dirty="0"/>
+              <a:t>2</a:t>
+            </a:r>
+            <a:r>
+              <a:rPr lang="ko-KR" altLang="en-US" dirty="0"/>
+              <a:t>초 이상 있을 경우 </a:t>
+            </a:r>
+            <a:r>
+              <a:rPr lang="en-US" altLang="ko-KR" dirty="0"/>
+              <a:t>-1</a:t>
             </a:r>
           </a:p>
           <a:p>
@@ -12311,7 +12659,7 @@
             </a:r>
             <a:r>
               <a:rPr lang="en-US" altLang="ko-KR" dirty="0"/>
-              <a:t>100</a:t>
+              <a:t>150</a:t>
             </a:r>
           </a:p>
           <a:p>
@@ -12323,6 +12671,19 @@
               <a:rPr lang="en-US" altLang="ko-KR" dirty="0"/>
               <a:t>: </a:t>
             </a:r>
+            <a:r>
+              <a:rPr lang="ko-KR" altLang="en-US" dirty="0"/>
+              <a:t>발생부터 </a:t>
+            </a:r>
+            <a:r>
+              <a:rPr lang="en-US" altLang="ko-KR" dirty="0"/>
+              <a:t>4</a:t>
+            </a:r>
+            <a:r>
+              <a:rPr lang="ko-KR" altLang="en-US" dirty="0"/>
+              <a:t>초</a:t>
+            </a:r>
+            <a:endParaRPr lang="en-US" altLang="ko-KR" dirty="0"/>
           </a:p>
           <a:p>
             <a:r>
@@ -12576,7 +12937,7 @@
           </a:effectLst>
           <a:extLst>
             <a:ext uri="{C572A759-6A51-4108-AA02-DFA0A04FC94B}">
-              <ma14:wrappingTextBoxFlag xmlns:ma14="http://schemas.microsoft.com/office/mac/drawingml/2011/main" xmlns="" val="1"/>
+              <ma14:wrappingTextBoxFlag xmlns="" xmlns:ma14="http://schemas.microsoft.com/office/mac/drawingml/2011/main" val="1"/>
             </a:ext>
           </a:extLst>
         </p:spPr>
@@ -12629,7 +12990,7 @@
           </a:effectLst>
           <a:extLst>
             <a:ext uri="{C572A759-6A51-4108-AA02-DFA0A04FC94B}">
-              <ma14:wrappingTextBoxFlag xmlns:ma14="http://schemas.microsoft.com/office/mac/drawingml/2011/main" xmlns="" val="1"/>
+              <ma14:wrappingTextBoxFlag xmlns="" xmlns:ma14="http://schemas.microsoft.com/office/mac/drawingml/2011/main" val="1"/>
             </a:ext>
           </a:extLst>
         </p:spPr>
@@ -12682,7 +13043,7 @@
           </a:effectLst>
           <a:extLst>
             <a:ext uri="{C572A759-6A51-4108-AA02-DFA0A04FC94B}">
-              <ma14:wrappingTextBoxFlag xmlns:ma14="http://schemas.microsoft.com/office/mac/drawingml/2011/main" xmlns="" val="1"/>
+              <ma14:wrappingTextBoxFlag xmlns="" xmlns:ma14="http://schemas.microsoft.com/office/mac/drawingml/2011/main" val="1"/>
             </a:ext>
           </a:extLst>
         </p:spPr>
@@ -12734,7 +13095,7 @@
           </a:effectLst>
           <a:extLst>
             <a:ext uri="{C572A759-6A51-4108-AA02-DFA0A04FC94B}">
-              <ma14:wrappingTextBoxFlag xmlns:ma14="http://schemas.microsoft.com/office/mac/drawingml/2011/main" xmlns="" val="1"/>
+              <ma14:wrappingTextBoxFlag xmlns="" xmlns:ma14="http://schemas.microsoft.com/office/mac/drawingml/2011/main" val="1"/>
             </a:ext>
           </a:extLst>
         </p:spPr>
@@ -12787,7 +13148,7 @@
           </a:effectLst>
           <a:extLst>
             <a:ext uri="{C572A759-6A51-4108-AA02-DFA0A04FC94B}">
-              <ma14:wrappingTextBoxFlag xmlns:ma14="http://schemas.microsoft.com/office/mac/drawingml/2011/main" xmlns="" val="1"/>
+              <ma14:wrappingTextBoxFlag xmlns="" xmlns:ma14="http://schemas.microsoft.com/office/mac/drawingml/2011/main" val="1"/>
             </a:ext>
           </a:extLst>
         </p:spPr>
@@ -12836,7 +13197,7 @@
           </a:ln>
           <a:extLst>
             <a:ext uri="{C572A759-6A51-4108-AA02-DFA0A04FC94B}">
-              <ma14:wrappingTextBoxFlag xmlns:ma14="http://schemas.microsoft.com/office/mac/drawingml/2011/main" xmlns="" val="1"/>
+              <ma14:wrappingTextBoxFlag xmlns="" xmlns:ma14="http://schemas.microsoft.com/office/mac/drawingml/2011/main" val="1"/>
             </a:ext>
           </a:extLst>
         </p:spPr>
@@ -12893,7 +13254,7 @@
           </a:ln>
           <a:extLst>
             <a:ext uri="{C572A759-6A51-4108-AA02-DFA0A04FC94B}">
-              <ma14:wrappingTextBoxFlag xmlns:ma14="http://schemas.microsoft.com/office/mac/drawingml/2011/main" xmlns="" val="1"/>
+              <ma14:wrappingTextBoxFlag xmlns="" xmlns:ma14="http://schemas.microsoft.com/office/mac/drawingml/2011/main" val="1"/>
             </a:ext>
           </a:extLst>
         </p:spPr>
@@ -12949,7 +13310,7 @@
           </a:ln>
           <a:extLst>
             <a:ext uri="{C572A759-6A51-4108-AA02-DFA0A04FC94B}">
-              <ma14:wrappingTextBoxFlag xmlns:ma14="http://schemas.microsoft.com/office/mac/drawingml/2011/main" xmlns="" val="1"/>
+              <ma14:wrappingTextBoxFlag xmlns="" xmlns:ma14="http://schemas.microsoft.com/office/mac/drawingml/2011/main" val="1"/>
             </a:ext>
           </a:extLst>
         </p:spPr>
@@ -13019,7 +13380,7 @@
           </a:ln>
           <a:extLst>
             <a:ext uri="{C572A759-6A51-4108-AA02-DFA0A04FC94B}">
-              <ma14:wrappingTextBoxFlag xmlns:ma14="http://schemas.microsoft.com/office/mac/drawingml/2011/main" xmlns="" val="1"/>
+              <ma14:wrappingTextBoxFlag xmlns="" xmlns:ma14="http://schemas.microsoft.com/office/mac/drawingml/2011/main" val="1"/>
             </a:ext>
           </a:extLst>
         </p:spPr>
@@ -13263,7 +13624,7 @@
           </a:ln>
           <a:extLst>
             <a:ext uri="{C572A759-6A51-4108-AA02-DFA0A04FC94B}">
-              <ma14:wrappingTextBoxFlag xmlns:ma14="http://schemas.microsoft.com/office/mac/drawingml/2011/main" xmlns="" val="1"/>
+              <ma14:wrappingTextBoxFlag xmlns="" xmlns:ma14="http://schemas.microsoft.com/office/mac/drawingml/2011/main" val="1"/>
             </a:ext>
           </a:extLst>
         </p:spPr>
@@ -15428,7 +15789,7 @@
             </a:ln>
             <a:extLst>
               <a:ext uri="{C572A759-6A51-4108-AA02-DFA0A04FC94B}">
-                <ma14:wrappingTextBoxFlag xmlns:ma14="http://schemas.microsoft.com/office/mac/drawingml/2011/main" xmlns="" val="1"/>
+                <ma14:wrappingTextBoxFlag xmlns="" xmlns:ma14="http://schemas.microsoft.com/office/mac/drawingml/2011/main" val="1"/>
               </a:ext>
             </a:extLst>
           </p:spPr>
@@ -15472,7 +15833,7 @@
             </a:ln>
             <a:extLst>
               <a:ext uri="{C572A759-6A51-4108-AA02-DFA0A04FC94B}">
-                <ma14:wrappingTextBoxFlag xmlns:ma14="http://schemas.microsoft.com/office/mac/drawingml/2011/main" xmlns="" val="1"/>
+                <ma14:wrappingTextBoxFlag xmlns="" xmlns:ma14="http://schemas.microsoft.com/office/mac/drawingml/2011/main" val="1"/>
               </a:ext>
             </a:extLst>
           </p:spPr>
@@ -15516,7 +15877,7 @@
             </a:ln>
             <a:extLst>
               <a:ext uri="{C572A759-6A51-4108-AA02-DFA0A04FC94B}">
-                <ma14:wrappingTextBoxFlag xmlns:ma14="http://schemas.microsoft.com/office/mac/drawingml/2011/main" xmlns="" val="1"/>
+                <ma14:wrappingTextBoxFlag xmlns="" xmlns:ma14="http://schemas.microsoft.com/office/mac/drawingml/2011/main" val="1"/>
               </a:ext>
             </a:extLst>
           </p:spPr>
@@ -15677,7 +16038,7 @@
             </a:effectLst>
             <a:extLst>
               <a:ext uri="{C572A759-6A51-4108-AA02-DFA0A04FC94B}">
-                <ma14:wrappingTextBoxFlag xmlns:ma14="http://schemas.microsoft.com/office/mac/drawingml/2011/main" xmlns="" val="1"/>
+                <ma14:wrappingTextBoxFlag xmlns="" xmlns:ma14="http://schemas.microsoft.com/office/mac/drawingml/2011/main" val="1"/>
               </a:ext>
             </a:extLst>
           </p:spPr>
@@ -15737,7 +16098,7 @@
             </a:effectLst>
             <a:extLst>
               <a:ext uri="{C572A759-6A51-4108-AA02-DFA0A04FC94B}">
-                <ma14:wrappingTextBoxFlag xmlns:ma14="http://schemas.microsoft.com/office/mac/drawingml/2011/main" xmlns="" val="1"/>
+                <ma14:wrappingTextBoxFlag xmlns="" xmlns:ma14="http://schemas.microsoft.com/office/mac/drawingml/2011/main" val="1"/>
               </a:ext>
             </a:extLst>
           </p:spPr>
@@ -15792,7 +16153,7 @@
             </a:effectLst>
             <a:extLst>
               <a:ext uri="{C572A759-6A51-4108-AA02-DFA0A04FC94B}">
-                <ma14:wrappingTextBoxFlag xmlns:ma14="http://schemas.microsoft.com/office/mac/drawingml/2011/main" xmlns="" val="1"/>
+                <ma14:wrappingTextBoxFlag xmlns="" xmlns:ma14="http://schemas.microsoft.com/office/mac/drawingml/2011/main" val="1"/>
               </a:ext>
             </a:extLst>
           </p:spPr>
@@ -15836,7 +16197,7 @@
             </a:ln>
             <a:extLst>
               <a:ext uri="{C572A759-6A51-4108-AA02-DFA0A04FC94B}">
-                <ma14:wrappingTextBoxFlag xmlns:ma14="http://schemas.microsoft.com/office/mac/drawingml/2011/main" xmlns="" val="1"/>
+                <ma14:wrappingTextBoxFlag xmlns="" xmlns:ma14="http://schemas.microsoft.com/office/mac/drawingml/2011/main" val="1"/>
               </a:ext>
             </a:extLst>
           </p:spPr>
@@ -16031,7 +16392,7 @@
             </a:effectLst>
             <a:extLst>
               <a:ext uri="{C572A759-6A51-4108-AA02-DFA0A04FC94B}">
-                <ma14:wrappingTextBoxFlag xmlns:ma14="http://schemas.microsoft.com/office/mac/drawingml/2011/main" xmlns="" val="1"/>
+                <ma14:wrappingTextBoxFlag xmlns="" xmlns:ma14="http://schemas.microsoft.com/office/mac/drawingml/2011/main" val="1"/>
               </a:ext>
             </a:extLst>
           </p:spPr>
@@ -16209,8 +16570,8 @@
         </p:nvSpPr>
         <p:spPr>
           <a:xfrm>
-            <a:off x="4682442" y="162749"/>
-            <a:ext cx="2374776" cy="606400"/>
+            <a:off x="5251508" y="319291"/>
+            <a:ext cx="1805710" cy="449858"/>
           </a:xfrm>
           <a:prstGeom prst="rect">
             <a:avLst/>
@@ -16228,14 +16589,14 @@
           <a:p>
             <a:pPr algn="ctr"/>
             <a:r>
-              <a:rPr lang="ko" altLang="en-US" sz="2400"/>
+              <a:rPr lang="ko" altLang="en-US" dirty="0"/>
               <a:t>제한시간 </a:t>
             </a:r>
             <a:r>
-              <a:rPr lang="ko-KR" altLang="en-US" sz="2400" dirty="0"/>
+              <a:rPr lang="ko-KR" altLang="en-US" dirty="0"/>
               <a:t>표시</a:t>
             </a:r>
-            <a:endParaRPr lang="ko" altLang="en-US" sz="2400" dirty="0"/>
+            <a:endParaRPr lang="ko" altLang="en-US" dirty="0"/>
           </a:p>
         </p:txBody>
       </p:sp>
@@ -16247,8 +16608,8 @@
         </p:nvSpPr>
         <p:spPr>
           <a:xfrm>
-            <a:off x="1576065" y="6314941"/>
-            <a:ext cx="3106377" cy="606400"/>
+            <a:off x="1862039" y="6385572"/>
+            <a:ext cx="2361998" cy="449858"/>
           </a:xfrm>
           <a:prstGeom prst="rect">
             <a:avLst/>
@@ -16266,38 +16627,12 @@
           <a:p>
             <a:pPr algn="ctr"/>
             <a:r>
-              <a:rPr lang="ko" altLang="en-US" sz="2400" dirty="0"/>
+              <a:rPr lang="ko" altLang="en-US" dirty="0"/>
               <a:t>플레이어 상태창</a:t>
             </a:r>
           </a:p>
         </p:txBody>
       </p:sp>
-      <p:cxnSp>
-        <p:nvCxnSpPr>
-          <p:cNvPr id="17" name="Shape 97"/>
-          <p:cNvCxnSpPr/>
-          <p:nvPr/>
-        </p:nvCxnSpPr>
-        <p:spPr>
-          <a:xfrm rot="10800000">
-            <a:off x="2278058" y="4389220"/>
-            <a:ext cx="1597200" cy="90400"/>
-          </a:xfrm>
-          <a:prstGeom prst="straightConnector1">
-            <a:avLst/>
-          </a:prstGeom>
-          <a:noFill/>
-          <a:ln w="9525" cap="flat" cmpd="sng">
-            <a:solidFill>
-              <a:schemeClr val="accent1"/>
-            </a:solidFill>
-            <a:prstDash val="solid"/>
-            <a:round/>
-            <a:headEnd type="none" w="lg" len="lg"/>
-            <a:tailEnd type="triangle" w="lg" len="lg"/>
-          </a:ln>
-        </p:spPr>
-      </p:cxnSp>
       <p:sp>
         <p:nvSpPr>
           <p:cNvPr id="21" name="Shape 101"/>
@@ -16306,8 +16641,8 @@
         </p:nvSpPr>
         <p:spPr>
           <a:xfrm>
-            <a:off x="7160888" y="160233"/>
-            <a:ext cx="2528400" cy="606400"/>
+            <a:off x="7766766" y="316775"/>
+            <a:ext cx="1922521" cy="449858"/>
           </a:xfrm>
           <a:prstGeom prst="rect">
             <a:avLst/>
@@ -16325,7 +16660,7 @@
           <a:p>
             <a:pPr algn="ctr"/>
             <a:r>
-              <a:rPr lang="ko" altLang="en-US" sz="2400" dirty="0"/>
+              <a:rPr lang="ko" altLang="en-US" dirty="0"/>
               <a:t>카메라 범위</a:t>
             </a:r>
           </a:p>
@@ -17223,9 +17558,9 @@
           <p:nvPr/>
         </p:nvCxnSpPr>
         <p:spPr>
-          <a:xfrm flipH="1" flipV="1">
-            <a:off x="5869830" y="769149"/>
-            <a:ext cx="216224" cy="1061183"/>
+          <a:xfrm flipV="1">
+            <a:off x="6086054" y="769149"/>
+            <a:ext cx="68309" cy="1061183"/>
           </a:xfrm>
           <a:prstGeom prst="straightConnector1">
             <a:avLst/>
@@ -17247,14 +17582,15 @@
           <p:cNvPr id="30" name="Shape 111"/>
           <p:cNvCxnSpPr>
             <a:cxnSpLocks/>
+            <a:stCxn id="6" idx="2"/>
             <a:endCxn id="12" idx="0"/>
           </p:cNvCxnSpPr>
           <p:nvPr/>
         </p:nvCxnSpPr>
         <p:spPr>
           <a:xfrm>
-            <a:off x="3028426" y="5288077"/>
-            <a:ext cx="100828" cy="1026864"/>
+            <a:off x="2949175" y="5684353"/>
+            <a:ext cx="93863" cy="701219"/>
           </a:xfrm>
           <a:prstGeom prst="straightConnector1">
             <a:avLst/>
@@ -17428,7 +17764,7 @@
             </a:effectLst>
             <a:extLst>
               <a:ext uri="{C572A759-6A51-4108-AA02-DFA0A04FC94B}">
-                <ma14:wrappingTextBoxFlag xmlns:ma14="http://schemas.microsoft.com/office/mac/drawingml/2011/main" xmlns="" val="1"/>
+                <ma14:wrappingTextBoxFlag xmlns="" xmlns:ma14="http://schemas.microsoft.com/office/mac/drawingml/2011/main" val="1"/>
               </a:ext>
             </a:extLst>
           </p:spPr>
@@ -17482,7 +17818,7 @@
             </a:effectLst>
             <a:extLst>
               <a:ext uri="{C572A759-6A51-4108-AA02-DFA0A04FC94B}">
-                <ma14:wrappingTextBoxFlag xmlns:ma14="http://schemas.microsoft.com/office/mac/drawingml/2011/main" xmlns="" val="1"/>
+                <ma14:wrappingTextBoxFlag xmlns="" xmlns:ma14="http://schemas.microsoft.com/office/mac/drawingml/2011/main" val="1"/>
               </a:ext>
             </a:extLst>
           </p:spPr>
@@ -17536,7 +17872,7 @@
             </a:effectLst>
             <a:extLst>
               <a:ext uri="{C572A759-6A51-4108-AA02-DFA0A04FC94B}">
-                <ma14:wrappingTextBoxFlag xmlns:ma14="http://schemas.microsoft.com/office/mac/drawingml/2011/main" xmlns="" val="1"/>
+                <ma14:wrappingTextBoxFlag xmlns="" xmlns:ma14="http://schemas.microsoft.com/office/mac/drawingml/2011/main" val="1"/>
               </a:ext>
             </a:extLst>
           </p:spPr>
@@ -17580,7 +17916,7 @@
             </a:ln>
             <a:extLst>
               <a:ext uri="{C572A759-6A51-4108-AA02-DFA0A04FC94B}">
-                <ma14:wrappingTextBoxFlag xmlns:ma14="http://schemas.microsoft.com/office/mac/drawingml/2011/main" xmlns="" val="1"/>
+                <ma14:wrappingTextBoxFlag xmlns="" xmlns:ma14="http://schemas.microsoft.com/office/mac/drawingml/2011/main" val="1"/>
               </a:ext>
             </a:extLst>
           </p:spPr>
@@ -17718,7 +18054,7 @@
             </a:ln>
             <a:extLst>
               <a:ext uri="{C572A759-6A51-4108-AA02-DFA0A04FC94B}">
-                <ma14:wrappingTextBoxFlag xmlns:ma14="http://schemas.microsoft.com/office/mac/drawingml/2011/main" xmlns="" val="1"/>
+                <ma14:wrappingTextBoxFlag xmlns="" xmlns:ma14="http://schemas.microsoft.com/office/mac/drawingml/2011/main" val="1"/>
               </a:ext>
             </a:extLst>
           </p:spPr>
@@ -17771,7 +18107,7 @@
             </a:ln>
             <a:extLst>
               <a:ext uri="{C572A759-6A51-4108-AA02-DFA0A04FC94B}">
-                <ma14:wrappingTextBoxFlag xmlns:ma14="http://schemas.microsoft.com/office/mac/drawingml/2011/main" xmlns="" val="1"/>
+                <ma14:wrappingTextBoxFlag xmlns="" xmlns:ma14="http://schemas.microsoft.com/office/mac/drawingml/2011/main" val="1"/>
               </a:ext>
             </a:extLst>
           </p:spPr>
@@ -17840,7 +18176,7 @@
             </a:ln>
             <a:extLst>
               <a:ext uri="{C572A759-6A51-4108-AA02-DFA0A04FC94B}">
-                <ma14:wrappingTextBoxFlag xmlns:ma14="http://schemas.microsoft.com/office/mac/drawingml/2011/main" xmlns="" val="1"/>
+                <ma14:wrappingTextBoxFlag xmlns="" xmlns:ma14="http://schemas.microsoft.com/office/mac/drawingml/2011/main" val="1"/>
               </a:ext>
             </a:extLst>
           </p:spPr>
@@ -17981,7 +18317,7 @@
             </a:ln>
             <a:extLst>
               <a:ext uri="{C572A759-6A51-4108-AA02-DFA0A04FC94B}">
-                <ma14:wrappingTextBoxFlag xmlns:ma14="http://schemas.microsoft.com/office/mac/drawingml/2011/main" xmlns="" val="1"/>
+                <ma14:wrappingTextBoxFlag xmlns="" xmlns:ma14="http://schemas.microsoft.com/office/mac/drawingml/2011/main" val="1"/>
               </a:ext>
             </a:extLst>
           </p:spPr>
@@ -18170,7 +18506,7 @@
             </a:ln>
             <a:extLst>
               <a:ext uri="{C572A759-6A51-4108-AA02-DFA0A04FC94B}">
-                <ma14:wrappingTextBoxFlag xmlns:ma14="http://schemas.microsoft.com/office/mac/drawingml/2011/main" xmlns="" val="1"/>
+                <ma14:wrappingTextBoxFlag xmlns="" xmlns:ma14="http://schemas.microsoft.com/office/mac/drawingml/2011/main" val="1"/>
               </a:ext>
             </a:extLst>
           </p:spPr>
@@ -18238,7 +18574,7 @@
             </a:effectLst>
             <a:extLst>
               <a:ext uri="{C572A759-6A51-4108-AA02-DFA0A04FC94B}">
-                <ma14:wrappingTextBoxFlag xmlns:ma14="http://schemas.microsoft.com/office/mac/drawingml/2011/main" xmlns="" val="1"/>
+                <ma14:wrappingTextBoxFlag xmlns="" xmlns:ma14="http://schemas.microsoft.com/office/mac/drawingml/2011/main" val="1"/>
               </a:ext>
             </a:extLst>
           </p:spPr>
@@ -18292,7 +18628,7 @@
             </a:effectLst>
             <a:extLst>
               <a:ext uri="{C572A759-6A51-4108-AA02-DFA0A04FC94B}">
-                <ma14:wrappingTextBoxFlag xmlns:ma14="http://schemas.microsoft.com/office/mac/drawingml/2011/main" xmlns="" val="1"/>
+                <ma14:wrappingTextBoxFlag xmlns="" xmlns:ma14="http://schemas.microsoft.com/office/mac/drawingml/2011/main" val="1"/>
               </a:ext>
             </a:extLst>
           </p:spPr>
@@ -18348,7 +18684,7 @@
             </a:effectLst>
             <a:extLst>
               <a:ext uri="{C572A759-6A51-4108-AA02-DFA0A04FC94B}">
-                <ma14:wrappingTextBoxFlag xmlns:ma14="http://schemas.microsoft.com/office/mac/drawingml/2011/main" xmlns="" val="1"/>
+                <ma14:wrappingTextBoxFlag xmlns="" xmlns:ma14="http://schemas.microsoft.com/office/mac/drawingml/2011/main" val="1"/>
               </a:ext>
             </a:extLst>
           </p:spPr>
@@ -18527,7 +18863,7 @@
             </a:ln>
             <a:extLst>
               <a:ext uri="{C572A759-6A51-4108-AA02-DFA0A04FC94B}">
-                <ma14:wrappingTextBoxFlag xmlns:ma14="http://schemas.microsoft.com/office/mac/drawingml/2011/main" xmlns="" val="1"/>
+                <ma14:wrappingTextBoxFlag xmlns="" xmlns:ma14="http://schemas.microsoft.com/office/mac/drawingml/2011/main" val="1"/>
               </a:ext>
             </a:extLst>
           </p:spPr>
@@ -18582,7 +18918,7 @@
             </a:effectLst>
             <a:extLst>
               <a:ext uri="{C572A759-6A51-4108-AA02-DFA0A04FC94B}">
-                <ma14:wrappingTextBoxFlag xmlns:ma14="http://schemas.microsoft.com/office/mac/drawingml/2011/main" xmlns="" val="1"/>
+                <ma14:wrappingTextBoxFlag xmlns="" xmlns:ma14="http://schemas.microsoft.com/office/mac/drawingml/2011/main" val="1"/>
               </a:ext>
             </a:extLst>
           </p:spPr>
@@ -18636,7 +18972,7 @@
             </a:effectLst>
             <a:extLst>
               <a:ext uri="{C572A759-6A51-4108-AA02-DFA0A04FC94B}">
-                <ma14:wrappingTextBoxFlag xmlns:ma14="http://schemas.microsoft.com/office/mac/drawingml/2011/main" xmlns="" val="1"/>
+                <ma14:wrappingTextBoxFlag xmlns="" xmlns:ma14="http://schemas.microsoft.com/office/mac/drawingml/2011/main" val="1"/>
               </a:ext>
             </a:extLst>
           </p:spPr>

--- a/Plan/Rocketman_씬&스킬구성.pptx
+++ b/Plan/Rocketman_씬&스킬구성.pptx
@@ -5,31 +5,35 @@
     <p:sldMasterId id="2147483648" r:id="rId1"/>
   </p:sldMasterIdLst>
   <p:notesMasterIdLst>
-    <p:notesMasterId r:id="rId24"/>
+    <p:notesMasterId r:id="rId28"/>
   </p:notesMasterIdLst>
   <p:sldIdLst>
-    <p:sldId id="266" r:id="rId2"/>
-    <p:sldId id="285" r:id="rId3"/>
-    <p:sldId id="276" r:id="rId4"/>
-    <p:sldId id="258" r:id="rId5"/>
-    <p:sldId id="278" r:id="rId6"/>
-    <p:sldId id="284" r:id="rId7"/>
-    <p:sldId id="279" r:id="rId8"/>
-    <p:sldId id="277" r:id="rId9"/>
-    <p:sldId id="280" r:id="rId10"/>
-    <p:sldId id="286" r:id="rId11"/>
-    <p:sldId id="269" r:id="rId12"/>
-    <p:sldId id="282" r:id="rId13"/>
-    <p:sldId id="283" r:id="rId14"/>
-    <p:sldId id="268" r:id="rId15"/>
-    <p:sldId id="264" r:id="rId16"/>
-    <p:sldId id="267" r:id="rId17"/>
-    <p:sldId id="265" r:id="rId18"/>
-    <p:sldId id="270" r:id="rId19"/>
-    <p:sldId id="259" r:id="rId20"/>
-    <p:sldId id="261" r:id="rId21"/>
-    <p:sldId id="262" r:id="rId22"/>
-    <p:sldId id="263" r:id="rId23"/>
+    <p:sldId id="287" r:id="rId2"/>
+    <p:sldId id="266" r:id="rId3"/>
+    <p:sldId id="285" r:id="rId4"/>
+    <p:sldId id="276" r:id="rId5"/>
+    <p:sldId id="258" r:id="rId6"/>
+    <p:sldId id="278" r:id="rId7"/>
+    <p:sldId id="284" r:id="rId8"/>
+    <p:sldId id="279" r:id="rId9"/>
+    <p:sldId id="277" r:id="rId10"/>
+    <p:sldId id="280" r:id="rId11"/>
+    <p:sldId id="286" r:id="rId12"/>
+    <p:sldId id="269" r:id="rId13"/>
+    <p:sldId id="282" r:id="rId14"/>
+    <p:sldId id="290" r:id="rId15"/>
+    <p:sldId id="283" r:id="rId16"/>
+    <p:sldId id="289" r:id="rId17"/>
+    <p:sldId id="288" r:id="rId18"/>
+    <p:sldId id="268" r:id="rId19"/>
+    <p:sldId id="264" r:id="rId20"/>
+    <p:sldId id="267" r:id="rId21"/>
+    <p:sldId id="265" r:id="rId22"/>
+    <p:sldId id="270" r:id="rId23"/>
+    <p:sldId id="259" r:id="rId24"/>
+    <p:sldId id="261" r:id="rId25"/>
+    <p:sldId id="262" r:id="rId26"/>
+    <p:sldId id="263" r:id="rId27"/>
   </p:sldIdLst>
   <p:sldSz cx="12192000" cy="6858000"/>
   <p:notesSz cx="6858000" cy="9144000"/>
@@ -3491,428 +3495,14 @@
       </p:grpSpPr>
       <p:sp>
         <p:nvSpPr>
-          <p:cNvPr id="3" name="직사각형 2"/>
-          <p:cNvSpPr/>
-          <p:nvPr/>
-        </p:nvSpPr>
-        <p:spPr>
-          <a:xfrm>
-            <a:off x="1147959" y="2233024"/>
-            <a:ext cx="2491530" cy="1669409"/>
-          </a:xfrm>
-          <a:prstGeom prst="rect">
-            <a:avLst/>
-          </a:prstGeom>
-          <a:solidFill>
-            <a:schemeClr val="bg2">
-              <a:lumMod val="90000"/>
-            </a:schemeClr>
-          </a:solidFill>
-          <a:ln>
-            <a:solidFill>
-              <a:schemeClr val="tx1"/>
-            </a:solidFill>
-          </a:ln>
-        </p:spPr>
-        <p:style>
-          <a:lnRef idx="2">
-            <a:schemeClr val="accent1">
-              <a:shade val="50000"/>
-            </a:schemeClr>
-          </a:lnRef>
-          <a:fillRef idx="1">
-            <a:schemeClr val="accent1"/>
-          </a:fillRef>
-          <a:effectRef idx="0">
-            <a:schemeClr val="accent1"/>
-          </a:effectRef>
-          <a:fontRef idx="minor">
-            <a:schemeClr val="lt1"/>
-          </a:fontRef>
-        </p:style>
-        <p:txBody>
-          <a:bodyPr rtlCol="0" anchor="ctr"/>
-          <a:lstStyle/>
-          <a:p>
-            <a:pPr algn="ctr"/>
-            <a:r>
-              <a:rPr lang="ko-KR" altLang="en-US" dirty="0" err="1"/>
-              <a:t>메인메뉴</a:t>
-            </a:r>
-            <a:endParaRPr lang="ko-KR" altLang="en-US" dirty="0"/>
-          </a:p>
-        </p:txBody>
-      </p:sp>
-      <p:sp>
-        <p:nvSpPr>
-          <p:cNvPr id="5" name="직사각형 4"/>
-          <p:cNvSpPr/>
-          <p:nvPr/>
-        </p:nvSpPr>
-        <p:spPr>
-          <a:xfrm>
-            <a:off x="4106860" y="2233020"/>
-            <a:ext cx="2491530" cy="1669409"/>
-          </a:xfrm>
-          <a:prstGeom prst="rect">
-            <a:avLst/>
-          </a:prstGeom>
-          <a:solidFill>
-            <a:schemeClr val="bg2">
-              <a:lumMod val="90000"/>
-            </a:schemeClr>
-          </a:solidFill>
-          <a:ln>
-            <a:solidFill>
-              <a:schemeClr val="tx1"/>
-            </a:solidFill>
-          </a:ln>
-        </p:spPr>
-        <p:style>
-          <a:lnRef idx="2">
-            <a:schemeClr val="accent1">
-              <a:shade val="50000"/>
-            </a:schemeClr>
-          </a:lnRef>
-          <a:fillRef idx="1">
-            <a:schemeClr val="accent1"/>
-          </a:fillRef>
-          <a:effectRef idx="0">
-            <a:schemeClr val="accent1"/>
-          </a:effectRef>
-          <a:fontRef idx="minor">
-            <a:schemeClr val="lt1"/>
-          </a:fontRef>
-        </p:style>
-        <p:txBody>
-          <a:bodyPr rtlCol="0" anchor="ctr"/>
-          <a:lstStyle/>
-          <a:p>
-            <a:pPr algn="ctr"/>
-            <a:r>
-              <a:rPr lang="ko-KR" altLang="en-US" dirty="0"/>
-              <a:t> </a:t>
-            </a:r>
-            <a:r>
-              <a:rPr lang="ko-KR" altLang="en-US" dirty="0" err="1"/>
-              <a:t>플레이어수</a:t>
-            </a:r>
-            <a:r>
-              <a:rPr lang="en-US" altLang="ko-KR" dirty="0"/>
-              <a:t>/</a:t>
-            </a:r>
-            <a:r>
-              <a:rPr lang="ko-KR" altLang="en-US" dirty="0"/>
-              <a:t>팀 선택</a:t>
-            </a:r>
-            <a:endParaRPr lang="en-US" altLang="ko-KR" dirty="0"/>
-          </a:p>
-          <a:p>
-            <a:pPr algn="ctr"/>
-            <a:r>
-              <a:rPr lang="ko-KR" altLang="en-US" dirty="0"/>
-              <a:t>캐릭터 선택</a:t>
-            </a:r>
-          </a:p>
-        </p:txBody>
-      </p:sp>
-      <p:sp>
-        <p:nvSpPr>
-          <p:cNvPr id="7" name="직사각형 6"/>
-          <p:cNvSpPr/>
-          <p:nvPr/>
-        </p:nvSpPr>
-        <p:spPr>
-          <a:xfrm>
-            <a:off x="7026819" y="2233021"/>
-            <a:ext cx="2491530" cy="1669409"/>
-          </a:xfrm>
-          <a:prstGeom prst="rect">
-            <a:avLst/>
-          </a:prstGeom>
-          <a:solidFill>
-            <a:schemeClr val="bg2">
-              <a:lumMod val="90000"/>
-            </a:schemeClr>
-          </a:solidFill>
-          <a:ln>
-            <a:solidFill>
-              <a:schemeClr val="tx1"/>
-            </a:solidFill>
-          </a:ln>
-        </p:spPr>
-        <p:style>
-          <a:lnRef idx="2">
-            <a:schemeClr val="accent1">
-              <a:shade val="50000"/>
-            </a:schemeClr>
-          </a:lnRef>
-          <a:fillRef idx="1">
-            <a:schemeClr val="accent1"/>
-          </a:fillRef>
-          <a:effectRef idx="0">
-            <a:schemeClr val="accent1"/>
-          </a:effectRef>
-          <a:fontRef idx="minor">
-            <a:schemeClr val="lt1"/>
-          </a:fontRef>
-        </p:style>
-        <p:txBody>
-          <a:bodyPr rtlCol="0" anchor="ctr"/>
-          <a:lstStyle/>
-          <a:p>
-            <a:pPr algn="ctr"/>
-            <a:r>
-              <a:rPr lang="ko-KR" altLang="en-US" dirty="0" err="1"/>
-              <a:t>인게임</a:t>
-            </a:r>
-            <a:endParaRPr lang="ko-KR" altLang="en-US" dirty="0"/>
-          </a:p>
-        </p:txBody>
-      </p:sp>
-      <p:sp>
-        <p:nvSpPr>
-          <p:cNvPr id="16" name="직사각형 15"/>
-          <p:cNvSpPr/>
-          <p:nvPr/>
-        </p:nvSpPr>
-        <p:spPr>
-          <a:xfrm>
-            <a:off x="1603463" y="742602"/>
-            <a:ext cx="1591239" cy="686190"/>
-          </a:xfrm>
-          <a:prstGeom prst="rect">
-            <a:avLst/>
-          </a:prstGeom>
-          <a:ln/>
-        </p:spPr>
-        <p:style>
-          <a:lnRef idx="2">
-            <a:schemeClr val="accent5">
-              <a:shade val="50000"/>
-            </a:schemeClr>
-          </a:lnRef>
-          <a:fillRef idx="1">
-            <a:schemeClr val="accent5"/>
-          </a:fillRef>
-          <a:effectRef idx="0">
-            <a:schemeClr val="accent5"/>
-          </a:effectRef>
-          <a:fontRef idx="minor">
-            <a:schemeClr val="lt1"/>
-          </a:fontRef>
-        </p:style>
-        <p:txBody>
-          <a:bodyPr rtlCol="0" anchor="ctr"/>
-          <a:lstStyle/>
-          <a:p>
-            <a:pPr algn="ctr"/>
-            <a:r>
-              <a:rPr lang="ko-KR" altLang="en-US" dirty="0"/>
-              <a:t>메뉴 옵션</a:t>
-            </a:r>
-          </a:p>
-        </p:txBody>
-      </p:sp>
-      <p:cxnSp>
-        <p:nvCxnSpPr>
-          <p:cNvPr id="33" name="연결선: 꺾임 32"/>
-          <p:cNvCxnSpPr>
-            <a:cxnSpLocks/>
-            <a:stCxn id="3" idx="0"/>
-            <a:endCxn id="16" idx="2"/>
-          </p:cNvCxnSpPr>
-          <p:nvPr/>
-        </p:nvCxnSpPr>
-        <p:spPr>
-          <a:xfrm rot="5400000" flipH="1" flipV="1">
-            <a:off x="1994287" y="1828229"/>
-            <a:ext cx="804232" cy="5359"/>
-          </a:xfrm>
-          <a:prstGeom prst="bentConnector3">
-            <a:avLst>
-              <a:gd name="adj1" fmla="val 50000"/>
-            </a:avLst>
-          </a:prstGeom>
-          <a:ln w="28575">
-            <a:tailEnd type="triangle"/>
-          </a:ln>
-        </p:spPr>
-        <p:style>
-          <a:lnRef idx="1">
-            <a:schemeClr val="accent1"/>
-          </a:lnRef>
-          <a:fillRef idx="0">
-            <a:schemeClr val="accent1"/>
-          </a:fillRef>
-          <a:effectRef idx="0">
-            <a:schemeClr val="accent1"/>
-          </a:effectRef>
-          <a:fontRef idx="minor">
-            <a:schemeClr val="tx1"/>
-          </a:fontRef>
-        </p:style>
-      </p:cxnSp>
-      <p:cxnSp>
-        <p:nvCxnSpPr>
-          <p:cNvPr id="36" name="연결선: 꺾임 35"/>
-          <p:cNvCxnSpPr>
-            <a:cxnSpLocks/>
-            <a:stCxn id="3" idx="0"/>
-            <a:endCxn id="53" idx="2"/>
-          </p:cNvCxnSpPr>
-          <p:nvPr/>
-        </p:nvCxnSpPr>
-        <p:spPr>
-          <a:xfrm rot="5400000" flipH="1" flipV="1">
-            <a:off x="3037634" y="784882"/>
-            <a:ext cx="804232" cy="2092053"/>
-          </a:xfrm>
-          <a:prstGeom prst="bentConnector3">
-            <a:avLst>
-              <a:gd name="adj1" fmla="val 50000"/>
-            </a:avLst>
-          </a:prstGeom>
-          <a:ln w="28575">
-            <a:tailEnd type="triangle"/>
-          </a:ln>
-        </p:spPr>
-        <p:style>
-          <a:lnRef idx="1">
-            <a:schemeClr val="accent1"/>
-          </a:lnRef>
-          <a:fillRef idx="0">
-            <a:schemeClr val="accent1"/>
-          </a:fillRef>
-          <a:effectRef idx="0">
-            <a:schemeClr val="accent1"/>
-          </a:effectRef>
-          <a:fontRef idx="minor">
-            <a:schemeClr val="tx1"/>
-          </a:fontRef>
-        </p:style>
-      </p:cxnSp>
-      <p:cxnSp>
-        <p:nvCxnSpPr>
-          <p:cNvPr id="40" name="직선 화살표 연결선 39"/>
-          <p:cNvCxnSpPr>
-            <a:cxnSpLocks/>
-            <a:stCxn id="3" idx="3"/>
-            <a:endCxn id="5" idx="1"/>
-          </p:cNvCxnSpPr>
-          <p:nvPr/>
-        </p:nvCxnSpPr>
-        <p:spPr>
-          <a:xfrm flipV="1">
-            <a:off x="3639489" y="3067725"/>
-            <a:ext cx="467371" cy="4"/>
-          </a:xfrm>
-          <a:prstGeom prst="straightConnector1">
-            <a:avLst/>
-          </a:prstGeom>
-          <a:ln w="28575">
-            <a:tailEnd type="triangle"/>
-          </a:ln>
-        </p:spPr>
-        <p:style>
-          <a:lnRef idx="1">
-            <a:schemeClr val="accent1"/>
-          </a:lnRef>
-          <a:fillRef idx="0">
-            <a:schemeClr val="accent1"/>
-          </a:fillRef>
-          <a:effectRef idx="0">
-            <a:schemeClr val="accent1"/>
-          </a:effectRef>
-          <a:fontRef idx="minor">
-            <a:schemeClr val="tx1"/>
-          </a:fontRef>
-        </p:style>
-      </p:cxnSp>
-      <p:cxnSp>
-        <p:nvCxnSpPr>
-          <p:cNvPr id="41" name="직선 화살표 연결선 40"/>
-          <p:cNvCxnSpPr>
-            <a:cxnSpLocks/>
-            <a:stCxn id="5" idx="3"/>
-            <a:endCxn id="7" idx="1"/>
-          </p:cNvCxnSpPr>
-          <p:nvPr/>
-        </p:nvCxnSpPr>
-        <p:spPr>
-          <a:xfrm>
-            <a:off x="6598390" y="3067725"/>
-            <a:ext cx="428429" cy="1"/>
-          </a:xfrm>
-          <a:prstGeom prst="straightConnector1">
-            <a:avLst/>
-          </a:prstGeom>
-          <a:ln w="28575">
-            <a:tailEnd type="triangle"/>
-          </a:ln>
-        </p:spPr>
-        <p:style>
-          <a:lnRef idx="1">
-            <a:schemeClr val="accent1"/>
-          </a:lnRef>
-          <a:fillRef idx="0">
-            <a:schemeClr val="accent1"/>
-          </a:fillRef>
-          <a:effectRef idx="0">
-            <a:schemeClr val="accent1"/>
-          </a:effectRef>
-          <a:fontRef idx="minor">
-            <a:schemeClr val="tx1"/>
-          </a:fontRef>
-        </p:style>
-      </p:cxnSp>
-      <p:cxnSp>
-        <p:nvCxnSpPr>
-          <p:cNvPr id="43" name="직선 화살표 연결선 42"/>
-          <p:cNvCxnSpPr>
-            <a:cxnSpLocks/>
-            <a:stCxn id="7" idx="3"/>
-            <a:endCxn id="24" idx="1"/>
-          </p:cNvCxnSpPr>
-          <p:nvPr/>
-        </p:nvCxnSpPr>
-        <p:spPr>
-          <a:xfrm>
-            <a:off x="9518349" y="3067726"/>
-            <a:ext cx="356829" cy="2"/>
-          </a:xfrm>
-          <a:prstGeom prst="straightConnector1">
-            <a:avLst/>
-          </a:prstGeom>
-          <a:ln w="28575">
-            <a:tailEnd type="triangle"/>
-          </a:ln>
-        </p:spPr>
-        <p:style>
-          <a:lnRef idx="1">
-            <a:schemeClr val="accent1"/>
-          </a:lnRef>
-          <a:fillRef idx="0">
-            <a:schemeClr val="accent1"/>
-          </a:fillRef>
-          <a:effectRef idx="0">
-            <a:schemeClr val="accent1"/>
-          </a:effectRef>
-          <a:fontRef idx="minor">
-            <a:schemeClr val="tx1"/>
-          </a:fontRef>
-        </p:style>
-      </p:cxnSp>
-      <p:sp>
-        <p:nvSpPr>
-          <p:cNvPr id="46" name="TextBox 45"/>
+          <p:cNvPr id="2" name="TextBox 1"/>
           <p:cNvSpPr txBox="1"/>
           <p:nvPr/>
         </p:nvSpPr>
         <p:spPr>
           <a:xfrm>
-            <a:off x="190743" y="182246"/>
-            <a:ext cx="1107996" cy="461665"/>
+            <a:off x="5603846" y="1669409"/>
+            <a:ext cx="4031873" cy="3477875"/>
           </a:xfrm>
           <a:prstGeom prst="rect">
             <a:avLst/>
@@ -3926,575 +3516,66 @@
           <a:lstStyle/>
           <a:p>
             <a:r>
-              <a:rPr lang="ko-KR" altLang="en-US" sz="2400" b="1" dirty="0" err="1"/>
-              <a:t>씬구성</a:t>
-            </a:r>
-            <a:endParaRPr lang="ko-KR" altLang="en-US" sz="2400" b="1" dirty="0"/>
-          </a:p>
-        </p:txBody>
-      </p:sp>
-      <p:sp>
-        <p:nvSpPr>
-          <p:cNvPr id="50" name="직사각형 49"/>
+              <a:rPr lang="en-US" altLang="ko-KR" sz="4400" b="1" dirty="0"/>
+              <a:t>Maniacs</a:t>
+            </a:r>
+          </a:p>
+          <a:p>
+            <a:r>
+              <a:rPr lang="en-US" altLang="ko-KR" sz="4400" b="1" dirty="0"/>
+              <a:t>Championship</a:t>
+            </a:r>
+          </a:p>
+          <a:p>
+            <a:r>
+              <a:rPr lang="en-US" altLang="ko-KR" sz="4400" b="1" dirty="0"/>
+              <a:t>Frenzy</a:t>
+            </a:r>
+          </a:p>
+          <a:p>
+            <a:r>
+              <a:rPr lang="en-US" altLang="ko-KR" sz="4400" b="1" dirty="0"/>
+              <a:t>League</a:t>
+            </a:r>
+          </a:p>
+          <a:p>
+            <a:endParaRPr lang="ko-KR" altLang="en-US" sz="4400" b="1" dirty="0"/>
+          </a:p>
+        </p:txBody>
+      </p:sp>
+      <p:sp>
+        <p:nvSpPr>
+          <p:cNvPr id="3" name="직사각형 2"/>
           <p:cNvSpPr/>
           <p:nvPr/>
         </p:nvSpPr>
         <p:spPr>
           <a:xfrm>
-            <a:off x="7455250" y="756219"/>
-            <a:ext cx="1634667" cy="693045"/>
-          </a:xfrm>
-          <a:prstGeom prst="rect">
-            <a:avLst/>
-          </a:prstGeom>
-          <a:ln/>
-        </p:spPr>
-        <p:style>
-          <a:lnRef idx="2">
-            <a:schemeClr val="accent5">
-              <a:shade val="50000"/>
-            </a:schemeClr>
-          </a:lnRef>
-          <a:fillRef idx="1">
-            <a:schemeClr val="accent5"/>
-          </a:fillRef>
-          <a:effectRef idx="0">
-            <a:schemeClr val="accent5"/>
-          </a:effectRef>
-          <a:fontRef idx="minor">
-            <a:schemeClr val="lt1"/>
-          </a:fontRef>
-        </p:style>
-        <p:txBody>
-          <a:bodyPr rtlCol="0" anchor="ctr"/>
-          <a:lstStyle/>
-          <a:p>
-            <a:pPr algn="ctr"/>
-            <a:r>
-              <a:rPr lang="ko-KR" altLang="en-US" dirty="0" err="1"/>
-              <a:t>인게임</a:t>
-            </a:r>
-            <a:r>
-              <a:rPr lang="ko-KR" altLang="en-US" dirty="0"/>
-              <a:t> 옵션</a:t>
-            </a:r>
-          </a:p>
-        </p:txBody>
-      </p:sp>
-      <p:cxnSp>
-        <p:nvCxnSpPr>
-          <p:cNvPr id="51" name="연결선: 꺾임 50"/>
-          <p:cNvCxnSpPr>
-            <a:cxnSpLocks/>
-          </p:cNvCxnSpPr>
-          <p:nvPr/>
-        </p:nvCxnSpPr>
-        <p:spPr>
-          <a:xfrm rot="16200000" flipV="1">
-            <a:off x="15543581" y="1456177"/>
-            <a:ext cx="660974" cy="1388378"/>
-          </a:xfrm>
-          <a:prstGeom prst="bentConnector2">
-            <a:avLst/>
-          </a:prstGeom>
-          <a:ln w="28575">
-            <a:tailEnd type="triangle"/>
-          </a:ln>
-        </p:spPr>
-        <p:style>
-          <a:lnRef idx="1">
-            <a:schemeClr val="accent1"/>
-          </a:lnRef>
-          <a:fillRef idx="0">
-            <a:schemeClr val="accent1"/>
-          </a:fillRef>
-          <a:effectRef idx="0">
-            <a:schemeClr val="accent1"/>
-          </a:effectRef>
-          <a:fontRef idx="minor">
-            <a:schemeClr val="tx1"/>
-          </a:fontRef>
-        </p:style>
-      </p:cxnSp>
-      <p:sp>
-        <p:nvSpPr>
-          <p:cNvPr id="56" name="직사각형 55"/>
-          <p:cNvSpPr/>
-          <p:nvPr/>
-        </p:nvSpPr>
-        <p:spPr>
-          <a:xfrm>
-            <a:off x="1147958" y="4633514"/>
-            <a:ext cx="2491530" cy="1669409"/>
-          </a:xfrm>
-          <a:prstGeom prst="rect">
-            <a:avLst/>
-          </a:prstGeom>
-          <a:solidFill>
-            <a:schemeClr val="bg2">
-              <a:lumMod val="90000"/>
-            </a:schemeClr>
-          </a:solidFill>
-          <a:ln>
-            <a:solidFill>
-              <a:schemeClr val="tx1"/>
-            </a:solidFill>
-          </a:ln>
-        </p:spPr>
-        <p:style>
-          <a:lnRef idx="2">
-            <a:schemeClr val="accent1">
-              <a:shade val="50000"/>
-            </a:schemeClr>
-          </a:lnRef>
-          <a:fillRef idx="1">
-            <a:schemeClr val="accent1"/>
-          </a:fillRef>
-          <a:effectRef idx="0">
-            <a:schemeClr val="accent1"/>
-          </a:effectRef>
-          <a:fontRef idx="minor">
-            <a:schemeClr val="lt1"/>
-          </a:fontRef>
-        </p:style>
-        <p:txBody>
-          <a:bodyPr rtlCol="0" anchor="ctr"/>
-          <a:lstStyle/>
-          <a:p>
-            <a:pPr algn="ctr"/>
-            <a:r>
-              <a:rPr lang="ko-KR" altLang="en-US" dirty="0" err="1"/>
-              <a:t>크레딧</a:t>
-            </a:r>
-            <a:endParaRPr lang="ko-KR" altLang="en-US" dirty="0"/>
-          </a:p>
-        </p:txBody>
-      </p:sp>
-      <p:cxnSp>
-        <p:nvCxnSpPr>
-          <p:cNvPr id="57" name="연결선: 꺾임 56"/>
-          <p:cNvCxnSpPr>
-            <a:cxnSpLocks/>
-            <a:stCxn id="3" idx="1"/>
-            <a:endCxn id="56" idx="1"/>
-          </p:cNvCxnSpPr>
-          <p:nvPr/>
-        </p:nvCxnSpPr>
-        <p:spPr>
-          <a:xfrm rot="10800000" flipV="1">
-            <a:off x="1147959" y="3067729"/>
-            <a:ext cx="1" cy="2400490"/>
-          </a:xfrm>
-          <a:prstGeom prst="bentConnector3">
-            <a:avLst>
-              <a:gd name="adj1" fmla="val 22860100000"/>
-            </a:avLst>
-          </a:prstGeom>
-          <a:ln w="28575">
-            <a:tailEnd type="triangle"/>
-          </a:ln>
-        </p:spPr>
-        <p:style>
-          <a:lnRef idx="1">
-            <a:schemeClr val="accent1"/>
-          </a:lnRef>
-          <a:fillRef idx="0">
-            <a:schemeClr val="accent1"/>
-          </a:fillRef>
-          <a:effectRef idx="0">
-            <a:schemeClr val="accent1"/>
-          </a:effectRef>
-          <a:fontRef idx="minor">
-            <a:schemeClr val="tx1"/>
-          </a:fontRef>
-        </p:style>
-      </p:cxnSp>
-      <p:sp>
-        <p:nvSpPr>
-          <p:cNvPr id="24" name="직사각형 23"/>
-          <p:cNvSpPr/>
-          <p:nvPr/>
-        </p:nvSpPr>
-        <p:spPr>
-          <a:xfrm>
-            <a:off x="9875178" y="2721205"/>
-            <a:ext cx="1634667" cy="693045"/>
-          </a:xfrm>
-          <a:prstGeom prst="rect">
-            <a:avLst/>
-          </a:prstGeom>
-          <a:ln/>
-        </p:spPr>
-        <p:style>
-          <a:lnRef idx="2">
-            <a:schemeClr val="accent5">
-              <a:shade val="50000"/>
-            </a:schemeClr>
-          </a:lnRef>
-          <a:fillRef idx="1">
-            <a:schemeClr val="accent5"/>
-          </a:fillRef>
-          <a:effectRef idx="0">
-            <a:schemeClr val="accent5"/>
-          </a:effectRef>
-          <a:fontRef idx="minor">
-            <a:schemeClr val="lt1"/>
-          </a:fontRef>
-        </p:style>
-        <p:txBody>
-          <a:bodyPr rtlCol="0" anchor="ctr"/>
-          <a:lstStyle/>
-          <a:p>
-            <a:pPr algn="ctr"/>
-            <a:r>
-              <a:rPr lang="ko-KR" altLang="en-US" dirty="0"/>
-              <a:t>게임결과</a:t>
-            </a:r>
-          </a:p>
-        </p:txBody>
-      </p:sp>
-      <p:sp>
-        <p:nvSpPr>
-          <p:cNvPr id="52" name="직사각형 51"/>
-          <p:cNvSpPr/>
-          <p:nvPr/>
-        </p:nvSpPr>
-        <p:spPr>
-          <a:xfrm>
-            <a:off x="9603630" y="761384"/>
-            <a:ext cx="1634667" cy="693045"/>
-          </a:xfrm>
-          <a:prstGeom prst="rect">
-            <a:avLst/>
-          </a:prstGeom>
-          <a:ln/>
-        </p:spPr>
-        <p:style>
-          <a:lnRef idx="2">
-            <a:schemeClr val="accent5">
-              <a:shade val="50000"/>
-            </a:schemeClr>
-          </a:lnRef>
-          <a:fillRef idx="1">
-            <a:schemeClr val="accent5"/>
-          </a:fillRef>
-          <a:effectRef idx="0">
-            <a:schemeClr val="accent5"/>
-          </a:effectRef>
-          <a:fontRef idx="minor">
-            <a:schemeClr val="lt1"/>
-          </a:fontRef>
-        </p:style>
-        <p:txBody>
-          <a:bodyPr rtlCol="0" anchor="ctr"/>
-          <a:lstStyle/>
-          <a:p>
-            <a:pPr algn="ctr"/>
-            <a:r>
-              <a:rPr lang="ko-KR" altLang="en-US"/>
-              <a:t>가이드</a:t>
-            </a:r>
-            <a:endParaRPr lang="ko-KR" altLang="en-US" dirty="0"/>
-          </a:p>
-        </p:txBody>
-      </p:sp>
-      <p:sp>
-        <p:nvSpPr>
-          <p:cNvPr id="53" name="직사각형 52"/>
-          <p:cNvSpPr/>
-          <p:nvPr/>
-        </p:nvSpPr>
-        <p:spPr>
-          <a:xfrm>
-            <a:off x="3668443" y="735747"/>
-            <a:ext cx="1634667" cy="693045"/>
-          </a:xfrm>
-          <a:prstGeom prst="rect">
-            <a:avLst/>
-          </a:prstGeom>
-          <a:ln/>
-        </p:spPr>
-        <p:style>
-          <a:lnRef idx="2">
-            <a:schemeClr val="accent5">
-              <a:shade val="50000"/>
-            </a:schemeClr>
-          </a:lnRef>
-          <a:fillRef idx="1">
-            <a:schemeClr val="accent5"/>
-          </a:fillRef>
-          <a:effectRef idx="0">
-            <a:schemeClr val="accent5"/>
-          </a:effectRef>
-          <a:fontRef idx="minor">
-            <a:schemeClr val="lt1"/>
-          </a:fontRef>
-        </p:style>
-        <p:txBody>
-          <a:bodyPr rtlCol="0" anchor="ctr"/>
-          <a:lstStyle/>
-          <a:p>
-            <a:pPr algn="ctr"/>
-            <a:r>
-              <a:rPr lang="ko-KR" altLang="en-US" dirty="0"/>
-              <a:t>가이드</a:t>
-            </a:r>
-          </a:p>
-        </p:txBody>
-      </p:sp>
-      <p:cxnSp>
-        <p:nvCxnSpPr>
-          <p:cNvPr id="58" name="직선 화살표 연결선 57"/>
-          <p:cNvCxnSpPr>
-            <a:cxnSpLocks/>
-            <a:stCxn id="50" idx="3"/>
-            <a:endCxn id="52" idx="1"/>
-          </p:cNvCxnSpPr>
-          <p:nvPr/>
-        </p:nvCxnSpPr>
-        <p:spPr>
-          <a:xfrm>
-            <a:off x="9089917" y="1102742"/>
-            <a:ext cx="513713" cy="5165"/>
-          </a:xfrm>
-          <a:prstGeom prst="straightConnector1">
-            <a:avLst/>
-          </a:prstGeom>
-          <a:ln w="28575">
-            <a:tailEnd type="triangle"/>
-          </a:ln>
-        </p:spPr>
-        <p:style>
-          <a:lnRef idx="1">
-            <a:schemeClr val="accent1"/>
-          </a:lnRef>
-          <a:fillRef idx="0">
-            <a:schemeClr val="accent1"/>
-          </a:fillRef>
-          <a:effectRef idx="0">
-            <a:schemeClr val="accent1"/>
-          </a:effectRef>
-          <a:fontRef idx="minor">
-            <a:schemeClr val="tx1"/>
-          </a:fontRef>
-        </p:style>
-      </p:cxnSp>
-      <p:cxnSp>
-        <p:nvCxnSpPr>
-          <p:cNvPr id="62" name="연결선: 꺾임 61"/>
-          <p:cNvCxnSpPr>
-            <a:cxnSpLocks/>
-            <a:stCxn id="24" idx="2"/>
-            <a:endCxn id="3" idx="2"/>
-          </p:cNvCxnSpPr>
-          <p:nvPr/>
-        </p:nvCxnSpPr>
-        <p:spPr>
-          <a:xfrm rot="5400000">
-            <a:off x="6299027" y="-491053"/>
-            <a:ext cx="488183" cy="8298788"/>
-          </a:xfrm>
-          <a:prstGeom prst="bentConnector3">
-            <a:avLst>
-              <a:gd name="adj1" fmla="val 176586"/>
-            </a:avLst>
-          </a:prstGeom>
-          <a:ln w="28575">
-            <a:tailEnd type="triangle"/>
-          </a:ln>
-        </p:spPr>
-        <p:style>
-          <a:lnRef idx="1">
-            <a:schemeClr val="accent1"/>
-          </a:lnRef>
-          <a:fillRef idx="0">
-            <a:schemeClr val="accent1"/>
-          </a:fillRef>
-          <a:effectRef idx="0">
-            <a:schemeClr val="accent1"/>
-          </a:effectRef>
-          <a:fontRef idx="minor">
-            <a:schemeClr val="tx1"/>
-          </a:fontRef>
-        </p:style>
-      </p:cxnSp>
-      <p:cxnSp>
-        <p:nvCxnSpPr>
-          <p:cNvPr id="65" name="직선 화살표 연결선 64"/>
-          <p:cNvCxnSpPr>
-            <a:cxnSpLocks/>
-            <a:stCxn id="7" idx="0"/>
-            <a:endCxn id="50" idx="2"/>
-          </p:cNvCxnSpPr>
-          <p:nvPr/>
-        </p:nvCxnSpPr>
-        <p:spPr>
-          <a:xfrm flipV="1">
-            <a:off x="8272584" y="1449264"/>
-            <a:ext cx="0" cy="783757"/>
-          </a:xfrm>
-          <a:prstGeom prst="straightConnector1">
-            <a:avLst/>
-          </a:prstGeom>
-          <a:ln w="28575">
-            <a:tailEnd type="triangle"/>
-          </a:ln>
-        </p:spPr>
-        <p:style>
-          <a:lnRef idx="1">
-            <a:schemeClr val="accent1"/>
-          </a:lnRef>
-          <a:fillRef idx="0">
-            <a:schemeClr val="accent1"/>
-          </a:fillRef>
-          <a:effectRef idx="0">
-            <a:schemeClr val="accent1"/>
-          </a:effectRef>
-          <a:fontRef idx="minor">
-            <a:schemeClr val="tx1"/>
-          </a:fontRef>
-        </p:style>
-      </p:cxnSp>
-      <p:cxnSp>
-        <p:nvCxnSpPr>
-          <p:cNvPr id="81" name="연결선: 꺾임 80"/>
-          <p:cNvCxnSpPr>
-            <a:cxnSpLocks/>
-            <a:stCxn id="24" idx="2"/>
-            <a:endCxn id="5" idx="2"/>
-          </p:cNvCxnSpPr>
-          <p:nvPr/>
-        </p:nvCxnSpPr>
-        <p:spPr>
-          <a:xfrm rot="5400000">
-            <a:off x="7778480" y="988396"/>
-            <a:ext cx="488179" cy="5339887"/>
-          </a:xfrm>
-          <a:prstGeom prst="bentConnector3">
-            <a:avLst>
-              <a:gd name="adj1" fmla="val 173085"/>
-            </a:avLst>
-          </a:prstGeom>
-          <a:ln w="28575">
-            <a:tailEnd type="triangle"/>
-          </a:ln>
-        </p:spPr>
-        <p:style>
-          <a:lnRef idx="1">
-            <a:schemeClr val="accent1"/>
-          </a:lnRef>
-          <a:fillRef idx="0">
-            <a:schemeClr val="accent1"/>
-          </a:fillRef>
-          <a:effectRef idx="0">
-            <a:schemeClr val="accent1"/>
-          </a:effectRef>
-          <a:fontRef idx="minor">
-            <a:schemeClr val="tx1"/>
-          </a:fontRef>
-        </p:style>
-      </p:cxnSp>
-      <p:sp>
-        <p:nvSpPr>
-          <p:cNvPr id="88" name="직사각형 87"/>
-          <p:cNvSpPr/>
-          <p:nvPr/>
-        </p:nvSpPr>
-        <p:spPr>
-          <a:xfrm>
-            <a:off x="9875178" y="5468217"/>
-            <a:ext cx="1542004" cy="693045"/>
-          </a:xfrm>
-          <a:prstGeom prst="rect">
-            <a:avLst/>
-          </a:prstGeom>
-          <a:ln/>
-        </p:spPr>
-        <p:style>
-          <a:lnRef idx="2">
-            <a:schemeClr val="accent5">
-              <a:shade val="50000"/>
-            </a:schemeClr>
-          </a:lnRef>
-          <a:fillRef idx="1">
-            <a:schemeClr val="accent5"/>
-          </a:fillRef>
-          <a:effectRef idx="0">
-            <a:schemeClr val="accent5"/>
-          </a:effectRef>
-          <a:fontRef idx="minor">
-            <a:schemeClr val="lt1"/>
-          </a:fontRef>
-        </p:style>
-        <p:txBody>
-          <a:bodyPr rtlCol="0" anchor="ctr"/>
-          <a:lstStyle/>
-          <a:p>
-            <a:pPr algn="ctr"/>
-            <a:r>
-              <a:rPr lang="ko-KR" altLang="en-US" dirty="0"/>
-              <a:t>패널</a:t>
-            </a:r>
-          </a:p>
-        </p:txBody>
-      </p:sp>
-      <p:sp>
-        <p:nvSpPr>
-          <p:cNvPr id="90" name="직사각형 89"/>
-          <p:cNvSpPr/>
-          <p:nvPr/>
-        </p:nvSpPr>
-        <p:spPr>
-          <a:xfrm>
-            <a:off x="8101412" y="5468218"/>
-            <a:ext cx="1502218" cy="693045"/>
-          </a:xfrm>
-          <a:prstGeom prst="rect">
-            <a:avLst/>
-          </a:prstGeom>
-          <a:solidFill>
-            <a:schemeClr val="bg2">
-              <a:lumMod val="90000"/>
-            </a:schemeClr>
-          </a:solidFill>
-          <a:ln>
-            <a:solidFill>
-              <a:schemeClr val="tx1"/>
-            </a:solidFill>
-          </a:ln>
-        </p:spPr>
-        <p:style>
-          <a:lnRef idx="2">
-            <a:schemeClr val="accent1">
-              <a:shade val="50000"/>
-            </a:schemeClr>
-          </a:lnRef>
-          <a:fillRef idx="1">
-            <a:schemeClr val="accent1"/>
-          </a:fillRef>
-          <a:effectRef idx="0">
-            <a:schemeClr val="accent1"/>
-          </a:effectRef>
-          <a:fontRef idx="minor">
-            <a:schemeClr val="lt1"/>
-          </a:fontRef>
-        </p:style>
-        <p:txBody>
-          <a:bodyPr rtlCol="0" anchor="ctr"/>
-          <a:lstStyle/>
-          <a:p>
-            <a:pPr algn="ctr"/>
-            <a:r>
-              <a:rPr lang="ko-KR" altLang="en-US" dirty="0"/>
-              <a:t>씬</a:t>
-            </a:r>
+            <a:off x="2765269" y="2204100"/>
+            <a:ext cx="1994200" cy="769441"/>
+          </a:xfrm>
+          <a:prstGeom prst="rect">
+            <a:avLst/>
+          </a:prstGeom>
+        </p:spPr>
+        <p:txBody>
+          <a:bodyPr wrap="none">
+            <a:spAutoFit/>
+          </a:bodyPr>
+          <a:lstStyle/>
+          <a:p>
+            <a:r>
+              <a:rPr lang="en-US" altLang="ko-KR" sz="4400" b="1" dirty="0"/>
+              <a:t>Rocket</a:t>
+            </a:r>
+            <a:endParaRPr lang="ko-KR" altLang="en-US" sz="4400" dirty="0"/>
           </a:p>
         </p:txBody>
       </p:sp>
     </p:spTree>
     <p:extLst>
       <p:ext uri="{BB962C8B-B14F-4D97-AF65-F5344CB8AC3E}">
-        <p14:creationId xmlns:p14="http://schemas.microsoft.com/office/powerpoint/2010/main" val="1837547583"/>
+        <p14:creationId xmlns:p14="http://schemas.microsoft.com/office/powerpoint/2010/main" val="1530104664"/>
       </p:ext>
     </p:extLst>
   </p:cSld>
@@ -4523,6 +3604,285 @@
       </p:grpSpPr>
       <p:sp>
         <p:nvSpPr>
+          <p:cNvPr id="3" name="TextBox 2"/>
+          <p:cNvSpPr txBox="1"/>
+          <p:nvPr/>
+        </p:nvSpPr>
+        <p:spPr>
+          <a:xfrm>
+            <a:off x="190743" y="182246"/>
+            <a:ext cx="1107996" cy="461665"/>
+          </a:xfrm>
+          <a:prstGeom prst="rect">
+            <a:avLst/>
+          </a:prstGeom>
+          <a:noFill/>
+        </p:spPr>
+        <p:txBody>
+          <a:bodyPr wrap="none" rtlCol="0">
+            <a:spAutoFit/>
+          </a:bodyPr>
+          <a:lstStyle/>
+          <a:p>
+            <a:r>
+              <a:rPr lang="ko-KR" altLang="en-US" sz="2400" b="1" dirty="0"/>
+              <a:t>가이드</a:t>
+            </a:r>
+          </a:p>
+        </p:txBody>
+      </p:sp>
+      <p:grpSp>
+        <p:nvGrpSpPr>
+          <p:cNvPr id="2" name="그룹 1"/>
+          <p:cNvGrpSpPr/>
+          <p:nvPr/>
+        </p:nvGrpSpPr>
+        <p:grpSpPr>
+          <a:xfrm>
+            <a:off x="3524250" y="966269"/>
+            <a:ext cx="5359367" cy="4491556"/>
+            <a:chOff x="14298719" y="1557094"/>
+            <a:chExt cx="9950803" cy="8339526"/>
+          </a:xfrm>
+        </p:grpSpPr>
+        <p:sp>
+          <p:nvSpPr>
+            <p:cNvPr id="5" name="직사각형"/>
+            <p:cNvSpPr/>
+            <p:nvPr/>
+          </p:nvSpPr>
+          <p:spPr>
+            <a:xfrm>
+              <a:off x="14298719" y="1557094"/>
+              <a:ext cx="9950803" cy="8339526"/>
+            </a:xfrm>
+            <a:prstGeom prst="rect">
+              <a:avLst/>
+            </a:prstGeom>
+            <a:solidFill>
+              <a:schemeClr val="accent4">
+                <a:hueOff val="46120"/>
+                <a:satOff val="4178"/>
+                <a:lumOff val="-16732"/>
+              </a:schemeClr>
+            </a:solidFill>
+            <a:ln w="12700">
+              <a:miter lim="400000"/>
+            </a:ln>
+            <a:effectLst>
+              <a:outerShdw blurRad="38100" dist="25400" dir="5400000" rotWithShape="0">
+                <a:srgbClr val="000000">
+                  <a:alpha val="50000"/>
+                </a:srgbClr>
+              </a:outerShdw>
+            </a:effectLst>
+          </p:spPr>
+          <p:txBody>
+            <a:bodyPr lIns="50800" tIns="50800" rIns="50800" bIns="50800" anchor="ctr"/>
+            <a:lstStyle/>
+            <a:p>
+              <a:pPr algn="ctr">
+                <a:defRPr sz="3200">
+                  <a:solidFill>
+                    <a:srgbClr val="FFFFFF"/>
+                  </a:solidFill>
+                  <a:latin typeface="Arial"/>
+                  <a:ea typeface="Arial"/>
+                  <a:cs typeface="Arial"/>
+                  <a:sym typeface="Arial"/>
+                </a:defRPr>
+              </a:pPr>
+              <a:endParaRPr sz="4000"/>
+            </a:p>
+          </p:txBody>
+        </p:sp>
+        <p:sp>
+          <p:nvSpPr>
+            <p:cNvPr id="6" name="G U I D E"/>
+            <p:cNvSpPr/>
+            <p:nvPr/>
+          </p:nvSpPr>
+          <p:spPr>
+            <a:xfrm>
+              <a:off x="18026344" y="1971126"/>
+              <a:ext cx="2663803" cy="876227"/>
+            </a:xfrm>
+            <a:prstGeom prst="rect">
+              <a:avLst/>
+            </a:prstGeom>
+            <a:ln w="12700">
+              <a:miter lim="400000"/>
+            </a:ln>
+            <a:extLst>
+              <a:ext uri="{C572A759-6A51-4108-AA02-DFA0A04FC94B}">
+                <ma14:wrappingTextBoxFlag xmlns:ma14="http://schemas.microsoft.com/office/mac/drawingml/2011/main" xmlns="" val="1"/>
+              </a:ext>
+            </a:extLst>
+          </p:spPr>
+          <p:txBody>
+            <a:bodyPr wrap="none" lIns="50800" tIns="50800" rIns="50800" bIns="50800" anchor="ctr">
+              <a:spAutoFit/>
+            </a:bodyPr>
+            <a:lstStyle/>
+            <a:p>
+              <a:pPr algn="ctr"/>
+              <a:r>
+                <a:rPr sz="2400" dirty="0"/>
+                <a:t>G U I D E</a:t>
+              </a:r>
+            </a:p>
+          </p:txBody>
+        </p:sp>
+        <p:sp>
+          <p:nvSpPr>
+            <p:cNvPr id="7" name="Character control guide list…"/>
+            <p:cNvSpPr/>
+            <p:nvPr/>
+          </p:nvSpPr>
+          <p:spPr>
+            <a:xfrm>
+              <a:off x="15392419" y="4584372"/>
+              <a:ext cx="7763403" cy="1561970"/>
+            </a:xfrm>
+            <a:prstGeom prst="rect">
+              <a:avLst/>
+            </a:prstGeom>
+            <a:gradFill>
+              <a:gsLst>
+                <a:gs pos="0">
+                  <a:srgbClr val="FBFBFB"/>
+                </a:gs>
+                <a:gs pos="100000">
+                  <a:srgbClr val="BEBEBE"/>
+                </a:gs>
+              </a:gsLst>
+              <a:lin ang="5400000"/>
+            </a:gradFill>
+            <a:ln w="12700">
+              <a:miter lim="400000"/>
+            </a:ln>
+            <a:effectLst>
+              <a:outerShdw blurRad="38100" dist="25400" dir="5400000" rotWithShape="0">
+                <a:srgbClr val="000000">
+                  <a:alpha val="50000"/>
+                </a:srgbClr>
+              </a:outerShdw>
+            </a:effectLst>
+            <a:extLst>
+              <a:ext uri="{C572A759-6A51-4108-AA02-DFA0A04FC94B}">
+                <ma14:wrappingTextBoxFlag xmlns:ma14="http://schemas.microsoft.com/office/mac/drawingml/2011/main" xmlns="" val="1"/>
+              </a:ext>
+            </a:extLst>
+          </p:spPr>
+          <p:txBody>
+            <a:bodyPr lIns="50800" tIns="50800" rIns="50800" bIns="50800" anchor="ctr">
+              <a:spAutoFit/>
+            </a:bodyPr>
+            <a:lstStyle/>
+            <a:p>
+              <a:pPr algn="ctr"/>
+              <a:r>
+                <a:rPr sz="2400" dirty="0"/>
+                <a:t>Character control guide list</a:t>
+              </a:r>
+            </a:p>
+            <a:p>
+              <a:pPr algn="ctr"/>
+              <a:r>
+                <a:rPr sz="2400" dirty="0"/>
+                <a:t>. . .</a:t>
+              </a:r>
+            </a:p>
+          </p:txBody>
+        </p:sp>
+        <p:sp>
+          <p:nvSpPr>
+            <p:cNvPr id="8" name="CLOSE"/>
+            <p:cNvSpPr/>
+            <p:nvPr/>
+          </p:nvSpPr>
+          <p:spPr>
+            <a:xfrm>
+              <a:off x="18332098" y="8321475"/>
+              <a:ext cx="1853886" cy="876227"/>
+            </a:xfrm>
+            <a:prstGeom prst="rect">
+              <a:avLst/>
+            </a:prstGeom>
+            <a:blipFill>
+              <a:blip r:embed="rId2"/>
+            </a:blipFill>
+            <a:ln w="12700">
+              <a:miter lim="400000"/>
+            </a:ln>
+            <a:effectLst>
+              <a:outerShdw blurRad="50800" dist="12700" rotWithShape="0">
+                <a:srgbClr val="000000">
+                  <a:alpha val="50000"/>
+                </a:srgbClr>
+              </a:outerShdw>
+            </a:effectLst>
+            <a:extLst>
+              <a:ext uri="{C572A759-6A51-4108-AA02-DFA0A04FC94B}">
+                <ma14:wrappingTextBoxFlag xmlns:ma14="http://schemas.microsoft.com/office/mac/drawingml/2011/main" xmlns="" val="1"/>
+              </a:ext>
+            </a:extLst>
+          </p:spPr>
+          <p:txBody>
+            <a:bodyPr wrap="none" lIns="50800" tIns="50800" rIns="50800" bIns="50800" anchor="ctr">
+              <a:spAutoFit/>
+            </a:bodyPr>
+            <a:lstStyle>
+              <a:lvl1pPr>
+                <a:defRPr>
+                  <a:solidFill>
+                    <a:srgbClr val="FFFFFF"/>
+                  </a:solidFill>
+                </a:defRPr>
+              </a:lvl1pPr>
+            </a:lstStyle>
+            <a:p>
+              <a:pPr algn="ctr"/>
+              <a:r>
+                <a:rPr sz="2400"/>
+                <a:t>CLOSE</a:t>
+              </a:r>
+            </a:p>
+          </p:txBody>
+        </p:sp>
+      </p:grpSp>
+    </p:spTree>
+    <p:extLst>
+      <p:ext uri="{BB962C8B-B14F-4D97-AF65-F5344CB8AC3E}">
+        <p14:creationId xmlns:p14="http://schemas.microsoft.com/office/powerpoint/2010/main" val="1588866467"/>
+      </p:ext>
+    </p:extLst>
+  </p:cSld>
+  <p:clrMapOvr>
+    <a:masterClrMapping/>
+  </p:clrMapOvr>
+</p:sld>
+</file>
+
+<file path=ppt/slides/slide11.xml><?xml version="1.0" encoding="utf-8"?>
+<p:sld xmlns:a="http://schemas.openxmlformats.org/drawingml/2006/main" xmlns:r="http://schemas.openxmlformats.org/officeDocument/2006/relationships" xmlns:p="http://schemas.openxmlformats.org/presentationml/2006/main">
+  <p:cSld>
+    <p:spTree>
+      <p:nvGrpSpPr>
+        <p:cNvPr id="1" name=""/>
+        <p:cNvGrpSpPr/>
+        <p:nvPr/>
+      </p:nvGrpSpPr>
+      <p:grpSpPr>
+        <a:xfrm>
+          <a:off x="0" y="0"/>
+          <a:ext cx="0" cy="0"/>
+          <a:chOff x="0" y="0"/>
+          <a:chExt cx="0" cy="0"/>
+        </a:xfrm>
+      </p:grpSpPr>
+      <p:sp>
+        <p:nvSpPr>
           <p:cNvPr id="210" name="직사각형"/>
           <p:cNvSpPr/>
           <p:nvPr/>
@@ -4572,7 +3932,7 @@
           </a:ln>
           <a:extLst>
             <a:ext uri="{C572A759-6A51-4108-AA02-DFA0A04FC94B}">
-              <ma14:wrappingTextBoxFlag xmlns="" xmlns:ma14="http://schemas.microsoft.com/office/mac/drawingml/2011/main" val="1"/>
+              <ma14:wrappingTextBoxFlag xmlns:ma14="http://schemas.microsoft.com/office/mac/drawingml/2011/main" xmlns="" val="1"/>
             </a:ext>
           </a:extLst>
         </p:spPr>
@@ -4626,7 +3986,7 @@
           </a:effectLst>
           <a:extLst>
             <a:ext uri="{C572A759-6A51-4108-AA02-DFA0A04FC94B}">
-              <ma14:wrappingTextBoxFlag xmlns="" xmlns:ma14="http://schemas.microsoft.com/office/mac/drawingml/2011/main" val="1"/>
+              <ma14:wrappingTextBoxFlag xmlns:ma14="http://schemas.microsoft.com/office/mac/drawingml/2011/main" xmlns="" val="1"/>
             </a:ext>
           </a:extLst>
         </p:spPr>
@@ -4723,7 +4083,7 @@
 </p:sld>
 </file>
 
-<file path=ppt/slides/slide11.xml><?xml version="1.0" encoding="utf-8"?>
+<file path=ppt/slides/slide12.xml><?xml version="1.0" encoding="utf-8"?>
 <p:sld xmlns:a="http://schemas.openxmlformats.org/drawingml/2006/main" xmlns:r="http://schemas.openxmlformats.org/officeDocument/2006/relationships" xmlns:p="http://schemas.openxmlformats.org/presentationml/2006/main">
   <p:cSld>
     <p:spTree>
@@ -4782,7 +4142,7 @@
 </p:sld>
 </file>
 
-<file path=ppt/slides/slide12.xml><?xml version="1.0" encoding="utf-8"?>
+<file path=ppt/slides/slide13.xml><?xml version="1.0" encoding="utf-8"?>
 <p:sld xmlns:a="http://schemas.openxmlformats.org/drawingml/2006/main" xmlns:r="http://schemas.openxmlformats.org/officeDocument/2006/relationships" xmlns:p="http://schemas.openxmlformats.org/presentationml/2006/main">
   <p:cSld>
     <p:spTree>
@@ -4829,38 +4189,6 @@
       </p:pic>
       <p:sp>
         <p:nvSpPr>
-          <p:cNvPr id="75" name="Shape 75"/>
-          <p:cNvSpPr txBox="1"/>
-          <p:nvPr/>
-        </p:nvSpPr>
-        <p:spPr>
-          <a:xfrm>
-            <a:off x="443767" y="474000"/>
-            <a:ext cx="5809200" cy="677600"/>
-          </a:xfrm>
-          <a:prstGeom prst="rect">
-            <a:avLst/>
-          </a:prstGeom>
-          <a:noFill/>
-          <a:ln>
-            <a:noFill/>
-          </a:ln>
-        </p:spPr>
-        <p:txBody>
-          <a:bodyPr lIns="121900" tIns="121900" rIns="121900" bIns="121900" anchor="t" anchorCtr="0">
-            <a:noAutofit/>
-          </a:bodyPr>
-          <a:lstStyle/>
-          <a:p>
-            <a:r>
-              <a:rPr lang="ko" altLang="en-US" sz="2400"/>
-              <a:t>게임방법</a:t>
-            </a:r>
-          </a:p>
-        </p:txBody>
-      </p:sp>
-      <p:sp>
-        <p:nvSpPr>
           <p:cNvPr id="76" name="Shape 76"/>
           <p:cNvSpPr txBox="1"/>
           <p:nvPr/>
@@ -5166,694 +4494,39 @@
           </a:ln>
         </p:spPr>
       </p:pic>
+      <p:sp>
+        <p:nvSpPr>
+          <p:cNvPr id="7" name="TextBox 6"/>
+          <p:cNvSpPr txBox="1"/>
+          <p:nvPr/>
+        </p:nvSpPr>
+        <p:spPr>
+          <a:xfrm>
+            <a:off x="190743" y="182246"/>
+            <a:ext cx="1415772" cy="461665"/>
+          </a:xfrm>
+          <a:prstGeom prst="rect">
+            <a:avLst/>
+          </a:prstGeom>
+          <a:noFill/>
+        </p:spPr>
+        <p:txBody>
+          <a:bodyPr wrap="none" rtlCol="0">
+            <a:spAutoFit/>
+          </a:bodyPr>
+          <a:lstStyle/>
+          <a:p>
+            <a:r>
+              <a:rPr lang="ko-KR" altLang="en-US" sz="2400" b="1" dirty="0"/>
+              <a:t>게임방법</a:t>
+            </a:r>
+          </a:p>
+        </p:txBody>
+      </p:sp>
     </p:spTree>
     <p:extLst>
       <p:ext uri="{BB962C8B-B14F-4D97-AF65-F5344CB8AC3E}">
         <p14:creationId xmlns:p14="http://schemas.microsoft.com/office/powerpoint/2010/main" val="2548975093"/>
-      </p:ext>
-    </p:extLst>
-  </p:cSld>
-  <p:clrMapOvr>
-    <a:masterClrMapping/>
-  </p:clrMapOvr>
-</p:sld>
-</file>
-
-<file path=ppt/slides/slide13.xml><?xml version="1.0" encoding="utf-8"?>
-<p:sld xmlns:a="http://schemas.openxmlformats.org/drawingml/2006/main" xmlns:r="http://schemas.openxmlformats.org/officeDocument/2006/relationships" xmlns:p="http://schemas.openxmlformats.org/presentationml/2006/main">
-  <p:cSld>
-    <p:spTree>
-      <p:nvGrpSpPr>
-        <p:cNvPr id="1" name=""/>
-        <p:cNvGrpSpPr/>
-        <p:nvPr/>
-      </p:nvGrpSpPr>
-      <p:grpSpPr>
-        <a:xfrm>
-          <a:off x="0" y="0"/>
-          <a:ext cx="0" cy="0"/>
-          <a:chOff x="0" y="0"/>
-          <a:chExt cx="0" cy="0"/>
-        </a:xfrm>
-      </p:grpSpPr>
-      <p:sp>
-        <p:nvSpPr>
-          <p:cNvPr id="2" name="TextBox 1"/>
-          <p:cNvSpPr txBox="1"/>
-          <p:nvPr/>
-        </p:nvSpPr>
-        <p:spPr>
-          <a:xfrm>
-            <a:off x="511728" y="595618"/>
-            <a:ext cx="958917" cy="369332"/>
-          </a:xfrm>
-          <a:prstGeom prst="rect">
-            <a:avLst/>
-          </a:prstGeom>
-          <a:noFill/>
-        </p:spPr>
-        <p:txBody>
-          <a:bodyPr wrap="none" rtlCol="0">
-            <a:spAutoFit/>
-          </a:bodyPr>
-          <a:lstStyle/>
-          <a:p>
-            <a:r>
-              <a:rPr lang="ko-KR" altLang="en-US" dirty="0"/>
-              <a:t>게임 룰</a:t>
-            </a:r>
-          </a:p>
-        </p:txBody>
-      </p:sp>
-      <p:pic>
-        <p:nvPicPr>
-          <p:cNvPr id="4" name="그림 3"/>
-          <p:cNvPicPr>
-            <a:picLocks noChangeAspect="1"/>
-          </p:cNvPicPr>
-          <p:nvPr/>
-        </p:nvPicPr>
-        <p:blipFill>
-          <a:blip r:embed="rId2">
-            <a:extLst>
-              <a:ext uri="{28A0092B-C50C-407E-A947-70E740481C1C}">
-                <a14:useLocalDpi xmlns:a14="http://schemas.microsoft.com/office/drawing/2010/main" val="0"/>
-              </a:ext>
-            </a:extLst>
-          </a:blip>
-          <a:stretch>
-            <a:fillRect/>
-          </a:stretch>
-        </p:blipFill>
-        <p:spPr>
-          <a:xfrm>
-            <a:off x="2810309" y="1720377"/>
-            <a:ext cx="6613321" cy="3719993"/>
-          </a:xfrm>
-          <a:prstGeom prst="rect">
-            <a:avLst/>
-          </a:prstGeom>
-        </p:spPr>
-      </p:pic>
-      <p:pic>
-        <p:nvPicPr>
-          <p:cNvPr id="23" name="Shape 104"/>
-          <p:cNvPicPr preferRelativeResize="0"/>
-          <p:nvPr/>
-        </p:nvPicPr>
-        <p:blipFill>
-          <a:blip r:embed="rId3">
-            <a:alphaModFix/>
-            <a:extLst>
-              <a:ext uri="{BEBA8EAE-BF5A-486C-A8C5-ECC9F3942E4B}">
-                <a14:imgProps xmlns:a14="http://schemas.microsoft.com/office/drawing/2010/main">
-                  <a14:imgLayer r:embed="rId4">
-                    <a14:imgEffect>
-                      <a14:backgroundRemoval t="10000" b="90000" l="10000" r="90000"/>
-                    </a14:imgEffect>
-                  </a14:imgLayer>
-                </a14:imgProps>
-              </a:ext>
-            </a:extLst>
-          </a:blip>
-          <a:stretch>
-            <a:fillRect/>
-          </a:stretch>
-        </p:blipFill>
-        <p:spPr>
-          <a:xfrm>
-            <a:off x="4926250" y="4210950"/>
-            <a:ext cx="461967" cy="461967"/>
-          </a:xfrm>
-          <a:prstGeom prst="rect">
-            <a:avLst/>
-          </a:prstGeom>
-          <a:noFill/>
-          <a:ln>
-            <a:noFill/>
-          </a:ln>
-        </p:spPr>
-      </p:pic>
-      <p:sp>
-        <p:nvSpPr>
-          <p:cNvPr id="27" name="Shape 108"/>
-          <p:cNvSpPr txBox="1"/>
-          <p:nvPr/>
-        </p:nvSpPr>
-        <p:spPr>
-          <a:xfrm>
-            <a:off x="6868206" y="5912382"/>
-            <a:ext cx="4440153" cy="810000"/>
-          </a:xfrm>
-          <a:prstGeom prst="rect">
-            <a:avLst/>
-          </a:prstGeom>
-          <a:solidFill>
-            <a:schemeClr val="lt1"/>
-          </a:solidFill>
-          <a:ln>
-            <a:noFill/>
-          </a:ln>
-        </p:spPr>
-        <p:txBody>
-          <a:bodyPr lIns="121900" tIns="121900" rIns="121900" bIns="121900" anchor="t" anchorCtr="0">
-            <a:noAutofit/>
-          </a:bodyPr>
-          <a:lstStyle/>
-          <a:p>
-            <a:r>
-              <a:rPr lang="ko" altLang="en-US" b="1" dirty="0"/>
-              <a:t>기둥</a:t>
-            </a:r>
-            <a:r>
-              <a:rPr lang="en-US" altLang="ko" b="1" dirty="0"/>
-              <a:t>:</a:t>
-            </a:r>
-            <a:r>
-              <a:rPr lang="ko" altLang="en-US" dirty="0"/>
-              <a:t> 맵에서 랜덤하게 생성</a:t>
-            </a:r>
-            <a:r>
-              <a:rPr lang="en-US" altLang="ko" dirty="0"/>
-              <a:t>, </a:t>
-            </a:r>
-            <a:r>
-              <a:rPr lang="ko" altLang="en-US" dirty="0"/>
-              <a:t>엄폐물 역할</a:t>
-            </a:r>
-            <a:r>
-              <a:rPr lang="en-US" altLang="ko" dirty="0"/>
-              <a:t>, 2</a:t>
-            </a:r>
-            <a:r>
-              <a:rPr lang="ko" altLang="en-US" dirty="0"/>
-              <a:t>의 체력을 가지며 </a:t>
-            </a:r>
-            <a:r>
-              <a:rPr lang="ko-KR" altLang="en-US" dirty="0"/>
-              <a:t>두 번 공격받으면</a:t>
-            </a:r>
-            <a:r>
-              <a:rPr lang="ko" altLang="en-US" dirty="0"/>
-              <a:t> 사라짐</a:t>
-            </a:r>
-          </a:p>
-        </p:txBody>
-      </p:sp>
-      <p:pic>
-        <p:nvPicPr>
-          <p:cNvPr id="28" name="Shape 109"/>
-          <p:cNvPicPr preferRelativeResize="0"/>
-          <p:nvPr/>
-        </p:nvPicPr>
-        <p:blipFill rotWithShape="1">
-          <a:blip r:embed="rId5">
-            <a:alphaModFix/>
-            <a:duotone>
-              <a:prstClr val="black"/>
-              <a:srgbClr val="D9C3A5">
-                <a:tint val="50000"/>
-                <a:satMod val="180000"/>
-              </a:srgbClr>
-            </a:duotone>
-          </a:blip>
-          <a:srcRect l="58990" t="64776" r="25679" b="8815"/>
-          <a:stretch/>
-        </p:blipFill>
-        <p:spPr>
-          <a:xfrm>
-            <a:off x="5966363" y="2391068"/>
-            <a:ext cx="352117" cy="647813"/>
-          </a:xfrm>
-          <a:prstGeom prst="rect">
-            <a:avLst/>
-          </a:prstGeom>
-          <a:noFill/>
-          <a:ln>
-            <a:noFill/>
-          </a:ln>
-        </p:spPr>
-      </p:pic>
-      <p:cxnSp>
-        <p:nvCxnSpPr>
-          <p:cNvPr id="29" name="Shape 110"/>
-          <p:cNvCxnSpPr>
-            <a:cxnSpLocks/>
-          </p:cNvCxnSpPr>
-          <p:nvPr/>
-        </p:nvCxnSpPr>
-        <p:spPr>
-          <a:xfrm>
-            <a:off x="6227657" y="4346469"/>
-            <a:ext cx="1901275" cy="1565913"/>
-          </a:xfrm>
-          <a:prstGeom prst="straightConnector1">
-            <a:avLst/>
-          </a:prstGeom>
-          <a:noFill/>
-          <a:ln w="28575" cap="flat" cmpd="sng">
-            <a:solidFill>
-              <a:schemeClr val="accent1"/>
-            </a:solidFill>
-            <a:prstDash val="solid"/>
-            <a:round/>
-            <a:headEnd type="none" w="lg" len="lg"/>
-            <a:tailEnd type="triangle" w="lg" len="lg"/>
-          </a:ln>
-        </p:spPr>
-      </p:cxnSp>
-      <p:pic>
-        <p:nvPicPr>
-          <p:cNvPr id="32" name="그림 31"/>
-          <p:cNvPicPr>
-            <a:picLocks noChangeAspect="1"/>
-          </p:cNvPicPr>
-          <p:nvPr/>
-        </p:nvPicPr>
-        <p:blipFill>
-          <a:blip r:embed="rId6">
-            <a:extLst>
-              <a:ext uri="{28A0092B-C50C-407E-A947-70E740481C1C}">
-                <a14:useLocalDpi xmlns:a14="http://schemas.microsoft.com/office/drawing/2010/main" val="0"/>
-              </a:ext>
-            </a:extLst>
-          </a:blip>
-          <a:stretch>
-            <a:fillRect/>
-          </a:stretch>
-        </p:blipFill>
-        <p:spPr>
-          <a:xfrm flipH="1">
-            <a:off x="4831392" y="2976117"/>
-            <a:ext cx="987141" cy="987141"/>
-          </a:xfrm>
-          <a:prstGeom prst="rect">
-            <a:avLst/>
-          </a:prstGeom>
-        </p:spPr>
-      </p:pic>
-      <p:pic>
-        <p:nvPicPr>
-          <p:cNvPr id="33" name="그림 32"/>
-          <p:cNvPicPr>
-            <a:picLocks noChangeAspect="1"/>
-          </p:cNvPicPr>
-          <p:nvPr/>
-        </p:nvPicPr>
-        <p:blipFill>
-          <a:blip r:embed="rId7">
-            <a:extLst>
-              <a:ext uri="{28A0092B-C50C-407E-A947-70E740481C1C}">
-                <a14:useLocalDpi xmlns:a14="http://schemas.microsoft.com/office/drawing/2010/main" val="0"/>
-              </a:ext>
-            </a:extLst>
-          </a:blip>
-          <a:stretch>
-            <a:fillRect/>
-          </a:stretch>
-        </p:blipFill>
-        <p:spPr>
-          <a:xfrm>
-            <a:off x="6555219" y="2976117"/>
-            <a:ext cx="812698" cy="812698"/>
-          </a:xfrm>
-          <a:prstGeom prst="rect">
-            <a:avLst/>
-          </a:prstGeom>
-        </p:spPr>
-      </p:pic>
-      <p:sp>
-        <p:nvSpPr>
-          <p:cNvPr id="36" name="TextBox 35"/>
-          <p:cNvSpPr txBox="1"/>
-          <p:nvPr/>
-        </p:nvSpPr>
-        <p:spPr>
-          <a:xfrm>
-            <a:off x="6116969" y="911265"/>
-            <a:ext cx="2113079" cy="369332"/>
-          </a:xfrm>
-          <a:prstGeom prst="rect">
-            <a:avLst/>
-          </a:prstGeom>
-          <a:noFill/>
-        </p:spPr>
-        <p:txBody>
-          <a:bodyPr wrap="none" rtlCol="0">
-            <a:spAutoFit/>
-          </a:bodyPr>
-          <a:lstStyle/>
-          <a:p>
-            <a:r>
-              <a:rPr lang="ko-KR" altLang="en-US" dirty="0"/>
-              <a:t>제한시간 </a:t>
-            </a:r>
-            <a:r>
-              <a:rPr lang="ko-KR" altLang="en-US" dirty="0" err="1"/>
-              <a:t>서든데스</a:t>
-            </a:r>
-            <a:endParaRPr lang="ko-KR" altLang="en-US" dirty="0"/>
-          </a:p>
-        </p:txBody>
-      </p:sp>
-      <p:pic>
-        <p:nvPicPr>
-          <p:cNvPr id="38" name="Shape 109"/>
-          <p:cNvPicPr preferRelativeResize="0"/>
-          <p:nvPr/>
-        </p:nvPicPr>
-        <p:blipFill rotWithShape="1">
-          <a:blip r:embed="rId5">
-            <a:alphaModFix/>
-            <a:duotone>
-              <a:prstClr val="black"/>
-              <a:srgbClr val="D9C3A5">
-                <a:tint val="50000"/>
-                <a:satMod val="180000"/>
-              </a:srgbClr>
-            </a:duotone>
-          </a:blip>
-          <a:srcRect l="58990" t="64776" r="25679" b="8815"/>
-          <a:stretch/>
-        </p:blipFill>
-        <p:spPr>
-          <a:xfrm>
-            <a:off x="9728265" y="4672917"/>
-            <a:ext cx="630252" cy="1159516"/>
-          </a:xfrm>
-          <a:prstGeom prst="rect">
-            <a:avLst/>
-          </a:prstGeom>
-          <a:noFill/>
-          <a:ln>
-            <a:noFill/>
-          </a:ln>
-        </p:spPr>
-      </p:pic>
-      <p:pic>
-        <p:nvPicPr>
-          <p:cNvPr id="40" name="Shape 109"/>
-          <p:cNvPicPr preferRelativeResize="0"/>
-          <p:nvPr/>
-        </p:nvPicPr>
-        <p:blipFill rotWithShape="1">
-          <a:blip r:embed="rId5">
-            <a:alphaModFix/>
-            <a:duotone>
-              <a:prstClr val="black"/>
-              <a:srgbClr val="D9C3A5">
-                <a:tint val="50000"/>
-                <a:satMod val="180000"/>
-              </a:srgbClr>
-            </a:duotone>
-          </a:blip>
-          <a:srcRect l="58990" t="64776" r="25679" b="8815"/>
-          <a:stretch/>
-        </p:blipFill>
-        <p:spPr>
-          <a:xfrm>
-            <a:off x="5955963" y="3774738"/>
-            <a:ext cx="352117" cy="647813"/>
-          </a:xfrm>
-          <a:prstGeom prst="rect">
-            <a:avLst/>
-          </a:prstGeom>
-          <a:noFill/>
-          <a:ln>
-            <a:noFill/>
-          </a:ln>
-        </p:spPr>
-      </p:pic>
-      <p:pic>
-        <p:nvPicPr>
-          <p:cNvPr id="19" name="Shape 89"/>
-          <p:cNvPicPr preferRelativeResize="0"/>
-          <p:nvPr/>
-        </p:nvPicPr>
-        <p:blipFill>
-          <a:blip r:embed="rId8">
-            <a:alphaModFix/>
-          </a:blip>
-          <a:stretch>
-            <a:fillRect/>
-          </a:stretch>
-        </p:blipFill>
-        <p:spPr>
-          <a:xfrm>
-            <a:off x="5754900" y="1805590"/>
-            <a:ext cx="848167" cy="460868"/>
-          </a:xfrm>
-          <a:prstGeom prst="rect">
-            <a:avLst/>
-          </a:prstGeom>
-          <a:noFill/>
-          <a:ln>
-            <a:noFill/>
-          </a:ln>
-        </p:spPr>
-      </p:pic>
-      <p:sp>
-        <p:nvSpPr>
-          <p:cNvPr id="14" name="TextBox 13"/>
-          <p:cNvSpPr txBox="1"/>
-          <p:nvPr/>
-        </p:nvSpPr>
-        <p:spPr>
-          <a:xfrm>
-            <a:off x="1967371" y="538509"/>
-            <a:ext cx="3459601" cy="369332"/>
-          </a:xfrm>
-          <a:prstGeom prst="rect">
-            <a:avLst/>
-          </a:prstGeom>
-          <a:noFill/>
-        </p:spPr>
-        <p:txBody>
-          <a:bodyPr wrap="none" rtlCol="0">
-            <a:spAutoFit/>
-          </a:bodyPr>
-          <a:lstStyle/>
-          <a:p>
-            <a:r>
-              <a:rPr lang="en-US" altLang="ko-KR" dirty="0"/>
-              <a:t>HP</a:t>
-            </a:r>
-            <a:r>
-              <a:rPr lang="ko-KR" altLang="en-US" dirty="0"/>
-              <a:t>가 먼저 </a:t>
-            </a:r>
-            <a:r>
-              <a:rPr lang="en-US" altLang="ko-KR" dirty="0"/>
-              <a:t>0</a:t>
-            </a:r>
-            <a:r>
-              <a:rPr lang="ko-KR" altLang="en-US" dirty="0"/>
-              <a:t>이 되는 쪽이 진다</a:t>
-            </a:r>
-            <a:r>
-              <a:rPr lang="en-US" altLang="ko-KR" dirty="0"/>
-              <a:t>. </a:t>
-            </a:r>
-            <a:endParaRPr lang="ko-KR" altLang="en-US" dirty="0"/>
-          </a:p>
-        </p:txBody>
-      </p:sp>
-      <p:sp>
-        <p:nvSpPr>
-          <p:cNvPr id="15" name="TextBox 14"/>
-          <p:cNvSpPr txBox="1"/>
-          <p:nvPr/>
-        </p:nvSpPr>
-        <p:spPr>
-          <a:xfrm>
-            <a:off x="1967371" y="901604"/>
-            <a:ext cx="3988592" cy="369332"/>
-          </a:xfrm>
-          <a:prstGeom prst="rect">
-            <a:avLst/>
-          </a:prstGeom>
-          <a:noFill/>
-        </p:spPr>
-        <p:txBody>
-          <a:bodyPr wrap="none" rtlCol="0">
-            <a:spAutoFit/>
-          </a:bodyPr>
-          <a:lstStyle/>
-          <a:p>
-            <a:r>
-              <a:rPr lang="ko-KR" altLang="en-US" dirty="0"/>
-              <a:t>시간이 다 되었을 때 체력이 많은 쪽</a:t>
-            </a:r>
-            <a:r>
-              <a:rPr lang="en-US" altLang="ko-KR" dirty="0"/>
-              <a:t> </a:t>
-            </a:r>
-            <a:endParaRPr lang="ko-KR" altLang="en-US" dirty="0"/>
-          </a:p>
-        </p:txBody>
-      </p:sp>
-      <p:sp>
-        <p:nvSpPr>
-          <p:cNvPr id="16" name="TextBox 15"/>
-          <p:cNvSpPr txBox="1"/>
-          <p:nvPr/>
-        </p:nvSpPr>
-        <p:spPr>
-          <a:xfrm>
-            <a:off x="1139057" y="5258415"/>
-            <a:ext cx="954107" cy="400110"/>
-          </a:xfrm>
-          <a:prstGeom prst="rect">
-            <a:avLst/>
-          </a:prstGeom>
-          <a:noFill/>
-        </p:spPr>
-        <p:txBody>
-          <a:bodyPr wrap="none" rtlCol="0">
-            <a:spAutoFit/>
-          </a:bodyPr>
-          <a:lstStyle/>
-          <a:p>
-            <a:r>
-              <a:rPr lang="ko-KR" altLang="en-US" sz="2000" dirty="0"/>
-              <a:t>아이템</a:t>
-            </a:r>
-          </a:p>
-        </p:txBody>
-      </p:sp>
-      <p:sp>
-        <p:nvSpPr>
-          <p:cNvPr id="3" name="직사각형 2"/>
-          <p:cNvSpPr/>
-          <p:nvPr/>
-        </p:nvSpPr>
-        <p:spPr>
-          <a:xfrm>
-            <a:off x="1139057" y="5627747"/>
-            <a:ext cx="4377771" cy="923330"/>
-          </a:xfrm>
-          <a:prstGeom prst="rect">
-            <a:avLst/>
-          </a:prstGeom>
-        </p:spPr>
-        <p:txBody>
-          <a:bodyPr wrap="square">
-            <a:spAutoFit/>
-          </a:bodyPr>
-          <a:lstStyle/>
-          <a:p>
-            <a:pPr marL="342900" indent="-342900">
-              <a:buAutoNum type="arabicPeriod"/>
-            </a:pPr>
-            <a:r>
-              <a:rPr lang="en-US" altLang="ko-KR" dirty="0"/>
-              <a:t>HP</a:t>
-            </a:r>
-            <a:r>
-              <a:rPr lang="ko-KR" altLang="en-US" dirty="0" err="1"/>
-              <a:t>포션</a:t>
-            </a:r>
-            <a:r>
-              <a:rPr lang="ko-KR" altLang="en-US" dirty="0"/>
-              <a:t> </a:t>
-            </a:r>
-            <a:r>
-              <a:rPr lang="en-US" altLang="ko-KR" dirty="0"/>
-              <a:t>: </a:t>
-            </a:r>
-            <a:r>
-              <a:rPr lang="ko-KR" altLang="en-US" dirty="0"/>
-              <a:t>하트 </a:t>
-            </a:r>
-            <a:r>
-              <a:rPr lang="en-US" altLang="ko-KR" dirty="0"/>
-              <a:t>1</a:t>
-            </a:r>
-            <a:r>
-              <a:rPr lang="ko-KR" altLang="en-US" dirty="0"/>
-              <a:t>개 회복</a:t>
-            </a:r>
-            <a:endParaRPr lang="en-US" altLang="ko-KR" dirty="0"/>
-          </a:p>
-          <a:p>
-            <a:pPr marL="342900" indent="-342900">
-              <a:buAutoNum type="arabicPeriod"/>
-            </a:pPr>
-            <a:r>
-              <a:rPr lang="en-US" altLang="ko-KR" dirty="0"/>
-              <a:t>MP</a:t>
-            </a:r>
-            <a:r>
-              <a:rPr lang="ko-KR" altLang="en-US" dirty="0" err="1"/>
-              <a:t>포션</a:t>
-            </a:r>
-            <a:r>
-              <a:rPr lang="ko-KR" altLang="en-US" dirty="0"/>
-              <a:t> </a:t>
-            </a:r>
-            <a:r>
-              <a:rPr lang="en-US" altLang="ko-KR" dirty="0"/>
-              <a:t>: MP </a:t>
-            </a:r>
-            <a:r>
-              <a:rPr lang="ko-KR" altLang="en-US" dirty="0"/>
-              <a:t>풀 회복</a:t>
-            </a:r>
-            <a:endParaRPr lang="en-US" altLang="ko-KR" dirty="0"/>
-          </a:p>
-          <a:p>
-            <a:pPr marL="342900" indent="-342900">
-              <a:buAutoNum type="arabicPeriod"/>
-            </a:pPr>
-            <a:r>
-              <a:rPr lang="ko-KR" altLang="en-US" dirty="0"/>
-              <a:t>무한 에너지 </a:t>
-            </a:r>
-            <a:r>
-              <a:rPr lang="en-US" altLang="ko-KR" dirty="0"/>
-              <a:t>: 15</a:t>
-            </a:r>
-            <a:r>
-              <a:rPr lang="ko-KR" altLang="en-US" dirty="0"/>
-              <a:t>초간 에너지 무제한</a:t>
-            </a:r>
-            <a:endParaRPr lang="en-US" altLang="ko" dirty="0"/>
-          </a:p>
-        </p:txBody>
-      </p:sp>
-      <p:cxnSp>
-        <p:nvCxnSpPr>
-          <p:cNvPr id="20" name="Shape 110"/>
-          <p:cNvCxnSpPr>
-            <a:cxnSpLocks/>
-            <a:endCxn id="16" idx="3"/>
-          </p:cNvCxnSpPr>
-          <p:nvPr/>
-        </p:nvCxnSpPr>
-        <p:spPr>
-          <a:xfrm flipH="1">
-            <a:off x="2093164" y="4441933"/>
-            <a:ext cx="3064070" cy="1016537"/>
-          </a:xfrm>
-          <a:prstGeom prst="straightConnector1">
-            <a:avLst/>
-          </a:prstGeom>
-          <a:noFill/>
-          <a:ln w="28575" cap="flat" cmpd="sng">
-            <a:solidFill>
-              <a:schemeClr val="accent1"/>
-            </a:solidFill>
-            <a:prstDash val="solid"/>
-            <a:round/>
-            <a:headEnd type="none" w="lg" len="lg"/>
-            <a:tailEnd type="triangle" w="lg" len="lg"/>
-          </a:ln>
-        </p:spPr>
-      </p:cxnSp>
-    </p:spTree>
-    <p:extLst>
-      <p:ext uri="{BB962C8B-B14F-4D97-AF65-F5344CB8AC3E}">
-        <p14:creationId xmlns:p14="http://schemas.microsoft.com/office/powerpoint/2010/main" val="978755943"/>
       </p:ext>
     </p:extLst>
   </p:cSld>
@@ -5880,59 +4553,9 @@
           <a:chExt cx="0" cy="0"/>
         </a:xfrm>
       </p:grpSpPr>
-      <p:sp>
-        <p:nvSpPr>
-          <p:cNvPr id="2" name="직사각형 1"/>
-          <p:cNvSpPr/>
-          <p:nvPr/>
-        </p:nvSpPr>
-        <p:spPr>
-          <a:xfrm>
-            <a:off x="3640727" y="427203"/>
-            <a:ext cx="7122350" cy="1342239"/>
-          </a:xfrm>
-          <a:prstGeom prst="rect">
-            <a:avLst/>
-          </a:prstGeom>
-          <a:solidFill>
-            <a:schemeClr val="bg2"/>
-          </a:solidFill>
-          <a:ln>
-            <a:solidFill>
-              <a:schemeClr val="bg2">
-                <a:lumMod val="90000"/>
-              </a:schemeClr>
-            </a:solidFill>
-          </a:ln>
-        </p:spPr>
-        <p:style>
-          <a:lnRef idx="2">
-            <a:schemeClr val="accent1">
-              <a:shade val="50000"/>
-            </a:schemeClr>
-          </a:lnRef>
-          <a:fillRef idx="1">
-            <a:schemeClr val="accent1"/>
-          </a:fillRef>
-          <a:effectRef idx="0">
-            <a:schemeClr val="accent1"/>
-          </a:effectRef>
-          <a:fontRef idx="minor">
-            <a:schemeClr val="lt1"/>
-          </a:fontRef>
-        </p:style>
-        <p:txBody>
-          <a:bodyPr rtlCol="0" anchor="ctr"/>
-          <a:lstStyle/>
-          <a:p>
-            <a:pPr algn="ctr"/>
-            <a:endParaRPr lang="ko-KR" altLang="en-US"/>
-          </a:p>
-        </p:txBody>
-      </p:sp>
       <p:pic>
         <p:nvPicPr>
-          <p:cNvPr id="6" name="그림 5"/>
+          <p:cNvPr id="4" name="그림 3"/>
           <p:cNvPicPr>
             <a:picLocks noChangeAspect="1"/>
           </p:cNvPicPr>
@@ -5952,213 +4575,17 @@
         </p:blipFill>
         <p:spPr>
           <a:xfrm>
-            <a:off x="3863899" y="612251"/>
-            <a:ext cx="987141" cy="987141"/>
+            <a:off x="2810309" y="1720377"/>
+            <a:ext cx="6613321" cy="3719993"/>
           </a:xfrm>
           <a:prstGeom prst="rect">
             <a:avLst/>
           </a:prstGeom>
         </p:spPr>
       </p:pic>
-      <p:sp>
-        <p:nvSpPr>
-          <p:cNvPr id="14" name="TextBox 13"/>
-          <p:cNvSpPr txBox="1"/>
-          <p:nvPr/>
-        </p:nvSpPr>
-        <p:spPr>
-          <a:xfrm>
-            <a:off x="4960097" y="625877"/>
-            <a:ext cx="1531188" cy="923330"/>
-          </a:xfrm>
-          <a:prstGeom prst="rect">
-            <a:avLst/>
-          </a:prstGeom>
-          <a:noFill/>
-        </p:spPr>
-        <p:txBody>
-          <a:bodyPr wrap="square" rtlCol="0">
-            <a:spAutoFit/>
-          </a:bodyPr>
-          <a:lstStyle/>
-          <a:p>
-            <a:r>
-              <a:rPr lang="en-US" altLang="ko-KR" dirty="0"/>
-              <a:t>HP : 3</a:t>
-            </a:r>
-          </a:p>
-          <a:p>
-            <a:r>
-              <a:rPr lang="en-US" altLang="ko-KR" dirty="0"/>
-              <a:t>MP : 1000</a:t>
-            </a:r>
-          </a:p>
-          <a:p>
-            <a:r>
-              <a:rPr lang="ko-KR" altLang="en-US" dirty="0"/>
-              <a:t>이동속도 </a:t>
-            </a:r>
-            <a:r>
-              <a:rPr lang="en-US" altLang="ko-KR" dirty="0"/>
-              <a:t>: 1 </a:t>
-            </a:r>
-            <a:endParaRPr lang="ko-KR" altLang="en-US" dirty="0"/>
-          </a:p>
-        </p:txBody>
-      </p:sp>
-      <p:sp>
-        <p:nvSpPr>
-          <p:cNvPr id="11" name="직사각형 10"/>
-          <p:cNvSpPr/>
-          <p:nvPr/>
-        </p:nvSpPr>
-        <p:spPr>
-          <a:xfrm>
-            <a:off x="3640727" y="3549580"/>
-            <a:ext cx="7122350" cy="1342239"/>
-          </a:xfrm>
-          <a:prstGeom prst="rect">
-            <a:avLst/>
-          </a:prstGeom>
-          <a:solidFill>
-            <a:schemeClr val="bg2"/>
-          </a:solidFill>
-          <a:ln>
-            <a:solidFill>
-              <a:schemeClr val="bg2">
-                <a:lumMod val="90000"/>
-              </a:schemeClr>
-            </a:solidFill>
-          </a:ln>
-        </p:spPr>
-        <p:style>
-          <a:lnRef idx="2">
-            <a:schemeClr val="accent1">
-              <a:shade val="50000"/>
-            </a:schemeClr>
-          </a:lnRef>
-          <a:fillRef idx="1">
-            <a:schemeClr val="accent1"/>
-          </a:fillRef>
-          <a:effectRef idx="0">
-            <a:schemeClr val="accent1"/>
-          </a:effectRef>
-          <a:fontRef idx="minor">
-            <a:schemeClr val="lt1"/>
-          </a:fontRef>
-        </p:style>
-        <p:txBody>
-          <a:bodyPr rtlCol="0" anchor="ctr"/>
-          <a:lstStyle/>
-          <a:p>
-            <a:pPr algn="ctr"/>
-            <a:endParaRPr lang="ko-KR" altLang="en-US"/>
-          </a:p>
-        </p:txBody>
-      </p:sp>
-      <p:sp>
-        <p:nvSpPr>
-          <p:cNvPr id="13" name="직사각형 12"/>
-          <p:cNvSpPr/>
-          <p:nvPr/>
-        </p:nvSpPr>
-        <p:spPr>
-          <a:xfrm>
-            <a:off x="3640727" y="5115802"/>
-            <a:ext cx="7122350" cy="1342239"/>
-          </a:xfrm>
-          <a:prstGeom prst="rect">
-            <a:avLst/>
-          </a:prstGeom>
-          <a:solidFill>
-            <a:schemeClr val="bg2"/>
-          </a:solidFill>
-          <a:ln>
-            <a:solidFill>
-              <a:schemeClr val="bg2">
-                <a:lumMod val="90000"/>
-              </a:schemeClr>
-            </a:solidFill>
-          </a:ln>
-        </p:spPr>
-        <p:style>
-          <a:lnRef idx="2">
-            <a:schemeClr val="accent1">
-              <a:shade val="50000"/>
-            </a:schemeClr>
-          </a:lnRef>
-          <a:fillRef idx="1">
-            <a:schemeClr val="accent1"/>
-          </a:fillRef>
-          <a:effectRef idx="0">
-            <a:schemeClr val="accent1"/>
-          </a:effectRef>
-          <a:fontRef idx="minor">
-            <a:schemeClr val="lt1"/>
-          </a:fontRef>
-        </p:style>
-        <p:txBody>
-          <a:bodyPr rtlCol="0" anchor="ctr"/>
-          <a:lstStyle/>
-          <a:p>
-            <a:pPr algn="ctr"/>
-            <a:endParaRPr lang="ko-KR" altLang="en-US"/>
-          </a:p>
-        </p:txBody>
-      </p:sp>
-      <p:sp>
-        <p:nvSpPr>
-          <p:cNvPr id="15" name="직사각형 14"/>
-          <p:cNvSpPr/>
-          <p:nvPr/>
-        </p:nvSpPr>
-        <p:spPr>
-          <a:xfrm>
-            <a:off x="3640727" y="1993425"/>
-            <a:ext cx="7122350" cy="1342239"/>
-          </a:xfrm>
-          <a:prstGeom prst="rect">
-            <a:avLst/>
-          </a:prstGeom>
-          <a:solidFill>
-            <a:schemeClr val="bg2"/>
-          </a:solidFill>
-          <a:ln>
-            <a:solidFill>
-              <a:schemeClr val="bg2">
-                <a:lumMod val="90000"/>
-              </a:schemeClr>
-            </a:solidFill>
-          </a:ln>
-        </p:spPr>
-        <p:style>
-          <a:lnRef idx="2">
-            <a:schemeClr val="accent1">
-              <a:shade val="50000"/>
-            </a:schemeClr>
-          </a:lnRef>
-          <a:fillRef idx="1">
-            <a:schemeClr val="accent1"/>
-          </a:fillRef>
-          <a:effectRef idx="0">
-            <a:schemeClr val="accent1"/>
-          </a:effectRef>
-          <a:fontRef idx="minor">
-            <a:schemeClr val="lt1"/>
-          </a:fontRef>
-        </p:style>
-        <p:txBody>
-          <a:bodyPr rtlCol="0" anchor="ctr"/>
-          <a:lstStyle/>
-          <a:p>
-            <a:pPr algn="ctr"/>
-            <a:endParaRPr lang="ko-KR" altLang="en-US"/>
-          </a:p>
-        </p:txBody>
-      </p:sp>
       <p:pic>
         <p:nvPicPr>
-          <p:cNvPr id="17" name="그림 16"/>
+          <p:cNvPr id="32" name="그림 31"/>
           <p:cNvPicPr>
             <a:picLocks noChangeAspect="1"/>
           </p:cNvPicPr>
@@ -6177,64 +4604,18 @@
           </a:stretch>
         </p:blipFill>
         <p:spPr>
-          <a:xfrm>
-            <a:off x="3863899" y="2208122"/>
-            <a:ext cx="958111" cy="958111"/>
+          <a:xfrm flipH="1">
+            <a:off x="4831392" y="2976117"/>
+            <a:ext cx="987141" cy="987141"/>
           </a:xfrm>
           <a:prstGeom prst="rect">
             <a:avLst/>
           </a:prstGeom>
         </p:spPr>
       </p:pic>
-      <p:sp>
-        <p:nvSpPr>
-          <p:cNvPr id="21" name="TextBox 20"/>
-          <p:cNvSpPr txBox="1"/>
-          <p:nvPr/>
-        </p:nvSpPr>
-        <p:spPr>
-          <a:xfrm>
-            <a:off x="4960097" y="2202879"/>
-            <a:ext cx="1887524" cy="923330"/>
-          </a:xfrm>
-          <a:prstGeom prst="rect">
-            <a:avLst/>
-          </a:prstGeom>
-          <a:noFill/>
-        </p:spPr>
-        <p:txBody>
-          <a:bodyPr wrap="square" rtlCol="0">
-            <a:spAutoFit/>
-          </a:bodyPr>
-          <a:lstStyle/>
-          <a:p>
-            <a:r>
-              <a:rPr lang="en-US" altLang="ko-KR" dirty="0"/>
-              <a:t>HP : 3</a:t>
-            </a:r>
-          </a:p>
-          <a:p>
-            <a:r>
-              <a:rPr lang="en-US" altLang="ko-KR" dirty="0"/>
-              <a:t>MP : 1000</a:t>
-            </a:r>
-          </a:p>
-          <a:p>
-            <a:r>
-              <a:rPr lang="ko-KR" altLang="en-US" dirty="0"/>
-              <a:t>이동속도 </a:t>
-            </a:r>
-            <a:r>
-              <a:rPr lang="en-US" altLang="ko-KR" dirty="0"/>
-              <a:t>: 1.3</a:t>
-            </a:r>
-            <a:endParaRPr lang="ko-KR" altLang="en-US" dirty="0"/>
-          </a:p>
-        </p:txBody>
-      </p:sp>
       <p:pic>
         <p:nvPicPr>
-          <p:cNvPr id="22" name="그림 21"/>
+          <p:cNvPr id="33" name="그림 32"/>
           <p:cNvPicPr>
             <a:picLocks noChangeAspect="1"/>
           </p:cNvPicPr>
@@ -6254,7 +4635,7 @@
         </p:blipFill>
         <p:spPr>
           <a:xfrm>
-            <a:off x="3948636" y="3756170"/>
+            <a:off x="6555219" y="2976117"/>
             <a:ext cx="812698" cy="812698"/>
           </a:xfrm>
           <a:prstGeom prst="rect">
@@ -6264,14 +4645,14 @@
       </p:pic>
       <p:sp>
         <p:nvSpPr>
-          <p:cNvPr id="23" name="TextBox 22"/>
+          <p:cNvPr id="14" name="TextBox 13"/>
           <p:cNvSpPr txBox="1"/>
           <p:nvPr/>
         </p:nvSpPr>
         <p:spPr>
           <a:xfrm>
-            <a:off x="4960097" y="3756170"/>
-            <a:ext cx="1627369" cy="923330"/>
+            <a:off x="2810309" y="1017514"/>
+            <a:ext cx="3459601" cy="369332"/>
           </a:xfrm>
           <a:prstGeom prst="rect">
             <a:avLst/>
@@ -6279,75 +4660,45 @@
           <a:noFill/>
         </p:spPr>
         <p:txBody>
-          <a:bodyPr wrap="square" rtlCol="0">
+          <a:bodyPr wrap="none" rtlCol="0">
             <a:spAutoFit/>
           </a:bodyPr>
           <a:lstStyle/>
           <a:p>
             <a:r>
               <a:rPr lang="en-US" altLang="ko-KR" dirty="0"/>
-              <a:t>HP : 5</a:t>
-            </a:r>
-          </a:p>
-          <a:p>
+              <a:t>HP</a:t>
+            </a:r>
+            <a:r>
+              <a:rPr lang="ko-KR" altLang="en-US" dirty="0"/>
+              <a:t>가 먼저 </a:t>
+            </a:r>
             <a:r>
               <a:rPr lang="en-US" altLang="ko-KR" dirty="0"/>
-              <a:t>MP : 1000</a:t>
-            </a:r>
-          </a:p>
-          <a:p>
+              <a:t>0</a:t>
+            </a:r>
             <a:r>
               <a:rPr lang="ko-KR" altLang="en-US" dirty="0"/>
-              <a:t>이동속도 </a:t>
+              <a:t>이 되는 쪽이 진다</a:t>
             </a:r>
             <a:r>
               <a:rPr lang="en-US" altLang="ko-KR" dirty="0"/>
-              <a:t>: 0.7</a:t>
+              <a:t>. </a:t>
             </a:r>
             <a:endParaRPr lang="ko-KR" altLang="en-US" dirty="0"/>
           </a:p>
         </p:txBody>
       </p:sp>
-      <p:pic>
-        <p:nvPicPr>
-          <p:cNvPr id="24" name="그림 23"/>
-          <p:cNvPicPr>
-            <a:picLocks noChangeAspect="1"/>
-          </p:cNvPicPr>
-          <p:nvPr/>
-        </p:nvPicPr>
-        <p:blipFill>
-          <a:blip r:embed="rId5">
-            <a:extLst>
-              <a:ext uri="{28A0092B-C50C-407E-A947-70E740481C1C}">
-                <a14:useLocalDpi xmlns:a14="http://schemas.microsoft.com/office/drawing/2010/main" val="0"/>
-              </a:ext>
-            </a:extLst>
-          </a:blip>
-          <a:stretch>
-            <a:fillRect/>
-          </a:stretch>
-        </p:blipFill>
-        <p:spPr>
-          <a:xfrm>
-            <a:off x="3948636" y="5360117"/>
-            <a:ext cx="812698" cy="812698"/>
-          </a:xfrm>
-          <a:prstGeom prst="rect">
-            <a:avLst/>
-          </a:prstGeom>
-        </p:spPr>
-      </p:pic>
-      <p:sp>
-        <p:nvSpPr>
-          <p:cNvPr id="25" name="TextBox 24"/>
+      <p:sp>
+        <p:nvSpPr>
+          <p:cNvPr id="21" name="TextBox 20"/>
           <p:cNvSpPr txBox="1"/>
           <p:nvPr/>
         </p:nvSpPr>
         <p:spPr>
           <a:xfrm>
-            <a:off x="4960097" y="5325256"/>
-            <a:ext cx="1449436" cy="923330"/>
+            <a:off x="190743" y="182246"/>
+            <a:ext cx="2792752" cy="461665"/>
           </a:xfrm>
           <a:prstGeom prst="rect">
             <a:avLst/>
@@ -6355,817 +4706,151 @@
           <a:noFill/>
         </p:spPr>
         <p:txBody>
-          <a:bodyPr wrap="square" rtlCol="0">
+          <a:bodyPr wrap="none" rtlCol="0">
             <a:spAutoFit/>
           </a:bodyPr>
           <a:lstStyle/>
           <a:p>
             <a:r>
-              <a:rPr lang="en-US" altLang="ko-KR" dirty="0"/>
-              <a:t>HP : 3</a:t>
-            </a:r>
-          </a:p>
-          <a:p>
-            <a:r>
-              <a:rPr lang="en-US" altLang="ko-KR" dirty="0"/>
-              <a:t>MP : 1000</a:t>
-            </a:r>
-          </a:p>
-          <a:p>
-            <a:r>
-              <a:rPr lang="ko-KR" altLang="en-US" dirty="0"/>
-              <a:t>이동속도 </a:t>
-            </a:r>
-            <a:r>
-              <a:rPr lang="en-US" altLang="ko-KR" dirty="0"/>
-              <a:t>: 1</a:t>
-            </a:r>
-            <a:endParaRPr lang="ko-KR" altLang="en-US" dirty="0"/>
-          </a:p>
-        </p:txBody>
-      </p:sp>
-      <p:sp>
-        <p:nvSpPr>
-          <p:cNvPr id="4" name="직사각형 3"/>
-          <p:cNvSpPr/>
-          <p:nvPr/>
-        </p:nvSpPr>
-        <p:spPr>
-          <a:xfrm>
-            <a:off x="6847621" y="612251"/>
-            <a:ext cx="1105239" cy="973515"/>
-          </a:xfrm>
-          <a:prstGeom prst="rect">
-            <a:avLst/>
-          </a:prstGeom>
-          <a:solidFill>
-            <a:schemeClr val="bg2">
-              <a:lumMod val="90000"/>
-            </a:schemeClr>
-          </a:solidFill>
-          <a:ln>
+              <a:rPr lang="ko-KR" altLang="en-US" sz="2400" b="1" dirty="0"/>
+              <a:t>게임 룰 </a:t>
+            </a:r>
+            <a:r>
+              <a:rPr lang="en-US" altLang="ko-KR" sz="2400" b="1" dirty="0"/>
+              <a:t>- </a:t>
+            </a:r>
+            <a:r>
+              <a:rPr lang="ko-KR" altLang="en-US" sz="2400" b="1" dirty="0"/>
+              <a:t>승리조건</a:t>
+            </a:r>
+          </a:p>
+        </p:txBody>
+      </p:sp>
+      <p:grpSp>
+        <p:nvGrpSpPr>
+          <p:cNvPr id="24" name="그룹 23"/>
+          <p:cNvGrpSpPr/>
+          <p:nvPr/>
+        </p:nvGrpSpPr>
+        <p:grpSpPr>
+          <a:xfrm>
+            <a:off x="5656395" y="1797766"/>
+            <a:ext cx="867651" cy="475488"/>
+            <a:chOff x="5687568" y="1753234"/>
+            <a:chExt cx="867651" cy="475488"/>
+          </a:xfrm>
+        </p:grpSpPr>
+        <p:sp>
+          <p:nvSpPr>
+            <p:cNvPr id="25" name="사각형: 둥근 모서리 24"/>
+            <p:cNvSpPr/>
+            <p:nvPr/>
+          </p:nvSpPr>
+          <p:spPr>
+            <a:xfrm>
+              <a:off x="5687568" y="1753234"/>
+              <a:ext cx="867651" cy="475488"/>
+            </a:xfrm>
+            <a:prstGeom prst="roundRect">
+              <a:avLst/>
+            </a:prstGeom>
             <a:solidFill>
-              <a:schemeClr val="bg2">
-                <a:lumMod val="50000"/>
+              <a:srgbClr val="FFFF00"/>
+            </a:solidFill>
+            <a:ln>
+              <a:noFill/>
+            </a:ln>
+          </p:spPr>
+          <p:style>
+            <a:lnRef idx="2">
+              <a:schemeClr val="accent1">
+                <a:shade val="50000"/>
               </a:schemeClr>
+            </a:lnRef>
+            <a:fillRef idx="1">
+              <a:schemeClr val="accent1"/>
+            </a:fillRef>
+            <a:effectRef idx="0">
+              <a:schemeClr val="accent1"/>
+            </a:effectRef>
+            <a:fontRef idx="minor">
+              <a:schemeClr val="lt1"/>
+            </a:fontRef>
+          </p:style>
+          <p:txBody>
+            <a:bodyPr rtlCol="0" anchor="ctr"/>
+            <a:lstStyle/>
+            <a:p>
+              <a:pPr algn="ctr"/>
+              <a:endParaRPr lang="ko-KR" altLang="en-US" sz="1600"/>
+            </a:p>
+          </p:txBody>
+        </p:sp>
+        <p:sp>
+          <p:nvSpPr>
+            <p:cNvPr id="26" name="사각형: 둥근 모서리 25"/>
+            <p:cNvSpPr/>
+            <p:nvPr/>
+          </p:nvSpPr>
+          <p:spPr>
+            <a:xfrm>
+              <a:off x="5736275" y="1790712"/>
+              <a:ext cx="761388" cy="417254"/>
+            </a:xfrm>
+            <a:prstGeom prst="roundRect">
+              <a:avLst/>
+            </a:prstGeom>
+            <a:solidFill>
+              <a:srgbClr val="FFFF00"/>
             </a:solidFill>
-          </a:ln>
-        </p:spPr>
-        <p:style>
-          <a:lnRef idx="2">
-            <a:schemeClr val="accent1">
-              <a:shade val="50000"/>
-            </a:schemeClr>
-          </a:lnRef>
-          <a:fillRef idx="1">
-            <a:schemeClr val="accent1"/>
-          </a:fillRef>
-          <a:effectRef idx="0">
-            <a:schemeClr val="accent1"/>
-          </a:effectRef>
-          <a:fontRef idx="minor">
-            <a:schemeClr val="lt1"/>
-          </a:fontRef>
-        </p:style>
-        <p:txBody>
-          <a:bodyPr rtlCol="0" anchor="ctr"/>
-          <a:lstStyle/>
-          <a:p>
-            <a:pPr algn="ctr"/>
-            <a:r>
-              <a:rPr lang="ko-KR" altLang="en-US" dirty="0" err="1">
+            <a:ln w="38100">
+              <a:solidFill>
+                <a:schemeClr val="tx1"/>
+              </a:solidFill>
+            </a:ln>
+          </p:spPr>
+          <p:style>
+            <a:lnRef idx="2">
+              <a:schemeClr val="accent1">
+                <a:shade val="50000"/>
+              </a:schemeClr>
+            </a:lnRef>
+            <a:fillRef idx="1">
+              <a:schemeClr val="accent1"/>
+            </a:fillRef>
+            <a:effectRef idx="0">
+              <a:schemeClr val="accent1"/>
+            </a:effectRef>
+            <a:fontRef idx="minor">
+              <a:schemeClr val="lt1"/>
+            </a:fontRef>
+          </p:style>
+          <p:txBody>
+            <a:bodyPr rtlCol="0" anchor="ctr"/>
+            <a:lstStyle/>
+            <a:p>
+              <a:pPr algn="ctr"/>
+              <a:r>
+                <a:rPr lang="en-US" altLang="ko-KR" sz="2400" b="1" dirty="0">
+                  <a:solidFill>
+                    <a:schemeClr val="tx1"/>
+                  </a:solidFill>
+                </a:rPr>
+                <a:t>120</a:t>
+              </a:r>
+              <a:endParaRPr lang="ko-KR" altLang="en-US" sz="2400" b="1" dirty="0">
                 <a:solidFill>
                   <a:schemeClr val="tx1"/>
                 </a:solidFill>
-              </a:rPr>
-              <a:t>부스터</a:t>
-            </a:r>
-            <a:endParaRPr lang="ko-KR" altLang="en-US" dirty="0">
-              <a:solidFill>
-                <a:schemeClr val="tx1"/>
-              </a:solidFill>
-            </a:endParaRPr>
-          </a:p>
-        </p:txBody>
-      </p:sp>
-      <p:sp>
-        <p:nvSpPr>
-          <p:cNvPr id="26" name="직사각형 25"/>
-          <p:cNvSpPr/>
-          <p:nvPr/>
-        </p:nvSpPr>
-        <p:spPr>
-          <a:xfrm>
-            <a:off x="8147914" y="612251"/>
-            <a:ext cx="1105239" cy="973515"/>
-          </a:xfrm>
-          <a:prstGeom prst="rect">
-            <a:avLst/>
-          </a:prstGeom>
-          <a:solidFill>
-            <a:schemeClr val="bg2">
-              <a:lumMod val="90000"/>
-            </a:schemeClr>
-          </a:solidFill>
-          <a:ln>
-            <a:solidFill>
-              <a:schemeClr val="bg2">
-                <a:lumMod val="50000"/>
-              </a:schemeClr>
-            </a:solidFill>
-          </a:ln>
-        </p:spPr>
-        <p:style>
-          <a:lnRef idx="2">
-            <a:schemeClr val="accent1">
-              <a:shade val="50000"/>
-            </a:schemeClr>
-          </a:lnRef>
-          <a:fillRef idx="1">
-            <a:schemeClr val="accent1"/>
-          </a:fillRef>
-          <a:effectRef idx="0">
-            <a:schemeClr val="accent1"/>
-          </a:effectRef>
-          <a:fontRef idx="minor">
-            <a:schemeClr val="lt1"/>
-          </a:fontRef>
-        </p:style>
-        <p:txBody>
-          <a:bodyPr rtlCol="0" anchor="ctr"/>
-          <a:lstStyle/>
-          <a:p>
-            <a:pPr algn="ctr"/>
-            <a:r>
-              <a:rPr lang="ko-KR" altLang="en-US" dirty="0">
-                <a:solidFill>
-                  <a:schemeClr val="tx1"/>
-                </a:solidFill>
-              </a:rPr>
-              <a:t>더블</a:t>
-            </a:r>
-            <a:endParaRPr lang="en-US" altLang="ko-KR" dirty="0">
-              <a:solidFill>
-                <a:schemeClr val="tx1"/>
-              </a:solidFill>
-            </a:endParaRPr>
-          </a:p>
-          <a:p>
-            <a:pPr algn="ctr"/>
-            <a:r>
-              <a:rPr lang="ko-KR" altLang="en-US" dirty="0" err="1">
-                <a:solidFill>
-                  <a:schemeClr val="tx1"/>
-                </a:solidFill>
-              </a:rPr>
-              <a:t>부스터</a:t>
-            </a:r>
-            <a:endParaRPr lang="ko-KR" altLang="en-US" dirty="0">
-              <a:solidFill>
-                <a:schemeClr val="tx1"/>
-              </a:solidFill>
-            </a:endParaRPr>
-          </a:p>
-        </p:txBody>
-      </p:sp>
-      <p:sp>
-        <p:nvSpPr>
-          <p:cNvPr id="27" name="직사각형 26"/>
-          <p:cNvSpPr/>
-          <p:nvPr/>
-        </p:nvSpPr>
-        <p:spPr>
-          <a:xfrm>
-            <a:off x="6847621" y="2189253"/>
-            <a:ext cx="1105239" cy="973515"/>
-          </a:xfrm>
-          <a:prstGeom prst="rect">
-            <a:avLst/>
-          </a:prstGeom>
-          <a:solidFill>
-            <a:schemeClr val="bg2">
-              <a:lumMod val="90000"/>
-            </a:schemeClr>
-          </a:solidFill>
-          <a:ln>
-            <a:solidFill>
-              <a:schemeClr val="bg2">
-                <a:lumMod val="50000"/>
-              </a:schemeClr>
-            </a:solidFill>
-          </a:ln>
-        </p:spPr>
-        <p:style>
-          <a:lnRef idx="2">
-            <a:schemeClr val="accent1">
-              <a:shade val="50000"/>
-            </a:schemeClr>
-          </a:lnRef>
-          <a:fillRef idx="1">
-            <a:schemeClr val="accent1"/>
-          </a:fillRef>
-          <a:effectRef idx="0">
-            <a:schemeClr val="accent1"/>
-          </a:effectRef>
-          <a:fontRef idx="minor">
-            <a:schemeClr val="lt1"/>
-          </a:fontRef>
-        </p:style>
-        <p:txBody>
-          <a:bodyPr rtlCol="0" anchor="ctr"/>
-          <a:lstStyle/>
-          <a:p>
-            <a:pPr algn="ctr"/>
-            <a:r>
-              <a:rPr lang="ko-KR" altLang="en-US">
-                <a:solidFill>
-                  <a:schemeClr val="tx1"/>
-                </a:solidFill>
-              </a:rPr>
-              <a:t>부스터</a:t>
-            </a:r>
-            <a:endParaRPr lang="ko-KR" altLang="en-US" dirty="0">
-              <a:solidFill>
-                <a:schemeClr val="tx1"/>
-              </a:solidFill>
-            </a:endParaRPr>
-          </a:p>
-        </p:txBody>
-      </p:sp>
-      <p:sp>
-        <p:nvSpPr>
-          <p:cNvPr id="28" name="직사각형 27"/>
-          <p:cNvSpPr/>
-          <p:nvPr/>
-        </p:nvSpPr>
-        <p:spPr>
-          <a:xfrm>
-            <a:off x="8147914" y="2189253"/>
-            <a:ext cx="1105239" cy="973515"/>
-          </a:xfrm>
-          <a:prstGeom prst="rect">
-            <a:avLst/>
-          </a:prstGeom>
-          <a:solidFill>
-            <a:schemeClr val="bg2">
-              <a:lumMod val="90000"/>
-            </a:schemeClr>
-          </a:solidFill>
-          <a:ln>
-            <a:solidFill>
-              <a:schemeClr val="bg2">
-                <a:lumMod val="50000"/>
-              </a:schemeClr>
-            </a:solidFill>
-          </a:ln>
-        </p:spPr>
-        <p:style>
-          <a:lnRef idx="2">
-            <a:schemeClr val="accent1">
-              <a:shade val="50000"/>
-            </a:schemeClr>
-          </a:lnRef>
-          <a:fillRef idx="1">
-            <a:schemeClr val="accent1"/>
-          </a:fillRef>
-          <a:effectRef idx="0">
-            <a:schemeClr val="accent1"/>
-          </a:effectRef>
-          <a:fontRef idx="minor">
-            <a:schemeClr val="lt1"/>
-          </a:fontRef>
-        </p:style>
-        <p:txBody>
-          <a:bodyPr rtlCol="0" anchor="ctr"/>
-          <a:lstStyle/>
-          <a:p>
-            <a:pPr algn="ctr"/>
-            <a:r>
-              <a:rPr lang="ko-KR" altLang="en-US" dirty="0">
-                <a:solidFill>
-                  <a:schemeClr val="tx1"/>
-                </a:solidFill>
-              </a:rPr>
-              <a:t>대포</a:t>
-            </a:r>
-          </a:p>
-        </p:txBody>
-      </p:sp>
-      <p:sp>
-        <p:nvSpPr>
-          <p:cNvPr id="29" name="직사각형 28"/>
-          <p:cNvSpPr/>
-          <p:nvPr/>
-        </p:nvSpPr>
-        <p:spPr>
-          <a:xfrm>
-            <a:off x="6847621" y="5266234"/>
-            <a:ext cx="1105239" cy="973515"/>
-          </a:xfrm>
-          <a:prstGeom prst="rect">
-            <a:avLst/>
-          </a:prstGeom>
-          <a:solidFill>
-            <a:schemeClr val="bg2">
-              <a:lumMod val="90000"/>
-            </a:schemeClr>
-          </a:solidFill>
-          <a:ln>
-            <a:solidFill>
-              <a:schemeClr val="bg2">
-                <a:lumMod val="50000"/>
-              </a:schemeClr>
-            </a:solidFill>
-          </a:ln>
-        </p:spPr>
-        <p:style>
-          <a:lnRef idx="2">
-            <a:schemeClr val="accent1">
-              <a:shade val="50000"/>
-            </a:schemeClr>
-          </a:lnRef>
-          <a:fillRef idx="1">
-            <a:schemeClr val="accent1"/>
-          </a:fillRef>
-          <a:effectRef idx="0">
-            <a:schemeClr val="accent1"/>
-          </a:effectRef>
-          <a:fontRef idx="minor">
-            <a:schemeClr val="lt1"/>
-          </a:fontRef>
-        </p:style>
-        <p:txBody>
-          <a:bodyPr rtlCol="0" anchor="ctr"/>
-          <a:lstStyle/>
-          <a:p>
-            <a:pPr algn="ctr"/>
-            <a:r>
-              <a:rPr lang="ko-KR" altLang="en-US">
-                <a:solidFill>
-                  <a:schemeClr val="tx1"/>
-                </a:solidFill>
-              </a:rPr>
-              <a:t>부스터</a:t>
-            </a:r>
-            <a:endParaRPr lang="ko-KR" altLang="en-US" dirty="0">
-              <a:solidFill>
-                <a:schemeClr val="tx1"/>
-              </a:solidFill>
-            </a:endParaRPr>
-          </a:p>
-        </p:txBody>
-      </p:sp>
-      <p:sp>
-        <p:nvSpPr>
-          <p:cNvPr id="30" name="직사각형 29"/>
-          <p:cNvSpPr/>
-          <p:nvPr/>
-        </p:nvSpPr>
-        <p:spPr>
-          <a:xfrm>
-            <a:off x="8147914" y="5266234"/>
-            <a:ext cx="1105239" cy="973515"/>
-          </a:xfrm>
-          <a:prstGeom prst="rect">
-            <a:avLst/>
-          </a:prstGeom>
-          <a:solidFill>
-            <a:schemeClr val="bg2">
-              <a:lumMod val="90000"/>
-            </a:schemeClr>
-          </a:solidFill>
-          <a:ln>
-            <a:solidFill>
-              <a:schemeClr val="bg2">
-                <a:lumMod val="50000"/>
-              </a:schemeClr>
-            </a:solidFill>
-          </a:ln>
-        </p:spPr>
-        <p:style>
-          <a:lnRef idx="2">
-            <a:schemeClr val="accent1">
-              <a:shade val="50000"/>
-            </a:schemeClr>
-          </a:lnRef>
-          <a:fillRef idx="1">
-            <a:schemeClr val="accent1"/>
-          </a:fillRef>
-          <a:effectRef idx="0">
-            <a:schemeClr val="accent1"/>
-          </a:effectRef>
-          <a:fontRef idx="minor">
-            <a:schemeClr val="lt1"/>
-          </a:fontRef>
-        </p:style>
-        <p:txBody>
-          <a:bodyPr rtlCol="0" anchor="ctr"/>
-          <a:lstStyle/>
-          <a:p>
-            <a:pPr algn="ctr"/>
-            <a:r>
-              <a:rPr lang="ko-KR" altLang="en-US" dirty="0">
-                <a:solidFill>
-                  <a:schemeClr val="tx1"/>
-                </a:solidFill>
-              </a:rPr>
-              <a:t>독가스</a:t>
-            </a:r>
-          </a:p>
-        </p:txBody>
-      </p:sp>
-      <p:sp>
-        <p:nvSpPr>
-          <p:cNvPr id="32" name="직사각형 31"/>
-          <p:cNvSpPr/>
-          <p:nvPr/>
-        </p:nvSpPr>
-        <p:spPr>
-          <a:xfrm>
-            <a:off x="6847621" y="3728351"/>
-            <a:ext cx="1105239" cy="973515"/>
-          </a:xfrm>
-          <a:prstGeom prst="rect">
-            <a:avLst/>
-          </a:prstGeom>
-          <a:solidFill>
-            <a:schemeClr val="bg2">
-              <a:lumMod val="90000"/>
-            </a:schemeClr>
-          </a:solidFill>
-          <a:ln>
-            <a:solidFill>
-              <a:schemeClr val="bg2">
-                <a:lumMod val="50000"/>
-              </a:schemeClr>
-            </a:solidFill>
-          </a:ln>
-        </p:spPr>
-        <p:style>
-          <a:lnRef idx="2">
-            <a:schemeClr val="accent1">
-              <a:shade val="50000"/>
-            </a:schemeClr>
-          </a:lnRef>
-          <a:fillRef idx="1">
-            <a:schemeClr val="accent1"/>
-          </a:fillRef>
-          <a:effectRef idx="0">
-            <a:schemeClr val="accent1"/>
-          </a:effectRef>
-          <a:fontRef idx="minor">
-            <a:schemeClr val="lt1"/>
-          </a:fontRef>
-        </p:style>
-        <p:txBody>
-          <a:bodyPr rtlCol="0" anchor="ctr"/>
-          <a:lstStyle/>
-          <a:p>
-            <a:pPr algn="ctr"/>
-            <a:r>
-              <a:rPr lang="ko-KR" altLang="en-US">
-                <a:solidFill>
-                  <a:schemeClr val="tx1"/>
-                </a:solidFill>
-              </a:rPr>
-              <a:t>부스터</a:t>
-            </a:r>
-            <a:endParaRPr lang="ko-KR" altLang="en-US" dirty="0">
-              <a:solidFill>
-                <a:schemeClr val="tx1"/>
-              </a:solidFill>
-            </a:endParaRPr>
-          </a:p>
-        </p:txBody>
-      </p:sp>
-      <p:sp>
-        <p:nvSpPr>
-          <p:cNvPr id="33" name="직사각형 32"/>
-          <p:cNvSpPr/>
-          <p:nvPr/>
-        </p:nvSpPr>
-        <p:spPr>
-          <a:xfrm>
-            <a:off x="8147914" y="3728351"/>
-            <a:ext cx="1105239" cy="973515"/>
-          </a:xfrm>
-          <a:prstGeom prst="rect">
-            <a:avLst/>
-          </a:prstGeom>
-          <a:solidFill>
-            <a:schemeClr val="bg2">
-              <a:lumMod val="90000"/>
-            </a:schemeClr>
-          </a:solidFill>
-          <a:ln>
-            <a:solidFill>
-              <a:schemeClr val="bg2">
-                <a:lumMod val="50000"/>
-              </a:schemeClr>
-            </a:solidFill>
-          </a:ln>
-        </p:spPr>
-        <p:style>
-          <a:lnRef idx="2">
-            <a:schemeClr val="accent1">
-              <a:shade val="50000"/>
-            </a:schemeClr>
-          </a:lnRef>
-          <a:fillRef idx="1">
-            <a:schemeClr val="accent1"/>
-          </a:fillRef>
-          <a:effectRef idx="0">
-            <a:schemeClr val="accent1"/>
-          </a:effectRef>
-          <a:fontRef idx="minor">
-            <a:schemeClr val="lt1"/>
-          </a:fontRef>
-        </p:style>
-        <p:txBody>
-          <a:bodyPr rtlCol="0" anchor="ctr"/>
-          <a:lstStyle/>
-          <a:p>
-            <a:pPr algn="ctr"/>
-            <a:r>
-              <a:rPr lang="ko-KR" altLang="en-US" dirty="0">
-                <a:solidFill>
-                  <a:schemeClr val="tx1"/>
-                </a:solidFill>
-              </a:rPr>
-              <a:t>폭발</a:t>
-            </a:r>
-          </a:p>
-        </p:txBody>
-      </p:sp>
-      <p:sp>
-        <p:nvSpPr>
-          <p:cNvPr id="34" name="직사각형 33"/>
-          <p:cNvSpPr/>
-          <p:nvPr/>
-        </p:nvSpPr>
-        <p:spPr>
-          <a:xfrm>
-            <a:off x="9448207" y="612251"/>
-            <a:ext cx="1105239" cy="973515"/>
-          </a:xfrm>
-          <a:prstGeom prst="rect">
-            <a:avLst/>
-          </a:prstGeom>
-          <a:solidFill>
-            <a:schemeClr val="bg2">
-              <a:lumMod val="90000"/>
-            </a:schemeClr>
-          </a:solidFill>
-          <a:ln>
-            <a:solidFill>
-              <a:schemeClr val="bg2">
-                <a:lumMod val="50000"/>
-              </a:schemeClr>
-            </a:solidFill>
-          </a:ln>
-        </p:spPr>
-        <p:style>
-          <a:lnRef idx="2">
-            <a:schemeClr val="accent1">
-              <a:shade val="50000"/>
-            </a:schemeClr>
-          </a:lnRef>
-          <a:fillRef idx="1">
-            <a:schemeClr val="accent1"/>
-          </a:fillRef>
-          <a:effectRef idx="0">
-            <a:schemeClr val="accent1"/>
-          </a:effectRef>
-          <a:fontRef idx="minor">
-            <a:schemeClr val="lt1"/>
-          </a:fontRef>
-        </p:style>
-        <p:txBody>
-          <a:bodyPr rtlCol="0" anchor="ctr"/>
-          <a:lstStyle/>
-          <a:p>
-            <a:pPr algn="ctr"/>
-            <a:r>
-              <a:rPr lang="ko-KR" altLang="en-US" dirty="0">
-                <a:solidFill>
-                  <a:schemeClr val="tx1"/>
-                </a:solidFill>
-              </a:rPr>
-              <a:t>회피</a:t>
-            </a:r>
-          </a:p>
-        </p:txBody>
-      </p:sp>
-      <p:sp>
-        <p:nvSpPr>
-          <p:cNvPr id="35" name="직사각형 34"/>
-          <p:cNvSpPr/>
-          <p:nvPr/>
-        </p:nvSpPr>
-        <p:spPr>
-          <a:xfrm>
-            <a:off x="9448207" y="2189253"/>
-            <a:ext cx="1105239" cy="973515"/>
-          </a:xfrm>
-          <a:prstGeom prst="rect">
-            <a:avLst/>
-          </a:prstGeom>
-          <a:solidFill>
-            <a:schemeClr val="bg2">
-              <a:lumMod val="90000"/>
-            </a:schemeClr>
-          </a:solidFill>
-          <a:ln>
-            <a:solidFill>
-              <a:schemeClr val="bg2">
-                <a:lumMod val="50000"/>
-              </a:schemeClr>
-            </a:solidFill>
-          </a:ln>
-        </p:spPr>
-        <p:style>
-          <a:lnRef idx="2">
-            <a:schemeClr val="accent1">
-              <a:shade val="50000"/>
-            </a:schemeClr>
-          </a:lnRef>
-          <a:fillRef idx="1">
-            <a:schemeClr val="accent1"/>
-          </a:fillRef>
-          <a:effectRef idx="0">
-            <a:schemeClr val="accent1"/>
-          </a:effectRef>
-          <a:fontRef idx="minor">
-            <a:schemeClr val="lt1"/>
-          </a:fontRef>
-        </p:style>
-        <p:txBody>
-          <a:bodyPr rtlCol="0" anchor="ctr"/>
-          <a:lstStyle/>
-          <a:p>
-            <a:pPr algn="ctr"/>
-            <a:r>
-              <a:rPr lang="ko-KR" altLang="en-US" dirty="0">
-                <a:solidFill>
-                  <a:schemeClr val="tx1"/>
-                </a:solidFill>
-              </a:rPr>
-              <a:t>회피</a:t>
-            </a:r>
-          </a:p>
-        </p:txBody>
-      </p:sp>
-      <p:sp>
-        <p:nvSpPr>
-          <p:cNvPr id="36" name="직사각형 35"/>
-          <p:cNvSpPr/>
-          <p:nvPr/>
-        </p:nvSpPr>
-        <p:spPr>
-          <a:xfrm>
-            <a:off x="9448207" y="5266234"/>
-            <a:ext cx="1105239" cy="973515"/>
-          </a:xfrm>
-          <a:prstGeom prst="rect">
-            <a:avLst/>
-          </a:prstGeom>
-          <a:solidFill>
-            <a:schemeClr val="bg2">
-              <a:lumMod val="90000"/>
-            </a:schemeClr>
-          </a:solidFill>
-          <a:ln>
-            <a:solidFill>
-              <a:schemeClr val="bg2">
-                <a:lumMod val="50000"/>
-              </a:schemeClr>
-            </a:solidFill>
-          </a:ln>
-        </p:spPr>
-        <p:style>
-          <a:lnRef idx="2">
-            <a:schemeClr val="accent1">
-              <a:shade val="50000"/>
-            </a:schemeClr>
-          </a:lnRef>
-          <a:fillRef idx="1">
-            <a:schemeClr val="accent1"/>
-          </a:fillRef>
-          <a:effectRef idx="0">
-            <a:schemeClr val="accent1"/>
-          </a:effectRef>
-          <a:fontRef idx="minor">
-            <a:schemeClr val="lt1"/>
-          </a:fontRef>
-        </p:style>
-        <p:txBody>
-          <a:bodyPr rtlCol="0" anchor="ctr"/>
-          <a:lstStyle/>
-          <a:p>
-            <a:pPr algn="ctr"/>
-            <a:r>
-              <a:rPr lang="ko-KR" altLang="en-US">
-                <a:solidFill>
-                  <a:schemeClr val="tx1"/>
-                </a:solidFill>
-              </a:rPr>
-              <a:t>회피</a:t>
-            </a:r>
-          </a:p>
-        </p:txBody>
-      </p:sp>
-      <p:sp>
-        <p:nvSpPr>
-          <p:cNvPr id="37" name="직사각형 36"/>
-          <p:cNvSpPr/>
-          <p:nvPr/>
-        </p:nvSpPr>
-        <p:spPr>
-          <a:xfrm>
-            <a:off x="9448207" y="3728351"/>
-            <a:ext cx="1105239" cy="973515"/>
-          </a:xfrm>
-          <a:prstGeom prst="rect">
-            <a:avLst/>
-          </a:prstGeom>
-          <a:solidFill>
-            <a:schemeClr val="bg2">
-              <a:lumMod val="90000"/>
-            </a:schemeClr>
-          </a:solidFill>
-          <a:ln>
-            <a:solidFill>
-              <a:schemeClr val="bg2">
-                <a:lumMod val="50000"/>
-              </a:schemeClr>
-            </a:solidFill>
-          </a:ln>
-        </p:spPr>
-        <p:style>
-          <a:lnRef idx="2">
-            <a:schemeClr val="accent1">
-              <a:shade val="50000"/>
-            </a:schemeClr>
-          </a:lnRef>
-          <a:fillRef idx="1">
-            <a:schemeClr val="accent1"/>
-          </a:fillRef>
-          <a:effectRef idx="0">
-            <a:schemeClr val="accent1"/>
-          </a:effectRef>
-          <a:fontRef idx="minor">
-            <a:schemeClr val="lt1"/>
-          </a:fontRef>
-        </p:style>
-        <p:txBody>
-          <a:bodyPr rtlCol="0" anchor="ctr"/>
-          <a:lstStyle/>
-          <a:p>
-            <a:pPr algn="ctr"/>
-            <a:r>
-              <a:rPr lang="ko-KR" altLang="en-US" dirty="0">
-                <a:solidFill>
-                  <a:schemeClr val="tx1"/>
-                </a:solidFill>
-              </a:rPr>
-              <a:t>반격</a:t>
-            </a:r>
-          </a:p>
-        </p:txBody>
-      </p:sp>
-      <p:sp>
-        <p:nvSpPr>
-          <p:cNvPr id="31" name="TextBox 30"/>
-          <p:cNvSpPr txBox="1"/>
-          <p:nvPr/>
-        </p:nvSpPr>
-        <p:spPr>
-          <a:xfrm>
-            <a:off x="763398" y="671119"/>
-            <a:ext cx="1882247" cy="369332"/>
-          </a:xfrm>
-          <a:prstGeom prst="rect">
-            <a:avLst/>
-          </a:prstGeom>
-          <a:noFill/>
-        </p:spPr>
-        <p:txBody>
-          <a:bodyPr wrap="none" rtlCol="0">
-            <a:spAutoFit/>
-          </a:bodyPr>
-          <a:lstStyle/>
-          <a:p>
-            <a:r>
-              <a:rPr lang="ko-KR" altLang="en-US" b="1" dirty="0"/>
-              <a:t>캐릭터별 능력치</a:t>
-            </a:r>
-          </a:p>
-        </p:txBody>
-      </p:sp>
+              </a:endParaRPr>
+            </a:p>
+          </p:txBody>
+        </p:sp>
+      </p:grpSp>
     </p:spTree>
     <p:extLst>
       <p:ext uri="{BB962C8B-B14F-4D97-AF65-F5344CB8AC3E}">
-        <p14:creationId xmlns:p14="http://schemas.microsoft.com/office/powerpoint/2010/main" val="3568941074"/>
+        <p14:creationId xmlns:p14="http://schemas.microsoft.com/office/powerpoint/2010/main" val="3977719212"/>
       </p:ext>
     </p:extLst>
   </p:cSld>
@@ -7192,6 +4877,3415 @@
           <a:chExt cx="0" cy="0"/>
         </a:xfrm>
       </p:grpSpPr>
+      <p:grpSp>
+        <p:nvGrpSpPr>
+          <p:cNvPr id="7" name="그룹 6"/>
+          <p:cNvGrpSpPr/>
+          <p:nvPr/>
+        </p:nvGrpSpPr>
+        <p:grpSpPr>
+          <a:xfrm>
+            <a:off x="2444549" y="2372223"/>
+            <a:ext cx="7377904" cy="4150071"/>
+            <a:chOff x="1850189" y="2534193"/>
+            <a:chExt cx="6613321" cy="3719993"/>
+          </a:xfrm>
+        </p:grpSpPr>
+        <p:pic>
+          <p:nvPicPr>
+            <p:cNvPr id="4" name="그림 3"/>
+            <p:cNvPicPr>
+              <a:picLocks noChangeAspect="1"/>
+            </p:cNvPicPr>
+            <p:nvPr/>
+          </p:nvPicPr>
+          <p:blipFill>
+            <a:blip r:embed="rId2">
+              <a:extLst>
+                <a:ext uri="{28A0092B-C50C-407E-A947-70E740481C1C}">
+                  <a14:useLocalDpi xmlns:a14="http://schemas.microsoft.com/office/drawing/2010/main" val="0"/>
+                </a:ext>
+              </a:extLst>
+            </a:blip>
+            <a:stretch>
+              <a:fillRect/>
+            </a:stretch>
+          </p:blipFill>
+          <p:spPr>
+            <a:xfrm>
+              <a:off x="1850189" y="2534193"/>
+              <a:ext cx="6613321" cy="3719993"/>
+            </a:xfrm>
+            <a:prstGeom prst="rect">
+              <a:avLst/>
+            </a:prstGeom>
+          </p:spPr>
+        </p:pic>
+        <p:grpSp>
+          <p:nvGrpSpPr>
+            <p:cNvPr id="24" name="그룹 23"/>
+            <p:cNvGrpSpPr/>
+            <p:nvPr/>
+          </p:nvGrpSpPr>
+          <p:grpSpPr>
+            <a:xfrm>
+              <a:off x="4696275" y="2611582"/>
+              <a:ext cx="867651" cy="475488"/>
+              <a:chOff x="5687568" y="1753234"/>
+              <a:chExt cx="867651" cy="475488"/>
+            </a:xfrm>
+          </p:grpSpPr>
+          <p:sp>
+            <p:nvSpPr>
+              <p:cNvPr id="25" name="사각형: 둥근 모서리 24"/>
+              <p:cNvSpPr/>
+              <p:nvPr/>
+            </p:nvSpPr>
+            <p:spPr>
+              <a:xfrm>
+                <a:off x="5687568" y="1753234"/>
+                <a:ext cx="867651" cy="475488"/>
+              </a:xfrm>
+              <a:prstGeom prst="roundRect">
+                <a:avLst/>
+              </a:prstGeom>
+              <a:solidFill>
+                <a:srgbClr val="FFFF00"/>
+              </a:solidFill>
+              <a:ln>
+                <a:noFill/>
+              </a:ln>
+            </p:spPr>
+            <p:style>
+              <a:lnRef idx="2">
+                <a:schemeClr val="accent1">
+                  <a:shade val="50000"/>
+                </a:schemeClr>
+              </a:lnRef>
+              <a:fillRef idx="1">
+                <a:schemeClr val="accent1"/>
+              </a:fillRef>
+              <a:effectRef idx="0">
+                <a:schemeClr val="accent1"/>
+              </a:effectRef>
+              <a:fontRef idx="minor">
+                <a:schemeClr val="lt1"/>
+              </a:fontRef>
+            </p:style>
+            <p:txBody>
+              <a:bodyPr rtlCol="0" anchor="ctr"/>
+              <a:lstStyle/>
+              <a:p>
+                <a:pPr algn="ctr"/>
+                <a:endParaRPr lang="ko-KR" altLang="en-US" sz="1600"/>
+              </a:p>
+            </p:txBody>
+          </p:sp>
+          <p:sp>
+            <p:nvSpPr>
+              <p:cNvPr id="26" name="사각형: 둥근 모서리 25"/>
+              <p:cNvSpPr/>
+              <p:nvPr/>
+            </p:nvSpPr>
+            <p:spPr>
+              <a:xfrm>
+                <a:off x="5736275" y="1790712"/>
+                <a:ext cx="761388" cy="417254"/>
+              </a:xfrm>
+              <a:prstGeom prst="roundRect">
+                <a:avLst/>
+              </a:prstGeom>
+              <a:solidFill>
+                <a:srgbClr val="FFFF00"/>
+              </a:solidFill>
+              <a:ln w="38100">
+                <a:solidFill>
+                  <a:schemeClr val="tx1"/>
+                </a:solidFill>
+              </a:ln>
+            </p:spPr>
+            <p:style>
+              <a:lnRef idx="2">
+                <a:schemeClr val="accent1">
+                  <a:shade val="50000"/>
+                </a:schemeClr>
+              </a:lnRef>
+              <a:fillRef idx="1">
+                <a:schemeClr val="accent1"/>
+              </a:fillRef>
+              <a:effectRef idx="0">
+                <a:schemeClr val="accent1"/>
+              </a:effectRef>
+              <a:fontRef idx="minor">
+                <a:schemeClr val="lt1"/>
+              </a:fontRef>
+            </p:style>
+            <p:txBody>
+              <a:bodyPr rtlCol="0" anchor="ctr"/>
+              <a:lstStyle/>
+              <a:p>
+                <a:pPr algn="ctr"/>
+                <a:r>
+                  <a:rPr lang="en-US" altLang="ko-KR" sz="2400" b="1" dirty="0">
+                    <a:solidFill>
+                      <a:schemeClr val="tx1"/>
+                    </a:solidFill>
+                  </a:rPr>
+                  <a:t>120</a:t>
+                </a:r>
+                <a:endParaRPr lang="ko-KR" altLang="en-US" sz="2400" b="1" dirty="0">
+                  <a:solidFill>
+                    <a:schemeClr val="tx1"/>
+                  </a:solidFill>
+                </a:endParaRPr>
+              </a:p>
+            </p:txBody>
+          </p:sp>
+        </p:grpSp>
+      </p:grpSp>
+      <p:sp>
+        <p:nvSpPr>
+          <p:cNvPr id="27" name="Shape 108"/>
+          <p:cNvSpPr txBox="1"/>
+          <p:nvPr/>
+        </p:nvSpPr>
+        <p:spPr>
+          <a:xfrm>
+            <a:off x="3518255" y="992448"/>
+            <a:ext cx="7917501" cy="407634"/>
+          </a:xfrm>
+          <a:prstGeom prst="rect">
+            <a:avLst/>
+          </a:prstGeom>
+          <a:solidFill>
+            <a:schemeClr val="lt1"/>
+          </a:solidFill>
+          <a:ln>
+            <a:noFill/>
+          </a:ln>
+        </p:spPr>
+        <p:txBody>
+          <a:bodyPr lIns="121900" tIns="121900" rIns="121900" bIns="121900" anchor="t" anchorCtr="0">
+            <a:noAutofit/>
+          </a:bodyPr>
+          <a:lstStyle/>
+          <a:p>
+            <a:r>
+              <a:rPr lang="ko" altLang="en-US" b="1" dirty="0"/>
+              <a:t>기둥</a:t>
+            </a:r>
+            <a:r>
+              <a:rPr lang="en-US" altLang="ko" b="1" dirty="0"/>
+              <a:t>:</a:t>
+            </a:r>
+            <a:r>
+              <a:rPr lang="ko" altLang="en-US" dirty="0"/>
+              <a:t> 맵에서 랜덤하게 생성</a:t>
+            </a:r>
+            <a:r>
+              <a:rPr lang="en-US" altLang="ko" dirty="0"/>
+              <a:t>, </a:t>
+            </a:r>
+            <a:r>
+              <a:rPr lang="ko" altLang="en-US" dirty="0"/>
+              <a:t>엄폐물 역할</a:t>
+            </a:r>
+            <a:r>
+              <a:rPr lang="en-US" altLang="ko" dirty="0"/>
+              <a:t>, </a:t>
+            </a:r>
+            <a:r>
+              <a:rPr lang="ko-KR" altLang="en-US" dirty="0"/>
+              <a:t>두 번 공격받으면</a:t>
+            </a:r>
+            <a:r>
+              <a:rPr lang="ko" altLang="en-US" dirty="0"/>
+              <a:t> 사라짐</a:t>
+            </a:r>
+          </a:p>
+        </p:txBody>
+      </p:sp>
+      <p:cxnSp>
+        <p:nvCxnSpPr>
+          <p:cNvPr id="29" name="Shape 110"/>
+          <p:cNvCxnSpPr>
+            <a:cxnSpLocks/>
+          </p:cNvCxnSpPr>
+          <p:nvPr/>
+        </p:nvCxnSpPr>
+        <p:spPr>
+          <a:xfrm flipH="1" flipV="1">
+            <a:off x="3366195" y="1936206"/>
+            <a:ext cx="1765362" cy="1680102"/>
+          </a:xfrm>
+          <a:prstGeom prst="straightConnector1">
+            <a:avLst/>
+          </a:prstGeom>
+          <a:noFill/>
+          <a:ln w="28575" cap="flat" cmpd="sng">
+            <a:solidFill>
+              <a:schemeClr val="accent1"/>
+            </a:solidFill>
+            <a:prstDash val="solid"/>
+            <a:round/>
+            <a:headEnd type="none" w="lg" len="lg"/>
+            <a:tailEnd type="triangle" w="lg" len="lg"/>
+          </a:ln>
+        </p:spPr>
+      </p:cxnSp>
+      <p:pic>
+        <p:nvPicPr>
+          <p:cNvPr id="32" name="그림 31"/>
+          <p:cNvPicPr>
+            <a:picLocks noChangeAspect="1"/>
+          </p:cNvPicPr>
+          <p:nvPr/>
+        </p:nvPicPr>
+        <p:blipFill>
+          <a:blip r:embed="rId3">
+            <a:extLst>
+              <a:ext uri="{28A0092B-C50C-407E-A947-70E740481C1C}">
+                <a14:useLocalDpi xmlns:a14="http://schemas.microsoft.com/office/drawing/2010/main" val="0"/>
+              </a:ext>
+            </a:extLst>
+          </a:blip>
+          <a:stretch>
+            <a:fillRect/>
+          </a:stretch>
+        </p:blipFill>
+        <p:spPr>
+          <a:xfrm flipH="1">
+            <a:off x="4144416" y="3953687"/>
+            <a:ext cx="987141" cy="987141"/>
+          </a:xfrm>
+          <a:prstGeom prst="rect">
+            <a:avLst/>
+          </a:prstGeom>
+        </p:spPr>
+      </p:pic>
+      <p:pic>
+        <p:nvPicPr>
+          <p:cNvPr id="33" name="그림 32"/>
+          <p:cNvPicPr>
+            <a:picLocks noChangeAspect="1"/>
+          </p:cNvPicPr>
+          <p:nvPr/>
+        </p:nvPicPr>
+        <p:blipFill>
+          <a:blip r:embed="rId4">
+            <a:extLst>
+              <a:ext uri="{28A0092B-C50C-407E-A947-70E740481C1C}">
+                <a14:useLocalDpi xmlns:a14="http://schemas.microsoft.com/office/drawing/2010/main" val="0"/>
+              </a:ext>
+            </a:extLst>
+          </a:blip>
+          <a:stretch>
+            <a:fillRect/>
+          </a:stretch>
+        </p:blipFill>
+        <p:spPr>
+          <a:xfrm>
+            <a:off x="7203449" y="3925256"/>
+            <a:ext cx="812698" cy="812698"/>
+          </a:xfrm>
+          <a:prstGeom prst="rect">
+            <a:avLst/>
+          </a:prstGeom>
+        </p:spPr>
+      </p:pic>
+      <p:pic>
+        <p:nvPicPr>
+          <p:cNvPr id="38" name="Shape 109"/>
+          <p:cNvPicPr preferRelativeResize="0"/>
+          <p:nvPr/>
+        </p:nvPicPr>
+        <p:blipFill rotWithShape="1">
+          <a:blip r:embed="rId5">
+            <a:alphaModFix/>
+            <a:duotone>
+              <a:prstClr val="black"/>
+              <a:srgbClr val="D9C3A5">
+                <a:tint val="50000"/>
+                <a:satMod val="180000"/>
+              </a:srgbClr>
+            </a:duotone>
+          </a:blip>
+          <a:srcRect l="58990" t="64776" r="25679" b="8815"/>
+          <a:stretch/>
+        </p:blipFill>
+        <p:spPr>
+          <a:xfrm>
+            <a:off x="2729601" y="930078"/>
+            <a:ext cx="630252" cy="1159516"/>
+          </a:xfrm>
+          <a:prstGeom prst="rect">
+            <a:avLst/>
+          </a:prstGeom>
+          <a:noFill/>
+          <a:ln>
+            <a:noFill/>
+          </a:ln>
+        </p:spPr>
+      </p:pic>
+      <p:sp>
+        <p:nvSpPr>
+          <p:cNvPr id="21" name="TextBox 20"/>
+          <p:cNvSpPr txBox="1"/>
+          <p:nvPr/>
+        </p:nvSpPr>
+        <p:spPr>
+          <a:xfrm>
+            <a:off x="190743" y="182246"/>
+            <a:ext cx="2484976" cy="461665"/>
+          </a:xfrm>
+          <a:prstGeom prst="rect">
+            <a:avLst/>
+          </a:prstGeom>
+          <a:noFill/>
+        </p:spPr>
+        <p:txBody>
+          <a:bodyPr wrap="none" rtlCol="0">
+            <a:spAutoFit/>
+          </a:bodyPr>
+          <a:lstStyle/>
+          <a:p>
+            <a:r>
+              <a:rPr lang="ko-KR" altLang="en-US" sz="2400" b="1" dirty="0"/>
+              <a:t>게임 룰 </a:t>
+            </a:r>
+            <a:r>
+              <a:rPr lang="en-US" altLang="ko-KR" sz="2400" b="1" dirty="0"/>
+              <a:t>- </a:t>
+            </a:r>
+            <a:r>
+              <a:rPr lang="ko-KR" altLang="en-US" sz="2400" b="1" dirty="0"/>
+              <a:t>장애물</a:t>
+            </a:r>
+          </a:p>
+        </p:txBody>
+      </p:sp>
+      <p:sp>
+        <p:nvSpPr>
+          <p:cNvPr id="37" name="Shape 108"/>
+          <p:cNvSpPr txBox="1"/>
+          <p:nvPr/>
+        </p:nvSpPr>
+        <p:spPr>
+          <a:xfrm>
+            <a:off x="3546895" y="1447525"/>
+            <a:ext cx="7563065" cy="497690"/>
+          </a:xfrm>
+          <a:prstGeom prst="rect">
+            <a:avLst/>
+          </a:prstGeom>
+          <a:solidFill>
+            <a:schemeClr val="lt1"/>
+          </a:solidFill>
+          <a:ln>
+            <a:noFill/>
+          </a:ln>
+        </p:spPr>
+        <p:txBody>
+          <a:bodyPr lIns="121900" tIns="121900" rIns="121900" bIns="121900" anchor="t" anchorCtr="0">
+            <a:noAutofit/>
+          </a:bodyPr>
+          <a:lstStyle/>
+          <a:p>
+            <a:r>
+              <a:rPr lang="ko-KR" altLang="en-US" b="1" dirty="0"/>
+              <a:t>생성조건</a:t>
+            </a:r>
+            <a:r>
+              <a:rPr lang="en-US" altLang="ko-KR" b="1" dirty="0"/>
+              <a:t>: </a:t>
+            </a:r>
+            <a:r>
+              <a:rPr lang="ko-KR" altLang="en-US" dirty="0"/>
+              <a:t>게임 시작 시 </a:t>
+            </a:r>
+            <a:r>
+              <a:rPr lang="en-US" altLang="ko-KR" dirty="0"/>
+              <a:t>2~4</a:t>
+            </a:r>
+            <a:r>
+              <a:rPr lang="ko-KR" altLang="en-US" dirty="0"/>
+              <a:t>개의 기둥이 지정된 위치에 랜덤하게 생성  </a:t>
+            </a:r>
+            <a:endParaRPr lang="ko" altLang="en-US" dirty="0"/>
+          </a:p>
+        </p:txBody>
+      </p:sp>
+      <p:sp>
+        <p:nvSpPr>
+          <p:cNvPr id="8" name="직사각형 7"/>
+          <p:cNvSpPr/>
+          <p:nvPr/>
+        </p:nvSpPr>
+        <p:spPr>
+          <a:xfrm>
+            <a:off x="5824603" y="3190979"/>
+            <a:ext cx="457200" cy="347249"/>
+          </a:xfrm>
+          <a:prstGeom prst="rect">
+            <a:avLst/>
+          </a:prstGeom>
+          <a:solidFill>
+            <a:schemeClr val="accent1">
+              <a:alpha val="50000"/>
+            </a:schemeClr>
+          </a:solidFill>
+        </p:spPr>
+        <p:style>
+          <a:lnRef idx="2">
+            <a:schemeClr val="accent1">
+              <a:shade val="50000"/>
+            </a:schemeClr>
+          </a:lnRef>
+          <a:fillRef idx="1">
+            <a:schemeClr val="accent1"/>
+          </a:fillRef>
+          <a:effectRef idx="0">
+            <a:schemeClr val="accent1"/>
+          </a:effectRef>
+          <a:fontRef idx="minor">
+            <a:schemeClr val="lt1"/>
+          </a:fontRef>
+        </p:style>
+        <p:txBody>
+          <a:bodyPr rtlCol="0" anchor="ctr"/>
+          <a:lstStyle/>
+          <a:p>
+            <a:pPr algn="ctr"/>
+            <a:endParaRPr lang="ko-KR" altLang="en-US"/>
+          </a:p>
+        </p:txBody>
+      </p:sp>
+      <p:sp>
+        <p:nvSpPr>
+          <p:cNvPr id="39" name="직사각형 38"/>
+          <p:cNvSpPr/>
+          <p:nvPr/>
+        </p:nvSpPr>
+        <p:spPr>
+          <a:xfrm>
+            <a:off x="4637986" y="4793631"/>
+            <a:ext cx="457200" cy="347249"/>
+          </a:xfrm>
+          <a:prstGeom prst="rect">
+            <a:avLst/>
+          </a:prstGeom>
+          <a:solidFill>
+            <a:schemeClr val="accent1">
+              <a:alpha val="50000"/>
+            </a:schemeClr>
+          </a:solidFill>
+        </p:spPr>
+        <p:style>
+          <a:lnRef idx="2">
+            <a:schemeClr val="accent1">
+              <a:shade val="50000"/>
+            </a:schemeClr>
+          </a:lnRef>
+          <a:fillRef idx="1">
+            <a:schemeClr val="accent1"/>
+          </a:fillRef>
+          <a:effectRef idx="0">
+            <a:schemeClr val="accent1"/>
+          </a:effectRef>
+          <a:fontRef idx="minor">
+            <a:schemeClr val="lt1"/>
+          </a:fontRef>
+        </p:style>
+        <p:txBody>
+          <a:bodyPr rtlCol="0" anchor="ctr"/>
+          <a:lstStyle/>
+          <a:p>
+            <a:pPr algn="ctr"/>
+            <a:endParaRPr lang="ko-KR" altLang="en-US"/>
+          </a:p>
+        </p:txBody>
+      </p:sp>
+      <p:sp>
+        <p:nvSpPr>
+          <p:cNvPr id="41" name="직사각형 40"/>
+          <p:cNvSpPr/>
+          <p:nvPr/>
+        </p:nvSpPr>
+        <p:spPr>
+          <a:xfrm>
+            <a:off x="7186017" y="4793631"/>
+            <a:ext cx="457200" cy="347249"/>
+          </a:xfrm>
+          <a:prstGeom prst="rect">
+            <a:avLst/>
+          </a:prstGeom>
+          <a:solidFill>
+            <a:schemeClr val="accent1">
+              <a:alpha val="50000"/>
+            </a:schemeClr>
+          </a:solidFill>
+        </p:spPr>
+        <p:style>
+          <a:lnRef idx="2">
+            <a:schemeClr val="accent1">
+              <a:shade val="50000"/>
+            </a:schemeClr>
+          </a:lnRef>
+          <a:fillRef idx="1">
+            <a:schemeClr val="accent1"/>
+          </a:fillRef>
+          <a:effectRef idx="0">
+            <a:schemeClr val="accent1"/>
+          </a:effectRef>
+          <a:fontRef idx="minor">
+            <a:schemeClr val="lt1"/>
+          </a:fontRef>
+        </p:style>
+        <p:txBody>
+          <a:bodyPr rtlCol="0" anchor="ctr"/>
+          <a:lstStyle/>
+          <a:p>
+            <a:pPr algn="ctr"/>
+            <a:endParaRPr lang="ko-KR" altLang="en-US"/>
+          </a:p>
+        </p:txBody>
+      </p:sp>
+      <p:sp>
+        <p:nvSpPr>
+          <p:cNvPr id="42" name="직사각형 41"/>
+          <p:cNvSpPr/>
+          <p:nvPr/>
+        </p:nvSpPr>
+        <p:spPr>
+          <a:xfrm>
+            <a:off x="6974849" y="3522330"/>
+            <a:ext cx="457200" cy="347249"/>
+          </a:xfrm>
+          <a:prstGeom prst="rect">
+            <a:avLst/>
+          </a:prstGeom>
+          <a:solidFill>
+            <a:schemeClr val="accent1">
+              <a:alpha val="50000"/>
+            </a:schemeClr>
+          </a:solidFill>
+        </p:spPr>
+        <p:style>
+          <a:lnRef idx="2">
+            <a:schemeClr val="accent1">
+              <a:shade val="50000"/>
+            </a:schemeClr>
+          </a:lnRef>
+          <a:fillRef idx="1">
+            <a:schemeClr val="accent1"/>
+          </a:fillRef>
+          <a:effectRef idx="0">
+            <a:schemeClr val="accent1"/>
+          </a:effectRef>
+          <a:fontRef idx="minor">
+            <a:schemeClr val="lt1"/>
+          </a:fontRef>
+        </p:style>
+        <p:txBody>
+          <a:bodyPr rtlCol="0" anchor="ctr"/>
+          <a:lstStyle/>
+          <a:p>
+            <a:pPr algn="ctr"/>
+            <a:endParaRPr lang="ko-KR" altLang="en-US"/>
+          </a:p>
+        </p:txBody>
+      </p:sp>
+      <p:sp>
+        <p:nvSpPr>
+          <p:cNvPr id="45" name="직사각형 44"/>
+          <p:cNvSpPr/>
+          <p:nvPr/>
+        </p:nvSpPr>
+        <p:spPr>
+          <a:xfrm>
+            <a:off x="4637986" y="3638748"/>
+            <a:ext cx="457200" cy="347249"/>
+          </a:xfrm>
+          <a:prstGeom prst="rect">
+            <a:avLst/>
+          </a:prstGeom>
+          <a:solidFill>
+            <a:schemeClr val="accent1">
+              <a:alpha val="50000"/>
+            </a:schemeClr>
+          </a:solidFill>
+        </p:spPr>
+        <p:style>
+          <a:lnRef idx="2">
+            <a:schemeClr val="accent1">
+              <a:shade val="50000"/>
+            </a:schemeClr>
+          </a:lnRef>
+          <a:fillRef idx="1">
+            <a:schemeClr val="accent1"/>
+          </a:fillRef>
+          <a:effectRef idx="0">
+            <a:schemeClr val="accent1"/>
+          </a:effectRef>
+          <a:fontRef idx="minor">
+            <a:schemeClr val="lt1"/>
+          </a:fontRef>
+        </p:style>
+        <p:txBody>
+          <a:bodyPr rtlCol="0" anchor="ctr"/>
+          <a:lstStyle/>
+          <a:p>
+            <a:pPr algn="ctr"/>
+            <a:endParaRPr lang="ko-KR" altLang="en-US"/>
+          </a:p>
+        </p:txBody>
+      </p:sp>
+      <p:sp>
+        <p:nvSpPr>
+          <p:cNvPr id="46" name="직사각형 45"/>
+          <p:cNvSpPr/>
+          <p:nvPr/>
+        </p:nvSpPr>
+        <p:spPr>
+          <a:xfrm>
+            <a:off x="5904901" y="5275314"/>
+            <a:ext cx="457200" cy="347249"/>
+          </a:xfrm>
+          <a:prstGeom prst="rect">
+            <a:avLst/>
+          </a:prstGeom>
+          <a:solidFill>
+            <a:schemeClr val="accent1">
+              <a:alpha val="50000"/>
+            </a:schemeClr>
+          </a:solidFill>
+        </p:spPr>
+        <p:style>
+          <a:lnRef idx="2">
+            <a:schemeClr val="accent1">
+              <a:shade val="50000"/>
+            </a:schemeClr>
+          </a:lnRef>
+          <a:fillRef idx="1">
+            <a:schemeClr val="accent1"/>
+          </a:fillRef>
+          <a:effectRef idx="0">
+            <a:schemeClr val="accent1"/>
+          </a:effectRef>
+          <a:fontRef idx="minor">
+            <a:schemeClr val="lt1"/>
+          </a:fontRef>
+        </p:style>
+        <p:txBody>
+          <a:bodyPr rtlCol="0" anchor="ctr"/>
+          <a:lstStyle/>
+          <a:p>
+            <a:pPr algn="ctr"/>
+            <a:endParaRPr lang="ko-KR" altLang="en-US"/>
+          </a:p>
+        </p:txBody>
+      </p:sp>
+      <p:sp>
+        <p:nvSpPr>
+          <p:cNvPr id="47" name="직사각형 46"/>
+          <p:cNvSpPr/>
+          <p:nvPr/>
+        </p:nvSpPr>
+        <p:spPr>
+          <a:xfrm>
+            <a:off x="6374224" y="4620006"/>
+            <a:ext cx="457200" cy="347249"/>
+          </a:xfrm>
+          <a:prstGeom prst="rect">
+            <a:avLst/>
+          </a:prstGeom>
+          <a:solidFill>
+            <a:schemeClr val="accent1">
+              <a:alpha val="50000"/>
+            </a:schemeClr>
+          </a:solidFill>
+        </p:spPr>
+        <p:style>
+          <a:lnRef idx="2">
+            <a:schemeClr val="accent1">
+              <a:shade val="50000"/>
+            </a:schemeClr>
+          </a:lnRef>
+          <a:fillRef idx="1">
+            <a:schemeClr val="accent1"/>
+          </a:fillRef>
+          <a:effectRef idx="0">
+            <a:schemeClr val="accent1"/>
+          </a:effectRef>
+          <a:fontRef idx="minor">
+            <a:schemeClr val="lt1"/>
+          </a:fontRef>
+        </p:style>
+        <p:txBody>
+          <a:bodyPr rtlCol="0" anchor="ctr"/>
+          <a:lstStyle/>
+          <a:p>
+            <a:pPr algn="ctr"/>
+            <a:endParaRPr lang="ko-KR" altLang="en-US"/>
+          </a:p>
+        </p:txBody>
+      </p:sp>
+      <p:sp>
+        <p:nvSpPr>
+          <p:cNvPr id="48" name="직사각형 47"/>
+          <p:cNvSpPr/>
+          <p:nvPr/>
+        </p:nvSpPr>
+        <p:spPr>
+          <a:xfrm>
+            <a:off x="6396448" y="3869579"/>
+            <a:ext cx="457200" cy="347249"/>
+          </a:xfrm>
+          <a:prstGeom prst="rect">
+            <a:avLst/>
+          </a:prstGeom>
+          <a:solidFill>
+            <a:schemeClr val="accent1">
+              <a:alpha val="50000"/>
+            </a:schemeClr>
+          </a:solidFill>
+        </p:spPr>
+        <p:style>
+          <a:lnRef idx="2">
+            <a:schemeClr val="accent1">
+              <a:shade val="50000"/>
+            </a:schemeClr>
+          </a:lnRef>
+          <a:fillRef idx="1">
+            <a:schemeClr val="accent1"/>
+          </a:fillRef>
+          <a:effectRef idx="0">
+            <a:schemeClr val="accent1"/>
+          </a:effectRef>
+          <a:fontRef idx="minor">
+            <a:schemeClr val="lt1"/>
+          </a:fontRef>
+        </p:style>
+        <p:txBody>
+          <a:bodyPr rtlCol="0" anchor="ctr"/>
+          <a:lstStyle/>
+          <a:p>
+            <a:pPr algn="ctr"/>
+            <a:endParaRPr lang="ko-KR" altLang="en-US"/>
+          </a:p>
+        </p:txBody>
+      </p:sp>
+      <p:sp>
+        <p:nvSpPr>
+          <p:cNvPr id="49" name="직사각형 48"/>
+          <p:cNvSpPr/>
+          <p:nvPr/>
+        </p:nvSpPr>
+        <p:spPr>
+          <a:xfrm>
+            <a:off x="5391078" y="3885897"/>
+            <a:ext cx="457200" cy="347249"/>
+          </a:xfrm>
+          <a:prstGeom prst="rect">
+            <a:avLst/>
+          </a:prstGeom>
+          <a:solidFill>
+            <a:schemeClr val="accent1">
+              <a:alpha val="50000"/>
+            </a:schemeClr>
+          </a:solidFill>
+        </p:spPr>
+        <p:style>
+          <a:lnRef idx="2">
+            <a:schemeClr val="accent1">
+              <a:shade val="50000"/>
+            </a:schemeClr>
+          </a:lnRef>
+          <a:fillRef idx="1">
+            <a:schemeClr val="accent1"/>
+          </a:fillRef>
+          <a:effectRef idx="0">
+            <a:schemeClr val="accent1"/>
+          </a:effectRef>
+          <a:fontRef idx="minor">
+            <a:schemeClr val="lt1"/>
+          </a:fontRef>
+        </p:style>
+        <p:txBody>
+          <a:bodyPr rtlCol="0" anchor="ctr"/>
+          <a:lstStyle/>
+          <a:p>
+            <a:pPr algn="ctr"/>
+            <a:endParaRPr lang="ko-KR" altLang="en-US"/>
+          </a:p>
+        </p:txBody>
+      </p:sp>
+      <p:sp>
+        <p:nvSpPr>
+          <p:cNvPr id="50" name="직사각형 49"/>
+          <p:cNvSpPr/>
+          <p:nvPr/>
+        </p:nvSpPr>
+        <p:spPr>
+          <a:xfrm>
+            <a:off x="5373960" y="4620005"/>
+            <a:ext cx="457200" cy="347249"/>
+          </a:xfrm>
+          <a:prstGeom prst="rect">
+            <a:avLst/>
+          </a:prstGeom>
+          <a:solidFill>
+            <a:schemeClr val="accent1">
+              <a:alpha val="50000"/>
+            </a:schemeClr>
+          </a:solidFill>
+        </p:spPr>
+        <p:style>
+          <a:lnRef idx="2">
+            <a:schemeClr val="accent1">
+              <a:shade val="50000"/>
+            </a:schemeClr>
+          </a:lnRef>
+          <a:fillRef idx="1">
+            <a:schemeClr val="accent1"/>
+          </a:fillRef>
+          <a:effectRef idx="0">
+            <a:schemeClr val="accent1"/>
+          </a:effectRef>
+          <a:fontRef idx="minor">
+            <a:schemeClr val="lt1"/>
+          </a:fontRef>
+        </p:style>
+        <p:txBody>
+          <a:bodyPr rtlCol="0" anchor="ctr"/>
+          <a:lstStyle/>
+          <a:p>
+            <a:pPr algn="ctr"/>
+            <a:endParaRPr lang="ko-KR" altLang="en-US"/>
+          </a:p>
+        </p:txBody>
+      </p:sp>
+    </p:spTree>
+    <p:extLst>
+      <p:ext uri="{BB962C8B-B14F-4D97-AF65-F5344CB8AC3E}">
+        <p14:creationId xmlns:p14="http://schemas.microsoft.com/office/powerpoint/2010/main" val="978755943"/>
+      </p:ext>
+    </p:extLst>
+  </p:cSld>
+  <p:clrMapOvr>
+    <a:masterClrMapping/>
+  </p:clrMapOvr>
+</p:sld>
+</file>
+
+<file path=ppt/slides/slide16.xml><?xml version="1.0" encoding="utf-8"?>
+<p:sld xmlns:a="http://schemas.openxmlformats.org/drawingml/2006/main" xmlns:r="http://schemas.openxmlformats.org/officeDocument/2006/relationships" xmlns:p="http://schemas.openxmlformats.org/presentationml/2006/main">
+  <p:cSld>
+    <p:spTree>
+      <p:nvGrpSpPr>
+        <p:cNvPr id="1" name=""/>
+        <p:cNvGrpSpPr/>
+        <p:nvPr/>
+      </p:nvGrpSpPr>
+      <p:grpSpPr>
+        <a:xfrm>
+          <a:off x="0" y="0"/>
+          <a:ext cx="0" cy="0"/>
+          <a:chOff x="0" y="0"/>
+          <a:chExt cx="0" cy="0"/>
+        </a:xfrm>
+      </p:grpSpPr>
+      <p:pic>
+        <p:nvPicPr>
+          <p:cNvPr id="4" name="그림 3"/>
+          <p:cNvPicPr>
+            <a:picLocks noChangeAspect="1"/>
+          </p:cNvPicPr>
+          <p:nvPr/>
+        </p:nvPicPr>
+        <p:blipFill>
+          <a:blip r:embed="rId2">
+            <a:extLst>
+              <a:ext uri="{28A0092B-C50C-407E-A947-70E740481C1C}">
+                <a14:useLocalDpi xmlns:a14="http://schemas.microsoft.com/office/drawing/2010/main" val="0"/>
+              </a:ext>
+            </a:extLst>
+          </a:blip>
+          <a:stretch>
+            <a:fillRect/>
+          </a:stretch>
+        </p:blipFill>
+        <p:spPr>
+          <a:xfrm>
+            <a:off x="2508557" y="2557006"/>
+            <a:ext cx="6613321" cy="3719993"/>
+          </a:xfrm>
+          <a:prstGeom prst="rect">
+            <a:avLst/>
+          </a:prstGeom>
+        </p:spPr>
+      </p:pic>
+      <p:pic>
+        <p:nvPicPr>
+          <p:cNvPr id="23" name="Shape 104"/>
+          <p:cNvPicPr preferRelativeResize="0"/>
+          <p:nvPr/>
+        </p:nvPicPr>
+        <p:blipFill>
+          <a:blip r:embed="rId3">
+            <a:alphaModFix/>
+            <a:extLst>
+              <a:ext uri="{BEBA8EAE-BF5A-486C-A8C5-ECC9F3942E4B}">
+                <a14:imgProps xmlns:a14="http://schemas.microsoft.com/office/drawing/2010/main">
+                  <a14:imgLayer r:embed="rId4">
+                    <a14:imgEffect>
+                      <a14:backgroundRemoval t="10000" b="90000" l="10000" r="90000"/>
+                    </a14:imgEffect>
+                  </a14:imgLayer>
+                </a14:imgProps>
+              </a:ext>
+            </a:extLst>
+          </a:blip>
+          <a:stretch>
+            <a:fillRect/>
+          </a:stretch>
+        </p:blipFill>
+        <p:spPr>
+          <a:xfrm>
+            <a:off x="5553061" y="4515135"/>
+            <a:ext cx="363834" cy="363834"/>
+          </a:xfrm>
+          <a:prstGeom prst="rect">
+            <a:avLst/>
+          </a:prstGeom>
+          <a:noFill/>
+          <a:ln>
+            <a:noFill/>
+          </a:ln>
+        </p:spPr>
+      </p:pic>
+      <p:pic>
+        <p:nvPicPr>
+          <p:cNvPr id="32" name="그림 31"/>
+          <p:cNvPicPr>
+            <a:picLocks noChangeAspect="1"/>
+          </p:cNvPicPr>
+          <p:nvPr/>
+        </p:nvPicPr>
+        <p:blipFill>
+          <a:blip r:embed="rId5">
+            <a:extLst>
+              <a:ext uri="{28A0092B-C50C-407E-A947-70E740481C1C}">
+                <a14:useLocalDpi xmlns:a14="http://schemas.microsoft.com/office/drawing/2010/main" val="0"/>
+              </a:ext>
+            </a:extLst>
+          </a:blip>
+          <a:stretch>
+            <a:fillRect/>
+          </a:stretch>
+        </p:blipFill>
+        <p:spPr>
+          <a:xfrm flipH="1">
+            <a:off x="4254947" y="3776619"/>
+            <a:ext cx="987141" cy="987141"/>
+          </a:xfrm>
+          <a:prstGeom prst="rect">
+            <a:avLst/>
+          </a:prstGeom>
+        </p:spPr>
+      </p:pic>
+      <p:pic>
+        <p:nvPicPr>
+          <p:cNvPr id="33" name="그림 32"/>
+          <p:cNvPicPr>
+            <a:picLocks noChangeAspect="1"/>
+          </p:cNvPicPr>
+          <p:nvPr/>
+        </p:nvPicPr>
+        <p:blipFill>
+          <a:blip r:embed="rId6">
+            <a:extLst>
+              <a:ext uri="{28A0092B-C50C-407E-A947-70E740481C1C}">
+                <a14:useLocalDpi xmlns:a14="http://schemas.microsoft.com/office/drawing/2010/main" val="0"/>
+              </a:ext>
+            </a:extLst>
+          </a:blip>
+          <a:stretch>
+            <a:fillRect/>
+          </a:stretch>
+        </p:blipFill>
+        <p:spPr>
+          <a:xfrm>
+            <a:off x="6639101" y="3776619"/>
+            <a:ext cx="812698" cy="812698"/>
+          </a:xfrm>
+          <a:prstGeom prst="rect">
+            <a:avLst/>
+          </a:prstGeom>
+        </p:spPr>
+      </p:pic>
+      <p:sp>
+        <p:nvSpPr>
+          <p:cNvPr id="16" name="TextBox 15"/>
+          <p:cNvSpPr txBox="1"/>
+          <p:nvPr/>
+        </p:nvSpPr>
+        <p:spPr>
+          <a:xfrm>
+            <a:off x="2364741" y="980767"/>
+            <a:ext cx="1556836" cy="400110"/>
+          </a:xfrm>
+          <a:prstGeom prst="rect">
+            <a:avLst/>
+          </a:prstGeom>
+          <a:noFill/>
+        </p:spPr>
+        <p:txBody>
+          <a:bodyPr wrap="none" rtlCol="0">
+            <a:spAutoFit/>
+          </a:bodyPr>
+          <a:lstStyle/>
+          <a:p>
+            <a:r>
+              <a:rPr lang="ko-KR" altLang="en-US" sz="2000" dirty="0"/>
+              <a:t>아이템 종류</a:t>
+            </a:r>
+          </a:p>
+        </p:txBody>
+      </p:sp>
+      <p:sp>
+        <p:nvSpPr>
+          <p:cNvPr id="3" name="직사각형 2"/>
+          <p:cNvSpPr/>
+          <p:nvPr/>
+        </p:nvSpPr>
+        <p:spPr>
+          <a:xfrm>
+            <a:off x="2437496" y="1334010"/>
+            <a:ext cx="4377771" cy="923330"/>
+          </a:xfrm>
+          <a:prstGeom prst="rect">
+            <a:avLst/>
+          </a:prstGeom>
+        </p:spPr>
+        <p:txBody>
+          <a:bodyPr wrap="square">
+            <a:spAutoFit/>
+          </a:bodyPr>
+          <a:lstStyle/>
+          <a:p>
+            <a:pPr marL="342900" indent="-342900">
+              <a:buAutoNum type="arabicPeriod"/>
+            </a:pPr>
+            <a:r>
+              <a:rPr lang="en-US" altLang="ko-KR" dirty="0"/>
+              <a:t>HP</a:t>
+            </a:r>
+            <a:r>
+              <a:rPr lang="ko-KR" altLang="en-US" dirty="0" err="1"/>
+              <a:t>포션</a:t>
+            </a:r>
+            <a:r>
+              <a:rPr lang="ko-KR" altLang="en-US" dirty="0"/>
+              <a:t> </a:t>
+            </a:r>
+            <a:r>
+              <a:rPr lang="en-US" altLang="ko-KR" dirty="0"/>
+              <a:t>: </a:t>
+            </a:r>
+            <a:r>
+              <a:rPr lang="ko-KR" altLang="en-US" dirty="0"/>
+              <a:t>하트 </a:t>
+            </a:r>
+            <a:r>
+              <a:rPr lang="en-US" altLang="ko-KR" dirty="0"/>
+              <a:t>1</a:t>
+            </a:r>
+            <a:r>
+              <a:rPr lang="ko-KR" altLang="en-US" dirty="0"/>
+              <a:t>개 회복</a:t>
+            </a:r>
+            <a:endParaRPr lang="en-US" altLang="ko-KR" dirty="0"/>
+          </a:p>
+          <a:p>
+            <a:pPr marL="342900" indent="-342900">
+              <a:buAutoNum type="arabicPeriod"/>
+            </a:pPr>
+            <a:r>
+              <a:rPr lang="en-US" altLang="ko-KR" dirty="0"/>
+              <a:t>MP</a:t>
+            </a:r>
+            <a:r>
+              <a:rPr lang="ko-KR" altLang="en-US" dirty="0" err="1"/>
+              <a:t>포션</a:t>
+            </a:r>
+            <a:r>
+              <a:rPr lang="ko-KR" altLang="en-US" dirty="0"/>
+              <a:t> </a:t>
+            </a:r>
+            <a:r>
+              <a:rPr lang="en-US" altLang="ko-KR" dirty="0"/>
+              <a:t>: MP </a:t>
+            </a:r>
+            <a:r>
+              <a:rPr lang="ko-KR" altLang="en-US" dirty="0"/>
+              <a:t>풀 회복</a:t>
+            </a:r>
+            <a:endParaRPr lang="en-US" altLang="ko-KR" dirty="0"/>
+          </a:p>
+          <a:p>
+            <a:pPr marL="342900" indent="-342900">
+              <a:buAutoNum type="arabicPeriod"/>
+            </a:pPr>
+            <a:r>
+              <a:rPr lang="ko-KR" altLang="en-US" dirty="0"/>
+              <a:t>무한 에너지 </a:t>
+            </a:r>
+            <a:r>
+              <a:rPr lang="en-US" altLang="ko-KR" dirty="0"/>
+              <a:t>: 15</a:t>
+            </a:r>
+            <a:r>
+              <a:rPr lang="ko-KR" altLang="en-US" dirty="0"/>
+              <a:t>초간 에너지 무제한</a:t>
+            </a:r>
+            <a:endParaRPr lang="en-US" altLang="ko" dirty="0"/>
+          </a:p>
+        </p:txBody>
+      </p:sp>
+      <p:sp>
+        <p:nvSpPr>
+          <p:cNvPr id="21" name="TextBox 20"/>
+          <p:cNvSpPr txBox="1"/>
+          <p:nvPr/>
+        </p:nvSpPr>
+        <p:spPr>
+          <a:xfrm>
+            <a:off x="190743" y="182246"/>
+            <a:ext cx="2484976" cy="461665"/>
+          </a:xfrm>
+          <a:prstGeom prst="rect">
+            <a:avLst/>
+          </a:prstGeom>
+          <a:noFill/>
+        </p:spPr>
+        <p:txBody>
+          <a:bodyPr wrap="none" rtlCol="0">
+            <a:spAutoFit/>
+          </a:bodyPr>
+          <a:lstStyle/>
+          <a:p>
+            <a:r>
+              <a:rPr lang="ko-KR" altLang="en-US" sz="2400" b="1" dirty="0"/>
+              <a:t>게임 룰 </a:t>
+            </a:r>
+            <a:r>
+              <a:rPr lang="en-US" altLang="ko-KR" sz="2400" b="1" dirty="0"/>
+              <a:t>- </a:t>
+            </a:r>
+            <a:r>
+              <a:rPr lang="ko-KR" altLang="en-US" sz="2400" b="1" dirty="0"/>
+              <a:t>아이템</a:t>
+            </a:r>
+          </a:p>
+        </p:txBody>
+      </p:sp>
+      <p:grpSp>
+        <p:nvGrpSpPr>
+          <p:cNvPr id="24" name="그룹 23"/>
+          <p:cNvGrpSpPr/>
+          <p:nvPr/>
+        </p:nvGrpSpPr>
+        <p:grpSpPr>
+          <a:xfrm>
+            <a:off x="5354643" y="2634395"/>
+            <a:ext cx="867651" cy="475488"/>
+            <a:chOff x="5687568" y="1753234"/>
+            <a:chExt cx="867651" cy="475488"/>
+          </a:xfrm>
+        </p:grpSpPr>
+        <p:sp>
+          <p:nvSpPr>
+            <p:cNvPr id="25" name="사각형: 둥근 모서리 24"/>
+            <p:cNvSpPr/>
+            <p:nvPr/>
+          </p:nvSpPr>
+          <p:spPr>
+            <a:xfrm>
+              <a:off x="5687568" y="1753234"/>
+              <a:ext cx="867651" cy="475488"/>
+            </a:xfrm>
+            <a:prstGeom prst="roundRect">
+              <a:avLst/>
+            </a:prstGeom>
+            <a:solidFill>
+              <a:srgbClr val="FFFF00"/>
+            </a:solidFill>
+            <a:ln>
+              <a:noFill/>
+            </a:ln>
+          </p:spPr>
+          <p:style>
+            <a:lnRef idx="2">
+              <a:schemeClr val="accent1">
+                <a:shade val="50000"/>
+              </a:schemeClr>
+            </a:lnRef>
+            <a:fillRef idx="1">
+              <a:schemeClr val="accent1"/>
+            </a:fillRef>
+            <a:effectRef idx="0">
+              <a:schemeClr val="accent1"/>
+            </a:effectRef>
+            <a:fontRef idx="minor">
+              <a:schemeClr val="lt1"/>
+            </a:fontRef>
+          </p:style>
+          <p:txBody>
+            <a:bodyPr rtlCol="0" anchor="ctr"/>
+            <a:lstStyle/>
+            <a:p>
+              <a:pPr algn="ctr"/>
+              <a:endParaRPr lang="ko-KR" altLang="en-US" sz="1600"/>
+            </a:p>
+          </p:txBody>
+        </p:sp>
+        <p:sp>
+          <p:nvSpPr>
+            <p:cNvPr id="26" name="사각형: 둥근 모서리 25"/>
+            <p:cNvSpPr/>
+            <p:nvPr/>
+          </p:nvSpPr>
+          <p:spPr>
+            <a:xfrm>
+              <a:off x="5736275" y="1790712"/>
+              <a:ext cx="761388" cy="417254"/>
+            </a:xfrm>
+            <a:prstGeom prst="roundRect">
+              <a:avLst/>
+            </a:prstGeom>
+            <a:solidFill>
+              <a:srgbClr val="FFFF00"/>
+            </a:solidFill>
+            <a:ln w="38100">
+              <a:solidFill>
+                <a:schemeClr val="tx1"/>
+              </a:solidFill>
+            </a:ln>
+          </p:spPr>
+          <p:style>
+            <a:lnRef idx="2">
+              <a:schemeClr val="accent1">
+                <a:shade val="50000"/>
+              </a:schemeClr>
+            </a:lnRef>
+            <a:fillRef idx="1">
+              <a:schemeClr val="accent1"/>
+            </a:fillRef>
+            <a:effectRef idx="0">
+              <a:schemeClr val="accent1"/>
+            </a:effectRef>
+            <a:fontRef idx="minor">
+              <a:schemeClr val="lt1"/>
+            </a:fontRef>
+          </p:style>
+          <p:txBody>
+            <a:bodyPr rtlCol="0" anchor="ctr"/>
+            <a:lstStyle/>
+            <a:p>
+              <a:pPr algn="ctr"/>
+              <a:r>
+                <a:rPr lang="en-US" altLang="ko-KR" sz="2400" b="1" dirty="0">
+                  <a:solidFill>
+                    <a:schemeClr val="tx1"/>
+                  </a:solidFill>
+                </a:rPr>
+                <a:t>120</a:t>
+              </a:r>
+              <a:endParaRPr lang="ko-KR" altLang="en-US" sz="2400" b="1" dirty="0">
+                <a:solidFill>
+                  <a:schemeClr val="tx1"/>
+                </a:solidFill>
+              </a:endParaRPr>
+            </a:p>
+          </p:txBody>
+        </p:sp>
+      </p:grpSp>
+      <p:pic>
+        <p:nvPicPr>
+          <p:cNvPr id="30" name="Shape 87"/>
+          <p:cNvPicPr preferRelativeResize="0"/>
+          <p:nvPr/>
+        </p:nvPicPr>
+        <p:blipFill rotWithShape="1">
+          <a:blip r:embed="rId7">
+            <a:alphaModFix/>
+          </a:blip>
+          <a:srcRect l="1903" t="49168" r="76634" b="20237"/>
+          <a:stretch/>
+        </p:blipFill>
+        <p:spPr>
+          <a:xfrm>
+            <a:off x="6040816" y="3640089"/>
+            <a:ext cx="247844" cy="401617"/>
+          </a:xfrm>
+          <a:prstGeom prst="rect">
+            <a:avLst/>
+          </a:prstGeom>
+          <a:noFill/>
+          <a:ln>
+            <a:noFill/>
+          </a:ln>
+        </p:spPr>
+      </p:pic>
+      <p:pic>
+        <p:nvPicPr>
+          <p:cNvPr id="31" name="Shape 107"/>
+          <p:cNvPicPr preferRelativeResize="0"/>
+          <p:nvPr/>
+        </p:nvPicPr>
+        <p:blipFill>
+          <a:blip r:embed="rId8">
+            <a:alphaModFix/>
+          </a:blip>
+          <a:stretch>
+            <a:fillRect/>
+          </a:stretch>
+        </p:blipFill>
+        <p:spPr>
+          <a:xfrm>
+            <a:off x="5210808" y="3624268"/>
+            <a:ext cx="287669" cy="406829"/>
+          </a:xfrm>
+          <a:prstGeom prst="rect">
+            <a:avLst/>
+          </a:prstGeom>
+          <a:noFill/>
+          <a:ln>
+            <a:noFill/>
+          </a:ln>
+        </p:spPr>
+      </p:pic>
+      <p:sp>
+        <p:nvSpPr>
+          <p:cNvPr id="34" name="TextBox 33"/>
+          <p:cNvSpPr txBox="1"/>
+          <p:nvPr/>
+        </p:nvSpPr>
+        <p:spPr>
+          <a:xfrm>
+            <a:off x="6639101" y="980767"/>
+            <a:ext cx="2069797" cy="400110"/>
+          </a:xfrm>
+          <a:prstGeom prst="rect">
+            <a:avLst/>
+          </a:prstGeom>
+          <a:noFill/>
+        </p:spPr>
+        <p:txBody>
+          <a:bodyPr wrap="none" rtlCol="0">
+            <a:spAutoFit/>
+          </a:bodyPr>
+          <a:lstStyle/>
+          <a:p>
+            <a:r>
+              <a:rPr lang="ko-KR" altLang="en-US" sz="2000" dirty="0"/>
+              <a:t>아이템 생성조건</a:t>
+            </a:r>
+          </a:p>
+        </p:txBody>
+      </p:sp>
+      <p:sp>
+        <p:nvSpPr>
+          <p:cNvPr id="35" name="TextBox 34"/>
+          <p:cNvSpPr txBox="1"/>
+          <p:nvPr/>
+        </p:nvSpPr>
+        <p:spPr>
+          <a:xfrm>
+            <a:off x="6888022" y="1363790"/>
+            <a:ext cx="4621778" cy="707886"/>
+          </a:xfrm>
+          <a:prstGeom prst="rect">
+            <a:avLst/>
+          </a:prstGeom>
+          <a:noFill/>
+        </p:spPr>
+        <p:txBody>
+          <a:bodyPr wrap="none" rtlCol="0">
+            <a:spAutoFit/>
+          </a:bodyPr>
+          <a:lstStyle/>
+          <a:p>
+            <a:r>
+              <a:rPr lang="ko-KR" altLang="en-US" sz="2000" dirty="0"/>
+              <a:t>첫 </a:t>
+            </a:r>
+            <a:r>
+              <a:rPr lang="en-US" altLang="ko-KR" sz="2000" dirty="0"/>
+              <a:t>60</a:t>
+            </a:r>
+            <a:r>
+              <a:rPr lang="ko-KR" altLang="en-US" sz="2000" dirty="0"/>
+              <a:t>초동안은 </a:t>
+            </a:r>
+            <a:r>
+              <a:rPr lang="en-US" altLang="ko-KR" sz="2000" dirty="0"/>
+              <a:t>20</a:t>
+            </a:r>
+            <a:r>
+              <a:rPr lang="ko-KR" altLang="en-US" sz="2000" dirty="0"/>
+              <a:t>초마다 한 개 씩 생성</a:t>
+            </a:r>
+            <a:endParaRPr lang="en-US" altLang="ko-KR" sz="2000" dirty="0"/>
+          </a:p>
+          <a:p>
+            <a:r>
+              <a:rPr lang="ko-KR" altLang="en-US" sz="2000" dirty="0"/>
+              <a:t>이후부터는 </a:t>
+            </a:r>
+            <a:r>
+              <a:rPr lang="en-US" altLang="ko-KR" sz="2000" dirty="0"/>
+              <a:t>15</a:t>
+            </a:r>
+            <a:r>
+              <a:rPr lang="ko-KR" altLang="en-US" sz="2000" dirty="0"/>
+              <a:t>초마다 한 개 씩 생성</a:t>
+            </a:r>
+          </a:p>
+        </p:txBody>
+      </p:sp>
+      <p:pic>
+        <p:nvPicPr>
+          <p:cNvPr id="37" name="Shape 87"/>
+          <p:cNvPicPr preferRelativeResize="0"/>
+          <p:nvPr/>
+        </p:nvPicPr>
+        <p:blipFill rotWithShape="1">
+          <a:blip r:embed="rId7">
+            <a:alphaModFix/>
+          </a:blip>
+          <a:srcRect l="1903" t="49168" r="76634" b="20237"/>
+          <a:stretch/>
+        </p:blipFill>
+        <p:spPr>
+          <a:xfrm>
+            <a:off x="2204442" y="1316116"/>
+            <a:ext cx="247844" cy="401617"/>
+          </a:xfrm>
+          <a:prstGeom prst="rect">
+            <a:avLst/>
+          </a:prstGeom>
+          <a:noFill/>
+          <a:ln>
+            <a:noFill/>
+          </a:ln>
+        </p:spPr>
+      </p:pic>
+      <p:pic>
+        <p:nvPicPr>
+          <p:cNvPr id="39" name="Shape 107"/>
+          <p:cNvPicPr preferRelativeResize="0"/>
+          <p:nvPr/>
+        </p:nvPicPr>
+        <p:blipFill>
+          <a:blip r:embed="rId8">
+            <a:alphaModFix/>
+          </a:blip>
+          <a:stretch>
+            <a:fillRect/>
+          </a:stretch>
+        </p:blipFill>
+        <p:spPr>
+          <a:xfrm>
+            <a:off x="2184529" y="1630305"/>
+            <a:ext cx="287669" cy="394891"/>
+          </a:xfrm>
+          <a:prstGeom prst="rect">
+            <a:avLst/>
+          </a:prstGeom>
+          <a:noFill/>
+          <a:ln>
+            <a:noFill/>
+          </a:ln>
+        </p:spPr>
+      </p:pic>
+      <p:pic>
+        <p:nvPicPr>
+          <p:cNvPr id="41" name="Shape 104"/>
+          <p:cNvPicPr preferRelativeResize="0"/>
+          <p:nvPr/>
+        </p:nvPicPr>
+        <p:blipFill>
+          <a:blip r:embed="rId3">
+            <a:alphaModFix/>
+            <a:extLst>
+              <a:ext uri="{BEBA8EAE-BF5A-486C-A8C5-ECC9F3942E4B}">
+                <a14:imgProps xmlns:a14="http://schemas.microsoft.com/office/drawing/2010/main">
+                  <a14:imgLayer r:embed="rId4">
+                    <a14:imgEffect>
+                      <a14:backgroundRemoval t="10000" b="90000" l="10000" r="90000"/>
+                    </a14:imgEffect>
+                  </a14:imgLayer>
+                </a14:imgProps>
+              </a:ext>
+            </a:extLst>
+          </a:blip>
+          <a:stretch>
+            <a:fillRect/>
+          </a:stretch>
+        </p:blipFill>
+        <p:spPr>
+          <a:xfrm>
+            <a:off x="2135212" y="1920674"/>
+            <a:ext cx="363834" cy="363834"/>
+          </a:xfrm>
+          <a:prstGeom prst="rect">
+            <a:avLst/>
+          </a:prstGeom>
+          <a:noFill/>
+          <a:ln>
+            <a:noFill/>
+          </a:ln>
+        </p:spPr>
+      </p:pic>
+    </p:spTree>
+    <p:extLst>
+      <p:ext uri="{BB962C8B-B14F-4D97-AF65-F5344CB8AC3E}">
+        <p14:creationId xmlns:p14="http://schemas.microsoft.com/office/powerpoint/2010/main" val="331321576"/>
+      </p:ext>
+    </p:extLst>
+  </p:cSld>
+  <p:clrMapOvr>
+    <a:masterClrMapping/>
+  </p:clrMapOvr>
+</p:sld>
+</file>
+
+<file path=ppt/slides/slide17.xml><?xml version="1.0" encoding="utf-8"?>
+<p:sld xmlns:a="http://schemas.openxmlformats.org/drawingml/2006/main" xmlns:r="http://schemas.openxmlformats.org/officeDocument/2006/relationships" xmlns:p="http://schemas.openxmlformats.org/presentationml/2006/main">
+  <p:cSld>
+    <p:spTree>
+      <p:nvGrpSpPr>
+        <p:cNvPr id="1" name=""/>
+        <p:cNvGrpSpPr/>
+        <p:nvPr/>
+      </p:nvGrpSpPr>
+      <p:grpSpPr>
+        <a:xfrm>
+          <a:off x="0" y="0"/>
+          <a:ext cx="0" cy="0"/>
+          <a:chOff x="0" y="0"/>
+          <a:chExt cx="0" cy="0"/>
+        </a:xfrm>
+      </p:grpSpPr>
+      <p:pic>
+        <p:nvPicPr>
+          <p:cNvPr id="4" name="그림 3"/>
+          <p:cNvPicPr>
+            <a:picLocks noChangeAspect="1"/>
+          </p:cNvPicPr>
+          <p:nvPr/>
+        </p:nvPicPr>
+        <p:blipFill>
+          <a:blip r:embed="rId2">
+            <a:extLst>
+              <a:ext uri="{28A0092B-C50C-407E-A947-70E740481C1C}">
+                <a14:useLocalDpi xmlns:a14="http://schemas.microsoft.com/office/drawing/2010/main" val="0"/>
+              </a:ext>
+            </a:extLst>
+          </a:blip>
+          <a:stretch>
+            <a:fillRect/>
+          </a:stretch>
+        </p:blipFill>
+        <p:spPr>
+          <a:xfrm>
+            <a:off x="2810309" y="1720377"/>
+            <a:ext cx="6613321" cy="3719993"/>
+          </a:xfrm>
+          <a:prstGeom prst="rect">
+            <a:avLst/>
+          </a:prstGeom>
+        </p:spPr>
+      </p:pic>
+      <p:sp>
+        <p:nvSpPr>
+          <p:cNvPr id="27" name="Shape 108"/>
+          <p:cNvSpPr txBox="1"/>
+          <p:nvPr/>
+        </p:nvSpPr>
+        <p:spPr>
+          <a:xfrm>
+            <a:off x="6392718" y="5637491"/>
+            <a:ext cx="3793697" cy="547290"/>
+          </a:xfrm>
+          <a:prstGeom prst="rect">
+            <a:avLst/>
+          </a:prstGeom>
+          <a:solidFill>
+            <a:schemeClr val="lt1"/>
+          </a:solidFill>
+          <a:ln>
+            <a:noFill/>
+          </a:ln>
+        </p:spPr>
+        <p:txBody>
+          <a:bodyPr lIns="121900" tIns="121900" rIns="121900" bIns="121900" anchor="t" anchorCtr="0">
+            <a:noAutofit/>
+          </a:bodyPr>
+          <a:lstStyle/>
+          <a:p>
+            <a:r>
+              <a:rPr lang="ko-KR" altLang="en-US" dirty="0"/>
+              <a:t>데미지 지역</a:t>
+            </a:r>
+            <a:r>
+              <a:rPr lang="en-US" altLang="ko-KR" dirty="0"/>
+              <a:t>: </a:t>
+            </a:r>
+            <a:r>
+              <a:rPr lang="ko-KR" altLang="en-US" dirty="0"/>
+              <a:t>독가스가 깔린다</a:t>
+            </a:r>
+            <a:endParaRPr lang="ko" altLang="en-US" dirty="0"/>
+          </a:p>
+        </p:txBody>
+      </p:sp>
+      <p:cxnSp>
+        <p:nvCxnSpPr>
+          <p:cNvPr id="29" name="Shape 110"/>
+          <p:cNvCxnSpPr>
+            <a:cxnSpLocks/>
+            <a:endCxn id="27" idx="0"/>
+          </p:cNvCxnSpPr>
+          <p:nvPr/>
+        </p:nvCxnSpPr>
+        <p:spPr>
+          <a:xfrm>
+            <a:off x="7031736" y="4774489"/>
+            <a:ext cx="1257831" cy="863002"/>
+          </a:xfrm>
+          <a:prstGeom prst="straightConnector1">
+            <a:avLst/>
+          </a:prstGeom>
+          <a:noFill/>
+          <a:ln w="28575" cap="flat" cmpd="sng">
+            <a:solidFill>
+              <a:schemeClr val="accent1"/>
+            </a:solidFill>
+            <a:prstDash val="solid"/>
+            <a:round/>
+            <a:headEnd type="none" w="lg" len="lg"/>
+            <a:tailEnd type="triangle" w="lg" len="lg"/>
+          </a:ln>
+        </p:spPr>
+      </p:cxnSp>
+      <p:pic>
+        <p:nvPicPr>
+          <p:cNvPr id="32" name="그림 31"/>
+          <p:cNvPicPr>
+            <a:picLocks noChangeAspect="1"/>
+          </p:cNvPicPr>
+          <p:nvPr/>
+        </p:nvPicPr>
+        <p:blipFill>
+          <a:blip r:embed="rId3">
+            <a:extLst>
+              <a:ext uri="{28A0092B-C50C-407E-A947-70E740481C1C}">
+                <a14:useLocalDpi xmlns:a14="http://schemas.microsoft.com/office/drawing/2010/main" val="0"/>
+              </a:ext>
+            </a:extLst>
+          </a:blip>
+          <a:stretch>
+            <a:fillRect/>
+          </a:stretch>
+        </p:blipFill>
+        <p:spPr>
+          <a:xfrm flipH="1">
+            <a:off x="4760499" y="3049161"/>
+            <a:ext cx="987141" cy="987141"/>
+          </a:xfrm>
+          <a:prstGeom prst="rect">
+            <a:avLst/>
+          </a:prstGeom>
+        </p:spPr>
+      </p:pic>
+      <p:pic>
+        <p:nvPicPr>
+          <p:cNvPr id="33" name="그림 32"/>
+          <p:cNvPicPr>
+            <a:picLocks noChangeAspect="1"/>
+          </p:cNvPicPr>
+          <p:nvPr/>
+        </p:nvPicPr>
+        <p:blipFill>
+          <a:blip r:embed="rId4">
+            <a:extLst>
+              <a:ext uri="{28A0092B-C50C-407E-A947-70E740481C1C}">
+                <a14:useLocalDpi xmlns:a14="http://schemas.microsoft.com/office/drawing/2010/main" val="0"/>
+              </a:ext>
+            </a:extLst>
+          </a:blip>
+          <a:stretch>
+            <a:fillRect/>
+          </a:stretch>
+        </p:blipFill>
+        <p:spPr>
+          <a:xfrm>
+            <a:off x="6608115" y="3121430"/>
+            <a:ext cx="812698" cy="812698"/>
+          </a:xfrm>
+          <a:prstGeom prst="rect">
+            <a:avLst/>
+          </a:prstGeom>
+        </p:spPr>
+      </p:pic>
+      <p:sp>
+        <p:nvSpPr>
+          <p:cNvPr id="14" name="TextBox 13"/>
+          <p:cNvSpPr txBox="1"/>
+          <p:nvPr/>
+        </p:nvSpPr>
+        <p:spPr>
+          <a:xfrm>
+            <a:off x="2611511" y="771737"/>
+            <a:ext cx="3943708" cy="646331"/>
+          </a:xfrm>
+          <a:prstGeom prst="rect">
+            <a:avLst/>
+          </a:prstGeom>
+          <a:noFill/>
+        </p:spPr>
+        <p:txBody>
+          <a:bodyPr wrap="none" rtlCol="0">
+            <a:spAutoFit/>
+          </a:bodyPr>
+          <a:lstStyle/>
+          <a:p>
+            <a:r>
+              <a:rPr lang="en-US" altLang="ko-KR" dirty="0"/>
+              <a:t>120</a:t>
+            </a:r>
+            <a:r>
+              <a:rPr lang="ko-KR" altLang="en-US" dirty="0"/>
+              <a:t>초 제한시간이 다 되면 발생</a:t>
+            </a:r>
+            <a:endParaRPr lang="en-US" altLang="ko-KR" dirty="0"/>
+          </a:p>
+          <a:p>
+            <a:r>
+              <a:rPr lang="ko-KR" altLang="en-US" dirty="0"/>
+              <a:t>경기장 외곽구역에 독가스가 깔린다</a:t>
+            </a:r>
+            <a:r>
+              <a:rPr lang="en-US" altLang="ko-KR" dirty="0"/>
+              <a:t>.</a:t>
+            </a:r>
+            <a:endParaRPr lang="ko-KR" altLang="en-US" dirty="0"/>
+          </a:p>
+        </p:txBody>
+      </p:sp>
+      <p:sp>
+        <p:nvSpPr>
+          <p:cNvPr id="21" name="TextBox 20"/>
+          <p:cNvSpPr txBox="1"/>
+          <p:nvPr/>
+        </p:nvSpPr>
+        <p:spPr>
+          <a:xfrm>
+            <a:off x="190743" y="182246"/>
+            <a:ext cx="2792752" cy="461665"/>
+          </a:xfrm>
+          <a:prstGeom prst="rect">
+            <a:avLst/>
+          </a:prstGeom>
+          <a:noFill/>
+        </p:spPr>
+        <p:txBody>
+          <a:bodyPr wrap="none" rtlCol="0">
+            <a:spAutoFit/>
+          </a:bodyPr>
+          <a:lstStyle/>
+          <a:p>
+            <a:r>
+              <a:rPr lang="ko-KR" altLang="en-US" sz="2400" b="1" dirty="0"/>
+              <a:t>게임 룰 </a:t>
+            </a:r>
+            <a:r>
+              <a:rPr lang="en-US" altLang="ko-KR" sz="2400" b="1" dirty="0"/>
+              <a:t>- </a:t>
+            </a:r>
+            <a:r>
+              <a:rPr lang="ko-KR" altLang="en-US" sz="2400" b="1" dirty="0" err="1"/>
+              <a:t>서든데스</a:t>
+            </a:r>
+            <a:endParaRPr lang="ko-KR" altLang="en-US" sz="2400" b="1" dirty="0"/>
+          </a:p>
+        </p:txBody>
+      </p:sp>
+      <p:sp>
+        <p:nvSpPr>
+          <p:cNvPr id="2" name="원형: 비어 있음 1"/>
+          <p:cNvSpPr/>
+          <p:nvPr/>
+        </p:nvSpPr>
+        <p:spPr>
+          <a:xfrm>
+            <a:off x="4041648" y="1956815"/>
+            <a:ext cx="4160520" cy="3249405"/>
+          </a:xfrm>
+          <a:prstGeom prst="donut">
+            <a:avLst>
+              <a:gd name="adj" fmla="val 23150"/>
+            </a:avLst>
+          </a:prstGeom>
+          <a:solidFill>
+            <a:srgbClr val="FF0000">
+              <a:alpha val="30000"/>
+            </a:srgbClr>
+          </a:solidFill>
+          <a:ln>
+            <a:noFill/>
+          </a:ln>
+        </p:spPr>
+        <p:style>
+          <a:lnRef idx="2">
+            <a:schemeClr val="accent1">
+              <a:shade val="50000"/>
+            </a:schemeClr>
+          </a:lnRef>
+          <a:fillRef idx="1">
+            <a:schemeClr val="accent1"/>
+          </a:fillRef>
+          <a:effectRef idx="0">
+            <a:schemeClr val="accent1"/>
+          </a:effectRef>
+          <a:fontRef idx="minor">
+            <a:schemeClr val="lt1"/>
+          </a:fontRef>
+        </p:style>
+        <p:txBody>
+          <a:bodyPr rtlCol="0" anchor="ctr"/>
+          <a:lstStyle/>
+          <a:p>
+            <a:pPr algn="ctr"/>
+            <a:endParaRPr lang="ko-KR" altLang="en-US">
+              <a:solidFill>
+                <a:schemeClr val="tx1"/>
+              </a:solidFill>
+            </a:endParaRPr>
+          </a:p>
+        </p:txBody>
+      </p:sp>
+      <p:grpSp>
+        <p:nvGrpSpPr>
+          <p:cNvPr id="6" name="그룹 5"/>
+          <p:cNvGrpSpPr/>
+          <p:nvPr/>
+        </p:nvGrpSpPr>
+        <p:grpSpPr>
+          <a:xfrm>
+            <a:off x="5656395" y="1797766"/>
+            <a:ext cx="867651" cy="475488"/>
+            <a:chOff x="5687568" y="1753234"/>
+            <a:chExt cx="867651" cy="475488"/>
+          </a:xfrm>
+        </p:grpSpPr>
+        <p:sp>
+          <p:nvSpPr>
+            <p:cNvPr id="5" name="사각형: 둥근 모서리 4"/>
+            <p:cNvSpPr/>
+            <p:nvPr/>
+          </p:nvSpPr>
+          <p:spPr>
+            <a:xfrm>
+              <a:off x="5687568" y="1753234"/>
+              <a:ext cx="867651" cy="475488"/>
+            </a:xfrm>
+            <a:prstGeom prst="roundRect">
+              <a:avLst/>
+            </a:prstGeom>
+            <a:solidFill>
+              <a:srgbClr val="FFFF00"/>
+            </a:solidFill>
+            <a:ln>
+              <a:noFill/>
+            </a:ln>
+          </p:spPr>
+          <p:style>
+            <a:lnRef idx="2">
+              <a:schemeClr val="accent1">
+                <a:shade val="50000"/>
+              </a:schemeClr>
+            </a:lnRef>
+            <a:fillRef idx="1">
+              <a:schemeClr val="accent1"/>
+            </a:fillRef>
+            <a:effectRef idx="0">
+              <a:schemeClr val="accent1"/>
+            </a:effectRef>
+            <a:fontRef idx="minor">
+              <a:schemeClr val="lt1"/>
+            </a:fontRef>
+          </p:style>
+          <p:txBody>
+            <a:bodyPr rtlCol="0" anchor="ctr"/>
+            <a:lstStyle/>
+            <a:p>
+              <a:pPr algn="ctr"/>
+              <a:endParaRPr lang="ko-KR" altLang="en-US" sz="1600"/>
+            </a:p>
+          </p:txBody>
+        </p:sp>
+        <p:sp>
+          <p:nvSpPr>
+            <p:cNvPr id="24" name="사각형: 둥근 모서리 23"/>
+            <p:cNvSpPr/>
+            <p:nvPr/>
+          </p:nvSpPr>
+          <p:spPr>
+            <a:xfrm>
+              <a:off x="5736275" y="1790712"/>
+              <a:ext cx="761388" cy="417254"/>
+            </a:xfrm>
+            <a:prstGeom prst="roundRect">
+              <a:avLst/>
+            </a:prstGeom>
+            <a:solidFill>
+              <a:srgbClr val="FFFF00"/>
+            </a:solidFill>
+            <a:ln w="38100">
+              <a:solidFill>
+                <a:schemeClr val="tx1"/>
+              </a:solidFill>
+            </a:ln>
+          </p:spPr>
+          <p:style>
+            <a:lnRef idx="2">
+              <a:schemeClr val="accent1">
+                <a:shade val="50000"/>
+              </a:schemeClr>
+            </a:lnRef>
+            <a:fillRef idx="1">
+              <a:schemeClr val="accent1"/>
+            </a:fillRef>
+            <a:effectRef idx="0">
+              <a:schemeClr val="accent1"/>
+            </a:effectRef>
+            <a:fontRef idx="minor">
+              <a:schemeClr val="lt1"/>
+            </a:fontRef>
+          </p:style>
+          <p:txBody>
+            <a:bodyPr rtlCol="0" anchor="ctr"/>
+            <a:lstStyle/>
+            <a:p>
+              <a:pPr algn="ctr"/>
+              <a:r>
+                <a:rPr lang="en-US" altLang="ko-KR" sz="2400" b="1" dirty="0">
+                  <a:solidFill>
+                    <a:schemeClr val="tx1"/>
+                  </a:solidFill>
+                </a:rPr>
+                <a:t>00</a:t>
+              </a:r>
+              <a:endParaRPr lang="ko-KR" altLang="en-US" sz="2400" b="1" dirty="0">
+                <a:solidFill>
+                  <a:schemeClr val="tx1"/>
+                </a:solidFill>
+              </a:endParaRPr>
+            </a:p>
+          </p:txBody>
+        </p:sp>
+      </p:grpSp>
+      <p:sp>
+        <p:nvSpPr>
+          <p:cNvPr id="31" name="TextBox 30"/>
+          <p:cNvSpPr txBox="1"/>
+          <p:nvPr/>
+        </p:nvSpPr>
+        <p:spPr>
+          <a:xfrm>
+            <a:off x="6961568" y="771737"/>
+            <a:ext cx="3943708" cy="646331"/>
+          </a:xfrm>
+          <a:prstGeom prst="rect">
+            <a:avLst/>
+          </a:prstGeom>
+          <a:noFill/>
+        </p:spPr>
+        <p:txBody>
+          <a:bodyPr wrap="none" rtlCol="0">
+            <a:spAutoFit/>
+          </a:bodyPr>
+          <a:lstStyle/>
+          <a:p>
+            <a:r>
+              <a:rPr lang="en-US" altLang="ko-KR" dirty="0"/>
+              <a:t>120</a:t>
+            </a:r>
+            <a:r>
+              <a:rPr lang="ko-KR" altLang="en-US" dirty="0"/>
+              <a:t>초 제한시간이 다 되면 발생</a:t>
+            </a:r>
+            <a:endParaRPr lang="en-US" altLang="ko-KR" dirty="0"/>
+          </a:p>
+          <a:p>
+            <a:r>
+              <a:rPr lang="ko-KR" altLang="en-US" dirty="0"/>
+              <a:t>경기장 외곽구역에 독가스가 깔린다</a:t>
+            </a:r>
+            <a:r>
+              <a:rPr lang="en-US" altLang="ko-KR" dirty="0"/>
+              <a:t>.</a:t>
+            </a:r>
+            <a:endParaRPr lang="ko-KR" altLang="en-US" dirty="0"/>
+          </a:p>
+        </p:txBody>
+      </p:sp>
+    </p:spTree>
+    <p:extLst>
+      <p:ext uri="{BB962C8B-B14F-4D97-AF65-F5344CB8AC3E}">
+        <p14:creationId xmlns:p14="http://schemas.microsoft.com/office/powerpoint/2010/main" val="1732862221"/>
+      </p:ext>
+    </p:extLst>
+  </p:cSld>
+  <p:clrMapOvr>
+    <a:masterClrMapping/>
+  </p:clrMapOvr>
+</p:sld>
+</file>
+
+<file path=ppt/slides/slide18.xml><?xml version="1.0" encoding="utf-8"?>
+<p:sld xmlns:a="http://schemas.openxmlformats.org/drawingml/2006/main" xmlns:r="http://schemas.openxmlformats.org/officeDocument/2006/relationships" xmlns:p="http://schemas.openxmlformats.org/presentationml/2006/main">
+  <p:cSld>
+    <p:spTree>
+      <p:nvGrpSpPr>
+        <p:cNvPr id="1" name=""/>
+        <p:cNvGrpSpPr/>
+        <p:nvPr/>
+      </p:nvGrpSpPr>
+      <p:grpSpPr>
+        <a:xfrm>
+          <a:off x="0" y="0"/>
+          <a:ext cx="0" cy="0"/>
+          <a:chOff x="0" y="0"/>
+          <a:chExt cx="0" cy="0"/>
+        </a:xfrm>
+      </p:grpSpPr>
+      <p:sp>
+        <p:nvSpPr>
+          <p:cNvPr id="2" name="직사각형 1"/>
+          <p:cNvSpPr/>
+          <p:nvPr/>
+        </p:nvSpPr>
+        <p:spPr>
+          <a:xfrm>
+            <a:off x="3640727" y="427203"/>
+            <a:ext cx="7122350" cy="1342239"/>
+          </a:xfrm>
+          <a:prstGeom prst="rect">
+            <a:avLst/>
+          </a:prstGeom>
+          <a:solidFill>
+            <a:schemeClr val="bg2"/>
+          </a:solidFill>
+          <a:ln>
+            <a:solidFill>
+              <a:schemeClr val="bg2">
+                <a:lumMod val="90000"/>
+              </a:schemeClr>
+            </a:solidFill>
+          </a:ln>
+        </p:spPr>
+        <p:style>
+          <a:lnRef idx="2">
+            <a:schemeClr val="accent1">
+              <a:shade val="50000"/>
+            </a:schemeClr>
+          </a:lnRef>
+          <a:fillRef idx="1">
+            <a:schemeClr val="accent1"/>
+          </a:fillRef>
+          <a:effectRef idx="0">
+            <a:schemeClr val="accent1"/>
+          </a:effectRef>
+          <a:fontRef idx="minor">
+            <a:schemeClr val="lt1"/>
+          </a:fontRef>
+        </p:style>
+        <p:txBody>
+          <a:bodyPr rtlCol="0" anchor="ctr"/>
+          <a:lstStyle/>
+          <a:p>
+            <a:pPr algn="ctr"/>
+            <a:endParaRPr lang="ko-KR" altLang="en-US"/>
+          </a:p>
+        </p:txBody>
+      </p:sp>
+      <p:pic>
+        <p:nvPicPr>
+          <p:cNvPr id="6" name="그림 5"/>
+          <p:cNvPicPr>
+            <a:picLocks noChangeAspect="1"/>
+          </p:cNvPicPr>
+          <p:nvPr/>
+        </p:nvPicPr>
+        <p:blipFill>
+          <a:blip r:embed="rId2">
+            <a:extLst>
+              <a:ext uri="{28A0092B-C50C-407E-A947-70E740481C1C}">
+                <a14:useLocalDpi xmlns:a14="http://schemas.microsoft.com/office/drawing/2010/main" val="0"/>
+              </a:ext>
+            </a:extLst>
+          </a:blip>
+          <a:stretch>
+            <a:fillRect/>
+          </a:stretch>
+        </p:blipFill>
+        <p:spPr>
+          <a:xfrm>
+            <a:off x="3863899" y="612251"/>
+            <a:ext cx="987141" cy="987141"/>
+          </a:xfrm>
+          <a:prstGeom prst="rect">
+            <a:avLst/>
+          </a:prstGeom>
+        </p:spPr>
+      </p:pic>
+      <p:sp>
+        <p:nvSpPr>
+          <p:cNvPr id="14" name="TextBox 13"/>
+          <p:cNvSpPr txBox="1"/>
+          <p:nvPr/>
+        </p:nvSpPr>
+        <p:spPr>
+          <a:xfrm>
+            <a:off x="4960097" y="625877"/>
+            <a:ext cx="1531188" cy="923330"/>
+          </a:xfrm>
+          <a:prstGeom prst="rect">
+            <a:avLst/>
+          </a:prstGeom>
+          <a:noFill/>
+        </p:spPr>
+        <p:txBody>
+          <a:bodyPr wrap="square" rtlCol="0">
+            <a:spAutoFit/>
+          </a:bodyPr>
+          <a:lstStyle/>
+          <a:p>
+            <a:r>
+              <a:rPr lang="en-US" altLang="ko-KR" dirty="0"/>
+              <a:t>HP : 3</a:t>
+            </a:r>
+          </a:p>
+          <a:p>
+            <a:r>
+              <a:rPr lang="en-US" altLang="ko-KR" dirty="0"/>
+              <a:t>MP : 1000</a:t>
+            </a:r>
+          </a:p>
+          <a:p>
+            <a:r>
+              <a:rPr lang="ko-KR" altLang="en-US" dirty="0"/>
+              <a:t>이동속도 </a:t>
+            </a:r>
+            <a:r>
+              <a:rPr lang="en-US" altLang="ko-KR" dirty="0"/>
+              <a:t>: 1 </a:t>
+            </a:r>
+            <a:endParaRPr lang="ko-KR" altLang="en-US" dirty="0"/>
+          </a:p>
+        </p:txBody>
+      </p:sp>
+      <p:sp>
+        <p:nvSpPr>
+          <p:cNvPr id="11" name="직사각형 10"/>
+          <p:cNvSpPr/>
+          <p:nvPr/>
+        </p:nvSpPr>
+        <p:spPr>
+          <a:xfrm>
+            <a:off x="3640727" y="3549580"/>
+            <a:ext cx="7122350" cy="1342239"/>
+          </a:xfrm>
+          <a:prstGeom prst="rect">
+            <a:avLst/>
+          </a:prstGeom>
+          <a:solidFill>
+            <a:schemeClr val="bg2"/>
+          </a:solidFill>
+          <a:ln>
+            <a:solidFill>
+              <a:schemeClr val="bg2">
+                <a:lumMod val="90000"/>
+              </a:schemeClr>
+            </a:solidFill>
+          </a:ln>
+        </p:spPr>
+        <p:style>
+          <a:lnRef idx="2">
+            <a:schemeClr val="accent1">
+              <a:shade val="50000"/>
+            </a:schemeClr>
+          </a:lnRef>
+          <a:fillRef idx="1">
+            <a:schemeClr val="accent1"/>
+          </a:fillRef>
+          <a:effectRef idx="0">
+            <a:schemeClr val="accent1"/>
+          </a:effectRef>
+          <a:fontRef idx="minor">
+            <a:schemeClr val="lt1"/>
+          </a:fontRef>
+        </p:style>
+        <p:txBody>
+          <a:bodyPr rtlCol="0" anchor="ctr"/>
+          <a:lstStyle/>
+          <a:p>
+            <a:pPr algn="ctr"/>
+            <a:endParaRPr lang="ko-KR" altLang="en-US"/>
+          </a:p>
+        </p:txBody>
+      </p:sp>
+      <p:sp>
+        <p:nvSpPr>
+          <p:cNvPr id="13" name="직사각형 12"/>
+          <p:cNvSpPr/>
+          <p:nvPr/>
+        </p:nvSpPr>
+        <p:spPr>
+          <a:xfrm>
+            <a:off x="3640727" y="5115802"/>
+            <a:ext cx="7122350" cy="1342239"/>
+          </a:xfrm>
+          <a:prstGeom prst="rect">
+            <a:avLst/>
+          </a:prstGeom>
+          <a:solidFill>
+            <a:schemeClr val="bg2"/>
+          </a:solidFill>
+          <a:ln>
+            <a:solidFill>
+              <a:schemeClr val="bg2">
+                <a:lumMod val="90000"/>
+              </a:schemeClr>
+            </a:solidFill>
+          </a:ln>
+        </p:spPr>
+        <p:style>
+          <a:lnRef idx="2">
+            <a:schemeClr val="accent1">
+              <a:shade val="50000"/>
+            </a:schemeClr>
+          </a:lnRef>
+          <a:fillRef idx="1">
+            <a:schemeClr val="accent1"/>
+          </a:fillRef>
+          <a:effectRef idx="0">
+            <a:schemeClr val="accent1"/>
+          </a:effectRef>
+          <a:fontRef idx="minor">
+            <a:schemeClr val="lt1"/>
+          </a:fontRef>
+        </p:style>
+        <p:txBody>
+          <a:bodyPr rtlCol="0" anchor="ctr"/>
+          <a:lstStyle/>
+          <a:p>
+            <a:pPr algn="ctr"/>
+            <a:endParaRPr lang="ko-KR" altLang="en-US"/>
+          </a:p>
+        </p:txBody>
+      </p:sp>
+      <p:sp>
+        <p:nvSpPr>
+          <p:cNvPr id="15" name="직사각형 14"/>
+          <p:cNvSpPr/>
+          <p:nvPr/>
+        </p:nvSpPr>
+        <p:spPr>
+          <a:xfrm>
+            <a:off x="3640727" y="1993425"/>
+            <a:ext cx="7122350" cy="1342239"/>
+          </a:xfrm>
+          <a:prstGeom prst="rect">
+            <a:avLst/>
+          </a:prstGeom>
+          <a:solidFill>
+            <a:schemeClr val="bg2"/>
+          </a:solidFill>
+          <a:ln>
+            <a:solidFill>
+              <a:schemeClr val="bg2">
+                <a:lumMod val="90000"/>
+              </a:schemeClr>
+            </a:solidFill>
+          </a:ln>
+        </p:spPr>
+        <p:style>
+          <a:lnRef idx="2">
+            <a:schemeClr val="accent1">
+              <a:shade val="50000"/>
+            </a:schemeClr>
+          </a:lnRef>
+          <a:fillRef idx="1">
+            <a:schemeClr val="accent1"/>
+          </a:fillRef>
+          <a:effectRef idx="0">
+            <a:schemeClr val="accent1"/>
+          </a:effectRef>
+          <a:fontRef idx="minor">
+            <a:schemeClr val="lt1"/>
+          </a:fontRef>
+        </p:style>
+        <p:txBody>
+          <a:bodyPr rtlCol="0" anchor="ctr"/>
+          <a:lstStyle/>
+          <a:p>
+            <a:pPr algn="ctr"/>
+            <a:endParaRPr lang="ko-KR" altLang="en-US"/>
+          </a:p>
+        </p:txBody>
+      </p:sp>
+      <p:pic>
+        <p:nvPicPr>
+          <p:cNvPr id="17" name="그림 16"/>
+          <p:cNvPicPr>
+            <a:picLocks noChangeAspect="1"/>
+          </p:cNvPicPr>
+          <p:nvPr/>
+        </p:nvPicPr>
+        <p:blipFill>
+          <a:blip r:embed="rId3">
+            <a:extLst>
+              <a:ext uri="{28A0092B-C50C-407E-A947-70E740481C1C}">
+                <a14:useLocalDpi xmlns:a14="http://schemas.microsoft.com/office/drawing/2010/main" val="0"/>
+              </a:ext>
+            </a:extLst>
+          </a:blip>
+          <a:stretch>
+            <a:fillRect/>
+          </a:stretch>
+        </p:blipFill>
+        <p:spPr>
+          <a:xfrm>
+            <a:off x="3863899" y="2208122"/>
+            <a:ext cx="958111" cy="958111"/>
+          </a:xfrm>
+          <a:prstGeom prst="rect">
+            <a:avLst/>
+          </a:prstGeom>
+        </p:spPr>
+      </p:pic>
+      <p:sp>
+        <p:nvSpPr>
+          <p:cNvPr id="21" name="TextBox 20"/>
+          <p:cNvSpPr txBox="1"/>
+          <p:nvPr/>
+        </p:nvSpPr>
+        <p:spPr>
+          <a:xfrm>
+            <a:off x="4960097" y="2202879"/>
+            <a:ext cx="1887524" cy="923330"/>
+          </a:xfrm>
+          <a:prstGeom prst="rect">
+            <a:avLst/>
+          </a:prstGeom>
+          <a:noFill/>
+        </p:spPr>
+        <p:txBody>
+          <a:bodyPr wrap="square" rtlCol="0">
+            <a:spAutoFit/>
+          </a:bodyPr>
+          <a:lstStyle/>
+          <a:p>
+            <a:r>
+              <a:rPr lang="en-US" altLang="ko-KR" dirty="0"/>
+              <a:t>HP : 3</a:t>
+            </a:r>
+          </a:p>
+          <a:p>
+            <a:r>
+              <a:rPr lang="en-US" altLang="ko-KR" dirty="0"/>
+              <a:t>MP : 1000</a:t>
+            </a:r>
+          </a:p>
+          <a:p>
+            <a:r>
+              <a:rPr lang="ko-KR" altLang="en-US" dirty="0"/>
+              <a:t>이동속도 </a:t>
+            </a:r>
+            <a:r>
+              <a:rPr lang="en-US" altLang="ko-KR" dirty="0"/>
+              <a:t>: 1.3</a:t>
+            </a:r>
+            <a:endParaRPr lang="ko-KR" altLang="en-US" dirty="0"/>
+          </a:p>
+        </p:txBody>
+      </p:sp>
+      <p:pic>
+        <p:nvPicPr>
+          <p:cNvPr id="22" name="그림 21"/>
+          <p:cNvPicPr>
+            <a:picLocks noChangeAspect="1"/>
+          </p:cNvPicPr>
+          <p:nvPr/>
+        </p:nvPicPr>
+        <p:blipFill>
+          <a:blip r:embed="rId4">
+            <a:extLst>
+              <a:ext uri="{28A0092B-C50C-407E-A947-70E740481C1C}">
+                <a14:useLocalDpi xmlns:a14="http://schemas.microsoft.com/office/drawing/2010/main" val="0"/>
+              </a:ext>
+            </a:extLst>
+          </a:blip>
+          <a:stretch>
+            <a:fillRect/>
+          </a:stretch>
+        </p:blipFill>
+        <p:spPr>
+          <a:xfrm>
+            <a:off x="3948636" y="3756170"/>
+            <a:ext cx="812698" cy="812698"/>
+          </a:xfrm>
+          <a:prstGeom prst="rect">
+            <a:avLst/>
+          </a:prstGeom>
+        </p:spPr>
+      </p:pic>
+      <p:sp>
+        <p:nvSpPr>
+          <p:cNvPr id="23" name="TextBox 22"/>
+          <p:cNvSpPr txBox="1"/>
+          <p:nvPr/>
+        </p:nvSpPr>
+        <p:spPr>
+          <a:xfrm>
+            <a:off x="4960097" y="3756170"/>
+            <a:ext cx="1627369" cy="923330"/>
+          </a:xfrm>
+          <a:prstGeom prst="rect">
+            <a:avLst/>
+          </a:prstGeom>
+          <a:noFill/>
+        </p:spPr>
+        <p:txBody>
+          <a:bodyPr wrap="square" rtlCol="0">
+            <a:spAutoFit/>
+          </a:bodyPr>
+          <a:lstStyle/>
+          <a:p>
+            <a:r>
+              <a:rPr lang="en-US" altLang="ko-KR" dirty="0"/>
+              <a:t>HP : 5</a:t>
+            </a:r>
+          </a:p>
+          <a:p>
+            <a:r>
+              <a:rPr lang="en-US" altLang="ko-KR" dirty="0"/>
+              <a:t>MP : 1000</a:t>
+            </a:r>
+          </a:p>
+          <a:p>
+            <a:r>
+              <a:rPr lang="ko-KR" altLang="en-US" dirty="0"/>
+              <a:t>이동속도 </a:t>
+            </a:r>
+            <a:r>
+              <a:rPr lang="en-US" altLang="ko-KR" dirty="0"/>
+              <a:t>: 0.7</a:t>
+            </a:r>
+            <a:endParaRPr lang="ko-KR" altLang="en-US" dirty="0"/>
+          </a:p>
+        </p:txBody>
+      </p:sp>
+      <p:pic>
+        <p:nvPicPr>
+          <p:cNvPr id="24" name="그림 23"/>
+          <p:cNvPicPr>
+            <a:picLocks noChangeAspect="1"/>
+          </p:cNvPicPr>
+          <p:nvPr/>
+        </p:nvPicPr>
+        <p:blipFill>
+          <a:blip r:embed="rId5">
+            <a:extLst>
+              <a:ext uri="{28A0092B-C50C-407E-A947-70E740481C1C}">
+                <a14:useLocalDpi xmlns:a14="http://schemas.microsoft.com/office/drawing/2010/main" val="0"/>
+              </a:ext>
+            </a:extLst>
+          </a:blip>
+          <a:stretch>
+            <a:fillRect/>
+          </a:stretch>
+        </p:blipFill>
+        <p:spPr>
+          <a:xfrm>
+            <a:off x="3948636" y="5360117"/>
+            <a:ext cx="812698" cy="812698"/>
+          </a:xfrm>
+          <a:prstGeom prst="rect">
+            <a:avLst/>
+          </a:prstGeom>
+        </p:spPr>
+      </p:pic>
+      <p:sp>
+        <p:nvSpPr>
+          <p:cNvPr id="25" name="TextBox 24"/>
+          <p:cNvSpPr txBox="1"/>
+          <p:nvPr/>
+        </p:nvSpPr>
+        <p:spPr>
+          <a:xfrm>
+            <a:off x="4960097" y="5325256"/>
+            <a:ext cx="1449436" cy="923330"/>
+          </a:xfrm>
+          <a:prstGeom prst="rect">
+            <a:avLst/>
+          </a:prstGeom>
+          <a:noFill/>
+        </p:spPr>
+        <p:txBody>
+          <a:bodyPr wrap="square" rtlCol="0">
+            <a:spAutoFit/>
+          </a:bodyPr>
+          <a:lstStyle/>
+          <a:p>
+            <a:r>
+              <a:rPr lang="en-US" altLang="ko-KR" dirty="0"/>
+              <a:t>HP : 3</a:t>
+            </a:r>
+          </a:p>
+          <a:p>
+            <a:r>
+              <a:rPr lang="en-US" altLang="ko-KR" dirty="0"/>
+              <a:t>MP : 1000</a:t>
+            </a:r>
+          </a:p>
+          <a:p>
+            <a:r>
+              <a:rPr lang="ko-KR" altLang="en-US" dirty="0"/>
+              <a:t>이동속도 </a:t>
+            </a:r>
+            <a:r>
+              <a:rPr lang="en-US" altLang="ko-KR" dirty="0"/>
+              <a:t>: 1</a:t>
+            </a:r>
+            <a:endParaRPr lang="ko-KR" altLang="en-US" dirty="0"/>
+          </a:p>
+        </p:txBody>
+      </p:sp>
+      <p:sp>
+        <p:nvSpPr>
+          <p:cNvPr id="4" name="직사각형 3"/>
+          <p:cNvSpPr/>
+          <p:nvPr/>
+        </p:nvSpPr>
+        <p:spPr>
+          <a:xfrm>
+            <a:off x="6847621" y="612251"/>
+            <a:ext cx="1105239" cy="973515"/>
+          </a:xfrm>
+          <a:prstGeom prst="rect">
+            <a:avLst/>
+          </a:prstGeom>
+          <a:solidFill>
+            <a:schemeClr val="bg2">
+              <a:lumMod val="90000"/>
+            </a:schemeClr>
+          </a:solidFill>
+          <a:ln>
+            <a:solidFill>
+              <a:schemeClr val="bg2">
+                <a:lumMod val="50000"/>
+              </a:schemeClr>
+            </a:solidFill>
+          </a:ln>
+        </p:spPr>
+        <p:style>
+          <a:lnRef idx="2">
+            <a:schemeClr val="accent1">
+              <a:shade val="50000"/>
+            </a:schemeClr>
+          </a:lnRef>
+          <a:fillRef idx="1">
+            <a:schemeClr val="accent1"/>
+          </a:fillRef>
+          <a:effectRef idx="0">
+            <a:schemeClr val="accent1"/>
+          </a:effectRef>
+          <a:fontRef idx="minor">
+            <a:schemeClr val="lt1"/>
+          </a:fontRef>
+        </p:style>
+        <p:txBody>
+          <a:bodyPr rtlCol="0" anchor="ctr"/>
+          <a:lstStyle/>
+          <a:p>
+            <a:pPr algn="ctr"/>
+            <a:r>
+              <a:rPr lang="ko-KR" altLang="en-US" dirty="0" err="1">
+                <a:solidFill>
+                  <a:schemeClr val="tx1"/>
+                </a:solidFill>
+              </a:rPr>
+              <a:t>부스터</a:t>
+            </a:r>
+            <a:endParaRPr lang="ko-KR" altLang="en-US" dirty="0">
+              <a:solidFill>
+                <a:schemeClr val="tx1"/>
+              </a:solidFill>
+            </a:endParaRPr>
+          </a:p>
+        </p:txBody>
+      </p:sp>
+      <p:sp>
+        <p:nvSpPr>
+          <p:cNvPr id="26" name="직사각형 25"/>
+          <p:cNvSpPr/>
+          <p:nvPr/>
+        </p:nvSpPr>
+        <p:spPr>
+          <a:xfrm>
+            <a:off x="8147914" y="612251"/>
+            <a:ext cx="1105239" cy="973515"/>
+          </a:xfrm>
+          <a:prstGeom prst="rect">
+            <a:avLst/>
+          </a:prstGeom>
+          <a:solidFill>
+            <a:schemeClr val="bg2">
+              <a:lumMod val="90000"/>
+            </a:schemeClr>
+          </a:solidFill>
+          <a:ln>
+            <a:solidFill>
+              <a:schemeClr val="bg2">
+                <a:lumMod val="50000"/>
+              </a:schemeClr>
+            </a:solidFill>
+          </a:ln>
+        </p:spPr>
+        <p:style>
+          <a:lnRef idx="2">
+            <a:schemeClr val="accent1">
+              <a:shade val="50000"/>
+            </a:schemeClr>
+          </a:lnRef>
+          <a:fillRef idx="1">
+            <a:schemeClr val="accent1"/>
+          </a:fillRef>
+          <a:effectRef idx="0">
+            <a:schemeClr val="accent1"/>
+          </a:effectRef>
+          <a:fontRef idx="minor">
+            <a:schemeClr val="lt1"/>
+          </a:fontRef>
+        </p:style>
+        <p:txBody>
+          <a:bodyPr rtlCol="0" anchor="ctr"/>
+          <a:lstStyle/>
+          <a:p>
+            <a:pPr algn="ctr"/>
+            <a:r>
+              <a:rPr lang="ko-KR" altLang="en-US" dirty="0">
+                <a:solidFill>
+                  <a:schemeClr val="tx1"/>
+                </a:solidFill>
+              </a:rPr>
+              <a:t>더블</a:t>
+            </a:r>
+            <a:endParaRPr lang="en-US" altLang="ko-KR" dirty="0">
+              <a:solidFill>
+                <a:schemeClr val="tx1"/>
+              </a:solidFill>
+            </a:endParaRPr>
+          </a:p>
+          <a:p>
+            <a:pPr algn="ctr"/>
+            <a:r>
+              <a:rPr lang="ko-KR" altLang="en-US" dirty="0" err="1">
+                <a:solidFill>
+                  <a:schemeClr val="tx1"/>
+                </a:solidFill>
+              </a:rPr>
+              <a:t>부스터</a:t>
+            </a:r>
+            <a:endParaRPr lang="ko-KR" altLang="en-US" dirty="0">
+              <a:solidFill>
+                <a:schemeClr val="tx1"/>
+              </a:solidFill>
+            </a:endParaRPr>
+          </a:p>
+        </p:txBody>
+      </p:sp>
+      <p:sp>
+        <p:nvSpPr>
+          <p:cNvPr id="27" name="직사각형 26"/>
+          <p:cNvSpPr/>
+          <p:nvPr/>
+        </p:nvSpPr>
+        <p:spPr>
+          <a:xfrm>
+            <a:off x="6847621" y="2189253"/>
+            <a:ext cx="1105239" cy="973515"/>
+          </a:xfrm>
+          <a:prstGeom prst="rect">
+            <a:avLst/>
+          </a:prstGeom>
+          <a:solidFill>
+            <a:schemeClr val="bg2">
+              <a:lumMod val="90000"/>
+            </a:schemeClr>
+          </a:solidFill>
+          <a:ln>
+            <a:solidFill>
+              <a:schemeClr val="bg2">
+                <a:lumMod val="50000"/>
+              </a:schemeClr>
+            </a:solidFill>
+          </a:ln>
+        </p:spPr>
+        <p:style>
+          <a:lnRef idx="2">
+            <a:schemeClr val="accent1">
+              <a:shade val="50000"/>
+            </a:schemeClr>
+          </a:lnRef>
+          <a:fillRef idx="1">
+            <a:schemeClr val="accent1"/>
+          </a:fillRef>
+          <a:effectRef idx="0">
+            <a:schemeClr val="accent1"/>
+          </a:effectRef>
+          <a:fontRef idx="minor">
+            <a:schemeClr val="lt1"/>
+          </a:fontRef>
+        </p:style>
+        <p:txBody>
+          <a:bodyPr rtlCol="0" anchor="ctr"/>
+          <a:lstStyle/>
+          <a:p>
+            <a:pPr algn="ctr"/>
+            <a:r>
+              <a:rPr lang="ko-KR" altLang="en-US">
+                <a:solidFill>
+                  <a:schemeClr val="tx1"/>
+                </a:solidFill>
+              </a:rPr>
+              <a:t>부스터</a:t>
+            </a:r>
+            <a:endParaRPr lang="ko-KR" altLang="en-US" dirty="0">
+              <a:solidFill>
+                <a:schemeClr val="tx1"/>
+              </a:solidFill>
+            </a:endParaRPr>
+          </a:p>
+        </p:txBody>
+      </p:sp>
+      <p:sp>
+        <p:nvSpPr>
+          <p:cNvPr id="28" name="직사각형 27"/>
+          <p:cNvSpPr/>
+          <p:nvPr/>
+        </p:nvSpPr>
+        <p:spPr>
+          <a:xfrm>
+            <a:off x="8147914" y="2189253"/>
+            <a:ext cx="1105239" cy="973515"/>
+          </a:xfrm>
+          <a:prstGeom prst="rect">
+            <a:avLst/>
+          </a:prstGeom>
+          <a:solidFill>
+            <a:schemeClr val="bg2">
+              <a:lumMod val="90000"/>
+            </a:schemeClr>
+          </a:solidFill>
+          <a:ln>
+            <a:solidFill>
+              <a:schemeClr val="bg2">
+                <a:lumMod val="50000"/>
+              </a:schemeClr>
+            </a:solidFill>
+          </a:ln>
+        </p:spPr>
+        <p:style>
+          <a:lnRef idx="2">
+            <a:schemeClr val="accent1">
+              <a:shade val="50000"/>
+            </a:schemeClr>
+          </a:lnRef>
+          <a:fillRef idx="1">
+            <a:schemeClr val="accent1"/>
+          </a:fillRef>
+          <a:effectRef idx="0">
+            <a:schemeClr val="accent1"/>
+          </a:effectRef>
+          <a:fontRef idx="minor">
+            <a:schemeClr val="lt1"/>
+          </a:fontRef>
+        </p:style>
+        <p:txBody>
+          <a:bodyPr rtlCol="0" anchor="ctr"/>
+          <a:lstStyle/>
+          <a:p>
+            <a:pPr algn="ctr"/>
+            <a:r>
+              <a:rPr lang="ko-KR" altLang="en-US" dirty="0">
+                <a:solidFill>
+                  <a:schemeClr val="tx1"/>
+                </a:solidFill>
+              </a:rPr>
+              <a:t>대포</a:t>
+            </a:r>
+          </a:p>
+        </p:txBody>
+      </p:sp>
+      <p:sp>
+        <p:nvSpPr>
+          <p:cNvPr id="29" name="직사각형 28"/>
+          <p:cNvSpPr/>
+          <p:nvPr/>
+        </p:nvSpPr>
+        <p:spPr>
+          <a:xfrm>
+            <a:off x="6847621" y="5266234"/>
+            <a:ext cx="1105239" cy="973515"/>
+          </a:xfrm>
+          <a:prstGeom prst="rect">
+            <a:avLst/>
+          </a:prstGeom>
+          <a:solidFill>
+            <a:schemeClr val="bg2">
+              <a:lumMod val="90000"/>
+            </a:schemeClr>
+          </a:solidFill>
+          <a:ln>
+            <a:solidFill>
+              <a:schemeClr val="bg2">
+                <a:lumMod val="50000"/>
+              </a:schemeClr>
+            </a:solidFill>
+          </a:ln>
+        </p:spPr>
+        <p:style>
+          <a:lnRef idx="2">
+            <a:schemeClr val="accent1">
+              <a:shade val="50000"/>
+            </a:schemeClr>
+          </a:lnRef>
+          <a:fillRef idx="1">
+            <a:schemeClr val="accent1"/>
+          </a:fillRef>
+          <a:effectRef idx="0">
+            <a:schemeClr val="accent1"/>
+          </a:effectRef>
+          <a:fontRef idx="minor">
+            <a:schemeClr val="lt1"/>
+          </a:fontRef>
+        </p:style>
+        <p:txBody>
+          <a:bodyPr rtlCol="0" anchor="ctr"/>
+          <a:lstStyle/>
+          <a:p>
+            <a:pPr algn="ctr"/>
+            <a:r>
+              <a:rPr lang="ko-KR" altLang="en-US">
+                <a:solidFill>
+                  <a:schemeClr val="tx1"/>
+                </a:solidFill>
+              </a:rPr>
+              <a:t>부스터</a:t>
+            </a:r>
+            <a:endParaRPr lang="ko-KR" altLang="en-US" dirty="0">
+              <a:solidFill>
+                <a:schemeClr val="tx1"/>
+              </a:solidFill>
+            </a:endParaRPr>
+          </a:p>
+        </p:txBody>
+      </p:sp>
+      <p:sp>
+        <p:nvSpPr>
+          <p:cNvPr id="30" name="직사각형 29"/>
+          <p:cNvSpPr/>
+          <p:nvPr/>
+        </p:nvSpPr>
+        <p:spPr>
+          <a:xfrm>
+            <a:off x="8147914" y="5266234"/>
+            <a:ext cx="1105239" cy="973515"/>
+          </a:xfrm>
+          <a:prstGeom prst="rect">
+            <a:avLst/>
+          </a:prstGeom>
+          <a:solidFill>
+            <a:schemeClr val="bg2">
+              <a:lumMod val="90000"/>
+            </a:schemeClr>
+          </a:solidFill>
+          <a:ln>
+            <a:solidFill>
+              <a:schemeClr val="bg2">
+                <a:lumMod val="50000"/>
+              </a:schemeClr>
+            </a:solidFill>
+          </a:ln>
+        </p:spPr>
+        <p:style>
+          <a:lnRef idx="2">
+            <a:schemeClr val="accent1">
+              <a:shade val="50000"/>
+            </a:schemeClr>
+          </a:lnRef>
+          <a:fillRef idx="1">
+            <a:schemeClr val="accent1"/>
+          </a:fillRef>
+          <a:effectRef idx="0">
+            <a:schemeClr val="accent1"/>
+          </a:effectRef>
+          <a:fontRef idx="minor">
+            <a:schemeClr val="lt1"/>
+          </a:fontRef>
+        </p:style>
+        <p:txBody>
+          <a:bodyPr rtlCol="0" anchor="ctr"/>
+          <a:lstStyle/>
+          <a:p>
+            <a:pPr algn="ctr"/>
+            <a:r>
+              <a:rPr lang="ko-KR" altLang="en-US" dirty="0">
+                <a:solidFill>
+                  <a:schemeClr val="tx1"/>
+                </a:solidFill>
+              </a:rPr>
+              <a:t>독가스</a:t>
+            </a:r>
+          </a:p>
+        </p:txBody>
+      </p:sp>
+      <p:sp>
+        <p:nvSpPr>
+          <p:cNvPr id="32" name="직사각형 31"/>
+          <p:cNvSpPr/>
+          <p:nvPr/>
+        </p:nvSpPr>
+        <p:spPr>
+          <a:xfrm>
+            <a:off x="6847621" y="3728351"/>
+            <a:ext cx="1105239" cy="973515"/>
+          </a:xfrm>
+          <a:prstGeom prst="rect">
+            <a:avLst/>
+          </a:prstGeom>
+          <a:solidFill>
+            <a:schemeClr val="bg2">
+              <a:lumMod val="90000"/>
+            </a:schemeClr>
+          </a:solidFill>
+          <a:ln>
+            <a:solidFill>
+              <a:schemeClr val="bg2">
+                <a:lumMod val="50000"/>
+              </a:schemeClr>
+            </a:solidFill>
+          </a:ln>
+        </p:spPr>
+        <p:style>
+          <a:lnRef idx="2">
+            <a:schemeClr val="accent1">
+              <a:shade val="50000"/>
+            </a:schemeClr>
+          </a:lnRef>
+          <a:fillRef idx="1">
+            <a:schemeClr val="accent1"/>
+          </a:fillRef>
+          <a:effectRef idx="0">
+            <a:schemeClr val="accent1"/>
+          </a:effectRef>
+          <a:fontRef idx="minor">
+            <a:schemeClr val="lt1"/>
+          </a:fontRef>
+        </p:style>
+        <p:txBody>
+          <a:bodyPr rtlCol="0" anchor="ctr"/>
+          <a:lstStyle/>
+          <a:p>
+            <a:pPr algn="ctr"/>
+            <a:r>
+              <a:rPr lang="ko-KR" altLang="en-US">
+                <a:solidFill>
+                  <a:schemeClr val="tx1"/>
+                </a:solidFill>
+              </a:rPr>
+              <a:t>부스터</a:t>
+            </a:r>
+            <a:endParaRPr lang="ko-KR" altLang="en-US" dirty="0">
+              <a:solidFill>
+                <a:schemeClr val="tx1"/>
+              </a:solidFill>
+            </a:endParaRPr>
+          </a:p>
+        </p:txBody>
+      </p:sp>
+      <p:sp>
+        <p:nvSpPr>
+          <p:cNvPr id="33" name="직사각형 32"/>
+          <p:cNvSpPr/>
+          <p:nvPr/>
+        </p:nvSpPr>
+        <p:spPr>
+          <a:xfrm>
+            <a:off x="8147914" y="3728351"/>
+            <a:ext cx="1105239" cy="973515"/>
+          </a:xfrm>
+          <a:prstGeom prst="rect">
+            <a:avLst/>
+          </a:prstGeom>
+          <a:solidFill>
+            <a:schemeClr val="bg2">
+              <a:lumMod val="90000"/>
+            </a:schemeClr>
+          </a:solidFill>
+          <a:ln>
+            <a:solidFill>
+              <a:schemeClr val="bg2">
+                <a:lumMod val="50000"/>
+              </a:schemeClr>
+            </a:solidFill>
+          </a:ln>
+        </p:spPr>
+        <p:style>
+          <a:lnRef idx="2">
+            <a:schemeClr val="accent1">
+              <a:shade val="50000"/>
+            </a:schemeClr>
+          </a:lnRef>
+          <a:fillRef idx="1">
+            <a:schemeClr val="accent1"/>
+          </a:fillRef>
+          <a:effectRef idx="0">
+            <a:schemeClr val="accent1"/>
+          </a:effectRef>
+          <a:fontRef idx="minor">
+            <a:schemeClr val="lt1"/>
+          </a:fontRef>
+        </p:style>
+        <p:txBody>
+          <a:bodyPr rtlCol="0" anchor="ctr"/>
+          <a:lstStyle/>
+          <a:p>
+            <a:pPr algn="ctr"/>
+            <a:r>
+              <a:rPr lang="ko-KR" altLang="en-US" dirty="0">
+                <a:solidFill>
+                  <a:schemeClr val="tx1"/>
+                </a:solidFill>
+              </a:rPr>
+              <a:t>폭발</a:t>
+            </a:r>
+          </a:p>
+        </p:txBody>
+      </p:sp>
+      <p:sp>
+        <p:nvSpPr>
+          <p:cNvPr id="34" name="직사각형 33"/>
+          <p:cNvSpPr/>
+          <p:nvPr/>
+        </p:nvSpPr>
+        <p:spPr>
+          <a:xfrm>
+            <a:off x="9448207" y="612251"/>
+            <a:ext cx="1105239" cy="973515"/>
+          </a:xfrm>
+          <a:prstGeom prst="rect">
+            <a:avLst/>
+          </a:prstGeom>
+          <a:solidFill>
+            <a:schemeClr val="bg2">
+              <a:lumMod val="90000"/>
+            </a:schemeClr>
+          </a:solidFill>
+          <a:ln>
+            <a:solidFill>
+              <a:schemeClr val="bg2">
+                <a:lumMod val="50000"/>
+              </a:schemeClr>
+            </a:solidFill>
+          </a:ln>
+        </p:spPr>
+        <p:style>
+          <a:lnRef idx="2">
+            <a:schemeClr val="accent1">
+              <a:shade val="50000"/>
+            </a:schemeClr>
+          </a:lnRef>
+          <a:fillRef idx="1">
+            <a:schemeClr val="accent1"/>
+          </a:fillRef>
+          <a:effectRef idx="0">
+            <a:schemeClr val="accent1"/>
+          </a:effectRef>
+          <a:fontRef idx="minor">
+            <a:schemeClr val="lt1"/>
+          </a:fontRef>
+        </p:style>
+        <p:txBody>
+          <a:bodyPr rtlCol="0" anchor="ctr"/>
+          <a:lstStyle/>
+          <a:p>
+            <a:pPr algn="ctr"/>
+            <a:r>
+              <a:rPr lang="ko-KR" altLang="en-US" dirty="0">
+                <a:solidFill>
+                  <a:schemeClr val="tx1"/>
+                </a:solidFill>
+              </a:rPr>
+              <a:t>회피</a:t>
+            </a:r>
+          </a:p>
+        </p:txBody>
+      </p:sp>
+      <p:sp>
+        <p:nvSpPr>
+          <p:cNvPr id="35" name="직사각형 34"/>
+          <p:cNvSpPr/>
+          <p:nvPr/>
+        </p:nvSpPr>
+        <p:spPr>
+          <a:xfrm>
+            <a:off x="9448207" y="2189253"/>
+            <a:ext cx="1105239" cy="973515"/>
+          </a:xfrm>
+          <a:prstGeom prst="rect">
+            <a:avLst/>
+          </a:prstGeom>
+          <a:solidFill>
+            <a:schemeClr val="bg2">
+              <a:lumMod val="90000"/>
+            </a:schemeClr>
+          </a:solidFill>
+          <a:ln>
+            <a:solidFill>
+              <a:schemeClr val="bg2">
+                <a:lumMod val="50000"/>
+              </a:schemeClr>
+            </a:solidFill>
+          </a:ln>
+        </p:spPr>
+        <p:style>
+          <a:lnRef idx="2">
+            <a:schemeClr val="accent1">
+              <a:shade val="50000"/>
+            </a:schemeClr>
+          </a:lnRef>
+          <a:fillRef idx="1">
+            <a:schemeClr val="accent1"/>
+          </a:fillRef>
+          <a:effectRef idx="0">
+            <a:schemeClr val="accent1"/>
+          </a:effectRef>
+          <a:fontRef idx="minor">
+            <a:schemeClr val="lt1"/>
+          </a:fontRef>
+        </p:style>
+        <p:txBody>
+          <a:bodyPr rtlCol="0" anchor="ctr"/>
+          <a:lstStyle/>
+          <a:p>
+            <a:pPr algn="ctr"/>
+            <a:r>
+              <a:rPr lang="ko-KR" altLang="en-US" dirty="0">
+                <a:solidFill>
+                  <a:schemeClr val="tx1"/>
+                </a:solidFill>
+              </a:rPr>
+              <a:t>회피</a:t>
+            </a:r>
+          </a:p>
+        </p:txBody>
+      </p:sp>
+      <p:sp>
+        <p:nvSpPr>
+          <p:cNvPr id="36" name="직사각형 35"/>
+          <p:cNvSpPr/>
+          <p:nvPr/>
+        </p:nvSpPr>
+        <p:spPr>
+          <a:xfrm>
+            <a:off x="9448207" y="5266234"/>
+            <a:ext cx="1105239" cy="973515"/>
+          </a:xfrm>
+          <a:prstGeom prst="rect">
+            <a:avLst/>
+          </a:prstGeom>
+          <a:solidFill>
+            <a:schemeClr val="bg2">
+              <a:lumMod val="90000"/>
+            </a:schemeClr>
+          </a:solidFill>
+          <a:ln>
+            <a:solidFill>
+              <a:schemeClr val="bg2">
+                <a:lumMod val="50000"/>
+              </a:schemeClr>
+            </a:solidFill>
+          </a:ln>
+        </p:spPr>
+        <p:style>
+          <a:lnRef idx="2">
+            <a:schemeClr val="accent1">
+              <a:shade val="50000"/>
+            </a:schemeClr>
+          </a:lnRef>
+          <a:fillRef idx="1">
+            <a:schemeClr val="accent1"/>
+          </a:fillRef>
+          <a:effectRef idx="0">
+            <a:schemeClr val="accent1"/>
+          </a:effectRef>
+          <a:fontRef idx="minor">
+            <a:schemeClr val="lt1"/>
+          </a:fontRef>
+        </p:style>
+        <p:txBody>
+          <a:bodyPr rtlCol="0" anchor="ctr"/>
+          <a:lstStyle/>
+          <a:p>
+            <a:pPr algn="ctr"/>
+            <a:r>
+              <a:rPr lang="ko-KR" altLang="en-US">
+                <a:solidFill>
+                  <a:schemeClr val="tx1"/>
+                </a:solidFill>
+              </a:rPr>
+              <a:t>회피</a:t>
+            </a:r>
+          </a:p>
+        </p:txBody>
+      </p:sp>
+      <p:sp>
+        <p:nvSpPr>
+          <p:cNvPr id="37" name="직사각형 36"/>
+          <p:cNvSpPr/>
+          <p:nvPr/>
+        </p:nvSpPr>
+        <p:spPr>
+          <a:xfrm>
+            <a:off x="9448207" y="3728351"/>
+            <a:ext cx="1105239" cy="973515"/>
+          </a:xfrm>
+          <a:prstGeom prst="rect">
+            <a:avLst/>
+          </a:prstGeom>
+          <a:solidFill>
+            <a:schemeClr val="bg2">
+              <a:lumMod val="90000"/>
+            </a:schemeClr>
+          </a:solidFill>
+          <a:ln>
+            <a:solidFill>
+              <a:schemeClr val="bg2">
+                <a:lumMod val="50000"/>
+              </a:schemeClr>
+            </a:solidFill>
+          </a:ln>
+        </p:spPr>
+        <p:style>
+          <a:lnRef idx="2">
+            <a:schemeClr val="accent1">
+              <a:shade val="50000"/>
+            </a:schemeClr>
+          </a:lnRef>
+          <a:fillRef idx="1">
+            <a:schemeClr val="accent1"/>
+          </a:fillRef>
+          <a:effectRef idx="0">
+            <a:schemeClr val="accent1"/>
+          </a:effectRef>
+          <a:fontRef idx="minor">
+            <a:schemeClr val="lt1"/>
+          </a:fontRef>
+        </p:style>
+        <p:txBody>
+          <a:bodyPr rtlCol="0" anchor="ctr"/>
+          <a:lstStyle/>
+          <a:p>
+            <a:pPr algn="ctr"/>
+            <a:r>
+              <a:rPr lang="ko-KR" altLang="en-US" dirty="0">
+                <a:solidFill>
+                  <a:schemeClr val="tx1"/>
+                </a:solidFill>
+              </a:rPr>
+              <a:t>반격</a:t>
+            </a:r>
+          </a:p>
+        </p:txBody>
+      </p:sp>
+      <p:sp>
+        <p:nvSpPr>
+          <p:cNvPr id="38" name="TextBox 37"/>
+          <p:cNvSpPr txBox="1"/>
+          <p:nvPr/>
+        </p:nvSpPr>
+        <p:spPr>
+          <a:xfrm>
+            <a:off x="190743" y="182246"/>
+            <a:ext cx="2557110" cy="461665"/>
+          </a:xfrm>
+          <a:prstGeom prst="rect">
+            <a:avLst/>
+          </a:prstGeom>
+          <a:noFill/>
+        </p:spPr>
+        <p:txBody>
+          <a:bodyPr wrap="none" rtlCol="0">
+            <a:spAutoFit/>
+          </a:bodyPr>
+          <a:lstStyle/>
+          <a:p>
+            <a:r>
+              <a:rPr lang="ko-KR" altLang="en-US" sz="2400" b="1" dirty="0"/>
+              <a:t>캐릭터 별 능력치</a:t>
+            </a:r>
+          </a:p>
+        </p:txBody>
+      </p:sp>
+    </p:spTree>
+    <p:extLst>
+      <p:ext uri="{BB962C8B-B14F-4D97-AF65-F5344CB8AC3E}">
+        <p14:creationId xmlns:p14="http://schemas.microsoft.com/office/powerpoint/2010/main" val="3568941074"/>
+      </p:ext>
+    </p:extLst>
+  </p:cSld>
+  <p:clrMapOvr>
+    <a:masterClrMapping/>
+  </p:clrMapOvr>
+</p:sld>
+</file>
+
+<file path=ppt/slides/slide19.xml><?xml version="1.0" encoding="utf-8"?>
+<p:sld xmlns:a="http://schemas.openxmlformats.org/drawingml/2006/main" xmlns:r="http://schemas.openxmlformats.org/officeDocument/2006/relationships" xmlns:p="http://schemas.openxmlformats.org/presentationml/2006/main">
+  <p:cSld>
+    <p:spTree>
+      <p:nvGrpSpPr>
+        <p:cNvPr id="1" name=""/>
+        <p:cNvGrpSpPr/>
+        <p:nvPr/>
+      </p:nvGrpSpPr>
+      <p:grpSpPr>
+        <a:xfrm>
+          <a:off x="0" y="0"/>
+          <a:ext cx="0" cy="0"/>
+          <a:chOff x="0" y="0"/>
+          <a:chExt cx="0" cy="0"/>
+        </a:xfrm>
+      </p:grpSpPr>
       <p:sp>
         <p:nvSpPr>
           <p:cNvPr id="6" name="직사각형 5"/>
@@ -8364,7 +9458,1039 @@
 </p:sld>
 </file>
 
-<file path=ppt/slides/slide16.xml><?xml version="1.0" encoding="utf-8"?>
+<file path=ppt/slides/slide2.xml><?xml version="1.0" encoding="utf-8"?>
+<p:sld xmlns:a="http://schemas.openxmlformats.org/drawingml/2006/main" xmlns:r="http://schemas.openxmlformats.org/officeDocument/2006/relationships" xmlns:p="http://schemas.openxmlformats.org/presentationml/2006/main">
+  <p:cSld>
+    <p:spTree>
+      <p:nvGrpSpPr>
+        <p:cNvPr id="1" name=""/>
+        <p:cNvGrpSpPr/>
+        <p:nvPr/>
+      </p:nvGrpSpPr>
+      <p:grpSpPr>
+        <a:xfrm>
+          <a:off x="0" y="0"/>
+          <a:ext cx="0" cy="0"/>
+          <a:chOff x="0" y="0"/>
+          <a:chExt cx="0" cy="0"/>
+        </a:xfrm>
+      </p:grpSpPr>
+      <p:sp>
+        <p:nvSpPr>
+          <p:cNvPr id="3" name="직사각형 2"/>
+          <p:cNvSpPr/>
+          <p:nvPr/>
+        </p:nvSpPr>
+        <p:spPr>
+          <a:xfrm>
+            <a:off x="1147959" y="2233024"/>
+            <a:ext cx="2491530" cy="1669409"/>
+          </a:xfrm>
+          <a:prstGeom prst="rect">
+            <a:avLst/>
+          </a:prstGeom>
+          <a:solidFill>
+            <a:schemeClr val="bg2">
+              <a:lumMod val="90000"/>
+            </a:schemeClr>
+          </a:solidFill>
+          <a:ln>
+            <a:solidFill>
+              <a:schemeClr val="tx1"/>
+            </a:solidFill>
+          </a:ln>
+        </p:spPr>
+        <p:style>
+          <a:lnRef idx="2">
+            <a:schemeClr val="accent1">
+              <a:shade val="50000"/>
+            </a:schemeClr>
+          </a:lnRef>
+          <a:fillRef idx="1">
+            <a:schemeClr val="accent1"/>
+          </a:fillRef>
+          <a:effectRef idx="0">
+            <a:schemeClr val="accent1"/>
+          </a:effectRef>
+          <a:fontRef idx="minor">
+            <a:schemeClr val="lt1"/>
+          </a:fontRef>
+        </p:style>
+        <p:txBody>
+          <a:bodyPr rtlCol="0" anchor="ctr"/>
+          <a:lstStyle/>
+          <a:p>
+            <a:pPr algn="ctr"/>
+            <a:r>
+              <a:rPr lang="ko-KR" altLang="en-US" dirty="0" err="1"/>
+              <a:t>메인메뉴</a:t>
+            </a:r>
+            <a:endParaRPr lang="ko-KR" altLang="en-US" dirty="0"/>
+          </a:p>
+        </p:txBody>
+      </p:sp>
+      <p:sp>
+        <p:nvSpPr>
+          <p:cNvPr id="5" name="직사각형 4"/>
+          <p:cNvSpPr/>
+          <p:nvPr/>
+        </p:nvSpPr>
+        <p:spPr>
+          <a:xfrm>
+            <a:off x="4106860" y="2233020"/>
+            <a:ext cx="2491530" cy="1669409"/>
+          </a:xfrm>
+          <a:prstGeom prst="rect">
+            <a:avLst/>
+          </a:prstGeom>
+          <a:solidFill>
+            <a:schemeClr val="bg2">
+              <a:lumMod val="90000"/>
+            </a:schemeClr>
+          </a:solidFill>
+          <a:ln>
+            <a:solidFill>
+              <a:schemeClr val="tx1"/>
+            </a:solidFill>
+          </a:ln>
+        </p:spPr>
+        <p:style>
+          <a:lnRef idx="2">
+            <a:schemeClr val="accent1">
+              <a:shade val="50000"/>
+            </a:schemeClr>
+          </a:lnRef>
+          <a:fillRef idx="1">
+            <a:schemeClr val="accent1"/>
+          </a:fillRef>
+          <a:effectRef idx="0">
+            <a:schemeClr val="accent1"/>
+          </a:effectRef>
+          <a:fontRef idx="minor">
+            <a:schemeClr val="lt1"/>
+          </a:fontRef>
+        </p:style>
+        <p:txBody>
+          <a:bodyPr rtlCol="0" anchor="ctr"/>
+          <a:lstStyle/>
+          <a:p>
+            <a:pPr algn="ctr"/>
+            <a:r>
+              <a:rPr lang="ko-KR" altLang="en-US" dirty="0"/>
+              <a:t> </a:t>
+            </a:r>
+            <a:r>
+              <a:rPr lang="ko-KR" altLang="en-US" dirty="0" err="1"/>
+              <a:t>플레이어수</a:t>
+            </a:r>
+            <a:r>
+              <a:rPr lang="en-US" altLang="ko-KR" dirty="0"/>
+              <a:t>/</a:t>
+            </a:r>
+            <a:r>
+              <a:rPr lang="ko-KR" altLang="en-US" dirty="0"/>
+              <a:t>팀 선택</a:t>
+            </a:r>
+            <a:endParaRPr lang="en-US" altLang="ko-KR" dirty="0"/>
+          </a:p>
+          <a:p>
+            <a:pPr algn="ctr"/>
+            <a:r>
+              <a:rPr lang="ko-KR" altLang="en-US" dirty="0"/>
+              <a:t>캐릭터 선택</a:t>
+            </a:r>
+          </a:p>
+        </p:txBody>
+      </p:sp>
+      <p:sp>
+        <p:nvSpPr>
+          <p:cNvPr id="7" name="직사각형 6"/>
+          <p:cNvSpPr/>
+          <p:nvPr/>
+        </p:nvSpPr>
+        <p:spPr>
+          <a:xfrm>
+            <a:off x="7026819" y="2233021"/>
+            <a:ext cx="2491530" cy="1669409"/>
+          </a:xfrm>
+          <a:prstGeom prst="rect">
+            <a:avLst/>
+          </a:prstGeom>
+          <a:solidFill>
+            <a:schemeClr val="bg2">
+              <a:lumMod val="90000"/>
+            </a:schemeClr>
+          </a:solidFill>
+          <a:ln>
+            <a:solidFill>
+              <a:schemeClr val="tx1"/>
+            </a:solidFill>
+          </a:ln>
+        </p:spPr>
+        <p:style>
+          <a:lnRef idx="2">
+            <a:schemeClr val="accent1">
+              <a:shade val="50000"/>
+            </a:schemeClr>
+          </a:lnRef>
+          <a:fillRef idx="1">
+            <a:schemeClr val="accent1"/>
+          </a:fillRef>
+          <a:effectRef idx="0">
+            <a:schemeClr val="accent1"/>
+          </a:effectRef>
+          <a:fontRef idx="minor">
+            <a:schemeClr val="lt1"/>
+          </a:fontRef>
+        </p:style>
+        <p:txBody>
+          <a:bodyPr rtlCol="0" anchor="ctr"/>
+          <a:lstStyle/>
+          <a:p>
+            <a:pPr algn="ctr"/>
+            <a:r>
+              <a:rPr lang="ko-KR" altLang="en-US" dirty="0" err="1"/>
+              <a:t>인게임</a:t>
+            </a:r>
+            <a:endParaRPr lang="ko-KR" altLang="en-US" dirty="0"/>
+          </a:p>
+        </p:txBody>
+      </p:sp>
+      <p:sp>
+        <p:nvSpPr>
+          <p:cNvPr id="16" name="직사각형 15"/>
+          <p:cNvSpPr/>
+          <p:nvPr/>
+        </p:nvSpPr>
+        <p:spPr>
+          <a:xfrm>
+            <a:off x="1603463" y="742602"/>
+            <a:ext cx="1591239" cy="686190"/>
+          </a:xfrm>
+          <a:prstGeom prst="rect">
+            <a:avLst/>
+          </a:prstGeom>
+          <a:ln/>
+        </p:spPr>
+        <p:style>
+          <a:lnRef idx="2">
+            <a:schemeClr val="accent5">
+              <a:shade val="50000"/>
+            </a:schemeClr>
+          </a:lnRef>
+          <a:fillRef idx="1">
+            <a:schemeClr val="accent5"/>
+          </a:fillRef>
+          <a:effectRef idx="0">
+            <a:schemeClr val="accent5"/>
+          </a:effectRef>
+          <a:fontRef idx="minor">
+            <a:schemeClr val="lt1"/>
+          </a:fontRef>
+        </p:style>
+        <p:txBody>
+          <a:bodyPr rtlCol="0" anchor="ctr"/>
+          <a:lstStyle/>
+          <a:p>
+            <a:pPr algn="ctr"/>
+            <a:r>
+              <a:rPr lang="ko-KR" altLang="en-US" dirty="0"/>
+              <a:t>메뉴 옵션</a:t>
+            </a:r>
+          </a:p>
+        </p:txBody>
+      </p:sp>
+      <p:cxnSp>
+        <p:nvCxnSpPr>
+          <p:cNvPr id="33" name="연결선: 꺾임 32"/>
+          <p:cNvCxnSpPr>
+            <a:cxnSpLocks/>
+            <a:stCxn id="3" idx="0"/>
+            <a:endCxn id="16" idx="2"/>
+          </p:cNvCxnSpPr>
+          <p:nvPr/>
+        </p:nvCxnSpPr>
+        <p:spPr>
+          <a:xfrm rot="5400000" flipH="1" flipV="1">
+            <a:off x="1994287" y="1828229"/>
+            <a:ext cx="804232" cy="5359"/>
+          </a:xfrm>
+          <a:prstGeom prst="bentConnector3">
+            <a:avLst>
+              <a:gd name="adj1" fmla="val 50000"/>
+            </a:avLst>
+          </a:prstGeom>
+          <a:ln w="28575">
+            <a:tailEnd type="triangle"/>
+          </a:ln>
+        </p:spPr>
+        <p:style>
+          <a:lnRef idx="1">
+            <a:schemeClr val="accent1"/>
+          </a:lnRef>
+          <a:fillRef idx="0">
+            <a:schemeClr val="accent1"/>
+          </a:fillRef>
+          <a:effectRef idx="0">
+            <a:schemeClr val="accent1"/>
+          </a:effectRef>
+          <a:fontRef idx="minor">
+            <a:schemeClr val="tx1"/>
+          </a:fontRef>
+        </p:style>
+      </p:cxnSp>
+      <p:cxnSp>
+        <p:nvCxnSpPr>
+          <p:cNvPr id="36" name="연결선: 꺾임 35"/>
+          <p:cNvCxnSpPr>
+            <a:cxnSpLocks/>
+            <a:stCxn id="3" idx="0"/>
+            <a:endCxn id="53" idx="2"/>
+          </p:cNvCxnSpPr>
+          <p:nvPr/>
+        </p:nvCxnSpPr>
+        <p:spPr>
+          <a:xfrm rot="5400000" flipH="1" flipV="1">
+            <a:off x="3037634" y="784882"/>
+            <a:ext cx="804232" cy="2092053"/>
+          </a:xfrm>
+          <a:prstGeom prst="bentConnector3">
+            <a:avLst>
+              <a:gd name="adj1" fmla="val 50000"/>
+            </a:avLst>
+          </a:prstGeom>
+          <a:ln w="28575">
+            <a:tailEnd type="triangle"/>
+          </a:ln>
+        </p:spPr>
+        <p:style>
+          <a:lnRef idx="1">
+            <a:schemeClr val="accent1"/>
+          </a:lnRef>
+          <a:fillRef idx="0">
+            <a:schemeClr val="accent1"/>
+          </a:fillRef>
+          <a:effectRef idx="0">
+            <a:schemeClr val="accent1"/>
+          </a:effectRef>
+          <a:fontRef idx="minor">
+            <a:schemeClr val="tx1"/>
+          </a:fontRef>
+        </p:style>
+      </p:cxnSp>
+      <p:cxnSp>
+        <p:nvCxnSpPr>
+          <p:cNvPr id="40" name="직선 화살표 연결선 39"/>
+          <p:cNvCxnSpPr>
+            <a:cxnSpLocks/>
+            <a:stCxn id="3" idx="3"/>
+            <a:endCxn id="5" idx="1"/>
+          </p:cNvCxnSpPr>
+          <p:nvPr/>
+        </p:nvCxnSpPr>
+        <p:spPr>
+          <a:xfrm flipV="1">
+            <a:off x="3639489" y="3067725"/>
+            <a:ext cx="467371" cy="4"/>
+          </a:xfrm>
+          <a:prstGeom prst="straightConnector1">
+            <a:avLst/>
+          </a:prstGeom>
+          <a:ln w="28575">
+            <a:tailEnd type="triangle"/>
+          </a:ln>
+        </p:spPr>
+        <p:style>
+          <a:lnRef idx="1">
+            <a:schemeClr val="accent1"/>
+          </a:lnRef>
+          <a:fillRef idx="0">
+            <a:schemeClr val="accent1"/>
+          </a:fillRef>
+          <a:effectRef idx="0">
+            <a:schemeClr val="accent1"/>
+          </a:effectRef>
+          <a:fontRef idx="minor">
+            <a:schemeClr val="tx1"/>
+          </a:fontRef>
+        </p:style>
+      </p:cxnSp>
+      <p:cxnSp>
+        <p:nvCxnSpPr>
+          <p:cNvPr id="41" name="직선 화살표 연결선 40"/>
+          <p:cNvCxnSpPr>
+            <a:cxnSpLocks/>
+            <a:stCxn id="5" idx="3"/>
+            <a:endCxn id="7" idx="1"/>
+          </p:cNvCxnSpPr>
+          <p:nvPr/>
+        </p:nvCxnSpPr>
+        <p:spPr>
+          <a:xfrm>
+            <a:off x="6598390" y="3067725"/>
+            <a:ext cx="428429" cy="1"/>
+          </a:xfrm>
+          <a:prstGeom prst="straightConnector1">
+            <a:avLst/>
+          </a:prstGeom>
+          <a:ln w="28575">
+            <a:tailEnd type="triangle"/>
+          </a:ln>
+        </p:spPr>
+        <p:style>
+          <a:lnRef idx="1">
+            <a:schemeClr val="accent1"/>
+          </a:lnRef>
+          <a:fillRef idx="0">
+            <a:schemeClr val="accent1"/>
+          </a:fillRef>
+          <a:effectRef idx="0">
+            <a:schemeClr val="accent1"/>
+          </a:effectRef>
+          <a:fontRef idx="minor">
+            <a:schemeClr val="tx1"/>
+          </a:fontRef>
+        </p:style>
+      </p:cxnSp>
+      <p:cxnSp>
+        <p:nvCxnSpPr>
+          <p:cNvPr id="43" name="직선 화살표 연결선 42"/>
+          <p:cNvCxnSpPr>
+            <a:cxnSpLocks/>
+            <a:stCxn id="7" idx="3"/>
+            <a:endCxn id="24" idx="1"/>
+          </p:cNvCxnSpPr>
+          <p:nvPr/>
+        </p:nvCxnSpPr>
+        <p:spPr>
+          <a:xfrm>
+            <a:off x="9518349" y="3067726"/>
+            <a:ext cx="356829" cy="2"/>
+          </a:xfrm>
+          <a:prstGeom prst="straightConnector1">
+            <a:avLst/>
+          </a:prstGeom>
+          <a:ln w="28575">
+            <a:tailEnd type="triangle"/>
+          </a:ln>
+        </p:spPr>
+        <p:style>
+          <a:lnRef idx="1">
+            <a:schemeClr val="accent1"/>
+          </a:lnRef>
+          <a:fillRef idx="0">
+            <a:schemeClr val="accent1"/>
+          </a:fillRef>
+          <a:effectRef idx="0">
+            <a:schemeClr val="accent1"/>
+          </a:effectRef>
+          <a:fontRef idx="minor">
+            <a:schemeClr val="tx1"/>
+          </a:fontRef>
+        </p:style>
+      </p:cxnSp>
+      <p:sp>
+        <p:nvSpPr>
+          <p:cNvPr id="46" name="TextBox 45"/>
+          <p:cNvSpPr txBox="1"/>
+          <p:nvPr/>
+        </p:nvSpPr>
+        <p:spPr>
+          <a:xfrm>
+            <a:off x="190743" y="182246"/>
+            <a:ext cx="1107996" cy="461665"/>
+          </a:xfrm>
+          <a:prstGeom prst="rect">
+            <a:avLst/>
+          </a:prstGeom>
+          <a:noFill/>
+        </p:spPr>
+        <p:txBody>
+          <a:bodyPr wrap="none" rtlCol="0">
+            <a:spAutoFit/>
+          </a:bodyPr>
+          <a:lstStyle/>
+          <a:p>
+            <a:r>
+              <a:rPr lang="ko-KR" altLang="en-US" sz="2400" b="1" dirty="0" err="1"/>
+              <a:t>씬구성</a:t>
+            </a:r>
+            <a:endParaRPr lang="ko-KR" altLang="en-US" sz="2400" b="1" dirty="0"/>
+          </a:p>
+        </p:txBody>
+      </p:sp>
+      <p:sp>
+        <p:nvSpPr>
+          <p:cNvPr id="50" name="직사각형 49"/>
+          <p:cNvSpPr/>
+          <p:nvPr/>
+        </p:nvSpPr>
+        <p:spPr>
+          <a:xfrm>
+            <a:off x="7455250" y="756219"/>
+            <a:ext cx="1634667" cy="693045"/>
+          </a:xfrm>
+          <a:prstGeom prst="rect">
+            <a:avLst/>
+          </a:prstGeom>
+          <a:ln/>
+        </p:spPr>
+        <p:style>
+          <a:lnRef idx="2">
+            <a:schemeClr val="accent5">
+              <a:shade val="50000"/>
+            </a:schemeClr>
+          </a:lnRef>
+          <a:fillRef idx="1">
+            <a:schemeClr val="accent5"/>
+          </a:fillRef>
+          <a:effectRef idx="0">
+            <a:schemeClr val="accent5"/>
+          </a:effectRef>
+          <a:fontRef idx="minor">
+            <a:schemeClr val="lt1"/>
+          </a:fontRef>
+        </p:style>
+        <p:txBody>
+          <a:bodyPr rtlCol="0" anchor="ctr"/>
+          <a:lstStyle/>
+          <a:p>
+            <a:pPr algn="ctr"/>
+            <a:r>
+              <a:rPr lang="ko-KR" altLang="en-US" dirty="0" err="1"/>
+              <a:t>인게임</a:t>
+            </a:r>
+            <a:r>
+              <a:rPr lang="ko-KR" altLang="en-US" dirty="0"/>
+              <a:t> 옵션</a:t>
+            </a:r>
+          </a:p>
+        </p:txBody>
+      </p:sp>
+      <p:cxnSp>
+        <p:nvCxnSpPr>
+          <p:cNvPr id="51" name="연결선: 꺾임 50"/>
+          <p:cNvCxnSpPr>
+            <a:cxnSpLocks/>
+          </p:cNvCxnSpPr>
+          <p:nvPr/>
+        </p:nvCxnSpPr>
+        <p:spPr>
+          <a:xfrm rot="16200000" flipV="1">
+            <a:off x="15543581" y="1456177"/>
+            <a:ext cx="660974" cy="1388378"/>
+          </a:xfrm>
+          <a:prstGeom prst="bentConnector2">
+            <a:avLst/>
+          </a:prstGeom>
+          <a:ln w="28575">
+            <a:tailEnd type="triangle"/>
+          </a:ln>
+        </p:spPr>
+        <p:style>
+          <a:lnRef idx="1">
+            <a:schemeClr val="accent1"/>
+          </a:lnRef>
+          <a:fillRef idx="0">
+            <a:schemeClr val="accent1"/>
+          </a:fillRef>
+          <a:effectRef idx="0">
+            <a:schemeClr val="accent1"/>
+          </a:effectRef>
+          <a:fontRef idx="minor">
+            <a:schemeClr val="tx1"/>
+          </a:fontRef>
+        </p:style>
+      </p:cxnSp>
+      <p:sp>
+        <p:nvSpPr>
+          <p:cNvPr id="56" name="직사각형 55"/>
+          <p:cNvSpPr/>
+          <p:nvPr/>
+        </p:nvSpPr>
+        <p:spPr>
+          <a:xfrm>
+            <a:off x="1147958" y="4633514"/>
+            <a:ext cx="2491530" cy="1669409"/>
+          </a:xfrm>
+          <a:prstGeom prst="rect">
+            <a:avLst/>
+          </a:prstGeom>
+          <a:solidFill>
+            <a:schemeClr val="bg2">
+              <a:lumMod val="90000"/>
+            </a:schemeClr>
+          </a:solidFill>
+          <a:ln>
+            <a:solidFill>
+              <a:schemeClr val="tx1"/>
+            </a:solidFill>
+          </a:ln>
+        </p:spPr>
+        <p:style>
+          <a:lnRef idx="2">
+            <a:schemeClr val="accent1">
+              <a:shade val="50000"/>
+            </a:schemeClr>
+          </a:lnRef>
+          <a:fillRef idx="1">
+            <a:schemeClr val="accent1"/>
+          </a:fillRef>
+          <a:effectRef idx="0">
+            <a:schemeClr val="accent1"/>
+          </a:effectRef>
+          <a:fontRef idx="minor">
+            <a:schemeClr val="lt1"/>
+          </a:fontRef>
+        </p:style>
+        <p:txBody>
+          <a:bodyPr rtlCol="0" anchor="ctr"/>
+          <a:lstStyle/>
+          <a:p>
+            <a:pPr algn="ctr"/>
+            <a:r>
+              <a:rPr lang="ko-KR" altLang="en-US" dirty="0" err="1"/>
+              <a:t>크레딧</a:t>
+            </a:r>
+            <a:endParaRPr lang="ko-KR" altLang="en-US" dirty="0"/>
+          </a:p>
+        </p:txBody>
+      </p:sp>
+      <p:cxnSp>
+        <p:nvCxnSpPr>
+          <p:cNvPr id="57" name="연결선: 꺾임 56"/>
+          <p:cNvCxnSpPr>
+            <a:cxnSpLocks/>
+            <a:stCxn id="3" idx="1"/>
+            <a:endCxn id="56" idx="1"/>
+          </p:cNvCxnSpPr>
+          <p:nvPr/>
+        </p:nvCxnSpPr>
+        <p:spPr>
+          <a:xfrm rot="10800000" flipV="1">
+            <a:off x="1147959" y="3067729"/>
+            <a:ext cx="1" cy="2400490"/>
+          </a:xfrm>
+          <a:prstGeom prst="bentConnector3">
+            <a:avLst>
+              <a:gd name="adj1" fmla="val 22860100000"/>
+            </a:avLst>
+          </a:prstGeom>
+          <a:ln w="28575">
+            <a:tailEnd type="triangle"/>
+          </a:ln>
+        </p:spPr>
+        <p:style>
+          <a:lnRef idx="1">
+            <a:schemeClr val="accent1"/>
+          </a:lnRef>
+          <a:fillRef idx="0">
+            <a:schemeClr val="accent1"/>
+          </a:fillRef>
+          <a:effectRef idx="0">
+            <a:schemeClr val="accent1"/>
+          </a:effectRef>
+          <a:fontRef idx="minor">
+            <a:schemeClr val="tx1"/>
+          </a:fontRef>
+        </p:style>
+      </p:cxnSp>
+      <p:sp>
+        <p:nvSpPr>
+          <p:cNvPr id="24" name="직사각형 23"/>
+          <p:cNvSpPr/>
+          <p:nvPr/>
+        </p:nvSpPr>
+        <p:spPr>
+          <a:xfrm>
+            <a:off x="9875178" y="2721205"/>
+            <a:ext cx="1634667" cy="693045"/>
+          </a:xfrm>
+          <a:prstGeom prst="rect">
+            <a:avLst/>
+          </a:prstGeom>
+          <a:ln/>
+        </p:spPr>
+        <p:style>
+          <a:lnRef idx="2">
+            <a:schemeClr val="accent5">
+              <a:shade val="50000"/>
+            </a:schemeClr>
+          </a:lnRef>
+          <a:fillRef idx="1">
+            <a:schemeClr val="accent5"/>
+          </a:fillRef>
+          <a:effectRef idx="0">
+            <a:schemeClr val="accent5"/>
+          </a:effectRef>
+          <a:fontRef idx="minor">
+            <a:schemeClr val="lt1"/>
+          </a:fontRef>
+        </p:style>
+        <p:txBody>
+          <a:bodyPr rtlCol="0" anchor="ctr"/>
+          <a:lstStyle/>
+          <a:p>
+            <a:pPr algn="ctr"/>
+            <a:r>
+              <a:rPr lang="ko-KR" altLang="en-US" dirty="0"/>
+              <a:t>게임결과</a:t>
+            </a:r>
+          </a:p>
+        </p:txBody>
+      </p:sp>
+      <p:sp>
+        <p:nvSpPr>
+          <p:cNvPr id="52" name="직사각형 51"/>
+          <p:cNvSpPr/>
+          <p:nvPr/>
+        </p:nvSpPr>
+        <p:spPr>
+          <a:xfrm>
+            <a:off x="9603630" y="761384"/>
+            <a:ext cx="1634667" cy="693045"/>
+          </a:xfrm>
+          <a:prstGeom prst="rect">
+            <a:avLst/>
+          </a:prstGeom>
+          <a:ln/>
+        </p:spPr>
+        <p:style>
+          <a:lnRef idx="2">
+            <a:schemeClr val="accent5">
+              <a:shade val="50000"/>
+            </a:schemeClr>
+          </a:lnRef>
+          <a:fillRef idx="1">
+            <a:schemeClr val="accent5"/>
+          </a:fillRef>
+          <a:effectRef idx="0">
+            <a:schemeClr val="accent5"/>
+          </a:effectRef>
+          <a:fontRef idx="minor">
+            <a:schemeClr val="lt1"/>
+          </a:fontRef>
+        </p:style>
+        <p:txBody>
+          <a:bodyPr rtlCol="0" anchor="ctr"/>
+          <a:lstStyle/>
+          <a:p>
+            <a:pPr algn="ctr"/>
+            <a:r>
+              <a:rPr lang="ko-KR" altLang="en-US"/>
+              <a:t>가이드</a:t>
+            </a:r>
+            <a:endParaRPr lang="ko-KR" altLang="en-US" dirty="0"/>
+          </a:p>
+        </p:txBody>
+      </p:sp>
+      <p:sp>
+        <p:nvSpPr>
+          <p:cNvPr id="53" name="직사각형 52"/>
+          <p:cNvSpPr/>
+          <p:nvPr/>
+        </p:nvSpPr>
+        <p:spPr>
+          <a:xfrm>
+            <a:off x="3668443" y="735747"/>
+            <a:ext cx="1634667" cy="693045"/>
+          </a:xfrm>
+          <a:prstGeom prst="rect">
+            <a:avLst/>
+          </a:prstGeom>
+          <a:ln/>
+        </p:spPr>
+        <p:style>
+          <a:lnRef idx="2">
+            <a:schemeClr val="accent5">
+              <a:shade val="50000"/>
+            </a:schemeClr>
+          </a:lnRef>
+          <a:fillRef idx="1">
+            <a:schemeClr val="accent5"/>
+          </a:fillRef>
+          <a:effectRef idx="0">
+            <a:schemeClr val="accent5"/>
+          </a:effectRef>
+          <a:fontRef idx="minor">
+            <a:schemeClr val="lt1"/>
+          </a:fontRef>
+        </p:style>
+        <p:txBody>
+          <a:bodyPr rtlCol="0" anchor="ctr"/>
+          <a:lstStyle/>
+          <a:p>
+            <a:pPr algn="ctr"/>
+            <a:r>
+              <a:rPr lang="ko-KR" altLang="en-US" dirty="0"/>
+              <a:t>가이드</a:t>
+            </a:r>
+          </a:p>
+        </p:txBody>
+      </p:sp>
+      <p:cxnSp>
+        <p:nvCxnSpPr>
+          <p:cNvPr id="58" name="직선 화살표 연결선 57"/>
+          <p:cNvCxnSpPr>
+            <a:cxnSpLocks/>
+            <a:stCxn id="50" idx="3"/>
+            <a:endCxn id="52" idx="1"/>
+          </p:cNvCxnSpPr>
+          <p:nvPr/>
+        </p:nvCxnSpPr>
+        <p:spPr>
+          <a:xfrm>
+            <a:off x="9089917" y="1102742"/>
+            <a:ext cx="513713" cy="5165"/>
+          </a:xfrm>
+          <a:prstGeom prst="straightConnector1">
+            <a:avLst/>
+          </a:prstGeom>
+          <a:ln w="28575">
+            <a:tailEnd type="triangle"/>
+          </a:ln>
+        </p:spPr>
+        <p:style>
+          <a:lnRef idx="1">
+            <a:schemeClr val="accent1"/>
+          </a:lnRef>
+          <a:fillRef idx="0">
+            <a:schemeClr val="accent1"/>
+          </a:fillRef>
+          <a:effectRef idx="0">
+            <a:schemeClr val="accent1"/>
+          </a:effectRef>
+          <a:fontRef idx="minor">
+            <a:schemeClr val="tx1"/>
+          </a:fontRef>
+        </p:style>
+      </p:cxnSp>
+      <p:cxnSp>
+        <p:nvCxnSpPr>
+          <p:cNvPr id="62" name="연결선: 꺾임 61"/>
+          <p:cNvCxnSpPr>
+            <a:cxnSpLocks/>
+            <a:stCxn id="24" idx="2"/>
+            <a:endCxn id="3" idx="2"/>
+          </p:cNvCxnSpPr>
+          <p:nvPr/>
+        </p:nvCxnSpPr>
+        <p:spPr>
+          <a:xfrm rot="5400000">
+            <a:off x="6299027" y="-491053"/>
+            <a:ext cx="488183" cy="8298788"/>
+          </a:xfrm>
+          <a:prstGeom prst="bentConnector3">
+            <a:avLst>
+              <a:gd name="adj1" fmla="val 176586"/>
+            </a:avLst>
+          </a:prstGeom>
+          <a:ln w="28575">
+            <a:tailEnd type="triangle"/>
+          </a:ln>
+        </p:spPr>
+        <p:style>
+          <a:lnRef idx="1">
+            <a:schemeClr val="accent1"/>
+          </a:lnRef>
+          <a:fillRef idx="0">
+            <a:schemeClr val="accent1"/>
+          </a:fillRef>
+          <a:effectRef idx="0">
+            <a:schemeClr val="accent1"/>
+          </a:effectRef>
+          <a:fontRef idx="minor">
+            <a:schemeClr val="tx1"/>
+          </a:fontRef>
+        </p:style>
+      </p:cxnSp>
+      <p:cxnSp>
+        <p:nvCxnSpPr>
+          <p:cNvPr id="65" name="직선 화살표 연결선 64"/>
+          <p:cNvCxnSpPr>
+            <a:cxnSpLocks/>
+            <a:stCxn id="7" idx="0"/>
+            <a:endCxn id="50" idx="2"/>
+          </p:cNvCxnSpPr>
+          <p:nvPr/>
+        </p:nvCxnSpPr>
+        <p:spPr>
+          <a:xfrm flipV="1">
+            <a:off x="8272584" y="1449264"/>
+            <a:ext cx="0" cy="783757"/>
+          </a:xfrm>
+          <a:prstGeom prst="straightConnector1">
+            <a:avLst/>
+          </a:prstGeom>
+          <a:ln w="28575">
+            <a:tailEnd type="triangle"/>
+          </a:ln>
+        </p:spPr>
+        <p:style>
+          <a:lnRef idx="1">
+            <a:schemeClr val="accent1"/>
+          </a:lnRef>
+          <a:fillRef idx="0">
+            <a:schemeClr val="accent1"/>
+          </a:fillRef>
+          <a:effectRef idx="0">
+            <a:schemeClr val="accent1"/>
+          </a:effectRef>
+          <a:fontRef idx="minor">
+            <a:schemeClr val="tx1"/>
+          </a:fontRef>
+        </p:style>
+      </p:cxnSp>
+      <p:cxnSp>
+        <p:nvCxnSpPr>
+          <p:cNvPr id="81" name="연결선: 꺾임 80"/>
+          <p:cNvCxnSpPr>
+            <a:cxnSpLocks/>
+            <a:stCxn id="24" idx="2"/>
+            <a:endCxn id="5" idx="2"/>
+          </p:cNvCxnSpPr>
+          <p:nvPr/>
+        </p:nvCxnSpPr>
+        <p:spPr>
+          <a:xfrm rot="5400000">
+            <a:off x="7778480" y="988396"/>
+            <a:ext cx="488179" cy="5339887"/>
+          </a:xfrm>
+          <a:prstGeom prst="bentConnector3">
+            <a:avLst>
+              <a:gd name="adj1" fmla="val 173085"/>
+            </a:avLst>
+          </a:prstGeom>
+          <a:ln w="28575">
+            <a:tailEnd type="triangle"/>
+          </a:ln>
+        </p:spPr>
+        <p:style>
+          <a:lnRef idx="1">
+            <a:schemeClr val="accent1"/>
+          </a:lnRef>
+          <a:fillRef idx="0">
+            <a:schemeClr val="accent1"/>
+          </a:fillRef>
+          <a:effectRef idx="0">
+            <a:schemeClr val="accent1"/>
+          </a:effectRef>
+          <a:fontRef idx="minor">
+            <a:schemeClr val="tx1"/>
+          </a:fontRef>
+        </p:style>
+      </p:cxnSp>
+      <p:sp>
+        <p:nvSpPr>
+          <p:cNvPr id="88" name="직사각형 87"/>
+          <p:cNvSpPr/>
+          <p:nvPr/>
+        </p:nvSpPr>
+        <p:spPr>
+          <a:xfrm>
+            <a:off x="9875178" y="5468217"/>
+            <a:ext cx="1542004" cy="693045"/>
+          </a:xfrm>
+          <a:prstGeom prst="rect">
+            <a:avLst/>
+          </a:prstGeom>
+          <a:ln/>
+        </p:spPr>
+        <p:style>
+          <a:lnRef idx="2">
+            <a:schemeClr val="accent5">
+              <a:shade val="50000"/>
+            </a:schemeClr>
+          </a:lnRef>
+          <a:fillRef idx="1">
+            <a:schemeClr val="accent5"/>
+          </a:fillRef>
+          <a:effectRef idx="0">
+            <a:schemeClr val="accent5"/>
+          </a:effectRef>
+          <a:fontRef idx="minor">
+            <a:schemeClr val="lt1"/>
+          </a:fontRef>
+        </p:style>
+        <p:txBody>
+          <a:bodyPr rtlCol="0" anchor="ctr"/>
+          <a:lstStyle/>
+          <a:p>
+            <a:pPr algn="ctr"/>
+            <a:r>
+              <a:rPr lang="ko-KR" altLang="en-US" dirty="0"/>
+              <a:t>패널</a:t>
+            </a:r>
+          </a:p>
+        </p:txBody>
+      </p:sp>
+      <p:sp>
+        <p:nvSpPr>
+          <p:cNvPr id="90" name="직사각형 89"/>
+          <p:cNvSpPr/>
+          <p:nvPr/>
+        </p:nvSpPr>
+        <p:spPr>
+          <a:xfrm>
+            <a:off x="8101412" y="5468218"/>
+            <a:ext cx="1502218" cy="693045"/>
+          </a:xfrm>
+          <a:prstGeom prst="rect">
+            <a:avLst/>
+          </a:prstGeom>
+          <a:solidFill>
+            <a:schemeClr val="bg2">
+              <a:lumMod val="90000"/>
+            </a:schemeClr>
+          </a:solidFill>
+          <a:ln>
+            <a:solidFill>
+              <a:schemeClr val="tx1"/>
+            </a:solidFill>
+          </a:ln>
+        </p:spPr>
+        <p:style>
+          <a:lnRef idx="2">
+            <a:schemeClr val="accent1">
+              <a:shade val="50000"/>
+            </a:schemeClr>
+          </a:lnRef>
+          <a:fillRef idx="1">
+            <a:schemeClr val="accent1"/>
+          </a:fillRef>
+          <a:effectRef idx="0">
+            <a:schemeClr val="accent1"/>
+          </a:effectRef>
+          <a:fontRef idx="minor">
+            <a:schemeClr val="lt1"/>
+          </a:fontRef>
+        </p:style>
+        <p:txBody>
+          <a:bodyPr rtlCol="0" anchor="ctr"/>
+          <a:lstStyle/>
+          <a:p>
+            <a:pPr algn="ctr"/>
+            <a:r>
+              <a:rPr lang="ko-KR" altLang="en-US" dirty="0"/>
+              <a:t>씬</a:t>
+            </a:r>
+          </a:p>
+        </p:txBody>
+      </p:sp>
+    </p:spTree>
+    <p:extLst>
+      <p:ext uri="{BB962C8B-B14F-4D97-AF65-F5344CB8AC3E}">
+        <p14:creationId xmlns:p14="http://schemas.microsoft.com/office/powerpoint/2010/main" val="1837547583"/>
+      </p:ext>
+    </p:extLst>
+  </p:cSld>
+  <p:clrMapOvr>
+    <a:masterClrMapping/>
+  </p:clrMapOvr>
+</p:sld>
+</file>
+
+<file path=ppt/slides/slide20.xml><?xml version="1.0" encoding="utf-8"?>
 <p:sld xmlns:a="http://schemas.openxmlformats.org/drawingml/2006/main" xmlns:r="http://schemas.openxmlformats.org/officeDocument/2006/relationships" xmlns:p="http://schemas.openxmlformats.org/presentationml/2006/main">
   <p:cSld>
     <p:spTree>
@@ -9225,7 +11351,7 @@
 </p:sld>
 </file>
 
-<file path=ppt/slides/slide17.xml><?xml version="1.0" encoding="utf-8"?>
+<file path=ppt/slides/slide21.xml><?xml version="1.0" encoding="utf-8"?>
 <p:sld xmlns:a="http://schemas.openxmlformats.org/drawingml/2006/main" xmlns:r="http://schemas.openxmlformats.org/officeDocument/2006/relationships" xmlns:p="http://schemas.openxmlformats.org/presentationml/2006/main">
   <p:cSld>
     <p:spTree>
@@ -9882,7 +12008,7 @@
 </p:sld>
 </file>
 
-<file path=ppt/slides/slide18.xml><?xml version="1.0" encoding="utf-8"?>
+<file path=ppt/slides/slide22.xml><?xml version="1.0" encoding="utf-8"?>
 <p:sld xmlns:a="http://schemas.openxmlformats.org/drawingml/2006/main" xmlns:r="http://schemas.openxmlformats.org/officeDocument/2006/relationships" xmlns:p="http://schemas.openxmlformats.org/presentationml/2006/main">
   <p:cSld>
     <p:spTree>
@@ -9946,7 +12072,7 @@
 </p:sld>
 </file>
 
-<file path=ppt/slides/slide19.xml><?xml version="1.0" encoding="utf-8"?>
+<file path=ppt/slides/slide23.xml><?xml version="1.0" encoding="utf-8"?>
 <p:sld xmlns:a="http://schemas.openxmlformats.org/drawingml/2006/main" xmlns:r="http://schemas.openxmlformats.org/officeDocument/2006/relationships" xmlns:p="http://schemas.openxmlformats.org/presentationml/2006/main">
   <p:cSld>
     <p:bg>
@@ -10849,140 +12975,7 @@
 </p:sld>
 </file>
 
-<file path=ppt/slides/slide2.xml><?xml version="1.0" encoding="utf-8"?>
-<p:sld xmlns:a="http://schemas.openxmlformats.org/drawingml/2006/main" xmlns:r="http://schemas.openxmlformats.org/officeDocument/2006/relationships" xmlns:p="http://schemas.openxmlformats.org/presentationml/2006/main">
-  <p:cSld>
-    <p:spTree>
-      <p:nvGrpSpPr>
-        <p:cNvPr id="1" name=""/>
-        <p:cNvGrpSpPr/>
-        <p:nvPr/>
-      </p:nvGrpSpPr>
-      <p:grpSpPr>
-        <a:xfrm>
-          <a:off x="0" y="0"/>
-          <a:ext cx="0" cy="0"/>
-          <a:chOff x="0" y="0"/>
-          <a:chExt cx="0" cy="0"/>
-        </a:xfrm>
-      </p:grpSpPr>
-      <p:sp>
-        <p:nvSpPr>
-          <p:cNvPr id="3" name="TextBox 2"/>
-          <p:cNvSpPr txBox="1"/>
-          <p:nvPr/>
-        </p:nvSpPr>
-        <p:spPr>
-          <a:xfrm>
-            <a:off x="190743" y="182246"/>
-            <a:ext cx="1415772" cy="461665"/>
-          </a:xfrm>
-          <a:prstGeom prst="rect">
-            <a:avLst/>
-          </a:prstGeom>
-          <a:noFill/>
-        </p:spPr>
-        <p:txBody>
-          <a:bodyPr wrap="none" rtlCol="0">
-            <a:spAutoFit/>
-          </a:bodyPr>
-          <a:lstStyle/>
-          <a:p>
-            <a:r>
-              <a:rPr lang="ko-KR" altLang="en-US" sz="2400" b="1" dirty="0" err="1"/>
-              <a:t>메인메뉴</a:t>
-            </a:r>
-            <a:endParaRPr lang="ko-KR" altLang="en-US" sz="2400" b="1" dirty="0"/>
-          </a:p>
-        </p:txBody>
-      </p:sp>
-      <p:pic>
-        <p:nvPicPr>
-          <p:cNvPr id="5" name="매인배경.png" descr="매인배경.png"/>
-          <p:cNvPicPr>
-            <a:picLocks noChangeAspect="1"/>
-          </p:cNvPicPr>
-          <p:nvPr/>
-        </p:nvPicPr>
-        <p:blipFill>
-          <a:blip r:embed="rId2">
-            <a:extLst/>
-          </a:blip>
-          <a:stretch>
-            <a:fillRect/>
-          </a:stretch>
-        </p:blipFill>
-        <p:spPr>
-          <a:xfrm>
-            <a:off x="1661125" y="882096"/>
-            <a:ext cx="8688489" cy="4887275"/>
-          </a:xfrm>
-          <a:prstGeom prst="rect">
-            <a:avLst/>
-          </a:prstGeom>
-          <a:ln w="12700">
-            <a:miter lim="400000"/>
-          </a:ln>
-        </p:spPr>
-      </p:pic>
-      <p:sp>
-        <p:nvSpPr>
-          <p:cNvPr id="6" name="T I T L E"/>
-          <p:cNvSpPr/>
-          <p:nvPr/>
-        </p:nvSpPr>
-        <p:spPr>
-          <a:xfrm>
-            <a:off x="2356937" y="2426712"/>
-            <a:ext cx="7553833" cy="1348672"/>
-          </a:xfrm>
-          <a:prstGeom prst="rect">
-            <a:avLst/>
-          </a:prstGeom>
-          <a:ln w="12700">
-            <a:miter lim="400000"/>
-          </a:ln>
-          <a:extLst>
-            <a:ext uri="{C572A759-6A51-4108-AA02-DFA0A04FC94B}">
-              <ma14:wrappingTextBoxFlag xmlns="" xmlns:ma14="http://schemas.microsoft.com/office/mac/drawingml/2011/main" val="1"/>
-            </a:ext>
-          </a:extLst>
-        </p:spPr>
-        <p:txBody>
-          <a:bodyPr lIns="50800" tIns="50800" rIns="50800" bIns="50800" anchor="ctr"/>
-          <a:lstStyle>
-            <a:lvl1pPr>
-              <a:defRPr sz="8000">
-                <a:latin typeface="Arial"/>
-                <a:ea typeface="Arial"/>
-                <a:cs typeface="Arial"/>
-                <a:sym typeface="Arial"/>
-              </a:defRPr>
-            </a:lvl1pPr>
-          </a:lstStyle>
-          <a:p>
-            <a:pPr algn="ctr"/>
-            <a:r>
-              <a:rPr sz="11500" dirty="0"/>
-              <a:t>T I T L E</a:t>
-            </a:r>
-          </a:p>
-        </p:txBody>
-      </p:sp>
-    </p:spTree>
-    <p:extLst>
-      <p:ext uri="{BB962C8B-B14F-4D97-AF65-F5344CB8AC3E}">
-        <p14:creationId xmlns:p14="http://schemas.microsoft.com/office/powerpoint/2010/main" val="1897900934"/>
-      </p:ext>
-    </p:extLst>
-  </p:cSld>
-  <p:clrMapOvr>
-    <a:masterClrMapping/>
-  </p:clrMapOvr>
-</p:sld>
-</file>
-
-<file path=ppt/slides/slide20.xml><?xml version="1.0" encoding="utf-8"?>
+<file path=ppt/slides/slide24.xml><?xml version="1.0" encoding="utf-8"?>
 <p:sld xmlns:a="http://schemas.openxmlformats.org/drawingml/2006/main" xmlns:r="http://schemas.openxmlformats.org/officeDocument/2006/relationships" xmlns:p="http://schemas.openxmlformats.org/presentationml/2006/main">
   <p:cSld>
     <p:spTree>
@@ -11547,7 +13540,7 @@
 </p:sld>
 </file>
 
-<file path=ppt/slides/slide21.xml><?xml version="1.0" encoding="utf-8"?>
+<file path=ppt/slides/slide25.xml><?xml version="1.0" encoding="utf-8"?>
 <p:sld xmlns:a="http://schemas.openxmlformats.org/drawingml/2006/main" xmlns:r="http://schemas.openxmlformats.org/officeDocument/2006/relationships" xmlns:p="http://schemas.openxmlformats.org/presentationml/2006/main">
   <p:cSld>
     <p:spTree>
@@ -12227,7 +14220,7 @@
 </p:sld>
 </file>
 
-<file path=ppt/slides/slide22.xml><?xml version="1.0" encoding="utf-8"?>
+<file path=ppt/slides/slide26.xml><?xml version="1.0" encoding="utf-8"?>
 <p:sld xmlns:a="http://schemas.openxmlformats.org/drawingml/2006/main" xmlns:r="http://schemas.openxmlformats.org/officeDocument/2006/relationships" xmlns:p="http://schemas.openxmlformats.org/presentationml/2006/main">
   <p:cSld>
     <p:spTree>
@@ -12910,6 +14903,139 @@
       </p:pic>
       <p:sp>
         <p:nvSpPr>
+          <p:cNvPr id="6" name="T I T L E"/>
+          <p:cNvSpPr/>
+          <p:nvPr/>
+        </p:nvSpPr>
+        <p:spPr>
+          <a:xfrm>
+            <a:off x="2356937" y="2426712"/>
+            <a:ext cx="7553833" cy="1348672"/>
+          </a:xfrm>
+          <a:prstGeom prst="rect">
+            <a:avLst/>
+          </a:prstGeom>
+          <a:ln w="12700">
+            <a:miter lim="400000"/>
+          </a:ln>
+          <a:extLst>
+            <a:ext uri="{C572A759-6A51-4108-AA02-DFA0A04FC94B}">
+              <ma14:wrappingTextBoxFlag xmlns:ma14="http://schemas.microsoft.com/office/mac/drawingml/2011/main" xmlns="" val="1"/>
+            </a:ext>
+          </a:extLst>
+        </p:spPr>
+        <p:txBody>
+          <a:bodyPr lIns="50800" tIns="50800" rIns="50800" bIns="50800" anchor="ctr"/>
+          <a:lstStyle>
+            <a:lvl1pPr>
+              <a:defRPr sz="8000">
+                <a:latin typeface="Arial"/>
+                <a:ea typeface="Arial"/>
+                <a:cs typeface="Arial"/>
+                <a:sym typeface="Arial"/>
+              </a:defRPr>
+            </a:lvl1pPr>
+          </a:lstStyle>
+          <a:p>
+            <a:pPr algn="ctr"/>
+            <a:r>
+              <a:rPr sz="11500" dirty="0"/>
+              <a:t>T I T L E</a:t>
+            </a:r>
+          </a:p>
+        </p:txBody>
+      </p:sp>
+    </p:spTree>
+    <p:extLst>
+      <p:ext uri="{BB962C8B-B14F-4D97-AF65-F5344CB8AC3E}">
+        <p14:creationId xmlns:p14="http://schemas.microsoft.com/office/powerpoint/2010/main" val="1897900934"/>
+      </p:ext>
+    </p:extLst>
+  </p:cSld>
+  <p:clrMapOvr>
+    <a:masterClrMapping/>
+  </p:clrMapOvr>
+</p:sld>
+</file>
+
+<file path=ppt/slides/slide4.xml><?xml version="1.0" encoding="utf-8"?>
+<p:sld xmlns:a="http://schemas.openxmlformats.org/drawingml/2006/main" xmlns:r="http://schemas.openxmlformats.org/officeDocument/2006/relationships" xmlns:p="http://schemas.openxmlformats.org/presentationml/2006/main">
+  <p:cSld>
+    <p:spTree>
+      <p:nvGrpSpPr>
+        <p:cNvPr id="1" name=""/>
+        <p:cNvGrpSpPr/>
+        <p:nvPr/>
+      </p:nvGrpSpPr>
+      <p:grpSpPr>
+        <a:xfrm>
+          <a:off x="0" y="0"/>
+          <a:ext cx="0" cy="0"/>
+          <a:chOff x="0" y="0"/>
+          <a:chExt cx="0" cy="0"/>
+        </a:xfrm>
+      </p:grpSpPr>
+      <p:sp>
+        <p:nvSpPr>
+          <p:cNvPr id="3" name="TextBox 2"/>
+          <p:cNvSpPr txBox="1"/>
+          <p:nvPr/>
+        </p:nvSpPr>
+        <p:spPr>
+          <a:xfrm>
+            <a:off x="190743" y="182246"/>
+            <a:ext cx="1415772" cy="461665"/>
+          </a:xfrm>
+          <a:prstGeom prst="rect">
+            <a:avLst/>
+          </a:prstGeom>
+          <a:noFill/>
+        </p:spPr>
+        <p:txBody>
+          <a:bodyPr wrap="none" rtlCol="0">
+            <a:spAutoFit/>
+          </a:bodyPr>
+          <a:lstStyle/>
+          <a:p>
+            <a:r>
+              <a:rPr lang="ko-KR" altLang="en-US" sz="2400" b="1" dirty="0" err="1"/>
+              <a:t>메인메뉴</a:t>
+            </a:r>
+            <a:endParaRPr lang="ko-KR" altLang="en-US" sz="2400" b="1" dirty="0"/>
+          </a:p>
+        </p:txBody>
+      </p:sp>
+      <p:pic>
+        <p:nvPicPr>
+          <p:cNvPr id="5" name="매인배경.png" descr="매인배경.png"/>
+          <p:cNvPicPr>
+            <a:picLocks noChangeAspect="1"/>
+          </p:cNvPicPr>
+          <p:nvPr/>
+        </p:nvPicPr>
+        <p:blipFill>
+          <a:blip r:embed="rId2">
+            <a:extLst/>
+          </a:blip>
+          <a:stretch>
+            <a:fillRect/>
+          </a:stretch>
+        </p:blipFill>
+        <p:spPr>
+          <a:xfrm>
+            <a:off x="1661125" y="882096"/>
+            <a:ext cx="8688489" cy="4887275"/>
+          </a:xfrm>
+          <a:prstGeom prst="rect">
+            <a:avLst/>
+          </a:prstGeom>
+          <a:ln w="12700">
+            <a:miter lim="400000"/>
+          </a:ln>
+        </p:spPr>
+      </p:pic>
+      <p:sp>
+        <p:nvSpPr>
           <p:cNvPr id="7" name="START"/>
           <p:cNvSpPr/>
           <p:nvPr/>
@@ -12937,7 +15063,7 @@
           </a:effectLst>
           <a:extLst>
             <a:ext uri="{C572A759-6A51-4108-AA02-DFA0A04FC94B}">
-              <ma14:wrappingTextBoxFlag xmlns="" xmlns:ma14="http://schemas.microsoft.com/office/mac/drawingml/2011/main" val="1"/>
+              <ma14:wrappingTextBoxFlag xmlns:ma14="http://schemas.microsoft.com/office/mac/drawingml/2011/main" xmlns="" val="1"/>
             </a:ext>
           </a:extLst>
         </p:spPr>
@@ -12990,7 +15116,7 @@
           </a:effectLst>
           <a:extLst>
             <a:ext uri="{C572A759-6A51-4108-AA02-DFA0A04FC94B}">
-              <ma14:wrappingTextBoxFlag xmlns="" xmlns:ma14="http://schemas.microsoft.com/office/mac/drawingml/2011/main" val="1"/>
+              <ma14:wrappingTextBoxFlag xmlns:ma14="http://schemas.microsoft.com/office/mac/drawingml/2011/main" xmlns="" val="1"/>
             </a:ext>
           </a:extLst>
         </p:spPr>
@@ -13043,7 +15169,7 @@
           </a:effectLst>
           <a:extLst>
             <a:ext uri="{C572A759-6A51-4108-AA02-DFA0A04FC94B}">
-              <ma14:wrappingTextBoxFlag xmlns="" xmlns:ma14="http://schemas.microsoft.com/office/mac/drawingml/2011/main" val="1"/>
+              <ma14:wrappingTextBoxFlag xmlns:ma14="http://schemas.microsoft.com/office/mac/drawingml/2011/main" xmlns="" val="1"/>
             </a:ext>
           </a:extLst>
         </p:spPr>
@@ -13095,7 +15221,7 @@
           </a:effectLst>
           <a:extLst>
             <a:ext uri="{C572A759-6A51-4108-AA02-DFA0A04FC94B}">
-              <ma14:wrappingTextBoxFlag xmlns="" xmlns:ma14="http://schemas.microsoft.com/office/mac/drawingml/2011/main" val="1"/>
+              <ma14:wrappingTextBoxFlag xmlns:ma14="http://schemas.microsoft.com/office/mac/drawingml/2011/main" xmlns="" val="1"/>
             </a:ext>
           </a:extLst>
         </p:spPr>
@@ -13148,7 +15274,7 @@
           </a:effectLst>
           <a:extLst>
             <a:ext uri="{C572A759-6A51-4108-AA02-DFA0A04FC94B}">
-              <ma14:wrappingTextBoxFlag xmlns="" xmlns:ma14="http://schemas.microsoft.com/office/mac/drawingml/2011/main" val="1"/>
+              <ma14:wrappingTextBoxFlag xmlns:ma14="http://schemas.microsoft.com/office/mac/drawingml/2011/main" xmlns="" val="1"/>
             </a:ext>
           </a:extLst>
         </p:spPr>
@@ -13197,7 +15323,7 @@
           </a:ln>
           <a:extLst>
             <a:ext uri="{C572A759-6A51-4108-AA02-DFA0A04FC94B}">
-              <ma14:wrappingTextBoxFlag xmlns="" xmlns:ma14="http://schemas.microsoft.com/office/mac/drawingml/2011/main" val="1"/>
+              <ma14:wrappingTextBoxFlag xmlns:ma14="http://schemas.microsoft.com/office/mac/drawingml/2011/main" xmlns="" val="1"/>
             </a:ext>
           </a:extLst>
         </p:spPr>
@@ -13254,7 +15380,7 @@
           </a:ln>
           <a:extLst>
             <a:ext uri="{C572A759-6A51-4108-AA02-DFA0A04FC94B}">
-              <ma14:wrappingTextBoxFlag xmlns="" xmlns:ma14="http://schemas.microsoft.com/office/mac/drawingml/2011/main" val="1"/>
+              <ma14:wrappingTextBoxFlag xmlns:ma14="http://schemas.microsoft.com/office/mac/drawingml/2011/main" xmlns="" val="1"/>
             </a:ext>
           </a:extLst>
         </p:spPr>
@@ -13310,7 +15436,7 @@
           </a:ln>
           <a:extLst>
             <a:ext uri="{C572A759-6A51-4108-AA02-DFA0A04FC94B}">
-              <ma14:wrappingTextBoxFlag xmlns="" xmlns:ma14="http://schemas.microsoft.com/office/mac/drawingml/2011/main" val="1"/>
+              <ma14:wrappingTextBoxFlag xmlns:ma14="http://schemas.microsoft.com/office/mac/drawingml/2011/main" xmlns="" val="1"/>
             </a:ext>
           </a:extLst>
         </p:spPr>
@@ -13380,7 +15506,7 @@
           </a:ln>
           <a:extLst>
             <a:ext uri="{C572A759-6A51-4108-AA02-DFA0A04FC94B}">
-              <ma14:wrappingTextBoxFlag xmlns="" xmlns:ma14="http://schemas.microsoft.com/office/mac/drawingml/2011/main" val="1"/>
+              <ma14:wrappingTextBoxFlag xmlns:ma14="http://schemas.microsoft.com/office/mac/drawingml/2011/main" xmlns="" val="1"/>
             </a:ext>
           </a:extLst>
         </p:spPr>
@@ -13624,7 +15750,7 @@
           </a:ln>
           <a:extLst>
             <a:ext uri="{C572A759-6A51-4108-AA02-DFA0A04FC94B}">
-              <ma14:wrappingTextBoxFlag xmlns="" xmlns:ma14="http://schemas.microsoft.com/office/mac/drawingml/2011/main" val="1"/>
+              <ma14:wrappingTextBoxFlag xmlns:ma14="http://schemas.microsoft.com/office/mac/drawingml/2011/main" xmlns="" val="1"/>
             </a:ext>
           </a:extLst>
         </p:spPr>
@@ -13757,7 +15883,7 @@
 </p:sld>
 </file>
 
-<file path=ppt/slides/slide4.xml><?xml version="1.0" encoding="utf-8"?>
+<file path=ppt/slides/slide5.xml><?xml version="1.0" encoding="utf-8"?>
 <p:sld xmlns:a="http://schemas.openxmlformats.org/drawingml/2006/main" xmlns:r="http://schemas.openxmlformats.org/officeDocument/2006/relationships" xmlns:p="http://schemas.openxmlformats.org/presentationml/2006/main">
   <p:cSld>
     <p:spTree>
@@ -15655,7 +17781,7 @@
 </p:sld>
 </file>
 
-<file path=ppt/slides/slide5.xml><?xml version="1.0" encoding="utf-8"?>
+<file path=ppt/slides/slide6.xml><?xml version="1.0" encoding="utf-8"?>
 <p:sld xmlns:a="http://schemas.openxmlformats.org/drawingml/2006/main" xmlns:r="http://schemas.openxmlformats.org/officeDocument/2006/relationships" xmlns:p="http://schemas.openxmlformats.org/presentationml/2006/main">
   <p:cSld>
     <p:spTree>
@@ -15789,7 +17915,7 @@
             </a:ln>
             <a:extLst>
               <a:ext uri="{C572A759-6A51-4108-AA02-DFA0A04FC94B}">
-                <ma14:wrappingTextBoxFlag xmlns="" xmlns:ma14="http://schemas.microsoft.com/office/mac/drawingml/2011/main" val="1"/>
+                <ma14:wrappingTextBoxFlag xmlns:ma14="http://schemas.microsoft.com/office/mac/drawingml/2011/main" xmlns="" val="1"/>
               </a:ext>
             </a:extLst>
           </p:spPr>
@@ -15833,7 +17959,7 @@
             </a:ln>
             <a:extLst>
               <a:ext uri="{C572A759-6A51-4108-AA02-DFA0A04FC94B}">
-                <ma14:wrappingTextBoxFlag xmlns="" xmlns:ma14="http://schemas.microsoft.com/office/mac/drawingml/2011/main" val="1"/>
+                <ma14:wrappingTextBoxFlag xmlns:ma14="http://schemas.microsoft.com/office/mac/drawingml/2011/main" xmlns="" val="1"/>
               </a:ext>
             </a:extLst>
           </p:spPr>
@@ -15877,7 +18003,7 @@
             </a:ln>
             <a:extLst>
               <a:ext uri="{C572A759-6A51-4108-AA02-DFA0A04FC94B}">
-                <ma14:wrappingTextBoxFlag xmlns="" xmlns:ma14="http://schemas.microsoft.com/office/mac/drawingml/2011/main" val="1"/>
+                <ma14:wrappingTextBoxFlag xmlns:ma14="http://schemas.microsoft.com/office/mac/drawingml/2011/main" xmlns="" val="1"/>
               </a:ext>
             </a:extLst>
           </p:spPr>
@@ -16038,7 +18164,7 @@
             </a:effectLst>
             <a:extLst>
               <a:ext uri="{C572A759-6A51-4108-AA02-DFA0A04FC94B}">
-                <ma14:wrappingTextBoxFlag xmlns="" xmlns:ma14="http://schemas.microsoft.com/office/mac/drawingml/2011/main" val="1"/>
+                <ma14:wrappingTextBoxFlag xmlns:ma14="http://schemas.microsoft.com/office/mac/drawingml/2011/main" xmlns="" val="1"/>
               </a:ext>
             </a:extLst>
           </p:spPr>
@@ -16098,7 +18224,7 @@
             </a:effectLst>
             <a:extLst>
               <a:ext uri="{C572A759-6A51-4108-AA02-DFA0A04FC94B}">
-                <ma14:wrappingTextBoxFlag xmlns="" xmlns:ma14="http://schemas.microsoft.com/office/mac/drawingml/2011/main" val="1"/>
+                <ma14:wrappingTextBoxFlag xmlns:ma14="http://schemas.microsoft.com/office/mac/drawingml/2011/main" xmlns="" val="1"/>
               </a:ext>
             </a:extLst>
           </p:spPr>
@@ -16153,7 +18279,7 @@
             </a:effectLst>
             <a:extLst>
               <a:ext uri="{C572A759-6A51-4108-AA02-DFA0A04FC94B}">
-                <ma14:wrappingTextBoxFlag xmlns="" xmlns:ma14="http://schemas.microsoft.com/office/mac/drawingml/2011/main" val="1"/>
+                <ma14:wrappingTextBoxFlag xmlns:ma14="http://schemas.microsoft.com/office/mac/drawingml/2011/main" xmlns="" val="1"/>
               </a:ext>
             </a:extLst>
           </p:spPr>
@@ -16197,7 +18323,7 @@
             </a:ln>
             <a:extLst>
               <a:ext uri="{C572A759-6A51-4108-AA02-DFA0A04FC94B}">
-                <ma14:wrappingTextBoxFlag xmlns="" xmlns:ma14="http://schemas.microsoft.com/office/mac/drawingml/2011/main" val="1"/>
+                <ma14:wrappingTextBoxFlag xmlns:ma14="http://schemas.microsoft.com/office/mac/drawingml/2011/main" xmlns="" val="1"/>
               </a:ext>
             </a:extLst>
           </p:spPr>
@@ -16392,7 +18518,7 @@
             </a:effectLst>
             <a:extLst>
               <a:ext uri="{C572A759-6A51-4108-AA02-DFA0A04FC94B}">
-                <ma14:wrappingTextBoxFlag xmlns="" xmlns:ma14="http://schemas.microsoft.com/office/mac/drawingml/2011/main" val="1"/>
+                <ma14:wrappingTextBoxFlag xmlns:ma14="http://schemas.microsoft.com/office/mac/drawingml/2011/main" xmlns="" val="1"/>
               </a:ext>
             </a:extLst>
           </p:spPr>
@@ -16437,7 +18563,7 @@
 </p:sld>
 </file>
 
-<file path=ppt/slides/slide6.xml><?xml version="1.0" encoding="utf-8"?>
+<file path=ppt/slides/slide7.xml><?xml version="1.0" encoding="utf-8"?>
 <p:sld xmlns:a="http://schemas.openxmlformats.org/drawingml/2006/main" xmlns:r="http://schemas.openxmlformats.org/officeDocument/2006/relationships" xmlns:p="http://schemas.openxmlformats.org/presentationml/2006/main">
   <p:cSld>
     <p:spTree>
@@ -16668,34 +18794,6 @@
       </p:sp>
       <p:pic>
         <p:nvPicPr>
-          <p:cNvPr id="26" name="Shape 107"/>
-          <p:cNvPicPr preferRelativeResize="0"/>
-          <p:nvPr/>
-        </p:nvPicPr>
-        <p:blipFill>
-          <a:blip r:embed="rId4">
-            <a:alphaModFix/>
-          </a:blip>
-          <a:stretch>
-            <a:fillRect/>
-          </a:stretch>
-        </p:blipFill>
-        <p:spPr>
-          <a:xfrm>
-            <a:off x="5948539" y="3980485"/>
-            <a:ext cx="419571" cy="593368"/>
-          </a:xfrm>
-          <a:prstGeom prst="rect">
-            <a:avLst/>
-          </a:prstGeom>
-          <a:noFill/>
-          <a:ln>
-            <a:noFill/>
-          </a:ln>
-        </p:spPr>
-      </p:pic>
-      <p:pic>
-        <p:nvPicPr>
           <p:cNvPr id="32" name="그림 31"/>
           <p:cNvPicPr>
             <a:picLocks noChangeAspect="1"/>
@@ -16703,7 +18801,7 @@
           <p:nvPr/>
         </p:nvPicPr>
         <p:blipFill>
-          <a:blip r:embed="rId5">
+          <a:blip r:embed="rId4">
             <a:extLst>
               <a:ext uri="{28A0092B-C50C-407E-A947-70E740481C1C}">
                 <a14:useLocalDpi xmlns:a14="http://schemas.microsoft.com/office/drawing/2010/main" val="0"/>
@@ -16733,7 +18831,7 @@
           <p:nvPr/>
         </p:nvPicPr>
         <p:blipFill>
-          <a:blip r:embed="rId6">
+          <a:blip r:embed="rId5">
             <a:extLst>
               <a:ext uri="{28A0092B-C50C-407E-A947-70E740481C1C}">
                 <a14:useLocalDpi xmlns:a14="http://schemas.microsoft.com/office/drawing/2010/main" val="0"/>
@@ -16868,7 +18966,7 @@
               <p:nvPr/>
             </p:nvPicPr>
             <p:blipFill rotWithShape="1">
-              <a:blip r:embed="rId7">
+              <a:blip r:embed="rId6">
                 <a:alphaModFix/>
               </a:blip>
               <a:srcRect l="1903" t="49168" b="23188"/>
@@ -16895,7 +18993,7 @@
               <p:nvPr/>
             </p:nvPicPr>
             <p:blipFill rotWithShape="1">
-              <a:blip r:embed="rId7">
+              <a:blip r:embed="rId6">
                 <a:alphaModFix/>
                 <a:duotone>
                   <a:schemeClr val="accent1">
@@ -17051,7 +19149,7 @@
               <p:nvPr/>
             </p:nvPicPr>
             <p:blipFill rotWithShape="1">
-              <a:blip r:embed="rId7">
+              <a:blip r:embed="rId6">
                 <a:alphaModFix/>
               </a:blip>
               <a:srcRect l="1903" t="49168" b="23188"/>
@@ -17078,7 +19176,7 @@
               <p:nvPr/>
             </p:nvPicPr>
             <p:blipFill rotWithShape="1">
-              <a:blip r:embed="rId7">
+              <a:blip r:embed="rId6">
                 <a:alphaModFix/>
                 <a:duotone>
                   <a:schemeClr val="accent1">
@@ -17234,7 +19332,7 @@
               <p:nvPr/>
             </p:nvPicPr>
             <p:blipFill rotWithShape="1">
-              <a:blip r:embed="rId7">
+              <a:blip r:embed="rId6">
                 <a:alphaModFix/>
               </a:blip>
               <a:srcRect l="1903" t="49168" b="23188"/>
@@ -17261,7 +19359,7 @@
               <p:nvPr/>
             </p:nvPicPr>
             <p:blipFill rotWithShape="1">
-              <a:blip r:embed="rId7">
+              <a:blip r:embed="rId6">
                 <a:alphaModFix/>
                 <a:duotone>
                   <a:schemeClr val="accent1">
@@ -17417,7 +19515,7 @@
               <p:nvPr/>
             </p:nvPicPr>
             <p:blipFill rotWithShape="1">
-              <a:blip r:embed="rId7">
+              <a:blip r:embed="rId6">
                 <a:alphaModFix/>
               </a:blip>
               <a:srcRect l="1903" t="49168" b="23188"/>
@@ -17444,7 +19542,7 @@
               <p:nvPr/>
             </p:nvPicPr>
             <p:blipFill rotWithShape="1">
-              <a:blip r:embed="rId7">
+              <a:blip r:embed="rId6">
                 <a:alphaModFix/>
                 <a:duotone>
                   <a:schemeClr val="accent1">
@@ -17620,7 +19718,7 @@
 </p:sld>
 </file>
 
-<file path=ppt/slides/slide7.xml><?xml version="1.0" encoding="utf-8"?>
+<file path=ppt/slides/slide8.xml><?xml version="1.0" encoding="utf-8"?>
 <p:sld xmlns:a="http://schemas.openxmlformats.org/drawingml/2006/main" xmlns:r="http://schemas.openxmlformats.org/officeDocument/2006/relationships" xmlns:p="http://schemas.openxmlformats.org/presentationml/2006/main">
   <p:cSld>
     <p:spTree>
@@ -17764,7 +19862,7 @@
             </a:effectLst>
             <a:extLst>
               <a:ext uri="{C572A759-6A51-4108-AA02-DFA0A04FC94B}">
-                <ma14:wrappingTextBoxFlag xmlns="" xmlns:ma14="http://schemas.microsoft.com/office/mac/drawingml/2011/main" val="1"/>
+                <ma14:wrappingTextBoxFlag xmlns:ma14="http://schemas.microsoft.com/office/mac/drawingml/2011/main" xmlns="" val="1"/>
               </a:ext>
             </a:extLst>
           </p:spPr>
@@ -17818,7 +19916,7 @@
             </a:effectLst>
             <a:extLst>
               <a:ext uri="{C572A759-6A51-4108-AA02-DFA0A04FC94B}">
-                <ma14:wrappingTextBoxFlag xmlns="" xmlns:ma14="http://schemas.microsoft.com/office/mac/drawingml/2011/main" val="1"/>
+                <ma14:wrappingTextBoxFlag xmlns:ma14="http://schemas.microsoft.com/office/mac/drawingml/2011/main" xmlns="" val="1"/>
               </a:ext>
             </a:extLst>
           </p:spPr>
@@ -17872,7 +19970,7 @@
             </a:effectLst>
             <a:extLst>
               <a:ext uri="{C572A759-6A51-4108-AA02-DFA0A04FC94B}">
-                <ma14:wrappingTextBoxFlag xmlns="" xmlns:ma14="http://schemas.microsoft.com/office/mac/drawingml/2011/main" val="1"/>
+                <ma14:wrappingTextBoxFlag xmlns:ma14="http://schemas.microsoft.com/office/mac/drawingml/2011/main" xmlns="" val="1"/>
               </a:ext>
             </a:extLst>
           </p:spPr>
@@ -17916,7 +20014,7 @@
             </a:ln>
             <a:extLst>
               <a:ext uri="{C572A759-6A51-4108-AA02-DFA0A04FC94B}">
-                <ma14:wrappingTextBoxFlag xmlns="" xmlns:ma14="http://schemas.microsoft.com/office/mac/drawingml/2011/main" val="1"/>
+                <ma14:wrappingTextBoxFlag xmlns:ma14="http://schemas.microsoft.com/office/mac/drawingml/2011/main" xmlns="" val="1"/>
               </a:ext>
             </a:extLst>
           </p:spPr>
@@ -18054,7 +20152,7 @@
             </a:ln>
             <a:extLst>
               <a:ext uri="{C572A759-6A51-4108-AA02-DFA0A04FC94B}">
-                <ma14:wrappingTextBoxFlag xmlns="" xmlns:ma14="http://schemas.microsoft.com/office/mac/drawingml/2011/main" val="1"/>
+                <ma14:wrappingTextBoxFlag xmlns:ma14="http://schemas.microsoft.com/office/mac/drawingml/2011/main" xmlns="" val="1"/>
               </a:ext>
             </a:extLst>
           </p:spPr>
@@ -18107,7 +20205,7 @@
             </a:ln>
             <a:extLst>
               <a:ext uri="{C572A759-6A51-4108-AA02-DFA0A04FC94B}">
-                <ma14:wrappingTextBoxFlag xmlns="" xmlns:ma14="http://schemas.microsoft.com/office/mac/drawingml/2011/main" val="1"/>
+                <ma14:wrappingTextBoxFlag xmlns:ma14="http://schemas.microsoft.com/office/mac/drawingml/2011/main" xmlns="" val="1"/>
               </a:ext>
             </a:extLst>
           </p:spPr>
@@ -18176,7 +20274,7 @@
             </a:ln>
             <a:extLst>
               <a:ext uri="{C572A759-6A51-4108-AA02-DFA0A04FC94B}">
-                <ma14:wrappingTextBoxFlag xmlns="" xmlns:ma14="http://schemas.microsoft.com/office/mac/drawingml/2011/main" val="1"/>
+                <ma14:wrappingTextBoxFlag xmlns:ma14="http://schemas.microsoft.com/office/mac/drawingml/2011/main" xmlns="" val="1"/>
               </a:ext>
             </a:extLst>
           </p:spPr>
@@ -18317,7 +20415,7 @@
             </a:ln>
             <a:extLst>
               <a:ext uri="{C572A759-6A51-4108-AA02-DFA0A04FC94B}">
-                <ma14:wrappingTextBoxFlag xmlns="" xmlns:ma14="http://schemas.microsoft.com/office/mac/drawingml/2011/main" val="1"/>
+                <ma14:wrappingTextBoxFlag xmlns:ma14="http://schemas.microsoft.com/office/mac/drawingml/2011/main" xmlns="" val="1"/>
               </a:ext>
             </a:extLst>
           </p:spPr>
@@ -18362,7 +20460,7 @@
 </p:sld>
 </file>
 
-<file path=ppt/slides/slide8.xml><?xml version="1.0" encoding="utf-8"?>
+<file path=ppt/slides/slide9.xml><?xml version="1.0" encoding="utf-8"?>
 <p:sld xmlns:a="http://schemas.openxmlformats.org/drawingml/2006/main" xmlns:r="http://schemas.openxmlformats.org/officeDocument/2006/relationships" xmlns:p="http://schemas.openxmlformats.org/presentationml/2006/main">
   <p:cSld>
     <p:spTree>
@@ -18506,7 +20604,7 @@
             </a:ln>
             <a:extLst>
               <a:ext uri="{C572A759-6A51-4108-AA02-DFA0A04FC94B}">
-                <ma14:wrappingTextBoxFlag xmlns="" xmlns:ma14="http://schemas.microsoft.com/office/mac/drawingml/2011/main" val="1"/>
+                <ma14:wrappingTextBoxFlag xmlns:ma14="http://schemas.microsoft.com/office/mac/drawingml/2011/main" xmlns="" val="1"/>
               </a:ext>
             </a:extLst>
           </p:spPr>
@@ -18574,7 +20672,7 @@
             </a:effectLst>
             <a:extLst>
               <a:ext uri="{C572A759-6A51-4108-AA02-DFA0A04FC94B}">
-                <ma14:wrappingTextBoxFlag xmlns="" xmlns:ma14="http://schemas.microsoft.com/office/mac/drawingml/2011/main" val="1"/>
+                <ma14:wrappingTextBoxFlag xmlns:ma14="http://schemas.microsoft.com/office/mac/drawingml/2011/main" xmlns="" val="1"/>
               </a:ext>
             </a:extLst>
           </p:spPr>
@@ -18628,7 +20726,7 @@
             </a:effectLst>
             <a:extLst>
               <a:ext uri="{C572A759-6A51-4108-AA02-DFA0A04FC94B}">
-                <ma14:wrappingTextBoxFlag xmlns="" xmlns:ma14="http://schemas.microsoft.com/office/mac/drawingml/2011/main" val="1"/>
+                <ma14:wrappingTextBoxFlag xmlns:ma14="http://schemas.microsoft.com/office/mac/drawingml/2011/main" xmlns="" val="1"/>
               </a:ext>
             </a:extLst>
           </p:spPr>
@@ -18684,7 +20782,7 @@
             </a:effectLst>
             <a:extLst>
               <a:ext uri="{C572A759-6A51-4108-AA02-DFA0A04FC94B}">
-                <ma14:wrappingTextBoxFlag xmlns="" xmlns:ma14="http://schemas.microsoft.com/office/mac/drawingml/2011/main" val="1"/>
+                <ma14:wrappingTextBoxFlag xmlns:ma14="http://schemas.microsoft.com/office/mac/drawingml/2011/main" xmlns="" val="1"/>
               </a:ext>
             </a:extLst>
           </p:spPr>
@@ -18724,285 +20822,6 @@
     <p:extLst>
       <p:ext uri="{BB962C8B-B14F-4D97-AF65-F5344CB8AC3E}">
         <p14:creationId xmlns:p14="http://schemas.microsoft.com/office/powerpoint/2010/main" val="1207047627"/>
-      </p:ext>
-    </p:extLst>
-  </p:cSld>
-  <p:clrMapOvr>
-    <a:masterClrMapping/>
-  </p:clrMapOvr>
-</p:sld>
-</file>
-
-<file path=ppt/slides/slide9.xml><?xml version="1.0" encoding="utf-8"?>
-<p:sld xmlns:a="http://schemas.openxmlformats.org/drawingml/2006/main" xmlns:r="http://schemas.openxmlformats.org/officeDocument/2006/relationships" xmlns:p="http://schemas.openxmlformats.org/presentationml/2006/main">
-  <p:cSld>
-    <p:spTree>
-      <p:nvGrpSpPr>
-        <p:cNvPr id="1" name=""/>
-        <p:cNvGrpSpPr/>
-        <p:nvPr/>
-      </p:nvGrpSpPr>
-      <p:grpSpPr>
-        <a:xfrm>
-          <a:off x="0" y="0"/>
-          <a:ext cx="0" cy="0"/>
-          <a:chOff x="0" y="0"/>
-          <a:chExt cx="0" cy="0"/>
-        </a:xfrm>
-      </p:grpSpPr>
-      <p:sp>
-        <p:nvSpPr>
-          <p:cNvPr id="3" name="TextBox 2"/>
-          <p:cNvSpPr txBox="1"/>
-          <p:nvPr/>
-        </p:nvSpPr>
-        <p:spPr>
-          <a:xfrm>
-            <a:off x="190743" y="182246"/>
-            <a:ext cx="1107996" cy="461665"/>
-          </a:xfrm>
-          <a:prstGeom prst="rect">
-            <a:avLst/>
-          </a:prstGeom>
-          <a:noFill/>
-        </p:spPr>
-        <p:txBody>
-          <a:bodyPr wrap="none" rtlCol="0">
-            <a:spAutoFit/>
-          </a:bodyPr>
-          <a:lstStyle/>
-          <a:p>
-            <a:r>
-              <a:rPr lang="ko-KR" altLang="en-US" sz="2400" b="1" dirty="0"/>
-              <a:t>가이드</a:t>
-            </a:r>
-          </a:p>
-        </p:txBody>
-      </p:sp>
-      <p:grpSp>
-        <p:nvGrpSpPr>
-          <p:cNvPr id="2" name="그룹 1"/>
-          <p:cNvGrpSpPr/>
-          <p:nvPr/>
-        </p:nvGrpSpPr>
-        <p:grpSpPr>
-          <a:xfrm>
-            <a:off x="3524250" y="966269"/>
-            <a:ext cx="5359367" cy="4491556"/>
-            <a:chOff x="14298719" y="1557094"/>
-            <a:chExt cx="9950803" cy="8339526"/>
-          </a:xfrm>
-        </p:grpSpPr>
-        <p:sp>
-          <p:nvSpPr>
-            <p:cNvPr id="5" name="직사각형"/>
-            <p:cNvSpPr/>
-            <p:nvPr/>
-          </p:nvSpPr>
-          <p:spPr>
-            <a:xfrm>
-              <a:off x="14298719" y="1557094"/>
-              <a:ext cx="9950803" cy="8339526"/>
-            </a:xfrm>
-            <a:prstGeom prst="rect">
-              <a:avLst/>
-            </a:prstGeom>
-            <a:solidFill>
-              <a:schemeClr val="accent4">
-                <a:hueOff val="46120"/>
-                <a:satOff val="4178"/>
-                <a:lumOff val="-16732"/>
-              </a:schemeClr>
-            </a:solidFill>
-            <a:ln w="12700">
-              <a:miter lim="400000"/>
-            </a:ln>
-            <a:effectLst>
-              <a:outerShdw blurRad="38100" dist="25400" dir="5400000" rotWithShape="0">
-                <a:srgbClr val="000000">
-                  <a:alpha val="50000"/>
-                </a:srgbClr>
-              </a:outerShdw>
-            </a:effectLst>
-          </p:spPr>
-          <p:txBody>
-            <a:bodyPr lIns="50800" tIns="50800" rIns="50800" bIns="50800" anchor="ctr"/>
-            <a:lstStyle/>
-            <a:p>
-              <a:pPr algn="ctr">
-                <a:defRPr sz="3200">
-                  <a:solidFill>
-                    <a:srgbClr val="FFFFFF"/>
-                  </a:solidFill>
-                  <a:latin typeface="Arial"/>
-                  <a:ea typeface="Arial"/>
-                  <a:cs typeface="Arial"/>
-                  <a:sym typeface="Arial"/>
-                </a:defRPr>
-              </a:pPr>
-              <a:endParaRPr sz="4000"/>
-            </a:p>
-          </p:txBody>
-        </p:sp>
-        <p:sp>
-          <p:nvSpPr>
-            <p:cNvPr id="6" name="G U I D E"/>
-            <p:cNvSpPr/>
-            <p:nvPr/>
-          </p:nvSpPr>
-          <p:spPr>
-            <a:xfrm>
-              <a:off x="18026344" y="1971126"/>
-              <a:ext cx="2663803" cy="876227"/>
-            </a:xfrm>
-            <a:prstGeom prst="rect">
-              <a:avLst/>
-            </a:prstGeom>
-            <a:ln w="12700">
-              <a:miter lim="400000"/>
-            </a:ln>
-            <a:extLst>
-              <a:ext uri="{C572A759-6A51-4108-AA02-DFA0A04FC94B}">
-                <ma14:wrappingTextBoxFlag xmlns="" xmlns:ma14="http://schemas.microsoft.com/office/mac/drawingml/2011/main" val="1"/>
-              </a:ext>
-            </a:extLst>
-          </p:spPr>
-          <p:txBody>
-            <a:bodyPr wrap="none" lIns="50800" tIns="50800" rIns="50800" bIns="50800" anchor="ctr">
-              <a:spAutoFit/>
-            </a:bodyPr>
-            <a:lstStyle/>
-            <a:p>
-              <a:pPr algn="ctr"/>
-              <a:r>
-                <a:rPr sz="2400" dirty="0"/>
-                <a:t>G U I D E</a:t>
-              </a:r>
-            </a:p>
-          </p:txBody>
-        </p:sp>
-        <p:sp>
-          <p:nvSpPr>
-            <p:cNvPr id="7" name="Character control guide list…"/>
-            <p:cNvSpPr/>
-            <p:nvPr/>
-          </p:nvSpPr>
-          <p:spPr>
-            <a:xfrm>
-              <a:off x="15392419" y="4584372"/>
-              <a:ext cx="7763403" cy="1561970"/>
-            </a:xfrm>
-            <a:prstGeom prst="rect">
-              <a:avLst/>
-            </a:prstGeom>
-            <a:gradFill>
-              <a:gsLst>
-                <a:gs pos="0">
-                  <a:srgbClr val="FBFBFB"/>
-                </a:gs>
-                <a:gs pos="100000">
-                  <a:srgbClr val="BEBEBE"/>
-                </a:gs>
-              </a:gsLst>
-              <a:lin ang="5400000"/>
-            </a:gradFill>
-            <a:ln w="12700">
-              <a:miter lim="400000"/>
-            </a:ln>
-            <a:effectLst>
-              <a:outerShdw blurRad="38100" dist="25400" dir="5400000" rotWithShape="0">
-                <a:srgbClr val="000000">
-                  <a:alpha val="50000"/>
-                </a:srgbClr>
-              </a:outerShdw>
-            </a:effectLst>
-            <a:extLst>
-              <a:ext uri="{C572A759-6A51-4108-AA02-DFA0A04FC94B}">
-                <ma14:wrappingTextBoxFlag xmlns="" xmlns:ma14="http://schemas.microsoft.com/office/mac/drawingml/2011/main" val="1"/>
-              </a:ext>
-            </a:extLst>
-          </p:spPr>
-          <p:txBody>
-            <a:bodyPr lIns="50800" tIns="50800" rIns="50800" bIns="50800" anchor="ctr">
-              <a:spAutoFit/>
-            </a:bodyPr>
-            <a:lstStyle/>
-            <a:p>
-              <a:pPr algn="ctr"/>
-              <a:r>
-                <a:rPr sz="2400" dirty="0"/>
-                <a:t>Character control guide list</a:t>
-              </a:r>
-            </a:p>
-            <a:p>
-              <a:pPr algn="ctr"/>
-              <a:r>
-                <a:rPr sz="2400" dirty="0"/>
-                <a:t>. . .</a:t>
-              </a:r>
-            </a:p>
-          </p:txBody>
-        </p:sp>
-        <p:sp>
-          <p:nvSpPr>
-            <p:cNvPr id="8" name="CLOSE"/>
-            <p:cNvSpPr/>
-            <p:nvPr/>
-          </p:nvSpPr>
-          <p:spPr>
-            <a:xfrm>
-              <a:off x="18332098" y="8321475"/>
-              <a:ext cx="1853886" cy="876227"/>
-            </a:xfrm>
-            <a:prstGeom prst="rect">
-              <a:avLst/>
-            </a:prstGeom>
-            <a:blipFill>
-              <a:blip r:embed="rId2"/>
-            </a:blipFill>
-            <a:ln w="12700">
-              <a:miter lim="400000"/>
-            </a:ln>
-            <a:effectLst>
-              <a:outerShdw blurRad="50800" dist="12700" rotWithShape="0">
-                <a:srgbClr val="000000">
-                  <a:alpha val="50000"/>
-                </a:srgbClr>
-              </a:outerShdw>
-            </a:effectLst>
-            <a:extLst>
-              <a:ext uri="{C572A759-6A51-4108-AA02-DFA0A04FC94B}">
-                <ma14:wrappingTextBoxFlag xmlns="" xmlns:ma14="http://schemas.microsoft.com/office/mac/drawingml/2011/main" val="1"/>
-              </a:ext>
-            </a:extLst>
-          </p:spPr>
-          <p:txBody>
-            <a:bodyPr wrap="none" lIns="50800" tIns="50800" rIns="50800" bIns="50800" anchor="ctr">
-              <a:spAutoFit/>
-            </a:bodyPr>
-            <a:lstStyle>
-              <a:lvl1pPr>
-                <a:defRPr>
-                  <a:solidFill>
-                    <a:srgbClr val="FFFFFF"/>
-                  </a:solidFill>
-                </a:defRPr>
-              </a:lvl1pPr>
-            </a:lstStyle>
-            <a:p>
-              <a:pPr algn="ctr"/>
-              <a:r>
-                <a:rPr sz="2400"/>
-                <a:t>CLOSE</a:t>
-              </a:r>
-            </a:p>
-          </p:txBody>
-        </p:sp>
-      </p:grpSp>
-    </p:spTree>
-    <p:extLst>
-      <p:ext uri="{BB962C8B-B14F-4D97-AF65-F5344CB8AC3E}">
-        <p14:creationId xmlns:p14="http://schemas.microsoft.com/office/powerpoint/2010/main" val="1588866467"/>
       </p:ext>
     </p:extLst>
   </p:cSld>

--- a/Plan/Rocketman_씬&스킬구성.pptx
+++ b/Plan/Rocketman_씬&스킬구성.pptx
@@ -3495,64 +3495,14 @@
       </p:grpSpPr>
       <p:sp>
         <p:nvSpPr>
-          <p:cNvPr id="2" name="TextBox 1"/>
-          <p:cNvSpPr txBox="1"/>
-          <p:nvPr/>
-        </p:nvSpPr>
-        <p:spPr>
-          <a:xfrm>
-            <a:off x="5603846" y="1669409"/>
-            <a:ext cx="4031873" cy="3477875"/>
-          </a:xfrm>
-          <a:prstGeom prst="rect">
-            <a:avLst/>
-          </a:prstGeom>
-          <a:noFill/>
-        </p:spPr>
-        <p:txBody>
-          <a:bodyPr wrap="none" rtlCol="0">
-            <a:spAutoFit/>
-          </a:bodyPr>
-          <a:lstStyle/>
-          <a:p>
-            <a:r>
-              <a:rPr lang="en-US" altLang="ko-KR" sz="4400" b="1" dirty="0"/>
-              <a:t>Maniacs</a:t>
-            </a:r>
-          </a:p>
-          <a:p>
-            <a:r>
-              <a:rPr lang="en-US" altLang="ko-KR" sz="4400" b="1" dirty="0"/>
-              <a:t>Championship</a:t>
-            </a:r>
-          </a:p>
-          <a:p>
-            <a:r>
-              <a:rPr lang="en-US" altLang="ko-KR" sz="4400" b="1" dirty="0"/>
-              <a:t>Frenzy</a:t>
-            </a:r>
-          </a:p>
-          <a:p>
-            <a:r>
-              <a:rPr lang="en-US" altLang="ko-KR" sz="4400" b="1" dirty="0"/>
-              <a:t>League</a:t>
-            </a:r>
-          </a:p>
-          <a:p>
-            <a:endParaRPr lang="ko-KR" altLang="en-US" sz="4400" b="1" dirty="0"/>
-          </a:p>
-        </p:txBody>
-      </p:sp>
-      <p:sp>
-        <p:nvSpPr>
-          <p:cNvPr id="3" name="직사각형 2"/>
+          <p:cNvPr id="5" name="직사각형 4"/>
           <p:cNvSpPr/>
           <p:nvPr/>
         </p:nvSpPr>
         <p:spPr>
           <a:xfrm>
-            <a:off x="2765269" y="2204100"/>
-            <a:ext cx="1994200" cy="769441"/>
+            <a:off x="3176331" y="1921079"/>
+            <a:ext cx="6011261" cy="2123658"/>
           </a:xfrm>
           <a:prstGeom prst="rect">
             <a:avLst/>
@@ -3564,11 +3514,26 @@
           </a:bodyPr>
           <a:lstStyle/>
           <a:p>
+            <a:pPr algn="ctr"/>
+            <a:r>
+              <a:rPr lang="en-US" altLang="ko-KR" sz="8800" b="1" dirty="0">
+                <a:solidFill>
+                  <a:srgbClr val="FF0000"/>
+                </a:solidFill>
+              </a:rPr>
+              <a:t>Rocketeers</a:t>
+            </a:r>
+          </a:p>
+          <a:p>
+            <a:pPr algn="ctr"/>
+            <a:r>
+              <a:rPr lang="en-US" altLang="ko-KR" sz="4400" b="1" dirty="0" err="1"/>
+              <a:t>SteamPunk</a:t>
+            </a:r>
             <a:r>
               <a:rPr lang="en-US" altLang="ko-KR" sz="4400" b="1" dirty="0"/>
-              <a:t>Rocket</a:t>
-            </a:r>
-            <a:endParaRPr lang="ko-KR" altLang="en-US" sz="4400" dirty="0"/>
+              <a:t> Arena</a:t>
+            </a:r>
           </a:p>
         </p:txBody>
       </p:sp>
@@ -3715,7 +3680,7 @@
             </a:ln>
             <a:extLst>
               <a:ext uri="{C572A759-6A51-4108-AA02-DFA0A04FC94B}">
-                <ma14:wrappingTextBoxFlag xmlns:ma14="http://schemas.microsoft.com/office/mac/drawingml/2011/main" xmlns="" val="1"/>
+                <ma14:wrappingTextBoxFlag xmlns="" xmlns:ma14="http://schemas.microsoft.com/office/mac/drawingml/2011/main" val="1"/>
               </a:ext>
             </a:extLst>
           </p:spPr>
@@ -3770,7 +3735,7 @@
             </a:effectLst>
             <a:extLst>
               <a:ext uri="{C572A759-6A51-4108-AA02-DFA0A04FC94B}">
-                <ma14:wrappingTextBoxFlag xmlns:ma14="http://schemas.microsoft.com/office/mac/drawingml/2011/main" xmlns="" val="1"/>
+                <ma14:wrappingTextBoxFlag xmlns="" xmlns:ma14="http://schemas.microsoft.com/office/mac/drawingml/2011/main" val="1"/>
               </a:ext>
             </a:extLst>
           </p:spPr>
@@ -3824,7 +3789,7 @@
             </a:effectLst>
             <a:extLst>
               <a:ext uri="{C572A759-6A51-4108-AA02-DFA0A04FC94B}">
-                <ma14:wrappingTextBoxFlag xmlns:ma14="http://schemas.microsoft.com/office/mac/drawingml/2011/main" xmlns="" val="1"/>
+                <ma14:wrappingTextBoxFlag xmlns="" xmlns:ma14="http://schemas.microsoft.com/office/mac/drawingml/2011/main" val="1"/>
               </a:ext>
             </a:extLst>
           </p:spPr>
@@ -3932,7 +3897,7 @@
           </a:ln>
           <a:extLst>
             <a:ext uri="{C572A759-6A51-4108-AA02-DFA0A04FC94B}">
-              <ma14:wrappingTextBoxFlag xmlns:ma14="http://schemas.microsoft.com/office/mac/drawingml/2011/main" xmlns="" val="1"/>
+              <ma14:wrappingTextBoxFlag xmlns="" xmlns:ma14="http://schemas.microsoft.com/office/mac/drawingml/2011/main" val="1"/>
             </a:ext>
           </a:extLst>
         </p:spPr>
@@ -3986,7 +3951,7 @@
           </a:effectLst>
           <a:extLst>
             <a:ext uri="{C572A759-6A51-4108-AA02-DFA0A04FC94B}">
-              <ma14:wrappingTextBoxFlag xmlns:ma14="http://schemas.microsoft.com/office/mac/drawingml/2011/main" xmlns="" val="1"/>
+              <ma14:wrappingTextBoxFlag xmlns="" xmlns:ma14="http://schemas.microsoft.com/office/mac/drawingml/2011/main" val="1"/>
             </a:ext>
           </a:extLst>
         </p:spPr>
@@ -4795,7 +4760,7 @@
           <p:spPr>
             <a:xfrm>
               <a:off x="5736275" y="1790712"/>
-              <a:ext cx="761388" cy="417254"/>
+              <a:ext cx="761388" cy="362672"/>
             </a:xfrm>
             <a:prstGeom prst="roundRect">
               <a:avLst/>
@@ -4846,6 +4811,372 @@
             </a:p>
           </p:txBody>
         </p:sp>
+      </p:grpSp>
+      <p:grpSp>
+        <p:nvGrpSpPr>
+          <p:cNvPr id="10" name="그룹 9"/>
+          <p:cNvGrpSpPr/>
+          <p:nvPr/>
+        </p:nvGrpSpPr>
+        <p:grpSpPr>
+          <a:xfrm>
+            <a:off x="2882131" y="4679193"/>
+            <a:ext cx="1853441" cy="727421"/>
+            <a:chOff x="2664786" y="5108789"/>
+            <a:chExt cx="1853441" cy="727421"/>
+          </a:xfrm>
+        </p:grpSpPr>
+        <p:sp>
+          <p:nvSpPr>
+            <p:cNvPr id="11" name="직사각형 10"/>
+            <p:cNvSpPr/>
+            <p:nvPr/>
+          </p:nvSpPr>
+          <p:spPr>
+            <a:xfrm>
+              <a:off x="2664786" y="5108789"/>
+              <a:ext cx="1653506" cy="727421"/>
+            </a:xfrm>
+            <a:prstGeom prst="rect">
+              <a:avLst/>
+            </a:prstGeom>
+            <a:solidFill>
+              <a:schemeClr val="accent2">
+                <a:lumMod val="60000"/>
+                <a:lumOff val="40000"/>
+              </a:schemeClr>
+            </a:solidFill>
+          </p:spPr>
+          <p:style>
+            <a:lnRef idx="2">
+              <a:schemeClr val="accent1">
+                <a:shade val="50000"/>
+              </a:schemeClr>
+            </a:lnRef>
+            <a:fillRef idx="1">
+              <a:schemeClr val="accent1"/>
+            </a:fillRef>
+            <a:effectRef idx="0">
+              <a:schemeClr val="accent1"/>
+            </a:effectRef>
+            <a:fontRef idx="minor">
+              <a:schemeClr val="lt1"/>
+            </a:fontRef>
+          </p:style>
+          <p:txBody>
+            <a:bodyPr rtlCol="0" anchor="ctr"/>
+            <a:lstStyle/>
+            <a:p>
+              <a:pPr algn="ctr"/>
+              <a:endParaRPr lang="ko-KR" altLang="en-US"/>
+            </a:p>
+          </p:txBody>
+        </p:sp>
+        <p:grpSp>
+          <p:nvGrpSpPr>
+            <p:cNvPr id="12" name="그룹 11"/>
+            <p:cNvGrpSpPr/>
+            <p:nvPr/>
+          </p:nvGrpSpPr>
+          <p:grpSpPr>
+            <a:xfrm>
+              <a:off x="2721218" y="5168245"/>
+              <a:ext cx="1797009" cy="608508"/>
+              <a:chOff x="2256658" y="5318738"/>
+              <a:chExt cx="1797009" cy="608508"/>
+            </a:xfrm>
+          </p:grpSpPr>
+          <p:pic>
+            <p:nvPicPr>
+              <p:cNvPr id="13" name="Shape 87"/>
+              <p:cNvPicPr preferRelativeResize="0"/>
+              <p:nvPr/>
+            </p:nvPicPr>
+            <p:blipFill rotWithShape="1">
+              <a:blip r:embed="rId5">
+                <a:alphaModFix/>
+              </a:blip>
+              <a:srcRect l="1903" t="49168" b="23188"/>
+              <a:stretch/>
+            </p:blipFill>
+            <p:spPr>
+              <a:xfrm>
+                <a:off x="2920881" y="5318738"/>
+                <a:ext cx="1132786" cy="362882"/>
+              </a:xfrm>
+              <a:prstGeom prst="rect">
+                <a:avLst/>
+              </a:prstGeom>
+              <a:noFill/>
+              <a:ln>
+                <a:noFill/>
+              </a:ln>
+            </p:spPr>
+          </p:pic>
+          <p:pic>
+            <p:nvPicPr>
+              <p:cNvPr id="15" name="Shape 87"/>
+              <p:cNvPicPr preferRelativeResize="0"/>
+              <p:nvPr/>
+            </p:nvPicPr>
+            <p:blipFill rotWithShape="1">
+              <a:blip r:embed="rId5">
+                <a:alphaModFix/>
+                <a:duotone>
+                  <a:schemeClr val="accent1">
+                    <a:shade val="45000"/>
+                    <a:satMod val="135000"/>
+                  </a:schemeClr>
+                  <a:prstClr val="white"/>
+                </a:duotone>
+              </a:blip>
+              <a:srcRect l="1903" t="74584"/>
+              <a:stretch/>
+            </p:blipFill>
+            <p:spPr>
+              <a:xfrm>
+                <a:off x="2896800" y="5646342"/>
+                <a:ext cx="953747" cy="280904"/>
+              </a:xfrm>
+              <a:prstGeom prst="rect">
+                <a:avLst/>
+              </a:prstGeom>
+              <a:noFill/>
+              <a:ln>
+                <a:noFill/>
+              </a:ln>
+            </p:spPr>
+          </p:pic>
+          <p:sp>
+            <p:nvSpPr>
+              <p:cNvPr id="16" name="직사각형 15"/>
+              <p:cNvSpPr/>
+              <p:nvPr/>
+            </p:nvSpPr>
+            <p:spPr>
+              <a:xfrm>
+                <a:off x="2256658" y="5335398"/>
+                <a:ext cx="608451" cy="555478"/>
+              </a:xfrm>
+              <a:prstGeom prst="rect">
+                <a:avLst/>
+              </a:prstGeom>
+              <a:solidFill>
+                <a:schemeClr val="accent1">
+                  <a:lumMod val="20000"/>
+                  <a:lumOff val="80000"/>
+                </a:schemeClr>
+              </a:solidFill>
+            </p:spPr>
+            <p:style>
+              <a:lnRef idx="2">
+                <a:schemeClr val="accent5">
+                  <a:shade val="50000"/>
+                </a:schemeClr>
+              </a:lnRef>
+              <a:fillRef idx="1">
+                <a:schemeClr val="accent5"/>
+              </a:fillRef>
+              <a:effectRef idx="0">
+                <a:schemeClr val="accent5"/>
+              </a:effectRef>
+              <a:fontRef idx="minor">
+                <a:schemeClr val="lt1"/>
+              </a:fontRef>
+            </p:style>
+            <p:txBody>
+              <a:bodyPr rtlCol="0" anchor="ctr"/>
+              <a:lstStyle/>
+              <a:p>
+                <a:pPr algn="ctr"/>
+                <a:endParaRPr lang="ko-KR" altLang="en-US"/>
+              </a:p>
+            </p:txBody>
+          </p:sp>
+        </p:grpSp>
+      </p:grpSp>
+      <p:grpSp>
+        <p:nvGrpSpPr>
+          <p:cNvPr id="17" name="그룹 16"/>
+          <p:cNvGrpSpPr/>
+          <p:nvPr/>
+        </p:nvGrpSpPr>
+        <p:grpSpPr>
+          <a:xfrm>
+            <a:off x="7709851" y="4679193"/>
+            <a:ext cx="1853441" cy="727421"/>
+            <a:chOff x="2664786" y="5108789"/>
+            <a:chExt cx="1853441" cy="727421"/>
+          </a:xfrm>
+        </p:grpSpPr>
+        <p:sp>
+          <p:nvSpPr>
+            <p:cNvPr id="18" name="직사각형 17"/>
+            <p:cNvSpPr/>
+            <p:nvPr/>
+          </p:nvSpPr>
+          <p:spPr>
+            <a:xfrm>
+              <a:off x="2664786" y="5108789"/>
+              <a:ext cx="1653506" cy="727421"/>
+            </a:xfrm>
+            <a:prstGeom prst="rect">
+              <a:avLst/>
+            </a:prstGeom>
+            <a:solidFill>
+              <a:schemeClr val="accent2">
+                <a:lumMod val="60000"/>
+                <a:lumOff val="40000"/>
+              </a:schemeClr>
+            </a:solidFill>
+          </p:spPr>
+          <p:style>
+            <a:lnRef idx="2">
+              <a:schemeClr val="accent1">
+                <a:shade val="50000"/>
+              </a:schemeClr>
+            </a:lnRef>
+            <a:fillRef idx="1">
+              <a:schemeClr val="accent1"/>
+            </a:fillRef>
+            <a:effectRef idx="0">
+              <a:schemeClr val="accent1"/>
+            </a:effectRef>
+            <a:fontRef idx="minor">
+              <a:schemeClr val="lt1"/>
+            </a:fontRef>
+          </p:style>
+          <p:txBody>
+            <a:bodyPr rtlCol="0" anchor="ctr"/>
+            <a:lstStyle/>
+            <a:p>
+              <a:pPr algn="ctr"/>
+              <a:endParaRPr lang="ko-KR" altLang="en-US"/>
+            </a:p>
+          </p:txBody>
+        </p:sp>
+        <p:grpSp>
+          <p:nvGrpSpPr>
+            <p:cNvPr id="19" name="그룹 18"/>
+            <p:cNvGrpSpPr/>
+            <p:nvPr/>
+          </p:nvGrpSpPr>
+          <p:grpSpPr>
+            <a:xfrm>
+              <a:off x="2721218" y="5168245"/>
+              <a:ext cx="1797009" cy="608508"/>
+              <a:chOff x="2256658" y="5318738"/>
+              <a:chExt cx="1797009" cy="608508"/>
+            </a:xfrm>
+          </p:grpSpPr>
+          <p:pic>
+            <p:nvPicPr>
+              <p:cNvPr id="20" name="Shape 87"/>
+              <p:cNvPicPr preferRelativeResize="0"/>
+              <p:nvPr/>
+            </p:nvPicPr>
+            <p:blipFill rotWithShape="1">
+              <a:blip r:embed="rId5">
+                <a:alphaModFix/>
+              </a:blip>
+              <a:srcRect l="1903" t="49168" b="23188"/>
+              <a:stretch/>
+            </p:blipFill>
+            <p:spPr>
+              <a:xfrm>
+                <a:off x="2920881" y="5318738"/>
+                <a:ext cx="1132786" cy="362882"/>
+              </a:xfrm>
+              <a:prstGeom prst="rect">
+                <a:avLst/>
+              </a:prstGeom>
+              <a:noFill/>
+              <a:ln>
+                <a:noFill/>
+              </a:ln>
+            </p:spPr>
+          </p:pic>
+          <p:pic>
+            <p:nvPicPr>
+              <p:cNvPr id="22" name="Shape 87"/>
+              <p:cNvPicPr preferRelativeResize="0"/>
+              <p:nvPr/>
+            </p:nvPicPr>
+            <p:blipFill rotWithShape="1">
+              <a:blip r:embed="rId5">
+                <a:alphaModFix/>
+                <a:duotone>
+                  <a:schemeClr val="accent1">
+                    <a:shade val="45000"/>
+                    <a:satMod val="135000"/>
+                  </a:schemeClr>
+                  <a:prstClr val="white"/>
+                </a:duotone>
+              </a:blip>
+              <a:srcRect l="1903" t="74584"/>
+              <a:stretch/>
+            </p:blipFill>
+            <p:spPr>
+              <a:xfrm>
+                <a:off x="2896800" y="5646342"/>
+                <a:ext cx="953747" cy="280904"/>
+              </a:xfrm>
+              <a:prstGeom prst="rect">
+                <a:avLst/>
+              </a:prstGeom>
+              <a:noFill/>
+              <a:ln>
+                <a:noFill/>
+              </a:ln>
+            </p:spPr>
+          </p:pic>
+          <p:sp>
+            <p:nvSpPr>
+              <p:cNvPr id="23" name="직사각형 22"/>
+              <p:cNvSpPr/>
+              <p:nvPr/>
+            </p:nvSpPr>
+            <p:spPr>
+              <a:xfrm>
+                <a:off x="2256658" y="5335398"/>
+                <a:ext cx="608451" cy="555478"/>
+              </a:xfrm>
+              <a:prstGeom prst="rect">
+                <a:avLst/>
+              </a:prstGeom>
+              <a:solidFill>
+                <a:schemeClr val="accent1">
+                  <a:lumMod val="20000"/>
+                  <a:lumOff val="80000"/>
+                </a:schemeClr>
+              </a:solidFill>
+            </p:spPr>
+            <p:style>
+              <a:lnRef idx="2">
+                <a:schemeClr val="accent5">
+                  <a:shade val="50000"/>
+                </a:schemeClr>
+              </a:lnRef>
+              <a:fillRef idx="1">
+                <a:schemeClr val="accent5"/>
+              </a:fillRef>
+              <a:effectRef idx="0">
+                <a:schemeClr val="accent5"/>
+              </a:effectRef>
+              <a:fontRef idx="minor">
+                <a:schemeClr val="lt1"/>
+              </a:fontRef>
+            </p:style>
+            <p:txBody>
+              <a:bodyPr rtlCol="0" anchor="ctr"/>
+              <a:lstStyle/>
+              <a:p>
+                <a:pPr algn="ctr"/>
+                <a:endParaRPr lang="ko-KR" altLang="en-US"/>
+              </a:p>
+            </p:txBody>
+          </p:sp>
+        </p:grpSp>
       </p:grpSp>
     </p:spTree>
     <p:extLst>
@@ -4989,8 +5320,8 @@
             </p:nvSpPr>
             <p:spPr>
               <a:xfrm>
-                <a:off x="5736275" y="1790712"/>
-                <a:ext cx="761388" cy="417254"/>
+                <a:off x="5736275" y="1790713"/>
+                <a:ext cx="761388" cy="370546"/>
               </a:xfrm>
               <a:prstGeom prst="roundRect">
                 <a:avLst/>
@@ -5932,7 +6263,7 @@
         </p:nvSpPr>
         <p:spPr>
           <a:xfrm>
-            <a:off x="2364741" y="980767"/>
+            <a:off x="1699013" y="980767"/>
             <a:ext cx="1556836" cy="400110"/>
           </a:xfrm>
           <a:prstGeom prst="rect">
@@ -5961,7 +6292,7 @@
         </p:nvSpPr>
         <p:spPr>
           <a:xfrm>
-            <a:off x="2437496" y="1334010"/>
+            <a:off x="1771768" y="1334010"/>
             <a:ext cx="4377771" cy="923330"/>
           </a:xfrm>
           <a:prstGeom prst="rect">
@@ -6159,7 +6490,7 @@
           <p:spPr>
             <a:xfrm>
               <a:off x="5736275" y="1790712"/>
-              <a:ext cx="761388" cy="417254"/>
+              <a:ext cx="761388" cy="364942"/>
             </a:xfrm>
             <a:prstGeom prst="roundRect">
               <a:avLst/>
@@ -6274,7 +6605,7 @@
         </p:nvSpPr>
         <p:spPr>
           <a:xfrm>
-            <a:off x="6639101" y="980767"/>
+            <a:off x="6149539" y="963680"/>
             <a:ext cx="2069797" cy="400110"/>
           </a:xfrm>
           <a:prstGeom prst="rect">
@@ -6303,8 +6634,8 @@
         </p:nvSpPr>
         <p:spPr>
           <a:xfrm>
-            <a:off x="6888022" y="1363790"/>
-            <a:ext cx="4621778" cy="707886"/>
+            <a:off x="6222294" y="1363790"/>
+            <a:ext cx="4644220" cy="646331"/>
           </a:xfrm>
           <a:prstGeom prst="rect">
             <a:avLst/>
@@ -6317,39 +6648,45 @@
           </a:bodyPr>
           <a:lstStyle/>
           <a:p>
-            <a:r>
-              <a:rPr lang="ko-KR" altLang="en-US" sz="2000" dirty="0"/>
+            <a:pPr marL="457200" indent="-457200">
+              <a:buAutoNum type="arabicPeriod"/>
+            </a:pPr>
+            <a:r>
+              <a:rPr lang="ko-KR" altLang="en-US" dirty="0"/>
               <a:t>첫 </a:t>
             </a:r>
             <a:r>
-              <a:rPr lang="en-US" altLang="ko-KR" sz="2000" dirty="0"/>
+              <a:rPr lang="en-US" altLang="ko-KR" dirty="0"/>
               <a:t>60</a:t>
             </a:r>
             <a:r>
-              <a:rPr lang="ko-KR" altLang="en-US" sz="2000" dirty="0"/>
+              <a:rPr lang="ko-KR" altLang="en-US" dirty="0"/>
               <a:t>초동안은 </a:t>
             </a:r>
             <a:r>
-              <a:rPr lang="en-US" altLang="ko-KR" sz="2000" dirty="0"/>
+              <a:rPr lang="en-US" altLang="ko-KR" dirty="0"/>
               <a:t>20</a:t>
             </a:r>
             <a:r>
-              <a:rPr lang="ko-KR" altLang="en-US" sz="2000" dirty="0"/>
+              <a:rPr lang="ko-KR" altLang="en-US" dirty="0"/>
               <a:t>초마다 한 개 씩 생성</a:t>
             </a:r>
-            <a:endParaRPr lang="en-US" altLang="ko-KR" sz="2000" dirty="0"/>
-          </a:p>
-          <a:p>
-            <a:r>
-              <a:rPr lang="ko-KR" altLang="en-US" sz="2000" dirty="0"/>
+            <a:endParaRPr lang="en-US" altLang="ko-KR" dirty="0"/>
+          </a:p>
+          <a:p>
+            <a:pPr marL="457200" indent="-457200">
+              <a:buAutoNum type="arabicPeriod"/>
+            </a:pPr>
+            <a:r>
+              <a:rPr lang="ko-KR" altLang="en-US" dirty="0"/>
               <a:t>이후부터는 </a:t>
             </a:r>
             <a:r>
-              <a:rPr lang="en-US" altLang="ko-KR" sz="2000" dirty="0"/>
+              <a:rPr lang="en-US" altLang="ko-KR" dirty="0"/>
               <a:t>15</a:t>
             </a:r>
             <a:r>
-              <a:rPr lang="ko-KR" altLang="en-US" sz="2000" dirty="0"/>
+              <a:rPr lang="ko-KR" altLang="en-US" dirty="0"/>
               <a:t>초마다 한 개 씩 생성</a:t>
             </a:r>
           </a:p>
@@ -6370,7 +6707,7 @@
         </p:blipFill>
         <p:spPr>
           <a:xfrm>
-            <a:off x="2204442" y="1316116"/>
+            <a:off x="1538714" y="1316116"/>
             <a:ext cx="247844" cy="401617"/>
           </a:xfrm>
           <a:prstGeom prst="rect">
@@ -6398,7 +6735,7 @@
         </p:blipFill>
         <p:spPr>
           <a:xfrm>
-            <a:off x="2184529" y="1630305"/>
+            <a:off x="1518801" y="1630305"/>
             <a:ext cx="287669" cy="394891"/>
           </a:xfrm>
           <a:prstGeom prst="rect">
@@ -6437,7 +6774,7 @@
         </p:blipFill>
         <p:spPr>
           <a:xfrm>
-            <a:off x="2135212" y="1920674"/>
+            <a:off x="1469484" y="1920674"/>
             <a:ext cx="363834" cy="363834"/>
           </a:xfrm>
           <a:prstGeom prst="rect">
@@ -6501,7 +6838,7 @@
         </p:blipFill>
         <p:spPr>
           <a:xfrm>
-            <a:off x="2810309" y="1720377"/>
+            <a:off x="2810309" y="1997213"/>
             <a:ext cx="6613321" cy="3719993"/>
           </a:xfrm>
           <a:prstGeom prst="rect">
@@ -6517,7 +6854,7 @@
         </p:nvSpPr>
         <p:spPr>
           <a:xfrm>
-            <a:off x="6392718" y="5637491"/>
+            <a:off x="6392718" y="5914327"/>
             <a:ext cx="3793697" cy="547290"/>
           </a:xfrm>
           <a:prstGeom prst="rect">
@@ -6563,7 +6900,7 @@
         </p:nvCxnSpPr>
         <p:spPr>
           <a:xfrm>
-            <a:off x="7031736" y="4774489"/>
+            <a:off x="7031736" y="5051325"/>
             <a:ext cx="1257831" cy="863002"/>
           </a:xfrm>
           <a:prstGeom prst="straightConnector1">
@@ -6603,7 +6940,7 @@
         </p:blipFill>
         <p:spPr>
           <a:xfrm flipH="1">
-            <a:off x="4760499" y="3049161"/>
+            <a:off x="4760499" y="3325997"/>
             <a:ext cx="987141" cy="987141"/>
           </a:xfrm>
           <a:prstGeom prst="rect">
@@ -6633,7 +6970,7 @@
         </p:blipFill>
         <p:spPr>
           <a:xfrm>
-            <a:off x="6608115" y="3121430"/>
+            <a:off x="6608115" y="3398266"/>
             <a:ext cx="812698" cy="812698"/>
           </a:xfrm>
           <a:prstGeom prst="rect">
@@ -6649,7 +6986,7 @@
         </p:nvSpPr>
         <p:spPr>
           <a:xfrm>
-            <a:off x="2611511" y="771737"/>
+            <a:off x="2611511" y="1048573"/>
             <a:ext cx="3943708" cy="646331"/>
           </a:xfrm>
           <a:prstGeom prst="rect">
@@ -6732,7 +7069,7 @@
         </p:nvSpPr>
         <p:spPr>
           <a:xfrm>
-            <a:off x="4041648" y="1956815"/>
+            <a:off x="4041648" y="2233651"/>
             <a:ext cx="4160520" cy="3249405"/>
           </a:xfrm>
           <a:prstGeom prst="donut">
@@ -6786,7 +7123,7 @@
         </p:nvGrpSpPr>
         <p:grpSpPr>
           <a:xfrm>
-            <a:off x="5656395" y="1797766"/>
+            <a:off x="5656395" y="2074602"/>
             <a:ext cx="867651" cy="475488"/>
             <a:chOff x="5687568" y="1753234"/>
             <a:chExt cx="867651" cy="475488"/>
@@ -6847,7 +7184,7 @@
           <p:spPr>
             <a:xfrm>
               <a:off x="5736275" y="1790712"/>
-              <a:ext cx="761388" cy="417254"/>
+              <a:ext cx="761388" cy="358731"/>
             </a:xfrm>
             <a:prstGeom prst="roundRect">
               <a:avLst/>
@@ -6901,46 +7238,40 @@
       </p:grpSp>
       <p:sp>
         <p:nvSpPr>
-          <p:cNvPr id="31" name="TextBox 30"/>
+          <p:cNvPr id="15" name="Shape 108"/>
           <p:cNvSpPr txBox="1"/>
           <p:nvPr/>
         </p:nvSpPr>
         <p:spPr>
           <a:xfrm>
-            <a:off x="6961568" y="771737"/>
-            <a:ext cx="3943708" cy="646331"/>
-          </a:xfrm>
-          <a:prstGeom prst="rect">
-            <a:avLst/>
-          </a:prstGeom>
-          <a:noFill/>
-        </p:spPr>
-        <p:txBody>
-          <a:bodyPr wrap="none" rtlCol="0">
-            <a:spAutoFit/>
+            <a:off x="7223229" y="938898"/>
+            <a:ext cx="4278077" cy="547290"/>
+          </a:xfrm>
+          <a:prstGeom prst="rect">
+            <a:avLst/>
+          </a:prstGeom>
+          <a:solidFill>
+            <a:schemeClr val="lt1"/>
+          </a:solidFill>
+          <a:ln>
+            <a:noFill/>
+          </a:ln>
+        </p:spPr>
+        <p:txBody>
+          <a:bodyPr lIns="121900" tIns="121900" rIns="121900" bIns="121900" anchor="t" anchorCtr="0">
+            <a:noAutofit/>
           </a:bodyPr>
           <a:lstStyle/>
           <a:p>
             <a:r>
-              <a:rPr lang="en-US" altLang="ko-KR" dirty="0"/>
-              <a:t>120</a:t>
-            </a:r>
-            <a:r>
               <a:rPr lang="ko-KR" altLang="en-US" dirty="0"/>
-              <a:t>초 제한시간이 다 되면 발생</a:t>
-            </a:r>
-            <a:endParaRPr lang="en-US" altLang="ko-KR" dirty="0"/>
-          </a:p>
-          <a:p>
-            <a:r>
-              <a:rPr lang="ko-KR" altLang="en-US" dirty="0"/>
-              <a:t>경기장 외곽구역에 독가스가 깔린다</a:t>
+              <a:t>독가스의 효과는 닥터의 스킬과 같다</a:t>
             </a:r>
             <a:r>
               <a:rPr lang="en-US" altLang="ko-KR" dirty="0"/>
               <a:t>.</a:t>
             </a:r>
-            <a:endParaRPr lang="ko-KR" altLang="en-US" dirty="0"/>
+            <a:endParaRPr lang="ko" altLang="en-US" dirty="0"/>
           </a:p>
         </p:txBody>
       </p:sp>
@@ -14920,7 +15251,7 @@
           </a:ln>
           <a:extLst>
             <a:ext uri="{C572A759-6A51-4108-AA02-DFA0A04FC94B}">
-              <ma14:wrappingTextBoxFlag xmlns:ma14="http://schemas.microsoft.com/office/mac/drawingml/2011/main" xmlns="" val="1"/>
+              <ma14:wrappingTextBoxFlag xmlns="" xmlns:ma14="http://schemas.microsoft.com/office/mac/drawingml/2011/main" val="1"/>
             </a:ext>
           </a:extLst>
         </p:spPr>
@@ -15063,7 +15394,7 @@
           </a:effectLst>
           <a:extLst>
             <a:ext uri="{C572A759-6A51-4108-AA02-DFA0A04FC94B}">
-              <ma14:wrappingTextBoxFlag xmlns:ma14="http://schemas.microsoft.com/office/mac/drawingml/2011/main" xmlns="" val="1"/>
+              <ma14:wrappingTextBoxFlag xmlns="" xmlns:ma14="http://schemas.microsoft.com/office/mac/drawingml/2011/main" val="1"/>
             </a:ext>
           </a:extLst>
         </p:spPr>
@@ -15116,7 +15447,7 @@
           </a:effectLst>
           <a:extLst>
             <a:ext uri="{C572A759-6A51-4108-AA02-DFA0A04FC94B}">
-              <ma14:wrappingTextBoxFlag xmlns:ma14="http://schemas.microsoft.com/office/mac/drawingml/2011/main" xmlns="" val="1"/>
+              <ma14:wrappingTextBoxFlag xmlns="" xmlns:ma14="http://schemas.microsoft.com/office/mac/drawingml/2011/main" val="1"/>
             </a:ext>
           </a:extLst>
         </p:spPr>
@@ -15169,7 +15500,7 @@
           </a:effectLst>
           <a:extLst>
             <a:ext uri="{C572A759-6A51-4108-AA02-DFA0A04FC94B}">
-              <ma14:wrappingTextBoxFlag xmlns:ma14="http://schemas.microsoft.com/office/mac/drawingml/2011/main" xmlns="" val="1"/>
+              <ma14:wrappingTextBoxFlag xmlns="" xmlns:ma14="http://schemas.microsoft.com/office/mac/drawingml/2011/main" val="1"/>
             </a:ext>
           </a:extLst>
         </p:spPr>
@@ -15221,7 +15552,7 @@
           </a:effectLst>
           <a:extLst>
             <a:ext uri="{C572A759-6A51-4108-AA02-DFA0A04FC94B}">
-              <ma14:wrappingTextBoxFlag xmlns:ma14="http://schemas.microsoft.com/office/mac/drawingml/2011/main" xmlns="" val="1"/>
+              <ma14:wrappingTextBoxFlag xmlns="" xmlns:ma14="http://schemas.microsoft.com/office/mac/drawingml/2011/main" val="1"/>
             </a:ext>
           </a:extLst>
         </p:spPr>
@@ -15274,7 +15605,7 @@
           </a:effectLst>
           <a:extLst>
             <a:ext uri="{C572A759-6A51-4108-AA02-DFA0A04FC94B}">
-              <ma14:wrappingTextBoxFlag xmlns:ma14="http://schemas.microsoft.com/office/mac/drawingml/2011/main" xmlns="" val="1"/>
+              <ma14:wrappingTextBoxFlag xmlns="" xmlns:ma14="http://schemas.microsoft.com/office/mac/drawingml/2011/main" val="1"/>
             </a:ext>
           </a:extLst>
         </p:spPr>
@@ -15323,7 +15654,7 @@
           </a:ln>
           <a:extLst>
             <a:ext uri="{C572A759-6A51-4108-AA02-DFA0A04FC94B}">
-              <ma14:wrappingTextBoxFlag xmlns:ma14="http://schemas.microsoft.com/office/mac/drawingml/2011/main" xmlns="" val="1"/>
+              <ma14:wrappingTextBoxFlag xmlns="" xmlns:ma14="http://schemas.microsoft.com/office/mac/drawingml/2011/main" val="1"/>
             </a:ext>
           </a:extLst>
         </p:spPr>
@@ -15380,7 +15711,7 @@
           </a:ln>
           <a:extLst>
             <a:ext uri="{C572A759-6A51-4108-AA02-DFA0A04FC94B}">
-              <ma14:wrappingTextBoxFlag xmlns:ma14="http://schemas.microsoft.com/office/mac/drawingml/2011/main" xmlns="" val="1"/>
+              <ma14:wrappingTextBoxFlag xmlns="" xmlns:ma14="http://schemas.microsoft.com/office/mac/drawingml/2011/main" val="1"/>
             </a:ext>
           </a:extLst>
         </p:spPr>
@@ -15436,7 +15767,7 @@
           </a:ln>
           <a:extLst>
             <a:ext uri="{C572A759-6A51-4108-AA02-DFA0A04FC94B}">
-              <ma14:wrappingTextBoxFlag xmlns:ma14="http://schemas.microsoft.com/office/mac/drawingml/2011/main" xmlns="" val="1"/>
+              <ma14:wrappingTextBoxFlag xmlns="" xmlns:ma14="http://schemas.microsoft.com/office/mac/drawingml/2011/main" val="1"/>
             </a:ext>
           </a:extLst>
         </p:spPr>
@@ -15506,7 +15837,7 @@
           </a:ln>
           <a:extLst>
             <a:ext uri="{C572A759-6A51-4108-AA02-DFA0A04FC94B}">
-              <ma14:wrappingTextBoxFlag xmlns:ma14="http://schemas.microsoft.com/office/mac/drawingml/2011/main" xmlns="" val="1"/>
+              <ma14:wrappingTextBoxFlag xmlns="" xmlns:ma14="http://schemas.microsoft.com/office/mac/drawingml/2011/main" val="1"/>
             </a:ext>
           </a:extLst>
         </p:spPr>
@@ -15750,7 +16081,7 @@
           </a:ln>
           <a:extLst>
             <a:ext uri="{C572A759-6A51-4108-AA02-DFA0A04FC94B}">
-              <ma14:wrappingTextBoxFlag xmlns:ma14="http://schemas.microsoft.com/office/mac/drawingml/2011/main" xmlns="" val="1"/>
+              <ma14:wrappingTextBoxFlag xmlns="" xmlns:ma14="http://schemas.microsoft.com/office/mac/drawingml/2011/main" val="1"/>
             </a:ext>
           </a:extLst>
         </p:spPr>
@@ -17915,7 +18246,7 @@
             </a:ln>
             <a:extLst>
               <a:ext uri="{C572A759-6A51-4108-AA02-DFA0A04FC94B}">
-                <ma14:wrappingTextBoxFlag xmlns:ma14="http://schemas.microsoft.com/office/mac/drawingml/2011/main" xmlns="" val="1"/>
+                <ma14:wrappingTextBoxFlag xmlns="" xmlns:ma14="http://schemas.microsoft.com/office/mac/drawingml/2011/main" val="1"/>
               </a:ext>
             </a:extLst>
           </p:spPr>
@@ -17959,7 +18290,7 @@
             </a:ln>
             <a:extLst>
               <a:ext uri="{C572A759-6A51-4108-AA02-DFA0A04FC94B}">
-                <ma14:wrappingTextBoxFlag xmlns:ma14="http://schemas.microsoft.com/office/mac/drawingml/2011/main" xmlns="" val="1"/>
+                <ma14:wrappingTextBoxFlag xmlns="" xmlns:ma14="http://schemas.microsoft.com/office/mac/drawingml/2011/main" val="1"/>
               </a:ext>
             </a:extLst>
           </p:spPr>
@@ -18003,7 +18334,7 @@
             </a:ln>
             <a:extLst>
               <a:ext uri="{C572A759-6A51-4108-AA02-DFA0A04FC94B}">
-                <ma14:wrappingTextBoxFlag xmlns:ma14="http://schemas.microsoft.com/office/mac/drawingml/2011/main" xmlns="" val="1"/>
+                <ma14:wrappingTextBoxFlag xmlns="" xmlns:ma14="http://schemas.microsoft.com/office/mac/drawingml/2011/main" val="1"/>
               </a:ext>
             </a:extLst>
           </p:spPr>
@@ -18164,7 +18495,7 @@
             </a:effectLst>
             <a:extLst>
               <a:ext uri="{C572A759-6A51-4108-AA02-DFA0A04FC94B}">
-                <ma14:wrappingTextBoxFlag xmlns:ma14="http://schemas.microsoft.com/office/mac/drawingml/2011/main" xmlns="" val="1"/>
+                <ma14:wrappingTextBoxFlag xmlns="" xmlns:ma14="http://schemas.microsoft.com/office/mac/drawingml/2011/main" val="1"/>
               </a:ext>
             </a:extLst>
           </p:spPr>
@@ -18224,7 +18555,7 @@
             </a:effectLst>
             <a:extLst>
               <a:ext uri="{C572A759-6A51-4108-AA02-DFA0A04FC94B}">
-                <ma14:wrappingTextBoxFlag xmlns:ma14="http://schemas.microsoft.com/office/mac/drawingml/2011/main" xmlns="" val="1"/>
+                <ma14:wrappingTextBoxFlag xmlns="" xmlns:ma14="http://schemas.microsoft.com/office/mac/drawingml/2011/main" val="1"/>
               </a:ext>
             </a:extLst>
           </p:spPr>
@@ -18279,7 +18610,7 @@
             </a:effectLst>
             <a:extLst>
               <a:ext uri="{C572A759-6A51-4108-AA02-DFA0A04FC94B}">
-                <ma14:wrappingTextBoxFlag xmlns:ma14="http://schemas.microsoft.com/office/mac/drawingml/2011/main" xmlns="" val="1"/>
+                <ma14:wrappingTextBoxFlag xmlns="" xmlns:ma14="http://schemas.microsoft.com/office/mac/drawingml/2011/main" val="1"/>
               </a:ext>
             </a:extLst>
           </p:spPr>
@@ -18323,7 +18654,7 @@
             </a:ln>
             <a:extLst>
               <a:ext uri="{C572A759-6A51-4108-AA02-DFA0A04FC94B}">
-                <ma14:wrappingTextBoxFlag xmlns:ma14="http://schemas.microsoft.com/office/mac/drawingml/2011/main" xmlns="" val="1"/>
+                <ma14:wrappingTextBoxFlag xmlns="" xmlns:ma14="http://schemas.microsoft.com/office/mac/drawingml/2011/main" val="1"/>
               </a:ext>
             </a:extLst>
           </p:spPr>
@@ -18518,7 +18849,7 @@
             </a:effectLst>
             <a:extLst>
               <a:ext uri="{C572A759-6A51-4108-AA02-DFA0A04FC94B}">
-                <ma14:wrappingTextBoxFlag xmlns:ma14="http://schemas.microsoft.com/office/mac/drawingml/2011/main" xmlns="" val="1"/>
+                <ma14:wrappingTextBoxFlag xmlns="" xmlns:ma14="http://schemas.microsoft.com/office/mac/drawingml/2011/main" val="1"/>
               </a:ext>
             </a:extLst>
           </p:spPr>
@@ -19862,7 +20193,7 @@
             </a:effectLst>
             <a:extLst>
               <a:ext uri="{C572A759-6A51-4108-AA02-DFA0A04FC94B}">
-                <ma14:wrappingTextBoxFlag xmlns:ma14="http://schemas.microsoft.com/office/mac/drawingml/2011/main" xmlns="" val="1"/>
+                <ma14:wrappingTextBoxFlag xmlns="" xmlns:ma14="http://schemas.microsoft.com/office/mac/drawingml/2011/main" val="1"/>
               </a:ext>
             </a:extLst>
           </p:spPr>
@@ -19916,7 +20247,7 @@
             </a:effectLst>
             <a:extLst>
               <a:ext uri="{C572A759-6A51-4108-AA02-DFA0A04FC94B}">
-                <ma14:wrappingTextBoxFlag xmlns:ma14="http://schemas.microsoft.com/office/mac/drawingml/2011/main" xmlns="" val="1"/>
+                <ma14:wrappingTextBoxFlag xmlns="" xmlns:ma14="http://schemas.microsoft.com/office/mac/drawingml/2011/main" val="1"/>
               </a:ext>
             </a:extLst>
           </p:spPr>
@@ -19970,7 +20301,7 @@
             </a:effectLst>
             <a:extLst>
               <a:ext uri="{C572A759-6A51-4108-AA02-DFA0A04FC94B}">
-                <ma14:wrappingTextBoxFlag xmlns:ma14="http://schemas.microsoft.com/office/mac/drawingml/2011/main" xmlns="" val="1"/>
+                <ma14:wrappingTextBoxFlag xmlns="" xmlns:ma14="http://schemas.microsoft.com/office/mac/drawingml/2011/main" val="1"/>
               </a:ext>
             </a:extLst>
           </p:spPr>
@@ -20014,7 +20345,7 @@
             </a:ln>
             <a:extLst>
               <a:ext uri="{C572A759-6A51-4108-AA02-DFA0A04FC94B}">
-                <ma14:wrappingTextBoxFlag xmlns:ma14="http://schemas.microsoft.com/office/mac/drawingml/2011/main" xmlns="" val="1"/>
+                <ma14:wrappingTextBoxFlag xmlns="" xmlns:ma14="http://schemas.microsoft.com/office/mac/drawingml/2011/main" val="1"/>
               </a:ext>
             </a:extLst>
           </p:spPr>
@@ -20152,7 +20483,7 @@
             </a:ln>
             <a:extLst>
               <a:ext uri="{C572A759-6A51-4108-AA02-DFA0A04FC94B}">
-                <ma14:wrappingTextBoxFlag xmlns:ma14="http://schemas.microsoft.com/office/mac/drawingml/2011/main" xmlns="" val="1"/>
+                <ma14:wrappingTextBoxFlag xmlns="" xmlns:ma14="http://schemas.microsoft.com/office/mac/drawingml/2011/main" val="1"/>
               </a:ext>
             </a:extLst>
           </p:spPr>
@@ -20205,7 +20536,7 @@
             </a:ln>
             <a:extLst>
               <a:ext uri="{C572A759-6A51-4108-AA02-DFA0A04FC94B}">
-                <ma14:wrappingTextBoxFlag xmlns:ma14="http://schemas.microsoft.com/office/mac/drawingml/2011/main" xmlns="" val="1"/>
+                <ma14:wrappingTextBoxFlag xmlns="" xmlns:ma14="http://schemas.microsoft.com/office/mac/drawingml/2011/main" val="1"/>
               </a:ext>
             </a:extLst>
           </p:spPr>
@@ -20274,7 +20605,7 @@
             </a:ln>
             <a:extLst>
               <a:ext uri="{C572A759-6A51-4108-AA02-DFA0A04FC94B}">
-                <ma14:wrappingTextBoxFlag xmlns:ma14="http://schemas.microsoft.com/office/mac/drawingml/2011/main" xmlns="" val="1"/>
+                <ma14:wrappingTextBoxFlag xmlns="" xmlns:ma14="http://schemas.microsoft.com/office/mac/drawingml/2011/main" val="1"/>
               </a:ext>
             </a:extLst>
           </p:spPr>
@@ -20415,7 +20746,7 @@
             </a:ln>
             <a:extLst>
               <a:ext uri="{C572A759-6A51-4108-AA02-DFA0A04FC94B}">
-                <ma14:wrappingTextBoxFlag xmlns:ma14="http://schemas.microsoft.com/office/mac/drawingml/2011/main" xmlns="" val="1"/>
+                <ma14:wrappingTextBoxFlag xmlns="" xmlns:ma14="http://schemas.microsoft.com/office/mac/drawingml/2011/main" val="1"/>
               </a:ext>
             </a:extLst>
           </p:spPr>
@@ -20604,7 +20935,7 @@
             </a:ln>
             <a:extLst>
               <a:ext uri="{C572A759-6A51-4108-AA02-DFA0A04FC94B}">
-                <ma14:wrappingTextBoxFlag xmlns:ma14="http://schemas.microsoft.com/office/mac/drawingml/2011/main" xmlns="" val="1"/>
+                <ma14:wrappingTextBoxFlag xmlns="" xmlns:ma14="http://schemas.microsoft.com/office/mac/drawingml/2011/main" val="1"/>
               </a:ext>
             </a:extLst>
           </p:spPr>
@@ -20672,7 +21003,7 @@
             </a:effectLst>
             <a:extLst>
               <a:ext uri="{C572A759-6A51-4108-AA02-DFA0A04FC94B}">
-                <ma14:wrappingTextBoxFlag xmlns:ma14="http://schemas.microsoft.com/office/mac/drawingml/2011/main" xmlns="" val="1"/>
+                <ma14:wrappingTextBoxFlag xmlns="" xmlns:ma14="http://schemas.microsoft.com/office/mac/drawingml/2011/main" val="1"/>
               </a:ext>
             </a:extLst>
           </p:spPr>
@@ -20726,7 +21057,7 @@
             </a:effectLst>
             <a:extLst>
               <a:ext uri="{C572A759-6A51-4108-AA02-DFA0A04FC94B}">
-                <ma14:wrappingTextBoxFlag xmlns:ma14="http://schemas.microsoft.com/office/mac/drawingml/2011/main" xmlns="" val="1"/>
+                <ma14:wrappingTextBoxFlag xmlns="" xmlns:ma14="http://schemas.microsoft.com/office/mac/drawingml/2011/main" val="1"/>
               </a:ext>
             </a:extLst>
           </p:spPr>
@@ -20782,7 +21113,7 @@
             </a:effectLst>
             <a:extLst>
               <a:ext uri="{C572A759-6A51-4108-AA02-DFA0A04FC94B}">
-                <ma14:wrappingTextBoxFlag xmlns:ma14="http://schemas.microsoft.com/office/mac/drawingml/2011/main" xmlns="" val="1"/>
+                <ma14:wrappingTextBoxFlag xmlns="" xmlns:ma14="http://schemas.microsoft.com/office/mac/drawingml/2011/main" val="1"/>
               </a:ext>
             </a:extLst>
           </p:spPr>

--- a/Plan/Rocketman_씬&스킬구성.pptx
+++ b/Plan/Rocketman_씬&스킬구성.pptx
@@ -226,7 +226,7 @@
           <a:p>
             <a:fld id="{57704031-5B01-4F61-8677-73B8A0B9E998}" type="datetimeFigureOut">
               <a:rPr lang="ko-KR" altLang="en-US" smtClean="0"/>
-              <a:t>2017-04-29</a:t>
+              <a:t>2017-04-30</a:t>
             </a:fld>
             <a:endParaRPr lang="ko-KR" altLang="en-US"/>
           </a:p>
@@ -728,7 +728,7 @@
           <a:p>
             <a:fld id="{A8BC77ED-0C25-4572-8E03-EB44A7DCE108}" type="datetimeFigureOut">
               <a:rPr lang="ko-KR" altLang="en-US" smtClean="0"/>
-              <a:t>2017-04-29</a:t>
+              <a:t>2017-04-30</a:t>
             </a:fld>
             <a:endParaRPr lang="ko-KR" altLang="en-US"/>
           </a:p>
@@ -896,7 +896,7 @@
           <a:p>
             <a:fld id="{A8BC77ED-0C25-4572-8E03-EB44A7DCE108}" type="datetimeFigureOut">
               <a:rPr lang="ko-KR" altLang="en-US" smtClean="0"/>
-              <a:t>2017-04-29</a:t>
+              <a:t>2017-04-30</a:t>
             </a:fld>
             <a:endParaRPr lang="ko-KR" altLang="en-US"/>
           </a:p>
@@ -1074,7 +1074,7 @@
           <a:p>
             <a:fld id="{A8BC77ED-0C25-4572-8E03-EB44A7DCE108}" type="datetimeFigureOut">
               <a:rPr lang="ko-KR" altLang="en-US" smtClean="0"/>
-              <a:t>2017-04-29</a:t>
+              <a:t>2017-04-30</a:t>
             </a:fld>
             <a:endParaRPr lang="ko-KR" altLang="en-US"/>
           </a:p>
@@ -1299,7 +1299,7 @@
           <a:p>
             <a:fld id="{A8BC77ED-0C25-4572-8E03-EB44A7DCE108}" type="datetimeFigureOut">
               <a:rPr lang="ko-KR" altLang="en-US" smtClean="0"/>
-              <a:t>2017-04-29</a:t>
+              <a:t>2017-04-30</a:t>
             </a:fld>
             <a:endParaRPr lang="ko-KR" altLang="en-US"/>
           </a:p>
@@ -1544,7 +1544,7 @@
           <a:p>
             <a:fld id="{A8BC77ED-0C25-4572-8E03-EB44A7DCE108}" type="datetimeFigureOut">
               <a:rPr lang="ko-KR" altLang="en-US" smtClean="0"/>
-              <a:t>2017-04-29</a:t>
+              <a:t>2017-04-30</a:t>
             </a:fld>
             <a:endParaRPr lang="ko-KR" altLang="en-US"/>
           </a:p>
@@ -1773,7 +1773,7 @@
           <a:p>
             <a:fld id="{A8BC77ED-0C25-4572-8E03-EB44A7DCE108}" type="datetimeFigureOut">
               <a:rPr lang="ko-KR" altLang="en-US" smtClean="0"/>
-              <a:t>2017-04-29</a:t>
+              <a:t>2017-04-30</a:t>
             </a:fld>
             <a:endParaRPr lang="ko-KR" altLang="en-US"/>
           </a:p>
@@ -2137,7 +2137,7 @@
           <a:p>
             <a:fld id="{A8BC77ED-0C25-4572-8E03-EB44A7DCE108}" type="datetimeFigureOut">
               <a:rPr lang="ko-KR" altLang="en-US" smtClean="0"/>
-              <a:t>2017-04-29</a:t>
+              <a:t>2017-04-30</a:t>
             </a:fld>
             <a:endParaRPr lang="ko-KR" altLang="en-US"/>
           </a:p>
@@ -2254,7 +2254,7 @@
           <a:p>
             <a:fld id="{A8BC77ED-0C25-4572-8E03-EB44A7DCE108}" type="datetimeFigureOut">
               <a:rPr lang="ko-KR" altLang="en-US" smtClean="0"/>
-              <a:t>2017-04-29</a:t>
+              <a:t>2017-04-30</a:t>
             </a:fld>
             <a:endParaRPr lang="ko-KR" altLang="en-US"/>
           </a:p>
@@ -2349,7 +2349,7 @@
           <a:p>
             <a:fld id="{A8BC77ED-0C25-4572-8E03-EB44A7DCE108}" type="datetimeFigureOut">
               <a:rPr lang="ko-KR" altLang="en-US" smtClean="0"/>
-              <a:t>2017-04-29</a:t>
+              <a:t>2017-04-30</a:t>
             </a:fld>
             <a:endParaRPr lang="ko-KR" altLang="en-US"/>
           </a:p>
@@ -2624,7 +2624,7 @@
           <a:p>
             <a:fld id="{A8BC77ED-0C25-4572-8E03-EB44A7DCE108}" type="datetimeFigureOut">
               <a:rPr lang="ko-KR" altLang="en-US" smtClean="0"/>
-              <a:t>2017-04-29</a:t>
+              <a:t>2017-04-30</a:t>
             </a:fld>
             <a:endParaRPr lang="ko-KR" altLang="en-US"/>
           </a:p>
@@ -2876,7 +2876,7 @@
           <a:p>
             <a:fld id="{A8BC77ED-0C25-4572-8E03-EB44A7DCE108}" type="datetimeFigureOut">
               <a:rPr lang="ko-KR" altLang="en-US" smtClean="0"/>
-              <a:t>2017-04-29</a:t>
+              <a:t>2017-04-30</a:t>
             </a:fld>
             <a:endParaRPr lang="ko-KR" altLang="en-US"/>
           </a:p>
@@ -3087,7 +3087,7 @@
           <a:p>
             <a:fld id="{A8BC77ED-0C25-4572-8E03-EB44A7DCE108}" type="datetimeFigureOut">
               <a:rPr lang="ko-KR" altLang="en-US" smtClean="0"/>
-              <a:t>2017-04-29</a:t>
+              <a:t>2017-04-30</a:t>
             </a:fld>
             <a:endParaRPr lang="ko-KR" altLang="en-US"/>
           </a:p>
@@ -3604,8 +3604,8 @@
         </p:nvGrpSpPr>
         <p:grpSpPr>
           <a:xfrm>
-            <a:off x="3524250" y="966269"/>
-            <a:ext cx="5359367" cy="4491556"/>
+            <a:off x="1653505" y="706210"/>
+            <a:ext cx="9059236" cy="5694589"/>
             <a:chOff x="14298719" y="1557094"/>
             <a:chExt cx="9950803" cy="8339526"/>
           </a:xfrm>
@@ -3680,7 +3680,7 @@
             </a:ln>
             <a:extLst>
               <a:ext uri="{C572A759-6A51-4108-AA02-DFA0A04FC94B}">
-                <ma14:wrappingTextBoxFlag xmlns="" xmlns:ma14="http://schemas.microsoft.com/office/mac/drawingml/2011/main" val="1"/>
+                <ma14:wrappingTextBoxFlag xmlns:ma14="http://schemas.microsoft.com/office/mac/drawingml/2011/main" xmlns="" val="1"/>
               </a:ext>
             </a:extLst>
           </p:spPr>
@@ -3694,68 +3694,6 @@
               <a:r>
                 <a:rPr sz="2400" dirty="0"/>
                 <a:t>G U I D E</a:t>
-              </a:r>
-            </a:p>
-          </p:txBody>
-        </p:sp>
-        <p:sp>
-          <p:nvSpPr>
-            <p:cNvPr id="7" name="Character control guide list…"/>
-            <p:cNvSpPr/>
-            <p:nvPr/>
-          </p:nvSpPr>
-          <p:spPr>
-            <a:xfrm>
-              <a:off x="15392419" y="4584372"/>
-              <a:ext cx="7763403" cy="1561970"/>
-            </a:xfrm>
-            <a:prstGeom prst="rect">
-              <a:avLst/>
-            </a:prstGeom>
-            <a:gradFill>
-              <a:gsLst>
-                <a:gs pos="0">
-                  <a:srgbClr val="FBFBFB"/>
-                </a:gs>
-                <a:gs pos="100000">
-                  <a:srgbClr val="BEBEBE"/>
-                </a:gs>
-              </a:gsLst>
-              <a:lin ang="5400000"/>
-            </a:gradFill>
-            <a:ln w="12700">
-              <a:miter lim="400000"/>
-            </a:ln>
-            <a:effectLst>
-              <a:outerShdw blurRad="38100" dist="25400" dir="5400000" rotWithShape="0">
-                <a:srgbClr val="000000">
-                  <a:alpha val="50000"/>
-                </a:srgbClr>
-              </a:outerShdw>
-            </a:effectLst>
-            <a:extLst>
-              <a:ext uri="{C572A759-6A51-4108-AA02-DFA0A04FC94B}">
-                <ma14:wrappingTextBoxFlag xmlns="" xmlns:ma14="http://schemas.microsoft.com/office/mac/drawingml/2011/main" val="1"/>
-              </a:ext>
-            </a:extLst>
-          </p:spPr>
-          <p:txBody>
-            <a:bodyPr lIns="50800" tIns="50800" rIns="50800" bIns="50800" anchor="ctr">
-              <a:spAutoFit/>
-            </a:bodyPr>
-            <a:lstStyle/>
-            <a:p>
-              <a:pPr algn="ctr"/>
-              <a:r>
-                <a:rPr sz="2400" dirty="0"/>
-                <a:t>Character control guide list</a:t>
-              </a:r>
-            </a:p>
-            <a:p>
-              <a:pPr algn="ctr"/>
-              <a:r>
-                <a:rPr sz="2400" dirty="0"/>
-                <a:t>. . .</a:t>
               </a:r>
             </a:p>
           </p:txBody>
@@ -3789,7 +3727,7 @@
             </a:effectLst>
             <a:extLst>
               <a:ext uri="{C572A759-6A51-4108-AA02-DFA0A04FC94B}">
-                <ma14:wrappingTextBoxFlag xmlns="" xmlns:ma14="http://schemas.microsoft.com/office/mac/drawingml/2011/main" val="1"/>
+                <ma14:wrappingTextBoxFlag xmlns:ma14="http://schemas.microsoft.com/office/mac/drawingml/2011/main" xmlns="" val="1"/>
               </a:ext>
             </a:extLst>
           </p:spPr>
@@ -3816,6 +3754,160 @@
           </p:txBody>
         </p:sp>
       </p:grpSp>
+      <p:sp>
+        <p:nvSpPr>
+          <p:cNvPr id="4" name="직사각형 3"/>
+          <p:cNvSpPr/>
+          <p:nvPr/>
+        </p:nvSpPr>
+        <p:spPr>
+          <a:xfrm>
+            <a:off x="2466363" y="1644242"/>
+            <a:ext cx="7508147" cy="3372375"/>
+          </a:xfrm>
+          <a:prstGeom prst="rect">
+            <a:avLst/>
+          </a:prstGeom>
+        </p:spPr>
+        <p:style>
+          <a:lnRef idx="1">
+            <a:schemeClr val="accent3"/>
+          </a:lnRef>
+          <a:fillRef idx="2">
+            <a:schemeClr val="accent3"/>
+          </a:fillRef>
+          <a:effectRef idx="1">
+            <a:schemeClr val="accent3"/>
+          </a:effectRef>
+          <a:fontRef idx="minor">
+            <a:schemeClr val="dk1"/>
+          </a:fontRef>
+        </p:style>
+        <p:txBody>
+          <a:bodyPr rtlCol="0" anchor="ctr"/>
+          <a:lstStyle/>
+          <a:p>
+            <a:pPr algn="ctr"/>
+            <a:r>
+              <a:rPr lang="ko-KR" altLang="en-US" dirty="0" err="1"/>
+              <a:t>조이패드</a:t>
+            </a:r>
+            <a:r>
+              <a:rPr lang="en-US" altLang="ko-KR" dirty="0"/>
+              <a:t>, </a:t>
+            </a:r>
+            <a:r>
+              <a:rPr lang="ko-KR" altLang="en-US" dirty="0"/>
+              <a:t>상하좌우 </a:t>
+            </a:r>
+            <a:r>
+              <a:rPr lang="en-US" altLang="ko-KR" dirty="0"/>
+              <a:t>: </a:t>
+            </a:r>
+            <a:r>
+              <a:rPr lang="ko-KR" altLang="en-US" dirty="0"/>
+              <a:t>이동</a:t>
+            </a:r>
+            <a:endParaRPr lang="en-US" altLang="ko-KR" dirty="0"/>
+          </a:p>
+          <a:p>
+            <a:pPr algn="ctr"/>
+            <a:r>
+              <a:rPr lang="ko-KR" altLang="en-US" dirty="0"/>
+              <a:t>동그라미</a:t>
+            </a:r>
+            <a:r>
+              <a:rPr lang="en-US" altLang="ko-KR" dirty="0"/>
+              <a:t>, L ctrl : </a:t>
+            </a:r>
+            <a:r>
+              <a:rPr lang="ko-KR" altLang="en-US" dirty="0"/>
+              <a:t>일반공격</a:t>
+            </a:r>
+            <a:endParaRPr lang="en-US" altLang="ko-KR" dirty="0"/>
+          </a:p>
+          <a:p>
+            <a:pPr algn="ctr"/>
+            <a:r>
+              <a:rPr lang="ko-KR" altLang="en-US" dirty="0"/>
+              <a:t>세모</a:t>
+            </a:r>
+            <a:r>
+              <a:rPr lang="en-US" altLang="ko-KR" dirty="0"/>
+              <a:t>, L shift : </a:t>
+            </a:r>
+            <a:r>
+              <a:rPr lang="ko-KR" altLang="en-US" dirty="0"/>
+              <a:t>충전</a:t>
+            </a:r>
+            <a:endParaRPr lang="en-US" altLang="ko-KR" dirty="0"/>
+          </a:p>
+          <a:p>
+            <a:pPr algn="ctr"/>
+            <a:r>
+              <a:rPr lang="ko-KR" altLang="en-US" dirty="0"/>
+              <a:t>엑스</a:t>
+            </a:r>
+            <a:r>
+              <a:rPr lang="en-US" altLang="ko-KR" dirty="0"/>
+              <a:t>, Z : </a:t>
+            </a:r>
+            <a:r>
+              <a:rPr lang="ko-KR" altLang="en-US" dirty="0"/>
+              <a:t>회피</a:t>
+            </a:r>
+            <a:endParaRPr lang="en-US" altLang="ko-KR" dirty="0"/>
+          </a:p>
+          <a:p>
+            <a:pPr algn="ctr"/>
+            <a:r>
+              <a:rPr lang="ko-KR" altLang="en-US" dirty="0"/>
+              <a:t>충전 중 동그라미</a:t>
+            </a:r>
+            <a:r>
+              <a:rPr lang="en-US" altLang="ko-KR" dirty="0"/>
+              <a:t>, L ctrl : </a:t>
+            </a:r>
+            <a:r>
+              <a:rPr lang="ko-KR" altLang="en-US" dirty="0"/>
+              <a:t>특수공격</a:t>
+            </a:r>
+            <a:endParaRPr lang="en-US" altLang="ko-KR" dirty="0"/>
+          </a:p>
+          <a:p>
+            <a:pPr algn="ctr"/>
+            <a:endParaRPr lang="en-US" altLang="ko-KR" dirty="0"/>
+          </a:p>
+          <a:p>
+            <a:pPr algn="ctr"/>
+            <a:r>
+              <a:rPr lang="ko-KR" altLang="en-US" dirty="0"/>
+              <a:t>스타트</a:t>
+            </a:r>
+            <a:r>
+              <a:rPr lang="en-US" altLang="ko-KR" dirty="0"/>
+              <a:t>, esc</a:t>
+            </a:r>
+            <a:r>
+              <a:rPr lang="ko-KR" altLang="en-US" dirty="0"/>
+              <a:t> </a:t>
+            </a:r>
+            <a:r>
+              <a:rPr lang="en-US" altLang="ko-KR" dirty="0"/>
+              <a:t>: </a:t>
+            </a:r>
+            <a:r>
+              <a:rPr lang="ko-KR" altLang="en-US" dirty="0"/>
+              <a:t>옵션</a:t>
+            </a:r>
+            <a:endParaRPr lang="en-US" altLang="ko-KR" dirty="0"/>
+          </a:p>
+          <a:p>
+            <a:pPr algn="ctr"/>
+            <a:endParaRPr lang="en-US" altLang="ko-KR" dirty="0"/>
+          </a:p>
+        </p:txBody>
+      </p:sp>
     </p:spTree>
     <p:extLst>
       <p:ext uri="{BB962C8B-B14F-4D97-AF65-F5344CB8AC3E}">
@@ -3848,82 +3940,14 @@
       </p:grpSpPr>
       <p:sp>
         <p:nvSpPr>
-          <p:cNvPr id="210" name="직사각형"/>
-          <p:cNvSpPr/>
-          <p:nvPr/>
-        </p:nvSpPr>
-        <p:spPr>
-          <a:xfrm>
-            <a:off x="4586705" y="1447342"/>
-            <a:ext cx="6133425" cy="4166729"/>
-          </a:xfrm>
-          <a:prstGeom prst="rect">
-            <a:avLst/>
-          </a:prstGeom>
-          <a:ln w="25400">
-            <a:solidFill>
-              <a:srgbClr val="85888D"/>
-            </a:solidFill>
-            <a:miter lim="400000"/>
-          </a:ln>
-        </p:spPr>
-        <p:txBody>
-          <a:bodyPr lIns="25400" tIns="25400" rIns="25400" bIns="25400" anchor="ctr"/>
-          <a:lstStyle/>
-          <a:p>
-            <a:pPr>
-              <a:defRPr sz="3200"/>
-            </a:pPr>
-            <a:endParaRPr sz="1600"/>
-          </a:p>
-        </p:txBody>
-      </p:sp>
-      <p:sp>
-        <p:nvSpPr>
-          <p:cNvPr id="212" name="C R E D I T"/>
-          <p:cNvSpPr/>
-          <p:nvPr/>
-        </p:nvSpPr>
-        <p:spPr>
-          <a:xfrm>
-            <a:off x="6981759" y="1780950"/>
-            <a:ext cx="1343316" cy="359073"/>
-          </a:xfrm>
-          <a:prstGeom prst="rect">
-            <a:avLst/>
-          </a:prstGeom>
-          <a:ln w="12700">
-            <a:miter lim="400000"/>
-          </a:ln>
-          <a:extLst>
-            <a:ext uri="{C572A759-6A51-4108-AA02-DFA0A04FC94B}">
-              <ma14:wrappingTextBoxFlag xmlns="" xmlns:ma14="http://schemas.microsoft.com/office/mac/drawingml/2011/main" val="1"/>
-            </a:ext>
-          </a:extLst>
-        </p:spPr>
-        <p:txBody>
-          <a:bodyPr wrap="none" lIns="25400" tIns="25400" rIns="25400" bIns="25400" anchor="ctr">
-            <a:spAutoFit/>
-          </a:bodyPr>
-          <a:lstStyle/>
-          <a:p>
-            <a:r>
-              <a:rPr sz="2000"/>
-              <a:t>C R E D I T</a:t>
-            </a:r>
-          </a:p>
-        </p:txBody>
-      </p:sp>
-      <p:sp>
-        <p:nvSpPr>
           <p:cNvPr id="213" name="NAME LIST"/>
           <p:cNvSpPr/>
           <p:nvPr/>
         </p:nvSpPr>
         <p:spPr>
           <a:xfrm>
-            <a:off x="5210664" y="2293768"/>
-            <a:ext cx="4885507" cy="2560099"/>
+            <a:off x="1870746" y="1526201"/>
+            <a:ext cx="8208648" cy="4547427"/>
           </a:xfrm>
           <a:prstGeom prst="rect">
             <a:avLst/>
@@ -3951,7 +3975,7 @@
           </a:effectLst>
           <a:extLst>
             <a:ext uri="{C572A759-6A51-4108-AA02-DFA0A04FC94B}">
-              <ma14:wrappingTextBoxFlag xmlns="" xmlns:ma14="http://schemas.microsoft.com/office/mac/drawingml/2011/main" val="1"/>
+              <ma14:wrappingTextBoxFlag xmlns:ma14="http://schemas.microsoft.com/office/mac/drawingml/2011/main" xmlns="" val="1"/>
             </a:ext>
           </a:extLst>
         </p:spPr>
@@ -3960,10 +3984,7 @@
           <a:lstStyle/>
           <a:p>
             <a:pPr algn="ctr"/>
-            <a:r>
-              <a:rPr sz="2000"/>
-              <a:t>NAME LIST</a:t>
-            </a:r>
+            <a:endParaRPr sz="2000" dirty="0"/>
           </a:p>
         </p:txBody>
       </p:sp>
@@ -4005,8 +4026,8 @@
         </p:nvSpPr>
         <p:spPr>
           <a:xfrm>
-            <a:off x="570452" y="3389152"/>
-            <a:ext cx="3743332" cy="369332"/>
+            <a:off x="3632434" y="839463"/>
+            <a:ext cx="3974165" cy="369332"/>
           </a:xfrm>
           <a:prstGeom prst="rect">
             <a:avLst/>
@@ -4021,7 +4042,7 @@
           <a:p>
             <a:r>
               <a:rPr lang="ko-KR" altLang="en-US" dirty="0"/>
-              <a:t>아무 버튼을 누르면 </a:t>
+              <a:t>아무 버튼이나 누르면 </a:t>
             </a:r>
             <a:r>
               <a:rPr lang="ko-KR" altLang="en-US" dirty="0" err="1"/>
@@ -4031,6 +4052,295 @@
               <a:rPr lang="ko-KR" altLang="en-US" dirty="0"/>
               <a:t> </a:t>
             </a:r>
+          </a:p>
+        </p:txBody>
+      </p:sp>
+      <p:sp>
+        <p:nvSpPr>
+          <p:cNvPr id="212" name="C R E D I T"/>
+          <p:cNvSpPr/>
+          <p:nvPr/>
+        </p:nvSpPr>
+        <p:spPr>
+          <a:xfrm>
+            <a:off x="5303412" y="1948729"/>
+            <a:ext cx="1343316" cy="359073"/>
+          </a:xfrm>
+          <a:prstGeom prst="rect">
+            <a:avLst/>
+          </a:prstGeom>
+          <a:ln w="12700">
+            <a:miter lim="400000"/>
+          </a:ln>
+          <a:extLst>
+            <a:ext uri="{C572A759-6A51-4108-AA02-DFA0A04FC94B}">
+              <ma14:wrappingTextBoxFlag xmlns:ma14="http://schemas.microsoft.com/office/mac/drawingml/2011/main" xmlns="" val="1"/>
+            </a:ext>
+          </a:extLst>
+        </p:spPr>
+        <p:txBody>
+          <a:bodyPr wrap="none" lIns="25400" tIns="25400" rIns="25400" bIns="25400" anchor="ctr">
+            <a:spAutoFit/>
+          </a:bodyPr>
+          <a:lstStyle/>
+          <a:p>
+            <a:r>
+              <a:rPr sz="2000" dirty="0"/>
+              <a:t>C R E D I T</a:t>
+            </a:r>
+          </a:p>
+        </p:txBody>
+      </p:sp>
+      <p:sp>
+        <p:nvSpPr>
+          <p:cNvPr id="7" name="C R E D I T"/>
+          <p:cNvSpPr/>
+          <p:nvPr/>
+        </p:nvSpPr>
+        <p:spPr>
+          <a:xfrm>
+            <a:off x="2960776" y="2779097"/>
+            <a:ext cx="1899623" cy="666849"/>
+          </a:xfrm>
+          <a:prstGeom prst="rect">
+            <a:avLst/>
+          </a:prstGeom>
+          <a:ln w="12700">
+            <a:miter lim="400000"/>
+          </a:ln>
+          <a:extLst>
+            <a:ext uri="{C572A759-6A51-4108-AA02-DFA0A04FC94B}">
+              <ma14:wrappingTextBoxFlag xmlns:ma14="http://schemas.microsoft.com/office/mac/drawingml/2011/main" xmlns="" val="1"/>
+            </a:ext>
+          </a:extLst>
+        </p:spPr>
+        <p:txBody>
+          <a:bodyPr wrap="none" lIns="25400" tIns="25400" rIns="25400" bIns="25400" anchor="ctr">
+            <a:spAutoFit/>
+          </a:bodyPr>
+          <a:lstStyle/>
+          <a:p>
+            <a:pPr algn="ctr"/>
+            <a:r>
+              <a:rPr lang="en-US" sz="2000" dirty="0"/>
+              <a:t>Director, Design</a:t>
+            </a:r>
+          </a:p>
+          <a:p>
+            <a:pPr algn="ctr"/>
+            <a:r>
+              <a:rPr lang="en-US" sz="2000" dirty="0"/>
+              <a:t>Yun-Seok Seo</a:t>
+            </a:r>
+            <a:endParaRPr sz="2000" dirty="0"/>
+          </a:p>
+        </p:txBody>
+      </p:sp>
+      <p:sp>
+        <p:nvSpPr>
+          <p:cNvPr id="8" name="C R E D I T"/>
+          <p:cNvSpPr/>
+          <p:nvPr/>
+        </p:nvSpPr>
+        <p:spPr>
+          <a:xfrm>
+            <a:off x="7115703" y="2625208"/>
+            <a:ext cx="2042675" cy="974626"/>
+          </a:xfrm>
+          <a:prstGeom prst="rect">
+            <a:avLst/>
+          </a:prstGeom>
+          <a:ln w="12700">
+            <a:miter lim="400000"/>
+          </a:ln>
+          <a:extLst>
+            <a:ext uri="{C572A759-6A51-4108-AA02-DFA0A04FC94B}">
+              <ma14:wrappingTextBoxFlag xmlns:ma14="http://schemas.microsoft.com/office/mac/drawingml/2011/main" xmlns="" val="1"/>
+            </a:ext>
+          </a:extLst>
+        </p:spPr>
+        <p:txBody>
+          <a:bodyPr wrap="none" lIns="25400" tIns="25400" rIns="25400" bIns="25400" anchor="ctr">
+            <a:spAutoFit/>
+          </a:bodyPr>
+          <a:lstStyle/>
+          <a:p>
+            <a:pPr algn="ctr"/>
+            <a:r>
+              <a:rPr lang="en-US" sz="2000" dirty="0"/>
+              <a:t>Programming</a:t>
+            </a:r>
+          </a:p>
+          <a:p>
+            <a:pPr algn="ctr"/>
+            <a:r>
+              <a:rPr lang="en-US" altLang="ko-KR" sz="2000" dirty="0" err="1"/>
+              <a:t>Geun</a:t>
+            </a:r>
+            <a:r>
+              <a:rPr lang="en-US" altLang="ko-KR" sz="2000" dirty="0"/>
+              <a:t> </a:t>
+            </a:r>
+            <a:r>
+              <a:rPr lang="en-US" altLang="ko-KR" sz="2000" dirty="0" err="1"/>
+              <a:t>Hee</a:t>
+            </a:r>
+            <a:r>
+              <a:rPr lang="en-US" altLang="ko-KR" sz="2000" dirty="0"/>
+              <a:t> Park</a:t>
+            </a:r>
+          </a:p>
+          <a:p>
+            <a:pPr algn="ctr"/>
+            <a:r>
+              <a:rPr lang="en-US" altLang="ko-KR" sz="2000" dirty="0"/>
+              <a:t>Young Chan Park</a:t>
+            </a:r>
+          </a:p>
+        </p:txBody>
+      </p:sp>
+      <p:sp>
+        <p:nvSpPr>
+          <p:cNvPr id="9" name="C R E D I T"/>
+          <p:cNvSpPr/>
+          <p:nvPr/>
+        </p:nvSpPr>
+        <p:spPr>
+          <a:xfrm>
+            <a:off x="3169646" y="4031442"/>
+            <a:ext cx="1481881" cy="666849"/>
+          </a:xfrm>
+          <a:prstGeom prst="rect">
+            <a:avLst/>
+          </a:prstGeom>
+          <a:ln w="12700">
+            <a:miter lim="400000"/>
+          </a:ln>
+          <a:extLst>
+            <a:ext uri="{C572A759-6A51-4108-AA02-DFA0A04FC94B}">
+              <ma14:wrappingTextBoxFlag xmlns:ma14="http://schemas.microsoft.com/office/mac/drawingml/2011/main" xmlns="" val="1"/>
+            </a:ext>
+          </a:extLst>
+        </p:spPr>
+        <p:txBody>
+          <a:bodyPr wrap="none" lIns="25400" tIns="25400" rIns="25400" bIns="25400" anchor="ctr">
+            <a:spAutoFit/>
+          </a:bodyPr>
+          <a:lstStyle/>
+          <a:p>
+            <a:pPr algn="ctr"/>
+            <a:r>
+              <a:rPr lang="en-US" sz="2000" dirty="0"/>
+              <a:t>Art, UI</a:t>
+            </a:r>
+          </a:p>
+          <a:p>
+            <a:pPr algn="ctr"/>
+            <a:r>
+              <a:rPr lang="en-US" sz="2000" dirty="0" err="1"/>
+              <a:t>Dae</a:t>
+            </a:r>
+            <a:r>
+              <a:rPr lang="en-US" sz="2000" dirty="0"/>
+              <a:t> </a:t>
+            </a:r>
+            <a:r>
+              <a:rPr lang="en-US" sz="2000" dirty="0" err="1"/>
+              <a:t>Jin</a:t>
+            </a:r>
+            <a:r>
+              <a:rPr lang="en-US" sz="2000" dirty="0"/>
+              <a:t> Park</a:t>
+            </a:r>
+            <a:endParaRPr sz="2000" dirty="0"/>
+          </a:p>
+        </p:txBody>
+      </p:sp>
+      <p:sp>
+        <p:nvSpPr>
+          <p:cNvPr id="11" name="C R E D I T"/>
+          <p:cNvSpPr/>
+          <p:nvPr/>
+        </p:nvSpPr>
+        <p:spPr>
+          <a:xfrm>
+            <a:off x="7325920" y="4031442"/>
+            <a:ext cx="1622239" cy="666849"/>
+          </a:xfrm>
+          <a:prstGeom prst="rect">
+            <a:avLst/>
+          </a:prstGeom>
+          <a:ln w="12700">
+            <a:miter lim="400000"/>
+          </a:ln>
+          <a:extLst>
+            <a:ext uri="{C572A759-6A51-4108-AA02-DFA0A04FC94B}">
+              <ma14:wrappingTextBoxFlag xmlns:ma14="http://schemas.microsoft.com/office/mac/drawingml/2011/main" xmlns="" val="1"/>
+            </a:ext>
+          </a:extLst>
+        </p:spPr>
+        <p:txBody>
+          <a:bodyPr wrap="none" lIns="25400" tIns="25400" rIns="25400" bIns="25400" anchor="ctr">
+            <a:spAutoFit/>
+          </a:bodyPr>
+          <a:lstStyle/>
+          <a:p>
+            <a:r>
+              <a:rPr lang="en-US" sz="2000" dirty="0"/>
+              <a:t>Music, Sound</a:t>
+            </a:r>
+          </a:p>
+          <a:p>
+            <a:r>
+              <a:rPr lang="en-US" sz="2000" dirty="0" err="1"/>
+              <a:t>Yo</a:t>
+            </a:r>
+            <a:r>
+              <a:rPr lang="en-US" sz="2000" dirty="0"/>
+              <a:t> Han </a:t>
+            </a:r>
+            <a:r>
+              <a:rPr lang="en-US" sz="2000" dirty="0" err="1"/>
+              <a:t>Goe</a:t>
+            </a:r>
+            <a:endParaRPr sz="2000" dirty="0"/>
+          </a:p>
+        </p:txBody>
+      </p:sp>
+      <p:sp>
+        <p:nvSpPr>
+          <p:cNvPr id="12" name="C R E D I T"/>
+          <p:cNvSpPr/>
+          <p:nvPr/>
+        </p:nvSpPr>
+        <p:spPr>
+          <a:xfrm>
+            <a:off x="5095021" y="5133384"/>
+            <a:ext cx="1760097" cy="359073"/>
+          </a:xfrm>
+          <a:prstGeom prst="rect">
+            <a:avLst/>
+          </a:prstGeom>
+          <a:ln w="12700">
+            <a:miter lim="400000"/>
+          </a:ln>
+          <a:extLst>
+            <a:ext uri="{C572A759-6A51-4108-AA02-DFA0A04FC94B}">
+              <ma14:wrappingTextBoxFlag xmlns:ma14="http://schemas.microsoft.com/office/mac/drawingml/2011/main" xmlns="" val="1"/>
+            </a:ext>
+          </a:extLst>
+        </p:spPr>
+        <p:txBody>
+          <a:bodyPr wrap="none" lIns="25400" tIns="25400" rIns="25400" bIns="25400" anchor="ctr">
+            <a:spAutoFit/>
+          </a:bodyPr>
+          <a:lstStyle/>
+          <a:p>
+            <a:r>
+              <a:rPr lang="en-US" sz="2000" dirty="0"/>
+              <a:t>Special Thanks</a:t>
+            </a:r>
+            <a:endParaRPr sz="2000" dirty="0"/>
           </a:p>
         </p:txBody>
       </p:sp>
@@ -15251,7 +15561,7 @@
           </a:ln>
           <a:extLst>
             <a:ext uri="{C572A759-6A51-4108-AA02-DFA0A04FC94B}">
-              <ma14:wrappingTextBoxFlag xmlns="" xmlns:ma14="http://schemas.microsoft.com/office/mac/drawingml/2011/main" val="1"/>
+              <ma14:wrappingTextBoxFlag xmlns:ma14="http://schemas.microsoft.com/office/mac/drawingml/2011/main" xmlns="" val="1"/>
             </a:ext>
           </a:extLst>
         </p:spPr>
@@ -15394,7 +15704,7 @@
           </a:effectLst>
           <a:extLst>
             <a:ext uri="{C572A759-6A51-4108-AA02-DFA0A04FC94B}">
-              <ma14:wrappingTextBoxFlag xmlns="" xmlns:ma14="http://schemas.microsoft.com/office/mac/drawingml/2011/main" val="1"/>
+              <ma14:wrappingTextBoxFlag xmlns:ma14="http://schemas.microsoft.com/office/mac/drawingml/2011/main" xmlns="" val="1"/>
             </a:ext>
           </a:extLst>
         </p:spPr>
@@ -15447,7 +15757,7 @@
           </a:effectLst>
           <a:extLst>
             <a:ext uri="{C572A759-6A51-4108-AA02-DFA0A04FC94B}">
-              <ma14:wrappingTextBoxFlag xmlns="" xmlns:ma14="http://schemas.microsoft.com/office/mac/drawingml/2011/main" val="1"/>
+              <ma14:wrappingTextBoxFlag xmlns:ma14="http://schemas.microsoft.com/office/mac/drawingml/2011/main" xmlns="" val="1"/>
             </a:ext>
           </a:extLst>
         </p:spPr>
@@ -15500,7 +15810,7 @@
           </a:effectLst>
           <a:extLst>
             <a:ext uri="{C572A759-6A51-4108-AA02-DFA0A04FC94B}">
-              <ma14:wrappingTextBoxFlag xmlns="" xmlns:ma14="http://schemas.microsoft.com/office/mac/drawingml/2011/main" val="1"/>
+              <ma14:wrappingTextBoxFlag xmlns:ma14="http://schemas.microsoft.com/office/mac/drawingml/2011/main" xmlns="" val="1"/>
             </a:ext>
           </a:extLst>
         </p:spPr>
@@ -15552,7 +15862,7 @@
           </a:effectLst>
           <a:extLst>
             <a:ext uri="{C572A759-6A51-4108-AA02-DFA0A04FC94B}">
-              <ma14:wrappingTextBoxFlag xmlns="" xmlns:ma14="http://schemas.microsoft.com/office/mac/drawingml/2011/main" val="1"/>
+              <ma14:wrappingTextBoxFlag xmlns:ma14="http://schemas.microsoft.com/office/mac/drawingml/2011/main" xmlns="" val="1"/>
             </a:ext>
           </a:extLst>
         </p:spPr>
@@ -15605,7 +15915,7 @@
           </a:effectLst>
           <a:extLst>
             <a:ext uri="{C572A759-6A51-4108-AA02-DFA0A04FC94B}">
-              <ma14:wrappingTextBoxFlag xmlns="" xmlns:ma14="http://schemas.microsoft.com/office/mac/drawingml/2011/main" val="1"/>
+              <ma14:wrappingTextBoxFlag xmlns:ma14="http://schemas.microsoft.com/office/mac/drawingml/2011/main" xmlns="" val="1"/>
             </a:ext>
           </a:extLst>
         </p:spPr>
@@ -15654,7 +15964,7 @@
           </a:ln>
           <a:extLst>
             <a:ext uri="{C572A759-6A51-4108-AA02-DFA0A04FC94B}">
-              <ma14:wrappingTextBoxFlag xmlns="" xmlns:ma14="http://schemas.microsoft.com/office/mac/drawingml/2011/main" val="1"/>
+              <ma14:wrappingTextBoxFlag xmlns:ma14="http://schemas.microsoft.com/office/mac/drawingml/2011/main" xmlns="" val="1"/>
             </a:ext>
           </a:extLst>
         </p:spPr>
@@ -15711,7 +16021,7 @@
           </a:ln>
           <a:extLst>
             <a:ext uri="{C572A759-6A51-4108-AA02-DFA0A04FC94B}">
-              <ma14:wrappingTextBoxFlag xmlns="" xmlns:ma14="http://schemas.microsoft.com/office/mac/drawingml/2011/main" val="1"/>
+              <ma14:wrappingTextBoxFlag xmlns:ma14="http://schemas.microsoft.com/office/mac/drawingml/2011/main" xmlns="" val="1"/>
             </a:ext>
           </a:extLst>
         </p:spPr>
@@ -15767,7 +16077,7 @@
           </a:ln>
           <a:extLst>
             <a:ext uri="{C572A759-6A51-4108-AA02-DFA0A04FC94B}">
-              <ma14:wrappingTextBoxFlag xmlns="" xmlns:ma14="http://schemas.microsoft.com/office/mac/drawingml/2011/main" val="1"/>
+              <ma14:wrappingTextBoxFlag xmlns:ma14="http://schemas.microsoft.com/office/mac/drawingml/2011/main" xmlns="" val="1"/>
             </a:ext>
           </a:extLst>
         </p:spPr>
@@ -15837,7 +16147,7 @@
           </a:ln>
           <a:extLst>
             <a:ext uri="{C572A759-6A51-4108-AA02-DFA0A04FC94B}">
-              <ma14:wrappingTextBoxFlag xmlns="" xmlns:ma14="http://schemas.microsoft.com/office/mac/drawingml/2011/main" val="1"/>
+              <ma14:wrappingTextBoxFlag xmlns:ma14="http://schemas.microsoft.com/office/mac/drawingml/2011/main" xmlns="" val="1"/>
             </a:ext>
           </a:extLst>
         </p:spPr>
@@ -16081,7 +16391,7 @@
           </a:ln>
           <a:extLst>
             <a:ext uri="{C572A759-6A51-4108-AA02-DFA0A04FC94B}">
-              <ma14:wrappingTextBoxFlag xmlns="" xmlns:ma14="http://schemas.microsoft.com/office/mac/drawingml/2011/main" val="1"/>
+              <ma14:wrappingTextBoxFlag xmlns:ma14="http://schemas.microsoft.com/office/mac/drawingml/2011/main" xmlns="" val="1"/>
             </a:ext>
           </a:extLst>
         </p:spPr>
@@ -18246,7 +18556,7 @@
             </a:ln>
             <a:extLst>
               <a:ext uri="{C572A759-6A51-4108-AA02-DFA0A04FC94B}">
-                <ma14:wrappingTextBoxFlag xmlns="" xmlns:ma14="http://schemas.microsoft.com/office/mac/drawingml/2011/main" val="1"/>
+                <ma14:wrappingTextBoxFlag xmlns:ma14="http://schemas.microsoft.com/office/mac/drawingml/2011/main" xmlns="" val="1"/>
               </a:ext>
             </a:extLst>
           </p:spPr>
@@ -18290,7 +18600,7 @@
             </a:ln>
             <a:extLst>
               <a:ext uri="{C572A759-6A51-4108-AA02-DFA0A04FC94B}">
-                <ma14:wrappingTextBoxFlag xmlns="" xmlns:ma14="http://schemas.microsoft.com/office/mac/drawingml/2011/main" val="1"/>
+                <ma14:wrappingTextBoxFlag xmlns:ma14="http://schemas.microsoft.com/office/mac/drawingml/2011/main" xmlns="" val="1"/>
               </a:ext>
             </a:extLst>
           </p:spPr>
@@ -18334,7 +18644,7 @@
             </a:ln>
             <a:extLst>
               <a:ext uri="{C572A759-6A51-4108-AA02-DFA0A04FC94B}">
-                <ma14:wrappingTextBoxFlag xmlns="" xmlns:ma14="http://schemas.microsoft.com/office/mac/drawingml/2011/main" val="1"/>
+                <ma14:wrappingTextBoxFlag xmlns:ma14="http://schemas.microsoft.com/office/mac/drawingml/2011/main" xmlns="" val="1"/>
               </a:ext>
             </a:extLst>
           </p:spPr>
@@ -18495,7 +18805,7 @@
             </a:effectLst>
             <a:extLst>
               <a:ext uri="{C572A759-6A51-4108-AA02-DFA0A04FC94B}">
-                <ma14:wrappingTextBoxFlag xmlns="" xmlns:ma14="http://schemas.microsoft.com/office/mac/drawingml/2011/main" val="1"/>
+                <ma14:wrappingTextBoxFlag xmlns:ma14="http://schemas.microsoft.com/office/mac/drawingml/2011/main" xmlns="" val="1"/>
               </a:ext>
             </a:extLst>
           </p:spPr>
@@ -18555,7 +18865,7 @@
             </a:effectLst>
             <a:extLst>
               <a:ext uri="{C572A759-6A51-4108-AA02-DFA0A04FC94B}">
-                <ma14:wrappingTextBoxFlag xmlns="" xmlns:ma14="http://schemas.microsoft.com/office/mac/drawingml/2011/main" val="1"/>
+                <ma14:wrappingTextBoxFlag xmlns:ma14="http://schemas.microsoft.com/office/mac/drawingml/2011/main" xmlns="" val="1"/>
               </a:ext>
             </a:extLst>
           </p:spPr>
@@ -18610,7 +18920,7 @@
             </a:effectLst>
             <a:extLst>
               <a:ext uri="{C572A759-6A51-4108-AA02-DFA0A04FC94B}">
-                <ma14:wrappingTextBoxFlag xmlns="" xmlns:ma14="http://schemas.microsoft.com/office/mac/drawingml/2011/main" val="1"/>
+                <ma14:wrappingTextBoxFlag xmlns:ma14="http://schemas.microsoft.com/office/mac/drawingml/2011/main" xmlns="" val="1"/>
               </a:ext>
             </a:extLst>
           </p:spPr>
@@ -18654,7 +18964,7 @@
             </a:ln>
             <a:extLst>
               <a:ext uri="{C572A759-6A51-4108-AA02-DFA0A04FC94B}">
-                <ma14:wrappingTextBoxFlag xmlns="" xmlns:ma14="http://schemas.microsoft.com/office/mac/drawingml/2011/main" val="1"/>
+                <ma14:wrappingTextBoxFlag xmlns:ma14="http://schemas.microsoft.com/office/mac/drawingml/2011/main" xmlns="" val="1"/>
               </a:ext>
             </a:extLst>
           </p:spPr>
@@ -18849,7 +19159,7 @@
             </a:effectLst>
             <a:extLst>
               <a:ext uri="{C572A759-6A51-4108-AA02-DFA0A04FC94B}">
-                <ma14:wrappingTextBoxFlag xmlns="" xmlns:ma14="http://schemas.microsoft.com/office/mac/drawingml/2011/main" val="1"/>
+                <ma14:wrappingTextBoxFlag xmlns:ma14="http://schemas.microsoft.com/office/mac/drawingml/2011/main" xmlns="" val="1"/>
               </a:ext>
             </a:extLst>
           </p:spPr>
@@ -20193,7 +20503,7 @@
             </a:effectLst>
             <a:extLst>
               <a:ext uri="{C572A759-6A51-4108-AA02-DFA0A04FC94B}">
-                <ma14:wrappingTextBoxFlag xmlns="" xmlns:ma14="http://schemas.microsoft.com/office/mac/drawingml/2011/main" val="1"/>
+                <ma14:wrappingTextBoxFlag xmlns:ma14="http://schemas.microsoft.com/office/mac/drawingml/2011/main" xmlns="" val="1"/>
               </a:ext>
             </a:extLst>
           </p:spPr>
@@ -20247,7 +20557,7 @@
             </a:effectLst>
             <a:extLst>
               <a:ext uri="{C572A759-6A51-4108-AA02-DFA0A04FC94B}">
-                <ma14:wrappingTextBoxFlag xmlns="" xmlns:ma14="http://schemas.microsoft.com/office/mac/drawingml/2011/main" val="1"/>
+                <ma14:wrappingTextBoxFlag xmlns:ma14="http://schemas.microsoft.com/office/mac/drawingml/2011/main" xmlns="" val="1"/>
               </a:ext>
             </a:extLst>
           </p:spPr>
@@ -20301,7 +20611,7 @@
             </a:effectLst>
             <a:extLst>
               <a:ext uri="{C572A759-6A51-4108-AA02-DFA0A04FC94B}">
-                <ma14:wrappingTextBoxFlag xmlns="" xmlns:ma14="http://schemas.microsoft.com/office/mac/drawingml/2011/main" val="1"/>
+                <ma14:wrappingTextBoxFlag xmlns:ma14="http://schemas.microsoft.com/office/mac/drawingml/2011/main" xmlns="" val="1"/>
               </a:ext>
             </a:extLst>
           </p:spPr>
@@ -20345,7 +20655,7 @@
             </a:ln>
             <a:extLst>
               <a:ext uri="{C572A759-6A51-4108-AA02-DFA0A04FC94B}">
-                <ma14:wrappingTextBoxFlag xmlns="" xmlns:ma14="http://schemas.microsoft.com/office/mac/drawingml/2011/main" val="1"/>
+                <ma14:wrappingTextBoxFlag xmlns:ma14="http://schemas.microsoft.com/office/mac/drawingml/2011/main" xmlns="" val="1"/>
               </a:ext>
             </a:extLst>
           </p:spPr>
@@ -20483,7 +20793,7 @@
             </a:ln>
             <a:extLst>
               <a:ext uri="{C572A759-6A51-4108-AA02-DFA0A04FC94B}">
-                <ma14:wrappingTextBoxFlag xmlns="" xmlns:ma14="http://schemas.microsoft.com/office/mac/drawingml/2011/main" val="1"/>
+                <ma14:wrappingTextBoxFlag xmlns:ma14="http://schemas.microsoft.com/office/mac/drawingml/2011/main" xmlns="" val="1"/>
               </a:ext>
             </a:extLst>
           </p:spPr>
@@ -20536,7 +20846,7 @@
             </a:ln>
             <a:extLst>
               <a:ext uri="{C572A759-6A51-4108-AA02-DFA0A04FC94B}">
-                <ma14:wrappingTextBoxFlag xmlns="" xmlns:ma14="http://schemas.microsoft.com/office/mac/drawingml/2011/main" val="1"/>
+                <ma14:wrappingTextBoxFlag xmlns:ma14="http://schemas.microsoft.com/office/mac/drawingml/2011/main" xmlns="" val="1"/>
               </a:ext>
             </a:extLst>
           </p:spPr>
@@ -20605,7 +20915,7 @@
             </a:ln>
             <a:extLst>
               <a:ext uri="{C572A759-6A51-4108-AA02-DFA0A04FC94B}">
-                <ma14:wrappingTextBoxFlag xmlns="" xmlns:ma14="http://schemas.microsoft.com/office/mac/drawingml/2011/main" val="1"/>
+                <ma14:wrappingTextBoxFlag xmlns:ma14="http://schemas.microsoft.com/office/mac/drawingml/2011/main" xmlns="" val="1"/>
               </a:ext>
             </a:extLst>
           </p:spPr>
@@ -20746,7 +21056,7 @@
             </a:ln>
             <a:extLst>
               <a:ext uri="{C572A759-6A51-4108-AA02-DFA0A04FC94B}">
-                <ma14:wrappingTextBoxFlag xmlns="" xmlns:ma14="http://schemas.microsoft.com/office/mac/drawingml/2011/main" val="1"/>
+                <ma14:wrappingTextBoxFlag xmlns:ma14="http://schemas.microsoft.com/office/mac/drawingml/2011/main" xmlns="" val="1"/>
               </a:ext>
             </a:extLst>
           </p:spPr>
@@ -20935,7 +21245,7 @@
             </a:ln>
             <a:extLst>
               <a:ext uri="{C572A759-6A51-4108-AA02-DFA0A04FC94B}">
-                <ma14:wrappingTextBoxFlag xmlns="" xmlns:ma14="http://schemas.microsoft.com/office/mac/drawingml/2011/main" val="1"/>
+                <ma14:wrappingTextBoxFlag xmlns:ma14="http://schemas.microsoft.com/office/mac/drawingml/2011/main" xmlns="" val="1"/>
               </a:ext>
             </a:extLst>
           </p:spPr>
@@ -21003,7 +21313,7 @@
             </a:effectLst>
             <a:extLst>
               <a:ext uri="{C572A759-6A51-4108-AA02-DFA0A04FC94B}">
-                <ma14:wrappingTextBoxFlag xmlns="" xmlns:ma14="http://schemas.microsoft.com/office/mac/drawingml/2011/main" val="1"/>
+                <ma14:wrappingTextBoxFlag xmlns:ma14="http://schemas.microsoft.com/office/mac/drawingml/2011/main" xmlns="" val="1"/>
               </a:ext>
             </a:extLst>
           </p:spPr>
@@ -21057,7 +21367,7 @@
             </a:effectLst>
             <a:extLst>
               <a:ext uri="{C572A759-6A51-4108-AA02-DFA0A04FC94B}">
-                <ma14:wrappingTextBoxFlag xmlns="" xmlns:ma14="http://schemas.microsoft.com/office/mac/drawingml/2011/main" val="1"/>
+                <ma14:wrappingTextBoxFlag xmlns:ma14="http://schemas.microsoft.com/office/mac/drawingml/2011/main" xmlns="" val="1"/>
               </a:ext>
             </a:extLst>
           </p:spPr>
@@ -21113,7 +21423,7 @@
             </a:effectLst>
             <a:extLst>
               <a:ext uri="{C572A759-6A51-4108-AA02-DFA0A04FC94B}">
-                <ma14:wrappingTextBoxFlag xmlns="" xmlns:ma14="http://schemas.microsoft.com/office/mac/drawingml/2011/main" val="1"/>
+                <ma14:wrappingTextBoxFlag xmlns:ma14="http://schemas.microsoft.com/office/mac/drawingml/2011/main" xmlns="" val="1"/>
               </a:ext>
             </a:extLst>
           </p:spPr>

--- a/Plan/Rocketman_씬&스킬구성.pptx
+++ b/Plan/Rocketman_씬&스킬구성.pptx
@@ -5,7 +5,7 @@
     <p:sldMasterId id="2147483648" r:id="rId1"/>
   </p:sldMasterIdLst>
   <p:notesMasterIdLst>
-    <p:notesMasterId r:id="rId28"/>
+    <p:notesMasterId r:id="rId31"/>
   </p:notesMasterIdLst>
   <p:sldIdLst>
     <p:sldId id="287" r:id="rId2"/>
@@ -18,22 +18,25 @@
     <p:sldId id="279" r:id="rId9"/>
     <p:sldId id="277" r:id="rId10"/>
     <p:sldId id="280" r:id="rId11"/>
-    <p:sldId id="286" r:id="rId12"/>
-    <p:sldId id="269" r:id="rId13"/>
-    <p:sldId id="282" r:id="rId14"/>
-    <p:sldId id="290" r:id="rId15"/>
-    <p:sldId id="283" r:id="rId16"/>
-    <p:sldId id="289" r:id="rId17"/>
-    <p:sldId id="288" r:id="rId18"/>
-    <p:sldId id="268" r:id="rId19"/>
-    <p:sldId id="264" r:id="rId20"/>
-    <p:sldId id="267" r:id="rId21"/>
-    <p:sldId id="265" r:id="rId22"/>
-    <p:sldId id="270" r:id="rId23"/>
-    <p:sldId id="259" r:id="rId24"/>
-    <p:sldId id="261" r:id="rId25"/>
-    <p:sldId id="262" r:id="rId26"/>
-    <p:sldId id="263" r:id="rId27"/>
+    <p:sldId id="291" r:id="rId12"/>
+    <p:sldId id="292" r:id="rId13"/>
+    <p:sldId id="293" r:id="rId14"/>
+    <p:sldId id="286" r:id="rId15"/>
+    <p:sldId id="269" r:id="rId16"/>
+    <p:sldId id="282" r:id="rId17"/>
+    <p:sldId id="290" r:id="rId18"/>
+    <p:sldId id="283" r:id="rId19"/>
+    <p:sldId id="289" r:id="rId20"/>
+    <p:sldId id="288" r:id="rId21"/>
+    <p:sldId id="268" r:id="rId22"/>
+    <p:sldId id="264" r:id="rId23"/>
+    <p:sldId id="267" r:id="rId24"/>
+    <p:sldId id="265" r:id="rId25"/>
+    <p:sldId id="270" r:id="rId26"/>
+    <p:sldId id="259" r:id="rId27"/>
+    <p:sldId id="261" r:id="rId28"/>
+    <p:sldId id="262" r:id="rId29"/>
+    <p:sldId id="263" r:id="rId30"/>
   </p:sldIdLst>
   <p:sldSz cx="12192000" cy="6858000"/>
   <p:notesSz cx="6858000" cy="9144000"/>
@@ -3680,7 +3683,7 @@
             </a:ln>
             <a:extLst>
               <a:ext uri="{C572A759-6A51-4108-AA02-DFA0A04FC94B}">
-                <ma14:wrappingTextBoxFlag xmlns:ma14="http://schemas.microsoft.com/office/mac/drawingml/2011/main" xmlns="" val="1"/>
+                <ma14:wrappingTextBoxFlag xmlns="" xmlns:ma14="http://schemas.microsoft.com/office/mac/drawingml/2011/main" val="1"/>
               </a:ext>
             </a:extLst>
           </p:spPr>
@@ -3727,7 +3730,7 @@
             </a:effectLst>
             <a:extLst>
               <a:ext uri="{C572A759-6A51-4108-AA02-DFA0A04FC94B}">
-                <ma14:wrappingTextBoxFlag xmlns:ma14="http://schemas.microsoft.com/office/mac/drawingml/2011/main" xmlns="" val="1"/>
+                <ma14:wrappingTextBoxFlag xmlns="" xmlns:ma14="http://schemas.microsoft.com/office/mac/drawingml/2011/main" val="1"/>
               </a:ext>
             </a:extLst>
           </p:spPr>
@@ -3908,6 +3911,35 @@
           </a:p>
         </p:txBody>
       </p:sp>
+      <p:pic>
+        <p:nvPicPr>
+          <p:cNvPr id="9" name="그림 8"/>
+          <p:cNvPicPr>
+            <a:picLocks noChangeAspect="1"/>
+          </p:cNvPicPr>
+          <p:nvPr/>
+        </p:nvPicPr>
+        <p:blipFill rotWithShape="1">
+          <a:blip r:embed="rId3">
+            <a:extLst>
+              <a:ext uri="{28A0092B-C50C-407E-A947-70E740481C1C}">
+                <a14:useLocalDpi xmlns:a14="http://schemas.microsoft.com/office/drawing/2010/main" val="0"/>
+              </a:ext>
+            </a:extLst>
+          </a:blip>
+          <a:srcRect l="9531" t="6324" r="5093" b="37121"/>
+          <a:stretch/>
+        </p:blipFill>
+        <p:spPr>
+          <a:xfrm>
+            <a:off x="3256451" y="1644242"/>
+            <a:ext cx="6006517" cy="3551752"/>
+          </a:xfrm>
+          <a:prstGeom prst="rect">
+            <a:avLst/>
+          </a:prstGeom>
+        </p:spPr>
+      </p:pic>
     </p:spTree>
     <p:extLst>
       <p:ext uri="{BB962C8B-B14F-4D97-AF65-F5344CB8AC3E}">
@@ -3940,6 +3972,1245 @@
       </p:grpSpPr>
       <p:sp>
         <p:nvSpPr>
+          <p:cNvPr id="3" name="TextBox 2"/>
+          <p:cNvSpPr txBox="1"/>
+          <p:nvPr/>
+        </p:nvSpPr>
+        <p:spPr>
+          <a:xfrm>
+            <a:off x="190743" y="182246"/>
+            <a:ext cx="1107996" cy="461665"/>
+          </a:xfrm>
+          <a:prstGeom prst="rect">
+            <a:avLst/>
+          </a:prstGeom>
+          <a:noFill/>
+        </p:spPr>
+        <p:txBody>
+          <a:bodyPr wrap="none" rtlCol="0">
+            <a:spAutoFit/>
+          </a:bodyPr>
+          <a:lstStyle/>
+          <a:p>
+            <a:r>
+              <a:rPr lang="ko-KR" altLang="en-US" sz="2400" b="1" dirty="0"/>
+              <a:t>가이드</a:t>
+            </a:r>
+          </a:p>
+        </p:txBody>
+      </p:sp>
+      <p:grpSp>
+        <p:nvGrpSpPr>
+          <p:cNvPr id="2" name="그룹 1"/>
+          <p:cNvGrpSpPr/>
+          <p:nvPr/>
+        </p:nvGrpSpPr>
+        <p:grpSpPr>
+          <a:xfrm>
+            <a:off x="1653505" y="706210"/>
+            <a:ext cx="9059236" cy="5694589"/>
+            <a:chOff x="14298719" y="1557094"/>
+            <a:chExt cx="9950803" cy="8339526"/>
+          </a:xfrm>
+        </p:grpSpPr>
+        <p:sp>
+          <p:nvSpPr>
+            <p:cNvPr id="5" name="직사각형"/>
+            <p:cNvSpPr/>
+            <p:nvPr/>
+          </p:nvSpPr>
+          <p:spPr>
+            <a:xfrm>
+              <a:off x="14298719" y="1557094"/>
+              <a:ext cx="9950803" cy="8339526"/>
+            </a:xfrm>
+            <a:prstGeom prst="rect">
+              <a:avLst/>
+            </a:prstGeom>
+            <a:solidFill>
+              <a:schemeClr val="accent4">
+                <a:hueOff val="46120"/>
+                <a:satOff val="4178"/>
+                <a:lumOff val="-16732"/>
+              </a:schemeClr>
+            </a:solidFill>
+            <a:ln w="12700">
+              <a:miter lim="400000"/>
+            </a:ln>
+            <a:effectLst>
+              <a:outerShdw blurRad="38100" dist="25400" dir="5400000" rotWithShape="0">
+                <a:srgbClr val="000000">
+                  <a:alpha val="50000"/>
+                </a:srgbClr>
+              </a:outerShdw>
+            </a:effectLst>
+          </p:spPr>
+          <p:txBody>
+            <a:bodyPr lIns="50800" tIns="50800" rIns="50800" bIns="50800" anchor="ctr"/>
+            <a:lstStyle/>
+            <a:p>
+              <a:pPr algn="ctr">
+                <a:defRPr sz="3200">
+                  <a:solidFill>
+                    <a:srgbClr val="FFFFFF"/>
+                  </a:solidFill>
+                  <a:latin typeface="Arial"/>
+                  <a:ea typeface="Arial"/>
+                  <a:cs typeface="Arial"/>
+                  <a:sym typeface="Arial"/>
+                </a:defRPr>
+              </a:pPr>
+              <a:endParaRPr sz="4000"/>
+            </a:p>
+          </p:txBody>
+        </p:sp>
+        <p:sp>
+          <p:nvSpPr>
+            <p:cNvPr id="6" name="G U I D E"/>
+            <p:cNvSpPr/>
+            <p:nvPr/>
+          </p:nvSpPr>
+          <p:spPr>
+            <a:xfrm>
+              <a:off x="18026344" y="1971126"/>
+              <a:ext cx="2663803" cy="876227"/>
+            </a:xfrm>
+            <a:prstGeom prst="rect">
+              <a:avLst/>
+            </a:prstGeom>
+            <a:ln w="12700">
+              <a:miter lim="400000"/>
+            </a:ln>
+            <a:extLst>
+              <a:ext uri="{C572A759-6A51-4108-AA02-DFA0A04FC94B}">
+                <ma14:wrappingTextBoxFlag xmlns="" xmlns:ma14="http://schemas.microsoft.com/office/mac/drawingml/2011/main" val="1"/>
+              </a:ext>
+            </a:extLst>
+          </p:spPr>
+          <p:txBody>
+            <a:bodyPr wrap="none" lIns="50800" tIns="50800" rIns="50800" bIns="50800" anchor="ctr">
+              <a:spAutoFit/>
+            </a:bodyPr>
+            <a:lstStyle/>
+            <a:p>
+              <a:pPr algn="ctr"/>
+              <a:r>
+                <a:rPr sz="2400" dirty="0"/>
+                <a:t>G U I D E</a:t>
+              </a:r>
+            </a:p>
+          </p:txBody>
+        </p:sp>
+        <p:sp>
+          <p:nvSpPr>
+            <p:cNvPr id="8" name="CLOSE"/>
+            <p:cNvSpPr/>
+            <p:nvPr/>
+          </p:nvSpPr>
+          <p:spPr>
+            <a:xfrm>
+              <a:off x="18332098" y="8321475"/>
+              <a:ext cx="1853886" cy="876227"/>
+            </a:xfrm>
+            <a:prstGeom prst="rect">
+              <a:avLst/>
+            </a:prstGeom>
+            <a:blipFill>
+              <a:blip r:embed="rId2"/>
+            </a:blipFill>
+            <a:ln w="12700">
+              <a:miter lim="400000"/>
+            </a:ln>
+            <a:effectLst>
+              <a:outerShdw blurRad="50800" dist="12700" rotWithShape="0">
+                <a:srgbClr val="000000">
+                  <a:alpha val="50000"/>
+                </a:srgbClr>
+              </a:outerShdw>
+            </a:effectLst>
+            <a:extLst>
+              <a:ext uri="{C572A759-6A51-4108-AA02-DFA0A04FC94B}">
+                <ma14:wrappingTextBoxFlag xmlns="" xmlns:ma14="http://schemas.microsoft.com/office/mac/drawingml/2011/main" val="1"/>
+              </a:ext>
+            </a:extLst>
+          </p:spPr>
+          <p:txBody>
+            <a:bodyPr wrap="none" lIns="50800" tIns="50800" rIns="50800" bIns="50800" anchor="ctr">
+              <a:spAutoFit/>
+            </a:bodyPr>
+            <a:lstStyle>
+              <a:lvl1pPr>
+                <a:defRPr>
+                  <a:solidFill>
+                    <a:srgbClr val="FFFFFF"/>
+                  </a:solidFill>
+                </a:defRPr>
+              </a:lvl1pPr>
+            </a:lstStyle>
+            <a:p>
+              <a:pPr algn="ctr"/>
+              <a:r>
+                <a:rPr sz="2400"/>
+                <a:t>CLOSE</a:t>
+              </a:r>
+            </a:p>
+          </p:txBody>
+        </p:sp>
+      </p:grpSp>
+      <p:sp>
+        <p:nvSpPr>
+          <p:cNvPr id="4" name="직사각형 3"/>
+          <p:cNvSpPr/>
+          <p:nvPr/>
+        </p:nvSpPr>
+        <p:spPr>
+          <a:xfrm>
+            <a:off x="2380903" y="-2404861"/>
+            <a:ext cx="7508147" cy="3372375"/>
+          </a:xfrm>
+          <a:prstGeom prst="rect">
+            <a:avLst/>
+          </a:prstGeom>
+        </p:spPr>
+        <p:style>
+          <a:lnRef idx="1">
+            <a:schemeClr val="accent3"/>
+          </a:lnRef>
+          <a:fillRef idx="2">
+            <a:schemeClr val="accent3"/>
+          </a:fillRef>
+          <a:effectRef idx="1">
+            <a:schemeClr val="accent3"/>
+          </a:effectRef>
+          <a:fontRef idx="minor">
+            <a:schemeClr val="dk1"/>
+          </a:fontRef>
+        </p:style>
+        <p:txBody>
+          <a:bodyPr rtlCol="0" anchor="ctr"/>
+          <a:lstStyle/>
+          <a:p>
+            <a:pPr algn="ctr"/>
+            <a:r>
+              <a:rPr lang="ko-KR" altLang="en-US" dirty="0" err="1"/>
+              <a:t>조이패드</a:t>
+            </a:r>
+            <a:r>
+              <a:rPr lang="en-US" altLang="ko-KR" dirty="0"/>
+              <a:t>, </a:t>
+            </a:r>
+            <a:r>
+              <a:rPr lang="ko-KR" altLang="en-US" dirty="0"/>
+              <a:t>상하좌우 </a:t>
+            </a:r>
+            <a:r>
+              <a:rPr lang="en-US" altLang="ko-KR" dirty="0"/>
+              <a:t>: </a:t>
+            </a:r>
+            <a:r>
+              <a:rPr lang="ko-KR" altLang="en-US" dirty="0"/>
+              <a:t>이동</a:t>
+            </a:r>
+            <a:endParaRPr lang="en-US" altLang="ko-KR" dirty="0"/>
+          </a:p>
+          <a:p>
+            <a:pPr algn="ctr"/>
+            <a:r>
+              <a:rPr lang="ko-KR" altLang="en-US" dirty="0"/>
+              <a:t>동그라미</a:t>
+            </a:r>
+            <a:r>
+              <a:rPr lang="en-US" altLang="ko-KR" dirty="0"/>
+              <a:t>, L ctrl : </a:t>
+            </a:r>
+            <a:r>
+              <a:rPr lang="ko-KR" altLang="en-US" dirty="0"/>
+              <a:t>일반공격</a:t>
+            </a:r>
+            <a:endParaRPr lang="en-US" altLang="ko-KR" dirty="0"/>
+          </a:p>
+          <a:p>
+            <a:pPr algn="ctr"/>
+            <a:r>
+              <a:rPr lang="ko-KR" altLang="en-US" dirty="0"/>
+              <a:t>세모</a:t>
+            </a:r>
+            <a:r>
+              <a:rPr lang="en-US" altLang="ko-KR" dirty="0"/>
+              <a:t>, L shift : </a:t>
+            </a:r>
+            <a:r>
+              <a:rPr lang="ko-KR" altLang="en-US" dirty="0"/>
+              <a:t>충전</a:t>
+            </a:r>
+            <a:endParaRPr lang="en-US" altLang="ko-KR" dirty="0"/>
+          </a:p>
+          <a:p>
+            <a:pPr algn="ctr"/>
+            <a:r>
+              <a:rPr lang="ko-KR" altLang="en-US" dirty="0"/>
+              <a:t>엑스</a:t>
+            </a:r>
+            <a:r>
+              <a:rPr lang="en-US" altLang="ko-KR" dirty="0"/>
+              <a:t>, Z : </a:t>
+            </a:r>
+            <a:r>
+              <a:rPr lang="ko-KR" altLang="en-US" dirty="0"/>
+              <a:t>회피</a:t>
+            </a:r>
+            <a:endParaRPr lang="en-US" altLang="ko-KR" dirty="0"/>
+          </a:p>
+          <a:p>
+            <a:pPr algn="ctr"/>
+            <a:r>
+              <a:rPr lang="ko-KR" altLang="en-US" dirty="0"/>
+              <a:t>충전 중 동그라미</a:t>
+            </a:r>
+            <a:r>
+              <a:rPr lang="en-US" altLang="ko-KR" dirty="0"/>
+              <a:t>, L ctrl : </a:t>
+            </a:r>
+            <a:r>
+              <a:rPr lang="ko-KR" altLang="en-US" dirty="0"/>
+              <a:t>특수공격</a:t>
+            </a:r>
+            <a:endParaRPr lang="en-US" altLang="ko-KR" dirty="0"/>
+          </a:p>
+          <a:p>
+            <a:pPr algn="ctr"/>
+            <a:endParaRPr lang="en-US" altLang="ko-KR" dirty="0"/>
+          </a:p>
+          <a:p>
+            <a:pPr algn="ctr"/>
+            <a:r>
+              <a:rPr lang="ko-KR" altLang="en-US" dirty="0"/>
+              <a:t>스타트</a:t>
+            </a:r>
+            <a:r>
+              <a:rPr lang="en-US" altLang="ko-KR" dirty="0"/>
+              <a:t>, esc</a:t>
+            </a:r>
+            <a:r>
+              <a:rPr lang="ko-KR" altLang="en-US" dirty="0"/>
+              <a:t> </a:t>
+            </a:r>
+            <a:r>
+              <a:rPr lang="en-US" altLang="ko-KR" dirty="0"/>
+              <a:t>: </a:t>
+            </a:r>
+            <a:r>
+              <a:rPr lang="ko-KR" altLang="en-US" dirty="0"/>
+              <a:t>옵션</a:t>
+            </a:r>
+            <a:endParaRPr lang="en-US" altLang="ko-KR" dirty="0"/>
+          </a:p>
+          <a:p>
+            <a:pPr algn="ctr"/>
+            <a:endParaRPr lang="en-US" altLang="ko-KR" dirty="0"/>
+          </a:p>
+        </p:txBody>
+      </p:sp>
+      <p:pic>
+        <p:nvPicPr>
+          <p:cNvPr id="9" name="그림 8"/>
+          <p:cNvPicPr>
+            <a:picLocks noChangeAspect="1"/>
+          </p:cNvPicPr>
+          <p:nvPr/>
+        </p:nvPicPr>
+        <p:blipFill rotWithShape="1">
+          <a:blip r:embed="rId3">
+            <a:extLst>
+              <a:ext uri="{BEBA8EAE-BF5A-486C-A8C5-ECC9F3942E4B}">
+                <a14:imgProps xmlns:a14="http://schemas.microsoft.com/office/drawing/2010/main">
+                  <a14:imgLayer r:embed="rId4">
+                    <a14:imgEffect>
+                      <a14:backgroundRemoval t="11980" b="57224" l="18069" r="86369">
+                        <a14:foregroundMark x1="36141" y1="15221" x2="30435" y2="32116"/>
+                        <a14:foregroundMark x1="30435" y1="32116" x2="31793" y2="39574"/>
+                        <a14:foregroundMark x1="31793" y1="39574" x2="29891" y2="45205"/>
+                        <a14:foregroundMark x1="53261" y1="17960" x2="53261" y2="26027"/>
+                        <a14:foregroundMark x1="53261" y1="26027" x2="50000" y2="33942"/>
+                        <a14:foregroundMark x1="50000" y1="33942" x2="46060" y2="39117"/>
+                        <a14:foregroundMark x1="58967" y1="35008" x2="65353" y2="38508"/>
+                      </a14:backgroundRemoval>
+                    </a14:imgEffect>
+                  </a14:imgLayer>
+                </a14:imgProps>
+              </a:ext>
+              <a:ext uri="{28A0092B-C50C-407E-A947-70E740481C1C}">
+                <a14:useLocalDpi xmlns:a14="http://schemas.microsoft.com/office/drawing/2010/main" val="0"/>
+              </a:ext>
+            </a:extLst>
+          </a:blip>
+          <a:srcRect l="9531" t="6324" r="5093" b="37121"/>
+          <a:stretch/>
+        </p:blipFill>
+        <p:spPr>
+          <a:xfrm>
+            <a:off x="3131719" y="1982399"/>
+            <a:ext cx="6006517" cy="3551752"/>
+          </a:xfrm>
+          <a:prstGeom prst="rect">
+            <a:avLst/>
+          </a:prstGeom>
+        </p:spPr>
+      </p:pic>
+      <p:cxnSp>
+        <p:nvCxnSpPr>
+          <p:cNvPr id="10" name="직선 연결선 9"/>
+          <p:cNvCxnSpPr/>
+          <p:nvPr/>
+        </p:nvCxnSpPr>
+        <p:spPr>
+          <a:xfrm flipV="1">
+            <a:off x="7397543" y="1846897"/>
+            <a:ext cx="763398" cy="520117"/>
+          </a:xfrm>
+          <a:prstGeom prst="line">
+            <a:avLst/>
+          </a:prstGeom>
+          <a:ln w="19050">
+            <a:solidFill>
+              <a:schemeClr val="accent1">
+                <a:lumMod val="75000"/>
+              </a:schemeClr>
+            </a:solidFill>
+          </a:ln>
+        </p:spPr>
+        <p:style>
+          <a:lnRef idx="1">
+            <a:schemeClr val="accent1"/>
+          </a:lnRef>
+          <a:fillRef idx="0">
+            <a:schemeClr val="accent1"/>
+          </a:fillRef>
+          <a:effectRef idx="0">
+            <a:schemeClr val="accent1"/>
+          </a:effectRef>
+          <a:fontRef idx="minor">
+            <a:schemeClr val="tx1"/>
+          </a:fontRef>
+        </p:style>
+      </p:cxnSp>
+      <p:cxnSp>
+        <p:nvCxnSpPr>
+          <p:cNvPr id="11" name="직선 연결선 10"/>
+          <p:cNvCxnSpPr/>
+          <p:nvPr/>
+        </p:nvCxnSpPr>
+        <p:spPr>
+          <a:xfrm flipV="1">
+            <a:off x="7540135" y="2674489"/>
+            <a:ext cx="763398" cy="520117"/>
+          </a:xfrm>
+          <a:prstGeom prst="line">
+            <a:avLst/>
+          </a:prstGeom>
+          <a:ln w="19050">
+            <a:solidFill>
+              <a:schemeClr val="accent1">
+                <a:lumMod val="75000"/>
+              </a:schemeClr>
+            </a:solidFill>
+          </a:ln>
+        </p:spPr>
+        <p:style>
+          <a:lnRef idx="1">
+            <a:schemeClr val="accent1"/>
+          </a:lnRef>
+          <a:fillRef idx="0">
+            <a:schemeClr val="accent1"/>
+          </a:fillRef>
+          <a:effectRef idx="0">
+            <a:schemeClr val="accent1"/>
+          </a:effectRef>
+          <a:fontRef idx="minor">
+            <a:schemeClr val="tx1"/>
+          </a:fontRef>
+        </p:style>
+      </p:cxnSp>
+      <p:cxnSp>
+        <p:nvCxnSpPr>
+          <p:cNvPr id="12" name="직선 연결선 11"/>
+          <p:cNvCxnSpPr>
+            <a:cxnSpLocks/>
+          </p:cNvCxnSpPr>
+          <p:nvPr/>
+        </p:nvCxnSpPr>
+        <p:spPr>
+          <a:xfrm>
+            <a:off x="7271687" y="3598144"/>
+            <a:ext cx="1128829" cy="243945"/>
+          </a:xfrm>
+          <a:prstGeom prst="line">
+            <a:avLst/>
+          </a:prstGeom>
+          <a:ln w="19050">
+            <a:solidFill>
+              <a:schemeClr val="accent1">
+                <a:lumMod val="75000"/>
+              </a:schemeClr>
+            </a:solidFill>
+          </a:ln>
+        </p:spPr>
+        <p:style>
+          <a:lnRef idx="1">
+            <a:schemeClr val="accent1"/>
+          </a:lnRef>
+          <a:fillRef idx="0">
+            <a:schemeClr val="accent1"/>
+          </a:fillRef>
+          <a:effectRef idx="0">
+            <a:schemeClr val="accent1"/>
+          </a:effectRef>
+          <a:fontRef idx="minor">
+            <a:schemeClr val="tx1"/>
+          </a:fontRef>
+        </p:style>
+      </p:cxnSp>
+      <p:cxnSp>
+        <p:nvCxnSpPr>
+          <p:cNvPr id="16" name="직선 연결선 15"/>
+          <p:cNvCxnSpPr>
+            <a:cxnSpLocks/>
+          </p:cNvCxnSpPr>
+          <p:nvPr/>
+        </p:nvCxnSpPr>
+        <p:spPr>
+          <a:xfrm flipH="1" flipV="1">
+            <a:off x="4197122" y="2745437"/>
+            <a:ext cx="757106" cy="449170"/>
+          </a:xfrm>
+          <a:prstGeom prst="line">
+            <a:avLst/>
+          </a:prstGeom>
+          <a:ln w="19050">
+            <a:solidFill>
+              <a:schemeClr val="accent1">
+                <a:lumMod val="75000"/>
+              </a:schemeClr>
+            </a:solidFill>
+          </a:ln>
+        </p:spPr>
+        <p:style>
+          <a:lnRef idx="1">
+            <a:schemeClr val="accent1"/>
+          </a:lnRef>
+          <a:fillRef idx="0">
+            <a:schemeClr val="accent1"/>
+          </a:fillRef>
+          <a:effectRef idx="0">
+            <a:schemeClr val="accent1"/>
+          </a:effectRef>
+          <a:fontRef idx="minor">
+            <a:schemeClr val="tx1"/>
+          </a:fontRef>
+        </p:style>
+      </p:cxnSp>
+      <p:cxnSp>
+        <p:nvCxnSpPr>
+          <p:cNvPr id="18" name="직선 연결선 17"/>
+          <p:cNvCxnSpPr>
+            <a:cxnSpLocks/>
+          </p:cNvCxnSpPr>
+          <p:nvPr/>
+        </p:nvCxnSpPr>
+        <p:spPr>
+          <a:xfrm flipV="1">
+            <a:off x="6444774" y="2207011"/>
+            <a:ext cx="301296" cy="1047670"/>
+          </a:xfrm>
+          <a:prstGeom prst="line">
+            <a:avLst/>
+          </a:prstGeom>
+          <a:ln w="19050">
+            <a:solidFill>
+              <a:schemeClr val="accent1">
+                <a:lumMod val="75000"/>
+              </a:schemeClr>
+            </a:solidFill>
+          </a:ln>
+        </p:spPr>
+        <p:style>
+          <a:lnRef idx="1">
+            <a:schemeClr val="accent1"/>
+          </a:lnRef>
+          <a:fillRef idx="0">
+            <a:schemeClr val="accent1"/>
+          </a:fillRef>
+          <a:effectRef idx="0">
+            <a:schemeClr val="accent1"/>
+          </a:effectRef>
+          <a:fontRef idx="minor">
+            <a:schemeClr val="tx1"/>
+          </a:fontRef>
+        </p:style>
+      </p:cxnSp>
+      <p:sp>
+        <p:nvSpPr>
+          <p:cNvPr id="20" name="TextBox 19"/>
+          <p:cNvSpPr txBox="1"/>
+          <p:nvPr/>
+        </p:nvSpPr>
+        <p:spPr>
+          <a:xfrm>
+            <a:off x="8137156" y="1533003"/>
+            <a:ext cx="925190" cy="369332"/>
+          </a:xfrm>
+          <a:prstGeom prst="rect">
+            <a:avLst/>
+          </a:prstGeom>
+          <a:noFill/>
+        </p:spPr>
+        <p:txBody>
+          <a:bodyPr wrap="none" rtlCol="0">
+            <a:spAutoFit/>
+          </a:bodyPr>
+          <a:lstStyle/>
+          <a:p>
+            <a:r>
+              <a:rPr lang="en-US" altLang="ko-KR" dirty="0"/>
+              <a:t>Charge</a:t>
+            </a:r>
+            <a:endParaRPr lang="ko-KR" altLang="en-US" dirty="0"/>
+          </a:p>
+        </p:txBody>
+      </p:sp>
+      <p:sp>
+        <p:nvSpPr>
+          <p:cNvPr id="21" name="TextBox 20"/>
+          <p:cNvSpPr txBox="1"/>
+          <p:nvPr/>
+        </p:nvSpPr>
+        <p:spPr>
+          <a:xfrm>
+            <a:off x="8261404" y="2486575"/>
+            <a:ext cx="840230" cy="369332"/>
+          </a:xfrm>
+          <a:prstGeom prst="rect">
+            <a:avLst/>
+          </a:prstGeom>
+          <a:noFill/>
+        </p:spPr>
+        <p:txBody>
+          <a:bodyPr wrap="none" rtlCol="0">
+            <a:spAutoFit/>
+          </a:bodyPr>
+          <a:lstStyle/>
+          <a:p>
+            <a:r>
+              <a:rPr lang="en-US" altLang="ko-KR" dirty="0"/>
+              <a:t>Attack</a:t>
+            </a:r>
+            <a:endParaRPr lang="ko-KR" altLang="en-US" dirty="0"/>
+          </a:p>
+        </p:txBody>
+      </p:sp>
+      <p:sp>
+        <p:nvSpPr>
+          <p:cNvPr id="22" name="TextBox 21"/>
+          <p:cNvSpPr txBox="1"/>
+          <p:nvPr/>
+        </p:nvSpPr>
+        <p:spPr>
+          <a:xfrm>
+            <a:off x="8329798" y="3657423"/>
+            <a:ext cx="794128" cy="369332"/>
+          </a:xfrm>
+          <a:prstGeom prst="rect">
+            <a:avLst/>
+          </a:prstGeom>
+          <a:noFill/>
+        </p:spPr>
+        <p:txBody>
+          <a:bodyPr wrap="none" rtlCol="0">
+            <a:spAutoFit/>
+          </a:bodyPr>
+          <a:lstStyle/>
+          <a:p>
+            <a:r>
+              <a:rPr lang="en-US" altLang="ko-KR" dirty="0"/>
+              <a:t>Evade</a:t>
+            </a:r>
+            <a:endParaRPr lang="ko-KR" altLang="en-US" dirty="0"/>
+          </a:p>
+        </p:txBody>
+      </p:sp>
+      <p:sp>
+        <p:nvSpPr>
+          <p:cNvPr id="24" name="TextBox 23"/>
+          <p:cNvSpPr txBox="1"/>
+          <p:nvPr/>
+        </p:nvSpPr>
+        <p:spPr>
+          <a:xfrm>
+            <a:off x="3526964" y="2463747"/>
+            <a:ext cx="768287" cy="369332"/>
+          </a:xfrm>
+          <a:prstGeom prst="rect">
+            <a:avLst/>
+          </a:prstGeom>
+          <a:noFill/>
+        </p:spPr>
+        <p:txBody>
+          <a:bodyPr wrap="none" rtlCol="0">
+            <a:spAutoFit/>
+          </a:bodyPr>
+          <a:lstStyle/>
+          <a:p>
+            <a:r>
+              <a:rPr lang="en-US" altLang="ko-KR" dirty="0"/>
+              <a:t>Move</a:t>
+            </a:r>
+            <a:endParaRPr lang="ko-KR" altLang="en-US" dirty="0"/>
+          </a:p>
+        </p:txBody>
+      </p:sp>
+      <p:sp>
+        <p:nvSpPr>
+          <p:cNvPr id="27" name="TextBox 26"/>
+          <p:cNvSpPr txBox="1"/>
+          <p:nvPr/>
+        </p:nvSpPr>
+        <p:spPr>
+          <a:xfrm>
+            <a:off x="6280062" y="1869974"/>
+            <a:ext cx="907621" cy="369332"/>
+          </a:xfrm>
+          <a:prstGeom prst="rect">
+            <a:avLst/>
+          </a:prstGeom>
+          <a:noFill/>
+        </p:spPr>
+        <p:txBody>
+          <a:bodyPr wrap="none" rtlCol="0">
+            <a:spAutoFit/>
+          </a:bodyPr>
+          <a:lstStyle/>
+          <a:p>
+            <a:r>
+              <a:rPr lang="en-US" altLang="ko-KR" dirty="0"/>
+              <a:t>Option</a:t>
+            </a:r>
+            <a:endParaRPr lang="ko-KR" altLang="en-US" dirty="0"/>
+          </a:p>
+        </p:txBody>
+      </p:sp>
+      <p:cxnSp>
+        <p:nvCxnSpPr>
+          <p:cNvPr id="29" name="직선 연결선 28"/>
+          <p:cNvCxnSpPr/>
+          <p:nvPr/>
+        </p:nvCxnSpPr>
+        <p:spPr>
+          <a:xfrm flipV="1">
+            <a:off x="7271687" y="2459953"/>
+            <a:ext cx="763398" cy="520117"/>
+          </a:xfrm>
+          <a:prstGeom prst="line">
+            <a:avLst/>
+          </a:prstGeom>
+          <a:ln w="19050">
+            <a:solidFill>
+              <a:schemeClr val="accent1">
+                <a:lumMod val="75000"/>
+              </a:schemeClr>
+            </a:solidFill>
+          </a:ln>
+        </p:spPr>
+        <p:style>
+          <a:lnRef idx="1">
+            <a:schemeClr val="accent1"/>
+          </a:lnRef>
+          <a:fillRef idx="0">
+            <a:schemeClr val="accent1"/>
+          </a:fillRef>
+          <a:effectRef idx="0">
+            <a:schemeClr val="accent1"/>
+          </a:effectRef>
+          <a:fontRef idx="minor">
+            <a:schemeClr val="tx1"/>
+          </a:fontRef>
+        </p:style>
+      </p:cxnSp>
+      <p:sp>
+        <p:nvSpPr>
+          <p:cNvPr id="30" name="TextBox 29"/>
+          <p:cNvSpPr txBox="1"/>
+          <p:nvPr/>
+        </p:nvSpPr>
+        <p:spPr>
+          <a:xfrm>
+            <a:off x="8065672" y="2150993"/>
+            <a:ext cx="1649747" cy="369332"/>
+          </a:xfrm>
+          <a:prstGeom prst="rect">
+            <a:avLst/>
+          </a:prstGeom>
+          <a:noFill/>
+        </p:spPr>
+        <p:txBody>
+          <a:bodyPr wrap="none" rtlCol="0">
+            <a:spAutoFit/>
+          </a:bodyPr>
+          <a:lstStyle/>
+          <a:p>
+            <a:r>
+              <a:rPr lang="en-US" altLang="ko-KR" dirty="0"/>
+              <a:t>Special Attack</a:t>
+            </a:r>
+            <a:endParaRPr lang="ko-KR" altLang="en-US" dirty="0"/>
+          </a:p>
+        </p:txBody>
+      </p:sp>
+    </p:spTree>
+    <p:extLst>
+      <p:ext uri="{BB962C8B-B14F-4D97-AF65-F5344CB8AC3E}">
+        <p14:creationId xmlns:p14="http://schemas.microsoft.com/office/powerpoint/2010/main" val="3456020405"/>
+      </p:ext>
+    </p:extLst>
+  </p:cSld>
+  <p:clrMapOvr>
+    <a:masterClrMapping/>
+  </p:clrMapOvr>
+</p:sld>
+</file>
+
+<file path=ppt/slides/slide12.xml><?xml version="1.0" encoding="utf-8"?>
+<p:sld xmlns:a="http://schemas.openxmlformats.org/drawingml/2006/main" xmlns:r="http://schemas.openxmlformats.org/officeDocument/2006/relationships" xmlns:p="http://schemas.openxmlformats.org/presentationml/2006/main">
+  <p:cSld>
+    <p:spTree>
+      <p:nvGrpSpPr>
+        <p:cNvPr id="1" name=""/>
+        <p:cNvGrpSpPr/>
+        <p:nvPr/>
+      </p:nvGrpSpPr>
+      <p:grpSpPr>
+        <a:xfrm>
+          <a:off x="0" y="0"/>
+          <a:ext cx="0" cy="0"/>
+          <a:chOff x="0" y="0"/>
+          <a:chExt cx="0" cy="0"/>
+        </a:xfrm>
+      </p:grpSpPr>
+      <p:pic>
+        <p:nvPicPr>
+          <p:cNvPr id="2" name="Picture 2" descr="관련 이미지"/>
+          <p:cNvPicPr>
+            <a:picLocks noChangeAspect="1" noChangeArrowheads="1"/>
+          </p:cNvPicPr>
+          <p:nvPr/>
+        </p:nvPicPr>
+        <p:blipFill>
+          <a:blip r:embed="rId2">
+            <a:extLst>
+              <a:ext uri="{28A0092B-C50C-407E-A947-70E740481C1C}">
+                <a14:useLocalDpi xmlns:a14="http://schemas.microsoft.com/office/drawing/2010/main" val="0"/>
+              </a:ext>
+            </a:extLst>
+          </a:blip>
+          <a:srcRect/>
+          <a:stretch>
+            <a:fillRect/>
+          </a:stretch>
+        </p:blipFill>
+        <p:spPr bwMode="auto">
+          <a:xfrm>
+            <a:off x="2885812" y="1512466"/>
+            <a:ext cx="6913635" cy="4171355"/>
+          </a:xfrm>
+          <a:prstGeom prst="rect">
+            <a:avLst/>
+          </a:prstGeom>
+          <a:noFill/>
+          <a:extLst>
+            <a:ext uri="{909E8E84-426E-40DD-AFC4-6F175D3DCCD1}">
+              <a14:hiddenFill xmlns:a14="http://schemas.microsoft.com/office/drawing/2010/main">
+                <a:solidFill>
+                  <a:srgbClr val="FFFFFF"/>
+                </a:solidFill>
+              </a14:hiddenFill>
+            </a:ext>
+          </a:extLst>
+        </p:spPr>
+      </p:pic>
+    </p:spTree>
+    <p:extLst>
+      <p:ext uri="{BB962C8B-B14F-4D97-AF65-F5344CB8AC3E}">
+        <p14:creationId xmlns:p14="http://schemas.microsoft.com/office/powerpoint/2010/main" val="1639909219"/>
+      </p:ext>
+    </p:extLst>
+  </p:cSld>
+  <p:clrMapOvr>
+    <a:masterClrMapping/>
+  </p:clrMapOvr>
+</p:sld>
+</file>
+
+<file path=ppt/slides/slide13.xml><?xml version="1.0" encoding="utf-8"?>
+<p:sld xmlns:a="http://schemas.openxmlformats.org/drawingml/2006/main" xmlns:r="http://schemas.openxmlformats.org/officeDocument/2006/relationships" xmlns:p="http://schemas.openxmlformats.org/presentationml/2006/main">
+  <p:cSld>
+    <p:spTree>
+      <p:nvGrpSpPr>
+        <p:cNvPr id="1" name=""/>
+        <p:cNvGrpSpPr/>
+        <p:nvPr/>
+      </p:nvGrpSpPr>
+      <p:grpSpPr>
+        <a:xfrm>
+          <a:off x="0" y="0"/>
+          <a:ext cx="0" cy="0"/>
+          <a:chOff x="0" y="0"/>
+          <a:chExt cx="0" cy="0"/>
+        </a:xfrm>
+      </p:grpSpPr>
+      <p:pic>
+        <p:nvPicPr>
+          <p:cNvPr id="3" name="그림 2"/>
+          <p:cNvPicPr>
+            <a:picLocks noChangeAspect="1"/>
+          </p:cNvPicPr>
+          <p:nvPr/>
+        </p:nvPicPr>
+        <p:blipFill>
+          <a:blip r:embed="rId2">
+            <a:extLst>
+              <a:ext uri="{28A0092B-C50C-407E-A947-70E740481C1C}">
+                <a14:useLocalDpi xmlns:a14="http://schemas.microsoft.com/office/drawing/2010/main" val="0"/>
+              </a:ext>
+            </a:extLst>
+          </a:blip>
+          <a:stretch>
+            <a:fillRect/>
+          </a:stretch>
+        </p:blipFill>
+        <p:spPr>
+          <a:xfrm>
+            <a:off x="1494987" y="1169176"/>
+            <a:ext cx="1952161" cy="1272020"/>
+          </a:xfrm>
+          <a:prstGeom prst="rect">
+            <a:avLst/>
+          </a:prstGeom>
+        </p:spPr>
+      </p:pic>
+      <p:pic>
+        <p:nvPicPr>
+          <p:cNvPr id="5" name="그림 4"/>
+          <p:cNvPicPr>
+            <a:picLocks noChangeAspect="1"/>
+          </p:cNvPicPr>
+          <p:nvPr/>
+        </p:nvPicPr>
+        <p:blipFill>
+          <a:blip r:embed="rId3">
+            <a:extLst>
+              <a:ext uri="{28A0092B-C50C-407E-A947-70E740481C1C}">
+                <a14:useLocalDpi xmlns:a14="http://schemas.microsoft.com/office/drawing/2010/main" val="0"/>
+              </a:ext>
+            </a:extLst>
+          </a:blip>
+          <a:stretch>
+            <a:fillRect/>
+          </a:stretch>
+        </p:blipFill>
+        <p:spPr>
+          <a:xfrm>
+            <a:off x="8089890" y="2835480"/>
+            <a:ext cx="1850486" cy="1894998"/>
+          </a:xfrm>
+          <a:prstGeom prst="rect">
+            <a:avLst/>
+          </a:prstGeom>
+        </p:spPr>
+      </p:pic>
+      <p:pic>
+        <p:nvPicPr>
+          <p:cNvPr id="3074" name="Picture 2" descr="keyboard button png에 대한 이미지 검색결과"/>
+          <p:cNvPicPr>
+            <a:picLocks noChangeAspect="1" noChangeArrowheads="1"/>
+          </p:cNvPicPr>
+          <p:nvPr/>
+        </p:nvPicPr>
+        <p:blipFill>
+          <a:blip r:embed="rId4">
+            <a:extLst>
+              <a:ext uri="{28A0092B-C50C-407E-A947-70E740481C1C}">
+                <a14:useLocalDpi xmlns:a14="http://schemas.microsoft.com/office/drawing/2010/main" val="0"/>
+              </a:ext>
+            </a:extLst>
+          </a:blip>
+          <a:srcRect/>
+          <a:stretch>
+            <a:fillRect/>
+          </a:stretch>
+        </p:blipFill>
+        <p:spPr bwMode="auto">
+          <a:xfrm>
+            <a:off x="1571714" y="2835480"/>
+            <a:ext cx="782826" cy="735856"/>
+          </a:xfrm>
+          <a:prstGeom prst="rect">
+            <a:avLst/>
+          </a:prstGeom>
+          <a:noFill/>
+          <a:extLst>
+            <a:ext uri="{909E8E84-426E-40DD-AFC4-6F175D3DCCD1}">
+              <a14:hiddenFill xmlns:a14="http://schemas.microsoft.com/office/drawing/2010/main">
+                <a:solidFill>
+                  <a:srgbClr val="FFFFFF"/>
+                </a:solidFill>
+              </a14:hiddenFill>
+            </a:ext>
+          </a:extLst>
+        </p:spPr>
+      </p:pic>
+      <p:pic>
+        <p:nvPicPr>
+          <p:cNvPr id="7" name="Picture 2" descr="keyboard button png에 대한 이미지 검색결과"/>
+          <p:cNvPicPr>
+            <a:picLocks noChangeAspect="1" noChangeArrowheads="1"/>
+          </p:cNvPicPr>
+          <p:nvPr/>
+        </p:nvPicPr>
+        <p:blipFill>
+          <a:blip r:embed="rId4">
+            <a:extLst>
+              <a:ext uri="{28A0092B-C50C-407E-A947-70E740481C1C}">
+                <a14:useLocalDpi xmlns:a14="http://schemas.microsoft.com/office/drawing/2010/main" val="0"/>
+              </a:ext>
+            </a:extLst>
+          </a:blip>
+          <a:srcRect/>
+          <a:stretch>
+            <a:fillRect/>
+          </a:stretch>
+        </p:blipFill>
+        <p:spPr bwMode="auto">
+          <a:xfrm>
+            <a:off x="1571714" y="3868513"/>
+            <a:ext cx="782826" cy="735856"/>
+          </a:xfrm>
+          <a:prstGeom prst="rect">
+            <a:avLst/>
+          </a:prstGeom>
+          <a:noFill/>
+          <a:extLst>
+            <a:ext uri="{909E8E84-426E-40DD-AFC4-6F175D3DCCD1}">
+              <a14:hiddenFill xmlns:a14="http://schemas.microsoft.com/office/drawing/2010/main">
+                <a:solidFill>
+                  <a:srgbClr val="FFFFFF"/>
+                </a:solidFill>
+              </a14:hiddenFill>
+            </a:ext>
+          </a:extLst>
+        </p:spPr>
+      </p:pic>
+      <p:pic>
+        <p:nvPicPr>
+          <p:cNvPr id="8" name="Picture 2" descr="keyboard button png에 대한 이미지 검색결과"/>
+          <p:cNvPicPr>
+            <a:picLocks noChangeAspect="1" noChangeArrowheads="1"/>
+          </p:cNvPicPr>
+          <p:nvPr/>
+        </p:nvPicPr>
+        <p:blipFill>
+          <a:blip r:embed="rId4">
+            <a:extLst>
+              <a:ext uri="{28A0092B-C50C-407E-A947-70E740481C1C}">
+                <a14:useLocalDpi xmlns:a14="http://schemas.microsoft.com/office/drawing/2010/main" val="0"/>
+              </a:ext>
+            </a:extLst>
+          </a:blip>
+          <a:srcRect/>
+          <a:stretch>
+            <a:fillRect/>
+          </a:stretch>
+        </p:blipFill>
+        <p:spPr bwMode="auto">
+          <a:xfrm>
+            <a:off x="5724264" y="2714735"/>
+            <a:ext cx="782826" cy="735856"/>
+          </a:xfrm>
+          <a:prstGeom prst="rect">
+            <a:avLst/>
+          </a:prstGeom>
+          <a:noFill/>
+          <a:extLst>
+            <a:ext uri="{909E8E84-426E-40DD-AFC4-6F175D3DCCD1}">
+              <a14:hiddenFill xmlns:a14="http://schemas.microsoft.com/office/drawing/2010/main">
+                <a:solidFill>
+                  <a:srgbClr val="FFFFFF"/>
+                </a:solidFill>
+              </a14:hiddenFill>
+            </a:ext>
+          </a:extLst>
+        </p:spPr>
+      </p:pic>
+      <p:pic>
+        <p:nvPicPr>
+          <p:cNvPr id="9" name="그림 8"/>
+          <p:cNvPicPr>
+            <a:picLocks noChangeAspect="1"/>
+          </p:cNvPicPr>
+          <p:nvPr/>
+        </p:nvPicPr>
+        <p:blipFill rotWithShape="1">
+          <a:blip r:embed="rId3">
+            <a:extLst>
+              <a:ext uri="{28A0092B-C50C-407E-A947-70E740481C1C}">
+                <a14:useLocalDpi xmlns:a14="http://schemas.microsoft.com/office/drawing/2010/main" val="0"/>
+              </a:ext>
+            </a:extLst>
+          </a:blip>
+          <a:srcRect t="50718"/>
+          <a:stretch/>
+        </p:blipFill>
+        <p:spPr>
+          <a:xfrm>
+            <a:off x="6222626" y="984349"/>
+            <a:ext cx="1850486" cy="933894"/>
+          </a:xfrm>
+          <a:prstGeom prst="rect">
+            <a:avLst/>
+          </a:prstGeom>
+        </p:spPr>
+      </p:pic>
+      <p:pic>
+        <p:nvPicPr>
+          <p:cNvPr id="10" name="그림 9"/>
+          <p:cNvPicPr>
+            <a:picLocks noChangeAspect="1"/>
+          </p:cNvPicPr>
+          <p:nvPr/>
+        </p:nvPicPr>
+        <p:blipFill>
+          <a:blip r:embed="rId5">
+            <a:extLst>
+              <a:ext uri="{28A0092B-C50C-407E-A947-70E740481C1C}">
+                <a14:useLocalDpi xmlns:a14="http://schemas.microsoft.com/office/drawing/2010/main" val="0"/>
+              </a:ext>
+            </a:extLst>
+          </a:blip>
+          <a:stretch>
+            <a:fillRect/>
+          </a:stretch>
+        </p:blipFill>
+        <p:spPr>
+          <a:xfrm>
+            <a:off x="1571714" y="4901546"/>
+            <a:ext cx="1144588" cy="719183"/>
+          </a:xfrm>
+          <a:prstGeom prst="rect">
+            <a:avLst/>
+          </a:prstGeom>
+        </p:spPr>
+      </p:pic>
+      <p:pic>
+        <p:nvPicPr>
+          <p:cNvPr id="3076" name="Picture 4" descr="관련 이미지"/>
+          <p:cNvPicPr>
+            <a:picLocks noChangeAspect="1" noChangeArrowheads="1"/>
+          </p:cNvPicPr>
+          <p:nvPr/>
+        </p:nvPicPr>
+        <p:blipFill>
+          <a:blip r:embed="rId6">
+            <a:extLst>
+              <a:ext uri="{28A0092B-C50C-407E-A947-70E740481C1C}">
+                <a14:useLocalDpi xmlns:a14="http://schemas.microsoft.com/office/drawing/2010/main" val="0"/>
+              </a:ext>
+            </a:extLst>
+          </a:blip>
+          <a:srcRect/>
+          <a:stretch>
+            <a:fillRect/>
+          </a:stretch>
+        </p:blipFill>
+        <p:spPr bwMode="auto">
+          <a:xfrm>
+            <a:off x="2716302" y="3063151"/>
+            <a:ext cx="2047195" cy="708255"/>
+          </a:xfrm>
+          <a:prstGeom prst="rect">
+            <a:avLst/>
+          </a:prstGeom>
+          <a:noFill/>
+          <a:extLst>
+            <a:ext uri="{909E8E84-426E-40DD-AFC4-6F175D3DCCD1}">
+              <a14:hiddenFill xmlns:a14="http://schemas.microsoft.com/office/drawing/2010/main">
+                <a:solidFill>
+                  <a:srgbClr val="FFFFFF"/>
+                </a:solidFill>
+              </a14:hiddenFill>
+            </a:ext>
+          </a:extLst>
+        </p:spPr>
+      </p:pic>
+      <p:pic>
+        <p:nvPicPr>
+          <p:cNvPr id="13" name="그림 12"/>
+          <p:cNvPicPr>
+            <a:picLocks noChangeAspect="1"/>
+          </p:cNvPicPr>
+          <p:nvPr/>
+        </p:nvPicPr>
+        <p:blipFill>
+          <a:blip r:embed="rId5">
+            <a:extLst>
+              <a:ext uri="{28A0092B-C50C-407E-A947-70E740481C1C}">
+                <a14:useLocalDpi xmlns:a14="http://schemas.microsoft.com/office/drawing/2010/main" val="0"/>
+              </a:ext>
+            </a:extLst>
+          </a:blip>
+          <a:stretch>
+            <a:fillRect/>
+          </a:stretch>
+        </p:blipFill>
+        <p:spPr>
+          <a:xfrm>
+            <a:off x="3461523" y="4604369"/>
+            <a:ext cx="1675158" cy="719183"/>
+          </a:xfrm>
+          <a:prstGeom prst="rect">
+            <a:avLst/>
+          </a:prstGeom>
+        </p:spPr>
+      </p:pic>
+    </p:spTree>
+    <p:extLst>
+      <p:ext uri="{BB962C8B-B14F-4D97-AF65-F5344CB8AC3E}">
+        <p14:creationId xmlns:p14="http://schemas.microsoft.com/office/powerpoint/2010/main" val="2316270566"/>
+      </p:ext>
+    </p:extLst>
+  </p:cSld>
+  <p:clrMapOvr>
+    <a:masterClrMapping/>
+  </p:clrMapOvr>
+</p:sld>
+</file>
+
+<file path=ppt/slides/slide14.xml><?xml version="1.0" encoding="utf-8"?>
+<p:sld xmlns:a="http://schemas.openxmlformats.org/drawingml/2006/main" xmlns:r="http://schemas.openxmlformats.org/officeDocument/2006/relationships" xmlns:p="http://schemas.openxmlformats.org/presentationml/2006/main">
+  <p:cSld>
+    <p:spTree>
+      <p:nvGrpSpPr>
+        <p:cNvPr id="1" name=""/>
+        <p:cNvGrpSpPr/>
+        <p:nvPr/>
+      </p:nvGrpSpPr>
+      <p:grpSpPr>
+        <a:xfrm>
+          <a:off x="0" y="0"/>
+          <a:ext cx="0" cy="0"/>
+          <a:chOff x="0" y="0"/>
+          <a:chExt cx="0" cy="0"/>
+        </a:xfrm>
+      </p:grpSpPr>
+      <p:sp>
+        <p:nvSpPr>
           <p:cNvPr id="213" name="NAME LIST"/>
           <p:cNvSpPr/>
           <p:nvPr/>
@@ -3975,7 +5246,7 @@
           </a:effectLst>
           <a:extLst>
             <a:ext uri="{C572A759-6A51-4108-AA02-DFA0A04FC94B}">
-              <ma14:wrappingTextBoxFlag xmlns:ma14="http://schemas.microsoft.com/office/mac/drawingml/2011/main" xmlns="" val="1"/>
+              <ma14:wrappingTextBoxFlag xmlns="" xmlns:ma14="http://schemas.microsoft.com/office/mac/drawingml/2011/main" val="1"/>
             </a:ext>
           </a:extLst>
         </p:spPr>
@@ -4074,7 +5345,7 @@
           </a:ln>
           <a:extLst>
             <a:ext uri="{C572A759-6A51-4108-AA02-DFA0A04FC94B}">
-              <ma14:wrappingTextBoxFlag xmlns:ma14="http://schemas.microsoft.com/office/mac/drawingml/2011/main" xmlns="" val="1"/>
+              <ma14:wrappingTextBoxFlag xmlns="" xmlns:ma14="http://schemas.microsoft.com/office/mac/drawingml/2011/main" val="1"/>
             </a:ext>
           </a:extLst>
         </p:spPr>
@@ -4110,7 +5381,7 @@
           </a:ln>
           <a:extLst>
             <a:ext uri="{C572A759-6A51-4108-AA02-DFA0A04FC94B}">
-              <ma14:wrappingTextBoxFlag xmlns:ma14="http://schemas.microsoft.com/office/mac/drawingml/2011/main" xmlns="" val="1"/>
+              <ma14:wrappingTextBoxFlag xmlns="" xmlns:ma14="http://schemas.microsoft.com/office/mac/drawingml/2011/main" val="1"/>
             </a:ext>
           </a:extLst>
         </p:spPr>
@@ -4155,7 +5426,7 @@
           </a:ln>
           <a:extLst>
             <a:ext uri="{C572A759-6A51-4108-AA02-DFA0A04FC94B}">
-              <ma14:wrappingTextBoxFlag xmlns:ma14="http://schemas.microsoft.com/office/mac/drawingml/2011/main" xmlns="" val="1"/>
+              <ma14:wrappingTextBoxFlag xmlns="" xmlns:ma14="http://schemas.microsoft.com/office/mac/drawingml/2011/main" val="1"/>
             </a:ext>
           </a:extLst>
         </p:spPr>
@@ -4218,7 +5489,7 @@
           </a:ln>
           <a:extLst>
             <a:ext uri="{C572A759-6A51-4108-AA02-DFA0A04FC94B}">
-              <ma14:wrappingTextBoxFlag xmlns:ma14="http://schemas.microsoft.com/office/mac/drawingml/2011/main" xmlns="" val="1"/>
+              <ma14:wrappingTextBoxFlag xmlns="" xmlns:ma14="http://schemas.microsoft.com/office/mac/drawingml/2011/main" val="1"/>
             </a:ext>
           </a:extLst>
         </p:spPr>
@@ -4275,7 +5546,7 @@
           </a:ln>
           <a:extLst>
             <a:ext uri="{C572A759-6A51-4108-AA02-DFA0A04FC94B}">
-              <ma14:wrappingTextBoxFlag xmlns:ma14="http://schemas.microsoft.com/office/mac/drawingml/2011/main" xmlns="" val="1"/>
+              <ma14:wrappingTextBoxFlag xmlns="" xmlns:ma14="http://schemas.microsoft.com/office/mac/drawingml/2011/main" val="1"/>
             </a:ext>
           </a:extLst>
         </p:spPr>
@@ -4326,7 +5597,7 @@
           </a:ln>
           <a:extLst>
             <a:ext uri="{C572A759-6A51-4108-AA02-DFA0A04FC94B}">
-              <ma14:wrappingTextBoxFlag xmlns:ma14="http://schemas.microsoft.com/office/mac/drawingml/2011/main" xmlns="" val="1"/>
+              <ma14:wrappingTextBoxFlag xmlns="" xmlns:ma14="http://schemas.microsoft.com/office/mac/drawingml/2011/main" val="1"/>
             </a:ext>
           </a:extLst>
         </p:spPr>
@@ -4358,7 +5629,7 @@
 </p:sld>
 </file>
 
-<file path=ppt/slides/slide12.xml><?xml version="1.0" encoding="utf-8"?>
+<file path=ppt/slides/slide15.xml><?xml version="1.0" encoding="utf-8"?>
 <p:sld xmlns:a="http://schemas.openxmlformats.org/drawingml/2006/main" xmlns:r="http://schemas.openxmlformats.org/officeDocument/2006/relationships" xmlns:p="http://schemas.openxmlformats.org/presentationml/2006/main">
   <p:cSld>
     <p:spTree>
@@ -4417,7 +5688,7 @@
 </p:sld>
 </file>
 
-<file path=ppt/slides/slide13.xml><?xml version="1.0" encoding="utf-8"?>
+<file path=ppt/slides/slide16.xml><?xml version="1.0" encoding="utf-8"?>
 <p:sld xmlns:a="http://schemas.openxmlformats.org/drawingml/2006/main" xmlns:r="http://schemas.openxmlformats.org/officeDocument/2006/relationships" xmlns:p="http://schemas.openxmlformats.org/presentationml/2006/main">
   <p:cSld>
     <p:spTree>
@@ -4811,7 +6082,7 @@
 </p:sld>
 </file>
 
-<file path=ppt/slides/slide14.xml><?xml version="1.0" encoding="utf-8"?>
+<file path=ppt/slides/slide17.xml><?xml version="1.0" encoding="utf-8"?>
 <p:sld xmlns:a="http://schemas.openxmlformats.org/drawingml/2006/main" xmlns:r="http://schemas.openxmlformats.org/officeDocument/2006/relationships" xmlns:p="http://schemas.openxmlformats.org/presentationml/2006/main">
   <p:cSld>
     <p:spTree>
@@ -5501,7 +6772,7 @@
 </p:sld>
 </file>
 
-<file path=ppt/slides/slide15.xml><?xml version="1.0" encoding="utf-8"?>
+<file path=ppt/slides/slide18.xml><?xml version="1.0" encoding="utf-8"?>
 <p:sld xmlns:a="http://schemas.openxmlformats.org/drawingml/2006/main" xmlns:r="http://schemas.openxmlformats.org/officeDocument/2006/relationships" xmlns:p="http://schemas.openxmlformats.org/presentationml/2006/main">
   <p:cSld>
     <p:spTree>
@@ -6419,7 +7690,7 @@
 </p:sld>
 </file>
 
-<file path=ppt/slides/slide16.xml><?xml version="1.0" encoding="utf-8"?>
+<file path=ppt/slides/slide19.xml><?xml version="1.0" encoding="utf-8"?>
 <p:sld xmlns:a="http://schemas.openxmlformats.org/drawingml/2006/main" xmlns:r="http://schemas.openxmlformats.org/officeDocument/2006/relationships" xmlns:p="http://schemas.openxmlformats.org/presentationml/2006/main">
   <p:cSld>
     <p:spTree>
@@ -6895,7 +8166,7 @@
         </p:blipFill>
         <p:spPr>
           <a:xfrm>
-            <a:off x="5210808" y="3624268"/>
+            <a:off x="4966071" y="3573204"/>
             <a:ext cx="287669" cy="406829"/>
           </a:xfrm>
           <a:prstGeom prst="rect">
@@ -7109,7 +8380,1039 @@
 </p:sld>
 </file>
 
-<file path=ppt/slides/slide17.xml><?xml version="1.0" encoding="utf-8"?>
+<file path=ppt/slides/slide2.xml><?xml version="1.0" encoding="utf-8"?>
+<p:sld xmlns:a="http://schemas.openxmlformats.org/drawingml/2006/main" xmlns:r="http://schemas.openxmlformats.org/officeDocument/2006/relationships" xmlns:p="http://schemas.openxmlformats.org/presentationml/2006/main">
+  <p:cSld>
+    <p:spTree>
+      <p:nvGrpSpPr>
+        <p:cNvPr id="1" name=""/>
+        <p:cNvGrpSpPr/>
+        <p:nvPr/>
+      </p:nvGrpSpPr>
+      <p:grpSpPr>
+        <a:xfrm>
+          <a:off x="0" y="0"/>
+          <a:ext cx="0" cy="0"/>
+          <a:chOff x="0" y="0"/>
+          <a:chExt cx="0" cy="0"/>
+        </a:xfrm>
+      </p:grpSpPr>
+      <p:sp>
+        <p:nvSpPr>
+          <p:cNvPr id="3" name="직사각형 2"/>
+          <p:cNvSpPr/>
+          <p:nvPr/>
+        </p:nvSpPr>
+        <p:spPr>
+          <a:xfrm>
+            <a:off x="1147959" y="2233024"/>
+            <a:ext cx="2491530" cy="1669409"/>
+          </a:xfrm>
+          <a:prstGeom prst="rect">
+            <a:avLst/>
+          </a:prstGeom>
+          <a:solidFill>
+            <a:schemeClr val="bg2">
+              <a:lumMod val="90000"/>
+            </a:schemeClr>
+          </a:solidFill>
+          <a:ln>
+            <a:solidFill>
+              <a:schemeClr val="tx1"/>
+            </a:solidFill>
+          </a:ln>
+        </p:spPr>
+        <p:style>
+          <a:lnRef idx="2">
+            <a:schemeClr val="accent1">
+              <a:shade val="50000"/>
+            </a:schemeClr>
+          </a:lnRef>
+          <a:fillRef idx="1">
+            <a:schemeClr val="accent1"/>
+          </a:fillRef>
+          <a:effectRef idx="0">
+            <a:schemeClr val="accent1"/>
+          </a:effectRef>
+          <a:fontRef idx="minor">
+            <a:schemeClr val="lt1"/>
+          </a:fontRef>
+        </p:style>
+        <p:txBody>
+          <a:bodyPr rtlCol="0" anchor="ctr"/>
+          <a:lstStyle/>
+          <a:p>
+            <a:pPr algn="ctr"/>
+            <a:r>
+              <a:rPr lang="ko-KR" altLang="en-US" dirty="0" err="1"/>
+              <a:t>메인메뉴</a:t>
+            </a:r>
+            <a:endParaRPr lang="ko-KR" altLang="en-US" dirty="0"/>
+          </a:p>
+        </p:txBody>
+      </p:sp>
+      <p:sp>
+        <p:nvSpPr>
+          <p:cNvPr id="5" name="직사각형 4"/>
+          <p:cNvSpPr/>
+          <p:nvPr/>
+        </p:nvSpPr>
+        <p:spPr>
+          <a:xfrm>
+            <a:off x="4106860" y="2233020"/>
+            <a:ext cx="2491530" cy="1669409"/>
+          </a:xfrm>
+          <a:prstGeom prst="rect">
+            <a:avLst/>
+          </a:prstGeom>
+          <a:solidFill>
+            <a:schemeClr val="bg2">
+              <a:lumMod val="90000"/>
+            </a:schemeClr>
+          </a:solidFill>
+          <a:ln>
+            <a:solidFill>
+              <a:schemeClr val="tx1"/>
+            </a:solidFill>
+          </a:ln>
+        </p:spPr>
+        <p:style>
+          <a:lnRef idx="2">
+            <a:schemeClr val="accent1">
+              <a:shade val="50000"/>
+            </a:schemeClr>
+          </a:lnRef>
+          <a:fillRef idx="1">
+            <a:schemeClr val="accent1"/>
+          </a:fillRef>
+          <a:effectRef idx="0">
+            <a:schemeClr val="accent1"/>
+          </a:effectRef>
+          <a:fontRef idx="minor">
+            <a:schemeClr val="lt1"/>
+          </a:fontRef>
+        </p:style>
+        <p:txBody>
+          <a:bodyPr rtlCol="0" anchor="ctr"/>
+          <a:lstStyle/>
+          <a:p>
+            <a:pPr algn="ctr"/>
+            <a:r>
+              <a:rPr lang="ko-KR" altLang="en-US" dirty="0"/>
+              <a:t> </a:t>
+            </a:r>
+            <a:r>
+              <a:rPr lang="ko-KR" altLang="en-US" dirty="0" err="1"/>
+              <a:t>플레이어수</a:t>
+            </a:r>
+            <a:r>
+              <a:rPr lang="en-US" altLang="ko-KR" dirty="0"/>
+              <a:t>/</a:t>
+            </a:r>
+            <a:r>
+              <a:rPr lang="ko-KR" altLang="en-US" dirty="0"/>
+              <a:t>팀 선택</a:t>
+            </a:r>
+            <a:endParaRPr lang="en-US" altLang="ko-KR" dirty="0"/>
+          </a:p>
+          <a:p>
+            <a:pPr algn="ctr"/>
+            <a:r>
+              <a:rPr lang="ko-KR" altLang="en-US" dirty="0"/>
+              <a:t>캐릭터 선택</a:t>
+            </a:r>
+          </a:p>
+        </p:txBody>
+      </p:sp>
+      <p:sp>
+        <p:nvSpPr>
+          <p:cNvPr id="7" name="직사각형 6"/>
+          <p:cNvSpPr/>
+          <p:nvPr/>
+        </p:nvSpPr>
+        <p:spPr>
+          <a:xfrm>
+            <a:off x="7026819" y="2233021"/>
+            <a:ext cx="2491530" cy="1669409"/>
+          </a:xfrm>
+          <a:prstGeom prst="rect">
+            <a:avLst/>
+          </a:prstGeom>
+          <a:solidFill>
+            <a:schemeClr val="bg2">
+              <a:lumMod val="90000"/>
+            </a:schemeClr>
+          </a:solidFill>
+          <a:ln>
+            <a:solidFill>
+              <a:schemeClr val="tx1"/>
+            </a:solidFill>
+          </a:ln>
+        </p:spPr>
+        <p:style>
+          <a:lnRef idx="2">
+            <a:schemeClr val="accent1">
+              <a:shade val="50000"/>
+            </a:schemeClr>
+          </a:lnRef>
+          <a:fillRef idx="1">
+            <a:schemeClr val="accent1"/>
+          </a:fillRef>
+          <a:effectRef idx="0">
+            <a:schemeClr val="accent1"/>
+          </a:effectRef>
+          <a:fontRef idx="minor">
+            <a:schemeClr val="lt1"/>
+          </a:fontRef>
+        </p:style>
+        <p:txBody>
+          <a:bodyPr rtlCol="0" anchor="ctr"/>
+          <a:lstStyle/>
+          <a:p>
+            <a:pPr algn="ctr"/>
+            <a:r>
+              <a:rPr lang="ko-KR" altLang="en-US" dirty="0" err="1"/>
+              <a:t>인게임</a:t>
+            </a:r>
+            <a:endParaRPr lang="ko-KR" altLang="en-US" dirty="0"/>
+          </a:p>
+        </p:txBody>
+      </p:sp>
+      <p:sp>
+        <p:nvSpPr>
+          <p:cNvPr id="16" name="직사각형 15"/>
+          <p:cNvSpPr/>
+          <p:nvPr/>
+        </p:nvSpPr>
+        <p:spPr>
+          <a:xfrm>
+            <a:off x="1603463" y="742602"/>
+            <a:ext cx="1591239" cy="686190"/>
+          </a:xfrm>
+          <a:prstGeom prst="rect">
+            <a:avLst/>
+          </a:prstGeom>
+          <a:ln/>
+        </p:spPr>
+        <p:style>
+          <a:lnRef idx="2">
+            <a:schemeClr val="accent5">
+              <a:shade val="50000"/>
+            </a:schemeClr>
+          </a:lnRef>
+          <a:fillRef idx="1">
+            <a:schemeClr val="accent5"/>
+          </a:fillRef>
+          <a:effectRef idx="0">
+            <a:schemeClr val="accent5"/>
+          </a:effectRef>
+          <a:fontRef idx="minor">
+            <a:schemeClr val="lt1"/>
+          </a:fontRef>
+        </p:style>
+        <p:txBody>
+          <a:bodyPr rtlCol="0" anchor="ctr"/>
+          <a:lstStyle/>
+          <a:p>
+            <a:pPr algn="ctr"/>
+            <a:r>
+              <a:rPr lang="ko-KR" altLang="en-US" dirty="0"/>
+              <a:t>메뉴 옵션</a:t>
+            </a:r>
+          </a:p>
+        </p:txBody>
+      </p:sp>
+      <p:cxnSp>
+        <p:nvCxnSpPr>
+          <p:cNvPr id="33" name="연결선: 꺾임 32"/>
+          <p:cNvCxnSpPr>
+            <a:cxnSpLocks/>
+            <a:stCxn id="3" idx="0"/>
+            <a:endCxn id="16" idx="2"/>
+          </p:cNvCxnSpPr>
+          <p:nvPr/>
+        </p:nvCxnSpPr>
+        <p:spPr>
+          <a:xfrm rot="5400000" flipH="1" flipV="1">
+            <a:off x="1994287" y="1828229"/>
+            <a:ext cx="804232" cy="5359"/>
+          </a:xfrm>
+          <a:prstGeom prst="bentConnector3">
+            <a:avLst>
+              <a:gd name="adj1" fmla="val 50000"/>
+            </a:avLst>
+          </a:prstGeom>
+          <a:ln w="28575">
+            <a:tailEnd type="triangle"/>
+          </a:ln>
+        </p:spPr>
+        <p:style>
+          <a:lnRef idx="1">
+            <a:schemeClr val="accent1"/>
+          </a:lnRef>
+          <a:fillRef idx="0">
+            <a:schemeClr val="accent1"/>
+          </a:fillRef>
+          <a:effectRef idx="0">
+            <a:schemeClr val="accent1"/>
+          </a:effectRef>
+          <a:fontRef idx="minor">
+            <a:schemeClr val="tx1"/>
+          </a:fontRef>
+        </p:style>
+      </p:cxnSp>
+      <p:cxnSp>
+        <p:nvCxnSpPr>
+          <p:cNvPr id="36" name="연결선: 꺾임 35"/>
+          <p:cNvCxnSpPr>
+            <a:cxnSpLocks/>
+            <a:stCxn id="3" idx="0"/>
+            <a:endCxn id="53" idx="2"/>
+          </p:cNvCxnSpPr>
+          <p:nvPr/>
+        </p:nvCxnSpPr>
+        <p:spPr>
+          <a:xfrm rot="5400000" flipH="1" flipV="1">
+            <a:off x="3037634" y="784882"/>
+            <a:ext cx="804232" cy="2092053"/>
+          </a:xfrm>
+          <a:prstGeom prst="bentConnector3">
+            <a:avLst>
+              <a:gd name="adj1" fmla="val 50000"/>
+            </a:avLst>
+          </a:prstGeom>
+          <a:ln w="28575">
+            <a:tailEnd type="triangle"/>
+          </a:ln>
+        </p:spPr>
+        <p:style>
+          <a:lnRef idx="1">
+            <a:schemeClr val="accent1"/>
+          </a:lnRef>
+          <a:fillRef idx="0">
+            <a:schemeClr val="accent1"/>
+          </a:fillRef>
+          <a:effectRef idx="0">
+            <a:schemeClr val="accent1"/>
+          </a:effectRef>
+          <a:fontRef idx="minor">
+            <a:schemeClr val="tx1"/>
+          </a:fontRef>
+        </p:style>
+      </p:cxnSp>
+      <p:cxnSp>
+        <p:nvCxnSpPr>
+          <p:cNvPr id="40" name="직선 화살표 연결선 39"/>
+          <p:cNvCxnSpPr>
+            <a:cxnSpLocks/>
+            <a:stCxn id="3" idx="3"/>
+            <a:endCxn id="5" idx="1"/>
+          </p:cNvCxnSpPr>
+          <p:nvPr/>
+        </p:nvCxnSpPr>
+        <p:spPr>
+          <a:xfrm flipV="1">
+            <a:off x="3639489" y="3067725"/>
+            <a:ext cx="467371" cy="4"/>
+          </a:xfrm>
+          <a:prstGeom prst="straightConnector1">
+            <a:avLst/>
+          </a:prstGeom>
+          <a:ln w="28575">
+            <a:tailEnd type="triangle"/>
+          </a:ln>
+        </p:spPr>
+        <p:style>
+          <a:lnRef idx="1">
+            <a:schemeClr val="accent1"/>
+          </a:lnRef>
+          <a:fillRef idx="0">
+            <a:schemeClr val="accent1"/>
+          </a:fillRef>
+          <a:effectRef idx="0">
+            <a:schemeClr val="accent1"/>
+          </a:effectRef>
+          <a:fontRef idx="minor">
+            <a:schemeClr val="tx1"/>
+          </a:fontRef>
+        </p:style>
+      </p:cxnSp>
+      <p:cxnSp>
+        <p:nvCxnSpPr>
+          <p:cNvPr id="41" name="직선 화살표 연결선 40"/>
+          <p:cNvCxnSpPr>
+            <a:cxnSpLocks/>
+            <a:stCxn id="5" idx="3"/>
+            <a:endCxn id="7" idx="1"/>
+          </p:cNvCxnSpPr>
+          <p:nvPr/>
+        </p:nvCxnSpPr>
+        <p:spPr>
+          <a:xfrm>
+            <a:off x="6598390" y="3067725"/>
+            <a:ext cx="428429" cy="1"/>
+          </a:xfrm>
+          <a:prstGeom prst="straightConnector1">
+            <a:avLst/>
+          </a:prstGeom>
+          <a:ln w="28575">
+            <a:tailEnd type="triangle"/>
+          </a:ln>
+        </p:spPr>
+        <p:style>
+          <a:lnRef idx="1">
+            <a:schemeClr val="accent1"/>
+          </a:lnRef>
+          <a:fillRef idx="0">
+            <a:schemeClr val="accent1"/>
+          </a:fillRef>
+          <a:effectRef idx="0">
+            <a:schemeClr val="accent1"/>
+          </a:effectRef>
+          <a:fontRef idx="minor">
+            <a:schemeClr val="tx1"/>
+          </a:fontRef>
+        </p:style>
+      </p:cxnSp>
+      <p:cxnSp>
+        <p:nvCxnSpPr>
+          <p:cNvPr id="43" name="직선 화살표 연결선 42"/>
+          <p:cNvCxnSpPr>
+            <a:cxnSpLocks/>
+            <a:stCxn id="7" idx="3"/>
+            <a:endCxn id="24" idx="1"/>
+          </p:cNvCxnSpPr>
+          <p:nvPr/>
+        </p:nvCxnSpPr>
+        <p:spPr>
+          <a:xfrm>
+            <a:off x="9518349" y="3067726"/>
+            <a:ext cx="356829" cy="2"/>
+          </a:xfrm>
+          <a:prstGeom prst="straightConnector1">
+            <a:avLst/>
+          </a:prstGeom>
+          <a:ln w="28575">
+            <a:tailEnd type="triangle"/>
+          </a:ln>
+        </p:spPr>
+        <p:style>
+          <a:lnRef idx="1">
+            <a:schemeClr val="accent1"/>
+          </a:lnRef>
+          <a:fillRef idx="0">
+            <a:schemeClr val="accent1"/>
+          </a:fillRef>
+          <a:effectRef idx="0">
+            <a:schemeClr val="accent1"/>
+          </a:effectRef>
+          <a:fontRef idx="minor">
+            <a:schemeClr val="tx1"/>
+          </a:fontRef>
+        </p:style>
+      </p:cxnSp>
+      <p:sp>
+        <p:nvSpPr>
+          <p:cNvPr id="46" name="TextBox 45"/>
+          <p:cNvSpPr txBox="1"/>
+          <p:nvPr/>
+        </p:nvSpPr>
+        <p:spPr>
+          <a:xfrm>
+            <a:off x="190743" y="182246"/>
+            <a:ext cx="1107996" cy="461665"/>
+          </a:xfrm>
+          <a:prstGeom prst="rect">
+            <a:avLst/>
+          </a:prstGeom>
+          <a:noFill/>
+        </p:spPr>
+        <p:txBody>
+          <a:bodyPr wrap="none" rtlCol="0">
+            <a:spAutoFit/>
+          </a:bodyPr>
+          <a:lstStyle/>
+          <a:p>
+            <a:r>
+              <a:rPr lang="ko-KR" altLang="en-US" sz="2400" b="1" dirty="0" err="1"/>
+              <a:t>씬구성</a:t>
+            </a:r>
+            <a:endParaRPr lang="ko-KR" altLang="en-US" sz="2400" b="1" dirty="0"/>
+          </a:p>
+        </p:txBody>
+      </p:sp>
+      <p:sp>
+        <p:nvSpPr>
+          <p:cNvPr id="50" name="직사각형 49"/>
+          <p:cNvSpPr/>
+          <p:nvPr/>
+        </p:nvSpPr>
+        <p:spPr>
+          <a:xfrm>
+            <a:off x="7455250" y="756219"/>
+            <a:ext cx="1634667" cy="693045"/>
+          </a:xfrm>
+          <a:prstGeom prst="rect">
+            <a:avLst/>
+          </a:prstGeom>
+          <a:ln/>
+        </p:spPr>
+        <p:style>
+          <a:lnRef idx="2">
+            <a:schemeClr val="accent5">
+              <a:shade val="50000"/>
+            </a:schemeClr>
+          </a:lnRef>
+          <a:fillRef idx="1">
+            <a:schemeClr val="accent5"/>
+          </a:fillRef>
+          <a:effectRef idx="0">
+            <a:schemeClr val="accent5"/>
+          </a:effectRef>
+          <a:fontRef idx="minor">
+            <a:schemeClr val="lt1"/>
+          </a:fontRef>
+        </p:style>
+        <p:txBody>
+          <a:bodyPr rtlCol="0" anchor="ctr"/>
+          <a:lstStyle/>
+          <a:p>
+            <a:pPr algn="ctr"/>
+            <a:r>
+              <a:rPr lang="ko-KR" altLang="en-US" dirty="0" err="1"/>
+              <a:t>인게임</a:t>
+            </a:r>
+            <a:r>
+              <a:rPr lang="ko-KR" altLang="en-US" dirty="0"/>
+              <a:t> 옵션</a:t>
+            </a:r>
+          </a:p>
+        </p:txBody>
+      </p:sp>
+      <p:cxnSp>
+        <p:nvCxnSpPr>
+          <p:cNvPr id="51" name="연결선: 꺾임 50"/>
+          <p:cNvCxnSpPr>
+            <a:cxnSpLocks/>
+          </p:cNvCxnSpPr>
+          <p:nvPr/>
+        </p:nvCxnSpPr>
+        <p:spPr>
+          <a:xfrm rot="16200000" flipV="1">
+            <a:off x="15543581" y="1456177"/>
+            <a:ext cx="660974" cy="1388378"/>
+          </a:xfrm>
+          <a:prstGeom prst="bentConnector2">
+            <a:avLst/>
+          </a:prstGeom>
+          <a:ln w="28575">
+            <a:tailEnd type="triangle"/>
+          </a:ln>
+        </p:spPr>
+        <p:style>
+          <a:lnRef idx="1">
+            <a:schemeClr val="accent1"/>
+          </a:lnRef>
+          <a:fillRef idx="0">
+            <a:schemeClr val="accent1"/>
+          </a:fillRef>
+          <a:effectRef idx="0">
+            <a:schemeClr val="accent1"/>
+          </a:effectRef>
+          <a:fontRef idx="minor">
+            <a:schemeClr val="tx1"/>
+          </a:fontRef>
+        </p:style>
+      </p:cxnSp>
+      <p:sp>
+        <p:nvSpPr>
+          <p:cNvPr id="56" name="직사각형 55"/>
+          <p:cNvSpPr/>
+          <p:nvPr/>
+        </p:nvSpPr>
+        <p:spPr>
+          <a:xfrm>
+            <a:off x="1147958" y="4633514"/>
+            <a:ext cx="2491530" cy="1669409"/>
+          </a:xfrm>
+          <a:prstGeom prst="rect">
+            <a:avLst/>
+          </a:prstGeom>
+          <a:solidFill>
+            <a:schemeClr val="bg2">
+              <a:lumMod val="90000"/>
+            </a:schemeClr>
+          </a:solidFill>
+          <a:ln>
+            <a:solidFill>
+              <a:schemeClr val="tx1"/>
+            </a:solidFill>
+          </a:ln>
+        </p:spPr>
+        <p:style>
+          <a:lnRef idx="2">
+            <a:schemeClr val="accent1">
+              <a:shade val="50000"/>
+            </a:schemeClr>
+          </a:lnRef>
+          <a:fillRef idx="1">
+            <a:schemeClr val="accent1"/>
+          </a:fillRef>
+          <a:effectRef idx="0">
+            <a:schemeClr val="accent1"/>
+          </a:effectRef>
+          <a:fontRef idx="minor">
+            <a:schemeClr val="lt1"/>
+          </a:fontRef>
+        </p:style>
+        <p:txBody>
+          <a:bodyPr rtlCol="0" anchor="ctr"/>
+          <a:lstStyle/>
+          <a:p>
+            <a:pPr algn="ctr"/>
+            <a:r>
+              <a:rPr lang="ko-KR" altLang="en-US" dirty="0" err="1"/>
+              <a:t>크레딧</a:t>
+            </a:r>
+            <a:endParaRPr lang="ko-KR" altLang="en-US" dirty="0"/>
+          </a:p>
+        </p:txBody>
+      </p:sp>
+      <p:cxnSp>
+        <p:nvCxnSpPr>
+          <p:cNvPr id="57" name="연결선: 꺾임 56"/>
+          <p:cNvCxnSpPr>
+            <a:cxnSpLocks/>
+            <a:stCxn id="3" idx="1"/>
+            <a:endCxn id="56" idx="1"/>
+          </p:cNvCxnSpPr>
+          <p:nvPr/>
+        </p:nvCxnSpPr>
+        <p:spPr>
+          <a:xfrm rot="10800000" flipV="1">
+            <a:off x="1147959" y="3067729"/>
+            <a:ext cx="1" cy="2400490"/>
+          </a:xfrm>
+          <a:prstGeom prst="bentConnector3">
+            <a:avLst>
+              <a:gd name="adj1" fmla="val 22860100000"/>
+            </a:avLst>
+          </a:prstGeom>
+          <a:ln w="28575">
+            <a:tailEnd type="triangle"/>
+          </a:ln>
+        </p:spPr>
+        <p:style>
+          <a:lnRef idx="1">
+            <a:schemeClr val="accent1"/>
+          </a:lnRef>
+          <a:fillRef idx="0">
+            <a:schemeClr val="accent1"/>
+          </a:fillRef>
+          <a:effectRef idx="0">
+            <a:schemeClr val="accent1"/>
+          </a:effectRef>
+          <a:fontRef idx="minor">
+            <a:schemeClr val="tx1"/>
+          </a:fontRef>
+        </p:style>
+      </p:cxnSp>
+      <p:sp>
+        <p:nvSpPr>
+          <p:cNvPr id="24" name="직사각형 23"/>
+          <p:cNvSpPr/>
+          <p:nvPr/>
+        </p:nvSpPr>
+        <p:spPr>
+          <a:xfrm>
+            <a:off x="9875178" y="2721205"/>
+            <a:ext cx="1634667" cy="693045"/>
+          </a:xfrm>
+          <a:prstGeom prst="rect">
+            <a:avLst/>
+          </a:prstGeom>
+          <a:ln/>
+        </p:spPr>
+        <p:style>
+          <a:lnRef idx="2">
+            <a:schemeClr val="accent5">
+              <a:shade val="50000"/>
+            </a:schemeClr>
+          </a:lnRef>
+          <a:fillRef idx="1">
+            <a:schemeClr val="accent5"/>
+          </a:fillRef>
+          <a:effectRef idx="0">
+            <a:schemeClr val="accent5"/>
+          </a:effectRef>
+          <a:fontRef idx="minor">
+            <a:schemeClr val="lt1"/>
+          </a:fontRef>
+        </p:style>
+        <p:txBody>
+          <a:bodyPr rtlCol="0" anchor="ctr"/>
+          <a:lstStyle/>
+          <a:p>
+            <a:pPr algn="ctr"/>
+            <a:r>
+              <a:rPr lang="ko-KR" altLang="en-US" dirty="0"/>
+              <a:t>게임결과</a:t>
+            </a:r>
+          </a:p>
+        </p:txBody>
+      </p:sp>
+      <p:sp>
+        <p:nvSpPr>
+          <p:cNvPr id="52" name="직사각형 51"/>
+          <p:cNvSpPr/>
+          <p:nvPr/>
+        </p:nvSpPr>
+        <p:spPr>
+          <a:xfrm>
+            <a:off x="9603630" y="761384"/>
+            <a:ext cx="1634667" cy="693045"/>
+          </a:xfrm>
+          <a:prstGeom prst="rect">
+            <a:avLst/>
+          </a:prstGeom>
+          <a:ln/>
+        </p:spPr>
+        <p:style>
+          <a:lnRef idx="2">
+            <a:schemeClr val="accent5">
+              <a:shade val="50000"/>
+            </a:schemeClr>
+          </a:lnRef>
+          <a:fillRef idx="1">
+            <a:schemeClr val="accent5"/>
+          </a:fillRef>
+          <a:effectRef idx="0">
+            <a:schemeClr val="accent5"/>
+          </a:effectRef>
+          <a:fontRef idx="minor">
+            <a:schemeClr val="lt1"/>
+          </a:fontRef>
+        </p:style>
+        <p:txBody>
+          <a:bodyPr rtlCol="0" anchor="ctr"/>
+          <a:lstStyle/>
+          <a:p>
+            <a:pPr algn="ctr"/>
+            <a:r>
+              <a:rPr lang="ko-KR" altLang="en-US"/>
+              <a:t>가이드</a:t>
+            </a:r>
+            <a:endParaRPr lang="ko-KR" altLang="en-US" dirty="0"/>
+          </a:p>
+        </p:txBody>
+      </p:sp>
+      <p:sp>
+        <p:nvSpPr>
+          <p:cNvPr id="53" name="직사각형 52"/>
+          <p:cNvSpPr/>
+          <p:nvPr/>
+        </p:nvSpPr>
+        <p:spPr>
+          <a:xfrm>
+            <a:off x="3668443" y="735747"/>
+            <a:ext cx="1634667" cy="693045"/>
+          </a:xfrm>
+          <a:prstGeom prst="rect">
+            <a:avLst/>
+          </a:prstGeom>
+          <a:ln/>
+        </p:spPr>
+        <p:style>
+          <a:lnRef idx="2">
+            <a:schemeClr val="accent5">
+              <a:shade val="50000"/>
+            </a:schemeClr>
+          </a:lnRef>
+          <a:fillRef idx="1">
+            <a:schemeClr val="accent5"/>
+          </a:fillRef>
+          <a:effectRef idx="0">
+            <a:schemeClr val="accent5"/>
+          </a:effectRef>
+          <a:fontRef idx="minor">
+            <a:schemeClr val="lt1"/>
+          </a:fontRef>
+        </p:style>
+        <p:txBody>
+          <a:bodyPr rtlCol="0" anchor="ctr"/>
+          <a:lstStyle/>
+          <a:p>
+            <a:pPr algn="ctr"/>
+            <a:r>
+              <a:rPr lang="ko-KR" altLang="en-US" dirty="0"/>
+              <a:t>가이드</a:t>
+            </a:r>
+          </a:p>
+        </p:txBody>
+      </p:sp>
+      <p:cxnSp>
+        <p:nvCxnSpPr>
+          <p:cNvPr id="58" name="직선 화살표 연결선 57"/>
+          <p:cNvCxnSpPr>
+            <a:cxnSpLocks/>
+            <a:stCxn id="50" idx="3"/>
+            <a:endCxn id="52" idx="1"/>
+          </p:cNvCxnSpPr>
+          <p:nvPr/>
+        </p:nvCxnSpPr>
+        <p:spPr>
+          <a:xfrm>
+            <a:off x="9089917" y="1102742"/>
+            <a:ext cx="513713" cy="5165"/>
+          </a:xfrm>
+          <a:prstGeom prst="straightConnector1">
+            <a:avLst/>
+          </a:prstGeom>
+          <a:ln w="28575">
+            <a:tailEnd type="triangle"/>
+          </a:ln>
+        </p:spPr>
+        <p:style>
+          <a:lnRef idx="1">
+            <a:schemeClr val="accent1"/>
+          </a:lnRef>
+          <a:fillRef idx="0">
+            <a:schemeClr val="accent1"/>
+          </a:fillRef>
+          <a:effectRef idx="0">
+            <a:schemeClr val="accent1"/>
+          </a:effectRef>
+          <a:fontRef idx="minor">
+            <a:schemeClr val="tx1"/>
+          </a:fontRef>
+        </p:style>
+      </p:cxnSp>
+      <p:cxnSp>
+        <p:nvCxnSpPr>
+          <p:cNvPr id="62" name="연결선: 꺾임 61"/>
+          <p:cNvCxnSpPr>
+            <a:cxnSpLocks/>
+            <a:stCxn id="24" idx="2"/>
+            <a:endCxn id="3" idx="2"/>
+          </p:cNvCxnSpPr>
+          <p:nvPr/>
+        </p:nvCxnSpPr>
+        <p:spPr>
+          <a:xfrm rot="5400000">
+            <a:off x="6299027" y="-491053"/>
+            <a:ext cx="488183" cy="8298788"/>
+          </a:xfrm>
+          <a:prstGeom prst="bentConnector3">
+            <a:avLst>
+              <a:gd name="adj1" fmla="val 176586"/>
+            </a:avLst>
+          </a:prstGeom>
+          <a:ln w="28575">
+            <a:tailEnd type="triangle"/>
+          </a:ln>
+        </p:spPr>
+        <p:style>
+          <a:lnRef idx="1">
+            <a:schemeClr val="accent1"/>
+          </a:lnRef>
+          <a:fillRef idx="0">
+            <a:schemeClr val="accent1"/>
+          </a:fillRef>
+          <a:effectRef idx="0">
+            <a:schemeClr val="accent1"/>
+          </a:effectRef>
+          <a:fontRef idx="minor">
+            <a:schemeClr val="tx1"/>
+          </a:fontRef>
+        </p:style>
+      </p:cxnSp>
+      <p:cxnSp>
+        <p:nvCxnSpPr>
+          <p:cNvPr id="65" name="직선 화살표 연결선 64"/>
+          <p:cNvCxnSpPr>
+            <a:cxnSpLocks/>
+            <a:stCxn id="7" idx="0"/>
+            <a:endCxn id="50" idx="2"/>
+          </p:cNvCxnSpPr>
+          <p:nvPr/>
+        </p:nvCxnSpPr>
+        <p:spPr>
+          <a:xfrm flipV="1">
+            <a:off x="8272584" y="1449264"/>
+            <a:ext cx="0" cy="783757"/>
+          </a:xfrm>
+          <a:prstGeom prst="straightConnector1">
+            <a:avLst/>
+          </a:prstGeom>
+          <a:ln w="28575">
+            <a:tailEnd type="triangle"/>
+          </a:ln>
+        </p:spPr>
+        <p:style>
+          <a:lnRef idx="1">
+            <a:schemeClr val="accent1"/>
+          </a:lnRef>
+          <a:fillRef idx="0">
+            <a:schemeClr val="accent1"/>
+          </a:fillRef>
+          <a:effectRef idx="0">
+            <a:schemeClr val="accent1"/>
+          </a:effectRef>
+          <a:fontRef idx="minor">
+            <a:schemeClr val="tx1"/>
+          </a:fontRef>
+        </p:style>
+      </p:cxnSp>
+      <p:cxnSp>
+        <p:nvCxnSpPr>
+          <p:cNvPr id="81" name="연결선: 꺾임 80"/>
+          <p:cNvCxnSpPr>
+            <a:cxnSpLocks/>
+            <a:stCxn id="24" idx="2"/>
+            <a:endCxn id="5" idx="2"/>
+          </p:cNvCxnSpPr>
+          <p:nvPr/>
+        </p:nvCxnSpPr>
+        <p:spPr>
+          <a:xfrm rot="5400000">
+            <a:off x="7778480" y="988396"/>
+            <a:ext cx="488179" cy="5339887"/>
+          </a:xfrm>
+          <a:prstGeom prst="bentConnector3">
+            <a:avLst>
+              <a:gd name="adj1" fmla="val 173085"/>
+            </a:avLst>
+          </a:prstGeom>
+          <a:ln w="28575">
+            <a:tailEnd type="triangle"/>
+          </a:ln>
+        </p:spPr>
+        <p:style>
+          <a:lnRef idx="1">
+            <a:schemeClr val="accent1"/>
+          </a:lnRef>
+          <a:fillRef idx="0">
+            <a:schemeClr val="accent1"/>
+          </a:fillRef>
+          <a:effectRef idx="0">
+            <a:schemeClr val="accent1"/>
+          </a:effectRef>
+          <a:fontRef idx="minor">
+            <a:schemeClr val="tx1"/>
+          </a:fontRef>
+        </p:style>
+      </p:cxnSp>
+      <p:sp>
+        <p:nvSpPr>
+          <p:cNvPr id="88" name="직사각형 87"/>
+          <p:cNvSpPr/>
+          <p:nvPr/>
+        </p:nvSpPr>
+        <p:spPr>
+          <a:xfrm>
+            <a:off x="9875178" y="5468217"/>
+            <a:ext cx="1542004" cy="693045"/>
+          </a:xfrm>
+          <a:prstGeom prst="rect">
+            <a:avLst/>
+          </a:prstGeom>
+          <a:ln/>
+        </p:spPr>
+        <p:style>
+          <a:lnRef idx="2">
+            <a:schemeClr val="accent5">
+              <a:shade val="50000"/>
+            </a:schemeClr>
+          </a:lnRef>
+          <a:fillRef idx="1">
+            <a:schemeClr val="accent5"/>
+          </a:fillRef>
+          <a:effectRef idx="0">
+            <a:schemeClr val="accent5"/>
+          </a:effectRef>
+          <a:fontRef idx="minor">
+            <a:schemeClr val="lt1"/>
+          </a:fontRef>
+        </p:style>
+        <p:txBody>
+          <a:bodyPr rtlCol="0" anchor="ctr"/>
+          <a:lstStyle/>
+          <a:p>
+            <a:pPr algn="ctr"/>
+            <a:r>
+              <a:rPr lang="ko-KR" altLang="en-US" dirty="0"/>
+              <a:t>패널</a:t>
+            </a:r>
+          </a:p>
+        </p:txBody>
+      </p:sp>
+      <p:sp>
+        <p:nvSpPr>
+          <p:cNvPr id="90" name="직사각형 89"/>
+          <p:cNvSpPr/>
+          <p:nvPr/>
+        </p:nvSpPr>
+        <p:spPr>
+          <a:xfrm>
+            <a:off x="8101412" y="5468218"/>
+            <a:ext cx="1502218" cy="693045"/>
+          </a:xfrm>
+          <a:prstGeom prst="rect">
+            <a:avLst/>
+          </a:prstGeom>
+          <a:solidFill>
+            <a:schemeClr val="bg2">
+              <a:lumMod val="90000"/>
+            </a:schemeClr>
+          </a:solidFill>
+          <a:ln>
+            <a:solidFill>
+              <a:schemeClr val="tx1"/>
+            </a:solidFill>
+          </a:ln>
+        </p:spPr>
+        <p:style>
+          <a:lnRef idx="2">
+            <a:schemeClr val="accent1">
+              <a:shade val="50000"/>
+            </a:schemeClr>
+          </a:lnRef>
+          <a:fillRef idx="1">
+            <a:schemeClr val="accent1"/>
+          </a:fillRef>
+          <a:effectRef idx="0">
+            <a:schemeClr val="accent1"/>
+          </a:effectRef>
+          <a:fontRef idx="minor">
+            <a:schemeClr val="lt1"/>
+          </a:fontRef>
+        </p:style>
+        <p:txBody>
+          <a:bodyPr rtlCol="0" anchor="ctr"/>
+          <a:lstStyle/>
+          <a:p>
+            <a:pPr algn="ctr"/>
+            <a:r>
+              <a:rPr lang="ko-KR" altLang="en-US" dirty="0"/>
+              <a:t>씬</a:t>
+            </a:r>
+          </a:p>
+        </p:txBody>
+      </p:sp>
+    </p:spTree>
+    <p:extLst>
+      <p:ext uri="{BB962C8B-B14F-4D97-AF65-F5344CB8AC3E}">
+        <p14:creationId xmlns:p14="http://schemas.microsoft.com/office/powerpoint/2010/main" val="1837547583"/>
+      </p:ext>
+    </p:extLst>
+  </p:cSld>
+  <p:clrMapOvr>
+    <a:masterClrMapping/>
+  </p:clrMapOvr>
+</p:sld>
+</file>
+
+<file path=ppt/slides/slide20.xml><?xml version="1.0" encoding="utf-8"?>
 <p:sld xmlns:a="http://schemas.openxmlformats.org/drawingml/2006/main" xmlns:r="http://schemas.openxmlformats.org/officeDocument/2006/relationships" xmlns:p="http://schemas.openxmlformats.org/presentationml/2006/main">
   <p:cSld>
     <p:spTree>
@@ -7598,7 +9901,7 @@
 </p:sld>
 </file>
 
-<file path=ppt/slides/slide18.xml><?xml version="1.0" encoding="utf-8"?>
+<file path=ppt/slides/slide21.xml><?xml version="1.0" encoding="utf-8"?>
 <p:sld xmlns:a="http://schemas.openxmlformats.org/drawingml/2006/main" xmlns:r="http://schemas.openxmlformats.org/officeDocument/2006/relationships" xmlns:p="http://schemas.openxmlformats.org/presentationml/2006/main">
   <p:cSld>
     <p:spTree>
@@ -8910,7 +11213,7 @@
 </p:sld>
 </file>
 
-<file path=ppt/slides/slide19.xml><?xml version="1.0" encoding="utf-8"?>
+<file path=ppt/slides/slide22.xml><?xml version="1.0" encoding="utf-8"?>
 <p:sld xmlns:a="http://schemas.openxmlformats.org/drawingml/2006/main" xmlns:r="http://schemas.openxmlformats.org/officeDocument/2006/relationships" xmlns:p="http://schemas.openxmlformats.org/presentationml/2006/main">
   <p:cSld>
     <p:spTree>
@@ -10099,1039 +12402,7 @@
 </p:sld>
 </file>
 
-<file path=ppt/slides/slide2.xml><?xml version="1.0" encoding="utf-8"?>
-<p:sld xmlns:a="http://schemas.openxmlformats.org/drawingml/2006/main" xmlns:r="http://schemas.openxmlformats.org/officeDocument/2006/relationships" xmlns:p="http://schemas.openxmlformats.org/presentationml/2006/main">
-  <p:cSld>
-    <p:spTree>
-      <p:nvGrpSpPr>
-        <p:cNvPr id="1" name=""/>
-        <p:cNvGrpSpPr/>
-        <p:nvPr/>
-      </p:nvGrpSpPr>
-      <p:grpSpPr>
-        <a:xfrm>
-          <a:off x="0" y="0"/>
-          <a:ext cx="0" cy="0"/>
-          <a:chOff x="0" y="0"/>
-          <a:chExt cx="0" cy="0"/>
-        </a:xfrm>
-      </p:grpSpPr>
-      <p:sp>
-        <p:nvSpPr>
-          <p:cNvPr id="3" name="직사각형 2"/>
-          <p:cNvSpPr/>
-          <p:nvPr/>
-        </p:nvSpPr>
-        <p:spPr>
-          <a:xfrm>
-            <a:off x="1147959" y="2233024"/>
-            <a:ext cx="2491530" cy="1669409"/>
-          </a:xfrm>
-          <a:prstGeom prst="rect">
-            <a:avLst/>
-          </a:prstGeom>
-          <a:solidFill>
-            <a:schemeClr val="bg2">
-              <a:lumMod val="90000"/>
-            </a:schemeClr>
-          </a:solidFill>
-          <a:ln>
-            <a:solidFill>
-              <a:schemeClr val="tx1"/>
-            </a:solidFill>
-          </a:ln>
-        </p:spPr>
-        <p:style>
-          <a:lnRef idx="2">
-            <a:schemeClr val="accent1">
-              <a:shade val="50000"/>
-            </a:schemeClr>
-          </a:lnRef>
-          <a:fillRef idx="1">
-            <a:schemeClr val="accent1"/>
-          </a:fillRef>
-          <a:effectRef idx="0">
-            <a:schemeClr val="accent1"/>
-          </a:effectRef>
-          <a:fontRef idx="minor">
-            <a:schemeClr val="lt1"/>
-          </a:fontRef>
-        </p:style>
-        <p:txBody>
-          <a:bodyPr rtlCol="0" anchor="ctr"/>
-          <a:lstStyle/>
-          <a:p>
-            <a:pPr algn="ctr"/>
-            <a:r>
-              <a:rPr lang="ko-KR" altLang="en-US" dirty="0" err="1"/>
-              <a:t>메인메뉴</a:t>
-            </a:r>
-            <a:endParaRPr lang="ko-KR" altLang="en-US" dirty="0"/>
-          </a:p>
-        </p:txBody>
-      </p:sp>
-      <p:sp>
-        <p:nvSpPr>
-          <p:cNvPr id="5" name="직사각형 4"/>
-          <p:cNvSpPr/>
-          <p:nvPr/>
-        </p:nvSpPr>
-        <p:spPr>
-          <a:xfrm>
-            <a:off x="4106860" y="2233020"/>
-            <a:ext cx="2491530" cy="1669409"/>
-          </a:xfrm>
-          <a:prstGeom prst="rect">
-            <a:avLst/>
-          </a:prstGeom>
-          <a:solidFill>
-            <a:schemeClr val="bg2">
-              <a:lumMod val="90000"/>
-            </a:schemeClr>
-          </a:solidFill>
-          <a:ln>
-            <a:solidFill>
-              <a:schemeClr val="tx1"/>
-            </a:solidFill>
-          </a:ln>
-        </p:spPr>
-        <p:style>
-          <a:lnRef idx="2">
-            <a:schemeClr val="accent1">
-              <a:shade val="50000"/>
-            </a:schemeClr>
-          </a:lnRef>
-          <a:fillRef idx="1">
-            <a:schemeClr val="accent1"/>
-          </a:fillRef>
-          <a:effectRef idx="0">
-            <a:schemeClr val="accent1"/>
-          </a:effectRef>
-          <a:fontRef idx="minor">
-            <a:schemeClr val="lt1"/>
-          </a:fontRef>
-        </p:style>
-        <p:txBody>
-          <a:bodyPr rtlCol="0" anchor="ctr"/>
-          <a:lstStyle/>
-          <a:p>
-            <a:pPr algn="ctr"/>
-            <a:r>
-              <a:rPr lang="ko-KR" altLang="en-US" dirty="0"/>
-              <a:t> </a:t>
-            </a:r>
-            <a:r>
-              <a:rPr lang="ko-KR" altLang="en-US" dirty="0" err="1"/>
-              <a:t>플레이어수</a:t>
-            </a:r>
-            <a:r>
-              <a:rPr lang="en-US" altLang="ko-KR" dirty="0"/>
-              <a:t>/</a:t>
-            </a:r>
-            <a:r>
-              <a:rPr lang="ko-KR" altLang="en-US" dirty="0"/>
-              <a:t>팀 선택</a:t>
-            </a:r>
-            <a:endParaRPr lang="en-US" altLang="ko-KR" dirty="0"/>
-          </a:p>
-          <a:p>
-            <a:pPr algn="ctr"/>
-            <a:r>
-              <a:rPr lang="ko-KR" altLang="en-US" dirty="0"/>
-              <a:t>캐릭터 선택</a:t>
-            </a:r>
-          </a:p>
-        </p:txBody>
-      </p:sp>
-      <p:sp>
-        <p:nvSpPr>
-          <p:cNvPr id="7" name="직사각형 6"/>
-          <p:cNvSpPr/>
-          <p:nvPr/>
-        </p:nvSpPr>
-        <p:spPr>
-          <a:xfrm>
-            <a:off x="7026819" y="2233021"/>
-            <a:ext cx="2491530" cy="1669409"/>
-          </a:xfrm>
-          <a:prstGeom prst="rect">
-            <a:avLst/>
-          </a:prstGeom>
-          <a:solidFill>
-            <a:schemeClr val="bg2">
-              <a:lumMod val="90000"/>
-            </a:schemeClr>
-          </a:solidFill>
-          <a:ln>
-            <a:solidFill>
-              <a:schemeClr val="tx1"/>
-            </a:solidFill>
-          </a:ln>
-        </p:spPr>
-        <p:style>
-          <a:lnRef idx="2">
-            <a:schemeClr val="accent1">
-              <a:shade val="50000"/>
-            </a:schemeClr>
-          </a:lnRef>
-          <a:fillRef idx="1">
-            <a:schemeClr val="accent1"/>
-          </a:fillRef>
-          <a:effectRef idx="0">
-            <a:schemeClr val="accent1"/>
-          </a:effectRef>
-          <a:fontRef idx="minor">
-            <a:schemeClr val="lt1"/>
-          </a:fontRef>
-        </p:style>
-        <p:txBody>
-          <a:bodyPr rtlCol="0" anchor="ctr"/>
-          <a:lstStyle/>
-          <a:p>
-            <a:pPr algn="ctr"/>
-            <a:r>
-              <a:rPr lang="ko-KR" altLang="en-US" dirty="0" err="1"/>
-              <a:t>인게임</a:t>
-            </a:r>
-            <a:endParaRPr lang="ko-KR" altLang="en-US" dirty="0"/>
-          </a:p>
-        </p:txBody>
-      </p:sp>
-      <p:sp>
-        <p:nvSpPr>
-          <p:cNvPr id="16" name="직사각형 15"/>
-          <p:cNvSpPr/>
-          <p:nvPr/>
-        </p:nvSpPr>
-        <p:spPr>
-          <a:xfrm>
-            <a:off x="1603463" y="742602"/>
-            <a:ext cx="1591239" cy="686190"/>
-          </a:xfrm>
-          <a:prstGeom prst="rect">
-            <a:avLst/>
-          </a:prstGeom>
-          <a:ln/>
-        </p:spPr>
-        <p:style>
-          <a:lnRef idx="2">
-            <a:schemeClr val="accent5">
-              <a:shade val="50000"/>
-            </a:schemeClr>
-          </a:lnRef>
-          <a:fillRef idx="1">
-            <a:schemeClr val="accent5"/>
-          </a:fillRef>
-          <a:effectRef idx="0">
-            <a:schemeClr val="accent5"/>
-          </a:effectRef>
-          <a:fontRef idx="minor">
-            <a:schemeClr val="lt1"/>
-          </a:fontRef>
-        </p:style>
-        <p:txBody>
-          <a:bodyPr rtlCol="0" anchor="ctr"/>
-          <a:lstStyle/>
-          <a:p>
-            <a:pPr algn="ctr"/>
-            <a:r>
-              <a:rPr lang="ko-KR" altLang="en-US" dirty="0"/>
-              <a:t>메뉴 옵션</a:t>
-            </a:r>
-          </a:p>
-        </p:txBody>
-      </p:sp>
-      <p:cxnSp>
-        <p:nvCxnSpPr>
-          <p:cNvPr id="33" name="연결선: 꺾임 32"/>
-          <p:cNvCxnSpPr>
-            <a:cxnSpLocks/>
-            <a:stCxn id="3" idx="0"/>
-            <a:endCxn id="16" idx="2"/>
-          </p:cNvCxnSpPr>
-          <p:nvPr/>
-        </p:nvCxnSpPr>
-        <p:spPr>
-          <a:xfrm rot="5400000" flipH="1" flipV="1">
-            <a:off x="1994287" y="1828229"/>
-            <a:ext cx="804232" cy="5359"/>
-          </a:xfrm>
-          <a:prstGeom prst="bentConnector3">
-            <a:avLst>
-              <a:gd name="adj1" fmla="val 50000"/>
-            </a:avLst>
-          </a:prstGeom>
-          <a:ln w="28575">
-            <a:tailEnd type="triangle"/>
-          </a:ln>
-        </p:spPr>
-        <p:style>
-          <a:lnRef idx="1">
-            <a:schemeClr val="accent1"/>
-          </a:lnRef>
-          <a:fillRef idx="0">
-            <a:schemeClr val="accent1"/>
-          </a:fillRef>
-          <a:effectRef idx="0">
-            <a:schemeClr val="accent1"/>
-          </a:effectRef>
-          <a:fontRef idx="minor">
-            <a:schemeClr val="tx1"/>
-          </a:fontRef>
-        </p:style>
-      </p:cxnSp>
-      <p:cxnSp>
-        <p:nvCxnSpPr>
-          <p:cNvPr id="36" name="연결선: 꺾임 35"/>
-          <p:cNvCxnSpPr>
-            <a:cxnSpLocks/>
-            <a:stCxn id="3" idx="0"/>
-            <a:endCxn id="53" idx="2"/>
-          </p:cNvCxnSpPr>
-          <p:nvPr/>
-        </p:nvCxnSpPr>
-        <p:spPr>
-          <a:xfrm rot="5400000" flipH="1" flipV="1">
-            <a:off x="3037634" y="784882"/>
-            <a:ext cx="804232" cy="2092053"/>
-          </a:xfrm>
-          <a:prstGeom prst="bentConnector3">
-            <a:avLst>
-              <a:gd name="adj1" fmla="val 50000"/>
-            </a:avLst>
-          </a:prstGeom>
-          <a:ln w="28575">
-            <a:tailEnd type="triangle"/>
-          </a:ln>
-        </p:spPr>
-        <p:style>
-          <a:lnRef idx="1">
-            <a:schemeClr val="accent1"/>
-          </a:lnRef>
-          <a:fillRef idx="0">
-            <a:schemeClr val="accent1"/>
-          </a:fillRef>
-          <a:effectRef idx="0">
-            <a:schemeClr val="accent1"/>
-          </a:effectRef>
-          <a:fontRef idx="minor">
-            <a:schemeClr val="tx1"/>
-          </a:fontRef>
-        </p:style>
-      </p:cxnSp>
-      <p:cxnSp>
-        <p:nvCxnSpPr>
-          <p:cNvPr id="40" name="직선 화살표 연결선 39"/>
-          <p:cNvCxnSpPr>
-            <a:cxnSpLocks/>
-            <a:stCxn id="3" idx="3"/>
-            <a:endCxn id="5" idx="1"/>
-          </p:cNvCxnSpPr>
-          <p:nvPr/>
-        </p:nvCxnSpPr>
-        <p:spPr>
-          <a:xfrm flipV="1">
-            <a:off x="3639489" y="3067725"/>
-            <a:ext cx="467371" cy="4"/>
-          </a:xfrm>
-          <a:prstGeom prst="straightConnector1">
-            <a:avLst/>
-          </a:prstGeom>
-          <a:ln w="28575">
-            <a:tailEnd type="triangle"/>
-          </a:ln>
-        </p:spPr>
-        <p:style>
-          <a:lnRef idx="1">
-            <a:schemeClr val="accent1"/>
-          </a:lnRef>
-          <a:fillRef idx="0">
-            <a:schemeClr val="accent1"/>
-          </a:fillRef>
-          <a:effectRef idx="0">
-            <a:schemeClr val="accent1"/>
-          </a:effectRef>
-          <a:fontRef idx="minor">
-            <a:schemeClr val="tx1"/>
-          </a:fontRef>
-        </p:style>
-      </p:cxnSp>
-      <p:cxnSp>
-        <p:nvCxnSpPr>
-          <p:cNvPr id="41" name="직선 화살표 연결선 40"/>
-          <p:cNvCxnSpPr>
-            <a:cxnSpLocks/>
-            <a:stCxn id="5" idx="3"/>
-            <a:endCxn id="7" idx="1"/>
-          </p:cNvCxnSpPr>
-          <p:nvPr/>
-        </p:nvCxnSpPr>
-        <p:spPr>
-          <a:xfrm>
-            <a:off x="6598390" y="3067725"/>
-            <a:ext cx="428429" cy="1"/>
-          </a:xfrm>
-          <a:prstGeom prst="straightConnector1">
-            <a:avLst/>
-          </a:prstGeom>
-          <a:ln w="28575">
-            <a:tailEnd type="triangle"/>
-          </a:ln>
-        </p:spPr>
-        <p:style>
-          <a:lnRef idx="1">
-            <a:schemeClr val="accent1"/>
-          </a:lnRef>
-          <a:fillRef idx="0">
-            <a:schemeClr val="accent1"/>
-          </a:fillRef>
-          <a:effectRef idx="0">
-            <a:schemeClr val="accent1"/>
-          </a:effectRef>
-          <a:fontRef idx="minor">
-            <a:schemeClr val="tx1"/>
-          </a:fontRef>
-        </p:style>
-      </p:cxnSp>
-      <p:cxnSp>
-        <p:nvCxnSpPr>
-          <p:cNvPr id="43" name="직선 화살표 연결선 42"/>
-          <p:cNvCxnSpPr>
-            <a:cxnSpLocks/>
-            <a:stCxn id="7" idx="3"/>
-            <a:endCxn id="24" idx="1"/>
-          </p:cNvCxnSpPr>
-          <p:nvPr/>
-        </p:nvCxnSpPr>
-        <p:spPr>
-          <a:xfrm>
-            <a:off x="9518349" y="3067726"/>
-            <a:ext cx="356829" cy="2"/>
-          </a:xfrm>
-          <a:prstGeom prst="straightConnector1">
-            <a:avLst/>
-          </a:prstGeom>
-          <a:ln w="28575">
-            <a:tailEnd type="triangle"/>
-          </a:ln>
-        </p:spPr>
-        <p:style>
-          <a:lnRef idx="1">
-            <a:schemeClr val="accent1"/>
-          </a:lnRef>
-          <a:fillRef idx="0">
-            <a:schemeClr val="accent1"/>
-          </a:fillRef>
-          <a:effectRef idx="0">
-            <a:schemeClr val="accent1"/>
-          </a:effectRef>
-          <a:fontRef idx="minor">
-            <a:schemeClr val="tx1"/>
-          </a:fontRef>
-        </p:style>
-      </p:cxnSp>
-      <p:sp>
-        <p:nvSpPr>
-          <p:cNvPr id="46" name="TextBox 45"/>
-          <p:cNvSpPr txBox="1"/>
-          <p:nvPr/>
-        </p:nvSpPr>
-        <p:spPr>
-          <a:xfrm>
-            <a:off x="190743" y="182246"/>
-            <a:ext cx="1107996" cy="461665"/>
-          </a:xfrm>
-          <a:prstGeom prst="rect">
-            <a:avLst/>
-          </a:prstGeom>
-          <a:noFill/>
-        </p:spPr>
-        <p:txBody>
-          <a:bodyPr wrap="none" rtlCol="0">
-            <a:spAutoFit/>
-          </a:bodyPr>
-          <a:lstStyle/>
-          <a:p>
-            <a:r>
-              <a:rPr lang="ko-KR" altLang="en-US" sz="2400" b="1" dirty="0" err="1"/>
-              <a:t>씬구성</a:t>
-            </a:r>
-            <a:endParaRPr lang="ko-KR" altLang="en-US" sz="2400" b="1" dirty="0"/>
-          </a:p>
-        </p:txBody>
-      </p:sp>
-      <p:sp>
-        <p:nvSpPr>
-          <p:cNvPr id="50" name="직사각형 49"/>
-          <p:cNvSpPr/>
-          <p:nvPr/>
-        </p:nvSpPr>
-        <p:spPr>
-          <a:xfrm>
-            <a:off x="7455250" y="756219"/>
-            <a:ext cx="1634667" cy="693045"/>
-          </a:xfrm>
-          <a:prstGeom prst="rect">
-            <a:avLst/>
-          </a:prstGeom>
-          <a:ln/>
-        </p:spPr>
-        <p:style>
-          <a:lnRef idx="2">
-            <a:schemeClr val="accent5">
-              <a:shade val="50000"/>
-            </a:schemeClr>
-          </a:lnRef>
-          <a:fillRef idx="1">
-            <a:schemeClr val="accent5"/>
-          </a:fillRef>
-          <a:effectRef idx="0">
-            <a:schemeClr val="accent5"/>
-          </a:effectRef>
-          <a:fontRef idx="minor">
-            <a:schemeClr val="lt1"/>
-          </a:fontRef>
-        </p:style>
-        <p:txBody>
-          <a:bodyPr rtlCol="0" anchor="ctr"/>
-          <a:lstStyle/>
-          <a:p>
-            <a:pPr algn="ctr"/>
-            <a:r>
-              <a:rPr lang="ko-KR" altLang="en-US" dirty="0" err="1"/>
-              <a:t>인게임</a:t>
-            </a:r>
-            <a:r>
-              <a:rPr lang="ko-KR" altLang="en-US" dirty="0"/>
-              <a:t> 옵션</a:t>
-            </a:r>
-          </a:p>
-        </p:txBody>
-      </p:sp>
-      <p:cxnSp>
-        <p:nvCxnSpPr>
-          <p:cNvPr id="51" name="연결선: 꺾임 50"/>
-          <p:cNvCxnSpPr>
-            <a:cxnSpLocks/>
-          </p:cNvCxnSpPr>
-          <p:nvPr/>
-        </p:nvCxnSpPr>
-        <p:spPr>
-          <a:xfrm rot="16200000" flipV="1">
-            <a:off x="15543581" y="1456177"/>
-            <a:ext cx="660974" cy="1388378"/>
-          </a:xfrm>
-          <a:prstGeom prst="bentConnector2">
-            <a:avLst/>
-          </a:prstGeom>
-          <a:ln w="28575">
-            <a:tailEnd type="triangle"/>
-          </a:ln>
-        </p:spPr>
-        <p:style>
-          <a:lnRef idx="1">
-            <a:schemeClr val="accent1"/>
-          </a:lnRef>
-          <a:fillRef idx="0">
-            <a:schemeClr val="accent1"/>
-          </a:fillRef>
-          <a:effectRef idx="0">
-            <a:schemeClr val="accent1"/>
-          </a:effectRef>
-          <a:fontRef idx="minor">
-            <a:schemeClr val="tx1"/>
-          </a:fontRef>
-        </p:style>
-      </p:cxnSp>
-      <p:sp>
-        <p:nvSpPr>
-          <p:cNvPr id="56" name="직사각형 55"/>
-          <p:cNvSpPr/>
-          <p:nvPr/>
-        </p:nvSpPr>
-        <p:spPr>
-          <a:xfrm>
-            <a:off x="1147958" y="4633514"/>
-            <a:ext cx="2491530" cy="1669409"/>
-          </a:xfrm>
-          <a:prstGeom prst="rect">
-            <a:avLst/>
-          </a:prstGeom>
-          <a:solidFill>
-            <a:schemeClr val="bg2">
-              <a:lumMod val="90000"/>
-            </a:schemeClr>
-          </a:solidFill>
-          <a:ln>
-            <a:solidFill>
-              <a:schemeClr val="tx1"/>
-            </a:solidFill>
-          </a:ln>
-        </p:spPr>
-        <p:style>
-          <a:lnRef idx="2">
-            <a:schemeClr val="accent1">
-              <a:shade val="50000"/>
-            </a:schemeClr>
-          </a:lnRef>
-          <a:fillRef idx="1">
-            <a:schemeClr val="accent1"/>
-          </a:fillRef>
-          <a:effectRef idx="0">
-            <a:schemeClr val="accent1"/>
-          </a:effectRef>
-          <a:fontRef idx="minor">
-            <a:schemeClr val="lt1"/>
-          </a:fontRef>
-        </p:style>
-        <p:txBody>
-          <a:bodyPr rtlCol="0" anchor="ctr"/>
-          <a:lstStyle/>
-          <a:p>
-            <a:pPr algn="ctr"/>
-            <a:r>
-              <a:rPr lang="ko-KR" altLang="en-US" dirty="0" err="1"/>
-              <a:t>크레딧</a:t>
-            </a:r>
-            <a:endParaRPr lang="ko-KR" altLang="en-US" dirty="0"/>
-          </a:p>
-        </p:txBody>
-      </p:sp>
-      <p:cxnSp>
-        <p:nvCxnSpPr>
-          <p:cNvPr id="57" name="연결선: 꺾임 56"/>
-          <p:cNvCxnSpPr>
-            <a:cxnSpLocks/>
-            <a:stCxn id="3" idx="1"/>
-            <a:endCxn id="56" idx="1"/>
-          </p:cNvCxnSpPr>
-          <p:nvPr/>
-        </p:nvCxnSpPr>
-        <p:spPr>
-          <a:xfrm rot="10800000" flipV="1">
-            <a:off x="1147959" y="3067729"/>
-            <a:ext cx="1" cy="2400490"/>
-          </a:xfrm>
-          <a:prstGeom prst="bentConnector3">
-            <a:avLst>
-              <a:gd name="adj1" fmla="val 22860100000"/>
-            </a:avLst>
-          </a:prstGeom>
-          <a:ln w="28575">
-            <a:tailEnd type="triangle"/>
-          </a:ln>
-        </p:spPr>
-        <p:style>
-          <a:lnRef idx="1">
-            <a:schemeClr val="accent1"/>
-          </a:lnRef>
-          <a:fillRef idx="0">
-            <a:schemeClr val="accent1"/>
-          </a:fillRef>
-          <a:effectRef idx="0">
-            <a:schemeClr val="accent1"/>
-          </a:effectRef>
-          <a:fontRef idx="minor">
-            <a:schemeClr val="tx1"/>
-          </a:fontRef>
-        </p:style>
-      </p:cxnSp>
-      <p:sp>
-        <p:nvSpPr>
-          <p:cNvPr id="24" name="직사각형 23"/>
-          <p:cNvSpPr/>
-          <p:nvPr/>
-        </p:nvSpPr>
-        <p:spPr>
-          <a:xfrm>
-            <a:off x="9875178" y="2721205"/>
-            <a:ext cx="1634667" cy="693045"/>
-          </a:xfrm>
-          <a:prstGeom prst="rect">
-            <a:avLst/>
-          </a:prstGeom>
-          <a:ln/>
-        </p:spPr>
-        <p:style>
-          <a:lnRef idx="2">
-            <a:schemeClr val="accent5">
-              <a:shade val="50000"/>
-            </a:schemeClr>
-          </a:lnRef>
-          <a:fillRef idx="1">
-            <a:schemeClr val="accent5"/>
-          </a:fillRef>
-          <a:effectRef idx="0">
-            <a:schemeClr val="accent5"/>
-          </a:effectRef>
-          <a:fontRef idx="minor">
-            <a:schemeClr val="lt1"/>
-          </a:fontRef>
-        </p:style>
-        <p:txBody>
-          <a:bodyPr rtlCol="0" anchor="ctr"/>
-          <a:lstStyle/>
-          <a:p>
-            <a:pPr algn="ctr"/>
-            <a:r>
-              <a:rPr lang="ko-KR" altLang="en-US" dirty="0"/>
-              <a:t>게임결과</a:t>
-            </a:r>
-          </a:p>
-        </p:txBody>
-      </p:sp>
-      <p:sp>
-        <p:nvSpPr>
-          <p:cNvPr id="52" name="직사각형 51"/>
-          <p:cNvSpPr/>
-          <p:nvPr/>
-        </p:nvSpPr>
-        <p:spPr>
-          <a:xfrm>
-            <a:off x="9603630" y="761384"/>
-            <a:ext cx="1634667" cy="693045"/>
-          </a:xfrm>
-          <a:prstGeom prst="rect">
-            <a:avLst/>
-          </a:prstGeom>
-          <a:ln/>
-        </p:spPr>
-        <p:style>
-          <a:lnRef idx="2">
-            <a:schemeClr val="accent5">
-              <a:shade val="50000"/>
-            </a:schemeClr>
-          </a:lnRef>
-          <a:fillRef idx="1">
-            <a:schemeClr val="accent5"/>
-          </a:fillRef>
-          <a:effectRef idx="0">
-            <a:schemeClr val="accent5"/>
-          </a:effectRef>
-          <a:fontRef idx="minor">
-            <a:schemeClr val="lt1"/>
-          </a:fontRef>
-        </p:style>
-        <p:txBody>
-          <a:bodyPr rtlCol="0" anchor="ctr"/>
-          <a:lstStyle/>
-          <a:p>
-            <a:pPr algn="ctr"/>
-            <a:r>
-              <a:rPr lang="ko-KR" altLang="en-US"/>
-              <a:t>가이드</a:t>
-            </a:r>
-            <a:endParaRPr lang="ko-KR" altLang="en-US" dirty="0"/>
-          </a:p>
-        </p:txBody>
-      </p:sp>
-      <p:sp>
-        <p:nvSpPr>
-          <p:cNvPr id="53" name="직사각형 52"/>
-          <p:cNvSpPr/>
-          <p:nvPr/>
-        </p:nvSpPr>
-        <p:spPr>
-          <a:xfrm>
-            <a:off x="3668443" y="735747"/>
-            <a:ext cx="1634667" cy="693045"/>
-          </a:xfrm>
-          <a:prstGeom prst="rect">
-            <a:avLst/>
-          </a:prstGeom>
-          <a:ln/>
-        </p:spPr>
-        <p:style>
-          <a:lnRef idx="2">
-            <a:schemeClr val="accent5">
-              <a:shade val="50000"/>
-            </a:schemeClr>
-          </a:lnRef>
-          <a:fillRef idx="1">
-            <a:schemeClr val="accent5"/>
-          </a:fillRef>
-          <a:effectRef idx="0">
-            <a:schemeClr val="accent5"/>
-          </a:effectRef>
-          <a:fontRef idx="minor">
-            <a:schemeClr val="lt1"/>
-          </a:fontRef>
-        </p:style>
-        <p:txBody>
-          <a:bodyPr rtlCol="0" anchor="ctr"/>
-          <a:lstStyle/>
-          <a:p>
-            <a:pPr algn="ctr"/>
-            <a:r>
-              <a:rPr lang="ko-KR" altLang="en-US" dirty="0"/>
-              <a:t>가이드</a:t>
-            </a:r>
-          </a:p>
-        </p:txBody>
-      </p:sp>
-      <p:cxnSp>
-        <p:nvCxnSpPr>
-          <p:cNvPr id="58" name="직선 화살표 연결선 57"/>
-          <p:cNvCxnSpPr>
-            <a:cxnSpLocks/>
-            <a:stCxn id="50" idx="3"/>
-            <a:endCxn id="52" idx="1"/>
-          </p:cNvCxnSpPr>
-          <p:nvPr/>
-        </p:nvCxnSpPr>
-        <p:spPr>
-          <a:xfrm>
-            <a:off x="9089917" y="1102742"/>
-            <a:ext cx="513713" cy="5165"/>
-          </a:xfrm>
-          <a:prstGeom prst="straightConnector1">
-            <a:avLst/>
-          </a:prstGeom>
-          <a:ln w="28575">
-            <a:tailEnd type="triangle"/>
-          </a:ln>
-        </p:spPr>
-        <p:style>
-          <a:lnRef idx="1">
-            <a:schemeClr val="accent1"/>
-          </a:lnRef>
-          <a:fillRef idx="0">
-            <a:schemeClr val="accent1"/>
-          </a:fillRef>
-          <a:effectRef idx="0">
-            <a:schemeClr val="accent1"/>
-          </a:effectRef>
-          <a:fontRef idx="minor">
-            <a:schemeClr val="tx1"/>
-          </a:fontRef>
-        </p:style>
-      </p:cxnSp>
-      <p:cxnSp>
-        <p:nvCxnSpPr>
-          <p:cNvPr id="62" name="연결선: 꺾임 61"/>
-          <p:cNvCxnSpPr>
-            <a:cxnSpLocks/>
-            <a:stCxn id="24" idx="2"/>
-            <a:endCxn id="3" idx="2"/>
-          </p:cNvCxnSpPr>
-          <p:nvPr/>
-        </p:nvCxnSpPr>
-        <p:spPr>
-          <a:xfrm rot="5400000">
-            <a:off x="6299027" y="-491053"/>
-            <a:ext cx="488183" cy="8298788"/>
-          </a:xfrm>
-          <a:prstGeom prst="bentConnector3">
-            <a:avLst>
-              <a:gd name="adj1" fmla="val 176586"/>
-            </a:avLst>
-          </a:prstGeom>
-          <a:ln w="28575">
-            <a:tailEnd type="triangle"/>
-          </a:ln>
-        </p:spPr>
-        <p:style>
-          <a:lnRef idx="1">
-            <a:schemeClr val="accent1"/>
-          </a:lnRef>
-          <a:fillRef idx="0">
-            <a:schemeClr val="accent1"/>
-          </a:fillRef>
-          <a:effectRef idx="0">
-            <a:schemeClr val="accent1"/>
-          </a:effectRef>
-          <a:fontRef idx="minor">
-            <a:schemeClr val="tx1"/>
-          </a:fontRef>
-        </p:style>
-      </p:cxnSp>
-      <p:cxnSp>
-        <p:nvCxnSpPr>
-          <p:cNvPr id="65" name="직선 화살표 연결선 64"/>
-          <p:cNvCxnSpPr>
-            <a:cxnSpLocks/>
-            <a:stCxn id="7" idx="0"/>
-            <a:endCxn id="50" idx="2"/>
-          </p:cNvCxnSpPr>
-          <p:nvPr/>
-        </p:nvCxnSpPr>
-        <p:spPr>
-          <a:xfrm flipV="1">
-            <a:off x="8272584" y="1449264"/>
-            <a:ext cx="0" cy="783757"/>
-          </a:xfrm>
-          <a:prstGeom prst="straightConnector1">
-            <a:avLst/>
-          </a:prstGeom>
-          <a:ln w="28575">
-            <a:tailEnd type="triangle"/>
-          </a:ln>
-        </p:spPr>
-        <p:style>
-          <a:lnRef idx="1">
-            <a:schemeClr val="accent1"/>
-          </a:lnRef>
-          <a:fillRef idx="0">
-            <a:schemeClr val="accent1"/>
-          </a:fillRef>
-          <a:effectRef idx="0">
-            <a:schemeClr val="accent1"/>
-          </a:effectRef>
-          <a:fontRef idx="minor">
-            <a:schemeClr val="tx1"/>
-          </a:fontRef>
-        </p:style>
-      </p:cxnSp>
-      <p:cxnSp>
-        <p:nvCxnSpPr>
-          <p:cNvPr id="81" name="연결선: 꺾임 80"/>
-          <p:cNvCxnSpPr>
-            <a:cxnSpLocks/>
-            <a:stCxn id="24" idx="2"/>
-            <a:endCxn id="5" idx="2"/>
-          </p:cNvCxnSpPr>
-          <p:nvPr/>
-        </p:nvCxnSpPr>
-        <p:spPr>
-          <a:xfrm rot="5400000">
-            <a:off x="7778480" y="988396"/>
-            <a:ext cx="488179" cy="5339887"/>
-          </a:xfrm>
-          <a:prstGeom prst="bentConnector3">
-            <a:avLst>
-              <a:gd name="adj1" fmla="val 173085"/>
-            </a:avLst>
-          </a:prstGeom>
-          <a:ln w="28575">
-            <a:tailEnd type="triangle"/>
-          </a:ln>
-        </p:spPr>
-        <p:style>
-          <a:lnRef idx="1">
-            <a:schemeClr val="accent1"/>
-          </a:lnRef>
-          <a:fillRef idx="0">
-            <a:schemeClr val="accent1"/>
-          </a:fillRef>
-          <a:effectRef idx="0">
-            <a:schemeClr val="accent1"/>
-          </a:effectRef>
-          <a:fontRef idx="minor">
-            <a:schemeClr val="tx1"/>
-          </a:fontRef>
-        </p:style>
-      </p:cxnSp>
-      <p:sp>
-        <p:nvSpPr>
-          <p:cNvPr id="88" name="직사각형 87"/>
-          <p:cNvSpPr/>
-          <p:nvPr/>
-        </p:nvSpPr>
-        <p:spPr>
-          <a:xfrm>
-            <a:off x="9875178" y="5468217"/>
-            <a:ext cx="1542004" cy="693045"/>
-          </a:xfrm>
-          <a:prstGeom prst="rect">
-            <a:avLst/>
-          </a:prstGeom>
-          <a:ln/>
-        </p:spPr>
-        <p:style>
-          <a:lnRef idx="2">
-            <a:schemeClr val="accent5">
-              <a:shade val="50000"/>
-            </a:schemeClr>
-          </a:lnRef>
-          <a:fillRef idx="1">
-            <a:schemeClr val="accent5"/>
-          </a:fillRef>
-          <a:effectRef idx="0">
-            <a:schemeClr val="accent5"/>
-          </a:effectRef>
-          <a:fontRef idx="minor">
-            <a:schemeClr val="lt1"/>
-          </a:fontRef>
-        </p:style>
-        <p:txBody>
-          <a:bodyPr rtlCol="0" anchor="ctr"/>
-          <a:lstStyle/>
-          <a:p>
-            <a:pPr algn="ctr"/>
-            <a:r>
-              <a:rPr lang="ko-KR" altLang="en-US" dirty="0"/>
-              <a:t>패널</a:t>
-            </a:r>
-          </a:p>
-        </p:txBody>
-      </p:sp>
-      <p:sp>
-        <p:nvSpPr>
-          <p:cNvPr id="90" name="직사각형 89"/>
-          <p:cNvSpPr/>
-          <p:nvPr/>
-        </p:nvSpPr>
-        <p:spPr>
-          <a:xfrm>
-            <a:off x="8101412" y="5468218"/>
-            <a:ext cx="1502218" cy="693045"/>
-          </a:xfrm>
-          <a:prstGeom prst="rect">
-            <a:avLst/>
-          </a:prstGeom>
-          <a:solidFill>
-            <a:schemeClr val="bg2">
-              <a:lumMod val="90000"/>
-            </a:schemeClr>
-          </a:solidFill>
-          <a:ln>
-            <a:solidFill>
-              <a:schemeClr val="tx1"/>
-            </a:solidFill>
-          </a:ln>
-        </p:spPr>
-        <p:style>
-          <a:lnRef idx="2">
-            <a:schemeClr val="accent1">
-              <a:shade val="50000"/>
-            </a:schemeClr>
-          </a:lnRef>
-          <a:fillRef idx="1">
-            <a:schemeClr val="accent1"/>
-          </a:fillRef>
-          <a:effectRef idx="0">
-            <a:schemeClr val="accent1"/>
-          </a:effectRef>
-          <a:fontRef idx="minor">
-            <a:schemeClr val="lt1"/>
-          </a:fontRef>
-        </p:style>
-        <p:txBody>
-          <a:bodyPr rtlCol="0" anchor="ctr"/>
-          <a:lstStyle/>
-          <a:p>
-            <a:pPr algn="ctr"/>
-            <a:r>
-              <a:rPr lang="ko-KR" altLang="en-US" dirty="0"/>
-              <a:t>씬</a:t>
-            </a:r>
-          </a:p>
-        </p:txBody>
-      </p:sp>
-    </p:spTree>
-    <p:extLst>
-      <p:ext uri="{BB962C8B-B14F-4D97-AF65-F5344CB8AC3E}">
-        <p14:creationId xmlns:p14="http://schemas.microsoft.com/office/powerpoint/2010/main" val="1837547583"/>
-      </p:ext>
-    </p:extLst>
-  </p:cSld>
-  <p:clrMapOvr>
-    <a:masterClrMapping/>
-  </p:clrMapOvr>
-</p:sld>
-</file>
-
-<file path=ppt/slides/slide20.xml><?xml version="1.0" encoding="utf-8"?>
+<file path=ppt/slides/slide23.xml><?xml version="1.0" encoding="utf-8"?>
 <p:sld xmlns:a="http://schemas.openxmlformats.org/drawingml/2006/main" xmlns:r="http://schemas.openxmlformats.org/officeDocument/2006/relationships" xmlns:p="http://schemas.openxmlformats.org/presentationml/2006/main">
   <p:cSld>
     <p:spTree>
@@ -11992,7 +13263,7 @@
 </p:sld>
 </file>
 
-<file path=ppt/slides/slide21.xml><?xml version="1.0" encoding="utf-8"?>
+<file path=ppt/slides/slide24.xml><?xml version="1.0" encoding="utf-8"?>
 <p:sld xmlns:a="http://schemas.openxmlformats.org/drawingml/2006/main" xmlns:r="http://schemas.openxmlformats.org/officeDocument/2006/relationships" xmlns:p="http://schemas.openxmlformats.org/presentationml/2006/main">
   <p:cSld>
     <p:spTree>
@@ -12649,7 +13920,7 @@
 </p:sld>
 </file>
 
-<file path=ppt/slides/slide22.xml><?xml version="1.0" encoding="utf-8"?>
+<file path=ppt/slides/slide25.xml><?xml version="1.0" encoding="utf-8"?>
 <p:sld xmlns:a="http://schemas.openxmlformats.org/drawingml/2006/main" xmlns:r="http://schemas.openxmlformats.org/officeDocument/2006/relationships" xmlns:p="http://schemas.openxmlformats.org/presentationml/2006/main">
   <p:cSld>
     <p:spTree>
@@ -12713,7 +13984,7 @@
 </p:sld>
 </file>
 
-<file path=ppt/slides/slide23.xml><?xml version="1.0" encoding="utf-8"?>
+<file path=ppt/slides/slide26.xml><?xml version="1.0" encoding="utf-8"?>
 <p:sld xmlns:a="http://schemas.openxmlformats.org/drawingml/2006/main" xmlns:r="http://schemas.openxmlformats.org/officeDocument/2006/relationships" xmlns:p="http://schemas.openxmlformats.org/presentationml/2006/main">
   <p:cSld>
     <p:bg>
@@ -13616,7 +14887,7 @@
 </p:sld>
 </file>
 
-<file path=ppt/slides/slide24.xml><?xml version="1.0" encoding="utf-8"?>
+<file path=ppt/slides/slide27.xml><?xml version="1.0" encoding="utf-8"?>
 <p:sld xmlns:a="http://schemas.openxmlformats.org/drawingml/2006/main" xmlns:r="http://schemas.openxmlformats.org/officeDocument/2006/relationships" xmlns:p="http://schemas.openxmlformats.org/presentationml/2006/main">
   <p:cSld>
     <p:spTree>
@@ -14181,7 +15452,7 @@
 </p:sld>
 </file>
 
-<file path=ppt/slides/slide25.xml><?xml version="1.0" encoding="utf-8"?>
+<file path=ppt/slides/slide28.xml><?xml version="1.0" encoding="utf-8"?>
 <p:sld xmlns:a="http://schemas.openxmlformats.org/drawingml/2006/main" xmlns:r="http://schemas.openxmlformats.org/officeDocument/2006/relationships" xmlns:p="http://schemas.openxmlformats.org/presentationml/2006/main">
   <p:cSld>
     <p:spTree>
@@ -14861,7 +16132,7 @@
 </p:sld>
 </file>
 
-<file path=ppt/slides/slide26.xml><?xml version="1.0" encoding="utf-8"?>
+<file path=ppt/slides/slide29.xml><?xml version="1.0" encoding="utf-8"?>
 <p:sld xmlns:a="http://schemas.openxmlformats.org/drawingml/2006/main" xmlns:r="http://schemas.openxmlformats.org/officeDocument/2006/relationships" xmlns:p="http://schemas.openxmlformats.org/presentationml/2006/main">
   <p:cSld>
     <p:spTree>
@@ -15561,7 +16832,7 @@
           </a:ln>
           <a:extLst>
             <a:ext uri="{C572A759-6A51-4108-AA02-DFA0A04FC94B}">
-              <ma14:wrappingTextBoxFlag xmlns:ma14="http://schemas.microsoft.com/office/mac/drawingml/2011/main" xmlns="" val="1"/>
+              <ma14:wrappingTextBoxFlag xmlns="" xmlns:ma14="http://schemas.microsoft.com/office/mac/drawingml/2011/main" val="1"/>
             </a:ext>
           </a:extLst>
         </p:spPr>
@@ -15704,7 +16975,7 @@
           </a:effectLst>
           <a:extLst>
             <a:ext uri="{C572A759-6A51-4108-AA02-DFA0A04FC94B}">
-              <ma14:wrappingTextBoxFlag xmlns:ma14="http://schemas.microsoft.com/office/mac/drawingml/2011/main" xmlns="" val="1"/>
+              <ma14:wrappingTextBoxFlag xmlns="" xmlns:ma14="http://schemas.microsoft.com/office/mac/drawingml/2011/main" val="1"/>
             </a:ext>
           </a:extLst>
         </p:spPr>
@@ -15757,7 +17028,7 @@
           </a:effectLst>
           <a:extLst>
             <a:ext uri="{C572A759-6A51-4108-AA02-DFA0A04FC94B}">
-              <ma14:wrappingTextBoxFlag xmlns:ma14="http://schemas.microsoft.com/office/mac/drawingml/2011/main" xmlns="" val="1"/>
+              <ma14:wrappingTextBoxFlag xmlns="" xmlns:ma14="http://schemas.microsoft.com/office/mac/drawingml/2011/main" val="1"/>
             </a:ext>
           </a:extLst>
         </p:spPr>
@@ -15810,7 +17081,7 @@
           </a:effectLst>
           <a:extLst>
             <a:ext uri="{C572A759-6A51-4108-AA02-DFA0A04FC94B}">
-              <ma14:wrappingTextBoxFlag xmlns:ma14="http://schemas.microsoft.com/office/mac/drawingml/2011/main" xmlns="" val="1"/>
+              <ma14:wrappingTextBoxFlag xmlns="" xmlns:ma14="http://schemas.microsoft.com/office/mac/drawingml/2011/main" val="1"/>
             </a:ext>
           </a:extLst>
         </p:spPr>
@@ -15862,7 +17133,7 @@
           </a:effectLst>
           <a:extLst>
             <a:ext uri="{C572A759-6A51-4108-AA02-DFA0A04FC94B}">
-              <ma14:wrappingTextBoxFlag xmlns:ma14="http://schemas.microsoft.com/office/mac/drawingml/2011/main" xmlns="" val="1"/>
+              <ma14:wrappingTextBoxFlag xmlns="" xmlns:ma14="http://schemas.microsoft.com/office/mac/drawingml/2011/main" val="1"/>
             </a:ext>
           </a:extLst>
         </p:spPr>
@@ -15915,7 +17186,7 @@
           </a:effectLst>
           <a:extLst>
             <a:ext uri="{C572A759-6A51-4108-AA02-DFA0A04FC94B}">
-              <ma14:wrappingTextBoxFlag xmlns:ma14="http://schemas.microsoft.com/office/mac/drawingml/2011/main" xmlns="" val="1"/>
+              <ma14:wrappingTextBoxFlag xmlns="" xmlns:ma14="http://schemas.microsoft.com/office/mac/drawingml/2011/main" val="1"/>
             </a:ext>
           </a:extLst>
         </p:spPr>
@@ -15964,7 +17235,7 @@
           </a:ln>
           <a:extLst>
             <a:ext uri="{C572A759-6A51-4108-AA02-DFA0A04FC94B}">
-              <ma14:wrappingTextBoxFlag xmlns:ma14="http://schemas.microsoft.com/office/mac/drawingml/2011/main" xmlns="" val="1"/>
+              <ma14:wrappingTextBoxFlag xmlns="" xmlns:ma14="http://schemas.microsoft.com/office/mac/drawingml/2011/main" val="1"/>
             </a:ext>
           </a:extLst>
         </p:spPr>
@@ -16021,7 +17292,7 @@
           </a:ln>
           <a:extLst>
             <a:ext uri="{C572A759-6A51-4108-AA02-DFA0A04FC94B}">
-              <ma14:wrappingTextBoxFlag xmlns:ma14="http://schemas.microsoft.com/office/mac/drawingml/2011/main" xmlns="" val="1"/>
+              <ma14:wrappingTextBoxFlag xmlns="" xmlns:ma14="http://schemas.microsoft.com/office/mac/drawingml/2011/main" val="1"/>
             </a:ext>
           </a:extLst>
         </p:spPr>
@@ -16077,7 +17348,7 @@
           </a:ln>
           <a:extLst>
             <a:ext uri="{C572A759-6A51-4108-AA02-DFA0A04FC94B}">
-              <ma14:wrappingTextBoxFlag xmlns:ma14="http://schemas.microsoft.com/office/mac/drawingml/2011/main" xmlns="" val="1"/>
+              <ma14:wrappingTextBoxFlag xmlns="" xmlns:ma14="http://schemas.microsoft.com/office/mac/drawingml/2011/main" val="1"/>
             </a:ext>
           </a:extLst>
         </p:spPr>
@@ -16147,7 +17418,7 @@
           </a:ln>
           <a:extLst>
             <a:ext uri="{C572A759-6A51-4108-AA02-DFA0A04FC94B}">
-              <ma14:wrappingTextBoxFlag xmlns:ma14="http://schemas.microsoft.com/office/mac/drawingml/2011/main" xmlns="" val="1"/>
+              <ma14:wrappingTextBoxFlag xmlns="" xmlns:ma14="http://schemas.microsoft.com/office/mac/drawingml/2011/main" val="1"/>
             </a:ext>
           </a:extLst>
         </p:spPr>
@@ -16391,7 +17662,7 @@
           </a:ln>
           <a:extLst>
             <a:ext uri="{C572A759-6A51-4108-AA02-DFA0A04FC94B}">
-              <ma14:wrappingTextBoxFlag xmlns:ma14="http://schemas.microsoft.com/office/mac/drawingml/2011/main" xmlns="" val="1"/>
+              <ma14:wrappingTextBoxFlag xmlns="" xmlns:ma14="http://schemas.microsoft.com/office/mac/drawingml/2011/main" val="1"/>
             </a:ext>
           </a:extLst>
         </p:spPr>
@@ -18556,7 +19827,7 @@
             </a:ln>
             <a:extLst>
               <a:ext uri="{C572A759-6A51-4108-AA02-DFA0A04FC94B}">
-                <ma14:wrappingTextBoxFlag xmlns:ma14="http://schemas.microsoft.com/office/mac/drawingml/2011/main" xmlns="" val="1"/>
+                <ma14:wrappingTextBoxFlag xmlns="" xmlns:ma14="http://schemas.microsoft.com/office/mac/drawingml/2011/main" val="1"/>
               </a:ext>
             </a:extLst>
           </p:spPr>
@@ -18600,7 +19871,7 @@
             </a:ln>
             <a:extLst>
               <a:ext uri="{C572A759-6A51-4108-AA02-DFA0A04FC94B}">
-                <ma14:wrappingTextBoxFlag xmlns:ma14="http://schemas.microsoft.com/office/mac/drawingml/2011/main" xmlns="" val="1"/>
+                <ma14:wrappingTextBoxFlag xmlns="" xmlns:ma14="http://schemas.microsoft.com/office/mac/drawingml/2011/main" val="1"/>
               </a:ext>
             </a:extLst>
           </p:spPr>
@@ -18644,7 +19915,7 @@
             </a:ln>
             <a:extLst>
               <a:ext uri="{C572A759-6A51-4108-AA02-DFA0A04FC94B}">
-                <ma14:wrappingTextBoxFlag xmlns:ma14="http://schemas.microsoft.com/office/mac/drawingml/2011/main" xmlns="" val="1"/>
+                <ma14:wrappingTextBoxFlag xmlns="" xmlns:ma14="http://schemas.microsoft.com/office/mac/drawingml/2011/main" val="1"/>
               </a:ext>
             </a:extLst>
           </p:spPr>
@@ -18805,7 +20076,7 @@
             </a:effectLst>
             <a:extLst>
               <a:ext uri="{C572A759-6A51-4108-AA02-DFA0A04FC94B}">
-                <ma14:wrappingTextBoxFlag xmlns:ma14="http://schemas.microsoft.com/office/mac/drawingml/2011/main" xmlns="" val="1"/>
+                <ma14:wrappingTextBoxFlag xmlns="" xmlns:ma14="http://schemas.microsoft.com/office/mac/drawingml/2011/main" val="1"/>
               </a:ext>
             </a:extLst>
           </p:spPr>
@@ -18865,7 +20136,7 @@
             </a:effectLst>
             <a:extLst>
               <a:ext uri="{C572A759-6A51-4108-AA02-DFA0A04FC94B}">
-                <ma14:wrappingTextBoxFlag xmlns:ma14="http://schemas.microsoft.com/office/mac/drawingml/2011/main" xmlns="" val="1"/>
+                <ma14:wrappingTextBoxFlag xmlns="" xmlns:ma14="http://schemas.microsoft.com/office/mac/drawingml/2011/main" val="1"/>
               </a:ext>
             </a:extLst>
           </p:spPr>
@@ -18920,7 +20191,7 @@
             </a:effectLst>
             <a:extLst>
               <a:ext uri="{C572A759-6A51-4108-AA02-DFA0A04FC94B}">
-                <ma14:wrappingTextBoxFlag xmlns:ma14="http://schemas.microsoft.com/office/mac/drawingml/2011/main" xmlns="" val="1"/>
+                <ma14:wrappingTextBoxFlag xmlns="" xmlns:ma14="http://schemas.microsoft.com/office/mac/drawingml/2011/main" val="1"/>
               </a:ext>
             </a:extLst>
           </p:spPr>
@@ -18964,7 +20235,7 @@
             </a:ln>
             <a:extLst>
               <a:ext uri="{C572A759-6A51-4108-AA02-DFA0A04FC94B}">
-                <ma14:wrappingTextBoxFlag xmlns:ma14="http://schemas.microsoft.com/office/mac/drawingml/2011/main" xmlns="" val="1"/>
+                <ma14:wrappingTextBoxFlag xmlns="" xmlns:ma14="http://schemas.microsoft.com/office/mac/drawingml/2011/main" val="1"/>
               </a:ext>
             </a:extLst>
           </p:spPr>
@@ -19159,7 +20430,7 @@
             </a:effectLst>
             <a:extLst>
               <a:ext uri="{C572A759-6A51-4108-AA02-DFA0A04FC94B}">
-                <ma14:wrappingTextBoxFlag xmlns:ma14="http://schemas.microsoft.com/office/mac/drawingml/2011/main" xmlns="" val="1"/>
+                <ma14:wrappingTextBoxFlag xmlns="" xmlns:ma14="http://schemas.microsoft.com/office/mac/drawingml/2011/main" val="1"/>
               </a:ext>
             </a:extLst>
           </p:spPr>
@@ -20503,7 +21774,7 @@
             </a:effectLst>
             <a:extLst>
               <a:ext uri="{C572A759-6A51-4108-AA02-DFA0A04FC94B}">
-                <ma14:wrappingTextBoxFlag xmlns:ma14="http://schemas.microsoft.com/office/mac/drawingml/2011/main" xmlns="" val="1"/>
+                <ma14:wrappingTextBoxFlag xmlns="" xmlns:ma14="http://schemas.microsoft.com/office/mac/drawingml/2011/main" val="1"/>
               </a:ext>
             </a:extLst>
           </p:spPr>
@@ -20557,7 +21828,7 @@
             </a:effectLst>
             <a:extLst>
               <a:ext uri="{C572A759-6A51-4108-AA02-DFA0A04FC94B}">
-                <ma14:wrappingTextBoxFlag xmlns:ma14="http://schemas.microsoft.com/office/mac/drawingml/2011/main" xmlns="" val="1"/>
+                <ma14:wrappingTextBoxFlag xmlns="" xmlns:ma14="http://schemas.microsoft.com/office/mac/drawingml/2011/main" val="1"/>
               </a:ext>
             </a:extLst>
           </p:spPr>
@@ -20611,7 +21882,7 @@
             </a:effectLst>
             <a:extLst>
               <a:ext uri="{C572A759-6A51-4108-AA02-DFA0A04FC94B}">
-                <ma14:wrappingTextBoxFlag xmlns:ma14="http://schemas.microsoft.com/office/mac/drawingml/2011/main" xmlns="" val="1"/>
+                <ma14:wrappingTextBoxFlag xmlns="" xmlns:ma14="http://schemas.microsoft.com/office/mac/drawingml/2011/main" val="1"/>
               </a:ext>
             </a:extLst>
           </p:spPr>
@@ -20655,7 +21926,7 @@
             </a:ln>
             <a:extLst>
               <a:ext uri="{C572A759-6A51-4108-AA02-DFA0A04FC94B}">
-                <ma14:wrappingTextBoxFlag xmlns:ma14="http://schemas.microsoft.com/office/mac/drawingml/2011/main" xmlns="" val="1"/>
+                <ma14:wrappingTextBoxFlag xmlns="" xmlns:ma14="http://schemas.microsoft.com/office/mac/drawingml/2011/main" val="1"/>
               </a:ext>
             </a:extLst>
           </p:spPr>
@@ -20793,7 +22064,7 @@
             </a:ln>
             <a:extLst>
               <a:ext uri="{C572A759-6A51-4108-AA02-DFA0A04FC94B}">
-                <ma14:wrappingTextBoxFlag xmlns:ma14="http://schemas.microsoft.com/office/mac/drawingml/2011/main" xmlns="" val="1"/>
+                <ma14:wrappingTextBoxFlag xmlns="" xmlns:ma14="http://schemas.microsoft.com/office/mac/drawingml/2011/main" val="1"/>
               </a:ext>
             </a:extLst>
           </p:spPr>
@@ -20846,7 +22117,7 @@
             </a:ln>
             <a:extLst>
               <a:ext uri="{C572A759-6A51-4108-AA02-DFA0A04FC94B}">
-                <ma14:wrappingTextBoxFlag xmlns:ma14="http://schemas.microsoft.com/office/mac/drawingml/2011/main" xmlns="" val="1"/>
+                <ma14:wrappingTextBoxFlag xmlns="" xmlns:ma14="http://schemas.microsoft.com/office/mac/drawingml/2011/main" val="1"/>
               </a:ext>
             </a:extLst>
           </p:spPr>
@@ -20915,7 +22186,7 @@
             </a:ln>
             <a:extLst>
               <a:ext uri="{C572A759-6A51-4108-AA02-DFA0A04FC94B}">
-                <ma14:wrappingTextBoxFlag xmlns:ma14="http://schemas.microsoft.com/office/mac/drawingml/2011/main" xmlns="" val="1"/>
+                <ma14:wrappingTextBoxFlag xmlns="" xmlns:ma14="http://schemas.microsoft.com/office/mac/drawingml/2011/main" val="1"/>
               </a:ext>
             </a:extLst>
           </p:spPr>
@@ -21056,7 +22327,7 @@
             </a:ln>
             <a:extLst>
               <a:ext uri="{C572A759-6A51-4108-AA02-DFA0A04FC94B}">
-                <ma14:wrappingTextBoxFlag xmlns:ma14="http://schemas.microsoft.com/office/mac/drawingml/2011/main" xmlns="" val="1"/>
+                <ma14:wrappingTextBoxFlag xmlns="" xmlns:ma14="http://schemas.microsoft.com/office/mac/drawingml/2011/main" val="1"/>
               </a:ext>
             </a:extLst>
           </p:spPr>
@@ -21245,7 +22516,7 @@
             </a:ln>
             <a:extLst>
               <a:ext uri="{C572A759-6A51-4108-AA02-DFA0A04FC94B}">
-                <ma14:wrappingTextBoxFlag xmlns:ma14="http://schemas.microsoft.com/office/mac/drawingml/2011/main" xmlns="" val="1"/>
+                <ma14:wrappingTextBoxFlag xmlns="" xmlns:ma14="http://schemas.microsoft.com/office/mac/drawingml/2011/main" val="1"/>
               </a:ext>
             </a:extLst>
           </p:spPr>
@@ -21313,7 +22584,7 @@
             </a:effectLst>
             <a:extLst>
               <a:ext uri="{C572A759-6A51-4108-AA02-DFA0A04FC94B}">
-                <ma14:wrappingTextBoxFlag xmlns:ma14="http://schemas.microsoft.com/office/mac/drawingml/2011/main" xmlns="" val="1"/>
+                <ma14:wrappingTextBoxFlag xmlns="" xmlns:ma14="http://schemas.microsoft.com/office/mac/drawingml/2011/main" val="1"/>
               </a:ext>
             </a:extLst>
           </p:spPr>
@@ -21367,7 +22638,7 @@
             </a:effectLst>
             <a:extLst>
               <a:ext uri="{C572A759-6A51-4108-AA02-DFA0A04FC94B}">
-                <ma14:wrappingTextBoxFlag xmlns:ma14="http://schemas.microsoft.com/office/mac/drawingml/2011/main" xmlns="" val="1"/>
+                <ma14:wrappingTextBoxFlag xmlns="" xmlns:ma14="http://schemas.microsoft.com/office/mac/drawingml/2011/main" val="1"/>
               </a:ext>
             </a:extLst>
           </p:spPr>
@@ -21423,7 +22694,7 @@
             </a:effectLst>
             <a:extLst>
               <a:ext uri="{C572A759-6A51-4108-AA02-DFA0A04FC94B}">
-                <ma14:wrappingTextBoxFlag xmlns:ma14="http://schemas.microsoft.com/office/mac/drawingml/2011/main" xmlns="" val="1"/>
+                <ma14:wrappingTextBoxFlag xmlns="" xmlns:ma14="http://schemas.microsoft.com/office/mac/drawingml/2011/main" val="1"/>
               </a:ext>
             </a:extLst>
           </p:spPr>

--- a/Plan/Rocketman_씬&스킬구성.pptx
+++ b/Plan/Rocketman_씬&스킬구성.pptx
@@ -5,7 +5,7 @@
     <p:sldMasterId id="2147483648" r:id="rId1"/>
   </p:sldMasterIdLst>
   <p:notesMasterIdLst>
-    <p:notesMasterId r:id="rId31"/>
+    <p:notesMasterId r:id="rId30"/>
   </p:notesMasterIdLst>
   <p:sldIdLst>
     <p:sldId id="287" r:id="rId2"/>
@@ -17,26 +17,25 @@
     <p:sldId id="284" r:id="rId8"/>
     <p:sldId id="279" r:id="rId9"/>
     <p:sldId id="277" r:id="rId10"/>
-    <p:sldId id="280" r:id="rId11"/>
-    <p:sldId id="291" r:id="rId12"/>
-    <p:sldId id="292" r:id="rId13"/>
-    <p:sldId id="293" r:id="rId14"/>
-    <p:sldId id="286" r:id="rId15"/>
-    <p:sldId id="269" r:id="rId16"/>
-    <p:sldId id="282" r:id="rId17"/>
-    <p:sldId id="290" r:id="rId18"/>
-    <p:sldId id="283" r:id="rId19"/>
-    <p:sldId id="289" r:id="rId20"/>
-    <p:sldId id="288" r:id="rId21"/>
-    <p:sldId id="268" r:id="rId22"/>
-    <p:sldId id="264" r:id="rId23"/>
-    <p:sldId id="267" r:id="rId24"/>
-    <p:sldId id="265" r:id="rId25"/>
-    <p:sldId id="270" r:id="rId26"/>
-    <p:sldId id="259" r:id="rId27"/>
-    <p:sldId id="261" r:id="rId28"/>
-    <p:sldId id="262" r:id="rId29"/>
-    <p:sldId id="263" r:id="rId30"/>
+    <p:sldId id="295" r:id="rId11"/>
+    <p:sldId id="294" r:id="rId12"/>
+    <p:sldId id="293" r:id="rId13"/>
+    <p:sldId id="286" r:id="rId14"/>
+    <p:sldId id="269" r:id="rId15"/>
+    <p:sldId id="282" r:id="rId16"/>
+    <p:sldId id="290" r:id="rId17"/>
+    <p:sldId id="283" r:id="rId18"/>
+    <p:sldId id="289" r:id="rId19"/>
+    <p:sldId id="288" r:id="rId20"/>
+    <p:sldId id="268" r:id="rId21"/>
+    <p:sldId id="264" r:id="rId22"/>
+    <p:sldId id="267" r:id="rId23"/>
+    <p:sldId id="265" r:id="rId24"/>
+    <p:sldId id="270" r:id="rId25"/>
+    <p:sldId id="259" r:id="rId26"/>
+    <p:sldId id="261" r:id="rId27"/>
+    <p:sldId id="262" r:id="rId28"/>
+    <p:sldId id="263" r:id="rId29"/>
   </p:sldIdLst>
   <p:sldSz cx="12192000" cy="6858000"/>
   <p:notesSz cx="6858000" cy="9144000"/>
@@ -3504,8 +3503,8 @@
         </p:nvSpPr>
         <p:spPr>
           <a:xfrm>
-            <a:off x="3176331" y="1921079"/>
-            <a:ext cx="6011261" cy="2123658"/>
+            <a:off x="2815560" y="1921079"/>
+            <a:ext cx="6732805" cy="2123658"/>
           </a:xfrm>
           <a:prstGeom prst="rect">
             <a:avLst/>
@@ -3530,12 +3529,8 @@
           <a:p>
             <a:pPr algn="ctr"/>
             <a:r>
-              <a:rPr lang="en-US" altLang="ko-KR" sz="4400" b="1" dirty="0" err="1"/>
-              <a:t>SteamPunk</a:t>
-            </a:r>
-            <a:r>
               <a:rPr lang="en-US" altLang="ko-KR" sz="4400" b="1" dirty="0"/>
-              <a:t> Arena</a:t>
+              <a:t>Steampunk Battle Arena</a:t>
             </a:r>
           </a:p>
         </p:txBody>
@@ -3608,9 +3603,9 @@
         <p:grpSpPr>
           <a:xfrm>
             <a:off x="1653505" y="706210"/>
-            <a:ext cx="9059236" cy="5694589"/>
+            <a:ext cx="9059236" cy="5979816"/>
             <a:chOff x="14298719" y="1557094"/>
-            <a:chExt cx="9950803" cy="8339526"/>
+            <a:chExt cx="9950803" cy="8757231"/>
           </a:xfrm>
         </p:grpSpPr>
         <p:sp>
@@ -3622,7 +3617,7 @@
           <p:spPr>
             <a:xfrm>
               <a:off x="14298719" y="1557094"/>
-              <a:ext cx="9950803" cy="8339526"/>
+              <a:ext cx="9950803" cy="8757231"/>
             </a:xfrm>
             <a:prstGeom prst="rect">
               <a:avLst/>
@@ -3683,7 +3678,7 @@
             </a:ln>
             <a:extLst>
               <a:ext uri="{C572A759-6A51-4108-AA02-DFA0A04FC94B}">
-                <ma14:wrappingTextBoxFlag xmlns="" xmlns:ma14="http://schemas.microsoft.com/office/mac/drawingml/2011/main" val="1"/>
+                <ma14:wrappingTextBoxFlag xmlns:ma14="http://schemas.microsoft.com/office/mac/drawingml/2011/main" xmlns="" val="1"/>
               </a:ext>
             </a:extLst>
           </p:spPr>
@@ -3709,8 +3704,8 @@
           </p:nvSpPr>
           <p:spPr>
             <a:xfrm>
-              <a:off x="18332098" y="8321475"/>
-              <a:ext cx="1853886" cy="876227"/>
+              <a:off x="18431302" y="9243249"/>
+              <a:ext cx="1853885" cy="876227"/>
             </a:xfrm>
             <a:prstGeom prst="rect">
               <a:avLst/>
@@ -3730,7 +3725,7 @@
             </a:effectLst>
             <a:extLst>
               <a:ext uri="{C572A759-6A51-4108-AA02-DFA0A04FC94B}">
-                <ma14:wrappingTextBoxFlag xmlns="" xmlns:ma14="http://schemas.microsoft.com/office/mac/drawingml/2011/main" val="1"/>
+                <ma14:wrappingTextBoxFlag xmlns:ma14="http://schemas.microsoft.com/office/mac/drawingml/2011/main" xmlns="" val="1"/>
               </a:ext>
             </a:extLst>
           </p:spPr>
@@ -3765,12 +3760,20 @@
         </p:nvSpPr>
         <p:spPr>
           <a:xfrm>
-            <a:off x="2466363" y="1644242"/>
-            <a:ext cx="7508147" cy="3372375"/>
-          </a:xfrm>
-          <a:prstGeom prst="rect">
-            <a:avLst/>
-          </a:prstGeom>
+            <a:off x="2466363" y="1644241"/>
+            <a:ext cx="7508147" cy="4310407"/>
+          </a:xfrm>
+          <a:prstGeom prst="rect">
+            <a:avLst/>
+          </a:prstGeom>
+          <a:solidFill>
+            <a:srgbClr val="010101"/>
+          </a:solidFill>
+          <a:ln w="28575">
+            <a:solidFill>
+              <a:schemeClr val="accent1"/>
+            </a:solidFill>
+          </a:ln>
         </p:spPr>
         <p:style>
           <a:lnRef idx="1">
@@ -3791,159 +3794,1098 @@
           <a:lstStyle/>
           <a:p>
             <a:pPr algn="ctr"/>
-            <a:r>
-              <a:rPr lang="ko-KR" altLang="en-US" dirty="0" err="1"/>
-              <a:t>조이패드</a:t>
-            </a:r>
-            <a:r>
-              <a:rPr lang="en-US" altLang="ko-KR" dirty="0"/>
-              <a:t>, </a:t>
-            </a:r>
-            <a:r>
-              <a:rPr lang="ko-KR" altLang="en-US" dirty="0"/>
-              <a:t>상하좌우 </a:t>
-            </a:r>
-            <a:r>
-              <a:rPr lang="en-US" altLang="ko-KR" dirty="0"/>
-              <a:t>: </a:t>
-            </a:r>
-            <a:r>
-              <a:rPr lang="ko-KR" altLang="en-US" dirty="0"/>
-              <a:t>이동</a:t>
-            </a:r>
-            <a:endParaRPr lang="en-US" altLang="ko-KR" dirty="0"/>
+            <a:endParaRPr lang="en-US" altLang="ko-KR" dirty="0">
+              <a:solidFill>
+                <a:schemeClr val="bg1"/>
+              </a:solidFill>
+            </a:endParaRPr>
           </a:p>
           <a:p>
             <a:pPr algn="ctr"/>
-            <a:r>
-              <a:rPr lang="ko-KR" altLang="en-US" dirty="0"/>
-              <a:t>동그라미</a:t>
-            </a:r>
-            <a:r>
-              <a:rPr lang="en-US" altLang="ko-KR" dirty="0"/>
-              <a:t>, L ctrl : </a:t>
-            </a:r>
-            <a:r>
-              <a:rPr lang="ko-KR" altLang="en-US" dirty="0"/>
-              <a:t>일반공격</a:t>
-            </a:r>
-            <a:endParaRPr lang="en-US" altLang="ko-KR" dirty="0"/>
+            <a:endParaRPr lang="en-US" altLang="ko-KR" dirty="0">
+              <a:solidFill>
+                <a:schemeClr val="bg1"/>
+              </a:solidFill>
+            </a:endParaRPr>
           </a:p>
           <a:p>
             <a:pPr algn="ctr"/>
-            <a:r>
-              <a:rPr lang="ko-KR" altLang="en-US" dirty="0"/>
-              <a:t>세모</a:t>
-            </a:r>
-            <a:r>
-              <a:rPr lang="en-US" altLang="ko-KR" dirty="0"/>
-              <a:t>, L shift : </a:t>
-            </a:r>
-            <a:r>
-              <a:rPr lang="ko-KR" altLang="en-US" dirty="0"/>
-              <a:t>충전</a:t>
-            </a:r>
-            <a:endParaRPr lang="en-US" altLang="ko-KR" dirty="0"/>
+            <a:endParaRPr lang="en-US" altLang="ko-KR" dirty="0">
+              <a:solidFill>
+                <a:schemeClr val="bg1"/>
+              </a:solidFill>
+            </a:endParaRPr>
           </a:p>
           <a:p>
             <a:pPr algn="ctr"/>
-            <a:r>
-              <a:rPr lang="ko-KR" altLang="en-US" dirty="0"/>
-              <a:t>엑스</a:t>
-            </a:r>
-            <a:r>
-              <a:rPr lang="en-US" altLang="ko-KR" dirty="0"/>
-              <a:t>, Z : </a:t>
-            </a:r>
-            <a:r>
-              <a:rPr lang="ko-KR" altLang="en-US" dirty="0"/>
-              <a:t>회피</a:t>
-            </a:r>
-            <a:endParaRPr lang="en-US" altLang="ko-KR" dirty="0"/>
+            <a:endParaRPr lang="en-US" altLang="ko-KR" dirty="0">
+              <a:solidFill>
+                <a:schemeClr val="bg1"/>
+              </a:solidFill>
+            </a:endParaRPr>
           </a:p>
           <a:p>
             <a:pPr algn="ctr"/>
-            <a:r>
-              <a:rPr lang="ko-KR" altLang="en-US" dirty="0"/>
-              <a:t>충전 중 동그라미</a:t>
-            </a:r>
-            <a:r>
-              <a:rPr lang="en-US" altLang="ko-KR" dirty="0"/>
-              <a:t>, L ctrl : </a:t>
-            </a:r>
-            <a:r>
-              <a:rPr lang="ko-KR" altLang="en-US" dirty="0"/>
-              <a:t>특수공격</a:t>
-            </a:r>
-            <a:endParaRPr lang="en-US" altLang="ko-KR" dirty="0"/>
+            <a:endParaRPr lang="en-US" altLang="ko-KR" dirty="0">
+              <a:solidFill>
+                <a:schemeClr val="bg1"/>
+              </a:solidFill>
+            </a:endParaRPr>
           </a:p>
           <a:p>
             <a:pPr algn="ctr"/>
-            <a:endParaRPr lang="en-US" altLang="ko-KR" dirty="0"/>
+            <a:endParaRPr lang="en-US" altLang="ko-KR" dirty="0">
+              <a:solidFill>
+                <a:schemeClr val="bg1"/>
+              </a:solidFill>
+            </a:endParaRPr>
           </a:p>
           <a:p>
             <a:pPr algn="ctr"/>
-            <a:r>
-              <a:rPr lang="ko-KR" altLang="en-US" dirty="0"/>
-              <a:t>스타트</a:t>
-            </a:r>
-            <a:r>
-              <a:rPr lang="en-US" altLang="ko-KR" dirty="0"/>
-              <a:t>, esc</a:t>
-            </a:r>
-            <a:r>
-              <a:rPr lang="ko-KR" altLang="en-US" dirty="0"/>
-              <a:t> </a:t>
-            </a:r>
-            <a:r>
-              <a:rPr lang="en-US" altLang="ko-KR" dirty="0"/>
-              <a:t>: </a:t>
-            </a:r>
-            <a:r>
-              <a:rPr lang="ko-KR" altLang="en-US" dirty="0"/>
-              <a:t>옵션</a:t>
-            </a:r>
-            <a:endParaRPr lang="en-US" altLang="ko-KR" dirty="0"/>
-          </a:p>
+            <a:endParaRPr lang="en-US" altLang="ko-KR" dirty="0">
+              <a:solidFill>
+                <a:schemeClr val="bg1"/>
+              </a:solidFill>
+            </a:endParaRPr>
+          </a:p>
+        </p:txBody>
+      </p:sp>
+      <p:sp>
+        <p:nvSpPr>
+          <p:cNvPr id="23" name="이등변 삼각형 22"/>
+          <p:cNvSpPr/>
+          <p:nvPr/>
+        </p:nvSpPr>
+        <p:spPr>
+          <a:xfrm rot="5400000">
+            <a:off x="9371377" y="3569666"/>
+            <a:ext cx="1711354" cy="251670"/>
+          </a:xfrm>
+          <a:prstGeom prst="triangle">
+            <a:avLst/>
+          </a:prstGeom>
+        </p:spPr>
+        <p:style>
+          <a:lnRef idx="2">
+            <a:schemeClr val="accent1">
+              <a:shade val="50000"/>
+            </a:schemeClr>
+          </a:lnRef>
+          <a:fillRef idx="1">
+            <a:schemeClr val="accent1"/>
+          </a:fillRef>
+          <a:effectRef idx="0">
+            <a:schemeClr val="accent1"/>
+          </a:effectRef>
+          <a:fontRef idx="minor">
+            <a:schemeClr val="lt1"/>
+          </a:fontRef>
+        </p:style>
+        <p:txBody>
+          <a:bodyPr rtlCol="0" anchor="ctr"/>
+          <a:lstStyle/>
           <a:p>
             <a:pPr algn="ctr"/>
-            <a:endParaRPr lang="en-US" altLang="ko-KR" dirty="0"/>
-          </a:p>
-        </p:txBody>
-      </p:sp>
-      <p:pic>
-        <p:nvPicPr>
-          <p:cNvPr id="9" name="그림 8"/>
-          <p:cNvPicPr>
-            <a:picLocks noChangeAspect="1"/>
-          </p:cNvPicPr>
-          <p:nvPr/>
-        </p:nvPicPr>
-        <p:blipFill rotWithShape="1">
-          <a:blip r:embed="rId3">
+            <a:endParaRPr lang="ko-KR" altLang="en-US"/>
+          </a:p>
+        </p:txBody>
+      </p:sp>
+      <p:sp>
+        <p:nvSpPr>
+          <p:cNvPr id="24" name="이등변 삼각형 23"/>
+          <p:cNvSpPr/>
+          <p:nvPr/>
+        </p:nvSpPr>
+        <p:spPr>
+          <a:xfrm rot="16200000">
+            <a:off x="1358142" y="3569666"/>
+            <a:ext cx="1711354" cy="251670"/>
+          </a:xfrm>
+          <a:prstGeom prst="triangle">
+            <a:avLst/>
+          </a:prstGeom>
+        </p:spPr>
+        <p:style>
+          <a:lnRef idx="2">
+            <a:schemeClr val="accent1">
+              <a:shade val="50000"/>
+            </a:schemeClr>
+          </a:lnRef>
+          <a:fillRef idx="1">
+            <a:schemeClr val="accent1"/>
+          </a:fillRef>
+          <a:effectRef idx="0">
+            <a:schemeClr val="accent1"/>
+          </a:effectRef>
+          <a:fontRef idx="minor">
+            <a:schemeClr val="lt1"/>
+          </a:fontRef>
+        </p:style>
+        <p:txBody>
+          <a:bodyPr rtlCol="0" anchor="ctr"/>
+          <a:lstStyle/>
+          <a:p>
+            <a:pPr algn="ctr"/>
+            <a:endParaRPr lang="ko-KR" altLang="en-US"/>
+          </a:p>
+        </p:txBody>
+      </p:sp>
+      <p:grpSp>
+        <p:nvGrpSpPr>
+          <p:cNvPr id="20" name="그룹 19"/>
+          <p:cNvGrpSpPr/>
+          <p:nvPr/>
+        </p:nvGrpSpPr>
+        <p:grpSpPr>
+          <a:xfrm>
+            <a:off x="2755069" y="1750861"/>
+            <a:ext cx="6856107" cy="4136646"/>
+            <a:chOff x="2709090" y="1445355"/>
+            <a:chExt cx="6913635" cy="4171355"/>
+          </a:xfrm>
+        </p:grpSpPr>
+        <p:pic>
+          <p:nvPicPr>
+            <p:cNvPr id="21" name="Picture 2" descr="관련 이미지"/>
+            <p:cNvPicPr>
+              <a:picLocks noChangeAspect="1" noChangeArrowheads="1"/>
+            </p:cNvPicPr>
+            <p:nvPr/>
+          </p:nvPicPr>
+          <p:blipFill>
+            <a:blip r:embed="rId3">
+              <a:extLst>
+                <a:ext uri="{28A0092B-C50C-407E-A947-70E740481C1C}">
+                  <a14:useLocalDpi xmlns:a14="http://schemas.microsoft.com/office/drawing/2010/main" val="0"/>
+                </a:ext>
+              </a:extLst>
+            </a:blip>
+            <a:srcRect/>
+            <a:stretch>
+              <a:fillRect/>
+            </a:stretch>
+          </p:blipFill>
+          <p:spPr bwMode="auto">
+            <a:xfrm>
+              <a:off x="2709090" y="1445355"/>
+              <a:ext cx="6913635" cy="4171355"/>
+            </a:xfrm>
+            <a:prstGeom prst="rect">
+              <a:avLst/>
+            </a:prstGeom>
+            <a:noFill/>
             <a:extLst>
-              <a:ext uri="{28A0092B-C50C-407E-A947-70E740481C1C}">
-                <a14:useLocalDpi xmlns:a14="http://schemas.microsoft.com/office/drawing/2010/main" val="0"/>
+              <a:ext uri="{909E8E84-426E-40DD-AFC4-6F175D3DCCD1}">
+                <a14:hiddenFill xmlns:a14="http://schemas.microsoft.com/office/drawing/2010/main">
+                  <a:solidFill>
+                    <a:srgbClr val="FFFFFF"/>
+                  </a:solidFill>
+                </a14:hiddenFill>
               </a:ext>
             </a:extLst>
-          </a:blip>
-          <a:srcRect l="9531" t="6324" r="5093" b="37121"/>
-          <a:stretch/>
-        </p:blipFill>
-        <p:spPr>
-          <a:xfrm>
-            <a:off x="3256451" y="1644242"/>
-            <a:ext cx="6006517" cy="3551752"/>
-          </a:xfrm>
-          <a:prstGeom prst="rect">
-            <a:avLst/>
-          </a:prstGeom>
-        </p:spPr>
-      </p:pic>
+          </p:spPr>
+        </p:pic>
+        <p:sp>
+          <p:nvSpPr>
+            <p:cNvPr id="22" name="직사각형 21"/>
+            <p:cNvSpPr/>
+            <p:nvPr/>
+          </p:nvSpPr>
+          <p:spPr>
+            <a:xfrm>
+              <a:off x="6765996" y="1937856"/>
+              <a:ext cx="1006679" cy="293615"/>
+            </a:xfrm>
+            <a:prstGeom prst="rect">
+              <a:avLst/>
+            </a:prstGeom>
+            <a:solidFill>
+              <a:srgbClr val="010101"/>
+            </a:solidFill>
+            <a:ln>
+              <a:noFill/>
+            </a:ln>
+          </p:spPr>
+          <p:style>
+            <a:lnRef idx="2">
+              <a:schemeClr val="accent1">
+                <a:shade val="50000"/>
+              </a:schemeClr>
+            </a:lnRef>
+            <a:fillRef idx="1">
+              <a:schemeClr val="accent1"/>
+            </a:fillRef>
+            <a:effectRef idx="0">
+              <a:schemeClr val="accent1"/>
+            </a:effectRef>
+            <a:fontRef idx="minor">
+              <a:schemeClr val="lt1"/>
+            </a:fontRef>
+          </p:style>
+          <p:txBody>
+            <a:bodyPr rtlCol="0" anchor="ctr"/>
+            <a:lstStyle/>
+            <a:p>
+              <a:r>
+                <a:rPr lang="en-US" altLang="ko-KR" dirty="0"/>
+                <a:t>Charge</a:t>
+              </a:r>
+              <a:endParaRPr lang="ko-KR" altLang="en-US" dirty="0"/>
+            </a:p>
+          </p:txBody>
+        </p:sp>
+        <p:sp>
+          <p:nvSpPr>
+            <p:cNvPr id="25" name="직사각형 24"/>
+            <p:cNvSpPr/>
+            <p:nvPr/>
+          </p:nvSpPr>
+          <p:spPr>
+            <a:xfrm>
+              <a:off x="4420444" y="1921078"/>
+              <a:ext cx="1502183" cy="620786"/>
+            </a:xfrm>
+            <a:prstGeom prst="rect">
+              <a:avLst/>
+            </a:prstGeom>
+            <a:solidFill>
+              <a:srgbClr val="010101"/>
+            </a:solidFill>
+            <a:ln>
+              <a:noFill/>
+            </a:ln>
+          </p:spPr>
+          <p:style>
+            <a:lnRef idx="2">
+              <a:schemeClr val="accent1">
+                <a:shade val="50000"/>
+              </a:schemeClr>
+            </a:lnRef>
+            <a:fillRef idx="1">
+              <a:schemeClr val="accent1"/>
+            </a:fillRef>
+            <a:effectRef idx="0">
+              <a:schemeClr val="accent1"/>
+            </a:effectRef>
+            <a:fontRef idx="minor">
+              <a:schemeClr val="lt1"/>
+            </a:fontRef>
+          </p:style>
+          <p:txBody>
+            <a:bodyPr rtlCol="0" anchor="ctr"/>
+            <a:lstStyle/>
+            <a:p>
+              <a:pPr algn="ctr"/>
+              <a:endParaRPr lang="ko-KR" altLang="en-US"/>
+            </a:p>
+          </p:txBody>
+        </p:sp>
+        <p:sp>
+          <p:nvSpPr>
+            <p:cNvPr id="26" name="직사각형 25"/>
+            <p:cNvSpPr/>
+            <p:nvPr/>
+          </p:nvSpPr>
+          <p:spPr>
+            <a:xfrm>
+              <a:off x="2813676" y="2067886"/>
+              <a:ext cx="1502183" cy="620786"/>
+            </a:xfrm>
+            <a:prstGeom prst="rect">
+              <a:avLst/>
+            </a:prstGeom>
+            <a:solidFill>
+              <a:srgbClr val="010101"/>
+            </a:solidFill>
+            <a:ln>
+              <a:noFill/>
+            </a:ln>
+          </p:spPr>
+          <p:style>
+            <a:lnRef idx="2">
+              <a:schemeClr val="accent1">
+                <a:shade val="50000"/>
+              </a:schemeClr>
+            </a:lnRef>
+            <a:fillRef idx="1">
+              <a:schemeClr val="accent1"/>
+            </a:fillRef>
+            <a:effectRef idx="0">
+              <a:schemeClr val="accent1"/>
+            </a:effectRef>
+            <a:fontRef idx="minor">
+              <a:schemeClr val="lt1"/>
+            </a:fontRef>
+          </p:style>
+          <p:txBody>
+            <a:bodyPr rtlCol="0" anchor="ctr"/>
+            <a:lstStyle/>
+            <a:p>
+              <a:pPr algn="ctr"/>
+              <a:endParaRPr lang="ko-KR" altLang="en-US"/>
+            </a:p>
+          </p:txBody>
+        </p:sp>
+        <p:sp>
+          <p:nvSpPr>
+            <p:cNvPr id="27" name="직사각형 26"/>
+            <p:cNvSpPr/>
+            <p:nvPr/>
+          </p:nvSpPr>
+          <p:spPr>
+            <a:xfrm>
+              <a:off x="3384127" y="2231471"/>
+              <a:ext cx="1502183" cy="620786"/>
+            </a:xfrm>
+            <a:prstGeom prst="rect">
+              <a:avLst/>
+            </a:prstGeom>
+            <a:solidFill>
+              <a:srgbClr val="010101"/>
+            </a:solidFill>
+            <a:ln>
+              <a:noFill/>
+            </a:ln>
+          </p:spPr>
+          <p:style>
+            <a:lnRef idx="2">
+              <a:schemeClr val="accent1">
+                <a:shade val="50000"/>
+              </a:schemeClr>
+            </a:lnRef>
+            <a:fillRef idx="1">
+              <a:schemeClr val="accent1"/>
+            </a:fillRef>
+            <a:effectRef idx="0">
+              <a:schemeClr val="accent1"/>
+            </a:effectRef>
+            <a:fontRef idx="minor">
+              <a:schemeClr val="lt1"/>
+            </a:fontRef>
+          </p:style>
+          <p:txBody>
+            <a:bodyPr rtlCol="0" anchor="ctr"/>
+            <a:lstStyle/>
+            <a:p>
+              <a:pPr algn="ctr"/>
+              <a:endParaRPr lang="ko-KR" altLang="en-US"/>
+            </a:p>
+          </p:txBody>
+        </p:sp>
+        <p:sp>
+          <p:nvSpPr>
+            <p:cNvPr id="28" name="직사각형 27"/>
+            <p:cNvSpPr/>
+            <p:nvPr/>
+          </p:nvSpPr>
+          <p:spPr>
+            <a:xfrm>
+              <a:off x="3313651" y="4202884"/>
+              <a:ext cx="1072683" cy="333603"/>
+            </a:xfrm>
+            <a:prstGeom prst="rect">
+              <a:avLst/>
+            </a:prstGeom>
+            <a:solidFill>
+              <a:srgbClr val="010101"/>
+            </a:solidFill>
+            <a:ln>
+              <a:noFill/>
+            </a:ln>
+          </p:spPr>
+          <p:style>
+            <a:lnRef idx="2">
+              <a:schemeClr val="accent1">
+                <a:shade val="50000"/>
+              </a:schemeClr>
+            </a:lnRef>
+            <a:fillRef idx="1">
+              <a:schemeClr val="accent1"/>
+            </a:fillRef>
+            <a:effectRef idx="0">
+              <a:schemeClr val="accent1"/>
+            </a:effectRef>
+            <a:fontRef idx="minor">
+              <a:schemeClr val="lt1"/>
+            </a:fontRef>
+          </p:style>
+          <p:txBody>
+            <a:bodyPr rtlCol="0" anchor="ctr"/>
+            <a:lstStyle/>
+            <a:p>
+              <a:pPr algn="ctr"/>
+              <a:endParaRPr lang="ko-KR" altLang="en-US"/>
+            </a:p>
+          </p:txBody>
+        </p:sp>
+        <p:sp>
+          <p:nvSpPr>
+            <p:cNvPr id="29" name="직사각형 28"/>
+            <p:cNvSpPr/>
+            <p:nvPr/>
+          </p:nvSpPr>
+          <p:spPr>
+            <a:xfrm>
+              <a:off x="5093224" y="4620377"/>
+              <a:ext cx="1072683" cy="996333"/>
+            </a:xfrm>
+            <a:prstGeom prst="rect">
+              <a:avLst/>
+            </a:prstGeom>
+            <a:solidFill>
+              <a:srgbClr val="010101"/>
+            </a:solidFill>
+            <a:ln>
+              <a:noFill/>
+            </a:ln>
+          </p:spPr>
+          <p:style>
+            <a:lnRef idx="2">
+              <a:schemeClr val="accent1">
+                <a:shade val="50000"/>
+              </a:schemeClr>
+            </a:lnRef>
+            <a:fillRef idx="1">
+              <a:schemeClr val="accent1"/>
+            </a:fillRef>
+            <a:effectRef idx="0">
+              <a:schemeClr val="accent1"/>
+            </a:effectRef>
+            <a:fontRef idx="minor">
+              <a:schemeClr val="lt1"/>
+            </a:fontRef>
+          </p:style>
+          <p:txBody>
+            <a:bodyPr rtlCol="0" anchor="ctr"/>
+            <a:lstStyle/>
+            <a:p>
+              <a:pPr algn="ctr"/>
+              <a:endParaRPr lang="ko-KR" altLang="en-US"/>
+            </a:p>
+          </p:txBody>
+        </p:sp>
+        <p:sp>
+          <p:nvSpPr>
+            <p:cNvPr id="30" name="직사각형 29"/>
+            <p:cNvSpPr/>
+            <p:nvPr/>
+          </p:nvSpPr>
+          <p:spPr>
+            <a:xfrm>
+              <a:off x="6199462" y="4620377"/>
+              <a:ext cx="853740" cy="996333"/>
+            </a:xfrm>
+            <a:prstGeom prst="rect">
+              <a:avLst/>
+            </a:prstGeom>
+            <a:solidFill>
+              <a:srgbClr val="010101"/>
+            </a:solidFill>
+            <a:ln>
+              <a:noFill/>
+            </a:ln>
+          </p:spPr>
+          <p:style>
+            <a:lnRef idx="2">
+              <a:schemeClr val="accent1">
+                <a:shade val="50000"/>
+              </a:schemeClr>
+            </a:lnRef>
+            <a:fillRef idx="1">
+              <a:schemeClr val="accent1"/>
+            </a:fillRef>
+            <a:effectRef idx="0">
+              <a:schemeClr val="accent1"/>
+            </a:effectRef>
+            <a:fontRef idx="minor">
+              <a:schemeClr val="lt1"/>
+            </a:fontRef>
+          </p:style>
+          <p:txBody>
+            <a:bodyPr rtlCol="0" anchor="ctr"/>
+            <a:lstStyle/>
+            <a:p>
+              <a:pPr algn="ctr"/>
+              <a:endParaRPr lang="ko-KR" altLang="en-US"/>
+            </a:p>
+          </p:txBody>
+        </p:sp>
+        <p:sp>
+          <p:nvSpPr>
+            <p:cNvPr id="31" name="직사각형 30"/>
+            <p:cNvSpPr/>
+            <p:nvPr/>
+          </p:nvSpPr>
+          <p:spPr>
+            <a:xfrm>
+              <a:off x="7910815" y="3531032"/>
+              <a:ext cx="1610689" cy="558149"/>
+            </a:xfrm>
+            <a:prstGeom prst="rect">
+              <a:avLst/>
+            </a:prstGeom>
+            <a:solidFill>
+              <a:srgbClr val="010101"/>
+            </a:solidFill>
+            <a:ln>
+              <a:noFill/>
+            </a:ln>
+          </p:spPr>
+          <p:style>
+            <a:lnRef idx="2">
+              <a:schemeClr val="accent1">
+                <a:shade val="50000"/>
+              </a:schemeClr>
+            </a:lnRef>
+            <a:fillRef idx="1">
+              <a:schemeClr val="accent1"/>
+            </a:fillRef>
+            <a:effectRef idx="0">
+              <a:schemeClr val="accent1"/>
+            </a:effectRef>
+            <a:fontRef idx="minor">
+              <a:schemeClr val="lt1"/>
+            </a:fontRef>
+          </p:style>
+          <p:txBody>
+            <a:bodyPr rtlCol="0" anchor="ctr"/>
+            <a:lstStyle/>
+            <a:p>
+              <a:pPr algn="ctr"/>
+              <a:endParaRPr lang="ko-KR" altLang="en-US"/>
+            </a:p>
+          </p:txBody>
+        </p:sp>
+        <p:sp>
+          <p:nvSpPr>
+            <p:cNvPr id="32" name="직사각형 31"/>
+            <p:cNvSpPr/>
+            <p:nvPr/>
+          </p:nvSpPr>
+          <p:spPr>
+            <a:xfrm>
+              <a:off x="7692703" y="2344356"/>
+              <a:ext cx="1493241" cy="293615"/>
+            </a:xfrm>
+            <a:prstGeom prst="rect">
+              <a:avLst/>
+            </a:prstGeom>
+            <a:solidFill>
+              <a:srgbClr val="010101"/>
+            </a:solidFill>
+            <a:ln>
+              <a:noFill/>
+            </a:ln>
+          </p:spPr>
+          <p:style>
+            <a:lnRef idx="2">
+              <a:schemeClr val="accent1">
+                <a:shade val="50000"/>
+              </a:schemeClr>
+            </a:lnRef>
+            <a:fillRef idx="1">
+              <a:schemeClr val="accent1"/>
+            </a:fillRef>
+            <a:effectRef idx="0">
+              <a:schemeClr val="accent1"/>
+            </a:effectRef>
+            <a:fontRef idx="minor">
+              <a:schemeClr val="lt1"/>
+            </a:fontRef>
+          </p:style>
+          <p:txBody>
+            <a:bodyPr rtlCol="0" anchor="ctr"/>
+            <a:lstStyle/>
+            <a:p>
+              <a:pPr algn="ctr"/>
+              <a:endParaRPr lang="ko-KR" altLang="en-US"/>
+            </a:p>
+          </p:txBody>
+        </p:sp>
+        <p:sp>
+          <p:nvSpPr>
+            <p:cNvPr id="33" name="직사각형 32"/>
+            <p:cNvSpPr/>
+            <p:nvPr/>
+          </p:nvSpPr>
+          <p:spPr>
+            <a:xfrm>
+              <a:off x="8439324" y="2551110"/>
+              <a:ext cx="738232" cy="293615"/>
+            </a:xfrm>
+            <a:prstGeom prst="rect">
+              <a:avLst/>
+            </a:prstGeom>
+            <a:solidFill>
+              <a:srgbClr val="010101"/>
+            </a:solidFill>
+            <a:ln>
+              <a:noFill/>
+            </a:ln>
+          </p:spPr>
+          <p:style>
+            <a:lnRef idx="2">
+              <a:schemeClr val="accent1">
+                <a:shade val="50000"/>
+              </a:schemeClr>
+            </a:lnRef>
+            <a:fillRef idx="1">
+              <a:schemeClr val="accent1"/>
+            </a:fillRef>
+            <a:effectRef idx="0">
+              <a:schemeClr val="accent1"/>
+            </a:effectRef>
+            <a:fontRef idx="minor">
+              <a:schemeClr val="lt1"/>
+            </a:fontRef>
+          </p:style>
+          <p:txBody>
+            <a:bodyPr rtlCol="0" anchor="ctr"/>
+            <a:lstStyle/>
+            <a:p>
+              <a:pPr algn="ctr"/>
+              <a:endParaRPr lang="ko-KR" altLang="en-US"/>
+            </a:p>
+          </p:txBody>
+        </p:sp>
+        <p:sp>
+          <p:nvSpPr>
+            <p:cNvPr id="34" name="직사각형 33"/>
+            <p:cNvSpPr/>
+            <p:nvPr/>
+          </p:nvSpPr>
+          <p:spPr>
+            <a:xfrm>
+              <a:off x="8439324" y="2945759"/>
+              <a:ext cx="738232" cy="293615"/>
+            </a:xfrm>
+            <a:prstGeom prst="rect">
+              <a:avLst/>
+            </a:prstGeom>
+            <a:solidFill>
+              <a:srgbClr val="010101"/>
+            </a:solidFill>
+            <a:ln>
+              <a:noFill/>
+            </a:ln>
+          </p:spPr>
+          <p:style>
+            <a:lnRef idx="2">
+              <a:schemeClr val="accent1">
+                <a:shade val="50000"/>
+              </a:schemeClr>
+            </a:lnRef>
+            <a:fillRef idx="1">
+              <a:schemeClr val="accent1"/>
+            </a:fillRef>
+            <a:effectRef idx="0">
+              <a:schemeClr val="accent1"/>
+            </a:effectRef>
+            <a:fontRef idx="minor">
+              <a:schemeClr val="lt1"/>
+            </a:fontRef>
+          </p:style>
+          <p:txBody>
+            <a:bodyPr rtlCol="0" anchor="ctr"/>
+            <a:lstStyle/>
+            <a:p>
+              <a:pPr algn="ctr"/>
+              <a:endParaRPr lang="ko-KR" altLang="en-US"/>
+            </a:p>
+          </p:txBody>
+        </p:sp>
+        <p:sp>
+          <p:nvSpPr>
+            <p:cNvPr id="35" name="직사각형 34"/>
+            <p:cNvSpPr/>
+            <p:nvPr/>
+          </p:nvSpPr>
+          <p:spPr>
+            <a:xfrm>
+              <a:off x="8388990" y="4191157"/>
+              <a:ext cx="738232" cy="293615"/>
+            </a:xfrm>
+            <a:prstGeom prst="rect">
+              <a:avLst/>
+            </a:prstGeom>
+            <a:solidFill>
+              <a:srgbClr val="010101"/>
+            </a:solidFill>
+            <a:ln>
+              <a:noFill/>
+            </a:ln>
+          </p:spPr>
+          <p:style>
+            <a:lnRef idx="2">
+              <a:schemeClr val="accent1">
+                <a:shade val="50000"/>
+              </a:schemeClr>
+            </a:lnRef>
+            <a:fillRef idx="1">
+              <a:schemeClr val="accent1"/>
+            </a:fillRef>
+            <a:effectRef idx="0">
+              <a:schemeClr val="accent1"/>
+            </a:effectRef>
+            <a:fontRef idx="minor">
+              <a:schemeClr val="lt1"/>
+            </a:fontRef>
+          </p:style>
+          <p:txBody>
+            <a:bodyPr rtlCol="0" anchor="ctr"/>
+            <a:lstStyle/>
+            <a:p>
+              <a:pPr algn="ctr"/>
+              <a:endParaRPr lang="ko-KR" altLang="en-US"/>
+            </a:p>
+          </p:txBody>
+        </p:sp>
+        <p:sp>
+          <p:nvSpPr>
+            <p:cNvPr id="36" name="직사각형 35"/>
+            <p:cNvSpPr/>
+            <p:nvPr/>
+          </p:nvSpPr>
+          <p:spPr>
+            <a:xfrm>
+              <a:off x="8372765" y="4130642"/>
+              <a:ext cx="1006679" cy="293615"/>
+            </a:xfrm>
+            <a:prstGeom prst="rect">
+              <a:avLst/>
+            </a:prstGeom>
+            <a:solidFill>
+              <a:srgbClr val="010101"/>
+            </a:solidFill>
+            <a:ln>
+              <a:noFill/>
+            </a:ln>
+          </p:spPr>
+          <p:style>
+            <a:lnRef idx="2">
+              <a:schemeClr val="accent1">
+                <a:shade val="50000"/>
+              </a:schemeClr>
+            </a:lnRef>
+            <a:fillRef idx="1">
+              <a:schemeClr val="accent1"/>
+            </a:fillRef>
+            <a:effectRef idx="0">
+              <a:schemeClr val="accent1"/>
+            </a:effectRef>
+            <a:fontRef idx="minor">
+              <a:schemeClr val="lt1"/>
+            </a:fontRef>
+          </p:style>
+          <p:txBody>
+            <a:bodyPr rtlCol="0" anchor="ctr"/>
+            <a:lstStyle/>
+            <a:p>
+              <a:r>
+                <a:rPr lang="en-US" altLang="ko-KR" dirty="0"/>
+                <a:t>Evade</a:t>
+              </a:r>
+              <a:endParaRPr lang="ko-KR" altLang="en-US" dirty="0"/>
+            </a:p>
+          </p:txBody>
+        </p:sp>
+        <p:sp>
+          <p:nvSpPr>
+            <p:cNvPr id="37" name="직사각형 36"/>
+            <p:cNvSpPr/>
+            <p:nvPr/>
+          </p:nvSpPr>
+          <p:spPr>
+            <a:xfrm>
+              <a:off x="8380601" y="2605639"/>
+              <a:ext cx="1006680" cy="293615"/>
+            </a:xfrm>
+            <a:prstGeom prst="rect">
+              <a:avLst/>
+            </a:prstGeom>
+            <a:solidFill>
+              <a:srgbClr val="010101"/>
+            </a:solidFill>
+            <a:ln>
+              <a:noFill/>
+            </a:ln>
+          </p:spPr>
+          <p:style>
+            <a:lnRef idx="2">
+              <a:schemeClr val="accent1">
+                <a:shade val="50000"/>
+              </a:schemeClr>
+            </a:lnRef>
+            <a:fillRef idx="1">
+              <a:schemeClr val="accent1"/>
+            </a:fillRef>
+            <a:effectRef idx="0">
+              <a:schemeClr val="accent1"/>
+            </a:effectRef>
+            <a:fontRef idx="minor">
+              <a:schemeClr val="lt1"/>
+            </a:fontRef>
+          </p:style>
+          <p:txBody>
+            <a:bodyPr rtlCol="0" anchor="ctr"/>
+            <a:lstStyle/>
+            <a:p>
+              <a:r>
+                <a:rPr lang="en-US" altLang="ko-KR" dirty="0"/>
+                <a:t>Skill</a:t>
+              </a:r>
+              <a:endParaRPr lang="ko-KR" altLang="en-US" dirty="0"/>
+            </a:p>
+          </p:txBody>
+        </p:sp>
+        <p:sp>
+          <p:nvSpPr>
+            <p:cNvPr id="38" name="직사각형 37"/>
+            <p:cNvSpPr/>
+            <p:nvPr/>
+          </p:nvSpPr>
+          <p:spPr>
+            <a:xfrm>
+              <a:off x="8372212" y="2945104"/>
+              <a:ext cx="1006679" cy="293615"/>
+            </a:xfrm>
+            <a:prstGeom prst="rect">
+              <a:avLst/>
+            </a:prstGeom>
+            <a:solidFill>
+              <a:srgbClr val="010101"/>
+            </a:solidFill>
+            <a:ln>
+              <a:noFill/>
+            </a:ln>
+          </p:spPr>
+          <p:style>
+            <a:lnRef idx="2">
+              <a:schemeClr val="accent1">
+                <a:shade val="50000"/>
+              </a:schemeClr>
+            </a:lnRef>
+            <a:fillRef idx="1">
+              <a:schemeClr val="accent1"/>
+            </a:fillRef>
+            <a:effectRef idx="0">
+              <a:schemeClr val="accent1"/>
+            </a:effectRef>
+            <a:fontRef idx="minor">
+              <a:schemeClr val="lt1"/>
+            </a:fontRef>
+          </p:style>
+          <p:txBody>
+            <a:bodyPr rtlCol="0" anchor="ctr"/>
+            <a:lstStyle/>
+            <a:p>
+              <a:r>
+                <a:rPr lang="en-US" altLang="ko-KR" dirty="0"/>
+                <a:t>Attack</a:t>
+              </a:r>
+              <a:endParaRPr lang="ko-KR" altLang="en-US" dirty="0"/>
+            </a:p>
+          </p:txBody>
+        </p:sp>
+        <p:sp>
+          <p:nvSpPr>
+            <p:cNvPr id="39" name="직사각형 38"/>
+            <p:cNvSpPr/>
+            <p:nvPr/>
+          </p:nvSpPr>
+          <p:spPr>
+            <a:xfrm>
+              <a:off x="2922732" y="3613205"/>
+              <a:ext cx="1006679" cy="293615"/>
+            </a:xfrm>
+            <a:prstGeom prst="rect">
+              <a:avLst/>
+            </a:prstGeom>
+            <a:solidFill>
+              <a:srgbClr val="010101"/>
+            </a:solidFill>
+            <a:ln>
+              <a:noFill/>
+            </a:ln>
+          </p:spPr>
+          <p:style>
+            <a:lnRef idx="2">
+              <a:schemeClr val="accent1">
+                <a:shade val="50000"/>
+              </a:schemeClr>
+            </a:lnRef>
+            <a:fillRef idx="1">
+              <a:schemeClr val="accent1"/>
+            </a:fillRef>
+            <a:effectRef idx="0">
+              <a:schemeClr val="accent1"/>
+            </a:effectRef>
+            <a:fontRef idx="minor">
+              <a:schemeClr val="lt1"/>
+            </a:fontRef>
+          </p:style>
+          <p:txBody>
+            <a:bodyPr rtlCol="0" anchor="ctr"/>
+            <a:lstStyle/>
+            <a:p>
+              <a:pPr algn="r"/>
+              <a:r>
+                <a:rPr lang="en-US" altLang="ko-KR" dirty="0"/>
+                <a:t>Move</a:t>
+              </a:r>
+              <a:endParaRPr lang="ko-KR" altLang="en-US" dirty="0"/>
+            </a:p>
+          </p:txBody>
+        </p:sp>
+        <p:sp>
+          <p:nvSpPr>
+            <p:cNvPr id="40" name="직사각형 39"/>
+            <p:cNvSpPr/>
+            <p:nvPr/>
+          </p:nvSpPr>
+          <p:spPr>
+            <a:xfrm>
+              <a:off x="8388990" y="4494823"/>
+              <a:ext cx="1006679" cy="293615"/>
+            </a:xfrm>
+            <a:prstGeom prst="rect">
+              <a:avLst/>
+            </a:prstGeom>
+            <a:solidFill>
+              <a:srgbClr val="010101"/>
+            </a:solidFill>
+            <a:ln>
+              <a:noFill/>
+            </a:ln>
+          </p:spPr>
+          <p:style>
+            <a:lnRef idx="2">
+              <a:schemeClr val="accent1">
+                <a:shade val="50000"/>
+              </a:schemeClr>
+            </a:lnRef>
+            <a:fillRef idx="1">
+              <a:schemeClr val="accent1"/>
+            </a:fillRef>
+            <a:effectRef idx="0">
+              <a:schemeClr val="accent1"/>
+            </a:effectRef>
+            <a:fontRef idx="minor">
+              <a:schemeClr val="lt1"/>
+            </a:fontRef>
+          </p:style>
+          <p:txBody>
+            <a:bodyPr rtlCol="0" anchor="ctr"/>
+            <a:lstStyle/>
+            <a:p>
+              <a:r>
+                <a:rPr lang="en-US" altLang="ko-KR" dirty="0"/>
+                <a:t>Menu</a:t>
+              </a:r>
+              <a:endParaRPr lang="ko-KR" altLang="en-US" dirty="0"/>
+            </a:p>
+          </p:txBody>
+        </p:sp>
+        <p:sp>
+          <p:nvSpPr>
+            <p:cNvPr id="41" name="직사각형 40"/>
+            <p:cNvSpPr/>
+            <p:nvPr/>
+          </p:nvSpPr>
+          <p:spPr>
+            <a:xfrm>
+              <a:off x="2813676" y="1463878"/>
+              <a:ext cx="2545838" cy="620786"/>
+            </a:xfrm>
+            <a:prstGeom prst="rect">
+              <a:avLst/>
+            </a:prstGeom>
+            <a:solidFill>
+              <a:srgbClr val="010101"/>
+            </a:solidFill>
+            <a:ln>
+              <a:noFill/>
+            </a:ln>
+          </p:spPr>
+          <p:style>
+            <a:lnRef idx="2">
+              <a:schemeClr val="accent1">
+                <a:shade val="50000"/>
+              </a:schemeClr>
+            </a:lnRef>
+            <a:fillRef idx="1">
+              <a:schemeClr val="accent1"/>
+            </a:fillRef>
+            <a:effectRef idx="0">
+              <a:schemeClr val="accent1"/>
+            </a:effectRef>
+            <a:fontRef idx="minor">
+              <a:schemeClr val="lt1"/>
+            </a:fontRef>
+          </p:style>
+          <p:txBody>
+            <a:bodyPr rtlCol="0" anchor="ctr"/>
+            <a:lstStyle/>
+            <a:p>
+              <a:pPr algn="ctr"/>
+              <a:endParaRPr lang="ko-KR" altLang="en-US"/>
+            </a:p>
+          </p:txBody>
+        </p:sp>
+        <p:sp>
+          <p:nvSpPr>
+            <p:cNvPr id="42" name="직사각형 41"/>
+            <p:cNvSpPr/>
+            <p:nvPr/>
+          </p:nvSpPr>
+          <p:spPr>
+            <a:xfrm>
+              <a:off x="3010964" y="1774271"/>
+              <a:ext cx="2378467" cy="293615"/>
+            </a:xfrm>
+            <a:prstGeom prst="rect">
+              <a:avLst/>
+            </a:prstGeom>
+            <a:solidFill>
+              <a:srgbClr val="010101"/>
+            </a:solidFill>
+            <a:ln>
+              <a:noFill/>
+            </a:ln>
+          </p:spPr>
+          <p:style>
+            <a:lnRef idx="2">
+              <a:schemeClr val="accent1">
+                <a:shade val="50000"/>
+              </a:schemeClr>
+            </a:lnRef>
+            <a:fillRef idx="1">
+              <a:schemeClr val="accent1"/>
+            </a:fillRef>
+            <a:effectRef idx="0">
+              <a:schemeClr val="accent1"/>
+            </a:effectRef>
+            <a:fontRef idx="minor">
+              <a:schemeClr val="lt1"/>
+            </a:fontRef>
+          </p:style>
+          <p:txBody>
+            <a:bodyPr rtlCol="0" anchor="ctr"/>
+            <a:lstStyle/>
+            <a:p>
+              <a:r>
+                <a:rPr lang="en-US" altLang="ko-KR" dirty="0"/>
+                <a:t>Gamepad Control</a:t>
+              </a:r>
+              <a:endParaRPr lang="ko-KR" altLang="en-US" dirty="0"/>
+            </a:p>
+          </p:txBody>
+        </p:sp>
+      </p:grpSp>
     </p:spTree>
     <p:extLst>
       <p:ext uri="{BB962C8B-B14F-4D97-AF65-F5344CB8AC3E}">
-        <p14:creationId xmlns:p14="http://schemas.microsoft.com/office/powerpoint/2010/main" val="1588866467"/>
+        <p14:creationId xmlns:p14="http://schemas.microsoft.com/office/powerpoint/2010/main" val="1130274220"/>
       </p:ext>
     </p:extLst>
   </p:cSld>
@@ -3970,805 +4912,962 @@
           <a:chExt cx="0" cy="0"/>
         </a:xfrm>
       </p:grpSpPr>
-      <p:sp>
-        <p:nvSpPr>
-          <p:cNvPr id="3" name="TextBox 2"/>
-          <p:cNvSpPr txBox="1"/>
-          <p:nvPr/>
-        </p:nvSpPr>
-        <p:spPr>
-          <a:xfrm>
-            <a:off x="190743" y="182246"/>
-            <a:ext cx="1107996" cy="461665"/>
-          </a:xfrm>
-          <a:prstGeom prst="rect">
-            <a:avLst/>
-          </a:prstGeom>
-          <a:noFill/>
-        </p:spPr>
-        <p:txBody>
-          <a:bodyPr wrap="none" rtlCol="0">
-            <a:spAutoFit/>
-          </a:bodyPr>
-          <a:lstStyle/>
-          <a:p>
-            <a:r>
-              <a:rPr lang="ko-KR" altLang="en-US" sz="2400" b="1" dirty="0"/>
-              <a:t>가이드</a:t>
-            </a:r>
-          </a:p>
-        </p:txBody>
-      </p:sp>
       <p:grpSp>
         <p:nvGrpSpPr>
-          <p:cNvPr id="2" name="그룹 1"/>
+          <p:cNvPr id="22" name="그룹 21"/>
           <p:cNvGrpSpPr/>
           <p:nvPr/>
         </p:nvGrpSpPr>
         <p:grpSpPr>
           <a:xfrm>
-            <a:off x="1653505" y="706210"/>
-            <a:ext cx="9059236" cy="5694589"/>
-            <a:chOff x="14298719" y="1557094"/>
-            <a:chExt cx="9950803" cy="8339526"/>
+            <a:off x="1464160" y="746621"/>
+            <a:ext cx="8544459" cy="5155316"/>
+            <a:chOff x="2709090" y="1445355"/>
+            <a:chExt cx="6913635" cy="4171355"/>
           </a:xfrm>
         </p:grpSpPr>
+        <p:pic>
+          <p:nvPicPr>
+            <p:cNvPr id="2" name="Picture 2" descr="관련 이미지"/>
+            <p:cNvPicPr>
+              <a:picLocks noChangeAspect="1" noChangeArrowheads="1"/>
+            </p:cNvPicPr>
+            <p:nvPr/>
+          </p:nvPicPr>
+          <p:blipFill>
+            <a:blip r:embed="rId2">
+              <a:extLst>
+                <a:ext uri="{28A0092B-C50C-407E-A947-70E740481C1C}">
+                  <a14:useLocalDpi xmlns:a14="http://schemas.microsoft.com/office/drawing/2010/main" val="0"/>
+                </a:ext>
+              </a:extLst>
+            </a:blip>
+            <a:srcRect/>
+            <a:stretch>
+              <a:fillRect/>
+            </a:stretch>
+          </p:blipFill>
+          <p:spPr bwMode="auto">
+            <a:xfrm>
+              <a:off x="2709090" y="1445355"/>
+              <a:ext cx="6913635" cy="4171355"/>
+            </a:xfrm>
+            <a:prstGeom prst="rect">
+              <a:avLst/>
+            </a:prstGeom>
+            <a:noFill/>
+            <a:extLst>
+              <a:ext uri="{909E8E84-426E-40DD-AFC4-6F175D3DCCD1}">
+                <a14:hiddenFill xmlns:a14="http://schemas.microsoft.com/office/drawing/2010/main">
+                  <a:solidFill>
+                    <a:srgbClr val="FFFFFF"/>
+                  </a:solidFill>
+                </a14:hiddenFill>
+              </a:ext>
+            </a:extLst>
+          </p:spPr>
+        </p:pic>
         <p:sp>
           <p:nvSpPr>
-            <p:cNvPr id="5" name="직사각형"/>
+            <p:cNvPr id="3" name="직사각형 2"/>
             <p:cNvSpPr/>
             <p:nvPr/>
           </p:nvSpPr>
           <p:spPr>
             <a:xfrm>
-              <a:off x="14298719" y="1557094"/>
-              <a:ext cx="9950803" cy="8339526"/>
+              <a:off x="6765996" y="1937856"/>
+              <a:ext cx="1006679" cy="293615"/>
             </a:xfrm>
             <a:prstGeom prst="rect">
               <a:avLst/>
             </a:prstGeom>
             <a:solidFill>
-              <a:schemeClr val="accent4">
-                <a:hueOff val="46120"/>
-                <a:satOff val="4178"/>
-                <a:lumOff val="-16732"/>
+              <a:srgbClr val="010101"/>
+            </a:solidFill>
+            <a:ln>
+              <a:noFill/>
+            </a:ln>
+          </p:spPr>
+          <p:style>
+            <a:lnRef idx="2">
+              <a:schemeClr val="accent1">
+                <a:shade val="50000"/>
               </a:schemeClr>
-            </a:solidFill>
-            <a:ln w="12700">
-              <a:miter lim="400000"/>
-            </a:ln>
-            <a:effectLst>
-              <a:outerShdw blurRad="38100" dist="25400" dir="5400000" rotWithShape="0">
-                <a:srgbClr val="000000">
-                  <a:alpha val="50000"/>
-                </a:srgbClr>
-              </a:outerShdw>
-            </a:effectLst>
-          </p:spPr>
+            </a:lnRef>
+            <a:fillRef idx="1">
+              <a:schemeClr val="accent1"/>
+            </a:fillRef>
+            <a:effectRef idx="0">
+              <a:schemeClr val="accent1"/>
+            </a:effectRef>
+            <a:fontRef idx="minor">
+              <a:schemeClr val="lt1"/>
+            </a:fontRef>
+          </p:style>
           <p:txBody>
-            <a:bodyPr lIns="50800" tIns="50800" rIns="50800" bIns="50800" anchor="ctr"/>
+            <a:bodyPr rtlCol="0" anchor="ctr"/>
             <a:lstStyle/>
             <a:p>
-              <a:pPr algn="ctr">
-                <a:defRPr sz="3200">
-                  <a:solidFill>
-                    <a:srgbClr val="FFFFFF"/>
-                  </a:solidFill>
-                  <a:latin typeface="Arial"/>
-                  <a:ea typeface="Arial"/>
-                  <a:cs typeface="Arial"/>
-                  <a:sym typeface="Arial"/>
-                </a:defRPr>
-              </a:pPr>
-              <a:endParaRPr sz="4000"/>
+              <a:r>
+                <a:rPr lang="en-US" altLang="ko-KR" sz="2400" dirty="0"/>
+                <a:t>Charge</a:t>
+              </a:r>
+              <a:endParaRPr lang="ko-KR" altLang="en-US" sz="2400" dirty="0"/>
             </a:p>
           </p:txBody>
         </p:sp>
         <p:sp>
           <p:nvSpPr>
-            <p:cNvPr id="6" name="G U I D E"/>
+            <p:cNvPr id="4" name="직사각형 3"/>
             <p:cNvSpPr/>
             <p:nvPr/>
           </p:nvSpPr>
           <p:spPr>
             <a:xfrm>
-              <a:off x="18026344" y="1971126"/>
-              <a:ext cx="2663803" cy="876227"/>
+              <a:off x="4420444" y="1921078"/>
+              <a:ext cx="1502183" cy="620786"/>
             </a:xfrm>
             <a:prstGeom prst="rect">
               <a:avLst/>
             </a:prstGeom>
-            <a:ln w="12700">
-              <a:miter lim="400000"/>
+            <a:solidFill>
+              <a:srgbClr val="010101"/>
+            </a:solidFill>
+            <a:ln>
+              <a:noFill/>
             </a:ln>
-            <a:extLst>
-              <a:ext uri="{C572A759-6A51-4108-AA02-DFA0A04FC94B}">
-                <ma14:wrappingTextBoxFlag xmlns="" xmlns:ma14="http://schemas.microsoft.com/office/mac/drawingml/2011/main" val="1"/>
-              </a:ext>
-            </a:extLst>
           </p:spPr>
+          <p:style>
+            <a:lnRef idx="2">
+              <a:schemeClr val="accent1">
+                <a:shade val="50000"/>
+              </a:schemeClr>
+            </a:lnRef>
+            <a:fillRef idx="1">
+              <a:schemeClr val="accent1"/>
+            </a:fillRef>
+            <a:effectRef idx="0">
+              <a:schemeClr val="accent1"/>
+            </a:effectRef>
+            <a:fontRef idx="minor">
+              <a:schemeClr val="lt1"/>
+            </a:fontRef>
+          </p:style>
           <p:txBody>
-            <a:bodyPr wrap="none" lIns="50800" tIns="50800" rIns="50800" bIns="50800" anchor="ctr">
-              <a:spAutoFit/>
-            </a:bodyPr>
+            <a:bodyPr rtlCol="0" anchor="ctr"/>
             <a:lstStyle/>
             <a:p>
               <a:pPr algn="ctr"/>
-              <a:r>
-                <a:rPr sz="2400" dirty="0"/>
-                <a:t>G U I D E</a:t>
-              </a:r>
+              <a:endParaRPr lang="ko-KR" altLang="en-US" sz="2400"/>
             </a:p>
           </p:txBody>
         </p:sp>
         <p:sp>
           <p:nvSpPr>
-            <p:cNvPr id="8" name="CLOSE"/>
+            <p:cNvPr id="5" name="직사각형 4"/>
             <p:cNvSpPr/>
             <p:nvPr/>
           </p:nvSpPr>
           <p:spPr>
             <a:xfrm>
-              <a:off x="18332098" y="8321475"/>
-              <a:ext cx="1853886" cy="876227"/>
+              <a:off x="2813676" y="2067886"/>
+              <a:ext cx="1502183" cy="620786"/>
             </a:xfrm>
             <a:prstGeom prst="rect">
               <a:avLst/>
             </a:prstGeom>
-            <a:blipFill>
-              <a:blip r:embed="rId2"/>
-            </a:blipFill>
-            <a:ln w="12700">
-              <a:miter lim="400000"/>
+            <a:solidFill>
+              <a:srgbClr val="010101"/>
+            </a:solidFill>
+            <a:ln>
+              <a:noFill/>
             </a:ln>
-            <a:effectLst>
-              <a:outerShdw blurRad="50800" dist="12700" rotWithShape="0">
-                <a:srgbClr val="000000">
-                  <a:alpha val="50000"/>
-                </a:srgbClr>
-              </a:outerShdw>
-            </a:effectLst>
-            <a:extLst>
-              <a:ext uri="{C572A759-6A51-4108-AA02-DFA0A04FC94B}">
-                <ma14:wrappingTextBoxFlag xmlns="" xmlns:ma14="http://schemas.microsoft.com/office/mac/drawingml/2011/main" val="1"/>
-              </a:ext>
-            </a:extLst>
           </p:spPr>
+          <p:style>
+            <a:lnRef idx="2">
+              <a:schemeClr val="accent1">
+                <a:shade val="50000"/>
+              </a:schemeClr>
+            </a:lnRef>
+            <a:fillRef idx="1">
+              <a:schemeClr val="accent1"/>
+            </a:fillRef>
+            <a:effectRef idx="0">
+              <a:schemeClr val="accent1"/>
+            </a:effectRef>
+            <a:fontRef idx="minor">
+              <a:schemeClr val="lt1"/>
+            </a:fontRef>
+          </p:style>
           <p:txBody>
-            <a:bodyPr wrap="none" lIns="50800" tIns="50800" rIns="50800" bIns="50800" anchor="ctr">
-              <a:spAutoFit/>
-            </a:bodyPr>
-            <a:lstStyle>
-              <a:lvl1pPr>
-                <a:defRPr>
-                  <a:solidFill>
-                    <a:srgbClr val="FFFFFF"/>
-                  </a:solidFill>
-                </a:defRPr>
-              </a:lvl1pPr>
-            </a:lstStyle>
+            <a:bodyPr rtlCol="0" anchor="ctr"/>
+            <a:lstStyle/>
             <a:p>
               <a:pPr algn="ctr"/>
+              <a:endParaRPr lang="ko-KR" altLang="en-US" sz="2400"/>
+            </a:p>
+          </p:txBody>
+        </p:sp>
+        <p:sp>
+          <p:nvSpPr>
+            <p:cNvPr id="6" name="직사각형 5"/>
+            <p:cNvSpPr/>
+            <p:nvPr/>
+          </p:nvSpPr>
+          <p:spPr>
+            <a:xfrm>
+              <a:off x="3384127" y="2231471"/>
+              <a:ext cx="1502183" cy="620786"/>
+            </a:xfrm>
+            <a:prstGeom prst="rect">
+              <a:avLst/>
+            </a:prstGeom>
+            <a:solidFill>
+              <a:srgbClr val="010101"/>
+            </a:solidFill>
+            <a:ln>
+              <a:noFill/>
+            </a:ln>
+          </p:spPr>
+          <p:style>
+            <a:lnRef idx="2">
+              <a:schemeClr val="accent1">
+                <a:shade val="50000"/>
+              </a:schemeClr>
+            </a:lnRef>
+            <a:fillRef idx="1">
+              <a:schemeClr val="accent1"/>
+            </a:fillRef>
+            <a:effectRef idx="0">
+              <a:schemeClr val="accent1"/>
+            </a:effectRef>
+            <a:fontRef idx="minor">
+              <a:schemeClr val="lt1"/>
+            </a:fontRef>
+          </p:style>
+          <p:txBody>
+            <a:bodyPr rtlCol="0" anchor="ctr"/>
+            <a:lstStyle/>
+            <a:p>
+              <a:pPr algn="ctr"/>
+              <a:endParaRPr lang="ko-KR" altLang="en-US" sz="2400"/>
+            </a:p>
+          </p:txBody>
+        </p:sp>
+        <p:sp>
+          <p:nvSpPr>
+            <p:cNvPr id="7" name="직사각형 6"/>
+            <p:cNvSpPr/>
+            <p:nvPr/>
+          </p:nvSpPr>
+          <p:spPr>
+            <a:xfrm>
+              <a:off x="3313651" y="4202884"/>
+              <a:ext cx="1072683" cy="333603"/>
+            </a:xfrm>
+            <a:prstGeom prst="rect">
+              <a:avLst/>
+            </a:prstGeom>
+            <a:solidFill>
+              <a:srgbClr val="010101"/>
+            </a:solidFill>
+            <a:ln>
+              <a:noFill/>
+            </a:ln>
+          </p:spPr>
+          <p:style>
+            <a:lnRef idx="2">
+              <a:schemeClr val="accent1">
+                <a:shade val="50000"/>
+              </a:schemeClr>
+            </a:lnRef>
+            <a:fillRef idx="1">
+              <a:schemeClr val="accent1"/>
+            </a:fillRef>
+            <a:effectRef idx="0">
+              <a:schemeClr val="accent1"/>
+            </a:effectRef>
+            <a:fontRef idx="minor">
+              <a:schemeClr val="lt1"/>
+            </a:fontRef>
+          </p:style>
+          <p:txBody>
+            <a:bodyPr rtlCol="0" anchor="ctr"/>
+            <a:lstStyle/>
+            <a:p>
+              <a:pPr algn="ctr"/>
+              <a:endParaRPr lang="ko-KR" altLang="en-US" sz="2400"/>
+            </a:p>
+          </p:txBody>
+        </p:sp>
+        <p:sp>
+          <p:nvSpPr>
+            <p:cNvPr id="8" name="직사각형 7"/>
+            <p:cNvSpPr/>
+            <p:nvPr/>
+          </p:nvSpPr>
+          <p:spPr>
+            <a:xfrm>
+              <a:off x="5093224" y="4620377"/>
+              <a:ext cx="1072683" cy="996333"/>
+            </a:xfrm>
+            <a:prstGeom prst="rect">
+              <a:avLst/>
+            </a:prstGeom>
+            <a:solidFill>
+              <a:srgbClr val="010101"/>
+            </a:solidFill>
+            <a:ln>
+              <a:noFill/>
+            </a:ln>
+          </p:spPr>
+          <p:style>
+            <a:lnRef idx="2">
+              <a:schemeClr val="accent1">
+                <a:shade val="50000"/>
+              </a:schemeClr>
+            </a:lnRef>
+            <a:fillRef idx="1">
+              <a:schemeClr val="accent1"/>
+            </a:fillRef>
+            <a:effectRef idx="0">
+              <a:schemeClr val="accent1"/>
+            </a:effectRef>
+            <a:fontRef idx="minor">
+              <a:schemeClr val="lt1"/>
+            </a:fontRef>
+          </p:style>
+          <p:txBody>
+            <a:bodyPr rtlCol="0" anchor="ctr"/>
+            <a:lstStyle/>
+            <a:p>
+              <a:pPr algn="ctr"/>
+              <a:endParaRPr lang="ko-KR" altLang="en-US" sz="2400"/>
+            </a:p>
+          </p:txBody>
+        </p:sp>
+        <p:sp>
+          <p:nvSpPr>
+            <p:cNvPr id="9" name="직사각형 8"/>
+            <p:cNvSpPr/>
+            <p:nvPr/>
+          </p:nvSpPr>
+          <p:spPr>
+            <a:xfrm>
+              <a:off x="6199462" y="4620377"/>
+              <a:ext cx="853740" cy="996333"/>
+            </a:xfrm>
+            <a:prstGeom prst="rect">
+              <a:avLst/>
+            </a:prstGeom>
+            <a:solidFill>
+              <a:srgbClr val="010101"/>
+            </a:solidFill>
+            <a:ln>
+              <a:noFill/>
+            </a:ln>
+          </p:spPr>
+          <p:style>
+            <a:lnRef idx="2">
+              <a:schemeClr val="accent1">
+                <a:shade val="50000"/>
+              </a:schemeClr>
+            </a:lnRef>
+            <a:fillRef idx="1">
+              <a:schemeClr val="accent1"/>
+            </a:fillRef>
+            <a:effectRef idx="0">
+              <a:schemeClr val="accent1"/>
+            </a:effectRef>
+            <a:fontRef idx="minor">
+              <a:schemeClr val="lt1"/>
+            </a:fontRef>
+          </p:style>
+          <p:txBody>
+            <a:bodyPr rtlCol="0" anchor="ctr"/>
+            <a:lstStyle/>
+            <a:p>
+              <a:pPr algn="ctr"/>
+              <a:endParaRPr lang="ko-KR" altLang="en-US" sz="2400"/>
+            </a:p>
+          </p:txBody>
+        </p:sp>
+        <p:sp>
+          <p:nvSpPr>
+            <p:cNvPr id="10" name="직사각형 9"/>
+            <p:cNvSpPr/>
+            <p:nvPr/>
+          </p:nvSpPr>
+          <p:spPr>
+            <a:xfrm>
+              <a:off x="7910815" y="3531032"/>
+              <a:ext cx="1610689" cy="558149"/>
+            </a:xfrm>
+            <a:prstGeom prst="rect">
+              <a:avLst/>
+            </a:prstGeom>
+            <a:solidFill>
+              <a:srgbClr val="010101"/>
+            </a:solidFill>
+            <a:ln>
+              <a:noFill/>
+            </a:ln>
+          </p:spPr>
+          <p:style>
+            <a:lnRef idx="2">
+              <a:schemeClr val="accent1">
+                <a:shade val="50000"/>
+              </a:schemeClr>
+            </a:lnRef>
+            <a:fillRef idx="1">
+              <a:schemeClr val="accent1"/>
+            </a:fillRef>
+            <a:effectRef idx="0">
+              <a:schemeClr val="accent1"/>
+            </a:effectRef>
+            <a:fontRef idx="minor">
+              <a:schemeClr val="lt1"/>
+            </a:fontRef>
+          </p:style>
+          <p:txBody>
+            <a:bodyPr rtlCol="0" anchor="ctr"/>
+            <a:lstStyle/>
+            <a:p>
+              <a:pPr algn="ctr"/>
+              <a:endParaRPr lang="ko-KR" altLang="en-US" sz="2400"/>
+            </a:p>
+          </p:txBody>
+        </p:sp>
+        <p:sp>
+          <p:nvSpPr>
+            <p:cNvPr id="11" name="직사각형 10"/>
+            <p:cNvSpPr/>
+            <p:nvPr/>
+          </p:nvSpPr>
+          <p:spPr>
+            <a:xfrm>
+              <a:off x="7692703" y="2344356"/>
+              <a:ext cx="1493241" cy="293615"/>
+            </a:xfrm>
+            <a:prstGeom prst="rect">
+              <a:avLst/>
+            </a:prstGeom>
+            <a:solidFill>
+              <a:srgbClr val="010101"/>
+            </a:solidFill>
+            <a:ln>
+              <a:noFill/>
+            </a:ln>
+          </p:spPr>
+          <p:style>
+            <a:lnRef idx="2">
+              <a:schemeClr val="accent1">
+                <a:shade val="50000"/>
+              </a:schemeClr>
+            </a:lnRef>
+            <a:fillRef idx="1">
+              <a:schemeClr val="accent1"/>
+            </a:fillRef>
+            <a:effectRef idx="0">
+              <a:schemeClr val="accent1"/>
+            </a:effectRef>
+            <a:fontRef idx="minor">
+              <a:schemeClr val="lt1"/>
+            </a:fontRef>
+          </p:style>
+          <p:txBody>
+            <a:bodyPr rtlCol="0" anchor="ctr"/>
+            <a:lstStyle/>
+            <a:p>
+              <a:pPr algn="ctr"/>
+              <a:endParaRPr lang="ko-KR" altLang="en-US" sz="2400"/>
+            </a:p>
+          </p:txBody>
+        </p:sp>
+        <p:sp>
+          <p:nvSpPr>
+            <p:cNvPr id="12" name="직사각형 11"/>
+            <p:cNvSpPr/>
+            <p:nvPr/>
+          </p:nvSpPr>
+          <p:spPr>
+            <a:xfrm>
+              <a:off x="8439324" y="2551110"/>
+              <a:ext cx="738232" cy="293615"/>
+            </a:xfrm>
+            <a:prstGeom prst="rect">
+              <a:avLst/>
+            </a:prstGeom>
+            <a:solidFill>
+              <a:srgbClr val="010101"/>
+            </a:solidFill>
+            <a:ln>
+              <a:noFill/>
+            </a:ln>
+          </p:spPr>
+          <p:style>
+            <a:lnRef idx="2">
+              <a:schemeClr val="accent1">
+                <a:shade val="50000"/>
+              </a:schemeClr>
+            </a:lnRef>
+            <a:fillRef idx="1">
+              <a:schemeClr val="accent1"/>
+            </a:fillRef>
+            <a:effectRef idx="0">
+              <a:schemeClr val="accent1"/>
+            </a:effectRef>
+            <a:fontRef idx="minor">
+              <a:schemeClr val="lt1"/>
+            </a:fontRef>
+          </p:style>
+          <p:txBody>
+            <a:bodyPr rtlCol="0" anchor="ctr"/>
+            <a:lstStyle/>
+            <a:p>
+              <a:pPr algn="ctr"/>
+              <a:endParaRPr lang="ko-KR" altLang="en-US" sz="2400"/>
+            </a:p>
+          </p:txBody>
+        </p:sp>
+        <p:sp>
+          <p:nvSpPr>
+            <p:cNvPr id="13" name="직사각형 12"/>
+            <p:cNvSpPr/>
+            <p:nvPr/>
+          </p:nvSpPr>
+          <p:spPr>
+            <a:xfrm>
+              <a:off x="8439324" y="2945759"/>
+              <a:ext cx="738232" cy="293615"/>
+            </a:xfrm>
+            <a:prstGeom prst="rect">
+              <a:avLst/>
+            </a:prstGeom>
+            <a:solidFill>
+              <a:srgbClr val="010101"/>
+            </a:solidFill>
+            <a:ln>
+              <a:noFill/>
+            </a:ln>
+          </p:spPr>
+          <p:style>
+            <a:lnRef idx="2">
+              <a:schemeClr val="accent1">
+                <a:shade val="50000"/>
+              </a:schemeClr>
+            </a:lnRef>
+            <a:fillRef idx="1">
+              <a:schemeClr val="accent1"/>
+            </a:fillRef>
+            <a:effectRef idx="0">
+              <a:schemeClr val="accent1"/>
+            </a:effectRef>
+            <a:fontRef idx="minor">
+              <a:schemeClr val="lt1"/>
+            </a:fontRef>
+          </p:style>
+          <p:txBody>
+            <a:bodyPr rtlCol="0" anchor="ctr"/>
+            <a:lstStyle/>
+            <a:p>
+              <a:pPr algn="ctr"/>
+              <a:endParaRPr lang="ko-KR" altLang="en-US" sz="2400"/>
+            </a:p>
+          </p:txBody>
+        </p:sp>
+        <p:sp>
+          <p:nvSpPr>
+            <p:cNvPr id="14" name="직사각형 13"/>
+            <p:cNvSpPr/>
+            <p:nvPr/>
+          </p:nvSpPr>
+          <p:spPr>
+            <a:xfrm>
+              <a:off x="8388990" y="4191157"/>
+              <a:ext cx="738232" cy="293615"/>
+            </a:xfrm>
+            <a:prstGeom prst="rect">
+              <a:avLst/>
+            </a:prstGeom>
+            <a:solidFill>
+              <a:srgbClr val="010101"/>
+            </a:solidFill>
+            <a:ln>
+              <a:noFill/>
+            </a:ln>
+          </p:spPr>
+          <p:style>
+            <a:lnRef idx="2">
+              <a:schemeClr val="accent1">
+                <a:shade val="50000"/>
+              </a:schemeClr>
+            </a:lnRef>
+            <a:fillRef idx="1">
+              <a:schemeClr val="accent1"/>
+            </a:fillRef>
+            <a:effectRef idx="0">
+              <a:schemeClr val="accent1"/>
+            </a:effectRef>
+            <a:fontRef idx="minor">
+              <a:schemeClr val="lt1"/>
+            </a:fontRef>
+          </p:style>
+          <p:txBody>
+            <a:bodyPr rtlCol="0" anchor="ctr"/>
+            <a:lstStyle/>
+            <a:p>
+              <a:pPr algn="ctr"/>
+              <a:endParaRPr lang="ko-KR" altLang="en-US" sz="2400"/>
+            </a:p>
+          </p:txBody>
+        </p:sp>
+        <p:sp>
+          <p:nvSpPr>
+            <p:cNvPr id="16" name="직사각형 15"/>
+            <p:cNvSpPr/>
+            <p:nvPr/>
+          </p:nvSpPr>
+          <p:spPr>
+            <a:xfrm>
+              <a:off x="8372765" y="4130642"/>
+              <a:ext cx="1006679" cy="293615"/>
+            </a:xfrm>
+            <a:prstGeom prst="rect">
+              <a:avLst/>
+            </a:prstGeom>
+            <a:solidFill>
+              <a:srgbClr val="010101"/>
+            </a:solidFill>
+            <a:ln>
+              <a:noFill/>
+            </a:ln>
+          </p:spPr>
+          <p:style>
+            <a:lnRef idx="2">
+              <a:schemeClr val="accent1">
+                <a:shade val="50000"/>
+              </a:schemeClr>
+            </a:lnRef>
+            <a:fillRef idx="1">
+              <a:schemeClr val="accent1"/>
+            </a:fillRef>
+            <a:effectRef idx="0">
+              <a:schemeClr val="accent1"/>
+            </a:effectRef>
+            <a:fontRef idx="minor">
+              <a:schemeClr val="lt1"/>
+            </a:fontRef>
+          </p:style>
+          <p:txBody>
+            <a:bodyPr rtlCol="0" anchor="ctr"/>
+            <a:lstStyle/>
+            <a:p>
               <a:r>
-                <a:rPr sz="2400"/>
-                <a:t>CLOSE</a:t>
+                <a:rPr lang="en-US" altLang="ko-KR" sz="2400" dirty="0"/>
+                <a:t>Evade</a:t>
               </a:r>
+              <a:endParaRPr lang="ko-KR" altLang="en-US" sz="2400" dirty="0"/>
+            </a:p>
+          </p:txBody>
+        </p:sp>
+        <p:sp>
+          <p:nvSpPr>
+            <p:cNvPr id="17" name="직사각형 16"/>
+            <p:cNvSpPr/>
+            <p:nvPr/>
+          </p:nvSpPr>
+          <p:spPr>
+            <a:xfrm>
+              <a:off x="8380601" y="2605639"/>
+              <a:ext cx="1006680" cy="293615"/>
+            </a:xfrm>
+            <a:prstGeom prst="rect">
+              <a:avLst/>
+            </a:prstGeom>
+            <a:solidFill>
+              <a:srgbClr val="010101"/>
+            </a:solidFill>
+            <a:ln>
+              <a:noFill/>
+            </a:ln>
+          </p:spPr>
+          <p:style>
+            <a:lnRef idx="2">
+              <a:schemeClr val="accent1">
+                <a:shade val="50000"/>
+              </a:schemeClr>
+            </a:lnRef>
+            <a:fillRef idx="1">
+              <a:schemeClr val="accent1"/>
+            </a:fillRef>
+            <a:effectRef idx="0">
+              <a:schemeClr val="accent1"/>
+            </a:effectRef>
+            <a:fontRef idx="minor">
+              <a:schemeClr val="lt1"/>
+            </a:fontRef>
+          </p:style>
+          <p:txBody>
+            <a:bodyPr rtlCol="0" anchor="ctr"/>
+            <a:lstStyle/>
+            <a:p>
+              <a:r>
+                <a:rPr lang="en-US" altLang="ko-KR" sz="2400" dirty="0"/>
+                <a:t>Skill</a:t>
+              </a:r>
+              <a:endParaRPr lang="ko-KR" altLang="en-US" sz="2400" dirty="0"/>
+            </a:p>
+          </p:txBody>
+        </p:sp>
+        <p:sp>
+          <p:nvSpPr>
+            <p:cNvPr id="18" name="직사각형 17"/>
+            <p:cNvSpPr/>
+            <p:nvPr/>
+          </p:nvSpPr>
+          <p:spPr>
+            <a:xfrm>
+              <a:off x="8372212" y="2945104"/>
+              <a:ext cx="1006679" cy="293615"/>
+            </a:xfrm>
+            <a:prstGeom prst="rect">
+              <a:avLst/>
+            </a:prstGeom>
+            <a:solidFill>
+              <a:srgbClr val="010101"/>
+            </a:solidFill>
+            <a:ln>
+              <a:noFill/>
+            </a:ln>
+          </p:spPr>
+          <p:style>
+            <a:lnRef idx="2">
+              <a:schemeClr val="accent1">
+                <a:shade val="50000"/>
+              </a:schemeClr>
+            </a:lnRef>
+            <a:fillRef idx="1">
+              <a:schemeClr val="accent1"/>
+            </a:fillRef>
+            <a:effectRef idx="0">
+              <a:schemeClr val="accent1"/>
+            </a:effectRef>
+            <a:fontRef idx="minor">
+              <a:schemeClr val="lt1"/>
+            </a:fontRef>
+          </p:style>
+          <p:txBody>
+            <a:bodyPr rtlCol="0" anchor="ctr"/>
+            <a:lstStyle/>
+            <a:p>
+              <a:r>
+                <a:rPr lang="en-US" altLang="ko-KR" sz="2400" dirty="0"/>
+                <a:t>Attack</a:t>
+              </a:r>
+              <a:endParaRPr lang="ko-KR" altLang="en-US" sz="2400" dirty="0"/>
+            </a:p>
+          </p:txBody>
+        </p:sp>
+        <p:sp>
+          <p:nvSpPr>
+            <p:cNvPr id="20" name="직사각형 19"/>
+            <p:cNvSpPr/>
+            <p:nvPr/>
+          </p:nvSpPr>
+          <p:spPr>
+            <a:xfrm>
+              <a:off x="2922732" y="3613205"/>
+              <a:ext cx="1006679" cy="293615"/>
+            </a:xfrm>
+            <a:prstGeom prst="rect">
+              <a:avLst/>
+            </a:prstGeom>
+            <a:solidFill>
+              <a:srgbClr val="010101"/>
+            </a:solidFill>
+            <a:ln>
+              <a:noFill/>
+            </a:ln>
+          </p:spPr>
+          <p:style>
+            <a:lnRef idx="2">
+              <a:schemeClr val="accent1">
+                <a:shade val="50000"/>
+              </a:schemeClr>
+            </a:lnRef>
+            <a:fillRef idx="1">
+              <a:schemeClr val="accent1"/>
+            </a:fillRef>
+            <a:effectRef idx="0">
+              <a:schemeClr val="accent1"/>
+            </a:effectRef>
+            <a:fontRef idx="minor">
+              <a:schemeClr val="lt1"/>
+            </a:fontRef>
+          </p:style>
+          <p:txBody>
+            <a:bodyPr rtlCol="0" anchor="ctr"/>
+            <a:lstStyle/>
+            <a:p>
+              <a:pPr algn="r"/>
+              <a:r>
+                <a:rPr lang="en-US" altLang="ko-KR" sz="2400" dirty="0"/>
+                <a:t>Move</a:t>
+              </a:r>
+              <a:endParaRPr lang="ko-KR" altLang="en-US" sz="2400" dirty="0"/>
+            </a:p>
+          </p:txBody>
+        </p:sp>
+        <p:sp>
+          <p:nvSpPr>
+            <p:cNvPr id="21" name="직사각형 20"/>
+            <p:cNvSpPr/>
+            <p:nvPr/>
+          </p:nvSpPr>
+          <p:spPr>
+            <a:xfrm>
+              <a:off x="8388990" y="4494823"/>
+              <a:ext cx="1006679" cy="293615"/>
+            </a:xfrm>
+            <a:prstGeom prst="rect">
+              <a:avLst/>
+            </a:prstGeom>
+            <a:solidFill>
+              <a:srgbClr val="010101"/>
+            </a:solidFill>
+            <a:ln>
+              <a:noFill/>
+            </a:ln>
+          </p:spPr>
+          <p:style>
+            <a:lnRef idx="2">
+              <a:schemeClr val="accent1">
+                <a:shade val="50000"/>
+              </a:schemeClr>
+            </a:lnRef>
+            <a:fillRef idx="1">
+              <a:schemeClr val="accent1"/>
+            </a:fillRef>
+            <a:effectRef idx="0">
+              <a:schemeClr val="accent1"/>
+            </a:effectRef>
+            <a:fontRef idx="minor">
+              <a:schemeClr val="lt1"/>
+            </a:fontRef>
+          </p:style>
+          <p:txBody>
+            <a:bodyPr rtlCol="0" anchor="ctr"/>
+            <a:lstStyle/>
+            <a:p>
+              <a:r>
+                <a:rPr lang="en-US" altLang="ko-KR" sz="2400" dirty="0"/>
+                <a:t>Menu</a:t>
+              </a:r>
+              <a:endParaRPr lang="ko-KR" altLang="en-US" sz="2400" dirty="0"/>
+            </a:p>
+          </p:txBody>
+        </p:sp>
+        <p:sp>
+          <p:nvSpPr>
+            <p:cNvPr id="23" name="직사각형 22"/>
+            <p:cNvSpPr/>
+            <p:nvPr/>
+          </p:nvSpPr>
+          <p:spPr>
+            <a:xfrm>
+              <a:off x="2813676" y="1463878"/>
+              <a:ext cx="2545838" cy="620786"/>
+            </a:xfrm>
+            <a:prstGeom prst="rect">
+              <a:avLst/>
+            </a:prstGeom>
+            <a:solidFill>
+              <a:srgbClr val="010101"/>
+            </a:solidFill>
+            <a:ln>
+              <a:noFill/>
+            </a:ln>
+          </p:spPr>
+          <p:style>
+            <a:lnRef idx="2">
+              <a:schemeClr val="accent1">
+                <a:shade val="50000"/>
+              </a:schemeClr>
+            </a:lnRef>
+            <a:fillRef idx="1">
+              <a:schemeClr val="accent1"/>
+            </a:fillRef>
+            <a:effectRef idx="0">
+              <a:schemeClr val="accent1"/>
+            </a:effectRef>
+            <a:fontRef idx="minor">
+              <a:schemeClr val="lt1"/>
+            </a:fontRef>
+          </p:style>
+          <p:txBody>
+            <a:bodyPr rtlCol="0" anchor="ctr"/>
+            <a:lstStyle/>
+            <a:p>
+              <a:pPr algn="ctr"/>
+              <a:endParaRPr lang="ko-KR" altLang="en-US" sz="2400"/>
+            </a:p>
+          </p:txBody>
+        </p:sp>
+        <p:sp>
+          <p:nvSpPr>
+            <p:cNvPr id="24" name="직사각형 23"/>
+            <p:cNvSpPr/>
+            <p:nvPr/>
+          </p:nvSpPr>
+          <p:spPr>
+            <a:xfrm>
+              <a:off x="3010964" y="1774271"/>
+              <a:ext cx="2378467" cy="293615"/>
+            </a:xfrm>
+            <a:prstGeom prst="rect">
+              <a:avLst/>
+            </a:prstGeom>
+            <a:solidFill>
+              <a:srgbClr val="010101"/>
+            </a:solidFill>
+            <a:ln>
+              <a:noFill/>
+            </a:ln>
+          </p:spPr>
+          <p:style>
+            <a:lnRef idx="2">
+              <a:schemeClr val="accent1">
+                <a:shade val="50000"/>
+              </a:schemeClr>
+            </a:lnRef>
+            <a:fillRef idx="1">
+              <a:schemeClr val="accent1"/>
+            </a:fillRef>
+            <a:effectRef idx="0">
+              <a:schemeClr val="accent1"/>
+            </a:effectRef>
+            <a:fontRef idx="minor">
+              <a:schemeClr val="lt1"/>
+            </a:fontRef>
+          </p:style>
+          <p:txBody>
+            <a:bodyPr rtlCol="0" anchor="ctr"/>
+            <a:lstStyle/>
+            <a:p>
+              <a:r>
+                <a:rPr lang="en-US" altLang="ko-KR" sz="2400" dirty="0"/>
+                <a:t>Gamepad Control</a:t>
+              </a:r>
+              <a:endParaRPr lang="ko-KR" altLang="en-US" sz="2400" dirty="0"/>
             </a:p>
           </p:txBody>
         </p:sp>
       </p:grpSp>
-      <p:sp>
-        <p:nvSpPr>
-          <p:cNvPr id="4" name="직사각형 3"/>
-          <p:cNvSpPr/>
-          <p:nvPr/>
-        </p:nvSpPr>
-        <p:spPr>
-          <a:xfrm>
-            <a:off x="2380903" y="-2404861"/>
-            <a:ext cx="7508147" cy="3372375"/>
-          </a:xfrm>
-          <a:prstGeom prst="rect">
-            <a:avLst/>
-          </a:prstGeom>
-        </p:spPr>
-        <p:style>
-          <a:lnRef idx="1">
-            <a:schemeClr val="accent3"/>
-          </a:lnRef>
-          <a:fillRef idx="2">
-            <a:schemeClr val="accent3"/>
-          </a:fillRef>
-          <a:effectRef idx="1">
-            <a:schemeClr val="accent3"/>
-          </a:effectRef>
-          <a:fontRef idx="minor">
-            <a:schemeClr val="dk1"/>
-          </a:fontRef>
-        </p:style>
-        <p:txBody>
-          <a:bodyPr rtlCol="0" anchor="ctr"/>
-          <a:lstStyle/>
-          <a:p>
-            <a:pPr algn="ctr"/>
-            <a:r>
-              <a:rPr lang="ko-KR" altLang="en-US" dirty="0" err="1"/>
-              <a:t>조이패드</a:t>
-            </a:r>
-            <a:r>
-              <a:rPr lang="en-US" altLang="ko-KR" dirty="0"/>
-              <a:t>, </a:t>
-            </a:r>
-            <a:r>
-              <a:rPr lang="ko-KR" altLang="en-US" dirty="0"/>
-              <a:t>상하좌우 </a:t>
-            </a:r>
-            <a:r>
-              <a:rPr lang="en-US" altLang="ko-KR" dirty="0"/>
-              <a:t>: </a:t>
-            </a:r>
-            <a:r>
-              <a:rPr lang="ko-KR" altLang="en-US" dirty="0"/>
-              <a:t>이동</a:t>
-            </a:r>
-            <a:endParaRPr lang="en-US" altLang="ko-KR" dirty="0"/>
-          </a:p>
-          <a:p>
-            <a:pPr algn="ctr"/>
-            <a:r>
-              <a:rPr lang="ko-KR" altLang="en-US" dirty="0"/>
-              <a:t>동그라미</a:t>
-            </a:r>
-            <a:r>
-              <a:rPr lang="en-US" altLang="ko-KR" dirty="0"/>
-              <a:t>, L ctrl : </a:t>
-            </a:r>
-            <a:r>
-              <a:rPr lang="ko-KR" altLang="en-US" dirty="0"/>
-              <a:t>일반공격</a:t>
-            </a:r>
-            <a:endParaRPr lang="en-US" altLang="ko-KR" dirty="0"/>
-          </a:p>
-          <a:p>
-            <a:pPr algn="ctr"/>
-            <a:r>
-              <a:rPr lang="ko-KR" altLang="en-US" dirty="0"/>
-              <a:t>세모</a:t>
-            </a:r>
-            <a:r>
-              <a:rPr lang="en-US" altLang="ko-KR" dirty="0"/>
-              <a:t>, L shift : </a:t>
-            </a:r>
-            <a:r>
-              <a:rPr lang="ko-KR" altLang="en-US" dirty="0"/>
-              <a:t>충전</a:t>
-            </a:r>
-            <a:endParaRPr lang="en-US" altLang="ko-KR" dirty="0"/>
-          </a:p>
-          <a:p>
-            <a:pPr algn="ctr"/>
-            <a:r>
-              <a:rPr lang="ko-KR" altLang="en-US" dirty="0"/>
-              <a:t>엑스</a:t>
-            </a:r>
-            <a:r>
-              <a:rPr lang="en-US" altLang="ko-KR" dirty="0"/>
-              <a:t>, Z : </a:t>
-            </a:r>
-            <a:r>
-              <a:rPr lang="ko-KR" altLang="en-US" dirty="0"/>
-              <a:t>회피</a:t>
-            </a:r>
-            <a:endParaRPr lang="en-US" altLang="ko-KR" dirty="0"/>
-          </a:p>
-          <a:p>
-            <a:pPr algn="ctr"/>
-            <a:r>
-              <a:rPr lang="ko-KR" altLang="en-US" dirty="0"/>
-              <a:t>충전 중 동그라미</a:t>
-            </a:r>
-            <a:r>
-              <a:rPr lang="en-US" altLang="ko-KR" dirty="0"/>
-              <a:t>, L ctrl : </a:t>
-            </a:r>
-            <a:r>
-              <a:rPr lang="ko-KR" altLang="en-US" dirty="0"/>
-              <a:t>특수공격</a:t>
-            </a:r>
-            <a:endParaRPr lang="en-US" altLang="ko-KR" dirty="0"/>
-          </a:p>
-          <a:p>
-            <a:pPr algn="ctr"/>
-            <a:endParaRPr lang="en-US" altLang="ko-KR" dirty="0"/>
-          </a:p>
-          <a:p>
-            <a:pPr algn="ctr"/>
-            <a:r>
-              <a:rPr lang="ko-KR" altLang="en-US" dirty="0"/>
-              <a:t>스타트</a:t>
-            </a:r>
-            <a:r>
-              <a:rPr lang="en-US" altLang="ko-KR" dirty="0"/>
-              <a:t>, esc</a:t>
-            </a:r>
-            <a:r>
-              <a:rPr lang="ko-KR" altLang="en-US" dirty="0"/>
-              <a:t> </a:t>
-            </a:r>
-            <a:r>
-              <a:rPr lang="en-US" altLang="ko-KR" dirty="0"/>
-              <a:t>: </a:t>
-            </a:r>
-            <a:r>
-              <a:rPr lang="ko-KR" altLang="en-US" dirty="0"/>
-              <a:t>옵션</a:t>
-            </a:r>
-            <a:endParaRPr lang="en-US" altLang="ko-KR" dirty="0"/>
-          </a:p>
-          <a:p>
-            <a:pPr algn="ctr"/>
-            <a:endParaRPr lang="en-US" altLang="ko-KR" dirty="0"/>
-          </a:p>
-        </p:txBody>
-      </p:sp>
-      <p:pic>
-        <p:nvPicPr>
-          <p:cNvPr id="9" name="그림 8"/>
-          <p:cNvPicPr>
-            <a:picLocks noChangeAspect="1"/>
-          </p:cNvPicPr>
-          <p:nvPr/>
-        </p:nvPicPr>
-        <p:blipFill rotWithShape="1">
-          <a:blip r:embed="rId3">
-            <a:extLst>
-              <a:ext uri="{BEBA8EAE-BF5A-486C-A8C5-ECC9F3942E4B}">
-                <a14:imgProps xmlns:a14="http://schemas.microsoft.com/office/drawing/2010/main">
-                  <a14:imgLayer r:embed="rId4">
-                    <a14:imgEffect>
-                      <a14:backgroundRemoval t="11980" b="57224" l="18069" r="86369">
-                        <a14:foregroundMark x1="36141" y1="15221" x2="30435" y2="32116"/>
-                        <a14:foregroundMark x1="30435" y1="32116" x2="31793" y2="39574"/>
-                        <a14:foregroundMark x1="31793" y1="39574" x2="29891" y2="45205"/>
-                        <a14:foregroundMark x1="53261" y1="17960" x2="53261" y2="26027"/>
-                        <a14:foregroundMark x1="53261" y1="26027" x2="50000" y2="33942"/>
-                        <a14:foregroundMark x1="50000" y1="33942" x2="46060" y2="39117"/>
-                        <a14:foregroundMark x1="58967" y1="35008" x2="65353" y2="38508"/>
-                      </a14:backgroundRemoval>
-                    </a14:imgEffect>
-                  </a14:imgLayer>
-                </a14:imgProps>
-              </a:ext>
-              <a:ext uri="{28A0092B-C50C-407E-A947-70E740481C1C}">
-                <a14:useLocalDpi xmlns:a14="http://schemas.microsoft.com/office/drawing/2010/main" val="0"/>
-              </a:ext>
-            </a:extLst>
-          </a:blip>
-          <a:srcRect l="9531" t="6324" r="5093" b="37121"/>
-          <a:stretch/>
-        </p:blipFill>
-        <p:spPr>
-          <a:xfrm>
-            <a:off x="3131719" y="1982399"/>
-            <a:ext cx="6006517" cy="3551752"/>
-          </a:xfrm>
-          <a:prstGeom prst="rect">
-            <a:avLst/>
-          </a:prstGeom>
-        </p:spPr>
-      </p:pic>
-      <p:cxnSp>
-        <p:nvCxnSpPr>
-          <p:cNvPr id="10" name="직선 연결선 9"/>
-          <p:cNvCxnSpPr/>
-          <p:nvPr/>
-        </p:nvCxnSpPr>
-        <p:spPr>
-          <a:xfrm flipV="1">
-            <a:off x="7397543" y="1846897"/>
-            <a:ext cx="763398" cy="520117"/>
-          </a:xfrm>
-          <a:prstGeom prst="line">
-            <a:avLst/>
-          </a:prstGeom>
-          <a:ln w="19050">
-            <a:solidFill>
-              <a:schemeClr val="accent1">
-                <a:lumMod val="75000"/>
-              </a:schemeClr>
-            </a:solidFill>
-          </a:ln>
-        </p:spPr>
-        <p:style>
-          <a:lnRef idx="1">
-            <a:schemeClr val="accent1"/>
-          </a:lnRef>
-          <a:fillRef idx="0">
-            <a:schemeClr val="accent1"/>
-          </a:fillRef>
-          <a:effectRef idx="0">
-            <a:schemeClr val="accent1"/>
-          </a:effectRef>
-          <a:fontRef idx="minor">
-            <a:schemeClr val="tx1"/>
-          </a:fontRef>
-        </p:style>
-      </p:cxnSp>
-      <p:cxnSp>
-        <p:nvCxnSpPr>
-          <p:cNvPr id="11" name="직선 연결선 10"/>
-          <p:cNvCxnSpPr/>
-          <p:nvPr/>
-        </p:nvCxnSpPr>
-        <p:spPr>
-          <a:xfrm flipV="1">
-            <a:off x="7540135" y="2674489"/>
-            <a:ext cx="763398" cy="520117"/>
-          </a:xfrm>
-          <a:prstGeom prst="line">
-            <a:avLst/>
-          </a:prstGeom>
-          <a:ln w="19050">
-            <a:solidFill>
-              <a:schemeClr val="accent1">
-                <a:lumMod val="75000"/>
-              </a:schemeClr>
-            </a:solidFill>
-          </a:ln>
-        </p:spPr>
-        <p:style>
-          <a:lnRef idx="1">
-            <a:schemeClr val="accent1"/>
-          </a:lnRef>
-          <a:fillRef idx="0">
-            <a:schemeClr val="accent1"/>
-          </a:fillRef>
-          <a:effectRef idx="0">
-            <a:schemeClr val="accent1"/>
-          </a:effectRef>
-          <a:fontRef idx="minor">
-            <a:schemeClr val="tx1"/>
-          </a:fontRef>
-        </p:style>
-      </p:cxnSp>
-      <p:cxnSp>
-        <p:nvCxnSpPr>
-          <p:cNvPr id="12" name="직선 연결선 11"/>
-          <p:cNvCxnSpPr>
-            <a:cxnSpLocks/>
-          </p:cNvCxnSpPr>
-          <p:nvPr/>
-        </p:nvCxnSpPr>
-        <p:spPr>
-          <a:xfrm>
-            <a:off x="7271687" y="3598144"/>
-            <a:ext cx="1128829" cy="243945"/>
-          </a:xfrm>
-          <a:prstGeom prst="line">
-            <a:avLst/>
-          </a:prstGeom>
-          <a:ln w="19050">
-            <a:solidFill>
-              <a:schemeClr val="accent1">
-                <a:lumMod val="75000"/>
-              </a:schemeClr>
-            </a:solidFill>
-          </a:ln>
-        </p:spPr>
-        <p:style>
-          <a:lnRef idx="1">
-            <a:schemeClr val="accent1"/>
-          </a:lnRef>
-          <a:fillRef idx="0">
-            <a:schemeClr val="accent1"/>
-          </a:fillRef>
-          <a:effectRef idx="0">
-            <a:schemeClr val="accent1"/>
-          </a:effectRef>
-          <a:fontRef idx="minor">
-            <a:schemeClr val="tx1"/>
-          </a:fontRef>
-        </p:style>
-      </p:cxnSp>
-      <p:cxnSp>
-        <p:nvCxnSpPr>
-          <p:cNvPr id="16" name="직선 연결선 15"/>
-          <p:cNvCxnSpPr>
-            <a:cxnSpLocks/>
-          </p:cNvCxnSpPr>
-          <p:nvPr/>
-        </p:nvCxnSpPr>
-        <p:spPr>
-          <a:xfrm flipH="1" flipV="1">
-            <a:off x="4197122" y="2745437"/>
-            <a:ext cx="757106" cy="449170"/>
-          </a:xfrm>
-          <a:prstGeom prst="line">
-            <a:avLst/>
-          </a:prstGeom>
-          <a:ln w="19050">
-            <a:solidFill>
-              <a:schemeClr val="accent1">
-                <a:lumMod val="75000"/>
-              </a:schemeClr>
-            </a:solidFill>
-          </a:ln>
-        </p:spPr>
-        <p:style>
-          <a:lnRef idx="1">
-            <a:schemeClr val="accent1"/>
-          </a:lnRef>
-          <a:fillRef idx="0">
-            <a:schemeClr val="accent1"/>
-          </a:fillRef>
-          <a:effectRef idx="0">
-            <a:schemeClr val="accent1"/>
-          </a:effectRef>
-          <a:fontRef idx="minor">
-            <a:schemeClr val="tx1"/>
-          </a:fontRef>
-        </p:style>
-      </p:cxnSp>
-      <p:cxnSp>
-        <p:nvCxnSpPr>
-          <p:cNvPr id="18" name="직선 연결선 17"/>
-          <p:cNvCxnSpPr>
-            <a:cxnSpLocks/>
-          </p:cNvCxnSpPr>
-          <p:nvPr/>
-        </p:nvCxnSpPr>
-        <p:spPr>
-          <a:xfrm flipV="1">
-            <a:off x="6444774" y="2207011"/>
-            <a:ext cx="301296" cy="1047670"/>
-          </a:xfrm>
-          <a:prstGeom prst="line">
-            <a:avLst/>
-          </a:prstGeom>
-          <a:ln w="19050">
-            <a:solidFill>
-              <a:schemeClr val="accent1">
-                <a:lumMod val="75000"/>
-              </a:schemeClr>
-            </a:solidFill>
-          </a:ln>
-        </p:spPr>
-        <p:style>
-          <a:lnRef idx="1">
-            <a:schemeClr val="accent1"/>
-          </a:lnRef>
-          <a:fillRef idx="0">
-            <a:schemeClr val="accent1"/>
-          </a:fillRef>
-          <a:effectRef idx="0">
-            <a:schemeClr val="accent1"/>
-          </a:effectRef>
-          <a:fontRef idx="minor">
-            <a:schemeClr val="tx1"/>
-          </a:fontRef>
-        </p:style>
-      </p:cxnSp>
-      <p:sp>
-        <p:nvSpPr>
-          <p:cNvPr id="20" name="TextBox 19"/>
-          <p:cNvSpPr txBox="1"/>
-          <p:nvPr/>
-        </p:nvSpPr>
-        <p:spPr>
-          <a:xfrm>
-            <a:off x="8137156" y="1533003"/>
-            <a:ext cx="925190" cy="369332"/>
-          </a:xfrm>
-          <a:prstGeom prst="rect">
-            <a:avLst/>
-          </a:prstGeom>
-          <a:noFill/>
-        </p:spPr>
-        <p:txBody>
-          <a:bodyPr wrap="none" rtlCol="0">
-            <a:spAutoFit/>
-          </a:bodyPr>
-          <a:lstStyle/>
-          <a:p>
-            <a:r>
-              <a:rPr lang="en-US" altLang="ko-KR" dirty="0"/>
-              <a:t>Charge</a:t>
-            </a:r>
-            <a:endParaRPr lang="ko-KR" altLang="en-US" dirty="0"/>
-          </a:p>
-        </p:txBody>
-      </p:sp>
-      <p:sp>
-        <p:nvSpPr>
-          <p:cNvPr id="21" name="TextBox 20"/>
-          <p:cNvSpPr txBox="1"/>
-          <p:nvPr/>
-        </p:nvSpPr>
-        <p:spPr>
-          <a:xfrm>
-            <a:off x="8261404" y="2486575"/>
-            <a:ext cx="840230" cy="369332"/>
-          </a:xfrm>
-          <a:prstGeom prst="rect">
-            <a:avLst/>
-          </a:prstGeom>
-          <a:noFill/>
-        </p:spPr>
-        <p:txBody>
-          <a:bodyPr wrap="none" rtlCol="0">
-            <a:spAutoFit/>
-          </a:bodyPr>
-          <a:lstStyle/>
-          <a:p>
-            <a:r>
-              <a:rPr lang="en-US" altLang="ko-KR" dirty="0"/>
-              <a:t>Attack</a:t>
-            </a:r>
-            <a:endParaRPr lang="ko-KR" altLang="en-US" dirty="0"/>
-          </a:p>
-        </p:txBody>
-      </p:sp>
-      <p:sp>
-        <p:nvSpPr>
-          <p:cNvPr id="22" name="TextBox 21"/>
-          <p:cNvSpPr txBox="1"/>
-          <p:nvPr/>
-        </p:nvSpPr>
-        <p:spPr>
-          <a:xfrm>
-            <a:off x="8329798" y="3657423"/>
-            <a:ext cx="794128" cy="369332"/>
-          </a:xfrm>
-          <a:prstGeom prst="rect">
-            <a:avLst/>
-          </a:prstGeom>
-          <a:noFill/>
-        </p:spPr>
-        <p:txBody>
-          <a:bodyPr wrap="none" rtlCol="0">
-            <a:spAutoFit/>
-          </a:bodyPr>
-          <a:lstStyle/>
-          <a:p>
-            <a:r>
-              <a:rPr lang="en-US" altLang="ko-KR" dirty="0"/>
-              <a:t>Evade</a:t>
-            </a:r>
-            <a:endParaRPr lang="ko-KR" altLang="en-US" dirty="0"/>
-          </a:p>
-        </p:txBody>
-      </p:sp>
-      <p:sp>
-        <p:nvSpPr>
-          <p:cNvPr id="24" name="TextBox 23"/>
-          <p:cNvSpPr txBox="1"/>
-          <p:nvPr/>
-        </p:nvSpPr>
-        <p:spPr>
-          <a:xfrm>
-            <a:off x="3526964" y="2463747"/>
-            <a:ext cx="768287" cy="369332"/>
-          </a:xfrm>
-          <a:prstGeom prst="rect">
-            <a:avLst/>
-          </a:prstGeom>
-          <a:noFill/>
-        </p:spPr>
-        <p:txBody>
-          <a:bodyPr wrap="none" rtlCol="0">
-            <a:spAutoFit/>
-          </a:bodyPr>
-          <a:lstStyle/>
-          <a:p>
-            <a:r>
-              <a:rPr lang="en-US" altLang="ko-KR" dirty="0"/>
-              <a:t>Move</a:t>
-            </a:r>
-            <a:endParaRPr lang="ko-KR" altLang="en-US" dirty="0"/>
-          </a:p>
-        </p:txBody>
-      </p:sp>
-      <p:sp>
-        <p:nvSpPr>
-          <p:cNvPr id="27" name="TextBox 26"/>
-          <p:cNvSpPr txBox="1"/>
-          <p:nvPr/>
-        </p:nvSpPr>
-        <p:spPr>
-          <a:xfrm>
-            <a:off x="6280062" y="1869974"/>
-            <a:ext cx="907621" cy="369332"/>
-          </a:xfrm>
-          <a:prstGeom prst="rect">
-            <a:avLst/>
-          </a:prstGeom>
-          <a:noFill/>
-        </p:spPr>
-        <p:txBody>
-          <a:bodyPr wrap="none" rtlCol="0">
-            <a:spAutoFit/>
-          </a:bodyPr>
-          <a:lstStyle/>
-          <a:p>
-            <a:r>
-              <a:rPr lang="en-US" altLang="ko-KR" dirty="0"/>
-              <a:t>Option</a:t>
-            </a:r>
-            <a:endParaRPr lang="ko-KR" altLang="en-US" dirty="0"/>
-          </a:p>
-        </p:txBody>
-      </p:sp>
-      <p:cxnSp>
-        <p:nvCxnSpPr>
-          <p:cNvPr id="29" name="직선 연결선 28"/>
-          <p:cNvCxnSpPr/>
-          <p:nvPr/>
-        </p:nvCxnSpPr>
-        <p:spPr>
-          <a:xfrm flipV="1">
-            <a:off x="7271687" y="2459953"/>
-            <a:ext cx="763398" cy="520117"/>
-          </a:xfrm>
-          <a:prstGeom prst="line">
-            <a:avLst/>
-          </a:prstGeom>
-          <a:ln w="19050">
-            <a:solidFill>
-              <a:schemeClr val="accent1">
-                <a:lumMod val="75000"/>
-              </a:schemeClr>
-            </a:solidFill>
-          </a:ln>
-        </p:spPr>
-        <p:style>
-          <a:lnRef idx="1">
-            <a:schemeClr val="accent1"/>
-          </a:lnRef>
-          <a:fillRef idx="0">
-            <a:schemeClr val="accent1"/>
-          </a:fillRef>
-          <a:effectRef idx="0">
-            <a:schemeClr val="accent1"/>
-          </a:effectRef>
-          <a:fontRef idx="minor">
-            <a:schemeClr val="tx1"/>
-          </a:fontRef>
-        </p:style>
-      </p:cxnSp>
-      <p:sp>
-        <p:nvSpPr>
-          <p:cNvPr id="30" name="TextBox 29"/>
-          <p:cNvSpPr txBox="1"/>
-          <p:nvPr/>
-        </p:nvSpPr>
-        <p:spPr>
-          <a:xfrm>
-            <a:off x="8065672" y="2150993"/>
-            <a:ext cx="1649747" cy="369332"/>
-          </a:xfrm>
-          <a:prstGeom prst="rect">
-            <a:avLst/>
-          </a:prstGeom>
-          <a:noFill/>
-        </p:spPr>
-        <p:txBody>
-          <a:bodyPr wrap="none" rtlCol="0">
-            <a:spAutoFit/>
-          </a:bodyPr>
-          <a:lstStyle/>
-          <a:p>
-            <a:r>
-              <a:rPr lang="en-US" altLang="ko-KR" dirty="0"/>
-              <a:t>Special Attack</a:t>
-            </a:r>
-            <a:endParaRPr lang="ko-KR" altLang="en-US" dirty="0"/>
-          </a:p>
-        </p:txBody>
-      </p:sp>
     </p:spTree>
     <p:extLst>
       <p:ext uri="{BB962C8B-B14F-4D97-AF65-F5344CB8AC3E}">
-        <p14:creationId xmlns:p14="http://schemas.microsoft.com/office/powerpoint/2010/main" val="3456020405"/>
+        <p14:creationId xmlns:p14="http://schemas.microsoft.com/office/powerpoint/2010/main" val="1551007757"/>
       </p:ext>
     </p:extLst>
   </p:cSld>
@@ -4795,9 +5894,55 @@
           <a:chExt cx="0" cy="0"/>
         </a:xfrm>
       </p:grpSpPr>
+      <p:sp>
+        <p:nvSpPr>
+          <p:cNvPr id="6" name="직사각형 5"/>
+          <p:cNvSpPr/>
+          <p:nvPr/>
+        </p:nvSpPr>
+        <p:spPr>
+          <a:xfrm>
+            <a:off x="1107348" y="148576"/>
+            <a:ext cx="9018165" cy="6612951"/>
+          </a:xfrm>
+          <a:prstGeom prst="rect">
+            <a:avLst/>
+          </a:prstGeom>
+          <a:solidFill>
+            <a:srgbClr val="010101"/>
+          </a:solidFill>
+          <a:ln>
+            <a:noFill/>
+          </a:ln>
+        </p:spPr>
+        <p:style>
+          <a:lnRef idx="2">
+            <a:schemeClr val="accent1">
+              <a:shade val="50000"/>
+            </a:schemeClr>
+          </a:lnRef>
+          <a:fillRef idx="1">
+            <a:schemeClr val="accent1"/>
+          </a:fillRef>
+          <a:effectRef idx="0">
+            <a:schemeClr val="accent1"/>
+          </a:effectRef>
+          <a:fontRef idx="minor">
+            <a:schemeClr val="lt1"/>
+          </a:fontRef>
+        </p:style>
+        <p:txBody>
+          <a:bodyPr rtlCol="0" anchor="ctr"/>
+          <a:lstStyle/>
+          <a:p>
+            <a:pPr algn="ctr"/>
+            <a:endParaRPr lang="ko-KR" altLang="en-US" dirty="0"/>
+          </a:p>
+        </p:txBody>
+      </p:sp>
       <p:pic>
         <p:nvPicPr>
-          <p:cNvPr id="2" name="Picture 2" descr="관련 이미지"/>
+          <p:cNvPr id="3074" name="Picture 2" descr="keyboard button png에 대한 이미지 검색결과"/>
           <p:cNvPicPr>
             <a:picLocks noChangeAspect="1" noChangeArrowheads="1"/>
           </p:cNvPicPr>
@@ -4818,8 +5963,8 @@
         </p:blipFill>
         <p:spPr bwMode="auto">
           <a:xfrm>
-            <a:off x="2885812" y="1512466"/>
-            <a:ext cx="6913635" cy="4171355"/>
+            <a:off x="1845279" y="4049817"/>
+            <a:ext cx="782826" cy="735856"/>
           </a:xfrm>
           <a:prstGeom prst="rect">
             <a:avLst/>
@@ -4836,10 +5981,1646 @@
           </a:extLst>
         </p:spPr>
       </p:pic>
+      <p:pic>
+        <p:nvPicPr>
+          <p:cNvPr id="7" name="Picture 2" descr="keyboard button png에 대한 이미지 검색결과"/>
+          <p:cNvPicPr>
+            <a:picLocks noChangeAspect="1" noChangeArrowheads="1"/>
+          </p:cNvPicPr>
+          <p:nvPr/>
+        </p:nvPicPr>
+        <p:blipFill>
+          <a:blip r:embed="rId2">
+            <a:extLst>
+              <a:ext uri="{28A0092B-C50C-407E-A947-70E740481C1C}">
+                <a14:useLocalDpi xmlns:a14="http://schemas.microsoft.com/office/drawing/2010/main" val="0"/>
+              </a:ext>
+            </a:extLst>
+          </a:blip>
+          <a:srcRect/>
+          <a:stretch>
+            <a:fillRect/>
+          </a:stretch>
+        </p:blipFill>
+        <p:spPr bwMode="auto">
+          <a:xfrm>
+            <a:off x="1845279" y="3244460"/>
+            <a:ext cx="782826" cy="735856"/>
+          </a:xfrm>
+          <a:prstGeom prst="rect">
+            <a:avLst/>
+          </a:prstGeom>
+          <a:noFill/>
+          <a:extLst>
+            <a:ext uri="{909E8E84-426E-40DD-AFC4-6F175D3DCCD1}">
+              <a14:hiddenFill xmlns:a14="http://schemas.microsoft.com/office/drawing/2010/main">
+                <a:solidFill>
+                  <a:srgbClr val="FFFFFF"/>
+                </a:solidFill>
+              </a14:hiddenFill>
+            </a:ext>
+          </a:extLst>
+        </p:spPr>
+      </p:pic>
+      <p:pic>
+        <p:nvPicPr>
+          <p:cNvPr id="8" name="Picture 2" descr="keyboard button png에 대한 이미지 검색결과"/>
+          <p:cNvPicPr>
+            <a:picLocks noChangeAspect="1" noChangeArrowheads="1"/>
+          </p:cNvPicPr>
+          <p:nvPr/>
+        </p:nvPicPr>
+        <p:blipFill>
+          <a:blip r:embed="rId2">
+            <a:extLst>
+              <a:ext uri="{28A0092B-C50C-407E-A947-70E740481C1C}">
+                <a14:useLocalDpi xmlns:a14="http://schemas.microsoft.com/office/drawing/2010/main" val="0"/>
+              </a:ext>
+            </a:extLst>
+          </a:blip>
+          <a:srcRect/>
+          <a:stretch>
+            <a:fillRect/>
+          </a:stretch>
+        </p:blipFill>
+        <p:spPr bwMode="auto">
+          <a:xfrm>
+            <a:off x="6899932" y="3244460"/>
+            <a:ext cx="782826" cy="735856"/>
+          </a:xfrm>
+          <a:prstGeom prst="rect">
+            <a:avLst/>
+          </a:prstGeom>
+          <a:noFill/>
+          <a:extLst>
+            <a:ext uri="{909E8E84-426E-40DD-AFC4-6F175D3DCCD1}">
+              <a14:hiddenFill xmlns:a14="http://schemas.microsoft.com/office/drawing/2010/main">
+                <a:solidFill>
+                  <a:srgbClr val="FFFFFF"/>
+                </a:solidFill>
+              </a14:hiddenFill>
+            </a:ext>
+          </a:extLst>
+        </p:spPr>
+      </p:pic>
+      <p:pic>
+        <p:nvPicPr>
+          <p:cNvPr id="10" name="그림 9"/>
+          <p:cNvPicPr>
+            <a:picLocks noChangeAspect="1"/>
+          </p:cNvPicPr>
+          <p:nvPr/>
+        </p:nvPicPr>
+        <p:blipFill>
+          <a:blip r:embed="rId3">
+            <a:extLst>
+              <a:ext uri="{28A0092B-C50C-407E-A947-70E740481C1C}">
+                <a14:useLocalDpi xmlns:a14="http://schemas.microsoft.com/office/drawing/2010/main" val="0"/>
+              </a:ext>
+            </a:extLst>
+          </a:blip>
+          <a:stretch>
+            <a:fillRect/>
+          </a:stretch>
+        </p:blipFill>
+        <p:spPr>
+          <a:xfrm>
+            <a:off x="1845279" y="5662930"/>
+            <a:ext cx="1144588" cy="719183"/>
+          </a:xfrm>
+          <a:prstGeom prst="rect">
+            <a:avLst/>
+          </a:prstGeom>
+        </p:spPr>
+      </p:pic>
+      <p:pic>
+        <p:nvPicPr>
+          <p:cNvPr id="13" name="그림 12"/>
+          <p:cNvPicPr>
+            <a:picLocks noChangeAspect="1"/>
+          </p:cNvPicPr>
+          <p:nvPr/>
+        </p:nvPicPr>
+        <p:blipFill>
+          <a:blip r:embed="rId3">
+            <a:extLst>
+              <a:ext uri="{28A0092B-C50C-407E-A947-70E740481C1C}">
+                <a14:useLocalDpi xmlns:a14="http://schemas.microsoft.com/office/drawing/2010/main" val="0"/>
+              </a:ext>
+            </a:extLst>
+          </a:blip>
+          <a:stretch>
+            <a:fillRect/>
+          </a:stretch>
+        </p:blipFill>
+        <p:spPr>
+          <a:xfrm>
+            <a:off x="1853668" y="4871560"/>
+            <a:ext cx="1675158" cy="719183"/>
+          </a:xfrm>
+          <a:prstGeom prst="rect">
+            <a:avLst/>
+          </a:prstGeom>
+        </p:spPr>
+      </p:pic>
+      <p:pic>
+        <p:nvPicPr>
+          <p:cNvPr id="11" name="Picture 2" descr="keyboard button png에 대한 이미지 검색결과"/>
+          <p:cNvPicPr>
+            <a:picLocks noChangeAspect="1" noChangeArrowheads="1"/>
+          </p:cNvPicPr>
+          <p:nvPr/>
+        </p:nvPicPr>
+        <p:blipFill>
+          <a:blip r:embed="rId2">
+            <a:extLst>
+              <a:ext uri="{28A0092B-C50C-407E-A947-70E740481C1C}">
+                <a14:useLocalDpi xmlns:a14="http://schemas.microsoft.com/office/drawing/2010/main" val="0"/>
+              </a:ext>
+            </a:extLst>
+          </a:blip>
+          <a:srcRect/>
+          <a:stretch>
+            <a:fillRect/>
+          </a:stretch>
+        </p:blipFill>
+        <p:spPr bwMode="auto">
+          <a:xfrm>
+            <a:off x="1845279" y="2159873"/>
+            <a:ext cx="782826" cy="735856"/>
+          </a:xfrm>
+          <a:prstGeom prst="rect">
+            <a:avLst/>
+          </a:prstGeom>
+          <a:noFill/>
+          <a:extLst>
+            <a:ext uri="{909E8E84-426E-40DD-AFC4-6F175D3DCCD1}">
+              <a14:hiddenFill xmlns:a14="http://schemas.microsoft.com/office/drawing/2010/main">
+                <a:solidFill>
+                  <a:srgbClr val="FFFFFF"/>
+                </a:solidFill>
+              </a14:hiddenFill>
+            </a:ext>
+          </a:extLst>
+        </p:spPr>
+      </p:pic>
+      <p:pic>
+        <p:nvPicPr>
+          <p:cNvPr id="12" name="Picture 2" descr="keyboard button png에 대한 이미지 검색결과"/>
+          <p:cNvPicPr>
+            <a:picLocks noChangeAspect="1" noChangeArrowheads="1"/>
+          </p:cNvPicPr>
+          <p:nvPr/>
+        </p:nvPicPr>
+        <p:blipFill>
+          <a:blip r:embed="rId2">
+            <a:extLst>
+              <a:ext uri="{28A0092B-C50C-407E-A947-70E740481C1C}">
+                <a14:useLocalDpi xmlns:a14="http://schemas.microsoft.com/office/drawing/2010/main" val="0"/>
+              </a:ext>
+            </a:extLst>
+          </a:blip>
+          <a:srcRect/>
+          <a:stretch>
+            <a:fillRect/>
+          </a:stretch>
+        </p:blipFill>
+        <p:spPr bwMode="auto">
+          <a:xfrm>
+            <a:off x="2666095" y="2159873"/>
+            <a:ext cx="782826" cy="735856"/>
+          </a:xfrm>
+          <a:prstGeom prst="rect">
+            <a:avLst/>
+          </a:prstGeom>
+          <a:noFill/>
+          <a:extLst>
+            <a:ext uri="{909E8E84-426E-40DD-AFC4-6F175D3DCCD1}">
+              <a14:hiddenFill xmlns:a14="http://schemas.microsoft.com/office/drawing/2010/main">
+                <a:solidFill>
+                  <a:srgbClr val="FFFFFF"/>
+                </a:solidFill>
+              </a14:hiddenFill>
+            </a:ext>
+          </a:extLst>
+        </p:spPr>
+      </p:pic>
+      <p:pic>
+        <p:nvPicPr>
+          <p:cNvPr id="14" name="Picture 2" descr="keyboard button png에 대한 이미지 검색결과"/>
+          <p:cNvPicPr>
+            <a:picLocks noChangeAspect="1" noChangeArrowheads="1"/>
+          </p:cNvPicPr>
+          <p:nvPr/>
+        </p:nvPicPr>
+        <p:blipFill>
+          <a:blip r:embed="rId2">
+            <a:extLst>
+              <a:ext uri="{28A0092B-C50C-407E-A947-70E740481C1C}">
+                <a14:useLocalDpi xmlns:a14="http://schemas.microsoft.com/office/drawing/2010/main" val="0"/>
+              </a:ext>
+            </a:extLst>
+          </a:blip>
+          <a:srcRect/>
+          <a:stretch>
+            <a:fillRect/>
+          </a:stretch>
+        </p:blipFill>
+        <p:spPr bwMode="auto">
+          <a:xfrm>
+            <a:off x="2666095" y="1367406"/>
+            <a:ext cx="782826" cy="735856"/>
+          </a:xfrm>
+          <a:prstGeom prst="rect">
+            <a:avLst/>
+          </a:prstGeom>
+          <a:noFill/>
+          <a:extLst>
+            <a:ext uri="{909E8E84-426E-40DD-AFC4-6F175D3DCCD1}">
+              <a14:hiddenFill xmlns:a14="http://schemas.microsoft.com/office/drawing/2010/main">
+                <a:solidFill>
+                  <a:srgbClr val="FFFFFF"/>
+                </a:solidFill>
+              </a14:hiddenFill>
+            </a:ext>
+          </a:extLst>
+        </p:spPr>
+      </p:pic>
+      <p:pic>
+        <p:nvPicPr>
+          <p:cNvPr id="15" name="Picture 2" descr="keyboard button png에 대한 이미지 검색결과"/>
+          <p:cNvPicPr>
+            <a:picLocks noChangeAspect="1" noChangeArrowheads="1"/>
+          </p:cNvPicPr>
+          <p:nvPr/>
+        </p:nvPicPr>
+        <p:blipFill>
+          <a:blip r:embed="rId2">
+            <a:extLst>
+              <a:ext uri="{28A0092B-C50C-407E-A947-70E740481C1C}">
+                <a14:useLocalDpi xmlns:a14="http://schemas.microsoft.com/office/drawing/2010/main" val="0"/>
+              </a:ext>
+            </a:extLst>
+          </a:blip>
+          <a:srcRect/>
+          <a:stretch>
+            <a:fillRect/>
+          </a:stretch>
+        </p:blipFill>
+        <p:spPr bwMode="auto">
+          <a:xfrm>
+            <a:off x="3503350" y="2159873"/>
+            <a:ext cx="782826" cy="735856"/>
+          </a:xfrm>
+          <a:prstGeom prst="rect">
+            <a:avLst/>
+          </a:prstGeom>
+          <a:noFill/>
+          <a:extLst>
+            <a:ext uri="{909E8E84-426E-40DD-AFC4-6F175D3DCCD1}">
+              <a14:hiddenFill xmlns:a14="http://schemas.microsoft.com/office/drawing/2010/main">
+                <a:solidFill>
+                  <a:srgbClr val="FFFFFF"/>
+                </a:solidFill>
+              </a14:hiddenFill>
+            </a:ext>
+          </a:extLst>
+        </p:spPr>
+      </p:pic>
+      <p:pic>
+        <p:nvPicPr>
+          <p:cNvPr id="16" name="Picture 2" descr="keyboard button png에 대한 이미지 검색결과"/>
+          <p:cNvPicPr>
+            <a:picLocks noChangeAspect="1" noChangeArrowheads="1"/>
+          </p:cNvPicPr>
+          <p:nvPr/>
+        </p:nvPicPr>
+        <p:blipFill>
+          <a:blip r:embed="rId2">
+            <a:extLst>
+              <a:ext uri="{28A0092B-C50C-407E-A947-70E740481C1C}">
+                <a14:useLocalDpi xmlns:a14="http://schemas.microsoft.com/office/drawing/2010/main" val="0"/>
+              </a:ext>
+            </a:extLst>
+          </a:blip>
+          <a:srcRect/>
+          <a:stretch>
+            <a:fillRect/>
+          </a:stretch>
+        </p:blipFill>
+        <p:spPr bwMode="auto">
+          <a:xfrm>
+            <a:off x="6018328" y="2159873"/>
+            <a:ext cx="782826" cy="735856"/>
+          </a:xfrm>
+          <a:prstGeom prst="rect">
+            <a:avLst/>
+          </a:prstGeom>
+          <a:noFill/>
+          <a:extLst>
+            <a:ext uri="{909E8E84-426E-40DD-AFC4-6F175D3DCCD1}">
+              <a14:hiddenFill xmlns:a14="http://schemas.microsoft.com/office/drawing/2010/main">
+                <a:solidFill>
+                  <a:srgbClr val="FFFFFF"/>
+                </a:solidFill>
+              </a14:hiddenFill>
+            </a:ext>
+          </a:extLst>
+        </p:spPr>
+      </p:pic>
+      <p:pic>
+        <p:nvPicPr>
+          <p:cNvPr id="17" name="Picture 2" descr="keyboard button png에 대한 이미지 검색결과"/>
+          <p:cNvPicPr>
+            <a:picLocks noChangeAspect="1" noChangeArrowheads="1"/>
+          </p:cNvPicPr>
+          <p:nvPr/>
+        </p:nvPicPr>
+        <p:blipFill>
+          <a:blip r:embed="rId2">
+            <a:extLst>
+              <a:ext uri="{28A0092B-C50C-407E-A947-70E740481C1C}">
+                <a14:useLocalDpi xmlns:a14="http://schemas.microsoft.com/office/drawing/2010/main" val="0"/>
+              </a:ext>
+            </a:extLst>
+          </a:blip>
+          <a:srcRect/>
+          <a:stretch>
+            <a:fillRect/>
+          </a:stretch>
+        </p:blipFill>
+        <p:spPr bwMode="auto">
+          <a:xfrm>
+            <a:off x="6839144" y="2159873"/>
+            <a:ext cx="782826" cy="735856"/>
+          </a:xfrm>
+          <a:prstGeom prst="rect">
+            <a:avLst/>
+          </a:prstGeom>
+          <a:noFill/>
+          <a:extLst>
+            <a:ext uri="{909E8E84-426E-40DD-AFC4-6F175D3DCCD1}">
+              <a14:hiddenFill xmlns:a14="http://schemas.microsoft.com/office/drawing/2010/main">
+                <a:solidFill>
+                  <a:srgbClr val="FFFFFF"/>
+                </a:solidFill>
+              </a14:hiddenFill>
+            </a:ext>
+          </a:extLst>
+        </p:spPr>
+      </p:pic>
+      <p:pic>
+        <p:nvPicPr>
+          <p:cNvPr id="18" name="Picture 2" descr="keyboard button png에 대한 이미지 검색결과"/>
+          <p:cNvPicPr>
+            <a:picLocks noChangeAspect="1" noChangeArrowheads="1"/>
+          </p:cNvPicPr>
+          <p:nvPr/>
+        </p:nvPicPr>
+        <p:blipFill>
+          <a:blip r:embed="rId2">
+            <a:extLst>
+              <a:ext uri="{28A0092B-C50C-407E-A947-70E740481C1C}">
+                <a14:useLocalDpi xmlns:a14="http://schemas.microsoft.com/office/drawing/2010/main" val="0"/>
+              </a:ext>
+            </a:extLst>
+          </a:blip>
+          <a:srcRect/>
+          <a:stretch>
+            <a:fillRect/>
+          </a:stretch>
+        </p:blipFill>
+        <p:spPr bwMode="auto">
+          <a:xfrm>
+            <a:off x="6839144" y="1367406"/>
+            <a:ext cx="782826" cy="735856"/>
+          </a:xfrm>
+          <a:prstGeom prst="rect">
+            <a:avLst/>
+          </a:prstGeom>
+          <a:noFill/>
+          <a:extLst>
+            <a:ext uri="{909E8E84-426E-40DD-AFC4-6F175D3DCCD1}">
+              <a14:hiddenFill xmlns:a14="http://schemas.microsoft.com/office/drawing/2010/main">
+                <a:solidFill>
+                  <a:srgbClr val="FFFFFF"/>
+                </a:solidFill>
+              </a14:hiddenFill>
+            </a:ext>
+          </a:extLst>
+        </p:spPr>
+      </p:pic>
+      <p:pic>
+        <p:nvPicPr>
+          <p:cNvPr id="19" name="Picture 2" descr="keyboard button png에 대한 이미지 검색결과"/>
+          <p:cNvPicPr>
+            <a:picLocks noChangeAspect="1" noChangeArrowheads="1"/>
+          </p:cNvPicPr>
+          <p:nvPr/>
+        </p:nvPicPr>
+        <p:blipFill>
+          <a:blip r:embed="rId2">
+            <a:extLst>
+              <a:ext uri="{28A0092B-C50C-407E-A947-70E740481C1C}">
+                <a14:useLocalDpi xmlns:a14="http://schemas.microsoft.com/office/drawing/2010/main" val="0"/>
+              </a:ext>
+            </a:extLst>
+          </a:blip>
+          <a:srcRect/>
+          <a:stretch>
+            <a:fillRect/>
+          </a:stretch>
+        </p:blipFill>
+        <p:spPr bwMode="auto">
+          <a:xfrm>
+            <a:off x="7676399" y="2159873"/>
+            <a:ext cx="782826" cy="735856"/>
+          </a:xfrm>
+          <a:prstGeom prst="rect">
+            <a:avLst/>
+          </a:prstGeom>
+          <a:noFill/>
+          <a:extLst>
+            <a:ext uri="{909E8E84-426E-40DD-AFC4-6F175D3DCCD1}">
+              <a14:hiddenFill xmlns:a14="http://schemas.microsoft.com/office/drawing/2010/main">
+                <a:solidFill>
+                  <a:srgbClr val="FFFFFF"/>
+                </a:solidFill>
+              </a14:hiddenFill>
+            </a:ext>
+          </a:extLst>
+        </p:spPr>
+      </p:pic>
+      <p:pic>
+        <p:nvPicPr>
+          <p:cNvPr id="20" name="Picture 2" descr="keyboard button png에 대한 이미지 검색결과"/>
+          <p:cNvPicPr>
+            <a:picLocks noChangeAspect="1" noChangeArrowheads="1"/>
+          </p:cNvPicPr>
+          <p:nvPr/>
+        </p:nvPicPr>
+        <p:blipFill>
+          <a:blip r:embed="rId2">
+            <a:extLst>
+              <a:ext uri="{28A0092B-C50C-407E-A947-70E740481C1C}">
+                <a14:useLocalDpi xmlns:a14="http://schemas.microsoft.com/office/drawing/2010/main" val="0"/>
+              </a:ext>
+            </a:extLst>
+          </a:blip>
+          <a:srcRect/>
+          <a:stretch>
+            <a:fillRect/>
+          </a:stretch>
+        </p:blipFill>
+        <p:spPr bwMode="auto">
+          <a:xfrm>
+            <a:off x="6899932" y="4052518"/>
+            <a:ext cx="782826" cy="735856"/>
+          </a:xfrm>
+          <a:prstGeom prst="rect">
+            <a:avLst/>
+          </a:prstGeom>
+          <a:noFill/>
+          <a:extLst>
+            <a:ext uri="{909E8E84-426E-40DD-AFC4-6F175D3DCCD1}">
+              <a14:hiddenFill xmlns:a14="http://schemas.microsoft.com/office/drawing/2010/main">
+                <a:solidFill>
+                  <a:srgbClr val="FFFFFF"/>
+                </a:solidFill>
+              </a14:hiddenFill>
+            </a:ext>
+          </a:extLst>
+        </p:spPr>
+      </p:pic>
+      <p:pic>
+        <p:nvPicPr>
+          <p:cNvPr id="21" name="Picture 2" descr="keyboard button png에 대한 이미지 검색결과"/>
+          <p:cNvPicPr>
+            <a:picLocks noChangeAspect="1" noChangeArrowheads="1"/>
+          </p:cNvPicPr>
+          <p:nvPr/>
+        </p:nvPicPr>
+        <p:blipFill>
+          <a:blip r:embed="rId2">
+            <a:extLst>
+              <a:ext uri="{28A0092B-C50C-407E-A947-70E740481C1C}">
+                <a14:useLocalDpi xmlns:a14="http://schemas.microsoft.com/office/drawing/2010/main" val="0"/>
+              </a:ext>
+            </a:extLst>
+          </a:blip>
+          <a:srcRect/>
+          <a:stretch>
+            <a:fillRect/>
+          </a:stretch>
+        </p:blipFill>
+        <p:spPr bwMode="auto">
+          <a:xfrm>
+            <a:off x="6899932" y="4854887"/>
+            <a:ext cx="782826" cy="735856"/>
+          </a:xfrm>
+          <a:prstGeom prst="rect">
+            <a:avLst/>
+          </a:prstGeom>
+          <a:noFill/>
+          <a:extLst>
+            <a:ext uri="{909E8E84-426E-40DD-AFC4-6F175D3DCCD1}">
+              <a14:hiddenFill xmlns:a14="http://schemas.microsoft.com/office/drawing/2010/main">
+                <a:solidFill>
+                  <a:srgbClr val="FFFFFF"/>
+                </a:solidFill>
+              </a14:hiddenFill>
+            </a:ext>
+          </a:extLst>
+        </p:spPr>
+      </p:pic>
+      <p:pic>
+        <p:nvPicPr>
+          <p:cNvPr id="22" name="Picture 2" descr="keyboard button png에 대한 이미지 검색결과"/>
+          <p:cNvPicPr>
+            <a:picLocks noChangeAspect="1" noChangeArrowheads="1"/>
+          </p:cNvPicPr>
+          <p:nvPr/>
+        </p:nvPicPr>
+        <p:blipFill>
+          <a:blip r:embed="rId2">
+            <a:extLst>
+              <a:ext uri="{28A0092B-C50C-407E-A947-70E740481C1C}">
+                <a14:useLocalDpi xmlns:a14="http://schemas.microsoft.com/office/drawing/2010/main" val="0"/>
+              </a:ext>
+            </a:extLst>
+          </a:blip>
+          <a:srcRect/>
+          <a:stretch>
+            <a:fillRect/>
+          </a:stretch>
+        </p:blipFill>
+        <p:spPr bwMode="auto">
+          <a:xfrm>
+            <a:off x="6899932" y="5646257"/>
+            <a:ext cx="782826" cy="735856"/>
+          </a:xfrm>
+          <a:prstGeom prst="rect">
+            <a:avLst/>
+          </a:prstGeom>
+          <a:noFill/>
+          <a:extLst>
+            <a:ext uri="{909E8E84-426E-40DD-AFC4-6F175D3DCCD1}">
+              <a14:hiddenFill xmlns:a14="http://schemas.microsoft.com/office/drawing/2010/main">
+                <a:solidFill>
+                  <a:srgbClr val="FFFFFF"/>
+                </a:solidFill>
+              </a14:hiddenFill>
+            </a:ext>
+          </a:extLst>
+        </p:spPr>
+      </p:pic>
+      <p:sp>
+        <p:nvSpPr>
+          <p:cNvPr id="2" name="TextBox 1"/>
+          <p:cNvSpPr txBox="1"/>
+          <p:nvPr/>
+        </p:nvSpPr>
+        <p:spPr>
+          <a:xfrm>
+            <a:off x="4462943" y="2343135"/>
+            <a:ext cx="901337" cy="369332"/>
+          </a:xfrm>
+          <a:prstGeom prst="rect">
+            <a:avLst/>
+          </a:prstGeom>
+          <a:noFill/>
+        </p:spPr>
+        <p:txBody>
+          <a:bodyPr wrap="none" rtlCol="0">
+            <a:spAutoFit/>
+          </a:bodyPr>
+          <a:lstStyle/>
+          <a:p>
+            <a:r>
+              <a:rPr lang="en-US" altLang="ko-KR" dirty="0">
+                <a:solidFill>
+                  <a:schemeClr val="bg1"/>
+                </a:solidFill>
+              </a:rPr>
+              <a:t>: Move</a:t>
+            </a:r>
+            <a:endParaRPr lang="ko-KR" altLang="en-US" dirty="0">
+              <a:solidFill>
+                <a:schemeClr val="bg1"/>
+              </a:solidFill>
+            </a:endParaRPr>
+          </a:p>
+        </p:txBody>
+      </p:sp>
+      <p:sp>
+        <p:nvSpPr>
+          <p:cNvPr id="23" name="TextBox 22"/>
+          <p:cNvSpPr txBox="1"/>
+          <p:nvPr/>
+        </p:nvSpPr>
+        <p:spPr>
+          <a:xfrm>
+            <a:off x="2759978" y="3362467"/>
+            <a:ext cx="973280" cy="369332"/>
+          </a:xfrm>
+          <a:prstGeom prst="rect">
+            <a:avLst/>
+          </a:prstGeom>
+          <a:noFill/>
+        </p:spPr>
+        <p:txBody>
+          <a:bodyPr wrap="none" rtlCol="0">
+            <a:spAutoFit/>
+          </a:bodyPr>
+          <a:lstStyle/>
+          <a:p>
+            <a:r>
+              <a:rPr lang="en-US" altLang="ko-KR" dirty="0">
+                <a:solidFill>
+                  <a:schemeClr val="bg1"/>
+                </a:solidFill>
+              </a:rPr>
+              <a:t>: Attack</a:t>
+            </a:r>
+            <a:endParaRPr lang="ko-KR" altLang="en-US" dirty="0">
+              <a:solidFill>
+                <a:schemeClr val="bg1"/>
+              </a:solidFill>
+            </a:endParaRPr>
+          </a:p>
+        </p:txBody>
+      </p:sp>
+      <p:sp>
+        <p:nvSpPr>
+          <p:cNvPr id="25" name="TextBox 24"/>
+          <p:cNvSpPr txBox="1"/>
+          <p:nvPr/>
+        </p:nvSpPr>
+        <p:spPr>
+          <a:xfrm>
+            <a:off x="2759978" y="4233079"/>
+            <a:ext cx="728084" cy="369332"/>
+          </a:xfrm>
+          <a:prstGeom prst="rect">
+            <a:avLst/>
+          </a:prstGeom>
+          <a:noFill/>
+        </p:spPr>
+        <p:txBody>
+          <a:bodyPr wrap="none" rtlCol="0">
+            <a:spAutoFit/>
+          </a:bodyPr>
+          <a:lstStyle/>
+          <a:p>
+            <a:r>
+              <a:rPr lang="en-US" altLang="ko-KR" dirty="0">
+                <a:solidFill>
+                  <a:schemeClr val="bg1"/>
+                </a:solidFill>
+              </a:rPr>
+              <a:t>: Skill</a:t>
+            </a:r>
+            <a:endParaRPr lang="ko-KR" altLang="en-US" dirty="0">
+              <a:solidFill>
+                <a:schemeClr val="bg1"/>
+              </a:solidFill>
+            </a:endParaRPr>
+          </a:p>
+        </p:txBody>
+      </p:sp>
+      <p:sp>
+        <p:nvSpPr>
+          <p:cNvPr id="26" name="TextBox 25"/>
+          <p:cNvSpPr txBox="1"/>
+          <p:nvPr/>
+        </p:nvSpPr>
+        <p:spPr>
+          <a:xfrm>
+            <a:off x="3145871" y="5837855"/>
+            <a:ext cx="927177" cy="369332"/>
+          </a:xfrm>
+          <a:prstGeom prst="rect">
+            <a:avLst/>
+          </a:prstGeom>
+          <a:noFill/>
+        </p:spPr>
+        <p:txBody>
+          <a:bodyPr wrap="none" rtlCol="0">
+            <a:spAutoFit/>
+          </a:bodyPr>
+          <a:lstStyle/>
+          <a:p>
+            <a:r>
+              <a:rPr lang="en-US" altLang="ko-KR" dirty="0">
+                <a:solidFill>
+                  <a:schemeClr val="bg1"/>
+                </a:solidFill>
+              </a:rPr>
+              <a:t>: Evade</a:t>
+            </a:r>
+            <a:endParaRPr lang="ko-KR" altLang="en-US" dirty="0">
+              <a:solidFill>
+                <a:schemeClr val="bg1"/>
+              </a:solidFill>
+            </a:endParaRPr>
+          </a:p>
+        </p:txBody>
+      </p:sp>
+      <p:sp>
+        <p:nvSpPr>
+          <p:cNvPr id="27" name="TextBox 26"/>
+          <p:cNvSpPr txBox="1"/>
+          <p:nvPr/>
+        </p:nvSpPr>
+        <p:spPr>
+          <a:xfrm>
+            <a:off x="3669704" y="4968648"/>
+            <a:ext cx="1058238" cy="369332"/>
+          </a:xfrm>
+          <a:prstGeom prst="rect">
+            <a:avLst/>
+          </a:prstGeom>
+          <a:noFill/>
+        </p:spPr>
+        <p:txBody>
+          <a:bodyPr wrap="none" rtlCol="0">
+            <a:spAutoFit/>
+          </a:bodyPr>
+          <a:lstStyle/>
+          <a:p>
+            <a:r>
+              <a:rPr lang="en-US" altLang="ko-KR" dirty="0">
+                <a:solidFill>
+                  <a:schemeClr val="bg1"/>
+                </a:solidFill>
+              </a:rPr>
+              <a:t>: Charge</a:t>
+            </a:r>
+            <a:endParaRPr lang="ko-KR" altLang="en-US" dirty="0">
+              <a:solidFill>
+                <a:schemeClr val="bg1"/>
+              </a:solidFill>
+            </a:endParaRPr>
+          </a:p>
+        </p:txBody>
+      </p:sp>
+      <p:sp>
+        <p:nvSpPr>
+          <p:cNvPr id="28" name="TextBox 27"/>
+          <p:cNvSpPr txBox="1"/>
+          <p:nvPr/>
+        </p:nvSpPr>
+        <p:spPr>
+          <a:xfrm>
+            <a:off x="7820391" y="3362467"/>
+            <a:ext cx="973280" cy="369332"/>
+          </a:xfrm>
+          <a:prstGeom prst="rect">
+            <a:avLst/>
+          </a:prstGeom>
+          <a:noFill/>
+        </p:spPr>
+        <p:txBody>
+          <a:bodyPr wrap="none" rtlCol="0">
+            <a:spAutoFit/>
+          </a:bodyPr>
+          <a:lstStyle/>
+          <a:p>
+            <a:r>
+              <a:rPr lang="en-US" altLang="ko-KR" dirty="0">
+                <a:solidFill>
+                  <a:schemeClr val="bg1"/>
+                </a:solidFill>
+              </a:rPr>
+              <a:t>: Attack</a:t>
+            </a:r>
+            <a:endParaRPr lang="ko-KR" altLang="en-US" dirty="0">
+              <a:solidFill>
+                <a:schemeClr val="bg1"/>
+              </a:solidFill>
+            </a:endParaRPr>
+          </a:p>
+        </p:txBody>
+      </p:sp>
+      <p:sp>
+        <p:nvSpPr>
+          <p:cNvPr id="29" name="TextBox 28"/>
+          <p:cNvSpPr txBox="1"/>
+          <p:nvPr/>
+        </p:nvSpPr>
+        <p:spPr>
+          <a:xfrm>
+            <a:off x="7820391" y="4233079"/>
+            <a:ext cx="728084" cy="369332"/>
+          </a:xfrm>
+          <a:prstGeom prst="rect">
+            <a:avLst/>
+          </a:prstGeom>
+          <a:noFill/>
+        </p:spPr>
+        <p:txBody>
+          <a:bodyPr wrap="none" rtlCol="0">
+            <a:spAutoFit/>
+          </a:bodyPr>
+          <a:lstStyle/>
+          <a:p>
+            <a:r>
+              <a:rPr lang="en-US" altLang="ko-KR" dirty="0">
+                <a:solidFill>
+                  <a:schemeClr val="bg1"/>
+                </a:solidFill>
+              </a:rPr>
+              <a:t>: Skill</a:t>
+            </a:r>
+            <a:endParaRPr lang="ko-KR" altLang="en-US" dirty="0">
+              <a:solidFill>
+                <a:schemeClr val="bg1"/>
+              </a:solidFill>
+            </a:endParaRPr>
+          </a:p>
+        </p:txBody>
+      </p:sp>
+      <p:sp>
+        <p:nvSpPr>
+          <p:cNvPr id="30" name="TextBox 29"/>
+          <p:cNvSpPr txBox="1"/>
+          <p:nvPr/>
+        </p:nvSpPr>
+        <p:spPr>
+          <a:xfrm>
+            <a:off x="7820391" y="5837855"/>
+            <a:ext cx="927177" cy="369332"/>
+          </a:xfrm>
+          <a:prstGeom prst="rect">
+            <a:avLst/>
+          </a:prstGeom>
+          <a:noFill/>
+        </p:spPr>
+        <p:txBody>
+          <a:bodyPr wrap="none" rtlCol="0">
+            <a:spAutoFit/>
+          </a:bodyPr>
+          <a:lstStyle/>
+          <a:p>
+            <a:r>
+              <a:rPr lang="en-US" altLang="ko-KR" dirty="0">
+                <a:solidFill>
+                  <a:schemeClr val="bg1"/>
+                </a:solidFill>
+              </a:rPr>
+              <a:t>: Evade</a:t>
+            </a:r>
+            <a:endParaRPr lang="ko-KR" altLang="en-US" dirty="0">
+              <a:solidFill>
+                <a:schemeClr val="bg1"/>
+              </a:solidFill>
+            </a:endParaRPr>
+          </a:p>
+        </p:txBody>
+      </p:sp>
+      <p:sp>
+        <p:nvSpPr>
+          <p:cNvPr id="31" name="TextBox 30"/>
+          <p:cNvSpPr txBox="1"/>
+          <p:nvPr/>
+        </p:nvSpPr>
+        <p:spPr>
+          <a:xfrm>
+            <a:off x="7820391" y="4968648"/>
+            <a:ext cx="1058238" cy="369332"/>
+          </a:xfrm>
+          <a:prstGeom prst="rect">
+            <a:avLst/>
+          </a:prstGeom>
+          <a:noFill/>
+        </p:spPr>
+        <p:txBody>
+          <a:bodyPr wrap="none" rtlCol="0">
+            <a:spAutoFit/>
+          </a:bodyPr>
+          <a:lstStyle/>
+          <a:p>
+            <a:r>
+              <a:rPr lang="en-US" altLang="ko-KR" dirty="0">
+                <a:solidFill>
+                  <a:schemeClr val="bg1"/>
+                </a:solidFill>
+              </a:rPr>
+              <a:t>: Charge</a:t>
+            </a:r>
+            <a:endParaRPr lang="ko-KR" altLang="en-US" dirty="0">
+              <a:solidFill>
+                <a:schemeClr val="bg1"/>
+              </a:solidFill>
+            </a:endParaRPr>
+          </a:p>
+        </p:txBody>
+      </p:sp>
+      <p:sp>
+        <p:nvSpPr>
+          <p:cNvPr id="32" name="TextBox 31"/>
+          <p:cNvSpPr txBox="1"/>
+          <p:nvPr/>
+        </p:nvSpPr>
+        <p:spPr>
+          <a:xfrm>
+            <a:off x="8663678" y="2343135"/>
+            <a:ext cx="901337" cy="369332"/>
+          </a:xfrm>
+          <a:prstGeom prst="rect">
+            <a:avLst/>
+          </a:prstGeom>
+          <a:noFill/>
+        </p:spPr>
+        <p:txBody>
+          <a:bodyPr wrap="none" rtlCol="0">
+            <a:spAutoFit/>
+          </a:bodyPr>
+          <a:lstStyle/>
+          <a:p>
+            <a:r>
+              <a:rPr lang="en-US" altLang="ko-KR" dirty="0">
+                <a:solidFill>
+                  <a:schemeClr val="bg1"/>
+                </a:solidFill>
+              </a:rPr>
+              <a:t>: Move</a:t>
+            </a:r>
+            <a:endParaRPr lang="ko-KR" altLang="en-US" dirty="0">
+              <a:solidFill>
+                <a:schemeClr val="bg1"/>
+              </a:solidFill>
+            </a:endParaRPr>
+          </a:p>
+        </p:txBody>
+      </p:sp>
+      <p:sp>
+        <p:nvSpPr>
+          <p:cNvPr id="4" name="TextBox 3"/>
+          <p:cNvSpPr txBox="1"/>
+          <p:nvPr/>
+        </p:nvSpPr>
+        <p:spPr>
+          <a:xfrm>
+            <a:off x="2759978" y="1444298"/>
+            <a:ext cx="332142" cy="338554"/>
+          </a:xfrm>
+          <a:prstGeom prst="rect">
+            <a:avLst/>
+          </a:prstGeom>
+          <a:noFill/>
+        </p:spPr>
+        <p:txBody>
+          <a:bodyPr wrap="none" rtlCol="0">
+            <a:spAutoFit/>
+          </a:bodyPr>
+          <a:lstStyle/>
+          <a:p>
+            <a:r>
+              <a:rPr lang="en-US" altLang="ko-KR" sz="1600" dirty="0">
+                <a:latin typeface="Arial Black" panose="020B0A04020102020204" pitchFamily="34" charset="0"/>
+              </a:rPr>
+              <a:t>T</a:t>
+            </a:r>
+            <a:endParaRPr lang="ko-KR" altLang="en-US" sz="1600" dirty="0">
+              <a:latin typeface="Arial Black" panose="020B0A04020102020204" pitchFamily="34" charset="0"/>
+            </a:endParaRPr>
+          </a:p>
+        </p:txBody>
+      </p:sp>
+      <p:sp>
+        <p:nvSpPr>
+          <p:cNvPr id="34" name="TextBox 33"/>
+          <p:cNvSpPr txBox="1"/>
+          <p:nvPr/>
+        </p:nvSpPr>
+        <p:spPr>
+          <a:xfrm>
+            <a:off x="2759978" y="2255261"/>
+            <a:ext cx="356188" cy="338554"/>
+          </a:xfrm>
+          <a:prstGeom prst="rect">
+            <a:avLst/>
+          </a:prstGeom>
+          <a:noFill/>
+        </p:spPr>
+        <p:txBody>
+          <a:bodyPr wrap="none" rtlCol="0">
+            <a:spAutoFit/>
+          </a:bodyPr>
+          <a:lstStyle/>
+          <a:p>
+            <a:r>
+              <a:rPr lang="en-US" altLang="ko-KR" sz="1600" dirty="0">
+                <a:latin typeface="Arial Black" panose="020B0A04020102020204" pitchFamily="34" charset="0"/>
+              </a:rPr>
+              <a:t>G</a:t>
+            </a:r>
+            <a:endParaRPr lang="ko-KR" altLang="en-US" sz="1600" dirty="0">
+              <a:latin typeface="Arial Black" panose="020B0A04020102020204" pitchFamily="34" charset="0"/>
+            </a:endParaRPr>
+          </a:p>
+        </p:txBody>
+      </p:sp>
+      <p:sp>
+        <p:nvSpPr>
+          <p:cNvPr id="35" name="TextBox 34"/>
+          <p:cNvSpPr txBox="1"/>
+          <p:nvPr/>
+        </p:nvSpPr>
+        <p:spPr>
+          <a:xfrm>
+            <a:off x="1934741" y="4132403"/>
+            <a:ext cx="344966" cy="338554"/>
+          </a:xfrm>
+          <a:prstGeom prst="rect">
+            <a:avLst/>
+          </a:prstGeom>
+          <a:noFill/>
+        </p:spPr>
+        <p:txBody>
+          <a:bodyPr wrap="square" rtlCol="0">
+            <a:spAutoFit/>
+          </a:bodyPr>
+          <a:lstStyle/>
+          <a:p>
+            <a:r>
+              <a:rPr lang="en-US" altLang="ko-KR" sz="1600" dirty="0">
+                <a:latin typeface="Arial Black" panose="020B0A04020102020204" pitchFamily="34" charset="0"/>
+              </a:rPr>
+              <a:t>X</a:t>
+            </a:r>
+            <a:endParaRPr lang="ko-KR" altLang="en-US" sz="1600" dirty="0">
+              <a:latin typeface="Arial Black" panose="020B0A04020102020204" pitchFamily="34" charset="0"/>
+            </a:endParaRPr>
+          </a:p>
+        </p:txBody>
+      </p:sp>
+      <p:sp>
+        <p:nvSpPr>
+          <p:cNvPr id="36" name="TextBox 35"/>
+          <p:cNvSpPr txBox="1"/>
+          <p:nvPr/>
+        </p:nvSpPr>
+        <p:spPr>
+          <a:xfrm>
+            <a:off x="3609459" y="2255261"/>
+            <a:ext cx="356188" cy="338554"/>
+          </a:xfrm>
+          <a:prstGeom prst="rect">
+            <a:avLst/>
+          </a:prstGeom>
+          <a:noFill/>
+        </p:spPr>
+        <p:txBody>
+          <a:bodyPr wrap="none" rtlCol="0">
+            <a:spAutoFit/>
+          </a:bodyPr>
+          <a:lstStyle/>
+          <a:p>
+            <a:r>
+              <a:rPr lang="en-US" altLang="ko-KR" sz="1600" dirty="0">
+                <a:latin typeface="Arial Black" panose="020B0A04020102020204" pitchFamily="34" charset="0"/>
+              </a:rPr>
+              <a:t>H</a:t>
+            </a:r>
+            <a:endParaRPr lang="ko-KR" altLang="en-US" sz="1600" dirty="0">
+              <a:latin typeface="Arial Black" panose="020B0A04020102020204" pitchFamily="34" charset="0"/>
+            </a:endParaRPr>
+          </a:p>
+        </p:txBody>
+      </p:sp>
+      <p:sp>
+        <p:nvSpPr>
+          <p:cNvPr id="42" name="TextBox 41"/>
+          <p:cNvSpPr txBox="1"/>
+          <p:nvPr/>
+        </p:nvSpPr>
+        <p:spPr>
+          <a:xfrm>
+            <a:off x="6970910" y="1444298"/>
+            <a:ext cx="300082" cy="369332"/>
+          </a:xfrm>
+          <a:prstGeom prst="rect">
+            <a:avLst/>
+          </a:prstGeom>
+          <a:noFill/>
+        </p:spPr>
+        <p:txBody>
+          <a:bodyPr wrap="none" rtlCol="0">
+            <a:spAutoFit/>
+          </a:bodyPr>
+          <a:lstStyle/>
+          <a:p>
+            <a:r>
+              <a:rPr lang="ko-KR" altLang="en-US" dirty="0">
+                <a:latin typeface="Arial Black" panose="020B0A04020102020204" pitchFamily="34" charset="0"/>
+              </a:rPr>
+              <a:t>↑</a:t>
+            </a:r>
+            <a:endParaRPr lang="ko-KR" altLang="en-US" sz="1600" dirty="0">
+              <a:latin typeface="Arial Black" panose="020B0A04020102020204" pitchFamily="34" charset="0"/>
+            </a:endParaRPr>
+          </a:p>
+        </p:txBody>
+      </p:sp>
+      <p:sp>
+        <p:nvSpPr>
+          <p:cNvPr id="43" name="TextBox 42"/>
+          <p:cNvSpPr txBox="1"/>
+          <p:nvPr/>
+        </p:nvSpPr>
+        <p:spPr>
+          <a:xfrm>
+            <a:off x="6970910" y="2255261"/>
+            <a:ext cx="486030" cy="369332"/>
+          </a:xfrm>
+          <a:prstGeom prst="rect">
+            <a:avLst/>
+          </a:prstGeom>
+          <a:noFill/>
+        </p:spPr>
+        <p:txBody>
+          <a:bodyPr wrap="none" rtlCol="0">
+            <a:spAutoFit/>
+          </a:bodyPr>
+          <a:lstStyle/>
+          <a:p>
+            <a:r>
+              <a:rPr lang="ko-KR" altLang="en-US" dirty="0"/>
+              <a:t>↓ </a:t>
+            </a:r>
+            <a:endParaRPr lang="ko-KR" altLang="en-US" sz="1600" dirty="0">
+              <a:latin typeface="Arial Black" panose="020B0A04020102020204" pitchFamily="34" charset="0"/>
+            </a:endParaRPr>
+          </a:p>
+        </p:txBody>
+      </p:sp>
+      <p:sp>
+        <p:nvSpPr>
+          <p:cNvPr id="44" name="TextBox 43"/>
+          <p:cNvSpPr txBox="1"/>
+          <p:nvPr/>
+        </p:nvSpPr>
+        <p:spPr>
+          <a:xfrm>
+            <a:off x="6145673" y="2255261"/>
+            <a:ext cx="404278" cy="369332"/>
+          </a:xfrm>
+          <a:prstGeom prst="rect">
+            <a:avLst/>
+          </a:prstGeom>
+          <a:noFill/>
+        </p:spPr>
+        <p:txBody>
+          <a:bodyPr wrap="none" rtlCol="0">
+            <a:spAutoFit/>
+          </a:bodyPr>
+          <a:lstStyle/>
+          <a:p>
+            <a:r>
+              <a:rPr lang="ko-KR" altLang="en-US" dirty="0"/>
+              <a:t>←</a:t>
+            </a:r>
+            <a:endParaRPr lang="ko-KR" altLang="en-US" sz="1600" dirty="0">
+              <a:latin typeface="Arial Black" panose="020B0A04020102020204" pitchFamily="34" charset="0"/>
+            </a:endParaRPr>
+          </a:p>
+        </p:txBody>
+      </p:sp>
+      <p:sp>
+        <p:nvSpPr>
+          <p:cNvPr id="45" name="TextBox 44"/>
+          <p:cNvSpPr txBox="1"/>
+          <p:nvPr/>
+        </p:nvSpPr>
+        <p:spPr>
+          <a:xfrm>
+            <a:off x="7820391" y="2255261"/>
+            <a:ext cx="415498" cy="369332"/>
+          </a:xfrm>
+          <a:prstGeom prst="rect">
+            <a:avLst/>
+          </a:prstGeom>
+          <a:noFill/>
+        </p:spPr>
+        <p:txBody>
+          <a:bodyPr wrap="none" rtlCol="0">
+            <a:spAutoFit/>
+          </a:bodyPr>
+          <a:lstStyle/>
+          <a:p>
+            <a:r>
+              <a:rPr lang="ko-KR" altLang="en-US" dirty="0"/>
+              <a:t>→</a:t>
+            </a:r>
+            <a:endParaRPr lang="ko-KR" altLang="en-US" sz="1600" dirty="0">
+              <a:latin typeface="Arial Black" panose="020B0A04020102020204" pitchFamily="34" charset="0"/>
+            </a:endParaRPr>
+          </a:p>
+        </p:txBody>
+      </p:sp>
+      <p:sp>
+        <p:nvSpPr>
+          <p:cNvPr id="46" name="TextBox 45"/>
+          <p:cNvSpPr txBox="1"/>
+          <p:nvPr/>
+        </p:nvSpPr>
+        <p:spPr>
+          <a:xfrm>
+            <a:off x="1934741" y="3334546"/>
+            <a:ext cx="332142" cy="338554"/>
+          </a:xfrm>
+          <a:prstGeom prst="rect">
+            <a:avLst/>
+          </a:prstGeom>
+          <a:noFill/>
+        </p:spPr>
+        <p:txBody>
+          <a:bodyPr wrap="square" rtlCol="0">
+            <a:spAutoFit/>
+          </a:bodyPr>
+          <a:lstStyle/>
+          <a:p>
+            <a:r>
+              <a:rPr lang="en-US" altLang="ko-KR" sz="1600" dirty="0">
+                <a:latin typeface="Arial Black" panose="020B0A04020102020204" pitchFamily="34" charset="0"/>
+              </a:rPr>
+              <a:t>Z</a:t>
+            </a:r>
+            <a:endParaRPr lang="ko-KR" altLang="en-US" sz="1600" dirty="0">
+              <a:latin typeface="Arial Black" panose="020B0A04020102020204" pitchFamily="34" charset="0"/>
+            </a:endParaRPr>
+          </a:p>
+        </p:txBody>
+      </p:sp>
+      <p:sp>
+        <p:nvSpPr>
+          <p:cNvPr id="47" name="TextBox 46"/>
+          <p:cNvSpPr txBox="1"/>
+          <p:nvPr/>
+        </p:nvSpPr>
+        <p:spPr>
+          <a:xfrm>
+            <a:off x="1956739" y="4949655"/>
+            <a:ext cx="708848" cy="338554"/>
+          </a:xfrm>
+          <a:prstGeom prst="rect">
+            <a:avLst/>
+          </a:prstGeom>
+          <a:noFill/>
+        </p:spPr>
+        <p:txBody>
+          <a:bodyPr wrap="none" rtlCol="0">
+            <a:spAutoFit/>
+          </a:bodyPr>
+          <a:lstStyle/>
+          <a:p>
+            <a:r>
+              <a:rPr lang="en-US" altLang="ko-KR" sz="1600" dirty="0">
+                <a:latin typeface="Arial Black" panose="020B0A04020102020204" pitchFamily="34" charset="0"/>
+              </a:rPr>
+              <a:t>Shift</a:t>
+            </a:r>
+            <a:endParaRPr lang="ko-KR" altLang="en-US" sz="1600" dirty="0">
+              <a:latin typeface="Arial Black" panose="020B0A04020102020204" pitchFamily="34" charset="0"/>
+            </a:endParaRPr>
+          </a:p>
+        </p:txBody>
+      </p:sp>
+      <p:sp>
+        <p:nvSpPr>
+          <p:cNvPr id="48" name="TextBox 47"/>
+          <p:cNvSpPr txBox="1"/>
+          <p:nvPr/>
+        </p:nvSpPr>
+        <p:spPr>
+          <a:xfrm>
+            <a:off x="1956739" y="5756157"/>
+            <a:ext cx="603435" cy="338554"/>
+          </a:xfrm>
+          <a:prstGeom prst="rect">
+            <a:avLst/>
+          </a:prstGeom>
+          <a:noFill/>
+        </p:spPr>
+        <p:txBody>
+          <a:bodyPr wrap="none" rtlCol="0">
+            <a:spAutoFit/>
+          </a:bodyPr>
+          <a:lstStyle/>
+          <a:p>
+            <a:r>
+              <a:rPr lang="en-US" altLang="ko-KR" sz="1600" dirty="0">
+                <a:latin typeface="Arial Black" panose="020B0A04020102020204" pitchFamily="34" charset="0"/>
+              </a:rPr>
+              <a:t>Ctrl</a:t>
+            </a:r>
+            <a:endParaRPr lang="ko-KR" altLang="en-US" sz="1600" dirty="0">
+              <a:latin typeface="Arial Black" panose="020B0A04020102020204" pitchFamily="34" charset="0"/>
+            </a:endParaRPr>
+          </a:p>
+        </p:txBody>
+      </p:sp>
+      <p:sp>
+        <p:nvSpPr>
+          <p:cNvPr id="49" name="TextBox 48"/>
+          <p:cNvSpPr txBox="1"/>
+          <p:nvPr/>
+        </p:nvSpPr>
+        <p:spPr>
+          <a:xfrm>
+            <a:off x="1934741" y="2255261"/>
+            <a:ext cx="320922" cy="338554"/>
+          </a:xfrm>
+          <a:prstGeom prst="rect">
+            <a:avLst/>
+          </a:prstGeom>
+          <a:noFill/>
+        </p:spPr>
+        <p:txBody>
+          <a:bodyPr wrap="none" rtlCol="0">
+            <a:spAutoFit/>
+          </a:bodyPr>
+          <a:lstStyle/>
+          <a:p>
+            <a:r>
+              <a:rPr lang="en-US" altLang="ko-KR" sz="1600" dirty="0">
+                <a:latin typeface="Arial Black" panose="020B0A04020102020204" pitchFamily="34" charset="0"/>
+              </a:rPr>
+              <a:t>F</a:t>
+            </a:r>
+            <a:endParaRPr lang="ko-KR" altLang="en-US" sz="1600" dirty="0">
+              <a:latin typeface="Arial Black" panose="020B0A04020102020204" pitchFamily="34" charset="0"/>
+            </a:endParaRPr>
+          </a:p>
+        </p:txBody>
+      </p:sp>
+      <p:sp>
+        <p:nvSpPr>
+          <p:cNvPr id="50" name="TextBox 49"/>
+          <p:cNvSpPr txBox="1"/>
+          <p:nvPr/>
+        </p:nvSpPr>
+        <p:spPr>
+          <a:xfrm>
+            <a:off x="6970910" y="4132403"/>
+            <a:ext cx="344966" cy="338554"/>
+          </a:xfrm>
+          <a:prstGeom prst="rect">
+            <a:avLst/>
+          </a:prstGeom>
+          <a:noFill/>
+        </p:spPr>
+        <p:txBody>
+          <a:bodyPr wrap="square" rtlCol="0">
+            <a:spAutoFit/>
+          </a:bodyPr>
+          <a:lstStyle/>
+          <a:p>
+            <a:r>
+              <a:rPr lang="en-US" altLang="ko-KR" sz="1600" dirty="0">
+                <a:latin typeface="Arial Black" panose="020B0A04020102020204" pitchFamily="34" charset="0"/>
+              </a:rPr>
+              <a:t>/</a:t>
+            </a:r>
+            <a:endParaRPr lang="ko-KR" altLang="en-US" sz="1600" dirty="0">
+              <a:latin typeface="Arial Black" panose="020B0A04020102020204" pitchFamily="34" charset="0"/>
+            </a:endParaRPr>
+          </a:p>
+        </p:txBody>
+      </p:sp>
+      <p:sp>
+        <p:nvSpPr>
+          <p:cNvPr id="51" name="TextBox 50"/>
+          <p:cNvSpPr txBox="1"/>
+          <p:nvPr/>
+        </p:nvSpPr>
+        <p:spPr>
+          <a:xfrm>
+            <a:off x="6970910" y="3334546"/>
+            <a:ext cx="332142" cy="338554"/>
+          </a:xfrm>
+          <a:prstGeom prst="rect">
+            <a:avLst/>
+          </a:prstGeom>
+          <a:noFill/>
+        </p:spPr>
+        <p:txBody>
+          <a:bodyPr wrap="square" rtlCol="0">
+            <a:spAutoFit/>
+          </a:bodyPr>
+          <a:lstStyle/>
+          <a:p>
+            <a:r>
+              <a:rPr lang="en-US" altLang="ko-KR" sz="1600" dirty="0">
+                <a:latin typeface="Arial Black" panose="020B0A04020102020204" pitchFamily="34" charset="0"/>
+              </a:rPr>
+              <a:t>.</a:t>
+            </a:r>
+            <a:endParaRPr lang="ko-KR" altLang="en-US" sz="1600" dirty="0">
+              <a:latin typeface="Arial Black" panose="020B0A04020102020204" pitchFamily="34" charset="0"/>
+            </a:endParaRPr>
+          </a:p>
+        </p:txBody>
+      </p:sp>
+      <p:sp>
+        <p:nvSpPr>
+          <p:cNvPr id="52" name="TextBox 51"/>
+          <p:cNvSpPr txBox="1"/>
+          <p:nvPr/>
+        </p:nvSpPr>
+        <p:spPr>
+          <a:xfrm>
+            <a:off x="6970910" y="5728270"/>
+            <a:ext cx="344966" cy="338554"/>
+          </a:xfrm>
+          <a:prstGeom prst="rect">
+            <a:avLst/>
+          </a:prstGeom>
+          <a:noFill/>
+        </p:spPr>
+        <p:txBody>
+          <a:bodyPr wrap="square" rtlCol="0">
+            <a:spAutoFit/>
+          </a:bodyPr>
+          <a:lstStyle/>
+          <a:p>
+            <a:r>
+              <a:rPr lang="en-US" altLang="ko-KR" sz="1600" dirty="0">
+                <a:latin typeface="Arial Black" panose="020B0A04020102020204" pitchFamily="34" charset="0"/>
+              </a:rPr>
+              <a:t>M</a:t>
+            </a:r>
+            <a:endParaRPr lang="ko-KR" altLang="en-US" sz="1600" dirty="0">
+              <a:latin typeface="Arial Black" panose="020B0A04020102020204" pitchFamily="34" charset="0"/>
+            </a:endParaRPr>
+          </a:p>
+        </p:txBody>
+      </p:sp>
+      <p:sp>
+        <p:nvSpPr>
+          <p:cNvPr id="53" name="TextBox 52"/>
+          <p:cNvSpPr txBox="1"/>
+          <p:nvPr/>
+        </p:nvSpPr>
+        <p:spPr>
+          <a:xfrm>
+            <a:off x="6970910" y="4930413"/>
+            <a:ext cx="332142" cy="338554"/>
+          </a:xfrm>
+          <a:prstGeom prst="rect">
+            <a:avLst/>
+          </a:prstGeom>
+          <a:noFill/>
+        </p:spPr>
+        <p:txBody>
+          <a:bodyPr wrap="square" rtlCol="0">
+            <a:spAutoFit/>
+          </a:bodyPr>
+          <a:lstStyle/>
+          <a:p>
+            <a:r>
+              <a:rPr lang="en-US" altLang="ko-KR" sz="1600" dirty="0">
+                <a:latin typeface="Arial Black" panose="020B0A04020102020204" pitchFamily="34" charset="0"/>
+              </a:rPr>
+              <a:t>,</a:t>
+            </a:r>
+            <a:endParaRPr lang="ko-KR" altLang="en-US" sz="1600" dirty="0">
+              <a:latin typeface="Arial Black" panose="020B0A04020102020204" pitchFamily="34" charset="0"/>
+            </a:endParaRPr>
+          </a:p>
+        </p:txBody>
+      </p:sp>
+      <p:sp>
+        <p:nvSpPr>
+          <p:cNvPr id="55" name="TextBox 54"/>
+          <p:cNvSpPr txBox="1"/>
+          <p:nvPr/>
+        </p:nvSpPr>
+        <p:spPr>
+          <a:xfrm>
+            <a:off x="1853668" y="892075"/>
+            <a:ext cx="1018612" cy="369332"/>
+          </a:xfrm>
+          <a:prstGeom prst="rect">
+            <a:avLst/>
+          </a:prstGeom>
+          <a:noFill/>
+        </p:spPr>
+        <p:txBody>
+          <a:bodyPr wrap="none" rtlCol="0">
+            <a:spAutoFit/>
+          </a:bodyPr>
+          <a:lstStyle/>
+          <a:p>
+            <a:r>
+              <a:rPr lang="en-US" altLang="ko-KR" dirty="0">
+                <a:solidFill>
+                  <a:schemeClr val="bg1"/>
+                </a:solidFill>
+              </a:rPr>
+              <a:t>Player 1</a:t>
+            </a:r>
+            <a:endParaRPr lang="ko-KR" altLang="en-US" dirty="0">
+              <a:solidFill>
+                <a:schemeClr val="bg1"/>
+              </a:solidFill>
+            </a:endParaRPr>
+          </a:p>
+        </p:txBody>
+      </p:sp>
+      <p:sp>
+        <p:nvSpPr>
+          <p:cNvPr id="56" name="TextBox 55"/>
+          <p:cNvSpPr txBox="1"/>
+          <p:nvPr/>
+        </p:nvSpPr>
+        <p:spPr>
+          <a:xfrm>
+            <a:off x="5952298" y="892075"/>
+            <a:ext cx="1018612" cy="369332"/>
+          </a:xfrm>
+          <a:prstGeom prst="rect">
+            <a:avLst/>
+          </a:prstGeom>
+          <a:noFill/>
+        </p:spPr>
+        <p:txBody>
+          <a:bodyPr wrap="none" rtlCol="0">
+            <a:spAutoFit/>
+          </a:bodyPr>
+          <a:lstStyle/>
+          <a:p>
+            <a:r>
+              <a:rPr lang="en-US" altLang="ko-KR" dirty="0">
+                <a:solidFill>
+                  <a:schemeClr val="bg1"/>
+                </a:solidFill>
+              </a:rPr>
+              <a:t>Player 2</a:t>
+            </a:r>
+            <a:endParaRPr lang="ko-KR" altLang="en-US" dirty="0">
+              <a:solidFill>
+                <a:schemeClr val="bg1"/>
+              </a:solidFill>
+            </a:endParaRPr>
+          </a:p>
+        </p:txBody>
+      </p:sp>
+      <p:sp>
+        <p:nvSpPr>
+          <p:cNvPr id="57" name="직사각형 56"/>
+          <p:cNvSpPr/>
+          <p:nvPr/>
+        </p:nvSpPr>
+        <p:spPr>
+          <a:xfrm>
+            <a:off x="1587752" y="333617"/>
+            <a:ext cx="2939512" cy="362874"/>
+          </a:xfrm>
+          <a:prstGeom prst="rect">
+            <a:avLst/>
+          </a:prstGeom>
+          <a:solidFill>
+            <a:srgbClr val="010101"/>
+          </a:solidFill>
+          <a:ln>
+            <a:noFill/>
+          </a:ln>
+        </p:spPr>
+        <p:style>
+          <a:lnRef idx="2">
+            <a:schemeClr val="accent1">
+              <a:shade val="50000"/>
+            </a:schemeClr>
+          </a:lnRef>
+          <a:fillRef idx="1">
+            <a:schemeClr val="accent1"/>
+          </a:fillRef>
+          <a:effectRef idx="0">
+            <a:schemeClr val="accent1"/>
+          </a:effectRef>
+          <a:fontRef idx="minor">
+            <a:schemeClr val="lt1"/>
+          </a:fontRef>
+        </p:style>
+        <p:txBody>
+          <a:bodyPr rtlCol="0" anchor="ctr"/>
+          <a:lstStyle/>
+          <a:p>
+            <a:r>
+              <a:rPr lang="en-US" altLang="ko-KR" sz="2400" dirty="0"/>
+              <a:t>Keyboard Control</a:t>
+            </a:r>
+            <a:endParaRPr lang="ko-KR" altLang="en-US" sz="2400" dirty="0"/>
+          </a:p>
+        </p:txBody>
+      </p:sp>
     </p:spTree>
     <p:extLst>
       <p:ext uri="{BB962C8B-B14F-4D97-AF65-F5344CB8AC3E}">
-        <p14:creationId xmlns:p14="http://schemas.microsoft.com/office/powerpoint/2010/main" val="1639909219"/>
+        <p14:creationId xmlns:p14="http://schemas.microsoft.com/office/powerpoint/2010/main" val="2316270566"/>
       </p:ext>
     </p:extLst>
   </p:cSld>
@@ -4866,349 +7647,6 @@
           <a:chExt cx="0" cy="0"/>
         </a:xfrm>
       </p:grpSpPr>
-      <p:pic>
-        <p:nvPicPr>
-          <p:cNvPr id="3" name="그림 2"/>
-          <p:cNvPicPr>
-            <a:picLocks noChangeAspect="1"/>
-          </p:cNvPicPr>
-          <p:nvPr/>
-        </p:nvPicPr>
-        <p:blipFill>
-          <a:blip r:embed="rId2">
-            <a:extLst>
-              <a:ext uri="{28A0092B-C50C-407E-A947-70E740481C1C}">
-                <a14:useLocalDpi xmlns:a14="http://schemas.microsoft.com/office/drawing/2010/main" val="0"/>
-              </a:ext>
-            </a:extLst>
-          </a:blip>
-          <a:stretch>
-            <a:fillRect/>
-          </a:stretch>
-        </p:blipFill>
-        <p:spPr>
-          <a:xfrm>
-            <a:off x="1494987" y="1169176"/>
-            <a:ext cx="1952161" cy="1272020"/>
-          </a:xfrm>
-          <a:prstGeom prst="rect">
-            <a:avLst/>
-          </a:prstGeom>
-        </p:spPr>
-      </p:pic>
-      <p:pic>
-        <p:nvPicPr>
-          <p:cNvPr id="5" name="그림 4"/>
-          <p:cNvPicPr>
-            <a:picLocks noChangeAspect="1"/>
-          </p:cNvPicPr>
-          <p:nvPr/>
-        </p:nvPicPr>
-        <p:blipFill>
-          <a:blip r:embed="rId3">
-            <a:extLst>
-              <a:ext uri="{28A0092B-C50C-407E-A947-70E740481C1C}">
-                <a14:useLocalDpi xmlns:a14="http://schemas.microsoft.com/office/drawing/2010/main" val="0"/>
-              </a:ext>
-            </a:extLst>
-          </a:blip>
-          <a:stretch>
-            <a:fillRect/>
-          </a:stretch>
-        </p:blipFill>
-        <p:spPr>
-          <a:xfrm>
-            <a:off x="8089890" y="2835480"/>
-            <a:ext cx="1850486" cy="1894998"/>
-          </a:xfrm>
-          <a:prstGeom prst="rect">
-            <a:avLst/>
-          </a:prstGeom>
-        </p:spPr>
-      </p:pic>
-      <p:pic>
-        <p:nvPicPr>
-          <p:cNvPr id="3074" name="Picture 2" descr="keyboard button png에 대한 이미지 검색결과"/>
-          <p:cNvPicPr>
-            <a:picLocks noChangeAspect="1" noChangeArrowheads="1"/>
-          </p:cNvPicPr>
-          <p:nvPr/>
-        </p:nvPicPr>
-        <p:blipFill>
-          <a:blip r:embed="rId4">
-            <a:extLst>
-              <a:ext uri="{28A0092B-C50C-407E-A947-70E740481C1C}">
-                <a14:useLocalDpi xmlns:a14="http://schemas.microsoft.com/office/drawing/2010/main" val="0"/>
-              </a:ext>
-            </a:extLst>
-          </a:blip>
-          <a:srcRect/>
-          <a:stretch>
-            <a:fillRect/>
-          </a:stretch>
-        </p:blipFill>
-        <p:spPr bwMode="auto">
-          <a:xfrm>
-            <a:off x="1571714" y="2835480"/>
-            <a:ext cx="782826" cy="735856"/>
-          </a:xfrm>
-          <a:prstGeom prst="rect">
-            <a:avLst/>
-          </a:prstGeom>
-          <a:noFill/>
-          <a:extLst>
-            <a:ext uri="{909E8E84-426E-40DD-AFC4-6F175D3DCCD1}">
-              <a14:hiddenFill xmlns:a14="http://schemas.microsoft.com/office/drawing/2010/main">
-                <a:solidFill>
-                  <a:srgbClr val="FFFFFF"/>
-                </a:solidFill>
-              </a14:hiddenFill>
-            </a:ext>
-          </a:extLst>
-        </p:spPr>
-      </p:pic>
-      <p:pic>
-        <p:nvPicPr>
-          <p:cNvPr id="7" name="Picture 2" descr="keyboard button png에 대한 이미지 검색결과"/>
-          <p:cNvPicPr>
-            <a:picLocks noChangeAspect="1" noChangeArrowheads="1"/>
-          </p:cNvPicPr>
-          <p:nvPr/>
-        </p:nvPicPr>
-        <p:blipFill>
-          <a:blip r:embed="rId4">
-            <a:extLst>
-              <a:ext uri="{28A0092B-C50C-407E-A947-70E740481C1C}">
-                <a14:useLocalDpi xmlns:a14="http://schemas.microsoft.com/office/drawing/2010/main" val="0"/>
-              </a:ext>
-            </a:extLst>
-          </a:blip>
-          <a:srcRect/>
-          <a:stretch>
-            <a:fillRect/>
-          </a:stretch>
-        </p:blipFill>
-        <p:spPr bwMode="auto">
-          <a:xfrm>
-            <a:off x="1571714" y="3868513"/>
-            <a:ext cx="782826" cy="735856"/>
-          </a:xfrm>
-          <a:prstGeom prst="rect">
-            <a:avLst/>
-          </a:prstGeom>
-          <a:noFill/>
-          <a:extLst>
-            <a:ext uri="{909E8E84-426E-40DD-AFC4-6F175D3DCCD1}">
-              <a14:hiddenFill xmlns:a14="http://schemas.microsoft.com/office/drawing/2010/main">
-                <a:solidFill>
-                  <a:srgbClr val="FFFFFF"/>
-                </a:solidFill>
-              </a14:hiddenFill>
-            </a:ext>
-          </a:extLst>
-        </p:spPr>
-      </p:pic>
-      <p:pic>
-        <p:nvPicPr>
-          <p:cNvPr id="8" name="Picture 2" descr="keyboard button png에 대한 이미지 검색결과"/>
-          <p:cNvPicPr>
-            <a:picLocks noChangeAspect="1" noChangeArrowheads="1"/>
-          </p:cNvPicPr>
-          <p:nvPr/>
-        </p:nvPicPr>
-        <p:blipFill>
-          <a:blip r:embed="rId4">
-            <a:extLst>
-              <a:ext uri="{28A0092B-C50C-407E-A947-70E740481C1C}">
-                <a14:useLocalDpi xmlns:a14="http://schemas.microsoft.com/office/drawing/2010/main" val="0"/>
-              </a:ext>
-            </a:extLst>
-          </a:blip>
-          <a:srcRect/>
-          <a:stretch>
-            <a:fillRect/>
-          </a:stretch>
-        </p:blipFill>
-        <p:spPr bwMode="auto">
-          <a:xfrm>
-            <a:off x="5724264" y="2714735"/>
-            <a:ext cx="782826" cy="735856"/>
-          </a:xfrm>
-          <a:prstGeom prst="rect">
-            <a:avLst/>
-          </a:prstGeom>
-          <a:noFill/>
-          <a:extLst>
-            <a:ext uri="{909E8E84-426E-40DD-AFC4-6F175D3DCCD1}">
-              <a14:hiddenFill xmlns:a14="http://schemas.microsoft.com/office/drawing/2010/main">
-                <a:solidFill>
-                  <a:srgbClr val="FFFFFF"/>
-                </a:solidFill>
-              </a14:hiddenFill>
-            </a:ext>
-          </a:extLst>
-        </p:spPr>
-      </p:pic>
-      <p:pic>
-        <p:nvPicPr>
-          <p:cNvPr id="9" name="그림 8"/>
-          <p:cNvPicPr>
-            <a:picLocks noChangeAspect="1"/>
-          </p:cNvPicPr>
-          <p:nvPr/>
-        </p:nvPicPr>
-        <p:blipFill rotWithShape="1">
-          <a:blip r:embed="rId3">
-            <a:extLst>
-              <a:ext uri="{28A0092B-C50C-407E-A947-70E740481C1C}">
-                <a14:useLocalDpi xmlns:a14="http://schemas.microsoft.com/office/drawing/2010/main" val="0"/>
-              </a:ext>
-            </a:extLst>
-          </a:blip>
-          <a:srcRect t="50718"/>
-          <a:stretch/>
-        </p:blipFill>
-        <p:spPr>
-          <a:xfrm>
-            <a:off x="6222626" y="984349"/>
-            <a:ext cx="1850486" cy="933894"/>
-          </a:xfrm>
-          <a:prstGeom prst="rect">
-            <a:avLst/>
-          </a:prstGeom>
-        </p:spPr>
-      </p:pic>
-      <p:pic>
-        <p:nvPicPr>
-          <p:cNvPr id="10" name="그림 9"/>
-          <p:cNvPicPr>
-            <a:picLocks noChangeAspect="1"/>
-          </p:cNvPicPr>
-          <p:nvPr/>
-        </p:nvPicPr>
-        <p:blipFill>
-          <a:blip r:embed="rId5">
-            <a:extLst>
-              <a:ext uri="{28A0092B-C50C-407E-A947-70E740481C1C}">
-                <a14:useLocalDpi xmlns:a14="http://schemas.microsoft.com/office/drawing/2010/main" val="0"/>
-              </a:ext>
-            </a:extLst>
-          </a:blip>
-          <a:stretch>
-            <a:fillRect/>
-          </a:stretch>
-        </p:blipFill>
-        <p:spPr>
-          <a:xfrm>
-            <a:off x="1571714" y="4901546"/>
-            <a:ext cx="1144588" cy="719183"/>
-          </a:xfrm>
-          <a:prstGeom prst="rect">
-            <a:avLst/>
-          </a:prstGeom>
-        </p:spPr>
-      </p:pic>
-      <p:pic>
-        <p:nvPicPr>
-          <p:cNvPr id="3076" name="Picture 4" descr="관련 이미지"/>
-          <p:cNvPicPr>
-            <a:picLocks noChangeAspect="1" noChangeArrowheads="1"/>
-          </p:cNvPicPr>
-          <p:nvPr/>
-        </p:nvPicPr>
-        <p:blipFill>
-          <a:blip r:embed="rId6">
-            <a:extLst>
-              <a:ext uri="{28A0092B-C50C-407E-A947-70E740481C1C}">
-                <a14:useLocalDpi xmlns:a14="http://schemas.microsoft.com/office/drawing/2010/main" val="0"/>
-              </a:ext>
-            </a:extLst>
-          </a:blip>
-          <a:srcRect/>
-          <a:stretch>
-            <a:fillRect/>
-          </a:stretch>
-        </p:blipFill>
-        <p:spPr bwMode="auto">
-          <a:xfrm>
-            <a:off x="2716302" y="3063151"/>
-            <a:ext cx="2047195" cy="708255"/>
-          </a:xfrm>
-          <a:prstGeom prst="rect">
-            <a:avLst/>
-          </a:prstGeom>
-          <a:noFill/>
-          <a:extLst>
-            <a:ext uri="{909E8E84-426E-40DD-AFC4-6F175D3DCCD1}">
-              <a14:hiddenFill xmlns:a14="http://schemas.microsoft.com/office/drawing/2010/main">
-                <a:solidFill>
-                  <a:srgbClr val="FFFFFF"/>
-                </a:solidFill>
-              </a14:hiddenFill>
-            </a:ext>
-          </a:extLst>
-        </p:spPr>
-      </p:pic>
-      <p:pic>
-        <p:nvPicPr>
-          <p:cNvPr id="13" name="그림 12"/>
-          <p:cNvPicPr>
-            <a:picLocks noChangeAspect="1"/>
-          </p:cNvPicPr>
-          <p:nvPr/>
-        </p:nvPicPr>
-        <p:blipFill>
-          <a:blip r:embed="rId5">
-            <a:extLst>
-              <a:ext uri="{28A0092B-C50C-407E-A947-70E740481C1C}">
-                <a14:useLocalDpi xmlns:a14="http://schemas.microsoft.com/office/drawing/2010/main" val="0"/>
-              </a:ext>
-            </a:extLst>
-          </a:blip>
-          <a:stretch>
-            <a:fillRect/>
-          </a:stretch>
-        </p:blipFill>
-        <p:spPr>
-          <a:xfrm>
-            <a:off x="3461523" y="4604369"/>
-            <a:ext cx="1675158" cy="719183"/>
-          </a:xfrm>
-          <a:prstGeom prst="rect">
-            <a:avLst/>
-          </a:prstGeom>
-        </p:spPr>
-      </p:pic>
-    </p:spTree>
-    <p:extLst>
-      <p:ext uri="{BB962C8B-B14F-4D97-AF65-F5344CB8AC3E}">
-        <p14:creationId xmlns:p14="http://schemas.microsoft.com/office/powerpoint/2010/main" val="2316270566"/>
-      </p:ext>
-    </p:extLst>
-  </p:cSld>
-  <p:clrMapOvr>
-    <a:masterClrMapping/>
-  </p:clrMapOvr>
-</p:sld>
-</file>
-
-<file path=ppt/slides/slide14.xml><?xml version="1.0" encoding="utf-8"?>
-<p:sld xmlns:a="http://schemas.openxmlformats.org/drawingml/2006/main" xmlns:r="http://schemas.openxmlformats.org/officeDocument/2006/relationships" xmlns:p="http://schemas.openxmlformats.org/presentationml/2006/main">
-  <p:cSld>
-    <p:spTree>
-      <p:nvGrpSpPr>
-        <p:cNvPr id="1" name=""/>
-        <p:cNvGrpSpPr/>
-        <p:nvPr/>
-      </p:nvGrpSpPr>
-      <p:grpSpPr>
-        <a:xfrm>
-          <a:off x="0" y="0"/>
-          <a:ext cx="0" cy="0"/>
-          <a:chOff x="0" y="0"/>
-          <a:chExt cx="0" cy="0"/>
-        </a:xfrm>
-      </p:grpSpPr>
       <p:sp>
         <p:nvSpPr>
           <p:cNvPr id="213" name="NAME LIST"/>
@@ -5246,7 +7684,7 @@
           </a:effectLst>
           <a:extLst>
             <a:ext uri="{C572A759-6A51-4108-AA02-DFA0A04FC94B}">
-              <ma14:wrappingTextBoxFlag xmlns="" xmlns:ma14="http://schemas.microsoft.com/office/mac/drawingml/2011/main" val="1"/>
+              <ma14:wrappingTextBoxFlag xmlns:ma14="http://schemas.microsoft.com/office/mac/drawingml/2011/main" xmlns="" val="1"/>
             </a:ext>
           </a:extLst>
         </p:spPr>
@@ -5345,7 +7783,7 @@
           </a:ln>
           <a:extLst>
             <a:ext uri="{C572A759-6A51-4108-AA02-DFA0A04FC94B}">
-              <ma14:wrappingTextBoxFlag xmlns="" xmlns:ma14="http://schemas.microsoft.com/office/mac/drawingml/2011/main" val="1"/>
+              <ma14:wrappingTextBoxFlag xmlns:ma14="http://schemas.microsoft.com/office/mac/drawingml/2011/main" xmlns="" val="1"/>
             </a:ext>
           </a:extLst>
         </p:spPr>
@@ -5381,7 +7819,7 @@
           </a:ln>
           <a:extLst>
             <a:ext uri="{C572A759-6A51-4108-AA02-DFA0A04FC94B}">
-              <ma14:wrappingTextBoxFlag xmlns="" xmlns:ma14="http://schemas.microsoft.com/office/mac/drawingml/2011/main" val="1"/>
+              <ma14:wrappingTextBoxFlag xmlns:ma14="http://schemas.microsoft.com/office/mac/drawingml/2011/main" xmlns="" val="1"/>
             </a:ext>
           </a:extLst>
         </p:spPr>
@@ -5426,7 +7864,7 @@
           </a:ln>
           <a:extLst>
             <a:ext uri="{C572A759-6A51-4108-AA02-DFA0A04FC94B}">
-              <ma14:wrappingTextBoxFlag xmlns="" xmlns:ma14="http://schemas.microsoft.com/office/mac/drawingml/2011/main" val="1"/>
+              <ma14:wrappingTextBoxFlag xmlns:ma14="http://schemas.microsoft.com/office/mac/drawingml/2011/main" xmlns="" val="1"/>
             </a:ext>
           </a:extLst>
         </p:spPr>
@@ -5489,7 +7927,7 @@
           </a:ln>
           <a:extLst>
             <a:ext uri="{C572A759-6A51-4108-AA02-DFA0A04FC94B}">
-              <ma14:wrappingTextBoxFlag xmlns="" xmlns:ma14="http://schemas.microsoft.com/office/mac/drawingml/2011/main" val="1"/>
+              <ma14:wrappingTextBoxFlag xmlns:ma14="http://schemas.microsoft.com/office/mac/drawingml/2011/main" xmlns="" val="1"/>
             </a:ext>
           </a:extLst>
         </p:spPr>
@@ -5546,7 +7984,7 @@
           </a:ln>
           <a:extLst>
             <a:ext uri="{C572A759-6A51-4108-AA02-DFA0A04FC94B}">
-              <ma14:wrappingTextBoxFlag xmlns="" xmlns:ma14="http://schemas.microsoft.com/office/mac/drawingml/2011/main" val="1"/>
+              <ma14:wrappingTextBoxFlag xmlns:ma14="http://schemas.microsoft.com/office/mac/drawingml/2011/main" xmlns="" val="1"/>
             </a:ext>
           </a:extLst>
         </p:spPr>
@@ -5597,7 +8035,7 @@
           </a:ln>
           <a:extLst>
             <a:ext uri="{C572A759-6A51-4108-AA02-DFA0A04FC94B}">
-              <ma14:wrappingTextBoxFlag xmlns="" xmlns:ma14="http://schemas.microsoft.com/office/mac/drawingml/2011/main" val="1"/>
+              <ma14:wrappingTextBoxFlag xmlns:ma14="http://schemas.microsoft.com/office/mac/drawingml/2011/main" xmlns="" val="1"/>
             </a:ext>
           </a:extLst>
         </p:spPr>
@@ -5629,7 +8067,7 @@
 </p:sld>
 </file>
 
-<file path=ppt/slides/slide15.xml><?xml version="1.0" encoding="utf-8"?>
+<file path=ppt/slides/slide14.xml><?xml version="1.0" encoding="utf-8"?>
 <p:sld xmlns:a="http://schemas.openxmlformats.org/drawingml/2006/main" xmlns:r="http://schemas.openxmlformats.org/officeDocument/2006/relationships" xmlns:p="http://schemas.openxmlformats.org/presentationml/2006/main">
   <p:cSld>
     <p:spTree>
@@ -5688,7 +8126,7 @@
 </p:sld>
 </file>
 
-<file path=ppt/slides/slide16.xml><?xml version="1.0" encoding="utf-8"?>
+<file path=ppt/slides/slide15.xml><?xml version="1.0" encoding="utf-8"?>
 <p:sld xmlns:a="http://schemas.openxmlformats.org/drawingml/2006/main" xmlns:r="http://schemas.openxmlformats.org/officeDocument/2006/relationships" xmlns:p="http://schemas.openxmlformats.org/presentationml/2006/main">
   <p:cSld>
     <p:spTree>
@@ -6082,7 +8520,7 @@
 </p:sld>
 </file>
 
-<file path=ppt/slides/slide17.xml><?xml version="1.0" encoding="utf-8"?>
+<file path=ppt/slides/slide16.xml><?xml version="1.0" encoding="utf-8"?>
 <p:sld xmlns:a="http://schemas.openxmlformats.org/drawingml/2006/main" xmlns:r="http://schemas.openxmlformats.org/officeDocument/2006/relationships" xmlns:p="http://schemas.openxmlformats.org/presentationml/2006/main">
   <p:cSld>
     <p:spTree>
@@ -6772,7 +9210,7 @@
 </p:sld>
 </file>
 
-<file path=ppt/slides/slide18.xml><?xml version="1.0" encoding="utf-8"?>
+<file path=ppt/slides/slide17.xml><?xml version="1.0" encoding="utf-8"?>
 <p:sld xmlns:a="http://schemas.openxmlformats.org/drawingml/2006/main" xmlns:r="http://schemas.openxmlformats.org/officeDocument/2006/relationships" xmlns:p="http://schemas.openxmlformats.org/presentationml/2006/main">
   <p:cSld>
     <p:spTree>
@@ -7690,7 +10128,7 @@
 </p:sld>
 </file>
 
-<file path=ppt/slides/slide19.xml><?xml version="1.0" encoding="utf-8"?>
+<file path=ppt/slides/slide18.xml><?xml version="1.0" encoding="utf-8"?>
 <p:sld xmlns:a="http://schemas.openxmlformats.org/drawingml/2006/main" xmlns:r="http://schemas.openxmlformats.org/officeDocument/2006/relationships" xmlns:p="http://schemas.openxmlformats.org/presentationml/2006/main">
   <p:cSld>
     <p:spTree>
@@ -8380,1039 +10818,7 @@
 </p:sld>
 </file>
 
-<file path=ppt/slides/slide2.xml><?xml version="1.0" encoding="utf-8"?>
-<p:sld xmlns:a="http://schemas.openxmlformats.org/drawingml/2006/main" xmlns:r="http://schemas.openxmlformats.org/officeDocument/2006/relationships" xmlns:p="http://schemas.openxmlformats.org/presentationml/2006/main">
-  <p:cSld>
-    <p:spTree>
-      <p:nvGrpSpPr>
-        <p:cNvPr id="1" name=""/>
-        <p:cNvGrpSpPr/>
-        <p:nvPr/>
-      </p:nvGrpSpPr>
-      <p:grpSpPr>
-        <a:xfrm>
-          <a:off x="0" y="0"/>
-          <a:ext cx="0" cy="0"/>
-          <a:chOff x="0" y="0"/>
-          <a:chExt cx="0" cy="0"/>
-        </a:xfrm>
-      </p:grpSpPr>
-      <p:sp>
-        <p:nvSpPr>
-          <p:cNvPr id="3" name="직사각형 2"/>
-          <p:cNvSpPr/>
-          <p:nvPr/>
-        </p:nvSpPr>
-        <p:spPr>
-          <a:xfrm>
-            <a:off x="1147959" y="2233024"/>
-            <a:ext cx="2491530" cy="1669409"/>
-          </a:xfrm>
-          <a:prstGeom prst="rect">
-            <a:avLst/>
-          </a:prstGeom>
-          <a:solidFill>
-            <a:schemeClr val="bg2">
-              <a:lumMod val="90000"/>
-            </a:schemeClr>
-          </a:solidFill>
-          <a:ln>
-            <a:solidFill>
-              <a:schemeClr val="tx1"/>
-            </a:solidFill>
-          </a:ln>
-        </p:spPr>
-        <p:style>
-          <a:lnRef idx="2">
-            <a:schemeClr val="accent1">
-              <a:shade val="50000"/>
-            </a:schemeClr>
-          </a:lnRef>
-          <a:fillRef idx="1">
-            <a:schemeClr val="accent1"/>
-          </a:fillRef>
-          <a:effectRef idx="0">
-            <a:schemeClr val="accent1"/>
-          </a:effectRef>
-          <a:fontRef idx="minor">
-            <a:schemeClr val="lt1"/>
-          </a:fontRef>
-        </p:style>
-        <p:txBody>
-          <a:bodyPr rtlCol="0" anchor="ctr"/>
-          <a:lstStyle/>
-          <a:p>
-            <a:pPr algn="ctr"/>
-            <a:r>
-              <a:rPr lang="ko-KR" altLang="en-US" dirty="0" err="1"/>
-              <a:t>메인메뉴</a:t>
-            </a:r>
-            <a:endParaRPr lang="ko-KR" altLang="en-US" dirty="0"/>
-          </a:p>
-        </p:txBody>
-      </p:sp>
-      <p:sp>
-        <p:nvSpPr>
-          <p:cNvPr id="5" name="직사각형 4"/>
-          <p:cNvSpPr/>
-          <p:nvPr/>
-        </p:nvSpPr>
-        <p:spPr>
-          <a:xfrm>
-            <a:off x="4106860" y="2233020"/>
-            <a:ext cx="2491530" cy="1669409"/>
-          </a:xfrm>
-          <a:prstGeom prst="rect">
-            <a:avLst/>
-          </a:prstGeom>
-          <a:solidFill>
-            <a:schemeClr val="bg2">
-              <a:lumMod val="90000"/>
-            </a:schemeClr>
-          </a:solidFill>
-          <a:ln>
-            <a:solidFill>
-              <a:schemeClr val="tx1"/>
-            </a:solidFill>
-          </a:ln>
-        </p:spPr>
-        <p:style>
-          <a:lnRef idx="2">
-            <a:schemeClr val="accent1">
-              <a:shade val="50000"/>
-            </a:schemeClr>
-          </a:lnRef>
-          <a:fillRef idx="1">
-            <a:schemeClr val="accent1"/>
-          </a:fillRef>
-          <a:effectRef idx="0">
-            <a:schemeClr val="accent1"/>
-          </a:effectRef>
-          <a:fontRef idx="minor">
-            <a:schemeClr val="lt1"/>
-          </a:fontRef>
-        </p:style>
-        <p:txBody>
-          <a:bodyPr rtlCol="0" anchor="ctr"/>
-          <a:lstStyle/>
-          <a:p>
-            <a:pPr algn="ctr"/>
-            <a:r>
-              <a:rPr lang="ko-KR" altLang="en-US" dirty="0"/>
-              <a:t> </a:t>
-            </a:r>
-            <a:r>
-              <a:rPr lang="ko-KR" altLang="en-US" dirty="0" err="1"/>
-              <a:t>플레이어수</a:t>
-            </a:r>
-            <a:r>
-              <a:rPr lang="en-US" altLang="ko-KR" dirty="0"/>
-              <a:t>/</a:t>
-            </a:r>
-            <a:r>
-              <a:rPr lang="ko-KR" altLang="en-US" dirty="0"/>
-              <a:t>팀 선택</a:t>
-            </a:r>
-            <a:endParaRPr lang="en-US" altLang="ko-KR" dirty="0"/>
-          </a:p>
-          <a:p>
-            <a:pPr algn="ctr"/>
-            <a:r>
-              <a:rPr lang="ko-KR" altLang="en-US" dirty="0"/>
-              <a:t>캐릭터 선택</a:t>
-            </a:r>
-          </a:p>
-        </p:txBody>
-      </p:sp>
-      <p:sp>
-        <p:nvSpPr>
-          <p:cNvPr id="7" name="직사각형 6"/>
-          <p:cNvSpPr/>
-          <p:nvPr/>
-        </p:nvSpPr>
-        <p:spPr>
-          <a:xfrm>
-            <a:off x="7026819" y="2233021"/>
-            <a:ext cx="2491530" cy="1669409"/>
-          </a:xfrm>
-          <a:prstGeom prst="rect">
-            <a:avLst/>
-          </a:prstGeom>
-          <a:solidFill>
-            <a:schemeClr val="bg2">
-              <a:lumMod val="90000"/>
-            </a:schemeClr>
-          </a:solidFill>
-          <a:ln>
-            <a:solidFill>
-              <a:schemeClr val="tx1"/>
-            </a:solidFill>
-          </a:ln>
-        </p:spPr>
-        <p:style>
-          <a:lnRef idx="2">
-            <a:schemeClr val="accent1">
-              <a:shade val="50000"/>
-            </a:schemeClr>
-          </a:lnRef>
-          <a:fillRef idx="1">
-            <a:schemeClr val="accent1"/>
-          </a:fillRef>
-          <a:effectRef idx="0">
-            <a:schemeClr val="accent1"/>
-          </a:effectRef>
-          <a:fontRef idx="minor">
-            <a:schemeClr val="lt1"/>
-          </a:fontRef>
-        </p:style>
-        <p:txBody>
-          <a:bodyPr rtlCol="0" anchor="ctr"/>
-          <a:lstStyle/>
-          <a:p>
-            <a:pPr algn="ctr"/>
-            <a:r>
-              <a:rPr lang="ko-KR" altLang="en-US" dirty="0" err="1"/>
-              <a:t>인게임</a:t>
-            </a:r>
-            <a:endParaRPr lang="ko-KR" altLang="en-US" dirty="0"/>
-          </a:p>
-        </p:txBody>
-      </p:sp>
-      <p:sp>
-        <p:nvSpPr>
-          <p:cNvPr id="16" name="직사각형 15"/>
-          <p:cNvSpPr/>
-          <p:nvPr/>
-        </p:nvSpPr>
-        <p:spPr>
-          <a:xfrm>
-            <a:off x="1603463" y="742602"/>
-            <a:ext cx="1591239" cy="686190"/>
-          </a:xfrm>
-          <a:prstGeom prst="rect">
-            <a:avLst/>
-          </a:prstGeom>
-          <a:ln/>
-        </p:spPr>
-        <p:style>
-          <a:lnRef idx="2">
-            <a:schemeClr val="accent5">
-              <a:shade val="50000"/>
-            </a:schemeClr>
-          </a:lnRef>
-          <a:fillRef idx="1">
-            <a:schemeClr val="accent5"/>
-          </a:fillRef>
-          <a:effectRef idx="0">
-            <a:schemeClr val="accent5"/>
-          </a:effectRef>
-          <a:fontRef idx="minor">
-            <a:schemeClr val="lt1"/>
-          </a:fontRef>
-        </p:style>
-        <p:txBody>
-          <a:bodyPr rtlCol="0" anchor="ctr"/>
-          <a:lstStyle/>
-          <a:p>
-            <a:pPr algn="ctr"/>
-            <a:r>
-              <a:rPr lang="ko-KR" altLang="en-US" dirty="0"/>
-              <a:t>메뉴 옵션</a:t>
-            </a:r>
-          </a:p>
-        </p:txBody>
-      </p:sp>
-      <p:cxnSp>
-        <p:nvCxnSpPr>
-          <p:cNvPr id="33" name="연결선: 꺾임 32"/>
-          <p:cNvCxnSpPr>
-            <a:cxnSpLocks/>
-            <a:stCxn id="3" idx="0"/>
-            <a:endCxn id="16" idx="2"/>
-          </p:cNvCxnSpPr>
-          <p:nvPr/>
-        </p:nvCxnSpPr>
-        <p:spPr>
-          <a:xfrm rot="5400000" flipH="1" flipV="1">
-            <a:off x="1994287" y="1828229"/>
-            <a:ext cx="804232" cy="5359"/>
-          </a:xfrm>
-          <a:prstGeom prst="bentConnector3">
-            <a:avLst>
-              <a:gd name="adj1" fmla="val 50000"/>
-            </a:avLst>
-          </a:prstGeom>
-          <a:ln w="28575">
-            <a:tailEnd type="triangle"/>
-          </a:ln>
-        </p:spPr>
-        <p:style>
-          <a:lnRef idx="1">
-            <a:schemeClr val="accent1"/>
-          </a:lnRef>
-          <a:fillRef idx="0">
-            <a:schemeClr val="accent1"/>
-          </a:fillRef>
-          <a:effectRef idx="0">
-            <a:schemeClr val="accent1"/>
-          </a:effectRef>
-          <a:fontRef idx="minor">
-            <a:schemeClr val="tx1"/>
-          </a:fontRef>
-        </p:style>
-      </p:cxnSp>
-      <p:cxnSp>
-        <p:nvCxnSpPr>
-          <p:cNvPr id="36" name="연결선: 꺾임 35"/>
-          <p:cNvCxnSpPr>
-            <a:cxnSpLocks/>
-            <a:stCxn id="3" idx="0"/>
-            <a:endCxn id="53" idx="2"/>
-          </p:cNvCxnSpPr>
-          <p:nvPr/>
-        </p:nvCxnSpPr>
-        <p:spPr>
-          <a:xfrm rot="5400000" flipH="1" flipV="1">
-            <a:off x="3037634" y="784882"/>
-            <a:ext cx="804232" cy="2092053"/>
-          </a:xfrm>
-          <a:prstGeom prst="bentConnector3">
-            <a:avLst>
-              <a:gd name="adj1" fmla="val 50000"/>
-            </a:avLst>
-          </a:prstGeom>
-          <a:ln w="28575">
-            <a:tailEnd type="triangle"/>
-          </a:ln>
-        </p:spPr>
-        <p:style>
-          <a:lnRef idx="1">
-            <a:schemeClr val="accent1"/>
-          </a:lnRef>
-          <a:fillRef idx="0">
-            <a:schemeClr val="accent1"/>
-          </a:fillRef>
-          <a:effectRef idx="0">
-            <a:schemeClr val="accent1"/>
-          </a:effectRef>
-          <a:fontRef idx="minor">
-            <a:schemeClr val="tx1"/>
-          </a:fontRef>
-        </p:style>
-      </p:cxnSp>
-      <p:cxnSp>
-        <p:nvCxnSpPr>
-          <p:cNvPr id="40" name="직선 화살표 연결선 39"/>
-          <p:cNvCxnSpPr>
-            <a:cxnSpLocks/>
-            <a:stCxn id="3" idx="3"/>
-            <a:endCxn id="5" idx="1"/>
-          </p:cNvCxnSpPr>
-          <p:nvPr/>
-        </p:nvCxnSpPr>
-        <p:spPr>
-          <a:xfrm flipV="1">
-            <a:off x="3639489" y="3067725"/>
-            <a:ext cx="467371" cy="4"/>
-          </a:xfrm>
-          <a:prstGeom prst="straightConnector1">
-            <a:avLst/>
-          </a:prstGeom>
-          <a:ln w="28575">
-            <a:tailEnd type="triangle"/>
-          </a:ln>
-        </p:spPr>
-        <p:style>
-          <a:lnRef idx="1">
-            <a:schemeClr val="accent1"/>
-          </a:lnRef>
-          <a:fillRef idx="0">
-            <a:schemeClr val="accent1"/>
-          </a:fillRef>
-          <a:effectRef idx="0">
-            <a:schemeClr val="accent1"/>
-          </a:effectRef>
-          <a:fontRef idx="minor">
-            <a:schemeClr val="tx1"/>
-          </a:fontRef>
-        </p:style>
-      </p:cxnSp>
-      <p:cxnSp>
-        <p:nvCxnSpPr>
-          <p:cNvPr id="41" name="직선 화살표 연결선 40"/>
-          <p:cNvCxnSpPr>
-            <a:cxnSpLocks/>
-            <a:stCxn id="5" idx="3"/>
-            <a:endCxn id="7" idx="1"/>
-          </p:cNvCxnSpPr>
-          <p:nvPr/>
-        </p:nvCxnSpPr>
-        <p:spPr>
-          <a:xfrm>
-            <a:off x="6598390" y="3067725"/>
-            <a:ext cx="428429" cy="1"/>
-          </a:xfrm>
-          <a:prstGeom prst="straightConnector1">
-            <a:avLst/>
-          </a:prstGeom>
-          <a:ln w="28575">
-            <a:tailEnd type="triangle"/>
-          </a:ln>
-        </p:spPr>
-        <p:style>
-          <a:lnRef idx="1">
-            <a:schemeClr val="accent1"/>
-          </a:lnRef>
-          <a:fillRef idx="0">
-            <a:schemeClr val="accent1"/>
-          </a:fillRef>
-          <a:effectRef idx="0">
-            <a:schemeClr val="accent1"/>
-          </a:effectRef>
-          <a:fontRef idx="minor">
-            <a:schemeClr val="tx1"/>
-          </a:fontRef>
-        </p:style>
-      </p:cxnSp>
-      <p:cxnSp>
-        <p:nvCxnSpPr>
-          <p:cNvPr id="43" name="직선 화살표 연결선 42"/>
-          <p:cNvCxnSpPr>
-            <a:cxnSpLocks/>
-            <a:stCxn id="7" idx="3"/>
-            <a:endCxn id="24" idx="1"/>
-          </p:cNvCxnSpPr>
-          <p:nvPr/>
-        </p:nvCxnSpPr>
-        <p:spPr>
-          <a:xfrm>
-            <a:off x="9518349" y="3067726"/>
-            <a:ext cx="356829" cy="2"/>
-          </a:xfrm>
-          <a:prstGeom prst="straightConnector1">
-            <a:avLst/>
-          </a:prstGeom>
-          <a:ln w="28575">
-            <a:tailEnd type="triangle"/>
-          </a:ln>
-        </p:spPr>
-        <p:style>
-          <a:lnRef idx="1">
-            <a:schemeClr val="accent1"/>
-          </a:lnRef>
-          <a:fillRef idx="0">
-            <a:schemeClr val="accent1"/>
-          </a:fillRef>
-          <a:effectRef idx="0">
-            <a:schemeClr val="accent1"/>
-          </a:effectRef>
-          <a:fontRef idx="minor">
-            <a:schemeClr val="tx1"/>
-          </a:fontRef>
-        </p:style>
-      </p:cxnSp>
-      <p:sp>
-        <p:nvSpPr>
-          <p:cNvPr id="46" name="TextBox 45"/>
-          <p:cNvSpPr txBox="1"/>
-          <p:nvPr/>
-        </p:nvSpPr>
-        <p:spPr>
-          <a:xfrm>
-            <a:off x="190743" y="182246"/>
-            <a:ext cx="1107996" cy="461665"/>
-          </a:xfrm>
-          <a:prstGeom prst="rect">
-            <a:avLst/>
-          </a:prstGeom>
-          <a:noFill/>
-        </p:spPr>
-        <p:txBody>
-          <a:bodyPr wrap="none" rtlCol="0">
-            <a:spAutoFit/>
-          </a:bodyPr>
-          <a:lstStyle/>
-          <a:p>
-            <a:r>
-              <a:rPr lang="ko-KR" altLang="en-US" sz="2400" b="1" dirty="0" err="1"/>
-              <a:t>씬구성</a:t>
-            </a:r>
-            <a:endParaRPr lang="ko-KR" altLang="en-US" sz="2400" b="1" dirty="0"/>
-          </a:p>
-        </p:txBody>
-      </p:sp>
-      <p:sp>
-        <p:nvSpPr>
-          <p:cNvPr id="50" name="직사각형 49"/>
-          <p:cNvSpPr/>
-          <p:nvPr/>
-        </p:nvSpPr>
-        <p:spPr>
-          <a:xfrm>
-            <a:off x="7455250" y="756219"/>
-            <a:ext cx="1634667" cy="693045"/>
-          </a:xfrm>
-          <a:prstGeom prst="rect">
-            <a:avLst/>
-          </a:prstGeom>
-          <a:ln/>
-        </p:spPr>
-        <p:style>
-          <a:lnRef idx="2">
-            <a:schemeClr val="accent5">
-              <a:shade val="50000"/>
-            </a:schemeClr>
-          </a:lnRef>
-          <a:fillRef idx="1">
-            <a:schemeClr val="accent5"/>
-          </a:fillRef>
-          <a:effectRef idx="0">
-            <a:schemeClr val="accent5"/>
-          </a:effectRef>
-          <a:fontRef idx="minor">
-            <a:schemeClr val="lt1"/>
-          </a:fontRef>
-        </p:style>
-        <p:txBody>
-          <a:bodyPr rtlCol="0" anchor="ctr"/>
-          <a:lstStyle/>
-          <a:p>
-            <a:pPr algn="ctr"/>
-            <a:r>
-              <a:rPr lang="ko-KR" altLang="en-US" dirty="0" err="1"/>
-              <a:t>인게임</a:t>
-            </a:r>
-            <a:r>
-              <a:rPr lang="ko-KR" altLang="en-US" dirty="0"/>
-              <a:t> 옵션</a:t>
-            </a:r>
-          </a:p>
-        </p:txBody>
-      </p:sp>
-      <p:cxnSp>
-        <p:nvCxnSpPr>
-          <p:cNvPr id="51" name="연결선: 꺾임 50"/>
-          <p:cNvCxnSpPr>
-            <a:cxnSpLocks/>
-          </p:cNvCxnSpPr>
-          <p:nvPr/>
-        </p:nvCxnSpPr>
-        <p:spPr>
-          <a:xfrm rot="16200000" flipV="1">
-            <a:off x="15543581" y="1456177"/>
-            <a:ext cx="660974" cy="1388378"/>
-          </a:xfrm>
-          <a:prstGeom prst="bentConnector2">
-            <a:avLst/>
-          </a:prstGeom>
-          <a:ln w="28575">
-            <a:tailEnd type="triangle"/>
-          </a:ln>
-        </p:spPr>
-        <p:style>
-          <a:lnRef idx="1">
-            <a:schemeClr val="accent1"/>
-          </a:lnRef>
-          <a:fillRef idx="0">
-            <a:schemeClr val="accent1"/>
-          </a:fillRef>
-          <a:effectRef idx="0">
-            <a:schemeClr val="accent1"/>
-          </a:effectRef>
-          <a:fontRef idx="minor">
-            <a:schemeClr val="tx1"/>
-          </a:fontRef>
-        </p:style>
-      </p:cxnSp>
-      <p:sp>
-        <p:nvSpPr>
-          <p:cNvPr id="56" name="직사각형 55"/>
-          <p:cNvSpPr/>
-          <p:nvPr/>
-        </p:nvSpPr>
-        <p:spPr>
-          <a:xfrm>
-            <a:off x="1147958" y="4633514"/>
-            <a:ext cx="2491530" cy="1669409"/>
-          </a:xfrm>
-          <a:prstGeom prst="rect">
-            <a:avLst/>
-          </a:prstGeom>
-          <a:solidFill>
-            <a:schemeClr val="bg2">
-              <a:lumMod val="90000"/>
-            </a:schemeClr>
-          </a:solidFill>
-          <a:ln>
-            <a:solidFill>
-              <a:schemeClr val="tx1"/>
-            </a:solidFill>
-          </a:ln>
-        </p:spPr>
-        <p:style>
-          <a:lnRef idx="2">
-            <a:schemeClr val="accent1">
-              <a:shade val="50000"/>
-            </a:schemeClr>
-          </a:lnRef>
-          <a:fillRef idx="1">
-            <a:schemeClr val="accent1"/>
-          </a:fillRef>
-          <a:effectRef idx="0">
-            <a:schemeClr val="accent1"/>
-          </a:effectRef>
-          <a:fontRef idx="minor">
-            <a:schemeClr val="lt1"/>
-          </a:fontRef>
-        </p:style>
-        <p:txBody>
-          <a:bodyPr rtlCol="0" anchor="ctr"/>
-          <a:lstStyle/>
-          <a:p>
-            <a:pPr algn="ctr"/>
-            <a:r>
-              <a:rPr lang="ko-KR" altLang="en-US" dirty="0" err="1"/>
-              <a:t>크레딧</a:t>
-            </a:r>
-            <a:endParaRPr lang="ko-KR" altLang="en-US" dirty="0"/>
-          </a:p>
-        </p:txBody>
-      </p:sp>
-      <p:cxnSp>
-        <p:nvCxnSpPr>
-          <p:cNvPr id="57" name="연결선: 꺾임 56"/>
-          <p:cNvCxnSpPr>
-            <a:cxnSpLocks/>
-            <a:stCxn id="3" idx="1"/>
-            <a:endCxn id="56" idx="1"/>
-          </p:cNvCxnSpPr>
-          <p:nvPr/>
-        </p:nvCxnSpPr>
-        <p:spPr>
-          <a:xfrm rot="10800000" flipV="1">
-            <a:off x="1147959" y="3067729"/>
-            <a:ext cx="1" cy="2400490"/>
-          </a:xfrm>
-          <a:prstGeom prst="bentConnector3">
-            <a:avLst>
-              <a:gd name="adj1" fmla="val 22860100000"/>
-            </a:avLst>
-          </a:prstGeom>
-          <a:ln w="28575">
-            <a:tailEnd type="triangle"/>
-          </a:ln>
-        </p:spPr>
-        <p:style>
-          <a:lnRef idx="1">
-            <a:schemeClr val="accent1"/>
-          </a:lnRef>
-          <a:fillRef idx="0">
-            <a:schemeClr val="accent1"/>
-          </a:fillRef>
-          <a:effectRef idx="0">
-            <a:schemeClr val="accent1"/>
-          </a:effectRef>
-          <a:fontRef idx="minor">
-            <a:schemeClr val="tx1"/>
-          </a:fontRef>
-        </p:style>
-      </p:cxnSp>
-      <p:sp>
-        <p:nvSpPr>
-          <p:cNvPr id="24" name="직사각형 23"/>
-          <p:cNvSpPr/>
-          <p:nvPr/>
-        </p:nvSpPr>
-        <p:spPr>
-          <a:xfrm>
-            <a:off x="9875178" y="2721205"/>
-            <a:ext cx="1634667" cy="693045"/>
-          </a:xfrm>
-          <a:prstGeom prst="rect">
-            <a:avLst/>
-          </a:prstGeom>
-          <a:ln/>
-        </p:spPr>
-        <p:style>
-          <a:lnRef idx="2">
-            <a:schemeClr val="accent5">
-              <a:shade val="50000"/>
-            </a:schemeClr>
-          </a:lnRef>
-          <a:fillRef idx="1">
-            <a:schemeClr val="accent5"/>
-          </a:fillRef>
-          <a:effectRef idx="0">
-            <a:schemeClr val="accent5"/>
-          </a:effectRef>
-          <a:fontRef idx="minor">
-            <a:schemeClr val="lt1"/>
-          </a:fontRef>
-        </p:style>
-        <p:txBody>
-          <a:bodyPr rtlCol="0" anchor="ctr"/>
-          <a:lstStyle/>
-          <a:p>
-            <a:pPr algn="ctr"/>
-            <a:r>
-              <a:rPr lang="ko-KR" altLang="en-US" dirty="0"/>
-              <a:t>게임결과</a:t>
-            </a:r>
-          </a:p>
-        </p:txBody>
-      </p:sp>
-      <p:sp>
-        <p:nvSpPr>
-          <p:cNvPr id="52" name="직사각형 51"/>
-          <p:cNvSpPr/>
-          <p:nvPr/>
-        </p:nvSpPr>
-        <p:spPr>
-          <a:xfrm>
-            <a:off x="9603630" y="761384"/>
-            <a:ext cx="1634667" cy="693045"/>
-          </a:xfrm>
-          <a:prstGeom prst="rect">
-            <a:avLst/>
-          </a:prstGeom>
-          <a:ln/>
-        </p:spPr>
-        <p:style>
-          <a:lnRef idx="2">
-            <a:schemeClr val="accent5">
-              <a:shade val="50000"/>
-            </a:schemeClr>
-          </a:lnRef>
-          <a:fillRef idx="1">
-            <a:schemeClr val="accent5"/>
-          </a:fillRef>
-          <a:effectRef idx="0">
-            <a:schemeClr val="accent5"/>
-          </a:effectRef>
-          <a:fontRef idx="minor">
-            <a:schemeClr val="lt1"/>
-          </a:fontRef>
-        </p:style>
-        <p:txBody>
-          <a:bodyPr rtlCol="0" anchor="ctr"/>
-          <a:lstStyle/>
-          <a:p>
-            <a:pPr algn="ctr"/>
-            <a:r>
-              <a:rPr lang="ko-KR" altLang="en-US"/>
-              <a:t>가이드</a:t>
-            </a:r>
-            <a:endParaRPr lang="ko-KR" altLang="en-US" dirty="0"/>
-          </a:p>
-        </p:txBody>
-      </p:sp>
-      <p:sp>
-        <p:nvSpPr>
-          <p:cNvPr id="53" name="직사각형 52"/>
-          <p:cNvSpPr/>
-          <p:nvPr/>
-        </p:nvSpPr>
-        <p:spPr>
-          <a:xfrm>
-            <a:off x="3668443" y="735747"/>
-            <a:ext cx="1634667" cy="693045"/>
-          </a:xfrm>
-          <a:prstGeom prst="rect">
-            <a:avLst/>
-          </a:prstGeom>
-          <a:ln/>
-        </p:spPr>
-        <p:style>
-          <a:lnRef idx="2">
-            <a:schemeClr val="accent5">
-              <a:shade val="50000"/>
-            </a:schemeClr>
-          </a:lnRef>
-          <a:fillRef idx="1">
-            <a:schemeClr val="accent5"/>
-          </a:fillRef>
-          <a:effectRef idx="0">
-            <a:schemeClr val="accent5"/>
-          </a:effectRef>
-          <a:fontRef idx="minor">
-            <a:schemeClr val="lt1"/>
-          </a:fontRef>
-        </p:style>
-        <p:txBody>
-          <a:bodyPr rtlCol="0" anchor="ctr"/>
-          <a:lstStyle/>
-          <a:p>
-            <a:pPr algn="ctr"/>
-            <a:r>
-              <a:rPr lang="ko-KR" altLang="en-US" dirty="0"/>
-              <a:t>가이드</a:t>
-            </a:r>
-          </a:p>
-        </p:txBody>
-      </p:sp>
-      <p:cxnSp>
-        <p:nvCxnSpPr>
-          <p:cNvPr id="58" name="직선 화살표 연결선 57"/>
-          <p:cNvCxnSpPr>
-            <a:cxnSpLocks/>
-            <a:stCxn id="50" idx="3"/>
-            <a:endCxn id="52" idx="1"/>
-          </p:cNvCxnSpPr>
-          <p:nvPr/>
-        </p:nvCxnSpPr>
-        <p:spPr>
-          <a:xfrm>
-            <a:off x="9089917" y="1102742"/>
-            <a:ext cx="513713" cy="5165"/>
-          </a:xfrm>
-          <a:prstGeom prst="straightConnector1">
-            <a:avLst/>
-          </a:prstGeom>
-          <a:ln w="28575">
-            <a:tailEnd type="triangle"/>
-          </a:ln>
-        </p:spPr>
-        <p:style>
-          <a:lnRef idx="1">
-            <a:schemeClr val="accent1"/>
-          </a:lnRef>
-          <a:fillRef idx="0">
-            <a:schemeClr val="accent1"/>
-          </a:fillRef>
-          <a:effectRef idx="0">
-            <a:schemeClr val="accent1"/>
-          </a:effectRef>
-          <a:fontRef idx="minor">
-            <a:schemeClr val="tx1"/>
-          </a:fontRef>
-        </p:style>
-      </p:cxnSp>
-      <p:cxnSp>
-        <p:nvCxnSpPr>
-          <p:cNvPr id="62" name="연결선: 꺾임 61"/>
-          <p:cNvCxnSpPr>
-            <a:cxnSpLocks/>
-            <a:stCxn id="24" idx="2"/>
-            <a:endCxn id="3" idx="2"/>
-          </p:cNvCxnSpPr>
-          <p:nvPr/>
-        </p:nvCxnSpPr>
-        <p:spPr>
-          <a:xfrm rot="5400000">
-            <a:off x="6299027" y="-491053"/>
-            <a:ext cx="488183" cy="8298788"/>
-          </a:xfrm>
-          <a:prstGeom prst="bentConnector3">
-            <a:avLst>
-              <a:gd name="adj1" fmla="val 176586"/>
-            </a:avLst>
-          </a:prstGeom>
-          <a:ln w="28575">
-            <a:tailEnd type="triangle"/>
-          </a:ln>
-        </p:spPr>
-        <p:style>
-          <a:lnRef idx="1">
-            <a:schemeClr val="accent1"/>
-          </a:lnRef>
-          <a:fillRef idx="0">
-            <a:schemeClr val="accent1"/>
-          </a:fillRef>
-          <a:effectRef idx="0">
-            <a:schemeClr val="accent1"/>
-          </a:effectRef>
-          <a:fontRef idx="minor">
-            <a:schemeClr val="tx1"/>
-          </a:fontRef>
-        </p:style>
-      </p:cxnSp>
-      <p:cxnSp>
-        <p:nvCxnSpPr>
-          <p:cNvPr id="65" name="직선 화살표 연결선 64"/>
-          <p:cNvCxnSpPr>
-            <a:cxnSpLocks/>
-            <a:stCxn id="7" idx="0"/>
-            <a:endCxn id="50" idx="2"/>
-          </p:cNvCxnSpPr>
-          <p:nvPr/>
-        </p:nvCxnSpPr>
-        <p:spPr>
-          <a:xfrm flipV="1">
-            <a:off x="8272584" y="1449264"/>
-            <a:ext cx="0" cy="783757"/>
-          </a:xfrm>
-          <a:prstGeom prst="straightConnector1">
-            <a:avLst/>
-          </a:prstGeom>
-          <a:ln w="28575">
-            <a:tailEnd type="triangle"/>
-          </a:ln>
-        </p:spPr>
-        <p:style>
-          <a:lnRef idx="1">
-            <a:schemeClr val="accent1"/>
-          </a:lnRef>
-          <a:fillRef idx="0">
-            <a:schemeClr val="accent1"/>
-          </a:fillRef>
-          <a:effectRef idx="0">
-            <a:schemeClr val="accent1"/>
-          </a:effectRef>
-          <a:fontRef idx="minor">
-            <a:schemeClr val="tx1"/>
-          </a:fontRef>
-        </p:style>
-      </p:cxnSp>
-      <p:cxnSp>
-        <p:nvCxnSpPr>
-          <p:cNvPr id="81" name="연결선: 꺾임 80"/>
-          <p:cNvCxnSpPr>
-            <a:cxnSpLocks/>
-            <a:stCxn id="24" idx="2"/>
-            <a:endCxn id="5" idx="2"/>
-          </p:cNvCxnSpPr>
-          <p:nvPr/>
-        </p:nvCxnSpPr>
-        <p:spPr>
-          <a:xfrm rot="5400000">
-            <a:off x="7778480" y="988396"/>
-            <a:ext cx="488179" cy="5339887"/>
-          </a:xfrm>
-          <a:prstGeom prst="bentConnector3">
-            <a:avLst>
-              <a:gd name="adj1" fmla="val 173085"/>
-            </a:avLst>
-          </a:prstGeom>
-          <a:ln w="28575">
-            <a:tailEnd type="triangle"/>
-          </a:ln>
-        </p:spPr>
-        <p:style>
-          <a:lnRef idx="1">
-            <a:schemeClr val="accent1"/>
-          </a:lnRef>
-          <a:fillRef idx="0">
-            <a:schemeClr val="accent1"/>
-          </a:fillRef>
-          <a:effectRef idx="0">
-            <a:schemeClr val="accent1"/>
-          </a:effectRef>
-          <a:fontRef idx="minor">
-            <a:schemeClr val="tx1"/>
-          </a:fontRef>
-        </p:style>
-      </p:cxnSp>
-      <p:sp>
-        <p:nvSpPr>
-          <p:cNvPr id="88" name="직사각형 87"/>
-          <p:cNvSpPr/>
-          <p:nvPr/>
-        </p:nvSpPr>
-        <p:spPr>
-          <a:xfrm>
-            <a:off x="9875178" y="5468217"/>
-            <a:ext cx="1542004" cy="693045"/>
-          </a:xfrm>
-          <a:prstGeom prst="rect">
-            <a:avLst/>
-          </a:prstGeom>
-          <a:ln/>
-        </p:spPr>
-        <p:style>
-          <a:lnRef idx="2">
-            <a:schemeClr val="accent5">
-              <a:shade val="50000"/>
-            </a:schemeClr>
-          </a:lnRef>
-          <a:fillRef idx="1">
-            <a:schemeClr val="accent5"/>
-          </a:fillRef>
-          <a:effectRef idx="0">
-            <a:schemeClr val="accent5"/>
-          </a:effectRef>
-          <a:fontRef idx="minor">
-            <a:schemeClr val="lt1"/>
-          </a:fontRef>
-        </p:style>
-        <p:txBody>
-          <a:bodyPr rtlCol="0" anchor="ctr"/>
-          <a:lstStyle/>
-          <a:p>
-            <a:pPr algn="ctr"/>
-            <a:r>
-              <a:rPr lang="ko-KR" altLang="en-US" dirty="0"/>
-              <a:t>패널</a:t>
-            </a:r>
-          </a:p>
-        </p:txBody>
-      </p:sp>
-      <p:sp>
-        <p:nvSpPr>
-          <p:cNvPr id="90" name="직사각형 89"/>
-          <p:cNvSpPr/>
-          <p:nvPr/>
-        </p:nvSpPr>
-        <p:spPr>
-          <a:xfrm>
-            <a:off x="8101412" y="5468218"/>
-            <a:ext cx="1502218" cy="693045"/>
-          </a:xfrm>
-          <a:prstGeom prst="rect">
-            <a:avLst/>
-          </a:prstGeom>
-          <a:solidFill>
-            <a:schemeClr val="bg2">
-              <a:lumMod val="90000"/>
-            </a:schemeClr>
-          </a:solidFill>
-          <a:ln>
-            <a:solidFill>
-              <a:schemeClr val="tx1"/>
-            </a:solidFill>
-          </a:ln>
-        </p:spPr>
-        <p:style>
-          <a:lnRef idx="2">
-            <a:schemeClr val="accent1">
-              <a:shade val="50000"/>
-            </a:schemeClr>
-          </a:lnRef>
-          <a:fillRef idx="1">
-            <a:schemeClr val="accent1"/>
-          </a:fillRef>
-          <a:effectRef idx="0">
-            <a:schemeClr val="accent1"/>
-          </a:effectRef>
-          <a:fontRef idx="minor">
-            <a:schemeClr val="lt1"/>
-          </a:fontRef>
-        </p:style>
-        <p:txBody>
-          <a:bodyPr rtlCol="0" anchor="ctr"/>
-          <a:lstStyle/>
-          <a:p>
-            <a:pPr algn="ctr"/>
-            <a:r>
-              <a:rPr lang="ko-KR" altLang="en-US" dirty="0"/>
-              <a:t>씬</a:t>
-            </a:r>
-          </a:p>
-        </p:txBody>
-      </p:sp>
-    </p:spTree>
-    <p:extLst>
-      <p:ext uri="{BB962C8B-B14F-4D97-AF65-F5344CB8AC3E}">
-        <p14:creationId xmlns:p14="http://schemas.microsoft.com/office/powerpoint/2010/main" val="1837547583"/>
-      </p:ext>
-    </p:extLst>
-  </p:cSld>
-  <p:clrMapOvr>
-    <a:masterClrMapping/>
-  </p:clrMapOvr>
-</p:sld>
-</file>
-
-<file path=ppt/slides/slide20.xml><?xml version="1.0" encoding="utf-8"?>
+<file path=ppt/slides/slide19.xml><?xml version="1.0" encoding="utf-8"?>
 <p:sld xmlns:a="http://schemas.openxmlformats.org/drawingml/2006/main" xmlns:r="http://schemas.openxmlformats.org/officeDocument/2006/relationships" xmlns:p="http://schemas.openxmlformats.org/presentationml/2006/main">
   <p:cSld>
     <p:spTree>
@@ -9901,7 +11307,7 @@
 </p:sld>
 </file>
 
-<file path=ppt/slides/slide21.xml><?xml version="1.0" encoding="utf-8"?>
+<file path=ppt/slides/slide2.xml><?xml version="1.0" encoding="utf-8"?>
 <p:sld xmlns:a="http://schemas.openxmlformats.org/drawingml/2006/main" xmlns:r="http://schemas.openxmlformats.org/officeDocument/2006/relationships" xmlns:p="http://schemas.openxmlformats.org/presentationml/2006/main">
   <p:cSld>
     <p:spTree>
@@ -9920,26 +11326,26 @@
       </p:grpSpPr>
       <p:sp>
         <p:nvSpPr>
-          <p:cNvPr id="2" name="직사각형 1"/>
+          <p:cNvPr id="3" name="직사각형 2"/>
           <p:cNvSpPr/>
           <p:nvPr/>
         </p:nvSpPr>
         <p:spPr>
           <a:xfrm>
-            <a:off x="3640727" y="427203"/>
-            <a:ext cx="7122350" cy="1342239"/>
+            <a:off x="1147959" y="2233024"/>
+            <a:ext cx="2491530" cy="1669409"/>
           </a:xfrm>
           <a:prstGeom prst="rect">
             <a:avLst/>
           </a:prstGeom>
           <a:solidFill>
-            <a:schemeClr val="bg2"/>
+            <a:schemeClr val="bg2">
+              <a:lumMod val="90000"/>
+            </a:schemeClr>
           </a:solidFill>
           <a:ln>
             <a:solidFill>
-              <a:schemeClr val="bg2">
-                <a:lumMod val="90000"/>
-              </a:schemeClr>
+              <a:schemeClr val="tx1"/>
             </a:solidFill>
           </a:ln>
         </p:spPr>
@@ -9964,81 +11370,9 @@
           <a:lstStyle/>
           <a:p>
             <a:pPr algn="ctr"/>
-            <a:endParaRPr lang="ko-KR" altLang="en-US"/>
-          </a:p>
-        </p:txBody>
-      </p:sp>
-      <p:pic>
-        <p:nvPicPr>
-          <p:cNvPr id="6" name="그림 5"/>
-          <p:cNvPicPr>
-            <a:picLocks noChangeAspect="1"/>
-          </p:cNvPicPr>
-          <p:nvPr/>
-        </p:nvPicPr>
-        <p:blipFill>
-          <a:blip r:embed="rId2">
-            <a:extLst>
-              <a:ext uri="{28A0092B-C50C-407E-A947-70E740481C1C}">
-                <a14:useLocalDpi xmlns:a14="http://schemas.microsoft.com/office/drawing/2010/main" val="0"/>
-              </a:ext>
-            </a:extLst>
-          </a:blip>
-          <a:stretch>
-            <a:fillRect/>
-          </a:stretch>
-        </p:blipFill>
-        <p:spPr>
-          <a:xfrm>
-            <a:off x="3863899" y="612251"/>
-            <a:ext cx="987141" cy="987141"/>
-          </a:xfrm>
-          <a:prstGeom prst="rect">
-            <a:avLst/>
-          </a:prstGeom>
-        </p:spPr>
-      </p:pic>
-      <p:sp>
-        <p:nvSpPr>
-          <p:cNvPr id="14" name="TextBox 13"/>
-          <p:cNvSpPr txBox="1"/>
-          <p:nvPr/>
-        </p:nvSpPr>
-        <p:spPr>
-          <a:xfrm>
-            <a:off x="4960097" y="625877"/>
-            <a:ext cx="1531188" cy="923330"/>
-          </a:xfrm>
-          <a:prstGeom prst="rect">
-            <a:avLst/>
-          </a:prstGeom>
-          <a:noFill/>
-        </p:spPr>
-        <p:txBody>
-          <a:bodyPr wrap="square" rtlCol="0">
-            <a:spAutoFit/>
-          </a:bodyPr>
-          <a:lstStyle/>
-          <a:p>
-            <a:r>
-              <a:rPr lang="en-US" altLang="ko-KR" dirty="0"/>
-              <a:t>HP : 3</a:t>
-            </a:r>
-          </a:p>
-          <a:p>
-            <a:r>
-              <a:rPr lang="en-US" altLang="ko-KR" dirty="0"/>
-              <a:t>MP : 1000</a:t>
-            </a:r>
-          </a:p>
-          <a:p>
-            <a:r>
-              <a:rPr lang="ko-KR" altLang="en-US" dirty="0"/>
-              <a:t>이동속도 </a:t>
-            </a:r>
-            <a:r>
-              <a:rPr lang="en-US" altLang="ko-KR" dirty="0"/>
-              <a:t>: 1 </a:t>
+            <a:r>
+              <a:rPr lang="ko-KR" altLang="en-US" dirty="0" err="1"/>
+              <a:t>메인메뉴</a:t>
             </a:r>
             <a:endParaRPr lang="ko-KR" altLang="en-US" dirty="0"/>
           </a:p>
@@ -10046,26 +11380,26 @@
       </p:sp>
       <p:sp>
         <p:nvSpPr>
-          <p:cNvPr id="11" name="직사각형 10"/>
+          <p:cNvPr id="5" name="직사각형 4"/>
           <p:cNvSpPr/>
           <p:nvPr/>
         </p:nvSpPr>
         <p:spPr>
           <a:xfrm>
-            <a:off x="3640727" y="3549580"/>
-            <a:ext cx="7122350" cy="1342239"/>
+            <a:off x="4106860" y="2233020"/>
+            <a:ext cx="2491530" cy="1669409"/>
           </a:xfrm>
           <a:prstGeom prst="rect">
             <a:avLst/>
           </a:prstGeom>
           <a:solidFill>
-            <a:schemeClr val="bg2"/>
+            <a:schemeClr val="bg2">
+              <a:lumMod val="90000"/>
+            </a:schemeClr>
           </a:solidFill>
           <a:ln>
             <a:solidFill>
-              <a:schemeClr val="bg2">
-                <a:lumMod val="90000"/>
-              </a:schemeClr>
+              <a:schemeClr val="tx1"/>
             </a:solidFill>
           </a:ln>
         </p:spPr>
@@ -10090,32 +11424,55 @@
           <a:lstStyle/>
           <a:p>
             <a:pPr algn="ctr"/>
-            <a:endParaRPr lang="ko-KR" altLang="en-US"/>
-          </a:p>
-        </p:txBody>
-      </p:sp>
-      <p:sp>
-        <p:nvSpPr>
-          <p:cNvPr id="13" name="직사각형 12"/>
+            <a:r>
+              <a:rPr lang="ko-KR" altLang="en-US" dirty="0"/>
+              <a:t> </a:t>
+            </a:r>
+            <a:r>
+              <a:rPr lang="ko-KR" altLang="en-US" dirty="0" err="1"/>
+              <a:t>플레이어수</a:t>
+            </a:r>
+            <a:r>
+              <a:rPr lang="en-US" altLang="ko-KR" dirty="0"/>
+              <a:t>/</a:t>
+            </a:r>
+            <a:r>
+              <a:rPr lang="ko-KR" altLang="en-US" dirty="0"/>
+              <a:t>팀 선택</a:t>
+            </a:r>
+            <a:endParaRPr lang="en-US" altLang="ko-KR" dirty="0"/>
+          </a:p>
+          <a:p>
+            <a:pPr algn="ctr"/>
+            <a:r>
+              <a:rPr lang="ko-KR" altLang="en-US" dirty="0"/>
+              <a:t>캐릭터 선택</a:t>
+            </a:r>
+          </a:p>
+        </p:txBody>
+      </p:sp>
+      <p:sp>
+        <p:nvSpPr>
+          <p:cNvPr id="7" name="직사각형 6"/>
           <p:cNvSpPr/>
           <p:nvPr/>
         </p:nvSpPr>
         <p:spPr>
           <a:xfrm>
-            <a:off x="3640727" y="5115802"/>
-            <a:ext cx="7122350" cy="1342239"/>
+            <a:off x="7026819" y="2233021"/>
+            <a:ext cx="2491530" cy="1669409"/>
           </a:xfrm>
           <a:prstGeom prst="rect">
             <a:avLst/>
           </a:prstGeom>
           <a:solidFill>
-            <a:schemeClr val="bg2"/>
+            <a:schemeClr val="bg2">
+              <a:lumMod val="90000"/>
+            </a:schemeClr>
           </a:solidFill>
           <a:ln>
             <a:solidFill>
-              <a:schemeClr val="bg2">
-                <a:lumMod val="90000"/>
-              </a:schemeClr>
+              <a:schemeClr val="tx1"/>
             </a:solidFill>
           </a:ln>
         </p:spPr>
@@ -10140,32 +11497,382 @@
           <a:lstStyle/>
           <a:p>
             <a:pPr algn="ctr"/>
-            <a:endParaRPr lang="ko-KR" altLang="en-US"/>
-          </a:p>
-        </p:txBody>
-      </p:sp>
-      <p:sp>
-        <p:nvSpPr>
-          <p:cNvPr id="15" name="직사각형 14"/>
+            <a:r>
+              <a:rPr lang="ko-KR" altLang="en-US" dirty="0" err="1"/>
+              <a:t>인게임</a:t>
+            </a:r>
+            <a:endParaRPr lang="ko-KR" altLang="en-US" dirty="0"/>
+          </a:p>
+        </p:txBody>
+      </p:sp>
+      <p:sp>
+        <p:nvSpPr>
+          <p:cNvPr id="16" name="직사각형 15"/>
           <p:cNvSpPr/>
           <p:nvPr/>
         </p:nvSpPr>
         <p:spPr>
           <a:xfrm>
-            <a:off x="3640727" y="1993425"/>
-            <a:ext cx="7122350" cy="1342239"/>
+            <a:off x="1603463" y="742602"/>
+            <a:ext cx="1591239" cy="686190"/>
+          </a:xfrm>
+          <a:prstGeom prst="rect">
+            <a:avLst/>
+          </a:prstGeom>
+          <a:ln/>
+        </p:spPr>
+        <p:style>
+          <a:lnRef idx="2">
+            <a:schemeClr val="accent5">
+              <a:shade val="50000"/>
+            </a:schemeClr>
+          </a:lnRef>
+          <a:fillRef idx="1">
+            <a:schemeClr val="accent5"/>
+          </a:fillRef>
+          <a:effectRef idx="0">
+            <a:schemeClr val="accent5"/>
+          </a:effectRef>
+          <a:fontRef idx="minor">
+            <a:schemeClr val="lt1"/>
+          </a:fontRef>
+        </p:style>
+        <p:txBody>
+          <a:bodyPr rtlCol="0" anchor="ctr"/>
+          <a:lstStyle/>
+          <a:p>
+            <a:pPr algn="ctr"/>
+            <a:r>
+              <a:rPr lang="ko-KR" altLang="en-US" dirty="0"/>
+              <a:t>메뉴 옵션</a:t>
+            </a:r>
+          </a:p>
+        </p:txBody>
+      </p:sp>
+      <p:cxnSp>
+        <p:nvCxnSpPr>
+          <p:cNvPr id="33" name="연결선: 꺾임 32"/>
+          <p:cNvCxnSpPr>
+            <a:cxnSpLocks/>
+            <a:stCxn id="3" idx="0"/>
+            <a:endCxn id="16" idx="2"/>
+          </p:cNvCxnSpPr>
+          <p:nvPr/>
+        </p:nvCxnSpPr>
+        <p:spPr>
+          <a:xfrm rot="5400000" flipH="1" flipV="1">
+            <a:off x="1994287" y="1828229"/>
+            <a:ext cx="804232" cy="5359"/>
+          </a:xfrm>
+          <a:prstGeom prst="bentConnector3">
+            <a:avLst>
+              <a:gd name="adj1" fmla="val 50000"/>
+            </a:avLst>
+          </a:prstGeom>
+          <a:ln w="28575">
+            <a:tailEnd type="triangle"/>
+          </a:ln>
+        </p:spPr>
+        <p:style>
+          <a:lnRef idx="1">
+            <a:schemeClr val="accent1"/>
+          </a:lnRef>
+          <a:fillRef idx="0">
+            <a:schemeClr val="accent1"/>
+          </a:fillRef>
+          <a:effectRef idx="0">
+            <a:schemeClr val="accent1"/>
+          </a:effectRef>
+          <a:fontRef idx="minor">
+            <a:schemeClr val="tx1"/>
+          </a:fontRef>
+        </p:style>
+      </p:cxnSp>
+      <p:cxnSp>
+        <p:nvCxnSpPr>
+          <p:cNvPr id="36" name="연결선: 꺾임 35"/>
+          <p:cNvCxnSpPr>
+            <a:cxnSpLocks/>
+            <a:stCxn id="3" idx="0"/>
+            <a:endCxn id="53" idx="2"/>
+          </p:cNvCxnSpPr>
+          <p:nvPr/>
+        </p:nvCxnSpPr>
+        <p:spPr>
+          <a:xfrm rot="5400000" flipH="1" flipV="1">
+            <a:off x="3037634" y="784882"/>
+            <a:ext cx="804232" cy="2092053"/>
+          </a:xfrm>
+          <a:prstGeom prst="bentConnector3">
+            <a:avLst>
+              <a:gd name="adj1" fmla="val 50000"/>
+            </a:avLst>
+          </a:prstGeom>
+          <a:ln w="28575">
+            <a:tailEnd type="triangle"/>
+          </a:ln>
+        </p:spPr>
+        <p:style>
+          <a:lnRef idx="1">
+            <a:schemeClr val="accent1"/>
+          </a:lnRef>
+          <a:fillRef idx="0">
+            <a:schemeClr val="accent1"/>
+          </a:fillRef>
+          <a:effectRef idx="0">
+            <a:schemeClr val="accent1"/>
+          </a:effectRef>
+          <a:fontRef idx="minor">
+            <a:schemeClr val="tx1"/>
+          </a:fontRef>
+        </p:style>
+      </p:cxnSp>
+      <p:cxnSp>
+        <p:nvCxnSpPr>
+          <p:cNvPr id="40" name="직선 화살표 연결선 39"/>
+          <p:cNvCxnSpPr>
+            <a:cxnSpLocks/>
+            <a:stCxn id="3" idx="3"/>
+            <a:endCxn id="5" idx="1"/>
+          </p:cNvCxnSpPr>
+          <p:nvPr/>
+        </p:nvCxnSpPr>
+        <p:spPr>
+          <a:xfrm flipV="1">
+            <a:off x="3639489" y="3067725"/>
+            <a:ext cx="467371" cy="4"/>
+          </a:xfrm>
+          <a:prstGeom prst="straightConnector1">
+            <a:avLst/>
+          </a:prstGeom>
+          <a:ln w="28575">
+            <a:tailEnd type="triangle"/>
+          </a:ln>
+        </p:spPr>
+        <p:style>
+          <a:lnRef idx="1">
+            <a:schemeClr val="accent1"/>
+          </a:lnRef>
+          <a:fillRef idx="0">
+            <a:schemeClr val="accent1"/>
+          </a:fillRef>
+          <a:effectRef idx="0">
+            <a:schemeClr val="accent1"/>
+          </a:effectRef>
+          <a:fontRef idx="minor">
+            <a:schemeClr val="tx1"/>
+          </a:fontRef>
+        </p:style>
+      </p:cxnSp>
+      <p:cxnSp>
+        <p:nvCxnSpPr>
+          <p:cNvPr id="41" name="직선 화살표 연결선 40"/>
+          <p:cNvCxnSpPr>
+            <a:cxnSpLocks/>
+            <a:stCxn id="5" idx="3"/>
+            <a:endCxn id="7" idx="1"/>
+          </p:cNvCxnSpPr>
+          <p:nvPr/>
+        </p:nvCxnSpPr>
+        <p:spPr>
+          <a:xfrm>
+            <a:off x="6598390" y="3067725"/>
+            <a:ext cx="428429" cy="1"/>
+          </a:xfrm>
+          <a:prstGeom prst="straightConnector1">
+            <a:avLst/>
+          </a:prstGeom>
+          <a:ln w="28575">
+            <a:tailEnd type="triangle"/>
+          </a:ln>
+        </p:spPr>
+        <p:style>
+          <a:lnRef idx="1">
+            <a:schemeClr val="accent1"/>
+          </a:lnRef>
+          <a:fillRef idx="0">
+            <a:schemeClr val="accent1"/>
+          </a:fillRef>
+          <a:effectRef idx="0">
+            <a:schemeClr val="accent1"/>
+          </a:effectRef>
+          <a:fontRef idx="minor">
+            <a:schemeClr val="tx1"/>
+          </a:fontRef>
+        </p:style>
+      </p:cxnSp>
+      <p:cxnSp>
+        <p:nvCxnSpPr>
+          <p:cNvPr id="43" name="직선 화살표 연결선 42"/>
+          <p:cNvCxnSpPr>
+            <a:cxnSpLocks/>
+            <a:stCxn id="7" idx="3"/>
+            <a:endCxn id="24" idx="1"/>
+          </p:cNvCxnSpPr>
+          <p:nvPr/>
+        </p:nvCxnSpPr>
+        <p:spPr>
+          <a:xfrm>
+            <a:off x="9518349" y="3067726"/>
+            <a:ext cx="356829" cy="2"/>
+          </a:xfrm>
+          <a:prstGeom prst="straightConnector1">
+            <a:avLst/>
+          </a:prstGeom>
+          <a:ln w="28575">
+            <a:tailEnd type="triangle"/>
+          </a:ln>
+        </p:spPr>
+        <p:style>
+          <a:lnRef idx="1">
+            <a:schemeClr val="accent1"/>
+          </a:lnRef>
+          <a:fillRef idx="0">
+            <a:schemeClr val="accent1"/>
+          </a:fillRef>
+          <a:effectRef idx="0">
+            <a:schemeClr val="accent1"/>
+          </a:effectRef>
+          <a:fontRef idx="minor">
+            <a:schemeClr val="tx1"/>
+          </a:fontRef>
+        </p:style>
+      </p:cxnSp>
+      <p:sp>
+        <p:nvSpPr>
+          <p:cNvPr id="46" name="TextBox 45"/>
+          <p:cNvSpPr txBox="1"/>
+          <p:nvPr/>
+        </p:nvSpPr>
+        <p:spPr>
+          <a:xfrm>
+            <a:off x="190743" y="182246"/>
+            <a:ext cx="1107996" cy="461665"/>
+          </a:xfrm>
+          <a:prstGeom prst="rect">
+            <a:avLst/>
+          </a:prstGeom>
+          <a:noFill/>
+        </p:spPr>
+        <p:txBody>
+          <a:bodyPr wrap="none" rtlCol="0">
+            <a:spAutoFit/>
+          </a:bodyPr>
+          <a:lstStyle/>
+          <a:p>
+            <a:r>
+              <a:rPr lang="ko-KR" altLang="en-US" sz="2400" b="1" dirty="0" err="1"/>
+              <a:t>씬구성</a:t>
+            </a:r>
+            <a:endParaRPr lang="ko-KR" altLang="en-US" sz="2400" b="1" dirty="0"/>
+          </a:p>
+        </p:txBody>
+      </p:sp>
+      <p:sp>
+        <p:nvSpPr>
+          <p:cNvPr id="50" name="직사각형 49"/>
+          <p:cNvSpPr/>
+          <p:nvPr/>
+        </p:nvSpPr>
+        <p:spPr>
+          <a:xfrm>
+            <a:off x="7455250" y="756219"/>
+            <a:ext cx="1634667" cy="693045"/>
+          </a:xfrm>
+          <a:prstGeom prst="rect">
+            <a:avLst/>
+          </a:prstGeom>
+          <a:ln/>
+        </p:spPr>
+        <p:style>
+          <a:lnRef idx="2">
+            <a:schemeClr val="accent5">
+              <a:shade val="50000"/>
+            </a:schemeClr>
+          </a:lnRef>
+          <a:fillRef idx="1">
+            <a:schemeClr val="accent5"/>
+          </a:fillRef>
+          <a:effectRef idx="0">
+            <a:schemeClr val="accent5"/>
+          </a:effectRef>
+          <a:fontRef idx="minor">
+            <a:schemeClr val="lt1"/>
+          </a:fontRef>
+        </p:style>
+        <p:txBody>
+          <a:bodyPr rtlCol="0" anchor="ctr"/>
+          <a:lstStyle/>
+          <a:p>
+            <a:pPr algn="ctr"/>
+            <a:r>
+              <a:rPr lang="ko-KR" altLang="en-US" dirty="0" err="1"/>
+              <a:t>인게임</a:t>
+            </a:r>
+            <a:r>
+              <a:rPr lang="ko-KR" altLang="en-US" dirty="0"/>
+              <a:t> 옵션</a:t>
+            </a:r>
+          </a:p>
+        </p:txBody>
+      </p:sp>
+      <p:cxnSp>
+        <p:nvCxnSpPr>
+          <p:cNvPr id="51" name="연결선: 꺾임 50"/>
+          <p:cNvCxnSpPr>
+            <a:cxnSpLocks/>
+          </p:cNvCxnSpPr>
+          <p:nvPr/>
+        </p:nvCxnSpPr>
+        <p:spPr>
+          <a:xfrm rot="16200000" flipV="1">
+            <a:off x="15543581" y="1456177"/>
+            <a:ext cx="660974" cy="1388378"/>
+          </a:xfrm>
+          <a:prstGeom prst="bentConnector2">
+            <a:avLst/>
+          </a:prstGeom>
+          <a:ln w="28575">
+            <a:tailEnd type="triangle"/>
+          </a:ln>
+        </p:spPr>
+        <p:style>
+          <a:lnRef idx="1">
+            <a:schemeClr val="accent1"/>
+          </a:lnRef>
+          <a:fillRef idx="0">
+            <a:schemeClr val="accent1"/>
+          </a:fillRef>
+          <a:effectRef idx="0">
+            <a:schemeClr val="accent1"/>
+          </a:effectRef>
+          <a:fontRef idx="minor">
+            <a:schemeClr val="tx1"/>
+          </a:fontRef>
+        </p:style>
+      </p:cxnSp>
+      <p:sp>
+        <p:nvSpPr>
+          <p:cNvPr id="56" name="직사각형 55"/>
+          <p:cNvSpPr/>
+          <p:nvPr/>
+        </p:nvSpPr>
+        <p:spPr>
+          <a:xfrm>
+            <a:off x="1147958" y="4633514"/>
+            <a:ext cx="2491530" cy="1669409"/>
           </a:xfrm>
           <a:prstGeom prst="rect">
             <a:avLst/>
           </a:prstGeom>
           <a:solidFill>
-            <a:schemeClr val="bg2"/>
+            <a:schemeClr val="bg2">
+              <a:lumMod val="90000"/>
+            </a:schemeClr>
           </a:solidFill>
           <a:ln>
             <a:solidFill>
-              <a:schemeClr val="bg2">
-                <a:lumMod val="90000"/>
-              </a:schemeClr>
+              <a:schemeClr val="tx1"/>
             </a:solidFill>
           </a:ln>
         </p:spPr>
@@ -10190,248 +11897,392 @@
           <a:lstStyle/>
           <a:p>
             <a:pPr algn="ctr"/>
-            <a:endParaRPr lang="ko-KR" altLang="en-US"/>
-          </a:p>
-        </p:txBody>
-      </p:sp>
-      <p:pic>
-        <p:nvPicPr>
-          <p:cNvPr id="17" name="그림 16"/>
-          <p:cNvPicPr>
-            <a:picLocks noChangeAspect="1"/>
-          </p:cNvPicPr>
-          <p:nvPr/>
-        </p:nvPicPr>
-        <p:blipFill>
-          <a:blip r:embed="rId3">
-            <a:extLst>
-              <a:ext uri="{28A0092B-C50C-407E-A947-70E740481C1C}">
-                <a14:useLocalDpi xmlns:a14="http://schemas.microsoft.com/office/drawing/2010/main" val="0"/>
-              </a:ext>
-            </a:extLst>
-          </a:blip>
-          <a:stretch>
-            <a:fillRect/>
-          </a:stretch>
-        </p:blipFill>
-        <p:spPr>
-          <a:xfrm>
-            <a:off x="3863899" y="2208122"/>
-            <a:ext cx="958111" cy="958111"/>
-          </a:xfrm>
-          <a:prstGeom prst="rect">
-            <a:avLst/>
-          </a:prstGeom>
-        </p:spPr>
-      </p:pic>
-      <p:sp>
-        <p:nvSpPr>
-          <p:cNvPr id="21" name="TextBox 20"/>
-          <p:cNvSpPr txBox="1"/>
-          <p:nvPr/>
-        </p:nvSpPr>
-        <p:spPr>
-          <a:xfrm>
-            <a:off x="4960097" y="2202879"/>
-            <a:ext cx="1887524" cy="923330"/>
-          </a:xfrm>
-          <a:prstGeom prst="rect">
-            <a:avLst/>
-          </a:prstGeom>
-          <a:noFill/>
-        </p:spPr>
-        <p:txBody>
-          <a:bodyPr wrap="square" rtlCol="0">
-            <a:spAutoFit/>
-          </a:bodyPr>
-          <a:lstStyle/>
-          <a:p>
-            <a:r>
-              <a:rPr lang="en-US" altLang="ko-KR" dirty="0"/>
-              <a:t>HP : 3</a:t>
-            </a:r>
-          </a:p>
-          <a:p>
-            <a:r>
-              <a:rPr lang="en-US" altLang="ko-KR" dirty="0"/>
-              <a:t>MP : 1000</a:t>
-            </a:r>
-          </a:p>
-          <a:p>
+            <a:r>
+              <a:rPr lang="ko-KR" altLang="en-US" dirty="0" err="1"/>
+              <a:t>크레딧</a:t>
+            </a:r>
+            <a:endParaRPr lang="ko-KR" altLang="en-US" dirty="0"/>
+          </a:p>
+        </p:txBody>
+      </p:sp>
+      <p:cxnSp>
+        <p:nvCxnSpPr>
+          <p:cNvPr id="57" name="연결선: 꺾임 56"/>
+          <p:cNvCxnSpPr>
+            <a:cxnSpLocks/>
+            <a:stCxn id="3" idx="1"/>
+            <a:endCxn id="56" idx="1"/>
+          </p:cNvCxnSpPr>
+          <p:nvPr/>
+        </p:nvCxnSpPr>
+        <p:spPr>
+          <a:xfrm rot="10800000" flipV="1">
+            <a:off x="1147959" y="3067729"/>
+            <a:ext cx="1" cy="2400490"/>
+          </a:xfrm>
+          <a:prstGeom prst="bentConnector3">
+            <a:avLst>
+              <a:gd name="adj1" fmla="val 22860100000"/>
+            </a:avLst>
+          </a:prstGeom>
+          <a:ln w="28575">
+            <a:tailEnd type="triangle"/>
+          </a:ln>
+        </p:spPr>
+        <p:style>
+          <a:lnRef idx="1">
+            <a:schemeClr val="accent1"/>
+          </a:lnRef>
+          <a:fillRef idx="0">
+            <a:schemeClr val="accent1"/>
+          </a:fillRef>
+          <a:effectRef idx="0">
+            <a:schemeClr val="accent1"/>
+          </a:effectRef>
+          <a:fontRef idx="minor">
+            <a:schemeClr val="tx1"/>
+          </a:fontRef>
+        </p:style>
+      </p:cxnSp>
+      <p:sp>
+        <p:nvSpPr>
+          <p:cNvPr id="24" name="직사각형 23"/>
+          <p:cNvSpPr/>
+          <p:nvPr/>
+        </p:nvSpPr>
+        <p:spPr>
+          <a:xfrm>
+            <a:off x="9875178" y="2721205"/>
+            <a:ext cx="1634667" cy="693045"/>
+          </a:xfrm>
+          <a:prstGeom prst="rect">
+            <a:avLst/>
+          </a:prstGeom>
+          <a:ln/>
+        </p:spPr>
+        <p:style>
+          <a:lnRef idx="2">
+            <a:schemeClr val="accent5">
+              <a:shade val="50000"/>
+            </a:schemeClr>
+          </a:lnRef>
+          <a:fillRef idx="1">
+            <a:schemeClr val="accent5"/>
+          </a:fillRef>
+          <a:effectRef idx="0">
+            <a:schemeClr val="accent5"/>
+          </a:effectRef>
+          <a:fontRef idx="minor">
+            <a:schemeClr val="lt1"/>
+          </a:fontRef>
+        </p:style>
+        <p:txBody>
+          <a:bodyPr rtlCol="0" anchor="ctr"/>
+          <a:lstStyle/>
+          <a:p>
+            <a:pPr algn="ctr"/>
             <a:r>
               <a:rPr lang="ko-KR" altLang="en-US" dirty="0"/>
-              <a:t>이동속도 </a:t>
-            </a:r>
-            <a:r>
-              <a:rPr lang="en-US" altLang="ko-KR" dirty="0"/>
-              <a:t>: 1.3</a:t>
+              <a:t>게임결과</a:t>
+            </a:r>
+          </a:p>
+        </p:txBody>
+      </p:sp>
+      <p:sp>
+        <p:nvSpPr>
+          <p:cNvPr id="52" name="직사각형 51"/>
+          <p:cNvSpPr/>
+          <p:nvPr/>
+        </p:nvSpPr>
+        <p:spPr>
+          <a:xfrm>
+            <a:off x="9603630" y="761384"/>
+            <a:ext cx="1634667" cy="693045"/>
+          </a:xfrm>
+          <a:prstGeom prst="rect">
+            <a:avLst/>
+          </a:prstGeom>
+          <a:ln/>
+        </p:spPr>
+        <p:style>
+          <a:lnRef idx="2">
+            <a:schemeClr val="accent5">
+              <a:shade val="50000"/>
+            </a:schemeClr>
+          </a:lnRef>
+          <a:fillRef idx="1">
+            <a:schemeClr val="accent5"/>
+          </a:fillRef>
+          <a:effectRef idx="0">
+            <a:schemeClr val="accent5"/>
+          </a:effectRef>
+          <a:fontRef idx="minor">
+            <a:schemeClr val="lt1"/>
+          </a:fontRef>
+        </p:style>
+        <p:txBody>
+          <a:bodyPr rtlCol="0" anchor="ctr"/>
+          <a:lstStyle/>
+          <a:p>
+            <a:pPr algn="ctr"/>
+            <a:r>
+              <a:rPr lang="ko-KR" altLang="en-US"/>
+              <a:t>가이드</a:t>
             </a:r>
             <a:endParaRPr lang="ko-KR" altLang="en-US" dirty="0"/>
           </a:p>
         </p:txBody>
       </p:sp>
-      <p:pic>
-        <p:nvPicPr>
-          <p:cNvPr id="22" name="그림 21"/>
-          <p:cNvPicPr>
-            <a:picLocks noChangeAspect="1"/>
-          </p:cNvPicPr>
-          <p:nvPr/>
-        </p:nvPicPr>
-        <p:blipFill>
-          <a:blip r:embed="rId4">
-            <a:extLst>
-              <a:ext uri="{28A0092B-C50C-407E-A947-70E740481C1C}">
-                <a14:useLocalDpi xmlns:a14="http://schemas.microsoft.com/office/drawing/2010/main" val="0"/>
-              </a:ext>
-            </a:extLst>
-          </a:blip>
-          <a:stretch>
-            <a:fillRect/>
-          </a:stretch>
-        </p:blipFill>
-        <p:spPr>
-          <a:xfrm>
-            <a:off x="3948636" y="3756170"/>
-            <a:ext cx="812698" cy="812698"/>
-          </a:xfrm>
-          <a:prstGeom prst="rect">
-            <a:avLst/>
-          </a:prstGeom>
-        </p:spPr>
-      </p:pic>
-      <p:sp>
-        <p:nvSpPr>
-          <p:cNvPr id="23" name="TextBox 22"/>
-          <p:cNvSpPr txBox="1"/>
-          <p:nvPr/>
-        </p:nvSpPr>
-        <p:spPr>
-          <a:xfrm>
-            <a:off x="4960097" y="3756170"/>
-            <a:ext cx="1627369" cy="923330"/>
-          </a:xfrm>
-          <a:prstGeom prst="rect">
-            <a:avLst/>
-          </a:prstGeom>
-          <a:noFill/>
-        </p:spPr>
-        <p:txBody>
-          <a:bodyPr wrap="square" rtlCol="0">
-            <a:spAutoFit/>
-          </a:bodyPr>
-          <a:lstStyle/>
-          <a:p>
-            <a:r>
-              <a:rPr lang="en-US" altLang="ko-KR" dirty="0"/>
-              <a:t>HP : 5</a:t>
-            </a:r>
-          </a:p>
-          <a:p>
-            <a:r>
-              <a:rPr lang="en-US" altLang="ko-KR" dirty="0"/>
-              <a:t>MP : 1000</a:t>
-            </a:r>
-          </a:p>
-          <a:p>
+      <p:sp>
+        <p:nvSpPr>
+          <p:cNvPr id="53" name="직사각형 52"/>
+          <p:cNvSpPr/>
+          <p:nvPr/>
+        </p:nvSpPr>
+        <p:spPr>
+          <a:xfrm>
+            <a:off x="3668443" y="735747"/>
+            <a:ext cx="1634667" cy="693045"/>
+          </a:xfrm>
+          <a:prstGeom prst="rect">
+            <a:avLst/>
+          </a:prstGeom>
+          <a:ln/>
+        </p:spPr>
+        <p:style>
+          <a:lnRef idx="2">
+            <a:schemeClr val="accent5">
+              <a:shade val="50000"/>
+            </a:schemeClr>
+          </a:lnRef>
+          <a:fillRef idx="1">
+            <a:schemeClr val="accent5"/>
+          </a:fillRef>
+          <a:effectRef idx="0">
+            <a:schemeClr val="accent5"/>
+          </a:effectRef>
+          <a:fontRef idx="minor">
+            <a:schemeClr val="lt1"/>
+          </a:fontRef>
+        </p:style>
+        <p:txBody>
+          <a:bodyPr rtlCol="0" anchor="ctr"/>
+          <a:lstStyle/>
+          <a:p>
+            <a:pPr algn="ctr"/>
             <a:r>
               <a:rPr lang="ko-KR" altLang="en-US" dirty="0"/>
-              <a:t>이동속도 </a:t>
-            </a:r>
-            <a:r>
-              <a:rPr lang="en-US" altLang="ko-KR" dirty="0"/>
-              <a:t>: 0.7</a:t>
-            </a:r>
-            <a:endParaRPr lang="ko-KR" altLang="en-US" dirty="0"/>
-          </a:p>
-        </p:txBody>
-      </p:sp>
-      <p:pic>
-        <p:nvPicPr>
-          <p:cNvPr id="24" name="그림 23"/>
-          <p:cNvPicPr>
-            <a:picLocks noChangeAspect="1"/>
-          </p:cNvPicPr>
-          <p:nvPr/>
-        </p:nvPicPr>
-        <p:blipFill>
-          <a:blip r:embed="rId5">
-            <a:extLst>
-              <a:ext uri="{28A0092B-C50C-407E-A947-70E740481C1C}">
-                <a14:useLocalDpi xmlns:a14="http://schemas.microsoft.com/office/drawing/2010/main" val="0"/>
-              </a:ext>
-            </a:extLst>
-          </a:blip>
-          <a:stretch>
-            <a:fillRect/>
-          </a:stretch>
-        </p:blipFill>
-        <p:spPr>
-          <a:xfrm>
-            <a:off x="3948636" y="5360117"/>
-            <a:ext cx="812698" cy="812698"/>
-          </a:xfrm>
-          <a:prstGeom prst="rect">
-            <a:avLst/>
-          </a:prstGeom>
-        </p:spPr>
-      </p:pic>
-      <p:sp>
-        <p:nvSpPr>
-          <p:cNvPr id="25" name="TextBox 24"/>
-          <p:cNvSpPr txBox="1"/>
-          <p:nvPr/>
-        </p:nvSpPr>
-        <p:spPr>
-          <a:xfrm>
-            <a:off x="4960097" y="5325256"/>
-            <a:ext cx="1449436" cy="923330"/>
-          </a:xfrm>
-          <a:prstGeom prst="rect">
-            <a:avLst/>
-          </a:prstGeom>
-          <a:noFill/>
-        </p:spPr>
-        <p:txBody>
-          <a:bodyPr wrap="square" rtlCol="0">
-            <a:spAutoFit/>
-          </a:bodyPr>
-          <a:lstStyle/>
-          <a:p>
-            <a:r>
-              <a:rPr lang="en-US" altLang="ko-KR" dirty="0"/>
-              <a:t>HP : 3</a:t>
-            </a:r>
-          </a:p>
-          <a:p>
-            <a:r>
-              <a:rPr lang="en-US" altLang="ko-KR" dirty="0"/>
-              <a:t>MP : 1000</a:t>
-            </a:r>
-          </a:p>
-          <a:p>
+              <a:t>가이드</a:t>
+            </a:r>
+          </a:p>
+        </p:txBody>
+      </p:sp>
+      <p:cxnSp>
+        <p:nvCxnSpPr>
+          <p:cNvPr id="58" name="직선 화살표 연결선 57"/>
+          <p:cNvCxnSpPr>
+            <a:cxnSpLocks/>
+            <a:stCxn id="50" idx="3"/>
+            <a:endCxn id="52" idx="1"/>
+          </p:cNvCxnSpPr>
+          <p:nvPr/>
+        </p:nvCxnSpPr>
+        <p:spPr>
+          <a:xfrm>
+            <a:off x="9089917" y="1102742"/>
+            <a:ext cx="513713" cy="5165"/>
+          </a:xfrm>
+          <a:prstGeom prst="straightConnector1">
+            <a:avLst/>
+          </a:prstGeom>
+          <a:ln w="28575">
+            <a:tailEnd type="triangle"/>
+          </a:ln>
+        </p:spPr>
+        <p:style>
+          <a:lnRef idx="1">
+            <a:schemeClr val="accent1"/>
+          </a:lnRef>
+          <a:fillRef idx="0">
+            <a:schemeClr val="accent1"/>
+          </a:fillRef>
+          <a:effectRef idx="0">
+            <a:schemeClr val="accent1"/>
+          </a:effectRef>
+          <a:fontRef idx="minor">
+            <a:schemeClr val="tx1"/>
+          </a:fontRef>
+        </p:style>
+      </p:cxnSp>
+      <p:cxnSp>
+        <p:nvCxnSpPr>
+          <p:cNvPr id="62" name="연결선: 꺾임 61"/>
+          <p:cNvCxnSpPr>
+            <a:cxnSpLocks/>
+            <a:stCxn id="24" idx="2"/>
+            <a:endCxn id="3" idx="2"/>
+          </p:cNvCxnSpPr>
+          <p:nvPr/>
+        </p:nvCxnSpPr>
+        <p:spPr>
+          <a:xfrm rot="5400000">
+            <a:off x="6299027" y="-491053"/>
+            <a:ext cx="488183" cy="8298788"/>
+          </a:xfrm>
+          <a:prstGeom prst="bentConnector3">
+            <a:avLst>
+              <a:gd name="adj1" fmla="val 176586"/>
+            </a:avLst>
+          </a:prstGeom>
+          <a:ln w="28575">
+            <a:tailEnd type="triangle"/>
+          </a:ln>
+        </p:spPr>
+        <p:style>
+          <a:lnRef idx="1">
+            <a:schemeClr val="accent1"/>
+          </a:lnRef>
+          <a:fillRef idx="0">
+            <a:schemeClr val="accent1"/>
+          </a:fillRef>
+          <a:effectRef idx="0">
+            <a:schemeClr val="accent1"/>
+          </a:effectRef>
+          <a:fontRef idx="minor">
+            <a:schemeClr val="tx1"/>
+          </a:fontRef>
+        </p:style>
+      </p:cxnSp>
+      <p:cxnSp>
+        <p:nvCxnSpPr>
+          <p:cNvPr id="65" name="직선 화살표 연결선 64"/>
+          <p:cNvCxnSpPr>
+            <a:cxnSpLocks/>
+            <a:stCxn id="7" idx="0"/>
+            <a:endCxn id="50" idx="2"/>
+          </p:cNvCxnSpPr>
+          <p:nvPr/>
+        </p:nvCxnSpPr>
+        <p:spPr>
+          <a:xfrm flipV="1">
+            <a:off x="8272584" y="1449264"/>
+            <a:ext cx="0" cy="783757"/>
+          </a:xfrm>
+          <a:prstGeom prst="straightConnector1">
+            <a:avLst/>
+          </a:prstGeom>
+          <a:ln w="28575">
+            <a:tailEnd type="triangle"/>
+          </a:ln>
+        </p:spPr>
+        <p:style>
+          <a:lnRef idx="1">
+            <a:schemeClr val="accent1"/>
+          </a:lnRef>
+          <a:fillRef idx="0">
+            <a:schemeClr val="accent1"/>
+          </a:fillRef>
+          <a:effectRef idx="0">
+            <a:schemeClr val="accent1"/>
+          </a:effectRef>
+          <a:fontRef idx="minor">
+            <a:schemeClr val="tx1"/>
+          </a:fontRef>
+        </p:style>
+      </p:cxnSp>
+      <p:cxnSp>
+        <p:nvCxnSpPr>
+          <p:cNvPr id="81" name="연결선: 꺾임 80"/>
+          <p:cNvCxnSpPr>
+            <a:cxnSpLocks/>
+            <a:stCxn id="24" idx="2"/>
+            <a:endCxn id="5" idx="2"/>
+          </p:cNvCxnSpPr>
+          <p:nvPr/>
+        </p:nvCxnSpPr>
+        <p:spPr>
+          <a:xfrm rot="5400000">
+            <a:off x="7778480" y="988396"/>
+            <a:ext cx="488179" cy="5339887"/>
+          </a:xfrm>
+          <a:prstGeom prst="bentConnector3">
+            <a:avLst>
+              <a:gd name="adj1" fmla="val 173085"/>
+            </a:avLst>
+          </a:prstGeom>
+          <a:ln w="28575">
+            <a:tailEnd type="triangle"/>
+          </a:ln>
+        </p:spPr>
+        <p:style>
+          <a:lnRef idx="1">
+            <a:schemeClr val="accent1"/>
+          </a:lnRef>
+          <a:fillRef idx="0">
+            <a:schemeClr val="accent1"/>
+          </a:fillRef>
+          <a:effectRef idx="0">
+            <a:schemeClr val="accent1"/>
+          </a:effectRef>
+          <a:fontRef idx="minor">
+            <a:schemeClr val="tx1"/>
+          </a:fontRef>
+        </p:style>
+      </p:cxnSp>
+      <p:sp>
+        <p:nvSpPr>
+          <p:cNvPr id="88" name="직사각형 87"/>
+          <p:cNvSpPr/>
+          <p:nvPr/>
+        </p:nvSpPr>
+        <p:spPr>
+          <a:xfrm>
+            <a:off x="9875178" y="5468217"/>
+            <a:ext cx="1542004" cy="693045"/>
+          </a:xfrm>
+          <a:prstGeom prst="rect">
+            <a:avLst/>
+          </a:prstGeom>
+          <a:ln/>
+        </p:spPr>
+        <p:style>
+          <a:lnRef idx="2">
+            <a:schemeClr val="accent5">
+              <a:shade val="50000"/>
+            </a:schemeClr>
+          </a:lnRef>
+          <a:fillRef idx="1">
+            <a:schemeClr val="accent5"/>
+          </a:fillRef>
+          <a:effectRef idx="0">
+            <a:schemeClr val="accent5"/>
+          </a:effectRef>
+          <a:fontRef idx="minor">
+            <a:schemeClr val="lt1"/>
+          </a:fontRef>
+        </p:style>
+        <p:txBody>
+          <a:bodyPr rtlCol="0" anchor="ctr"/>
+          <a:lstStyle/>
+          <a:p>
+            <a:pPr algn="ctr"/>
             <a:r>
               <a:rPr lang="ko-KR" altLang="en-US" dirty="0"/>
-              <a:t>이동속도 </a:t>
-            </a:r>
-            <a:r>
-              <a:rPr lang="en-US" altLang="ko-KR" dirty="0"/>
-              <a:t>: 1</a:t>
-            </a:r>
-            <a:endParaRPr lang="ko-KR" altLang="en-US" dirty="0"/>
-          </a:p>
-        </p:txBody>
-      </p:sp>
-      <p:sp>
-        <p:nvSpPr>
-          <p:cNvPr id="4" name="직사각형 3"/>
+              <a:t>패널</a:t>
+            </a:r>
+          </a:p>
+        </p:txBody>
+      </p:sp>
+      <p:sp>
+        <p:nvSpPr>
+          <p:cNvPr id="90" name="직사각형 89"/>
           <p:cNvSpPr/>
           <p:nvPr/>
         </p:nvSpPr>
         <p:spPr>
           <a:xfrm>
-            <a:off x="6847621" y="612251"/>
-            <a:ext cx="1105239" cy="973515"/>
+            <a:off x="8101412" y="5468218"/>
+            <a:ext cx="1502218" cy="693045"/>
           </a:xfrm>
           <a:prstGeom prst="rect">
             <a:avLst/>
@@ -10443,9 +12294,7 @@
           </a:solidFill>
           <a:ln>
             <a:solidFill>
-              <a:schemeClr val="bg2">
-                <a:lumMod val="50000"/>
-              </a:schemeClr>
+              <a:schemeClr val="tx1"/>
             </a:solidFill>
           </a:ln>
         </p:spPr>
@@ -10471,44 +12320,63 @@
           <a:p>
             <a:pPr algn="ctr"/>
             <a:r>
-              <a:rPr lang="ko-KR" altLang="en-US" dirty="0" err="1">
-                <a:solidFill>
-                  <a:schemeClr val="tx1"/>
-                </a:solidFill>
-              </a:rPr>
-              <a:t>부스터</a:t>
-            </a:r>
-            <a:endParaRPr lang="ko-KR" altLang="en-US" dirty="0">
-              <a:solidFill>
-                <a:schemeClr val="tx1"/>
-              </a:solidFill>
-            </a:endParaRPr>
-          </a:p>
-        </p:txBody>
-      </p:sp>
-      <p:sp>
-        <p:nvSpPr>
-          <p:cNvPr id="26" name="직사각형 25"/>
+              <a:rPr lang="ko-KR" altLang="en-US" dirty="0"/>
+              <a:t>씬</a:t>
+            </a:r>
+          </a:p>
+        </p:txBody>
+      </p:sp>
+    </p:spTree>
+    <p:extLst>
+      <p:ext uri="{BB962C8B-B14F-4D97-AF65-F5344CB8AC3E}">
+        <p14:creationId xmlns:p14="http://schemas.microsoft.com/office/powerpoint/2010/main" val="1837547583"/>
+      </p:ext>
+    </p:extLst>
+  </p:cSld>
+  <p:clrMapOvr>
+    <a:masterClrMapping/>
+  </p:clrMapOvr>
+</p:sld>
+</file>
+
+<file path=ppt/slides/slide20.xml><?xml version="1.0" encoding="utf-8"?>
+<p:sld xmlns:a="http://schemas.openxmlformats.org/drawingml/2006/main" xmlns:r="http://schemas.openxmlformats.org/officeDocument/2006/relationships" xmlns:p="http://schemas.openxmlformats.org/presentationml/2006/main">
+  <p:cSld>
+    <p:spTree>
+      <p:nvGrpSpPr>
+        <p:cNvPr id="1" name=""/>
+        <p:cNvGrpSpPr/>
+        <p:nvPr/>
+      </p:nvGrpSpPr>
+      <p:grpSpPr>
+        <a:xfrm>
+          <a:off x="0" y="0"/>
+          <a:ext cx="0" cy="0"/>
+          <a:chOff x="0" y="0"/>
+          <a:chExt cx="0" cy="0"/>
+        </a:xfrm>
+      </p:grpSpPr>
+      <p:sp>
+        <p:nvSpPr>
+          <p:cNvPr id="2" name="직사각형 1"/>
           <p:cNvSpPr/>
           <p:nvPr/>
         </p:nvSpPr>
         <p:spPr>
           <a:xfrm>
-            <a:off x="8147914" y="612251"/>
-            <a:ext cx="1105239" cy="973515"/>
+            <a:off x="3640727" y="427203"/>
+            <a:ext cx="7122350" cy="1342239"/>
           </a:xfrm>
           <a:prstGeom prst="rect">
             <a:avLst/>
           </a:prstGeom>
           <a:solidFill>
-            <a:schemeClr val="bg2">
-              <a:lumMod val="90000"/>
-            </a:schemeClr>
+            <a:schemeClr val="bg2"/>
           </a:solidFill>
           <a:ln>
             <a:solidFill>
               <a:schemeClr val="bg2">
-                <a:lumMod val="50000"/>
+                <a:lumMod val="90000"/>
               </a:schemeClr>
             </a:solidFill>
           </a:ln>
@@ -10534,61 +12402,107 @@
           <a:lstStyle/>
           <a:p>
             <a:pPr algn="ctr"/>
-            <a:r>
-              <a:rPr lang="ko-KR" altLang="en-US" dirty="0">
-                <a:solidFill>
-                  <a:schemeClr val="tx1"/>
-                </a:solidFill>
-              </a:rPr>
-              <a:t>더블</a:t>
-            </a:r>
-            <a:endParaRPr lang="en-US" altLang="ko-KR" dirty="0">
-              <a:solidFill>
-                <a:schemeClr val="tx1"/>
-              </a:solidFill>
-            </a:endParaRPr>
-          </a:p>
-          <a:p>
-            <a:pPr algn="ctr"/>
-            <a:r>
-              <a:rPr lang="ko-KR" altLang="en-US" dirty="0" err="1">
-                <a:solidFill>
-                  <a:schemeClr val="tx1"/>
-                </a:solidFill>
-              </a:rPr>
-              <a:t>부스터</a:t>
-            </a:r>
-            <a:endParaRPr lang="ko-KR" altLang="en-US" dirty="0">
-              <a:solidFill>
-                <a:schemeClr val="tx1"/>
-              </a:solidFill>
-            </a:endParaRPr>
-          </a:p>
-        </p:txBody>
-      </p:sp>
-      <p:sp>
-        <p:nvSpPr>
-          <p:cNvPr id="27" name="직사각형 26"/>
+            <a:endParaRPr lang="ko-KR" altLang="en-US"/>
+          </a:p>
+        </p:txBody>
+      </p:sp>
+      <p:pic>
+        <p:nvPicPr>
+          <p:cNvPr id="6" name="그림 5"/>
+          <p:cNvPicPr>
+            <a:picLocks noChangeAspect="1"/>
+          </p:cNvPicPr>
+          <p:nvPr/>
+        </p:nvPicPr>
+        <p:blipFill>
+          <a:blip r:embed="rId2">
+            <a:extLst>
+              <a:ext uri="{28A0092B-C50C-407E-A947-70E740481C1C}">
+                <a14:useLocalDpi xmlns:a14="http://schemas.microsoft.com/office/drawing/2010/main" val="0"/>
+              </a:ext>
+            </a:extLst>
+          </a:blip>
+          <a:stretch>
+            <a:fillRect/>
+          </a:stretch>
+        </p:blipFill>
+        <p:spPr>
+          <a:xfrm>
+            <a:off x="3863899" y="612251"/>
+            <a:ext cx="987141" cy="987141"/>
+          </a:xfrm>
+          <a:prstGeom prst="rect">
+            <a:avLst/>
+          </a:prstGeom>
+        </p:spPr>
+      </p:pic>
+      <p:sp>
+        <p:nvSpPr>
+          <p:cNvPr id="14" name="TextBox 13"/>
+          <p:cNvSpPr txBox="1"/>
+          <p:nvPr/>
+        </p:nvSpPr>
+        <p:spPr>
+          <a:xfrm>
+            <a:off x="4960097" y="625877"/>
+            <a:ext cx="1531188" cy="923330"/>
+          </a:xfrm>
+          <a:prstGeom prst="rect">
+            <a:avLst/>
+          </a:prstGeom>
+          <a:noFill/>
+        </p:spPr>
+        <p:txBody>
+          <a:bodyPr wrap="square" rtlCol="0">
+            <a:spAutoFit/>
+          </a:bodyPr>
+          <a:lstStyle/>
+          <a:p>
+            <a:r>
+              <a:rPr lang="en-US" altLang="ko-KR" dirty="0"/>
+              <a:t>HP : 3</a:t>
+            </a:r>
+          </a:p>
+          <a:p>
+            <a:r>
+              <a:rPr lang="en-US" altLang="ko-KR" dirty="0"/>
+              <a:t>MP : 1000</a:t>
+            </a:r>
+          </a:p>
+          <a:p>
+            <a:r>
+              <a:rPr lang="ko-KR" altLang="en-US" dirty="0"/>
+              <a:t>이동속도 </a:t>
+            </a:r>
+            <a:r>
+              <a:rPr lang="en-US" altLang="ko-KR" dirty="0"/>
+              <a:t>: 1 </a:t>
+            </a:r>
+            <a:endParaRPr lang="ko-KR" altLang="en-US" dirty="0"/>
+          </a:p>
+        </p:txBody>
+      </p:sp>
+      <p:sp>
+        <p:nvSpPr>
+          <p:cNvPr id="11" name="직사각형 10"/>
           <p:cNvSpPr/>
           <p:nvPr/>
         </p:nvSpPr>
         <p:spPr>
           <a:xfrm>
-            <a:off x="6847621" y="2189253"/>
-            <a:ext cx="1105239" cy="973515"/>
+            <a:off x="3640727" y="3549580"/>
+            <a:ext cx="7122350" cy="1342239"/>
           </a:xfrm>
           <a:prstGeom prst="rect">
             <a:avLst/>
           </a:prstGeom>
           <a:solidFill>
-            <a:schemeClr val="bg2">
-              <a:lumMod val="90000"/>
-            </a:schemeClr>
+            <a:schemeClr val="bg2"/>
           </a:solidFill>
           <a:ln>
             <a:solidFill>
               <a:schemeClr val="bg2">
-                <a:lumMod val="50000"/>
+                <a:lumMod val="90000"/>
               </a:schemeClr>
             </a:solidFill>
           </a:ln>
@@ -10614,45 +12528,31 @@
           <a:lstStyle/>
           <a:p>
             <a:pPr algn="ctr"/>
-            <a:r>
-              <a:rPr lang="ko-KR" altLang="en-US">
-                <a:solidFill>
-                  <a:schemeClr val="tx1"/>
-                </a:solidFill>
-              </a:rPr>
-              <a:t>부스터</a:t>
-            </a:r>
-            <a:endParaRPr lang="ko-KR" altLang="en-US" dirty="0">
-              <a:solidFill>
-                <a:schemeClr val="tx1"/>
-              </a:solidFill>
-            </a:endParaRPr>
-          </a:p>
-        </p:txBody>
-      </p:sp>
-      <p:sp>
-        <p:nvSpPr>
-          <p:cNvPr id="28" name="직사각형 27"/>
+            <a:endParaRPr lang="ko-KR" altLang="en-US"/>
+          </a:p>
+        </p:txBody>
+      </p:sp>
+      <p:sp>
+        <p:nvSpPr>
+          <p:cNvPr id="13" name="직사각형 12"/>
           <p:cNvSpPr/>
           <p:nvPr/>
         </p:nvSpPr>
         <p:spPr>
           <a:xfrm>
-            <a:off x="8147914" y="2189253"/>
-            <a:ext cx="1105239" cy="973515"/>
+            <a:off x="3640727" y="5115802"/>
+            <a:ext cx="7122350" cy="1342239"/>
           </a:xfrm>
           <a:prstGeom prst="rect">
             <a:avLst/>
           </a:prstGeom>
           <a:solidFill>
-            <a:schemeClr val="bg2">
-              <a:lumMod val="90000"/>
-            </a:schemeClr>
+            <a:schemeClr val="bg2"/>
           </a:solidFill>
           <a:ln>
             <a:solidFill>
               <a:schemeClr val="bg2">
-                <a:lumMod val="50000"/>
+                <a:lumMod val="90000"/>
               </a:schemeClr>
             </a:solidFill>
           </a:ln>
@@ -10678,40 +12578,31 @@
           <a:lstStyle/>
           <a:p>
             <a:pPr algn="ctr"/>
-            <a:r>
-              <a:rPr lang="ko-KR" altLang="en-US" dirty="0">
-                <a:solidFill>
-                  <a:schemeClr val="tx1"/>
-                </a:solidFill>
-              </a:rPr>
-              <a:t>대포</a:t>
-            </a:r>
-          </a:p>
-        </p:txBody>
-      </p:sp>
-      <p:sp>
-        <p:nvSpPr>
-          <p:cNvPr id="29" name="직사각형 28"/>
+            <a:endParaRPr lang="ko-KR" altLang="en-US"/>
+          </a:p>
+        </p:txBody>
+      </p:sp>
+      <p:sp>
+        <p:nvSpPr>
+          <p:cNvPr id="15" name="직사각형 14"/>
           <p:cNvSpPr/>
           <p:nvPr/>
         </p:nvSpPr>
         <p:spPr>
           <a:xfrm>
-            <a:off x="6847621" y="5266234"/>
-            <a:ext cx="1105239" cy="973515"/>
+            <a:off x="3640727" y="1993425"/>
+            <a:ext cx="7122350" cy="1342239"/>
           </a:xfrm>
           <a:prstGeom prst="rect">
             <a:avLst/>
           </a:prstGeom>
           <a:solidFill>
-            <a:schemeClr val="bg2">
-              <a:lumMod val="90000"/>
-            </a:schemeClr>
+            <a:schemeClr val="bg2"/>
           </a:solidFill>
           <a:ln>
             <a:solidFill>
               <a:schemeClr val="bg2">
-                <a:lumMod val="50000"/>
+                <a:lumMod val="90000"/>
               </a:schemeClr>
             </a:solidFill>
           </a:ln>
@@ -10737,31 +12628,247 @@
           <a:lstStyle/>
           <a:p>
             <a:pPr algn="ctr"/>
-            <a:r>
-              <a:rPr lang="ko-KR" altLang="en-US">
-                <a:solidFill>
-                  <a:schemeClr val="tx1"/>
-                </a:solidFill>
-              </a:rPr>
-              <a:t>부스터</a:t>
-            </a:r>
-            <a:endParaRPr lang="ko-KR" altLang="en-US" dirty="0">
-              <a:solidFill>
-                <a:schemeClr val="tx1"/>
-              </a:solidFill>
-            </a:endParaRPr>
-          </a:p>
-        </p:txBody>
-      </p:sp>
-      <p:sp>
-        <p:nvSpPr>
-          <p:cNvPr id="30" name="직사각형 29"/>
+            <a:endParaRPr lang="ko-KR" altLang="en-US"/>
+          </a:p>
+        </p:txBody>
+      </p:sp>
+      <p:pic>
+        <p:nvPicPr>
+          <p:cNvPr id="17" name="그림 16"/>
+          <p:cNvPicPr>
+            <a:picLocks noChangeAspect="1"/>
+          </p:cNvPicPr>
+          <p:nvPr/>
+        </p:nvPicPr>
+        <p:blipFill>
+          <a:blip r:embed="rId3">
+            <a:extLst>
+              <a:ext uri="{28A0092B-C50C-407E-A947-70E740481C1C}">
+                <a14:useLocalDpi xmlns:a14="http://schemas.microsoft.com/office/drawing/2010/main" val="0"/>
+              </a:ext>
+            </a:extLst>
+          </a:blip>
+          <a:stretch>
+            <a:fillRect/>
+          </a:stretch>
+        </p:blipFill>
+        <p:spPr>
+          <a:xfrm>
+            <a:off x="3863899" y="2208122"/>
+            <a:ext cx="958111" cy="958111"/>
+          </a:xfrm>
+          <a:prstGeom prst="rect">
+            <a:avLst/>
+          </a:prstGeom>
+        </p:spPr>
+      </p:pic>
+      <p:sp>
+        <p:nvSpPr>
+          <p:cNvPr id="21" name="TextBox 20"/>
+          <p:cNvSpPr txBox="1"/>
+          <p:nvPr/>
+        </p:nvSpPr>
+        <p:spPr>
+          <a:xfrm>
+            <a:off x="4960097" y="2202879"/>
+            <a:ext cx="1887524" cy="923330"/>
+          </a:xfrm>
+          <a:prstGeom prst="rect">
+            <a:avLst/>
+          </a:prstGeom>
+          <a:noFill/>
+        </p:spPr>
+        <p:txBody>
+          <a:bodyPr wrap="square" rtlCol="0">
+            <a:spAutoFit/>
+          </a:bodyPr>
+          <a:lstStyle/>
+          <a:p>
+            <a:r>
+              <a:rPr lang="en-US" altLang="ko-KR" dirty="0"/>
+              <a:t>HP : 3</a:t>
+            </a:r>
+          </a:p>
+          <a:p>
+            <a:r>
+              <a:rPr lang="en-US" altLang="ko-KR" dirty="0"/>
+              <a:t>MP : 1000</a:t>
+            </a:r>
+          </a:p>
+          <a:p>
+            <a:r>
+              <a:rPr lang="ko-KR" altLang="en-US" dirty="0"/>
+              <a:t>이동속도 </a:t>
+            </a:r>
+            <a:r>
+              <a:rPr lang="en-US" altLang="ko-KR" dirty="0"/>
+              <a:t>: 1.3</a:t>
+            </a:r>
+            <a:endParaRPr lang="ko-KR" altLang="en-US" dirty="0"/>
+          </a:p>
+        </p:txBody>
+      </p:sp>
+      <p:pic>
+        <p:nvPicPr>
+          <p:cNvPr id="22" name="그림 21"/>
+          <p:cNvPicPr>
+            <a:picLocks noChangeAspect="1"/>
+          </p:cNvPicPr>
+          <p:nvPr/>
+        </p:nvPicPr>
+        <p:blipFill>
+          <a:blip r:embed="rId4">
+            <a:extLst>
+              <a:ext uri="{28A0092B-C50C-407E-A947-70E740481C1C}">
+                <a14:useLocalDpi xmlns:a14="http://schemas.microsoft.com/office/drawing/2010/main" val="0"/>
+              </a:ext>
+            </a:extLst>
+          </a:blip>
+          <a:stretch>
+            <a:fillRect/>
+          </a:stretch>
+        </p:blipFill>
+        <p:spPr>
+          <a:xfrm>
+            <a:off x="3948636" y="3756170"/>
+            <a:ext cx="812698" cy="812698"/>
+          </a:xfrm>
+          <a:prstGeom prst="rect">
+            <a:avLst/>
+          </a:prstGeom>
+        </p:spPr>
+      </p:pic>
+      <p:sp>
+        <p:nvSpPr>
+          <p:cNvPr id="23" name="TextBox 22"/>
+          <p:cNvSpPr txBox="1"/>
+          <p:nvPr/>
+        </p:nvSpPr>
+        <p:spPr>
+          <a:xfrm>
+            <a:off x="4960097" y="3756170"/>
+            <a:ext cx="1627369" cy="923330"/>
+          </a:xfrm>
+          <a:prstGeom prst="rect">
+            <a:avLst/>
+          </a:prstGeom>
+          <a:noFill/>
+        </p:spPr>
+        <p:txBody>
+          <a:bodyPr wrap="square" rtlCol="0">
+            <a:spAutoFit/>
+          </a:bodyPr>
+          <a:lstStyle/>
+          <a:p>
+            <a:r>
+              <a:rPr lang="en-US" altLang="ko-KR" dirty="0"/>
+              <a:t>HP : 5</a:t>
+            </a:r>
+          </a:p>
+          <a:p>
+            <a:r>
+              <a:rPr lang="en-US" altLang="ko-KR" dirty="0"/>
+              <a:t>MP : 1000</a:t>
+            </a:r>
+          </a:p>
+          <a:p>
+            <a:r>
+              <a:rPr lang="ko-KR" altLang="en-US" dirty="0"/>
+              <a:t>이동속도 </a:t>
+            </a:r>
+            <a:r>
+              <a:rPr lang="en-US" altLang="ko-KR" dirty="0"/>
+              <a:t>: 0.7</a:t>
+            </a:r>
+            <a:endParaRPr lang="ko-KR" altLang="en-US" dirty="0"/>
+          </a:p>
+        </p:txBody>
+      </p:sp>
+      <p:pic>
+        <p:nvPicPr>
+          <p:cNvPr id="24" name="그림 23"/>
+          <p:cNvPicPr>
+            <a:picLocks noChangeAspect="1"/>
+          </p:cNvPicPr>
+          <p:nvPr/>
+        </p:nvPicPr>
+        <p:blipFill>
+          <a:blip r:embed="rId5">
+            <a:extLst>
+              <a:ext uri="{28A0092B-C50C-407E-A947-70E740481C1C}">
+                <a14:useLocalDpi xmlns:a14="http://schemas.microsoft.com/office/drawing/2010/main" val="0"/>
+              </a:ext>
+            </a:extLst>
+          </a:blip>
+          <a:stretch>
+            <a:fillRect/>
+          </a:stretch>
+        </p:blipFill>
+        <p:spPr>
+          <a:xfrm>
+            <a:off x="3948636" y="5360117"/>
+            <a:ext cx="812698" cy="812698"/>
+          </a:xfrm>
+          <a:prstGeom prst="rect">
+            <a:avLst/>
+          </a:prstGeom>
+        </p:spPr>
+      </p:pic>
+      <p:sp>
+        <p:nvSpPr>
+          <p:cNvPr id="25" name="TextBox 24"/>
+          <p:cNvSpPr txBox="1"/>
+          <p:nvPr/>
+        </p:nvSpPr>
+        <p:spPr>
+          <a:xfrm>
+            <a:off x="4960097" y="5325256"/>
+            <a:ext cx="1449436" cy="923330"/>
+          </a:xfrm>
+          <a:prstGeom prst="rect">
+            <a:avLst/>
+          </a:prstGeom>
+          <a:noFill/>
+        </p:spPr>
+        <p:txBody>
+          <a:bodyPr wrap="square" rtlCol="0">
+            <a:spAutoFit/>
+          </a:bodyPr>
+          <a:lstStyle/>
+          <a:p>
+            <a:r>
+              <a:rPr lang="en-US" altLang="ko-KR" dirty="0"/>
+              <a:t>HP : 3</a:t>
+            </a:r>
+          </a:p>
+          <a:p>
+            <a:r>
+              <a:rPr lang="en-US" altLang="ko-KR" dirty="0"/>
+              <a:t>MP : 1000</a:t>
+            </a:r>
+          </a:p>
+          <a:p>
+            <a:r>
+              <a:rPr lang="ko-KR" altLang="en-US" dirty="0"/>
+              <a:t>이동속도 </a:t>
+            </a:r>
+            <a:r>
+              <a:rPr lang="en-US" altLang="ko-KR" dirty="0"/>
+              <a:t>: 1</a:t>
+            </a:r>
+            <a:endParaRPr lang="ko-KR" altLang="en-US" dirty="0"/>
+          </a:p>
+        </p:txBody>
+      </p:sp>
+      <p:sp>
+        <p:nvSpPr>
+          <p:cNvPr id="4" name="직사각형 3"/>
           <p:cNvSpPr/>
           <p:nvPr/>
         </p:nvSpPr>
         <p:spPr>
           <a:xfrm>
-            <a:off x="8147914" y="5266234"/>
+            <a:off x="6847621" y="612251"/>
             <a:ext cx="1105239" cy="973515"/>
           </a:xfrm>
           <a:prstGeom prst="rect">
@@ -10802,25 +12909,30 @@
           <a:p>
             <a:pPr algn="ctr"/>
             <a:r>
-              <a:rPr lang="ko-KR" altLang="en-US" dirty="0">
+              <a:rPr lang="ko-KR" altLang="en-US" dirty="0" err="1">
                 <a:solidFill>
                   <a:schemeClr val="tx1"/>
                 </a:solidFill>
               </a:rPr>
-              <a:t>독가스</a:t>
-            </a:r>
-          </a:p>
-        </p:txBody>
-      </p:sp>
-      <p:sp>
-        <p:nvSpPr>
-          <p:cNvPr id="32" name="직사각형 31"/>
+              <a:t>부스터</a:t>
+            </a:r>
+            <a:endParaRPr lang="ko-KR" altLang="en-US" dirty="0">
+              <a:solidFill>
+                <a:schemeClr val="tx1"/>
+              </a:solidFill>
+            </a:endParaRPr>
+          </a:p>
+        </p:txBody>
+      </p:sp>
+      <p:sp>
+        <p:nvSpPr>
+          <p:cNvPr id="26" name="직사각형 25"/>
           <p:cNvSpPr/>
           <p:nvPr/>
         </p:nvSpPr>
         <p:spPr>
           <a:xfrm>
-            <a:off x="6847621" y="3728351"/>
+            <a:off x="8147914" y="612251"/>
             <a:ext cx="1105239" cy="973515"/>
           </a:xfrm>
           <a:prstGeom prst="rect">
@@ -10861,7 +12973,23 @@
           <a:p>
             <a:pPr algn="ctr"/>
             <a:r>
-              <a:rPr lang="ko-KR" altLang="en-US">
+              <a:rPr lang="ko-KR" altLang="en-US" dirty="0">
+                <a:solidFill>
+                  <a:schemeClr val="tx1"/>
+                </a:solidFill>
+              </a:rPr>
+              <a:t>더블</a:t>
+            </a:r>
+            <a:endParaRPr lang="en-US" altLang="ko-KR" dirty="0">
+              <a:solidFill>
+                <a:schemeClr val="tx1"/>
+              </a:solidFill>
+            </a:endParaRPr>
+          </a:p>
+          <a:p>
+            <a:pPr algn="ctr"/>
+            <a:r>
+              <a:rPr lang="ko-KR" altLang="en-US" dirty="0" err="1">
                 <a:solidFill>
                   <a:schemeClr val="tx1"/>
                 </a:solidFill>
@@ -10878,13 +13006,13 @@
       </p:sp>
       <p:sp>
         <p:nvSpPr>
-          <p:cNvPr id="33" name="직사각형 32"/>
+          <p:cNvPr id="27" name="직사각형 26"/>
           <p:cNvSpPr/>
           <p:nvPr/>
         </p:nvSpPr>
         <p:spPr>
           <a:xfrm>
-            <a:off x="8147914" y="3728351"/>
+            <a:off x="6847621" y="2189253"/>
             <a:ext cx="1105239" cy="973515"/>
           </a:xfrm>
           <a:prstGeom prst="rect">
@@ -10925,25 +13053,30 @@
           <a:p>
             <a:pPr algn="ctr"/>
             <a:r>
-              <a:rPr lang="ko-KR" altLang="en-US" dirty="0">
+              <a:rPr lang="ko-KR" altLang="en-US">
                 <a:solidFill>
                   <a:schemeClr val="tx1"/>
                 </a:solidFill>
               </a:rPr>
-              <a:t>폭발</a:t>
-            </a:r>
-          </a:p>
-        </p:txBody>
-      </p:sp>
-      <p:sp>
-        <p:nvSpPr>
-          <p:cNvPr id="34" name="직사각형 33"/>
+              <a:t>부스터</a:t>
+            </a:r>
+            <a:endParaRPr lang="ko-KR" altLang="en-US" dirty="0">
+              <a:solidFill>
+                <a:schemeClr val="tx1"/>
+              </a:solidFill>
+            </a:endParaRPr>
+          </a:p>
+        </p:txBody>
+      </p:sp>
+      <p:sp>
+        <p:nvSpPr>
+          <p:cNvPr id="28" name="직사각형 27"/>
           <p:cNvSpPr/>
           <p:nvPr/>
         </p:nvSpPr>
         <p:spPr>
           <a:xfrm>
-            <a:off x="9448207" y="612251"/>
+            <a:off x="8147914" y="2189253"/>
             <a:ext cx="1105239" cy="973515"/>
           </a:xfrm>
           <a:prstGeom prst="rect">
@@ -10989,20 +13122,20 @@
                   <a:schemeClr val="tx1"/>
                 </a:solidFill>
               </a:rPr>
-              <a:t>회피</a:t>
-            </a:r>
-          </a:p>
-        </p:txBody>
-      </p:sp>
-      <p:sp>
-        <p:nvSpPr>
-          <p:cNvPr id="35" name="직사각형 34"/>
+              <a:t>대포</a:t>
+            </a:r>
+          </a:p>
+        </p:txBody>
+      </p:sp>
+      <p:sp>
+        <p:nvSpPr>
+          <p:cNvPr id="29" name="직사각형 28"/>
           <p:cNvSpPr/>
           <p:nvPr/>
         </p:nvSpPr>
         <p:spPr>
           <a:xfrm>
-            <a:off x="9448207" y="2189253"/>
+            <a:off x="6847621" y="5266234"/>
             <a:ext cx="1105239" cy="973515"/>
           </a:xfrm>
           <a:prstGeom prst="rect">
@@ -11043,25 +13176,30 @@
           <a:p>
             <a:pPr algn="ctr"/>
             <a:r>
-              <a:rPr lang="ko-KR" altLang="en-US" dirty="0">
+              <a:rPr lang="ko-KR" altLang="en-US">
                 <a:solidFill>
                   <a:schemeClr val="tx1"/>
                 </a:solidFill>
               </a:rPr>
-              <a:t>회피</a:t>
-            </a:r>
-          </a:p>
-        </p:txBody>
-      </p:sp>
-      <p:sp>
-        <p:nvSpPr>
-          <p:cNvPr id="36" name="직사각형 35"/>
+              <a:t>부스터</a:t>
+            </a:r>
+            <a:endParaRPr lang="ko-KR" altLang="en-US" dirty="0">
+              <a:solidFill>
+                <a:schemeClr val="tx1"/>
+              </a:solidFill>
+            </a:endParaRPr>
+          </a:p>
+        </p:txBody>
+      </p:sp>
+      <p:sp>
+        <p:nvSpPr>
+          <p:cNvPr id="30" name="직사각형 29"/>
           <p:cNvSpPr/>
           <p:nvPr/>
         </p:nvSpPr>
         <p:spPr>
           <a:xfrm>
-            <a:off x="9448207" y="5266234"/>
+            <a:off x="8147914" y="5266234"/>
             <a:ext cx="1105239" cy="973515"/>
           </a:xfrm>
           <a:prstGeom prst="rect">
@@ -11102,25 +13240,25 @@
           <a:p>
             <a:pPr algn="ctr"/>
             <a:r>
-              <a:rPr lang="ko-KR" altLang="en-US">
+              <a:rPr lang="ko-KR" altLang="en-US" dirty="0">
                 <a:solidFill>
                   <a:schemeClr val="tx1"/>
                 </a:solidFill>
               </a:rPr>
-              <a:t>회피</a:t>
-            </a:r>
-          </a:p>
-        </p:txBody>
-      </p:sp>
-      <p:sp>
-        <p:nvSpPr>
-          <p:cNvPr id="37" name="직사각형 36"/>
+              <a:t>독가스</a:t>
+            </a:r>
+          </a:p>
+        </p:txBody>
+      </p:sp>
+      <p:sp>
+        <p:nvSpPr>
+          <p:cNvPr id="32" name="직사각형 31"/>
           <p:cNvSpPr/>
           <p:nvPr/>
         </p:nvSpPr>
         <p:spPr>
           <a:xfrm>
-            <a:off x="9448207" y="3728351"/>
+            <a:off x="6847621" y="3728351"/>
             <a:ext cx="1105239" cy="973515"/>
           </a:xfrm>
           <a:prstGeom prst="rect">
@@ -11161,6 +13299,306 @@
           <a:p>
             <a:pPr algn="ctr"/>
             <a:r>
+              <a:rPr lang="ko-KR" altLang="en-US">
+                <a:solidFill>
+                  <a:schemeClr val="tx1"/>
+                </a:solidFill>
+              </a:rPr>
+              <a:t>부스터</a:t>
+            </a:r>
+            <a:endParaRPr lang="ko-KR" altLang="en-US" dirty="0">
+              <a:solidFill>
+                <a:schemeClr val="tx1"/>
+              </a:solidFill>
+            </a:endParaRPr>
+          </a:p>
+        </p:txBody>
+      </p:sp>
+      <p:sp>
+        <p:nvSpPr>
+          <p:cNvPr id="33" name="직사각형 32"/>
+          <p:cNvSpPr/>
+          <p:nvPr/>
+        </p:nvSpPr>
+        <p:spPr>
+          <a:xfrm>
+            <a:off x="8147914" y="3728351"/>
+            <a:ext cx="1105239" cy="973515"/>
+          </a:xfrm>
+          <a:prstGeom prst="rect">
+            <a:avLst/>
+          </a:prstGeom>
+          <a:solidFill>
+            <a:schemeClr val="bg2">
+              <a:lumMod val="90000"/>
+            </a:schemeClr>
+          </a:solidFill>
+          <a:ln>
+            <a:solidFill>
+              <a:schemeClr val="bg2">
+                <a:lumMod val="50000"/>
+              </a:schemeClr>
+            </a:solidFill>
+          </a:ln>
+        </p:spPr>
+        <p:style>
+          <a:lnRef idx="2">
+            <a:schemeClr val="accent1">
+              <a:shade val="50000"/>
+            </a:schemeClr>
+          </a:lnRef>
+          <a:fillRef idx="1">
+            <a:schemeClr val="accent1"/>
+          </a:fillRef>
+          <a:effectRef idx="0">
+            <a:schemeClr val="accent1"/>
+          </a:effectRef>
+          <a:fontRef idx="minor">
+            <a:schemeClr val="lt1"/>
+          </a:fontRef>
+        </p:style>
+        <p:txBody>
+          <a:bodyPr rtlCol="0" anchor="ctr"/>
+          <a:lstStyle/>
+          <a:p>
+            <a:pPr algn="ctr"/>
+            <a:r>
+              <a:rPr lang="ko-KR" altLang="en-US" dirty="0">
+                <a:solidFill>
+                  <a:schemeClr val="tx1"/>
+                </a:solidFill>
+              </a:rPr>
+              <a:t>폭발</a:t>
+            </a:r>
+          </a:p>
+        </p:txBody>
+      </p:sp>
+      <p:sp>
+        <p:nvSpPr>
+          <p:cNvPr id="34" name="직사각형 33"/>
+          <p:cNvSpPr/>
+          <p:nvPr/>
+        </p:nvSpPr>
+        <p:spPr>
+          <a:xfrm>
+            <a:off x="9448207" y="612251"/>
+            <a:ext cx="1105239" cy="973515"/>
+          </a:xfrm>
+          <a:prstGeom prst="rect">
+            <a:avLst/>
+          </a:prstGeom>
+          <a:solidFill>
+            <a:schemeClr val="bg2">
+              <a:lumMod val="90000"/>
+            </a:schemeClr>
+          </a:solidFill>
+          <a:ln>
+            <a:solidFill>
+              <a:schemeClr val="bg2">
+                <a:lumMod val="50000"/>
+              </a:schemeClr>
+            </a:solidFill>
+          </a:ln>
+        </p:spPr>
+        <p:style>
+          <a:lnRef idx="2">
+            <a:schemeClr val="accent1">
+              <a:shade val="50000"/>
+            </a:schemeClr>
+          </a:lnRef>
+          <a:fillRef idx="1">
+            <a:schemeClr val="accent1"/>
+          </a:fillRef>
+          <a:effectRef idx="0">
+            <a:schemeClr val="accent1"/>
+          </a:effectRef>
+          <a:fontRef idx="minor">
+            <a:schemeClr val="lt1"/>
+          </a:fontRef>
+        </p:style>
+        <p:txBody>
+          <a:bodyPr rtlCol="0" anchor="ctr"/>
+          <a:lstStyle/>
+          <a:p>
+            <a:pPr algn="ctr"/>
+            <a:r>
+              <a:rPr lang="ko-KR" altLang="en-US" dirty="0">
+                <a:solidFill>
+                  <a:schemeClr val="tx1"/>
+                </a:solidFill>
+              </a:rPr>
+              <a:t>회피</a:t>
+            </a:r>
+          </a:p>
+        </p:txBody>
+      </p:sp>
+      <p:sp>
+        <p:nvSpPr>
+          <p:cNvPr id="35" name="직사각형 34"/>
+          <p:cNvSpPr/>
+          <p:nvPr/>
+        </p:nvSpPr>
+        <p:spPr>
+          <a:xfrm>
+            <a:off x="9448207" y="2189253"/>
+            <a:ext cx="1105239" cy="973515"/>
+          </a:xfrm>
+          <a:prstGeom prst="rect">
+            <a:avLst/>
+          </a:prstGeom>
+          <a:solidFill>
+            <a:schemeClr val="bg2">
+              <a:lumMod val="90000"/>
+            </a:schemeClr>
+          </a:solidFill>
+          <a:ln>
+            <a:solidFill>
+              <a:schemeClr val="bg2">
+                <a:lumMod val="50000"/>
+              </a:schemeClr>
+            </a:solidFill>
+          </a:ln>
+        </p:spPr>
+        <p:style>
+          <a:lnRef idx="2">
+            <a:schemeClr val="accent1">
+              <a:shade val="50000"/>
+            </a:schemeClr>
+          </a:lnRef>
+          <a:fillRef idx="1">
+            <a:schemeClr val="accent1"/>
+          </a:fillRef>
+          <a:effectRef idx="0">
+            <a:schemeClr val="accent1"/>
+          </a:effectRef>
+          <a:fontRef idx="minor">
+            <a:schemeClr val="lt1"/>
+          </a:fontRef>
+        </p:style>
+        <p:txBody>
+          <a:bodyPr rtlCol="0" anchor="ctr"/>
+          <a:lstStyle/>
+          <a:p>
+            <a:pPr algn="ctr"/>
+            <a:r>
+              <a:rPr lang="ko-KR" altLang="en-US" dirty="0">
+                <a:solidFill>
+                  <a:schemeClr val="tx1"/>
+                </a:solidFill>
+              </a:rPr>
+              <a:t>회피</a:t>
+            </a:r>
+          </a:p>
+        </p:txBody>
+      </p:sp>
+      <p:sp>
+        <p:nvSpPr>
+          <p:cNvPr id="36" name="직사각형 35"/>
+          <p:cNvSpPr/>
+          <p:nvPr/>
+        </p:nvSpPr>
+        <p:spPr>
+          <a:xfrm>
+            <a:off x="9448207" y="5266234"/>
+            <a:ext cx="1105239" cy="973515"/>
+          </a:xfrm>
+          <a:prstGeom prst="rect">
+            <a:avLst/>
+          </a:prstGeom>
+          <a:solidFill>
+            <a:schemeClr val="bg2">
+              <a:lumMod val="90000"/>
+            </a:schemeClr>
+          </a:solidFill>
+          <a:ln>
+            <a:solidFill>
+              <a:schemeClr val="bg2">
+                <a:lumMod val="50000"/>
+              </a:schemeClr>
+            </a:solidFill>
+          </a:ln>
+        </p:spPr>
+        <p:style>
+          <a:lnRef idx="2">
+            <a:schemeClr val="accent1">
+              <a:shade val="50000"/>
+            </a:schemeClr>
+          </a:lnRef>
+          <a:fillRef idx="1">
+            <a:schemeClr val="accent1"/>
+          </a:fillRef>
+          <a:effectRef idx="0">
+            <a:schemeClr val="accent1"/>
+          </a:effectRef>
+          <a:fontRef idx="minor">
+            <a:schemeClr val="lt1"/>
+          </a:fontRef>
+        </p:style>
+        <p:txBody>
+          <a:bodyPr rtlCol="0" anchor="ctr"/>
+          <a:lstStyle/>
+          <a:p>
+            <a:pPr algn="ctr"/>
+            <a:r>
+              <a:rPr lang="ko-KR" altLang="en-US">
+                <a:solidFill>
+                  <a:schemeClr val="tx1"/>
+                </a:solidFill>
+              </a:rPr>
+              <a:t>회피</a:t>
+            </a:r>
+          </a:p>
+        </p:txBody>
+      </p:sp>
+      <p:sp>
+        <p:nvSpPr>
+          <p:cNvPr id="37" name="직사각형 36"/>
+          <p:cNvSpPr/>
+          <p:nvPr/>
+        </p:nvSpPr>
+        <p:spPr>
+          <a:xfrm>
+            <a:off x="9448207" y="3728351"/>
+            <a:ext cx="1105239" cy="973515"/>
+          </a:xfrm>
+          <a:prstGeom prst="rect">
+            <a:avLst/>
+          </a:prstGeom>
+          <a:solidFill>
+            <a:schemeClr val="bg2">
+              <a:lumMod val="90000"/>
+            </a:schemeClr>
+          </a:solidFill>
+          <a:ln>
+            <a:solidFill>
+              <a:schemeClr val="bg2">
+                <a:lumMod val="50000"/>
+              </a:schemeClr>
+            </a:solidFill>
+          </a:ln>
+        </p:spPr>
+        <p:style>
+          <a:lnRef idx="2">
+            <a:schemeClr val="accent1">
+              <a:shade val="50000"/>
+            </a:schemeClr>
+          </a:lnRef>
+          <a:fillRef idx="1">
+            <a:schemeClr val="accent1"/>
+          </a:fillRef>
+          <a:effectRef idx="0">
+            <a:schemeClr val="accent1"/>
+          </a:effectRef>
+          <a:fontRef idx="minor">
+            <a:schemeClr val="lt1"/>
+          </a:fontRef>
+        </p:style>
+        <p:txBody>
+          <a:bodyPr rtlCol="0" anchor="ctr"/>
+          <a:lstStyle/>
+          <a:p>
+            <a:pPr algn="ctr"/>
+            <a:r>
               <a:rPr lang="ko-KR" altLang="en-US" dirty="0">
                 <a:solidFill>
                   <a:schemeClr val="tx1"/>
@@ -11213,7 +13651,7 @@
 </p:sld>
 </file>
 
-<file path=ppt/slides/slide22.xml><?xml version="1.0" encoding="utf-8"?>
+<file path=ppt/slides/slide21.xml><?xml version="1.0" encoding="utf-8"?>
 <p:sld xmlns:a="http://schemas.openxmlformats.org/drawingml/2006/main" xmlns:r="http://schemas.openxmlformats.org/officeDocument/2006/relationships" xmlns:p="http://schemas.openxmlformats.org/presentationml/2006/main">
   <p:cSld>
     <p:spTree>
@@ -12402,7 +14840,7 @@
 </p:sld>
 </file>
 
-<file path=ppt/slides/slide23.xml><?xml version="1.0" encoding="utf-8"?>
+<file path=ppt/slides/slide22.xml><?xml version="1.0" encoding="utf-8"?>
 <p:sld xmlns:a="http://schemas.openxmlformats.org/drawingml/2006/main" xmlns:r="http://schemas.openxmlformats.org/officeDocument/2006/relationships" xmlns:p="http://schemas.openxmlformats.org/presentationml/2006/main">
   <p:cSld>
     <p:spTree>
@@ -13263,7 +15701,7 @@
 </p:sld>
 </file>
 
-<file path=ppt/slides/slide24.xml><?xml version="1.0" encoding="utf-8"?>
+<file path=ppt/slides/slide23.xml><?xml version="1.0" encoding="utf-8"?>
 <p:sld xmlns:a="http://schemas.openxmlformats.org/drawingml/2006/main" xmlns:r="http://schemas.openxmlformats.org/officeDocument/2006/relationships" xmlns:p="http://schemas.openxmlformats.org/presentationml/2006/main">
   <p:cSld>
     <p:spTree>
@@ -13920,7 +16358,7 @@
 </p:sld>
 </file>
 
-<file path=ppt/slides/slide25.xml><?xml version="1.0" encoding="utf-8"?>
+<file path=ppt/slides/slide24.xml><?xml version="1.0" encoding="utf-8"?>
 <p:sld xmlns:a="http://schemas.openxmlformats.org/drawingml/2006/main" xmlns:r="http://schemas.openxmlformats.org/officeDocument/2006/relationships" xmlns:p="http://schemas.openxmlformats.org/presentationml/2006/main">
   <p:cSld>
     <p:spTree>
@@ -13984,7 +16422,7 @@
 </p:sld>
 </file>
 
-<file path=ppt/slides/slide26.xml><?xml version="1.0" encoding="utf-8"?>
+<file path=ppt/slides/slide25.xml><?xml version="1.0" encoding="utf-8"?>
 <p:sld xmlns:a="http://schemas.openxmlformats.org/drawingml/2006/main" xmlns:r="http://schemas.openxmlformats.org/officeDocument/2006/relationships" xmlns:p="http://schemas.openxmlformats.org/presentationml/2006/main">
   <p:cSld>
     <p:bg>
@@ -14887,7 +17325,7 @@
 </p:sld>
 </file>
 
-<file path=ppt/slides/slide27.xml><?xml version="1.0" encoding="utf-8"?>
+<file path=ppt/slides/slide26.xml><?xml version="1.0" encoding="utf-8"?>
 <p:sld xmlns:a="http://schemas.openxmlformats.org/drawingml/2006/main" xmlns:r="http://schemas.openxmlformats.org/officeDocument/2006/relationships" xmlns:p="http://schemas.openxmlformats.org/presentationml/2006/main">
   <p:cSld>
     <p:spTree>
@@ -15452,7 +17890,7 @@
 </p:sld>
 </file>
 
-<file path=ppt/slides/slide28.xml><?xml version="1.0" encoding="utf-8"?>
+<file path=ppt/slides/slide27.xml><?xml version="1.0" encoding="utf-8"?>
 <p:sld xmlns:a="http://schemas.openxmlformats.org/drawingml/2006/main" xmlns:r="http://schemas.openxmlformats.org/officeDocument/2006/relationships" xmlns:p="http://schemas.openxmlformats.org/presentationml/2006/main">
   <p:cSld>
     <p:spTree>
@@ -16132,7 +18570,7 @@
 </p:sld>
 </file>
 
-<file path=ppt/slides/slide29.xml><?xml version="1.0" encoding="utf-8"?>
+<file path=ppt/slides/slide28.xml><?xml version="1.0" encoding="utf-8"?>
 <p:sld xmlns:a="http://schemas.openxmlformats.org/drawingml/2006/main" xmlns:r="http://schemas.openxmlformats.org/officeDocument/2006/relationships" xmlns:p="http://schemas.openxmlformats.org/presentationml/2006/main">
   <p:cSld>
     <p:spTree>
@@ -16832,7 +19270,7 @@
           </a:ln>
           <a:extLst>
             <a:ext uri="{C572A759-6A51-4108-AA02-DFA0A04FC94B}">
-              <ma14:wrappingTextBoxFlag xmlns="" xmlns:ma14="http://schemas.microsoft.com/office/mac/drawingml/2011/main" val="1"/>
+              <ma14:wrappingTextBoxFlag xmlns:ma14="http://schemas.microsoft.com/office/mac/drawingml/2011/main" xmlns="" val="1"/>
             </a:ext>
           </a:extLst>
         </p:spPr>
@@ -16975,7 +19413,7 @@
           </a:effectLst>
           <a:extLst>
             <a:ext uri="{C572A759-6A51-4108-AA02-DFA0A04FC94B}">
-              <ma14:wrappingTextBoxFlag xmlns="" xmlns:ma14="http://schemas.microsoft.com/office/mac/drawingml/2011/main" val="1"/>
+              <ma14:wrappingTextBoxFlag xmlns:ma14="http://schemas.microsoft.com/office/mac/drawingml/2011/main" xmlns="" val="1"/>
             </a:ext>
           </a:extLst>
         </p:spPr>
@@ -17028,7 +19466,7 @@
           </a:effectLst>
           <a:extLst>
             <a:ext uri="{C572A759-6A51-4108-AA02-DFA0A04FC94B}">
-              <ma14:wrappingTextBoxFlag xmlns="" xmlns:ma14="http://schemas.microsoft.com/office/mac/drawingml/2011/main" val="1"/>
+              <ma14:wrappingTextBoxFlag xmlns:ma14="http://schemas.microsoft.com/office/mac/drawingml/2011/main" xmlns="" val="1"/>
             </a:ext>
           </a:extLst>
         </p:spPr>
@@ -17081,7 +19519,7 @@
           </a:effectLst>
           <a:extLst>
             <a:ext uri="{C572A759-6A51-4108-AA02-DFA0A04FC94B}">
-              <ma14:wrappingTextBoxFlag xmlns="" xmlns:ma14="http://schemas.microsoft.com/office/mac/drawingml/2011/main" val="1"/>
+              <ma14:wrappingTextBoxFlag xmlns:ma14="http://schemas.microsoft.com/office/mac/drawingml/2011/main" xmlns="" val="1"/>
             </a:ext>
           </a:extLst>
         </p:spPr>
@@ -17133,7 +19571,7 @@
           </a:effectLst>
           <a:extLst>
             <a:ext uri="{C572A759-6A51-4108-AA02-DFA0A04FC94B}">
-              <ma14:wrappingTextBoxFlag xmlns="" xmlns:ma14="http://schemas.microsoft.com/office/mac/drawingml/2011/main" val="1"/>
+              <ma14:wrappingTextBoxFlag xmlns:ma14="http://schemas.microsoft.com/office/mac/drawingml/2011/main" xmlns="" val="1"/>
             </a:ext>
           </a:extLst>
         </p:spPr>
@@ -17186,7 +19624,7 @@
           </a:effectLst>
           <a:extLst>
             <a:ext uri="{C572A759-6A51-4108-AA02-DFA0A04FC94B}">
-              <ma14:wrappingTextBoxFlag xmlns="" xmlns:ma14="http://schemas.microsoft.com/office/mac/drawingml/2011/main" val="1"/>
+              <ma14:wrappingTextBoxFlag xmlns:ma14="http://schemas.microsoft.com/office/mac/drawingml/2011/main" xmlns="" val="1"/>
             </a:ext>
           </a:extLst>
         </p:spPr>
@@ -17235,7 +19673,7 @@
           </a:ln>
           <a:extLst>
             <a:ext uri="{C572A759-6A51-4108-AA02-DFA0A04FC94B}">
-              <ma14:wrappingTextBoxFlag xmlns="" xmlns:ma14="http://schemas.microsoft.com/office/mac/drawingml/2011/main" val="1"/>
+              <ma14:wrappingTextBoxFlag xmlns:ma14="http://schemas.microsoft.com/office/mac/drawingml/2011/main" xmlns="" val="1"/>
             </a:ext>
           </a:extLst>
         </p:spPr>
@@ -17292,7 +19730,7 @@
           </a:ln>
           <a:extLst>
             <a:ext uri="{C572A759-6A51-4108-AA02-DFA0A04FC94B}">
-              <ma14:wrappingTextBoxFlag xmlns="" xmlns:ma14="http://schemas.microsoft.com/office/mac/drawingml/2011/main" val="1"/>
+              <ma14:wrappingTextBoxFlag xmlns:ma14="http://schemas.microsoft.com/office/mac/drawingml/2011/main" xmlns="" val="1"/>
             </a:ext>
           </a:extLst>
         </p:spPr>
@@ -17348,7 +19786,7 @@
           </a:ln>
           <a:extLst>
             <a:ext uri="{C572A759-6A51-4108-AA02-DFA0A04FC94B}">
-              <ma14:wrappingTextBoxFlag xmlns="" xmlns:ma14="http://schemas.microsoft.com/office/mac/drawingml/2011/main" val="1"/>
+              <ma14:wrappingTextBoxFlag xmlns:ma14="http://schemas.microsoft.com/office/mac/drawingml/2011/main" xmlns="" val="1"/>
             </a:ext>
           </a:extLst>
         </p:spPr>
@@ -17418,7 +19856,7 @@
           </a:ln>
           <a:extLst>
             <a:ext uri="{C572A759-6A51-4108-AA02-DFA0A04FC94B}">
-              <ma14:wrappingTextBoxFlag xmlns="" xmlns:ma14="http://schemas.microsoft.com/office/mac/drawingml/2011/main" val="1"/>
+              <ma14:wrappingTextBoxFlag xmlns:ma14="http://schemas.microsoft.com/office/mac/drawingml/2011/main" xmlns="" val="1"/>
             </a:ext>
           </a:extLst>
         </p:spPr>
@@ -17662,7 +20100,7 @@
           </a:ln>
           <a:extLst>
             <a:ext uri="{C572A759-6A51-4108-AA02-DFA0A04FC94B}">
-              <ma14:wrappingTextBoxFlag xmlns="" xmlns:ma14="http://schemas.microsoft.com/office/mac/drawingml/2011/main" val="1"/>
+              <ma14:wrappingTextBoxFlag xmlns:ma14="http://schemas.microsoft.com/office/mac/drawingml/2011/main" xmlns="" val="1"/>
             </a:ext>
           </a:extLst>
         </p:spPr>
@@ -19827,7 +22265,7 @@
             </a:ln>
             <a:extLst>
               <a:ext uri="{C572A759-6A51-4108-AA02-DFA0A04FC94B}">
-                <ma14:wrappingTextBoxFlag xmlns="" xmlns:ma14="http://schemas.microsoft.com/office/mac/drawingml/2011/main" val="1"/>
+                <ma14:wrappingTextBoxFlag xmlns:ma14="http://schemas.microsoft.com/office/mac/drawingml/2011/main" xmlns="" val="1"/>
               </a:ext>
             </a:extLst>
           </p:spPr>
@@ -19871,7 +22309,7 @@
             </a:ln>
             <a:extLst>
               <a:ext uri="{C572A759-6A51-4108-AA02-DFA0A04FC94B}">
-                <ma14:wrappingTextBoxFlag xmlns="" xmlns:ma14="http://schemas.microsoft.com/office/mac/drawingml/2011/main" val="1"/>
+                <ma14:wrappingTextBoxFlag xmlns:ma14="http://schemas.microsoft.com/office/mac/drawingml/2011/main" xmlns="" val="1"/>
               </a:ext>
             </a:extLst>
           </p:spPr>
@@ -19915,7 +22353,7 @@
             </a:ln>
             <a:extLst>
               <a:ext uri="{C572A759-6A51-4108-AA02-DFA0A04FC94B}">
-                <ma14:wrappingTextBoxFlag xmlns="" xmlns:ma14="http://schemas.microsoft.com/office/mac/drawingml/2011/main" val="1"/>
+                <ma14:wrappingTextBoxFlag xmlns:ma14="http://schemas.microsoft.com/office/mac/drawingml/2011/main" xmlns="" val="1"/>
               </a:ext>
             </a:extLst>
           </p:spPr>
@@ -20076,7 +22514,7 @@
             </a:effectLst>
             <a:extLst>
               <a:ext uri="{C572A759-6A51-4108-AA02-DFA0A04FC94B}">
-                <ma14:wrappingTextBoxFlag xmlns="" xmlns:ma14="http://schemas.microsoft.com/office/mac/drawingml/2011/main" val="1"/>
+                <ma14:wrappingTextBoxFlag xmlns:ma14="http://schemas.microsoft.com/office/mac/drawingml/2011/main" xmlns="" val="1"/>
               </a:ext>
             </a:extLst>
           </p:spPr>
@@ -20136,7 +22574,7 @@
             </a:effectLst>
             <a:extLst>
               <a:ext uri="{C572A759-6A51-4108-AA02-DFA0A04FC94B}">
-                <ma14:wrappingTextBoxFlag xmlns="" xmlns:ma14="http://schemas.microsoft.com/office/mac/drawingml/2011/main" val="1"/>
+                <ma14:wrappingTextBoxFlag xmlns:ma14="http://schemas.microsoft.com/office/mac/drawingml/2011/main" xmlns="" val="1"/>
               </a:ext>
             </a:extLst>
           </p:spPr>
@@ -20191,7 +22629,7 @@
             </a:effectLst>
             <a:extLst>
               <a:ext uri="{C572A759-6A51-4108-AA02-DFA0A04FC94B}">
-                <ma14:wrappingTextBoxFlag xmlns="" xmlns:ma14="http://schemas.microsoft.com/office/mac/drawingml/2011/main" val="1"/>
+                <ma14:wrappingTextBoxFlag xmlns:ma14="http://schemas.microsoft.com/office/mac/drawingml/2011/main" xmlns="" val="1"/>
               </a:ext>
             </a:extLst>
           </p:spPr>
@@ -20235,7 +22673,7 @@
             </a:ln>
             <a:extLst>
               <a:ext uri="{C572A759-6A51-4108-AA02-DFA0A04FC94B}">
-                <ma14:wrappingTextBoxFlag xmlns="" xmlns:ma14="http://schemas.microsoft.com/office/mac/drawingml/2011/main" val="1"/>
+                <ma14:wrappingTextBoxFlag xmlns:ma14="http://schemas.microsoft.com/office/mac/drawingml/2011/main" xmlns="" val="1"/>
               </a:ext>
             </a:extLst>
           </p:spPr>
@@ -20430,7 +22868,7 @@
             </a:effectLst>
             <a:extLst>
               <a:ext uri="{C572A759-6A51-4108-AA02-DFA0A04FC94B}">
-                <ma14:wrappingTextBoxFlag xmlns="" xmlns:ma14="http://schemas.microsoft.com/office/mac/drawingml/2011/main" val="1"/>
+                <ma14:wrappingTextBoxFlag xmlns:ma14="http://schemas.microsoft.com/office/mac/drawingml/2011/main" xmlns="" val="1"/>
               </a:ext>
             </a:extLst>
           </p:spPr>
@@ -21774,7 +24212,7 @@
             </a:effectLst>
             <a:extLst>
               <a:ext uri="{C572A759-6A51-4108-AA02-DFA0A04FC94B}">
-                <ma14:wrappingTextBoxFlag xmlns="" xmlns:ma14="http://schemas.microsoft.com/office/mac/drawingml/2011/main" val="1"/>
+                <ma14:wrappingTextBoxFlag xmlns:ma14="http://schemas.microsoft.com/office/mac/drawingml/2011/main" xmlns="" val="1"/>
               </a:ext>
             </a:extLst>
           </p:spPr>
@@ -21828,7 +24266,7 @@
             </a:effectLst>
             <a:extLst>
               <a:ext uri="{C572A759-6A51-4108-AA02-DFA0A04FC94B}">
-                <ma14:wrappingTextBoxFlag xmlns="" xmlns:ma14="http://schemas.microsoft.com/office/mac/drawingml/2011/main" val="1"/>
+                <ma14:wrappingTextBoxFlag xmlns:ma14="http://schemas.microsoft.com/office/mac/drawingml/2011/main" xmlns="" val="1"/>
               </a:ext>
             </a:extLst>
           </p:spPr>
@@ -21882,7 +24320,7 @@
             </a:effectLst>
             <a:extLst>
               <a:ext uri="{C572A759-6A51-4108-AA02-DFA0A04FC94B}">
-                <ma14:wrappingTextBoxFlag xmlns="" xmlns:ma14="http://schemas.microsoft.com/office/mac/drawingml/2011/main" val="1"/>
+                <ma14:wrappingTextBoxFlag xmlns:ma14="http://schemas.microsoft.com/office/mac/drawingml/2011/main" xmlns="" val="1"/>
               </a:ext>
             </a:extLst>
           </p:spPr>
@@ -21926,7 +24364,7 @@
             </a:ln>
             <a:extLst>
               <a:ext uri="{C572A759-6A51-4108-AA02-DFA0A04FC94B}">
-                <ma14:wrappingTextBoxFlag xmlns="" xmlns:ma14="http://schemas.microsoft.com/office/mac/drawingml/2011/main" val="1"/>
+                <ma14:wrappingTextBoxFlag xmlns:ma14="http://schemas.microsoft.com/office/mac/drawingml/2011/main" xmlns="" val="1"/>
               </a:ext>
             </a:extLst>
           </p:spPr>
@@ -22064,7 +24502,7 @@
             </a:ln>
             <a:extLst>
               <a:ext uri="{C572A759-6A51-4108-AA02-DFA0A04FC94B}">
-                <ma14:wrappingTextBoxFlag xmlns="" xmlns:ma14="http://schemas.microsoft.com/office/mac/drawingml/2011/main" val="1"/>
+                <ma14:wrappingTextBoxFlag xmlns:ma14="http://schemas.microsoft.com/office/mac/drawingml/2011/main" xmlns="" val="1"/>
               </a:ext>
             </a:extLst>
           </p:spPr>
@@ -22117,7 +24555,7 @@
             </a:ln>
             <a:extLst>
               <a:ext uri="{C572A759-6A51-4108-AA02-DFA0A04FC94B}">
-                <ma14:wrappingTextBoxFlag xmlns="" xmlns:ma14="http://schemas.microsoft.com/office/mac/drawingml/2011/main" val="1"/>
+                <ma14:wrappingTextBoxFlag xmlns:ma14="http://schemas.microsoft.com/office/mac/drawingml/2011/main" xmlns="" val="1"/>
               </a:ext>
             </a:extLst>
           </p:spPr>
@@ -22186,7 +24624,7 @@
             </a:ln>
             <a:extLst>
               <a:ext uri="{C572A759-6A51-4108-AA02-DFA0A04FC94B}">
-                <ma14:wrappingTextBoxFlag xmlns="" xmlns:ma14="http://schemas.microsoft.com/office/mac/drawingml/2011/main" val="1"/>
+                <ma14:wrappingTextBoxFlag xmlns:ma14="http://schemas.microsoft.com/office/mac/drawingml/2011/main" xmlns="" val="1"/>
               </a:ext>
             </a:extLst>
           </p:spPr>
@@ -22327,7 +24765,7 @@
             </a:ln>
             <a:extLst>
               <a:ext uri="{C572A759-6A51-4108-AA02-DFA0A04FC94B}">
-                <ma14:wrappingTextBoxFlag xmlns="" xmlns:ma14="http://schemas.microsoft.com/office/mac/drawingml/2011/main" val="1"/>
+                <ma14:wrappingTextBoxFlag xmlns:ma14="http://schemas.microsoft.com/office/mac/drawingml/2011/main" xmlns="" val="1"/>
               </a:ext>
             </a:extLst>
           </p:spPr>
@@ -22516,7 +24954,7 @@
             </a:ln>
             <a:extLst>
               <a:ext uri="{C572A759-6A51-4108-AA02-DFA0A04FC94B}">
-                <ma14:wrappingTextBoxFlag xmlns="" xmlns:ma14="http://schemas.microsoft.com/office/mac/drawingml/2011/main" val="1"/>
+                <ma14:wrappingTextBoxFlag xmlns:ma14="http://schemas.microsoft.com/office/mac/drawingml/2011/main" xmlns="" val="1"/>
               </a:ext>
             </a:extLst>
           </p:spPr>
@@ -22584,7 +25022,7 @@
             </a:effectLst>
             <a:extLst>
               <a:ext uri="{C572A759-6A51-4108-AA02-DFA0A04FC94B}">
-                <ma14:wrappingTextBoxFlag xmlns="" xmlns:ma14="http://schemas.microsoft.com/office/mac/drawingml/2011/main" val="1"/>
+                <ma14:wrappingTextBoxFlag xmlns:ma14="http://schemas.microsoft.com/office/mac/drawingml/2011/main" xmlns="" val="1"/>
               </a:ext>
             </a:extLst>
           </p:spPr>
@@ -22638,7 +25076,7 @@
             </a:effectLst>
             <a:extLst>
               <a:ext uri="{C572A759-6A51-4108-AA02-DFA0A04FC94B}">
-                <ma14:wrappingTextBoxFlag xmlns="" xmlns:ma14="http://schemas.microsoft.com/office/mac/drawingml/2011/main" val="1"/>
+                <ma14:wrappingTextBoxFlag xmlns:ma14="http://schemas.microsoft.com/office/mac/drawingml/2011/main" xmlns="" val="1"/>
               </a:ext>
             </a:extLst>
           </p:spPr>
@@ -22694,7 +25132,7 @@
             </a:effectLst>
             <a:extLst>
               <a:ext uri="{C572A759-6A51-4108-AA02-DFA0A04FC94B}">
-                <ma14:wrappingTextBoxFlag xmlns="" xmlns:ma14="http://schemas.microsoft.com/office/mac/drawingml/2011/main" val="1"/>
+                <ma14:wrappingTextBoxFlag xmlns:ma14="http://schemas.microsoft.com/office/mac/drawingml/2011/main" xmlns="" val="1"/>
               </a:ext>
             </a:extLst>
           </p:spPr>

--- a/Plan/Rocketman_씬&스킬구성.pptx
+++ b/Plan/Rocketman_씬&스킬구성.pptx
@@ -3678,7 +3678,7 @@
             </a:ln>
             <a:extLst>
               <a:ext uri="{C572A759-6A51-4108-AA02-DFA0A04FC94B}">
-                <ma14:wrappingTextBoxFlag xmlns:ma14="http://schemas.microsoft.com/office/mac/drawingml/2011/main" xmlns="" val="1"/>
+                <ma14:wrappingTextBoxFlag xmlns="" xmlns:ma14="http://schemas.microsoft.com/office/mac/drawingml/2011/main" val="1"/>
               </a:ext>
             </a:extLst>
           </p:spPr>
@@ -3725,7 +3725,7 @@
             </a:effectLst>
             <a:extLst>
               <a:ext uri="{C572A759-6A51-4108-AA02-DFA0A04FC94B}">
-                <ma14:wrappingTextBoxFlag xmlns:ma14="http://schemas.microsoft.com/office/mac/drawingml/2011/main" xmlns="" val="1"/>
+                <ma14:wrappingTextBoxFlag xmlns="" xmlns:ma14="http://schemas.microsoft.com/office/mac/drawingml/2011/main" val="1"/>
               </a:ext>
             </a:extLst>
           </p:spPr>
@@ -4914,118 +4914,981 @@
       </p:grpSpPr>
       <p:grpSp>
         <p:nvGrpSpPr>
-          <p:cNvPr id="22" name="그룹 21"/>
+          <p:cNvPr id="131" name="그룹 130"/>
           <p:cNvGrpSpPr/>
           <p:nvPr/>
         </p:nvGrpSpPr>
         <p:grpSpPr>
           <a:xfrm>
-            <a:off x="1464160" y="746621"/>
-            <a:ext cx="8544459" cy="5155316"/>
-            <a:chOff x="2709090" y="1445355"/>
-            <a:chExt cx="6913635" cy="4171355"/>
+            <a:off x="369116" y="134225"/>
+            <a:ext cx="11367083" cy="6858352"/>
+            <a:chOff x="0" y="461395"/>
+            <a:chExt cx="11367083" cy="6858352"/>
           </a:xfrm>
         </p:grpSpPr>
-        <p:pic>
-          <p:nvPicPr>
-            <p:cNvPr id="2" name="Picture 2" descr="관련 이미지"/>
-            <p:cNvPicPr>
-              <a:picLocks noChangeAspect="1" noChangeArrowheads="1"/>
-            </p:cNvPicPr>
+        <p:grpSp>
+          <p:nvGrpSpPr>
+            <p:cNvPr id="22" name="그룹 21"/>
+            <p:cNvGrpSpPr/>
             <p:nvPr/>
-          </p:nvPicPr>
-          <p:blipFill>
-            <a:blip r:embed="rId2">
+          </p:nvGrpSpPr>
+          <p:grpSpPr>
+            <a:xfrm>
+              <a:off x="0" y="461395"/>
+              <a:ext cx="11367083" cy="6858352"/>
+              <a:chOff x="2709090" y="1445355"/>
+              <a:chExt cx="6913635" cy="4171355"/>
+            </a:xfrm>
+          </p:grpSpPr>
+          <p:pic>
+            <p:nvPicPr>
+              <p:cNvPr id="2" name="Picture 2" descr="관련 이미지"/>
+              <p:cNvPicPr>
+                <a:picLocks noChangeAspect="1" noChangeArrowheads="1"/>
+              </p:cNvPicPr>
+              <p:nvPr/>
+            </p:nvPicPr>
+            <p:blipFill>
+              <a:blip r:embed="rId2">
+                <a:extLst>
+                  <a:ext uri="{28A0092B-C50C-407E-A947-70E740481C1C}">
+                    <a14:useLocalDpi xmlns:a14="http://schemas.microsoft.com/office/drawing/2010/main" val="0"/>
+                  </a:ext>
+                </a:extLst>
+              </a:blip>
+              <a:srcRect/>
+              <a:stretch>
+                <a:fillRect/>
+              </a:stretch>
+            </p:blipFill>
+            <p:spPr bwMode="auto">
+              <a:xfrm>
+                <a:off x="2709090" y="1445355"/>
+                <a:ext cx="6913635" cy="4171355"/>
+              </a:xfrm>
+              <a:prstGeom prst="rect">
+                <a:avLst/>
+              </a:prstGeom>
+              <a:noFill/>
               <a:extLst>
-                <a:ext uri="{28A0092B-C50C-407E-A947-70E740481C1C}">
-                  <a14:useLocalDpi xmlns:a14="http://schemas.microsoft.com/office/drawing/2010/main" val="0"/>
+                <a:ext uri="{909E8E84-426E-40DD-AFC4-6F175D3DCCD1}">
+                  <a14:hiddenFill xmlns:a14="http://schemas.microsoft.com/office/drawing/2010/main">
+                    <a:solidFill>
+                      <a:srgbClr val="FFFFFF"/>
+                    </a:solidFill>
+                  </a14:hiddenFill>
                 </a:ext>
               </a:extLst>
-            </a:blip>
-            <a:srcRect/>
-            <a:stretch>
-              <a:fillRect/>
-            </a:stretch>
-          </p:blipFill>
-          <p:spPr bwMode="auto">
-            <a:xfrm>
-              <a:off x="2709090" y="1445355"/>
-              <a:ext cx="6913635" cy="4171355"/>
-            </a:xfrm>
-            <a:prstGeom prst="rect">
-              <a:avLst/>
-            </a:prstGeom>
-            <a:noFill/>
-            <a:extLst>
-              <a:ext uri="{909E8E84-426E-40DD-AFC4-6F175D3DCCD1}">
-                <a14:hiddenFill xmlns:a14="http://schemas.microsoft.com/office/drawing/2010/main">
-                  <a:solidFill>
-                    <a:srgbClr val="FFFFFF"/>
-                  </a:solidFill>
-                </a14:hiddenFill>
-              </a:ext>
-            </a:extLst>
-          </p:spPr>
-        </p:pic>
+            </p:spPr>
+          </p:pic>
+          <p:sp>
+            <p:nvSpPr>
+              <p:cNvPr id="3" name="직사각형 2"/>
+              <p:cNvSpPr/>
+              <p:nvPr/>
+            </p:nvSpPr>
+            <p:spPr>
+              <a:xfrm>
+                <a:off x="6706224" y="1937856"/>
+                <a:ext cx="1006679" cy="293615"/>
+              </a:xfrm>
+              <a:prstGeom prst="rect">
+                <a:avLst/>
+              </a:prstGeom>
+              <a:solidFill>
+                <a:srgbClr val="010101"/>
+              </a:solidFill>
+              <a:ln>
+                <a:noFill/>
+              </a:ln>
+            </p:spPr>
+            <p:style>
+              <a:lnRef idx="2">
+                <a:schemeClr val="accent1">
+                  <a:shade val="50000"/>
+                </a:schemeClr>
+              </a:lnRef>
+              <a:fillRef idx="1">
+                <a:schemeClr val="accent1"/>
+              </a:fillRef>
+              <a:effectRef idx="0">
+                <a:schemeClr val="accent1"/>
+              </a:effectRef>
+              <a:fontRef idx="minor">
+                <a:schemeClr val="lt1"/>
+              </a:fontRef>
+            </p:style>
+            <p:txBody>
+              <a:bodyPr rtlCol="0" anchor="ctr"/>
+              <a:lstStyle/>
+              <a:p>
+                <a:pPr algn="ctr"/>
+                <a:r>
+                  <a:rPr lang="en-US" altLang="ko-KR" sz="2400" b="1" dirty="0"/>
+                  <a:t>Recharge</a:t>
+                </a:r>
+                <a:endParaRPr lang="ko-KR" altLang="en-US" sz="2400" b="1" dirty="0"/>
+              </a:p>
+            </p:txBody>
+          </p:sp>
+          <p:sp>
+            <p:nvSpPr>
+              <p:cNvPr id="4" name="직사각형 3"/>
+              <p:cNvSpPr/>
+              <p:nvPr/>
+            </p:nvSpPr>
+            <p:spPr>
+              <a:xfrm>
+                <a:off x="4420444" y="1921078"/>
+                <a:ext cx="1502183" cy="620786"/>
+              </a:xfrm>
+              <a:prstGeom prst="rect">
+                <a:avLst/>
+              </a:prstGeom>
+              <a:solidFill>
+                <a:srgbClr val="010101"/>
+              </a:solidFill>
+              <a:ln>
+                <a:noFill/>
+              </a:ln>
+            </p:spPr>
+            <p:style>
+              <a:lnRef idx="2">
+                <a:schemeClr val="accent1">
+                  <a:shade val="50000"/>
+                </a:schemeClr>
+              </a:lnRef>
+              <a:fillRef idx="1">
+                <a:schemeClr val="accent1"/>
+              </a:fillRef>
+              <a:effectRef idx="0">
+                <a:schemeClr val="accent1"/>
+              </a:effectRef>
+              <a:fontRef idx="minor">
+                <a:schemeClr val="lt1"/>
+              </a:fontRef>
+            </p:style>
+            <p:txBody>
+              <a:bodyPr rtlCol="0" anchor="ctr"/>
+              <a:lstStyle/>
+              <a:p>
+                <a:pPr algn="ctr"/>
+                <a:endParaRPr lang="ko-KR" altLang="en-US" sz="2400"/>
+              </a:p>
+            </p:txBody>
+          </p:sp>
+          <p:sp>
+            <p:nvSpPr>
+              <p:cNvPr id="5" name="직사각형 4"/>
+              <p:cNvSpPr/>
+              <p:nvPr/>
+            </p:nvSpPr>
+            <p:spPr>
+              <a:xfrm>
+                <a:off x="2813676" y="2067886"/>
+                <a:ext cx="1502183" cy="620786"/>
+              </a:xfrm>
+              <a:prstGeom prst="rect">
+                <a:avLst/>
+              </a:prstGeom>
+              <a:solidFill>
+                <a:srgbClr val="010101"/>
+              </a:solidFill>
+              <a:ln>
+                <a:noFill/>
+              </a:ln>
+            </p:spPr>
+            <p:style>
+              <a:lnRef idx="2">
+                <a:schemeClr val="accent1">
+                  <a:shade val="50000"/>
+                </a:schemeClr>
+              </a:lnRef>
+              <a:fillRef idx="1">
+                <a:schemeClr val="accent1"/>
+              </a:fillRef>
+              <a:effectRef idx="0">
+                <a:schemeClr val="accent1"/>
+              </a:effectRef>
+              <a:fontRef idx="minor">
+                <a:schemeClr val="lt1"/>
+              </a:fontRef>
+            </p:style>
+            <p:txBody>
+              <a:bodyPr rtlCol="0" anchor="ctr"/>
+              <a:lstStyle/>
+              <a:p>
+                <a:pPr algn="ctr"/>
+                <a:endParaRPr lang="ko-KR" altLang="en-US" sz="2400"/>
+              </a:p>
+            </p:txBody>
+          </p:sp>
+          <p:sp>
+            <p:nvSpPr>
+              <p:cNvPr id="6" name="직사각형 5"/>
+              <p:cNvSpPr/>
+              <p:nvPr/>
+            </p:nvSpPr>
+            <p:spPr>
+              <a:xfrm>
+                <a:off x="3384127" y="2231471"/>
+                <a:ext cx="1502183" cy="620786"/>
+              </a:xfrm>
+              <a:prstGeom prst="rect">
+                <a:avLst/>
+              </a:prstGeom>
+              <a:solidFill>
+                <a:srgbClr val="010101"/>
+              </a:solidFill>
+              <a:ln>
+                <a:noFill/>
+              </a:ln>
+            </p:spPr>
+            <p:style>
+              <a:lnRef idx="2">
+                <a:schemeClr val="accent1">
+                  <a:shade val="50000"/>
+                </a:schemeClr>
+              </a:lnRef>
+              <a:fillRef idx="1">
+                <a:schemeClr val="accent1"/>
+              </a:fillRef>
+              <a:effectRef idx="0">
+                <a:schemeClr val="accent1"/>
+              </a:effectRef>
+              <a:fontRef idx="minor">
+                <a:schemeClr val="lt1"/>
+              </a:fontRef>
+            </p:style>
+            <p:txBody>
+              <a:bodyPr rtlCol="0" anchor="ctr"/>
+              <a:lstStyle/>
+              <a:p>
+                <a:pPr algn="ctr"/>
+                <a:endParaRPr lang="ko-KR" altLang="en-US" sz="2400"/>
+              </a:p>
+            </p:txBody>
+          </p:sp>
+          <p:sp>
+            <p:nvSpPr>
+              <p:cNvPr id="7" name="직사각형 6"/>
+              <p:cNvSpPr/>
+              <p:nvPr/>
+            </p:nvSpPr>
+            <p:spPr>
+              <a:xfrm>
+                <a:off x="3313651" y="4202884"/>
+                <a:ext cx="1072683" cy="333603"/>
+              </a:xfrm>
+              <a:prstGeom prst="rect">
+                <a:avLst/>
+              </a:prstGeom>
+              <a:solidFill>
+                <a:srgbClr val="010101"/>
+              </a:solidFill>
+              <a:ln>
+                <a:noFill/>
+              </a:ln>
+            </p:spPr>
+            <p:style>
+              <a:lnRef idx="2">
+                <a:schemeClr val="accent1">
+                  <a:shade val="50000"/>
+                </a:schemeClr>
+              </a:lnRef>
+              <a:fillRef idx="1">
+                <a:schemeClr val="accent1"/>
+              </a:fillRef>
+              <a:effectRef idx="0">
+                <a:schemeClr val="accent1"/>
+              </a:effectRef>
+              <a:fontRef idx="minor">
+                <a:schemeClr val="lt1"/>
+              </a:fontRef>
+            </p:style>
+            <p:txBody>
+              <a:bodyPr rtlCol="0" anchor="ctr"/>
+              <a:lstStyle/>
+              <a:p>
+                <a:pPr algn="ctr"/>
+                <a:endParaRPr lang="ko-KR" altLang="en-US" sz="2400"/>
+              </a:p>
+            </p:txBody>
+          </p:sp>
+          <p:sp>
+            <p:nvSpPr>
+              <p:cNvPr id="8" name="직사각형 7"/>
+              <p:cNvSpPr/>
+              <p:nvPr/>
+            </p:nvSpPr>
+            <p:spPr>
+              <a:xfrm>
+                <a:off x="5093224" y="4620377"/>
+                <a:ext cx="1072683" cy="996333"/>
+              </a:xfrm>
+              <a:prstGeom prst="rect">
+                <a:avLst/>
+              </a:prstGeom>
+              <a:solidFill>
+                <a:srgbClr val="010101"/>
+              </a:solidFill>
+              <a:ln>
+                <a:noFill/>
+              </a:ln>
+            </p:spPr>
+            <p:style>
+              <a:lnRef idx="2">
+                <a:schemeClr val="accent1">
+                  <a:shade val="50000"/>
+                </a:schemeClr>
+              </a:lnRef>
+              <a:fillRef idx="1">
+                <a:schemeClr val="accent1"/>
+              </a:fillRef>
+              <a:effectRef idx="0">
+                <a:schemeClr val="accent1"/>
+              </a:effectRef>
+              <a:fontRef idx="minor">
+                <a:schemeClr val="lt1"/>
+              </a:fontRef>
+            </p:style>
+            <p:txBody>
+              <a:bodyPr rtlCol="0" anchor="ctr"/>
+              <a:lstStyle/>
+              <a:p>
+                <a:pPr algn="ctr"/>
+                <a:endParaRPr lang="ko-KR" altLang="en-US" sz="2400"/>
+              </a:p>
+            </p:txBody>
+          </p:sp>
+          <p:sp>
+            <p:nvSpPr>
+              <p:cNvPr id="9" name="직사각형 8"/>
+              <p:cNvSpPr/>
+              <p:nvPr/>
+            </p:nvSpPr>
+            <p:spPr>
+              <a:xfrm>
+                <a:off x="6199462" y="4620377"/>
+                <a:ext cx="853740" cy="996333"/>
+              </a:xfrm>
+              <a:prstGeom prst="rect">
+                <a:avLst/>
+              </a:prstGeom>
+              <a:solidFill>
+                <a:srgbClr val="010101"/>
+              </a:solidFill>
+              <a:ln>
+                <a:noFill/>
+              </a:ln>
+            </p:spPr>
+            <p:style>
+              <a:lnRef idx="2">
+                <a:schemeClr val="accent1">
+                  <a:shade val="50000"/>
+                </a:schemeClr>
+              </a:lnRef>
+              <a:fillRef idx="1">
+                <a:schemeClr val="accent1"/>
+              </a:fillRef>
+              <a:effectRef idx="0">
+                <a:schemeClr val="accent1"/>
+              </a:effectRef>
+              <a:fontRef idx="minor">
+                <a:schemeClr val="lt1"/>
+              </a:fontRef>
+            </p:style>
+            <p:txBody>
+              <a:bodyPr rtlCol="0" anchor="ctr"/>
+              <a:lstStyle/>
+              <a:p>
+                <a:pPr algn="ctr"/>
+                <a:endParaRPr lang="ko-KR" altLang="en-US" sz="2400"/>
+              </a:p>
+            </p:txBody>
+          </p:sp>
+          <p:sp>
+            <p:nvSpPr>
+              <p:cNvPr id="10" name="직사각형 9"/>
+              <p:cNvSpPr/>
+              <p:nvPr/>
+            </p:nvSpPr>
+            <p:spPr>
+              <a:xfrm>
+                <a:off x="7910815" y="3531032"/>
+                <a:ext cx="1610689" cy="558149"/>
+              </a:xfrm>
+              <a:prstGeom prst="rect">
+                <a:avLst/>
+              </a:prstGeom>
+              <a:solidFill>
+                <a:srgbClr val="010101"/>
+              </a:solidFill>
+              <a:ln>
+                <a:noFill/>
+              </a:ln>
+            </p:spPr>
+            <p:style>
+              <a:lnRef idx="2">
+                <a:schemeClr val="accent1">
+                  <a:shade val="50000"/>
+                </a:schemeClr>
+              </a:lnRef>
+              <a:fillRef idx="1">
+                <a:schemeClr val="accent1"/>
+              </a:fillRef>
+              <a:effectRef idx="0">
+                <a:schemeClr val="accent1"/>
+              </a:effectRef>
+              <a:fontRef idx="minor">
+                <a:schemeClr val="lt1"/>
+              </a:fontRef>
+            </p:style>
+            <p:txBody>
+              <a:bodyPr rtlCol="0" anchor="ctr"/>
+              <a:lstStyle/>
+              <a:p>
+                <a:pPr algn="ctr"/>
+                <a:endParaRPr lang="ko-KR" altLang="en-US" sz="2400"/>
+              </a:p>
+            </p:txBody>
+          </p:sp>
+          <p:sp>
+            <p:nvSpPr>
+              <p:cNvPr id="11" name="직사각형 10"/>
+              <p:cNvSpPr/>
+              <p:nvPr/>
+            </p:nvSpPr>
+            <p:spPr>
+              <a:xfrm>
+                <a:off x="7692703" y="2344356"/>
+                <a:ext cx="1493241" cy="293615"/>
+              </a:xfrm>
+              <a:prstGeom prst="rect">
+                <a:avLst/>
+              </a:prstGeom>
+              <a:solidFill>
+                <a:srgbClr val="010101"/>
+              </a:solidFill>
+              <a:ln>
+                <a:noFill/>
+              </a:ln>
+            </p:spPr>
+            <p:style>
+              <a:lnRef idx="2">
+                <a:schemeClr val="accent1">
+                  <a:shade val="50000"/>
+                </a:schemeClr>
+              </a:lnRef>
+              <a:fillRef idx="1">
+                <a:schemeClr val="accent1"/>
+              </a:fillRef>
+              <a:effectRef idx="0">
+                <a:schemeClr val="accent1"/>
+              </a:effectRef>
+              <a:fontRef idx="minor">
+                <a:schemeClr val="lt1"/>
+              </a:fontRef>
+            </p:style>
+            <p:txBody>
+              <a:bodyPr rtlCol="0" anchor="ctr"/>
+              <a:lstStyle/>
+              <a:p>
+                <a:pPr algn="ctr"/>
+                <a:endParaRPr lang="ko-KR" altLang="en-US" sz="2400"/>
+              </a:p>
+            </p:txBody>
+          </p:sp>
+          <p:sp>
+            <p:nvSpPr>
+              <p:cNvPr id="12" name="직사각형 11"/>
+              <p:cNvSpPr/>
+              <p:nvPr/>
+            </p:nvSpPr>
+            <p:spPr>
+              <a:xfrm>
+                <a:off x="8439324" y="2551110"/>
+                <a:ext cx="738232" cy="293615"/>
+              </a:xfrm>
+              <a:prstGeom prst="rect">
+                <a:avLst/>
+              </a:prstGeom>
+              <a:solidFill>
+                <a:srgbClr val="010101"/>
+              </a:solidFill>
+              <a:ln>
+                <a:noFill/>
+              </a:ln>
+            </p:spPr>
+            <p:style>
+              <a:lnRef idx="2">
+                <a:schemeClr val="accent1">
+                  <a:shade val="50000"/>
+                </a:schemeClr>
+              </a:lnRef>
+              <a:fillRef idx="1">
+                <a:schemeClr val="accent1"/>
+              </a:fillRef>
+              <a:effectRef idx="0">
+                <a:schemeClr val="accent1"/>
+              </a:effectRef>
+              <a:fontRef idx="minor">
+                <a:schemeClr val="lt1"/>
+              </a:fontRef>
+            </p:style>
+            <p:txBody>
+              <a:bodyPr rtlCol="0" anchor="ctr"/>
+              <a:lstStyle/>
+              <a:p>
+                <a:pPr algn="ctr"/>
+                <a:endParaRPr lang="ko-KR" altLang="en-US" sz="2400"/>
+              </a:p>
+            </p:txBody>
+          </p:sp>
+          <p:sp>
+            <p:nvSpPr>
+              <p:cNvPr id="13" name="직사각형 12"/>
+              <p:cNvSpPr/>
+              <p:nvPr/>
+            </p:nvSpPr>
+            <p:spPr>
+              <a:xfrm>
+                <a:off x="8439324" y="2945759"/>
+                <a:ext cx="738232" cy="293615"/>
+              </a:xfrm>
+              <a:prstGeom prst="rect">
+                <a:avLst/>
+              </a:prstGeom>
+              <a:solidFill>
+                <a:srgbClr val="010101"/>
+              </a:solidFill>
+              <a:ln>
+                <a:noFill/>
+              </a:ln>
+            </p:spPr>
+            <p:style>
+              <a:lnRef idx="2">
+                <a:schemeClr val="accent1">
+                  <a:shade val="50000"/>
+                </a:schemeClr>
+              </a:lnRef>
+              <a:fillRef idx="1">
+                <a:schemeClr val="accent1"/>
+              </a:fillRef>
+              <a:effectRef idx="0">
+                <a:schemeClr val="accent1"/>
+              </a:effectRef>
+              <a:fontRef idx="minor">
+                <a:schemeClr val="lt1"/>
+              </a:fontRef>
+            </p:style>
+            <p:txBody>
+              <a:bodyPr rtlCol="0" anchor="ctr"/>
+              <a:lstStyle/>
+              <a:p>
+                <a:pPr algn="ctr"/>
+                <a:endParaRPr lang="ko-KR" altLang="en-US" sz="2400"/>
+              </a:p>
+            </p:txBody>
+          </p:sp>
+          <p:sp>
+            <p:nvSpPr>
+              <p:cNvPr id="14" name="직사각형 13"/>
+              <p:cNvSpPr/>
+              <p:nvPr/>
+            </p:nvSpPr>
+            <p:spPr>
+              <a:xfrm>
+                <a:off x="8388990" y="4191157"/>
+                <a:ext cx="738232" cy="293615"/>
+              </a:xfrm>
+              <a:prstGeom prst="rect">
+                <a:avLst/>
+              </a:prstGeom>
+              <a:solidFill>
+                <a:srgbClr val="010101"/>
+              </a:solidFill>
+              <a:ln>
+                <a:noFill/>
+              </a:ln>
+            </p:spPr>
+            <p:style>
+              <a:lnRef idx="2">
+                <a:schemeClr val="accent1">
+                  <a:shade val="50000"/>
+                </a:schemeClr>
+              </a:lnRef>
+              <a:fillRef idx="1">
+                <a:schemeClr val="accent1"/>
+              </a:fillRef>
+              <a:effectRef idx="0">
+                <a:schemeClr val="accent1"/>
+              </a:effectRef>
+              <a:fontRef idx="minor">
+                <a:schemeClr val="lt1"/>
+              </a:fontRef>
+            </p:style>
+            <p:txBody>
+              <a:bodyPr rtlCol="0" anchor="ctr"/>
+              <a:lstStyle/>
+              <a:p>
+                <a:pPr algn="ctr"/>
+                <a:endParaRPr lang="ko-KR" altLang="en-US" sz="2400"/>
+              </a:p>
+            </p:txBody>
+          </p:sp>
+          <p:sp>
+            <p:nvSpPr>
+              <p:cNvPr id="16" name="직사각형 15"/>
+              <p:cNvSpPr/>
+              <p:nvPr/>
+            </p:nvSpPr>
+            <p:spPr>
+              <a:xfrm>
+                <a:off x="8377866" y="4156154"/>
+                <a:ext cx="1006679" cy="293615"/>
+              </a:xfrm>
+              <a:prstGeom prst="rect">
+                <a:avLst/>
+              </a:prstGeom>
+              <a:solidFill>
+                <a:srgbClr val="010101"/>
+              </a:solidFill>
+              <a:ln>
+                <a:noFill/>
+              </a:ln>
+            </p:spPr>
+            <p:style>
+              <a:lnRef idx="2">
+                <a:schemeClr val="accent1">
+                  <a:shade val="50000"/>
+                </a:schemeClr>
+              </a:lnRef>
+              <a:fillRef idx="1">
+                <a:schemeClr val="accent1"/>
+              </a:fillRef>
+              <a:effectRef idx="0">
+                <a:schemeClr val="accent1"/>
+              </a:effectRef>
+              <a:fontRef idx="minor">
+                <a:schemeClr val="lt1"/>
+              </a:fontRef>
+            </p:style>
+            <p:txBody>
+              <a:bodyPr rtlCol="0" anchor="ctr"/>
+              <a:lstStyle/>
+              <a:p>
+                <a:r>
+                  <a:rPr lang="en-US" altLang="ko-KR" sz="2400" b="1" dirty="0"/>
+                  <a:t>Evade</a:t>
+                </a:r>
+                <a:endParaRPr lang="ko-KR" altLang="en-US" sz="2400" b="1" dirty="0"/>
+              </a:p>
+            </p:txBody>
+          </p:sp>
+          <p:sp>
+            <p:nvSpPr>
+              <p:cNvPr id="17" name="직사각형 16"/>
+              <p:cNvSpPr/>
+              <p:nvPr/>
+            </p:nvSpPr>
+            <p:spPr>
+              <a:xfrm>
+                <a:off x="8380601" y="2605639"/>
+                <a:ext cx="1006680" cy="293615"/>
+              </a:xfrm>
+              <a:prstGeom prst="rect">
+                <a:avLst/>
+              </a:prstGeom>
+              <a:solidFill>
+                <a:srgbClr val="010101"/>
+              </a:solidFill>
+              <a:ln>
+                <a:noFill/>
+              </a:ln>
+            </p:spPr>
+            <p:style>
+              <a:lnRef idx="2">
+                <a:schemeClr val="accent1">
+                  <a:shade val="50000"/>
+                </a:schemeClr>
+              </a:lnRef>
+              <a:fillRef idx="1">
+                <a:schemeClr val="accent1"/>
+              </a:fillRef>
+              <a:effectRef idx="0">
+                <a:schemeClr val="accent1"/>
+              </a:effectRef>
+              <a:fontRef idx="minor">
+                <a:schemeClr val="lt1"/>
+              </a:fontRef>
+            </p:style>
+            <p:txBody>
+              <a:bodyPr rtlCol="0" anchor="ctr"/>
+              <a:lstStyle/>
+              <a:p>
+                <a:r>
+                  <a:rPr lang="en-US" altLang="ko-KR" sz="2400" b="1" dirty="0"/>
+                  <a:t>Skill</a:t>
+                </a:r>
+                <a:endParaRPr lang="ko-KR" altLang="en-US" sz="2400" b="1" dirty="0"/>
+              </a:p>
+            </p:txBody>
+          </p:sp>
+          <p:sp>
+            <p:nvSpPr>
+              <p:cNvPr id="18" name="직사각형 17"/>
+              <p:cNvSpPr/>
+              <p:nvPr/>
+            </p:nvSpPr>
+            <p:spPr>
+              <a:xfrm>
+                <a:off x="8377315" y="2945104"/>
+                <a:ext cx="1006679" cy="293615"/>
+              </a:xfrm>
+              <a:prstGeom prst="rect">
+                <a:avLst/>
+              </a:prstGeom>
+              <a:solidFill>
+                <a:srgbClr val="010101"/>
+              </a:solidFill>
+              <a:ln>
+                <a:noFill/>
+              </a:ln>
+            </p:spPr>
+            <p:style>
+              <a:lnRef idx="2">
+                <a:schemeClr val="accent1">
+                  <a:shade val="50000"/>
+                </a:schemeClr>
+              </a:lnRef>
+              <a:fillRef idx="1">
+                <a:schemeClr val="accent1"/>
+              </a:fillRef>
+              <a:effectRef idx="0">
+                <a:schemeClr val="accent1"/>
+              </a:effectRef>
+              <a:fontRef idx="minor">
+                <a:schemeClr val="lt1"/>
+              </a:fontRef>
+            </p:style>
+            <p:txBody>
+              <a:bodyPr rtlCol="0" anchor="ctr"/>
+              <a:lstStyle/>
+              <a:p>
+                <a:r>
+                  <a:rPr lang="en-US" altLang="ko-KR" sz="2400" b="1" dirty="0"/>
+                  <a:t>Attack</a:t>
+                </a:r>
+                <a:endParaRPr lang="ko-KR" altLang="en-US" sz="2400" b="1" dirty="0"/>
+              </a:p>
+            </p:txBody>
+          </p:sp>
+          <p:sp>
+            <p:nvSpPr>
+              <p:cNvPr id="20" name="직사각형 19"/>
+              <p:cNvSpPr/>
+              <p:nvPr/>
+            </p:nvSpPr>
+            <p:spPr>
+              <a:xfrm>
+                <a:off x="2922732" y="3613205"/>
+                <a:ext cx="1006679" cy="293615"/>
+              </a:xfrm>
+              <a:prstGeom prst="rect">
+                <a:avLst/>
+              </a:prstGeom>
+              <a:solidFill>
+                <a:srgbClr val="010101"/>
+              </a:solidFill>
+              <a:ln>
+                <a:noFill/>
+              </a:ln>
+            </p:spPr>
+            <p:style>
+              <a:lnRef idx="2">
+                <a:schemeClr val="accent1">
+                  <a:shade val="50000"/>
+                </a:schemeClr>
+              </a:lnRef>
+              <a:fillRef idx="1">
+                <a:schemeClr val="accent1"/>
+              </a:fillRef>
+              <a:effectRef idx="0">
+                <a:schemeClr val="accent1"/>
+              </a:effectRef>
+              <a:fontRef idx="minor">
+                <a:schemeClr val="lt1"/>
+              </a:fontRef>
+            </p:style>
+            <p:txBody>
+              <a:bodyPr rtlCol="0" anchor="ctr"/>
+              <a:lstStyle/>
+              <a:p>
+                <a:pPr algn="r"/>
+                <a:r>
+                  <a:rPr lang="en-US" altLang="ko-KR" sz="2400" b="1" dirty="0"/>
+                  <a:t>Move</a:t>
+                </a:r>
+                <a:endParaRPr lang="ko-KR" altLang="en-US" sz="2400" b="1" dirty="0"/>
+              </a:p>
+            </p:txBody>
+          </p:sp>
+          <p:sp>
+            <p:nvSpPr>
+              <p:cNvPr id="21" name="직사각형 20"/>
+              <p:cNvSpPr/>
+              <p:nvPr/>
+            </p:nvSpPr>
+            <p:spPr>
+              <a:xfrm>
+                <a:off x="8388990" y="4510129"/>
+                <a:ext cx="1006679" cy="293615"/>
+              </a:xfrm>
+              <a:prstGeom prst="rect">
+                <a:avLst/>
+              </a:prstGeom>
+              <a:solidFill>
+                <a:srgbClr val="010101"/>
+              </a:solidFill>
+              <a:ln>
+                <a:noFill/>
+              </a:ln>
+            </p:spPr>
+            <p:style>
+              <a:lnRef idx="2">
+                <a:schemeClr val="accent1">
+                  <a:shade val="50000"/>
+                </a:schemeClr>
+              </a:lnRef>
+              <a:fillRef idx="1">
+                <a:schemeClr val="accent1"/>
+              </a:fillRef>
+              <a:effectRef idx="0">
+                <a:schemeClr val="accent1"/>
+              </a:effectRef>
+              <a:fontRef idx="minor">
+                <a:schemeClr val="lt1"/>
+              </a:fontRef>
+            </p:style>
+            <p:txBody>
+              <a:bodyPr rtlCol="0" anchor="ctr"/>
+              <a:lstStyle/>
+              <a:p>
+                <a:r>
+                  <a:rPr lang="en-US" altLang="ko-KR" sz="2400" b="1" dirty="0"/>
+                  <a:t>Menu</a:t>
+                </a:r>
+                <a:endParaRPr lang="ko-KR" altLang="en-US" sz="2400" b="1" dirty="0"/>
+              </a:p>
+            </p:txBody>
+          </p:sp>
+          <p:sp>
+            <p:nvSpPr>
+              <p:cNvPr id="23" name="직사각형 22"/>
+              <p:cNvSpPr/>
+              <p:nvPr/>
+            </p:nvSpPr>
+            <p:spPr>
+              <a:xfrm>
+                <a:off x="2813676" y="1463878"/>
+                <a:ext cx="2545838" cy="620786"/>
+              </a:xfrm>
+              <a:prstGeom prst="rect">
+                <a:avLst/>
+              </a:prstGeom>
+              <a:solidFill>
+                <a:srgbClr val="010101"/>
+              </a:solidFill>
+              <a:ln>
+                <a:noFill/>
+              </a:ln>
+            </p:spPr>
+            <p:style>
+              <a:lnRef idx="2">
+                <a:schemeClr val="accent1">
+                  <a:shade val="50000"/>
+                </a:schemeClr>
+              </a:lnRef>
+              <a:fillRef idx="1">
+                <a:schemeClr val="accent1"/>
+              </a:fillRef>
+              <a:effectRef idx="0">
+                <a:schemeClr val="accent1"/>
+              </a:effectRef>
+              <a:fontRef idx="minor">
+                <a:schemeClr val="lt1"/>
+              </a:fontRef>
+            </p:style>
+            <p:txBody>
+              <a:bodyPr rtlCol="0" anchor="ctr"/>
+              <a:lstStyle/>
+              <a:p>
+                <a:pPr algn="ctr"/>
+                <a:endParaRPr lang="ko-KR" altLang="en-US" sz="2400"/>
+              </a:p>
+            </p:txBody>
+          </p:sp>
+          <p:sp>
+            <p:nvSpPr>
+              <p:cNvPr id="24" name="직사각형 23"/>
+              <p:cNvSpPr/>
+              <p:nvPr/>
+            </p:nvSpPr>
+            <p:spPr>
+              <a:xfrm>
+                <a:off x="3450283" y="1774271"/>
+                <a:ext cx="2378467" cy="293615"/>
+              </a:xfrm>
+              <a:prstGeom prst="rect">
+                <a:avLst/>
+              </a:prstGeom>
+              <a:solidFill>
+                <a:srgbClr val="010101"/>
+              </a:solidFill>
+              <a:ln>
+                <a:noFill/>
+              </a:ln>
+            </p:spPr>
+            <p:style>
+              <a:lnRef idx="2">
+                <a:schemeClr val="accent1">
+                  <a:shade val="50000"/>
+                </a:schemeClr>
+              </a:lnRef>
+              <a:fillRef idx="1">
+                <a:schemeClr val="accent1"/>
+              </a:fillRef>
+              <a:effectRef idx="0">
+                <a:schemeClr val="accent1"/>
+              </a:effectRef>
+              <a:fontRef idx="minor">
+                <a:schemeClr val="lt1"/>
+              </a:fontRef>
+            </p:style>
+            <p:txBody>
+              <a:bodyPr rtlCol="0" anchor="ctr"/>
+              <a:lstStyle/>
+              <a:p>
+                <a:r>
+                  <a:rPr lang="en-US" altLang="ko-KR" sz="3200" dirty="0"/>
+                  <a:t>Gamepad Control</a:t>
+                </a:r>
+                <a:endParaRPr lang="ko-KR" altLang="en-US" sz="3200" dirty="0"/>
+              </a:p>
+            </p:txBody>
+          </p:sp>
+        </p:grpSp>
         <p:sp>
           <p:nvSpPr>
-            <p:cNvPr id="3" name="직사각형 2"/>
+            <p:cNvPr id="29" name="직사각형 28"/>
             <p:cNvSpPr/>
             <p:nvPr/>
           </p:nvSpPr>
           <p:spPr>
             <a:xfrm>
-              <a:off x="6765996" y="1937856"/>
-              <a:ext cx="1006679" cy="293615"/>
-            </a:xfrm>
-            <a:prstGeom prst="rect">
-              <a:avLst/>
-            </a:prstGeom>
-            <a:solidFill>
-              <a:srgbClr val="010101"/>
-            </a:solidFill>
-            <a:ln>
-              <a:noFill/>
-            </a:ln>
-          </p:spPr>
-          <p:style>
-            <a:lnRef idx="2">
-              <a:schemeClr val="accent1">
-                <a:shade val="50000"/>
-              </a:schemeClr>
-            </a:lnRef>
-            <a:fillRef idx="1">
-              <a:schemeClr val="accent1"/>
-            </a:fillRef>
-            <a:effectRef idx="0">
-              <a:schemeClr val="accent1"/>
-            </a:effectRef>
-            <a:fontRef idx="minor">
-              <a:schemeClr val="lt1"/>
-            </a:fontRef>
-          </p:style>
-          <p:txBody>
-            <a:bodyPr rtlCol="0" anchor="ctr"/>
-            <a:lstStyle/>
-            <a:p>
-              <a:r>
-                <a:rPr lang="en-US" altLang="ko-KR" sz="2400" dirty="0"/>
-                <a:t>Charge</a:t>
-              </a:r>
-              <a:endParaRPr lang="ko-KR" altLang="en-US" sz="2400" dirty="0"/>
-            </a:p>
-          </p:txBody>
-        </p:sp>
-        <p:sp>
-          <p:nvSpPr>
-            <p:cNvPr id="4" name="직사각형 3"/>
-            <p:cNvSpPr/>
-            <p:nvPr/>
-          </p:nvSpPr>
-          <p:spPr>
-            <a:xfrm>
-              <a:off x="4420444" y="1921078"/>
-              <a:ext cx="1502183" cy="620786"/>
+              <a:off x="2260176" y="2022852"/>
+              <a:ext cx="6833065" cy="4099481"/>
             </a:xfrm>
             <a:prstGeom prst="rect">
               <a:avLst/>
@@ -5062,16 +5925,520 @@
             </a:p>
           </p:txBody>
         </p:sp>
+        <p:pic>
+          <p:nvPicPr>
+            <p:cNvPr id="28" name="그림 27"/>
+            <p:cNvPicPr>
+              <a:picLocks noChangeAspect="1"/>
+            </p:cNvPicPr>
+            <p:nvPr/>
+          </p:nvPicPr>
+          <p:blipFill>
+            <a:blip r:embed="rId3">
+              <a:extLst>
+                <a:ext uri="{28A0092B-C50C-407E-A947-70E740481C1C}">
+                  <a14:useLocalDpi xmlns:a14="http://schemas.microsoft.com/office/drawing/2010/main" val="0"/>
+                </a:ext>
+              </a:extLst>
+            </a:blip>
+            <a:stretch>
+              <a:fillRect/>
+            </a:stretch>
+          </p:blipFill>
+          <p:spPr>
+            <a:xfrm rot="10800000">
+              <a:off x="2248202" y="2154771"/>
+              <a:ext cx="6647209" cy="3741807"/>
+            </a:xfrm>
+            <a:prstGeom prst="rect">
+              <a:avLst/>
+            </a:prstGeom>
+          </p:spPr>
+        </p:pic>
+        <p:cxnSp>
+          <p:nvCxnSpPr>
+            <p:cNvPr id="31" name="직선 연결선 30"/>
+            <p:cNvCxnSpPr>
+              <a:cxnSpLocks/>
+            </p:cNvCxnSpPr>
+            <p:nvPr/>
+          </p:nvCxnSpPr>
+          <p:spPr>
+            <a:xfrm>
+              <a:off x="2822119" y="4283827"/>
+              <a:ext cx="684479" cy="575817"/>
+            </a:xfrm>
+            <a:prstGeom prst="line">
+              <a:avLst/>
+            </a:prstGeom>
+            <a:ln w="28575">
+              <a:solidFill>
+                <a:schemeClr val="bg1">
+                  <a:lumMod val="85000"/>
+                </a:schemeClr>
+              </a:solidFill>
+            </a:ln>
+          </p:spPr>
+          <p:style>
+            <a:lnRef idx="1">
+              <a:schemeClr val="accent1"/>
+            </a:lnRef>
+            <a:fillRef idx="0">
+              <a:schemeClr val="accent1"/>
+            </a:fillRef>
+            <a:effectRef idx="0">
+              <a:schemeClr val="accent1"/>
+            </a:effectRef>
+            <a:fontRef idx="minor">
+              <a:schemeClr val="tx1"/>
+            </a:fontRef>
+          </p:style>
+        </p:cxnSp>
+        <p:cxnSp>
+          <p:nvCxnSpPr>
+            <p:cNvPr id="39" name="직선 연결선 38"/>
+            <p:cNvCxnSpPr>
+              <a:cxnSpLocks/>
+            </p:cNvCxnSpPr>
+            <p:nvPr/>
+          </p:nvCxnSpPr>
+          <p:spPr>
+            <a:xfrm>
+              <a:off x="6048462" y="4605556"/>
+              <a:ext cx="1830588" cy="1129166"/>
+            </a:xfrm>
+            <a:prstGeom prst="line">
+              <a:avLst/>
+            </a:prstGeom>
+            <a:ln w="28575">
+              <a:solidFill>
+                <a:schemeClr val="bg1">
+                  <a:lumMod val="85000"/>
+                </a:schemeClr>
+              </a:solidFill>
+            </a:ln>
+          </p:spPr>
+          <p:style>
+            <a:lnRef idx="1">
+              <a:schemeClr val="accent1"/>
+            </a:lnRef>
+            <a:fillRef idx="0">
+              <a:schemeClr val="accent1"/>
+            </a:fillRef>
+            <a:effectRef idx="0">
+              <a:schemeClr val="accent1"/>
+            </a:effectRef>
+            <a:fontRef idx="minor">
+              <a:schemeClr val="tx1"/>
+            </a:fontRef>
+          </p:style>
+        </p:cxnSp>
+        <p:cxnSp>
+          <p:nvCxnSpPr>
+            <p:cNvPr id="44" name="직선 연결선 43"/>
+            <p:cNvCxnSpPr>
+              <a:cxnSpLocks/>
+            </p:cNvCxnSpPr>
+            <p:nvPr/>
+          </p:nvCxnSpPr>
+          <p:spPr>
+            <a:xfrm>
+              <a:off x="7368397" y="4861841"/>
+              <a:ext cx="485486" cy="291520"/>
+            </a:xfrm>
+            <a:prstGeom prst="line">
+              <a:avLst/>
+            </a:prstGeom>
+            <a:ln w="28575">
+              <a:solidFill>
+                <a:schemeClr val="bg1">
+                  <a:lumMod val="85000"/>
+                </a:schemeClr>
+              </a:solidFill>
+            </a:ln>
+          </p:spPr>
+          <p:style>
+            <a:lnRef idx="1">
+              <a:schemeClr val="accent1"/>
+            </a:lnRef>
+            <a:fillRef idx="0">
+              <a:schemeClr val="accent1"/>
+            </a:fillRef>
+            <a:effectRef idx="0">
+              <a:schemeClr val="accent1"/>
+            </a:effectRef>
+            <a:fontRef idx="minor">
+              <a:schemeClr val="tx1"/>
+            </a:fontRef>
+          </p:style>
+        </p:cxnSp>
+        <p:cxnSp>
+          <p:nvCxnSpPr>
+            <p:cNvPr id="48" name="직선 연결선 47"/>
+            <p:cNvCxnSpPr>
+              <a:cxnSpLocks/>
+            </p:cNvCxnSpPr>
+            <p:nvPr/>
+          </p:nvCxnSpPr>
+          <p:spPr>
+            <a:xfrm flipV="1">
+              <a:off x="7436992" y="2586281"/>
+              <a:ext cx="960663" cy="1697546"/>
+            </a:xfrm>
+            <a:prstGeom prst="line">
+              <a:avLst/>
+            </a:prstGeom>
+            <a:ln w="28575">
+              <a:solidFill>
+                <a:schemeClr val="bg1">
+                  <a:lumMod val="85000"/>
+                </a:schemeClr>
+              </a:solidFill>
+            </a:ln>
+          </p:spPr>
+          <p:style>
+            <a:lnRef idx="1">
+              <a:schemeClr val="accent1"/>
+            </a:lnRef>
+            <a:fillRef idx="0">
+              <a:schemeClr val="accent1"/>
+            </a:fillRef>
+            <a:effectRef idx="0">
+              <a:schemeClr val="accent1"/>
+            </a:effectRef>
+            <a:fontRef idx="minor">
+              <a:schemeClr val="tx1"/>
+            </a:fontRef>
+          </p:style>
+        </p:cxnSp>
+        <p:cxnSp>
+          <p:nvCxnSpPr>
+            <p:cNvPr id="49" name="직선 연결선 48"/>
+            <p:cNvCxnSpPr>
+              <a:cxnSpLocks/>
+            </p:cNvCxnSpPr>
+            <p:nvPr/>
+          </p:nvCxnSpPr>
+          <p:spPr>
+            <a:xfrm>
+              <a:off x="7858600" y="5726990"/>
+              <a:ext cx="1226252" cy="7733"/>
+            </a:xfrm>
+            <a:prstGeom prst="line">
+              <a:avLst/>
+            </a:prstGeom>
+            <a:ln w="28575">
+              <a:solidFill>
+                <a:schemeClr val="bg1">
+                  <a:lumMod val="85000"/>
+                </a:schemeClr>
+              </a:solidFill>
+            </a:ln>
+          </p:spPr>
+          <p:style>
+            <a:lnRef idx="1">
+              <a:schemeClr val="accent1"/>
+            </a:lnRef>
+            <a:fillRef idx="0">
+              <a:schemeClr val="accent1"/>
+            </a:fillRef>
+            <a:effectRef idx="0">
+              <a:schemeClr val="accent1"/>
+            </a:effectRef>
+            <a:fontRef idx="minor">
+              <a:schemeClr val="tx1"/>
+            </a:fontRef>
+          </p:style>
+        </p:cxnSp>
+        <p:cxnSp>
+          <p:nvCxnSpPr>
+            <p:cNvPr id="73" name="직선 연결선 72"/>
+            <p:cNvCxnSpPr>
+              <a:cxnSpLocks/>
+            </p:cNvCxnSpPr>
+            <p:nvPr/>
+          </p:nvCxnSpPr>
+          <p:spPr>
+            <a:xfrm flipV="1">
+              <a:off x="7853883" y="3153519"/>
+              <a:ext cx="801292" cy="1369815"/>
+            </a:xfrm>
+            <a:prstGeom prst="line">
+              <a:avLst/>
+            </a:prstGeom>
+            <a:ln w="28575">
+              <a:solidFill>
+                <a:schemeClr val="bg1">
+                  <a:lumMod val="85000"/>
+                </a:schemeClr>
+              </a:solidFill>
+            </a:ln>
+          </p:spPr>
+          <p:style>
+            <a:lnRef idx="1">
+              <a:schemeClr val="accent1"/>
+            </a:lnRef>
+            <a:fillRef idx="0">
+              <a:schemeClr val="accent1"/>
+            </a:fillRef>
+            <a:effectRef idx="0">
+              <a:schemeClr val="accent1"/>
+            </a:effectRef>
+            <a:fontRef idx="minor">
+              <a:schemeClr val="tx1"/>
+            </a:fontRef>
+          </p:style>
+        </p:cxnSp>
+        <p:cxnSp>
+          <p:nvCxnSpPr>
+            <p:cNvPr id="84" name="직선 연결선 83"/>
+            <p:cNvCxnSpPr>
+              <a:cxnSpLocks/>
+            </p:cNvCxnSpPr>
+            <p:nvPr/>
+          </p:nvCxnSpPr>
+          <p:spPr>
+            <a:xfrm>
+              <a:off x="8389900" y="2591063"/>
+              <a:ext cx="703341" cy="0"/>
+            </a:xfrm>
+            <a:prstGeom prst="line">
+              <a:avLst/>
+            </a:prstGeom>
+            <a:ln w="28575">
+              <a:solidFill>
+                <a:schemeClr val="bg1">
+                  <a:lumMod val="85000"/>
+                </a:schemeClr>
+              </a:solidFill>
+            </a:ln>
+          </p:spPr>
+          <p:style>
+            <a:lnRef idx="1">
+              <a:schemeClr val="accent1"/>
+            </a:lnRef>
+            <a:fillRef idx="0">
+              <a:schemeClr val="accent1"/>
+            </a:fillRef>
+            <a:effectRef idx="0">
+              <a:schemeClr val="accent1"/>
+            </a:effectRef>
+            <a:fontRef idx="minor">
+              <a:schemeClr val="tx1"/>
+            </a:fontRef>
+          </p:style>
+        </p:cxnSp>
+        <p:cxnSp>
+          <p:nvCxnSpPr>
+            <p:cNvPr id="85" name="직선 연결선 84"/>
+            <p:cNvCxnSpPr>
+              <a:cxnSpLocks/>
+            </p:cNvCxnSpPr>
+            <p:nvPr/>
+          </p:nvCxnSpPr>
+          <p:spPr>
+            <a:xfrm flipV="1">
+              <a:off x="7399473" y="2020577"/>
+              <a:ext cx="0" cy="401663"/>
+            </a:xfrm>
+            <a:prstGeom prst="line">
+              <a:avLst/>
+            </a:prstGeom>
+            <a:ln w="28575">
+              <a:solidFill>
+                <a:schemeClr val="bg1">
+                  <a:lumMod val="85000"/>
+                </a:schemeClr>
+              </a:solidFill>
+            </a:ln>
+          </p:spPr>
+          <p:style>
+            <a:lnRef idx="1">
+              <a:schemeClr val="accent1"/>
+            </a:lnRef>
+            <a:fillRef idx="0">
+              <a:schemeClr val="accent1"/>
+            </a:fillRef>
+            <a:effectRef idx="0">
+              <a:schemeClr val="accent1"/>
+            </a:effectRef>
+            <a:fontRef idx="minor">
+              <a:schemeClr val="tx1"/>
+            </a:fontRef>
+          </p:style>
+        </p:cxnSp>
+        <p:cxnSp>
+          <p:nvCxnSpPr>
+            <p:cNvPr id="91" name="직선 연결선 90"/>
+            <p:cNvCxnSpPr>
+              <a:cxnSpLocks/>
+            </p:cNvCxnSpPr>
+            <p:nvPr/>
+          </p:nvCxnSpPr>
+          <p:spPr>
+            <a:xfrm>
+              <a:off x="8646875" y="3152514"/>
+              <a:ext cx="454862" cy="5635"/>
+            </a:xfrm>
+            <a:prstGeom prst="line">
+              <a:avLst/>
+            </a:prstGeom>
+            <a:ln w="28575">
+              <a:solidFill>
+                <a:schemeClr val="bg1">
+                  <a:lumMod val="85000"/>
+                </a:schemeClr>
+              </a:solidFill>
+            </a:ln>
+          </p:spPr>
+          <p:style>
+            <a:lnRef idx="1">
+              <a:schemeClr val="accent1"/>
+            </a:lnRef>
+            <a:fillRef idx="0">
+              <a:schemeClr val="accent1"/>
+            </a:fillRef>
+            <a:effectRef idx="0">
+              <a:schemeClr val="accent1"/>
+            </a:effectRef>
+            <a:fontRef idx="minor">
+              <a:schemeClr val="tx1"/>
+            </a:fontRef>
+          </p:style>
+        </p:cxnSp>
+        <p:cxnSp>
+          <p:nvCxnSpPr>
+            <p:cNvPr id="122" name="직선 연결선 121"/>
+            <p:cNvCxnSpPr>
+              <a:cxnSpLocks/>
+            </p:cNvCxnSpPr>
+            <p:nvPr/>
+          </p:nvCxnSpPr>
+          <p:spPr>
+            <a:xfrm>
+              <a:off x="7850211" y="5155636"/>
+              <a:ext cx="1226252" cy="7733"/>
+            </a:xfrm>
+            <a:prstGeom prst="line">
+              <a:avLst/>
+            </a:prstGeom>
+            <a:ln w="28575">
+              <a:solidFill>
+                <a:schemeClr val="bg1">
+                  <a:lumMod val="85000"/>
+                </a:schemeClr>
+              </a:solidFill>
+            </a:ln>
+          </p:spPr>
+          <p:style>
+            <a:lnRef idx="1">
+              <a:schemeClr val="accent1"/>
+            </a:lnRef>
+            <a:fillRef idx="0">
+              <a:schemeClr val="accent1"/>
+            </a:fillRef>
+            <a:effectRef idx="0">
+              <a:schemeClr val="accent1"/>
+            </a:effectRef>
+            <a:fontRef idx="minor">
+              <a:schemeClr val="tx1"/>
+            </a:fontRef>
+          </p:style>
+        </p:cxnSp>
+        <p:cxnSp>
+          <p:nvCxnSpPr>
+            <p:cNvPr id="127" name="직선 연결선 126"/>
+            <p:cNvCxnSpPr>
+              <a:cxnSpLocks/>
+            </p:cNvCxnSpPr>
+            <p:nvPr/>
+          </p:nvCxnSpPr>
+          <p:spPr>
+            <a:xfrm>
+              <a:off x="2329198" y="4294413"/>
+              <a:ext cx="506314" cy="0"/>
+            </a:xfrm>
+            <a:prstGeom prst="line">
+              <a:avLst/>
+            </a:prstGeom>
+            <a:ln w="28575">
+              <a:solidFill>
+                <a:schemeClr val="bg1">
+                  <a:lumMod val="85000"/>
+                </a:schemeClr>
+              </a:solidFill>
+            </a:ln>
+          </p:spPr>
+          <p:style>
+            <a:lnRef idx="1">
+              <a:schemeClr val="accent1"/>
+            </a:lnRef>
+            <a:fillRef idx="0">
+              <a:schemeClr val="accent1"/>
+            </a:fillRef>
+            <a:effectRef idx="0">
+              <a:schemeClr val="accent1"/>
+            </a:effectRef>
+            <a:fontRef idx="minor">
+              <a:schemeClr val="tx1"/>
+            </a:fontRef>
+          </p:style>
+        </p:cxnSp>
+      </p:grpSp>
+    </p:spTree>
+    <p:extLst>
+      <p:ext uri="{BB962C8B-B14F-4D97-AF65-F5344CB8AC3E}">
+        <p14:creationId xmlns:p14="http://schemas.microsoft.com/office/powerpoint/2010/main" val="1551007757"/>
+      </p:ext>
+    </p:extLst>
+  </p:cSld>
+  <p:clrMapOvr>
+    <a:masterClrMapping/>
+  </p:clrMapOvr>
+</p:sld>
+</file>
+
+<file path=ppt/slides/slide12.xml><?xml version="1.0" encoding="utf-8"?>
+<p:sld xmlns:a="http://schemas.openxmlformats.org/drawingml/2006/main" xmlns:r="http://schemas.openxmlformats.org/officeDocument/2006/relationships" xmlns:p="http://schemas.openxmlformats.org/presentationml/2006/main">
+  <p:cSld>
+    <p:spTree>
+      <p:nvGrpSpPr>
+        <p:cNvPr id="1" name=""/>
+        <p:cNvGrpSpPr/>
+        <p:nvPr/>
+      </p:nvGrpSpPr>
+      <p:grpSpPr>
+        <a:xfrm>
+          <a:off x="0" y="0"/>
+          <a:ext cx="0" cy="0"/>
+          <a:chOff x="0" y="0"/>
+          <a:chExt cx="0" cy="0"/>
+        </a:xfrm>
+      </p:grpSpPr>
+      <p:grpSp>
+        <p:nvGrpSpPr>
+          <p:cNvPr id="5" name="그룹 4"/>
+          <p:cNvGrpSpPr/>
+          <p:nvPr/>
+        </p:nvGrpSpPr>
+        <p:grpSpPr>
+          <a:xfrm>
+            <a:off x="201336" y="55991"/>
+            <a:ext cx="11367083" cy="6612951"/>
+            <a:chOff x="201336" y="55991"/>
+            <a:chExt cx="11367083" cy="6612951"/>
+          </a:xfrm>
+        </p:grpSpPr>
         <p:sp>
           <p:nvSpPr>
-            <p:cNvPr id="5" name="직사각형 4"/>
+            <p:cNvPr id="6" name="직사각형 5"/>
             <p:cNvSpPr/>
             <p:nvPr/>
           </p:nvSpPr>
           <p:spPr>
             <a:xfrm>
-              <a:off x="2813676" y="2067886"/>
-              <a:ext cx="1502183" cy="620786"/>
+              <a:off x="201336" y="55991"/>
+              <a:ext cx="11367083" cy="6612951"/>
             </a:xfrm>
             <a:prstGeom prst="rect">
               <a:avLst/>
@@ -5104,434 +6471,1648 @@
             <a:lstStyle/>
             <a:p>
               <a:pPr algn="ctr"/>
-              <a:endParaRPr lang="ko-KR" altLang="en-US" sz="2400"/>
+              <a:endParaRPr lang="ko-KR" altLang="en-US" dirty="0"/>
+            </a:p>
+          </p:txBody>
+        </p:sp>
+        <p:pic>
+          <p:nvPicPr>
+            <p:cNvPr id="3074" name="Picture 2" descr="keyboard button png에 대한 이미지 검색결과"/>
+            <p:cNvPicPr>
+              <a:picLocks noChangeAspect="1" noChangeArrowheads="1"/>
+            </p:cNvPicPr>
+            <p:nvPr/>
+          </p:nvPicPr>
+          <p:blipFill>
+            <a:blip r:embed="rId2">
+              <a:extLst>
+                <a:ext uri="{28A0092B-C50C-407E-A947-70E740481C1C}">
+                  <a14:useLocalDpi xmlns:a14="http://schemas.microsoft.com/office/drawing/2010/main" val="0"/>
+                </a:ext>
+              </a:extLst>
+            </a:blip>
+            <a:srcRect/>
+            <a:stretch>
+              <a:fillRect/>
+            </a:stretch>
+          </p:blipFill>
+          <p:spPr bwMode="auto">
+            <a:xfrm>
+              <a:off x="2021448" y="4119248"/>
+              <a:ext cx="782826" cy="735856"/>
+            </a:xfrm>
+            <a:prstGeom prst="rect">
+              <a:avLst/>
+            </a:prstGeom>
+            <a:noFill/>
+            <a:extLst>
+              <a:ext uri="{909E8E84-426E-40DD-AFC4-6F175D3DCCD1}">
+                <a14:hiddenFill xmlns:a14="http://schemas.microsoft.com/office/drawing/2010/main">
+                  <a:solidFill>
+                    <a:srgbClr val="FFFFFF"/>
+                  </a:solidFill>
+                </a14:hiddenFill>
+              </a:ext>
+            </a:extLst>
+          </p:spPr>
+        </p:pic>
+        <p:pic>
+          <p:nvPicPr>
+            <p:cNvPr id="7" name="Picture 2" descr="keyboard button png에 대한 이미지 검색결과"/>
+            <p:cNvPicPr>
+              <a:picLocks noChangeAspect="1" noChangeArrowheads="1"/>
+            </p:cNvPicPr>
+            <p:nvPr/>
+          </p:nvPicPr>
+          <p:blipFill>
+            <a:blip r:embed="rId2">
+              <a:extLst>
+                <a:ext uri="{28A0092B-C50C-407E-A947-70E740481C1C}">
+                  <a14:useLocalDpi xmlns:a14="http://schemas.microsoft.com/office/drawing/2010/main" val="0"/>
+                </a:ext>
+              </a:extLst>
+            </a:blip>
+            <a:srcRect/>
+            <a:stretch>
+              <a:fillRect/>
+            </a:stretch>
+          </p:blipFill>
+          <p:spPr bwMode="auto">
+            <a:xfrm>
+              <a:off x="2021448" y="3313891"/>
+              <a:ext cx="782826" cy="735856"/>
+            </a:xfrm>
+            <a:prstGeom prst="rect">
+              <a:avLst/>
+            </a:prstGeom>
+            <a:noFill/>
+            <a:extLst>
+              <a:ext uri="{909E8E84-426E-40DD-AFC4-6F175D3DCCD1}">
+                <a14:hiddenFill xmlns:a14="http://schemas.microsoft.com/office/drawing/2010/main">
+                  <a:solidFill>
+                    <a:srgbClr val="FFFFFF"/>
+                  </a:solidFill>
+                </a14:hiddenFill>
+              </a:ext>
+            </a:extLst>
+          </p:spPr>
+        </p:pic>
+        <p:pic>
+          <p:nvPicPr>
+            <p:cNvPr id="8" name="Picture 2" descr="keyboard button png에 대한 이미지 검색결과"/>
+            <p:cNvPicPr>
+              <a:picLocks noChangeAspect="1" noChangeArrowheads="1"/>
+            </p:cNvPicPr>
+            <p:nvPr/>
+          </p:nvPicPr>
+          <p:blipFill>
+            <a:blip r:embed="rId2">
+              <a:extLst>
+                <a:ext uri="{28A0092B-C50C-407E-A947-70E740481C1C}">
+                  <a14:useLocalDpi xmlns:a14="http://schemas.microsoft.com/office/drawing/2010/main" val="0"/>
+                </a:ext>
+              </a:extLst>
+            </a:blip>
+            <a:srcRect/>
+            <a:stretch>
+              <a:fillRect/>
+            </a:stretch>
+          </p:blipFill>
+          <p:spPr bwMode="auto">
+            <a:xfrm>
+              <a:off x="6823162" y="3313891"/>
+              <a:ext cx="782826" cy="735856"/>
+            </a:xfrm>
+            <a:prstGeom prst="rect">
+              <a:avLst/>
+            </a:prstGeom>
+            <a:noFill/>
+            <a:extLst>
+              <a:ext uri="{909E8E84-426E-40DD-AFC4-6F175D3DCCD1}">
+                <a14:hiddenFill xmlns:a14="http://schemas.microsoft.com/office/drawing/2010/main">
+                  <a:solidFill>
+                    <a:srgbClr val="FFFFFF"/>
+                  </a:solidFill>
+                </a14:hiddenFill>
+              </a:ext>
+            </a:extLst>
+          </p:spPr>
+        </p:pic>
+        <p:pic>
+          <p:nvPicPr>
+            <p:cNvPr id="10" name="그림 9"/>
+            <p:cNvPicPr>
+              <a:picLocks noChangeAspect="1"/>
+            </p:cNvPicPr>
+            <p:nvPr/>
+          </p:nvPicPr>
+          <p:blipFill>
+            <a:blip r:embed="rId3">
+              <a:extLst>
+                <a:ext uri="{28A0092B-C50C-407E-A947-70E740481C1C}">
+                  <a14:useLocalDpi xmlns:a14="http://schemas.microsoft.com/office/drawing/2010/main" val="0"/>
+                </a:ext>
+              </a:extLst>
+            </a:blip>
+            <a:stretch>
+              <a:fillRect/>
+            </a:stretch>
+          </p:blipFill>
+          <p:spPr>
+            <a:xfrm>
+              <a:off x="2021448" y="5732361"/>
+              <a:ext cx="1144588" cy="719183"/>
+            </a:xfrm>
+            <a:prstGeom prst="rect">
+              <a:avLst/>
+            </a:prstGeom>
+          </p:spPr>
+        </p:pic>
+        <p:pic>
+          <p:nvPicPr>
+            <p:cNvPr id="13" name="그림 12"/>
+            <p:cNvPicPr>
+              <a:picLocks noChangeAspect="1"/>
+            </p:cNvPicPr>
+            <p:nvPr/>
+          </p:nvPicPr>
+          <p:blipFill>
+            <a:blip r:embed="rId3">
+              <a:extLst>
+                <a:ext uri="{28A0092B-C50C-407E-A947-70E740481C1C}">
+                  <a14:useLocalDpi xmlns:a14="http://schemas.microsoft.com/office/drawing/2010/main" val="0"/>
+                </a:ext>
+              </a:extLst>
+            </a:blip>
+            <a:stretch>
+              <a:fillRect/>
+            </a:stretch>
+          </p:blipFill>
+          <p:spPr>
+            <a:xfrm>
+              <a:off x="2029837" y="4940991"/>
+              <a:ext cx="1675158" cy="719183"/>
+            </a:xfrm>
+            <a:prstGeom prst="rect">
+              <a:avLst/>
+            </a:prstGeom>
+          </p:spPr>
+        </p:pic>
+        <p:pic>
+          <p:nvPicPr>
+            <p:cNvPr id="11" name="Picture 2" descr="keyboard button png에 대한 이미지 검색결과"/>
+            <p:cNvPicPr>
+              <a:picLocks noChangeAspect="1" noChangeArrowheads="1"/>
+            </p:cNvPicPr>
+            <p:nvPr/>
+          </p:nvPicPr>
+          <p:blipFill>
+            <a:blip r:embed="rId2">
+              <a:extLst>
+                <a:ext uri="{28A0092B-C50C-407E-A947-70E740481C1C}">
+                  <a14:useLocalDpi xmlns:a14="http://schemas.microsoft.com/office/drawing/2010/main" val="0"/>
+                </a:ext>
+              </a:extLst>
+            </a:blip>
+            <a:srcRect/>
+            <a:stretch>
+              <a:fillRect/>
+            </a:stretch>
+          </p:blipFill>
+          <p:spPr bwMode="auto">
+            <a:xfrm>
+              <a:off x="2021448" y="2293444"/>
+              <a:ext cx="782826" cy="735856"/>
+            </a:xfrm>
+            <a:prstGeom prst="rect">
+              <a:avLst/>
+            </a:prstGeom>
+            <a:noFill/>
+            <a:extLst>
+              <a:ext uri="{909E8E84-426E-40DD-AFC4-6F175D3DCCD1}">
+                <a14:hiddenFill xmlns:a14="http://schemas.microsoft.com/office/drawing/2010/main">
+                  <a:solidFill>
+                    <a:srgbClr val="FFFFFF"/>
+                  </a:solidFill>
+                </a14:hiddenFill>
+              </a:ext>
+            </a:extLst>
+          </p:spPr>
+        </p:pic>
+        <p:pic>
+          <p:nvPicPr>
+            <p:cNvPr id="12" name="Picture 2" descr="keyboard button png에 대한 이미지 검색결과"/>
+            <p:cNvPicPr>
+              <a:picLocks noChangeAspect="1" noChangeArrowheads="1"/>
+            </p:cNvPicPr>
+            <p:nvPr/>
+          </p:nvPicPr>
+          <p:blipFill>
+            <a:blip r:embed="rId2">
+              <a:extLst>
+                <a:ext uri="{28A0092B-C50C-407E-A947-70E740481C1C}">
+                  <a14:useLocalDpi xmlns:a14="http://schemas.microsoft.com/office/drawing/2010/main" val="0"/>
+                </a:ext>
+              </a:extLst>
+            </a:blip>
+            <a:srcRect/>
+            <a:stretch>
+              <a:fillRect/>
+            </a:stretch>
+          </p:blipFill>
+          <p:spPr bwMode="auto">
+            <a:xfrm>
+              <a:off x="2842264" y="2293444"/>
+              <a:ext cx="782826" cy="735856"/>
+            </a:xfrm>
+            <a:prstGeom prst="rect">
+              <a:avLst/>
+            </a:prstGeom>
+            <a:noFill/>
+            <a:extLst>
+              <a:ext uri="{909E8E84-426E-40DD-AFC4-6F175D3DCCD1}">
+                <a14:hiddenFill xmlns:a14="http://schemas.microsoft.com/office/drawing/2010/main">
+                  <a:solidFill>
+                    <a:srgbClr val="FFFFFF"/>
+                  </a:solidFill>
+                </a14:hiddenFill>
+              </a:ext>
+            </a:extLst>
+          </p:spPr>
+        </p:pic>
+        <p:pic>
+          <p:nvPicPr>
+            <p:cNvPr id="14" name="Picture 2" descr="keyboard button png에 대한 이미지 검색결과"/>
+            <p:cNvPicPr>
+              <a:picLocks noChangeAspect="1" noChangeArrowheads="1"/>
+            </p:cNvPicPr>
+            <p:nvPr/>
+          </p:nvPicPr>
+          <p:blipFill>
+            <a:blip r:embed="rId2">
+              <a:extLst>
+                <a:ext uri="{28A0092B-C50C-407E-A947-70E740481C1C}">
+                  <a14:useLocalDpi xmlns:a14="http://schemas.microsoft.com/office/drawing/2010/main" val="0"/>
+                </a:ext>
+              </a:extLst>
+            </a:blip>
+            <a:srcRect/>
+            <a:stretch>
+              <a:fillRect/>
+            </a:stretch>
+          </p:blipFill>
+          <p:spPr bwMode="auto">
+            <a:xfrm>
+              <a:off x="2842264" y="1500977"/>
+              <a:ext cx="782826" cy="735856"/>
+            </a:xfrm>
+            <a:prstGeom prst="rect">
+              <a:avLst/>
+            </a:prstGeom>
+            <a:noFill/>
+            <a:extLst>
+              <a:ext uri="{909E8E84-426E-40DD-AFC4-6F175D3DCCD1}">
+                <a14:hiddenFill xmlns:a14="http://schemas.microsoft.com/office/drawing/2010/main">
+                  <a:solidFill>
+                    <a:srgbClr val="FFFFFF"/>
+                  </a:solidFill>
+                </a14:hiddenFill>
+              </a:ext>
+            </a:extLst>
+          </p:spPr>
+        </p:pic>
+        <p:pic>
+          <p:nvPicPr>
+            <p:cNvPr id="15" name="Picture 2" descr="keyboard button png에 대한 이미지 검색결과"/>
+            <p:cNvPicPr>
+              <a:picLocks noChangeAspect="1" noChangeArrowheads="1"/>
+            </p:cNvPicPr>
+            <p:nvPr/>
+          </p:nvPicPr>
+          <p:blipFill>
+            <a:blip r:embed="rId2">
+              <a:extLst>
+                <a:ext uri="{28A0092B-C50C-407E-A947-70E740481C1C}">
+                  <a14:useLocalDpi xmlns:a14="http://schemas.microsoft.com/office/drawing/2010/main" val="0"/>
+                </a:ext>
+              </a:extLst>
+            </a:blip>
+            <a:srcRect/>
+            <a:stretch>
+              <a:fillRect/>
+            </a:stretch>
+          </p:blipFill>
+          <p:spPr bwMode="auto">
+            <a:xfrm>
+              <a:off x="3679519" y="2293444"/>
+              <a:ext cx="782826" cy="735856"/>
+            </a:xfrm>
+            <a:prstGeom prst="rect">
+              <a:avLst/>
+            </a:prstGeom>
+            <a:noFill/>
+            <a:extLst>
+              <a:ext uri="{909E8E84-426E-40DD-AFC4-6F175D3DCCD1}">
+                <a14:hiddenFill xmlns:a14="http://schemas.microsoft.com/office/drawing/2010/main">
+                  <a:solidFill>
+                    <a:srgbClr val="FFFFFF"/>
+                  </a:solidFill>
+                </a14:hiddenFill>
+              </a:ext>
+            </a:extLst>
+          </p:spPr>
+        </p:pic>
+        <p:pic>
+          <p:nvPicPr>
+            <p:cNvPr id="16" name="Picture 2" descr="keyboard button png에 대한 이미지 검색결과"/>
+            <p:cNvPicPr>
+              <a:picLocks noChangeAspect="1" noChangeArrowheads="1"/>
+            </p:cNvPicPr>
+            <p:nvPr/>
+          </p:nvPicPr>
+          <p:blipFill>
+            <a:blip r:embed="rId2">
+              <a:extLst>
+                <a:ext uri="{28A0092B-C50C-407E-A947-70E740481C1C}">
+                  <a14:useLocalDpi xmlns:a14="http://schemas.microsoft.com/office/drawing/2010/main" val="0"/>
+                </a:ext>
+              </a:extLst>
+            </a:blip>
+            <a:srcRect/>
+            <a:stretch>
+              <a:fillRect/>
+            </a:stretch>
+          </p:blipFill>
+          <p:spPr bwMode="auto">
+            <a:xfrm>
+              <a:off x="6823162" y="2293444"/>
+              <a:ext cx="782826" cy="735856"/>
+            </a:xfrm>
+            <a:prstGeom prst="rect">
+              <a:avLst/>
+            </a:prstGeom>
+            <a:noFill/>
+            <a:extLst>
+              <a:ext uri="{909E8E84-426E-40DD-AFC4-6F175D3DCCD1}">
+                <a14:hiddenFill xmlns:a14="http://schemas.microsoft.com/office/drawing/2010/main">
+                  <a:solidFill>
+                    <a:srgbClr val="FFFFFF"/>
+                  </a:solidFill>
+                </a14:hiddenFill>
+              </a:ext>
+            </a:extLst>
+          </p:spPr>
+        </p:pic>
+        <p:pic>
+          <p:nvPicPr>
+            <p:cNvPr id="17" name="Picture 2" descr="keyboard button png에 대한 이미지 검색결과"/>
+            <p:cNvPicPr>
+              <a:picLocks noChangeAspect="1" noChangeArrowheads="1"/>
+            </p:cNvPicPr>
+            <p:nvPr/>
+          </p:nvPicPr>
+          <p:blipFill>
+            <a:blip r:embed="rId2">
+              <a:extLst>
+                <a:ext uri="{28A0092B-C50C-407E-A947-70E740481C1C}">
+                  <a14:useLocalDpi xmlns:a14="http://schemas.microsoft.com/office/drawing/2010/main" val="0"/>
+                </a:ext>
+              </a:extLst>
+            </a:blip>
+            <a:srcRect/>
+            <a:stretch>
+              <a:fillRect/>
+            </a:stretch>
+          </p:blipFill>
+          <p:spPr bwMode="auto">
+            <a:xfrm>
+              <a:off x="7643978" y="2293444"/>
+              <a:ext cx="782826" cy="735856"/>
+            </a:xfrm>
+            <a:prstGeom prst="rect">
+              <a:avLst/>
+            </a:prstGeom>
+            <a:noFill/>
+            <a:extLst>
+              <a:ext uri="{909E8E84-426E-40DD-AFC4-6F175D3DCCD1}">
+                <a14:hiddenFill xmlns:a14="http://schemas.microsoft.com/office/drawing/2010/main">
+                  <a:solidFill>
+                    <a:srgbClr val="FFFFFF"/>
+                  </a:solidFill>
+                </a14:hiddenFill>
+              </a:ext>
+            </a:extLst>
+          </p:spPr>
+        </p:pic>
+        <p:pic>
+          <p:nvPicPr>
+            <p:cNvPr id="18" name="Picture 2" descr="keyboard button png에 대한 이미지 검색결과"/>
+            <p:cNvPicPr>
+              <a:picLocks noChangeAspect="1" noChangeArrowheads="1"/>
+            </p:cNvPicPr>
+            <p:nvPr/>
+          </p:nvPicPr>
+          <p:blipFill>
+            <a:blip r:embed="rId2">
+              <a:extLst>
+                <a:ext uri="{28A0092B-C50C-407E-A947-70E740481C1C}">
+                  <a14:useLocalDpi xmlns:a14="http://schemas.microsoft.com/office/drawing/2010/main" val="0"/>
+                </a:ext>
+              </a:extLst>
+            </a:blip>
+            <a:srcRect/>
+            <a:stretch>
+              <a:fillRect/>
+            </a:stretch>
+          </p:blipFill>
+          <p:spPr bwMode="auto">
+            <a:xfrm>
+              <a:off x="7643978" y="1500977"/>
+              <a:ext cx="782826" cy="735856"/>
+            </a:xfrm>
+            <a:prstGeom prst="rect">
+              <a:avLst/>
+            </a:prstGeom>
+            <a:noFill/>
+            <a:extLst>
+              <a:ext uri="{909E8E84-426E-40DD-AFC4-6F175D3DCCD1}">
+                <a14:hiddenFill xmlns:a14="http://schemas.microsoft.com/office/drawing/2010/main">
+                  <a:solidFill>
+                    <a:srgbClr val="FFFFFF"/>
+                  </a:solidFill>
+                </a14:hiddenFill>
+              </a:ext>
+            </a:extLst>
+          </p:spPr>
+        </p:pic>
+        <p:pic>
+          <p:nvPicPr>
+            <p:cNvPr id="19" name="Picture 2" descr="keyboard button png에 대한 이미지 검색결과"/>
+            <p:cNvPicPr>
+              <a:picLocks noChangeAspect="1" noChangeArrowheads="1"/>
+            </p:cNvPicPr>
+            <p:nvPr/>
+          </p:nvPicPr>
+          <p:blipFill>
+            <a:blip r:embed="rId2">
+              <a:extLst>
+                <a:ext uri="{28A0092B-C50C-407E-A947-70E740481C1C}">
+                  <a14:useLocalDpi xmlns:a14="http://schemas.microsoft.com/office/drawing/2010/main" val="0"/>
+                </a:ext>
+              </a:extLst>
+            </a:blip>
+            <a:srcRect/>
+            <a:stretch>
+              <a:fillRect/>
+            </a:stretch>
+          </p:blipFill>
+          <p:spPr bwMode="auto">
+            <a:xfrm>
+              <a:off x="8481233" y="2293444"/>
+              <a:ext cx="782826" cy="735856"/>
+            </a:xfrm>
+            <a:prstGeom prst="rect">
+              <a:avLst/>
+            </a:prstGeom>
+            <a:noFill/>
+            <a:extLst>
+              <a:ext uri="{909E8E84-426E-40DD-AFC4-6F175D3DCCD1}">
+                <a14:hiddenFill xmlns:a14="http://schemas.microsoft.com/office/drawing/2010/main">
+                  <a:solidFill>
+                    <a:srgbClr val="FFFFFF"/>
+                  </a:solidFill>
+                </a14:hiddenFill>
+              </a:ext>
+            </a:extLst>
+          </p:spPr>
+        </p:pic>
+        <p:pic>
+          <p:nvPicPr>
+            <p:cNvPr id="20" name="Picture 2" descr="keyboard button png에 대한 이미지 검색결과"/>
+            <p:cNvPicPr>
+              <a:picLocks noChangeAspect="1" noChangeArrowheads="1"/>
+            </p:cNvPicPr>
+            <p:nvPr/>
+          </p:nvPicPr>
+          <p:blipFill>
+            <a:blip r:embed="rId2">
+              <a:extLst>
+                <a:ext uri="{28A0092B-C50C-407E-A947-70E740481C1C}">
+                  <a14:useLocalDpi xmlns:a14="http://schemas.microsoft.com/office/drawing/2010/main" val="0"/>
+                </a:ext>
+              </a:extLst>
+            </a:blip>
+            <a:srcRect/>
+            <a:stretch>
+              <a:fillRect/>
+            </a:stretch>
+          </p:blipFill>
+          <p:spPr bwMode="auto">
+            <a:xfrm>
+              <a:off x="6823162" y="4121949"/>
+              <a:ext cx="782826" cy="735856"/>
+            </a:xfrm>
+            <a:prstGeom prst="rect">
+              <a:avLst/>
+            </a:prstGeom>
+            <a:noFill/>
+            <a:extLst>
+              <a:ext uri="{909E8E84-426E-40DD-AFC4-6F175D3DCCD1}">
+                <a14:hiddenFill xmlns:a14="http://schemas.microsoft.com/office/drawing/2010/main">
+                  <a:solidFill>
+                    <a:srgbClr val="FFFFFF"/>
+                  </a:solidFill>
+                </a14:hiddenFill>
+              </a:ext>
+            </a:extLst>
+          </p:spPr>
+        </p:pic>
+        <p:pic>
+          <p:nvPicPr>
+            <p:cNvPr id="21" name="Picture 2" descr="keyboard button png에 대한 이미지 검색결과"/>
+            <p:cNvPicPr>
+              <a:picLocks noChangeAspect="1" noChangeArrowheads="1"/>
+            </p:cNvPicPr>
+            <p:nvPr/>
+          </p:nvPicPr>
+          <p:blipFill>
+            <a:blip r:embed="rId2">
+              <a:extLst>
+                <a:ext uri="{28A0092B-C50C-407E-A947-70E740481C1C}">
+                  <a14:useLocalDpi xmlns:a14="http://schemas.microsoft.com/office/drawing/2010/main" val="0"/>
+                </a:ext>
+              </a:extLst>
+            </a:blip>
+            <a:srcRect/>
+            <a:stretch>
+              <a:fillRect/>
+            </a:stretch>
+          </p:blipFill>
+          <p:spPr bwMode="auto">
+            <a:xfrm>
+              <a:off x="6823162" y="4924318"/>
+              <a:ext cx="782826" cy="735856"/>
+            </a:xfrm>
+            <a:prstGeom prst="rect">
+              <a:avLst/>
+            </a:prstGeom>
+            <a:noFill/>
+            <a:extLst>
+              <a:ext uri="{909E8E84-426E-40DD-AFC4-6F175D3DCCD1}">
+                <a14:hiddenFill xmlns:a14="http://schemas.microsoft.com/office/drawing/2010/main">
+                  <a:solidFill>
+                    <a:srgbClr val="FFFFFF"/>
+                  </a:solidFill>
+                </a14:hiddenFill>
+              </a:ext>
+            </a:extLst>
+          </p:spPr>
+        </p:pic>
+        <p:pic>
+          <p:nvPicPr>
+            <p:cNvPr id="22" name="Picture 2" descr="keyboard button png에 대한 이미지 검색결과"/>
+            <p:cNvPicPr>
+              <a:picLocks noChangeAspect="1" noChangeArrowheads="1"/>
+            </p:cNvPicPr>
+            <p:nvPr/>
+          </p:nvPicPr>
+          <p:blipFill>
+            <a:blip r:embed="rId2">
+              <a:extLst>
+                <a:ext uri="{28A0092B-C50C-407E-A947-70E740481C1C}">
+                  <a14:useLocalDpi xmlns:a14="http://schemas.microsoft.com/office/drawing/2010/main" val="0"/>
+                </a:ext>
+              </a:extLst>
+            </a:blip>
+            <a:srcRect/>
+            <a:stretch>
+              <a:fillRect/>
+            </a:stretch>
+          </p:blipFill>
+          <p:spPr bwMode="auto">
+            <a:xfrm>
+              <a:off x="6823162" y="5715688"/>
+              <a:ext cx="782826" cy="735856"/>
+            </a:xfrm>
+            <a:prstGeom prst="rect">
+              <a:avLst/>
+            </a:prstGeom>
+            <a:noFill/>
+            <a:extLst>
+              <a:ext uri="{909E8E84-426E-40DD-AFC4-6F175D3DCCD1}">
+                <a14:hiddenFill xmlns:a14="http://schemas.microsoft.com/office/drawing/2010/main">
+                  <a:solidFill>
+                    <a:srgbClr val="FFFFFF"/>
+                  </a:solidFill>
+                </a14:hiddenFill>
+              </a:ext>
+            </a:extLst>
+          </p:spPr>
+        </p:pic>
+        <p:sp>
+          <p:nvSpPr>
+            <p:cNvPr id="2" name="TextBox 1"/>
+            <p:cNvSpPr txBox="1"/>
+            <p:nvPr/>
+          </p:nvSpPr>
+          <p:spPr>
+            <a:xfrm>
+              <a:off x="4639112" y="2476706"/>
+              <a:ext cx="940386" cy="369332"/>
+            </a:xfrm>
+            <a:prstGeom prst="rect">
+              <a:avLst/>
+            </a:prstGeom>
+            <a:noFill/>
+          </p:spPr>
+          <p:txBody>
+            <a:bodyPr wrap="none" rtlCol="0">
+              <a:spAutoFit/>
+            </a:bodyPr>
+            <a:lstStyle/>
+            <a:p>
+              <a:r>
+                <a:rPr lang="en-US" altLang="ko-KR" b="1" dirty="0">
+                  <a:solidFill>
+                    <a:schemeClr val="bg1"/>
+                  </a:solidFill>
+                </a:rPr>
+                <a:t>: Move</a:t>
+              </a:r>
+              <a:endParaRPr lang="ko-KR" altLang="en-US" b="1" dirty="0">
+                <a:solidFill>
+                  <a:schemeClr val="bg1"/>
+                </a:solidFill>
+              </a:endParaRPr>
             </a:p>
           </p:txBody>
         </p:sp>
         <p:sp>
           <p:nvSpPr>
-            <p:cNvPr id="6" name="직사각형 5"/>
+            <p:cNvPr id="23" name="TextBox 22"/>
+            <p:cNvSpPr txBox="1"/>
+            <p:nvPr/>
+          </p:nvSpPr>
+          <p:spPr>
+            <a:xfrm>
+              <a:off x="2936147" y="3431898"/>
+              <a:ext cx="1026435" cy="369332"/>
+            </a:xfrm>
+            <a:prstGeom prst="rect">
+              <a:avLst/>
+            </a:prstGeom>
+            <a:noFill/>
+          </p:spPr>
+          <p:txBody>
+            <a:bodyPr wrap="none" rtlCol="0">
+              <a:spAutoFit/>
+            </a:bodyPr>
+            <a:lstStyle/>
+            <a:p>
+              <a:r>
+                <a:rPr lang="en-US" altLang="ko-KR" b="1" dirty="0">
+                  <a:solidFill>
+                    <a:schemeClr val="bg1"/>
+                  </a:solidFill>
+                </a:rPr>
+                <a:t>: Attack</a:t>
+              </a:r>
+              <a:endParaRPr lang="ko-KR" altLang="en-US" b="1" dirty="0">
+                <a:solidFill>
+                  <a:schemeClr val="bg1"/>
+                </a:solidFill>
+              </a:endParaRPr>
+            </a:p>
+          </p:txBody>
+        </p:sp>
+        <p:sp>
+          <p:nvSpPr>
+            <p:cNvPr id="25" name="TextBox 24"/>
+            <p:cNvSpPr txBox="1"/>
+            <p:nvPr/>
+          </p:nvSpPr>
+          <p:spPr>
+            <a:xfrm>
+              <a:off x="2936147" y="4302510"/>
+              <a:ext cx="777777" cy="369332"/>
+            </a:xfrm>
+            <a:prstGeom prst="rect">
+              <a:avLst/>
+            </a:prstGeom>
+            <a:noFill/>
+          </p:spPr>
+          <p:txBody>
+            <a:bodyPr wrap="none" rtlCol="0">
+              <a:spAutoFit/>
+            </a:bodyPr>
+            <a:lstStyle/>
+            <a:p>
+              <a:r>
+                <a:rPr lang="en-US" altLang="ko-KR" b="1" dirty="0">
+                  <a:solidFill>
+                    <a:schemeClr val="bg1"/>
+                  </a:solidFill>
+                </a:rPr>
+                <a:t>: Skill</a:t>
+              </a:r>
+              <a:endParaRPr lang="ko-KR" altLang="en-US" b="1" dirty="0">
+                <a:solidFill>
+                  <a:schemeClr val="bg1"/>
+                </a:solidFill>
+              </a:endParaRPr>
+            </a:p>
+          </p:txBody>
+        </p:sp>
+        <p:sp>
+          <p:nvSpPr>
+            <p:cNvPr id="26" name="TextBox 25"/>
+            <p:cNvSpPr txBox="1"/>
+            <p:nvPr/>
+          </p:nvSpPr>
+          <p:spPr>
+            <a:xfrm>
+              <a:off x="3322040" y="5907286"/>
+              <a:ext cx="967894" cy="369332"/>
+            </a:xfrm>
+            <a:prstGeom prst="rect">
+              <a:avLst/>
+            </a:prstGeom>
+            <a:noFill/>
+          </p:spPr>
+          <p:txBody>
+            <a:bodyPr wrap="none" rtlCol="0">
+              <a:spAutoFit/>
+            </a:bodyPr>
+            <a:lstStyle/>
+            <a:p>
+              <a:r>
+                <a:rPr lang="en-US" altLang="ko-KR" b="1" dirty="0">
+                  <a:solidFill>
+                    <a:schemeClr val="bg1"/>
+                  </a:solidFill>
+                </a:rPr>
+                <a:t>: Evade</a:t>
+              </a:r>
+              <a:endParaRPr lang="ko-KR" altLang="en-US" b="1" dirty="0">
+                <a:solidFill>
+                  <a:schemeClr val="bg1"/>
+                </a:solidFill>
+              </a:endParaRPr>
+            </a:p>
+          </p:txBody>
+        </p:sp>
+        <p:sp>
+          <p:nvSpPr>
+            <p:cNvPr id="27" name="TextBox 26"/>
+            <p:cNvSpPr txBox="1"/>
+            <p:nvPr/>
+          </p:nvSpPr>
+          <p:spPr>
+            <a:xfrm>
+              <a:off x="3845873" y="5038079"/>
+              <a:ext cx="1100429" cy="369332"/>
+            </a:xfrm>
+            <a:prstGeom prst="rect">
+              <a:avLst/>
+            </a:prstGeom>
+            <a:noFill/>
+          </p:spPr>
+          <p:txBody>
+            <a:bodyPr wrap="none" rtlCol="0">
+              <a:spAutoFit/>
+            </a:bodyPr>
+            <a:lstStyle/>
+            <a:p>
+              <a:r>
+                <a:rPr lang="en-US" altLang="ko-KR" b="1" dirty="0">
+                  <a:solidFill>
+                    <a:schemeClr val="bg1"/>
+                  </a:solidFill>
+                </a:rPr>
+                <a:t>: Charge</a:t>
+              </a:r>
+              <a:endParaRPr lang="ko-KR" altLang="en-US" b="1" dirty="0">
+                <a:solidFill>
+                  <a:schemeClr val="bg1"/>
+                </a:solidFill>
+              </a:endParaRPr>
+            </a:p>
+          </p:txBody>
+        </p:sp>
+        <p:sp>
+          <p:nvSpPr>
+            <p:cNvPr id="28" name="TextBox 27"/>
+            <p:cNvSpPr txBox="1"/>
+            <p:nvPr/>
+          </p:nvSpPr>
+          <p:spPr>
+            <a:xfrm>
+              <a:off x="7743621" y="3431898"/>
+              <a:ext cx="1026435" cy="369332"/>
+            </a:xfrm>
+            <a:prstGeom prst="rect">
+              <a:avLst/>
+            </a:prstGeom>
+            <a:noFill/>
+          </p:spPr>
+          <p:txBody>
+            <a:bodyPr wrap="none" rtlCol="0">
+              <a:spAutoFit/>
+            </a:bodyPr>
+            <a:lstStyle/>
+            <a:p>
+              <a:r>
+                <a:rPr lang="en-US" altLang="ko-KR" b="1" dirty="0">
+                  <a:solidFill>
+                    <a:schemeClr val="bg1"/>
+                  </a:solidFill>
+                </a:rPr>
+                <a:t>: Attack</a:t>
+              </a:r>
+              <a:endParaRPr lang="ko-KR" altLang="en-US" b="1" dirty="0">
+                <a:solidFill>
+                  <a:schemeClr val="bg1"/>
+                </a:solidFill>
+              </a:endParaRPr>
+            </a:p>
+          </p:txBody>
+        </p:sp>
+        <p:sp>
+          <p:nvSpPr>
+            <p:cNvPr id="29" name="TextBox 28"/>
+            <p:cNvSpPr txBox="1"/>
+            <p:nvPr/>
+          </p:nvSpPr>
+          <p:spPr>
+            <a:xfrm>
+              <a:off x="7743621" y="4302510"/>
+              <a:ext cx="777777" cy="369332"/>
+            </a:xfrm>
+            <a:prstGeom prst="rect">
+              <a:avLst/>
+            </a:prstGeom>
+            <a:noFill/>
+          </p:spPr>
+          <p:txBody>
+            <a:bodyPr wrap="none" rtlCol="0">
+              <a:spAutoFit/>
+            </a:bodyPr>
+            <a:lstStyle/>
+            <a:p>
+              <a:r>
+                <a:rPr lang="en-US" altLang="ko-KR" b="1" dirty="0">
+                  <a:solidFill>
+                    <a:schemeClr val="bg1"/>
+                  </a:solidFill>
+                </a:rPr>
+                <a:t>: Skill</a:t>
+              </a:r>
+              <a:endParaRPr lang="ko-KR" altLang="en-US" b="1" dirty="0">
+                <a:solidFill>
+                  <a:schemeClr val="bg1"/>
+                </a:solidFill>
+              </a:endParaRPr>
+            </a:p>
+          </p:txBody>
+        </p:sp>
+        <p:sp>
+          <p:nvSpPr>
+            <p:cNvPr id="30" name="TextBox 29"/>
+            <p:cNvSpPr txBox="1"/>
+            <p:nvPr/>
+          </p:nvSpPr>
+          <p:spPr>
+            <a:xfrm>
+              <a:off x="7743621" y="5907286"/>
+              <a:ext cx="967894" cy="369332"/>
+            </a:xfrm>
+            <a:prstGeom prst="rect">
+              <a:avLst/>
+            </a:prstGeom>
+            <a:noFill/>
+          </p:spPr>
+          <p:txBody>
+            <a:bodyPr wrap="none" rtlCol="0">
+              <a:spAutoFit/>
+            </a:bodyPr>
+            <a:lstStyle/>
+            <a:p>
+              <a:r>
+                <a:rPr lang="en-US" altLang="ko-KR" b="1" dirty="0">
+                  <a:solidFill>
+                    <a:schemeClr val="bg1"/>
+                  </a:solidFill>
+                </a:rPr>
+                <a:t>: Evade</a:t>
+              </a:r>
+              <a:endParaRPr lang="ko-KR" altLang="en-US" b="1" dirty="0">
+                <a:solidFill>
+                  <a:schemeClr val="bg1"/>
+                </a:solidFill>
+              </a:endParaRPr>
+            </a:p>
+          </p:txBody>
+        </p:sp>
+        <p:sp>
+          <p:nvSpPr>
+            <p:cNvPr id="31" name="TextBox 30"/>
+            <p:cNvSpPr txBox="1"/>
+            <p:nvPr/>
+          </p:nvSpPr>
+          <p:spPr>
+            <a:xfrm>
+              <a:off x="7743621" y="5038079"/>
+              <a:ext cx="1100429" cy="369332"/>
+            </a:xfrm>
+            <a:prstGeom prst="rect">
+              <a:avLst/>
+            </a:prstGeom>
+            <a:noFill/>
+          </p:spPr>
+          <p:txBody>
+            <a:bodyPr wrap="none" rtlCol="0">
+              <a:spAutoFit/>
+            </a:bodyPr>
+            <a:lstStyle/>
+            <a:p>
+              <a:r>
+                <a:rPr lang="en-US" altLang="ko-KR" b="1" dirty="0">
+                  <a:solidFill>
+                    <a:schemeClr val="bg1"/>
+                  </a:solidFill>
+                </a:rPr>
+                <a:t>: Charge</a:t>
+              </a:r>
+              <a:endParaRPr lang="ko-KR" altLang="en-US" b="1" dirty="0">
+                <a:solidFill>
+                  <a:schemeClr val="bg1"/>
+                </a:solidFill>
+              </a:endParaRPr>
+            </a:p>
+          </p:txBody>
+        </p:sp>
+        <p:sp>
+          <p:nvSpPr>
+            <p:cNvPr id="32" name="TextBox 31"/>
+            <p:cNvSpPr txBox="1"/>
+            <p:nvPr/>
+          </p:nvSpPr>
+          <p:spPr>
+            <a:xfrm>
+              <a:off x="9468512" y="2476706"/>
+              <a:ext cx="940386" cy="369332"/>
+            </a:xfrm>
+            <a:prstGeom prst="rect">
+              <a:avLst/>
+            </a:prstGeom>
+            <a:noFill/>
+          </p:spPr>
+          <p:txBody>
+            <a:bodyPr wrap="none" rtlCol="0">
+              <a:spAutoFit/>
+            </a:bodyPr>
+            <a:lstStyle/>
+            <a:p>
+              <a:r>
+                <a:rPr lang="en-US" altLang="ko-KR" b="1" dirty="0">
+                  <a:solidFill>
+                    <a:schemeClr val="bg1"/>
+                  </a:solidFill>
+                </a:rPr>
+                <a:t>: Move</a:t>
+              </a:r>
+              <a:endParaRPr lang="ko-KR" altLang="en-US" b="1" dirty="0">
+                <a:solidFill>
+                  <a:schemeClr val="bg1"/>
+                </a:solidFill>
+              </a:endParaRPr>
+            </a:p>
+          </p:txBody>
+        </p:sp>
+        <p:sp>
+          <p:nvSpPr>
+            <p:cNvPr id="4" name="TextBox 3"/>
+            <p:cNvSpPr txBox="1"/>
+            <p:nvPr/>
+          </p:nvSpPr>
+          <p:spPr>
+            <a:xfrm>
+              <a:off x="2936147" y="1577869"/>
+              <a:ext cx="332142" cy="338554"/>
+            </a:xfrm>
+            <a:prstGeom prst="rect">
+              <a:avLst/>
+            </a:prstGeom>
+            <a:noFill/>
+          </p:spPr>
+          <p:txBody>
+            <a:bodyPr wrap="none" rtlCol="0">
+              <a:spAutoFit/>
+            </a:bodyPr>
+            <a:lstStyle/>
+            <a:p>
+              <a:r>
+                <a:rPr lang="en-US" altLang="ko-KR" sz="1600" b="1" dirty="0">
+                  <a:latin typeface="Arial Black" panose="020B0A04020102020204" pitchFamily="34" charset="0"/>
+                </a:rPr>
+                <a:t>T</a:t>
+              </a:r>
+              <a:endParaRPr lang="ko-KR" altLang="en-US" sz="1600" b="1" dirty="0">
+                <a:latin typeface="Arial Black" panose="020B0A04020102020204" pitchFamily="34" charset="0"/>
+              </a:endParaRPr>
+            </a:p>
+          </p:txBody>
+        </p:sp>
+        <p:sp>
+          <p:nvSpPr>
+            <p:cNvPr id="34" name="TextBox 33"/>
+            <p:cNvSpPr txBox="1"/>
+            <p:nvPr/>
+          </p:nvSpPr>
+          <p:spPr>
+            <a:xfrm>
+              <a:off x="2936147" y="2388832"/>
+              <a:ext cx="356188" cy="338554"/>
+            </a:xfrm>
+            <a:prstGeom prst="rect">
+              <a:avLst/>
+            </a:prstGeom>
+            <a:noFill/>
+          </p:spPr>
+          <p:txBody>
+            <a:bodyPr wrap="none" rtlCol="0">
+              <a:spAutoFit/>
+            </a:bodyPr>
+            <a:lstStyle/>
+            <a:p>
+              <a:r>
+                <a:rPr lang="en-US" altLang="ko-KR" sz="1600" b="1" dirty="0">
+                  <a:latin typeface="Arial Black" panose="020B0A04020102020204" pitchFamily="34" charset="0"/>
+                </a:rPr>
+                <a:t>G</a:t>
+              </a:r>
+              <a:endParaRPr lang="ko-KR" altLang="en-US" sz="1600" b="1" dirty="0">
+                <a:latin typeface="Arial Black" panose="020B0A04020102020204" pitchFamily="34" charset="0"/>
+              </a:endParaRPr>
+            </a:p>
+          </p:txBody>
+        </p:sp>
+        <p:sp>
+          <p:nvSpPr>
+            <p:cNvPr id="35" name="TextBox 34"/>
+            <p:cNvSpPr txBox="1"/>
+            <p:nvPr/>
+          </p:nvSpPr>
+          <p:spPr>
+            <a:xfrm>
+              <a:off x="2110910" y="4201834"/>
+              <a:ext cx="344966" cy="338554"/>
+            </a:xfrm>
+            <a:prstGeom prst="rect">
+              <a:avLst/>
+            </a:prstGeom>
+            <a:noFill/>
+          </p:spPr>
+          <p:txBody>
+            <a:bodyPr wrap="square" rtlCol="0">
+              <a:spAutoFit/>
+            </a:bodyPr>
+            <a:lstStyle/>
+            <a:p>
+              <a:r>
+                <a:rPr lang="en-US" altLang="ko-KR" sz="1600" b="1" dirty="0">
+                  <a:latin typeface="Arial Black" panose="020B0A04020102020204" pitchFamily="34" charset="0"/>
+                </a:rPr>
+                <a:t>X</a:t>
+              </a:r>
+              <a:endParaRPr lang="ko-KR" altLang="en-US" sz="1600" b="1" dirty="0">
+                <a:latin typeface="Arial Black" panose="020B0A04020102020204" pitchFamily="34" charset="0"/>
+              </a:endParaRPr>
+            </a:p>
+          </p:txBody>
+        </p:sp>
+        <p:sp>
+          <p:nvSpPr>
+            <p:cNvPr id="36" name="TextBox 35"/>
+            <p:cNvSpPr txBox="1"/>
+            <p:nvPr/>
+          </p:nvSpPr>
+          <p:spPr>
+            <a:xfrm>
+              <a:off x="3785628" y="2388832"/>
+              <a:ext cx="356188" cy="338554"/>
+            </a:xfrm>
+            <a:prstGeom prst="rect">
+              <a:avLst/>
+            </a:prstGeom>
+            <a:noFill/>
+          </p:spPr>
+          <p:txBody>
+            <a:bodyPr wrap="none" rtlCol="0">
+              <a:spAutoFit/>
+            </a:bodyPr>
+            <a:lstStyle/>
+            <a:p>
+              <a:r>
+                <a:rPr lang="en-US" altLang="ko-KR" sz="1600" b="1" dirty="0">
+                  <a:latin typeface="Arial Black" panose="020B0A04020102020204" pitchFamily="34" charset="0"/>
+                </a:rPr>
+                <a:t>H</a:t>
+              </a:r>
+              <a:endParaRPr lang="ko-KR" altLang="en-US" sz="1600" b="1" dirty="0">
+                <a:latin typeface="Arial Black" panose="020B0A04020102020204" pitchFamily="34" charset="0"/>
+              </a:endParaRPr>
+            </a:p>
+          </p:txBody>
+        </p:sp>
+        <p:sp>
+          <p:nvSpPr>
+            <p:cNvPr id="42" name="TextBox 41"/>
+            <p:cNvSpPr txBox="1"/>
+            <p:nvPr/>
+          </p:nvSpPr>
+          <p:spPr>
+            <a:xfrm>
+              <a:off x="7775744" y="1577869"/>
+              <a:ext cx="300082" cy="369332"/>
+            </a:xfrm>
+            <a:prstGeom prst="rect">
+              <a:avLst/>
+            </a:prstGeom>
+            <a:noFill/>
+          </p:spPr>
+          <p:txBody>
+            <a:bodyPr wrap="none" rtlCol="0">
+              <a:spAutoFit/>
+            </a:bodyPr>
+            <a:lstStyle/>
+            <a:p>
+              <a:r>
+                <a:rPr lang="ko-KR" altLang="en-US" b="1" dirty="0">
+                  <a:latin typeface="Arial Black" panose="020B0A04020102020204" pitchFamily="34" charset="0"/>
+                </a:rPr>
+                <a:t>↑</a:t>
+              </a:r>
+              <a:endParaRPr lang="ko-KR" altLang="en-US" sz="1600" b="1" dirty="0">
+                <a:latin typeface="Arial Black" panose="020B0A04020102020204" pitchFamily="34" charset="0"/>
+              </a:endParaRPr>
+            </a:p>
+          </p:txBody>
+        </p:sp>
+        <p:sp>
+          <p:nvSpPr>
+            <p:cNvPr id="43" name="TextBox 42"/>
+            <p:cNvSpPr txBox="1"/>
+            <p:nvPr/>
+          </p:nvSpPr>
+          <p:spPr>
+            <a:xfrm>
+              <a:off x="7775744" y="2388832"/>
+              <a:ext cx="497252" cy="369332"/>
+            </a:xfrm>
+            <a:prstGeom prst="rect">
+              <a:avLst/>
+            </a:prstGeom>
+            <a:noFill/>
+          </p:spPr>
+          <p:txBody>
+            <a:bodyPr wrap="none" rtlCol="0">
+              <a:spAutoFit/>
+            </a:bodyPr>
+            <a:lstStyle/>
+            <a:p>
+              <a:r>
+                <a:rPr lang="ko-KR" altLang="en-US" b="1" dirty="0"/>
+                <a:t>↓ </a:t>
+              </a:r>
+              <a:endParaRPr lang="ko-KR" altLang="en-US" sz="1600" b="1" dirty="0">
+                <a:latin typeface="Arial Black" panose="020B0A04020102020204" pitchFamily="34" charset="0"/>
+              </a:endParaRPr>
+            </a:p>
+          </p:txBody>
+        </p:sp>
+        <p:sp>
+          <p:nvSpPr>
+            <p:cNvPr id="44" name="TextBox 43"/>
+            <p:cNvSpPr txBox="1"/>
+            <p:nvPr/>
+          </p:nvSpPr>
+          <p:spPr>
+            <a:xfrm>
+              <a:off x="6950507" y="2388832"/>
+              <a:ext cx="415498" cy="369332"/>
+            </a:xfrm>
+            <a:prstGeom prst="rect">
+              <a:avLst/>
+            </a:prstGeom>
+            <a:noFill/>
+          </p:spPr>
+          <p:txBody>
+            <a:bodyPr wrap="none" rtlCol="0">
+              <a:spAutoFit/>
+            </a:bodyPr>
+            <a:lstStyle/>
+            <a:p>
+              <a:r>
+                <a:rPr lang="ko-KR" altLang="en-US" b="1" dirty="0"/>
+                <a:t>←</a:t>
+              </a:r>
+              <a:endParaRPr lang="ko-KR" altLang="en-US" sz="1600" b="1" dirty="0">
+                <a:latin typeface="Arial Black" panose="020B0A04020102020204" pitchFamily="34" charset="0"/>
+              </a:endParaRPr>
+            </a:p>
+          </p:txBody>
+        </p:sp>
+        <p:sp>
+          <p:nvSpPr>
+            <p:cNvPr id="45" name="TextBox 44"/>
+            <p:cNvSpPr txBox="1"/>
+            <p:nvPr/>
+          </p:nvSpPr>
+          <p:spPr>
+            <a:xfrm>
+              <a:off x="8625225" y="2388832"/>
+              <a:ext cx="415498" cy="369332"/>
+            </a:xfrm>
+            <a:prstGeom prst="rect">
+              <a:avLst/>
+            </a:prstGeom>
+            <a:noFill/>
+          </p:spPr>
+          <p:txBody>
+            <a:bodyPr wrap="none" rtlCol="0">
+              <a:spAutoFit/>
+            </a:bodyPr>
+            <a:lstStyle/>
+            <a:p>
+              <a:r>
+                <a:rPr lang="ko-KR" altLang="en-US" b="1" dirty="0"/>
+                <a:t>→</a:t>
+              </a:r>
+              <a:endParaRPr lang="ko-KR" altLang="en-US" sz="1600" b="1" dirty="0">
+                <a:latin typeface="Arial Black" panose="020B0A04020102020204" pitchFamily="34" charset="0"/>
+              </a:endParaRPr>
+            </a:p>
+          </p:txBody>
+        </p:sp>
+        <p:sp>
+          <p:nvSpPr>
+            <p:cNvPr id="46" name="TextBox 45"/>
+            <p:cNvSpPr txBox="1"/>
+            <p:nvPr/>
+          </p:nvSpPr>
+          <p:spPr>
+            <a:xfrm>
+              <a:off x="2110910" y="3403977"/>
+              <a:ext cx="332142" cy="338554"/>
+            </a:xfrm>
+            <a:prstGeom prst="rect">
+              <a:avLst/>
+            </a:prstGeom>
+            <a:noFill/>
+          </p:spPr>
+          <p:txBody>
+            <a:bodyPr wrap="square" rtlCol="0">
+              <a:spAutoFit/>
+            </a:bodyPr>
+            <a:lstStyle/>
+            <a:p>
+              <a:r>
+                <a:rPr lang="en-US" altLang="ko-KR" sz="1600" b="1" dirty="0">
+                  <a:latin typeface="Arial Black" panose="020B0A04020102020204" pitchFamily="34" charset="0"/>
+                </a:rPr>
+                <a:t>Z</a:t>
+              </a:r>
+              <a:endParaRPr lang="ko-KR" altLang="en-US" sz="1600" b="1" dirty="0">
+                <a:latin typeface="Arial Black" panose="020B0A04020102020204" pitchFamily="34" charset="0"/>
+              </a:endParaRPr>
+            </a:p>
+          </p:txBody>
+        </p:sp>
+        <p:sp>
+          <p:nvSpPr>
+            <p:cNvPr id="47" name="TextBox 46"/>
+            <p:cNvSpPr txBox="1"/>
+            <p:nvPr/>
+          </p:nvSpPr>
+          <p:spPr>
+            <a:xfrm>
+              <a:off x="2132908" y="5019086"/>
+              <a:ext cx="708848" cy="338554"/>
+            </a:xfrm>
+            <a:prstGeom prst="rect">
+              <a:avLst/>
+            </a:prstGeom>
+            <a:noFill/>
+          </p:spPr>
+          <p:txBody>
+            <a:bodyPr wrap="none" rtlCol="0">
+              <a:spAutoFit/>
+            </a:bodyPr>
+            <a:lstStyle/>
+            <a:p>
+              <a:r>
+                <a:rPr lang="en-US" altLang="ko-KR" sz="1600" b="1" dirty="0">
+                  <a:latin typeface="Arial Black" panose="020B0A04020102020204" pitchFamily="34" charset="0"/>
+                </a:rPr>
+                <a:t>Shift</a:t>
+              </a:r>
+              <a:endParaRPr lang="ko-KR" altLang="en-US" sz="1600" b="1" dirty="0">
+                <a:latin typeface="Arial Black" panose="020B0A04020102020204" pitchFamily="34" charset="0"/>
+              </a:endParaRPr>
+            </a:p>
+          </p:txBody>
+        </p:sp>
+        <p:sp>
+          <p:nvSpPr>
+            <p:cNvPr id="48" name="TextBox 47"/>
+            <p:cNvSpPr txBox="1"/>
+            <p:nvPr/>
+          </p:nvSpPr>
+          <p:spPr>
+            <a:xfrm>
+              <a:off x="2132908" y="5825588"/>
+              <a:ext cx="603435" cy="338554"/>
+            </a:xfrm>
+            <a:prstGeom prst="rect">
+              <a:avLst/>
+            </a:prstGeom>
+            <a:noFill/>
+          </p:spPr>
+          <p:txBody>
+            <a:bodyPr wrap="none" rtlCol="0">
+              <a:spAutoFit/>
+            </a:bodyPr>
+            <a:lstStyle/>
+            <a:p>
+              <a:r>
+                <a:rPr lang="en-US" altLang="ko-KR" sz="1600" b="1" dirty="0">
+                  <a:latin typeface="Arial Black" panose="020B0A04020102020204" pitchFamily="34" charset="0"/>
+                </a:rPr>
+                <a:t>Ctrl</a:t>
+              </a:r>
+              <a:endParaRPr lang="ko-KR" altLang="en-US" sz="1600" b="1" dirty="0">
+                <a:latin typeface="Arial Black" panose="020B0A04020102020204" pitchFamily="34" charset="0"/>
+              </a:endParaRPr>
+            </a:p>
+          </p:txBody>
+        </p:sp>
+        <p:sp>
+          <p:nvSpPr>
+            <p:cNvPr id="49" name="TextBox 48"/>
+            <p:cNvSpPr txBox="1"/>
+            <p:nvPr/>
+          </p:nvSpPr>
+          <p:spPr>
+            <a:xfrm>
+              <a:off x="2110910" y="2388832"/>
+              <a:ext cx="320922" cy="338554"/>
+            </a:xfrm>
+            <a:prstGeom prst="rect">
+              <a:avLst/>
+            </a:prstGeom>
+            <a:noFill/>
+          </p:spPr>
+          <p:txBody>
+            <a:bodyPr wrap="none" rtlCol="0">
+              <a:spAutoFit/>
+            </a:bodyPr>
+            <a:lstStyle/>
+            <a:p>
+              <a:r>
+                <a:rPr lang="en-US" altLang="ko-KR" sz="1600" b="1" dirty="0">
+                  <a:latin typeface="Arial Black" panose="020B0A04020102020204" pitchFamily="34" charset="0"/>
+                </a:rPr>
+                <a:t>F</a:t>
+              </a:r>
+              <a:endParaRPr lang="ko-KR" altLang="en-US" sz="1600" b="1" dirty="0">
+                <a:latin typeface="Arial Black" panose="020B0A04020102020204" pitchFamily="34" charset="0"/>
+              </a:endParaRPr>
+            </a:p>
+          </p:txBody>
+        </p:sp>
+        <p:sp>
+          <p:nvSpPr>
+            <p:cNvPr id="50" name="TextBox 49"/>
+            <p:cNvSpPr txBox="1"/>
+            <p:nvPr/>
+          </p:nvSpPr>
+          <p:spPr>
+            <a:xfrm>
+              <a:off x="6894140" y="4201834"/>
+              <a:ext cx="344966" cy="338554"/>
+            </a:xfrm>
+            <a:prstGeom prst="rect">
+              <a:avLst/>
+            </a:prstGeom>
+            <a:noFill/>
+          </p:spPr>
+          <p:txBody>
+            <a:bodyPr wrap="square" rtlCol="0">
+              <a:spAutoFit/>
+            </a:bodyPr>
+            <a:lstStyle/>
+            <a:p>
+              <a:r>
+                <a:rPr lang="en-US" altLang="ko-KR" sz="1600" b="1" dirty="0">
+                  <a:latin typeface="Arial Black" panose="020B0A04020102020204" pitchFamily="34" charset="0"/>
+                </a:rPr>
+                <a:t>/</a:t>
+              </a:r>
+              <a:endParaRPr lang="ko-KR" altLang="en-US" sz="1600" b="1" dirty="0">
+                <a:latin typeface="Arial Black" panose="020B0A04020102020204" pitchFamily="34" charset="0"/>
+              </a:endParaRPr>
+            </a:p>
+          </p:txBody>
+        </p:sp>
+        <p:sp>
+          <p:nvSpPr>
+            <p:cNvPr id="51" name="TextBox 50"/>
+            <p:cNvSpPr txBox="1"/>
+            <p:nvPr/>
+          </p:nvSpPr>
+          <p:spPr>
+            <a:xfrm>
+              <a:off x="6894140" y="3403977"/>
+              <a:ext cx="332142" cy="338554"/>
+            </a:xfrm>
+            <a:prstGeom prst="rect">
+              <a:avLst/>
+            </a:prstGeom>
+            <a:noFill/>
+          </p:spPr>
+          <p:txBody>
+            <a:bodyPr wrap="square" rtlCol="0">
+              <a:spAutoFit/>
+            </a:bodyPr>
+            <a:lstStyle/>
+            <a:p>
+              <a:r>
+                <a:rPr lang="en-US" altLang="ko-KR" sz="1600" b="1" dirty="0">
+                  <a:latin typeface="Arial Black" panose="020B0A04020102020204" pitchFamily="34" charset="0"/>
+                </a:rPr>
+                <a:t>.</a:t>
+              </a:r>
+              <a:endParaRPr lang="ko-KR" altLang="en-US" sz="1600" b="1" dirty="0">
+                <a:latin typeface="Arial Black" panose="020B0A04020102020204" pitchFamily="34" charset="0"/>
+              </a:endParaRPr>
+            </a:p>
+          </p:txBody>
+        </p:sp>
+        <p:sp>
+          <p:nvSpPr>
+            <p:cNvPr id="52" name="TextBox 51"/>
+            <p:cNvSpPr txBox="1"/>
+            <p:nvPr/>
+          </p:nvSpPr>
+          <p:spPr>
+            <a:xfrm>
+              <a:off x="6894140" y="5797701"/>
+              <a:ext cx="344966" cy="338554"/>
+            </a:xfrm>
+            <a:prstGeom prst="rect">
+              <a:avLst/>
+            </a:prstGeom>
+            <a:noFill/>
+          </p:spPr>
+          <p:txBody>
+            <a:bodyPr wrap="square" rtlCol="0">
+              <a:spAutoFit/>
+            </a:bodyPr>
+            <a:lstStyle/>
+            <a:p>
+              <a:r>
+                <a:rPr lang="en-US" altLang="ko-KR" sz="1600" b="1" dirty="0">
+                  <a:latin typeface="Arial Black" panose="020B0A04020102020204" pitchFamily="34" charset="0"/>
+                </a:rPr>
+                <a:t>M</a:t>
+              </a:r>
+              <a:endParaRPr lang="ko-KR" altLang="en-US" sz="1600" b="1" dirty="0">
+                <a:latin typeface="Arial Black" panose="020B0A04020102020204" pitchFamily="34" charset="0"/>
+              </a:endParaRPr>
+            </a:p>
+          </p:txBody>
+        </p:sp>
+        <p:sp>
+          <p:nvSpPr>
+            <p:cNvPr id="53" name="TextBox 52"/>
+            <p:cNvSpPr txBox="1"/>
+            <p:nvPr/>
+          </p:nvSpPr>
+          <p:spPr>
+            <a:xfrm>
+              <a:off x="6894140" y="4999844"/>
+              <a:ext cx="332142" cy="338554"/>
+            </a:xfrm>
+            <a:prstGeom prst="rect">
+              <a:avLst/>
+            </a:prstGeom>
+            <a:noFill/>
+          </p:spPr>
+          <p:txBody>
+            <a:bodyPr wrap="square" rtlCol="0">
+              <a:spAutoFit/>
+            </a:bodyPr>
+            <a:lstStyle/>
+            <a:p>
+              <a:r>
+                <a:rPr lang="en-US" altLang="ko-KR" sz="1600" b="1" dirty="0">
+                  <a:latin typeface="Arial Black" panose="020B0A04020102020204" pitchFamily="34" charset="0"/>
+                </a:rPr>
+                <a:t>,</a:t>
+              </a:r>
+              <a:endParaRPr lang="ko-KR" altLang="en-US" sz="1600" b="1" dirty="0">
+                <a:latin typeface="Arial Black" panose="020B0A04020102020204" pitchFamily="34" charset="0"/>
+              </a:endParaRPr>
+            </a:p>
+          </p:txBody>
+        </p:sp>
+        <p:sp>
+          <p:nvSpPr>
+            <p:cNvPr id="55" name="TextBox 54"/>
+            <p:cNvSpPr txBox="1"/>
+            <p:nvPr/>
+          </p:nvSpPr>
+          <p:spPr>
+            <a:xfrm>
+              <a:off x="1903555" y="1025646"/>
+              <a:ext cx="1070229" cy="369332"/>
+            </a:xfrm>
+            <a:prstGeom prst="rect">
+              <a:avLst/>
+            </a:prstGeom>
+            <a:noFill/>
+          </p:spPr>
+          <p:txBody>
+            <a:bodyPr wrap="none" rtlCol="0">
+              <a:spAutoFit/>
+            </a:bodyPr>
+            <a:lstStyle/>
+            <a:p>
+              <a:r>
+                <a:rPr lang="en-US" altLang="ko-KR" b="1" dirty="0">
+                  <a:solidFill>
+                    <a:schemeClr val="bg1"/>
+                  </a:solidFill>
+                </a:rPr>
+                <a:t>Player 1</a:t>
+              </a:r>
+              <a:endParaRPr lang="ko-KR" altLang="en-US" b="1" dirty="0">
+                <a:solidFill>
+                  <a:schemeClr val="bg1"/>
+                </a:solidFill>
+              </a:endParaRPr>
+            </a:p>
+          </p:txBody>
+        </p:sp>
+        <p:sp>
+          <p:nvSpPr>
+            <p:cNvPr id="56" name="TextBox 55"/>
+            <p:cNvSpPr txBox="1"/>
+            <p:nvPr/>
+          </p:nvSpPr>
+          <p:spPr>
+            <a:xfrm>
+              <a:off x="6643340" y="1025646"/>
+              <a:ext cx="1070229" cy="369332"/>
+            </a:xfrm>
+            <a:prstGeom prst="rect">
+              <a:avLst/>
+            </a:prstGeom>
+            <a:noFill/>
+          </p:spPr>
+          <p:txBody>
+            <a:bodyPr wrap="none" rtlCol="0">
+              <a:spAutoFit/>
+            </a:bodyPr>
+            <a:lstStyle/>
+            <a:p>
+              <a:r>
+                <a:rPr lang="en-US" altLang="ko-KR" b="1" dirty="0">
+                  <a:solidFill>
+                    <a:schemeClr val="bg1"/>
+                  </a:solidFill>
+                </a:rPr>
+                <a:t>Player 2</a:t>
+              </a:r>
+              <a:endParaRPr lang="ko-KR" altLang="en-US" b="1" dirty="0">
+                <a:solidFill>
+                  <a:schemeClr val="bg1"/>
+                </a:solidFill>
+              </a:endParaRPr>
+            </a:p>
+          </p:txBody>
+        </p:sp>
+        <p:sp>
+          <p:nvSpPr>
+            <p:cNvPr id="57" name="직사각형 56"/>
             <p:cNvSpPr/>
             <p:nvPr/>
           </p:nvSpPr>
           <p:spPr>
             <a:xfrm>
-              <a:off x="3384127" y="2231471"/>
-              <a:ext cx="1502183" cy="620786"/>
-            </a:xfrm>
-            <a:prstGeom prst="rect">
-              <a:avLst/>
-            </a:prstGeom>
-            <a:solidFill>
-              <a:srgbClr val="010101"/>
-            </a:solidFill>
-            <a:ln>
-              <a:noFill/>
-            </a:ln>
-          </p:spPr>
-          <p:style>
-            <a:lnRef idx="2">
-              <a:schemeClr val="accent1">
-                <a:shade val="50000"/>
-              </a:schemeClr>
-            </a:lnRef>
-            <a:fillRef idx="1">
-              <a:schemeClr val="accent1"/>
-            </a:fillRef>
-            <a:effectRef idx="0">
-              <a:schemeClr val="accent1"/>
-            </a:effectRef>
-            <a:fontRef idx="minor">
-              <a:schemeClr val="lt1"/>
-            </a:fontRef>
-          </p:style>
-          <p:txBody>
-            <a:bodyPr rtlCol="0" anchor="ctr"/>
-            <a:lstStyle/>
-            <a:p>
-              <a:pPr algn="ctr"/>
-              <a:endParaRPr lang="ko-KR" altLang="en-US" sz="2400"/>
-            </a:p>
-          </p:txBody>
-        </p:sp>
-        <p:sp>
-          <p:nvSpPr>
-            <p:cNvPr id="7" name="직사각형 6"/>
-            <p:cNvSpPr/>
-            <p:nvPr/>
-          </p:nvSpPr>
-          <p:spPr>
-            <a:xfrm>
-              <a:off x="3313651" y="4202884"/>
-              <a:ext cx="1072683" cy="333603"/>
-            </a:xfrm>
-            <a:prstGeom prst="rect">
-              <a:avLst/>
-            </a:prstGeom>
-            <a:solidFill>
-              <a:srgbClr val="010101"/>
-            </a:solidFill>
-            <a:ln>
-              <a:noFill/>
-            </a:ln>
-          </p:spPr>
-          <p:style>
-            <a:lnRef idx="2">
-              <a:schemeClr val="accent1">
-                <a:shade val="50000"/>
-              </a:schemeClr>
-            </a:lnRef>
-            <a:fillRef idx="1">
-              <a:schemeClr val="accent1"/>
-            </a:fillRef>
-            <a:effectRef idx="0">
-              <a:schemeClr val="accent1"/>
-            </a:effectRef>
-            <a:fontRef idx="minor">
-              <a:schemeClr val="lt1"/>
-            </a:fontRef>
-          </p:style>
-          <p:txBody>
-            <a:bodyPr rtlCol="0" anchor="ctr"/>
-            <a:lstStyle/>
-            <a:p>
-              <a:pPr algn="ctr"/>
-              <a:endParaRPr lang="ko-KR" altLang="en-US" sz="2400"/>
-            </a:p>
-          </p:txBody>
-        </p:sp>
-        <p:sp>
-          <p:nvSpPr>
-            <p:cNvPr id="8" name="직사각형 7"/>
-            <p:cNvSpPr/>
-            <p:nvPr/>
-          </p:nvSpPr>
-          <p:spPr>
-            <a:xfrm>
-              <a:off x="5093224" y="4620377"/>
-              <a:ext cx="1072683" cy="996333"/>
-            </a:xfrm>
-            <a:prstGeom prst="rect">
-              <a:avLst/>
-            </a:prstGeom>
-            <a:solidFill>
-              <a:srgbClr val="010101"/>
-            </a:solidFill>
-            <a:ln>
-              <a:noFill/>
-            </a:ln>
-          </p:spPr>
-          <p:style>
-            <a:lnRef idx="2">
-              <a:schemeClr val="accent1">
-                <a:shade val="50000"/>
-              </a:schemeClr>
-            </a:lnRef>
-            <a:fillRef idx="1">
-              <a:schemeClr val="accent1"/>
-            </a:fillRef>
-            <a:effectRef idx="0">
-              <a:schemeClr val="accent1"/>
-            </a:effectRef>
-            <a:fontRef idx="minor">
-              <a:schemeClr val="lt1"/>
-            </a:fontRef>
-          </p:style>
-          <p:txBody>
-            <a:bodyPr rtlCol="0" anchor="ctr"/>
-            <a:lstStyle/>
-            <a:p>
-              <a:pPr algn="ctr"/>
-              <a:endParaRPr lang="ko-KR" altLang="en-US" sz="2400"/>
-            </a:p>
-          </p:txBody>
-        </p:sp>
-        <p:sp>
-          <p:nvSpPr>
-            <p:cNvPr id="9" name="직사각형 8"/>
-            <p:cNvSpPr/>
-            <p:nvPr/>
-          </p:nvSpPr>
-          <p:spPr>
-            <a:xfrm>
-              <a:off x="6199462" y="4620377"/>
-              <a:ext cx="853740" cy="996333"/>
-            </a:xfrm>
-            <a:prstGeom prst="rect">
-              <a:avLst/>
-            </a:prstGeom>
-            <a:solidFill>
-              <a:srgbClr val="010101"/>
-            </a:solidFill>
-            <a:ln>
-              <a:noFill/>
-            </a:ln>
-          </p:spPr>
-          <p:style>
-            <a:lnRef idx="2">
-              <a:schemeClr val="accent1">
-                <a:shade val="50000"/>
-              </a:schemeClr>
-            </a:lnRef>
-            <a:fillRef idx="1">
-              <a:schemeClr val="accent1"/>
-            </a:fillRef>
-            <a:effectRef idx="0">
-              <a:schemeClr val="accent1"/>
-            </a:effectRef>
-            <a:fontRef idx="minor">
-              <a:schemeClr val="lt1"/>
-            </a:fontRef>
-          </p:style>
-          <p:txBody>
-            <a:bodyPr rtlCol="0" anchor="ctr"/>
-            <a:lstStyle/>
-            <a:p>
-              <a:pPr algn="ctr"/>
-              <a:endParaRPr lang="ko-KR" altLang="en-US" sz="2400"/>
-            </a:p>
-          </p:txBody>
-        </p:sp>
-        <p:sp>
-          <p:nvSpPr>
-            <p:cNvPr id="10" name="직사각형 9"/>
-            <p:cNvSpPr/>
-            <p:nvPr/>
-          </p:nvSpPr>
-          <p:spPr>
-            <a:xfrm>
-              <a:off x="7910815" y="3531032"/>
-              <a:ext cx="1610689" cy="558149"/>
-            </a:xfrm>
-            <a:prstGeom prst="rect">
-              <a:avLst/>
-            </a:prstGeom>
-            <a:solidFill>
-              <a:srgbClr val="010101"/>
-            </a:solidFill>
-            <a:ln>
-              <a:noFill/>
-            </a:ln>
-          </p:spPr>
-          <p:style>
-            <a:lnRef idx="2">
-              <a:schemeClr val="accent1">
-                <a:shade val="50000"/>
-              </a:schemeClr>
-            </a:lnRef>
-            <a:fillRef idx="1">
-              <a:schemeClr val="accent1"/>
-            </a:fillRef>
-            <a:effectRef idx="0">
-              <a:schemeClr val="accent1"/>
-            </a:effectRef>
-            <a:fontRef idx="minor">
-              <a:schemeClr val="lt1"/>
-            </a:fontRef>
-          </p:style>
-          <p:txBody>
-            <a:bodyPr rtlCol="0" anchor="ctr"/>
-            <a:lstStyle/>
-            <a:p>
-              <a:pPr algn="ctr"/>
-              <a:endParaRPr lang="ko-KR" altLang="en-US" sz="2400"/>
-            </a:p>
-          </p:txBody>
-        </p:sp>
-        <p:sp>
-          <p:nvSpPr>
-            <p:cNvPr id="11" name="직사각형 10"/>
-            <p:cNvSpPr/>
-            <p:nvPr/>
-          </p:nvSpPr>
-          <p:spPr>
-            <a:xfrm>
-              <a:off x="7692703" y="2344356"/>
-              <a:ext cx="1493241" cy="293615"/>
-            </a:xfrm>
-            <a:prstGeom prst="rect">
-              <a:avLst/>
-            </a:prstGeom>
-            <a:solidFill>
-              <a:srgbClr val="010101"/>
-            </a:solidFill>
-            <a:ln>
-              <a:noFill/>
-            </a:ln>
-          </p:spPr>
-          <p:style>
-            <a:lnRef idx="2">
-              <a:schemeClr val="accent1">
-                <a:shade val="50000"/>
-              </a:schemeClr>
-            </a:lnRef>
-            <a:fillRef idx="1">
-              <a:schemeClr val="accent1"/>
-            </a:fillRef>
-            <a:effectRef idx="0">
-              <a:schemeClr val="accent1"/>
-            </a:effectRef>
-            <a:fontRef idx="minor">
-              <a:schemeClr val="lt1"/>
-            </a:fontRef>
-          </p:style>
-          <p:txBody>
-            <a:bodyPr rtlCol="0" anchor="ctr"/>
-            <a:lstStyle/>
-            <a:p>
-              <a:pPr algn="ctr"/>
-              <a:endParaRPr lang="ko-KR" altLang="en-US" sz="2400"/>
-            </a:p>
-          </p:txBody>
-        </p:sp>
-        <p:sp>
-          <p:nvSpPr>
-            <p:cNvPr id="12" name="직사각형 11"/>
-            <p:cNvSpPr/>
-            <p:nvPr/>
-          </p:nvSpPr>
-          <p:spPr>
-            <a:xfrm>
-              <a:off x="8439324" y="2551110"/>
-              <a:ext cx="738232" cy="293615"/>
-            </a:xfrm>
-            <a:prstGeom prst="rect">
-              <a:avLst/>
-            </a:prstGeom>
-            <a:solidFill>
-              <a:srgbClr val="010101"/>
-            </a:solidFill>
-            <a:ln>
-              <a:noFill/>
-            </a:ln>
-          </p:spPr>
-          <p:style>
-            <a:lnRef idx="2">
-              <a:schemeClr val="accent1">
-                <a:shade val="50000"/>
-              </a:schemeClr>
-            </a:lnRef>
-            <a:fillRef idx="1">
-              <a:schemeClr val="accent1"/>
-            </a:fillRef>
-            <a:effectRef idx="0">
-              <a:schemeClr val="accent1"/>
-            </a:effectRef>
-            <a:fontRef idx="minor">
-              <a:schemeClr val="lt1"/>
-            </a:fontRef>
-          </p:style>
-          <p:txBody>
-            <a:bodyPr rtlCol="0" anchor="ctr"/>
-            <a:lstStyle/>
-            <a:p>
-              <a:pPr algn="ctr"/>
-              <a:endParaRPr lang="ko-KR" altLang="en-US" sz="2400"/>
-            </a:p>
-          </p:txBody>
-        </p:sp>
-        <p:sp>
-          <p:nvSpPr>
-            <p:cNvPr id="13" name="직사각형 12"/>
-            <p:cNvSpPr/>
-            <p:nvPr/>
-          </p:nvSpPr>
-          <p:spPr>
-            <a:xfrm>
-              <a:off x="8439324" y="2945759"/>
-              <a:ext cx="738232" cy="293615"/>
-            </a:xfrm>
-            <a:prstGeom prst="rect">
-              <a:avLst/>
-            </a:prstGeom>
-            <a:solidFill>
-              <a:srgbClr val="010101"/>
-            </a:solidFill>
-            <a:ln>
-              <a:noFill/>
-            </a:ln>
-          </p:spPr>
-          <p:style>
-            <a:lnRef idx="2">
-              <a:schemeClr val="accent1">
-                <a:shade val="50000"/>
-              </a:schemeClr>
-            </a:lnRef>
-            <a:fillRef idx="1">
-              <a:schemeClr val="accent1"/>
-            </a:fillRef>
-            <a:effectRef idx="0">
-              <a:schemeClr val="accent1"/>
-            </a:effectRef>
-            <a:fontRef idx="minor">
-              <a:schemeClr val="lt1"/>
-            </a:fontRef>
-          </p:style>
-          <p:txBody>
-            <a:bodyPr rtlCol="0" anchor="ctr"/>
-            <a:lstStyle/>
-            <a:p>
-              <a:pPr algn="ctr"/>
-              <a:endParaRPr lang="ko-KR" altLang="en-US" sz="2400"/>
-            </a:p>
-          </p:txBody>
-        </p:sp>
-        <p:sp>
-          <p:nvSpPr>
-            <p:cNvPr id="14" name="직사각형 13"/>
-            <p:cNvSpPr/>
-            <p:nvPr/>
-          </p:nvSpPr>
-          <p:spPr>
-            <a:xfrm>
-              <a:off x="8388990" y="4191157"/>
-              <a:ext cx="738232" cy="293615"/>
-            </a:xfrm>
-            <a:prstGeom prst="rect">
-              <a:avLst/>
-            </a:prstGeom>
-            <a:solidFill>
-              <a:srgbClr val="010101"/>
-            </a:solidFill>
-            <a:ln>
-              <a:noFill/>
-            </a:ln>
-          </p:spPr>
-          <p:style>
-            <a:lnRef idx="2">
-              <a:schemeClr val="accent1">
-                <a:shade val="50000"/>
-              </a:schemeClr>
-            </a:lnRef>
-            <a:fillRef idx="1">
-              <a:schemeClr val="accent1"/>
-            </a:fillRef>
-            <a:effectRef idx="0">
-              <a:schemeClr val="accent1"/>
-            </a:effectRef>
-            <a:fontRef idx="minor">
-              <a:schemeClr val="lt1"/>
-            </a:fontRef>
-          </p:style>
-          <p:txBody>
-            <a:bodyPr rtlCol="0" anchor="ctr"/>
-            <a:lstStyle/>
-            <a:p>
-              <a:pPr algn="ctr"/>
-              <a:endParaRPr lang="ko-KR" altLang="en-US" sz="2400"/>
-            </a:p>
-          </p:txBody>
-        </p:sp>
-        <p:sp>
-          <p:nvSpPr>
-            <p:cNvPr id="16" name="직사각형 15"/>
-            <p:cNvSpPr/>
-            <p:nvPr/>
-          </p:nvSpPr>
-          <p:spPr>
-            <a:xfrm>
-              <a:off x="8372765" y="4130642"/>
-              <a:ext cx="1006679" cy="293615"/>
+              <a:off x="1587751" y="333617"/>
+              <a:ext cx="4569767" cy="362874"/>
             </a:xfrm>
             <a:prstGeom prst="rect">
               <a:avLst/>
@@ -5564,2059 +8145,14 @@
             <a:lstStyle/>
             <a:p>
               <a:r>
-                <a:rPr lang="en-US" altLang="ko-KR" sz="2400" dirty="0"/>
-                <a:t>Evade</a:t>
+                <a:rPr lang="en-US" altLang="ko-KR" sz="3200" dirty="0"/>
+                <a:t>Keyboard Control</a:t>
               </a:r>
-              <a:endParaRPr lang="ko-KR" altLang="en-US" sz="2400" dirty="0"/>
-            </a:p>
-          </p:txBody>
-        </p:sp>
-        <p:sp>
-          <p:nvSpPr>
-            <p:cNvPr id="17" name="직사각형 16"/>
-            <p:cNvSpPr/>
-            <p:nvPr/>
-          </p:nvSpPr>
-          <p:spPr>
-            <a:xfrm>
-              <a:off x="8380601" y="2605639"/>
-              <a:ext cx="1006680" cy="293615"/>
-            </a:xfrm>
-            <a:prstGeom prst="rect">
-              <a:avLst/>
-            </a:prstGeom>
-            <a:solidFill>
-              <a:srgbClr val="010101"/>
-            </a:solidFill>
-            <a:ln>
-              <a:noFill/>
-            </a:ln>
-          </p:spPr>
-          <p:style>
-            <a:lnRef idx="2">
-              <a:schemeClr val="accent1">
-                <a:shade val="50000"/>
-              </a:schemeClr>
-            </a:lnRef>
-            <a:fillRef idx="1">
-              <a:schemeClr val="accent1"/>
-            </a:fillRef>
-            <a:effectRef idx="0">
-              <a:schemeClr val="accent1"/>
-            </a:effectRef>
-            <a:fontRef idx="minor">
-              <a:schemeClr val="lt1"/>
-            </a:fontRef>
-          </p:style>
-          <p:txBody>
-            <a:bodyPr rtlCol="0" anchor="ctr"/>
-            <a:lstStyle/>
-            <a:p>
-              <a:r>
-                <a:rPr lang="en-US" altLang="ko-KR" sz="2400" dirty="0"/>
-                <a:t>Skill</a:t>
-              </a:r>
-              <a:endParaRPr lang="ko-KR" altLang="en-US" sz="2400" dirty="0"/>
-            </a:p>
-          </p:txBody>
-        </p:sp>
-        <p:sp>
-          <p:nvSpPr>
-            <p:cNvPr id="18" name="직사각형 17"/>
-            <p:cNvSpPr/>
-            <p:nvPr/>
-          </p:nvSpPr>
-          <p:spPr>
-            <a:xfrm>
-              <a:off x="8372212" y="2945104"/>
-              <a:ext cx="1006679" cy="293615"/>
-            </a:xfrm>
-            <a:prstGeom prst="rect">
-              <a:avLst/>
-            </a:prstGeom>
-            <a:solidFill>
-              <a:srgbClr val="010101"/>
-            </a:solidFill>
-            <a:ln>
-              <a:noFill/>
-            </a:ln>
-          </p:spPr>
-          <p:style>
-            <a:lnRef idx="2">
-              <a:schemeClr val="accent1">
-                <a:shade val="50000"/>
-              </a:schemeClr>
-            </a:lnRef>
-            <a:fillRef idx="1">
-              <a:schemeClr val="accent1"/>
-            </a:fillRef>
-            <a:effectRef idx="0">
-              <a:schemeClr val="accent1"/>
-            </a:effectRef>
-            <a:fontRef idx="minor">
-              <a:schemeClr val="lt1"/>
-            </a:fontRef>
-          </p:style>
-          <p:txBody>
-            <a:bodyPr rtlCol="0" anchor="ctr"/>
-            <a:lstStyle/>
-            <a:p>
-              <a:r>
-                <a:rPr lang="en-US" altLang="ko-KR" sz="2400" dirty="0"/>
-                <a:t>Attack</a:t>
-              </a:r>
-              <a:endParaRPr lang="ko-KR" altLang="en-US" sz="2400" dirty="0"/>
-            </a:p>
-          </p:txBody>
-        </p:sp>
-        <p:sp>
-          <p:nvSpPr>
-            <p:cNvPr id="20" name="직사각형 19"/>
-            <p:cNvSpPr/>
-            <p:nvPr/>
-          </p:nvSpPr>
-          <p:spPr>
-            <a:xfrm>
-              <a:off x="2922732" y="3613205"/>
-              <a:ext cx="1006679" cy="293615"/>
-            </a:xfrm>
-            <a:prstGeom prst="rect">
-              <a:avLst/>
-            </a:prstGeom>
-            <a:solidFill>
-              <a:srgbClr val="010101"/>
-            </a:solidFill>
-            <a:ln>
-              <a:noFill/>
-            </a:ln>
-          </p:spPr>
-          <p:style>
-            <a:lnRef idx="2">
-              <a:schemeClr val="accent1">
-                <a:shade val="50000"/>
-              </a:schemeClr>
-            </a:lnRef>
-            <a:fillRef idx="1">
-              <a:schemeClr val="accent1"/>
-            </a:fillRef>
-            <a:effectRef idx="0">
-              <a:schemeClr val="accent1"/>
-            </a:effectRef>
-            <a:fontRef idx="minor">
-              <a:schemeClr val="lt1"/>
-            </a:fontRef>
-          </p:style>
-          <p:txBody>
-            <a:bodyPr rtlCol="0" anchor="ctr"/>
-            <a:lstStyle/>
-            <a:p>
-              <a:pPr algn="r"/>
-              <a:r>
-                <a:rPr lang="en-US" altLang="ko-KR" sz="2400" dirty="0"/>
-                <a:t>Move</a:t>
-              </a:r>
-              <a:endParaRPr lang="ko-KR" altLang="en-US" sz="2400" dirty="0"/>
-            </a:p>
-          </p:txBody>
-        </p:sp>
-        <p:sp>
-          <p:nvSpPr>
-            <p:cNvPr id="21" name="직사각형 20"/>
-            <p:cNvSpPr/>
-            <p:nvPr/>
-          </p:nvSpPr>
-          <p:spPr>
-            <a:xfrm>
-              <a:off x="8388990" y="4494823"/>
-              <a:ext cx="1006679" cy="293615"/>
-            </a:xfrm>
-            <a:prstGeom prst="rect">
-              <a:avLst/>
-            </a:prstGeom>
-            <a:solidFill>
-              <a:srgbClr val="010101"/>
-            </a:solidFill>
-            <a:ln>
-              <a:noFill/>
-            </a:ln>
-          </p:spPr>
-          <p:style>
-            <a:lnRef idx="2">
-              <a:schemeClr val="accent1">
-                <a:shade val="50000"/>
-              </a:schemeClr>
-            </a:lnRef>
-            <a:fillRef idx="1">
-              <a:schemeClr val="accent1"/>
-            </a:fillRef>
-            <a:effectRef idx="0">
-              <a:schemeClr val="accent1"/>
-            </a:effectRef>
-            <a:fontRef idx="minor">
-              <a:schemeClr val="lt1"/>
-            </a:fontRef>
-          </p:style>
-          <p:txBody>
-            <a:bodyPr rtlCol="0" anchor="ctr"/>
-            <a:lstStyle/>
-            <a:p>
-              <a:r>
-                <a:rPr lang="en-US" altLang="ko-KR" sz="2400" dirty="0"/>
-                <a:t>Menu</a:t>
-              </a:r>
-              <a:endParaRPr lang="ko-KR" altLang="en-US" sz="2400" dirty="0"/>
-            </a:p>
-          </p:txBody>
-        </p:sp>
-        <p:sp>
-          <p:nvSpPr>
-            <p:cNvPr id="23" name="직사각형 22"/>
-            <p:cNvSpPr/>
-            <p:nvPr/>
-          </p:nvSpPr>
-          <p:spPr>
-            <a:xfrm>
-              <a:off x="2813676" y="1463878"/>
-              <a:ext cx="2545838" cy="620786"/>
-            </a:xfrm>
-            <a:prstGeom prst="rect">
-              <a:avLst/>
-            </a:prstGeom>
-            <a:solidFill>
-              <a:srgbClr val="010101"/>
-            </a:solidFill>
-            <a:ln>
-              <a:noFill/>
-            </a:ln>
-          </p:spPr>
-          <p:style>
-            <a:lnRef idx="2">
-              <a:schemeClr val="accent1">
-                <a:shade val="50000"/>
-              </a:schemeClr>
-            </a:lnRef>
-            <a:fillRef idx="1">
-              <a:schemeClr val="accent1"/>
-            </a:fillRef>
-            <a:effectRef idx="0">
-              <a:schemeClr val="accent1"/>
-            </a:effectRef>
-            <a:fontRef idx="minor">
-              <a:schemeClr val="lt1"/>
-            </a:fontRef>
-          </p:style>
-          <p:txBody>
-            <a:bodyPr rtlCol="0" anchor="ctr"/>
-            <a:lstStyle/>
-            <a:p>
-              <a:pPr algn="ctr"/>
-              <a:endParaRPr lang="ko-KR" altLang="en-US" sz="2400"/>
-            </a:p>
-          </p:txBody>
-        </p:sp>
-        <p:sp>
-          <p:nvSpPr>
-            <p:cNvPr id="24" name="직사각형 23"/>
-            <p:cNvSpPr/>
-            <p:nvPr/>
-          </p:nvSpPr>
-          <p:spPr>
-            <a:xfrm>
-              <a:off x="3010964" y="1774271"/>
-              <a:ext cx="2378467" cy="293615"/>
-            </a:xfrm>
-            <a:prstGeom prst="rect">
-              <a:avLst/>
-            </a:prstGeom>
-            <a:solidFill>
-              <a:srgbClr val="010101"/>
-            </a:solidFill>
-            <a:ln>
-              <a:noFill/>
-            </a:ln>
-          </p:spPr>
-          <p:style>
-            <a:lnRef idx="2">
-              <a:schemeClr val="accent1">
-                <a:shade val="50000"/>
-              </a:schemeClr>
-            </a:lnRef>
-            <a:fillRef idx="1">
-              <a:schemeClr val="accent1"/>
-            </a:fillRef>
-            <a:effectRef idx="0">
-              <a:schemeClr val="accent1"/>
-            </a:effectRef>
-            <a:fontRef idx="minor">
-              <a:schemeClr val="lt1"/>
-            </a:fontRef>
-          </p:style>
-          <p:txBody>
-            <a:bodyPr rtlCol="0" anchor="ctr"/>
-            <a:lstStyle/>
-            <a:p>
-              <a:r>
-                <a:rPr lang="en-US" altLang="ko-KR" sz="2400" dirty="0"/>
-                <a:t>Gamepad Control</a:t>
-              </a:r>
-              <a:endParaRPr lang="ko-KR" altLang="en-US" sz="2400" dirty="0"/>
+              <a:endParaRPr lang="ko-KR" altLang="en-US" sz="3200" dirty="0"/>
             </a:p>
           </p:txBody>
         </p:sp>
       </p:grpSp>
-    </p:spTree>
-    <p:extLst>
-      <p:ext uri="{BB962C8B-B14F-4D97-AF65-F5344CB8AC3E}">
-        <p14:creationId xmlns:p14="http://schemas.microsoft.com/office/powerpoint/2010/main" val="1551007757"/>
-      </p:ext>
-    </p:extLst>
-  </p:cSld>
-  <p:clrMapOvr>
-    <a:masterClrMapping/>
-  </p:clrMapOvr>
-</p:sld>
-</file>
-
-<file path=ppt/slides/slide12.xml><?xml version="1.0" encoding="utf-8"?>
-<p:sld xmlns:a="http://schemas.openxmlformats.org/drawingml/2006/main" xmlns:r="http://schemas.openxmlformats.org/officeDocument/2006/relationships" xmlns:p="http://schemas.openxmlformats.org/presentationml/2006/main">
-  <p:cSld>
-    <p:spTree>
-      <p:nvGrpSpPr>
-        <p:cNvPr id="1" name=""/>
-        <p:cNvGrpSpPr/>
-        <p:nvPr/>
-      </p:nvGrpSpPr>
-      <p:grpSpPr>
-        <a:xfrm>
-          <a:off x="0" y="0"/>
-          <a:ext cx="0" cy="0"/>
-          <a:chOff x="0" y="0"/>
-          <a:chExt cx="0" cy="0"/>
-        </a:xfrm>
-      </p:grpSpPr>
-      <p:sp>
-        <p:nvSpPr>
-          <p:cNvPr id="6" name="직사각형 5"/>
-          <p:cNvSpPr/>
-          <p:nvPr/>
-        </p:nvSpPr>
-        <p:spPr>
-          <a:xfrm>
-            <a:off x="1107348" y="148576"/>
-            <a:ext cx="9018165" cy="6612951"/>
-          </a:xfrm>
-          <a:prstGeom prst="rect">
-            <a:avLst/>
-          </a:prstGeom>
-          <a:solidFill>
-            <a:srgbClr val="010101"/>
-          </a:solidFill>
-          <a:ln>
-            <a:noFill/>
-          </a:ln>
-        </p:spPr>
-        <p:style>
-          <a:lnRef idx="2">
-            <a:schemeClr val="accent1">
-              <a:shade val="50000"/>
-            </a:schemeClr>
-          </a:lnRef>
-          <a:fillRef idx="1">
-            <a:schemeClr val="accent1"/>
-          </a:fillRef>
-          <a:effectRef idx="0">
-            <a:schemeClr val="accent1"/>
-          </a:effectRef>
-          <a:fontRef idx="minor">
-            <a:schemeClr val="lt1"/>
-          </a:fontRef>
-        </p:style>
-        <p:txBody>
-          <a:bodyPr rtlCol="0" anchor="ctr"/>
-          <a:lstStyle/>
-          <a:p>
-            <a:pPr algn="ctr"/>
-            <a:endParaRPr lang="ko-KR" altLang="en-US" dirty="0"/>
-          </a:p>
-        </p:txBody>
-      </p:sp>
-      <p:pic>
-        <p:nvPicPr>
-          <p:cNvPr id="3074" name="Picture 2" descr="keyboard button png에 대한 이미지 검색결과"/>
-          <p:cNvPicPr>
-            <a:picLocks noChangeAspect="1" noChangeArrowheads="1"/>
-          </p:cNvPicPr>
-          <p:nvPr/>
-        </p:nvPicPr>
-        <p:blipFill>
-          <a:blip r:embed="rId2">
-            <a:extLst>
-              <a:ext uri="{28A0092B-C50C-407E-A947-70E740481C1C}">
-                <a14:useLocalDpi xmlns:a14="http://schemas.microsoft.com/office/drawing/2010/main" val="0"/>
-              </a:ext>
-            </a:extLst>
-          </a:blip>
-          <a:srcRect/>
-          <a:stretch>
-            <a:fillRect/>
-          </a:stretch>
-        </p:blipFill>
-        <p:spPr bwMode="auto">
-          <a:xfrm>
-            <a:off x="1845279" y="4049817"/>
-            <a:ext cx="782826" cy="735856"/>
-          </a:xfrm>
-          <a:prstGeom prst="rect">
-            <a:avLst/>
-          </a:prstGeom>
-          <a:noFill/>
-          <a:extLst>
-            <a:ext uri="{909E8E84-426E-40DD-AFC4-6F175D3DCCD1}">
-              <a14:hiddenFill xmlns:a14="http://schemas.microsoft.com/office/drawing/2010/main">
-                <a:solidFill>
-                  <a:srgbClr val="FFFFFF"/>
-                </a:solidFill>
-              </a14:hiddenFill>
-            </a:ext>
-          </a:extLst>
-        </p:spPr>
-      </p:pic>
-      <p:pic>
-        <p:nvPicPr>
-          <p:cNvPr id="7" name="Picture 2" descr="keyboard button png에 대한 이미지 검색결과"/>
-          <p:cNvPicPr>
-            <a:picLocks noChangeAspect="1" noChangeArrowheads="1"/>
-          </p:cNvPicPr>
-          <p:nvPr/>
-        </p:nvPicPr>
-        <p:blipFill>
-          <a:blip r:embed="rId2">
-            <a:extLst>
-              <a:ext uri="{28A0092B-C50C-407E-A947-70E740481C1C}">
-                <a14:useLocalDpi xmlns:a14="http://schemas.microsoft.com/office/drawing/2010/main" val="0"/>
-              </a:ext>
-            </a:extLst>
-          </a:blip>
-          <a:srcRect/>
-          <a:stretch>
-            <a:fillRect/>
-          </a:stretch>
-        </p:blipFill>
-        <p:spPr bwMode="auto">
-          <a:xfrm>
-            <a:off x="1845279" y="3244460"/>
-            <a:ext cx="782826" cy="735856"/>
-          </a:xfrm>
-          <a:prstGeom prst="rect">
-            <a:avLst/>
-          </a:prstGeom>
-          <a:noFill/>
-          <a:extLst>
-            <a:ext uri="{909E8E84-426E-40DD-AFC4-6F175D3DCCD1}">
-              <a14:hiddenFill xmlns:a14="http://schemas.microsoft.com/office/drawing/2010/main">
-                <a:solidFill>
-                  <a:srgbClr val="FFFFFF"/>
-                </a:solidFill>
-              </a14:hiddenFill>
-            </a:ext>
-          </a:extLst>
-        </p:spPr>
-      </p:pic>
-      <p:pic>
-        <p:nvPicPr>
-          <p:cNvPr id="8" name="Picture 2" descr="keyboard button png에 대한 이미지 검색결과"/>
-          <p:cNvPicPr>
-            <a:picLocks noChangeAspect="1" noChangeArrowheads="1"/>
-          </p:cNvPicPr>
-          <p:nvPr/>
-        </p:nvPicPr>
-        <p:blipFill>
-          <a:blip r:embed="rId2">
-            <a:extLst>
-              <a:ext uri="{28A0092B-C50C-407E-A947-70E740481C1C}">
-                <a14:useLocalDpi xmlns:a14="http://schemas.microsoft.com/office/drawing/2010/main" val="0"/>
-              </a:ext>
-            </a:extLst>
-          </a:blip>
-          <a:srcRect/>
-          <a:stretch>
-            <a:fillRect/>
-          </a:stretch>
-        </p:blipFill>
-        <p:spPr bwMode="auto">
-          <a:xfrm>
-            <a:off x="6899932" y="3244460"/>
-            <a:ext cx="782826" cy="735856"/>
-          </a:xfrm>
-          <a:prstGeom prst="rect">
-            <a:avLst/>
-          </a:prstGeom>
-          <a:noFill/>
-          <a:extLst>
-            <a:ext uri="{909E8E84-426E-40DD-AFC4-6F175D3DCCD1}">
-              <a14:hiddenFill xmlns:a14="http://schemas.microsoft.com/office/drawing/2010/main">
-                <a:solidFill>
-                  <a:srgbClr val="FFFFFF"/>
-                </a:solidFill>
-              </a14:hiddenFill>
-            </a:ext>
-          </a:extLst>
-        </p:spPr>
-      </p:pic>
-      <p:pic>
-        <p:nvPicPr>
-          <p:cNvPr id="10" name="그림 9"/>
-          <p:cNvPicPr>
-            <a:picLocks noChangeAspect="1"/>
-          </p:cNvPicPr>
-          <p:nvPr/>
-        </p:nvPicPr>
-        <p:blipFill>
-          <a:blip r:embed="rId3">
-            <a:extLst>
-              <a:ext uri="{28A0092B-C50C-407E-A947-70E740481C1C}">
-                <a14:useLocalDpi xmlns:a14="http://schemas.microsoft.com/office/drawing/2010/main" val="0"/>
-              </a:ext>
-            </a:extLst>
-          </a:blip>
-          <a:stretch>
-            <a:fillRect/>
-          </a:stretch>
-        </p:blipFill>
-        <p:spPr>
-          <a:xfrm>
-            <a:off x="1845279" y="5662930"/>
-            <a:ext cx="1144588" cy="719183"/>
-          </a:xfrm>
-          <a:prstGeom prst="rect">
-            <a:avLst/>
-          </a:prstGeom>
-        </p:spPr>
-      </p:pic>
-      <p:pic>
-        <p:nvPicPr>
-          <p:cNvPr id="13" name="그림 12"/>
-          <p:cNvPicPr>
-            <a:picLocks noChangeAspect="1"/>
-          </p:cNvPicPr>
-          <p:nvPr/>
-        </p:nvPicPr>
-        <p:blipFill>
-          <a:blip r:embed="rId3">
-            <a:extLst>
-              <a:ext uri="{28A0092B-C50C-407E-A947-70E740481C1C}">
-                <a14:useLocalDpi xmlns:a14="http://schemas.microsoft.com/office/drawing/2010/main" val="0"/>
-              </a:ext>
-            </a:extLst>
-          </a:blip>
-          <a:stretch>
-            <a:fillRect/>
-          </a:stretch>
-        </p:blipFill>
-        <p:spPr>
-          <a:xfrm>
-            <a:off x="1853668" y="4871560"/>
-            <a:ext cx="1675158" cy="719183"/>
-          </a:xfrm>
-          <a:prstGeom prst="rect">
-            <a:avLst/>
-          </a:prstGeom>
-        </p:spPr>
-      </p:pic>
-      <p:pic>
-        <p:nvPicPr>
-          <p:cNvPr id="11" name="Picture 2" descr="keyboard button png에 대한 이미지 검색결과"/>
-          <p:cNvPicPr>
-            <a:picLocks noChangeAspect="1" noChangeArrowheads="1"/>
-          </p:cNvPicPr>
-          <p:nvPr/>
-        </p:nvPicPr>
-        <p:blipFill>
-          <a:blip r:embed="rId2">
-            <a:extLst>
-              <a:ext uri="{28A0092B-C50C-407E-A947-70E740481C1C}">
-                <a14:useLocalDpi xmlns:a14="http://schemas.microsoft.com/office/drawing/2010/main" val="0"/>
-              </a:ext>
-            </a:extLst>
-          </a:blip>
-          <a:srcRect/>
-          <a:stretch>
-            <a:fillRect/>
-          </a:stretch>
-        </p:blipFill>
-        <p:spPr bwMode="auto">
-          <a:xfrm>
-            <a:off x="1845279" y="2159873"/>
-            <a:ext cx="782826" cy="735856"/>
-          </a:xfrm>
-          <a:prstGeom prst="rect">
-            <a:avLst/>
-          </a:prstGeom>
-          <a:noFill/>
-          <a:extLst>
-            <a:ext uri="{909E8E84-426E-40DD-AFC4-6F175D3DCCD1}">
-              <a14:hiddenFill xmlns:a14="http://schemas.microsoft.com/office/drawing/2010/main">
-                <a:solidFill>
-                  <a:srgbClr val="FFFFFF"/>
-                </a:solidFill>
-              </a14:hiddenFill>
-            </a:ext>
-          </a:extLst>
-        </p:spPr>
-      </p:pic>
-      <p:pic>
-        <p:nvPicPr>
-          <p:cNvPr id="12" name="Picture 2" descr="keyboard button png에 대한 이미지 검색결과"/>
-          <p:cNvPicPr>
-            <a:picLocks noChangeAspect="1" noChangeArrowheads="1"/>
-          </p:cNvPicPr>
-          <p:nvPr/>
-        </p:nvPicPr>
-        <p:blipFill>
-          <a:blip r:embed="rId2">
-            <a:extLst>
-              <a:ext uri="{28A0092B-C50C-407E-A947-70E740481C1C}">
-                <a14:useLocalDpi xmlns:a14="http://schemas.microsoft.com/office/drawing/2010/main" val="0"/>
-              </a:ext>
-            </a:extLst>
-          </a:blip>
-          <a:srcRect/>
-          <a:stretch>
-            <a:fillRect/>
-          </a:stretch>
-        </p:blipFill>
-        <p:spPr bwMode="auto">
-          <a:xfrm>
-            <a:off x="2666095" y="2159873"/>
-            <a:ext cx="782826" cy="735856"/>
-          </a:xfrm>
-          <a:prstGeom prst="rect">
-            <a:avLst/>
-          </a:prstGeom>
-          <a:noFill/>
-          <a:extLst>
-            <a:ext uri="{909E8E84-426E-40DD-AFC4-6F175D3DCCD1}">
-              <a14:hiddenFill xmlns:a14="http://schemas.microsoft.com/office/drawing/2010/main">
-                <a:solidFill>
-                  <a:srgbClr val="FFFFFF"/>
-                </a:solidFill>
-              </a14:hiddenFill>
-            </a:ext>
-          </a:extLst>
-        </p:spPr>
-      </p:pic>
-      <p:pic>
-        <p:nvPicPr>
-          <p:cNvPr id="14" name="Picture 2" descr="keyboard button png에 대한 이미지 검색결과"/>
-          <p:cNvPicPr>
-            <a:picLocks noChangeAspect="1" noChangeArrowheads="1"/>
-          </p:cNvPicPr>
-          <p:nvPr/>
-        </p:nvPicPr>
-        <p:blipFill>
-          <a:blip r:embed="rId2">
-            <a:extLst>
-              <a:ext uri="{28A0092B-C50C-407E-A947-70E740481C1C}">
-                <a14:useLocalDpi xmlns:a14="http://schemas.microsoft.com/office/drawing/2010/main" val="0"/>
-              </a:ext>
-            </a:extLst>
-          </a:blip>
-          <a:srcRect/>
-          <a:stretch>
-            <a:fillRect/>
-          </a:stretch>
-        </p:blipFill>
-        <p:spPr bwMode="auto">
-          <a:xfrm>
-            <a:off x="2666095" y="1367406"/>
-            <a:ext cx="782826" cy="735856"/>
-          </a:xfrm>
-          <a:prstGeom prst="rect">
-            <a:avLst/>
-          </a:prstGeom>
-          <a:noFill/>
-          <a:extLst>
-            <a:ext uri="{909E8E84-426E-40DD-AFC4-6F175D3DCCD1}">
-              <a14:hiddenFill xmlns:a14="http://schemas.microsoft.com/office/drawing/2010/main">
-                <a:solidFill>
-                  <a:srgbClr val="FFFFFF"/>
-                </a:solidFill>
-              </a14:hiddenFill>
-            </a:ext>
-          </a:extLst>
-        </p:spPr>
-      </p:pic>
-      <p:pic>
-        <p:nvPicPr>
-          <p:cNvPr id="15" name="Picture 2" descr="keyboard button png에 대한 이미지 검색결과"/>
-          <p:cNvPicPr>
-            <a:picLocks noChangeAspect="1" noChangeArrowheads="1"/>
-          </p:cNvPicPr>
-          <p:nvPr/>
-        </p:nvPicPr>
-        <p:blipFill>
-          <a:blip r:embed="rId2">
-            <a:extLst>
-              <a:ext uri="{28A0092B-C50C-407E-A947-70E740481C1C}">
-                <a14:useLocalDpi xmlns:a14="http://schemas.microsoft.com/office/drawing/2010/main" val="0"/>
-              </a:ext>
-            </a:extLst>
-          </a:blip>
-          <a:srcRect/>
-          <a:stretch>
-            <a:fillRect/>
-          </a:stretch>
-        </p:blipFill>
-        <p:spPr bwMode="auto">
-          <a:xfrm>
-            <a:off x="3503350" y="2159873"/>
-            <a:ext cx="782826" cy="735856"/>
-          </a:xfrm>
-          <a:prstGeom prst="rect">
-            <a:avLst/>
-          </a:prstGeom>
-          <a:noFill/>
-          <a:extLst>
-            <a:ext uri="{909E8E84-426E-40DD-AFC4-6F175D3DCCD1}">
-              <a14:hiddenFill xmlns:a14="http://schemas.microsoft.com/office/drawing/2010/main">
-                <a:solidFill>
-                  <a:srgbClr val="FFFFFF"/>
-                </a:solidFill>
-              </a14:hiddenFill>
-            </a:ext>
-          </a:extLst>
-        </p:spPr>
-      </p:pic>
-      <p:pic>
-        <p:nvPicPr>
-          <p:cNvPr id="16" name="Picture 2" descr="keyboard button png에 대한 이미지 검색결과"/>
-          <p:cNvPicPr>
-            <a:picLocks noChangeAspect="1" noChangeArrowheads="1"/>
-          </p:cNvPicPr>
-          <p:nvPr/>
-        </p:nvPicPr>
-        <p:blipFill>
-          <a:blip r:embed="rId2">
-            <a:extLst>
-              <a:ext uri="{28A0092B-C50C-407E-A947-70E740481C1C}">
-                <a14:useLocalDpi xmlns:a14="http://schemas.microsoft.com/office/drawing/2010/main" val="0"/>
-              </a:ext>
-            </a:extLst>
-          </a:blip>
-          <a:srcRect/>
-          <a:stretch>
-            <a:fillRect/>
-          </a:stretch>
-        </p:blipFill>
-        <p:spPr bwMode="auto">
-          <a:xfrm>
-            <a:off x="6018328" y="2159873"/>
-            <a:ext cx="782826" cy="735856"/>
-          </a:xfrm>
-          <a:prstGeom prst="rect">
-            <a:avLst/>
-          </a:prstGeom>
-          <a:noFill/>
-          <a:extLst>
-            <a:ext uri="{909E8E84-426E-40DD-AFC4-6F175D3DCCD1}">
-              <a14:hiddenFill xmlns:a14="http://schemas.microsoft.com/office/drawing/2010/main">
-                <a:solidFill>
-                  <a:srgbClr val="FFFFFF"/>
-                </a:solidFill>
-              </a14:hiddenFill>
-            </a:ext>
-          </a:extLst>
-        </p:spPr>
-      </p:pic>
-      <p:pic>
-        <p:nvPicPr>
-          <p:cNvPr id="17" name="Picture 2" descr="keyboard button png에 대한 이미지 검색결과"/>
-          <p:cNvPicPr>
-            <a:picLocks noChangeAspect="1" noChangeArrowheads="1"/>
-          </p:cNvPicPr>
-          <p:nvPr/>
-        </p:nvPicPr>
-        <p:blipFill>
-          <a:blip r:embed="rId2">
-            <a:extLst>
-              <a:ext uri="{28A0092B-C50C-407E-A947-70E740481C1C}">
-                <a14:useLocalDpi xmlns:a14="http://schemas.microsoft.com/office/drawing/2010/main" val="0"/>
-              </a:ext>
-            </a:extLst>
-          </a:blip>
-          <a:srcRect/>
-          <a:stretch>
-            <a:fillRect/>
-          </a:stretch>
-        </p:blipFill>
-        <p:spPr bwMode="auto">
-          <a:xfrm>
-            <a:off x="6839144" y="2159873"/>
-            <a:ext cx="782826" cy="735856"/>
-          </a:xfrm>
-          <a:prstGeom prst="rect">
-            <a:avLst/>
-          </a:prstGeom>
-          <a:noFill/>
-          <a:extLst>
-            <a:ext uri="{909E8E84-426E-40DD-AFC4-6F175D3DCCD1}">
-              <a14:hiddenFill xmlns:a14="http://schemas.microsoft.com/office/drawing/2010/main">
-                <a:solidFill>
-                  <a:srgbClr val="FFFFFF"/>
-                </a:solidFill>
-              </a14:hiddenFill>
-            </a:ext>
-          </a:extLst>
-        </p:spPr>
-      </p:pic>
-      <p:pic>
-        <p:nvPicPr>
-          <p:cNvPr id="18" name="Picture 2" descr="keyboard button png에 대한 이미지 검색결과"/>
-          <p:cNvPicPr>
-            <a:picLocks noChangeAspect="1" noChangeArrowheads="1"/>
-          </p:cNvPicPr>
-          <p:nvPr/>
-        </p:nvPicPr>
-        <p:blipFill>
-          <a:blip r:embed="rId2">
-            <a:extLst>
-              <a:ext uri="{28A0092B-C50C-407E-A947-70E740481C1C}">
-                <a14:useLocalDpi xmlns:a14="http://schemas.microsoft.com/office/drawing/2010/main" val="0"/>
-              </a:ext>
-            </a:extLst>
-          </a:blip>
-          <a:srcRect/>
-          <a:stretch>
-            <a:fillRect/>
-          </a:stretch>
-        </p:blipFill>
-        <p:spPr bwMode="auto">
-          <a:xfrm>
-            <a:off x="6839144" y="1367406"/>
-            <a:ext cx="782826" cy="735856"/>
-          </a:xfrm>
-          <a:prstGeom prst="rect">
-            <a:avLst/>
-          </a:prstGeom>
-          <a:noFill/>
-          <a:extLst>
-            <a:ext uri="{909E8E84-426E-40DD-AFC4-6F175D3DCCD1}">
-              <a14:hiddenFill xmlns:a14="http://schemas.microsoft.com/office/drawing/2010/main">
-                <a:solidFill>
-                  <a:srgbClr val="FFFFFF"/>
-                </a:solidFill>
-              </a14:hiddenFill>
-            </a:ext>
-          </a:extLst>
-        </p:spPr>
-      </p:pic>
-      <p:pic>
-        <p:nvPicPr>
-          <p:cNvPr id="19" name="Picture 2" descr="keyboard button png에 대한 이미지 검색결과"/>
-          <p:cNvPicPr>
-            <a:picLocks noChangeAspect="1" noChangeArrowheads="1"/>
-          </p:cNvPicPr>
-          <p:nvPr/>
-        </p:nvPicPr>
-        <p:blipFill>
-          <a:blip r:embed="rId2">
-            <a:extLst>
-              <a:ext uri="{28A0092B-C50C-407E-A947-70E740481C1C}">
-                <a14:useLocalDpi xmlns:a14="http://schemas.microsoft.com/office/drawing/2010/main" val="0"/>
-              </a:ext>
-            </a:extLst>
-          </a:blip>
-          <a:srcRect/>
-          <a:stretch>
-            <a:fillRect/>
-          </a:stretch>
-        </p:blipFill>
-        <p:spPr bwMode="auto">
-          <a:xfrm>
-            <a:off x="7676399" y="2159873"/>
-            <a:ext cx="782826" cy="735856"/>
-          </a:xfrm>
-          <a:prstGeom prst="rect">
-            <a:avLst/>
-          </a:prstGeom>
-          <a:noFill/>
-          <a:extLst>
-            <a:ext uri="{909E8E84-426E-40DD-AFC4-6F175D3DCCD1}">
-              <a14:hiddenFill xmlns:a14="http://schemas.microsoft.com/office/drawing/2010/main">
-                <a:solidFill>
-                  <a:srgbClr val="FFFFFF"/>
-                </a:solidFill>
-              </a14:hiddenFill>
-            </a:ext>
-          </a:extLst>
-        </p:spPr>
-      </p:pic>
-      <p:pic>
-        <p:nvPicPr>
-          <p:cNvPr id="20" name="Picture 2" descr="keyboard button png에 대한 이미지 검색결과"/>
-          <p:cNvPicPr>
-            <a:picLocks noChangeAspect="1" noChangeArrowheads="1"/>
-          </p:cNvPicPr>
-          <p:nvPr/>
-        </p:nvPicPr>
-        <p:blipFill>
-          <a:blip r:embed="rId2">
-            <a:extLst>
-              <a:ext uri="{28A0092B-C50C-407E-A947-70E740481C1C}">
-                <a14:useLocalDpi xmlns:a14="http://schemas.microsoft.com/office/drawing/2010/main" val="0"/>
-              </a:ext>
-            </a:extLst>
-          </a:blip>
-          <a:srcRect/>
-          <a:stretch>
-            <a:fillRect/>
-          </a:stretch>
-        </p:blipFill>
-        <p:spPr bwMode="auto">
-          <a:xfrm>
-            <a:off x="6899932" y="4052518"/>
-            <a:ext cx="782826" cy="735856"/>
-          </a:xfrm>
-          <a:prstGeom prst="rect">
-            <a:avLst/>
-          </a:prstGeom>
-          <a:noFill/>
-          <a:extLst>
-            <a:ext uri="{909E8E84-426E-40DD-AFC4-6F175D3DCCD1}">
-              <a14:hiddenFill xmlns:a14="http://schemas.microsoft.com/office/drawing/2010/main">
-                <a:solidFill>
-                  <a:srgbClr val="FFFFFF"/>
-                </a:solidFill>
-              </a14:hiddenFill>
-            </a:ext>
-          </a:extLst>
-        </p:spPr>
-      </p:pic>
-      <p:pic>
-        <p:nvPicPr>
-          <p:cNvPr id="21" name="Picture 2" descr="keyboard button png에 대한 이미지 검색결과"/>
-          <p:cNvPicPr>
-            <a:picLocks noChangeAspect="1" noChangeArrowheads="1"/>
-          </p:cNvPicPr>
-          <p:nvPr/>
-        </p:nvPicPr>
-        <p:blipFill>
-          <a:blip r:embed="rId2">
-            <a:extLst>
-              <a:ext uri="{28A0092B-C50C-407E-A947-70E740481C1C}">
-                <a14:useLocalDpi xmlns:a14="http://schemas.microsoft.com/office/drawing/2010/main" val="0"/>
-              </a:ext>
-            </a:extLst>
-          </a:blip>
-          <a:srcRect/>
-          <a:stretch>
-            <a:fillRect/>
-          </a:stretch>
-        </p:blipFill>
-        <p:spPr bwMode="auto">
-          <a:xfrm>
-            <a:off x="6899932" y="4854887"/>
-            <a:ext cx="782826" cy="735856"/>
-          </a:xfrm>
-          <a:prstGeom prst="rect">
-            <a:avLst/>
-          </a:prstGeom>
-          <a:noFill/>
-          <a:extLst>
-            <a:ext uri="{909E8E84-426E-40DD-AFC4-6F175D3DCCD1}">
-              <a14:hiddenFill xmlns:a14="http://schemas.microsoft.com/office/drawing/2010/main">
-                <a:solidFill>
-                  <a:srgbClr val="FFFFFF"/>
-                </a:solidFill>
-              </a14:hiddenFill>
-            </a:ext>
-          </a:extLst>
-        </p:spPr>
-      </p:pic>
-      <p:pic>
-        <p:nvPicPr>
-          <p:cNvPr id="22" name="Picture 2" descr="keyboard button png에 대한 이미지 검색결과"/>
-          <p:cNvPicPr>
-            <a:picLocks noChangeAspect="1" noChangeArrowheads="1"/>
-          </p:cNvPicPr>
-          <p:nvPr/>
-        </p:nvPicPr>
-        <p:blipFill>
-          <a:blip r:embed="rId2">
-            <a:extLst>
-              <a:ext uri="{28A0092B-C50C-407E-A947-70E740481C1C}">
-                <a14:useLocalDpi xmlns:a14="http://schemas.microsoft.com/office/drawing/2010/main" val="0"/>
-              </a:ext>
-            </a:extLst>
-          </a:blip>
-          <a:srcRect/>
-          <a:stretch>
-            <a:fillRect/>
-          </a:stretch>
-        </p:blipFill>
-        <p:spPr bwMode="auto">
-          <a:xfrm>
-            <a:off x="6899932" y="5646257"/>
-            <a:ext cx="782826" cy="735856"/>
-          </a:xfrm>
-          <a:prstGeom prst="rect">
-            <a:avLst/>
-          </a:prstGeom>
-          <a:noFill/>
-          <a:extLst>
-            <a:ext uri="{909E8E84-426E-40DD-AFC4-6F175D3DCCD1}">
-              <a14:hiddenFill xmlns:a14="http://schemas.microsoft.com/office/drawing/2010/main">
-                <a:solidFill>
-                  <a:srgbClr val="FFFFFF"/>
-                </a:solidFill>
-              </a14:hiddenFill>
-            </a:ext>
-          </a:extLst>
-        </p:spPr>
-      </p:pic>
-      <p:sp>
-        <p:nvSpPr>
-          <p:cNvPr id="2" name="TextBox 1"/>
-          <p:cNvSpPr txBox="1"/>
-          <p:nvPr/>
-        </p:nvSpPr>
-        <p:spPr>
-          <a:xfrm>
-            <a:off x="4462943" y="2343135"/>
-            <a:ext cx="901337" cy="369332"/>
-          </a:xfrm>
-          <a:prstGeom prst="rect">
-            <a:avLst/>
-          </a:prstGeom>
-          <a:noFill/>
-        </p:spPr>
-        <p:txBody>
-          <a:bodyPr wrap="none" rtlCol="0">
-            <a:spAutoFit/>
-          </a:bodyPr>
-          <a:lstStyle/>
-          <a:p>
-            <a:r>
-              <a:rPr lang="en-US" altLang="ko-KR" dirty="0">
-                <a:solidFill>
-                  <a:schemeClr val="bg1"/>
-                </a:solidFill>
-              </a:rPr>
-              <a:t>: Move</a:t>
-            </a:r>
-            <a:endParaRPr lang="ko-KR" altLang="en-US" dirty="0">
-              <a:solidFill>
-                <a:schemeClr val="bg1"/>
-              </a:solidFill>
-            </a:endParaRPr>
-          </a:p>
-        </p:txBody>
-      </p:sp>
-      <p:sp>
-        <p:nvSpPr>
-          <p:cNvPr id="23" name="TextBox 22"/>
-          <p:cNvSpPr txBox="1"/>
-          <p:nvPr/>
-        </p:nvSpPr>
-        <p:spPr>
-          <a:xfrm>
-            <a:off x="2759978" y="3362467"/>
-            <a:ext cx="973280" cy="369332"/>
-          </a:xfrm>
-          <a:prstGeom prst="rect">
-            <a:avLst/>
-          </a:prstGeom>
-          <a:noFill/>
-        </p:spPr>
-        <p:txBody>
-          <a:bodyPr wrap="none" rtlCol="0">
-            <a:spAutoFit/>
-          </a:bodyPr>
-          <a:lstStyle/>
-          <a:p>
-            <a:r>
-              <a:rPr lang="en-US" altLang="ko-KR" dirty="0">
-                <a:solidFill>
-                  <a:schemeClr val="bg1"/>
-                </a:solidFill>
-              </a:rPr>
-              <a:t>: Attack</a:t>
-            </a:r>
-            <a:endParaRPr lang="ko-KR" altLang="en-US" dirty="0">
-              <a:solidFill>
-                <a:schemeClr val="bg1"/>
-              </a:solidFill>
-            </a:endParaRPr>
-          </a:p>
-        </p:txBody>
-      </p:sp>
-      <p:sp>
-        <p:nvSpPr>
-          <p:cNvPr id="25" name="TextBox 24"/>
-          <p:cNvSpPr txBox="1"/>
-          <p:nvPr/>
-        </p:nvSpPr>
-        <p:spPr>
-          <a:xfrm>
-            <a:off x="2759978" y="4233079"/>
-            <a:ext cx="728084" cy="369332"/>
-          </a:xfrm>
-          <a:prstGeom prst="rect">
-            <a:avLst/>
-          </a:prstGeom>
-          <a:noFill/>
-        </p:spPr>
-        <p:txBody>
-          <a:bodyPr wrap="none" rtlCol="0">
-            <a:spAutoFit/>
-          </a:bodyPr>
-          <a:lstStyle/>
-          <a:p>
-            <a:r>
-              <a:rPr lang="en-US" altLang="ko-KR" dirty="0">
-                <a:solidFill>
-                  <a:schemeClr val="bg1"/>
-                </a:solidFill>
-              </a:rPr>
-              <a:t>: Skill</a:t>
-            </a:r>
-            <a:endParaRPr lang="ko-KR" altLang="en-US" dirty="0">
-              <a:solidFill>
-                <a:schemeClr val="bg1"/>
-              </a:solidFill>
-            </a:endParaRPr>
-          </a:p>
-        </p:txBody>
-      </p:sp>
-      <p:sp>
-        <p:nvSpPr>
-          <p:cNvPr id="26" name="TextBox 25"/>
-          <p:cNvSpPr txBox="1"/>
-          <p:nvPr/>
-        </p:nvSpPr>
-        <p:spPr>
-          <a:xfrm>
-            <a:off x="3145871" y="5837855"/>
-            <a:ext cx="927177" cy="369332"/>
-          </a:xfrm>
-          <a:prstGeom prst="rect">
-            <a:avLst/>
-          </a:prstGeom>
-          <a:noFill/>
-        </p:spPr>
-        <p:txBody>
-          <a:bodyPr wrap="none" rtlCol="0">
-            <a:spAutoFit/>
-          </a:bodyPr>
-          <a:lstStyle/>
-          <a:p>
-            <a:r>
-              <a:rPr lang="en-US" altLang="ko-KR" dirty="0">
-                <a:solidFill>
-                  <a:schemeClr val="bg1"/>
-                </a:solidFill>
-              </a:rPr>
-              <a:t>: Evade</a:t>
-            </a:r>
-            <a:endParaRPr lang="ko-KR" altLang="en-US" dirty="0">
-              <a:solidFill>
-                <a:schemeClr val="bg1"/>
-              </a:solidFill>
-            </a:endParaRPr>
-          </a:p>
-        </p:txBody>
-      </p:sp>
-      <p:sp>
-        <p:nvSpPr>
-          <p:cNvPr id="27" name="TextBox 26"/>
-          <p:cNvSpPr txBox="1"/>
-          <p:nvPr/>
-        </p:nvSpPr>
-        <p:spPr>
-          <a:xfrm>
-            <a:off x="3669704" y="4968648"/>
-            <a:ext cx="1058238" cy="369332"/>
-          </a:xfrm>
-          <a:prstGeom prst="rect">
-            <a:avLst/>
-          </a:prstGeom>
-          <a:noFill/>
-        </p:spPr>
-        <p:txBody>
-          <a:bodyPr wrap="none" rtlCol="0">
-            <a:spAutoFit/>
-          </a:bodyPr>
-          <a:lstStyle/>
-          <a:p>
-            <a:r>
-              <a:rPr lang="en-US" altLang="ko-KR" dirty="0">
-                <a:solidFill>
-                  <a:schemeClr val="bg1"/>
-                </a:solidFill>
-              </a:rPr>
-              <a:t>: Charge</a:t>
-            </a:r>
-            <a:endParaRPr lang="ko-KR" altLang="en-US" dirty="0">
-              <a:solidFill>
-                <a:schemeClr val="bg1"/>
-              </a:solidFill>
-            </a:endParaRPr>
-          </a:p>
-        </p:txBody>
-      </p:sp>
-      <p:sp>
-        <p:nvSpPr>
-          <p:cNvPr id="28" name="TextBox 27"/>
-          <p:cNvSpPr txBox="1"/>
-          <p:nvPr/>
-        </p:nvSpPr>
-        <p:spPr>
-          <a:xfrm>
-            <a:off x="7820391" y="3362467"/>
-            <a:ext cx="973280" cy="369332"/>
-          </a:xfrm>
-          <a:prstGeom prst="rect">
-            <a:avLst/>
-          </a:prstGeom>
-          <a:noFill/>
-        </p:spPr>
-        <p:txBody>
-          <a:bodyPr wrap="none" rtlCol="0">
-            <a:spAutoFit/>
-          </a:bodyPr>
-          <a:lstStyle/>
-          <a:p>
-            <a:r>
-              <a:rPr lang="en-US" altLang="ko-KR" dirty="0">
-                <a:solidFill>
-                  <a:schemeClr val="bg1"/>
-                </a:solidFill>
-              </a:rPr>
-              <a:t>: Attack</a:t>
-            </a:r>
-            <a:endParaRPr lang="ko-KR" altLang="en-US" dirty="0">
-              <a:solidFill>
-                <a:schemeClr val="bg1"/>
-              </a:solidFill>
-            </a:endParaRPr>
-          </a:p>
-        </p:txBody>
-      </p:sp>
-      <p:sp>
-        <p:nvSpPr>
-          <p:cNvPr id="29" name="TextBox 28"/>
-          <p:cNvSpPr txBox="1"/>
-          <p:nvPr/>
-        </p:nvSpPr>
-        <p:spPr>
-          <a:xfrm>
-            <a:off x="7820391" y="4233079"/>
-            <a:ext cx="728084" cy="369332"/>
-          </a:xfrm>
-          <a:prstGeom prst="rect">
-            <a:avLst/>
-          </a:prstGeom>
-          <a:noFill/>
-        </p:spPr>
-        <p:txBody>
-          <a:bodyPr wrap="none" rtlCol="0">
-            <a:spAutoFit/>
-          </a:bodyPr>
-          <a:lstStyle/>
-          <a:p>
-            <a:r>
-              <a:rPr lang="en-US" altLang="ko-KR" dirty="0">
-                <a:solidFill>
-                  <a:schemeClr val="bg1"/>
-                </a:solidFill>
-              </a:rPr>
-              <a:t>: Skill</a:t>
-            </a:r>
-            <a:endParaRPr lang="ko-KR" altLang="en-US" dirty="0">
-              <a:solidFill>
-                <a:schemeClr val="bg1"/>
-              </a:solidFill>
-            </a:endParaRPr>
-          </a:p>
-        </p:txBody>
-      </p:sp>
-      <p:sp>
-        <p:nvSpPr>
-          <p:cNvPr id="30" name="TextBox 29"/>
-          <p:cNvSpPr txBox="1"/>
-          <p:nvPr/>
-        </p:nvSpPr>
-        <p:spPr>
-          <a:xfrm>
-            <a:off x="7820391" y="5837855"/>
-            <a:ext cx="927177" cy="369332"/>
-          </a:xfrm>
-          <a:prstGeom prst="rect">
-            <a:avLst/>
-          </a:prstGeom>
-          <a:noFill/>
-        </p:spPr>
-        <p:txBody>
-          <a:bodyPr wrap="none" rtlCol="0">
-            <a:spAutoFit/>
-          </a:bodyPr>
-          <a:lstStyle/>
-          <a:p>
-            <a:r>
-              <a:rPr lang="en-US" altLang="ko-KR" dirty="0">
-                <a:solidFill>
-                  <a:schemeClr val="bg1"/>
-                </a:solidFill>
-              </a:rPr>
-              <a:t>: Evade</a:t>
-            </a:r>
-            <a:endParaRPr lang="ko-KR" altLang="en-US" dirty="0">
-              <a:solidFill>
-                <a:schemeClr val="bg1"/>
-              </a:solidFill>
-            </a:endParaRPr>
-          </a:p>
-        </p:txBody>
-      </p:sp>
-      <p:sp>
-        <p:nvSpPr>
-          <p:cNvPr id="31" name="TextBox 30"/>
-          <p:cNvSpPr txBox="1"/>
-          <p:nvPr/>
-        </p:nvSpPr>
-        <p:spPr>
-          <a:xfrm>
-            <a:off x="7820391" y="4968648"/>
-            <a:ext cx="1058238" cy="369332"/>
-          </a:xfrm>
-          <a:prstGeom prst="rect">
-            <a:avLst/>
-          </a:prstGeom>
-          <a:noFill/>
-        </p:spPr>
-        <p:txBody>
-          <a:bodyPr wrap="none" rtlCol="0">
-            <a:spAutoFit/>
-          </a:bodyPr>
-          <a:lstStyle/>
-          <a:p>
-            <a:r>
-              <a:rPr lang="en-US" altLang="ko-KR" dirty="0">
-                <a:solidFill>
-                  <a:schemeClr val="bg1"/>
-                </a:solidFill>
-              </a:rPr>
-              <a:t>: Charge</a:t>
-            </a:r>
-            <a:endParaRPr lang="ko-KR" altLang="en-US" dirty="0">
-              <a:solidFill>
-                <a:schemeClr val="bg1"/>
-              </a:solidFill>
-            </a:endParaRPr>
-          </a:p>
-        </p:txBody>
-      </p:sp>
-      <p:sp>
-        <p:nvSpPr>
-          <p:cNvPr id="32" name="TextBox 31"/>
-          <p:cNvSpPr txBox="1"/>
-          <p:nvPr/>
-        </p:nvSpPr>
-        <p:spPr>
-          <a:xfrm>
-            <a:off x="8663678" y="2343135"/>
-            <a:ext cx="901337" cy="369332"/>
-          </a:xfrm>
-          <a:prstGeom prst="rect">
-            <a:avLst/>
-          </a:prstGeom>
-          <a:noFill/>
-        </p:spPr>
-        <p:txBody>
-          <a:bodyPr wrap="none" rtlCol="0">
-            <a:spAutoFit/>
-          </a:bodyPr>
-          <a:lstStyle/>
-          <a:p>
-            <a:r>
-              <a:rPr lang="en-US" altLang="ko-KR" dirty="0">
-                <a:solidFill>
-                  <a:schemeClr val="bg1"/>
-                </a:solidFill>
-              </a:rPr>
-              <a:t>: Move</a:t>
-            </a:r>
-            <a:endParaRPr lang="ko-KR" altLang="en-US" dirty="0">
-              <a:solidFill>
-                <a:schemeClr val="bg1"/>
-              </a:solidFill>
-            </a:endParaRPr>
-          </a:p>
-        </p:txBody>
-      </p:sp>
-      <p:sp>
-        <p:nvSpPr>
-          <p:cNvPr id="4" name="TextBox 3"/>
-          <p:cNvSpPr txBox="1"/>
-          <p:nvPr/>
-        </p:nvSpPr>
-        <p:spPr>
-          <a:xfrm>
-            <a:off x="2759978" y="1444298"/>
-            <a:ext cx="332142" cy="338554"/>
-          </a:xfrm>
-          <a:prstGeom prst="rect">
-            <a:avLst/>
-          </a:prstGeom>
-          <a:noFill/>
-        </p:spPr>
-        <p:txBody>
-          <a:bodyPr wrap="none" rtlCol="0">
-            <a:spAutoFit/>
-          </a:bodyPr>
-          <a:lstStyle/>
-          <a:p>
-            <a:r>
-              <a:rPr lang="en-US" altLang="ko-KR" sz="1600" dirty="0">
-                <a:latin typeface="Arial Black" panose="020B0A04020102020204" pitchFamily="34" charset="0"/>
-              </a:rPr>
-              <a:t>T</a:t>
-            </a:r>
-            <a:endParaRPr lang="ko-KR" altLang="en-US" sz="1600" dirty="0">
-              <a:latin typeface="Arial Black" panose="020B0A04020102020204" pitchFamily="34" charset="0"/>
-            </a:endParaRPr>
-          </a:p>
-        </p:txBody>
-      </p:sp>
-      <p:sp>
-        <p:nvSpPr>
-          <p:cNvPr id="34" name="TextBox 33"/>
-          <p:cNvSpPr txBox="1"/>
-          <p:nvPr/>
-        </p:nvSpPr>
-        <p:spPr>
-          <a:xfrm>
-            <a:off x="2759978" y="2255261"/>
-            <a:ext cx="356188" cy="338554"/>
-          </a:xfrm>
-          <a:prstGeom prst="rect">
-            <a:avLst/>
-          </a:prstGeom>
-          <a:noFill/>
-        </p:spPr>
-        <p:txBody>
-          <a:bodyPr wrap="none" rtlCol="0">
-            <a:spAutoFit/>
-          </a:bodyPr>
-          <a:lstStyle/>
-          <a:p>
-            <a:r>
-              <a:rPr lang="en-US" altLang="ko-KR" sz="1600" dirty="0">
-                <a:latin typeface="Arial Black" panose="020B0A04020102020204" pitchFamily="34" charset="0"/>
-              </a:rPr>
-              <a:t>G</a:t>
-            </a:r>
-            <a:endParaRPr lang="ko-KR" altLang="en-US" sz="1600" dirty="0">
-              <a:latin typeface="Arial Black" panose="020B0A04020102020204" pitchFamily="34" charset="0"/>
-            </a:endParaRPr>
-          </a:p>
-        </p:txBody>
-      </p:sp>
-      <p:sp>
-        <p:nvSpPr>
-          <p:cNvPr id="35" name="TextBox 34"/>
-          <p:cNvSpPr txBox="1"/>
-          <p:nvPr/>
-        </p:nvSpPr>
-        <p:spPr>
-          <a:xfrm>
-            <a:off x="1934741" y="4132403"/>
-            <a:ext cx="344966" cy="338554"/>
-          </a:xfrm>
-          <a:prstGeom prst="rect">
-            <a:avLst/>
-          </a:prstGeom>
-          <a:noFill/>
-        </p:spPr>
-        <p:txBody>
-          <a:bodyPr wrap="square" rtlCol="0">
-            <a:spAutoFit/>
-          </a:bodyPr>
-          <a:lstStyle/>
-          <a:p>
-            <a:r>
-              <a:rPr lang="en-US" altLang="ko-KR" sz="1600" dirty="0">
-                <a:latin typeface="Arial Black" panose="020B0A04020102020204" pitchFamily="34" charset="0"/>
-              </a:rPr>
-              <a:t>X</a:t>
-            </a:r>
-            <a:endParaRPr lang="ko-KR" altLang="en-US" sz="1600" dirty="0">
-              <a:latin typeface="Arial Black" panose="020B0A04020102020204" pitchFamily="34" charset="0"/>
-            </a:endParaRPr>
-          </a:p>
-        </p:txBody>
-      </p:sp>
-      <p:sp>
-        <p:nvSpPr>
-          <p:cNvPr id="36" name="TextBox 35"/>
-          <p:cNvSpPr txBox="1"/>
-          <p:nvPr/>
-        </p:nvSpPr>
-        <p:spPr>
-          <a:xfrm>
-            <a:off x="3609459" y="2255261"/>
-            <a:ext cx="356188" cy="338554"/>
-          </a:xfrm>
-          <a:prstGeom prst="rect">
-            <a:avLst/>
-          </a:prstGeom>
-          <a:noFill/>
-        </p:spPr>
-        <p:txBody>
-          <a:bodyPr wrap="none" rtlCol="0">
-            <a:spAutoFit/>
-          </a:bodyPr>
-          <a:lstStyle/>
-          <a:p>
-            <a:r>
-              <a:rPr lang="en-US" altLang="ko-KR" sz="1600" dirty="0">
-                <a:latin typeface="Arial Black" panose="020B0A04020102020204" pitchFamily="34" charset="0"/>
-              </a:rPr>
-              <a:t>H</a:t>
-            </a:r>
-            <a:endParaRPr lang="ko-KR" altLang="en-US" sz="1600" dirty="0">
-              <a:latin typeface="Arial Black" panose="020B0A04020102020204" pitchFamily="34" charset="0"/>
-            </a:endParaRPr>
-          </a:p>
-        </p:txBody>
-      </p:sp>
-      <p:sp>
-        <p:nvSpPr>
-          <p:cNvPr id="42" name="TextBox 41"/>
-          <p:cNvSpPr txBox="1"/>
-          <p:nvPr/>
-        </p:nvSpPr>
-        <p:spPr>
-          <a:xfrm>
-            <a:off x="6970910" y="1444298"/>
-            <a:ext cx="300082" cy="369332"/>
-          </a:xfrm>
-          <a:prstGeom prst="rect">
-            <a:avLst/>
-          </a:prstGeom>
-          <a:noFill/>
-        </p:spPr>
-        <p:txBody>
-          <a:bodyPr wrap="none" rtlCol="0">
-            <a:spAutoFit/>
-          </a:bodyPr>
-          <a:lstStyle/>
-          <a:p>
-            <a:r>
-              <a:rPr lang="ko-KR" altLang="en-US" dirty="0">
-                <a:latin typeface="Arial Black" panose="020B0A04020102020204" pitchFamily="34" charset="0"/>
-              </a:rPr>
-              <a:t>↑</a:t>
-            </a:r>
-            <a:endParaRPr lang="ko-KR" altLang="en-US" sz="1600" dirty="0">
-              <a:latin typeface="Arial Black" panose="020B0A04020102020204" pitchFamily="34" charset="0"/>
-            </a:endParaRPr>
-          </a:p>
-        </p:txBody>
-      </p:sp>
-      <p:sp>
-        <p:nvSpPr>
-          <p:cNvPr id="43" name="TextBox 42"/>
-          <p:cNvSpPr txBox="1"/>
-          <p:nvPr/>
-        </p:nvSpPr>
-        <p:spPr>
-          <a:xfrm>
-            <a:off x="6970910" y="2255261"/>
-            <a:ext cx="486030" cy="369332"/>
-          </a:xfrm>
-          <a:prstGeom prst="rect">
-            <a:avLst/>
-          </a:prstGeom>
-          <a:noFill/>
-        </p:spPr>
-        <p:txBody>
-          <a:bodyPr wrap="none" rtlCol="0">
-            <a:spAutoFit/>
-          </a:bodyPr>
-          <a:lstStyle/>
-          <a:p>
-            <a:r>
-              <a:rPr lang="ko-KR" altLang="en-US" dirty="0"/>
-              <a:t>↓ </a:t>
-            </a:r>
-            <a:endParaRPr lang="ko-KR" altLang="en-US" sz="1600" dirty="0">
-              <a:latin typeface="Arial Black" panose="020B0A04020102020204" pitchFamily="34" charset="0"/>
-            </a:endParaRPr>
-          </a:p>
-        </p:txBody>
-      </p:sp>
-      <p:sp>
-        <p:nvSpPr>
-          <p:cNvPr id="44" name="TextBox 43"/>
-          <p:cNvSpPr txBox="1"/>
-          <p:nvPr/>
-        </p:nvSpPr>
-        <p:spPr>
-          <a:xfrm>
-            <a:off x="6145673" y="2255261"/>
-            <a:ext cx="404278" cy="369332"/>
-          </a:xfrm>
-          <a:prstGeom prst="rect">
-            <a:avLst/>
-          </a:prstGeom>
-          <a:noFill/>
-        </p:spPr>
-        <p:txBody>
-          <a:bodyPr wrap="none" rtlCol="0">
-            <a:spAutoFit/>
-          </a:bodyPr>
-          <a:lstStyle/>
-          <a:p>
-            <a:r>
-              <a:rPr lang="ko-KR" altLang="en-US" dirty="0"/>
-              <a:t>←</a:t>
-            </a:r>
-            <a:endParaRPr lang="ko-KR" altLang="en-US" sz="1600" dirty="0">
-              <a:latin typeface="Arial Black" panose="020B0A04020102020204" pitchFamily="34" charset="0"/>
-            </a:endParaRPr>
-          </a:p>
-        </p:txBody>
-      </p:sp>
-      <p:sp>
-        <p:nvSpPr>
-          <p:cNvPr id="45" name="TextBox 44"/>
-          <p:cNvSpPr txBox="1"/>
-          <p:nvPr/>
-        </p:nvSpPr>
-        <p:spPr>
-          <a:xfrm>
-            <a:off x="7820391" y="2255261"/>
-            <a:ext cx="415498" cy="369332"/>
-          </a:xfrm>
-          <a:prstGeom prst="rect">
-            <a:avLst/>
-          </a:prstGeom>
-          <a:noFill/>
-        </p:spPr>
-        <p:txBody>
-          <a:bodyPr wrap="none" rtlCol="0">
-            <a:spAutoFit/>
-          </a:bodyPr>
-          <a:lstStyle/>
-          <a:p>
-            <a:r>
-              <a:rPr lang="ko-KR" altLang="en-US" dirty="0"/>
-              <a:t>→</a:t>
-            </a:r>
-            <a:endParaRPr lang="ko-KR" altLang="en-US" sz="1600" dirty="0">
-              <a:latin typeface="Arial Black" panose="020B0A04020102020204" pitchFamily="34" charset="0"/>
-            </a:endParaRPr>
-          </a:p>
-        </p:txBody>
-      </p:sp>
-      <p:sp>
-        <p:nvSpPr>
-          <p:cNvPr id="46" name="TextBox 45"/>
-          <p:cNvSpPr txBox="1"/>
-          <p:nvPr/>
-        </p:nvSpPr>
-        <p:spPr>
-          <a:xfrm>
-            <a:off x="1934741" y="3334546"/>
-            <a:ext cx="332142" cy="338554"/>
-          </a:xfrm>
-          <a:prstGeom prst="rect">
-            <a:avLst/>
-          </a:prstGeom>
-          <a:noFill/>
-        </p:spPr>
-        <p:txBody>
-          <a:bodyPr wrap="square" rtlCol="0">
-            <a:spAutoFit/>
-          </a:bodyPr>
-          <a:lstStyle/>
-          <a:p>
-            <a:r>
-              <a:rPr lang="en-US" altLang="ko-KR" sz="1600" dirty="0">
-                <a:latin typeface="Arial Black" panose="020B0A04020102020204" pitchFamily="34" charset="0"/>
-              </a:rPr>
-              <a:t>Z</a:t>
-            </a:r>
-            <a:endParaRPr lang="ko-KR" altLang="en-US" sz="1600" dirty="0">
-              <a:latin typeface="Arial Black" panose="020B0A04020102020204" pitchFamily="34" charset="0"/>
-            </a:endParaRPr>
-          </a:p>
-        </p:txBody>
-      </p:sp>
-      <p:sp>
-        <p:nvSpPr>
-          <p:cNvPr id="47" name="TextBox 46"/>
-          <p:cNvSpPr txBox="1"/>
-          <p:nvPr/>
-        </p:nvSpPr>
-        <p:spPr>
-          <a:xfrm>
-            <a:off x="1956739" y="4949655"/>
-            <a:ext cx="708848" cy="338554"/>
-          </a:xfrm>
-          <a:prstGeom prst="rect">
-            <a:avLst/>
-          </a:prstGeom>
-          <a:noFill/>
-        </p:spPr>
-        <p:txBody>
-          <a:bodyPr wrap="none" rtlCol="0">
-            <a:spAutoFit/>
-          </a:bodyPr>
-          <a:lstStyle/>
-          <a:p>
-            <a:r>
-              <a:rPr lang="en-US" altLang="ko-KR" sz="1600" dirty="0">
-                <a:latin typeface="Arial Black" panose="020B0A04020102020204" pitchFamily="34" charset="0"/>
-              </a:rPr>
-              <a:t>Shift</a:t>
-            </a:r>
-            <a:endParaRPr lang="ko-KR" altLang="en-US" sz="1600" dirty="0">
-              <a:latin typeface="Arial Black" panose="020B0A04020102020204" pitchFamily="34" charset="0"/>
-            </a:endParaRPr>
-          </a:p>
-        </p:txBody>
-      </p:sp>
-      <p:sp>
-        <p:nvSpPr>
-          <p:cNvPr id="48" name="TextBox 47"/>
-          <p:cNvSpPr txBox="1"/>
-          <p:nvPr/>
-        </p:nvSpPr>
-        <p:spPr>
-          <a:xfrm>
-            <a:off x="1956739" y="5756157"/>
-            <a:ext cx="603435" cy="338554"/>
-          </a:xfrm>
-          <a:prstGeom prst="rect">
-            <a:avLst/>
-          </a:prstGeom>
-          <a:noFill/>
-        </p:spPr>
-        <p:txBody>
-          <a:bodyPr wrap="none" rtlCol="0">
-            <a:spAutoFit/>
-          </a:bodyPr>
-          <a:lstStyle/>
-          <a:p>
-            <a:r>
-              <a:rPr lang="en-US" altLang="ko-KR" sz="1600" dirty="0">
-                <a:latin typeface="Arial Black" panose="020B0A04020102020204" pitchFamily="34" charset="0"/>
-              </a:rPr>
-              <a:t>Ctrl</a:t>
-            </a:r>
-            <a:endParaRPr lang="ko-KR" altLang="en-US" sz="1600" dirty="0">
-              <a:latin typeface="Arial Black" panose="020B0A04020102020204" pitchFamily="34" charset="0"/>
-            </a:endParaRPr>
-          </a:p>
-        </p:txBody>
-      </p:sp>
-      <p:sp>
-        <p:nvSpPr>
-          <p:cNvPr id="49" name="TextBox 48"/>
-          <p:cNvSpPr txBox="1"/>
-          <p:nvPr/>
-        </p:nvSpPr>
-        <p:spPr>
-          <a:xfrm>
-            <a:off x="1934741" y="2255261"/>
-            <a:ext cx="320922" cy="338554"/>
-          </a:xfrm>
-          <a:prstGeom prst="rect">
-            <a:avLst/>
-          </a:prstGeom>
-          <a:noFill/>
-        </p:spPr>
-        <p:txBody>
-          <a:bodyPr wrap="none" rtlCol="0">
-            <a:spAutoFit/>
-          </a:bodyPr>
-          <a:lstStyle/>
-          <a:p>
-            <a:r>
-              <a:rPr lang="en-US" altLang="ko-KR" sz="1600" dirty="0">
-                <a:latin typeface="Arial Black" panose="020B0A04020102020204" pitchFamily="34" charset="0"/>
-              </a:rPr>
-              <a:t>F</a:t>
-            </a:r>
-            <a:endParaRPr lang="ko-KR" altLang="en-US" sz="1600" dirty="0">
-              <a:latin typeface="Arial Black" panose="020B0A04020102020204" pitchFamily="34" charset="0"/>
-            </a:endParaRPr>
-          </a:p>
-        </p:txBody>
-      </p:sp>
-      <p:sp>
-        <p:nvSpPr>
-          <p:cNvPr id="50" name="TextBox 49"/>
-          <p:cNvSpPr txBox="1"/>
-          <p:nvPr/>
-        </p:nvSpPr>
-        <p:spPr>
-          <a:xfrm>
-            <a:off x="6970910" y="4132403"/>
-            <a:ext cx="344966" cy="338554"/>
-          </a:xfrm>
-          <a:prstGeom prst="rect">
-            <a:avLst/>
-          </a:prstGeom>
-          <a:noFill/>
-        </p:spPr>
-        <p:txBody>
-          <a:bodyPr wrap="square" rtlCol="0">
-            <a:spAutoFit/>
-          </a:bodyPr>
-          <a:lstStyle/>
-          <a:p>
-            <a:r>
-              <a:rPr lang="en-US" altLang="ko-KR" sz="1600" dirty="0">
-                <a:latin typeface="Arial Black" panose="020B0A04020102020204" pitchFamily="34" charset="0"/>
-              </a:rPr>
-              <a:t>/</a:t>
-            </a:r>
-            <a:endParaRPr lang="ko-KR" altLang="en-US" sz="1600" dirty="0">
-              <a:latin typeface="Arial Black" panose="020B0A04020102020204" pitchFamily="34" charset="0"/>
-            </a:endParaRPr>
-          </a:p>
-        </p:txBody>
-      </p:sp>
-      <p:sp>
-        <p:nvSpPr>
-          <p:cNvPr id="51" name="TextBox 50"/>
-          <p:cNvSpPr txBox="1"/>
-          <p:nvPr/>
-        </p:nvSpPr>
-        <p:spPr>
-          <a:xfrm>
-            <a:off x="6970910" y="3334546"/>
-            <a:ext cx="332142" cy="338554"/>
-          </a:xfrm>
-          <a:prstGeom prst="rect">
-            <a:avLst/>
-          </a:prstGeom>
-          <a:noFill/>
-        </p:spPr>
-        <p:txBody>
-          <a:bodyPr wrap="square" rtlCol="0">
-            <a:spAutoFit/>
-          </a:bodyPr>
-          <a:lstStyle/>
-          <a:p>
-            <a:r>
-              <a:rPr lang="en-US" altLang="ko-KR" sz="1600" dirty="0">
-                <a:latin typeface="Arial Black" panose="020B0A04020102020204" pitchFamily="34" charset="0"/>
-              </a:rPr>
-              <a:t>.</a:t>
-            </a:r>
-            <a:endParaRPr lang="ko-KR" altLang="en-US" sz="1600" dirty="0">
-              <a:latin typeface="Arial Black" panose="020B0A04020102020204" pitchFamily="34" charset="0"/>
-            </a:endParaRPr>
-          </a:p>
-        </p:txBody>
-      </p:sp>
-      <p:sp>
-        <p:nvSpPr>
-          <p:cNvPr id="52" name="TextBox 51"/>
-          <p:cNvSpPr txBox="1"/>
-          <p:nvPr/>
-        </p:nvSpPr>
-        <p:spPr>
-          <a:xfrm>
-            <a:off x="6970910" y="5728270"/>
-            <a:ext cx="344966" cy="338554"/>
-          </a:xfrm>
-          <a:prstGeom prst="rect">
-            <a:avLst/>
-          </a:prstGeom>
-          <a:noFill/>
-        </p:spPr>
-        <p:txBody>
-          <a:bodyPr wrap="square" rtlCol="0">
-            <a:spAutoFit/>
-          </a:bodyPr>
-          <a:lstStyle/>
-          <a:p>
-            <a:r>
-              <a:rPr lang="en-US" altLang="ko-KR" sz="1600" dirty="0">
-                <a:latin typeface="Arial Black" panose="020B0A04020102020204" pitchFamily="34" charset="0"/>
-              </a:rPr>
-              <a:t>M</a:t>
-            </a:r>
-            <a:endParaRPr lang="ko-KR" altLang="en-US" sz="1600" dirty="0">
-              <a:latin typeface="Arial Black" panose="020B0A04020102020204" pitchFamily="34" charset="0"/>
-            </a:endParaRPr>
-          </a:p>
-        </p:txBody>
-      </p:sp>
-      <p:sp>
-        <p:nvSpPr>
-          <p:cNvPr id="53" name="TextBox 52"/>
-          <p:cNvSpPr txBox="1"/>
-          <p:nvPr/>
-        </p:nvSpPr>
-        <p:spPr>
-          <a:xfrm>
-            <a:off x="6970910" y="4930413"/>
-            <a:ext cx="332142" cy="338554"/>
-          </a:xfrm>
-          <a:prstGeom prst="rect">
-            <a:avLst/>
-          </a:prstGeom>
-          <a:noFill/>
-        </p:spPr>
-        <p:txBody>
-          <a:bodyPr wrap="square" rtlCol="0">
-            <a:spAutoFit/>
-          </a:bodyPr>
-          <a:lstStyle/>
-          <a:p>
-            <a:r>
-              <a:rPr lang="en-US" altLang="ko-KR" sz="1600" dirty="0">
-                <a:latin typeface="Arial Black" panose="020B0A04020102020204" pitchFamily="34" charset="0"/>
-              </a:rPr>
-              <a:t>,</a:t>
-            </a:r>
-            <a:endParaRPr lang="ko-KR" altLang="en-US" sz="1600" dirty="0">
-              <a:latin typeface="Arial Black" panose="020B0A04020102020204" pitchFamily="34" charset="0"/>
-            </a:endParaRPr>
-          </a:p>
-        </p:txBody>
-      </p:sp>
-      <p:sp>
-        <p:nvSpPr>
-          <p:cNvPr id="55" name="TextBox 54"/>
-          <p:cNvSpPr txBox="1"/>
-          <p:nvPr/>
-        </p:nvSpPr>
-        <p:spPr>
-          <a:xfrm>
-            <a:off x="1853668" y="892075"/>
-            <a:ext cx="1018612" cy="369332"/>
-          </a:xfrm>
-          <a:prstGeom prst="rect">
-            <a:avLst/>
-          </a:prstGeom>
-          <a:noFill/>
-        </p:spPr>
-        <p:txBody>
-          <a:bodyPr wrap="none" rtlCol="0">
-            <a:spAutoFit/>
-          </a:bodyPr>
-          <a:lstStyle/>
-          <a:p>
-            <a:r>
-              <a:rPr lang="en-US" altLang="ko-KR" dirty="0">
-                <a:solidFill>
-                  <a:schemeClr val="bg1"/>
-                </a:solidFill>
-              </a:rPr>
-              <a:t>Player 1</a:t>
-            </a:r>
-            <a:endParaRPr lang="ko-KR" altLang="en-US" dirty="0">
-              <a:solidFill>
-                <a:schemeClr val="bg1"/>
-              </a:solidFill>
-            </a:endParaRPr>
-          </a:p>
-        </p:txBody>
-      </p:sp>
-      <p:sp>
-        <p:nvSpPr>
-          <p:cNvPr id="56" name="TextBox 55"/>
-          <p:cNvSpPr txBox="1"/>
-          <p:nvPr/>
-        </p:nvSpPr>
-        <p:spPr>
-          <a:xfrm>
-            <a:off x="5952298" y="892075"/>
-            <a:ext cx="1018612" cy="369332"/>
-          </a:xfrm>
-          <a:prstGeom prst="rect">
-            <a:avLst/>
-          </a:prstGeom>
-          <a:noFill/>
-        </p:spPr>
-        <p:txBody>
-          <a:bodyPr wrap="none" rtlCol="0">
-            <a:spAutoFit/>
-          </a:bodyPr>
-          <a:lstStyle/>
-          <a:p>
-            <a:r>
-              <a:rPr lang="en-US" altLang="ko-KR" dirty="0">
-                <a:solidFill>
-                  <a:schemeClr val="bg1"/>
-                </a:solidFill>
-              </a:rPr>
-              <a:t>Player 2</a:t>
-            </a:r>
-            <a:endParaRPr lang="ko-KR" altLang="en-US" dirty="0">
-              <a:solidFill>
-                <a:schemeClr val="bg1"/>
-              </a:solidFill>
-            </a:endParaRPr>
-          </a:p>
-        </p:txBody>
-      </p:sp>
-      <p:sp>
-        <p:nvSpPr>
-          <p:cNvPr id="57" name="직사각형 56"/>
-          <p:cNvSpPr/>
-          <p:nvPr/>
-        </p:nvSpPr>
-        <p:spPr>
-          <a:xfrm>
-            <a:off x="1587752" y="333617"/>
-            <a:ext cx="2939512" cy="362874"/>
-          </a:xfrm>
-          <a:prstGeom prst="rect">
-            <a:avLst/>
-          </a:prstGeom>
-          <a:solidFill>
-            <a:srgbClr val="010101"/>
-          </a:solidFill>
-          <a:ln>
-            <a:noFill/>
-          </a:ln>
-        </p:spPr>
-        <p:style>
-          <a:lnRef idx="2">
-            <a:schemeClr val="accent1">
-              <a:shade val="50000"/>
-            </a:schemeClr>
-          </a:lnRef>
-          <a:fillRef idx="1">
-            <a:schemeClr val="accent1"/>
-          </a:fillRef>
-          <a:effectRef idx="0">
-            <a:schemeClr val="accent1"/>
-          </a:effectRef>
-          <a:fontRef idx="minor">
-            <a:schemeClr val="lt1"/>
-          </a:fontRef>
-        </p:style>
-        <p:txBody>
-          <a:bodyPr rtlCol="0" anchor="ctr"/>
-          <a:lstStyle/>
-          <a:p>
-            <a:r>
-              <a:rPr lang="en-US" altLang="ko-KR" sz="2400" dirty="0"/>
-              <a:t>Keyboard Control</a:t>
-            </a:r>
-            <a:endParaRPr lang="ko-KR" altLang="en-US" sz="2400" dirty="0"/>
-          </a:p>
-        </p:txBody>
-      </p:sp>
     </p:spTree>
     <p:extLst>
       <p:ext uri="{BB962C8B-B14F-4D97-AF65-F5344CB8AC3E}">
@@ -7684,7 +8220,7 @@
           </a:effectLst>
           <a:extLst>
             <a:ext uri="{C572A759-6A51-4108-AA02-DFA0A04FC94B}">
-              <ma14:wrappingTextBoxFlag xmlns:ma14="http://schemas.microsoft.com/office/mac/drawingml/2011/main" xmlns="" val="1"/>
+              <ma14:wrappingTextBoxFlag xmlns="" xmlns:ma14="http://schemas.microsoft.com/office/mac/drawingml/2011/main" val="1"/>
             </a:ext>
           </a:extLst>
         </p:spPr>
@@ -7783,7 +8319,7 @@
           </a:ln>
           <a:extLst>
             <a:ext uri="{C572A759-6A51-4108-AA02-DFA0A04FC94B}">
-              <ma14:wrappingTextBoxFlag xmlns:ma14="http://schemas.microsoft.com/office/mac/drawingml/2011/main" xmlns="" val="1"/>
+              <ma14:wrappingTextBoxFlag xmlns="" xmlns:ma14="http://schemas.microsoft.com/office/mac/drawingml/2011/main" val="1"/>
             </a:ext>
           </a:extLst>
         </p:spPr>
@@ -7819,7 +8355,7 @@
           </a:ln>
           <a:extLst>
             <a:ext uri="{C572A759-6A51-4108-AA02-DFA0A04FC94B}">
-              <ma14:wrappingTextBoxFlag xmlns:ma14="http://schemas.microsoft.com/office/mac/drawingml/2011/main" xmlns="" val="1"/>
+              <ma14:wrappingTextBoxFlag xmlns="" xmlns:ma14="http://schemas.microsoft.com/office/mac/drawingml/2011/main" val="1"/>
             </a:ext>
           </a:extLst>
         </p:spPr>
@@ -7864,7 +8400,7 @@
           </a:ln>
           <a:extLst>
             <a:ext uri="{C572A759-6A51-4108-AA02-DFA0A04FC94B}">
-              <ma14:wrappingTextBoxFlag xmlns:ma14="http://schemas.microsoft.com/office/mac/drawingml/2011/main" xmlns="" val="1"/>
+              <ma14:wrappingTextBoxFlag xmlns="" xmlns:ma14="http://schemas.microsoft.com/office/mac/drawingml/2011/main" val="1"/>
             </a:ext>
           </a:extLst>
         </p:spPr>
@@ -7927,7 +8463,7 @@
           </a:ln>
           <a:extLst>
             <a:ext uri="{C572A759-6A51-4108-AA02-DFA0A04FC94B}">
-              <ma14:wrappingTextBoxFlag xmlns:ma14="http://schemas.microsoft.com/office/mac/drawingml/2011/main" xmlns="" val="1"/>
+              <ma14:wrappingTextBoxFlag xmlns="" xmlns:ma14="http://schemas.microsoft.com/office/mac/drawingml/2011/main" val="1"/>
             </a:ext>
           </a:extLst>
         </p:spPr>
@@ -7984,7 +8520,7 @@
           </a:ln>
           <a:extLst>
             <a:ext uri="{C572A759-6A51-4108-AA02-DFA0A04FC94B}">
-              <ma14:wrappingTextBoxFlag xmlns:ma14="http://schemas.microsoft.com/office/mac/drawingml/2011/main" xmlns="" val="1"/>
+              <ma14:wrappingTextBoxFlag xmlns="" xmlns:ma14="http://schemas.microsoft.com/office/mac/drawingml/2011/main" val="1"/>
             </a:ext>
           </a:extLst>
         </p:spPr>
@@ -8035,7 +8571,7 @@
           </a:ln>
           <a:extLst>
             <a:ext uri="{C572A759-6A51-4108-AA02-DFA0A04FC94B}">
-              <ma14:wrappingTextBoxFlag xmlns:ma14="http://schemas.microsoft.com/office/mac/drawingml/2011/main" xmlns="" val="1"/>
+              <ma14:wrappingTextBoxFlag xmlns="" xmlns:ma14="http://schemas.microsoft.com/office/mac/drawingml/2011/main" val="1"/>
             </a:ext>
           </a:extLst>
         </p:spPr>
@@ -19270,7 +19806,7 @@
           </a:ln>
           <a:extLst>
             <a:ext uri="{C572A759-6A51-4108-AA02-DFA0A04FC94B}">
-              <ma14:wrappingTextBoxFlag xmlns:ma14="http://schemas.microsoft.com/office/mac/drawingml/2011/main" xmlns="" val="1"/>
+              <ma14:wrappingTextBoxFlag xmlns="" xmlns:ma14="http://schemas.microsoft.com/office/mac/drawingml/2011/main" val="1"/>
             </a:ext>
           </a:extLst>
         </p:spPr>
@@ -19413,7 +19949,7 @@
           </a:effectLst>
           <a:extLst>
             <a:ext uri="{C572A759-6A51-4108-AA02-DFA0A04FC94B}">
-              <ma14:wrappingTextBoxFlag xmlns:ma14="http://schemas.microsoft.com/office/mac/drawingml/2011/main" xmlns="" val="1"/>
+              <ma14:wrappingTextBoxFlag xmlns="" xmlns:ma14="http://schemas.microsoft.com/office/mac/drawingml/2011/main" val="1"/>
             </a:ext>
           </a:extLst>
         </p:spPr>
@@ -19466,7 +20002,7 @@
           </a:effectLst>
           <a:extLst>
             <a:ext uri="{C572A759-6A51-4108-AA02-DFA0A04FC94B}">
-              <ma14:wrappingTextBoxFlag xmlns:ma14="http://schemas.microsoft.com/office/mac/drawingml/2011/main" xmlns="" val="1"/>
+              <ma14:wrappingTextBoxFlag xmlns="" xmlns:ma14="http://schemas.microsoft.com/office/mac/drawingml/2011/main" val="1"/>
             </a:ext>
           </a:extLst>
         </p:spPr>
@@ -19519,7 +20055,7 @@
           </a:effectLst>
           <a:extLst>
             <a:ext uri="{C572A759-6A51-4108-AA02-DFA0A04FC94B}">
-              <ma14:wrappingTextBoxFlag xmlns:ma14="http://schemas.microsoft.com/office/mac/drawingml/2011/main" xmlns="" val="1"/>
+              <ma14:wrappingTextBoxFlag xmlns="" xmlns:ma14="http://schemas.microsoft.com/office/mac/drawingml/2011/main" val="1"/>
             </a:ext>
           </a:extLst>
         </p:spPr>
@@ -19571,7 +20107,7 @@
           </a:effectLst>
           <a:extLst>
             <a:ext uri="{C572A759-6A51-4108-AA02-DFA0A04FC94B}">
-              <ma14:wrappingTextBoxFlag xmlns:ma14="http://schemas.microsoft.com/office/mac/drawingml/2011/main" xmlns="" val="1"/>
+              <ma14:wrappingTextBoxFlag xmlns="" xmlns:ma14="http://schemas.microsoft.com/office/mac/drawingml/2011/main" val="1"/>
             </a:ext>
           </a:extLst>
         </p:spPr>
@@ -19624,7 +20160,7 @@
           </a:effectLst>
           <a:extLst>
             <a:ext uri="{C572A759-6A51-4108-AA02-DFA0A04FC94B}">
-              <ma14:wrappingTextBoxFlag xmlns:ma14="http://schemas.microsoft.com/office/mac/drawingml/2011/main" xmlns="" val="1"/>
+              <ma14:wrappingTextBoxFlag xmlns="" xmlns:ma14="http://schemas.microsoft.com/office/mac/drawingml/2011/main" val="1"/>
             </a:ext>
           </a:extLst>
         </p:spPr>
@@ -19673,7 +20209,7 @@
           </a:ln>
           <a:extLst>
             <a:ext uri="{C572A759-6A51-4108-AA02-DFA0A04FC94B}">
-              <ma14:wrappingTextBoxFlag xmlns:ma14="http://schemas.microsoft.com/office/mac/drawingml/2011/main" xmlns="" val="1"/>
+              <ma14:wrappingTextBoxFlag xmlns="" xmlns:ma14="http://schemas.microsoft.com/office/mac/drawingml/2011/main" val="1"/>
             </a:ext>
           </a:extLst>
         </p:spPr>
@@ -19730,7 +20266,7 @@
           </a:ln>
           <a:extLst>
             <a:ext uri="{C572A759-6A51-4108-AA02-DFA0A04FC94B}">
-              <ma14:wrappingTextBoxFlag xmlns:ma14="http://schemas.microsoft.com/office/mac/drawingml/2011/main" xmlns="" val="1"/>
+              <ma14:wrappingTextBoxFlag xmlns="" xmlns:ma14="http://schemas.microsoft.com/office/mac/drawingml/2011/main" val="1"/>
             </a:ext>
           </a:extLst>
         </p:spPr>
@@ -19786,7 +20322,7 @@
           </a:ln>
           <a:extLst>
             <a:ext uri="{C572A759-6A51-4108-AA02-DFA0A04FC94B}">
-              <ma14:wrappingTextBoxFlag xmlns:ma14="http://schemas.microsoft.com/office/mac/drawingml/2011/main" xmlns="" val="1"/>
+              <ma14:wrappingTextBoxFlag xmlns="" xmlns:ma14="http://schemas.microsoft.com/office/mac/drawingml/2011/main" val="1"/>
             </a:ext>
           </a:extLst>
         </p:spPr>
@@ -19856,7 +20392,7 @@
           </a:ln>
           <a:extLst>
             <a:ext uri="{C572A759-6A51-4108-AA02-DFA0A04FC94B}">
-              <ma14:wrappingTextBoxFlag xmlns:ma14="http://schemas.microsoft.com/office/mac/drawingml/2011/main" xmlns="" val="1"/>
+              <ma14:wrappingTextBoxFlag xmlns="" xmlns:ma14="http://schemas.microsoft.com/office/mac/drawingml/2011/main" val="1"/>
             </a:ext>
           </a:extLst>
         </p:spPr>
@@ -20100,7 +20636,7 @@
           </a:ln>
           <a:extLst>
             <a:ext uri="{C572A759-6A51-4108-AA02-DFA0A04FC94B}">
-              <ma14:wrappingTextBoxFlag xmlns:ma14="http://schemas.microsoft.com/office/mac/drawingml/2011/main" xmlns="" val="1"/>
+              <ma14:wrappingTextBoxFlag xmlns="" xmlns:ma14="http://schemas.microsoft.com/office/mac/drawingml/2011/main" val="1"/>
             </a:ext>
           </a:extLst>
         </p:spPr>
@@ -22265,7 +22801,7 @@
             </a:ln>
             <a:extLst>
               <a:ext uri="{C572A759-6A51-4108-AA02-DFA0A04FC94B}">
-                <ma14:wrappingTextBoxFlag xmlns:ma14="http://schemas.microsoft.com/office/mac/drawingml/2011/main" xmlns="" val="1"/>
+                <ma14:wrappingTextBoxFlag xmlns="" xmlns:ma14="http://schemas.microsoft.com/office/mac/drawingml/2011/main" val="1"/>
               </a:ext>
             </a:extLst>
           </p:spPr>
@@ -22309,7 +22845,7 @@
             </a:ln>
             <a:extLst>
               <a:ext uri="{C572A759-6A51-4108-AA02-DFA0A04FC94B}">
-                <ma14:wrappingTextBoxFlag xmlns:ma14="http://schemas.microsoft.com/office/mac/drawingml/2011/main" xmlns="" val="1"/>
+                <ma14:wrappingTextBoxFlag xmlns="" xmlns:ma14="http://schemas.microsoft.com/office/mac/drawingml/2011/main" val="1"/>
               </a:ext>
             </a:extLst>
           </p:spPr>
@@ -22353,7 +22889,7 @@
             </a:ln>
             <a:extLst>
               <a:ext uri="{C572A759-6A51-4108-AA02-DFA0A04FC94B}">
-                <ma14:wrappingTextBoxFlag xmlns:ma14="http://schemas.microsoft.com/office/mac/drawingml/2011/main" xmlns="" val="1"/>
+                <ma14:wrappingTextBoxFlag xmlns="" xmlns:ma14="http://schemas.microsoft.com/office/mac/drawingml/2011/main" val="1"/>
               </a:ext>
             </a:extLst>
           </p:spPr>
@@ -22514,7 +23050,7 @@
             </a:effectLst>
             <a:extLst>
               <a:ext uri="{C572A759-6A51-4108-AA02-DFA0A04FC94B}">
-                <ma14:wrappingTextBoxFlag xmlns:ma14="http://schemas.microsoft.com/office/mac/drawingml/2011/main" xmlns="" val="1"/>
+                <ma14:wrappingTextBoxFlag xmlns="" xmlns:ma14="http://schemas.microsoft.com/office/mac/drawingml/2011/main" val="1"/>
               </a:ext>
             </a:extLst>
           </p:spPr>
@@ -22574,7 +23110,7 @@
             </a:effectLst>
             <a:extLst>
               <a:ext uri="{C572A759-6A51-4108-AA02-DFA0A04FC94B}">
-                <ma14:wrappingTextBoxFlag xmlns:ma14="http://schemas.microsoft.com/office/mac/drawingml/2011/main" xmlns="" val="1"/>
+                <ma14:wrappingTextBoxFlag xmlns="" xmlns:ma14="http://schemas.microsoft.com/office/mac/drawingml/2011/main" val="1"/>
               </a:ext>
             </a:extLst>
           </p:spPr>
@@ -22629,7 +23165,7 @@
             </a:effectLst>
             <a:extLst>
               <a:ext uri="{C572A759-6A51-4108-AA02-DFA0A04FC94B}">
-                <ma14:wrappingTextBoxFlag xmlns:ma14="http://schemas.microsoft.com/office/mac/drawingml/2011/main" xmlns="" val="1"/>
+                <ma14:wrappingTextBoxFlag xmlns="" xmlns:ma14="http://schemas.microsoft.com/office/mac/drawingml/2011/main" val="1"/>
               </a:ext>
             </a:extLst>
           </p:spPr>
@@ -22673,7 +23209,7 @@
             </a:ln>
             <a:extLst>
               <a:ext uri="{C572A759-6A51-4108-AA02-DFA0A04FC94B}">
-                <ma14:wrappingTextBoxFlag xmlns:ma14="http://schemas.microsoft.com/office/mac/drawingml/2011/main" xmlns="" val="1"/>
+                <ma14:wrappingTextBoxFlag xmlns="" xmlns:ma14="http://schemas.microsoft.com/office/mac/drawingml/2011/main" val="1"/>
               </a:ext>
             </a:extLst>
           </p:spPr>
@@ -22868,7 +23404,7 @@
             </a:effectLst>
             <a:extLst>
               <a:ext uri="{C572A759-6A51-4108-AA02-DFA0A04FC94B}">
-                <ma14:wrappingTextBoxFlag xmlns:ma14="http://schemas.microsoft.com/office/mac/drawingml/2011/main" xmlns="" val="1"/>
+                <ma14:wrappingTextBoxFlag xmlns="" xmlns:ma14="http://schemas.microsoft.com/office/mac/drawingml/2011/main" val="1"/>
               </a:ext>
             </a:extLst>
           </p:spPr>
@@ -24212,7 +24748,7 @@
             </a:effectLst>
             <a:extLst>
               <a:ext uri="{C572A759-6A51-4108-AA02-DFA0A04FC94B}">
-                <ma14:wrappingTextBoxFlag xmlns:ma14="http://schemas.microsoft.com/office/mac/drawingml/2011/main" xmlns="" val="1"/>
+                <ma14:wrappingTextBoxFlag xmlns="" xmlns:ma14="http://schemas.microsoft.com/office/mac/drawingml/2011/main" val="1"/>
               </a:ext>
             </a:extLst>
           </p:spPr>
@@ -24266,7 +24802,7 @@
             </a:effectLst>
             <a:extLst>
               <a:ext uri="{C572A759-6A51-4108-AA02-DFA0A04FC94B}">
-                <ma14:wrappingTextBoxFlag xmlns:ma14="http://schemas.microsoft.com/office/mac/drawingml/2011/main" xmlns="" val="1"/>
+                <ma14:wrappingTextBoxFlag xmlns="" xmlns:ma14="http://schemas.microsoft.com/office/mac/drawingml/2011/main" val="1"/>
               </a:ext>
             </a:extLst>
           </p:spPr>
@@ -24320,7 +24856,7 @@
             </a:effectLst>
             <a:extLst>
               <a:ext uri="{C572A759-6A51-4108-AA02-DFA0A04FC94B}">
-                <ma14:wrappingTextBoxFlag xmlns:ma14="http://schemas.microsoft.com/office/mac/drawingml/2011/main" xmlns="" val="1"/>
+                <ma14:wrappingTextBoxFlag xmlns="" xmlns:ma14="http://schemas.microsoft.com/office/mac/drawingml/2011/main" val="1"/>
               </a:ext>
             </a:extLst>
           </p:spPr>
@@ -24364,7 +24900,7 @@
             </a:ln>
             <a:extLst>
               <a:ext uri="{C572A759-6A51-4108-AA02-DFA0A04FC94B}">
-                <ma14:wrappingTextBoxFlag xmlns:ma14="http://schemas.microsoft.com/office/mac/drawingml/2011/main" xmlns="" val="1"/>
+                <ma14:wrappingTextBoxFlag xmlns="" xmlns:ma14="http://schemas.microsoft.com/office/mac/drawingml/2011/main" val="1"/>
               </a:ext>
             </a:extLst>
           </p:spPr>
@@ -24502,7 +25038,7 @@
             </a:ln>
             <a:extLst>
               <a:ext uri="{C572A759-6A51-4108-AA02-DFA0A04FC94B}">
-                <ma14:wrappingTextBoxFlag xmlns:ma14="http://schemas.microsoft.com/office/mac/drawingml/2011/main" xmlns="" val="1"/>
+                <ma14:wrappingTextBoxFlag xmlns="" xmlns:ma14="http://schemas.microsoft.com/office/mac/drawingml/2011/main" val="1"/>
               </a:ext>
             </a:extLst>
           </p:spPr>
@@ -24555,7 +25091,7 @@
             </a:ln>
             <a:extLst>
               <a:ext uri="{C572A759-6A51-4108-AA02-DFA0A04FC94B}">
-                <ma14:wrappingTextBoxFlag xmlns:ma14="http://schemas.microsoft.com/office/mac/drawingml/2011/main" xmlns="" val="1"/>
+                <ma14:wrappingTextBoxFlag xmlns="" xmlns:ma14="http://schemas.microsoft.com/office/mac/drawingml/2011/main" val="1"/>
               </a:ext>
             </a:extLst>
           </p:spPr>
@@ -24624,7 +25160,7 @@
             </a:ln>
             <a:extLst>
               <a:ext uri="{C572A759-6A51-4108-AA02-DFA0A04FC94B}">
-                <ma14:wrappingTextBoxFlag xmlns:ma14="http://schemas.microsoft.com/office/mac/drawingml/2011/main" xmlns="" val="1"/>
+                <ma14:wrappingTextBoxFlag xmlns="" xmlns:ma14="http://schemas.microsoft.com/office/mac/drawingml/2011/main" val="1"/>
               </a:ext>
             </a:extLst>
           </p:spPr>
@@ -24765,7 +25301,7 @@
             </a:ln>
             <a:extLst>
               <a:ext uri="{C572A759-6A51-4108-AA02-DFA0A04FC94B}">
-                <ma14:wrappingTextBoxFlag xmlns:ma14="http://schemas.microsoft.com/office/mac/drawingml/2011/main" xmlns="" val="1"/>
+                <ma14:wrappingTextBoxFlag xmlns="" xmlns:ma14="http://schemas.microsoft.com/office/mac/drawingml/2011/main" val="1"/>
               </a:ext>
             </a:extLst>
           </p:spPr>
@@ -24954,7 +25490,7 @@
             </a:ln>
             <a:extLst>
               <a:ext uri="{C572A759-6A51-4108-AA02-DFA0A04FC94B}">
-                <ma14:wrappingTextBoxFlag xmlns:ma14="http://schemas.microsoft.com/office/mac/drawingml/2011/main" xmlns="" val="1"/>
+                <ma14:wrappingTextBoxFlag xmlns="" xmlns:ma14="http://schemas.microsoft.com/office/mac/drawingml/2011/main" val="1"/>
               </a:ext>
             </a:extLst>
           </p:spPr>
@@ -25022,7 +25558,7 @@
             </a:effectLst>
             <a:extLst>
               <a:ext uri="{C572A759-6A51-4108-AA02-DFA0A04FC94B}">
-                <ma14:wrappingTextBoxFlag xmlns:ma14="http://schemas.microsoft.com/office/mac/drawingml/2011/main" xmlns="" val="1"/>
+                <ma14:wrappingTextBoxFlag xmlns="" xmlns:ma14="http://schemas.microsoft.com/office/mac/drawingml/2011/main" val="1"/>
               </a:ext>
             </a:extLst>
           </p:spPr>
@@ -25076,7 +25612,7 @@
             </a:effectLst>
             <a:extLst>
               <a:ext uri="{C572A759-6A51-4108-AA02-DFA0A04FC94B}">
-                <ma14:wrappingTextBoxFlag xmlns:ma14="http://schemas.microsoft.com/office/mac/drawingml/2011/main" xmlns="" val="1"/>
+                <ma14:wrappingTextBoxFlag xmlns="" xmlns:ma14="http://schemas.microsoft.com/office/mac/drawingml/2011/main" val="1"/>
               </a:ext>
             </a:extLst>
           </p:spPr>
@@ -25132,7 +25668,7 @@
             </a:effectLst>
             <a:extLst>
               <a:ext uri="{C572A759-6A51-4108-AA02-DFA0A04FC94B}">
-                <ma14:wrappingTextBoxFlag xmlns:ma14="http://schemas.microsoft.com/office/mac/drawingml/2011/main" xmlns="" val="1"/>
+                <ma14:wrappingTextBoxFlag xmlns="" xmlns:ma14="http://schemas.microsoft.com/office/mac/drawingml/2011/main" val="1"/>
               </a:ext>
             </a:extLst>
           </p:spPr>

--- a/Plan/Rocketman_씬&스킬구성.pptx
+++ b/Plan/Rocketman_씬&스킬구성.pptx
@@ -5,7 +5,7 @@
     <p:sldMasterId id="2147483648" r:id="rId1"/>
   </p:sldMasterIdLst>
   <p:notesMasterIdLst>
-    <p:notesMasterId r:id="rId30"/>
+    <p:notesMasterId r:id="rId31"/>
   </p:notesMasterIdLst>
   <p:sldIdLst>
     <p:sldId id="287" r:id="rId2"/>
@@ -24,18 +24,19 @@
     <p:sldId id="269" r:id="rId15"/>
     <p:sldId id="282" r:id="rId16"/>
     <p:sldId id="290" r:id="rId17"/>
-    <p:sldId id="283" r:id="rId18"/>
-    <p:sldId id="289" r:id="rId19"/>
-    <p:sldId id="288" r:id="rId20"/>
-    <p:sldId id="268" r:id="rId21"/>
-    <p:sldId id="264" r:id="rId22"/>
-    <p:sldId id="267" r:id="rId23"/>
-    <p:sldId id="265" r:id="rId24"/>
+    <p:sldId id="296" r:id="rId18"/>
+    <p:sldId id="283" r:id="rId19"/>
+    <p:sldId id="289" r:id="rId20"/>
+    <p:sldId id="288" r:id="rId21"/>
+    <p:sldId id="268" r:id="rId22"/>
+    <p:sldId id="264" r:id="rId23"/>
+    <p:sldId id="267" r:id="rId24"/>
     <p:sldId id="270" r:id="rId25"/>
     <p:sldId id="259" r:id="rId26"/>
     <p:sldId id="261" r:id="rId27"/>
     <p:sldId id="262" r:id="rId28"/>
-    <p:sldId id="263" r:id="rId29"/>
+    <p:sldId id="265" r:id="rId29"/>
+    <p:sldId id="263" r:id="rId30"/>
   </p:sldIdLst>
   <p:sldSz cx="12192000" cy="6858000"/>
   <p:notesSz cx="6858000" cy="9144000"/>
@@ -228,7 +229,7 @@
           <a:p>
             <a:fld id="{57704031-5B01-4F61-8677-73B8A0B9E998}" type="datetimeFigureOut">
               <a:rPr lang="ko-KR" altLang="en-US" smtClean="0"/>
-              <a:t>2017-04-30</a:t>
+              <a:t>2017-05-03</a:t>
             </a:fld>
             <a:endParaRPr lang="ko-KR" altLang="en-US"/>
           </a:p>
@@ -730,7 +731,7 @@
           <a:p>
             <a:fld id="{A8BC77ED-0C25-4572-8E03-EB44A7DCE108}" type="datetimeFigureOut">
               <a:rPr lang="ko-KR" altLang="en-US" smtClean="0"/>
-              <a:t>2017-04-30</a:t>
+              <a:t>2017-05-03</a:t>
             </a:fld>
             <a:endParaRPr lang="ko-KR" altLang="en-US"/>
           </a:p>
@@ -898,7 +899,7 @@
           <a:p>
             <a:fld id="{A8BC77ED-0C25-4572-8E03-EB44A7DCE108}" type="datetimeFigureOut">
               <a:rPr lang="ko-KR" altLang="en-US" smtClean="0"/>
-              <a:t>2017-04-30</a:t>
+              <a:t>2017-05-03</a:t>
             </a:fld>
             <a:endParaRPr lang="ko-KR" altLang="en-US"/>
           </a:p>
@@ -1076,7 +1077,7 @@
           <a:p>
             <a:fld id="{A8BC77ED-0C25-4572-8E03-EB44A7DCE108}" type="datetimeFigureOut">
               <a:rPr lang="ko-KR" altLang="en-US" smtClean="0"/>
-              <a:t>2017-04-30</a:t>
+              <a:t>2017-05-03</a:t>
             </a:fld>
             <a:endParaRPr lang="ko-KR" altLang="en-US"/>
           </a:p>
@@ -1301,7 +1302,7 @@
           <a:p>
             <a:fld id="{A8BC77ED-0C25-4572-8E03-EB44A7DCE108}" type="datetimeFigureOut">
               <a:rPr lang="ko-KR" altLang="en-US" smtClean="0"/>
-              <a:t>2017-04-30</a:t>
+              <a:t>2017-05-03</a:t>
             </a:fld>
             <a:endParaRPr lang="ko-KR" altLang="en-US"/>
           </a:p>
@@ -1546,7 +1547,7 @@
           <a:p>
             <a:fld id="{A8BC77ED-0C25-4572-8E03-EB44A7DCE108}" type="datetimeFigureOut">
               <a:rPr lang="ko-KR" altLang="en-US" smtClean="0"/>
-              <a:t>2017-04-30</a:t>
+              <a:t>2017-05-03</a:t>
             </a:fld>
             <a:endParaRPr lang="ko-KR" altLang="en-US"/>
           </a:p>
@@ -1775,7 +1776,7 @@
           <a:p>
             <a:fld id="{A8BC77ED-0C25-4572-8E03-EB44A7DCE108}" type="datetimeFigureOut">
               <a:rPr lang="ko-KR" altLang="en-US" smtClean="0"/>
-              <a:t>2017-04-30</a:t>
+              <a:t>2017-05-03</a:t>
             </a:fld>
             <a:endParaRPr lang="ko-KR" altLang="en-US"/>
           </a:p>
@@ -2139,7 +2140,7 @@
           <a:p>
             <a:fld id="{A8BC77ED-0C25-4572-8E03-EB44A7DCE108}" type="datetimeFigureOut">
               <a:rPr lang="ko-KR" altLang="en-US" smtClean="0"/>
-              <a:t>2017-04-30</a:t>
+              <a:t>2017-05-03</a:t>
             </a:fld>
             <a:endParaRPr lang="ko-KR" altLang="en-US"/>
           </a:p>
@@ -2256,7 +2257,7 @@
           <a:p>
             <a:fld id="{A8BC77ED-0C25-4572-8E03-EB44A7DCE108}" type="datetimeFigureOut">
               <a:rPr lang="ko-KR" altLang="en-US" smtClean="0"/>
-              <a:t>2017-04-30</a:t>
+              <a:t>2017-05-03</a:t>
             </a:fld>
             <a:endParaRPr lang="ko-KR" altLang="en-US"/>
           </a:p>
@@ -2351,7 +2352,7 @@
           <a:p>
             <a:fld id="{A8BC77ED-0C25-4572-8E03-EB44A7DCE108}" type="datetimeFigureOut">
               <a:rPr lang="ko-KR" altLang="en-US" smtClean="0"/>
-              <a:t>2017-04-30</a:t>
+              <a:t>2017-05-03</a:t>
             </a:fld>
             <a:endParaRPr lang="ko-KR" altLang="en-US"/>
           </a:p>
@@ -2626,7 +2627,7 @@
           <a:p>
             <a:fld id="{A8BC77ED-0C25-4572-8E03-EB44A7DCE108}" type="datetimeFigureOut">
               <a:rPr lang="ko-KR" altLang="en-US" smtClean="0"/>
-              <a:t>2017-04-30</a:t>
+              <a:t>2017-05-03</a:t>
             </a:fld>
             <a:endParaRPr lang="ko-KR" altLang="en-US"/>
           </a:p>
@@ -2878,7 +2879,7 @@
           <a:p>
             <a:fld id="{A8BC77ED-0C25-4572-8E03-EB44A7DCE108}" type="datetimeFigureOut">
               <a:rPr lang="ko-KR" altLang="en-US" smtClean="0"/>
-              <a:t>2017-04-30</a:t>
+              <a:t>2017-05-03</a:t>
             </a:fld>
             <a:endParaRPr lang="ko-KR" altLang="en-US"/>
           </a:p>
@@ -3089,7 +3090,7 @@
           <a:p>
             <a:fld id="{A8BC77ED-0C25-4572-8E03-EB44A7DCE108}" type="datetimeFigureOut">
               <a:rPr lang="ko-KR" altLang="en-US" smtClean="0"/>
-              <a:t>2017-04-30</a:t>
+              <a:t>2017-05-03</a:t>
             </a:fld>
             <a:endParaRPr lang="ko-KR" altLang="en-US"/>
           </a:p>
@@ -3678,7 +3679,7 @@
             </a:ln>
             <a:extLst>
               <a:ext uri="{C572A759-6A51-4108-AA02-DFA0A04FC94B}">
-                <ma14:wrappingTextBoxFlag xmlns="" xmlns:ma14="http://schemas.microsoft.com/office/mac/drawingml/2011/main" val="1"/>
+                <ma14:wrappingTextBoxFlag xmlns:ma14="http://schemas.microsoft.com/office/mac/drawingml/2011/main" xmlns="" val="1"/>
               </a:ext>
             </a:extLst>
           </p:spPr>
@@ -3725,7 +3726,7 @@
             </a:effectLst>
             <a:extLst>
               <a:ext uri="{C572A759-6A51-4108-AA02-DFA0A04FC94B}">
-                <ma14:wrappingTextBoxFlag xmlns="" xmlns:ma14="http://schemas.microsoft.com/office/mac/drawingml/2011/main" val="1"/>
+                <ma14:wrappingTextBoxFlag xmlns:ma14="http://schemas.microsoft.com/office/mac/drawingml/2011/main" xmlns="" val="1"/>
               </a:ext>
             </a:extLst>
           </p:spPr>
@@ -8220,7 +8221,7 @@
           </a:effectLst>
           <a:extLst>
             <a:ext uri="{C572A759-6A51-4108-AA02-DFA0A04FC94B}">
-              <ma14:wrappingTextBoxFlag xmlns="" xmlns:ma14="http://schemas.microsoft.com/office/mac/drawingml/2011/main" val="1"/>
+              <ma14:wrappingTextBoxFlag xmlns:ma14="http://schemas.microsoft.com/office/mac/drawingml/2011/main" xmlns="" val="1"/>
             </a:ext>
           </a:extLst>
         </p:spPr>
@@ -8319,7 +8320,7 @@
           </a:ln>
           <a:extLst>
             <a:ext uri="{C572A759-6A51-4108-AA02-DFA0A04FC94B}">
-              <ma14:wrappingTextBoxFlag xmlns="" xmlns:ma14="http://schemas.microsoft.com/office/mac/drawingml/2011/main" val="1"/>
+              <ma14:wrappingTextBoxFlag xmlns:ma14="http://schemas.microsoft.com/office/mac/drawingml/2011/main" xmlns="" val="1"/>
             </a:ext>
           </a:extLst>
         </p:spPr>
@@ -8355,7 +8356,7 @@
           </a:ln>
           <a:extLst>
             <a:ext uri="{C572A759-6A51-4108-AA02-DFA0A04FC94B}">
-              <ma14:wrappingTextBoxFlag xmlns="" xmlns:ma14="http://schemas.microsoft.com/office/mac/drawingml/2011/main" val="1"/>
+              <ma14:wrappingTextBoxFlag xmlns:ma14="http://schemas.microsoft.com/office/mac/drawingml/2011/main" xmlns="" val="1"/>
             </a:ext>
           </a:extLst>
         </p:spPr>
@@ -8400,7 +8401,7 @@
           </a:ln>
           <a:extLst>
             <a:ext uri="{C572A759-6A51-4108-AA02-DFA0A04FC94B}">
-              <ma14:wrappingTextBoxFlag xmlns="" xmlns:ma14="http://schemas.microsoft.com/office/mac/drawingml/2011/main" val="1"/>
+              <ma14:wrappingTextBoxFlag xmlns:ma14="http://schemas.microsoft.com/office/mac/drawingml/2011/main" xmlns="" val="1"/>
             </a:ext>
           </a:extLst>
         </p:spPr>
@@ -8463,7 +8464,7 @@
           </a:ln>
           <a:extLst>
             <a:ext uri="{C572A759-6A51-4108-AA02-DFA0A04FC94B}">
-              <ma14:wrappingTextBoxFlag xmlns="" xmlns:ma14="http://schemas.microsoft.com/office/mac/drawingml/2011/main" val="1"/>
+              <ma14:wrappingTextBoxFlag xmlns:ma14="http://schemas.microsoft.com/office/mac/drawingml/2011/main" xmlns="" val="1"/>
             </a:ext>
           </a:extLst>
         </p:spPr>
@@ -8520,7 +8521,7 @@
           </a:ln>
           <a:extLst>
             <a:ext uri="{C572A759-6A51-4108-AA02-DFA0A04FC94B}">
-              <ma14:wrappingTextBoxFlag xmlns="" xmlns:ma14="http://schemas.microsoft.com/office/mac/drawingml/2011/main" val="1"/>
+              <ma14:wrappingTextBoxFlag xmlns:ma14="http://schemas.microsoft.com/office/mac/drawingml/2011/main" xmlns="" val="1"/>
             </a:ext>
           </a:extLst>
         </p:spPr>
@@ -8571,7 +8572,7 @@
           </a:ln>
           <a:extLst>
             <a:ext uri="{C572A759-6A51-4108-AA02-DFA0A04FC94B}">
-              <ma14:wrappingTextBoxFlag xmlns="" xmlns:ma14="http://schemas.microsoft.com/office/mac/drawingml/2011/main" val="1"/>
+              <ma14:wrappingTextBoxFlag xmlns:ma14="http://schemas.microsoft.com/office/mac/drawingml/2011/main" xmlns="" val="1"/>
             </a:ext>
           </a:extLst>
         </p:spPr>
@@ -9763,6 +9764,748 @@
           <a:chExt cx="0" cy="0"/>
         </a:xfrm>
       </p:grpSpPr>
+      <p:pic>
+        <p:nvPicPr>
+          <p:cNvPr id="4" name="그림 3"/>
+          <p:cNvPicPr>
+            <a:picLocks noChangeAspect="1"/>
+          </p:cNvPicPr>
+          <p:nvPr/>
+        </p:nvPicPr>
+        <p:blipFill>
+          <a:blip r:embed="rId2">
+            <a:extLst>
+              <a:ext uri="{28A0092B-C50C-407E-A947-70E740481C1C}">
+                <a14:useLocalDpi xmlns:a14="http://schemas.microsoft.com/office/drawing/2010/main" val="0"/>
+              </a:ext>
+            </a:extLst>
+          </a:blip>
+          <a:stretch>
+            <a:fillRect/>
+          </a:stretch>
+        </p:blipFill>
+        <p:spPr>
+          <a:xfrm>
+            <a:off x="503338" y="882042"/>
+            <a:ext cx="5095502" cy="2866220"/>
+          </a:xfrm>
+          <a:prstGeom prst="rect">
+            <a:avLst/>
+          </a:prstGeom>
+        </p:spPr>
+      </p:pic>
+      <p:sp>
+        <p:nvSpPr>
+          <p:cNvPr id="14" name="TextBox 13"/>
+          <p:cNvSpPr txBox="1"/>
+          <p:nvPr/>
+        </p:nvSpPr>
+        <p:spPr>
+          <a:xfrm>
+            <a:off x="503338" y="868044"/>
+            <a:ext cx="1316386" cy="369332"/>
+          </a:xfrm>
+          <a:prstGeom prst="rect">
+            <a:avLst/>
+          </a:prstGeom>
+          <a:solidFill>
+            <a:schemeClr val="bg1">
+              <a:lumMod val="85000"/>
+            </a:schemeClr>
+          </a:solidFill>
+        </p:spPr>
+        <p:txBody>
+          <a:bodyPr wrap="square" rtlCol="0">
+            <a:spAutoFit/>
+          </a:bodyPr>
+          <a:lstStyle/>
+          <a:p>
+            <a:pPr algn="ctr"/>
+            <a:r>
+              <a:rPr lang="ko-KR" altLang="en-US" b="1" dirty="0"/>
+              <a:t>개인전 </a:t>
+            </a:r>
+            <a:r>
+              <a:rPr lang="en-US" altLang="ko-KR" b="1" dirty="0"/>
+              <a:t>2</a:t>
+            </a:r>
+            <a:r>
+              <a:rPr lang="ko-KR" altLang="en-US" b="1" dirty="0"/>
+              <a:t>인</a:t>
+            </a:r>
+          </a:p>
+        </p:txBody>
+      </p:sp>
+      <p:sp>
+        <p:nvSpPr>
+          <p:cNvPr id="21" name="TextBox 20"/>
+          <p:cNvSpPr txBox="1"/>
+          <p:nvPr/>
+        </p:nvSpPr>
+        <p:spPr>
+          <a:xfrm>
+            <a:off x="190743" y="182246"/>
+            <a:ext cx="2792752" cy="461665"/>
+          </a:xfrm>
+          <a:prstGeom prst="rect">
+            <a:avLst/>
+          </a:prstGeom>
+          <a:noFill/>
+        </p:spPr>
+        <p:txBody>
+          <a:bodyPr wrap="none" rtlCol="0">
+            <a:spAutoFit/>
+          </a:bodyPr>
+          <a:lstStyle/>
+          <a:p>
+            <a:r>
+              <a:rPr lang="ko-KR" altLang="en-US" sz="2400" b="1" dirty="0"/>
+              <a:t>게임 룰 </a:t>
+            </a:r>
+            <a:r>
+              <a:rPr lang="en-US" altLang="ko-KR" sz="2400" b="1" dirty="0"/>
+              <a:t>- </a:t>
+            </a:r>
+            <a:r>
+              <a:rPr lang="ko-KR" altLang="en-US" sz="2400" b="1" dirty="0"/>
+              <a:t>시작위치</a:t>
+            </a:r>
+          </a:p>
+        </p:txBody>
+      </p:sp>
+      <p:sp>
+        <p:nvSpPr>
+          <p:cNvPr id="27" name="직사각형 26"/>
+          <p:cNvSpPr/>
+          <p:nvPr/>
+        </p:nvSpPr>
+        <p:spPr>
+          <a:xfrm>
+            <a:off x="2180011" y="2237115"/>
+            <a:ext cx="168906" cy="156073"/>
+          </a:xfrm>
+          <a:prstGeom prst="rect">
+            <a:avLst/>
+          </a:prstGeom>
+          <a:solidFill>
+            <a:srgbClr val="FF0000">
+              <a:alpha val="50000"/>
+            </a:srgbClr>
+          </a:solidFill>
+          <a:ln>
+            <a:solidFill>
+              <a:srgbClr val="C00000"/>
+            </a:solidFill>
+          </a:ln>
+        </p:spPr>
+        <p:style>
+          <a:lnRef idx="2">
+            <a:schemeClr val="accent1">
+              <a:shade val="50000"/>
+            </a:schemeClr>
+          </a:lnRef>
+          <a:fillRef idx="1">
+            <a:schemeClr val="accent1"/>
+          </a:fillRef>
+          <a:effectRef idx="0">
+            <a:schemeClr val="accent1"/>
+          </a:effectRef>
+          <a:fontRef idx="minor">
+            <a:schemeClr val="lt1"/>
+          </a:fontRef>
+        </p:style>
+        <p:txBody>
+          <a:bodyPr rtlCol="0" anchor="ctr"/>
+          <a:lstStyle/>
+          <a:p>
+            <a:pPr algn="ctr"/>
+            <a:endParaRPr lang="ko-KR" altLang="en-US"/>
+          </a:p>
+        </p:txBody>
+      </p:sp>
+      <p:sp>
+        <p:nvSpPr>
+          <p:cNvPr id="28" name="직사각형 27"/>
+          <p:cNvSpPr/>
+          <p:nvPr/>
+        </p:nvSpPr>
+        <p:spPr>
+          <a:xfrm>
+            <a:off x="3738425" y="2237115"/>
+            <a:ext cx="168906" cy="156073"/>
+          </a:xfrm>
+          <a:prstGeom prst="rect">
+            <a:avLst/>
+          </a:prstGeom>
+          <a:solidFill>
+            <a:srgbClr val="FF0000">
+              <a:alpha val="50000"/>
+            </a:srgbClr>
+          </a:solidFill>
+          <a:ln>
+            <a:solidFill>
+              <a:srgbClr val="C00000"/>
+            </a:solidFill>
+          </a:ln>
+        </p:spPr>
+        <p:style>
+          <a:lnRef idx="2">
+            <a:schemeClr val="accent1">
+              <a:shade val="50000"/>
+            </a:schemeClr>
+          </a:lnRef>
+          <a:fillRef idx="1">
+            <a:schemeClr val="accent1"/>
+          </a:fillRef>
+          <a:effectRef idx="0">
+            <a:schemeClr val="accent1"/>
+          </a:effectRef>
+          <a:fontRef idx="minor">
+            <a:schemeClr val="lt1"/>
+          </a:fontRef>
+        </p:style>
+        <p:txBody>
+          <a:bodyPr rtlCol="0" anchor="ctr"/>
+          <a:lstStyle/>
+          <a:p>
+            <a:pPr algn="ctr"/>
+            <a:endParaRPr lang="ko-KR" altLang="en-US"/>
+          </a:p>
+        </p:txBody>
+      </p:sp>
+      <p:pic>
+        <p:nvPicPr>
+          <p:cNvPr id="29" name="그림 28"/>
+          <p:cNvPicPr>
+            <a:picLocks noChangeAspect="1"/>
+          </p:cNvPicPr>
+          <p:nvPr/>
+        </p:nvPicPr>
+        <p:blipFill>
+          <a:blip r:embed="rId2">
+            <a:extLst>
+              <a:ext uri="{28A0092B-C50C-407E-A947-70E740481C1C}">
+                <a14:useLocalDpi xmlns:a14="http://schemas.microsoft.com/office/drawing/2010/main" val="0"/>
+              </a:ext>
+            </a:extLst>
+          </a:blip>
+          <a:stretch>
+            <a:fillRect/>
+          </a:stretch>
+        </p:blipFill>
+        <p:spPr>
+          <a:xfrm>
+            <a:off x="6513806" y="2074407"/>
+            <a:ext cx="5095502" cy="2866220"/>
+          </a:xfrm>
+          <a:prstGeom prst="rect">
+            <a:avLst/>
+          </a:prstGeom>
+        </p:spPr>
+      </p:pic>
+      <p:pic>
+        <p:nvPicPr>
+          <p:cNvPr id="35" name="그림 34"/>
+          <p:cNvPicPr>
+            <a:picLocks noChangeAspect="1"/>
+          </p:cNvPicPr>
+          <p:nvPr/>
+        </p:nvPicPr>
+        <p:blipFill>
+          <a:blip r:embed="rId2">
+            <a:extLst>
+              <a:ext uri="{28A0092B-C50C-407E-A947-70E740481C1C}">
+                <a14:useLocalDpi xmlns:a14="http://schemas.microsoft.com/office/drawing/2010/main" val="0"/>
+              </a:ext>
+            </a:extLst>
+          </a:blip>
+          <a:stretch>
+            <a:fillRect/>
+          </a:stretch>
+        </p:blipFill>
+        <p:spPr>
+          <a:xfrm>
+            <a:off x="503338" y="3839978"/>
+            <a:ext cx="5095502" cy="2866220"/>
+          </a:xfrm>
+          <a:prstGeom prst="rect">
+            <a:avLst/>
+          </a:prstGeom>
+        </p:spPr>
+      </p:pic>
+      <p:sp>
+        <p:nvSpPr>
+          <p:cNvPr id="38" name="TextBox 37"/>
+          <p:cNvSpPr txBox="1"/>
+          <p:nvPr/>
+        </p:nvSpPr>
+        <p:spPr>
+          <a:xfrm>
+            <a:off x="503338" y="3839978"/>
+            <a:ext cx="1316386" cy="369332"/>
+          </a:xfrm>
+          <a:prstGeom prst="rect">
+            <a:avLst/>
+          </a:prstGeom>
+          <a:solidFill>
+            <a:schemeClr val="bg1">
+              <a:lumMod val="85000"/>
+            </a:schemeClr>
+          </a:solidFill>
+        </p:spPr>
+        <p:txBody>
+          <a:bodyPr wrap="square" rtlCol="0">
+            <a:spAutoFit/>
+          </a:bodyPr>
+          <a:lstStyle/>
+          <a:p>
+            <a:pPr algn="ctr"/>
+            <a:r>
+              <a:rPr lang="ko-KR" altLang="en-US" b="1" dirty="0"/>
+              <a:t>개인전 </a:t>
+            </a:r>
+            <a:r>
+              <a:rPr lang="en-US" altLang="ko-KR" b="1" dirty="0"/>
+              <a:t>3</a:t>
+            </a:r>
+            <a:r>
+              <a:rPr lang="ko-KR" altLang="en-US" b="1" dirty="0"/>
+              <a:t>인</a:t>
+            </a:r>
+          </a:p>
+        </p:txBody>
+      </p:sp>
+      <p:sp>
+        <p:nvSpPr>
+          <p:cNvPr id="41" name="TextBox 40"/>
+          <p:cNvSpPr txBox="1"/>
+          <p:nvPr/>
+        </p:nvSpPr>
+        <p:spPr>
+          <a:xfrm>
+            <a:off x="6513805" y="2074407"/>
+            <a:ext cx="2130961" cy="369332"/>
+          </a:xfrm>
+          <a:prstGeom prst="rect">
+            <a:avLst/>
+          </a:prstGeom>
+          <a:solidFill>
+            <a:schemeClr val="bg1">
+              <a:lumMod val="85000"/>
+            </a:schemeClr>
+          </a:solidFill>
+        </p:spPr>
+        <p:txBody>
+          <a:bodyPr wrap="square" rtlCol="0">
+            <a:spAutoFit/>
+          </a:bodyPr>
+          <a:lstStyle/>
+          <a:p>
+            <a:pPr algn="ctr"/>
+            <a:r>
+              <a:rPr lang="ko-KR" altLang="en-US" b="1" dirty="0"/>
+              <a:t>개인전 </a:t>
+            </a:r>
+            <a:r>
+              <a:rPr lang="en-US" altLang="ko-KR" b="1" dirty="0"/>
+              <a:t>4</a:t>
+            </a:r>
+            <a:r>
+              <a:rPr lang="ko-KR" altLang="en-US" b="1" dirty="0"/>
+              <a:t>인 </a:t>
+            </a:r>
+            <a:r>
+              <a:rPr lang="en-US" altLang="ko-KR" b="1" dirty="0"/>
+              <a:t>&amp; </a:t>
+            </a:r>
+            <a:r>
+              <a:rPr lang="ko-KR" altLang="en-US" b="1" dirty="0" err="1"/>
+              <a:t>팀전</a:t>
+            </a:r>
+            <a:endParaRPr lang="ko-KR" altLang="en-US" b="1" dirty="0"/>
+          </a:p>
+        </p:txBody>
+      </p:sp>
+      <p:sp>
+        <p:nvSpPr>
+          <p:cNvPr id="42" name="직사각형 41"/>
+          <p:cNvSpPr/>
+          <p:nvPr/>
+        </p:nvSpPr>
+        <p:spPr>
+          <a:xfrm>
+            <a:off x="2983495" y="4616564"/>
+            <a:ext cx="168906" cy="156073"/>
+          </a:xfrm>
+          <a:prstGeom prst="rect">
+            <a:avLst/>
+          </a:prstGeom>
+          <a:solidFill>
+            <a:srgbClr val="FF0000">
+              <a:alpha val="50000"/>
+            </a:srgbClr>
+          </a:solidFill>
+          <a:ln>
+            <a:solidFill>
+              <a:srgbClr val="C00000"/>
+            </a:solidFill>
+          </a:ln>
+        </p:spPr>
+        <p:style>
+          <a:lnRef idx="2">
+            <a:schemeClr val="accent1">
+              <a:shade val="50000"/>
+            </a:schemeClr>
+          </a:lnRef>
+          <a:fillRef idx="1">
+            <a:schemeClr val="accent1"/>
+          </a:fillRef>
+          <a:effectRef idx="0">
+            <a:schemeClr val="accent1"/>
+          </a:effectRef>
+          <a:fontRef idx="minor">
+            <a:schemeClr val="lt1"/>
+          </a:fontRef>
+        </p:style>
+        <p:txBody>
+          <a:bodyPr rtlCol="0" anchor="ctr"/>
+          <a:lstStyle/>
+          <a:p>
+            <a:pPr algn="ctr"/>
+            <a:endParaRPr lang="ko-KR" altLang="en-US"/>
+          </a:p>
+        </p:txBody>
+      </p:sp>
+      <p:sp>
+        <p:nvSpPr>
+          <p:cNvPr id="43" name="직사각형 42"/>
+          <p:cNvSpPr/>
+          <p:nvPr/>
+        </p:nvSpPr>
+        <p:spPr>
+          <a:xfrm>
+            <a:off x="2435594" y="5645092"/>
+            <a:ext cx="168906" cy="156073"/>
+          </a:xfrm>
+          <a:prstGeom prst="rect">
+            <a:avLst/>
+          </a:prstGeom>
+          <a:solidFill>
+            <a:srgbClr val="FF0000">
+              <a:alpha val="50000"/>
+            </a:srgbClr>
+          </a:solidFill>
+          <a:ln>
+            <a:solidFill>
+              <a:srgbClr val="C00000"/>
+            </a:solidFill>
+          </a:ln>
+        </p:spPr>
+        <p:style>
+          <a:lnRef idx="2">
+            <a:schemeClr val="accent1">
+              <a:shade val="50000"/>
+            </a:schemeClr>
+          </a:lnRef>
+          <a:fillRef idx="1">
+            <a:schemeClr val="accent1"/>
+          </a:fillRef>
+          <a:effectRef idx="0">
+            <a:schemeClr val="accent1"/>
+          </a:effectRef>
+          <a:fontRef idx="minor">
+            <a:schemeClr val="lt1"/>
+          </a:fontRef>
+        </p:style>
+        <p:txBody>
+          <a:bodyPr rtlCol="0" anchor="ctr"/>
+          <a:lstStyle/>
+          <a:p>
+            <a:pPr algn="ctr"/>
+            <a:endParaRPr lang="ko-KR" altLang="en-US"/>
+          </a:p>
+        </p:txBody>
+      </p:sp>
+      <p:sp>
+        <p:nvSpPr>
+          <p:cNvPr id="44" name="직사각형 43"/>
+          <p:cNvSpPr/>
+          <p:nvPr/>
+        </p:nvSpPr>
+        <p:spPr>
+          <a:xfrm>
+            <a:off x="3455703" y="5645092"/>
+            <a:ext cx="168906" cy="156073"/>
+          </a:xfrm>
+          <a:prstGeom prst="rect">
+            <a:avLst/>
+          </a:prstGeom>
+          <a:solidFill>
+            <a:srgbClr val="FF0000">
+              <a:alpha val="50000"/>
+            </a:srgbClr>
+          </a:solidFill>
+          <a:ln>
+            <a:solidFill>
+              <a:srgbClr val="C00000"/>
+            </a:solidFill>
+          </a:ln>
+        </p:spPr>
+        <p:style>
+          <a:lnRef idx="2">
+            <a:schemeClr val="accent1">
+              <a:shade val="50000"/>
+            </a:schemeClr>
+          </a:lnRef>
+          <a:fillRef idx="1">
+            <a:schemeClr val="accent1"/>
+          </a:fillRef>
+          <a:effectRef idx="0">
+            <a:schemeClr val="accent1"/>
+          </a:effectRef>
+          <a:fontRef idx="minor">
+            <a:schemeClr val="lt1"/>
+          </a:fontRef>
+        </p:style>
+        <p:txBody>
+          <a:bodyPr rtlCol="0" anchor="ctr"/>
+          <a:lstStyle/>
+          <a:p>
+            <a:pPr algn="ctr"/>
+            <a:endParaRPr lang="ko-KR" altLang="en-US"/>
+          </a:p>
+        </p:txBody>
+      </p:sp>
+      <p:sp>
+        <p:nvSpPr>
+          <p:cNvPr id="45" name="직사각형 44"/>
+          <p:cNvSpPr/>
+          <p:nvPr/>
+        </p:nvSpPr>
+        <p:spPr>
+          <a:xfrm>
+            <a:off x="8461506" y="2963933"/>
+            <a:ext cx="168906" cy="156073"/>
+          </a:xfrm>
+          <a:prstGeom prst="rect">
+            <a:avLst/>
+          </a:prstGeom>
+          <a:solidFill>
+            <a:srgbClr val="FF0000">
+              <a:alpha val="50000"/>
+            </a:srgbClr>
+          </a:solidFill>
+          <a:ln>
+            <a:solidFill>
+              <a:srgbClr val="C00000"/>
+            </a:solidFill>
+          </a:ln>
+        </p:spPr>
+        <p:style>
+          <a:lnRef idx="2">
+            <a:schemeClr val="accent1">
+              <a:shade val="50000"/>
+            </a:schemeClr>
+          </a:lnRef>
+          <a:fillRef idx="1">
+            <a:schemeClr val="accent1"/>
+          </a:fillRef>
+          <a:effectRef idx="0">
+            <a:schemeClr val="accent1"/>
+          </a:effectRef>
+          <a:fontRef idx="minor">
+            <a:schemeClr val="lt1"/>
+          </a:fontRef>
+        </p:style>
+        <p:txBody>
+          <a:bodyPr rtlCol="0" anchor="ctr"/>
+          <a:lstStyle/>
+          <a:p>
+            <a:pPr algn="ctr"/>
+            <a:endParaRPr lang="ko-KR" altLang="en-US"/>
+          </a:p>
+        </p:txBody>
+      </p:sp>
+      <p:sp>
+        <p:nvSpPr>
+          <p:cNvPr id="46" name="직사각형 45"/>
+          <p:cNvSpPr/>
+          <p:nvPr/>
+        </p:nvSpPr>
+        <p:spPr>
+          <a:xfrm>
+            <a:off x="8475861" y="3868571"/>
+            <a:ext cx="168906" cy="156073"/>
+          </a:xfrm>
+          <a:prstGeom prst="rect">
+            <a:avLst/>
+          </a:prstGeom>
+          <a:solidFill>
+            <a:srgbClr val="FF0000">
+              <a:alpha val="50000"/>
+            </a:srgbClr>
+          </a:solidFill>
+          <a:ln>
+            <a:solidFill>
+              <a:srgbClr val="C00000"/>
+            </a:solidFill>
+          </a:ln>
+        </p:spPr>
+        <p:style>
+          <a:lnRef idx="2">
+            <a:schemeClr val="accent1">
+              <a:shade val="50000"/>
+            </a:schemeClr>
+          </a:lnRef>
+          <a:fillRef idx="1">
+            <a:schemeClr val="accent1"/>
+          </a:fillRef>
+          <a:effectRef idx="0">
+            <a:schemeClr val="accent1"/>
+          </a:effectRef>
+          <a:fontRef idx="minor">
+            <a:schemeClr val="lt1"/>
+          </a:fontRef>
+        </p:style>
+        <p:txBody>
+          <a:bodyPr rtlCol="0" anchor="ctr"/>
+          <a:lstStyle/>
+          <a:p>
+            <a:pPr algn="ctr"/>
+            <a:endParaRPr lang="ko-KR" altLang="en-US"/>
+          </a:p>
+        </p:txBody>
+      </p:sp>
+      <p:sp>
+        <p:nvSpPr>
+          <p:cNvPr id="47" name="직사각형 46"/>
+          <p:cNvSpPr/>
+          <p:nvPr/>
+        </p:nvSpPr>
+        <p:spPr>
+          <a:xfrm>
+            <a:off x="9475280" y="3897519"/>
+            <a:ext cx="168906" cy="156073"/>
+          </a:xfrm>
+          <a:prstGeom prst="rect">
+            <a:avLst/>
+          </a:prstGeom>
+          <a:solidFill>
+            <a:srgbClr val="FF0000">
+              <a:alpha val="50000"/>
+            </a:srgbClr>
+          </a:solidFill>
+          <a:ln>
+            <a:solidFill>
+              <a:srgbClr val="C00000"/>
+            </a:solidFill>
+          </a:ln>
+        </p:spPr>
+        <p:style>
+          <a:lnRef idx="2">
+            <a:schemeClr val="accent1">
+              <a:shade val="50000"/>
+            </a:schemeClr>
+          </a:lnRef>
+          <a:fillRef idx="1">
+            <a:schemeClr val="accent1"/>
+          </a:fillRef>
+          <a:effectRef idx="0">
+            <a:schemeClr val="accent1"/>
+          </a:effectRef>
+          <a:fontRef idx="minor">
+            <a:schemeClr val="lt1"/>
+          </a:fontRef>
+        </p:style>
+        <p:txBody>
+          <a:bodyPr rtlCol="0" anchor="ctr"/>
+          <a:lstStyle/>
+          <a:p>
+            <a:pPr algn="ctr"/>
+            <a:endParaRPr lang="ko-KR" altLang="en-US"/>
+          </a:p>
+        </p:txBody>
+      </p:sp>
+      <p:sp>
+        <p:nvSpPr>
+          <p:cNvPr id="48" name="직사각형 47"/>
+          <p:cNvSpPr/>
+          <p:nvPr/>
+        </p:nvSpPr>
+        <p:spPr>
+          <a:xfrm>
+            <a:off x="9475280" y="2963932"/>
+            <a:ext cx="168906" cy="156073"/>
+          </a:xfrm>
+          <a:prstGeom prst="rect">
+            <a:avLst/>
+          </a:prstGeom>
+          <a:solidFill>
+            <a:srgbClr val="FF0000">
+              <a:alpha val="50000"/>
+            </a:srgbClr>
+          </a:solidFill>
+          <a:ln>
+            <a:solidFill>
+              <a:srgbClr val="C00000"/>
+            </a:solidFill>
+          </a:ln>
+        </p:spPr>
+        <p:style>
+          <a:lnRef idx="2">
+            <a:schemeClr val="accent1">
+              <a:shade val="50000"/>
+            </a:schemeClr>
+          </a:lnRef>
+          <a:fillRef idx="1">
+            <a:schemeClr val="accent1"/>
+          </a:fillRef>
+          <a:effectRef idx="0">
+            <a:schemeClr val="accent1"/>
+          </a:effectRef>
+          <a:fontRef idx="minor">
+            <a:schemeClr val="lt1"/>
+          </a:fontRef>
+        </p:style>
+        <p:txBody>
+          <a:bodyPr rtlCol="0" anchor="ctr"/>
+          <a:lstStyle/>
+          <a:p>
+            <a:pPr algn="ctr"/>
+            <a:endParaRPr lang="ko-KR" altLang="en-US"/>
+          </a:p>
+        </p:txBody>
+      </p:sp>
+    </p:spTree>
+    <p:extLst>
+      <p:ext uri="{BB962C8B-B14F-4D97-AF65-F5344CB8AC3E}">
+        <p14:creationId xmlns:p14="http://schemas.microsoft.com/office/powerpoint/2010/main" val="2640556034"/>
+      </p:ext>
+    </p:extLst>
+  </p:cSld>
+  <p:clrMapOvr>
+    <a:masterClrMapping/>
+  </p:clrMapOvr>
+</p:sld>
+</file>
+
+<file path=ppt/slides/slide18.xml><?xml version="1.0" encoding="utf-8"?>
+<p:sld xmlns:a="http://schemas.openxmlformats.org/drawingml/2006/main" xmlns:r="http://schemas.openxmlformats.org/officeDocument/2006/relationships" xmlns:p="http://schemas.openxmlformats.org/presentationml/2006/main">
+  <p:cSld>
+    <p:spTree>
+      <p:nvGrpSpPr>
+        <p:cNvPr id="1" name=""/>
+        <p:cNvGrpSpPr/>
+        <p:nvPr/>
+      </p:nvGrpSpPr>
+      <p:grpSpPr>
+        <a:xfrm>
+          <a:off x="0" y="0"/>
+          <a:ext cx="0" cy="0"/>
+          <a:chOff x="0" y="0"/>
+          <a:chExt cx="0" cy="0"/>
+        </a:xfrm>
+      </p:grpSpPr>
       <p:grpSp>
         <p:nvGrpSpPr>
           <p:cNvPr id="7" name="그룹 6"/>
@@ -10664,7 +11407,7 @@
 </p:sld>
 </file>
 
-<file path=ppt/slides/slide18.xml><?xml version="1.0" encoding="utf-8"?>
+<file path=ppt/slides/slide19.xml><?xml version="1.0" encoding="utf-8"?>
 <p:sld xmlns:a="http://schemas.openxmlformats.org/drawingml/2006/main" xmlns:r="http://schemas.openxmlformats.org/officeDocument/2006/relationships" xmlns:p="http://schemas.openxmlformats.org/presentationml/2006/main">
   <p:cSld>
     <p:spTree>
@@ -11354,7 +12097,1039 @@
 </p:sld>
 </file>
 
-<file path=ppt/slides/slide19.xml><?xml version="1.0" encoding="utf-8"?>
+<file path=ppt/slides/slide2.xml><?xml version="1.0" encoding="utf-8"?>
+<p:sld xmlns:a="http://schemas.openxmlformats.org/drawingml/2006/main" xmlns:r="http://schemas.openxmlformats.org/officeDocument/2006/relationships" xmlns:p="http://schemas.openxmlformats.org/presentationml/2006/main">
+  <p:cSld>
+    <p:spTree>
+      <p:nvGrpSpPr>
+        <p:cNvPr id="1" name=""/>
+        <p:cNvGrpSpPr/>
+        <p:nvPr/>
+      </p:nvGrpSpPr>
+      <p:grpSpPr>
+        <a:xfrm>
+          <a:off x="0" y="0"/>
+          <a:ext cx="0" cy="0"/>
+          <a:chOff x="0" y="0"/>
+          <a:chExt cx="0" cy="0"/>
+        </a:xfrm>
+      </p:grpSpPr>
+      <p:sp>
+        <p:nvSpPr>
+          <p:cNvPr id="3" name="직사각형 2"/>
+          <p:cNvSpPr/>
+          <p:nvPr/>
+        </p:nvSpPr>
+        <p:spPr>
+          <a:xfrm>
+            <a:off x="1147959" y="2233024"/>
+            <a:ext cx="2491530" cy="1669409"/>
+          </a:xfrm>
+          <a:prstGeom prst="rect">
+            <a:avLst/>
+          </a:prstGeom>
+          <a:solidFill>
+            <a:schemeClr val="bg2">
+              <a:lumMod val="90000"/>
+            </a:schemeClr>
+          </a:solidFill>
+          <a:ln>
+            <a:solidFill>
+              <a:schemeClr val="tx1"/>
+            </a:solidFill>
+          </a:ln>
+        </p:spPr>
+        <p:style>
+          <a:lnRef idx="2">
+            <a:schemeClr val="accent1">
+              <a:shade val="50000"/>
+            </a:schemeClr>
+          </a:lnRef>
+          <a:fillRef idx="1">
+            <a:schemeClr val="accent1"/>
+          </a:fillRef>
+          <a:effectRef idx="0">
+            <a:schemeClr val="accent1"/>
+          </a:effectRef>
+          <a:fontRef idx="minor">
+            <a:schemeClr val="lt1"/>
+          </a:fontRef>
+        </p:style>
+        <p:txBody>
+          <a:bodyPr rtlCol="0" anchor="ctr"/>
+          <a:lstStyle/>
+          <a:p>
+            <a:pPr algn="ctr"/>
+            <a:r>
+              <a:rPr lang="ko-KR" altLang="en-US" dirty="0" err="1"/>
+              <a:t>메인메뉴</a:t>
+            </a:r>
+            <a:endParaRPr lang="ko-KR" altLang="en-US" dirty="0"/>
+          </a:p>
+        </p:txBody>
+      </p:sp>
+      <p:sp>
+        <p:nvSpPr>
+          <p:cNvPr id="5" name="직사각형 4"/>
+          <p:cNvSpPr/>
+          <p:nvPr/>
+        </p:nvSpPr>
+        <p:spPr>
+          <a:xfrm>
+            <a:off x="4106860" y="2233020"/>
+            <a:ext cx="2491530" cy="1669409"/>
+          </a:xfrm>
+          <a:prstGeom prst="rect">
+            <a:avLst/>
+          </a:prstGeom>
+          <a:solidFill>
+            <a:schemeClr val="bg2">
+              <a:lumMod val="90000"/>
+            </a:schemeClr>
+          </a:solidFill>
+          <a:ln>
+            <a:solidFill>
+              <a:schemeClr val="tx1"/>
+            </a:solidFill>
+          </a:ln>
+        </p:spPr>
+        <p:style>
+          <a:lnRef idx="2">
+            <a:schemeClr val="accent1">
+              <a:shade val="50000"/>
+            </a:schemeClr>
+          </a:lnRef>
+          <a:fillRef idx="1">
+            <a:schemeClr val="accent1"/>
+          </a:fillRef>
+          <a:effectRef idx="0">
+            <a:schemeClr val="accent1"/>
+          </a:effectRef>
+          <a:fontRef idx="minor">
+            <a:schemeClr val="lt1"/>
+          </a:fontRef>
+        </p:style>
+        <p:txBody>
+          <a:bodyPr rtlCol="0" anchor="ctr"/>
+          <a:lstStyle/>
+          <a:p>
+            <a:pPr algn="ctr"/>
+            <a:r>
+              <a:rPr lang="ko-KR" altLang="en-US" dirty="0"/>
+              <a:t> </a:t>
+            </a:r>
+            <a:r>
+              <a:rPr lang="ko-KR" altLang="en-US" dirty="0" err="1"/>
+              <a:t>플레이어수</a:t>
+            </a:r>
+            <a:r>
+              <a:rPr lang="en-US" altLang="ko-KR" dirty="0"/>
+              <a:t>/</a:t>
+            </a:r>
+            <a:r>
+              <a:rPr lang="ko-KR" altLang="en-US" dirty="0"/>
+              <a:t>팀 선택</a:t>
+            </a:r>
+            <a:endParaRPr lang="en-US" altLang="ko-KR" dirty="0"/>
+          </a:p>
+          <a:p>
+            <a:pPr algn="ctr"/>
+            <a:r>
+              <a:rPr lang="ko-KR" altLang="en-US" dirty="0"/>
+              <a:t>캐릭터 선택</a:t>
+            </a:r>
+          </a:p>
+        </p:txBody>
+      </p:sp>
+      <p:sp>
+        <p:nvSpPr>
+          <p:cNvPr id="7" name="직사각형 6"/>
+          <p:cNvSpPr/>
+          <p:nvPr/>
+        </p:nvSpPr>
+        <p:spPr>
+          <a:xfrm>
+            <a:off x="7026819" y="2233021"/>
+            <a:ext cx="2491530" cy="1669409"/>
+          </a:xfrm>
+          <a:prstGeom prst="rect">
+            <a:avLst/>
+          </a:prstGeom>
+          <a:solidFill>
+            <a:schemeClr val="bg2">
+              <a:lumMod val="90000"/>
+            </a:schemeClr>
+          </a:solidFill>
+          <a:ln>
+            <a:solidFill>
+              <a:schemeClr val="tx1"/>
+            </a:solidFill>
+          </a:ln>
+        </p:spPr>
+        <p:style>
+          <a:lnRef idx="2">
+            <a:schemeClr val="accent1">
+              <a:shade val="50000"/>
+            </a:schemeClr>
+          </a:lnRef>
+          <a:fillRef idx="1">
+            <a:schemeClr val="accent1"/>
+          </a:fillRef>
+          <a:effectRef idx="0">
+            <a:schemeClr val="accent1"/>
+          </a:effectRef>
+          <a:fontRef idx="minor">
+            <a:schemeClr val="lt1"/>
+          </a:fontRef>
+        </p:style>
+        <p:txBody>
+          <a:bodyPr rtlCol="0" anchor="ctr"/>
+          <a:lstStyle/>
+          <a:p>
+            <a:pPr algn="ctr"/>
+            <a:r>
+              <a:rPr lang="ko-KR" altLang="en-US" dirty="0" err="1"/>
+              <a:t>인게임</a:t>
+            </a:r>
+            <a:endParaRPr lang="ko-KR" altLang="en-US" dirty="0"/>
+          </a:p>
+        </p:txBody>
+      </p:sp>
+      <p:sp>
+        <p:nvSpPr>
+          <p:cNvPr id="16" name="직사각형 15"/>
+          <p:cNvSpPr/>
+          <p:nvPr/>
+        </p:nvSpPr>
+        <p:spPr>
+          <a:xfrm>
+            <a:off x="1603463" y="742602"/>
+            <a:ext cx="1591239" cy="686190"/>
+          </a:xfrm>
+          <a:prstGeom prst="rect">
+            <a:avLst/>
+          </a:prstGeom>
+          <a:ln/>
+        </p:spPr>
+        <p:style>
+          <a:lnRef idx="2">
+            <a:schemeClr val="accent5">
+              <a:shade val="50000"/>
+            </a:schemeClr>
+          </a:lnRef>
+          <a:fillRef idx="1">
+            <a:schemeClr val="accent5"/>
+          </a:fillRef>
+          <a:effectRef idx="0">
+            <a:schemeClr val="accent5"/>
+          </a:effectRef>
+          <a:fontRef idx="minor">
+            <a:schemeClr val="lt1"/>
+          </a:fontRef>
+        </p:style>
+        <p:txBody>
+          <a:bodyPr rtlCol="0" anchor="ctr"/>
+          <a:lstStyle/>
+          <a:p>
+            <a:pPr algn="ctr"/>
+            <a:r>
+              <a:rPr lang="ko-KR" altLang="en-US" dirty="0"/>
+              <a:t>메뉴 옵션</a:t>
+            </a:r>
+          </a:p>
+        </p:txBody>
+      </p:sp>
+      <p:cxnSp>
+        <p:nvCxnSpPr>
+          <p:cNvPr id="33" name="연결선: 꺾임 32"/>
+          <p:cNvCxnSpPr>
+            <a:cxnSpLocks/>
+            <a:stCxn id="3" idx="0"/>
+            <a:endCxn id="16" idx="2"/>
+          </p:cNvCxnSpPr>
+          <p:nvPr/>
+        </p:nvCxnSpPr>
+        <p:spPr>
+          <a:xfrm rot="5400000" flipH="1" flipV="1">
+            <a:off x="1994287" y="1828229"/>
+            <a:ext cx="804232" cy="5359"/>
+          </a:xfrm>
+          <a:prstGeom prst="bentConnector3">
+            <a:avLst>
+              <a:gd name="adj1" fmla="val 50000"/>
+            </a:avLst>
+          </a:prstGeom>
+          <a:ln w="28575">
+            <a:tailEnd type="triangle"/>
+          </a:ln>
+        </p:spPr>
+        <p:style>
+          <a:lnRef idx="1">
+            <a:schemeClr val="accent1"/>
+          </a:lnRef>
+          <a:fillRef idx="0">
+            <a:schemeClr val="accent1"/>
+          </a:fillRef>
+          <a:effectRef idx="0">
+            <a:schemeClr val="accent1"/>
+          </a:effectRef>
+          <a:fontRef idx="minor">
+            <a:schemeClr val="tx1"/>
+          </a:fontRef>
+        </p:style>
+      </p:cxnSp>
+      <p:cxnSp>
+        <p:nvCxnSpPr>
+          <p:cNvPr id="36" name="연결선: 꺾임 35"/>
+          <p:cNvCxnSpPr>
+            <a:cxnSpLocks/>
+            <a:stCxn id="3" idx="0"/>
+            <a:endCxn id="53" idx="2"/>
+          </p:cNvCxnSpPr>
+          <p:nvPr/>
+        </p:nvCxnSpPr>
+        <p:spPr>
+          <a:xfrm rot="5400000" flipH="1" flipV="1">
+            <a:off x="3037634" y="784882"/>
+            <a:ext cx="804232" cy="2092053"/>
+          </a:xfrm>
+          <a:prstGeom prst="bentConnector3">
+            <a:avLst>
+              <a:gd name="adj1" fmla="val 50000"/>
+            </a:avLst>
+          </a:prstGeom>
+          <a:ln w="28575">
+            <a:tailEnd type="triangle"/>
+          </a:ln>
+        </p:spPr>
+        <p:style>
+          <a:lnRef idx="1">
+            <a:schemeClr val="accent1"/>
+          </a:lnRef>
+          <a:fillRef idx="0">
+            <a:schemeClr val="accent1"/>
+          </a:fillRef>
+          <a:effectRef idx="0">
+            <a:schemeClr val="accent1"/>
+          </a:effectRef>
+          <a:fontRef idx="minor">
+            <a:schemeClr val="tx1"/>
+          </a:fontRef>
+        </p:style>
+      </p:cxnSp>
+      <p:cxnSp>
+        <p:nvCxnSpPr>
+          <p:cNvPr id="40" name="직선 화살표 연결선 39"/>
+          <p:cNvCxnSpPr>
+            <a:cxnSpLocks/>
+            <a:stCxn id="3" idx="3"/>
+            <a:endCxn id="5" idx="1"/>
+          </p:cNvCxnSpPr>
+          <p:nvPr/>
+        </p:nvCxnSpPr>
+        <p:spPr>
+          <a:xfrm flipV="1">
+            <a:off x="3639489" y="3067725"/>
+            <a:ext cx="467371" cy="4"/>
+          </a:xfrm>
+          <a:prstGeom prst="straightConnector1">
+            <a:avLst/>
+          </a:prstGeom>
+          <a:ln w="28575">
+            <a:tailEnd type="triangle"/>
+          </a:ln>
+        </p:spPr>
+        <p:style>
+          <a:lnRef idx="1">
+            <a:schemeClr val="accent1"/>
+          </a:lnRef>
+          <a:fillRef idx="0">
+            <a:schemeClr val="accent1"/>
+          </a:fillRef>
+          <a:effectRef idx="0">
+            <a:schemeClr val="accent1"/>
+          </a:effectRef>
+          <a:fontRef idx="minor">
+            <a:schemeClr val="tx1"/>
+          </a:fontRef>
+        </p:style>
+      </p:cxnSp>
+      <p:cxnSp>
+        <p:nvCxnSpPr>
+          <p:cNvPr id="41" name="직선 화살표 연결선 40"/>
+          <p:cNvCxnSpPr>
+            <a:cxnSpLocks/>
+            <a:stCxn id="5" idx="3"/>
+            <a:endCxn id="7" idx="1"/>
+          </p:cNvCxnSpPr>
+          <p:nvPr/>
+        </p:nvCxnSpPr>
+        <p:spPr>
+          <a:xfrm>
+            <a:off x="6598390" y="3067725"/>
+            <a:ext cx="428429" cy="1"/>
+          </a:xfrm>
+          <a:prstGeom prst="straightConnector1">
+            <a:avLst/>
+          </a:prstGeom>
+          <a:ln w="28575">
+            <a:tailEnd type="triangle"/>
+          </a:ln>
+        </p:spPr>
+        <p:style>
+          <a:lnRef idx="1">
+            <a:schemeClr val="accent1"/>
+          </a:lnRef>
+          <a:fillRef idx="0">
+            <a:schemeClr val="accent1"/>
+          </a:fillRef>
+          <a:effectRef idx="0">
+            <a:schemeClr val="accent1"/>
+          </a:effectRef>
+          <a:fontRef idx="minor">
+            <a:schemeClr val="tx1"/>
+          </a:fontRef>
+        </p:style>
+      </p:cxnSp>
+      <p:cxnSp>
+        <p:nvCxnSpPr>
+          <p:cNvPr id="43" name="직선 화살표 연결선 42"/>
+          <p:cNvCxnSpPr>
+            <a:cxnSpLocks/>
+            <a:stCxn id="7" idx="3"/>
+            <a:endCxn id="24" idx="1"/>
+          </p:cNvCxnSpPr>
+          <p:nvPr/>
+        </p:nvCxnSpPr>
+        <p:spPr>
+          <a:xfrm>
+            <a:off x="9518349" y="3067726"/>
+            <a:ext cx="356829" cy="2"/>
+          </a:xfrm>
+          <a:prstGeom prst="straightConnector1">
+            <a:avLst/>
+          </a:prstGeom>
+          <a:ln w="28575">
+            <a:tailEnd type="triangle"/>
+          </a:ln>
+        </p:spPr>
+        <p:style>
+          <a:lnRef idx="1">
+            <a:schemeClr val="accent1"/>
+          </a:lnRef>
+          <a:fillRef idx="0">
+            <a:schemeClr val="accent1"/>
+          </a:fillRef>
+          <a:effectRef idx="0">
+            <a:schemeClr val="accent1"/>
+          </a:effectRef>
+          <a:fontRef idx="minor">
+            <a:schemeClr val="tx1"/>
+          </a:fontRef>
+        </p:style>
+      </p:cxnSp>
+      <p:sp>
+        <p:nvSpPr>
+          <p:cNvPr id="46" name="TextBox 45"/>
+          <p:cNvSpPr txBox="1"/>
+          <p:nvPr/>
+        </p:nvSpPr>
+        <p:spPr>
+          <a:xfrm>
+            <a:off x="190743" y="182246"/>
+            <a:ext cx="1107996" cy="461665"/>
+          </a:xfrm>
+          <a:prstGeom prst="rect">
+            <a:avLst/>
+          </a:prstGeom>
+          <a:noFill/>
+        </p:spPr>
+        <p:txBody>
+          <a:bodyPr wrap="none" rtlCol="0">
+            <a:spAutoFit/>
+          </a:bodyPr>
+          <a:lstStyle/>
+          <a:p>
+            <a:r>
+              <a:rPr lang="ko-KR" altLang="en-US" sz="2400" b="1" dirty="0" err="1"/>
+              <a:t>씬구성</a:t>
+            </a:r>
+            <a:endParaRPr lang="ko-KR" altLang="en-US" sz="2400" b="1" dirty="0"/>
+          </a:p>
+        </p:txBody>
+      </p:sp>
+      <p:sp>
+        <p:nvSpPr>
+          <p:cNvPr id="50" name="직사각형 49"/>
+          <p:cNvSpPr/>
+          <p:nvPr/>
+        </p:nvSpPr>
+        <p:spPr>
+          <a:xfrm>
+            <a:off x="7455250" y="756219"/>
+            <a:ext cx="1634667" cy="693045"/>
+          </a:xfrm>
+          <a:prstGeom prst="rect">
+            <a:avLst/>
+          </a:prstGeom>
+          <a:ln/>
+        </p:spPr>
+        <p:style>
+          <a:lnRef idx="2">
+            <a:schemeClr val="accent5">
+              <a:shade val="50000"/>
+            </a:schemeClr>
+          </a:lnRef>
+          <a:fillRef idx="1">
+            <a:schemeClr val="accent5"/>
+          </a:fillRef>
+          <a:effectRef idx="0">
+            <a:schemeClr val="accent5"/>
+          </a:effectRef>
+          <a:fontRef idx="minor">
+            <a:schemeClr val="lt1"/>
+          </a:fontRef>
+        </p:style>
+        <p:txBody>
+          <a:bodyPr rtlCol="0" anchor="ctr"/>
+          <a:lstStyle/>
+          <a:p>
+            <a:pPr algn="ctr"/>
+            <a:r>
+              <a:rPr lang="ko-KR" altLang="en-US" dirty="0" err="1"/>
+              <a:t>인게임</a:t>
+            </a:r>
+            <a:r>
+              <a:rPr lang="ko-KR" altLang="en-US" dirty="0"/>
+              <a:t> 옵션</a:t>
+            </a:r>
+          </a:p>
+        </p:txBody>
+      </p:sp>
+      <p:cxnSp>
+        <p:nvCxnSpPr>
+          <p:cNvPr id="51" name="연결선: 꺾임 50"/>
+          <p:cNvCxnSpPr>
+            <a:cxnSpLocks/>
+          </p:cNvCxnSpPr>
+          <p:nvPr/>
+        </p:nvCxnSpPr>
+        <p:spPr>
+          <a:xfrm rot="16200000" flipV="1">
+            <a:off x="15543581" y="1456177"/>
+            <a:ext cx="660974" cy="1388378"/>
+          </a:xfrm>
+          <a:prstGeom prst="bentConnector2">
+            <a:avLst/>
+          </a:prstGeom>
+          <a:ln w="28575">
+            <a:tailEnd type="triangle"/>
+          </a:ln>
+        </p:spPr>
+        <p:style>
+          <a:lnRef idx="1">
+            <a:schemeClr val="accent1"/>
+          </a:lnRef>
+          <a:fillRef idx="0">
+            <a:schemeClr val="accent1"/>
+          </a:fillRef>
+          <a:effectRef idx="0">
+            <a:schemeClr val="accent1"/>
+          </a:effectRef>
+          <a:fontRef idx="minor">
+            <a:schemeClr val="tx1"/>
+          </a:fontRef>
+        </p:style>
+      </p:cxnSp>
+      <p:sp>
+        <p:nvSpPr>
+          <p:cNvPr id="56" name="직사각형 55"/>
+          <p:cNvSpPr/>
+          <p:nvPr/>
+        </p:nvSpPr>
+        <p:spPr>
+          <a:xfrm>
+            <a:off x="1147958" y="4633514"/>
+            <a:ext cx="2491530" cy="1669409"/>
+          </a:xfrm>
+          <a:prstGeom prst="rect">
+            <a:avLst/>
+          </a:prstGeom>
+          <a:solidFill>
+            <a:schemeClr val="bg2">
+              <a:lumMod val="90000"/>
+            </a:schemeClr>
+          </a:solidFill>
+          <a:ln>
+            <a:solidFill>
+              <a:schemeClr val="tx1"/>
+            </a:solidFill>
+          </a:ln>
+        </p:spPr>
+        <p:style>
+          <a:lnRef idx="2">
+            <a:schemeClr val="accent1">
+              <a:shade val="50000"/>
+            </a:schemeClr>
+          </a:lnRef>
+          <a:fillRef idx="1">
+            <a:schemeClr val="accent1"/>
+          </a:fillRef>
+          <a:effectRef idx="0">
+            <a:schemeClr val="accent1"/>
+          </a:effectRef>
+          <a:fontRef idx="minor">
+            <a:schemeClr val="lt1"/>
+          </a:fontRef>
+        </p:style>
+        <p:txBody>
+          <a:bodyPr rtlCol="0" anchor="ctr"/>
+          <a:lstStyle/>
+          <a:p>
+            <a:pPr algn="ctr"/>
+            <a:r>
+              <a:rPr lang="ko-KR" altLang="en-US" dirty="0" err="1"/>
+              <a:t>크레딧</a:t>
+            </a:r>
+            <a:endParaRPr lang="ko-KR" altLang="en-US" dirty="0"/>
+          </a:p>
+        </p:txBody>
+      </p:sp>
+      <p:cxnSp>
+        <p:nvCxnSpPr>
+          <p:cNvPr id="57" name="연결선: 꺾임 56"/>
+          <p:cNvCxnSpPr>
+            <a:cxnSpLocks/>
+            <a:stCxn id="3" idx="1"/>
+            <a:endCxn id="56" idx="1"/>
+          </p:cNvCxnSpPr>
+          <p:nvPr/>
+        </p:nvCxnSpPr>
+        <p:spPr>
+          <a:xfrm rot="10800000" flipV="1">
+            <a:off x="1147959" y="3067729"/>
+            <a:ext cx="1" cy="2400490"/>
+          </a:xfrm>
+          <a:prstGeom prst="bentConnector3">
+            <a:avLst>
+              <a:gd name="adj1" fmla="val 22860100000"/>
+            </a:avLst>
+          </a:prstGeom>
+          <a:ln w="28575">
+            <a:tailEnd type="triangle"/>
+          </a:ln>
+        </p:spPr>
+        <p:style>
+          <a:lnRef idx="1">
+            <a:schemeClr val="accent1"/>
+          </a:lnRef>
+          <a:fillRef idx="0">
+            <a:schemeClr val="accent1"/>
+          </a:fillRef>
+          <a:effectRef idx="0">
+            <a:schemeClr val="accent1"/>
+          </a:effectRef>
+          <a:fontRef idx="minor">
+            <a:schemeClr val="tx1"/>
+          </a:fontRef>
+        </p:style>
+      </p:cxnSp>
+      <p:sp>
+        <p:nvSpPr>
+          <p:cNvPr id="24" name="직사각형 23"/>
+          <p:cNvSpPr/>
+          <p:nvPr/>
+        </p:nvSpPr>
+        <p:spPr>
+          <a:xfrm>
+            <a:off x="9875178" y="2721205"/>
+            <a:ext cx="1634667" cy="693045"/>
+          </a:xfrm>
+          <a:prstGeom prst="rect">
+            <a:avLst/>
+          </a:prstGeom>
+          <a:ln/>
+        </p:spPr>
+        <p:style>
+          <a:lnRef idx="2">
+            <a:schemeClr val="accent5">
+              <a:shade val="50000"/>
+            </a:schemeClr>
+          </a:lnRef>
+          <a:fillRef idx="1">
+            <a:schemeClr val="accent5"/>
+          </a:fillRef>
+          <a:effectRef idx="0">
+            <a:schemeClr val="accent5"/>
+          </a:effectRef>
+          <a:fontRef idx="minor">
+            <a:schemeClr val="lt1"/>
+          </a:fontRef>
+        </p:style>
+        <p:txBody>
+          <a:bodyPr rtlCol="0" anchor="ctr"/>
+          <a:lstStyle/>
+          <a:p>
+            <a:pPr algn="ctr"/>
+            <a:r>
+              <a:rPr lang="ko-KR" altLang="en-US" dirty="0"/>
+              <a:t>게임결과</a:t>
+            </a:r>
+          </a:p>
+        </p:txBody>
+      </p:sp>
+      <p:sp>
+        <p:nvSpPr>
+          <p:cNvPr id="52" name="직사각형 51"/>
+          <p:cNvSpPr/>
+          <p:nvPr/>
+        </p:nvSpPr>
+        <p:spPr>
+          <a:xfrm>
+            <a:off x="9603630" y="761384"/>
+            <a:ext cx="1634667" cy="693045"/>
+          </a:xfrm>
+          <a:prstGeom prst="rect">
+            <a:avLst/>
+          </a:prstGeom>
+          <a:ln/>
+        </p:spPr>
+        <p:style>
+          <a:lnRef idx="2">
+            <a:schemeClr val="accent5">
+              <a:shade val="50000"/>
+            </a:schemeClr>
+          </a:lnRef>
+          <a:fillRef idx="1">
+            <a:schemeClr val="accent5"/>
+          </a:fillRef>
+          <a:effectRef idx="0">
+            <a:schemeClr val="accent5"/>
+          </a:effectRef>
+          <a:fontRef idx="minor">
+            <a:schemeClr val="lt1"/>
+          </a:fontRef>
+        </p:style>
+        <p:txBody>
+          <a:bodyPr rtlCol="0" anchor="ctr"/>
+          <a:lstStyle/>
+          <a:p>
+            <a:pPr algn="ctr"/>
+            <a:r>
+              <a:rPr lang="ko-KR" altLang="en-US"/>
+              <a:t>가이드</a:t>
+            </a:r>
+            <a:endParaRPr lang="ko-KR" altLang="en-US" dirty="0"/>
+          </a:p>
+        </p:txBody>
+      </p:sp>
+      <p:sp>
+        <p:nvSpPr>
+          <p:cNvPr id="53" name="직사각형 52"/>
+          <p:cNvSpPr/>
+          <p:nvPr/>
+        </p:nvSpPr>
+        <p:spPr>
+          <a:xfrm>
+            <a:off x="3668443" y="735747"/>
+            <a:ext cx="1634667" cy="693045"/>
+          </a:xfrm>
+          <a:prstGeom prst="rect">
+            <a:avLst/>
+          </a:prstGeom>
+          <a:ln/>
+        </p:spPr>
+        <p:style>
+          <a:lnRef idx="2">
+            <a:schemeClr val="accent5">
+              <a:shade val="50000"/>
+            </a:schemeClr>
+          </a:lnRef>
+          <a:fillRef idx="1">
+            <a:schemeClr val="accent5"/>
+          </a:fillRef>
+          <a:effectRef idx="0">
+            <a:schemeClr val="accent5"/>
+          </a:effectRef>
+          <a:fontRef idx="minor">
+            <a:schemeClr val="lt1"/>
+          </a:fontRef>
+        </p:style>
+        <p:txBody>
+          <a:bodyPr rtlCol="0" anchor="ctr"/>
+          <a:lstStyle/>
+          <a:p>
+            <a:pPr algn="ctr"/>
+            <a:r>
+              <a:rPr lang="ko-KR" altLang="en-US" dirty="0"/>
+              <a:t>가이드</a:t>
+            </a:r>
+          </a:p>
+        </p:txBody>
+      </p:sp>
+      <p:cxnSp>
+        <p:nvCxnSpPr>
+          <p:cNvPr id="58" name="직선 화살표 연결선 57"/>
+          <p:cNvCxnSpPr>
+            <a:cxnSpLocks/>
+            <a:stCxn id="50" idx="3"/>
+            <a:endCxn id="52" idx="1"/>
+          </p:cNvCxnSpPr>
+          <p:nvPr/>
+        </p:nvCxnSpPr>
+        <p:spPr>
+          <a:xfrm>
+            <a:off x="9089917" y="1102742"/>
+            <a:ext cx="513713" cy="5165"/>
+          </a:xfrm>
+          <a:prstGeom prst="straightConnector1">
+            <a:avLst/>
+          </a:prstGeom>
+          <a:ln w="28575">
+            <a:tailEnd type="triangle"/>
+          </a:ln>
+        </p:spPr>
+        <p:style>
+          <a:lnRef idx="1">
+            <a:schemeClr val="accent1"/>
+          </a:lnRef>
+          <a:fillRef idx="0">
+            <a:schemeClr val="accent1"/>
+          </a:fillRef>
+          <a:effectRef idx="0">
+            <a:schemeClr val="accent1"/>
+          </a:effectRef>
+          <a:fontRef idx="minor">
+            <a:schemeClr val="tx1"/>
+          </a:fontRef>
+        </p:style>
+      </p:cxnSp>
+      <p:cxnSp>
+        <p:nvCxnSpPr>
+          <p:cNvPr id="62" name="연결선: 꺾임 61"/>
+          <p:cNvCxnSpPr>
+            <a:cxnSpLocks/>
+            <a:stCxn id="24" idx="2"/>
+            <a:endCxn id="3" idx="2"/>
+          </p:cNvCxnSpPr>
+          <p:nvPr/>
+        </p:nvCxnSpPr>
+        <p:spPr>
+          <a:xfrm rot="5400000">
+            <a:off x="6299027" y="-491053"/>
+            <a:ext cx="488183" cy="8298788"/>
+          </a:xfrm>
+          <a:prstGeom prst="bentConnector3">
+            <a:avLst>
+              <a:gd name="adj1" fmla="val 176586"/>
+            </a:avLst>
+          </a:prstGeom>
+          <a:ln w="28575">
+            <a:tailEnd type="triangle"/>
+          </a:ln>
+        </p:spPr>
+        <p:style>
+          <a:lnRef idx="1">
+            <a:schemeClr val="accent1"/>
+          </a:lnRef>
+          <a:fillRef idx="0">
+            <a:schemeClr val="accent1"/>
+          </a:fillRef>
+          <a:effectRef idx="0">
+            <a:schemeClr val="accent1"/>
+          </a:effectRef>
+          <a:fontRef idx="minor">
+            <a:schemeClr val="tx1"/>
+          </a:fontRef>
+        </p:style>
+      </p:cxnSp>
+      <p:cxnSp>
+        <p:nvCxnSpPr>
+          <p:cNvPr id="65" name="직선 화살표 연결선 64"/>
+          <p:cNvCxnSpPr>
+            <a:cxnSpLocks/>
+            <a:stCxn id="7" idx="0"/>
+            <a:endCxn id="50" idx="2"/>
+          </p:cNvCxnSpPr>
+          <p:nvPr/>
+        </p:nvCxnSpPr>
+        <p:spPr>
+          <a:xfrm flipV="1">
+            <a:off x="8272584" y="1449264"/>
+            <a:ext cx="0" cy="783757"/>
+          </a:xfrm>
+          <a:prstGeom prst="straightConnector1">
+            <a:avLst/>
+          </a:prstGeom>
+          <a:ln w="28575">
+            <a:tailEnd type="triangle"/>
+          </a:ln>
+        </p:spPr>
+        <p:style>
+          <a:lnRef idx="1">
+            <a:schemeClr val="accent1"/>
+          </a:lnRef>
+          <a:fillRef idx="0">
+            <a:schemeClr val="accent1"/>
+          </a:fillRef>
+          <a:effectRef idx="0">
+            <a:schemeClr val="accent1"/>
+          </a:effectRef>
+          <a:fontRef idx="minor">
+            <a:schemeClr val="tx1"/>
+          </a:fontRef>
+        </p:style>
+      </p:cxnSp>
+      <p:cxnSp>
+        <p:nvCxnSpPr>
+          <p:cNvPr id="81" name="연결선: 꺾임 80"/>
+          <p:cNvCxnSpPr>
+            <a:cxnSpLocks/>
+            <a:stCxn id="24" idx="2"/>
+            <a:endCxn id="5" idx="2"/>
+          </p:cNvCxnSpPr>
+          <p:nvPr/>
+        </p:nvCxnSpPr>
+        <p:spPr>
+          <a:xfrm rot="5400000">
+            <a:off x="7778480" y="988396"/>
+            <a:ext cx="488179" cy="5339887"/>
+          </a:xfrm>
+          <a:prstGeom prst="bentConnector3">
+            <a:avLst>
+              <a:gd name="adj1" fmla="val 173085"/>
+            </a:avLst>
+          </a:prstGeom>
+          <a:ln w="28575">
+            <a:tailEnd type="triangle"/>
+          </a:ln>
+        </p:spPr>
+        <p:style>
+          <a:lnRef idx="1">
+            <a:schemeClr val="accent1"/>
+          </a:lnRef>
+          <a:fillRef idx="0">
+            <a:schemeClr val="accent1"/>
+          </a:fillRef>
+          <a:effectRef idx="0">
+            <a:schemeClr val="accent1"/>
+          </a:effectRef>
+          <a:fontRef idx="minor">
+            <a:schemeClr val="tx1"/>
+          </a:fontRef>
+        </p:style>
+      </p:cxnSp>
+      <p:sp>
+        <p:nvSpPr>
+          <p:cNvPr id="88" name="직사각형 87"/>
+          <p:cNvSpPr/>
+          <p:nvPr/>
+        </p:nvSpPr>
+        <p:spPr>
+          <a:xfrm>
+            <a:off x="9875178" y="5468217"/>
+            <a:ext cx="1542004" cy="693045"/>
+          </a:xfrm>
+          <a:prstGeom prst="rect">
+            <a:avLst/>
+          </a:prstGeom>
+          <a:ln/>
+        </p:spPr>
+        <p:style>
+          <a:lnRef idx="2">
+            <a:schemeClr val="accent5">
+              <a:shade val="50000"/>
+            </a:schemeClr>
+          </a:lnRef>
+          <a:fillRef idx="1">
+            <a:schemeClr val="accent5"/>
+          </a:fillRef>
+          <a:effectRef idx="0">
+            <a:schemeClr val="accent5"/>
+          </a:effectRef>
+          <a:fontRef idx="minor">
+            <a:schemeClr val="lt1"/>
+          </a:fontRef>
+        </p:style>
+        <p:txBody>
+          <a:bodyPr rtlCol="0" anchor="ctr"/>
+          <a:lstStyle/>
+          <a:p>
+            <a:pPr algn="ctr"/>
+            <a:r>
+              <a:rPr lang="ko-KR" altLang="en-US" dirty="0"/>
+              <a:t>패널</a:t>
+            </a:r>
+          </a:p>
+        </p:txBody>
+      </p:sp>
+      <p:sp>
+        <p:nvSpPr>
+          <p:cNvPr id="90" name="직사각형 89"/>
+          <p:cNvSpPr/>
+          <p:nvPr/>
+        </p:nvSpPr>
+        <p:spPr>
+          <a:xfrm>
+            <a:off x="8101412" y="5468218"/>
+            <a:ext cx="1502218" cy="693045"/>
+          </a:xfrm>
+          <a:prstGeom prst="rect">
+            <a:avLst/>
+          </a:prstGeom>
+          <a:solidFill>
+            <a:schemeClr val="bg2">
+              <a:lumMod val="90000"/>
+            </a:schemeClr>
+          </a:solidFill>
+          <a:ln>
+            <a:solidFill>
+              <a:schemeClr val="tx1"/>
+            </a:solidFill>
+          </a:ln>
+        </p:spPr>
+        <p:style>
+          <a:lnRef idx="2">
+            <a:schemeClr val="accent1">
+              <a:shade val="50000"/>
+            </a:schemeClr>
+          </a:lnRef>
+          <a:fillRef idx="1">
+            <a:schemeClr val="accent1"/>
+          </a:fillRef>
+          <a:effectRef idx="0">
+            <a:schemeClr val="accent1"/>
+          </a:effectRef>
+          <a:fontRef idx="minor">
+            <a:schemeClr val="lt1"/>
+          </a:fontRef>
+        </p:style>
+        <p:txBody>
+          <a:bodyPr rtlCol="0" anchor="ctr"/>
+          <a:lstStyle/>
+          <a:p>
+            <a:pPr algn="ctr"/>
+            <a:r>
+              <a:rPr lang="ko-KR" altLang="en-US" dirty="0"/>
+              <a:t>씬</a:t>
+            </a:r>
+          </a:p>
+        </p:txBody>
+      </p:sp>
+    </p:spTree>
+    <p:extLst>
+      <p:ext uri="{BB962C8B-B14F-4D97-AF65-F5344CB8AC3E}">
+        <p14:creationId xmlns:p14="http://schemas.microsoft.com/office/powerpoint/2010/main" val="1837547583"/>
+      </p:ext>
+    </p:extLst>
+  </p:cSld>
+  <p:clrMapOvr>
+    <a:masterClrMapping/>
+  </p:clrMapOvr>
+</p:sld>
+</file>
+
+<file path=ppt/slides/slide20.xml><?xml version="1.0" encoding="utf-8"?>
 <p:sld xmlns:a="http://schemas.openxmlformats.org/drawingml/2006/main" xmlns:r="http://schemas.openxmlformats.org/officeDocument/2006/relationships" xmlns:p="http://schemas.openxmlformats.org/presentationml/2006/main">
   <p:cSld>
     <p:spTree>
@@ -11843,7 +13618,7 @@
 </p:sld>
 </file>
 
-<file path=ppt/slides/slide2.xml><?xml version="1.0" encoding="utf-8"?>
+<file path=ppt/slides/slide21.xml><?xml version="1.0" encoding="utf-8"?>
 <p:sld xmlns:a="http://schemas.openxmlformats.org/drawingml/2006/main" xmlns:r="http://schemas.openxmlformats.org/officeDocument/2006/relationships" xmlns:p="http://schemas.openxmlformats.org/presentationml/2006/main">
   <p:cSld>
     <p:spTree>
@@ -11862,26 +13637,26 @@
       </p:grpSpPr>
       <p:sp>
         <p:nvSpPr>
-          <p:cNvPr id="3" name="직사각형 2"/>
+          <p:cNvPr id="2" name="직사각형 1"/>
           <p:cNvSpPr/>
           <p:nvPr/>
         </p:nvSpPr>
         <p:spPr>
           <a:xfrm>
-            <a:off x="1147959" y="2233024"/>
-            <a:ext cx="2491530" cy="1669409"/>
+            <a:off x="3640727" y="427203"/>
+            <a:ext cx="7122350" cy="1342239"/>
           </a:xfrm>
           <a:prstGeom prst="rect">
             <a:avLst/>
           </a:prstGeom>
           <a:solidFill>
-            <a:schemeClr val="bg2">
-              <a:lumMod val="90000"/>
-            </a:schemeClr>
+            <a:schemeClr val="bg2"/>
           </a:solidFill>
           <a:ln>
             <a:solidFill>
-              <a:schemeClr val="tx1"/>
+              <a:schemeClr val="bg2">
+                <a:lumMod val="90000"/>
+              </a:schemeClr>
             </a:solidFill>
           </a:ln>
         </p:spPr>
@@ -11906,9 +13681,81 @@
           <a:lstStyle/>
           <a:p>
             <a:pPr algn="ctr"/>
-            <a:r>
-              <a:rPr lang="ko-KR" altLang="en-US" dirty="0" err="1"/>
-              <a:t>메인메뉴</a:t>
+            <a:endParaRPr lang="ko-KR" altLang="en-US"/>
+          </a:p>
+        </p:txBody>
+      </p:sp>
+      <p:pic>
+        <p:nvPicPr>
+          <p:cNvPr id="6" name="그림 5"/>
+          <p:cNvPicPr>
+            <a:picLocks noChangeAspect="1"/>
+          </p:cNvPicPr>
+          <p:nvPr/>
+        </p:nvPicPr>
+        <p:blipFill>
+          <a:blip r:embed="rId2">
+            <a:extLst>
+              <a:ext uri="{28A0092B-C50C-407E-A947-70E740481C1C}">
+                <a14:useLocalDpi xmlns:a14="http://schemas.microsoft.com/office/drawing/2010/main" val="0"/>
+              </a:ext>
+            </a:extLst>
+          </a:blip>
+          <a:stretch>
+            <a:fillRect/>
+          </a:stretch>
+        </p:blipFill>
+        <p:spPr>
+          <a:xfrm>
+            <a:off x="3863899" y="612251"/>
+            <a:ext cx="987141" cy="987141"/>
+          </a:xfrm>
+          <a:prstGeom prst="rect">
+            <a:avLst/>
+          </a:prstGeom>
+        </p:spPr>
+      </p:pic>
+      <p:sp>
+        <p:nvSpPr>
+          <p:cNvPr id="14" name="TextBox 13"/>
+          <p:cNvSpPr txBox="1"/>
+          <p:nvPr/>
+        </p:nvSpPr>
+        <p:spPr>
+          <a:xfrm>
+            <a:off x="4960097" y="625877"/>
+            <a:ext cx="1531188" cy="923330"/>
+          </a:xfrm>
+          <a:prstGeom prst="rect">
+            <a:avLst/>
+          </a:prstGeom>
+          <a:noFill/>
+        </p:spPr>
+        <p:txBody>
+          <a:bodyPr wrap="square" rtlCol="0">
+            <a:spAutoFit/>
+          </a:bodyPr>
+          <a:lstStyle/>
+          <a:p>
+            <a:r>
+              <a:rPr lang="en-US" altLang="ko-KR" dirty="0"/>
+              <a:t>HP : 3</a:t>
+            </a:r>
+          </a:p>
+          <a:p>
+            <a:r>
+              <a:rPr lang="en-US" altLang="ko-KR" dirty="0"/>
+              <a:t>MP : 1000</a:t>
+            </a:r>
+          </a:p>
+          <a:p>
+            <a:r>
+              <a:rPr lang="ko-KR" altLang="en-US" dirty="0"/>
+              <a:t>이동속도 </a:t>
+            </a:r>
+            <a:r>
+              <a:rPr lang="en-US" altLang="ko-KR" dirty="0"/>
+              <a:t>: 1 </a:t>
             </a:r>
             <a:endParaRPr lang="ko-KR" altLang="en-US" dirty="0"/>
           </a:p>
@@ -11916,26 +13763,26 @@
       </p:sp>
       <p:sp>
         <p:nvSpPr>
-          <p:cNvPr id="5" name="직사각형 4"/>
+          <p:cNvPr id="11" name="직사각형 10"/>
           <p:cNvSpPr/>
           <p:nvPr/>
         </p:nvSpPr>
         <p:spPr>
           <a:xfrm>
-            <a:off x="4106860" y="2233020"/>
-            <a:ext cx="2491530" cy="1669409"/>
+            <a:off x="3640727" y="3549580"/>
+            <a:ext cx="7122350" cy="1342239"/>
           </a:xfrm>
           <a:prstGeom prst="rect">
             <a:avLst/>
           </a:prstGeom>
           <a:solidFill>
-            <a:schemeClr val="bg2">
-              <a:lumMod val="90000"/>
-            </a:schemeClr>
+            <a:schemeClr val="bg2"/>
           </a:solidFill>
           <a:ln>
             <a:solidFill>
-              <a:schemeClr val="tx1"/>
+              <a:schemeClr val="bg2">
+                <a:lumMod val="90000"/>
+              </a:schemeClr>
             </a:solidFill>
           </a:ln>
         </p:spPr>
@@ -11960,55 +13807,32 @@
           <a:lstStyle/>
           <a:p>
             <a:pPr algn="ctr"/>
-            <a:r>
-              <a:rPr lang="ko-KR" altLang="en-US" dirty="0"/>
-              <a:t> </a:t>
-            </a:r>
-            <a:r>
-              <a:rPr lang="ko-KR" altLang="en-US" dirty="0" err="1"/>
-              <a:t>플레이어수</a:t>
-            </a:r>
-            <a:r>
-              <a:rPr lang="en-US" altLang="ko-KR" dirty="0"/>
-              <a:t>/</a:t>
-            </a:r>
-            <a:r>
-              <a:rPr lang="ko-KR" altLang="en-US" dirty="0"/>
-              <a:t>팀 선택</a:t>
-            </a:r>
-            <a:endParaRPr lang="en-US" altLang="ko-KR" dirty="0"/>
-          </a:p>
-          <a:p>
-            <a:pPr algn="ctr"/>
-            <a:r>
-              <a:rPr lang="ko-KR" altLang="en-US" dirty="0"/>
-              <a:t>캐릭터 선택</a:t>
-            </a:r>
-          </a:p>
-        </p:txBody>
-      </p:sp>
-      <p:sp>
-        <p:nvSpPr>
-          <p:cNvPr id="7" name="직사각형 6"/>
+            <a:endParaRPr lang="ko-KR" altLang="en-US"/>
+          </a:p>
+        </p:txBody>
+      </p:sp>
+      <p:sp>
+        <p:nvSpPr>
+          <p:cNvPr id="13" name="직사각형 12"/>
           <p:cNvSpPr/>
           <p:nvPr/>
         </p:nvSpPr>
         <p:spPr>
           <a:xfrm>
-            <a:off x="7026819" y="2233021"/>
-            <a:ext cx="2491530" cy="1669409"/>
+            <a:off x="3640727" y="5115802"/>
+            <a:ext cx="7122350" cy="1342239"/>
           </a:xfrm>
           <a:prstGeom prst="rect">
             <a:avLst/>
           </a:prstGeom>
           <a:solidFill>
-            <a:schemeClr val="bg2">
-              <a:lumMod val="90000"/>
-            </a:schemeClr>
+            <a:schemeClr val="bg2"/>
           </a:solidFill>
           <a:ln>
             <a:solidFill>
-              <a:schemeClr val="tx1"/>
+              <a:schemeClr val="bg2">
+                <a:lumMod val="90000"/>
+              </a:schemeClr>
             </a:solidFill>
           </a:ln>
         </p:spPr>
@@ -12033,382 +13857,32 @@
           <a:lstStyle/>
           <a:p>
             <a:pPr algn="ctr"/>
-            <a:r>
-              <a:rPr lang="ko-KR" altLang="en-US" dirty="0" err="1"/>
-              <a:t>인게임</a:t>
-            </a:r>
-            <a:endParaRPr lang="ko-KR" altLang="en-US" dirty="0"/>
-          </a:p>
-        </p:txBody>
-      </p:sp>
-      <p:sp>
-        <p:nvSpPr>
-          <p:cNvPr id="16" name="직사각형 15"/>
+            <a:endParaRPr lang="ko-KR" altLang="en-US"/>
+          </a:p>
+        </p:txBody>
+      </p:sp>
+      <p:sp>
+        <p:nvSpPr>
+          <p:cNvPr id="15" name="직사각형 14"/>
           <p:cNvSpPr/>
           <p:nvPr/>
         </p:nvSpPr>
         <p:spPr>
           <a:xfrm>
-            <a:off x="1603463" y="742602"/>
-            <a:ext cx="1591239" cy="686190"/>
+            <a:off x="3640727" y="1993425"/>
+            <a:ext cx="7122350" cy="1342239"/>
           </a:xfrm>
           <a:prstGeom prst="rect">
             <a:avLst/>
           </a:prstGeom>
-          <a:ln/>
-        </p:spPr>
-        <p:style>
-          <a:lnRef idx="2">
-            <a:schemeClr val="accent5">
-              <a:shade val="50000"/>
-            </a:schemeClr>
-          </a:lnRef>
-          <a:fillRef idx="1">
-            <a:schemeClr val="accent5"/>
-          </a:fillRef>
-          <a:effectRef idx="0">
-            <a:schemeClr val="accent5"/>
-          </a:effectRef>
-          <a:fontRef idx="minor">
-            <a:schemeClr val="lt1"/>
-          </a:fontRef>
-        </p:style>
-        <p:txBody>
-          <a:bodyPr rtlCol="0" anchor="ctr"/>
-          <a:lstStyle/>
-          <a:p>
-            <a:pPr algn="ctr"/>
-            <a:r>
-              <a:rPr lang="ko-KR" altLang="en-US" dirty="0"/>
-              <a:t>메뉴 옵션</a:t>
-            </a:r>
-          </a:p>
-        </p:txBody>
-      </p:sp>
-      <p:cxnSp>
-        <p:nvCxnSpPr>
-          <p:cNvPr id="33" name="연결선: 꺾임 32"/>
-          <p:cNvCxnSpPr>
-            <a:cxnSpLocks/>
-            <a:stCxn id="3" idx="0"/>
-            <a:endCxn id="16" idx="2"/>
-          </p:cNvCxnSpPr>
-          <p:nvPr/>
-        </p:nvCxnSpPr>
-        <p:spPr>
-          <a:xfrm rot="5400000" flipH="1" flipV="1">
-            <a:off x="1994287" y="1828229"/>
-            <a:ext cx="804232" cy="5359"/>
-          </a:xfrm>
-          <a:prstGeom prst="bentConnector3">
-            <a:avLst>
-              <a:gd name="adj1" fmla="val 50000"/>
-            </a:avLst>
-          </a:prstGeom>
-          <a:ln w="28575">
-            <a:tailEnd type="triangle"/>
-          </a:ln>
-        </p:spPr>
-        <p:style>
-          <a:lnRef idx="1">
-            <a:schemeClr val="accent1"/>
-          </a:lnRef>
-          <a:fillRef idx="0">
-            <a:schemeClr val="accent1"/>
-          </a:fillRef>
-          <a:effectRef idx="0">
-            <a:schemeClr val="accent1"/>
-          </a:effectRef>
-          <a:fontRef idx="minor">
-            <a:schemeClr val="tx1"/>
-          </a:fontRef>
-        </p:style>
-      </p:cxnSp>
-      <p:cxnSp>
-        <p:nvCxnSpPr>
-          <p:cNvPr id="36" name="연결선: 꺾임 35"/>
-          <p:cNvCxnSpPr>
-            <a:cxnSpLocks/>
-            <a:stCxn id="3" idx="0"/>
-            <a:endCxn id="53" idx="2"/>
-          </p:cNvCxnSpPr>
-          <p:nvPr/>
-        </p:nvCxnSpPr>
-        <p:spPr>
-          <a:xfrm rot="5400000" flipH="1" flipV="1">
-            <a:off x="3037634" y="784882"/>
-            <a:ext cx="804232" cy="2092053"/>
-          </a:xfrm>
-          <a:prstGeom prst="bentConnector3">
-            <a:avLst>
-              <a:gd name="adj1" fmla="val 50000"/>
-            </a:avLst>
-          </a:prstGeom>
-          <a:ln w="28575">
-            <a:tailEnd type="triangle"/>
-          </a:ln>
-        </p:spPr>
-        <p:style>
-          <a:lnRef idx="1">
-            <a:schemeClr val="accent1"/>
-          </a:lnRef>
-          <a:fillRef idx="0">
-            <a:schemeClr val="accent1"/>
-          </a:fillRef>
-          <a:effectRef idx="0">
-            <a:schemeClr val="accent1"/>
-          </a:effectRef>
-          <a:fontRef idx="minor">
-            <a:schemeClr val="tx1"/>
-          </a:fontRef>
-        </p:style>
-      </p:cxnSp>
-      <p:cxnSp>
-        <p:nvCxnSpPr>
-          <p:cNvPr id="40" name="직선 화살표 연결선 39"/>
-          <p:cNvCxnSpPr>
-            <a:cxnSpLocks/>
-            <a:stCxn id="3" idx="3"/>
-            <a:endCxn id="5" idx="1"/>
-          </p:cNvCxnSpPr>
-          <p:nvPr/>
-        </p:nvCxnSpPr>
-        <p:spPr>
-          <a:xfrm flipV="1">
-            <a:off x="3639489" y="3067725"/>
-            <a:ext cx="467371" cy="4"/>
-          </a:xfrm>
-          <a:prstGeom prst="straightConnector1">
-            <a:avLst/>
-          </a:prstGeom>
-          <a:ln w="28575">
-            <a:tailEnd type="triangle"/>
-          </a:ln>
-        </p:spPr>
-        <p:style>
-          <a:lnRef idx="1">
-            <a:schemeClr val="accent1"/>
-          </a:lnRef>
-          <a:fillRef idx="0">
-            <a:schemeClr val="accent1"/>
-          </a:fillRef>
-          <a:effectRef idx="0">
-            <a:schemeClr val="accent1"/>
-          </a:effectRef>
-          <a:fontRef idx="minor">
-            <a:schemeClr val="tx1"/>
-          </a:fontRef>
-        </p:style>
-      </p:cxnSp>
-      <p:cxnSp>
-        <p:nvCxnSpPr>
-          <p:cNvPr id="41" name="직선 화살표 연결선 40"/>
-          <p:cNvCxnSpPr>
-            <a:cxnSpLocks/>
-            <a:stCxn id="5" idx="3"/>
-            <a:endCxn id="7" idx="1"/>
-          </p:cNvCxnSpPr>
-          <p:nvPr/>
-        </p:nvCxnSpPr>
-        <p:spPr>
-          <a:xfrm>
-            <a:off x="6598390" y="3067725"/>
-            <a:ext cx="428429" cy="1"/>
-          </a:xfrm>
-          <a:prstGeom prst="straightConnector1">
-            <a:avLst/>
-          </a:prstGeom>
-          <a:ln w="28575">
-            <a:tailEnd type="triangle"/>
-          </a:ln>
-        </p:spPr>
-        <p:style>
-          <a:lnRef idx="1">
-            <a:schemeClr val="accent1"/>
-          </a:lnRef>
-          <a:fillRef idx="0">
-            <a:schemeClr val="accent1"/>
-          </a:fillRef>
-          <a:effectRef idx="0">
-            <a:schemeClr val="accent1"/>
-          </a:effectRef>
-          <a:fontRef idx="minor">
-            <a:schemeClr val="tx1"/>
-          </a:fontRef>
-        </p:style>
-      </p:cxnSp>
-      <p:cxnSp>
-        <p:nvCxnSpPr>
-          <p:cNvPr id="43" name="직선 화살표 연결선 42"/>
-          <p:cNvCxnSpPr>
-            <a:cxnSpLocks/>
-            <a:stCxn id="7" idx="3"/>
-            <a:endCxn id="24" idx="1"/>
-          </p:cNvCxnSpPr>
-          <p:nvPr/>
-        </p:nvCxnSpPr>
-        <p:spPr>
-          <a:xfrm>
-            <a:off x="9518349" y="3067726"/>
-            <a:ext cx="356829" cy="2"/>
-          </a:xfrm>
-          <a:prstGeom prst="straightConnector1">
-            <a:avLst/>
-          </a:prstGeom>
-          <a:ln w="28575">
-            <a:tailEnd type="triangle"/>
-          </a:ln>
-        </p:spPr>
-        <p:style>
-          <a:lnRef idx="1">
-            <a:schemeClr val="accent1"/>
-          </a:lnRef>
-          <a:fillRef idx="0">
-            <a:schemeClr val="accent1"/>
-          </a:fillRef>
-          <a:effectRef idx="0">
-            <a:schemeClr val="accent1"/>
-          </a:effectRef>
-          <a:fontRef idx="minor">
-            <a:schemeClr val="tx1"/>
-          </a:fontRef>
-        </p:style>
-      </p:cxnSp>
-      <p:sp>
-        <p:nvSpPr>
-          <p:cNvPr id="46" name="TextBox 45"/>
-          <p:cNvSpPr txBox="1"/>
-          <p:nvPr/>
-        </p:nvSpPr>
-        <p:spPr>
-          <a:xfrm>
-            <a:off x="190743" y="182246"/>
-            <a:ext cx="1107996" cy="461665"/>
-          </a:xfrm>
-          <a:prstGeom prst="rect">
-            <a:avLst/>
-          </a:prstGeom>
-          <a:noFill/>
-        </p:spPr>
-        <p:txBody>
-          <a:bodyPr wrap="none" rtlCol="0">
-            <a:spAutoFit/>
-          </a:bodyPr>
-          <a:lstStyle/>
-          <a:p>
-            <a:r>
-              <a:rPr lang="ko-KR" altLang="en-US" sz="2400" b="1" dirty="0" err="1"/>
-              <a:t>씬구성</a:t>
-            </a:r>
-            <a:endParaRPr lang="ko-KR" altLang="en-US" sz="2400" b="1" dirty="0"/>
-          </a:p>
-        </p:txBody>
-      </p:sp>
-      <p:sp>
-        <p:nvSpPr>
-          <p:cNvPr id="50" name="직사각형 49"/>
-          <p:cNvSpPr/>
-          <p:nvPr/>
-        </p:nvSpPr>
-        <p:spPr>
-          <a:xfrm>
-            <a:off x="7455250" y="756219"/>
-            <a:ext cx="1634667" cy="693045"/>
-          </a:xfrm>
-          <a:prstGeom prst="rect">
-            <a:avLst/>
-          </a:prstGeom>
-          <a:ln/>
-        </p:spPr>
-        <p:style>
-          <a:lnRef idx="2">
-            <a:schemeClr val="accent5">
-              <a:shade val="50000"/>
-            </a:schemeClr>
-          </a:lnRef>
-          <a:fillRef idx="1">
-            <a:schemeClr val="accent5"/>
-          </a:fillRef>
-          <a:effectRef idx="0">
-            <a:schemeClr val="accent5"/>
-          </a:effectRef>
-          <a:fontRef idx="minor">
-            <a:schemeClr val="lt1"/>
-          </a:fontRef>
-        </p:style>
-        <p:txBody>
-          <a:bodyPr rtlCol="0" anchor="ctr"/>
-          <a:lstStyle/>
-          <a:p>
-            <a:pPr algn="ctr"/>
-            <a:r>
-              <a:rPr lang="ko-KR" altLang="en-US" dirty="0" err="1"/>
-              <a:t>인게임</a:t>
-            </a:r>
-            <a:r>
-              <a:rPr lang="ko-KR" altLang="en-US" dirty="0"/>
-              <a:t> 옵션</a:t>
-            </a:r>
-          </a:p>
-        </p:txBody>
-      </p:sp>
-      <p:cxnSp>
-        <p:nvCxnSpPr>
-          <p:cNvPr id="51" name="연결선: 꺾임 50"/>
-          <p:cNvCxnSpPr>
-            <a:cxnSpLocks/>
-          </p:cNvCxnSpPr>
-          <p:nvPr/>
-        </p:nvCxnSpPr>
-        <p:spPr>
-          <a:xfrm rot="16200000" flipV="1">
-            <a:off x="15543581" y="1456177"/>
-            <a:ext cx="660974" cy="1388378"/>
-          </a:xfrm>
-          <a:prstGeom prst="bentConnector2">
-            <a:avLst/>
-          </a:prstGeom>
-          <a:ln w="28575">
-            <a:tailEnd type="triangle"/>
-          </a:ln>
-        </p:spPr>
-        <p:style>
-          <a:lnRef idx="1">
-            <a:schemeClr val="accent1"/>
-          </a:lnRef>
-          <a:fillRef idx="0">
-            <a:schemeClr val="accent1"/>
-          </a:fillRef>
-          <a:effectRef idx="0">
-            <a:schemeClr val="accent1"/>
-          </a:effectRef>
-          <a:fontRef idx="minor">
-            <a:schemeClr val="tx1"/>
-          </a:fontRef>
-        </p:style>
-      </p:cxnSp>
-      <p:sp>
-        <p:nvSpPr>
-          <p:cNvPr id="56" name="직사각형 55"/>
-          <p:cNvSpPr/>
-          <p:nvPr/>
-        </p:nvSpPr>
-        <p:spPr>
-          <a:xfrm>
-            <a:off x="1147958" y="4633514"/>
-            <a:ext cx="2491530" cy="1669409"/>
-          </a:xfrm>
-          <a:prstGeom prst="rect">
-            <a:avLst/>
-          </a:prstGeom>
           <a:solidFill>
-            <a:schemeClr val="bg2">
-              <a:lumMod val="90000"/>
-            </a:schemeClr>
+            <a:schemeClr val="bg2"/>
           </a:solidFill>
           <a:ln>
             <a:solidFill>
-              <a:schemeClr val="tx1"/>
+              <a:schemeClr val="bg2">
+                <a:lumMod val="90000"/>
+              </a:schemeClr>
             </a:solidFill>
           </a:ln>
         </p:spPr>
@@ -12433,392 +13907,248 @@
           <a:lstStyle/>
           <a:p>
             <a:pPr algn="ctr"/>
-            <a:r>
-              <a:rPr lang="ko-KR" altLang="en-US" dirty="0" err="1"/>
-              <a:t>크레딧</a:t>
+            <a:endParaRPr lang="ko-KR" altLang="en-US"/>
+          </a:p>
+        </p:txBody>
+      </p:sp>
+      <p:pic>
+        <p:nvPicPr>
+          <p:cNvPr id="17" name="그림 16"/>
+          <p:cNvPicPr>
+            <a:picLocks noChangeAspect="1"/>
+          </p:cNvPicPr>
+          <p:nvPr/>
+        </p:nvPicPr>
+        <p:blipFill>
+          <a:blip r:embed="rId3">
+            <a:extLst>
+              <a:ext uri="{28A0092B-C50C-407E-A947-70E740481C1C}">
+                <a14:useLocalDpi xmlns:a14="http://schemas.microsoft.com/office/drawing/2010/main" val="0"/>
+              </a:ext>
+            </a:extLst>
+          </a:blip>
+          <a:stretch>
+            <a:fillRect/>
+          </a:stretch>
+        </p:blipFill>
+        <p:spPr>
+          <a:xfrm>
+            <a:off x="3863899" y="2208122"/>
+            <a:ext cx="958111" cy="958111"/>
+          </a:xfrm>
+          <a:prstGeom prst="rect">
+            <a:avLst/>
+          </a:prstGeom>
+        </p:spPr>
+      </p:pic>
+      <p:sp>
+        <p:nvSpPr>
+          <p:cNvPr id="21" name="TextBox 20"/>
+          <p:cNvSpPr txBox="1"/>
+          <p:nvPr/>
+        </p:nvSpPr>
+        <p:spPr>
+          <a:xfrm>
+            <a:off x="4960097" y="2202879"/>
+            <a:ext cx="1887524" cy="923330"/>
+          </a:xfrm>
+          <a:prstGeom prst="rect">
+            <a:avLst/>
+          </a:prstGeom>
+          <a:noFill/>
+        </p:spPr>
+        <p:txBody>
+          <a:bodyPr wrap="square" rtlCol="0">
+            <a:spAutoFit/>
+          </a:bodyPr>
+          <a:lstStyle/>
+          <a:p>
+            <a:r>
+              <a:rPr lang="en-US" altLang="ko-KR" dirty="0"/>
+              <a:t>HP : 3</a:t>
+            </a:r>
+          </a:p>
+          <a:p>
+            <a:r>
+              <a:rPr lang="en-US" altLang="ko-KR" dirty="0"/>
+              <a:t>MP : 1000</a:t>
+            </a:r>
+          </a:p>
+          <a:p>
+            <a:r>
+              <a:rPr lang="ko-KR" altLang="en-US" dirty="0"/>
+              <a:t>이동속도 </a:t>
+            </a:r>
+            <a:r>
+              <a:rPr lang="en-US" altLang="ko-KR" dirty="0"/>
+              <a:t>: 1.3</a:t>
             </a:r>
             <a:endParaRPr lang="ko-KR" altLang="en-US" dirty="0"/>
           </a:p>
         </p:txBody>
       </p:sp>
-      <p:cxnSp>
-        <p:nvCxnSpPr>
-          <p:cNvPr id="57" name="연결선: 꺾임 56"/>
-          <p:cNvCxnSpPr>
-            <a:cxnSpLocks/>
-            <a:stCxn id="3" idx="1"/>
-            <a:endCxn id="56" idx="1"/>
-          </p:cNvCxnSpPr>
-          <p:nvPr/>
-        </p:nvCxnSpPr>
-        <p:spPr>
-          <a:xfrm rot="10800000" flipV="1">
-            <a:off x="1147959" y="3067729"/>
-            <a:ext cx="1" cy="2400490"/>
-          </a:xfrm>
-          <a:prstGeom prst="bentConnector3">
-            <a:avLst>
-              <a:gd name="adj1" fmla="val 22860100000"/>
-            </a:avLst>
-          </a:prstGeom>
-          <a:ln w="28575">
-            <a:tailEnd type="triangle"/>
-          </a:ln>
-        </p:spPr>
-        <p:style>
-          <a:lnRef idx="1">
-            <a:schemeClr val="accent1"/>
-          </a:lnRef>
-          <a:fillRef idx="0">
-            <a:schemeClr val="accent1"/>
-          </a:fillRef>
-          <a:effectRef idx="0">
-            <a:schemeClr val="accent1"/>
-          </a:effectRef>
-          <a:fontRef idx="minor">
-            <a:schemeClr val="tx1"/>
-          </a:fontRef>
-        </p:style>
-      </p:cxnSp>
-      <p:sp>
-        <p:nvSpPr>
-          <p:cNvPr id="24" name="직사각형 23"/>
+      <p:pic>
+        <p:nvPicPr>
+          <p:cNvPr id="22" name="그림 21"/>
+          <p:cNvPicPr>
+            <a:picLocks noChangeAspect="1"/>
+          </p:cNvPicPr>
+          <p:nvPr/>
+        </p:nvPicPr>
+        <p:blipFill>
+          <a:blip r:embed="rId4">
+            <a:extLst>
+              <a:ext uri="{28A0092B-C50C-407E-A947-70E740481C1C}">
+                <a14:useLocalDpi xmlns:a14="http://schemas.microsoft.com/office/drawing/2010/main" val="0"/>
+              </a:ext>
+            </a:extLst>
+          </a:blip>
+          <a:stretch>
+            <a:fillRect/>
+          </a:stretch>
+        </p:blipFill>
+        <p:spPr>
+          <a:xfrm>
+            <a:off x="3948636" y="3756170"/>
+            <a:ext cx="812698" cy="812698"/>
+          </a:xfrm>
+          <a:prstGeom prst="rect">
+            <a:avLst/>
+          </a:prstGeom>
+        </p:spPr>
+      </p:pic>
+      <p:sp>
+        <p:nvSpPr>
+          <p:cNvPr id="23" name="TextBox 22"/>
+          <p:cNvSpPr txBox="1"/>
+          <p:nvPr/>
+        </p:nvSpPr>
+        <p:spPr>
+          <a:xfrm>
+            <a:off x="4960097" y="3756170"/>
+            <a:ext cx="1627369" cy="923330"/>
+          </a:xfrm>
+          <a:prstGeom prst="rect">
+            <a:avLst/>
+          </a:prstGeom>
+          <a:noFill/>
+        </p:spPr>
+        <p:txBody>
+          <a:bodyPr wrap="square" rtlCol="0">
+            <a:spAutoFit/>
+          </a:bodyPr>
+          <a:lstStyle/>
+          <a:p>
+            <a:r>
+              <a:rPr lang="en-US" altLang="ko-KR" dirty="0"/>
+              <a:t>HP : 5</a:t>
+            </a:r>
+          </a:p>
+          <a:p>
+            <a:r>
+              <a:rPr lang="en-US" altLang="ko-KR" dirty="0"/>
+              <a:t>MP : 1000</a:t>
+            </a:r>
+          </a:p>
+          <a:p>
+            <a:r>
+              <a:rPr lang="ko-KR" altLang="en-US" dirty="0"/>
+              <a:t>이동속도 </a:t>
+            </a:r>
+            <a:r>
+              <a:rPr lang="en-US" altLang="ko-KR" dirty="0"/>
+              <a:t>: 0.7</a:t>
+            </a:r>
+            <a:endParaRPr lang="ko-KR" altLang="en-US" dirty="0"/>
+          </a:p>
+        </p:txBody>
+      </p:sp>
+      <p:pic>
+        <p:nvPicPr>
+          <p:cNvPr id="24" name="그림 23"/>
+          <p:cNvPicPr>
+            <a:picLocks noChangeAspect="1"/>
+          </p:cNvPicPr>
+          <p:nvPr/>
+        </p:nvPicPr>
+        <p:blipFill>
+          <a:blip r:embed="rId5">
+            <a:extLst>
+              <a:ext uri="{28A0092B-C50C-407E-A947-70E740481C1C}">
+                <a14:useLocalDpi xmlns:a14="http://schemas.microsoft.com/office/drawing/2010/main" val="0"/>
+              </a:ext>
+            </a:extLst>
+          </a:blip>
+          <a:stretch>
+            <a:fillRect/>
+          </a:stretch>
+        </p:blipFill>
+        <p:spPr>
+          <a:xfrm>
+            <a:off x="3948636" y="5360117"/>
+            <a:ext cx="812698" cy="812698"/>
+          </a:xfrm>
+          <a:prstGeom prst="rect">
+            <a:avLst/>
+          </a:prstGeom>
+        </p:spPr>
+      </p:pic>
+      <p:sp>
+        <p:nvSpPr>
+          <p:cNvPr id="25" name="TextBox 24"/>
+          <p:cNvSpPr txBox="1"/>
+          <p:nvPr/>
+        </p:nvSpPr>
+        <p:spPr>
+          <a:xfrm>
+            <a:off x="4960097" y="5325256"/>
+            <a:ext cx="1449436" cy="923330"/>
+          </a:xfrm>
+          <a:prstGeom prst="rect">
+            <a:avLst/>
+          </a:prstGeom>
+          <a:noFill/>
+        </p:spPr>
+        <p:txBody>
+          <a:bodyPr wrap="square" rtlCol="0">
+            <a:spAutoFit/>
+          </a:bodyPr>
+          <a:lstStyle/>
+          <a:p>
+            <a:r>
+              <a:rPr lang="en-US" altLang="ko-KR" dirty="0"/>
+              <a:t>HP : 3</a:t>
+            </a:r>
+          </a:p>
+          <a:p>
+            <a:r>
+              <a:rPr lang="en-US" altLang="ko-KR" dirty="0"/>
+              <a:t>MP : 1000</a:t>
+            </a:r>
+          </a:p>
+          <a:p>
+            <a:r>
+              <a:rPr lang="ko-KR" altLang="en-US" dirty="0"/>
+              <a:t>이동속도 </a:t>
+            </a:r>
+            <a:r>
+              <a:rPr lang="en-US" altLang="ko-KR" dirty="0"/>
+              <a:t>: 1</a:t>
+            </a:r>
+            <a:endParaRPr lang="ko-KR" altLang="en-US" dirty="0"/>
+          </a:p>
+        </p:txBody>
+      </p:sp>
+      <p:sp>
+        <p:nvSpPr>
+          <p:cNvPr id="4" name="직사각형 3"/>
           <p:cNvSpPr/>
           <p:nvPr/>
         </p:nvSpPr>
         <p:spPr>
           <a:xfrm>
-            <a:off x="9875178" y="2721205"/>
-            <a:ext cx="1634667" cy="693045"/>
-          </a:xfrm>
-          <a:prstGeom prst="rect">
-            <a:avLst/>
-          </a:prstGeom>
-          <a:ln/>
-        </p:spPr>
-        <p:style>
-          <a:lnRef idx="2">
-            <a:schemeClr val="accent5">
-              <a:shade val="50000"/>
-            </a:schemeClr>
-          </a:lnRef>
-          <a:fillRef idx="1">
-            <a:schemeClr val="accent5"/>
-          </a:fillRef>
-          <a:effectRef idx="0">
-            <a:schemeClr val="accent5"/>
-          </a:effectRef>
-          <a:fontRef idx="minor">
-            <a:schemeClr val="lt1"/>
-          </a:fontRef>
-        </p:style>
-        <p:txBody>
-          <a:bodyPr rtlCol="0" anchor="ctr"/>
-          <a:lstStyle/>
-          <a:p>
-            <a:pPr algn="ctr"/>
-            <a:r>
-              <a:rPr lang="ko-KR" altLang="en-US" dirty="0"/>
-              <a:t>게임결과</a:t>
-            </a:r>
-          </a:p>
-        </p:txBody>
-      </p:sp>
-      <p:sp>
-        <p:nvSpPr>
-          <p:cNvPr id="52" name="직사각형 51"/>
-          <p:cNvSpPr/>
-          <p:nvPr/>
-        </p:nvSpPr>
-        <p:spPr>
-          <a:xfrm>
-            <a:off x="9603630" y="761384"/>
-            <a:ext cx="1634667" cy="693045"/>
-          </a:xfrm>
-          <a:prstGeom prst="rect">
-            <a:avLst/>
-          </a:prstGeom>
-          <a:ln/>
-        </p:spPr>
-        <p:style>
-          <a:lnRef idx="2">
-            <a:schemeClr val="accent5">
-              <a:shade val="50000"/>
-            </a:schemeClr>
-          </a:lnRef>
-          <a:fillRef idx="1">
-            <a:schemeClr val="accent5"/>
-          </a:fillRef>
-          <a:effectRef idx="0">
-            <a:schemeClr val="accent5"/>
-          </a:effectRef>
-          <a:fontRef idx="minor">
-            <a:schemeClr val="lt1"/>
-          </a:fontRef>
-        </p:style>
-        <p:txBody>
-          <a:bodyPr rtlCol="0" anchor="ctr"/>
-          <a:lstStyle/>
-          <a:p>
-            <a:pPr algn="ctr"/>
-            <a:r>
-              <a:rPr lang="ko-KR" altLang="en-US"/>
-              <a:t>가이드</a:t>
-            </a:r>
-            <a:endParaRPr lang="ko-KR" altLang="en-US" dirty="0"/>
-          </a:p>
-        </p:txBody>
-      </p:sp>
-      <p:sp>
-        <p:nvSpPr>
-          <p:cNvPr id="53" name="직사각형 52"/>
-          <p:cNvSpPr/>
-          <p:nvPr/>
-        </p:nvSpPr>
-        <p:spPr>
-          <a:xfrm>
-            <a:off x="3668443" y="735747"/>
-            <a:ext cx="1634667" cy="693045"/>
-          </a:xfrm>
-          <a:prstGeom prst="rect">
-            <a:avLst/>
-          </a:prstGeom>
-          <a:ln/>
-        </p:spPr>
-        <p:style>
-          <a:lnRef idx="2">
-            <a:schemeClr val="accent5">
-              <a:shade val="50000"/>
-            </a:schemeClr>
-          </a:lnRef>
-          <a:fillRef idx="1">
-            <a:schemeClr val="accent5"/>
-          </a:fillRef>
-          <a:effectRef idx="0">
-            <a:schemeClr val="accent5"/>
-          </a:effectRef>
-          <a:fontRef idx="minor">
-            <a:schemeClr val="lt1"/>
-          </a:fontRef>
-        </p:style>
-        <p:txBody>
-          <a:bodyPr rtlCol="0" anchor="ctr"/>
-          <a:lstStyle/>
-          <a:p>
-            <a:pPr algn="ctr"/>
-            <a:r>
-              <a:rPr lang="ko-KR" altLang="en-US" dirty="0"/>
-              <a:t>가이드</a:t>
-            </a:r>
-          </a:p>
-        </p:txBody>
-      </p:sp>
-      <p:cxnSp>
-        <p:nvCxnSpPr>
-          <p:cNvPr id="58" name="직선 화살표 연결선 57"/>
-          <p:cNvCxnSpPr>
-            <a:cxnSpLocks/>
-            <a:stCxn id="50" idx="3"/>
-            <a:endCxn id="52" idx="1"/>
-          </p:cNvCxnSpPr>
-          <p:nvPr/>
-        </p:nvCxnSpPr>
-        <p:spPr>
-          <a:xfrm>
-            <a:off x="9089917" y="1102742"/>
-            <a:ext cx="513713" cy="5165"/>
-          </a:xfrm>
-          <a:prstGeom prst="straightConnector1">
-            <a:avLst/>
-          </a:prstGeom>
-          <a:ln w="28575">
-            <a:tailEnd type="triangle"/>
-          </a:ln>
-        </p:spPr>
-        <p:style>
-          <a:lnRef idx="1">
-            <a:schemeClr val="accent1"/>
-          </a:lnRef>
-          <a:fillRef idx="0">
-            <a:schemeClr val="accent1"/>
-          </a:fillRef>
-          <a:effectRef idx="0">
-            <a:schemeClr val="accent1"/>
-          </a:effectRef>
-          <a:fontRef idx="minor">
-            <a:schemeClr val="tx1"/>
-          </a:fontRef>
-        </p:style>
-      </p:cxnSp>
-      <p:cxnSp>
-        <p:nvCxnSpPr>
-          <p:cNvPr id="62" name="연결선: 꺾임 61"/>
-          <p:cNvCxnSpPr>
-            <a:cxnSpLocks/>
-            <a:stCxn id="24" idx="2"/>
-            <a:endCxn id="3" idx="2"/>
-          </p:cNvCxnSpPr>
-          <p:nvPr/>
-        </p:nvCxnSpPr>
-        <p:spPr>
-          <a:xfrm rot="5400000">
-            <a:off x="6299027" y="-491053"/>
-            <a:ext cx="488183" cy="8298788"/>
-          </a:xfrm>
-          <a:prstGeom prst="bentConnector3">
-            <a:avLst>
-              <a:gd name="adj1" fmla="val 176586"/>
-            </a:avLst>
-          </a:prstGeom>
-          <a:ln w="28575">
-            <a:tailEnd type="triangle"/>
-          </a:ln>
-        </p:spPr>
-        <p:style>
-          <a:lnRef idx="1">
-            <a:schemeClr val="accent1"/>
-          </a:lnRef>
-          <a:fillRef idx="0">
-            <a:schemeClr val="accent1"/>
-          </a:fillRef>
-          <a:effectRef idx="0">
-            <a:schemeClr val="accent1"/>
-          </a:effectRef>
-          <a:fontRef idx="minor">
-            <a:schemeClr val="tx1"/>
-          </a:fontRef>
-        </p:style>
-      </p:cxnSp>
-      <p:cxnSp>
-        <p:nvCxnSpPr>
-          <p:cNvPr id="65" name="직선 화살표 연결선 64"/>
-          <p:cNvCxnSpPr>
-            <a:cxnSpLocks/>
-            <a:stCxn id="7" idx="0"/>
-            <a:endCxn id="50" idx="2"/>
-          </p:cNvCxnSpPr>
-          <p:nvPr/>
-        </p:nvCxnSpPr>
-        <p:spPr>
-          <a:xfrm flipV="1">
-            <a:off x="8272584" y="1449264"/>
-            <a:ext cx="0" cy="783757"/>
-          </a:xfrm>
-          <a:prstGeom prst="straightConnector1">
-            <a:avLst/>
-          </a:prstGeom>
-          <a:ln w="28575">
-            <a:tailEnd type="triangle"/>
-          </a:ln>
-        </p:spPr>
-        <p:style>
-          <a:lnRef idx="1">
-            <a:schemeClr val="accent1"/>
-          </a:lnRef>
-          <a:fillRef idx="0">
-            <a:schemeClr val="accent1"/>
-          </a:fillRef>
-          <a:effectRef idx="0">
-            <a:schemeClr val="accent1"/>
-          </a:effectRef>
-          <a:fontRef idx="minor">
-            <a:schemeClr val="tx1"/>
-          </a:fontRef>
-        </p:style>
-      </p:cxnSp>
-      <p:cxnSp>
-        <p:nvCxnSpPr>
-          <p:cNvPr id="81" name="연결선: 꺾임 80"/>
-          <p:cNvCxnSpPr>
-            <a:cxnSpLocks/>
-            <a:stCxn id="24" idx="2"/>
-            <a:endCxn id="5" idx="2"/>
-          </p:cNvCxnSpPr>
-          <p:nvPr/>
-        </p:nvCxnSpPr>
-        <p:spPr>
-          <a:xfrm rot="5400000">
-            <a:off x="7778480" y="988396"/>
-            <a:ext cx="488179" cy="5339887"/>
-          </a:xfrm>
-          <a:prstGeom prst="bentConnector3">
-            <a:avLst>
-              <a:gd name="adj1" fmla="val 173085"/>
-            </a:avLst>
-          </a:prstGeom>
-          <a:ln w="28575">
-            <a:tailEnd type="triangle"/>
-          </a:ln>
-        </p:spPr>
-        <p:style>
-          <a:lnRef idx="1">
-            <a:schemeClr val="accent1"/>
-          </a:lnRef>
-          <a:fillRef idx="0">
-            <a:schemeClr val="accent1"/>
-          </a:fillRef>
-          <a:effectRef idx="0">
-            <a:schemeClr val="accent1"/>
-          </a:effectRef>
-          <a:fontRef idx="minor">
-            <a:schemeClr val="tx1"/>
-          </a:fontRef>
-        </p:style>
-      </p:cxnSp>
-      <p:sp>
-        <p:nvSpPr>
-          <p:cNvPr id="88" name="직사각형 87"/>
-          <p:cNvSpPr/>
-          <p:nvPr/>
-        </p:nvSpPr>
-        <p:spPr>
-          <a:xfrm>
-            <a:off x="9875178" y="5468217"/>
-            <a:ext cx="1542004" cy="693045"/>
-          </a:xfrm>
-          <a:prstGeom prst="rect">
-            <a:avLst/>
-          </a:prstGeom>
-          <a:ln/>
-        </p:spPr>
-        <p:style>
-          <a:lnRef idx="2">
-            <a:schemeClr val="accent5">
-              <a:shade val="50000"/>
-            </a:schemeClr>
-          </a:lnRef>
-          <a:fillRef idx="1">
-            <a:schemeClr val="accent5"/>
-          </a:fillRef>
-          <a:effectRef idx="0">
-            <a:schemeClr val="accent5"/>
-          </a:effectRef>
-          <a:fontRef idx="minor">
-            <a:schemeClr val="lt1"/>
-          </a:fontRef>
-        </p:style>
-        <p:txBody>
-          <a:bodyPr rtlCol="0" anchor="ctr"/>
-          <a:lstStyle/>
-          <a:p>
-            <a:pPr algn="ctr"/>
-            <a:r>
-              <a:rPr lang="ko-KR" altLang="en-US" dirty="0"/>
-              <a:t>패널</a:t>
-            </a:r>
-          </a:p>
-        </p:txBody>
-      </p:sp>
-      <p:sp>
-        <p:nvSpPr>
-          <p:cNvPr id="90" name="직사각형 89"/>
-          <p:cNvSpPr/>
-          <p:nvPr/>
-        </p:nvSpPr>
-        <p:spPr>
-          <a:xfrm>
-            <a:off x="8101412" y="5468218"/>
-            <a:ext cx="1502218" cy="693045"/>
+            <a:off x="6847621" y="612251"/>
+            <a:ext cx="1105239" cy="973515"/>
           </a:xfrm>
           <a:prstGeom prst="rect">
             <a:avLst/>
@@ -12830,7 +14160,9 @@
           </a:solidFill>
           <a:ln>
             <a:solidFill>
-              <a:schemeClr val="tx1"/>
+              <a:schemeClr val="bg2">
+                <a:lumMod val="50000"/>
+              </a:schemeClr>
             </a:solidFill>
           </a:ln>
         </p:spPr>
@@ -12856,63 +14188,44 @@
           <a:p>
             <a:pPr algn="ctr"/>
             <a:r>
-              <a:rPr lang="ko-KR" altLang="en-US" dirty="0"/>
-              <a:t>씬</a:t>
-            </a:r>
-          </a:p>
-        </p:txBody>
-      </p:sp>
-    </p:spTree>
-    <p:extLst>
-      <p:ext uri="{BB962C8B-B14F-4D97-AF65-F5344CB8AC3E}">
-        <p14:creationId xmlns:p14="http://schemas.microsoft.com/office/powerpoint/2010/main" val="1837547583"/>
-      </p:ext>
-    </p:extLst>
-  </p:cSld>
-  <p:clrMapOvr>
-    <a:masterClrMapping/>
-  </p:clrMapOvr>
-</p:sld>
-</file>
-
-<file path=ppt/slides/slide20.xml><?xml version="1.0" encoding="utf-8"?>
-<p:sld xmlns:a="http://schemas.openxmlformats.org/drawingml/2006/main" xmlns:r="http://schemas.openxmlformats.org/officeDocument/2006/relationships" xmlns:p="http://schemas.openxmlformats.org/presentationml/2006/main">
-  <p:cSld>
-    <p:spTree>
-      <p:nvGrpSpPr>
-        <p:cNvPr id="1" name=""/>
-        <p:cNvGrpSpPr/>
-        <p:nvPr/>
-      </p:nvGrpSpPr>
-      <p:grpSpPr>
-        <a:xfrm>
-          <a:off x="0" y="0"/>
-          <a:ext cx="0" cy="0"/>
-          <a:chOff x="0" y="0"/>
-          <a:chExt cx="0" cy="0"/>
-        </a:xfrm>
-      </p:grpSpPr>
-      <p:sp>
-        <p:nvSpPr>
-          <p:cNvPr id="2" name="직사각형 1"/>
+              <a:rPr lang="ko-KR" altLang="en-US" dirty="0" err="1">
+                <a:solidFill>
+                  <a:schemeClr val="tx1"/>
+                </a:solidFill>
+              </a:rPr>
+              <a:t>부스터</a:t>
+            </a:r>
+            <a:endParaRPr lang="ko-KR" altLang="en-US" dirty="0">
+              <a:solidFill>
+                <a:schemeClr val="tx1"/>
+              </a:solidFill>
+            </a:endParaRPr>
+          </a:p>
+        </p:txBody>
+      </p:sp>
+      <p:sp>
+        <p:nvSpPr>
+          <p:cNvPr id="26" name="직사각형 25"/>
           <p:cNvSpPr/>
           <p:nvPr/>
         </p:nvSpPr>
         <p:spPr>
           <a:xfrm>
-            <a:off x="3640727" y="427203"/>
-            <a:ext cx="7122350" cy="1342239"/>
+            <a:off x="8147914" y="612251"/>
+            <a:ext cx="1105239" cy="973515"/>
           </a:xfrm>
           <a:prstGeom prst="rect">
             <a:avLst/>
           </a:prstGeom>
           <a:solidFill>
-            <a:schemeClr val="bg2"/>
+            <a:schemeClr val="bg2">
+              <a:lumMod val="90000"/>
+            </a:schemeClr>
           </a:solidFill>
           <a:ln>
             <a:solidFill>
               <a:schemeClr val="bg2">
-                <a:lumMod val="90000"/>
+                <a:lumMod val="50000"/>
               </a:schemeClr>
             </a:solidFill>
           </a:ln>
@@ -12938,107 +14251,61 @@
           <a:lstStyle/>
           <a:p>
             <a:pPr algn="ctr"/>
-            <a:endParaRPr lang="ko-KR" altLang="en-US"/>
-          </a:p>
-        </p:txBody>
-      </p:sp>
-      <p:pic>
-        <p:nvPicPr>
-          <p:cNvPr id="6" name="그림 5"/>
-          <p:cNvPicPr>
-            <a:picLocks noChangeAspect="1"/>
-          </p:cNvPicPr>
-          <p:nvPr/>
-        </p:nvPicPr>
-        <p:blipFill>
-          <a:blip r:embed="rId2">
-            <a:extLst>
-              <a:ext uri="{28A0092B-C50C-407E-A947-70E740481C1C}">
-                <a14:useLocalDpi xmlns:a14="http://schemas.microsoft.com/office/drawing/2010/main" val="0"/>
-              </a:ext>
-            </a:extLst>
-          </a:blip>
-          <a:stretch>
-            <a:fillRect/>
-          </a:stretch>
-        </p:blipFill>
-        <p:spPr>
-          <a:xfrm>
-            <a:off x="3863899" y="612251"/>
-            <a:ext cx="987141" cy="987141"/>
+            <a:r>
+              <a:rPr lang="ko-KR" altLang="en-US" dirty="0">
+                <a:solidFill>
+                  <a:schemeClr val="tx1"/>
+                </a:solidFill>
+              </a:rPr>
+              <a:t>더블</a:t>
+            </a:r>
+            <a:endParaRPr lang="en-US" altLang="ko-KR" dirty="0">
+              <a:solidFill>
+                <a:schemeClr val="tx1"/>
+              </a:solidFill>
+            </a:endParaRPr>
+          </a:p>
+          <a:p>
+            <a:pPr algn="ctr"/>
+            <a:r>
+              <a:rPr lang="ko-KR" altLang="en-US" dirty="0" err="1">
+                <a:solidFill>
+                  <a:schemeClr val="tx1"/>
+                </a:solidFill>
+              </a:rPr>
+              <a:t>부스터</a:t>
+            </a:r>
+            <a:endParaRPr lang="ko-KR" altLang="en-US" dirty="0">
+              <a:solidFill>
+                <a:schemeClr val="tx1"/>
+              </a:solidFill>
+            </a:endParaRPr>
+          </a:p>
+        </p:txBody>
+      </p:sp>
+      <p:sp>
+        <p:nvSpPr>
+          <p:cNvPr id="27" name="직사각형 26"/>
+          <p:cNvSpPr/>
+          <p:nvPr/>
+        </p:nvSpPr>
+        <p:spPr>
+          <a:xfrm>
+            <a:off x="6847621" y="2189253"/>
+            <a:ext cx="1105239" cy="973515"/>
           </a:xfrm>
           <a:prstGeom prst="rect">
             <a:avLst/>
           </a:prstGeom>
-        </p:spPr>
-      </p:pic>
-      <p:sp>
-        <p:nvSpPr>
-          <p:cNvPr id="14" name="TextBox 13"/>
-          <p:cNvSpPr txBox="1"/>
-          <p:nvPr/>
-        </p:nvSpPr>
-        <p:spPr>
-          <a:xfrm>
-            <a:off x="4960097" y="625877"/>
-            <a:ext cx="1531188" cy="923330"/>
-          </a:xfrm>
-          <a:prstGeom prst="rect">
-            <a:avLst/>
-          </a:prstGeom>
-          <a:noFill/>
-        </p:spPr>
-        <p:txBody>
-          <a:bodyPr wrap="square" rtlCol="0">
-            <a:spAutoFit/>
-          </a:bodyPr>
-          <a:lstStyle/>
-          <a:p>
-            <a:r>
-              <a:rPr lang="en-US" altLang="ko-KR" dirty="0"/>
-              <a:t>HP : 3</a:t>
-            </a:r>
-          </a:p>
-          <a:p>
-            <a:r>
-              <a:rPr lang="en-US" altLang="ko-KR" dirty="0"/>
-              <a:t>MP : 1000</a:t>
-            </a:r>
-          </a:p>
-          <a:p>
-            <a:r>
-              <a:rPr lang="ko-KR" altLang="en-US" dirty="0"/>
-              <a:t>이동속도 </a:t>
-            </a:r>
-            <a:r>
-              <a:rPr lang="en-US" altLang="ko-KR" dirty="0"/>
-              <a:t>: 1 </a:t>
-            </a:r>
-            <a:endParaRPr lang="ko-KR" altLang="en-US" dirty="0"/>
-          </a:p>
-        </p:txBody>
-      </p:sp>
-      <p:sp>
-        <p:nvSpPr>
-          <p:cNvPr id="11" name="직사각형 10"/>
-          <p:cNvSpPr/>
-          <p:nvPr/>
-        </p:nvSpPr>
-        <p:spPr>
-          <a:xfrm>
-            <a:off x="3640727" y="3549580"/>
-            <a:ext cx="7122350" cy="1342239"/>
-          </a:xfrm>
-          <a:prstGeom prst="rect">
-            <a:avLst/>
-          </a:prstGeom>
           <a:solidFill>
-            <a:schemeClr val="bg2"/>
+            <a:schemeClr val="bg2">
+              <a:lumMod val="90000"/>
+            </a:schemeClr>
           </a:solidFill>
           <a:ln>
             <a:solidFill>
               <a:schemeClr val="bg2">
-                <a:lumMod val="90000"/>
+                <a:lumMod val="50000"/>
               </a:schemeClr>
             </a:solidFill>
           </a:ln>
@@ -13064,31 +14331,45 @@
           <a:lstStyle/>
           <a:p>
             <a:pPr algn="ctr"/>
-            <a:endParaRPr lang="ko-KR" altLang="en-US"/>
-          </a:p>
-        </p:txBody>
-      </p:sp>
-      <p:sp>
-        <p:nvSpPr>
-          <p:cNvPr id="13" name="직사각형 12"/>
+            <a:r>
+              <a:rPr lang="ko-KR" altLang="en-US">
+                <a:solidFill>
+                  <a:schemeClr val="tx1"/>
+                </a:solidFill>
+              </a:rPr>
+              <a:t>부스터</a:t>
+            </a:r>
+            <a:endParaRPr lang="ko-KR" altLang="en-US" dirty="0">
+              <a:solidFill>
+                <a:schemeClr val="tx1"/>
+              </a:solidFill>
+            </a:endParaRPr>
+          </a:p>
+        </p:txBody>
+      </p:sp>
+      <p:sp>
+        <p:nvSpPr>
+          <p:cNvPr id="28" name="직사각형 27"/>
           <p:cNvSpPr/>
           <p:nvPr/>
         </p:nvSpPr>
         <p:spPr>
           <a:xfrm>
-            <a:off x="3640727" y="5115802"/>
-            <a:ext cx="7122350" cy="1342239"/>
+            <a:off x="8147914" y="2189253"/>
+            <a:ext cx="1105239" cy="973515"/>
           </a:xfrm>
           <a:prstGeom prst="rect">
             <a:avLst/>
           </a:prstGeom>
           <a:solidFill>
-            <a:schemeClr val="bg2"/>
+            <a:schemeClr val="bg2">
+              <a:lumMod val="90000"/>
+            </a:schemeClr>
           </a:solidFill>
           <a:ln>
             <a:solidFill>
               <a:schemeClr val="bg2">
-                <a:lumMod val="90000"/>
+                <a:lumMod val="50000"/>
               </a:schemeClr>
             </a:solidFill>
           </a:ln>
@@ -13114,31 +14395,40 @@
           <a:lstStyle/>
           <a:p>
             <a:pPr algn="ctr"/>
-            <a:endParaRPr lang="ko-KR" altLang="en-US"/>
-          </a:p>
-        </p:txBody>
-      </p:sp>
-      <p:sp>
-        <p:nvSpPr>
-          <p:cNvPr id="15" name="직사각형 14"/>
+            <a:r>
+              <a:rPr lang="ko-KR" altLang="en-US" dirty="0">
+                <a:solidFill>
+                  <a:schemeClr val="tx1"/>
+                </a:solidFill>
+              </a:rPr>
+              <a:t>대포</a:t>
+            </a:r>
+          </a:p>
+        </p:txBody>
+      </p:sp>
+      <p:sp>
+        <p:nvSpPr>
+          <p:cNvPr id="29" name="직사각형 28"/>
           <p:cNvSpPr/>
           <p:nvPr/>
         </p:nvSpPr>
         <p:spPr>
           <a:xfrm>
-            <a:off x="3640727" y="1993425"/>
-            <a:ext cx="7122350" cy="1342239"/>
+            <a:off x="6847621" y="5266234"/>
+            <a:ext cx="1105239" cy="973515"/>
           </a:xfrm>
           <a:prstGeom prst="rect">
             <a:avLst/>
           </a:prstGeom>
           <a:solidFill>
-            <a:schemeClr val="bg2"/>
+            <a:schemeClr val="bg2">
+              <a:lumMod val="90000"/>
+            </a:schemeClr>
           </a:solidFill>
           <a:ln>
             <a:solidFill>
               <a:schemeClr val="bg2">
-                <a:lumMod val="90000"/>
+                <a:lumMod val="50000"/>
               </a:schemeClr>
             </a:solidFill>
           </a:ln>
@@ -13164,247 +14454,31 @@
           <a:lstStyle/>
           <a:p>
             <a:pPr algn="ctr"/>
-            <a:endParaRPr lang="ko-KR" altLang="en-US"/>
-          </a:p>
-        </p:txBody>
-      </p:sp>
-      <p:pic>
-        <p:nvPicPr>
-          <p:cNvPr id="17" name="그림 16"/>
-          <p:cNvPicPr>
-            <a:picLocks noChangeAspect="1"/>
-          </p:cNvPicPr>
-          <p:nvPr/>
-        </p:nvPicPr>
-        <p:blipFill>
-          <a:blip r:embed="rId3">
-            <a:extLst>
-              <a:ext uri="{28A0092B-C50C-407E-A947-70E740481C1C}">
-                <a14:useLocalDpi xmlns:a14="http://schemas.microsoft.com/office/drawing/2010/main" val="0"/>
-              </a:ext>
-            </a:extLst>
-          </a:blip>
-          <a:stretch>
-            <a:fillRect/>
-          </a:stretch>
-        </p:blipFill>
-        <p:spPr>
-          <a:xfrm>
-            <a:off x="3863899" y="2208122"/>
-            <a:ext cx="958111" cy="958111"/>
-          </a:xfrm>
-          <a:prstGeom prst="rect">
-            <a:avLst/>
-          </a:prstGeom>
-        </p:spPr>
-      </p:pic>
-      <p:sp>
-        <p:nvSpPr>
-          <p:cNvPr id="21" name="TextBox 20"/>
-          <p:cNvSpPr txBox="1"/>
-          <p:nvPr/>
-        </p:nvSpPr>
-        <p:spPr>
-          <a:xfrm>
-            <a:off x="4960097" y="2202879"/>
-            <a:ext cx="1887524" cy="923330"/>
-          </a:xfrm>
-          <a:prstGeom prst="rect">
-            <a:avLst/>
-          </a:prstGeom>
-          <a:noFill/>
-        </p:spPr>
-        <p:txBody>
-          <a:bodyPr wrap="square" rtlCol="0">
-            <a:spAutoFit/>
-          </a:bodyPr>
-          <a:lstStyle/>
-          <a:p>
-            <a:r>
-              <a:rPr lang="en-US" altLang="ko-KR" dirty="0"/>
-              <a:t>HP : 3</a:t>
-            </a:r>
-          </a:p>
-          <a:p>
-            <a:r>
-              <a:rPr lang="en-US" altLang="ko-KR" dirty="0"/>
-              <a:t>MP : 1000</a:t>
-            </a:r>
-          </a:p>
-          <a:p>
-            <a:r>
-              <a:rPr lang="ko-KR" altLang="en-US" dirty="0"/>
-              <a:t>이동속도 </a:t>
-            </a:r>
-            <a:r>
-              <a:rPr lang="en-US" altLang="ko-KR" dirty="0"/>
-              <a:t>: 1.3</a:t>
-            </a:r>
-            <a:endParaRPr lang="ko-KR" altLang="en-US" dirty="0"/>
-          </a:p>
-        </p:txBody>
-      </p:sp>
-      <p:pic>
-        <p:nvPicPr>
-          <p:cNvPr id="22" name="그림 21"/>
-          <p:cNvPicPr>
-            <a:picLocks noChangeAspect="1"/>
-          </p:cNvPicPr>
-          <p:nvPr/>
-        </p:nvPicPr>
-        <p:blipFill>
-          <a:blip r:embed="rId4">
-            <a:extLst>
-              <a:ext uri="{28A0092B-C50C-407E-A947-70E740481C1C}">
-                <a14:useLocalDpi xmlns:a14="http://schemas.microsoft.com/office/drawing/2010/main" val="0"/>
-              </a:ext>
-            </a:extLst>
-          </a:blip>
-          <a:stretch>
-            <a:fillRect/>
-          </a:stretch>
-        </p:blipFill>
-        <p:spPr>
-          <a:xfrm>
-            <a:off x="3948636" y="3756170"/>
-            <a:ext cx="812698" cy="812698"/>
-          </a:xfrm>
-          <a:prstGeom prst="rect">
-            <a:avLst/>
-          </a:prstGeom>
-        </p:spPr>
-      </p:pic>
-      <p:sp>
-        <p:nvSpPr>
-          <p:cNvPr id="23" name="TextBox 22"/>
-          <p:cNvSpPr txBox="1"/>
-          <p:nvPr/>
-        </p:nvSpPr>
-        <p:spPr>
-          <a:xfrm>
-            <a:off x="4960097" y="3756170"/>
-            <a:ext cx="1627369" cy="923330"/>
-          </a:xfrm>
-          <a:prstGeom prst="rect">
-            <a:avLst/>
-          </a:prstGeom>
-          <a:noFill/>
-        </p:spPr>
-        <p:txBody>
-          <a:bodyPr wrap="square" rtlCol="0">
-            <a:spAutoFit/>
-          </a:bodyPr>
-          <a:lstStyle/>
-          <a:p>
-            <a:r>
-              <a:rPr lang="en-US" altLang="ko-KR" dirty="0"/>
-              <a:t>HP : 5</a:t>
-            </a:r>
-          </a:p>
-          <a:p>
-            <a:r>
-              <a:rPr lang="en-US" altLang="ko-KR" dirty="0"/>
-              <a:t>MP : 1000</a:t>
-            </a:r>
-          </a:p>
-          <a:p>
-            <a:r>
-              <a:rPr lang="ko-KR" altLang="en-US" dirty="0"/>
-              <a:t>이동속도 </a:t>
-            </a:r>
-            <a:r>
-              <a:rPr lang="en-US" altLang="ko-KR" dirty="0"/>
-              <a:t>: 0.7</a:t>
-            </a:r>
-            <a:endParaRPr lang="ko-KR" altLang="en-US" dirty="0"/>
-          </a:p>
-        </p:txBody>
-      </p:sp>
-      <p:pic>
-        <p:nvPicPr>
-          <p:cNvPr id="24" name="그림 23"/>
-          <p:cNvPicPr>
-            <a:picLocks noChangeAspect="1"/>
-          </p:cNvPicPr>
-          <p:nvPr/>
-        </p:nvPicPr>
-        <p:blipFill>
-          <a:blip r:embed="rId5">
-            <a:extLst>
-              <a:ext uri="{28A0092B-C50C-407E-A947-70E740481C1C}">
-                <a14:useLocalDpi xmlns:a14="http://schemas.microsoft.com/office/drawing/2010/main" val="0"/>
-              </a:ext>
-            </a:extLst>
-          </a:blip>
-          <a:stretch>
-            <a:fillRect/>
-          </a:stretch>
-        </p:blipFill>
-        <p:spPr>
-          <a:xfrm>
-            <a:off x="3948636" y="5360117"/>
-            <a:ext cx="812698" cy="812698"/>
-          </a:xfrm>
-          <a:prstGeom prst="rect">
-            <a:avLst/>
-          </a:prstGeom>
-        </p:spPr>
-      </p:pic>
-      <p:sp>
-        <p:nvSpPr>
-          <p:cNvPr id="25" name="TextBox 24"/>
-          <p:cNvSpPr txBox="1"/>
-          <p:nvPr/>
-        </p:nvSpPr>
-        <p:spPr>
-          <a:xfrm>
-            <a:off x="4960097" y="5325256"/>
-            <a:ext cx="1449436" cy="923330"/>
-          </a:xfrm>
-          <a:prstGeom prst="rect">
-            <a:avLst/>
-          </a:prstGeom>
-          <a:noFill/>
-        </p:spPr>
-        <p:txBody>
-          <a:bodyPr wrap="square" rtlCol="0">
-            <a:spAutoFit/>
-          </a:bodyPr>
-          <a:lstStyle/>
-          <a:p>
-            <a:r>
-              <a:rPr lang="en-US" altLang="ko-KR" dirty="0"/>
-              <a:t>HP : 3</a:t>
-            </a:r>
-          </a:p>
-          <a:p>
-            <a:r>
-              <a:rPr lang="en-US" altLang="ko-KR" dirty="0"/>
-              <a:t>MP : 1000</a:t>
-            </a:r>
-          </a:p>
-          <a:p>
-            <a:r>
-              <a:rPr lang="ko-KR" altLang="en-US" dirty="0"/>
-              <a:t>이동속도 </a:t>
-            </a:r>
-            <a:r>
-              <a:rPr lang="en-US" altLang="ko-KR" dirty="0"/>
-              <a:t>: 1</a:t>
-            </a:r>
-            <a:endParaRPr lang="ko-KR" altLang="en-US" dirty="0"/>
-          </a:p>
-        </p:txBody>
-      </p:sp>
-      <p:sp>
-        <p:nvSpPr>
-          <p:cNvPr id="4" name="직사각형 3"/>
+            <a:r>
+              <a:rPr lang="ko-KR" altLang="en-US">
+                <a:solidFill>
+                  <a:schemeClr val="tx1"/>
+                </a:solidFill>
+              </a:rPr>
+              <a:t>부스터</a:t>
+            </a:r>
+            <a:endParaRPr lang="ko-KR" altLang="en-US" dirty="0">
+              <a:solidFill>
+                <a:schemeClr val="tx1"/>
+              </a:solidFill>
+            </a:endParaRPr>
+          </a:p>
+        </p:txBody>
+      </p:sp>
+      <p:sp>
+        <p:nvSpPr>
+          <p:cNvPr id="30" name="직사각형 29"/>
           <p:cNvSpPr/>
           <p:nvPr/>
         </p:nvSpPr>
         <p:spPr>
           <a:xfrm>
-            <a:off x="6847621" y="612251"/>
+            <a:off x="8147914" y="5266234"/>
             <a:ext cx="1105239" cy="973515"/>
           </a:xfrm>
           <a:prstGeom prst="rect">
@@ -13445,30 +14519,25 @@
           <a:p>
             <a:pPr algn="ctr"/>
             <a:r>
-              <a:rPr lang="ko-KR" altLang="en-US" dirty="0" err="1">
+              <a:rPr lang="ko-KR" altLang="en-US" dirty="0">
                 <a:solidFill>
                   <a:schemeClr val="tx1"/>
                 </a:solidFill>
               </a:rPr>
-              <a:t>부스터</a:t>
-            </a:r>
-            <a:endParaRPr lang="ko-KR" altLang="en-US" dirty="0">
-              <a:solidFill>
-                <a:schemeClr val="tx1"/>
-              </a:solidFill>
-            </a:endParaRPr>
-          </a:p>
-        </p:txBody>
-      </p:sp>
-      <p:sp>
-        <p:nvSpPr>
-          <p:cNvPr id="26" name="직사각형 25"/>
+              <a:t>독가스</a:t>
+            </a:r>
+          </a:p>
+        </p:txBody>
+      </p:sp>
+      <p:sp>
+        <p:nvSpPr>
+          <p:cNvPr id="32" name="직사각형 31"/>
           <p:cNvSpPr/>
           <p:nvPr/>
         </p:nvSpPr>
         <p:spPr>
           <a:xfrm>
-            <a:off x="8147914" y="612251"/>
+            <a:off x="6847621" y="3728351"/>
             <a:ext cx="1105239" cy="973515"/>
           </a:xfrm>
           <a:prstGeom prst="rect">
@@ -13509,23 +14578,7 @@
           <a:p>
             <a:pPr algn="ctr"/>
             <a:r>
-              <a:rPr lang="ko-KR" altLang="en-US" dirty="0">
-                <a:solidFill>
-                  <a:schemeClr val="tx1"/>
-                </a:solidFill>
-              </a:rPr>
-              <a:t>더블</a:t>
-            </a:r>
-            <a:endParaRPr lang="en-US" altLang="ko-KR" dirty="0">
-              <a:solidFill>
-                <a:schemeClr val="tx1"/>
-              </a:solidFill>
-            </a:endParaRPr>
-          </a:p>
-          <a:p>
-            <a:pPr algn="ctr"/>
-            <a:r>
-              <a:rPr lang="ko-KR" altLang="en-US" dirty="0" err="1">
+              <a:rPr lang="ko-KR" altLang="en-US">
                 <a:solidFill>
                   <a:schemeClr val="tx1"/>
                 </a:solidFill>
@@ -13542,13 +14595,13 @@
       </p:sp>
       <p:sp>
         <p:nvSpPr>
-          <p:cNvPr id="27" name="직사각형 26"/>
+          <p:cNvPr id="33" name="직사각형 32"/>
           <p:cNvSpPr/>
           <p:nvPr/>
         </p:nvSpPr>
         <p:spPr>
           <a:xfrm>
-            <a:off x="6847621" y="2189253"/>
+            <a:off x="8147914" y="3728351"/>
             <a:ext cx="1105239" cy="973515"/>
           </a:xfrm>
           <a:prstGeom prst="rect">
@@ -13589,30 +14642,25 @@
           <a:p>
             <a:pPr algn="ctr"/>
             <a:r>
-              <a:rPr lang="ko-KR" altLang="en-US">
+              <a:rPr lang="ko-KR" altLang="en-US" dirty="0">
                 <a:solidFill>
                   <a:schemeClr val="tx1"/>
                 </a:solidFill>
               </a:rPr>
-              <a:t>부스터</a:t>
-            </a:r>
-            <a:endParaRPr lang="ko-KR" altLang="en-US" dirty="0">
-              <a:solidFill>
-                <a:schemeClr val="tx1"/>
-              </a:solidFill>
-            </a:endParaRPr>
-          </a:p>
-        </p:txBody>
-      </p:sp>
-      <p:sp>
-        <p:nvSpPr>
-          <p:cNvPr id="28" name="직사각형 27"/>
+              <a:t>폭발</a:t>
+            </a:r>
+          </a:p>
+        </p:txBody>
+      </p:sp>
+      <p:sp>
+        <p:nvSpPr>
+          <p:cNvPr id="34" name="직사각형 33"/>
           <p:cNvSpPr/>
           <p:nvPr/>
         </p:nvSpPr>
         <p:spPr>
           <a:xfrm>
-            <a:off x="8147914" y="2189253"/>
+            <a:off x="9448207" y="612251"/>
             <a:ext cx="1105239" cy="973515"/>
           </a:xfrm>
           <a:prstGeom prst="rect">
@@ -13658,20 +14706,20 @@
                   <a:schemeClr val="tx1"/>
                 </a:solidFill>
               </a:rPr>
-              <a:t>대포</a:t>
-            </a:r>
-          </a:p>
-        </p:txBody>
-      </p:sp>
-      <p:sp>
-        <p:nvSpPr>
-          <p:cNvPr id="29" name="직사각형 28"/>
+              <a:t>회피</a:t>
+            </a:r>
+          </a:p>
+        </p:txBody>
+      </p:sp>
+      <p:sp>
+        <p:nvSpPr>
+          <p:cNvPr id="35" name="직사각형 34"/>
           <p:cNvSpPr/>
           <p:nvPr/>
         </p:nvSpPr>
         <p:spPr>
           <a:xfrm>
-            <a:off x="6847621" y="5266234"/>
+            <a:off x="9448207" y="2189253"/>
             <a:ext cx="1105239" cy="973515"/>
           </a:xfrm>
           <a:prstGeom prst="rect">
@@ -13712,30 +14760,25 @@
           <a:p>
             <a:pPr algn="ctr"/>
             <a:r>
-              <a:rPr lang="ko-KR" altLang="en-US">
+              <a:rPr lang="ko-KR" altLang="en-US" dirty="0">
                 <a:solidFill>
                   <a:schemeClr val="tx1"/>
                 </a:solidFill>
               </a:rPr>
-              <a:t>부스터</a:t>
-            </a:r>
-            <a:endParaRPr lang="ko-KR" altLang="en-US" dirty="0">
-              <a:solidFill>
-                <a:schemeClr val="tx1"/>
-              </a:solidFill>
-            </a:endParaRPr>
-          </a:p>
-        </p:txBody>
-      </p:sp>
-      <p:sp>
-        <p:nvSpPr>
-          <p:cNvPr id="30" name="직사각형 29"/>
+              <a:t>회피</a:t>
+            </a:r>
+          </a:p>
+        </p:txBody>
+      </p:sp>
+      <p:sp>
+        <p:nvSpPr>
+          <p:cNvPr id="36" name="직사각형 35"/>
           <p:cNvSpPr/>
           <p:nvPr/>
         </p:nvSpPr>
         <p:spPr>
           <a:xfrm>
-            <a:off x="8147914" y="5266234"/>
+            <a:off x="9448207" y="5266234"/>
             <a:ext cx="1105239" cy="973515"/>
           </a:xfrm>
           <a:prstGeom prst="rect">
@@ -13776,25 +14819,25 @@
           <a:p>
             <a:pPr algn="ctr"/>
             <a:r>
-              <a:rPr lang="ko-KR" altLang="en-US" dirty="0">
+              <a:rPr lang="ko-KR" altLang="en-US">
                 <a:solidFill>
                   <a:schemeClr val="tx1"/>
                 </a:solidFill>
               </a:rPr>
-              <a:t>독가스</a:t>
-            </a:r>
-          </a:p>
-        </p:txBody>
-      </p:sp>
-      <p:sp>
-        <p:nvSpPr>
-          <p:cNvPr id="32" name="직사각형 31"/>
+              <a:t>회피</a:t>
+            </a:r>
+          </a:p>
+        </p:txBody>
+      </p:sp>
+      <p:sp>
+        <p:nvSpPr>
+          <p:cNvPr id="37" name="직사각형 36"/>
           <p:cNvSpPr/>
           <p:nvPr/>
         </p:nvSpPr>
         <p:spPr>
           <a:xfrm>
-            <a:off x="6847621" y="3728351"/>
+            <a:off x="9448207" y="3728351"/>
             <a:ext cx="1105239" cy="973515"/>
           </a:xfrm>
           <a:prstGeom prst="rect">
@@ -13835,306 +14878,6 @@
           <a:p>
             <a:pPr algn="ctr"/>
             <a:r>
-              <a:rPr lang="ko-KR" altLang="en-US">
-                <a:solidFill>
-                  <a:schemeClr val="tx1"/>
-                </a:solidFill>
-              </a:rPr>
-              <a:t>부스터</a:t>
-            </a:r>
-            <a:endParaRPr lang="ko-KR" altLang="en-US" dirty="0">
-              <a:solidFill>
-                <a:schemeClr val="tx1"/>
-              </a:solidFill>
-            </a:endParaRPr>
-          </a:p>
-        </p:txBody>
-      </p:sp>
-      <p:sp>
-        <p:nvSpPr>
-          <p:cNvPr id="33" name="직사각형 32"/>
-          <p:cNvSpPr/>
-          <p:nvPr/>
-        </p:nvSpPr>
-        <p:spPr>
-          <a:xfrm>
-            <a:off x="8147914" y="3728351"/>
-            <a:ext cx="1105239" cy="973515"/>
-          </a:xfrm>
-          <a:prstGeom prst="rect">
-            <a:avLst/>
-          </a:prstGeom>
-          <a:solidFill>
-            <a:schemeClr val="bg2">
-              <a:lumMod val="90000"/>
-            </a:schemeClr>
-          </a:solidFill>
-          <a:ln>
-            <a:solidFill>
-              <a:schemeClr val="bg2">
-                <a:lumMod val="50000"/>
-              </a:schemeClr>
-            </a:solidFill>
-          </a:ln>
-        </p:spPr>
-        <p:style>
-          <a:lnRef idx="2">
-            <a:schemeClr val="accent1">
-              <a:shade val="50000"/>
-            </a:schemeClr>
-          </a:lnRef>
-          <a:fillRef idx="1">
-            <a:schemeClr val="accent1"/>
-          </a:fillRef>
-          <a:effectRef idx="0">
-            <a:schemeClr val="accent1"/>
-          </a:effectRef>
-          <a:fontRef idx="minor">
-            <a:schemeClr val="lt1"/>
-          </a:fontRef>
-        </p:style>
-        <p:txBody>
-          <a:bodyPr rtlCol="0" anchor="ctr"/>
-          <a:lstStyle/>
-          <a:p>
-            <a:pPr algn="ctr"/>
-            <a:r>
-              <a:rPr lang="ko-KR" altLang="en-US" dirty="0">
-                <a:solidFill>
-                  <a:schemeClr val="tx1"/>
-                </a:solidFill>
-              </a:rPr>
-              <a:t>폭발</a:t>
-            </a:r>
-          </a:p>
-        </p:txBody>
-      </p:sp>
-      <p:sp>
-        <p:nvSpPr>
-          <p:cNvPr id="34" name="직사각형 33"/>
-          <p:cNvSpPr/>
-          <p:nvPr/>
-        </p:nvSpPr>
-        <p:spPr>
-          <a:xfrm>
-            <a:off x="9448207" y="612251"/>
-            <a:ext cx="1105239" cy="973515"/>
-          </a:xfrm>
-          <a:prstGeom prst="rect">
-            <a:avLst/>
-          </a:prstGeom>
-          <a:solidFill>
-            <a:schemeClr val="bg2">
-              <a:lumMod val="90000"/>
-            </a:schemeClr>
-          </a:solidFill>
-          <a:ln>
-            <a:solidFill>
-              <a:schemeClr val="bg2">
-                <a:lumMod val="50000"/>
-              </a:schemeClr>
-            </a:solidFill>
-          </a:ln>
-        </p:spPr>
-        <p:style>
-          <a:lnRef idx="2">
-            <a:schemeClr val="accent1">
-              <a:shade val="50000"/>
-            </a:schemeClr>
-          </a:lnRef>
-          <a:fillRef idx="1">
-            <a:schemeClr val="accent1"/>
-          </a:fillRef>
-          <a:effectRef idx="0">
-            <a:schemeClr val="accent1"/>
-          </a:effectRef>
-          <a:fontRef idx="minor">
-            <a:schemeClr val="lt1"/>
-          </a:fontRef>
-        </p:style>
-        <p:txBody>
-          <a:bodyPr rtlCol="0" anchor="ctr"/>
-          <a:lstStyle/>
-          <a:p>
-            <a:pPr algn="ctr"/>
-            <a:r>
-              <a:rPr lang="ko-KR" altLang="en-US" dirty="0">
-                <a:solidFill>
-                  <a:schemeClr val="tx1"/>
-                </a:solidFill>
-              </a:rPr>
-              <a:t>회피</a:t>
-            </a:r>
-          </a:p>
-        </p:txBody>
-      </p:sp>
-      <p:sp>
-        <p:nvSpPr>
-          <p:cNvPr id="35" name="직사각형 34"/>
-          <p:cNvSpPr/>
-          <p:nvPr/>
-        </p:nvSpPr>
-        <p:spPr>
-          <a:xfrm>
-            <a:off x="9448207" y="2189253"/>
-            <a:ext cx="1105239" cy="973515"/>
-          </a:xfrm>
-          <a:prstGeom prst="rect">
-            <a:avLst/>
-          </a:prstGeom>
-          <a:solidFill>
-            <a:schemeClr val="bg2">
-              <a:lumMod val="90000"/>
-            </a:schemeClr>
-          </a:solidFill>
-          <a:ln>
-            <a:solidFill>
-              <a:schemeClr val="bg2">
-                <a:lumMod val="50000"/>
-              </a:schemeClr>
-            </a:solidFill>
-          </a:ln>
-        </p:spPr>
-        <p:style>
-          <a:lnRef idx="2">
-            <a:schemeClr val="accent1">
-              <a:shade val="50000"/>
-            </a:schemeClr>
-          </a:lnRef>
-          <a:fillRef idx="1">
-            <a:schemeClr val="accent1"/>
-          </a:fillRef>
-          <a:effectRef idx="0">
-            <a:schemeClr val="accent1"/>
-          </a:effectRef>
-          <a:fontRef idx="minor">
-            <a:schemeClr val="lt1"/>
-          </a:fontRef>
-        </p:style>
-        <p:txBody>
-          <a:bodyPr rtlCol="0" anchor="ctr"/>
-          <a:lstStyle/>
-          <a:p>
-            <a:pPr algn="ctr"/>
-            <a:r>
-              <a:rPr lang="ko-KR" altLang="en-US" dirty="0">
-                <a:solidFill>
-                  <a:schemeClr val="tx1"/>
-                </a:solidFill>
-              </a:rPr>
-              <a:t>회피</a:t>
-            </a:r>
-          </a:p>
-        </p:txBody>
-      </p:sp>
-      <p:sp>
-        <p:nvSpPr>
-          <p:cNvPr id="36" name="직사각형 35"/>
-          <p:cNvSpPr/>
-          <p:nvPr/>
-        </p:nvSpPr>
-        <p:spPr>
-          <a:xfrm>
-            <a:off x="9448207" y="5266234"/>
-            <a:ext cx="1105239" cy="973515"/>
-          </a:xfrm>
-          <a:prstGeom prst="rect">
-            <a:avLst/>
-          </a:prstGeom>
-          <a:solidFill>
-            <a:schemeClr val="bg2">
-              <a:lumMod val="90000"/>
-            </a:schemeClr>
-          </a:solidFill>
-          <a:ln>
-            <a:solidFill>
-              <a:schemeClr val="bg2">
-                <a:lumMod val="50000"/>
-              </a:schemeClr>
-            </a:solidFill>
-          </a:ln>
-        </p:spPr>
-        <p:style>
-          <a:lnRef idx="2">
-            <a:schemeClr val="accent1">
-              <a:shade val="50000"/>
-            </a:schemeClr>
-          </a:lnRef>
-          <a:fillRef idx="1">
-            <a:schemeClr val="accent1"/>
-          </a:fillRef>
-          <a:effectRef idx="0">
-            <a:schemeClr val="accent1"/>
-          </a:effectRef>
-          <a:fontRef idx="minor">
-            <a:schemeClr val="lt1"/>
-          </a:fontRef>
-        </p:style>
-        <p:txBody>
-          <a:bodyPr rtlCol="0" anchor="ctr"/>
-          <a:lstStyle/>
-          <a:p>
-            <a:pPr algn="ctr"/>
-            <a:r>
-              <a:rPr lang="ko-KR" altLang="en-US">
-                <a:solidFill>
-                  <a:schemeClr val="tx1"/>
-                </a:solidFill>
-              </a:rPr>
-              <a:t>회피</a:t>
-            </a:r>
-          </a:p>
-        </p:txBody>
-      </p:sp>
-      <p:sp>
-        <p:nvSpPr>
-          <p:cNvPr id="37" name="직사각형 36"/>
-          <p:cNvSpPr/>
-          <p:nvPr/>
-        </p:nvSpPr>
-        <p:spPr>
-          <a:xfrm>
-            <a:off x="9448207" y="3728351"/>
-            <a:ext cx="1105239" cy="973515"/>
-          </a:xfrm>
-          <a:prstGeom prst="rect">
-            <a:avLst/>
-          </a:prstGeom>
-          <a:solidFill>
-            <a:schemeClr val="bg2">
-              <a:lumMod val="90000"/>
-            </a:schemeClr>
-          </a:solidFill>
-          <a:ln>
-            <a:solidFill>
-              <a:schemeClr val="bg2">
-                <a:lumMod val="50000"/>
-              </a:schemeClr>
-            </a:solidFill>
-          </a:ln>
-        </p:spPr>
-        <p:style>
-          <a:lnRef idx="2">
-            <a:schemeClr val="accent1">
-              <a:shade val="50000"/>
-            </a:schemeClr>
-          </a:lnRef>
-          <a:fillRef idx="1">
-            <a:schemeClr val="accent1"/>
-          </a:fillRef>
-          <a:effectRef idx="0">
-            <a:schemeClr val="accent1"/>
-          </a:effectRef>
-          <a:fontRef idx="minor">
-            <a:schemeClr val="lt1"/>
-          </a:fontRef>
-        </p:style>
-        <p:txBody>
-          <a:bodyPr rtlCol="0" anchor="ctr"/>
-          <a:lstStyle/>
-          <a:p>
-            <a:pPr algn="ctr"/>
-            <a:r>
               <a:rPr lang="ko-KR" altLang="en-US" dirty="0">
                 <a:solidFill>
                   <a:schemeClr val="tx1"/>
@@ -14187,7 +14930,7 @@
 </p:sld>
 </file>
 
-<file path=ppt/slides/slide21.xml><?xml version="1.0" encoding="utf-8"?>
+<file path=ppt/slides/slide22.xml><?xml version="1.0" encoding="utf-8"?>
 <p:sld xmlns:a="http://schemas.openxmlformats.org/drawingml/2006/main" xmlns:r="http://schemas.openxmlformats.org/officeDocument/2006/relationships" xmlns:p="http://schemas.openxmlformats.org/presentationml/2006/main">
   <p:cSld>
     <p:spTree>
@@ -15376,7 +16119,7 @@
 </p:sld>
 </file>
 
-<file path=ppt/slides/slide22.xml><?xml version="1.0" encoding="utf-8"?>
+<file path=ppt/slides/slide23.xml><?xml version="1.0" encoding="utf-8"?>
 <p:sld xmlns:a="http://schemas.openxmlformats.org/drawingml/2006/main" xmlns:r="http://schemas.openxmlformats.org/officeDocument/2006/relationships" xmlns:p="http://schemas.openxmlformats.org/presentationml/2006/main">
   <p:cSld>
     <p:spTree>
@@ -15868,7 +16611,7 @@
         </p:nvGrpSpPr>
         <p:grpSpPr>
           <a:xfrm rot="2979399">
-            <a:off x="4577968" y="2898281"/>
+            <a:off x="4577967" y="2898280"/>
             <a:ext cx="1444502" cy="1759219"/>
             <a:chOff x="1923023" y="3485538"/>
             <a:chExt cx="1444502" cy="1759219"/>
@@ -16228,663 +16971,6 @@
     <p:extLst>
       <p:ext uri="{BB962C8B-B14F-4D97-AF65-F5344CB8AC3E}">
         <p14:creationId xmlns:p14="http://schemas.microsoft.com/office/powerpoint/2010/main" val="1243439793"/>
-      </p:ext>
-    </p:extLst>
-  </p:cSld>
-  <p:clrMapOvr>
-    <a:masterClrMapping/>
-  </p:clrMapOvr>
-</p:sld>
-</file>
-
-<file path=ppt/slides/slide23.xml><?xml version="1.0" encoding="utf-8"?>
-<p:sld xmlns:a="http://schemas.openxmlformats.org/drawingml/2006/main" xmlns:r="http://schemas.openxmlformats.org/officeDocument/2006/relationships" xmlns:p="http://schemas.openxmlformats.org/presentationml/2006/main">
-  <p:cSld>
-    <p:spTree>
-      <p:nvGrpSpPr>
-        <p:cNvPr id="1" name=""/>
-        <p:cNvGrpSpPr/>
-        <p:nvPr/>
-      </p:nvGrpSpPr>
-      <p:grpSpPr>
-        <a:xfrm>
-          <a:off x="0" y="0"/>
-          <a:ext cx="0" cy="0"/>
-          <a:chOff x="0" y="0"/>
-          <a:chExt cx="0" cy="0"/>
-        </a:xfrm>
-      </p:grpSpPr>
-      <p:pic>
-        <p:nvPicPr>
-          <p:cNvPr id="5122" name="Picture 2" descr="hit png에 대한 이미지 검색결과"/>
-          <p:cNvPicPr>
-            <a:picLocks noChangeAspect="1" noChangeArrowheads="1"/>
-          </p:cNvPicPr>
-          <p:nvPr/>
-        </p:nvPicPr>
-        <p:blipFill>
-          <a:blip r:embed="rId2">
-            <a:extLst>
-              <a:ext uri="{28A0092B-C50C-407E-A947-70E740481C1C}">
-                <a14:useLocalDpi xmlns:a14="http://schemas.microsoft.com/office/drawing/2010/main" val="0"/>
-              </a:ext>
-            </a:extLst>
-          </a:blip>
-          <a:srcRect/>
-          <a:stretch>
-            <a:fillRect/>
-          </a:stretch>
-        </p:blipFill>
-        <p:spPr bwMode="auto">
-          <a:xfrm>
-            <a:off x="7434743" y="4209442"/>
-            <a:ext cx="1586489" cy="1586489"/>
-          </a:xfrm>
-          <a:prstGeom prst="rect">
-            <a:avLst/>
-          </a:prstGeom>
-          <a:noFill/>
-          <a:extLst>
-            <a:ext uri="{909E8E84-426E-40DD-AFC4-6F175D3DCCD1}">
-              <a14:hiddenFill xmlns:a14="http://schemas.microsoft.com/office/drawing/2010/main">
-                <a:solidFill>
-                  <a:srgbClr val="FFFFFF"/>
-                </a:solidFill>
-              </a14:hiddenFill>
-            </a:ext>
-          </a:extLst>
-        </p:spPr>
-      </p:pic>
-      <p:sp>
-        <p:nvSpPr>
-          <p:cNvPr id="2" name="TextBox 1"/>
-          <p:cNvSpPr txBox="1"/>
-          <p:nvPr/>
-        </p:nvSpPr>
-        <p:spPr>
-          <a:xfrm>
-            <a:off x="763398" y="671119"/>
-            <a:ext cx="7816563" cy="369332"/>
-          </a:xfrm>
-          <a:prstGeom prst="rect">
-            <a:avLst/>
-          </a:prstGeom>
-          <a:noFill/>
-        </p:spPr>
-        <p:txBody>
-          <a:bodyPr wrap="none" rtlCol="0">
-            <a:spAutoFit/>
-          </a:bodyPr>
-          <a:lstStyle/>
-          <a:p>
-            <a:r>
-              <a:rPr lang="en-US" altLang="ko-KR" b="1" dirty="0"/>
-              <a:t>Heavy</a:t>
-            </a:r>
-            <a:r>
-              <a:rPr lang="ko-KR" altLang="en-US" b="1" dirty="0"/>
-              <a:t> 반격 스킬 </a:t>
-            </a:r>
-            <a:r>
-              <a:rPr lang="en-US" altLang="ko-KR" b="1" dirty="0"/>
-              <a:t>– </a:t>
-            </a:r>
-            <a:r>
-              <a:rPr lang="ko-KR" altLang="en-US" b="1" dirty="0"/>
-              <a:t>회피버튼 누를 경우 발동</a:t>
-            </a:r>
-            <a:r>
-              <a:rPr lang="en-US" altLang="ko-KR" b="1" dirty="0"/>
-              <a:t>(</a:t>
-            </a:r>
-            <a:r>
-              <a:rPr lang="ko-KR" altLang="en-US" b="1" dirty="0"/>
-              <a:t>회피가 없고 이 스킬이 나감</a:t>
-            </a:r>
-            <a:r>
-              <a:rPr lang="en-US" altLang="ko-KR" b="1" dirty="0"/>
-              <a:t>)</a:t>
-            </a:r>
-            <a:endParaRPr lang="ko-KR" altLang="en-US" b="1" dirty="0"/>
-          </a:p>
-        </p:txBody>
-      </p:sp>
-      <p:sp>
-        <p:nvSpPr>
-          <p:cNvPr id="5" name="직사각형 4"/>
-          <p:cNvSpPr/>
-          <p:nvPr/>
-        </p:nvSpPr>
-        <p:spPr>
-          <a:xfrm>
-            <a:off x="763398" y="1258929"/>
-            <a:ext cx="11262347" cy="646331"/>
-          </a:xfrm>
-          <a:prstGeom prst="rect">
-            <a:avLst/>
-          </a:prstGeom>
-        </p:spPr>
-        <p:txBody>
-          <a:bodyPr wrap="square">
-            <a:spAutoFit/>
-          </a:bodyPr>
-          <a:lstStyle/>
-          <a:p>
-            <a:r>
-              <a:rPr lang="ko-KR" altLang="en-US" dirty="0">
-                <a:solidFill>
-                  <a:srgbClr val="000000"/>
-                </a:solidFill>
-                <a:latin typeface="Arial" panose="020B0604020202020204" pitchFamily="34" charset="0"/>
-              </a:rPr>
-              <a:t>반격</a:t>
-            </a:r>
-            <a:r>
-              <a:rPr lang="en-US" altLang="ko-KR" dirty="0">
-                <a:solidFill>
-                  <a:srgbClr val="000000"/>
-                </a:solidFill>
-                <a:latin typeface="Arial" panose="020B0604020202020204" pitchFamily="34" charset="0"/>
-              </a:rPr>
-              <a:t>: 0.7</a:t>
-            </a:r>
-            <a:r>
-              <a:rPr lang="ko-KR" altLang="en-US" dirty="0">
-                <a:solidFill>
-                  <a:srgbClr val="000000"/>
-                </a:solidFill>
-                <a:latin typeface="Arial" panose="020B0604020202020204" pitchFamily="34" charset="0"/>
-              </a:rPr>
-              <a:t>초 동안 무적이 되고 이 무적시간 동안 적에게 일반공격으로 피격되면 역으로 데미지를 준다</a:t>
-            </a:r>
-            <a:r>
-              <a:rPr lang="en-US" altLang="ko-KR" dirty="0">
-                <a:solidFill>
-                  <a:srgbClr val="000000"/>
-                </a:solidFill>
-                <a:latin typeface="Arial" panose="020B0604020202020204" pitchFamily="34" charset="0"/>
-              </a:rPr>
-              <a:t>.</a:t>
-            </a:r>
-          </a:p>
-          <a:p>
-            <a:r>
-              <a:rPr lang="en-US" altLang="ko-KR" b="0" dirty="0">
-                <a:solidFill>
-                  <a:srgbClr val="000000"/>
-                </a:solidFill>
-                <a:effectLst/>
-                <a:latin typeface="Arial" panose="020B0604020202020204" pitchFamily="34" charset="0"/>
-              </a:rPr>
-              <a:t>(</a:t>
-            </a:r>
-            <a:r>
-              <a:rPr lang="ko-KR" altLang="en-US" b="0" dirty="0">
-                <a:solidFill>
-                  <a:srgbClr val="000000"/>
-                </a:solidFill>
-                <a:effectLst/>
-                <a:latin typeface="Arial" panose="020B0604020202020204" pitchFamily="34" charset="0"/>
-              </a:rPr>
-              <a:t>총</a:t>
-            </a:r>
-            <a:r>
-              <a:rPr lang="en-US" altLang="ko-KR" b="0" dirty="0">
-                <a:solidFill>
-                  <a:srgbClr val="000000"/>
-                </a:solidFill>
-                <a:effectLst/>
-                <a:latin typeface="Arial" panose="020B0604020202020204" pitchFamily="34" charset="0"/>
-              </a:rPr>
-              <a:t>, </a:t>
-            </a:r>
-            <a:r>
-              <a:rPr lang="ko-KR" altLang="en-US" b="0" dirty="0">
-                <a:solidFill>
-                  <a:srgbClr val="000000"/>
-                </a:solidFill>
-                <a:effectLst/>
-                <a:latin typeface="Arial" panose="020B0604020202020204" pitchFamily="34" charset="0"/>
-              </a:rPr>
-              <a:t>독가스 등은 반격해도 데미지는 줄 수 없다</a:t>
-            </a:r>
-            <a:r>
-              <a:rPr lang="en-US" altLang="ko-KR" b="0" dirty="0">
-                <a:solidFill>
-                  <a:srgbClr val="000000"/>
-                </a:solidFill>
-                <a:effectLst/>
-                <a:latin typeface="Arial" panose="020B0604020202020204" pitchFamily="34" charset="0"/>
-              </a:rPr>
-              <a:t>)</a:t>
-            </a:r>
-            <a:endParaRPr lang="ko-KR" altLang="en-US" b="0" dirty="0">
-              <a:effectLst/>
-            </a:endParaRPr>
-          </a:p>
-        </p:txBody>
-      </p:sp>
-      <p:pic>
-        <p:nvPicPr>
-          <p:cNvPr id="7" name="그림 6"/>
-          <p:cNvPicPr>
-            <a:picLocks noChangeAspect="1"/>
-          </p:cNvPicPr>
-          <p:nvPr/>
-        </p:nvPicPr>
-        <p:blipFill>
-          <a:blip r:embed="rId3">
-            <a:extLst>
-              <a:ext uri="{BEBA8EAE-BF5A-486C-A8C5-ECC9F3942E4B}">
-                <a14:imgProps xmlns:a14="http://schemas.microsoft.com/office/drawing/2010/main">
-                  <a14:imgLayer r:embed="rId4">
-                    <a14:imgEffect>
-                      <a14:backgroundRemoval t="10000" b="90000" l="10000" r="90000"/>
-                    </a14:imgEffect>
-                  </a14:imgLayer>
-                </a14:imgProps>
-              </a:ext>
-            </a:extLst>
-          </a:blip>
-          <a:stretch>
-            <a:fillRect/>
-          </a:stretch>
-        </p:blipFill>
-        <p:spPr>
-          <a:xfrm>
-            <a:off x="3414688" y="4258008"/>
-            <a:ext cx="1461654" cy="1461654"/>
-          </a:xfrm>
-          <a:prstGeom prst="rect">
-            <a:avLst/>
-          </a:prstGeom>
-        </p:spPr>
-      </p:pic>
-      <p:pic>
-        <p:nvPicPr>
-          <p:cNvPr id="10" name="그림 9"/>
-          <p:cNvPicPr>
-            <a:picLocks noChangeAspect="1"/>
-          </p:cNvPicPr>
-          <p:nvPr/>
-        </p:nvPicPr>
-        <p:blipFill>
-          <a:blip r:embed="rId5">
-            <a:extLst>
-              <a:ext uri="{BEBA8EAE-BF5A-486C-A8C5-ECC9F3942E4B}">
-                <a14:imgProps xmlns:a14="http://schemas.microsoft.com/office/drawing/2010/main">
-                  <a14:imgLayer r:embed="rId6">
-                    <a14:imgEffect>
-                      <a14:backgroundRemoval t="10000" b="90000" l="10000" r="90000">
-                        <a14:foregroundMark x1="35547" y1="47266" x2="40234" y2="56250"/>
-                        <a14:foregroundMark x1="54297" y1="43359" x2="50000" y2="53125"/>
-                      </a14:backgroundRemoval>
-                    </a14:imgEffect>
-                  </a14:imgLayer>
-                </a14:imgProps>
-              </a:ext>
-            </a:extLst>
-          </a:blip>
-          <a:stretch>
-            <a:fillRect/>
-          </a:stretch>
-        </p:blipFill>
-        <p:spPr>
-          <a:xfrm rot="20466190" flipH="1">
-            <a:off x="6572886" y="4321435"/>
-            <a:ext cx="1340100" cy="1340100"/>
-          </a:xfrm>
-          <a:prstGeom prst="rect">
-            <a:avLst/>
-          </a:prstGeom>
-        </p:spPr>
-      </p:pic>
-      <p:pic>
-        <p:nvPicPr>
-          <p:cNvPr id="11" name="Picture 6" descr="hit png에 대한 이미지 검색결과"/>
-          <p:cNvPicPr>
-            <a:picLocks noChangeAspect="1" noChangeArrowheads="1"/>
-          </p:cNvPicPr>
-          <p:nvPr/>
-        </p:nvPicPr>
-        <p:blipFill>
-          <a:blip r:embed="rId7">
-            <a:extLst>
-              <a:ext uri="{28A0092B-C50C-407E-A947-70E740481C1C}">
-                <a14:useLocalDpi xmlns:a14="http://schemas.microsoft.com/office/drawing/2010/main" val="0"/>
-              </a:ext>
-            </a:extLst>
-          </a:blip>
-          <a:srcRect/>
-          <a:stretch>
-            <a:fillRect/>
-          </a:stretch>
-        </p:blipFill>
-        <p:spPr bwMode="auto">
-          <a:xfrm>
-            <a:off x="7499124" y="4553739"/>
-            <a:ext cx="442929" cy="457103"/>
-          </a:xfrm>
-          <a:prstGeom prst="rect">
-            <a:avLst/>
-          </a:prstGeom>
-          <a:noFill/>
-          <a:extLst>
-            <a:ext uri="{909E8E84-426E-40DD-AFC4-6F175D3DCCD1}">
-              <a14:hiddenFill xmlns:a14="http://schemas.microsoft.com/office/drawing/2010/main">
-                <a:solidFill>
-                  <a:srgbClr val="FFFFFF"/>
-                </a:solidFill>
-              </a14:hiddenFill>
-            </a:ext>
-          </a:extLst>
-        </p:spPr>
-      </p:pic>
-      <p:pic>
-        <p:nvPicPr>
-          <p:cNvPr id="9" name="그림 8"/>
-          <p:cNvPicPr>
-            <a:picLocks noChangeAspect="1"/>
-          </p:cNvPicPr>
-          <p:nvPr/>
-        </p:nvPicPr>
-        <p:blipFill>
-          <a:blip r:embed="rId3">
-            <a:extLst>
-              <a:ext uri="{BEBA8EAE-BF5A-486C-A8C5-ECC9F3942E4B}">
-                <a14:imgProps xmlns:a14="http://schemas.microsoft.com/office/drawing/2010/main">
-                  <a14:imgLayer r:embed="rId4">
-                    <a14:imgEffect>
-                      <a14:backgroundRemoval t="10000" b="90000" l="10000" r="90000"/>
-                    </a14:imgEffect>
-                  </a14:imgLayer>
-                </a14:imgProps>
-              </a:ext>
-            </a:extLst>
-          </a:blip>
-          <a:stretch>
-            <a:fillRect/>
-          </a:stretch>
-        </p:blipFill>
-        <p:spPr>
-          <a:xfrm>
-            <a:off x="7497161" y="4260658"/>
-            <a:ext cx="1461654" cy="1461654"/>
-          </a:xfrm>
-          <a:prstGeom prst="rect">
-            <a:avLst/>
-          </a:prstGeom>
-        </p:spPr>
-      </p:pic>
-      <p:grpSp>
-        <p:nvGrpSpPr>
-          <p:cNvPr id="3" name="그룹 2"/>
-          <p:cNvGrpSpPr/>
-          <p:nvPr/>
-        </p:nvGrpSpPr>
-        <p:grpSpPr>
-          <a:xfrm>
-            <a:off x="1923023" y="3756359"/>
-            <a:ext cx="1444502" cy="1759219"/>
-            <a:chOff x="1923023" y="3485538"/>
-            <a:chExt cx="1444502" cy="1759219"/>
-          </a:xfrm>
-        </p:grpSpPr>
-        <p:pic>
-          <p:nvPicPr>
-            <p:cNvPr id="15" name="Picture 2" descr="boost png에 대한 이미지 검색결과"/>
-            <p:cNvPicPr>
-              <a:picLocks noChangeAspect="1" noChangeArrowheads="1"/>
-            </p:cNvPicPr>
-            <p:nvPr/>
-          </p:nvPicPr>
-          <p:blipFill>
-            <a:blip r:embed="rId8">
-              <a:extLst>
-                <a:ext uri="{28A0092B-C50C-407E-A947-70E740481C1C}">
-                  <a14:useLocalDpi xmlns:a14="http://schemas.microsoft.com/office/drawing/2010/main" val="0"/>
-                </a:ext>
-              </a:extLst>
-            </a:blip>
-            <a:srcRect/>
-            <a:stretch>
-              <a:fillRect/>
-            </a:stretch>
-          </p:blipFill>
-          <p:spPr bwMode="auto">
-            <a:xfrm rot="18887126">
-              <a:off x="1726775" y="3681786"/>
-              <a:ext cx="1759219" cy="1366724"/>
-            </a:xfrm>
-            <a:prstGeom prst="rect">
-              <a:avLst/>
-            </a:prstGeom>
-            <a:noFill/>
-            <a:extLst>
-              <a:ext uri="{909E8E84-426E-40DD-AFC4-6F175D3DCCD1}">
-                <a14:hiddenFill xmlns:a14="http://schemas.microsoft.com/office/drawing/2010/main">
-                  <a:solidFill>
-                    <a:srgbClr val="FFFFFF"/>
-                  </a:solidFill>
-                </a14:hiddenFill>
-              </a:ext>
-            </a:extLst>
-          </p:spPr>
-        </p:pic>
-        <p:pic>
-          <p:nvPicPr>
-            <p:cNvPr id="12" name="그림 11"/>
-            <p:cNvPicPr>
-              <a:picLocks noChangeAspect="1"/>
-            </p:cNvPicPr>
-            <p:nvPr/>
-          </p:nvPicPr>
-          <p:blipFill>
-            <a:blip r:embed="rId5">
-              <a:extLst>
-                <a:ext uri="{BEBA8EAE-BF5A-486C-A8C5-ECC9F3942E4B}">
-                  <a14:imgProps xmlns:a14="http://schemas.microsoft.com/office/drawing/2010/main">
-                    <a14:imgLayer r:embed="rId6">
-                      <a14:imgEffect>
-                        <a14:backgroundRemoval t="10000" b="90000" l="10000" r="90000">
-                          <a14:foregroundMark x1="35547" y1="47266" x2="40234" y2="56250"/>
-                          <a14:foregroundMark x1="54297" y1="43359" x2="50000" y2="53125"/>
-                        </a14:backgroundRemoval>
-                      </a14:imgEffect>
-                    </a14:imgLayer>
-                  </a14:imgProps>
-                </a:ext>
-              </a:extLst>
-            </a:blip>
-            <a:stretch>
-              <a:fillRect/>
-            </a:stretch>
-          </p:blipFill>
-          <p:spPr>
-            <a:xfrm rot="3205414" flipH="1">
-              <a:off x="2027425" y="3841419"/>
-              <a:ext cx="1340100" cy="1340100"/>
-            </a:xfrm>
-            <a:prstGeom prst="rect">
-              <a:avLst/>
-            </a:prstGeom>
-          </p:spPr>
-        </p:pic>
-      </p:grpSp>
-      <p:sp>
-        <p:nvSpPr>
-          <p:cNvPr id="17" name="TextBox 16"/>
-          <p:cNvSpPr txBox="1"/>
-          <p:nvPr/>
-        </p:nvSpPr>
-        <p:spPr>
-          <a:xfrm>
-            <a:off x="1864562" y="2279031"/>
-            <a:ext cx="5886548" cy="1477328"/>
-          </a:xfrm>
-          <a:prstGeom prst="rect">
-            <a:avLst/>
-          </a:prstGeom>
-          <a:noFill/>
-        </p:spPr>
-        <p:txBody>
-          <a:bodyPr wrap="none" rtlCol="0">
-            <a:spAutoFit/>
-          </a:bodyPr>
-          <a:lstStyle/>
-          <a:p>
-            <a:r>
-              <a:rPr lang="ko-KR" altLang="en-US" dirty="0"/>
-              <a:t>무적시간 </a:t>
-            </a:r>
-            <a:r>
-              <a:rPr lang="en-US" altLang="ko-KR" dirty="0"/>
-              <a:t>: 1</a:t>
-            </a:r>
-            <a:r>
-              <a:rPr lang="ko-KR" altLang="en-US" dirty="0"/>
-              <a:t>초</a:t>
-            </a:r>
-            <a:endParaRPr lang="en-US" altLang="ko-KR" dirty="0"/>
-          </a:p>
-          <a:p>
-            <a:r>
-              <a:rPr lang="ko-KR" altLang="en-US" dirty="0" err="1"/>
-              <a:t>쿨타임</a:t>
-            </a:r>
-            <a:r>
-              <a:rPr lang="ko-KR" altLang="en-US" dirty="0"/>
-              <a:t> </a:t>
-            </a:r>
-            <a:r>
-              <a:rPr lang="en-US" altLang="ko-KR" dirty="0"/>
-              <a:t>: 1</a:t>
-            </a:r>
-            <a:r>
-              <a:rPr lang="ko-KR" altLang="en-US" dirty="0"/>
-              <a:t>초</a:t>
-            </a:r>
-            <a:endParaRPr lang="en-US" altLang="ko-KR" dirty="0"/>
-          </a:p>
-          <a:p>
-            <a:r>
-              <a:rPr lang="ko-KR" altLang="en-US" dirty="0"/>
-              <a:t>데미지 </a:t>
-            </a:r>
-            <a:r>
-              <a:rPr lang="en-US" altLang="ko-KR" dirty="0"/>
-              <a:t>: 1</a:t>
-            </a:r>
-          </a:p>
-          <a:p>
-            <a:r>
-              <a:rPr lang="ko-KR" altLang="en-US" dirty="0"/>
-              <a:t>에너지소모 </a:t>
-            </a:r>
-            <a:r>
-              <a:rPr lang="en-US" altLang="ko-KR" dirty="0"/>
-              <a:t>: 300 </a:t>
-            </a:r>
-          </a:p>
-          <a:p>
-            <a:r>
-              <a:rPr lang="ko-KR" altLang="en-US" dirty="0"/>
-              <a:t>피격범위 </a:t>
-            </a:r>
-            <a:r>
-              <a:rPr lang="en-US" altLang="ko-KR" dirty="0"/>
-              <a:t>: </a:t>
-            </a:r>
-            <a:r>
-              <a:rPr lang="ko-KR" altLang="en-US" dirty="0"/>
-              <a:t>적에게 일반공격으로 피격 시 무조건 데미지</a:t>
-            </a:r>
-          </a:p>
-        </p:txBody>
-      </p:sp>
-      <p:sp>
-        <p:nvSpPr>
-          <p:cNvPr id="18" name="화살표: 오른쪽 17"/>
-          <p:cNvSpPr/>
-          <p:nvPr/>
-        </p:nvSpPr>
-        <p:spPr>
-          <a:xfrm>
-            <a:off x="5582877" y="4755193"/>
-            <a:ext cx="797265" cy="471055"/>
-          </a:xfrm>
-          <a:prstGeom prst="rightArrow">
-            <a:avLst/>
-          </a:prstGeom>
-        </p:spPr>
-        <p:style>
-          <a:lnRef idx="2">
-            <a:schemeClr val="accent1">
-              <a:shade val="50000"/>
-            </a:schemeClr>
-          </a:lnRef>
-          <a:fillRef idx="1">
-            <a:schemeClr val="accent1"/>
-          </a:fillRef>
-          <a:effectRef idx="0">
-            <a:schemeClr val="accent1"/>
-          </a:effectRef>
-          <a:fontRef idx="minor">
-            <a:schemeClr val="lt1"/>
-          </a:fontRef>
-        </p:style>
-        <p:txBody>
-          <a:bodyPr rtlCol="0" anchor="ctr"/>
-          <a:lstStyle/>
-          <a:p>
-            <a:pPr algn="ctr"/>
-            <a:endParaRPr lang="ko-KR" altLang="en-US"/>
-          </a:p>
-        </p:txBody>
-      </p:sp>
-      <p:pic>
-        <p:nvPicPr>
-          <p:cNvPr id="8" name="그림 7"/>
-          <p:cNvPicPr>
-            <a:picLocks noChangeAspect="1"/>
-          </p:cNvPicPr>
-          <p:nvPr/>
-        </p:nvPicPr>
-        <p:blipFill>
-          <a:blip r:embed="rId9">
-            <a:extLst>
-              <a:ext uri="{BEBA8EAE-BF5A-486C-A8C5-ECC9F3942E4B}">
-                <a14:imgProps xmlns:a14="http://schemas.microsoft.com/office/drawing/2010/main">
-                  <a14:imgLayer r:embed="rId10">
-                    <a14:imgEffect>
-                      <a14:backgroundRemoval t="10000" b="90000" l="10000" r="90000"/>
-                    </a14:imgEffect>
-                  </a14:imgLayer>
-                </a14:imgProps>
-              </a:ext>
-              <a:ext uri="{28A0092B-C50C-407E-A947-70E740481C1C}">
-                <a14:useLocalDpi xmlns:a14="http://schemas.microsoft.com/office/drawing/2010/main" val="0"/>
-              </a:ext>
-            </a:extLst>
-          </a:blip>
-          <a:stretch>
-            <a:fillRect/>
-          </a:stretch>
-        </p:blipFill>
-        <p:spPr>
-          <a:xfrm>
-            <a:off x="3297849" y="4264427"/>
-            <a:ext cx="933511" cy="856634"/>
-          </a:xfrm>
-          <a:prstGeom prst="rect">
-            <a:avLst/>
-          </a:prstGeom>
-        </p:spPr>
-      </p:pic>
-    </p:spTree>
-    <p:extLst>
-      <p:ext uri="{BB962C8B-B14F-4D97-AF65-F5344CB8AC3E}">
-        <p14:creationId xmlns:p14="http://schemas.microsoft.com/office/powerpoint/2010/main" val="1185405845"/>
       </p:ext>
     </p:extLst>
   </p:cSld>
@@ -19123,6 +19209,663 @@
           <a:chExt cx="0" cy="0"/>
         </a:xfrm>
       </p:grpSpPr>
+      <p:pic>
+        <p:nvPicPr>
+          <p:cNvPr id="5122" name="Picture 2" descr="hit png에 대한 이미지 검색결과"/>
+          <p:cNvPicPr>
+            <a:picLocks noChangeAspect="1" noChangeArrowheads="1"/>
+          </p:cNvPicPr>
+          <p:nvPr/>
+        </p:nvPicPr>
+        <p:blipFill>
+          <a:blip r:embed="rId2">
+            <a:extLst>
+              <a:ext uri="{28A0092B-C50C-407E-A947-70E740481C1C}">
+                <a14:useLocalDpi xmlns:a14="http://schemas.microsoft.com/office/drawing/2010/main" val="0"/>
+              </a:ext>
+            </a:extLst>
+          </a:blip>
+          <a:srcRect/>
+          <a:stretch>
+            <a:fillRect/>
+          </a:stretch>
+        </p:blipFill>
+        <p:spPr bwMode="auto">
+          <a:xfrm>
+            <a:off x="7434743" y="4209442"/>
+            <a:ext cx="1586489" cy="1586489"/>
+          </a:xfrm>
+          <a:prstGeom prst="rect">
+            <a:avLst/>
+          </a:prstGeom>
+          <a:noFill/>
+          <a:extLst>
+            <a:ext uri="{909E8E84-426E-40DD-AFC4-6F175D3DCCD1}">
+              <a14:hiddenFill xmlns:a14="http://schemas.microsoft.com/office/drawing/2010/main">
+                <a:solidFill>
+                  <a:srgbClr val="FFFFFF"/>
+                </a:solidFill>
+              </a14:hiddenFill>
+            </a:ext>
+          </a:extLst>
+        </p:spPr>
+      </p:pic>
+      <p:sp>
+        <p:nvSpPr>
+          <p:cNvPr id="2" name="TextBox 1"/>
+          <p:cNvSpPr txBox="1"/>
+          <p:nvPr/>
+        </p:nvSpPr>
+        <p:spPr>
+          <a:xfrm>
+            <a:off x="763398" y="671119"/>
+            <a:ext cx="7816563" cy="369332"/>
+          </a:xfrm>
+          <a:prstGeom prst="rect">
+            <a:avLst/>
+          </a:prstGeom>
+          <a:noFill/>
+        </p:spPr>
+        <p:txBody>
+          <a:bodyPr wrap="none" rtlCol="0">
+            <a:spAutoFit/>
+          </a:bodyPr>
+          <a:lstStyle/>
+          <a:p>
+            <a:r>
+              <a:rPr lang="en-US" altLang="ko-KR" b="1" dirty="0"/>
+              <a:t>Heavy</a:t>
+            </a:r>
+            <a:r>
+              <a:rPr lang="ko-KR" altLang="en-US" b="1" dirty="0"/>
+              <a:t> 반격 스킬 </a:t>
+            </a:r>
+            <a:r>
+              <a:rPr lang="en-US" altLang="ko-KR" b="1" dirty="0"/>
+              <a:t>– </a:t>
+            </a:r>
+            <a:r>
+              <a:rPr lang="ko-KR" altLang="en-US" b="1" dirty="0"/>
+              <a:t>회피버튼 누를 경우 발동</a:t>
+            </a:r>
+            <a:r>
+              <a:rPr lang="en-US" altLang="ko-KR" b="1" dirty="0"/>
+              <a:t>(</a:t>
+            </a:r>
+            <a:r>
+              <a:rPr lang="ko-KR" altLang="en-US" b="1" dirty="0"/>
+              <a:t>회피가 없고 이 스킬이 나감</a:t>
+            </a:r>
+            <a:r>
+              <a:rPr lang="en-US" altLang="ko-KR" b="1" dirty="0"/>
+              <a:t>)</a:t>
+            </a:r>
+            <a:endParaRPr lang="ko-KR" altLang="en-US" b="1" dirty="0"/>
+          </a:p>
+        </p:txBody>
+      </p:sp>
+      <p:sp>
+        <p:nvSpPr>
+          <p:cNvPr id="5" name="직사각형 4"/>
+          <p:cNvSpPr/>
+          <p:nvPr/>
+        </p:nvSpPr>
+        <p:spPr>
+          <a:xfrm>
+            <a:off x="763398" y="1258929"/>
+            <a:ext cx="11262347" cy="646331"/>
+          </a:xfrm>
+          <a:prstGeom prst="rect">
+            <a:avLst/>
+          </a:prstGeom>
+        </p:spPr>
+        <p:txBody>
+          <a:bodyPr wrap="square">
+            <a:spAutoFit/>
+          </a:bodyPr>
+          <a:lstStyle/>
+          <a:p>
+            <a:r>
+              <a:rPr lang="ko-KR" altLang="en-US" dirty="0">
+                <a:solidFill>
+                  <a:srgbClr val="000000"/>
+                </a:solidFill>
+                <a:latin typeface="Arial" panose="020B0604020202020204" pitchFamily="34" charset="0"/>
+              </a:rPr>
+              <a:t>반격</a:t>
+            </a:r>
+            <a:r>
+              <a:rPr lang="en-US" altLang="ko-KR" dirty="0">
+                <a:solidFill>
+                  <a:srgbClr val="000000"/>
+                </a:solidFill>
+                <a:latin typeface="Arial" panose="020B0604020202020204" pitchFamily="34" charset="0"/>
+              </a:rPr>
+              <a:t>: 0.7</a:t>
+            </a:r>
+            <a:r>
+              <a:rPr lang="ko-KR" altLang="en-US" dirty="0">
+                <a:solidFill>
+                  <a:srgbClr val="000000"/>
+                </a:solidFill>
+                <a:latin typeface="Arial" panose="020B0604020202020204" pitchFamily="34" charset="0"/>
+              </a:rPr>
+              <a:t>초 동안 무적이 되고 이 무적시간 동안 적에게 일반공격으로 피격되면 역으로 데미지를 준다</a:t>
+            </a:r>
+            <a:r>
+              <a:rPr lang="en-US" altLang="ko-KR" dirty="0">
+                <a:solidFill>
+                  <a:srgbClr val="000000"/>
+                </a:solidFill>
+                <a:latin typeface="Arial" panose="020B0604020202020204" pitchFamily="34" charset="0"/>
+              </a:rPr>
+              <a:t>.</a:t>
+            </a:r>
+          </a:p>
+          <a:p>
+            <a:r>
+              <a:rPr lang="en-US" altLang="ko-KR" b="0" dirty="0">
+                <a:solidFill>
+                  <a:srgbClr val="000000"/>
+                </a:solidFill>
+                <a:effectLst/>
+                <a:latin typeface="Arial" panose="020B0604020202020204" pitchFamily="34" charset="0"/>
+              </a:rPr>
+              <a:t>(</a:t>
+            </a:r>
+            <a:r>
+              <a:rPr lang="ko-KR" altLang="en-US" b="0" dirty="0">
+                <a:solidFill>
+                  <a:srgbClr val="000000"/>
+                </a:solidFill>
+                <a:effectLst/>
+                <a:latin typeface="Arial" panose="020B0604020202020204" pitchFamily="34" charset="0"/>
+              </a:rPr>
+              <a:t>총</a:t>
+            </a:r>
+            <a:r>
+              <a:rPr lang="en-US" altLang="ko-KR" b="0" dirty="0">
+                <a:solidFill>
+                  <a:srgbClr val="000000"/>
+                </a:solidFill>
+                <a:effectLst/>
+                <a:latin typeface="Arial" panose="020B0604020202020204" pitchFamily="34" charset="0"/>
+              </a:rPr>
+              <a:t>, </a:t>
+            </a:r>
+            <a:r>
+              <a:rPr lang="ko-KR" altLang="en-US" b="0" dirty="0">
+                <a:solidFill>
+                  <a:srgbClr val="000000"/>
+                </a:solidFill>
+                <a:effectLst/>
+                <a:latin typeface="Arial" panose="020B0604020202020204" pitchFamily="34" charset="0"/>
+              </a:rPr>
+              <a:t>독가스 등은 반격해도 데미지는 줄 수 없다</a:t>
+            </a:r>
+            <a:r>
+              <a:rPr lang="en-US" altLang="ko-KR" b="0" dirty="0">
+                <a:solidFill>
+                  <a:srgbClr val="000000"/>
+                </a:solidFill>
+                <a:effectLst/>
+                <a:latin typeface="Arial" panose="020B0604020202020204" pitchFamily="34" charset="0"/>
+              </a:rPr>
+              <a:t>)</a:t>
+            </a:r>
+            <a:endParaRPr lang="ko-KR" altLang="en-US" b="0" dirty="0">
+              <a:effectLst/>
+            </a:endParaRPr>
+          </a:p>
+        </p:txBody>
+      </p:sp>
+      <p:pic>
+        <p:nvPicPr>
+          <p:cNvPr id="7" name="그림 6"/>
+          <p:cNvPicPr>
+            <a:picLocks noChangeAspect="1"/>
+          </p:cNvPicPr>
+          <p:nvPr/>
+        </p:nvPicPr>
+        <p:blipFill>
+          <a:blip r:embed="rId3">
+            <a:extLst>
+              <a:ext uri="{BEBA8EAE-BF5A-486C-A8C5-ECC9F3942E4B}">
+                <a14:imgProps xmlns:a14="http://schemas.microsoft.com/office/drawing/2010/main">
+                  <a14:imgLayer r:embed="rId4">
+                    <a14:imgEffect>
+                      <a14:backgroundRemoval t="10000" b="90000" l="10000" r="90000"/>
+                    </a14:imgEffect>
+                  </a14:imgLayer>
+                </a14:imgProps>
+              </a:ext>
+            </a:extLst>
+          </a:blip>
+          <a:stretch>
+            <a:fillRect/>
+          </a:stretch>
+        </p:blipFill>
+        <p:spPr>
+          <a:xfrm>
+            <a:off x="3414688" y="4258008"/>
+            <a:ext cx="1461654" cy="1461654"/>
+          </a:xfrm>
+          <a:prstGeom prst="rect">
+            <a:avLst/>
+          </a:prstGeom>
+        </p:spPr>
+      </p:pic>
+      <p:pic>
+        <p:nvPicPr>
+          <p:cNvPr id="10" name="그림 9"/>
+          <p:cNvPicPr>
+            <a:picLocks noChangeAspect="1"/>
+          </p:cNvPicPr>
+          <p:nvPr/>
+        </p:nvPicPr>
+        <p:blipFill>
+          <a:blip r:embed="rId5">
+            <a:extLst>
+              <a:ext uri="{BEBA8EAE-BF5A-486C-A8C5-ECC9F3942E4B}">
+                <a14:imgProps xmlns:a14="http://schemas.microsoft.com/office/drawing/2010/main">
+                  <a14:imgLayer r:embed="rId6">
+                    <a14:imgEffect>
+                      <a14:backgroundRemoval t="10000" b="90000" l="10000" r="90000">
+                        <a14:foregroundMark x1="35547" y1="47266" x2="40234" y2="56250"/>
+                        <a14:foregroundMark x1="54297" y1="43359" x2="50000" y2="53125"/>
+                      </a14:backgroundRemoval>
+                    </a14:imgEffect>
+                  </a14:imgLayer>
+                </a14:imgProps>
+              </a:ext>
+            </a:extLst>
+          </a:blip>
+          <a:stretch>
+            <a:fillRect/>
+          </a:stretch>
+        </p:blipFill>
+        <p:spPr>
+          <a:xfrm rot="20466190" flipH="1">
+            <a:off x="6572886" y="4321435"/>
+            <a:ext cx="1340100" cy="1340100"/>
+          </a:xfrm>
+          <a:prstGeom prst="rect">
+            <a:avLst/>
+          </a:prstGeom>
+        </p:spPr>
+      </p:pic>
+      <p:pic>
+        <p:nvPicPr>
+          <p:cNvPr id="11" name="Picture 6" descr="hit png에 대한 이미지 검색결과"/>
+          <p:cNvPicPr>
+            <a:picLocks noChangeAspect="1" noChangeArrowheads="1"/>
+          </p:cNvPicPr>
+          <p:nvPr/>
+        </p:nvPicPr>
+        <p:blipFill>
+          <a:blip r:embed="rId7">
+            <a:extLst>
+              <a:ext uri="{28A0092B-C50C-407E-A947-70E740481C1C}">
+                <a14:useLocalDpi xmlns:a14="http://schemas.microsoft.com/office/drawing/2010/main" val="0"/>
+              </a:ext>
+            </a:extLst>
+          </a:blip>
+          <a:srcRect/>
+          <a:stretch>
+            <a:fillRect/>
+          </a:stretch>
+        </p:blipFill>
+        <p:spPr bwMode="auto">
+          <a:xfrm>
+            <a:off x="7499124" y="4553739"/>
+            <a:ext cx="442929" cy="457103"/>
+          </a:xfrm>
+          <a:prstGeom prst="rect">
+            <a:avLst/>
+          </a:prstGeom>
+          <a:noFill/>
+          <a:extLst>
+            <a:ext uri="{909E8E84-426E-40DD-AFC4-6F175D3DCCD1}">
+              <a14:hiddenFill xmlns:a14="http://schemas.microsoft.com/office/drawing/2010/main">
+                <a:solidFill>
+                  <a:srgbClr val="FFFFFF"/>
+                </a:solidFill>
+              </a14:hiddenFill>
+            </a:ext>
+          </a:extLst>
+        </p:spPr>
+      </p:pic>
+      <p:pic>
+        <p:nvPicPr>
+          <p:cNvPr id="9" name="그림 8"/>
+          <p:cNvPicPr>
+            <a:picLocks noChangeAspect="1"/>
+          </p:cNvPicPr>
+          <p:nvPr/>
+        </p:nvPicPr>
+        <p:blipFill>
+          <a:blip r:embed="rId3">
+            <a:extLst>
+              <a:ext uri="{BEBA8EAE-BF5A-486C-A8C5-ECC9F3942E4B}">
+                <a14:imgProps xmlns:a14="http://schemas.microsoft.com/office/drawing/2010/main">
+                  <a14:imgLayer r:embed="rId4">
+                    <a14:imgEffect>
+                      <a14:backgroundRemoval t="10000" b="90000" l="10000" r="90000"/>
+                    </a14:imgEffect>
+                  </a14:imgLayer>
+                </a14:imgProps>
+              </a:ext>
+            </a:extLst>
+          </a:blip>
+          <a:stretch>
+            <a:fillRect/>
+          </a:stretch>
+        </p:blipFill>
+        <p:spPr>
+          <a:xfrm>
+            <a:off x="7497161" y="4260658"/>
+            <a:ext cx="1461654" cy="1461654"/>
+          </a:xfrm>
+          <a:prstGeom prst="rect">
+            <a:avLst/>
+          </a:prstGeom>
+        </p:spPr>
+      </p:pic>
+      <p:grpSp>
+        <p:nvGrpSpPr>
+          <p:cNvPr id="3" name="그룹 2"/>
+          <p:cNvGrpSpPr/>
+          <p:nvPr/>
+        </p:nvGrpSpPr>
+        <p:grpSpPr>
+          <a:xfrm>
+            <a:off x="1923023" y="3756359"/>
+            <a:ext cx="1444502" cy="1759219"/>
+            <a:chOff x="1923023" y="3485538"/>
+            <a:chExt cx="1444502" cy="1759219"/>
+          </a:xfrm>
+        </p:grpSpPr>
+        <p:pic>
+          <p:nvPicPr>
+            <p:cNvPr id="15" name="Picture 2" descr="boost png에 대한 이미지 검색결과"/>
+            <p:cNvPicPr>
+              <a:picLocks noChangeAspect="1" noChangeArrowheads="1"/>
+            </p:cNvPicPr>
+            <p:nvPr/>
+          </p:nvPicPr>
+          <p:blipFill>
+            <a:blip r:embed="rId8">
+              <a:extLst>
+                <a:ext uri="{28A0092B-C50C-407E-A947-70E740481C1C}">
+                  <a14:useLocalDpi xmlns:a14="http://schemas.microsoft.com/office/drawing/2010/main" val="0"/>
+                </a:ext>
+              </a:extLst>
+            </a:blip>
+            <a:srcRect/>
+            <a:stretch>
+              <a:fillRect/>
+            </a:stretch>
+          </p:blipFill>
+          <p:spPr bwMode="auto">
+            <a:xfrm rot="18887126">
+              <a:off x="1726775" y="3681786"/>
+              <a:ext cx="1759219" cy="1366724"/>
+            </a:xfrm>
+            <a:prstGeom prst="rect">
+              <a:avLst/>
+            </a:prstGeom>
+            <a:noFill/>
+            <a:extLst>
+              <a:ext uri="{909E8E84-426E-40DD-AFC4-6F175D3DCCD1}">
+                <a14:hiddenFill xmlns:a14="http://schemas.microsoft.com/office/drawing/2010/main">
+                  <a:solidFill>
+                    <a:srgbClr val="FFFFFF"/>
+                  </a:solidFill>
+                </a14:hiddenFill>
+              </a:ext>
+            </a:extLst>
+          </p:spPr>
+        </p:pic>
+        <p:pic>
+          <p:nvPicPr>
+            <p:cNvPr id="12" name="그림 11"/>
+            <p:cNvPicPr>
+              <a:picLocks noChangeAspect="1"/>
+            </p:cNvPicPr>
+            <p:nvPr/>
+          </p:nvPicPr>
+          <p:blipFill>
+            <a:blip r:embed="rId5">
+              <a:extLst>
+                <a:ext uri="{BEBA8EAE-BF5A-486C-A8C5-ECC9F3942E4B}">
+                  <a14:imgProps xmlns:a14="http://schemas.microsoft.com/office/drawing/2010/main">
+                    <a14:imgLayer r:embed="rId6">
+                      <a14:imgEffect>
+                        <a14:backgroundRemoval t="10000" b="90000" l="10000" r="90000">
+                          <a14:foregroundMark x1="35547" y1="47266" x2="40234" y2="56250"/>
+                          <a14:foregroundMark x1="54297" y1="43359" x2="50000" y2="53125"/>
+                        </a14:backgroundRemoval>
+                      </a14:imgEffect>
+                    </a14:imgLayer>
+                  </a14:imgProps>
+                </a:ext>
+              </a:extLst>
+            </a:blip>
+            <a:stretch>
+              <a:fillRect/>
+            </a:stretch>
+          </p:blipFill>
+          <p:spPr>
+            <a:xfrm rot="3205414" flipH="1">
+              <a:off x="2027425" y="3841419"/>
+              <a:ext cx="1340100" cy="1340100"/>
+            </a:xfrm>
+            <a:prstGeom prst="rect">
+              <a:avLst/>
+            </a:prstGeom>
+          </p:spPr>
+        </p:pic>
+      </p:grpSp>
+      <p:sp>
+        <p:nvSpPr>
+          <p:cNvPr id="17" name="TextBox 16"/>
+          <p:cNvSpPr txBox="1"/>
+          <p:nvPr/>
+        </p:nvSpPr>
+        <p:spPr>
+          <a:xfrm>
+            <a:off x="1864562" y="2279031"/>
+            <a:ext cx="5886548" cy="1477328"/>
+          </a:xfrm>
+          <a:prstGeom prst="rect">
+            <a:avLst/>
+          </a:prstGeom>
+          <a:noFill/>
+        </p:spPr>
+        <p:txBody>
+          <a:bodyPr wrap="none" rtlCol="0">
+            <a:spAutoFit/>
+          </a:bodyPr>
+          <a:lstStyle/>
+          <a:p>
+            <a:r>
+              <a:rPr lang="ko-KR" altLang="en-US" dirty="0"/>
+              <a:t>무적시간 </a:t>
+            </a:r>
+            <a:r>
+              <a:rPr lang="en-US" altLang="ko-KR" dirty="0"/>
+              <a:t>: 1</a:t>
+            </a:r>
+            <a:r>
+              <a:rPr lang="ko-KR" altLang="en-US" dirty="0"/>
+              <a:t>초</a:t>
+            </a:r>
+            <a:endParaRPr lang="en-US" altLang="ko-KR" dirty="0"/>
+          </a:p>
+          <a:p>
+            <a:r>
+              <a:rPr lang="ko-KR" altLang="en-US" dirty="0" err="1"/>
+              <a:t>쿨타임</a:t>
+            </a:r>
+            <a:r>
+              <a:rPr lang="ko-KR" altLang="en-US" dirty="0"/>
+              <a:t> </a:t>
+            </a:r>
+            <a:r>
+              <a:rPr lang="en-US" altLang="ko-KR" dirty="0"/>
+              <a:t>: 1</a:t>
+            </a:r>
+            <a:r>
+              <a:rPr lang="ko-KR" altLang="en-US" dirty="0"/>
+              <a:t>초</a:t>
+            </a:r>
+            <a:endParaRPr lang="en-US" altLang="ko-KR" dirty="0"/>
+          </a:p>
+          <a:p>
+            <a:r>
+              <a:rPr lang="ko-KR" altLang="en-US" dirty="0"/>
+              <a:t>데미지 </a:t>
+            </a:r>
+            <a:r>
+              <a:rPr lang="en-US" altLang="ko-KR" dirty="0"/>
+              <a:t>: 1</a:t>
+            </a:r>
+          </a:p>
+          <a:p>
+            <a:r>
+              <a:rPr lang="ko-KR" altLang="en-US" dirty="0"/>
+              <a:t>에너지소모 </a:t>
+            </a:r>
+            <a:r>
+              <a:rPr lang="en-US" altLang="ko-KR" dirty="0"/>
+              <a:t>: 300 </a:t>
+            </a:r>
+          </a:p>
+          <a:p>
+            <a:r>
+              <a:rPr lang="ko-KR" altLang="en-US" dirty="0"/>
+              <a:t>피격범위 </a:t>
+            </a:r>
+            <a:r>
+              <a:rPr lang="en-US" altLang="ko-KR" dirty="0"/>
+              <a:t>: </a:t>
+            </a:r>
+            <a:r>
+              <a:rPr lang="ko-KR" altLang="en-US" dirty="0"/>
+              <a:t>적에게 일반공격으로 피격 시 무조건 데미지</a:t>
+            </a:r>
+          </a:p>
+        </p:txBody>
+      </p:sp>
+      <p:sp>
+        <p:nvSpPr>
+          <p:cNvPr id="18" name="화살표: 오른쪽 17"/>
+          <p:cNvSpPr/>
+          <p:nvPr/>
+        </p:nvSpPr>
+        <p:spPr>
+          <a:xfrm>
+            <a:off x="5582877" y="4755193"/>
+            <a:ext cx="797265" cy="471055"/>
+          </a:xfrm>
+          <a:prstGeom prst="rightArrow">
+            <a:avLst/>
+          </a:prstGeom>
+        </p:spPr>
+        <p:style>
+          <a:lnRef idx="2">
+            <a:schemeClr val="accent1">
+              <a:shade val="50000"/>
+            </a:schemeClr>
+          </a:lnRef>
+          <a:fillRef idx="1">
+            <a:schemeClr val="accent1"/>
+          </a:fillRef>
+          <a:effectRef idx="0">
+            <a:schemeClr val="accent1"/>
+          </a:effectRef>
+          <a:fontRef idx="minor">
+            <a:schemeClr val="lt1"/>
+          </a:fontRef>
+        </p:style>
+        <p:txBody>
+          <a:bodyPr rtlCol="0" anchor="ctr"/>
+          <a:lstStyle/>
+          <a:p>
+            <a:pPr algn="ctr"/>
+            <a:endParaRPr lang="ko-KR" altLang="en-US"/>
+          </a:p>
+        </p:txBody>
+      </p:sp>
+      <p:pic>
+        <p:nvPicPr>
+          <p:cNvPr id="8" name="그림 7"/>
+          <p:cNvPicPr>
+            <a:picLocks noChangeAspect="1"/>
+          </p:cNvPicPr>
+          <p:nvPr/>
+        </p:nvPicPr>
+        <p:blipFill>
+          <a:blip r:embed="rId9">
+            <a:extLst>
+              <a:ext uri="{BEBA8EAE-BF5A-486C-A8C5-ECC9F3942E4B}">
+                <a14:imgProps xmlns:a14="http://schemas.microsoft.com/office/drawing/2010/main">
+                  <a14:imgLayer r:embed="rId10">
+                    <a14:imgEffect>
+                      <a14:backgroundRemoval t="10000" b="90000" l="10000" r="90000"/>
+                    </a14:imgEffect>
+                  </a14:imgLayer>
+                </a14:imgProps>
+              </a:ext>
+              <a:ext uri="{28A0092B-C50C-407E-A947-70E740481C1C}">
+                <a14:useLocalDpi xmlns:a14="http://schemas.microsoft.com/office/drawing/2010/main" val="0"/>
+              </a:ext>
+            </a:extLst>
+          </a:blip>
+          <a:stretch>
+            <a:fillRect/>
+          </a:stretch>
+        </p:blipFill>
+        <p:spPr>
+          <a:xfrm>
+            <a:off x="3297849" y="4264427"/>
+            <a:ext cx="933511" cy="856634"/>
+          </a:xfrm>
+          <a:prstGeom prst="rect">
+            <a:avLst/>
+          </a:prstGeom>
+        </p:spPr>
+      </p:pic>
+    </p:spTree>
+    <p:extLst>
+      <p:ext uri="{BB962C8B-B14F-4D97-AF65-F5344CB8AC3E}">
+        <p14:creationId xmlns:p14="http://schemas.microsoft.com/office/powerpoint/2010/main" val="1185405845"/>
+      </p:ext>
+    </p:extLst>
+  </p:cSld>
+  <p:clrMapOvr>
+    <a:masterClrMapping/>
+  </p:clrMapOvr>
+</p:sld>
+</file>
+
+<file path=ppt/slides/slide29.xml><?xml version="1.0" encoding="utf-8"?>
+<p:sld xmlns:a="http://schemas.openxmlformats.org/drawingml/2006/main" xmlns:r="http://schemas.openxmlformats.org/officeDocument/2006/relationships" xmlns:p="http://schemas.openxmlformats.org/presentationml/2006/main">
+  <p:cSld>
+    <p:spTree>
+      <p:nvGrpSpPr>
+        <p:cNvPr id="1" name=""/>
+        <p:cNvGrpSpPr/>
+        <p:nvPr/>
+      </p:nvGrpSpPr>
+      <p:grpSpPr>
+        <a:xfrm>
+          <a:off x="0" y="0"/>
+          <a:ext cx="0" cy="0"/>
+          <a:chOff x="0" y="0"/>
+          <a:chExt cx="0" cy="0"/>
+        </a:xfrm>
+      </p:grpSpPr>
       <p:sp>
         <p:nvSpPr>
           <p:cNvPr id="11" name="직사각형 10"/>
@@ -19806,7 +20549,7 @@
           </a:ln>
           <a:extLst>
             <a:ext uri="{C572A759-6A51-4108-AA02-DFA0A04FC94B}">
-              <ma14:wrappingTextBoxFlag xmlns="" xmlns:ma14="http://schemas.microsoft.com/office/mac/drawingml/2011/main" val="1"/>
+              <ma14:wrappingTextBoxFlag xmlns:ma14="http://schemas.microsoft.com/office/mac/drawingml/2011/main" xmlns="" val="1"/>
             </a:ext>
           </a:extLst>
         </p:spPr>
@@ -19949,7 +20692,7 @@
           </a:effectLst>
           <a:extLst>
             <a:ext uri="{C572A759-6A51-4108-AA02-DFA0A04FC94B}">
-              <ma14:wrappingTextBoxFlag xmlns="" xmlns:ma14="http://schemas.microsoft.com/office/mac/drawingml/2011/main" val="1"/>
+              <ma14:wrappingTextBoxFlag xmlns:ma14="http://schemas.microsoft.com/office/mac/drawingml/2011/main" xmlns="" val="1"/>
             </a:ext>
           </a:extLst>
         </p:spPr>
@@ -20002,7 +20745,7 @@
           </a:effectLst>
           <a:extLst>
             <a:ext uri="{C572A759-6A51-4108-AA02-DFA0A04FC94B}">
-              <ma14:wrappingTextBoxFlag xmlns="" xmlns:ma14="http://schemas.microsoft.com/office/mac/drawingml/2011/main" val="1"/>
+              <ma14:wrappingTextBoxFlag xmlns:ma14="http://schemas.microsoft.com/office/mac/drawingml/2011/main" xmlns="" val="1"/>
             </a:ext>
           </a:extLst>
         </p:spPr>
@@ -20055,7 +20798,7 @@
           </a:effectLst>
           <a:extLst>
             <a:ext uri="{C572A759-6A51-4108-AA02-DFA0A04FC94B}">
-              <ma14:wrappingTextBoxFlag xmlns="" xmlns:ma14="http://schemas.microsoft.com/office/mac/drawingml/2011/main" val="1"/>
+              <ma14:wrappingTextBoxFlag xmlns:ma14="http://schemas.microsoft.com/office/mac/drawingml/2011/main" xmlns="" val="1"/>
             </a:ext>
           </a:extLst>
         </p:spPr>
@@ -20107,7 +20850,7 @@
           </a:effectLst>
           <a:extLst>
             <a:ext uri="{C572A759-6A51-4108-AA02-DFA0A04FC94B}">
-              <ma14:wrappingTextBoxFlag xmlns="" xmlns:ma14="http://schemas.microsoft.com/office/mac/drawingml/2011/main" val="1"/>
+              <ma14:wrappingTextBoxFlag xmlns:ma14="http://schemas.microsoft.com/office/mac/drawingml/2011/main" xmlns="" val="1"/>
             </a:ext>
           </a:extLst>
         </p:spPr>
@@ -20160,7 +20903,7 @@
           </a:effectLst>
           <a:extLst>
             <a:ext uri="{C572A759-6A51-4108-AA02-DFA0A04FC94B}">
-              <ma14:wrappingTextBoxFlag xmlns="" xmlns:ma14="http://schemas.microsoft.com/office/mac/drawingml/2011/main" val="1"/>
+              <ma14:wrappingTextBoxFlag xmlns:ma14="http://schemas.microsoft.com/office/mac/drawingml/2011/main" xmlns="" val="1"/>
             </a:ext>
           </a:extLst>
         </p:spPr>
@@ -20209,7 +20952,7 @@
           </a:ln>
           <a:extLst>
             <a:ext uri="{C572A759-6A51-4108-AA02-DFA0A04FC94B}">
-              <ma14:wrappingTextBoxFlag xmlns="" xmlns:ma14="http://schemas.microsoft.com/office/mac/drawingml/2011/main" val="1"/>
+              <ma14:wrappingTextBoxFlag xmlns:ma14="http://schemas.microsoft.com/office/mac/drawingml/2011/main" xmlns="" val="1"/>
             </a:ext>
           </a:extLst>
         </p:spPr>
@@ -20266,7 +21009,7 @@
           </a:ln>
           <a:extLst>
             <a:ext uri="{C572A759-6A51-4108-AA02-DFA0A04FC94B}">
-              <ma14:wrappingTextBoxFlag xmlns="" xmlns:ma14="http://schemas.microsoft.com/office/mac/drawingml/2011/main" val="1"/>
+              <ma14:wrappingTextBoxFlag xmlns:ma14="http://schemas.microsoft.com/office/mac/drawingml/2011/main" xmlns="" val="1"/>
             </a:ext>
           </a:extLst>
         </p:spPr>
@@ -20322,7 +21065,7 @@
           </a:ln>
           <a:extLst>
             <a:ext uri="{C572A759-6A51-4108-AA02-DFA0A04FC94B}">
-              <ma14:wrappingTextBoxFlag xmlns="" xmlns:ma14="http://schemas.microsoft.com/office/mac/drawingml/2011/main" val="1"/>
+              <ma14:wrappingTextBoxFlag xmlns:ma14="http://schemas.microsoft.com/office/mac/drawingml/2011/main" xmlns="" val="1"/>
             </a:ext>
           </a:extLst>
         </p:spPr>
@@ -20392,7 +21135,7 @@
           </a:ln>
           <a:extLst>
             <a:ext uri="{C572A759-6A51-4108-AA02-DFA0A04FC94B}">
-              <ma14:wrappingTextBoxFlag xmlns="" xmlns:ma14="http://schemas.microsoft.com/office/mac/drawingml/2011/main" val="1"/>
+              <ma14:wrappingTextBoxFlag xmlns:ma14="http://schemas.microsoft.com/office/mac/drawingml/2011/main" xmlns="" val="1"/>
             </a:ext>
           </a:extLst>
         </p:spPr>
@@ -20636,7 +21379,7 @@
           </a:ln>
           <a:extLst>
             <a:ext uri="{C572A759-6A51-4108-AA02-DFA0A04FC94B}">
-              <ma14:wrappingTextBoxFlag xmlns="" xmlns:ma14="http://schemas.microsoft.com/office/mac/drawingml/2011/main" val="1"/>
+              <ma14:wrappingTextBoxFlag xmlns:ma14="http://schemas.microsoft.com/office/mac/drawingml/2011/main" xmlns="" val="1"/>
             </a:ext>
           </a:extLst>
         </p:spPr>
@@ -22801,7 +23544,7 @@
             </a:ln>
             <a:extLst>
               <a:ext uri="{C572A759-6A51-4108-AA02-DFA0A04FC94B}">
-                <ma14:wrappingTextBoxFlag xmlns="" xmlns:ma14="http://schemas.microsoft.com/office/mac/drawingml/2011/main" val="1"/>
+                <ma14:wrappingTextBoxFlag xmlns:ma14="http://schemas.microsoft.com/office/mac/drawingml/2011/main" xmlns="" val="1"/>
               </a:ext>
             </a:extLst>
           </p:spPr>
@@ -22845,7 +23588,7 @@
             </a:ln>
             <a:extLst>
               <a:ext uri="{C572A759-6A51-4108-AA02-DFA0A04FC94B}">
-                <ma14:wrappingTextBoxFlag xmlns="" xmlns:ma14="http://schemas.microsoft.com/office/mac/drawingml/2011/main" val="1"/>
+                <ma14:wrappingTextBoxFlag xmlns:ma14="http://schemas.microsoft.com/office/mac/drawingml/2011/main" xmlns="" val="1"/>
               </a:ext>
             </a:extLst>
           </p:spPr>
@@ -22889,7 +23632,7 @@
             </a:ln>
             <a:extLst>
               <a:ext uri="{C572A759-6A51-4108-AA02-DFA0A04FC94B}">
-                <ma14:wrappingTextBoxFlag xmlns="" xmlns:ma14="http://schemas.microsoft.com/office/mac/drawingml/2011/main" val="1"/>
+                <ma14:wrappingTextBoxFlag xmlns:ma14="http://schemas.microsoft.com/office/mac/drawingml/2011/main" xmlns="" val="1"/>
               </a:ext>
             </a:extLst>
           </p:spPr>
@@ -23050,7 +23793,7 @@
             </a:effectLst>
             <a:extLst>
               <a:ext uri="{C572A759-6A51-4108-AA02-DFA0A04FC94B}">
-                <ma14:wrappingTextBoxFlag xmlns="" xmlns:ma14="http://schemas.microsoft.com/office/mac/drawingml/2011/main" val="1"/>
+                <ma14:wrappingTextBoxFlag xmlns:ma14="http://schemas.microsoft.com/office/mac/drawingml/2011/main" xmlns="" val="1"/>
               </a:ext>
             </a:extLst>
           </p:spPr>
@@ -23110,7 +23853,7 @@
             </a:effectLst>
             <a:extLst>
               <a:ext uri="{C572A759-6A51-4108-AA02-DFA0A04FC94B}">
-                <ma14:wrappingTextBoxFlag xmlns="" xmlns:ma14="http://schemas.microsoft.com/office/mac/drawingml/2011/main" val="1"/>
+                <ma14:wrappingTextBoxFlag xmlns:ma14="http://schemas.microsoft.com/office/mac/drawingml/2011/main" xmlns="" val="1"/>
               </a:ext>
             </a:extLst>
           </p:spPr>
@@ -23165,7 +23908,7 @@
             </a:effectLst>
             <a:extLst>
               <a:ext uri="{C572A759-6A51-4108-AA02-DFA0A04FC94B}">
-                <ma14:wrappingTextBoxFlag xmlns="" xmlns:ma14="http://schemas.microsoft.com/office/mac/drawingml/2011/main" val="1"/>
+                <ma14:wrappingTextBoxFlag xmlns:ma14="http://schemas.microsoft.com/office/mac/drawingml/2011/main" xmlns="" val="1"/>
               </a:ext>
             </a:extLst>
           </p:spPr>
@@ -23209,7 +23952,7 @@
             </a:ln>
             <a:extLst>
               <a:ext uri="{C572A759-6A51-4108-AA02-DFA0A04FC94B}">
-                <ma14:wrappingTextBoxFlag xmlns="" xmlns:ma14="http://schemas.microsoft.com/office/mac/drawingml/2011/main" val="1"/>
+                <ma14:wrappingTextBoxFlag xmlns:ma14="http://schemas.microsoft.com/office/mac/drawingml/2011/main" xmlns="" val="1"/>
               </a:ext>
             </a:extLst>
           </p:spPr>
@@ -23404,7 +24147,7 @@
             </a:effectLst>
             <a:extLst>
               <a:ext uri="{C572A759-6A51-4108-AA02-DFA0A04FC94B}">
-                <ma14:wrappingTextBoxFlag xmlns="" xmlns:ma14="http://schemas.microsoft.com/office/mac/drawingml/2011/main" val="1"/>
+                <ma14:wrappingTextBoxFlag xmlns:ma14="http://schemas.microsoft.com/office/mac/drawingml/2011/main" xmlns="" val="1"/>
               </a:ext>
             </a:extLst>
           </p:spPr>
@@ -24748,7 +25491,7 @@
             </a:effectLst>
             <a:extLst>
               <a:ext uri="{C572A759-6A51-4108-AA02-DFA0A04FC94B}">
-                <ma14:wrappingTextBoxFlag xmlns="" xmlns:ma14="http://schemas.microsoft.com/office/mac/drawingml/2011/main" val="1"/>
+                <ma14:wrappingTextBoxFlag xmlns:ma14="http://schemas.microsoft.com/office/mac/drawingml/2011/main" xmlns="" val="1"/>
               </a:ext>
             </a:extLst>
           </p:spPr>
@@ -24802,7 +25545,7 @@
             </a:effectLst>
             <a:extLst>
               <a:ext uri="{C572A759-6A51-4108-AA02-DFA0A04FC94B}">
-                <ma14:wrappingTextBoxFlag xmlns="" xmlns:ma14="http://schemas.microsoft.com/office/mac/drawingml/2011/main" val="1"/>
+                <ma14:wrappingTextBoxFlag xmlns:ma14="http://schemas.microsoft.com/office/mac/drawingml/2011/main" xmlns="" val="1"/>
               </a:ext>
             </a:extLst>
           </p:spPr>
@@ -24856,7 +25599,7 @@
             </a:effectLst>
             <a:extLst>
               <a:ext uri="{C572A759-6A51-4108-AA02-DFA0A04FC94B}">
-                <ma14:wrappingTextBoxFlag xmlns="" xmlns:ma14="http://schemas.microsoft.com/office/mac/drawingml/2011/main" val="1"/>
+                <ma14:wrappingTextBoxFlag xmlns:ma14="http://schemas.microsoft.com/office/mac/drawingml/2011/main" xmlns="" val="1"/>
               </a:ext>
             </a:extLst>
           </p:spPr>
@@ -24900,7 +25643,7 @@
             </a:ln>
             <a:extLst>
               <a:ext uri="{C572A759-6A51-4108-AA02-DFA0A04FC94B}">
-                <ma14:wrappingTextBoxFlag xmlns="" xmlns:ma14="http://schemas.microsoft.com/office/mac/drawingml/2011/main" val="1"/>
+                <ma14:wrappingTextBoxFlag xmlns:ma14="http://schemas.microsoft.com/office/mac/drawingml/2011/main" xmlns="" val="1"/>
               </a:ext>
             </a:extLst>
           </p:spPr>
@@ -25038,7 +25781,7 @@
             </a:ln>
             <a:extLst>
               <a:ext uri="{C572A759-6A51-4108-AA02-DFA0A04FC94B}">
-                <ma14:wrappingTextBoxFlag xmlns="" xmlns:ma14="http://schemas.microsoft.com/office/mac/drawingml/2011/main" val="1"/>
+                <ma14:wrappingTextBoxFlag xmlns:ma14="http://schemas.microsoft.com/office/mac/drawingml/2011/main" xmlns="" val="1"/>
               </a:ext>
             </a:extLst>
           </p:spPr>
@@ -25091,7 +25834,7 @@
             </a:ln>
             <a:extLst>
               <a:ext uri="{C572A759-6A51-4108-AA02-DFA0A04FC94B}">
-                <ma14:wrappingTextBoxFlag xmlns="" xmlns:ma14="http://schemas.microsoft.com/office/mac/drawingml/2011/main" val="1"/>
+                <ma14:wrappingTextBoxFlag xmlns:ma14="http://schemas.microsoft.com/office/mac/drawingml/2011/main" xmlns="" val="1"/>
               </a:ext>
             </a:extLst>
           </p:spPr>
@@ -25160,7 +25903,7 @@
             </a:ln>
             <a:extLst>
               <a:ext uri="{C572A759-6A51-4108-AA02-DFA0A04FC94B}">
-                <ma14:wrappingTextBoxFlag xmlns="" xmlns:ma14="http://schemas.microsoft.com/office/mac/drawingml/2011/main" val="1"/>
+                <ma14:wrappingTextBoxFlag xmlns:ma14="http://schemas.microsoft.com/office/mac/drawingml/2011/main" xmlns="" val="1"/>
               </a:ext>
             </a:extLst>
           </p:spPr>
@@ -25301,7 +26044,7 @@
             </a:ln>
             <a:extLst>
               <a:ext uri="{C572A759-6A51-4108-AA02-DFA0A04FC94B}">
-                <ma14:wrappingTextBoxFlag xmlns="" xmlns:ma14="http://schemas.microsoft.com/office/mac/drawingml/2011/main" val="1"/>
+                <ma14:wrappingTextBoxFlag xmlns:ma14="http://schemas.microsoft.com/office/mac/drawingml/2011/main" xmlns="" val="1"/>
               </a:ext>
             </a:extLst>
           </p:spPr>
@@ -25490,7 +26233,7 @@
             </a:ln>
             <a:extLst>
               <a:ext uri="{C572A759-6A51-4108-AA02-DFA0A04FC94B}">
-                <ma14:wrappingTextBoxFlag xmlns="" xmlns:ma14="http://schemas.microsoft.com/office/mac/drawingml/2011/main" val="1"/>
+                <ma14:wrappingTextBoxFlag xmlns:ma14="http://schemas.microsoft.com/office/mac/drawingml/2011/main" xmlns="" val="1"/>
               </a:ext>
             </a:extLst>
           </p:spPr>
@@ -25558,7 +26301,7 @@
             </a:effectLst>
             <a:extLst>
               <a:ext uri="{C572A759-6A51-4108-AA02-DFA0A04FC94B}">
-                <ma14:wrappingTextBoxFlag xmlns="" xmlns:ma14="http://schemas.microsoft.com/office/mac/drawingml/2011/main" val="1"/>
+                <ma14:wrappingTextBoxFlag xmlns:ma14="http://schemas.microsoft.com/office/mac/drawingml/2011/main" xmlns="" val="1"/>
               </a:ext>
             </a:extLst>
           </p:spPr>
@@ -25612,7 +26355,7 @@
             </a:effectLst>
             <a:extLst>
               <a:ext uri="{C572A759-6A51-4108-AA02-DFA0A04FC94B}">
-                <ma14:wrappingTextBoxFlag xmlns="" xmlns:ma14="http://schemas.microsoft.com/office/mac/drawingml/2011/main" val="1"/>
+                <ma14:wrappingTextBoxFlag xmlns:ma14="http://schemas.microsoft.com/office/mac/drawingml/2011/main" xmlns="" val="1"/>
               </a:ext>
             </a:extLst>
           </p:spPr>
@@ -25668,7 +26411,7 @@
             </a:effectLst>
             <a:extLst>
               <a:ext uri="{C572A759-6A51-4108-AA02-DFA0A04FC94B}">
-                <ma14:wrappingTextBoxFlag xmlns="" xmlns:ma14="http://schemas.microsoft.com/office/mac/drawingml/2011/main" val="1"/>
+                <ma14:wrappingTextBoxFlag xmlns:ma14="http://schemas.microsoft.com/office/mac/drawingml/2011/main" xmlns="" val="1"/>
               </a:ext>
             </a:extLst>
           </p:spPr>
